--- a/JavaLecture/LectureFile/java 5강.pptx
+++ b/JavaLecture/LectureFile/java 5강.pptx
@@ -5,7 +5,7 @@
     <p:sldMasterId id="2147483648" r:id="rId1"/>
   </p:sldMasterIdLst>
   <p:notesMasterIdLst>
-    <p:notesMasterId r:id="rId44"/>
+    <p:notesMasterId r:id="rId45"/>
   </p:notesMasterIdLst>
   <p:sldIdLst>
     <p:sldId id="257" r:id="rId2"/>
@@ -23,33 +23,34 @@
     <p:sldId id="508" r:id="rId14"/>
     <p:sldId id="509" r:id="rId15"/>
     <p:sldId id="510" r:id="rId16"/>
-    <p:sldId id="511" r:id="rId17"/>
-    <p:sldId id="512" r:id="rId18"/>
-    <p:sldId id="514" r:id="rId19"/>
-    <p:sldId id="513" r:id="rId20"/>
-    <p:sldId id="515" r:id="rId21"/>
-    <p:sldId id="465" r:id="rId22"/>
-    <p:sldId id="484" r:id="rId23"/>
-    <p:sldId id="485" r:id="rId24"/>
-    <p:sldId id="486" r:id="rId25"/>
-    <p:sldId id="494" r:id="rId26"/>
-    <p:sldId id="487" r:id="rId27"/>
-    <p:sldId id="488" r:id="rId28"/>
-    <p:sldId id="489" r:id="rId29"/>
-    <p:sldId id="490" r:id="rId30"/>
-    <p:sldId id="491" r:id="rId31"/>
-    <p:sldId id="492" r:id="rId32"/>
-    <p:sldId id="493" r:id="rId33"/>
-    <p:sldId id="495" r:id="rId34"/>
-    <p:sldId id="496" r:id="rId35"/>
-    <p:sldId id="374" r:id="rId36"/>
-    <p:sldId id="497" r:id="rId37"/>
-    <p:sldId id="498" r:id="rId38"/>
-    <p:sldId id="499" r:id="rId39"/>
-    <p:sldId id="500" r:id="rId40"/>
-    <p:sldId id="385" r:id="rId41"/>
-    <p:sldId id="482" r:id="rId42"/>
-    <p:sldId id="275" r:id="rId43"/>
+    <p:sldId id="516" r:id="rId17"/>
+    <p:sldId id="511" r:id="rId18"/>
+    <p:sldId id="512" r:id="rId19"/>
+    <p:sldId id="514" r:id="rId20"/>
+    <p:sldId id="513" r:id="rId21"/>
+    <p:sldId id="515" r:id="rId22"/>
+    <p:sldId id="465" r:id="rId23"/>
+    <p:sldId id="484" r:id="rId24"/>
+    <p:sldId id="485" r:id="rId25"/>
+    <p:sldId id="486" r:id="rId26"/>
+    <p:sldId id="494" r:id="rId27"/>
+    <p:sldId id="487" r:id="rId28"/>
+    <p:sldId id="488" r:id="rId29"/>
+    <p:sldId id="489" r:id="rId30"/>
+    <p:sldId id="490" r:id="rId31"/>
+    <p:sldId id="491" r:id="rId32"/>
+    <p:sldId id="492" r:id="rId33"/>
+    <p:sldId id="493" r:id="rId34"/>
+    <p:sldId id="495" r:id="rId35"/>
+    <p:sldId id="496" r:id="rId36"/>
+    <p:sldId id="374" r:id="rId37"/>
+    <p:sldId id="497" r:id="rId38"/>
+    <p:sldId id="498" r:id="rId39"/>
+    <p:sldId id="499" r:id="rId40"/>
+    <p:sldId id="500" r:id="rId41"/>
+    <p:sldId id="385" r:id="rId42"/>
+    <p:sldId id="482" r:id="rId43"/>
+    <p:sldId id="275" r:id="rId44"/>
   </p:sldIdLst>
   <p:sldSz cx="18288000" cy="10287000"/>
   <p:notesSz cx="10287000" cy="18288000"/>
@@ -249,7 +250,7 @@
           <a:p>
             <a:fld id="{D79F2C30-10E1-4C46-91DC-BBDB9629E720}" type="datetimeFigureOut">
               <a:rPr lang="ko-KR" altLang="en-US" smtClean="0"/>
-              <a:t>2023-01-27</a:t>
+              <a:t>2023-01-27 Friday</a:t>
             </a:fld>
             <a:endParaRPr lang="ko-KR" altLang="en-US"/>
           </a:p>
@@ -584,7 +585,7 @@
           <a:p>
             <a:fld id="{50FC2DCF-6074-47D8-9A40-8DDAA9ED0A57}" type="slidenum">
               <a:rPr lang="ko-KR" altLang="en-US" smtClean="0"/>
-              <a:t>25</a:t>
+              <a:t>26</a:t>
             </a:fld>
             <a:endParaRPr lang="ko-KR" altLang="en-US"/>
           </a:p>
@@ -668,7 +669,7 @@
           <a:p>
             <a:fld id="{50FC2DCF-6074-47D8-9A40-8DDAA9ED0A57}" type="slidenum">
               <a:rPr lang="ko-KR" altLang="en-US" smtClean="0"/>
-              <a:t>41</a:t>
+              <a:t>42</a:t>
             </a:fld>
             <a:endParaRPr lang="ko-KR" altLang="en-US"/>
           </a:p>
@@ -3882,7 +3883,7 @@
           <p:cNvPr id="2" name="TextBox 1">
             <a:extLst>
               <a:ext uri="{FF2B5EF4-FFF2-40B4-BE49-F238E27FC236}">
-                <a16:creationId xmlns:a16="http://schemas.microsoft.com/office/drawing/2014/main" xmlns="" id="{E9A453A8-9968-67AB-7B4A-83EEB4662AA6}"/>
+                <a16:creationId xmlns:a16="http://schemas.microsoft.com/office/drawing/2014/main" id="{E9A453A8-9968-67AB-7B4A-83EEB4662AA6}"/>
               </a:ext>
             </a:extLst>
           </p:cNvPr>
@@ -3930,7 +3931,7 @@
           <p:cNvPr id="4" name="TextBox 3">
             <a:extLst>
               <a:ext uri="{FF2B5EF4-FFF2-40B4-BE49-F238E27FC236}">
-                <a16:creationId xmlns:a16="http://schemas.microsoft.com/office/drawing/2014/main" xmlns="" id="{F4B7A35A-8AAC-4622-64BC-CAD1472D4115}"/>
+                <a16:creationId xmlns:a16="http://schemas.microsoft.com/office/drawing/2014/main" id="{F4B7A35A-8AAC-4622-64BC-CAD1472D4115}"/>
               </a:ext>
             </a:extLst>
           </p:cNvPr>
@@ -4002,7 +4003,7 @@
           <p:cNvPr id="7" name="TextBox 6">
             <a:extLst>
               <a:ext uri="{FF2B5EF4-FFF2-40B4-BE49-F238E27FC236}">
-                <a16:creationId xmlns:a16="http://schemas.microsoft.com/office/drawing/2014/main" xmlns="" id="{3ACE900A-D779-4343-6623-8588B376F0A1}"/>
+                <a16:creationId xmlns:a16="http://schemas.microsoft.com/office/drawing/2014/main" id="{3ACE900A-D779-4343-6623-8588B376F0A1}"/>
               </a:ext>
             </a:extLst>
           </p:cNvPr>
@@ -4066,7 +4067,7 @@
           <p:cNvPr id="4" name="TextBox 3">
             <a:extLst>
               <a:ext uri="{FF2B5EF4-FFF2-40B4-BE49-F238E27FC236}">
-                <a16:creationId xmlns:a16="http://schemas.microsoft.com/office/drawing/2014/main" xmlns="" id="{B86BE553-B223-E4E2-16B6-52C77166FE4A}"/>
+                <a16:creationId xmlns:a16="http://schemas.microsoft.com/office/drawing/2014/main" id="{B86BE553-B223-E4E2-16B6-52C77166FE4A}"/>
               </a:ext>
             </a:extLst>
           </p:cNvPr>
@@ -4117,7 +4118,7 @@
           <p:cNvPr id="6" name="그림 5">
             <a:extLst>
               <a:ext uri="{FF2B5EF4-FFF2-40B4-BE49-F238E27FC236}">
-                <a16:creationId xmlns:a16="http://schemas.microsoft.com/office/drawing/2014/main" xmlns="" id="{8471350E-3FF0-003E-299B-DD0235344F13}"/>
+                <a16:creationId xmlns:a16="http://schemas.microsoft.com/office/drawing/2014/main" id="{8471350E-3FF0-003E-299B-DD0235344F13}"/>
               </a:ext>
             </a:extLst>
           </p:cNvPr>
@@ -4147,7 +4148,7 @@
           <p:cNvPr id="8" name="그림 7">
             <a:extLst>
               <a:ext uri="{FF2B5EF4-FFF2-40B4-BE49-F238E27FC236}">
-                <a16:creationId xmlns:a16="http://schemas.microsoft.com/office/drawing/2014/main" xmlns="" id="{FAC9FBDE-E73E-8E23-FF91-CDE1538912FB}"/>
+                <a16:creationId xmlns:a16="http://schemas.microsoft.com/office/drawing/2014/main" id="{FAC9FBDE-E73E-8E23-FF91-CDE1538912FB}"/>
               </a:ext>
             </a:extLst>
           </p:cNvPr>
@@ -4182,13 +4183,6 @@
   <p:clrMapOvr>
     <a:masterClrMapping/>
   </p:clrMapOvr>
-  <p:timing>
-    <p:tnLst>
-      <p:par>
-        <p:cTn id="1" dur="indefinite" restart="never" nodeType="tmRoot"/>
-      </p:par>
-    </p:tnLst>
-  </p:timing>
 </p:sld>
 </file>
 
@@ -4214,7 +4208,7 @@
           <p:cNvPr id="5" name="그림 4">
             <a:extLst>
               <a:ext uri="{FF2B5EF4-FFF2-40B4-BE49-F238E27FC236}">
-                <a16:creationId xmlns:a16="http://schemas.microsoft.com/office/drawing/2014/main" xmlns="" id="{CCC126AA-0FD9-4407-0C2C-89145BE0BC94}"/>
+                <a16:creationId xmlns:a16="http://schemas.microsoft.com/office/drawing/2014/main" id="{CCC126AA-0FD9-4407-0C2C-89145BE0BC94}"/>
               </a:ext>
             </a:extLst>
           </p:cNvPr>
@@ -4244,7 +4238,7 @@
           <p:cNvPr id="6" name="직선 화살표 연결선 5">
             <a:extLst>
               <a:ext uri="{FF2B5EF4-FFF2-40B4-BE49-F238E27FC236}">
-                <a16:creationId xmlns:a16="http://schemas.microsoft.com/office/drawing/2014/main" xmlns="" id="{98480919-7A14-9246-577E-CA016D2746D6}"/>
+                <a16:creationId xmlns:a16="http://schemas.microsoft.com/office/drawing/2014/main" id="{98480919-7A14-9246-577E-CA016D2746D6}"/>
               </a:ext>
             </a:extLst>
           </p:cNvPr>
@@ -4285,7 +4279,7 @@
           <p:cNvPr id="7" name="직사각형 6">
             <a:extLst>
               <a:ext uri="{FF2B5EF4-FFF2-40B4-BE49-F238E27FC236}">
-                <a16:creationId xmlns:a16="http://schemas.microsoft.com/office/drawing/2014/main" xmlns="" id="{A72A5572-0F2B-AB98-98A8-8276D58A7183}"/>
+                <a16:creationId xmlns:a16="http://schemas.microsoft.com/office/drawing/2014/main" id="{A72A5572-0F2B-AB98-98A8-8276D58A7183}"/>
               </a:ext>
             </a:extLst>
           </p:cNvPr>
@@ -4337,7 +4331,7 @@
           <p:cNvPr id="9" name="TextBox 8">
             <a:extLst>
               <a:ext uri="{FF2B5EF4-FFF2-40B4-BE49-F238E27FC236}">
-                <a16:creationId xmlns:a16="http://schemas.microsoft.com/office/drawing/2014/main" xmlns="" id="{9698C756-8683-A52F-5E9B-5051396A68FE}"/>
+                <a16:creationId xmlns:a16="http://schemas.microsoft.com/office/drawing/2014/main" id="{9698C756-8683-A52F-5E9B-5051396A68FE}"/>
               </a:ext>
             </a:extLst>
           </p:cNvPr>
@@ -4388,7 +4382,7 @@
           <p:cNvPr id="14" name="그림 13">
             <a:extLst>
               <a:ext uri="{FF2B5EF4-FFF2-40B4-BE49-F238E27FC236}">
-                <a16:creationId xmlns:a16="http://schemas.microsoft.com/office/drawing/2014/main" xmlns="" id="{AEBDC62E-07FD-9C01-B522-FDCFA269988E}"/>
+                <a16:creationId xmlns:a16="http://schemas.microsoft.com/office/drawing/2014/main" id="{AEBDC62E-07FD-9C01-B522-FDCFA269988E}"/>
               </a:ext>
             </a:extLst>
           </p:cNvPr>
@@ -4418,7 +4412,7 @@
           <p:cNvPr id="15" name="직선 화살표 연결선 14">
             <a:extLst>
               <a:ext uri="{FF2B5EF4-FFF2-40B4-BE49-F238E27FC236}">
-                <a16:creationId xmlns:a16="http://schemas.microsoft.com/office/drawing/2014/main" xmlns="" id="{9EC15261-4A05-17B5-5B33-C87DA900EA99}"/>
+                <a16:creationId xmlns:a16="http://schemas.microsoft.com/office/drawing/2014/main" id="{9EC15261-4A05-17B5-5B33-C87DA900EA99}"/>
               </a:ext>
             </a:extLst>
           </p:cNvPr>
@@ -4459,7 +4453,7 @@
           <p:cNvPr id="16" name="직사각형 15">
             <a:extLst>
               <a:ext uri="{FF2B5EF4-FFF2-40B4-BE49-F238E27FC236}">
-                <a16:creationId xmlns:a16="http://schemas.microsoft.com/office/drawing/2014/main" xmlns="" id="{CA52BDAC-1026-62AF-72C4-182453ADD4B9}"/>
+                <a16:creationId xmlns:a16="http://schemas.microsoft.com/office/drawing/2014/main" id="{CA52BDAC-1026-62AF-72C4-182453ADD4B9}"/>
               </a:ext>
             </a:extLst>
           </p:cNvPr>
@@ -4511,7 +4505,7 @@
           <p:cNvPr id="17" name="TextBox 16">
             <a:extLst>
               <a:ext uri="{FF2B5EF4-FFF2-40B4-BE49-F238E27FC236}">
-                <a16:creationId xmlns:a16="http://schemas.microsoft.com/office/drawing/2014/main" xmlns="" id="{E6116E6B-167C-2CAA-F5EB-71A1B04492F9}"/>
+                <a16:creationId xmlns:a16="http://schemas.microsoft.com/office/drawing/2014/main" id="{E6116E6B-167C-2CAA-F5EB-71A1B04492F9}"/>
               </a:ext>
             </a:extLst>
           </p:cNvPr>
@@ -4579,7 +4573,7 @@
           <p:cNvPr id="18" name="직선 화살표 연결선 17">
             <a:extLst>
               <a:ext uri="{FF2B5EF4-FFF2-40B4-BE49-F238E27FC236}">
-                <a16:creationId xmlns:a16="http://schemas.microsoft.com/office/drawing/2014/main" xmlns="" id="{3F9F23EB-44CC-D9FF-FA09-B07564F64B4A}"/>
+                <a16:creationId xmlns:a16="http://schemas.microsoft.com/office/drawing/2014/main" id="{3F9F23EB-44CC-D9FF-FA09-B07564F64B4A}"/>
               </a:ext>
             </a:extLst>
           </p:cNvPr>
@@ -4620,7 +4614,7 @@
           <p:cNvPr id="19" name="직사각형 18">
             <a:extLst>
               <a:ext uri="{FF2B5EF4-FFF2-40B4-BE49-F238E27FC236}">
-                <a16:creationId xmlns:a16="http://schemas.microsoft.com/office/drawing/2014/main" xmlns="" id="{1C4A5E66-3D48-F1E3-6C55-3554DC461689}"/>
+                <a16:creationId xmlns:a16="http://schemas.microsoft.com/office/drawing/2014/main" id="{1C4A5E66-3D48-F1E3-6C55-3554DC461689}"/>
               </a:ext>
             </a:extLst>
           </p:cNvPr>
@@ -4672,7 +4666,7 @@
           <p:cNvPr id="20" name="TextBox 19">
             <a:extLst>
               <a:ext uri="{FF2B5EF4-FFF2-40B4-BE49-F238E27FC236}">
-                <a16:creationId xmlns:a16="http://schemas.microsoft.com/office/drawing/2014/main" xmlns="" id="{5B4BD476-0F74-1CF1-B598-4D3336BE57BA}"/>
+                <a16:creationId xmlns:a16="http://schemas.microsoft.com/office/drawing/2014/main" id="{5B4BD476-0F74-1CF1-B598-4D3336BE57BA}"/>
               </a:ext>
             </a:extLst>
           </p:cNvPr>
@@ -4845,7 +4839,7 @@
           <p:cNvPr id="22" name="TextBox 21">
             <a:extLst>
               <a:ext uri="{FF2B5EF4-FFF2-40B4-BE49-F238E27FC236}">
-                <a16:creationId xmlns:a16="http://schemas.microsoft.com/office/drawing/2014/main" xmlns="" id="{BDC22999-0902-B77A-1EC7-5C8B63487CA3}"/>
+                <a16:creationId xmlns:a16="http://schemas.microsoft.com/office/drawing/2014/main" id="{BDC22999-0902-B77A-1EC7-5C8B63487CA3}"/>
               </a:ext>
             </a:extLst>
           </p:cNvPr>
@@ -5174,7 +5168,7 @@
           <p:cNvPr id="5" name="그림 4">
             <a:extLst>
               <a:ext uri="{FF2B5EF4-FFF2-40B4-BE49-F238E27FC236}">
-                <a16:creationId xmlns:a16="http://schemas.microsoft.com/office/drawing/2014/main" xmlns="" id="{1DFC7568-CAEF-99BF-EC85-4041AF7F1F76}"/>
+                <a16:creationId xmlns:a16="http://schemas.microsoft.com/office/drawing/2014/main" id="{1DFC7568-CAEF-99BF-EC85-4041AF7F1F76}"/>
               </a:ext>
             </a:extLst>
           </p:cNvPr>
@@ -5204,7 +5198,7 @@
           <p:cNvPr id="6" name="TextBox 5">
             <a:extLst>
               <a:ext uri="{FF2B5EF4-FFF2-40B4-BE49-F238E27FC236}">
-                <a16:creationId xmlns:a16="http://schemas.microsoft.com/office/drawing/2014/main" xmlns="" id="{8B6C8FF8-0C35-1A4E-C784-120FC66EC404}"/>
+                <a16:creationId xmlns:a16="http://schemas.microsoft.com/office/drawing/2014/main" id="{8B6C8FF8-0C35-1A4E-C784-120FC66EC404}"/>
               </a:ext>
             </a:extLst>
           </p:cNvPr>
@@ -5252,7 +5246,7 @@
           <p:cNvPr id="8" name="그림 7">
             <a:extLst>
               <a:ext uri="{FF2B5EF4-FFF2-40B4-BE49-F238E27FC236}">
-                <a16:creationId xmlns:a16="http://schemas.microsoft.com/office/drawing/2014/main" xmlns="" id="{525EA779-64DA-A0ED-BD45-CB95233C33EF}"/>
+                <a16:creationId xmlns:a16="http://schemas.microsoft.com/office/drawing/2014/main" id="{525EA779-64DA-A0ED-BD45-CB95233C33EF}"/>
               </a:ext>
             </a:extLst>
           </p:cNvPr>
@@ -5282,7 +5276,7 @@
           <p:cNvPr id="10" name="그림 9">
             <a:extLst>
               <a:ext uri="{FF2B5EF4-FFF2-40B4-BE49-F238E27FC236}">
-                <a16:creationId xmlns:a16="http://schemas.microsoft.com/office/drawing/2014/main" xmlns="" id="{464E328A-7AC7-C161-FF8E-F8E9E55DC831}"/>
+                <a16:creationId xmlns:a16="http://schemas.microsoft.com/office/drawing/2014/main" id="{464E328A-7AC7-C161-FF8E-F8E9E55DC831}"/>
               </a:ext>
             </a:extLst>
           </p:cNvPr>
@@ -5312,7 +5306,7 @@
           <p:cNvPr id="11" name="직선 화살표 연결선 10">
             <a:extLst>
               <a:ext uri="{FF2B5EF4-FFF2-40B4-BE49-F238E27FC236}">
-                <a16:creationId xmlns:a16="http://schemas.microsoft.com/office/drawing/2014/main" xmlns="" id="{09361789-4FC4-6FDF-2E48-F0107B92854A}"/>
+                <a16:creationId xmlns:a16="http://schemas.microsoft.com/office/drawing/2014/main" id="{09361789-4FC4-6FDF-2E48-F0107B92854A}"/>
               </a:ext>
             </a:extLst>
           </p:cNvPr>
@@ -5353,7 +5347,7 @@
           <p:cNvPr id="13" name="TextBox 12">
             <a:extLst>
               <a:ext uri="{FF2B5EF4-FFF2-40B4-BE49-F238E27FC236}">
-                <a16:creationId xmlns:a16="http://schemas.microsoft.com/office/drawing/2014/main" xmlns="" id="{E6784F8F-6CCA-3398-4ED7-56F784B30CA2}"/>
+                <a16:creationId xmlns:a16="http://schemas.microsoft.com/office/drawing/2014/main" id="{E6784F8F-6CCA-3398-4ED7-56F784B30CA2}"/>
               </a:ext>
             </a:extLst>
           </p:cNvPr>
@@ -5559,7 +5553,7 @@
           <p:cNvPr id="5" name="그림 4">
             <a:extLst>
               <a:ext uri="{FF2B5EF4-FFF2-40B4-BE49-F238E27FC236}">
-                <a16:creationId xmlns:a16="http://schemas.microsoft.com/office/drawing/2014/main" xmlns="" id="{510207EF-09DC-49C1-E6D3-F88691120AD1}"/>
+                <a16:creationId xmlns:a16="http://schemas.microsoft.com/office/drawing/2014/main" id="{510207EF-09DC-49C1-E6D3-F88691120AD1}"/>
               </a:ext>
             </a:extLst>
           </p:cNvPr>
@@ -5589,7 +5583,7 @@
           <p:cNvPr id="6" name="그룹 1008">
             <a:extLst>
               <a:ext uri="{FF2B5EF4-FFF2-40B4-BE49-F238E27FC236}">
-                <a16:creationId xmlns:a16="http://schemas.microsoft.com/office/drawing/2014/main" xmlns="" id="{A14EE19E-321C-A97D-AF63-2072243F002A}"/>
+                <a16:creationId xmlns:a16="http://schemas.microsoft.com/office/drawing/2014/main" id="{A14EE19E-321C-A97D-AF63-2072243F002A}"/>
               </a:ext>
             </a:extLst>
           </p:cNvPr>
@@ -5609,7 +5603,7 @@
             <p:cNvPr id="7" name="그룹 1009">
               <a:extLst>
                 <a:ext uri="{FF2B5EF4-FFF2-40B4-BE49-F238E27FC236}">
-                  <a16:creationId xmlns:a16="http://schemas.microsoft.com/office/drawing/2014/main" xmlns="" id="{A43A4073-7B53-6E71-0062-9B20CB4FE514}"/>
+                  <a16:creationId xmlns:a16="http://schemas.microsoft.com/office/drawing/2014/main" id="{A43A4073-7B53-6E71-0062-9B20CB4FE514}"/>
                 </a:ext>
               </a:extLst>
             </p:cNvPr>
@@ -5629,7 +5623,7 @@
               <p:cNvPr id="12" name="Object 29">
                 <a:extLst>
                   <a:ext uri="{FF2B5EF4-FFF2-40B4-BE49-F238E27FC236}">
-                    <a16:creationId xmlns:a16="http://schemas.microsoft.com/office/drawing/2014/main" xmlns="" id="{0FA1F176-78B5-C337-CEE4-18490FB23C9F}"/>
+                    <a16:creationId xmlns:a16="http://schemas.microsoft.com/office/drawing/2014/main" id="{0FA1F176-78B5-C337-CEE4-18490FB23C9F}"/>
                   </a:ext>
                 </a:extLst>
               </p:cNvPr>
@@ -5660,7 +5654,7 @@
             <p:cNvPr id="8" name="그룹 1010">
               <a:extLst>
                 <a:ext uri="{FF2B5EF4-FFF2-40B4-BE49-F238E27FC236}">
-                  <a16:creationId xmlns:a16="http://schemas.microsoft.com/office/drawing/2014/main" xmlns="" id="{674E521B-C909-5CDE-F90C-AF7B7C750389}"/>
+                  <a16:creationId xmlns:a16="http://schemas.microsoft.com/office/drawing/2014/main" id="{674E521B-C909-5CDE-F90C-AF7B7C750389}"/>
                 </a:ext>
               </a:extLst>
             </p:cNvPr>
@@ -5680,7 +5674,7 @@
               <p:cNvPr id="11" name="Object 32">
                 <a:extLst>
                   <a:ext uri="{FF2B5EF4-FFF2-40B4-BE49-F238E27FC236}">
-                    <a16:creationId xmlns:a16="http://schemas.microsoft.com/office/drawing/2014/main" xmlns="" id="{DC8FA06F-2A39-2C5A-9773-76B50091F261}"/>
+                    <a16:creationId xmlns:a16="http://schemas.microsoft.com/office/drawing/2014/main" id="{DC8FA06F-2A39-2C5A-9773-76B50091F261}"/>
                   </a:ext>
                 </a:extLst>
               </p:cNvPr>
@@ -5711,7 +5705,7 @@
             <p:cNvPr id="9" name="그룹 1011">
               <a:extLst>
                 <a:ext uri="{FF2B5EF4-FFF2-40B4-BE49-F238E27FC236}">
-                  <a16:creationId xmlns:a16="http://schemas.microsoft.com/office/drawing/2014/main" xmlns="" id="{C96426C2-84E9-31A0-A52C-8C856FFBD1B5}"/>
+                  <a16:creationId xmlns:a16="http://schemas.microsoft.com/office/drawing/2014/main" id="{C96426C2-84E9-31A0-A52C-8C856FFBD1B5}"/>
                 </a:ext>
               </a:extLst>
             </p:cNvPr>
@@ -5731,7 +5725,7 @@
               <p:cNvPr id="10" name="Object 35">
                 <a:extLst>
                   <a:ext uri="{FF2B5EF4-FFF2-40B4-BE49-F238E27FC236}">
-                    <a16:creationId xmlns:a16="http://schemas.microsoft.com/office/drawing/2014/main" xmlns="" id="{C3CF0BFA-2B16-5180-8CE8-9B8F37088E16}"/>
+                    <a16:creationId xmlns:a16="http://schemas.microsoft.com/office/drawing/2014/main" id="{C3CF0BFA-2B16-5180-8CE8-9B8F37088E16}"/>
                   </a:ext>
                 </a:extLst>
               </p:cNvPr>
@@ -5763,7 +5757,7 @@
           <p:cNvPr id="14" name="그림 13">
             <a:extLst>
               <a:ext uri="{FF2B5EF4-FFF2-40B4-BE49-F238E27FC236}">
-                <a16:creationId xmlns:a16="http://schemas.microsoft.com/office/drawing/2014/main" xmlns="" id="{3CB6F7CE-461F-FFAC-327C-A36798B4947A}"/>
+                <a16:creationId xmlns:a16="http://schemas.microsoft.com/office/drawing/2014/main" id="{3CB6F7CE-461F-FFAC-327C-A36798B4947A}"/>
               </a:ext>
             </a:extLst>
           </p:cNvPr>
@@ -5793,7 +5787,7 @@
           <p:cNvPr id="15" name="직사각형 14">
             <a:extLst>
               <a:ext uri="{FF2B5EF4-FFF2-40B4-BE49-F238E27FC236}">
-                <a16:creationId xmlns:a16="http://schemas.microsoft.com/office/drawing/2014/main" xmlns="" id="{E71FCE28-DE56-093A-EFDA-13850D95EB1C}"/>
+                <a16:creationId xmlns:a16="http://schemas.microsoft.com/office/drawing/2014/main" id="{E71FCE28-DE56-093A-EFDA-13850D95EB1C}"/>
               </a:ext>
             </a:extLst>
           </p:cNvPr>
@@ -5845,7 +5839,7 @@
           <p:cNvPr id="16" name="TextBox 15">
             <a:extLst>
               <a:ext uri="{FF2B5EF4-FFF2-40B4-BE49-F238E27FC236}">
-                <a16:creationId xmlns:a16="http://schemas.microsoft.com/office/drawing/2014/main" xmlns="" id="{98021B63-D133-4AD2-3BDE-8A3CB38007A6}"/>
+                <a16:creationId xmlns:a16="http://schemas.microsoft.com/office/drawing/2014/main" id="{98021B63-D133-4AD2-3BDE-8A3CB38007A6}"/>
               </a:ext>
             </a:extLst>
           </p:cNvPr>
@@ -5970,13 +5964,6 @@
   <p:clrMapOvr>
     <a:masterClrMapping/>
   </p:clrMapOvr>
-  <p:timing>
-    <p:tnLst>
-      <p:par>
-        <p:cTn id="1" dur="indefinite" restart="never" nodeType="tmRoot"/>
-      </p:par>
-    </p:tnLst>
-  </p:timing>
 </p:sld>
 </file>
 
@@ -6002,7 +5989,7 @@
           <p:cNvPr id="4" name="TextBox 3">
             <a:extLst>
               <a:ext uri="{FF2B5EF4-FFF2-40B4-BE49-F238E27FC236}">
-                <a16:creationId xmlns:a16="http://schemas.microsoft.com/office/drawing/2014/main" xmlns="" id="{F8EAC7D1-88F2-45AD-C573-E3F58E88DC68}"/>
+                <a16:creationId xmlns:a16="http://schemas.microsoft.com/office/drawing/2014/main" id="{F8EAC7D1-88F2-45AD-C573-E3F58E88DC68}"/>
               </a:ext>
             </a:extLst>
           </p:cNvPr>
@@ -6050,7 +6037,7 @@
           <p:cNvPr id="8" name="직선 화살표 연결선 7">
             <a:extLst>
               <a:ext uri="{FF2B5EF4-FFF2-40B4-BE49-F238E27FC236}">
-                <a16:creationId xmlns:a16="http://schemas.microsoft.com/office/drawing/2014/main" xmlns="" id="{BD7E8D46-8366-0ACB-8736-BAA63C4948F6}"/>
+                <a16:creationId xmlns:a16="http://schemas.microsoft.com/office/drawing/2014/main" id="{BD7E8D46-8366-0ACB-8736-BAA63C4948F6}"/>
               </a:ext>
             </a:extLst>
           </p:cNvPr>
@@ -6093,7 +6080,7 @@
           <p:cNvPr id="9" name="TextBox 8">
             <a:extLst>
               <a:ext uri="{FF2B5EF4-FFF2-40B4-BE49-F238E27FC236}">
-                <a16:creationId xmlns:a16="http://schemas.microsoft.com/office/drawing/2014/main" xmlns="" id="{F51F0C12-7B1F-4619-C90F-85C6C255847B}"/>
+                <a16:creationId xmlns:a16="http://schemas.microsoft.com/office/drawing/2014/main" id="{F51F0C12-7B1F-4619-C90F-85C6C255847B}"/>
               </a:ext>
             </a:extLst>
           </p:cNvPr>
@@ -6141,7 +6128,7 @@
           <p:cNvPr id="11" name="그림 10">
             <a:extLst>
               <a:ext uri="{FF2B5EF4-FFF2-40B4-BE49-F238E27FC236}">
-                <a16:creationId xmlns:a16="http://schemas.microsoft.com/office/drawing/2014/main" xmlns="" id="{DD05D970-9738-B739-E4DD-0ECF16E2117A}"/>
+                <a16:creationId xmlns:a16="http://schemas.microsoft.com/office/drawing/2014/main" id="{DD05D970-9738-B739-E4DD-0ECF16E2117A}"/>
               </a:ext>
             </a:extLst>
           </p:cNvPr>
@@ -6171,7 +6158,7 @@
           <p:cNvPr id="15" name="그림 14">
             <a:extLst>
               <a:ext uri="{FF2B5EF4-FFF2-40B4-BE49-F238E27FC236}">
-                <a16:creationId xmlns:a16="http://schemas.microsoft.com/office/drawing/2014/main" xmlns="" id="{41AC80D2-EE1D-ABD5-510D-F82737E08F34}"/>
+                <a16:creationId xmlns:a16="http://schemas.microsoft.com/office/drawing/2014/main" id="{41AC80D2-EE1D-ABD5-510D-F82737E08F34}"/>
               </a:ext>
             </a:extLst>
           </p:cNvPr>
@@ -6201,7 +6188,7 @@
           <p:cNvPr id="16" name="직선 화살표 연결선 15">
             <a:extLst>
               <a:ext uri="{FF2B5EF4-FFF2-40B4-BE49-F238E27FC236}">
-                <a16:creationId xmlns:a16="http://schemas.microsoft.com/office/drawing/2014/main" xmlns="" id="{1FA065D4-8A94-28C0-91F2-C1FB1537AB3F}"/>
+                <a16:creationId xmlns:a16="http://schemas.microsoft.com/office/drawing/2014/main" id="{1FA065D4-8A94-28C0-91F2-C1FB1537AB3F}"/>
               </a:ext>
             </a:extLst>
           </p:cNvPr>
@@ -6242,7 +6229,7 @@
           <p:cNvPr id="17" name="TextBox 16">
             <a:extLst>
               <a:ext uri="{FF2B5EF4-FFF2-40B4-BE49-F238E27FC236}">
-                <a16:creationId xmlns:a16="http://schemas.microsoft.com/office/drawing/2014/main" xmlns="" id="{E5728E47-8085-2359-64CF-5161928F4B53}"/>
+                <a16:creationId xmlns:a16="http://schemas.microsoft.com/office/drawing/2014/main" id="{E5728E47-8085-2359-64CF-5161928F4B53}"/>
               </a:ext>
             </a:extLst>
           </p:cNvPr>
@@ -6299,7 +6286,7 @@
           <p:cNvPr id="19" name="그림 18">
             <a:extLst>
               <a:ext uri="{FF2B5EF4-FFF2-40B4-BE49-F238E27FC236}">
-                <a16:creationId xmlns:a16="http://schemas.microsoft.com/office/drawing/2014/main" xmlns="" id="{C2C9B424-B3FD-D9FD-27BB-4CDE5A1C5270}"/>
+                <a16:creationId xmlns:a16="http://schemas.microsoft.com/office/drawing/2014/main" id="{C2C9B424-B3FD-D9FD-27BB-4CDE5A1C5270}"/>
               </a:ext>
             </a:extLst>
           </p:cNvPr>
@@ -6329,7 +6316,7 @@
           <p:cNvPr id="21" name="직선 화살표 연결선 20">
             <a:extLst>
               <a:ext uri="{FF2B5EF4-FFF2-40B4-BE49-F238E27FC236}">
-                <a16:creationId xmlns:a16="http://schemas.microsoft.com/office/drawing/2014/main" xmlns="" id="{E37CF84E-BCBC-2603-47D0-250D6FF23E5D}"/>
+                <a16:creationId xmlns:a16="http://schemas.microsoft.com/office/drawing/2014/main" id="{E37CF84E-BCBC-2603-47D0-250D6FF23E5D}"/>
               </a:ext>
             </a:extLst>
           </p:cNvPr>
@@ -6372,7 +6359,7 @@
           <p:cNvPr id="22" name="TextBox 21">
             <a:extLst>
               <a:ext uri="{FF2B5EF4-FFF2-40B4-BE49-F238E27FC236}">
-                <a16:creationId xmlns:a16="http://schemas.microsoft.com/office/drawing/2014/main" xmlns="" id="{416B52E3-E39B-3465-F625-41EBE4C5B82F}"/>
+                <a16:creationId xmlns:a16="http://schemas.microsoft.com/office/drawing/2014/main" id="{416B52E3-E39B-3465-F625-41EBE4C5B82F}"/>
               </a:ext>
             </a:extLst>
           </p:cNvPr>
@@ -6429,7 +6416,7 @@
           <p:cNvPr id="27" name="그림 26">
             <a:extLst>
               <a:ext uri="{FF2B5EF4-FFF2-40B4-BE49-F238E27FC236}">
-                <a16:creationId xmlns:a16="http://schemas.microsoft.com/office/drawing/2014/main" xmlns="" id="{3A9731F4-92A3-79BA-9983-667FA096D68E}"/>
+                <a16:creationId xmlns:a16="http://schemas.microsoft.com/office/drawing/2014/main" id="{3A9731F4-92A3-79BA-9983-667FA096D68E}"/>
               </a:ext>
             </a:extLst>
           </p:cNvPr>
@@ -6459,7 +6446,7 @@
           <p:cNvPr id="28" name="직선 화살표 연결선 27">
             <a:extLst>
               <a:ext uri="{FF2B5EF4-FFF2-40B4-BE49-F238E27FC236}">
-                <a16:creationId xmlns:a16="http://schemas.microsoft.com/office/drawing/2014/main" xmlns="" id="{3A77F496-0E00-2AA1-D9C9-8FAC3BD4B09A}"/>
+                <a16:creationId xmlns:a16="http://schemas.microsoft.com/office/drawing/2014/main" id="{3A77F496-0E00-2AA1-D9C9-8FAC3BD4B09A}"/>
               </a:ext>
             </a:extLst>
           </p:cNvPr>
@@ -6501,7 +6488,7 @@
           <p:cNvPr id="29" name="TextBox 28">
             <a:extLst>
               <a:ext uri="{FF2B5EF4-FFF2-40B4-BE49-F238E27FC236}">
-                <a16:creationId xmlns:a16="http://schemas.microsoft.com/office/drawing/2014/main" xmlns="" id="{209BD1AD-5AB8-4F47-8596-2FC55EDB2D9B}"/>
+                <a16:creationId xmlns:a16="http://schemas.microsoft.com/office/drawing/2014/main" id="{209BD1AD-5AB8-4F47-8596-2FC55EDB2D9B}"/>
               </a:ext>
             </a:extLst>
           </p:cNvPr>
@@ -6562,7 +6549,7 @@
           <p:cNvPr id="33" name="그림 32">
             <a:extLst>
               <a:ext uri="{FF2B5EF4-FFF2-40B4-BE49-F238E27FC236}">
-                <a16:creationId xmlns:a16="http://schemas.microsoft.com/office/drawing/2014/main" xmlns="" id="{E51875F0-A862-C9C6-A3DE-F63288F7F3F5}"/>
+                <a16:creationId xmlns:a16="http://schemas.microsoft.com/office/drawing/2014/main" id="{E51875F0-A862-C9C6-A3DE-F63288F7F3F5}"/>
               </a:ext>
             </a:extLst>
           </p:cNvPr>
@@ -6592,7 +6579,7 @@
           <p:cNvPr id="34" name="직선 화살표 연결선 33">
             <a:extLst>
               <a:ext uri="{FF2B5EF4-FFF2-40B4-BE49-F238E27FC236}">
-                <a16:creationId xmlns:a16="http://schemas.microsoft.com/office/drawing/2014/main" xmlns="" id="{723CDA1E-DD0C-A09B-3849-2CA0307CC77B}"/>
+                <a16:creationId xmlns:a16="http://schemas.microsoft.com/office/drawing/2014/main" id="{723CDA1E-DD0C-A09B-3849-2CA0307CC77B}"/>
               </a:ext>
             </a:extLst>
           </p:cNvPr>
@@ -6634,7 +6621,7 @@
           <p:cNvPr id="35" name="TextBox 34">
             <a:extLst>
               <a:ext uri="{FF2B5EF4-FFF2-40B4-BE49-F238E27FC236}">
-                <a16:creationId xmlns:a16="http://schemas.microsoft.com/office/drawing/2014/main" xmlns="" id="{CF80E56E-35DC-20B7-8FAF-706AEAFAC279}"/>
+                <a16:creationId xmlns:a16="http://schemas.microsoft.com/office/drawing/2014/main" id="{CF80E56E-35DC-20B7-8FAF-706AEAFAC279}"/>
               </a:ext>
             </a:extLst>
           </p:cNvPr>
@@ -6691,7 +6678,7 @@
           <p:cNvPr id="42" name="그림 41">
             <a:extLst>
               <a:ext uri="{FF2B5EF4-FFF2-40B4-BE49-F238E27FC236}">
-                <a16:creationId xmlns:a16="http://schemas.microsoft.com/office/drawing/2014/main" xmlns="" id="{EB7A3028-B24E-D1AE-80C1-0054FBD2BA3A}"/>
+                <a16:creationId xmlns:a16="http://schemas.microsoft.com/office/drawing/2014/main" id="{EB7A3028-B24E-D1AE-80C1-0054FBD2BA3A}"/>
               </a:ext>
             </a:extLst>
           </p:cNvPr>
@@ -6721,7 +6708,7 @@
           <p:cNvPr id="44" name="직선 화살표 연결선 43">
             <a:extLst>
               <a:ext uri="{FF2B5EF4-FFF2-40B4-BE49-F238E27FC236}">
-                <a16:creationId xmlns:a16="http://schemas.microsoft.com/office/drawing/2014/main" xmlns="" id="{7BD70768-F0FE-EB75-384A-63A099E51E92}"/>
+                <a16:creationId xmlns:a16="http://schemas.microsoft.com/office/drawing/2014/main" id="{7BD70768-F0FE-EB75-384A-63A099E51E92}"/>
               </a:ext>
             </a:extLst>
           </p:cNvPr>
@@ -6763,7 +6750,7 @@
           <p:cNvPr id="45" name="TextBox 44">
             <a:extLst>
               <a:ext uri="{FF2B5EF4-FFF2-40B4-BE49-F238E27FC236}">
-                <a16:creationId xmlns:a16="http://schemas.microsoft.com/office/drawing/2014/main" xmlns="" id="{BB5C97C4-93FC-2F33-77D9-C519DD5BA1FE}"/>
+                <a16:creationId xmlns:a16="http://schemas.microsoft.com/office/drawing/2014/main" id="{BB5C97C4-93FC-2F33-77D9-C519DD5BA1FE}"/>
               </a:ext>
             </a:extLst>
           </p:cNvPr>
@@ -7354,7 +7341,7 @@
           <p:cNvPr id="5" name="그림 4">
             <a:extLst>
               <a:ext uri="{FF2B5EF4-FFF2-40B4-BE49-F238E27FC236}">
-                <a16:creationId xmlns:a16="http://schemas.microsoft.com/office/drawing/2014/main" xmlns="" id="{CED397DB-6884-4568-93D2-7A434AF2A375}"/>
+                <a16:creationId xmlns:a16="http://schemas.microsoft.com/office/drawing/2014/main" id="{CED397DB-6884-4568-93D2-7A434AF2A375}"/>
               </a:ext>
             </a:extLst>
           </p:cNvPr>
@@ -7384,7 +7371,7 @@
           <p:cNvPr id="6" name="직선 화살표 연결선 5">
             <a:extLst>
               <a:ext uri="{FF2B5EF4-FFF2-40B4-BE49-F238E27FC236}">
-                <a16:creationId xmlns:a16="http://schemas.microsoft.com/office/drawing/2014/main" xmlns="" id="{53D81AA9-426A-FA0D-5ED9-A7F39CD10E67}"/>
+                <a16:creationId xmlns:a16="http://schemas.microsoft.com/office/drawing/2014/main" id="{53D81AA9-426A-FA0D-5ED9-A7F39CD10E67}"/>
               </a:ext>
             </a:extLst>
           </p:cNvPr>
@@ -7427,7 +7414,7 @@
           <p:cNvPr id="7" name="TextBox 6">
             <a:extLst>
               <a:ext uri="{FF2B5EF4-FFF2-40B4-BE49-F238E27FC236}">
-                <a16:creationId xmlns:a16="http://schemas.microsoft.com/office/drawing/2014/main" xmlns="" id="{596882A4-AA05-D19C-F595-DDF46F3DFE63}"/>
+                <a16:creationId xmlns:a16="http://schemas.microsoft.com/office/drawing/2014/main" id="{596882A4-AA05-D19C-F595-DDF46F3DFE63}"/>
               </a:ext>
             </a:extLst>
           </p:cNvPr>
@@ -7510,7 +7497,7 @@
           <p:cNvPr id="11" name="그림 10">
             <a:extLst>
               <a:ext uri="{FF2B5EF4-FFF2-40B4-BE49-F238E27FC236}">
-                <a16:creationId xmlns:a16="http://schemas.microsoft.com/office/drawing/2014/main" xmlns="" id="{B1C8B7AD-6AC3-6D3F-F098-E984D99CD435}"/>
+                <a16:creationId xmlns:a16="http://schemas.microsoft.com/office/drawing/2014/main" id="{B1C8B7AD-6AC3-6D3F-F098-E984D99CD435}"/>
               </a:ext>
             </a:extLst>
           </p:cNvPr>
@@ -7540,7 +7527,7 @@
           <p:cNvPr id="12" name="직선 화살표 연결선 11">
             <a:extLst>
               <a:ext uri="{FF2B5EF4-FFF2-40B4-BE49-F238E27FC236}">
-                <a16:creationId xmlns:a16="http://schemas.microsoft.com/office/drawing/2014/main" xmlns="" id="{E7C2BF38-A838-5867-9212-996769FB3F03}"/>
+                <a16:creationId xmlns:a16="http://schemas.microsoft.com/office/drawing/2014/main" id="{E7C2BF38-A838-5867-9212-996769FB3F03}"/>
               </a:ext>
             </a:extLst>
           </p:cNvPr>
@@ -7582,7 +7569,7 @@
           <p:cNvPr id="13" name="TextBox 12">
             <a:extLst>
               <a:ext uri="{FF2B5EF4-FFF2-40B4-BE49-F238E27FC236}">
-                <a16:creationId xmlns:a16="http://schemas.microsoft.com/office/drawing/2014/main" xmlns="" id="{1845C746-1213-A154-7457-9FC33860F6BD}"/>
+                <a16:creationId xmlns:a16="http://schemas.microsoft.com/office/drawing/2014/main" id="{1845C746-1213-A154-7457-9FC33860F6BD}"/>
               </a:ext>
             </a:extLst>
           </p:cNvPr>
@@ -7873,7 +7860,254 @@
           <p:cNvPr id="4" name="TextBox 3">
             <a:extLst>
               <a:ext uri="{FF2B5EF4-FFF2-40B4-BE49-F238E27FC236}">
-                <a16:creationId xmlns:a16="http://schemas.microsoft.com/office/drawing/2014/main" xmlns="" id="{CB50B841-27B1-7598-2FB2-6051E08E5552}"/>
+                <a16:creationId xmlns:a16="http://schemas.microsoft.com/office/drawing/2014/main" id="{37C30BAF-D498-C798-BC14-1718488A3435}"/>
+              </a:ext>
+            </a:extLst>
+          </p:cNvPr>
+          <p:cNvSpPr txBox="1"/>
+          <p:nvPr/>
+        </p:nvSpPr>
+        <p:spPr>
+          <a:xfrm>
+            <a:off x="762000" y="731103"/>
+            <a:ext cx="3657600" cy="830997"/>
+          </a:xfrm>
+          <a:prstGeom prst="rect">
+            <a:avLst/>
+          </a:prstGeom>
+          <a:noFill/>
+        </p:spPr>
+        <p:txBody>
+          <a:bodyPr wrap="square" rtlCol="0">
+            <a:spAutoFit/>
+          </a:bodyPr>
+          <a:lstStyle/>
+          <a:p>
+            <a:r>
+              <a:rPr lang="ko-KR" altLang="en-US" sz="4800" dirty="0">
+                <a:solidFill>
+                  <a:srgbClr val="4C50BC"/>
+                </a:solidFill>
+                <a:latin typeface="G마켓 산스 Medium" panose="02000000000000000000" pitchFamily="50" charset="-127"/>
+                <a:ea typeface="G마켓 산스 Medium" panose="02000000000000000000" pitchFamily="50" charset="-127"/>
+              </a:rPr>
+              <a:t>실습문제</a:t>
+            </a:r>
+            <a:r>
+              <a:rPr lang="en-US" altLang="ko-KR" sz="4800" dirty="0">
+                <a:solidFill>
+                  <a:srgbClr val="4C50BC"/>
+                </a:solidFill>
+                <a:latin typeface="G마켓 산스 Medium" panose="02000000000000000000" pitchFamily="50" charset="-127"/>
+                <a:ea typeface="G마켓 산스 Medium" panose="02000000000000000000" pitchFamily="50" charset="-127"/>
+              </a:rPr>
+              <a:t>1</a:t>
+            </a:r>
+          </a:p>
+        </p:txBody>
+      </p:sp>
+      <p:sp>
+        <p:nvSpPr>
+          <p:cNvPr id="5" name="TextBox 4">
+            <a:extLst>
+              <a:ext uri="{FF2B5EF4-FFF2-40B4-BE49-F238E27FC236}">
+                <a16:creationId xmlns:a16="http://schemas.microsoft.com/office/drawing/2014/main" id="{1411E83A-6F3E-13BA-B84D-07D6B1588D85}"/>
+              </a:ext>
+            </a:extLst>
+          </p:cNvPr>
+          <p:cNvSpPr txBox="1"/>
+          <p:nvPr/>
+        </p:nvSpPr>
+        <p:spPr>
+          <a:xfrm>
+            <a:off x="1447800" y="1638300"/>
+            <a:ext cx="16154400" cy="1200329"/>
+          </a:xfrm>
+          <a:prstGeom prst="rect">
+            <a:avLst/>
+          </a:prstGeom>
+          <a:noFill/>
+        </p:spPr>
+        <p:txBody>
+          <a:bodyPr wrap="square" rtlCol="0">
+            <a:spAutoFit/>
+          </a:bodyPr>
+          <a:lstStyle/>
+          <a:p>
+            <a:pPr marL="742950" indent="-742950">
+              <a:buAutoNum type="arabicPeriod"/>
+            </a:pPr>
+            <a:r>
+              <a:rPr lang="en-US" altLang="ko-KR" sz="3600" dirty="0">
+                <a:solidFill>
+                  <a:schemeClr val="tx1">
+                    <a:lumMod val="50000"/>
+                    <a:lumOff val="50000"/>
+                  </a:schemeClr>
+                </a:solidFill>
+                <a:latin typeface="G마켓 산스 Medium" panose="02000000000000000000" pitchFamily="50" charset="-127"/>
+                <a:ea typeface="G마켓 산스 Medium" panose="02000000000000000000" pitchFamily="50" charset="-127"/>
+              </a:rPr>
+              <a:t>int </a:t>
+            </a:r>
+            <a:r>
+              <a:rPr lang="ko-KR" altLang="en-US" sz="3600" dirty="0">
+                <a:solidFill>
+                  <a:schemeClr val="tx1">
+                    <a:lumMod val="50000"/>
+                    <a:lumOff val="50000"/>
+                  </a:schemeClr>
+                </a:solidFill>
+                <a:latin typeface="G마켓 산스 Medium" panose="02000000000000000000" pitchFamily="50" charset="-127"/>
+                <a:ea typeface="G마켓 산스 Medium" panose="02000000000000000000" pitchFamily="50" charset="-127"/>
+              </a:rPr>
+              <a:t>타입 길이</a:t>
+            </a:r>
+            <a:r>
+              <a:rPr lang="en-US" altLang="ko-KR" sz="3600" dirty="0">
+                <a:solidFill>
+                  <a:schemeClr val="tx1">
+                    <a:lumMod val="50000"/>
+                    <a:lumOff val="50000"/>
+                  </a:schemeClr>
+                </a:solidFill>
+                <a:latin typeface="G마켓 산스 Medium" panose="02000000000000000000" pitchFamily="50" charset="-127"/>
+                <a:ea typeface="G마켓 산스 Medium" panose="02000000000000000000" pitchFamily="50" charset="-127"/>
+              </a:rPr>
+              <a:t>5</a:t>
+            </a:r>
+            <a:r>
+              <a:rPr lang="ko-KR" altLang="en-US" sz="3600" dirty="0">
+                <a:solidFill>
+                  <a:schemeClr val="tx1">
+                    <a:lumMod val="50000"/>
+                    <a:lumOff val="50000"/>
+                  </a:schemeClr>
+                </a:solidFill>
+                <a:latin typeface="G마켓 산스 Medium" panose="02000000000000000000" pitchFamily="50" charset="-127"/>
+                <a:ea typeface="G마켓 산스 Medium" panose="02000000000000000000" pitchFamily="50" charset="-127"/>
+              </a:rPr>
+              <a:t>의 배열을 만들어 임의의 값을 넣어 평균을 구해보자</a:t>
+            </a:r>
+            <a:r>
+              <a:rPr lang="en-US" altLang="ko-KR" sz="3600" dirty="0">
+                <a:solidFill>
+                  <a:schemeClr val="tx1">
+                    <a:lumMod val="50000"/>
+                    <a:lumOff val="50000"/>
+                  </a:schemeClr>
+                </a:solidFill>
+                <a:latin typeface="G마켓 산스 Medium" panose="02000000000000000000" pitchFamily="50" charset="-127"/>
+                <a:ea typeface="G마켓 산스 Medium" panose="02000000000000000000" pitchFamily="50" charset="-127"/>
+              </a:rPr>
+              <a:t>.</a:t>
+            </a:r>
+          </a:p>
+          <a:p>
+            <a:r>
+              <a:rPr lang="en-US" altLang="ko-KR" sz="3600" dirty="0">
+                <a:solidFill>
+                  <a:schemeClr val="tx1">
+                    <a:lumMod val="50000"/>
+                    <a:lumOff val="50000"/>
+                  </a:schemeClr>
+                </a:solidFill>
+                <a:latin typeface="G마켓 산스 Medium" panose="02000000000000000000" pitchFamily="50" charset="-127"/>
+                <a:ea typeface="G마켓 산스 Medium" panose="02000000000000000000" pitchFamily="50" charset="-127"/>
+              </a:rPr>
+              <a:t>    (</a:t>
+            </a:r>
+            <a:r>
+              <a:rPr lang="ko-KR" altLang="en-US" sz="3600" dirty="0">
+                <a:solidFill>
+                  <a:schemeClr val="tx1">
+                    <a:lumMod val="50000"/>
+                    <a:lumOff val="50000"/>
+                  </a:schemeClr>
+                </a:solidFill>
+                <a:latin typeface="G마켓 산스 Medium" panose="02000000000000000000" pitchFamily="50" charset="-127"/>
+                <a:ea typeface="G마켓 산스 Medium" panose="02000000000000000000" pitchFamily="50" charset="-127"/>
+              </a:rPr>
+              <a:t>결과는 </a:t>
+            </a:r>
+            <a:r>
+              <a:rPr lang="en-US" altLang="ko-KR" sz="3600" dirty="0">
+                <a:solidFill>
+                  <a:schemeClr val="tx1">
+                    <a:lumMod val="50000"/>
+                    <a:lumOff val="50000"/>
+                  </a:schemeClr>
+                </a:solidFill>
+                <a:latin typeface="G마켓 산스 Medium" panose="02000000000000000000" pitchFamily="50" charset="-127"/>
+                <a:ea typeface="G마켓 산스 Medium" panose="02000000000000000000" pitchFamily="50" charset="-127"/>
+              </a:rPr>
+              <a:t>float </a:t>
+            </a:r>
+            <a:r>
+              <a:rPr lang="ko-KR" altLang="en-US" sz="3600" dirty="0">
+                <a:solidFill>
+                  <a:schemeClr val="tx1">
+                    <a:lumMod val="50000"/>
+                    <a:lumOff val="50000"/>
+                  </a:schemeClr>
+                </a:solidFill>
+                <a:latin typeface="G마켓 산스 Medium" panose="02000000000000000000" pitchFamily="50" charset="-127"/>
+                <a:ea typeface="G마켓 산스 Medium" panose="02000000000000000000" pitchFamily="50" charset="-127"/>
+              </a:rPr>
+              <a:t>로 출력</a:t>
+            </a:r>
+            <a:r>
+              <a:rPr lang="en-US" altLang="ko-KR" sz="3600" dirty="0">
+                <a:solidFill>
+                  <a:schemeClr val="tx1">
+                    <a:lumMod val="50000"/>
+                    <a:lumOff val="50000"/>
+                  </a:schemeClr>
+                </a:solidFill>
+                <a:latin typeface="G마켓 산스 Medium" panose="02000000000000000000" pitchFamily="50" charset="-127"/>
+                <a:ea typeface="G마켓 산스 Medium" panose="02000000000000000000" pitchFamily="50" charset="-127"/>
+              </a:rPr>
+              <a:t>)</a:t>
+            </a:r>
+          </a:p>
+        </p:txBody>
+      </p:sp>
+    </p:spTree>
+    <p:extLst>
+      <p:ext uri="{BB962C8B-B14F-4D97-AF65-F5344CB8AC3E}">
+        <p14:creationId xmlns:p14="http://schemas.microsoft.com/office/powerpoint/2010/main" val="881198525"/>
+      </p:ext>
+    </p:extLst>
+  </p:cSld>
+  <p:clrMapOvr>
+    <a:masterClrMapping/>
+  </p:clrMapOvr>
+</p:sld>
+</file>
+
+<file path=ppt/slides/slide17.xml><?xml version="1.0" encoding="utf-8"?>
+<p:sld xmlns:a="http://schemas.openxmlformats.org/drawingml/2006/main" xmlns:r="http://schemas.openxmlformats.org/officeDocument/2006/relationships" xmlns:p="http://schemas.openxmlformats.org/presentationml/2006/main">
+  <p:cSld>
+    <p:spTree>
+      <p:nvGrpSpPr>
+        <p:cNvPr id="1" name=""/>
+        <p:cNvGrpSpPr/>
+        <p:nvPr/>
+      </p:nvGrpSpPr>
+      <p:grpSpPr>
+        <a:xfrm>
+          <a:off x="0" y="0"/>
+          <a:ext cx="0" cy="0"/>
+          <a:chOff x="0" y="0"/>
+          <a:chExt cx="0" cy="0"/>
+        </a:xfrm>
+      </p:grpSpPr>
+      <p:sp>
+        <p:nvSpPr>
+          <p:cNvPr id="4" name="TextBox 3">
+            <a:extLst>
+              <a:ext uri="{FF2B5EF4-FFF2-40B4-BE49-F238E27FC236}">
+                <a16:creationId xmlns:a16="http://schemas.microsoft.com/office/drawing/2014/main" id="{CB50B841-27B1-7598-2FB2-6051E08E5552}"/>
               </a:ext>
             </a:extLst>
           </p:cNvPr>
@@ -7921,7 +8155,7 @@
           <p:cNvPr id="6" name="그림 5">
             <a:extLst>
               <a:ext uri="{FF2B5EF4-FFF2-40B4-BE49-F238E27FC236}">
-                <a16:creationId xmlns:a16="http://schemas.microsoft.com/office/drawing/2014/main" xmlns="" id="{45CC5072-46D6-08D9-955B-32ED071F5AC0}"/>
+                <a16:creationId xmlns:a16="http://schemas.microsoft.com/office/drawing/2014/main" id="{45CC5072-46D6-08D9-955B-32ED071F5AC0}"/>
               </a:ext>
             </a:extLst>
           </p:cNvPr>
@@ -7951,7 +8185,7 @@
           <p:cNvPr id="7" name="직선 화살표 연결선 6">
             <a:extLst>
               <a:ext uri="{FF2B5EF4-FFF2-40B4-BE49-F238E27FC236}">
-                <a16:creationId xmlns:a16="http://schemas.microsoft.com/office/drawing/2014/main" xmlns="" id="{4BADD8A1-E513-3640-2D73-E61242BF977F}"/>
+                <a16:creationId xmlns:a16="http://schemas.microsoft.com/office/drawing/2014/main" id="{4BADD8A1-E513-3640-2D73-E61242BF977F}"/>
               </a:ext>
             </a:extLst>
           </p:cNvPr>
@@ -7992,7 +8226,7 @@
           <p:cNvPr id="8" name="TextBox 7">
             <a:extLst>
               <a:ext uri="{FF2B5EF4-FFF2-40B4-BE49-F238E27FC236}">
-                <a16:creationId xmlns:a16="http://schemas.microsoft.com/office/drawing/2014/main" xmlns="" id="{4D5F8ADA-A705-C51D-8E95-CD4CDB9654BA}"/>
+                <a16:creationId xmlns:a16="http://schemas.microsoft.com/office/drawing/2014/main" id="{4D5F8ADA-A705-C51D-8E95-CD4CDB9654BA}"/>
               </a:ext>
             </a:extLst>
           </p:cNvPr>
@@ -8049,7 +8283,7 @@
           <p:cNvPr id="10" name="그림 9">
             <a:extLst>
               <a:ext uri="{FF2B5EF4-FFF2-40B4-BE49-F238E27FC236}">
-                <a16:creationId xmlns:a16="http://schemas.microsoft.com/office/drawing/2014/main" xmlns="" id="{66218DCB-BBAA-13D4-ECB3-025DDCD23B4F}"/>
+                <a16:creationId xmlns:a16="http://schemas.microsoft.com/office/drawing/2014/main" id="{66218DCB-BBAA-13D4-ECB3-025DDCD23B4F}"/>
               </a:ext>
             </a:extLst>
           </p:cNvPr>
@@ -8079,7 +8313,7 @@
           <p:cNvPr id="11" name="직선 화살표 연결선 10">
             <a:extLst>
               <a:ext uri="{FF2B5EF4-FFF2-40B4-BE49-F238E27FC236}">
-                <a16:creationId xmlns:a16="http://schemas.microsoft.com/office/drawing/2014/main" xmlns="" id="{F86C6958-EFE9-C5DC-7948-5D8EAB522449}"/>
+                <a16:creationId xmlns:a16="http://schemas.microsoft.com/office/drawing/2014/main" id="{F86C6958-EFE9-C5DC-7948-5D8EAB522449}"/>
               </a:ext>
             </a:extLst>
           </p:cNvPr>
@@ -8121,7 +8355,7 @@
           <p:cNvPr id="12" name="TextBox 11">
             <a:extLst>
               <a:ext uri="{FF2B5EF4-FFF2-40B4-BE49-F238E27FC236}">
-                <a16:creationId xmlns:a16="http://schemas.microsoft.com/office/drawing/2014/main" xmlns="" id="{4DE5A079-4DA8-C78F-8103-A888E64984B4}"/>
+                <a16:creationId xmlns:a16="http://schemas.microsoft.com/office/drawing/2014/main" id="{4DE5A079-4DA8-C78F-8103-A888E64984B4}"/>
               </a:ext>
             </a:extLst>
           </p:cNvPr>
@@ -8416,7 +8650,7 @@
 </p:sld>
 </file>
 
-<file path=ppt/slides/slide17.xml><?xml version="1.0" encoding="utf-8"?>
+<file path=ppt/slides/slide18.xml><?xml version="1.0" encoding="utf-8"?>
 <p:sld xmlns:a="http://schemas.openxmlformats.org/drawingml/2006/main" xmlns:r="http://schemas.openxmlformats.org/officeDocument/2006/relationships" xmlns:p="http://schemas.openxmlformats.org/presentationml/2006/main">
   <p:cSld>
     <p:spTree>
@@ -8462,7 +8696,7 @@
           <p:cNvPr id="4" name="TextBox 3">
             <a:extLst>
               <a:ext uri="{FF2B5EF4-FFF2-40B4-BE49-F238E27FC236}">
-                <a16:creationId xmlns:a16="http://schemas.microsoft.com/office/drawing/2014/main" xmlns="" id="{AAA7A62B-B663-9BB3-853E-37554E612635}"/>
+                <a16:creationId xmlns:a16="http://schemas.microsoft.com/office/drawing/2014/main" id="{AAA7A62B-B663-9BB3-853E-37554E612635}"/>
               </a:ext>
             </a:extLst>
           </p:cNvPr>
@@ -8533,7 +8767,7 @@
           <p:cNvPr id="12" name="그룹 1018">
             <a:extLst>
               <a:ext uri="{FF2B5EF4-FFF2-40B4-BE49-F238E27FC236}">
-                <a16:creationId xmlns:a16="http://schemas.microsoft.com/office/drawing/2014/main" xmlns="" id="{4F0468F5-F027-54AB-48FE-FBD97453C390}"/>
+                <a16:creationId xmlns:a16="http://schemas.microsoft.com/office/drawing/2014/main" id="{4F0468F5-F027-54AB-48FE-FBD97453C390}"/>
               </a:ext>
             </a:extLst>
           </p:cNvPr>
@@ -8553,7 +8787,7 @@
             <p:cNvPr id="13" name="Object 61">
               <a:extLst>
                 <a:ext uri="{FF2B5EF4-FFF2-40B4-BE49-F238E27FC236}">
-                  <a16:creationId xmlns:a16="http://schemas.microsoft.com/office/drawing/2014/main" xmlns="" id="{AC2EBFB7-1019-73EA-EBFE-CF649B53884D}"/>
+                  <a16:creationId xmlns:a16="http://schemas.microsoft.com/office/drawing/2014/main" id="{AC2EBFB7-1019-73EA-EBFE-CF649B53884D}"/>
                 </a:ext>
               </a:extLst>
             </p:cNvPr>
@@ -8584,7 +8818,7 @@
           <p:cNvPr id="14" name="TextBox 13">
             <a:extLst>
               <a:ext uri="{FF2B5EF4-FFF2-40B4-BE49-F238E27FC236}">
-                <a16:creationId xmlns:a16="http://schemas.microsoft.com/office/drawing/2014/main" xmlns="" id="{CD7FD98D-0E89-838A-2E86-645AC568668B}"/>
+                <a16:creationId xmlns:a16="http://schemas.microsoft.com/office/drawing/2014/main" id="{CD7FD98D-0E89-838A-2E86-645AC568668B}"/>
               </a:ext>
             </a:extLst>
           </p:cNvPr>
@@ -8608,7 +8842,7 @@
           <a:lstStyle/>
           <a:p>
             <a:r>
-              <a:rPr lang="en-US" altLang="ko-KR" sz="4000" smtClean="0">
+              <a:rPr lang="en-US" altLang="ko-KR" sz="4000">
                 <a:solidFill>
                   <a:schemeClr val="tx1">
                     <a:lumMod val="50000"/>
@@ -8618,20 +8852,7 @@
                 <a:latin typeface="G마켓 산스 Medium" panose="02000000000000000000" pitchFamily="50" charset="-127"/>
                 <a:ea typeface="G마켓 산스 Medium" panose="02000000000000000000" pitchFamily="50" charset="-127"/>
               </a:rPr>
-              <a:t>temp</a:t>
-            </a:r>
-            <a:r>
-              <a:rPr lang="en-US" altLang="ko-KR" sz="4000" smtClean="0">
-                <a:solidFill>
-                  <a:schemeClr val="tx1">
-                    <a:lumMod val="50000"/>
-                    <a:lumOff val="50000"/>
-                  </a:schemeClr>
-                </a:solidFill>
-                <a:latin typeface="G마켓 산스 Medium" panose="02000000000000000000" pitchFamily="50" charset="-127"/>
-                <a:ea typeface="G마켓 산스 Medium" panose="02000000000000000000" pitchFamily="50" charset="-127"/>
-              </a:rPr>
-              <a:t>[10</a:t>
+              <a:t>temp[10</a:t>
             </a:r>
             <a:r>
               <a:rPr lang="en-US" altLang="ko-KR" sz="4000" dirty="0">
@@ -8654,7 +8875,7 @@
           <p:cNvPr id="17" name="TextBox 16">
             <a:extLst>
               <a:ext uri="{FF2B5EF4-FFF2-40B4-BE49-F238E27FC236}">
-                <a16:creationId xmlns:a16="http://schemas.microsoft.com/office/drawing/2014/main" xmlns="" id="{7843ACB4-9657-BCB3-AF18-AEDD8CD8AAD4}"/>
+                <a16:creationId xmlns:a16="http://schemas.microsoft.com/office/drawing/2014/main" id="{7843ACB4-9657-BCB3-AF18-AEDD8CD8AAD4}"/>
               </a:ext>
             </a:extLst>
           </p:cNvPr>
@@ -8685,17 +8906,7 @@
                 <a:latin typeface="G마켓 산스 Medium" panose="02000000000000000000" pitchFamily="50" charset="-127"/>
                 <a:ea typeface="G마켓 산스 Medium" panose="02000000000000000000" pitchFamily="50" charset="-127"/>
               </a:rPr>
-              <a:t>값</a:t>
-            </a:r>
-            <a:r>
-              <a:rPr lang="ko-KR" altLang="en-US" sz="4000" smtClean="0">
-                <a:solidFill>
-                  <a:srgbClr val="FF0000"/>
-                </a:solidFill>
-                <a:latin typeface="G마켓 산스 Medium" panose="02000000000000000000" pitchFamily="50" charset="-127"/>
-                <a:ea typeface="G마켓 산스 Medium" panose="02000000000000000000" pitchFamily="50" charset="-127"/>
-              </a:rPr>
-              <a:t>복사</a:t>
+              <a:t>값복사</a:t>
             </a:r>
             <a:r>
               <a:rPr lang="en-US" altLang="ko-KR" sz="4000" dirty="0">
@@ -8715,7 +8926,7 @@
           <p:cNvPr id="18" name="그룹 1018">
             <a:extLst>
               <a:ext uri="{FF2B5EF4-FFF2-40B4-BE49-F238E27FC236}">
-                <a16:creationId xmlns:a16="http://schemas.microsoft.com/office/drawing/2014/main" xmlns="" id="{AC6D02A6-858E-B1E5-BCF7-602AAC9F856B}"/>
+                <a16:creationId xmlns:a16="http://schemas.microsoft.com/office/drawing/2014/main" id="{AC6D02A6-858E-B1E5-BCF7-602AAC9F856B}"/>
               </a:ext>
             </a:extLst>
           </p:cNvPr>
@@ -8735,7 +8946,7 @@
             <p:cNvPr id="19" name="Object 61">
               <a:extLst>
                 <a:ext uri="{FF2B5EF4-FFF2-40B4-BE49-F238E27FC236}">
-                  <a16:creationId xmlns:a16="http://schemas.microsoft.com/office/drawing/2014/main" xmlns="" id="{6F0A1746-433C-D68C-49A3-F644B1C290B7}"/>
+                  <a16:creationId xmlns:a16="http://schemas.microsoft.com/office/drawing/2014/main" id="{6F0A1746-433C-D68C-49A3-F644B1C290B7}"/>
                 </a:ext>
               </a:extLst>
             </p:cNvPr>
@@ -8766,7 +8977,7 @@
           <p:cNvPr id="20" name="TextBox 19">
             <a:extLst>
               <a:ext uri="{FF2B5EF4-FFF2-40B4-BE49-F238E27FC236}">
-                <a16:creationId xmlns:a16="http://schemas.microsoft.com/office/drawing/2014/main" xmlns="" id="{963B2D80-045B-B26F-596E-2802A373CFAE}"/>
+                <a16:creationId xmlns:a16="http://schemas.microsoft.com/office/drawing/2014/main" id="{963B2D80-045B-B26F-596E-2802A373CFAE}"/>
               </a:ext>
             </a:extLst>
           </p:cNvPr>
@@ -8823,7 +9034,7 @@
           <p:cNvPr id="21" name="TextBox 20">
             <a:extLst>
               <a:ext uri="{FF2B5EF4-FFF2-40B4-BE49-F238E27FC236}">
-                <a16:creationId xmlns:a16="http://schemas.microsoft.com/office/drawing/2014/main" xmlns="" id="{59E0E04C-877E-D861-8074-BD32F9DFFD3D}"/>
+                <a16:creationId xmlns:a16="http://schemas.microsoft.com/office/drawing/2014/main" id="{59E0E04C-877E-D861-8074-BD32F9DFFD3D}"/>
               </a:ext>
             </a:extLst>
           </p:cNvPr>
@@ -8867,7 +9078,7 @@
           <p:cNvPr id="25" name="표 24">
             <a:extLst>
               <a:ext uri="{FF2B5EF4-FFF2-40B4-BE49-F238E27FC236}">
-                <a16:creationId xmlns:a16="http://schemas.microsoft.com/office/drawing/2014/main" xmlns="" id="{A8016755-38EE-8AE4-EEE3-827991B3D0F3}"/>
+                <a16:creationId xmlns:a16="http://schemas.microsoft.com/office/drawing/2014/main" id="{A8016755-38EE-8AE4-EEE3-827991B3D0F3}"/>
               </a:ext>
             </a:extLst>
           </p:cNvPr>
@@ -8896,14 +9107,14 @@
                 <a:gridCol w="1528823">
                   <a:extLst>
                     <a:ext uri="{9D8B030D-6E8A-4147-A177-3AD203B41FA5}">
-                      <a16:colId xmlns:a16="http://schemas.microsoft.com/office/drawing/2014/main" xmlns="" val="2271107190"/>
+                      <a16:colId xmlns:a16="http://schemas.microsoft.com/office/drawing/2014/main" val="2271107190"/>
                     </a:ext>
                   </a:extLst>
                 </a:gridCol>
                 <a:gridCol w="838200">
                   <a:extLst>
                     <a:ext uri="{9D8B030D-6E8A-4147-A177-3AD203B41FA5}">
-                      <a16:colId xmlns:a16="http://schemas.microsoft.com/office/drawing/2014/main" xmlns="" val="4072949715"/>
+                      <a16:colId xmlns:a16="http://schemas.microsoft.com/office/drawing/2014/main" val="4072949715"/>
                     </a:ext>
                   </a:extLst>
                 </a:gridCol>
@@ -9029,7 +9240,7 @@
                 </a:tc>
                 <a:extLst>
                   <a:ext uri="{0D108BD9-81ED-4DB2-BD59-A6C34878D82A}">
-                    <a16:rowId xmlns:a16="http://schemas.microsoft.com/office/drawing/2014/main" xmlns="" val="3364141702"/>
+                    <a16:rowId xmlns:a16="http://schemas.microsoft.com/office/drawing/2014/main" val="3364141702"/>
                   </a:ext>
                 </a:extLst>
               </a:tr>
@@ -9158,7 +9369,7 @@
                 </a:tc>
                 <a:extLst>
                   <a:ext uri="{0D108BD9-81ED-4DB2-BD59-A6C34878D82A}">
-                    <a16:rowId xmlns:a16="http://schemas.microsoft.com/office/drawing/2014/main" xmlns="" val="2764294510"/>
+                    <a16:rowId xmlns:a16="http://schemas.microsoft.com/office/drawing/2014/main" val="2764294510"/>
                   </a:ext>
                 </a:extLst>
               </a:tr>
@@ -9223,7 +9434,7 @@
                     <a:p>
                       <a:pPr latinLnBrk="1"/>
                       <a:r>
-                        <a:rPr lang="en-US" altLang="ko-KR" smtClean="0"/>
+                        <a:rPr lang="en-US" altLang="ko-KR"/>
                         <a:t>40</a:t>
                       </a:r>
                       <a:endParaRPr lang="ko-KR" altLang="en-US" dirty="0"/>
@@ -9271,7 +9482,7 @@
                 </a:tc>
                 <a:extLst>
                   <a:ext uri="{0D108BD9-81ED-4DB2-BD59-A6C34878D82A}">
-                    <a16:rowId xmlns:a16="http://schemas.microsoft.com/office/drawing/2014/main" xmlns="" val="1538767738"/>
+                    <a16:rowId xmlns:a16="http://schemas.microsoft.com/office/drawing/2014/main" val="1538767738"/>
                   </a:ext>
                 </a:extLst>
               </a:tr>
@@ -9336,7 +9547,7 @@
                     <a:p>
                       <a:pPr latinLnBrk="1"/>
                       <a:r>
-                        <a:rPr lang="en-US" altLang="ko-KR" smtClean="0"/>
+                        <a:rPr lang="en-US" altLang="ko-KR"/>
                         <a:t>50</a:t>
                       </a:r>
                       <a:endParaRPr lang="ko-KR" altLang="en-US" dirty="0"/>
@@ -9384,7 +9595,7 @@
                 </a:tc>
                 <a:extLst>
                   <a:ext uri="{0D108BD9-81ED-4DB2-BD59-A6C34878D82A}">
-                    <a16:rowId xmlns:a16="http://schemas.microsoft.com/office/drawing/2014/main" xmlns="" val="75423910"/>
+                    <a16:rowId xmlns:a16="http://schemas.microsoft.com/office/drawing/2014/main" val="75423910"/>
                   </a:ext>
                 </a:extLst>
               </a:tr>
@@ -9449,7 +9660,7 @@
                     <a:p>
                       <a:pPr latinLnBrk="1"/>
                       <a:r>
-                        <a:rPr lang="en-US" altLang="ko-KR" smtClean="0"/>
+                        <a:rPr lang="en-US" altLang="ko-KR"/>
                         <a:t>60</a:t>
                       </a:r>
                       <a:endParaRPr lang="ko-KR" altLang="en-US" dirty="0"/>
@@ -9497,7 +9708,7 @@
                 </a:tc>
                 <a:extLst>
                   <a:ext uri="{0D108BD9-81ED-4DB2-BD59-A6C34878D82A}">
-                    <a16:rowId xmlns:a16="http://schemas.microsoft.com/office/drawing/2014/main" xmlns="" val="1880026330"/>
+                    <a16:rowId xmlns:a16="http://schemas.microsoft.com/office/drawing/2014/main" val="1880026330"/>
                   </a:ext>
                 </a:extLst>
               </a:tr>
@@ -9562,7 +9773,7 @@
                     <a:p>
                       <a:pPr latinLnBrk="1"/>
                       <a:r>
-                        <a:rPr lang="en-US" altLang="ko-KR" smtClean="0"/>
+                        <a:rPr lang="en-US" altLang="ko-KR"/>
                         <a:t>70</a:t>
                       </a:r>
                       <a:endParaRPr lang="ko-KR" altLang="en-US" dirty="0"/>
@@ -9610,7 +9821,7 @@
                 </a:tc>
                 <a:extLst>
                   <a:ext uri="{0D108BD9-81ED-4DB2-BD59-A6C34878D82A}">
-                    <a16:rowId xmlns:a16="http://schemas.microsoft.com/office/drawing/2014/main" xmlns="" val="2904285843"/>
+                    <a16:rowId xmlns:a16="http://schemas.microsoft.com/office/drawing/2014/main" val="2904285843"/>
                   </a:ext>
                 </a:extLst>
               </a:tr>
@@ -9623,7 +9834,7 @@
           <p:cNvPr id="15" name="직선 화살표 연결선 14">
             <a:extLst>
               <a:ext uri="{FF2B5EF4-FFF2-40B4-BE49-F238E27FC236}">
-                <a16:creationId xmlns:a16="http://schemas.microsoft.com/office/drawing/2014/main" xmlns="" id="{4CD3AA73-144D-EE56-1594-B12541E20A71}"/>
+                <a16:creationId xmlns:a16="http://schemas.microsoft.com/office/drawing/2014/main" id="{4CD3AA73-144D-EE56-1594-B12541E20A71}"/>
               </a:ext>
             </a:extLst>
           </p:cNvPr>
@@ -9665,7 +9876,7 @@
           <p:cNvPr id="31" name="표 30">
             <a:extLst>
               <a:ext uri="{FF2B5EF4-FFF2-40B4-BE49-F238E27FC236}">
-                <a16:creationId xmlns:a16="http://schemas.microsoft.com/office/drawing/2014/main" xmlns="" id="{184CBD6D-35D2-535B-0A9C-7994770538BF}"/>
+                <a16:creationId xmlns:a16="http://schemas.microsoft.com/office/drawing/2014/main" id="{184CBD6D-35D2-535B-0A9C-7994770538BF}"/>
               </a:ext>
             </a:extLst>
           </p:cNvPr>
@@ -9694,14 +9905,14 @@
                 <a:gridCol w="1528823">
                   <a:extLst>
                     <a:ext uri="{9D8B030D-6E8A-4147-A177-3AD203B41FA5}">
-                      <a16:colId xmlns:a16="http://schemas.microsoft.com/office/drawing/2014/main" xmlns="" val="3265756666"/>
+                      <a16:colId xmlns:a16="http://schemas.microsoft.com/office/drawing/2014/main" val="3265756666"/>
                     </a:ext>
                   </a:extLst>
                 </a:gridCol>
                 <a:gridCol w="838200">
                   <a:extLst>
                     <a:ext uri="{9D8B030D-6E8A-4147-A177-3AD203B41FA5}">
-                      <a16:colId xmlns:a16="http://schemas.microsoft.com/office/drawing/2014/main" xmlns="" val="612514747"/>
+                      <a16:colId xmlns:a16="http://schemas.microsoft.com/office/drawing/2014/main" val="612514747"/>
                     </a:ext>
                   </a:extLst>
                 </a:gridCol>
@@ -9827,7 +10038,7 @@
                 </a:tc>
                 <a:extLst>
                   <a:ext uri="{0D108BD9-81ED-4DB2-BD59-A6C34878D82A}">
-                    <a16:rowId xmlns:a16="http://schemas.microsoft.com/office/drawing/2014/main" xmlns="" val="3206675433"/>
+                    <a16:rowId xmlns:a16="http://schemas.microsoft.com/office/drawing/2014/main" val="3206675433"/>
                   </a:ext>
                 </a:extLst>
               </a:tr>
@@ -9839,7 +10050,7 @@
                     <a:p>
                       <a:pPr latinLnBrk="1"/>
                       <a:r>
-                        <a:rPr lang="en-US" altLang="ko-KR" smtClean="0"/>
+                        <a:rPr lang="en-US" altLang="ko-KR"/>
                         <a:t>0x300A</a:t>
                       </a:r>
                       <a:endParaRPr lang="ko-KR" altLang="en-US" dirty="0"/>
@@ -9908,7 +10119,7 @@
                         <a:defRPr/>
                       </a:pPr>
                       <a:r>
-                        <a:rPr lang="en-US" altLang="ko-KR" smtClean="0"/>
+                        <a:rPr lang="en-US" altLang="ko-KR"/>
                         <a:t>0</a:t>
                       </a:r>
                       <a:endParaRPr lang="ko-KR" altLang="en-US" dirty="0"/>
@@ -9956,7 +10167,7 @@
                 </a:tc>
                 <a:extLst>
                   <a:ext uri="{0D108BD9-81ED-4DB2-BD59-A6C34878D82A}">
-                    <a16:rowId xmlns:a16="http://schemas.microsoft.com/office/drawing/2014/main" xmlns="" val="974737628"/>
+                    <a16:rowId xmlns:a16="http://schemas.microsoft.com/office/drawing/2014/main" val="974737628"/>
                   </a:ext>
                 </a:extLst>
               </a:tr>
@@ -9984,10 +10195,10 @@
                         <a:defRPr/>
                       </a:pPr>
                       <a:r>
-                        <a:rPr lang="en-US" altLang="ko-KR" smtClean="0"/>
+                        <a:rPr lang="en-US" altLang="ko-KR"/>
                         <a:t>0x300B</a:t>
                       </a:r>
-                      <a:endParaRPr lang="ko-KR" altLang="en-US" smtClean="0"/>
+                      <a:endParaRPr lang="ko-KR" altLang="en-US"/>
                     </a:p>
                   </a:txBody>
                   <a:tcPr>
@@ -10053,7 +10264,7 @@
                         <a:defRPr/>
                       </a:pPr>
                       <a:r>
-                        <a:rPr lang="en-US" altLang="ko-KR" smtClean="0"/>
+                        <a:rPr lang="en-US" altLang="ko-KR"/>
                         <a:t>0</a:t>
                       </a:r>
                       <a:endParaRPr lang="ko-KR" altLang="en-US" dirty="0"/>
@@ -10099,6 +10310,11 @@
                     <a:noFill/>
                   </a:tcPr>
                 </a:tc>
+                <a:extLst>
+                  <a:ext uri="{0D108BD9-81ED-4DB2-BD59-A6C34878D82A}">
+                    <a16:rowId xmlns:a16="http://schemas.microsoft.com/office/drawing/2014/main" val="10002"/>
+                  </a:ext>
+                </a:extLst>
               </a:tr>
               <a:tr h="255815">
                 <a:tc>
@@ -10124,10 +10340,10 @@
                         <a:defRPr/>
                       </a:pPr>
                       <a:r>
-                        <a:rPr lang="en-US" altLang="ko-KR" smtClean="0"/>
+                        <a:rPr lang="en-US" altLang="ko-KR"/>
                         <a:t>0x300C</a:t>
                       </a:r>
-                      <a:endParaRPr lang="ko-KR" altLang="en-US" smtClean="0"/>
+                      <a:endParaRPr lang="ko-KR" altLang="en-US"/>
                     </a:p>
                   </a:txBody>
                   <a:tcPr>
@@ -10225,7 +10441,7 @@
                 </a:tc>
                 <a:extLst>
                   <a:ext uri="{0D108BD9-81ED-4DB2-BD59-A6C34878D82A}">
-                    <a16:rowId xmlns:a16="http://schemas.microsoft.com/office/drawing/2014/main" xmlns="" val="4102325686"/>
+                    <a16:rowId xmlns:a16="http://schemas.microsoft.com/office/drawing/2014/main" val="4102325686"/>
                   </a:ext>
                 </a:extLst>
               </a:tr>
@@ -10253,10 +10469,10 @@
                         <a:defRPr/>
                       </a:pPr>
                       <a:r>
-                        <a:rPr lang="en-US" altLang="ko-KR" smtClean="0"/>
+                        <a:rPr lang="en-US" altLang="ko-KR"/>
                         <a:t>0x300D</a:t>
                       </a:r>
-                      <a:endParaRPr lang="ko-KR" altLang="en-US" smtClean="0"/>
+                      <a:endParaRPr lang="ko-KR" altLang="en-US"/>
                     </a:p>
                   </a:txBody>
                   <a:tcPr>
@@ -10306,7 +10522,7 @@
                     <a:p>
                       <a:pPr latinLnBrk="1"/>
                       <a:r>
-                        <a:rPr lang="en-US" altLang="ko-KR" smtClean="0"/>
+                        <a:rPr lang="en-US" altLang="ko-KR"/>
                         <a:t>0</a:t>
                       </a:r>
                       <a:endParaRPr lang="ko-KR" altLang="en-US" dirty="0"/>
@@ -10352,6 +10568,11 @@
                     <a:noFill/>
                   </a:tcPr>
                 </a:tc>
+                <a:extLst>
+                  <a:ext uri="{0D108BD9-81ED-4DB2-BD59-A6C34878D82A}">
+                    <a16:rowId xmlns:a16="http://schemas.microsoft.com/office/drawing/2014/main" val="10004"/>
+                  </a:ext>
+                </a:extLst>
               </a:tr>
               <a:tr h="255815">
                 <a:tc>
@@ -10377,10 +10598,10 @@
                         <a:defRPr/>
                       </a:pPr>
                       <a:r>
-                        <a:rPr lang="en-US" altLang="ko-KR" smtClean="0"/>
+                        <a:rPr lang="en-US" altLang="ko-KR"/>
                         <a:t>0x300E</a:t>
                       </a:r>
-                      <a:endParaRPr lang="ko-KR" altLang="en-US" smtClean="0"/>
+                      <a:endParaRPr lang="ko-KR" altLang="en-US"/>
                     </a:p>
                   </a:txBody>
                   <a:tcPr>
@@ -10478,7 +10699,7 @@
                 </a:tc>
                 <a:extLst>
                   <a:ext uri="{0D108BD9-81ED-4DB2-BD59-A6C34878D82A}">
-                    <a16:rowId xmlns:a16="http://schemas.microsoft.com/office/drawing/2014/main" xmlns="" val="2080406695"/>
+                    <a16:rowId xmlns:a16="http://schemas.microsoft.com/office/drawing/2014/main" val="2080406695"/>
                   </a:ext>
                 </a:extLst>
               </a:tr>
@@ -10506,10 +10727,10 @@
                         <a:defRPr/>
                       </a:pPr>
                       <a:r>
-                        <a:rPr lang="en-US" altLang="ko-KR" smtClean="0"/>
+                        <a:rPr lang="en-US" altLang="ko-KR"/>
                         <a:t>0x300F</a:t>
                       </a:r>
-                      <a:endParaRPr lang="ko-KR" altLang="en-US" smtClean="0"/>
+                      <a:endParaRPr lang="ko-KR" altLang="en-US"/>
                     </a:p>
                   </a:txBody>
                   <a:tcPr>
@@ -10559,7 +10780,7 @@
                     <a:p>
                       <a:pPr latinLnBrk="1"/>
                       <a:r>
-                        <a:rPr lang="en-US" altLang="ko-KR" smtClean="0"/>
+                        <a:rPr lang="en-US" altLang="ko-KR"/>
                         <a:t>0</a:t>
                       </a:r>
                       <a:endParaRPr lang="ko-KR" altLang="en-US" dirty="0"/>
@@ -10605,6 +10826,11 @@
                     <a:noFill/>
                   </a:tcPr>
                 </a:tc>
+                <a:extLst>
+                  <a:ext uri="{0D108BD9-81ED-4DB2-BD59-A6C34878D82A}">
+                    <a16:rowId xmlns:a16="http://schemas.microsoft.com/office/drawing/2014/main" val="10006"/>
+                  </a:ext>
+                </a:extLst>
               </a:tr>
               <a:tr h="255815">
                 <a:tc>
@@ -10614,7 +10840,7 @@
                     <a:p>
                       <a:pPr latinLnBrk="1"/>
                       <a:r>
-                        <a:rPr lang="en-US" altLang="ko-KR" smtClean="0"/>
+                        <a:rPr lang="en-US" altLang="ko-KR"/>
                         <a:t>0x3010</a:t>
                       </a:r>
                       <a:endParaRPr lang="ko-KR" altLang="en-US" dirty="0"/>
@@ -10715,7 +10941,7 @@
                 </a:tc>
                 <a:extLst>
                   <a:ext uri="{0D108BD9-81ED-4DB2-BD59-A6C34878D82A}">
-                    <a16:rowId xmlns:a16="http://schemas.microsoft.com/office/drawing/2014/main" xmlns="" val="844693801"/>
+                    <a16:rowId xmlns:a16="http://schemas.microsoft.com/office/drawing/2014/main" val="844693801"/>
                   </a:ext>
                 </a:extLst>
               </a:tr>
@@ -10727,7 +10953,7 @@
                     <a:p>
                       <a:pPr latinLnBrk="1"/>
                       <a:r>
-                        <a:rPr lang="en-US" altLang="ko-KR" smtClean="0"/>
+                        <a:rPr lang="en-US" altLang="ko-KR"/>
                         <a:t>0x3011</a:t>
                       </a:r>
                       <a:endParaRPr lang="ko-KR" altLang="en-US" dirty="0"/>
@@ -10780,7 +11006,7 @@
                     <a:p>
                       <a:pPr latinLnBrk="1"/>
                       <a:r>
-                        <a:rPr lang="en-US" altLang="ko-KR" smtClean="0"/>
+                        <a:rPr lang="en-US" altLang="ko-KR"/>
                         <a:t>0</a:t>
                       </a:r>
                       <a:endParaRPr lang="ko-KR" altLang="en-US" dirty="0"/>
@@ -10826,6 +11052,11 @@
                     <a:noFill/>
                   </a:tcPr>
                 </a:tc>
+                <a:extLst>
+                  <a:ext uri="{0D108BD9-81ED-4DB2-BD59-A6C34878D82A}">
+                    <a16:rowId xmlns:a16="http://schemas.microsoft.com/office/drawing/2014/main" val="10008"/>
+                  </a:ext>
+                </a:extLst>
               </a:tr>
               <a:tr h="255815">
                 <a:tc>
@@ -10835,7 +11066,7 @@
                     <a:p>
                       <a:pPr latinLnBrk="1"/>
                       <a:r>
-                        <a:rPr lang="en-US" altLang="ko-KR" smtClean="0"/>
+                        <a:rPr lang="en-US" altLang="ko-KR"/>
                         <a:t>0x3012</a:t>
                       </a:r>
                       <a:endParaRPr lang="ko-KR" altLang="en-US" dirty="0"/>
@@ -10888,7 +11119,7 @@
                     <a:p>
                       <a:pPr latinLnBrk="1"/>
                       <a:r>
-                        <a:rPr lang="en-US" altLang="ko-KR" smtClean="0"/>
+                        <a:rPr lang="en-US" altLang="ko-KR"/>
                         <a:t>0</a:t>
                       </a:r>
                     </a:p>
@@ -10935,7 +11166,7 @@
                 </a:tc>
                 <a:extLst>
                   <a:ext uri="{0D108BD9-81ED-4DB2-BD59-A6C34878D82A}">
-                    <a16:rowId xmlns:a16="http://schemas.microsoft.com/office/drawing/2014/main" xmlns="" val="2414498207"/>
+                    <a16:rowId xmlns:a16="http://schemas.microsoft.com/office/drawing/2014/main" val="2414498207"/>
                   </a:ext>
                 </a:extLst>
               </a:tr>
@@ -10947,7 +11178,7 @@
                     <a:p>
                       <a:pPr latinLnBrk="1"/>
                       <a:r>
-                        <a:rPr lang="en-US" altLang="ko-KR" smtClean="0"/>
+                        <a:rPr lang="en-US" altLang="ko-KR"/>
                         <a:t>0x3013</a:t>
                       </a:r>
                       <a:endParaRPr lang="ko-KR" altLang="en-US" dirty="0"/>
@@ -11000,7 +11231,7 @@
                     <a:p>
                       <a:pPr latinLnBrk="1"/>
                       <a:r>
-                        <a:rPr lang="en-US" altLang="ko-KR" smtClean="0"/>
+                        <a:rPr lang="en-US" altLang="ko-KR"/>
                         <a:t>0</a:t>
                       </a:r>
                     </a:p>
@@ -11045,6 +11276,11 @@
                     <a:noFill/>
                   </a:tcPr>
                 </a:tc>
+                <a:extLst>
+                  <a:ext uri="{0D108BD9-81ED-4DB2-BD59-A6C34878D82A}">
+                    <a16:rowId xmlns:a16="http://schemas.microsoft.com/office/drawing/2014/main" val="10010"/>
+                  </a:ext>
+                </a:extLst>
               </a:tr>
             </a:tbl>
           </a:graphicData>
@@ -11055,7 +11291,7 @@
           <p:cNvPr id="22" name="직선 화살표 연결선 21">
             <a:extLst>
               <a:ext uri="{FF2B5EF4-FFF2-40B4-BE49-F238E27FC236}">
-                <a16:creationId xmlns:a16="http://schemas.microsoft.com/office/drawing/2014/main" xmlns="" id="{4CD3AA73-144D-EE56-1594-B12541E20A71}"/>
+                <a16:creationId xmlns:a16="http://schemas.microsoft.com/office/drawing/2014/main" id="{4CD3AA73-144D-EE56-1594-B12541E20A71}"/>
               </a:ext>
             </a:extLst>
           </p:cNvPr>
@@ -11097,7 +11333,7 @@
           <p:cNvPr id="23" name="TextBox 22">
             <a:extLst>
               <a:ext uri="{FF2B5EF4-FFF2-40B4-BE49-F238E27FC236}">
-                <a16:creationId xmlns:a16="http://schemas.microsoft.com/office/drawing/2014/main" xmlns="" id="{59E0E04C-877E-D861-8074-BD32F9DFFD3D}"/>
+                <a16:creationId xmlns:a16="http://schemas.microsoft.com/office/drawing/2014/main" id="{59E0E04C-877E-D861-8074-BD32F9DFFD3D}"/>
               </a:ext>
             </a:extLst>
           </p:cNvPr>
@@ -11121,7 +11357,7 @@
           <a:lstStyle/>
           <a:p>
             <a:r>
-              <a:rPr lang="en-US" altLang="ko-KR" sz="4000" smtClean="0">
+              <a:rPr lang="en-US" altLang="ko-KR" sz="4000">
                 <a:solidFill>
                   <a:schemeClr val="tx1">
                     <a:lumMod val="50000"/>
@@ -11151,7 +11387,7 @@
           <p:cNvPr id="32" name="직선 화살표 연결선 31">
             <a:extLst>
               <a:ext uri="{FF2B5EF4-FFF2-40B4-BE49-F238E27FC236}">
-                <a16:creationId xmlns:a16="http://schemas.microsoft.com/office/drawing/2014/main" xmlns="" id="{4CD3AA73-144D-EE56-1594-B12541E20A71}"/>
+                <a16:creationId xmlns:a16="http://schemas.microsoft.com/office/drawing/2014/main" id="{4CD3AA73-144D-EE56-1594-B12541E20A71}"/>
               </a:ext>
             </a:extLst>
           </p:cNvPr>
@@ -11192,7 +11428,7 @@
           <p:cNvPr id="58" name="직선 화살표 연결선 57">
             <a:extLst>
               <a:ext uri="{FF2B5EF4-FFF2-40B4-BE49-F238E27FC236}">
-                <a16:creationId xmlns:a16="http://schemas.microsoft.com/office/drawing/2014/main" xmlns="" id="{4CD3AA73-144D-EE56-1594-B12541E20A71}"/>
+                <a16:creationId xmlns:a16="http://schemas.microsoft.com/office/drawing/2014/main" id="{4CD3AA73-144D-EE56-1594-B12541E20A71}"/>
               </a:ext>
             </a:extLst>
           </p:cNvPr>
@@ -11233,7 +11469,7 @@
           <p:cNvPr id="65" name="TextBox 64">
             <a:extLst>
               <a:ext uri="{FF2B5EF4-FFF2-40B4-BE49-F238E27FC236}">
-                <a16:creationId xmlns:a16="http://schemas.microsoft.com/office/drawing/2014/main" xmlns="" id="{7843ACB4-9657-BCB3-AF18-AEDD8CD8AAD4}"/>
+                <a16:creationId xmlns:a16="http://schemas.microsoft.com/office/drawing/2014/main" id="{7843ACB4-9657-BCB3-AF18-AEDD8CD8AAD4}"/>
               </a:ext>
             </a:extLst>
           </p:cNvPr>
@@ -11257,7 +11493,7 @@
           <a:lstStyle/>
           <a:p>
             <a:r>
-              <a:rPr lang="ko-KR" altLang="en-US" sz="4000" smtClean="0">
+              <a:rPr lang="ko-KR" altLang="en-US" sz="4000">
                 <a:solidFill>
                   <a:srgbClr val="FF0000"/>
                 </a:solidFill>
@@ -11267,7 +11503,7 @@
               <a:t>주소복사</a:t>
             </a:r>
             <a:r>
-              <a:rPr lang="en-US" altLang="ko-KR" sz="4000" smtClean="0">
+              <a:rPr lang="en-US" altLang="ko-KR" sz="4000">
                 <a:solidFill>
                   <a:srgbClr val="FF0000"/>
                 </a:solidFill>
@@ -11787,7 +12023,7 @@
 </p:sld>
 </file>
 
-<file path=ppt/slides/slide18.xml><?xml version="1.0" encoding="utf-8"?>
+<file path=ppt/slides/slide19.xml><?xml version="1.0" encoding="utf-8"?>
 <p:sld xmlns:a="http://schemas.openxmlformats.org/drawingml/2006/main" xmlns:r="http://schemas.openxmlformats.org/officeDocument/2006/relationships" xmlns:p="http://schemas.openxmlformats.org/presentationml/2006/main">
   <p:cSld>
     <p:spTree>
@@ -11809,7 +12045,7 @@
           <p:cNvPr id="4" name="TextBox 3">
             <a:extLst>
               <a:ext uri="{FF2B5EF4-FFF2-40B4-BE49-F238E27FC236}">
-                <a16:creationId xmlns:a16="http://schemas.microsoft.com/office/drawing/2014/main" xmlns="" id="{AAA7A62B-B663-9BB3-853E-37554E612635}"/>
+                <a16:creationId xmlns:a16="http://schemas.microsoft.com/office/drawing/2014/main" id="{AAA7A62B-B663-9BB3-853E-37554E612635}"/>
               </a:ext>
             </a:extLst>
           </p:cNvPr>
@@ -11833,7 +12069,7 @@
           <a:lstStyle/>
           <a:p>
             <a:r>
-              <a:rPr lang="en-US" altLang="ko-KR" sz="4800" smtClean="0">
+              <a:rPr lang="en-US" altLang="ko-KR" sz="4800">
                 <a:solidFill>
                   <a:srgbClr val="4C50BC"/>
                 </a:solidFill>
@@ -11843,7 +12079,7 @@
               <a:t>arraycopy</a:t>
             </a:r>
             <a:r>
-              <a:rPr lang="ko-KR" altLang="en-US" sz="4800" smtClean="0">
+              <a:rPr lang="ko-KR" altLang="en-US" sz="4800">
                 <a:solidFill>
                   <a:srgbClr val="4C50BC"/>
                 </a:solidFill>
@@ -11891,7 +12127,7 @@
           <p:cNvPr id="6" name="직선 화살표 연결선 5">
             <a:extLst>
               <a:ext uri="{FF2B5EF4-FFF2-40B4-BE49-F238E27FC236}">
-                <a16:creationId xmlns:a16="http://schemas.microsoft.com/office/drawing/2014/main" xmlns="" id="{299DF5EC-9DF4-5255-06AC-0A7CE4FF58C3}"/>
+                <a16:creationId xmlns:a16="http://schemas.microsoft.com/office/drawing/2014/main" id="{299DF5EC-9DF4-5255-06AC-0A7CE4FF58C3}"/>
               </a:ext>
             </a:extLst>
           </p:cNvPr>
@@ -11932,7 +12168,7 @@
           <p:cNvPr id="7" name="직사각형 6">
             <a:extLst>
               <a:ext uri="{FF2B5EF4-FFF2-40B4-BE49-F238E27FC236}">
-                <a16:creationId xmlns:a16="http://schemas.microsoft.com/office/drawing/2014/main" xmlns="" id="{FFF506F9-840A-0508-4CAF-3AC711D8D5CE}"/>
+                <a16:creationId xmlns:a16="http://schemas.microsoft.com/office/drawing/2014/main" id="{FFF506F9-840A-0508-4CAF-3AC711D8D5CE}"/>
               </a:ext>
             </a:extLst>
           </p:cNvPr>
@@ -11984,7 +12220,7 @@
           <p:cNvPr id="8" name="TextBox 7">
             <a:extLst>
               <a:ext uri="{FF2B5EF4-FFF2-40B4-BE49-F238E27FC236}">
-                <a16:creationId xmlns:a16="http://schemas.microsoft.com/office/drawing/2014/main" xmlns="" id="{C6D113C6-EA5C-788F-0C77-E7CE6EBB865F}"/>
+                <a16:creationId xmlns:a16="http://schemas.microsoft.com/office/drawing/2014/main" id="{C6D113C6-EA5C-788F-0C77-E7CE6EBB865F}"/>
               </a:ext>
             </a:extLst>
           </p:cNvPr>
@@ -12008,7 +12244,7 @@
           <a:lstStyle/>
           <a:p>
             <a:r>
-              <a:rPr lang="ko-KR" altLang="en-US" sz="4000" smtClean="0">
+              <a:rPr lang="ko-KR" altLang="en-US" sz="4000">
                 <a:solidFill>
                   <a:srgbClr val="FF0000"/>
                 </a:solidFill>
@@ -12032,7 +12268,7 @@
           <p:cNvPr id="10" name="직사각형 9">
             <a:extLst>
               <a:ext uri="{FF2B5EF4-FFF2-40B4-BE49-F238E27FC236}">
-                <a16:creationId xmlns:a16="http://schemas.microsoft.com/office/drawing/2014/main" xmlns="" id="{FFF506F9-840A-0508-4CAF-3AC711D8D5CE}"/>
+                <a16:creationId xmlns:a16="http://schemas.microsoft.com/office/drawing/2014/main" id="{FFF506F9-840A-0508-4CAF-3AC711D8D5CE}"/>
               </a:ext>
             </a:extLst>
           </p:cNvPr>
@@ -12084,7 +12320,7 @@
           <p:cNvPr id="11" name="직사각형 10">
             <a:extLst>
               <a:ext uri="{FF2B5EF4-FFF2-40B4-BE49-F238E27FC236}">
-                <a16:creationId xmlns:a16="http://schemas.microsoft.com/office/drawing/2014/main" xmlns="" id="{FFF506F9-840A-0508-4CAF-3AC711D8D5CE}"/>
+                <a16:creationId xmlns:a16="http://schemas.microsoft.com/office/drawing/2014/main" id="{FFF506F9-840A-0508-4CAF-3AC711D8D5CE}"/>
               </a:ext>
             </a:extLst>
           </p:cNvPr>
@@ -12136,7 +12372,7 @@
           <p:cNvPr id="12" name="직선 화살표 연결선 11">
             <a:extLst>
               <a:ext uri="{FF2B5EF4-FFF2-40B4-BE49-F238E27FC236}">
-                <a16:creationId xmlns:a16="http://schemas.microsoft.com/office/drawing/2014/main" xmlns="" id="{299DF5EC-9DF4-5255-06AC-0A7CE4FF58C3}"/>
+                <a16:creationId xmlns:a16="http://schemas.microsoft.com/office/drawing/2014/main" id="{299DF5EC-9DF4-5255-06AC-0A7CE4FF58C3}"/>
               </a:ext>
             </a:extLst>
           </p:cNvPr>
@@ -12177,7 +12413,7 @@
           <p:cNvPr id="14" name="TextBox 13">
             <a:extLst>
               <a:ext uri="{FF2B5EF4-FFF2-40B4-BE49-F238E27FC236}">
-                <a16:creationId xmlns:a16="http://schemas.microsoft.com/office/drawing/2014/main" xmlns="" id="{C6D113C6-EA5C-788F-0C77-E7CE6EBB865F}"/>
+                <a16:creationId xmlns:a16="http://schemas.microsoft.com/office/drawing/2014/main" id="{C6D113C6-EA5C-788F-0C77-E7CE6EBB865F}"/>
               </a:ext>
             </a:extLst>
           </p:cNvPr>
@@ -12201,7 +12437,7 @@
           <a:lstStyle/>
           <a:p>
             <a:r>
-              <a:rPr lang="ko-KR" altLang="en-US" sz="4000" smtClean="0">
+              <a:rPr lang="ko-KR" altLang="en-US" sz="4000">
                 <a:solidFill>
                   <a:srgbClr val="FF0000"/>
                 </a:solidFill>
@@ -12225,7 +12461,7 @@
           <p:cNvPr id="15" name="TextBox 14">
             <a:extLst>
               <a:ext uri="{FF2B5EF4-FFF2-40B4-BE49-F238E27FC236}">
-                <a16:creationId xmlns:a16="http://schemas.microsoft.com/office/drawing/2014/main" xmlns="" id="{C6D113C6-EA5C-788F-0C77-E7CE6EBB865F}"/>
+                <a16:creationId xmlns:a16="http://schemas.microsoft.com/office/drawing/2014/main" id="{C6D113C6-EA5C-788F-0C77-E7CE6EBB865F}"/>
               </a:ext>
             </a:extLst>
           </p:cNvPr>
@@ -12249,7 +12485,7 @@
           <a:lstStyle/>
           <a:p>
             <a:r>
-              <a:rPr lang="ko-KR" altLang="en-US" sz="4000" smtClean="0">
+              <a:rPr lang="ko-KR" altLang="en-US" sz="4000">
                 <a:solidFill>
                   <a:srgbClr val="FF0000"/>
                 </a:solidFill>
@@ -12273,7 +12509,7 @@
           <p:cNvPr id="16" name="직선 화살표 연결선 15">
             <a:extLst>
               <a:ext uri="{FF2B5EF4-FFF2-40B4-BE49-F238E27FC236}">
-                <a16:creationId xmlns:a16="http://schemas.microsoft.com/office/drawing/2014/main" xmlns="" id="{299DF5EC-9DF4-5255-06AC-0A7CE4FF58C3}"/>
+                <a16:creationId xmlns:a16="http://schemas.microsoft.com/office/drawing/2014/main" id="{299DF5EC-9DF4-5255-06AC-0A7CE4FF58C3}"/>
               </a:ext>
             </a:extLst>
           </p:cNvPr>
@@ -12319,254 +12555,6 @@
   <p:clrMapOvr>
     <a:masterClrMapping/>
   </p:clrMapOvr>
-  <p:timing>
-    <p:tnLst>
-      <p:par>
-        <p:cTn id="1" dur="indefinite" restart="never" nodeType="tmRoot"/>
-      </p:par>
-    </p:tnLst>
-  </p:timing>
-</p:sld>
-</file>
-
-<file path=ppt/slides/slide19.xml><?xml version="1.0" encoding="utf-8"?>
-<p:sld xmlns:a="http://schemas.openxmlformats.org/drawingml/2006/main" xmlns:r="http://schemas.openxmlformats.org/officeDocument/2006/relationships" xmlns:p="http://schemas.openxmlformats.org/presentationml/2006/main">
-  <p:cSld>
-    <p:spTree>
-      <p:nvGrpSpPr>
-        <p:cNvPr id="1" name=""/>
-        <p:cNvGrpSpPr/>
-        <p:nvPr/>
-      </p:nvGrpSpPr>
-      <p:grpSpPr>
-        <a:xfrm>
-          <a:off x="0" y="0"/>
-          <a:ext cx="0" cy="0"/>
-          <a:chOff x="0" y="0"/>
-          <a:chExt cx="0" cy="0"/>
-        </a:xfrm>
-      </p:grpSpPr>
-      <p:sp>
-        <p:nvSpPr>
-          <p:cNvPr id="4" name="TextBox 3">
-            <a:extLst>
-              <a:ext uri="{FF2B5EF4-FFF2-40B4-BE49-F238E27FC236}">
-                <a16:creationId xmlns:a16="http://schemas.microsoft.com/office/drawing/2014/main" xmlns="" id="{AAA7A62B-B663-9BB3-853E-37554E612635}"/>
-              </a:ext>
-            </a:extLst>
-          </p:cNvPr>
-          <p:cNvSpPr txBox="1"/>
-          <p:nvPr/>
-        </p:nvSpPr>
-        <p:spPr>
-          <a:xfrm>
-            <a:off x="838200" y="266700"/>
-            <a:ext cx="5181600" cy="830997"/>
-          </a:xfrm>
-          <a:prstGeom prst="rect">
-            <a:avLst/>
-          </a:prstGeom>
-          <a:noFill/>
-        </p:spPr>
-        <p:txBody>
-          <a:bodyPr wrap="square" rtlCol="0">
-            <a:spAutoFit/>
-          </a:bodyPr>
-          <a:lstStyle/>
-          <a:p>
-            <a:r>
-              <a:rPr lang="en-US" altLang="ko-KR" sz="4800" smtClean="0">
-                <a:solidFill>
-                  <a:srgbClr val="4C50BC"/>
-                </a:solidFill>
-                <a:latin typeface="G마켓 산스 Medium" panose="02000000000000000000" pitchFamily="50" charset="-127"/>
-                <a:ea typeface="G마켓 산스 Medium" panose="02000000000000000000" pitchFamily="50" charset="-127"/>
-              </a:rPr>
-              <a:t>char</a:t>
-            </a:r>
-            <a:r>
-              <a:rPr lang="ko-KR" altLang="en-US" sz="4800" smtClean="0">
-                <a:solidFill>
-                  <a:srgbClr val="4C50BC"/>
-                </a:solidFill>
-                <a:latin typeface="G마켓 산스 Medium" panose="02000000000000000000" pitchFamily="50" charset="-127"/>
-                <a:ea typeface="G마켓 산스 Medium" panose="02000000000000000000" pitchFamily="50" charset="-127"/>
-              </a:rPr>
-              <a:t>배열의 출력</a:t>
-            </a:r>
-            <a:endParaRPr lang="en-US" altLang="ko-KR" sz="4800" dirty="0">
-              <a:solidFill>
-                <a:srgbClr val="4C50BC"/>
-              </a:solidFill>
-              <a:latin typeface="G마켓 산스 Medium" panose="02000000000000000000" pitchFamily="50" charset="-127"/>
-              <a:ea typeface="G마켓 산스 Medium" panose="02000000000000000000" pitchFamily="50" charset="-127"/>
-            </a:endParaRPr>
-          </a:p>
-        </p:txBody>
-      </p:sp>
-      <p:pic>
-        <p:nvPicPr>
-          <p:cNvPr id="5" name="그림 4"/>
-          <p:cNvPicPr>
-            <a:picLocks noChangeAspect="1"/>
-          </p:cNvPicPr>
-          <p:nvPr/>
-        </p:nvPicPr>
-        <p:blipFill>
-          <a:blip r:embed="rId2"/>
-          <a:stretch>
-            <a:fillRect/>
-          </a:stretch>
-        </p:blipFill>
-        <p:spPr>
-          <a:xfrm>
-            <a:off x="1066800" y="1257300"/>
-            <a:ext cx="3505200" cy="3183167"/>
-          </a:xfrm>
-          <a:prstGeom prst="rect">
-            <a:avLst/>
-          </a:prstGeom>
-        </p:spPr>
-      </p:pic>
-      <p:pic>
-        <p:nvPicPr>
-          <p:cNvPr id="6" name="그림 5"/>
-          <p:cNvPicPr>
-            <a:picLocks noChangeAspect="1"/>
-          </p:cNvPicPr>
-          <p:nvPr/>
-        </p:nvPicPr>
-        <p:blipFill>
-          <a:blip r:embed="rId3"/>
-          <a:stretch>
-            <a:fillRect/>
-          </a:stretch>
-        </p:blipFill>
-        <p:spPr>
-          <a:xfrm>
-            <a:off x="1091418" y="4838700"/>
-            <a:ext cx="2489982" cy="1443058"/>
-          </a:xfrm>
-          <a:prstGeom prst="rect">
-            <a:avLst/>
-          </a:prstGeom>
-        </p:spPr>
-      </p:pic>
-      <p:sp>
-        <p:nvSpPr>
-          <p:cNvPr id="7" name="TextBox 6">
-            <a:extLst>
-              <a:ext uri="{FF2B5EF4-FFF2-40B4-BE49-F238E27FC236}">
-                <a16:creationId xmlns:a16="http://schemas.microsoft.com/office/drawing/2014/main" xmlns="" id="{C6D113C6-EA5C-788F-0C77-E7CE6EBB865F}"/>
-              </a:ext>
-            </a:extLst>
-          </p:cNvPr>
-          <p:cNvSpPr txBox="1"/>
-          <p:nvPr/>
-        </p:nvSpPr>
-        <p:spPr>
-          <a:xfrm>
-            <a:off x="152400" y="7360503"/>
-            <a:ext cx="17983200" cy="830997"/>
-          </a:xfrm>
-          <a:prstGeom prst="rect">
-            <a:avLst/>
-          </a:prstGeom>
-          <a:noFill/>
-        </p:spPr>
-        <p:txBody>
-          <a:bodyPr wrap="square" rtlCol="0">
-            <a:spAutoFit/>
-          </a:bodyPr>
-          <a:lstStyle/>
-          <a:p>
-            <a:r>
-              <a:rPr lang="ko-KR" altLang="en-US" sz="4800" smtClean="0">
-                <a:solidFill>
-                  <a:srgbClr val="FF0000"/>
-                </a:solidFill>
-                <a:latin typeface="G마켓 산스 Medium" panose="02000000000000000000" pitchFamily="50" charset="-127"/>
-                <a:ea typeface="G마켓 산스 Medium" panose="02000000000000000000" pitchFamily="50" charset="-127"/>
-              </a:rPr>
-              <a:t>일반 배열과 다르게 </a:t>
-            </a:r>
-            <a:r>
-              <a:rPr lang="en-US" altLang="ko-KR" sz="4800" smtClean="0">
-                <a:solidFill>
-                  <a:srgbClr val="FF0000"/>
-                </a:solidFill>
-                <a:latin typeface="G마켓 산스 Medium" panose="02000000000000000000" pitchFamily="50" charset="-127"/>
-                <a:ea typeface="G마켓 산스 Medium" panose="02000000000000000000" pitchFamily="50" charset="-127"/>
-              </a:rPr>
-              <a:t>char</a:t>
-            </a:r>
-            <a:r>
-              <a:rPr lang="ko-KR" altLang="en-US" sz="4800" smtClean="0">
-                <a:solidFill>
-                  <a:srgbClr val="FF0000"/>
-                </a:solidFill>
-                <a:latin typeface="G마켓 산스 Medium" panose="02000000000000000000" pitchFamily="50" charset="-127"/>
-                <a:ea typeface="G마켓 산스 Medium" panose="02000000000000000000" pitchFamily="50" charset="-127"/>
-              </a:rPr>
-              <a:t>배열은 </a:t>
-            </a:r>
-            <a:r>
-              <a:rPr lang="en-US" altLang="ko-KR" sz="4800" smtClean="0">
-                <a:solidFill>
-                  <a:srgbClr val="FF0000"/>
-                </a:solidFill>
-                <a:latin typeface="G마켓 산스 Medium" panose="02000000000000000000" pitchFamily="50" charset="-127"/>
-                <a:ea typeface="G마켓 산스 Medium" panose="02000000000000000000" pitchFamily="50" charset="-127"/>
-              </a:rPr>
-              <a:t>print </a:t>
-            </a:r>
-            <a:r>
-              <a:rPr lang="ko-KR" altLang="en-US" sz="4800" smtClean="0">
-                <a:solidFill>
-                  <a:srgbClr val="FF0000"/>
-                </a:solidFill>
-                <a:latin typeface="G마켓 산스 Medium" panose="02000000000000000000" pitchFamily="50" charset="-127"/>
-                <a:ea typeface="G마켓 산스 Medium" panose="02000000000000000000" pitchFamily="50" charset="-127"/>
-              </a:rPr>
-              <a:t>함수에서 특수하게 처리된다</a:t>
-            </a:r>
-            <a:r>
-              <a:rPr lang="en-US" altLang="ko-KR" sz="4800" smtClean="0">
-                <a:solidFill>
-                  <a:srgbClr val="FF0000"/>
-                </a:solidFill>
-                <a:latin typeface="G마켓 산스 Medium" panose="02000000000000000000" pitchFamily="50" charset="-127"/>
-                <a:ea typeface="G마켓 산스 Medium" panose="02000000000000000000" pitchFamily="50" charset="-127"/>
-              </a:rPr>
-              <a:t>.</a:t>
-            </a:r>
-            <a:endParaRPr lang="en-US" altLang="ko-KR" sz="4800" dirty="0">
-              <a:solidFill>
-                <a:srgbClr val="FF0000"/>
-              </a:solidFill>
-              <a:latin typeface="G마켓 산스 Medium" panose="02000000000000000000" pitchFamily="50" charset="-127"/>
-              <a:ea typeface="G마켓 산스 Medium" panose="02000000000000000000" pitchFamily="50" charset="-127"/>
-            </a:endParaRPr>
-          </a:p>
-        </p:txBody>
-      </p:sp>
-    </p:spTree>
-    <p:extLst>
-      <p:ext uri="{BB962C8B-B14F-4D97-AF65-F5344CB8AC3E}">
-        <p14:creationId xmlns:p14="http://schemas.microsoft.com/office/powerpoint/2010/main" val="3909271954"/>
-      </p:ext>
-    </p:extLst>
-  </p:cSld>
-  <p:clrMapOvr>
-    <a:masterClrMapping/>
-  </p:clrMapOvr>
-  <p:timing>
-    <p:tnLst>
-      <p:par>
-        <p:cTn id="1" dur="indefinite" restart="never" nodeType="tmRoot"/>
-      </p:par>
-    </p:tnLst>
-  </p:timing>
 </p:sld>
 </file>
 
@@ -12765,7 +12753,7 @@
           <p:cNvPr id="11" name="TextBox 10">
             <a:extLst>
               <a:ext uri="{FF2B5EF4-FFF2-40B4-BE49-F238E27FC236}">
-                <a16:creationId xmlns:a16="http://schemas.microsoft.com/office/drawing/2014/main" xmlns="" id="{9F88F580-08BE-88C2-D640-13F0026591CB}"/>
+                <a16:creationId xmlns:a16="http://schemas.microsoft.com/office/drawing/2014/main" id="{9F88F580-08BE-88C2-D640-13F0026591CB}"/>
               </a:ext>
             </a:extLst>
           </p:cNvPr>
@@ -12816,7 +12804,7 @@
           <p:cNvPr id="13" name="TextBox 12">
             <a:extLst>
               <a:ext uri="{FF2B5EF4-FFF2-40B4-BE49-F238E27FC236}">
-                <a16:creationId xmlns:a16="http://schemas.microsoft.com/office/drawing/2014/main" xmlns="" id="{72769C28-9BB6-DE9C-7B6F-264B77B8DD0E}"/>
+                <a16:creationId xmlns:a16="http://schemas.microsoft.com/office/drawing/2014/main" id="{72769C28-9BB6-DE9C-7B6F-264B77B8DD0E}"/>
               </a:ext>
             </a:extLst>
           </p:cNvPr>
@@ -12857,7 +12845,7 @@
           <p:cNvPr id="14" name="TextBox 13">
             <a:extLst>
               <a:ext uri="{FF2B5EF4-FFF2-40B4-BE49-F238E27FC236}">
-                <a16:creationId xmlns:a16="http://schemas.microsoft.com/office/drawing/2014/main" xmlns="" id="{270FBB6A-01CE-5637-78DA-58F0C974145C}"/>
+                <a16:creationId xmlns:a16="http://schemas.microsoft.com/office/drawing/2014/main" id="{270FBB6A-01CE-5637-78DA-58F0C974145C}"/>
               </a:ext>
             </a:extLst>
           </p:cNvPr>
@@ -12905,7 +12893,7 @@
           <p:cNvPr id="2" name="Object 17">
             <a:extLst>
               <a:ext uri="{FF2B5EF4-FFF2-40B4-BE49-F238E27FC236}">
-                <a16:creationId xmlns:a16="http://schemas.microsoft.com/office/drawing/2014/main" xmlns="" id="{140B283D-FE58-FA6F-6F7C-E0F1DBB62A65}"/>
+                <a16:creationId xmlns:a16="http://schemas.microsoft.com/office/drawing/2014/main" id="{140B283D-FE58-FA6F-6F7C-E0F1DBB62A65}"/>
               </a:ext>
             </a:extLst>
           </p:cNvPr>
@@ -12935,7 +12923,7 @@
           <p:cNvPr id="4" name="TextBox 3">
             <a:extLst>
               <a:ext uri="{FF2B5EF4-FFF2-40B4-BE49-F238E27FC236}">
-                <a16:creationId xmlns:a16="http://schemas.microsoft.com/office/drawing/2014/main" xmlns="" id="{2C8D0998-79BC-6FD2-59D9-8052B4A25F65}"/>
+                <a16:creationId xmlns:a16="http://schemas.microsoft.com/office/drawing/2014/main" id="{2C8D0998-79BC-6FD2-59D9-8052B4A25F65}"/>
               </a:ext>
             </a:extLst>
           </p:cNvPr>
@@ -12976,7 +12964,7 @@
           <p:cNvPr id="5" name="Object 18">
             <a:extLst>
               <a:ext uri="{FF2B5EF4-FFF2-40B4-BE49-F238E27FC236}">
-                <a16:creationId xmlns:a16="http://schemas.microsoft.com/office/drawing/2014/main" xmlns="" id="{3F58EA3E-1018-64D3-FAB2-4F6B9618FA56}"/>
+                <a16:creationId xmlns:a16="http://schemas.microsoft.com/office/drawing/2014/main" id="{3F58EA3E-1018-64D3-FAB2-4F6B9618FA56}"/>
               </a:ext>
             </a:extLst>
           </p:cNvPr>
@@ -13006,7 +12994,7 @@
           <p:cNvPr id="8" name="TextBox 7">
             <a:extLst>
               <a:ext uri="{FF2B5EF4-FFF2-40B4-BE49-F238E27FC236}">
-                <a16:creationId xmlns:a16="http://schemas.microsoft.com/office/drawing/2014/main" xmlns="" id="{681D3F16-7DCF-41AD-F5F1-0558C78C0E4D}"/>
+                <a16:creationId xmlns:a16="http://schemas.microsoft.com/office/drawing/2014/main" id="{681D3F16-7DCF-41AD-F5F1-0558C78C0E4D}"/>
               </a:ext>
             </a:extLst>
           </p:cNvPr>
@@ -13054,17 +13042,492 @@
   <p:clrMapOvr>
     <a:masterClrMapping/>
   </p:clrMapOvr>
+</p:sld>
+</file>
+
+<file path=ppt/slides/slide20.xml><?xml version="1.0" encoding="utf-8"?>
+<p:sld xmlns:a="http://schemas.openxmlformats.org/drawingml/2006/main" xmlns:r="http://schemas.openxmlformats.org/officeDocument/2006/relationships" xmlns:p="http://schemas.openxmlformats.org/presentationml/2006/main">
+  <p:cSld>
+    <p:spTree>
+      <p:nvGrpSpPr>
+        <p:cNvPr id="1" name=""/>
+        <p:cNvGrpSpPr/>
+        <p:nvPr/>
+      </p:nvGrpSpPr>
+      <p:grpSpPr>
+        <a:xfrm>
+          <a:off x="0" y="0"/>
+          <a:ext cx="0" cy="0"/>
+          <a:chOff x="0" y="0"/>
+          <a:chExt cx="0" cy="0"/>
+        </a:xfrm>
+      </p:grpSpPr>
+      <p:sp>
+        <p:nvSpPr>
+          <p:cNvPr id="4" name="TextBox 3">
+            <a:extLst>
+              <a:ext uri="{FF2B5EF4-FFF2-40B4-BE49-F238E27FC236}">
+                <a16:creationId xmlns:a16="http://schemas.microsoft.com/office/drawing/2014/main" id="{AAA7A62B-B663-9BB3-853E-37554E612635}"/>
+              </a:ext>
+            </a:extLst>
+          </p:cNvPr>
+          <p:cNvSpPr txBox="1"/>
+          <p:nvPr/>
+        </p:nvSpPr>
+        <p:spPr>
+          <a:xfrm>
+            <a:off x="838200" y="266700"/>
+            <a:ext cx="5181600" cy="830997"/>
+          </a:xfrm>
+          <a:prstGeom prst="rect">
+            <a:avLst/>
+          </a:prstGeom>
+          <a:noFill/>
+        </p:spPr>
+        <p:txBody>
+          <a:bodyPr wrap="square" rtlCol="0">
+            <a:spAutoFit/>
+          </a:bodyPr>
+          <a:lstStyle/>
+          <a:p>
+            <a:r>
+              <a:rPr lang="en-US" altLang="ko-KR" sz="4800">
+                <a:solidFill>
+                  <a:srgbClr val="4C50BC"/>
+                </a:solidFill>
+                <a:latin typeface="G마켓 산스 Medium" panose="02000000000000000000" pitchFamily="50" charset="-127"/>
+                <a:ea typeface="G마켓 산스 Medium" panose="02000000000000000000" pitchFamily="50" charset="-127"/>
+              </a:rPr>
+              <a:t>char</a:t>
+            </a:r>
+            <a:r>
+              <a:rPr lang="ko-KR" altLang="en-US" sz="4800">
+                <a:solidFill>
+                  <a:srgbClr val="4C50BC"/>
+                </a:solidFill>
+                <a:latin typeface="G마켓 산스 Medium" panose="02000000000000000000" pitchFamily="50" charset="-127"/>
+                <a:ea typeface="G마켓 산스 Medium" panose="02000000000000000000" pitchFamily="50" charset="-127"/>
+              </a:rPr>
+              <a:t>배열의 출력</a:t>
+            </a:r>
+            <a:endParaRPr lang="en-US" altLang="ko-KR" sz="4800" dirty="0">
+              <a:solidFill>
+                <a:srgbClr val="4C50BC"/>
+              </a:solidFill>
+              <a:latin typeface="G마켓 산스 Medium" panose="02000000000000000000" pitchFamily="50" charset="-127"/>
+              <a:ea typeface="G마켓 산스 Medium" panose="02000000000000000000" pitchFamily="50" charset="-127"/>
+            </a:endParaRPr>
+          </a:p>
+        </p:txBody>
+      </p:sp>
+      <p:pic>
+        <p:nvPicPr>
+          <p:cNvPr id="5" name="그림 4"/>
+          <p:cNvPicPr>
+            <a:picLocks noChangeAspect="1"/>
+          </p:cNvPicPr>
+          <p:nvPr/>
+        </p:nvPicPr>
+        <p:blipFill>
+          <a:blip r:embed="rId2"/>
+          <a:stretch>
+            <a:fillRect/>
+          </a:stretch>
+        </p:blipFill>
+        <p:spPr>
+          <a:xfrm>
+            <a:off x="11201400" y="1097697"/>
+            <a:ext cx="3505200" cy="3183167"/>
+          </a:xfrm>
+          <a:prstGeom prst="rect">
+            <a:avLst/>
+          </a:prstGeom>
+        </p:spPr>
+      </p:pic>
+      <p:pic>
+        <p:nvPicPr>
+          <p:cNvPr id="6" name="그림 5"/>
+          <p:cNvPicPr>
+            <a:picLocks noChangeAspect="1"/>
+          </p:cNvPicPr>
+          <p:nvPr/>
+        </p:nvPicPr>
+        <p:blipFill>
+          <a:blip r:embed="rId3"/>
+          <a:stretch>
+            <a:fillRect/>
+          </a:stretch>
+        </p:blipFill>
+        <p:spPr>
+          <a:xfrm>
+            <a:off x="11226018" y="4679097"/>
+            <a:ext cx="2489982" cy="1443058"/>
+          </a:xfrm>
+          <a:prstGeom prst="rect">
+            <a:avLst/>
+          </a:prstGeom>
+        </p:spPr>
+      </p:pic>
+      <p:sp>
+        <p:nvSpPr>
+          <p:cNvPr id="7" name="TextBox 6">
+            <a:extLst>
+              <a:ext uri="{FF2B5EF4-FFF2-40B4-BE49-F238E27FC236}">
+                <a16:creationId xmlns:a16="http://schemas.microsoft.com/office/drawing/2014/main" id="{C6D113C6-EA5C-788F-0C77-E7CE6EBB865F}"/>
+              </a:ext>
+            </a:extLst>
+          </p:cNvPr>
+          <p:cNvSpPr txBox="1"/>
+          <p:nvPr/>
+        </p:nvSpPr>
+        <p:spPr>
+          <a:xfrm>
+            <a:off x="152400" y="7360503"/>
+            <a:ext cx="17983200" cy="830997"/>
+          </a:xfrm>
+          <a:prstGeom prst="rect">
+            <a:avLst/>
+          </a:prstGeom>
+          <a:noFill/>
+        </p:spPr>
+        <p:txBody>
+          <a:bodyPr wrap="square" rtlCol="0">
+            <a:spAutoFit/>
+          </a:bodyPr>
+          <a:lstStyle/>
+          <a:p>
+            <a:r>
+              <a:rPr lang="ko-KR" altLang="en-US" sz="4800" dirty="0">
+                <a:solidFill>
+                  <a:srgbClr val="FF0000"/>
+                </a:solidFill>
+                <a:latin typeface="G마켓 산스 Medium" panose="02000000000000000000" pitchFamily="50" charset="-127"/>
+                <a:ea typeface="G마켓 산스 Medium" panose="02000000000000000000" pitchFamily="50" charset="-127"/>
+              </a:rPr>
+              <a:t>일반 배열과 다르게 </a:t>
+            </a:r>
+            <a:r>
+              <a:rPr lang="en-US" altLang="ko-KR" sz="4800" dirty="0">
+                <a:solidFill>
+                  <a:srgbClr val="FF0000"/>
+                </a:solidFill>
+                <a:latin typeface="G마켓 산스 Medium" panose="02000000000000000000" pitchFamily="50" charset="-127"/>
+                <a:ea typeface="G마켓 산스 Medium" panose="02000000000000000000" pitchFamily="50" charset="-127"/>
+              </a:rPr>
+              <a:t>char</a:t>
+            </a:r>
+            <a:r>
+              <a:rPr lang="ko-KR" altLang="en-US" sz="4800" dirty="0">
+                <a:solidFill>
+                  <a:srgbClr val="FF0000"/>
+                </a:solidFill>
+                <a:latin typeface="G마켓 산스 Medium" panose="02000000000000000000" pitchFamily="50" charset="-127"/>
+                <a:ea typeface="G마켓 산스 Medium" panose="02000000000000000000" pitchFamily="50" charset="-127"/>
+              </a:rPr>
+              <a:t>배열은 </a:t>
+            </a:r>
+            <a:r>
+              <a:rPr lang="en-US" altLang="ko-KR" sz="4800" dirty="0">
+                <a:solidFill>
+                  <a:srgbClr val="FF0000"/>
+                </a:solidFill>
+                <a:latin typeface="G마켓 산스 Medium" panose="02000000000000000000" pitchFamily="50" charset="-127"/>
+                <a:ea typeface="G마켓 산스 Medium" panose="02000000000000000000" pitchFamily="50" charset="-127"/>
+              </a:rPr>
+              <a:t>print </a:t>
+            </a:r>
+            <a:r>
+              <a:rPr lang="ko-KR" altLang="en-US" sz="4800" dirty="0">
+                <a:solidFill>
+                  <a:srgbClr val="FF0000"/>
+                </a:solidFill>
+                <a:latin typeface="G마켓 산스 Medium" panose="02000000000000000000" pitchFamily="50" charset="-127"/>
+                <a:ea typeface="G마켓 산스 Medium" panose="02000000000000000000" pitchFamily="50" charset="-127"/>
+              </a:rPr>
+              <a:t>함수에서 특수하게 처리된다</a:t>
+            </a:r>
+            <a:r>
+              <a:rPr lang="en-US" altLang="ko-KR" sz="4800" dirty="0">
+                <a:solidFill>
+                  <a:srgbClr val="FF0000"/>
+                </a:solidFill>
+                <a:latin typeface="G마켓 산스 Medium" panose="02000000000000000000" pitchFamily="50" charset="-127"/>
+                <a:ea typeface="G마켓 산스 Medium" panose="02000000000000000000" pitchFamily="50" charset="-127"/>
+              </a:rPr>
+              <a:t>.</a:t>
+            </a:r>
+          </a:p>
+        </p:txBody>
+      </p:sp>
+      <p:pic>
+        <p:nvPicPr>
+          <p:cNvPr id="3" name="그림 2">
+            <a:extLst>
+              <a:ext uri="{FF2B5EF4-FFF2-40B4-BE49-F238E27FC236}">
+                <a16:creationId xmlns:a16="http://schemas.microsoft.com/office/drawing/2014/main" id="{C51CB23B-D151-B405-7C38-7A547E2BC2B9}"/>
+              </a:ext>
+            </a:extLst>
+          </p:cNvPr>
+          <p:cNvPicPr>
+            <a:picLocks noChangeAspect="1"/>
+          </p:cNvPicPr>
+          <p:nvPr/>
+        </p:nvPicPr>
+        <p:blipFill>
+          <a:blip r:embed="rId4"/>
+          <a:stretch>
+            <a:fillRect/>
+          </a:stretch>
+        </p:blipFill>
+        <p:spPr>
+          <a:xfrm>
+            <a:off x="904501" y="1221464"/>
+            <a:ext cx="4200899" cy="3498257"/>
+          </a:xfrm>
+          <a:prstGeom prst="rect">
+            <a:avLst/>
+          </a:prstGeom>
+        </p:spPr>
+      </p:pic>
+      <p:pic>
+        <p:nvPicPr>
+          <p:cNvPr id="9" name="그림 8">
+            <a:extLst>
+              <a:ext uri="{FF2B5EF4-FFF2-40B4-BE49-F238E27FC236}">
+                <a16:creationId xmlns:a16="http://schemas.microsoft.com/office/drawing/2014/main" id="{7D610FE0-1B3C-8685-E698-C503F01B23A8}"/>
+              </a:ext>
+            </a:extLst>
+          </p:cNvPr>
+          <p:cNvPicPr>
+            <a:picLocks noChangeAspect="1"/>
+          </p:cNvPicPr>
+          <p:nvPr/>
+        </p:nvPicPr>
+        <p:blipFill>
+          <a:blip r:embed="rId5"/>
+          <a:stretch>
+            <a:fillRect/>
+          </a:stretch>
+        </p:blipFill>
+        <p:spPr>
+          <a:xfrm>
+            <a:off x="919014" y="4996437"/>
+            <a:ext cx="4033985" cy="1336412"/>
+          </a:xfrm>
+          <a:prstGeom prst="rect">
+            <a:avLst/>
+          </a:prstGeom>
+        </p:spPr>
+      </p:pic>
+    </p:spTree>
+    <p:extLst>
+      <p:ext uri="{BB962C8B-B14F-4D97-AF65-F5344CB8AC3E}">
+        <p14:creationId xmlns:p14="http://schemas.microsoft.com/office/powerpoint/2010/main" val="3909271954"/>
+      </p:ext>
+    </p:extLst>
+  </p:cSld>
+  <p:clrMapOvr>
+    <a:masterClrMapping/>
+  </p:clrMapOvr>
   <p:timing>
     <p:tnLst>
       <p:par>
-        <p:cTn id="1" dur="indefinite" restart="never" nodeType="tmRoot"/>
+        <p:cTn id="1" dur="indefinite" restart="never" nodeType="tmRoot">
+          <p:childTnLst>
+            <p:seq concurrent="1" nextAc="seek">
+              <p:cTn id="2" dur="indefinite" nodeType="mainSeq">
+                <p:childTnLst>
+                  <p:par>
+                    <p:cTn id="3" fill="hold">
+                      <p:stCondLst>
+                        <p:cond delay="indefinite"/>
+                      </p:stCondLst>
+                      <p:childTnLst>
+                        <p:par>
+                          <p:cTn id="4" fill="hold">
+                            <p:stCondLst>
+                              <p:cond delay="0"/>
+                            </p:stCondLst>
+                            <p:childTnLst>
+                              <p:par>
+                                <p:cTn id="5" presetID="1" presetClass="entr" presetSubtype="0" fill="hold" nodeType="clickEffect">
+                                  <p:stCondLst>
+                                    <p:cond delay="0"/>
+                                  </p:stCondLst>
+                                  <p:childTnLst>
+                                    <p:set>
+                                      <p:cBhvr>
+                                        <p:cTn id="6" dur="1" fill="hold">
+                                          <p:stCondLst>
+                                            <p:cond delay="0"/>
+                                          </p:stCondLst>
+                                        </p:cTn>
+                                        <p:tgtEl>
+                                          <p:spTgt spid="9"/>
+                                        </p:tgtEl>
+                                        <p:attrNameLst>
+                                          <p:attrName>style.visibility</p:attrName>
+                                        </p:attrNameLst>
+                                      </p:cBhvr>
+                                      <p:to>
+                                        <p:strVal val="visible"/>
+                                      </p:to>
+                                    </p:set>
+                                  </p:childTnLst>
+                                </p:cTn>
+                              </p:par>
+                            </p:childTnLst>
+                          </p:cTn>
+                        </p:par>
+                      </p:childTnLst>
+                    </p:cTn>
+                  </p:par>
+                  <p:par>
+                    <p:cTn id="7" fill="hold">
+                      <p:stCondLst>
+                        <p:cond delay="indefinite"/>
+                      </p:stCondLst>
+                      <p:childTnLst>
+                        <p:par>
+                          <p:cTn id="8" fill="hold">
+                            <p:stCondLst>
+                              <p:cond delay="0"/>
+                            </p:stCondLst>
+                            <p:childTnLst>
+                              <p:par>
+                                <p:cTn id="9" presetID="1" presetClass="entr" presetSubtype="0" fill="hold" nodeType="clickEffect">
+                                  <p:stCondLst>
+                                    <p:cond delay="0"/>
+                                  </p:stCondLst>
+                                  <p:childTnLst>
+                                    <p:set>
+                                      <p:cBhvr>
+                                        <p:cTn id="10" dur="1" fill="hold">
+                                          <p:stCondLst>
+                                            <p:cond delay="0"/>
+                                          </p:stCondLst>
+                                        </p:cTn>
+                                        <p:tgtEl>
+                                          <p:spTgt spid="5"/>
+                                        </p:tgtEl>
+                                        <p:attrNameLst>
+                                          <p:attrName>style.visibility</p:attrName>
+                                        </p:attrNameLst>
+                                      </p:cBhvr>
+                                      <p:to>
+                                        <p:strVal val="visible"/>
+                                      </p:to>
+                                    </p:set>
+                                  </p:childTnLst>
+                                </p:cTn>
+                              </p:par>
+                              <p:par>
+                                <p:cTn id="11" presetID="1" presetClass="entr" presetSubtype="0" fill="hold" nodeType="withEffect">
+                                  <p:stCondLst>
+                                    <p:cond delay="0"/>
+                                  </p:stCondLst>
+                                  <p:childTnLst>
+                                    <p:set>
+                                      <p:cBhvr>
+                                        <p:cTn id="12" dur="1" fill="hold">
+                                          <p:stCondLst>
+                                            <p:cond delay="0"/>
+                                          </p:stCondLst>
+                                        </p:cTn>
+                                        <p:tgtEl>
+                                          <p:spTgt spid="6"/>
+                                        </p:tgtEl>
+                                        <p:attrNameLst>
+                                          <p:attrName>style.visibility</p:attrName>
+                                        </p:attrNameLst>
+                                      </p:cBhvr>
+                                      <p:to>
+                                        <p:strVal val="visible"/>
+                                      </p:to>
+                                    </p:set>
+                                  </p:childTnLst>
+                                </p:cTn>
+                              </p:par>
+                            </p:childTnLst>
+                          </p:cTn>
+                        </p:par>
+                      </p:childTnLst>
+                    </p:cTn>
+                  </p:par>
+                  <p:par>
+                    <p:cTn id="13" fill="hold">
+                      <p:stCondLst>
+                        <p:cond delay="indefinite"/>
+                      </p:stCondLst>
+                      <p:childTnLst>
+                        <p:par>
+                          <p:cTn id="14" fill="hold">
+                            <p:stCondLst>
+                              <p:cond delay="0"/>
+                            </p:stCondLst>
+                            <p:childTnLst>
+                              <p:par>
+                                <p:cTn id="15" presetID="1" presetClass="entr" presetSubtype="0" fill="hold" grpId="0" nodeType="clickEffect">
+                                  <p:stCondLst>
+                                    <p:cond delay="0"/>
+                                  </p:stCondLst>
+                                  <p:childTnLst>
+                                    <p:set>
+                                      <p:cBhvr>
+                                        <p:cTn id="16" dur="1" fill="hold">
+                                          <p:stCondLst>
+                                            <p:cond delay="0"/>
+                                          </p:stCondLst>
+                                        </p:cTn>
+                                        <p:tgtEl>
+                                          <p:spTgt spid="7"/>
+                                        </p:tgtEl>
+                                        <p:attrNameLst>
+                                          <p:attrName>style.visibility</p:attrName>
+                                        </p:attrNameLst>
+                                      </p:cBhvr>
+                                      <p:to>
+                                        <p:strVal val="visible"/>
+                                      </p:to>
+                                    </p:set>
+                                  </p:childTnLst>
+                                </p:cTn>
+                              </p:par>
+                            </p:childTnLst>
+                          </p:cTn>
+                        </p:par>
+                      </p:childTnLst>
+                    </p:cTn>
+                  </p:par>
+                </p:childTnLst>
+              </p:cTn>
+              <p:prevCondLst>
+                <p:cond evt="onPrev" delay="0">
+                  <p:tgtEl>
+                    <p:sldTgt/>
+                  </p:tgtEl>
+                </p:cond>
+              </p:prevCondLst>
+              <p:nextCondLst>
+                <p:cond evt="onNext" delay="0">
+                  <p:tgtEl>
+                    <p:sldTgt/>
+                  </p:tgtEl>
+                </p:cond>
+              </p:nextCondLst>
+            </p:seq>
+          </p:childTnLst>
+        </p:cTn>
       </p:par>
     </p:tnLst>
+    <p:bldLst>
+      <p:bldP spid="7" grpId="0"/>
+    </p:bldLst>
   </p:timing>
 </p:sld>
 </file>
 
-<file path=ppt/slides/slide20.xml><?xml version="1.0" encoding="utf-8"?>
+<file path=ppt/slides/slide21.xml><?xml version="1.0" encoding="utf-8"?>
 <p:sld xmlns:a="http://schemas.openxmlformats.org/drawingml/2006/main" xmlns:r="http://schemas.openxmlformats.org/officeDocument/2006/relationships" xmlns:p="http://schemas.openxmlformats.org/presentationml/2006/main">
   <p:cSld>
     <p:spTree>
@@ -13091,809 +13554,6 @@
   <p:clrMapOvr>
     <a:masterClrMapping/>
   </p:clrMapOvr>
-  <p:timing>
-    <p:tnLst>
-      <p:par>
-        <p:cTn id="1" dur="indefinite" restart="never" nodeType="tmRoot"/>
-      </p:par>
-    </p:tnLst>
-  </p:timing>
-</p:sld>
-</file>
-
-<file path=ppt/slides/slide21.xml><?xml version="1.0" encoding="utf-8"?>
-<p:sld xmlns:a="http://schemas.openxmlformats.org/drawingml/2006/main" xmlns:r="http://schemas.openxmlformats.org/officeDocument/2006/relationships" xmlns:p="http://schemas.openxmlformats.org/presentationml/2006/main">
-  <p:cSld>
-    <p:spTree>
-      <p:nvGrpSpPr>
-        <p:cNvPr id="1" name=""/>
-        <p:cNvGrpSpPr/>
-        <p:nvPr/>
-      </p:nvGrpSpPr>
-      <p:grpSpPr>
-        <a:xfrm>
-          <a:off x="0" y="0"/>
-          <a:ext cx="0" cy="0"/>
-          <a:chOff x="0" y="0"/>
-          <a:chExt cx="0" cy="0"/>
-        </a:xfrm>
-      </p:grpSpPr>
-      <p:sp>
-        <p:nvSpPr>
-          <p:cNvPr id="6" name="TextBox 5">
-            <a:extLst>
-              <a:ext uri="{FF2B5EF4-FFF2-40B4-BE49-F238E27FC236}">
-                <a16:creationId xmlns:a16="http://schemas.microsoft.com/office/drawing/2014/main" xmlns="" id="{5ADC00B6-990A-40DC-3CEA-505258F5E8DA}"/>
-              </a:ext>
-            </a:extLst>
-          </p:cNvPr>
-          <p:cNvSpPr txBox="1"/>
-          <p:nvPr/>
-        </p:nvSpPr>
-        <p:spPr>
-          <a:xfrm>
-            <a:off x="1371600" y="497131"/>
-            <a:ext cx="1752600" cy="830997"/>
-          </a:xfrm>
-          <a:prstGeom prst="rect">
-            <a:avLst/>
-          </a:prstGeom>
-          <a:noFill/>
-        </p:spPr>
-        <p:txBody>
-          <a:bodyPr wrap="square" rtlCol="0">
-            <a:spAutoFit/>
-          </a:bodyPr>
-          <a:lstStyle/>
-          <a:p>
-            <a:r>
-              <a:rPr lang="en-US" altLang="ko-KR" sz="4800" dirty="0">
-                <a:solidFill>
-                  <a:srgbClr val="4C50BC"/>
-                </a:solidFill>
-                <a:latin typeface="G마켓 산스 Medium" panose="02000000000000000000" pitchFamily="50" charset="-127"/>
-                <a:ea typeface="G마켓 산스 Medium" panose="02000000000000000000" pitchFamily="50" charset="-127"/>
-              </a:rPr>
-              <a:t>for</a:t>
-            </a:r>
-            <a:r>
-              <a:rPr lang="ko-KR" altLang="en-US" sz="4800" dirty="0">
-                <a:solidFill>
-                  <a:srgbClr val="4C50BC"/>
-                </a:solidFill>
-                <a:latin typeface="G마켓 산스 Medium" panose="02000000000000000000" pitchFamily="50" charset="-127"/>
-                <a:ea typeface="G마켓 산스 Medium" panose="02000000000000000000" pitchFamily="50" charset="-127"/>
-              </a:rPr>
-              <a:t>문</a:t>
-            </a:r>
-            <a:endParaRPr lang="en-US" altLang="ko-KR" sz="4800" dirty="0">
-              <a:solidFill>
-                <a:srgbClr val="4C50BC"/>
-              </a:solidFill>
-              <a:latin typeface="G마켓 산스 Medium" panose="02000000000000000000" pitchFamily="50" charset="-127"/>
-              <a:ea typeface="G마켓 산스 Medium" panose="02000000000000000000" pitchFamily="50" charset="-127"/>
-            </a:endParaRPr>
-          </a:p>
-        </p:txBody>
-      </p:sp>
-      <p:sp>
-        <p:nvSpPr>
-          <p:cNvPr id="8" name="TextBox 7">
-            <a:extLst>
-              <a:ext uri="{FF2B5EF4-FFF2-40B4-BE49-F238E27FC236}">
-                <a16:creationId xmlns:a16="http://schemas.microsoft.com/office/drawing/2014/main" xmlns="" id="{5ADC00B6-990A-40DC-3CEA-505258F5E8DA}"/>
-              </a:ext>
-            </a:extLst>
-          </p:cNvPr>
-          <p:cNvSpPr txBox="1"/>
-          <p:nvPr/>
-        </p:nvSpPr>
-        <p:spPr>
-          <a:xfrm>
-            <a:off x="2781300" y="8115300"/>
-            <a:ext cx="12233728" cy="830997"/>
-          </a:xfrm>
-          <a:prstGeom prst="rect">
-            <a:avLst/>
-          </a:prstGeom>
-          <a:noFill/>
-        </p:spPr>
-        <p:txBody>
-          <a:bodyPr wrap="square" rtlCol="0">
-            <a:spAutoFit/>
-          </a:bodyPr>
-          <a:lstStyle/>
-          <a:p>
-            <a:r>
-              <a:rPr lang="ko-KR" altLang="en-US" sz="4800" dirty="0">
-                <a:solidFill>
-                  <a:srgbClr val="4C50BC"/>
-                </a:solidFill>
-                <a:latin typeface="G마켓 산스 Medium" panose="02000000000000000000" pitchFamily="50" charset="-127"/>
-                <a:ea typeface="G마켓 산스 Medium" panose="02000000000000000000" pitchFamily="50" charset="-127"/>
-              </a:rPr>
-              <a:t>초기화 </a:t>
-            </a:r>
-            <a:r>
-              <a:rPr lang="en-US" altLang="ko-KR" sz="4800" dirty="0">
-                <a:solidFill>
-                  <a:srgbClr val="4C50BC"/>
-                </a:solidFill>
-                <a:latin typeface="G마켓 산스 Medium" panose="02000000000000000000" pitchFamily="50" charset="-127"/>
-                <a:ea typeface="G마켓 산스 Medium" panose="02000000000000000000" pitchFamily="50" charset="-127"/>
-              </a:rPr>
-              <a:t>-&gt; </a:t>
-            </a:r>
-            <a:r>
-              <a:rPr lang="ko-KR" altLang="en-US" sz="4800" dirty="0">
-                <a:solidFill>
-                  <a:srgbClr val="4C50BC"/>
-                </a:solidFill>
-                <a:latin typeface="G마켓 산스 Medium" panose="02000000000000000000" pitchFamily="50" charset="-127"/>
-                <a:ea typeface="G마켓 산스 Medium" panose="02000000000000000000" pitchFamily="50" charset="-127"/>
-              </a:rPr>
-              <a:t>조건식 </a:t>
-            </a:r>
-            <a:r>
-              <a:rPr lang="en-US" altLang="ko-KR" sz="4800" dirty="0">
-                <a:solidFill>
-                  <a:srgbClr val="4C50BC"/>
-                </a:solidFill>
-                <a:latin typeface="G마켓 산스 Medium" panose="02000000000000000000" pitchFamily="50" charset="-127"/>
-                <a:ea typeface="G마켓 산스 Medium" panose="02000000000000000000" pitchFamily="50" charset="-127"/>
-              </a:rPr>
-              <a:t>-&gt; for</a:t>
-            </a:r>
-            <a:r>
-              <a:rPr lang="ko-KR" altLang="en-US" sz="4800" dirty="0">
-                <a:solidFill>
-                  <a:srgbClr val="4C50BC"/>
-                </a:solidFill>
-                <a:latin typeface="G마켓 산스 Medium" panose="02000000000000000000" pitchFamily="50" charset="-127"/>
-                <a:ea typeface="G마켓 산스 Medium" panose="02000000000000000000" pitchFamily="50" charset="-127"/>
-              </a:rPr>
-              <a:t>문 실행 </a:t>
-            </a:r>
-            <a:r>
-              <a:rPr lang="en-US" altLang="ko-KR" sz="4800" dirty="0">
-                <a:solidFill>
-                  <a:srgbClr val="4C50BC"/>
-                </a:solidFill>
-                <a:latin typeface="G마켓 산스 Medium" panose="02000000000000000000" pitchFamily="50" charset="-127"/>
-                <a:ea typeface="G마켓 산스 Medium" panose="02000000000000000000" pitchFamily="50" charset="-127"/>
-              </a:rPr>
-              <a:t>-&gt; </a:t>
-            </a:r>
-            <a:r>
-              <a:rPr lang="ko-KR" altLang="en-US" sz="4800" dirty="0" err="1">
-                <a:solidFill>
-                  <a:srgbClr val="4C50BC"/>
-                </a:solidFill>
-                <a:latin typeface="G마켓 산스 Medium" panose="02000000000000000000" pitchFamily="50" charset="-127"/>
-                <a:ea typeface="G마켓 산스 Medium" panose="02000000000000000000" pitchFamily="50" charset="-127"/>
-              </a:rPr>
-              <a:t>증감식</a:t>
-            </a:r>
-            <a:endParaRPr lang="en-US" altLang="ko-KR" sz="4800" dirty="0">
-              <a:solidFill>
-                <a:srgbClr val="4C50BC"/>
-              </a:solidFill>
-              <a:latin typeface="G마켓 산스 Medium" panose="02000000000000000000" pitchFamily="50" charset="-127"/>
-              <a:ea typeface="G마켓 산스 Medium" panose="02000000000000000000" pitchFamily="50" charset="-127"/>
-            </a:endParaRPr>
-          </a:p>
-        </p:txBody>
-      </p:sp>
-      <p:pic>
-        <p:nvPicPr>
-          <p:cNvPr id="3" name="그림 2">
-            <a:extLst>
-              <a:ext uri="{FF2B5EF4-FFF2-40B4-BE49-F238E27FC236}">
-                <a16:creationId xmlns:a16="http://schemas.microsoft.com/office/drawing/2014/main" xmlns="" id="{F5B18E58-C822-3D4A-DC6C-337B77A00346}"/>
-              </a:ext>
-            </a:extLst>
-          </p:cNvPr>
-          <p:cNvPicPr>
-            <a:picLocks noChangeAspect="1"/>
-          </p:cNvPicPr>
-          <p:nvPr/>
-        </p:nvPicPr>
-        <p:blipFill>
-          <a:blip r:embed="rId2"/>
-          <a:stretch>
-            <a:fillRect/>
-          </a:stretch>
-        </p:blipFill>
-        <p:spPr>
-          <a:xfrm>
-            <a:off x="1600200" y="2448205"/>
-            <a:ext cx="10840917" cy="2743200"/>
-          </a:xfrm>
-          <a:prstGeom prst="rect">
-            <a:avLst/>
-          </a:prstGeom>
-        </p:spPr>
-      </p:pic>
-      <p:cxnSp>
-        <p:nvCxnSpPr>
-          <p:cNvPr id="5" name="직선 화살표 연결선 4">
-            <a:extLst>
-              <a:ext uri="{FF2B5EF4-FFF2-40B4-BE49-F238E27FC236}">
-                <a16:creationId xmlns:a16="http://schemas.microsoft.com/office/drawing/2014/main" xmlns="" id="{1531DCE9-8979-540C-770F-532EA63DD581}"/>
-              </a:ext>
-            </a:extLst>
-          </p:cNvPr>
-          <p:cNvCxnSpPr>
-            <a:cxnSpLocks/>
-          </p:cNvCxnSpPr>
-          <p:nvPr/>
-        </p:nvCxnSpPr>
-        <p:spPr>
-          <a:xfrm flipH="1">
-            <a:off x="1905000" y="3445328"/>
-            <a:ext cx="1752600" cy="2185162"/>
-          </a:xfrm>
-          <a:prstGeom prst="straightConnector1">
-            <a:avLst/>
-          </a:prstGeom>
-          <a:ln w="38100">
-            <a:tailEnd type="triangle"/>
-          </a:ln>
-        </p:spPr>
-        <p:style>
-          <a:lnRef idx="1">
-            <a:schemeClr val="accent2"/>
-          </a:lnRef>
-          <a:fillRef idx="0">
-            <a:schemeClr val="accent2"/>
-          </a:fillRef>
-          <a:effectRef idx="0">
-            <a:schemeClr val="accent2"/>
-          </a:effectRef>
-          <a:fontRef idx="minor">
-            <a:schemeClr val="tx1"/>
-          </a:fontRef>
-        </p:style>
-      </p:cxnSp>
-      <p:sp>
-        <p:nvSpPr>
-          <p:cNvPr id="11" name="TextBox 10">
-            <a:extLst>
-              <a:ext uri="{FF2B5EF4-FFF2-40B4-BE49-F238E27FC236}">
-                <a16:creationId xmlns:a16="http://schemas.microsoft.com/office/drawing/2014/main" xmlns="" id="{270C665C-AE90-6805-E0D6-1535A7AD09AB}"/>
-              </a:ext>
-            </a:extLst>
-          </p:cNvPr>
-          <p:cNvSpPr txBox="1"/>
-          <p:nvPr/>
-        </p:nvSpPr>
-        <p:spPr>
-          <a:xfrm>
-            <a:off x="228601" y="5788262"/>
-            <a:ext cx="3429000" cy="954107"/>
-          </a:xfrm>
-          <a:prstGeom prst="rect">
-            <a:avLst/>
-          </a:prstGeom>
-          <a:noFill/>
-        </p:spPr>
-        <p:txBody>
-          <a:bodyPr wrap="square" rtlCol="0">
-            <a:spAutoFit/>
-          </a:bodyPr>
-          <a:lstStyle/>
-          <a:p>
-            <a:r>
-              <a:rPr lang="ko-KR" altLang="en-US" sz="2800" dirty="0">
-                <a:solidFill>
-                  <a:srgbClr val="FF0000"/>
-                </a:solidFill>
-                <a:latin typeface="G마켓 산스 Medium" panose="02000000000000000000" pitchFamily="50" charset="-127"/>
-                <a:ea typeface="G마켓 산스 Medium" panose="02000000000000000000" pitchFamily="50" charset="-127"/>
-              </a:rPr>
-              <a:t>변수 선언 및 초기화</a:t>
-            </a:r>
-            <a:endParaRPr lang="en-US" altLang="ko-KR" sz="2800" dirty="0">
-              <a:solidFill>
-                <a:srgbClr val="FF0000"/>
-              </a:solidFill>
-              <a:latin typeface="G마켓 산스 Medium" panose="02000000000000000000" pitchFamily="50" charset="-127"/>
-              <a:ea typeface="G마켓 산스 Medium" panose="02000000000000000000" pitchFamily="50" charset="-127"/>
-            </a:endParaRPr>
-          </a:p>
-          <a:p>
-            <a:r>
-              <a:rPr lang="en-US" altLang="ko-KR" sz="2800" dirty="0">
-                <a:solidFill>
-                  <a:srgbClr val="FF0000"/>
-                </a:solidFill>
-                <a:latin typeface="G마켓 산스 Medium" panose="02000000000000000000" pitchFamily="50" charset="-127"/>
-                <a:ea typeface="G마켓 산스 Medium" panose="02000000000000000000" pitchFamily="50" charset="-127"/>
-              </a:rPr>
-              <a:t>(</a:t>
-            </a:r>
-            <a:r>
-              <a:rPr lang="ko-KR" altLang="en-US" sz="2800" dirty="0">
-                <a:solidFill>
-                  <a:srgbClr val="FF0000"/>
-                </a:solidFill>
-                <a:latin typeface="G마켓 산스 Medium" panose="02000000000000000000" pitchFamily="50" charset="-127"/>
-                <a:ea typeface="G마켓 산스 Medium" panose="02000000000000000000" pitchFamily="50" charset="-127"/>
-              </a:rPr>
-              <a:t>최초 한번 실행</a:t>
-            </a:r>
-            <a:r>
-              <a:rPr lang="en-US" altLang="ko-KR" sz="2800" dirty="0">
-                <a:solidFill>
-                  <a:srgbClr val="FF0000"/>
-                </a:solidFill>
-                <a:latin typeface="G마켓 산스 Medium" panose="02000000000000000000" pitchFamily="50" charset="-127"/>
-                <a:ea typeface="G마켓 산스 Medium" panose="02000000000000000000" pitchFamily="50" charset="-127"/>
-              </a:rPr>
-              <a:t>)</a:t>
-            </a:r>
-          </a:p>
-        </p:txBody>
-      </p:sp>
-      <p:cxnSp>
-        <p:nvCxnSpPr>
-          <p:cNvPr id="15" name="직선 연결선 14">
-            <a:extLst>
-              <a:ext uri="{FF2B5EF4-FFF2-40B4-BE49-F238E27FC236}">
-                <a16:creationId xmlns:a16="http://schemas.microsoft.com/office/drawing/2014/main" xmlns="" id="{E40D645D-B358-1557-2F13-A243670FCA7A}"/>
-              </a:ext>
-            </a:extLst>
-          </p:cNvPr>
-          <p:cNvCxnSpPr/>
-          <p:nvPr/>
-        </p:nvCxnSpPr>
-        <p:spPr>
-          <a:xfrm>
-            <a:off x="3124200" y="3425371"/>
-            <a:ext cx="1981200" cy="0"/>
-          </a:xfrm>
-          <a:prstGeom prst="line">
-            <a:avLst/>
-          </a:prstGeom>
-          <a:ln>
-            <a:solidFill>
-              <a:srgbClr val="FF0000"/>
-            </a:solidFill>
-          </a:ln>
-        </p:spPr>
-        <p:style>
-          <a:lnRef idx="3">
-            <a:schemeClr val="accent2"/>
-          </a:lnRef>
-          <a:fillRef idx="0">
-            <a:schemeClr val="accent2"/>
-          </a:fillRef>
-          <a:effectRef idx="2">
-            <a:schemeClr val="accent2"/>
-          </a:effectRef>
-          <a:fontRef idx="minor">
-            <a:schemeClr val="tx1"/>
-          </a:fontRef>
-        </p:style>
-      </p:cxnSp>
-      <p:cxnSp>
-        <p:nvCxnSpPr>
-          <p:cNvPr id="16" name="직선 연결선 15">
-            <a:extLst>
-              <a:ext uri="{FF2B5EF4-FFF2-40B4-BE49-F238E27FC236}">
-                <a16:creationId xmlns:a16="http://schemas.microsoft.com/office/drawing/2014/main" xmlns="" id="{EBB73448-1B66-9555-EE66-45A1A58DB64F}"/>
-              </a:ext>
-            </a:extLst>
-          </p:cNvPr>
-          <p:cNvCxnSpPr>
-            <a:cxnSpLocks/>
-          </p:cNvCxnSpPr>
-          <p:nvPr/>
-        </p:nvCxnSpPr>
-        <p:spPr>
-          <a:xfrm>
-            <a:off x="5791200" y="3425371"/>
-            <a:ext cx="1066800" cy="0"/>
-          </a:xfrm>
-          <a:prstGeom prst="line">
-            <a:avLst/>
-          </a:prstGeom>
-          <a:ln>
-            <a:solidFill>
-              <a:srgbClr val="FF0000"/>
-            </a:solidFill>
-          </a:ln>
-        </p:spPr>
-        <p:style>
-          <a:lnRef idx="3">
-            <a:schemeClr val="accent2"/>
-          </a:lnRef>
-          <a:fillRef idx="0">
-            <a:schemeClr val="accent2"/>
-          </a:fillRef>
-          <a:effectRef idx="2">
-            <a:schemeClr val="accent2"/>
-          </a:effectRef>
-          <a:fontRef idx="minor">
-            <a:schemeClr val="tx1"/>
-          </a:fontRef>
-        </p:style>
-      </p:cxnSp>
-      <p:cxnSp>
-        <p:nvCxnSpPr>
-          <p:cNvPr id="18" name="직선 연결선 17">
-            <a:extLst>
-              <a:ext uri="{FF2B5EF4-FFF2-40B4-BE49-F238E27FC236}">
-                <a16:creationId xmlns:a16="http://schemas.microsoft.com/office/drawing/2014/main" xmlns="" id="{35AAEC27-482D-AAA0-269F-59162F0A70BA}"/>
-              </a:ext>
-            </a:extLst>
-          </p:cNvPr>
-          <p:cNvCxnSpPr>
-            <a:cxnSpLocks/>
-          </p:cNvCxnSpPr>
-          <p:nvPr/>
-        </p:nvCxnSpPr>
-        <p:spPr>
-          <a:xfrm>
-            <a:off x="7131397" y="3425371"/>
-            <a:ext cx="717203" cy="0"/>
-          </a:xfrm>
-          <a:prstGeom prst="line">
-            <a:avLst/>
-          </a:prstGeom>
-          <a:ln>
-            <a:solidFill>
-              <a:srgbClr val="FF0000"/>
-            </a:solidFill>
-          </a:ln>
-        </p:spPr>
-        <p:style>
-          <a:lnRef idx="3">
-            <a:schemeClr val="accent2"/>
-          </a:lnRef>
-          <a:fillRef idx="0">
-            <a:schemeClr val="accent2"/>
-          </a:fillRef>
-          <a:effectRef idx="2">
-            <a:schemeClr val="accent2"/>
-          </a:effectRef>
-          <a:fontRef idx="minor">
-            <a:schemeClr val="tx1"/>
-          </a:fontRef>
-        </p:style>
-      </p:cxnSp>
-      <p:cxnSp>
-        <p:nvCxnSpPr>
-          <p:cNvPr id="22" name="직선 화살표 연결선 21">
-            <a:extLst>
-              <a:ext uri="{FF2B5EF4-FFF2-40B4-BE49-F238E27FC236}">
-                <a16:creationId xmlns:a16="http://schemas.microsoft.com/office/drawing/2014/main" xmlns="" id="{88D55703-962D-4B5F-B944-2FA5E6FFAAA6}"/>
-              </a:ext>
-            </a:extLst>
-          </p:cNvPr>
-          <p:cNvCxnSpPr>
-            <a:cxnSpLocks/>
-          </p:cNvCxnSpPr>
-          <p:nvPr/>
-        </p:nvCxnSpPr>
-        <p:spPr>
-          <a:xfrm flipH="1">
-            <a:off x="6172200" y="3624774"/>
-            <a:ext cx="152400" cy="1985270"/>
-          </a:xfrm>
-          <a:prstGeom prst="straightConnector1">
-            <a:avLst/>
-          </a:prstGeom>
-          <a:ln w="38100">
-            <a:tailEnd type="triangle"/>
-          </a:ln>
-        </p:spPr>
-        <p:style>
-          <a:lnRef idx="1">
-            <a:schemeClr val="accent2"/>
-          </a:lnRef>
-          <a:fillRef idx="0">
-            <a:schemeClr val="accent2"/>
-          </a:fillRef>
-          <a:effectRef idx="0">
-            <a:schemeClr val="accent2"/>
-          </a:effectRef>
-          <a:fontRef idx="minor">
-            <a:schemeClr val="tx1"/>
-          </a:fontRef>
-        </p:style>
-      </p:cxnSp>
-      <p:sp>
-        <p:nvSpPr>
-          <p:cNvPr id="23" name="TextBox 22">
-            <a:extLst>
-              <a:ext uri="{FF2B5EF4-FFF2-40B4-BE49-F238E27FC236}">
-                <a16:creationId xmlns:a16="http://schemas.microsoft.com/office/drawing/2014/main" xmlns="" id="{B01C68AF-C22F-AE31-1BE0-52007B872250}"/>
-              </a:ext>
-            </a:extLst>
-          </p:cNvPr>
-          <p:cNvSpPr txBox="1"/>
-          <p:nvPr/>
-        </p:nvSpPr>
-        <p:spPr>
-          <a:xfrm>
-            <a:off x="4610100" y="5809446"/>
-            <a:ext cx="2857500" cy="954107"/>
-          </a:xfrm>
-          <a:prstGeom prst="rect">
-            <a:avLst/>
-          </a:prstGeom>
-          <a:noFill/>
-        </p:spPr>
-        <p:txBody>
-          <a:bodyPr wrap="square" rtlCol="0">
-            <a:spAutoFit/>
-          </a:bodyPr>
-          <a:lstStyle/>
-          <a:p>
-            <a:r>
-              <a:rPr lang="ko-KR" altLang="en-US" sz="2800" dirty="0">
-                <a:solidFill>
-                  <a:srgbClr val="FF0000"/>
-                </a:solidFill>
-                <a:latin typeface="G마켓 산스 Medium" panose="02000000000000000000" pitchFamily="50" charset="-127"/>
-                <a:ea typeface="G마켓 산스 Medium" panose="02000000000000000000" pitchFamily="50" charset="-127"/>
-              </a:rPr>
-              <a:t>조건식</a:t>
-            </a:r>
-            <a:r>
-              <a:rPr lang="en-US" altLang="ko-KR" sz="2800" dirty="0">
-                <a:solidFill>
-                  <a:srgbClr val="FF0000"/>
-                </a:solidFill>
-                <a:latin typeface="G마켓 산스 Medium" panose="02000000000000000000" pitchFamily="50" charset="-127"/>
-                <a:ea typeface="G마켓 산스 Medium" panose="02000000000000000000" pitchFamily="50" charset="-127"/>
-              </a:rPr>
-              <a:t>(true</a:t>
-            </a:r>
-            <a:r>
-              <a:rPr lang="ko-KR" altLang="en-US" sz="2800" dirty="0">
-                <a:solidFill>
-                  <a:srgbClr val="FF0000"/>
-                </a:solidFill>
-                <a:latin typeface="G마켓 산스 Medium" panose="02000000000000000000" pitchFamily="50" charset="-127"/>
-                <a:ea typeface="G마켓 산스 Medium" panose="02000000000000000000" pitchFamily="50" charset="-127"/>
-              </a:rPr>
-              <a:t>이면 실행한다</a:t>
-            </a:r>
-            <a:r>
-              <a:rPr lang="en-US" altLang="ko-KR" sz="2800" dirty="0">
-                <a:solidFill>
-                  <a:srgbClr val="FF0000"/>
-                </a:solidFill>
-                <a:latin typeface="G마켓 산스 Medium" panose="02000000000000000000" pitchFamily="50" charset="-127"/>
-                <a:ea typeface="G마켓 산스 Medium" panose="02000000000000000000" pitchFamily="50" charset="-127"/>
-              </a:rPr>
-              <a:t>.)</a:t>
-            </a:r>
-          </a:p>
-        </p:txBody>
-      </p:sp>
-      <p:cxnSp>
-        <p:nvCxnSpPr>
-          <p:cNvPr id="26" name="직선 화살표 연결선 25">
-            <a:extLst>
-              <a:ext uri="{FF2B5EF4-FFF2-40B4-BE49-F238E27FC236}">
-                <a16:creationId xmlns:a16="http://schemas.microsoft.com/office/drawing/2014/main" xmlns="" id="{E3E3BE3C-1B41-2CD2-E50A-5C5AD79D9AAF}"/>
-              </a:ext>
-            </a:extLst>
-          </p:cNvPr>
-          <p:cNvCxnSpPr>
-            <a:cxnSpLocks/>
-          </p:cNvCxnSpPr>
-          <p:nvPr/>
-        </p:nvCxnSpPr>
-        <p:spPr>
-          <a:xfrm>
-            <a:off x="7566198" y="3468881"/>
-            <a:ext cx="1120602" cy="2161609"/>
-          </a:xfrm>
-          <a:prstGeom prst="straightConnector1">
-            <a:avLst/>
-          </a:prstGeom>
-          <a:ln w="38100">
-            <a:tailEnd type="triangle"/>
-          </a:ln>
-        </p:spPr>
-        <p:style>
-          <a:lnRef idx="1">
-            <a:schemeClr val="accent2"/>
-          </a:lnRef>
-          <a:fillRef idx="0">
-            <a:schemeClr val="accent2"/>
-          </a:fillRef>
-          <a:effectRef idx="0">
-            <a:schemeClr val="accent2"/>
-          </a:effectRef>
-          <a:fontRef idx="minor">
-            <a:schemeClr val="tx1"/>
-          </a:fontRef>
-        </p:style>
-      </p:cxnSp>
-      <p:sp>
-        <p:nvSpPr>
-          <p:cNvPr id="28" name="TextBox 27">
-            <a:extLst>
-              <a:ext uri="{FF2B5EF4-FFF2-40B4-BE49-F238E27FC236}">
-                <a16:creationId xmlns:a16="http://schemas.microsoft.com/office/drawing/2014/main" xmlns="" id="{0AED7062-9061-7061-FAA1-5143175174F0}"/>
-              </a:ext>
-            </a:extLst>
-          </p:cNvPr>
-          <p:cNvSpPr txBox="1"/>
-          <p:nvPr/>
-        </p:nvSpPr>
-        <p:spPr>
-          <a:xfrm>
-            <a:off x="8153400" y="5788261"/>
-            <a:ext cx="8305800" cy="523220"/>
-          </a:xfrm>
-          <a:prstGeom prst="rect">
-            <a:avLst/>
-          </a:prstGeom>
-          <a:noFill/>
-        </p:spPr>
-        <p:txBody>
-          <a:bodyPr wrap="square" rtlCol="0">
-            <a:spAutoFit/>
-          </a:bodyPr>
-          <a:lstStyle/>
-          <a:p>
-            <a:r>
-              <a:rPr lang="en-US" altLang="ko-KR" sz="2800" dirty="0">
-                <a:solidFill>
-                  <a:srgbClr val="FF0000"/>
-                </a:solidFill>
-                <a:latin typeface="G마켓 산스 Medium" panose="02000000000000000000" pitchFamily="50" charset="-127"/>
-                <a:ea typeface="G마켓 산스 Medium" panose="02000000000000000000" pitchFamily="50" charset="-127"/>
-              </a:rPr>
-              <a:t>For</a:t>
-            </a:r>
-            <a:r>
-              <a:rPr lang="ko-KR" altLang="en-US" sz="2800" dirty="0">
-                <a:solidFill>
-                  <a:srgbClr val="FF0000"/>
-                </a:solidFill>
-                <a:latin typeface="G마켓 산스 Medium" panose="02000000000000000000" pitchFamily="50" charset="-127"/>
-                <a:ea typeface="G마켓 산스 Medium" panose="02000000000000000000" pitchFamily="50" charset="-127"/>
-              </a:rPr>
-              <a:t>문의 코드를 모두 실행하면 마지막에 실행된다</a:t>
-            </a:r>
-            <a:r>
-              <a:rPr lang="en-US" altLang="ko-KR" sz="2800" dirty="0">
-                <a:solidFill>
-                  <a:srgbClr val="FF0000"/>
-                </a:solidFill>
-                <a:latin typeface="G마켓 산스 Medium" panose="02000000000000000000" pitchFamily="50" charset="-127"/>
-                <a:ea typeface="G마켓 산스 Medium" panose="02000000000000000000" pitchFamily="50" charset="-127"/>
-              </a:rPr>
-              <a:t>.</a:t>
-            </a:r>
-          </a:p>
-        </p:txBody>
-      </p:sp>
-      <p:sp>
-        <p:nvSpPr>
-          <p:cNvPr id="30" name="TextBox 29">
-            <a:extLst>
-              <a:ext uri="{FF2B5EF4-FFF2-40B4-BE49-F238E27FC236}">
-                <a16:creationId xmlns:a16="http://schemas.microsoft.com/office/drawing/2014/main" xmlns="" id="{642BD45E-F7C7-02E1-DAD2-9488C8690BE0}"/>
-              </a:ext>
-            </a:extLst>
-          </p:cNvPr>
-          <p:cNvSpPr txBox="1"/>
-          <p:nvPr/>
-        </p:nvSpPr>
-        <p:spPr>
-          <a:xfrm>
-            <a:off x="1966686" y="1601569"/>
-            <a:ext cx="6186714" cy="646331"/>
-          </a:xfrm>
-          <a:prstGeom prst="rect">
-            <a:avLst/>
-          </a:prstGeom>
-          <a:noFill/>
-        </p:spPr>
-        <p:txBody>
-          <a:bodyPr wrap="square" rtlCol="0">
-            <a:spAutoFit/>
-          </a:bodyPr>
-          <a:lstStyle/>
-          <a:p>
-            <a:r>
-              <a:rPr lang="en-US" altLang="ko-KR" sz="3600" dirty="0">
-                <a:solidFill>
-                  <a:srgbClr val="4C50BC"/>
-                </a:solidFill>
-                <a:latin typeface="G마켓 산스 Medium" panose="02000000000000000000" pitchFamily="50" charset="-127"/>
-                <a:ea typeface="G마켓 산스 Medium" panose="02000000000000000000" pitchFamily="50" charset="-127"/>
-              </a:rPr>
-              <a:t>For(</a:t>
-            </a:r>
-            <a:r>
-              <a:rPr lang="ko-KR" altLang="en-US" sz="3600" dirty="0">
-                <a:solidFill>
-                  <a:srgbClr val="4C50BC"/>
-                </a:solidFill>
-                <a:latin typeface="G마켓 산스 Medium" panose="02000000000000000000" pitchFamily="50" charset="-127"/>
-                <a:ea typeface="G마켓 산스 Medium" panose="02000000000000000000" pitchFamily="50" charset="-127"/>
-              </a:rPr>
-              <a:t>초기화 </a:t>
-            </a:r>
-            <a:r>
-              <a:rPr lang="en-US" altLang="ko-KR" sz="3600" dirty="0">
-                <a:solidFill>
-                  <a:srgbClr val="4C50BC"/>
-                </a:solidFill>
-                <a:latin typeface="G마켓 산스 Medium" panose="02000000000000000000" pitchFamily="50" charset="-127"/>
-                <a:ea typeface="G마켓 산스 Medium" panose="02000000000000000000" pitchFamily="50" charset="-127"/>
-              </a:rPr>
-              <a:t>; </a:t>
-            </a:r>
-            <a:r>
-              <a:rPr lang="ko-KR" altLang="en-US" sz="3600" dirty="0">
-                <a:solidFill>
-                  <a:srgbClr val="4C50BC"/>
-                </a:solidFill>
-                <a:latin typeface="G마켓 산스 Medium" panose="02000000000000000000" pitchFamily="50" charset="-127"/>
-                <a:ea typeface="G마켓 산스 Medium" panose="02000000000000000000" pitchFamily="50" charset="-127"/>
-              </a:rPr>
-              <a:t>조건식</a:t>
-            </a:r>
-            <a:r>
-              <a:rPr lang="en-US" altLang="ko-KR" sz="3600" dirty="0">
-                <a:solidFill>
-                  <a:srgbClr val="4C50BC"/>
-                </a:solidFill>
-                <a:latin typeface="G마켓 산스 Medium" panose="02000000000000000000" pitchFamily="50" charset="-127"/>
-                <a:ea typeface="G마켓 산스 Medium" panose="02000000000000000000" pitchFamily="50" charset="-127"/>
-              </a:rPr>
-              <a:t>;</a:t>
-            </a:r>
-            <a:r>
-              <a:rPr lang="ko-KR" altLang="en-US" sz="3600" dirty="0" err="1">
-                <a:solidFill>
-                  <a:srgbClr val="4C50BC"/>
-                </a:solidFill>
-                <a:latin typeface="G마켓 산스 Medium" panose="02000000000000000000" pitchFamily="50" charset="-127"/>
-                <a:ea typeface="G마켓 산스 Medium" panose="02000000000000000000" pitchFamily="50" charset="-127"/>
-              </a:rPr>
-              <a:t>증감식</a:t>
-            </a:r>
-            <a:r>
-              <a:rPr lang="en-US" altLang="ko-KR" sz="3600" dirty="0">
-                <a:solidFill>
-                  <a:srgbClr val="4C50BC"/>
-                </a:solidFill>
-                <a:latin typeface="G마켓 산스 Medium" panose="02000000000000000000" pitchFamily="50" charset="-127"/>
-                <a:ea typeface="G마켓 산스 Medium" panose="02000000000000000000" pitchFamily="50" charset="-127"/>
-              </a:rPr>
-              <a:t>)</a:t>
-            </a:r>
-          </a:p>
-        </p:txBody>
-      </p:sp>
-    </p:spTree>
-    <p:extLst>
-      <p:ext uri="{BB962C8B-B14F-4D97-AF65-F5344CB8AC3E}">
-        <p14:creationId xmlns:p14="http://schemas.microsoft.com/office/powerpoint/2010/main" val="3609099598"/>
-      </p:ext>
-    </p:extLst>
-  </p:cSld>
-  <p:clrMapOvr>
-    <a:masterClrMapping/>
-  </p:clrMapOvr>
-  <p:timing>
-    <p:tnLst>
-      <p:par>
-        <p:cTn id="1" dur="indefinite" restart="never" nodeType="tmRoot"/>
-      </p:par>
-    </p:tnLst>
-  </p:timing>
 </p:sld>
 </file>
 
@@ -13916,10 +13576,799 @@
       </p:grpSpPr>
       <p:sp>
         <p:nvSpPr>
+          <p:cNvPr id="6" name="TextBox 5">
+            <a:extLst>
+              <a:ext uri="{FF2B5EF4-FFF2-40B4-BE49-F238E27FC236}">
+                <a16:creationId xmlns:a16="http://schemas.microsoft.com/office/drawing/2014/main" id="{5ADC00B6-990A-40DC-3CEA-505258F5E8DA}"/>
+              </a:ext>
+            </a:extLst>
+          </p:cNvPr>
+          <p:cNvSpPr txBox="1"/>
+          <p:nvPr/>
+        </p:nvSpPr>
+        <p:spPr>
+          <a:xfrm>
+            <a:off x="1371600" y="497131"/>
+            <a:ext cx="1752600" cy="830997"/>
+          </a:xfrm>
+          <a:prstGeom prst="rect">
+            <a:avLst/>
+          </a:prstGeom>
+          <a:noFill/>
+        </p:spPr>
+        <p:txBody>
+          <a:bodyPr wrap="square" rtlCol="0">
+            <a:spAutoFit/>
+          </a:bodyPr>
+          <a:lstStyle/>
+          <a:p>
+            <a:r>
+              <a:rPr lang="en-US" altLang="ko-KR" sz="4800" dirty="0">
+                <a:solidFill>
+                  <a:srgbClr val="4C50BC"/>
+                </a:solidFill>
+                <a:latin typeface="G마켓 산스 Medium" panose="02000000000000000000" pitchFamily="50" charset="-127"/>
+                <a:ea typeface="G마켓 산스 Medium" panose="02000000000000000000" pitchFamily="50" charset="-127"/>
+              </a:rPr>
+              <a:t>for</a:t>
+            </a:r>
+            <a:r>
+              <a:rPr lang="ko-KR" altLang="en-US" sz="4800" dirty="0">
+                <a:solidFill>
+                  <a:srgbClr val="4C50BC"/>
+                </a:solidFill>
+                <a:latin typeface="G마켓 산스 Medium" panose="02000000000000000000" pitchFamily="50" charset="-127"/>
+                <a:ea typeface="G마켓 산스 Medium" panose="02000000000000000000" pitchFamily="50" charset="-127"/>
+              </a:rPr>
+              <a:t>문</a:t>
+            </a:r>
+            <a:endParaRPr lang="en-US" altLang="ko-KR" sz="4800" dirty="0">
+              <a:solidFill>
+                <a:srgbClr val="4C50BC"/>
+              </a:solidFill>
+              <a:latin typeface="G마켓 산스 Medium" panose="02000000000000000000" pitchFamily="50" charset="-127"/>
+              <a:ea typeface="G마켓 산스 Medium" panose="02000000000000000000" pitchFamily="50" charset="-127"/>
+            </a:endParaRPr>
+          </a:p>
+        </p:txBody>
+      </p:sp>
+      <p:sp>
+        <p:nvSpPr>
+          <p:cNvPr id="8" name="TextBox 7">
+            <a:extLst>
+              <a:ext uri="{FF2B5EF4-FFF2-40B4-BE49-F238E27FC236}">
+                <a16:creationId xmlns:a16="http://schemas.microsoft.com/office/drawing/2014/main" id="{5ADC00B6-990A-40DC-3CEA-505258F5E8DA}"/>
+              </a:ext>
+            </a:extLst>
+          </p:cNvPr>
+          <p:cNvSpPr txBox="1"/>
+          <p:nvPr/>
+        </p:nvSpPr>
+        <p:spPr>
+          <a:xfrm>
+            <a:off x="2781300" y="8115300"/>
+            <a:ext cx="12233728" cy="830997"/>
+          </a:xfrm>
+          <a:prstGeom prst="rect">
+            <a:avLst/>
+          </a:prstGeom>
+          <a:noFill/>
+        </p:spPr>
+        <p:txBody>
+          <a:bodyPr wrap="square" rtlCol="0">
+            <a:spAutoFit/>
+          </a:bodyPr>
+          <a:lstStyle/>
+          <a:p>
+            <a:r>
+              <a:rPr lang="ko-KR" altLang="en-US" sz="4800" dirty="0">
+                <a:solidFill>
+                  <a:srgbClr val="4C50BC"/>
+                </a:solidFill>
+                <a:latin typeface="G마켓 산스 Medium" panose="02000000000000000000" pitchFamily="50" charset="-127"/>
+                <a:ea typeface="G마켓 산스 Medium" panose="02000000000000000000" pitchFamily="50" charset="-127"/>
+              </a:rPr>
+              <a:t>초기화 </a:t>
+            </a:r>
+            <a:r>
+              <a:rPr lang="en-US" altLang="ko-KR" sz="4800" dirty="0">
+                <a:solidFill>
+                  <a:srgbClr val="4C50BC"/>
+                </a:solidFill>
+                <a:latin typeface="G마켓 산스 Medium" panose="02000000000000000000" pitchFamily="50" charset="-127"/>
+                <a:ea typeface="G마켓 산스 Medium" panose="02000000000000000000" pitchFamily="50" charset="-127"/>
+              </a:rPr>
+              <a:t>-&gt; </a:t>
+            </a:r>
+            <a:r>
+              <a:rPr lang="ko-KR" altLang="en-US" sz="4800" dirty="0">
+                <a:solidFill>
+                  <a:srgbClr val="4C50BC"/>
+                </a:solidFill>
+                <a:latin typeface="G마켓 산스 Medium" panose="02000000000000000000" pitchFamily="50" charset="-127"/>
+                <a:ea typeface="G마켓 산스 Medium" panose="02000000000000000000" pitchFamily="50" charset="-127"/>
+              </a:rPr>
+              <a:t>조건식 </a:t>
+            </a:r>
+            <a:r>
+              <a:rPr lang="en-US" altLang="ko-KR" sz="4800" dirty="0">
+                <a:solidFill>
+                  <a:srgbClr val="4C50BC"/>
+                </a:solidFill>
+                <a:latin typeface="G마켓 산스 Medium" panose="02000000000000000000" pitchFamily="50" charset="-127"/>
+                <a:ea typeface="G마켓 산스 Medium" panose="02000000000000000000" pitchFamily="50" charset="-127"/>
+              </a:rPr>
+              <a:t>-&gt; for</a:t>
+            </a:r>
+            <a:r>
+              <a:rPr lang="ko-KR" altLang="en-US" sz="4800" dirty="0">
+                <a:solidFill>
+                  <a:srgbClr val="4C50BC"/>
+                </a:solidFill>
+                <a:latin typeface="G마켓 산스 Medium" panose="02000000000000000000" pitchFamily="50" charset="-127"/>
+                <a:ea typeface="G마켓 산스 Medium" panose="02000000000000000000" pitchFamily="50" charset="-127"/>
+              </a:rPr>
+              <a:t>문 실행 </a:t>
+            </a:r>
+            <a:r>
+              <a:rPr lang="en-US" altLang="ko-KR" sz="4800" dirty="0">
+                <a:solidFill>
+                  <a:srgbClr val="4C50BC"/>
+                </a:solidFill>
+                <a:latin typeface="G마켓 산스 Medium" panose="02000000000000000000" pitchFamily="50" charset="-127"/>
+                <a:ea typeface="G마켓 산스 Medium" panose="02000000000000000000" pitchFamily="50" charset="-127"/>
+              </a:rPr>
+              <a:t>-&gt; </a:t>
+            </a:r>
+            <a:r>
+              <a:rPr lang="ko-KR" altLang="en-US" sz="4800" dirty="0" err="1">
+                <a:solidFill>
+                  <a:srgbClr val="4C50BC"/>
+                </a:solidFill>
+                <a:latin typeface="G마켓 산스 Medium" panose="02000000000000000000" pitchFamily="50" charset="-127"/>
+                <a:ea typeface="G마켓 산스 Medium" panose="02000000000000000000" pitchFamily="50" charset="-127"/>
+              </a:rPr>
+              <a:t>증감식</a:t>
+            </a:r>
+            <a:endParaRPr lang="en-US" altLang="ko-KR" sz="4800" dirty="0">
+              <a:solidFill>
+                <a:srgbClr val="4C50BC"/>
+              </a:solidFill>
+              <a:latin typeface="G마켓 산스 Medium" panose="02000000000000000000" pitchFamily="50" charset="-127"/>
+              <a:ea typeface="G마켓 산스 Medium" panose="02000000000000000000" pitchFamily="50" charset="-127"/>
+            </a:endParaRPr>
+          </a:p>
+        </p:txBody>
+      </p:sp>
+      <p:pic>
+        <p:nvPicPr>
+          <p:cNvPr id="3" name="그림 2">
+            <a:extLst>
+              <a:ext uri="{FF2B5EF4-FFF2-40B4-BE49-F238E27FC236}">
+                <a16:creationId xmlns:a16="http://schemas.microsoft.com/office/drawing/2014/main" id="{F5B18E58-C822-3D4A-DC6C-337B77A00346}"/>
+              </a:ext>
+            </a:extLst>
+          </p:cNvPr>
+          <p:cNvPicPr>
+            <a:picLocks noChangeAspect="1"/>
+          </p:cNvPicPr>
+          <p:nvPr/>
+        </p:nvPicPr>
+        <p:blipFill>
+          <a:blip r:embed="rId2"/>
+          <a:stretch>
+            <a:fillRect/>
+          </a:stretch>
+        </p:blipFill>
+        <p:spPr>
+          <a:xfrm>
+            <a:off x="1600200" y="2448205"/>
+            <a:ext cx="10840917" cy="2743200"/>
+          </a:xfrm>
+          <a:prstGeom prst="rect">
+            <a:avLst/>
+          </a:prstGeom>
+        </p:spPr>
+      </p:pic>
+      <p:cxnSp>
+        <p:nvCxnSpPr>
+          <p:cNvPr id="5" name="직선 화살표 연결선 4">
+            <a:extLst>
+              <a:ext uri="{FF2B5EF4-FFF2-40B4-BE49-F238E27FC236}">
+                <a16:creationId xmlns:a16="http://schemas.microsoft.com/office/drawing/2014/main" id="{1531DCE9-8979-540C-770F-532EA63DD581}"/>
+              </a:ext>
+            </a:extLst>
+          </p:cNvPr>
+          <p:cNvCxnSpPr>
+            <a:cxnSpLocks/>
+          </p:cNvCxnSpPr>
+          <p:nvPr/>
+        </p:nvCxnSpPr>
+        <p:spPr>
+          <a:xfrm flipH="1">
+            <a:off x="1905000" y="3445328"/>
+            <a:ext cx="1752600" cy="2185162"/>
+          </a:xfrm>
+          <a:prstGeom prst="straightConnector1">
+            <a:avLst/>
+          </a:prstGeom>
+          <a:ln w="38100">
+            <a:tailEnd type="triangle"/>
+          </a:ln>
+        </p:spPr>
+        <p:style>
+          <a:lnRef idx="1">
+            <a:schemeClr val="accent2"/>
+          </a:lnRef>
+          <a:fillRef idx="0">
+            <a:schemeClr val="accent2"/>
+          </a:fillRef>
+          <a:effectRef idx="0">
+            <a:schemeClr val="accent2"/>
+          </a:effectRef>
+          <a:fontRef idx="minor">
+            <a:schemeClr val="tx1"/>
+          </a:fontRef>
+        </p:style>
+      </p:cxnSp>
+      <p:sp>
+        <p:nvSpPr>
+          <p:cNvPr id="11" name="TextBox 10">
+            <a:extLst>
+              <a:ext uri="{FF2B5EF4-FFF2-40B4-BE49-F238E27FC236}">
+                <a16:creationId xmlns:a16="http://schemas.microsoft.com/office/drawing/2014/main" id="{270C665C-AE90-6805-E0D6-1535A7AD09AB}"/>
+              </a:ext>
+            </a:extLst>
+          </p:cNvPr>
+          <p:cNvSpPr txBox="1"/>
+          <p:nvPr/>
+        </p:nvSpPr>
+        <p:spPr>
+          <a:xfrm>
+            <a:off x="228601" y="5788262"/>
+            <a:ext cx="3429000" cy="954107"/>
+          </a:xfrm>
+          <a:prstGeom prst="rect">
+            <a:avLst/>
+          </a:prstGeom>
+          <a:noFill/>
+        </p:spPr>
+        <p:txBody>
+          <a:bodyPr wrap="square" rtlCol="0">
+            <a:spAutoFit/>
+          </a:bodyPr>
+          <a:lstStyle/>
+          <a:p>
+            <a:r>
+              <a:rPr lang="ko-KR" altLang="en-US" sz="2800" dirty="0">
+                <a:solidFill>
+                  <a:srgbClr val="FF0000"/>
+                </a:solidFill>
+                <a:latin typeface="G마켓 산스 Medium" panose="02000000000000000000" pitchFamily="50" charset="-127"/>
+                <a:ea typeface="G마켓 산스 Medium" panose="02000000000000000000" pitchFamily="50" charset="-127"/>
+              </a:rPr>
+              <a:t>변수 선언 및 초기화</a:t>
+            </a:r>
+            <a:endParaRPr lang="en-US" altLang="ko-KR" sz="2800" dirty="0">
+              <a:solidFill>
+                <a:srgbClr val="FF0000"/>
+              </a:solidFill>
+              <a:latin typeface="G마켓 산스 Medium" panose="02000000000000000000" pitchFamily="50" charset="-127"/>
+              <a:ea typeface="G마켓 산스 Medium" panose="02000000000000000000" pitchFamily="50" charset="-127"/>
+            </a:endParaRPr>
+          </a:p>
+          <a:p>
+            <a:r>
+              <a:rPr lang="en-US" altLang="ko-KR" sz="2800" dirty="0">
+                <a:solidFill>
+                  <a:srgbClr val="FF0000"/>
+                </a:solidFill>
+                <a:latin typeface="G마켓 산스 Medium" panose="02000000000000000000" pitchFamily="50" charset="-127"/>
+                <a:ea typeface="G마켓 산스 Medium" panose="02000000000000000000" pitchFamily="50" charset="-127"/>
+              </a:rPr>
+              <a:t>(</a:t>
+            </a:r>
+            <a:r>
+              <a:rPr lang="ko-KR" altLang="en-US" sz="2800" dirty="0">
+                <a:solidFill>
+                  <a:srgbClr val="FF0000"/>
+                </a:solidFill>
+                <a:latin typeface="G마켓 산스 Medium" panose="02000000000000000000" pitchFamily="50" charset="-127"/>
+                <a:ea typeface="G마켓 산스 Medium" panose="02000000000000000000" pitchFamily="50" charset="-127"/>
+              </a:rPr>
+              <a:t>최초 한번 실행</a:t>
+            </a:r>
+            <a:r>
+              <a:rPr lang="en-US" altLang="ko-KR" sz="2800" dirty="0">
+                <a:solidFill>
+                  <a:srgbClr val="FF0000"/>
+                </a:solidFill>
+                <a:latin typeface="G마켓 산스 Medium" panose="02000000000000000000" pitchFamily="50" charset="-127"/>
+                <a:ea typeface="G마켓 산스 Medium" panose="02000000000000000000" pitchFamily="50" charset="-127"/>
+              </a:rPr>
+              <a:t>)</a:t>
+            </a:r>
+          </a:p>
+        </p:txBody>
+      </p:sp>
+      <p:cxnSp>
+        <p:nvCxnSpPr>
+          <p:cNvPr id="15" name="직선 연결선 14">
+            <a:extLst>
+              <a:ext uri="{FF2B5EF4-FFF2-40B4-BE49-F238E27FC236}">
+                <a16:creationId xmlns:a16="http://schemas.microsoft.com/office/drawing/2014/main" id="{E40D645D-B358-1557-2F13-A243670FCA7A}"/>
+              </a:ext>
+            </a:extLst>
+          </p:cNvPr>
+          <p:cNvCxnSpPr/>
+          <p:nvPr/>
+        </p:nvCxnSpPr>
+        <p:spPr>
+          <a:xfrm>
+            <a:off x="3124200" y="3425371"/>
+            <a:ext cx="1981200" cy="0"/>
+          </a:xfrm>
+          <a:prstGeom prst="line">
+            <a:avLst/>
+          </a:prstGeom>
+          <a:ln>
+            <a:solidFill>
+              <a:srgbClr val="FF0000"/>
+            </a:solidFill>
+          </a:ln>
+        </p:spPr>
+        <p:style>
+          <a:lnRef idx="3">
+            <a:schemeClr val="accent2"/>
+          </a:lnRef>
+          <a:fillRef idx="0">
+            <a:schemeClr val="accent2"/>
+          </a:fillRef>
+          <a:effectRef idx="2">
+            <a:schemeClr val="accent2"/>
+          </a:effectRef>
+          <a:fontRef idx="minor">
+            <a:schemeClr val="tx1"/>
+          </a:fontRef>
+        </p:style>
+      </p:cxnSp>
+      <p:cxnSp>
+        <p:nvCxnSpPr>
+          <p:cNvPr id="16" name="직선 연결선 15">
+            <a:extLst>
+              <a:ext uri="{FF2B5EF4-FFF2-40B4-BE49-F238E27FC236}">
+                <a16:creationId xmlns:a16="http://schemas.microsoft.com/office/drawing/2014/main" id="{EBB73448-1B66-9555-EE66-45A1A58DB64F}"/>
+              </a:ext>
+            </a:extLst>
+          </p:cNvPr>
+          <p:cNvCxnSpPr>
+            <a:cxnSpLocks/>
+          </p:cNvCxnSpPr>
+          <p:nvPr/>
+        </p:nvCxnSpPr>
+        <p:spPr>
+          <a:xfrm>
+            <a:off x="5791200" y="3425371"/>
+            <a:ext cx="1066800" cy="0"/>
+          </a:xfrm>
+          <a:prstGeom prst="line">
+            <a:avLst/>
+          </a:prstGeom>
+          <a:ln>
+            <a:solidFill>
+              <a:srgbClr val="FF0000"/>
+            </a:solidFill>
+          </a:ln>
+        </p:spPr>
+        <p:style>
+          <a:lnRef idx="3">
+            <a:schemeClr val="accent2"/>
+          </a:lnRef>
+          <a:fillRef idx="0">
+            <a:schemeClr val="accent2"/>
+          </a:fillRef>
+          <a:effectRef idx="2">
+            <a:schemeClr val="accent2"/>
+          </a:effectRef>
+          <a:fontRef idx="minor">
+            <a:schemeClr val="tx1"/>
+          </a:fontRef>
+        </p:style>
+      </p:cxnSp>
+      <p:cxnSp>
+        <p:nvCxnSpPr>
+          <p:cNvPr id="18" name="직선 연결선 17">
+            <a:extLst>
+              <a:ext uri="{FF2B5EF4-FFF2-40B4-BE49-F238E27FC236}">
+                <a16:creationId xmlns:a16="http://schemas.microsoft.com/office/drawing/2014/main" id="{35AAEC27-482D-AAA0-269F-59162F0A70BA}"/>
+              </a:ext>
+            </a:extLst>
+          </p:cNvPr>
+          <p:cNvCxnSpPr>
+            <a:cxnSpLocks/>
+          </p:cNvCxnSpPr>
+          <p:nvPr/>
+        </p:nvCxnSpPr>
+        <p:spPr>
+          <a:xfrm>
+            <a:off x="7131397" y="3425371"/>
+            <a:ext cx="717203" cy="0"/>
+          </a:xfrm>
+          <a:prstGeom prst="line">
+            <a:avLst/>
+          </a:prstGeom>
+          <a:ln>
+            <a:solidFill>
+              <a:srgbClr val="FF0000"/>
+            </a:solidFill>
+          </a:ln>
+        </p:spPr>
+        <p:style>
+          <a:lnRef idx="3">
+            <a:schemeClr val="accent2"/>
+          </a:lnRef>
+          <a:fillRef idx="0">
+            <a:schemeClr val="accent2"/>
+          </a:fillRef>
+          <a:effectRef idx="2">
+            <a:schemeClr val="accent2"/>
+          </a:effectRef>
+          <a:fontRef idx="minor">
+            <a:schemeClr val="tx1"/>
+          </a:fontRef>
+        </p:style>
+      </p:cxnSp>
+      <p:cxnSp>
+        <p:nvCxnSpPr>
+          <p:cNvPr id="22" name="직선 화살표 연결선 21">
+            <a:extLst>
+              <a:ext uri="{FF2B5EF4-FFF2-40B4-BE49-F238E27FC236}">
+                <a16:creationId xmlns:a16="http://schemas.microsoft.com/office/drawing/2014/main" id="{88D55703-962D-4B5F-B944-2FA5E6FFAAA6}"/>
+              </a:ext>
+            </a:extLst>
+          </p:cNvPr>
+          <p:cNvCxnSpPr>
+            <a:cxnSpLocks/>
+          </p:cNvCxnSpPr>
+          <p:nvPr/>
+        </p:nvCxnSpPr>
+        <p:spPr>
+          <a:xfrm flipH="1">
+            <a:off x="6172200" y="3624774"/>
+            <a:ext cx="152400" cy="1985270"/>
+          </a:xfrm>
+          <a:prstGeom prst="straightConnector1">
+            <a:avLst/>
+          </a:prstGeom>
+          <a:ln w="38100">
+            <a:tailEnd type="triangle"/>
+          </a:ln>
+        </p:spPr>
+        <p:style>
+          <a:lnRef idx="1">
+            <a:schemeClr val="accent2"/>
+          </a:lnRef>
+          <a:fillRef idx="0">
+            <a:schemeClr val="accent2"/>
+          </a:fillRef>
+          <a:effectRef idx="0">
+            <a:schemeClr val="accent2"/>
+          </a:effectRef>
+          <a:fontRef idx="minor">
+            <a:schemeClr val="tx1"/>
+          </a:fontRef>
+        </p:style>
+      </p:cxnSp>
+      <p:sp>
+        <p:nvSpPr>
+          <p:cNvPr id="23" name="TextBox 22">
+            <a:extLst>
+              <a:ext uri="{FF2B5EF4-FFF2-40B4-BE49-F238E27FC236}">
+                <a16:creationId xmlns:a16="http://schemas.microsoft.com/office/drawing/2014/main" id="{B01C68AF-C22F-AE31-1BE0-52007B872250}"/>
+              </a:ext>
+            </a:extLst>
+          </p:cNvPr>
+          <p:cNvSpPr txBox="1"/>
+          <p:nvPr/>
+        </p:nvSpPr>
+        <p:spPr>
+          <a:xfrm>
+            <a:off x="4610100" y="5809446"/>
+            <a:ext cx="2857500" cy="954107"/>
+          </a:xfrm>
+          <a:prstGeom prst="rect">
+            <a:avLst/>
+          </a:prstGeom>
+          <a:noFill/>
+        </p:spPr>
+        <p:txBody>
+          <a:bodyPr wrap="square" rtlCol="0">
+            <a:spAutoFit/>
+          </a:bodyPr>
+          <a:lstStyle/>
+          <a:p>
+            <a:r>
+              <a:rPr lang="ko-KR" altLang="en-US" sz="2800" dirty="0">
+                <a:solidFill>
+                  <a:srgbClr val="FF0000"/>
+                </a:solidFill>
+                <a:latin typeface="G마켓 산스 Medium" panose="02000000000000000000" pitchFamily="50" charset="-127"/>
+                <a:ea typeface="G마켓 산스 Medium" panose="02000000000000000000" pitchFamily="50" charset="-127"/>
+              </a:rPr>
+              <a:t>조건식</a:t>
+            </a:r>
+            <a:r>
+              <a:rPr lang="en-US" altLang="ko-KR" sz="2800" dirty="0">
+                <a:solidFill>
+                  <a:srgbClr val="FF0000"/>
+                </a:solidFill>
+                <a:latin typeface="G마켓 산스 Medium" panose="02000000000000000000" pitchFamily="50" charset="-127"/>
+                <a:ea typeface="G마켓 산스 Medium" panose="02000000000000000000" pitchFamily="50" charset="-127"/>
+              </a:rPr>
+              <a:t>(true</a:t>
+            </a:r>
+            <a:r>
+              <a:rPr lang="ko-KR" altLang="en-US" sz="2800" dirty="0">
+                <a:solidFill>
+                  <a:srgbClr val="FF0000"/>
+                </a:solidFill>
+                <a:latin typeface="G마켓 산스 Medium" panose="02000000000000000000" pitchFamily="50" charset="-127"/>
+                <a:ea typeface="G마켓 산스 Medium" panose="02000000000000000000" pitchFamily="50" charset="-127"/>
+              </a:rPr>
+              <a:t>이면 실행한다</a:t>
+            </a:r>
+            <a:r>
+              <a:rPr lang="en-US" altLang="ko-KR" sz="2800" dirty="0">
+                <a:solidFill>
+                  <a:srgbClr val="FF0000"/>
+                </a:solidFill>
+                <a:latin typeface="G마켓 산스 Medium" panose="02000000000000000000" pitchFamily="50" charset="-127"/>
+                <a:ea typeface="G마켓 산스 Medium" panose="02000000000000000000" pitchFamily="50" charset="-127"/>
+              </a:rPr>
+              <a:t>.)</a:t>
+            </a:r>
+          </a:p>
+        </p:txBody>
+      </p:sp>
+      <p:cxnSp>
+        <p:nvCxnSpPr>
+          <p:cNvPr id="26" name="직선 화살표 연결선 25">
+            <a:extLst>
+              <a:ext uri="{FF2B5EF4-FFF2-40B4-BE49-F238E27FC236}">
+                <a16:creationId xmlns:a16="http://schemas.microsoft.com/office/drawing/2014/main" id="{E3E3BE3C-1B41-2CD2-E50A-5C5AD79D9AAF}"/>
+              </a:ext>
+            </a:extLst>
+          </p:cNvPr>
+          <p:cNvCxnSpPr>
+            <a:cxnSpLocks/>
+          </p:cNvCxnSpPr>
+          <p:nvPr/>
+        </p:nvCxnSpPr>
+        <p:spPr>
+          <a:xfrm>
+            <a:off x="7566198" y="3468881"/>
+            <a:ext cx="1120602" cy="2161609"/>
+          </a:xfrm>
+          <a:prstGeom prst="straightConnector1">
+            <a:avLst/>
+          </a:prstGeom>
+          <a:ln w="38100">
+            <a:tailEnd type="triangle"/>
+          </a:ln>
+        </p:spPr>
+        <p:style>
+          <a:lnRef idx="1">
+            <a:schemeClr val="accent2"/>
+          </a:lnRef>
+          <a:fillRef idx="0">
+            <a:schemeClr val="accent2"/>
+          </a:fillRef>
+          <a:effectRef idx="0">
+            <a:schemeClr val="accent2"/>
+          </a:effectRef>
+          <a:fontRef idx="minor">
+            <a:schemeClr val="tx1"/>
+          </a:fontRef>
+        </p:style>
+      </p:cxnSp>
+      <p:sp>
+        <p:nvSpPr>
+          <p:cNvPr id="28" name="TextBox 27">
+            <a:extLst>
+              <a:ext uri="{FF2B5EF4-FFF2-40B4-BE49-F238E27FC236}">
+                <a16:creationId xmlns:a16="http://schemas.microsoft.com/office/drawing/2014/main" id="{0AED7062-9061-7061-FAA1-5143175174F0}"/>
+              </a:ext>
+            </a:extLst>
+          </p:cNvPr>
+          <p:cNvSpPr txBox="1"/>
+          <p:nvPr/>
+        </p:nvSpPr>
+        <p:spPr>
+          <a:xfrm>
+            <a:off x="8153400" y="5788261"/>
+            <a:ext cx="8305800" cy="523220"/>
+          </a:xfrm>
+          <a:prstGeom prst="rect">
+            <a:avLst/>
+          </a:prstGeom>
+          <a:noFill/>
+        </p:spPr>
+        <p:txBody>
+          <a:bodyPr wrap="square" rtlCol="0">
+            <a:spAutoFit/>
+          </a:bodyPr>
+          <a:lstStyle/>
+          <a:p>
+            <a:r>
+              <a:rPr lang="en-US" altLang="ko-KR" sz="2800" dirty="0">
+                <a:solidFill>
+                  <a:srgbClr val="FF0000"/>
+                </a:solidFill>
+                <a:latin typeface="G마켓 산스 Medium" panose="02000000000000000000" pitchFamily="50" charset="-127"/>
+                <a:ea typeface="G마켓 산스 Medium" panose="02000000000000000000" pitchFamily="50" charset="-127"/>
+              </a:rPr>
+              <a:t>For</a:t>
+            </a:r>
+            <a:r>
+              <a:rPr lang="ko-KR" altLang="en-US" sz="2800" dirty="0">
+                <a:solidFill>
+                  <a:srgbClr val="FF0000"/>
+                </a:solidFill>
+                <a:latin typeface="G마켓 산스 Medium" panose="02000000000000000000" pitchFamily="50" charset="-127"/>
+                <a:ea typeface="G마켓 산스 Medium" panose="02000000000000000000" pitchFamily="50" charset="-127"/>
+              </a:rPr>
+              <a:t>문의 코드를 모두 실행하면 마지막에 실행된다</a:t>
+            </a:r>
+            <a:r>
+              <a:rPr lang="en-US" altLang="ko-KR" sz="2800" dirty="0">
+                <a:solidFill>
+                  <a:srgbClr val="FF0000"/>
+                </a:solidFill>
+                <a:latin typeface="G마켓 산스 Medium" panose="02000000000000000000" pitchFamily="50" charset="-127"/>
+                <a:ea typeface="G마켓 산스 Medium" panose="02000000000000000000" pitchFamily="50" charset="-127"/>
+              </a:rPr>
+              <a:t>.</a:t>
+            </a:r>
+          </a:p>
+        </p:txBody>
+      </p:sp>
+      <p:sp>
+        <p:nvSpPr>
+          <p:cNvPr id="30" name="TextBox 29">
+            <a:extLst>
+              <a:ext uri="{FF2B5EF4-FFF2-40B4-BE49-F238E27FC236}">
+                <a16:creationId xmlns:a16="http://schemas.microsoft.com/office/drawing/2014/main" id="{642BD45E-F7C7-02E1-DAD2-9488C8690BE0}"/>
+              </a:ext>
+            </a:extLst>
+          </p:cNvPr>
+          <p:cNvSpPr txBox="1"/>
+          <p:nvPr/>
+        </p:nvSpPr>
+        <p:spPr>
+          <a:xfrm>
+            <a:off x="1966686" y="1601569"/>
+            <a:ext cx="6186714" cy="646331"/>
+          </a:xfrm>
+          <a:prstGeom prst="rect">
+            <a:avLst/>
+          </a:prstGeom>
+          <a:noFill/>
+        </p:spPr>
+        <p:txBody>
+          <a:bodyPr wrap="square" rtlCol="0">
+            <a:spAutoFit/>
+          </a:bodyPr>
+          <a:lstStyle/>
+          <a:p>
+            <a:r>
+              <a:rPr lang="en-US" altLang="ko-KR" sz="3600" dirty="0">
+                <a:solidFill>
+                  <a:srgbClr val="4C50BC"/>
+                </a:solidFill>
+                <a:latin typeface="G마켓 산스 Medium" panose="02000000000000000000" pitchFamily="50" charset="-127"/>
+                <a:ea typeface="G마켓 산스 Medium" panose="02000000000000000000" pitchFamily="50" charset="-127"/>
+              </a:rPr>
+              <a:t>For(</a:t>
+            </a:r>
+            <a:r>
+              <a:rPr lang="ko-KR" altLang="en-US" sz="3600" dirty="0">
+                <a:solidFill>
+                  <a:srgbClr val="4C50BC"/>
+                </a:solidFill>
+                <a:latin typeface="G마켓 산스 Medium" panose="02000000000000000000" pitchFamily="50" charset="-127"/>
+                <a:ea typeface="G마켓 산스 Medium" panose="02000000000000000000" pitchFamily="50" charset="-127"/>
+              </a:rPr>
+              <a:t>초기화 </a:t>
+            </a:r>
+            <a:r>
+              <a:rPr lang="en-US" altLang="ko-KR" sz="3600" dirty="0">
+                <a:solidFill>
+                  <a:srgbClr val="4C50BC"/>
+                </a:solidFill>
+                <a:latin typeface="G마켓 산스 Medium" panose="02000000000000000000" pitchFamily="50" charset="-127"/>
+                <a:ea typeface="G마켓 산스 Medium" panose="02000000000000000000" pitchFamily="50" charset="-127"/>
+              </a:rPr>
+              <a:t>; </a:t>
+            </a:r>
+            <a:r>
+              <a:rPr lang="ko-KR" altLang="en-US" sz="3600" dirty="0">
+                <a:solidFill>
+                  <a:srgbClr val="4C50BC"/>
+                </a:solidFill>
+                <a:latin typeface="G마켓 산스 Medium" panose="02000000000000000000" pitchFamily="50" charset="-127"/>
+                <a:ea typeface="G마켓 산스 Medium" panose="02000000000000000000" pitchFamily="50" charset="-127"/>
+              </a:rPr>
+              <a:t>조건식</a:t>
+            </a:r>
+            <a:r>
+              <a:rPr lang="en-US" altLang="ko-KR" sz="3600" dirty="0">
+                <a:solidFill>
+                  <a:srgbClr val="4C50BC"/>
+                </a:solidFill>
+                <a:latin typeface="G마켓 산스 Medium" panose="02000000000000000000" pitchFamily="50" charset="-127"/>
+                <a:ea typeface="G마켓 산스 Medium" panose="02000000000000000000" pitchFamily="50" charset="-127"/>
+              </a:rPr>
+              <a:t>;</a:t>
+            </a:r>
+            <a:r>
+              <a:rPr lang="ko-KR" altLang="en-US" sz="3600" dirty="0" err="1">
+                <a:solidFill>
+                  <a:srgbClr val="4C50BC"/>
+                </a:solidFill>
+                <a:latin typeface="G마켓 산스 Medium" panose="02000000000000000000" pitchFamily="50" charset="-127"/>
+                <a:ea typeface="G마켓 산스 Medium" panose="02000000000000000000" pitchFamily="50" charset="-127"/>
+              </a:rPr>
+              <a:t>증감식</a:t>
+            </a:r>
+            <a:r>
+              <a:rPr lang="en-US" altLang="ko-KR" sz="3600" dirty="0">
+                <a:solidFill>
+                  <a:srgbClr val="4C50BC"/>
+                </a:solidFill>
+                <a:latin typeface="G마켓 산스 Medium" panose="02000000000000000000" pitchFamily="50" charset="-127"/>
+                <a:ea typeface="G마켓 산스 Medium" panose="02000000000000000000" pitchFamily="50" charset="-127"/>
+              </a:rPr>
+              <a:t>)</a:t>
+            </a:r>
+          </a:p>
+        </p:txBody>
+      </p:sp>
+    </p:spTree>
+    <p:extLst>
+      <p:ext uri="{BB962C8B-B14F-4D97-AF65-F5344CB8AC3E}">
+        <p14:creationId xmlns:p14="http://schemas.microsoft.com/office/powerpoint/2010/main" val="3609099598"/>
+      </p:ext>
+    </p:extLst>
+  </p:cSld>
+  <p:clrMapOvr>
+    <a:masterClrMapping/>
+  </p:clrMapOvr>
+</p:sld>
+</file>
+
+<file path=ppt/slides/slide23.xml><?xml version="1.0" encoding="utf-8"?>
+<p:sld xmlns:a="http://schemas.openxmlformats.org/drawingml/2006/main" xmlns:r="http://schemas.openxmlformats.org/officeDocument/2006/relationships" xmlns:p="http://schemas.openxmlformats.org/presentationml/2006/main">
+  <p:cSld>
+    <p:spTree>
+      <p:nvGrpSpPr>
+        <p:cNvPr id="1" name=""/>
+        <p:cNvGrpSpPr/>
+        <p:nvPr/>
+      </p:nvGrpSpPr>
+      <p:grpSpPr>
+        <a:xfrm>
+          <a:off x="0" y="0"/>
+          <a:ext cx="0" cy="0"/>
+          <a:chOff x="0" y="0"/>
+          <a:chExt cx="0" cy="0"/>
+        </a:xfrm>
+      </p:grpSpPr>
+      <p:sp>
+        <p:nvSpPr>
           <p:cNvPr id="4" name="TextBox 3">
             <a:extLst>
               <a:ext uri="{FF2B5EF4-FFF2-40B4-BE49-F238E27FC236}">
-                <a16:creationId xmlns:a16="http://schemas.microsoft.com/office/drawing/2014/main" xmlns="" id="{689B06B0-68AB-C307-0EBB-9D1982E424B0}"/>
+                <a16:creationId xmlns:a16="http://schemas.microsoft.com/office/drawing/2014/main" id="{689B06B0-68AB-C307-0EBB-9D1982E424B0}"/>
               </a:ext>
             </a:extLst>
           </p:cNvPr>
@@ -13977,7 +14426,7 @@
           <p:cNvPr id="6" name="그림 5">
             <a:extLst>
               <a:ext uri="{FF2B5EF4-FFF2-40B4-BE49-F238E27FC236}">
-                <a16:creationId xmlns:a16="http://schemas.microsoft.com/office/drawing/2014/main" xmlns="" id="{47DB1BEC-83BD-9A81-8F2A-CD1BD70AE5E7}"/>
+                <a16:creationId xmlns:a16="http://schemas.microsoft.com/office/drawing/2014/main" id="{47DB1BEC-83BD-9A81-8F2A-CD1BD70AE5E7}"/>
               </a:ext>
             </a:extLst>
           </p:cNvPr>
@@ -14007,7 +14456,7 @@
           <p:cNvPr id="7" name="직선 화살표 연결선 6">
             <a:extLst>
               <a:ext uri="{FF2B5EF4-FFF2-40B4-BE49-F238E27FC236}">
-                <a16:creationId xmlns:a16="http://schemas.microsoft.com/office/drawing/2014/main" xmlns="" id="{0C626B88-28F7-8151-7B62-0A3D010F91C0}"/>
+                <a16:creationId xmlns:a16="http://schemas.microsoft.com/office/drawing/2014/main" id="{0C626B88-28F7-8151-7B62-0A3D010F91C0}"/>
               </a:ext>
             </a:extLst>
           </p:cNvPr>
@@ -14048,7 +14497,7 @@
           <p:cNvPr id="8" name="직사각형 7">
             <a:extLst>
               <a:ext uri="{FF2B5EF4-FFF2-40B4-BE49-F238E27FC236}">
-                <a16:creationId xmlns:a16="http://schemas.microsoft.com/office/drawing/2014/main" xmlns="" id="{49C2E4F5-8682-2767-5D78-3379E2DFD4F9}"/>
+                <a16:creationId xmlns:a16="http://schemas.microsoft.com/office/drawing/2014/main" id="{49C2E4F5-8682-2767-5D78-3379E2DFD4F9}"/>
               </a:ext>
             </a:extLst>
           </p:cNvPr>
@@ -14100,7 +14549,7 @@
           <p:cNvPr id="10" name="TextBox 9">
             <a:extLst>
               <a:ext uri="{FF2B5EF4-FFF2-40B4-BE49-F238E27FC236}">
-                <a16:creationId xmlns:a16="http://schemas.microsoft.com/office/drawing/2014/main" xmlns="" id="{D75F4B4F-8FD1-6095-2821-D9CC57CE2BC6}"/>
+                <a16:creationId xmlns:a16="http://schemas.microsoft.com/office/drawing/2014/main" id="{D75F4B4F-8FD1-6095-2821-D9CC57CE2BC6}"/>
               </a:ext>
             </a:extLst>
           </p:cNvPr>
@@ -14157,7 +14606,7 @@
           <p:cNvPr id="12" name="그림 11">
             <a:extLst>
               <a:ext uri="{FF2B5EF4-FFF2-40B4-BE49-F238E27FC236}">
-                <a16:creationId xmlns:a16="http://schemas.microsoft.com/office/drawing/2014/main" xmlns="" id="{71FBC67B-133A-2045-477F-F50EA945D0CC}"/>
+                <a16:creationId xmlns:a16="http://schemas.microsoft.com/office/drawing/2014/main" id="{71FBC67B-133A-2045-477F-F50EA945D0CC}"/>
               </a:ext>
             </a:extLst>
           </p:cNvPr>
@@ -14187,7 +14636,7 @@
           <p:cNvPr id="13" name="직선 화살표 연결선 12">
             <a:extLst>
               <a:ext uri="{FF2B5EF4-FFF2-40B4-BE49-F238E27FC236}">
-                <a16:creationId xmlns:a16="http://schemas.microsoft.com/office/drawing/2014/main" xmlns="" id="{FAB6EF14-5D7D-333B-73B0-35022C8DDEC1}"/>
+                <a16:creationId xmlns:a16="http://schemas.microsoft.com/office/drawing/2014/main" id="{FAB6EF14-5D7D-333B-73B0-35022C8DDEC1}"/>
               </a:ext>
             </a:extLst>
           </p:cNvPr>
@@ -14228,7 +14677,7 @@
           <p:cNvPr id="14" name="직사각형 13">
             <a:extLst>
               <a:ext uri="{FF2B5EF4-FFF2-40B4-BE49-F238E27FC236}">
-                <a16:creationId xmlns:a16="http://schemas.microsoft.com/office/drawing/2014/main" xmlns="" id="{101993EF-383B-D715-EF0A-CDE4AC7AB0AF}"/>
+                <a16:creationId xmlns:a16="http://schemas.microsoft.com/office/drawing/2014/main" id="{101993EF-383B-D715-EF0A-CDE4AC7AB0AF}"/>
               </a:ext>
             </a:extLst>
           </p:cNvPr>
@@ -14280,7 +14729,7 @@
           <p:cNvPr id="15" name="TextBox 14">
             <a:extLst>
               <a:ext uri="{FF2B5EF4-FFF2-40B4-BE49-F238E27FC236}">
-                <a16:creationId xmlns:a16="http://schemas.microsoft.com/office/drawing/2014/main" xmlns="" id="{64D6DA13-99A3-812E-B62A-51BDD25B6BD2}"/>
+                <a16:creationId xmlns:a16="http://schemas.microsoft.com/office/drawing/2014/main" id="{64D6DA13-99A3-812E-B62A-51BDD25B6BD2}"/>
               </a:ext>
             </a:extLst>
           </p:cNvPr>
@@ -14426,7 +14875,7 @@
           <p:cNvPr id="18" name="그림 17">
             <a:extLst>
               <a:ext uri="{FF2B5EF4-FFF2-40B4-BE49-F238E27FC236}">
-                <a16:creationId xmlns:a16="http://schemas.microsoft.com/office/drawing/2014/main" xmlns="" id="{00DE21ED-57B3-A7D1-8BA3-1885ED016D2B}"/>
+                <a16:creationId xmlns:a16="http://schemas.microsoft.com/office/drawing/2014/main" id="{00DE21ED-57B3-A7D1-8BA3-1885ED016D2B}"/>
               </a:ext>
             </a:extLst>
           </p:cNvPr>
@@ -14456,7 +14905,7 @@
           <p:cNvPr id="19" name="직선 화살표 연결선 18">
             <a:extLst>
               <a:ext uri="{FF2B5EF4-FFF2-40B4-BE49-F238E27FC236}">
-                <a16:creationId xmlns:a16="http://schemas.microsoft.com/office/drawing/2014/main" xmlns="" id="{A1268EA5-0368-4462-246D-144CDB05B23F}"/>
+                <a16:creationId xmlns:a16="http://schemas.microsoft.com/office/drawing/2014/main" id="{A1268EA5-0368-4462-246D-144CDB05B23F}"/>
               </a:ext>
             </a:extLst>
           </p:cNvPr>
@@ -14497,7 +14946,7 @@
           <p:cNvPr id="20" name="직사각형 19">
             <a:extLst>
               <a:ext uri="{FF2B5EF4-FFF2-40B4-BE49-F238E27FC236}">
-                <a16:creationId xmlns:a16="http://schemas.microsoft.com/office/drawing/2014/main" xmlns="" id="{3CE952E5-50B3-EB4C-0A71-D498B14619AB}"/>
+                <a16:creationId xmlns:a16="http://schemas.microsoft.com/office/drawing/2014/main" id="{3CE952E5-50B3-EB4C-0A71-D498B14619AB}"/>
               </a:ext>
             </a:extLst>
           </p:cNvPr>
@@ -14549,7 +14998,7 @@
           <p:cNvPr id="21" name="TextBox 20">
             <a:extLst>
               <a:ext uri="{FF2B5EF4-FFF2-40B4-BE49-F238E27FC236}">
-                <a16:creationId xmlns:a16="http://schemas.microsoft.com/office/drawing/2014/main" xmlns="" id="{10D2964D-13AA-4BA9-8147-C4D7FFA4E524}"/>
+                <a16:creationId xmlns:a16="http://schemas.microsoft.com/office/drawing/2014/main" id="{10D2964D-13AA-4BA9-8147-C4D7FFA4E524}"/>
               </a:ext>
             </a:extLst>
           </p:cNvPr>
@@ -14616,7 +15065,7 @@
           <p:cNvPr id="23" name="그림 22">
             <a:extLst>
               <a:ext uri="{FF2B5EF4-FFF2-40B4-BE49-F238E27FC236}">
-                <a16:creationId xmlns:a16="http://schemas.microsoft.com/office/drawing/2014/main" xmlns="" id="{2AB563CE-C606-E4F4-F345-DDD7E0A58CA8}"/>
+                <a16:creationId xmlns:a16="http://schemas.microsoft.com/office/drawing/2014/main" id="{2AB563CE-C606-E4F4-F345-DDD7E0A58CA8}"/>
               </a:ext>
             </a:extLst>
           </p:cNvPr>
@@ -14646,7 +15095,7 @@
           <p:cNvPr id="24" name="직사각형 23">
             <a:extLst>
               <a:ext uri="{FF2B5EF4-FFF2-40B4-BE49-F238E27FC236}">
-                <a16:creationId xmlns:a16="http://schemas.microsoft.com/office/drawing/2014/main" xmlns="" id="{C3078241-A31B-7809-4097-6CD7A51122E4}"/>
+                <a16:creationId xmlns:a16="http://schemas.microsoft.com/office/drawing/2014/main" id="{C3078241-A31B-7809-4097-6CD7A51122E4}"/>
               </a:ext>
             </a:extLst>
           </p:cNvPr>
@@ -14698,7 +15147,7 @@
           <p:cNvPr id="25" name="직선 화살표 연결선 24">
             <a:extLst>
               <a:ext uri="{FF2B5EF4-FFF2-40B4-BE49-F238E27FC236}">
-                <a16:creationId xmlns:a16="http://schemas.microsoft.com/office/drawing/2014/main" xmlns="" id="{EE84BD74-6BF6-8540-9210-C3EB82E1CBD1}"/>
+                <a16:creationId xmlns:a16="http://schemas.microsoft.com/office/drawing/2014/main" id="{EE84BD74-6BF6-8540-9210-C3EB82E1CBD1}"/>
               </a:ext>
             </a:extLst>
           </p:cNvPr>
@@ -14739,7 +15188,7 @@
           <p:cNvPr id="26" name="TextBox 25">
             <a:extLst>
               <a:ext uri="{FF2B5EF4-FFF2-40B4-BE49-F238E27FC236}">
-                <a16:creationId xmlns:a16="http://schemas.microsoft.com/office/drawing/2014/main" xmlns="" id="{5DE653FC-7C92-87DA-DB20-513FB91F9C29}"/>
+                <a16:creationId xmlns:a16="http://schemas.microsoft.com/office/drawing/2014/main" id="{5DE653FC-7C92-87DA-DB20-513FB91F9C29}"/>
               </a:ext>
             </a:extLst>
           </p:cNvPr>
@@ -14909,7 +15358,7 @@
 </p:sld>
 </file>
 
-<file path=ppt/slides/slide23.xml><?xml version="1.0" encoding="utf-8"?>
+<file path=ppt/slides/slide24.xml><?xml version="1.0" encoding="utf-8"?>
 <p:sld xmlns:a="http://schemas.openxmlformats.org/drawingml/2006/main" xmlns:r="http://schemas.openxmlformats.org/officeDocument/2006/relationships" xmlns:p="http://schemas.openxmlformats.org/presentationml/2006/main">
   <p:cSld>
     <p:spTree>
@@ -14931,7 +15380,7 @@
           <p:cNvPr id="4" name="TextBox 3">
             <a:extLst>
               <a:ext uri="{FF2B5EF4-FFF2-40B4-BE49-F238E27FC236}">
-                <a16:creationId xmlns:a16="http://schemas.microsoft.com/office/drawing/2014/main" xmlns="" id="{74F623B1-3799-BFD3-69BC-FE06246EB13A}"/>
+                <a16:creationId xmlns:a16="http://schemas.microsoft.com/office/drawing/2014/main" id="{74F623B1-3799-BFD3-69BC-FE06246EB13A}"/>
               </a:ext>
             </a:extLst>
           </p:cNvPr>
@@ -14989,7 +15438,7 @@
           <p:cNvPr id="6" name="그림 5">
             <a:extLst>
               <a:ext uri="{FF2B5EF4-FFF2-40B4-BE49-F238E27FC236}">
-                <a16:creationId xmlns:a16="http://schemas.microsoft.com/office/drawing/2014/main" xmlns="" id="{2859CED2-6E50-1BAA-3A3C-47C036E9E60B}"/>
+                <a16:creationId xmlns:a16="http://schemas.microsoft.com/office/drawing/2014/main" id="{2859CED2-6E50-1BAA-3A3C-47C036E9E60B}"/>
               </a:ext>
             </a:extLst>
           </p:cNvPr>
@@ -15019,7 +15468,7 @@
           <p:cNvPr id="9" name="직선 화살표 연결선 8">
             <a:extLst>
               <a:ext uri="{FF2B5EF4-FFF2-40B4-BE49-F238E27FC236}">
-                <a16:creationId xmlns:a16="http://schemas.microsoft.com/office/drawing/2014/main" xmlns="" id="{0A517102-1A7B-32D6-8B5E-7A602CF28BB4}"/>
+                <a16:creationId xmlns:a16="http://schemas.microsoft.com/office/drawing/2014/main" id="{0A517102-1A7B-32D6-8B5E-7A602CF28BB4}"/>
               </a:ext>
             </a:extLst>
           </p:cNvPr>
@@ -15060,7 +15509,7 @@
           <p:cNvPr id="10" name="직사각형 9">
             <a:extLst>
               <a:ext uri="{FF2B5EF4-FFF2-40B4-BE49-F238E27FC236}">
-                <a16:creationId xmlns:a16="http://schemas.microsoft.com/office/drawing/2014/main" xmlns="" id="{FB68496F-8E91-B36B-A8CC-3A1A4D38F45F}"/>
+                <a16:creationId xmlns:a16="http://schemas.microsoft.com/office/drawing/2014/main" id="{FB68496F-8E91-B36B-A8CC-3A1A4D38F45F}"/>
               </a:ext>
             </a:extLst>
           </p:cNvPr>
@@ -15112,7 +15561,7 @@
           <p:cNvPr id="11" name="TextBox 10">
             <a:extLst>
               <a:ext uri="{FF2B5EF4-FFF2-40B4-BE49-F238E27FC236}">
-                <a16:creationId xmlns:a16="http://schemas.microsoft.com/office/drawing/2014/main" xmlns="" id="{9B6AB948-57E9-D33B-D848-3E89213C4BC0}"/>
+                <a16:creationId xmlns:a16="http://schemas.microsoft.com/office/drawing/2014/main" id="{9B6AB948-57E9-D33B-D848-3E89213C4BC0}"/>
               </a:ext>
             </a:extLst>
           </p:cNvPr>
@@ -15221,7 +15670,7 @@
           <p:cNvPr id="14" name="그림 13">
             <a:extLst>
               <a:ext uri="{FF2B5EF4-FFF2-40B4-BE49-F238E27FC236}">
-                <a16:creationId xmlns:a16="http://schemas.microsoft.com/office/drawing/2014/main" xmlns="" id="{B3BFF180-C4C5-4F68-024B-8D0BD9CD80A0}"/>
+                <a16:creationId xmlns:a16="http://schemas.microsoft.com/office/drawing/2014/main" id="{B3BFF180-C4C5-4F68-024B-8D0BD9CD80A0}"/>
               </a:ext>
             </a:extLst>
           </p:cNvPr>
@@ -15251,7 +15700,7 @@
           <p:cNvPr id="15" name="직선 화살표 연결선 14">
             <a:extLst>
               <a:ext uri="{FF2B5EF4-FFF2-40B4-BE49-F238E27FC236}">
-                <a16:creationId xmlns:a16="http://schemas.microsoft.com/office/drawing/2014/main" xmlns="" id="{9758FD75-DB03-FDB7-C01E-990F959B0FAE}"/>
+                <a16:creationId xmlns:a16="http://schemas.microsoft.com/office/drawing/2014/main" id="{9758FD75-DB03-FDB7-C01E-990F959B0FAE}"/>
               </a:ext>
             </a:extLst>
           </p:cNvPr>
@@ -15292,7 +15741,7 @@
           <p:cNvPr id="16" name="직사각형 15">
             <a:extLst>
               <a:ext uri="{FF2B5EF4-FFF2-40B4-BE49-F238E27FC236}">
-                <a16:creationId xmlns:a16="http://schemas.microsoft.com/office/drawing/2014/main" xmlns="" id="{92D792A0-FDE7-8AB9-B54C-2C0BF71FB3E8}"/>
+                <a16:creationId xmlns:a16="http://schemas.microsoft.com/office/drawing/2014/main" id="{92D792A0-FDE7-8AB9-B54C-2C0BF71FB3E8}"/>
               </a:ext>
             </a:extLst>
           </p:cNvPr>
@@ -15344,7 +15793,7 @@
           <p:cNvPr id="17" name="TextBox 16">
             <a:extLst>
               <a:ext uri="{FF2B5EF4-FFF2-40B4-BE49-F238E27FC236}">
-                <a16:creationId xmlns:a16="http://schemas.microsoft.com/office/drawing/2014/main" xmlns="" id="{210B69DC-4AF4-C38B-EEB0-7D8F8D0F4EA5}"/>
+                <a16:creationId xmlns:a16="http://schemas.microsoft.com/office/drawing/2014/main" id="{210B69DC-4AF4-C38B-EEB0-7D8F8D0F4EA5}"/>
               </a:ext>
             </a:extLst>
           </p:cNvPr>
@@ -15437,7 +15886,7 @@
           <p:cNvPr id="19" name="그림 18">
             <a:extLst>
               <a:ext uri="{FF2B5EF4-FFF2-40B4-BE49-F238E27FC236}">
-                <a16:creationId xmlns:a16="http://schemas.microsoft.com/office/drawing/2014/main" xmlns="" id="{E723CE96-C6A4-1D96-576C-F088644208A2}"/>
+                <a16:creationId xmlns:a16="http://schemas.microsoft.com/office/drawing/2014/main" id="{E723CE96-C6A4-1D96-576C-F088644208A2}"/>
               </a:ext>
             </a:extLst>
           </p:cNvPr>
@@ -15467,7 +15916,7 @@
           <p:cNvPr id="20" name="직선 화살표 연결선 19">
             <a:extLst>
               <a:ext uri="{FF2B5EF4-FFF2-40B4-BE49-F238E27FC236}">
-                <a16:creationId xmlns:a16="http://schemas.microsoft.com/office/drawing/2014/main" xmlns="" id="{FC547289-CBE4-8017-DC97-5EEC8635BE87}"/>
+                <a16:creationId xmlns:a16="http://schemas.microsoft.com/office/drawing/2014/main" id="{FC547289-CBE4-8017-DC97-5EEC8635BE87}"/>
               </a:ext>
             </a:extLst>
           </p:cNvPr>
@@ -15508,7 +15957,7 @@
           <p:cNvPr id="21" name="TextBox 20">
             <a:extLst>
               <a:ext uri="{FF2B5EF4-FFF2-40B4-BE49-F238E27FC236}">
-                <a16:creationId xmlns:a16="http://schemas.microsoft.com/office/drawing/2014/main" xmlns="" id="{1207E87C-0459-BCE8-BFCC-964AA68220DA}"/>
+                <a16:creationId xmlns:a16="http://schemas.microsoft.com/office/drawing/2014/main" id="{1207E87C-0459-BCE8-BFCC-964AA68220DA}"/>
               </a:ext>
             </a:extLst>
           </p:cNvPr>
@@ -15615,7 +16064,7 @@
           <p:cNvPr id="18" name="직선 화살표 연결선 17">
             <a:extLst>
               <a:ext uri="{FF2B5EF4-FFF2-40B4-BE49-F238E27FC236}">
-                <a16:creationId xmlns:a16="http://schemas.microsoft.com/office/drawing/2014/main" xmlns="" id="{FC547289-CBE4-8017-DC97-5EEC8635BE87}"/>
+                <a16:creationId xmlns:a16="http://schemas.microsoft.com/office/drawing/2014/main" id="{FC547289-CBE4-8017-DC97-5EEC8635BE87}"/>
               </a:ext>
             </a:extLst>
           </p:cNvPr>
@@ -15656,7 +16105,7 @@
           <p:cNvPr id="22" name="TextBox 21">
             <a:extLst>
               <a:ext uri="{FF2B5EF4-FFF2-40B4-BE49-F238E27FC236}">
-                <a16:creationId xmlns:a16="http://schemas.microsoft.com/office/drawing/2014/main" xmlns="" id="{1207E87C-0459-BCE8-BFCC-964AA68220DA}"/>
+                <a16:creationId xmlns:a16="http://schemas.microsoft.com/office/drawing/2014/main" id="{1207E87C-0459-BCE8-BFCC-964AA68220DA}"/>
               </a:ext>
             </a:extLst>
           </p:cNvPr>
@@ -15739,7 +16188,7 @@
           <p:cNvPr id="23" name="직사각형 22">
             <a:extLst>
               <a:ext uri="{FF2B5EF4-FFF2-40B4-BE49-F238E27FC236}">
-                <a16:creationId xmlns:a16="http://schemas.microsoft.com/office/drawing/2014/main" xmlns="" id="{92D792A0-FDE7-8AB9-B54C-2C0BF71FB3E8}"/>
+                <a16:creationId xmlns:a16="http://schemas.microsoft.com/office/drawing/2014/main" id="{92D792A0-FDE7-8AB9-B54C-2C0BF71FB3E8}"/>
               </a:ext>
             </a:extLst>
           </p:cNvPr>
@@ -15977,7 +16426,7 @@
 </p:sld>
 </file>
 
-<file path=ppt/slides/slide24.xml><?xml version="1.0" encoding="utf-8"?>
+<file path=ppt/slides/slide25.xml><?xml version="1.0" encoding="utf-8"?>
 <p:sld xmlns:a="http://schemas.openxmlformats.org/drawingml/2006/main" xmlns:r="http://schemas.openxmlformats.org/officeDocument/2006/relationships" xmlns:p="http://schemas.openxmlformats.org/presentationml/2006/main">
   <p:cSld>
     <p:spTree>
@@ -15999,7 +16448,7 @@
           <p:cNvPr id="4" name="TextBox 3">
             <a:extLst>
               <a:ext uri="{FF2B5EF4-FFF2-40B4-BE49-F238E27FC236}">
-                <a16:creationId xmlns:a16="http://schemas.microsoft.com/office/drawing/2014/main" xmlns="" id="{FC45ADBF-CAA8-348D-E57F-358AF9FAC5C1}"/>
+                <a16:creationId xmlns:a16="http://schemas.microsoft.com/office/drawing/2014/main" id="{FC45ADBF-CAA8-348D-E57F-358AF9FAC5C1}"/>
               </a:ext>
             </a:extLst>
           </p:cNvPr>
@@ -16067,7 +16516,7 @@
           <p:cNvPr id="5" name="그림 4">
             <a:extLst>
               <a:ext uri="{FF2B5EF4-FFF2-40B4-BE49-F238E27FC236}">
-                <a16:creationId xmlns:a16="http://schemas.microsoft.com/office/drawing/2014/main" xmlns="" id="{F3D6648B-496B-FC8A-75B1-27D9F63E6256}"/>
+                <a16:creationId xmlns:a16="http://schemas.microsoft.com/office/drawing/2014/main" id="{F3D6648B-496B-FC8A-75B1-27D9F63E6256}"/>
               </a:ext>
             </a:extLst>
           </p:cNvPr>
@@ -16097,7 +16546,7 @@
           <p:cNvPr id="6" name="직선 화살표 연결선 5">
             <a:extLst>
               <a:ext uri="{FF2B5EF4-FFF2-40B4-BE49-F238E27FC236}">
-                <a16:creationId xmlns:a16="http://schemas.microsoft.com/office/drawing/2014/main" xmlns="" id="{BFCC77D2-478B-FE81-F1C3-2D8FB1B2B539}"/>
+                <a16:creationId xmlns:a16="http://schemas.microsoft.com/office/drawing/2014/main" id="{BFCC77D2-478B-FE81-F1C3-2D8FB1B2B539}"/>
               </a:ext>
             </a:extLst>
           </p:cNvPr>
@@ -16138,7 +16587,7 @@
           <p:cNvPr id="7" name="직사각형 6">
             <a:extLst>
               <a:ext uri="{FF2B5EF4-FFF2-40B4-BE49-F238E27FC236}">
-                <a16:creationId xmlns:a16="http://schemas.microsoft.com/office/drawing/2014/main" xmlns="" id="{769A9CD3-BBAA-9398-29F4-6CA0FB117667}"/>
+                <a16:creationId xmlns:a16="http://schemas.microsoft.com/office/drawing/2014/main" id="{769A9CD3-BBAA-9398-29F4-6CA0FB117667}"/>
               </a:ext>
             </a:extLst>
           </p:cNvPr>
@@ -16190,7 +16639,7 @@
           <p:cNvPr id="8" name="TextBox 7">
             <a:extLst>
               <a:ext uri="{FF2B5EF4-FFF2-40B4-BE49-F238E27FC236}">
-                <a16:creationId xmlns:a16="http://schemas.microsoft.com/office/drawing/2014/main" xmlns="" id="{A56A5DDA-8708-D8BE-1148-536DAE867ED1}"/>
+                <a16:creationId xmlns:a16="http://schemas.microsoft.com/office/drawing/2014/main" id="{A56A5DDA-8708-D8BE-1148-536DAE867ED1}"/>
               </a:ext>
             </a:extLst>
           </p:cNvPr>
@@ -16312,7 +16761,7 @@
           <p:cNvPr id="11" name="그림 10">
             <a:extLst>
               <a:ext uri="{FF2B5EF4-FFF2-40B4-BE49-F238E27FC236}">
-                <a16:creationId xmlns:a16="http://schemas.microsoft.com/office/drawing/2014/main" xmlns="" id="{5037AA5F-E822-583D-6081-38FA492341D9}"/>
+                <a16:creationId xmlns:a16="http://schemas.microsoft.com/office/drawing/2014/main" id="{5037AA5F-E822-583D-6081-38FA492341D9}"/>
               </a:ext>
             </a:extLst>
           </p:cNvPr>
@@ -16342,7 +16791,7 @@
           <p:cNvPr id="12" name="직선 화살표 연결선 11">
             <a:extLst>
               <a:ext uri="{FF2B5EF4-FFF2-40B4-BE49-F238E27FC236}">
-                <a16:creationId xmlns:a16="http://schemas.microsoft.com/office/drawing/2014/main" xmlns="" id="{1FFE4224-75E0-E7D7-6120-C4CA05A76D18}"/>
+                <a16:creationId xmlns:a16="http://schemas.microsoft.com/office/drawing/2014/main" id="{1FFE4224-75E0-E7D7-6120-C4CA05A76D18}"/>
               </a:ext>
             </a:extLst>
           </p:cNvPr>
@@ -16383,7 +16832,7 @@
           <p:cNvPr id="13" name="직사각형 12">
             <a:extLst>
               <a:ext uri="{FF2B5EF4-FFF2-40B4-BE49-F238E27FC236}">
-                <a16:creationId xmlns:a16="http://schemas.microsoft.com/office/drawing/2014/main" xmlns="" id="{8C3F0F5A-409B-3EFD-AE4C-D8CEBA1A6095}"/>
+                <a16:creationId xmlns:a16="http://schemas.microsoft.com/office/drawing/2014/main" id="{8C3F0F5A-409B-3EFD-AE4C-D8CEBA1A6095}"/>
               </a:ext>
             </a:extLst>
           </p:cNvPr>
@@ -16435,7 +16884,7 @@
           <p:cNvPr id="14" name="TextBox 13">
             <a:extLst>
               <a:ext uri="{FF2B5EF4-FFF2-40B4-BE49-F238E27FC236}">
-                <a16:creationId xmlns:a16="http://schemas.microsoft.com/office/drawing/2014/main" xmlns="" id="{63EF7F6E-BCF0-FB9F-8345-C8FF376EEBE5}"/>
+                <a16:creationId xmlns:a16="http://schemas.microsoft.com/office/drawing/2014/main" id="{63EF7F6E-BCF0-FB9F-8345-C8FF376EEBE5}"/>
               </a:ext>
             </a:extLst>
           </p:cNvPr>
@@ -16492,7 +16941,7 @@
           <p:cNvPr id="16" name="그림 15">
             <a:extLst>
               <a:ext uri="{FF2B5EF4-FFF2-40B4-BE49-F238E27FC236}">
-                <a16:creationId xmlns:a16="http://schemas.microsoft.com/office/drawing/2014/main" xmlns="" id="{34D78C32-807C-E668-F49D-74DF9DD4778D}"/>
+                <a16:creationId xmlns:a16="http://schemas.microsoft.com/office/drawing/2014/main" id="{34D78C32-807C-E668-F49D-74DF9DD4778D}"/>
               </a:ext>
             </a:extLst>
           </p:cNvPr>
@@ -16522,7 +16971,7 @@
           <p:cNvPr id="17" name="직선 화살표 연결선 16">
             <a:extLst>
               <a:ext uri="{FF2B5EF4-FFF2-40B4-BE49-F238E27FC236}">
-                <a16:creationId xmlns:a16="http://schemas.microsoft.com/office/drawing/2014/main" xmlns="" id="{D2E83BD8-C339-6ABD-321D-FC24F4C49A36}"/>
+                <a16:creationId xmlns:a16="http://schemas.microsoft.com/office/drawing/2014/main" id="{D2E83BD8-C339-6ABD-321D-FC24F4C49A36}"/>
               </a:ext>
             </a:extLst>
           </p:cNvPr>
@@ -16563,7 +17012,7 @@
           <p:cNvPr id="18" name="직사각형 17">
             <a:extLst>
               <a:ext uri="{FF2B5EF4-FFF2-40B4-BE49-F238E27FC236}">
-                <a16:creationId xmlns:a16="http://schemas.microsoft.com/office/drawing/2014/main" xmlns="" id="{9285AF3F-315F-7CD9-280F-A0BC3767EFC8}"/>
+                <a16:creationId xmlns:a16="http://schemas.microsoft.com/office/drawing/2014/main" id="{9285AF3F-315F-7CD9-280F-A0BC3767EFC8}"/>
               </a:ext>
             </a:extLst>
           </p:cNvPr>
@@ -16615,7 +17064,7 @@
           <p:cNvPr id="19" name="TextBox 18">
             <a:extLst>
               <a:ext uri="{FF2B5EF4-FFF2-40B4-BE49-F238E27FC236}">
-                <a16:creationId xmlns:a16="http://schemas.microsoft.com/office/drawing/2014/main" xmlns="" id="{B0233F3D-93AE-D5FC-BD44-132A61029CED}"/>
+                <a16:creationId xmlns:a16="http://schemas.microsoft.com/office/drawing/2014/main" id="{B0233F3D-93AE-D5FC-BD44-132A61029CED}"/>
               </a:ext>
             </a:extLst>
           </p:cNvPr>
@@ -16682,7 +17131,7 @@
           <p:cNvPr id="21" name="그림 20">
             <a:extLst>
               <a:ext uri="{FF2B5EF4-FFF2-40B4-BE49-F238E27FC236}">
-                <a16:creationId xmlns:a16="http://schemas.microsoft.com/office/drawing/2014/main" xmlns="" id="{A90F8540-BF25-9F80-10D1-731438E88BD3}"/>
+                <a16:creationId xmlns:a16="http://schemas.microsoft.com/office/drawing/2014/main" id="{A90F8540-BF25-9F80-10D1-731438E88BD3}"/>
               </a:ext>
             </a:extLst>
           </p:cNvPr>
@@ -16712,7 +17161,7 @@
           <p:cNvPr id="22" name="직선 화살표 연결선 21">
             <a:extLst>
               <a:ext uri="{FF2B5EF4-FFF2-40B4-BE49-F238E27FC236}">
-                <a16:creationId xmlns:a16="http://schemas.microsoft.com/office/drawing/2014/main" xmlns="" id="{F3D0979F-FC76-A99F-1B23-87C99675D57B}"/>
+                <a16:creationId xmlns:a16="http://schemas.microsoft.com/office/drawing/2014/main" id="{F3D0979F-FC76-A99F-1B23-87C99675D57B}"/>
               </a:ext>
             </a:extLst>
           </p:cNvPr>
@@ -16753,7 +17202,7 @@
           <p:cNvPr id="23" name="직사각형 22">
             <a:extLst>
               <a:ext uri="{FF2B5EF4-FFF2-40B4-BE49-F238E27FC236}">
-                <a16:creationId xmlns:a16="http://schemas.microsoft.com/office/drawing/2014/main" xmlns="" id="{320E4E90-7BA9-1446-FCCF-E85BB8B561B7}"/>
+                <a16:creationId xmlns:a16="http://schemas.microsoft.com/office/drawing/2014/main" id="{320E4E90-7BA9-1446-FCCF-E85BB8B561B7}"/>
               </a:ext>
             </a:extLst>
           </p:cNvPr>
@@ -16805,7 +17254,7 @@
           <p:cNvPr id="24" name="TextBox 23">
             <a:extLst>
               <a:ext uri="{FF2B5EF4-FFF2-40B4-BE49-F238E27FC236}">
-                <a16:creationId xmlns:a16="http://schemas.microsoft.com/office/drawing/2014/main" xmlns="" id="{4E3958A6-103B-4EE1-DA27-19AC6985C9C4}"/>
+                <a16:creationId xmlns:a16="http://schemas.microsoft.com/office/drawing/2014/main" id="{4E3958A6-103B-4EE1-DA27-19AC6985C9C4}"/>
               </a:ext>
             </a:extLst>
           </p:cNvPr>
@@ -16964,7 +17413,7 @@
           <p:cNvPr id="20" name="직사각형 19">
             <a:extLst>
               <a:ext uri="{FF2B5EF4-FFF2-40B4-BE49-F238E27FC236}">
-                <a16:creationId xmlns:a16="http://schemas.microsoft.com/office/drawing/2014/main" xmlns="" id="{9285AF3F-315F-7CD9-280F-A0BC3767EFC8}"/>
+                <a16:creationId xmlns:a16="http://schemas.microsoft.com/office/drawing/2014/main" id="{9285AF3F-315F-7CD9-280F-A0BC3767EFC8}"/>
               </a:ext>
             </a:extLst>
           </p:cNvPr>
@@ -17016,7 +17465,7 @@
           <p:cNvPr id="25" name="직선 화살표 연결선 24">
             <a:extLst>
               <a:ext uri="{FF2B5EF4-FFF2-40B4-BE49-F238E27FC236}">
-                <a16:creationId xmlns:a16="http://schemas.microsoft.com/office/drawing/2014/main" xmlns="" id="{F3D0979F-FC76-A99F-1B23-87C99675D57B}"/>
+                <a16:creationId xmlns:a16="http://schemas.microsoft.com/office/drawing/2014/main" id="{F3D0979F-FC76-A99F-1B23-87C99675D57B}"/>
               </a:ext>
             </a:extLst>
           </p:cNvPr>
@@ -17057,7 +17506,7 @@
           <p:cNvPr id="26" name="TextBox 25">
             <a:extLst>
               <a:ext uri="{FF2B5EF4-FFF2-40B4-BE49-F238E27FC236}">
-                <a16:creationId xmlns:a16="http://schemas.microsoft.com/office/drawing/2014/main" xmlns="" id="{4E3958A6-103B-4EE1-DA27-19AC6985C9C4}"/>
+                <a16:creationId xmlns:a16="http://schemas.microsoft.com/office/drawing/2014/main" id="{4E3958A6-103B-4EE1-DA27-19AC6985C9C4}"/>
               </a:ext>
             </a:extLst>
           </p:cNvPr>
@@ -17174,7 +17623,7 @@
           <p:cNvPr id="27" name="직선 화살표 연결선 26">
             <a:extLst>
               <a:ext uri="{FF2B5EF4-FFF2-40B4-BE49-F238E27FC236}">
-                <a16:creationId xmlns:a16="http://schemas.microsoft.com/office/drawing/2014/main" xmlns="" id="{F3D0979F-FC76-A99F-1B23-87C99675D57B}"/>
+                <a16:creationId xmlns:a16="http://schemas.microsoft.com/office/drawing/2014/main" id="{F3D0979F-FC76-A99F-1B23-87C99675D57B}"/>
               </a:ext>
             </a:extLst>
           </p:cNvPr>
@@ -17215,7 +17664,7 @@
           <p:cNvPr id="28" name="TextBox 27">
             <a:extLst>
               <a:ext uri="{FF2B5EF4-FFF2-40B4-BE49-F238E27FC236}">
-                <a16:creationId xmlns:a16="http://schemas.microsoft.com/office/drawing/2014/main" xmlns="" id="{4E3958A6-103B-4EE1-DA27-19AC6985C9C4}"/>
+                <a16:creationId xmlns:a16="http://schemas.microsoft.com/office/drawing/2014/main" id="{4E3958A6-103B-4EE1-DA27-19AC6985C9C4}"/>
               </a:ext>
             </a:extLst>
           </p:cNvPr>
@@ -17541,7 +17990,7 @@
 </p:sld>
 </file>
 
-<file path=ppt/slides/slide25.xml><?xml version="1.0" encoding="utf-8"?>
+<file path=ppt/slides/slide26.xml><?xml version="1.0" encoding="utf-8"?>
 <p:sld xmlns:a="http://schemas.openxmlformats.org/drawingml/2006/main" xmlns:r="http://schemas.openxmlformats.org/officeDocument/2006/relationships" xmlns:p="http://schemas.openxmlformats.org/presentationml/2006/main">
   <p:cSld>
     <p:spTree>
@@ -17563,7 +18012,7 @@
           <p:cNvPr id="4" name="TextBox 3">
             <a:extLst>
               <a:ext uri="{FF2B5EF4-FFF2-40B4-BE49-F238E27FC236}">
-                <a16:creationId xmlns:a16="http://schemas.microsoft.com/office/drawing/2014/main" xmlns="" id="{FC45ADBF-CAA8-348D-E57F-358AF9FAC5C1}"/>
+                <a16:creationId xmlns:a16="http://schemas.microsoft.com/office/drawing/2014/main" id="{FC45ADBF-CAA8-348D-E57F-358AF9FAC5C1}"/>
               </a:ext>
             </a:extLst>
           </p:cNvPr>
@@ -17659,7 +18108,7 @@
 </p:sld>
 </file>
 
-<file path=ppt/slides/slide26.xml><?xml version="1.0" encoding="utf-8"?>
+<file path=ppt/slides/slide27.xml><?xml version="1.0" encoding="utf-8"?>
 <p:sld xmlns:a="http://schemas.openxmlformats.org/drawingml/2006/main" xmlns:r="http://schemas.openxmlformats.org/officeDocument/2006/relationships" xmlns:p="http://schemas.openxmlformats.org/presentationml/2006/main">
   <p:cSld>
     <p:spTree>
@@ -17681,7 +18130,7 @@
           <p:cNvPr id="4" name="TextBox 3">
             <a:extLst>
               <a:ext uri="{FF2B5EF4-FFF2-40B4-BE49-F238E27FC236}">
-                <a16:creationId xmlns:a16="http://schemas.microsoft.com/office/drawing/2014/main" xmlns="" id="{FC45ADBF-CAA8-348D-E57F-358AF9FAC5C1}"/>
+                <a16:creationId xmlns:a16="http://schemas.microsoft.com/office/drawing/2014/main" id="{FC45ADBF-CAA8-348D-E57F-358AF9FAC5C1}"/>
               </a:ext>
             </a:extLst>
           </p:cNvPr>
@@ -17729,7 +18178,7 @@
           <p:cNvPr id="5" name="TextBox 4">
             <a:extLst>
               <a:ext uri="{FF2B5EF4-FFF2-40B4-BE49-F238E27FC236}">
-                <a16:creationId xmlns:a16="http://schemas.microsoft.com/office/drawing/2014/main" xmlns="" id="{9B6AB948-57E9-D33B-D848-3E89213C4BC0}"/>
+                <a16:creationId xmlns:a16="http://schemas.microsoft.com/office/drawing/2014/main" id="{9B6AB948-57E9-D33B-D848-3E89213C4BC0}"/>
               </a:ext>
             </a:extLst>
           </p:cNvPr>
@@ -17920,7 +18369,7 @@
           <p:cNvPr id="13" name="TextBox 12">
             <a:extLst>
               <a:ext uri="{FF2B5EF4-FFF2-40B4-BE49-F238E27FC236}">
-                <a16:creationId xmlns:a16="http://schemas.microsoft.com/office/drawing/2014/main" xmlns="" id="{9B6AB948-57E9-D33B-D848-3E89213C4BC0}"/>
+                <a16:creationId xmlns:a16="http://schemas.microsoft.com/office/drawing/2014/main" id="{9B6AB948-57E9-D33B-D848-3E89213C4BC0}"/>
               </a:ext>
             </a:extLst>
           </p:cNvPr>
@@ -18087,7 +18536,7 @@
           <p:cNvPr id="16" name="TextBox 15">
             <a:extLst>
               <a:ext uri="{FF2B5EF4-FFF2-40B4-BE49-F238E27FC236}">
-                <a16:creationId xmlns:a16="http://schemas.microsoft.com/office/drawing/2014/main" xmlns="" id="{9B6AB948-57E9-D33B-D848-3E89213C4BC0}"/>
+                <a16:creationId xmlns:a16="http://schemas.microsoft.com/office/drawing/2014/main" id="{9B6AB948-57E9-D33B-D848-3E89213C4BC0}"/>
               </a:ext>
             </a:extLst>
           </p:cNvPr>
@@ -18453,7 +18902,7 @@
 </p:sld>
 </file>
 
-<file path=ppt/slides/slide27.xml><?xml version="1.0" encoding="utf-8"?>
+<file path=ppt/slides/slide28.xml><?xml version="1.0" encoding="utf-8"?>
 <p:sld xmlns:a="http://schemas.openxmlformats.org/drawingml/2006/main" xmlns:r="http://schemas.openxmlformats.org/officeDocument/2006/relationships" xmlns:p="http://schemas.openxmlformats.org/presentationml/2006/main">
   <p:cSld>
     <p:spTree>
@@ -18475,7 +18924,7 @@
           <p:cNvPr id="2" name="TextBox 1">
             <a:extLst>
               <a:ext uri="{FF2B5EF4-FFF2-40B4-BE49-F238E27FC236}">
-                <a16:creationId xmlns:a16="http://schemas.microsoft.com/office/drawing/2014/main" xmlns="" id="{FC45ADBF-CAA8-348D-E57F-358AF9FAC5C1}"/>
+                <a16:creationId xmlns:a16="http://schemas.microsoft.com/office/drawing/2014/main" id="{FC45ADBF-CAA8-348D-E57F-358AF9FAC5C1}"/>
               </a:ext>
             </a:extLst>
           </p:cNvPr>
@@ -18571,7 +19020,7 @@
           <p:cNvPr id="8" name="직선 화살표 연결선 7">
             <a:extLst>
               <a:ext uri="{FF2B5EF4-FFF2-40B4-BE49-F238E27FC236}">
-                <a16:creationId xmlns:a16="http://schemas.microsoft.com/office/drawing/2014/main" xmlns="" id="{299DF5EC-9DF4-5255-06AC-0A7CE4FF58C3}"/>
+                <a16:creationId xmlns:a16="http://schemas.microsoft.com/office/drawing/2014/main" id="{299DF5EC-9DF4-5255-06AC-0A7CE4FF58C3}"/>
               </a:ext>
             </a:extLst>
           </p:cNvPr>
@@ -18612,7 +19061,7 @@
           <p:cNvPr id="9" name="직사각형 8">
             <a:extLst>
               <a:ext uri="{FF2B5EF4-FFF2-40B4-BE49-F238E27FC236}">
-                <a16:creationId xmlns:a16="http://schemas.microsoft.com/office/drawing/2014/main" xmlns="" id="{FFF506F9-840A-0508-4CAF-3AC711D8D5CE}"/>
+                <a16:creationId xmlns:a16="http://schemas.microsoft.com/office/drawing/2014/main" id="{FFF506F9-840A-0508-4CAF-3AC711D8D5CE}"/>
               </a:ext>
             </a:extLst>
           </p:cNvPr>
@@ -18664,7 +19113,7 @@
           <p:cNvPr id="10" name="TextBox 9">
             <a:extLst>
               <a:ext uri="{FF2B5EF4-FFF2-40B4-BE49-F238E27FC236}">
-                <a16:creationId xmlns:a16="http://schemas.microsoft.com/office/drawing/2014/main" xmlns="" id="{C6D113C6-EA5C-788F-0C77-E7CE6EBB865F}"/>
+                <a16:creationId xmlns:a16="http://schemas.microsoft.com/office/drawing/2014/main" id="{C6D113C6-EA5C-788F-0C77-E7CE6EBB865F}"/>
               </a:ext>
             </a:extLst>
           </p:cNvPr>
@@ -18829,7 +19278,7 @@
 </p:sld>
 </file>
 
-<file path=ppt/slides/slide28.xml><?xml version="1.0" encoding="utf-8"?>
+<file path=ppt/slides/slide29.xml><?xml version="1.0" encoding="utf-8"?>
 <p:sld xmlns:a="http://schemas.openxmlformats.org/drawingml/2006/main" xmlns:r="http://schemas.openxmlformats.org/officeDocument/2006/relationships" xmlns:p="http://schemas.openxmlformats.org/presentationml/2006/main">
   <p:cSld>
     <p:spTree>
@@ -18851,7 +19300,7 @@
           <p:cNvPr id="4" name="TextBox 3">
             <a:extLst>
               <a:ext uri="{FF2B5EF4-FFF2-40B4-BE49-F238E27FC236}">
-                <a16:creationId xmlns:a16="http://schemas.microsoft.com/office/drawing/2014/main" xmlns="" id="{FC45ADBF-CAA8-348D-E57F-358AF9FAC5C1}"/>
+                <a16:creationId xmlns:a16="http://schemas.microsoft.com/office/drawing/2014/main" id="{FC45ADBF-CAA8-348D-E57F-358AF9FAC5C1}"/>
               </a:ext>
             </a:extLst>
           </p:cNvPr>
@@ -18909,7 +19358,7 @@
           <p:cNvPr id="5" name="TextBox 4">
             <a:extLst>
               <a:ext uri="{FF2B5EF4-FFF2-40B4-BE49-F238E27FC236}">
-                <a16:creationId xmlns:a16="http://schemas.microsoft.com/office/drawing/2014/main" xmlns="" id="{A56A5DDA-8708-D8BE-1148-536DAE867ED1}"/>
+                <a16:creationId xmlns:a16="http://schemas.microsoft.com/office/drawing/2014/main" id="{A56A5DDA-8708-D8BE-1148-536DAE867ED1}"/>
               </a:ext>
             </a:extLst>
           </p:cNvPr>
@@ -19000,7 +19449,7 @@
           <p:cNvPr id="7" name="TextBox 6">
             <a:extLst>
               <a:ext uri="{FF2B5EF4-FFF2-40B4-BE49-F238E27FC236}">
-                <a16:creationId xmlns:a16="http://schemas.microsoft.com/office/drawing/2014/main" xmlns="" id="{A56A5DDA-8708-D8BE-1148-536DAE867ED1}"/>
+                <a16:creationId xmlns:a16="http://schemas.microsoft.com/office/drawing/2014/main" id="{A56A5DDA-8708-D8BE-1148-536DAE867ED1}"/>
               </a:ext>
             </a:extLst>
           </p:cNvPr>
@@ -19154,7 +19603,7 @@
           <p:cNvPr id="10" name="TextBox 9">
             <a:extLst>
               <a:ext uri="{FF2B5EF4-FFF2-40B4-BE49-F238E27FC236}">
-                <a16:creationId xmlns:a16="http://schemas.microsoft.com/office/drawing/2014/main" xmlns="" id="{A56A5DDA-8708-D8BE-1148-536DAE867ED1}"/>
+                <a16:creationId xmlns:a16="http://schemas.microsoft.com/office/drawing/2014/main" id="{A56A5DDA-8708-D8BE-1148-536DAE867ED1}"/>
               </a:ext>
             </a:extLst>
           </p:cNvPr>
@@ -19229,7 +19678,268 @@
 </p:sld>
 </file>
 
-<file path=ppt/slides/slide29.xml><?xml version="1.0" encoding="utf-8"?>
+<file path=ppt/slides/slide3.xml><?xml version="1.0" encoding="utf-8"?>
+<p:sld xmlns:a="http://schemas.openxmlformats.org/drawingml/2006/main" xmlns:r="http://schemas.openxmlformats.org/officeDocument/2006/relationships" xmlns:p="http://schemas.openxmlformats.org/presentationml/2006/main">
+  <p:cSld name="Slide 4">
+    <p:bg>
+      <p:bgPr>
+        <a:solidFill>
+          <a:srgbClr val="4C50BB"/>
+        </a:solidFill>
+        <a:effectLst/>
+      </p:bgPr>
+    </p:bg>
+    <p:spTree>
+      <p:nvGrpSpPr>
+        <p:cNvPr id="1" name=""/>
+        <p:cNvGrpSpPr/>
+        <p:nvPr/>
+      </p:nvGrpSpPr>
+      <p:grpSpPr>
+        <a:xfrm>
+          <a:off x="0" y="0"/>
+          <a:ext cx="0" cy="0"/>
+          <a:chOff x="0" y="0"/>
+          <a:chExt cx="0" cy="0"/>
+        </a:xfrm>
+      </p:grpSpPr>
+      <p:grpSp>
+        <p:nvGrpSpPr>
+          <p:cNvPr id="1001" name="그룹 1001"/>
+          <p:cNvGrpSpPr/>
+          <p:nvPr/>
+        </p:nvGrpSpPr>
+        <p:grpSpPr>
+          <a:xfrm>
+            <a:off x="16986360" y="3561542"/>
+            <a:ext cx="1432688" cy="191978"/>
+            <a:chOff x="16986360" y="3561542"/>
+            <a:chExt cx="1432688" cy="191978"/>
+          </a:xfrm>
+        </p:grpSpPr>
+        <p:pic>
+          <p:nvPicPr>
+            <p:cNvPr id="3" name="Object 2"/>
+            <p:cNvPicPr>
+              <a:picLocks noChangeAspect="1"/>
+            </p:cNvPicPr>
+            <p:nvPr/>
+          </p:nvPicPr>
+          <p:blipFill>
+            <a:blip r:embed="rId2" cstate="print"/>
+            <a:stretch>
+              <a:fillRect/>
+            </a:stretch>
+          </p:blipFill>
+          <p:spPr>
+            <a:xfrm>
+              <a:off x="16986360" y="3561542"/>
+              <a:ext cx="1432688" cy="191978"/>
+            </a:xfrm>
+            <a:prstGeom prst="rect">
+              <a:avLst/>
+            </a:prstGeom>
+          </p:spPr>
+        </p:pic>
+      </p:grpSp>
+      <p:grpSp>
+        <p:nvGrpSpPr>
+          <p:cNvPr id="1002" name="그룹 1002"/>
+          <p:cNvGrpSpPr/>
+          <p:nvPr/>
+        </p:nvGrpSpPr>
+        <p:grpSpPr>
+          <a:xfrm>
+            <a:off x="5686747" y="-1286436"/>
+            <a:ext cx="4461240" cy="4417966"/>
+            <a:chOff x="5686747" y="-1286436"/>
+            <a:chExt cx="4461240" cy="4417966"/>
+          </a:xfrm>
+        </p:grpSpPr>
+        <p:pic>
+          <p:nvPicPr>
+            <p:cNvPr id="6" name="Object 5"/>
+            <p:cNvPicPr>
+              <a:picLocks noChangeAspect="1"/>
+            </p:cNvPicPr>
+            <p:nvPr/>
+          </p:nvPicPr>
+          <p:blipFill>
+            <a:blip r:embed="rId3" cstate="print"/>
+            <a:stretch>
+              <a:fillRect/>
+            </a:stretch>
+          </p:blipFill>
+          <p:spPr>
+            <a:xfrm>
+              <a:off x="5686747" y="-1286436"/>
+              <a:ext cx="4461240" cy="4417966"/>
+            </a:xfrm>
+            <a:prstGeom prst="rect">
+              <a:avLst/>
+            </a:prstGeom>
+          </p:spPr>
+        </p:pic>
+      </p:grpSp>
+      <p:grpSp>
+        <p:nvGrpSpPr>
+          <p:cNvPr id="1003" name="그룹 1003"/>
+          <p:cNvGrpSpPr/>
+          <p:nvPr/>
+        </p:nvGrpSpPr>
+        <p:grpSpPr>
+          <a:xfrm>
+            <a:off x="-901071" y="6888297"/>
+            <a:ext cx="4182908" cy="4182908"/>
+            <a:chOff x="-901071" y="6888297"/>
+            <a:chExt cx="4182908" cy="4182908"/>
+          </a:xfrm>
+        </p:grpSpPr>
+        <p:pic>
+          <p:nvPicPr>
+            <p:cNvPr id="9" name="Object 8"/>
+            <p:cNvPicPr>
+              <a:picLocks noChangeAspect="1"/>
+            </p:cNvPicPr>
+            <p:nvPr/>
+          </p:nvPicPr>
+          <p:blipFill>
+            <a:blip r:embed="rId4" cstate="print"/>
+            <a:stretch>
+              <a:fillRect/>
+            </a:stretch>
+          </p:blipFill>
+          <p:spPr>
+            <a:xfrm rot="-2700000">
+              <a:off x="-901071" y="6888297"/>
+              <a:ext cx="4182908" cy="4182908"/>
+            </a:xfrm>
+            <a:prstGeom prst="rect">
+              <a:avLst/>
+            </a:prstGeom>
+          </p:spPr>
+        </p:pic>
+      </p:grpSp>
+      <p:grpSp>
+        <p:nvGrpSpPr>
+          <p:cNvPr id="1004" name="그룹 1004"/>
+          <p:cNvGrpSpPr/>
+          <p:nvPr/>
+        </p:nvGrpSpPr>
+        <p:grpSpPr>
+          <a:xfrm>
+            <a:off x="1972602" y="5957321"/>
+            <a:ext cx="3452527" cy="3419037"/>
+            <a:chOff x="1972602" y="5957321"/>
+            <a:chExt cx="3452527" cy="3419037"/>
+          </a:xfrm>
+        </p:grpSpPr>
+        <p:pic>
+          <p:nvPicPr>
+            <p:cNvPr id="12" name="Object 11"/>
+            <p:cNvPicPr>
+              <a:picLocks noChangeAspect="1"/>
+            </p:cNvPicPr>
+            <p:nvPr/>
+          </p:nvPicPr>
+          <p:blipFill>
+            <a:blip r:embed="rId5" cstate="print"/>
+            <a:stretch>
+              <a:fillRect/>
+            </a:stretch>
+          </p:blipFill>
+          <p:spPr>
+            <a:xfrm>
+              <a:off x="1972602" y="5957321"/>
+              <a:ext cx="3452527" cy="3419037"/>
+            </a:xfrm>
+            <a:prstGeom prst="rect">
+              <a:avLst/>
+            </a:prstGeom>
+          </p:spPr>
+        </p:pic>
+      </p:grpSp>
+      <p:pic>
+        <p:nvPicPr>
+          <p:cNvPr id="14" name="Object 13"/>
+          <p:cNvPicPr>
+            <a:picLocks noChangeAspect="1"/>
+          </p:cNvPicPr>
+          <p:nvPr/>
+        </p:nvPicPr>
+        <p:blipFill>
+          <a:blip r:embed="rId6" cstate="print"/>
+          <a:stretch>
+            <a:fillRect/>
+          </a:stretch>
+        </p:blipFill>
+        <p:spPr>
+          <a:xfrm>
+            <a:off x="13669052" y="2416536"/>
+            <a:ext cx="3674181" cy="3286626"/>
+          </a:xfrm>
+          <a:prstGeom prst="rect">
+            <a:avLst/>
+          </a:prstGeom>
+        </p:spPr>
+      </p:pic>
+      <p:sp>
+        <p:nvSpPr>
+          <p:cNvPr id="2" name="TextBox 1">
+            <a:extLst>
+              <a:ext uri="{FF2B5EF4-FFF2-40B4-BE49-F238E27FC236}">
+                <a16:creationId xmlns:a16="http://schemas.microsoft.com/office/drawing/2014/main" id="{8D19D88B-9541-32D7-90F1-0C45C993E21C}"/>
+              </a:ext>
+            </a:extLst>
+          </p:cNvPr>
+          <p:cNvSpPr txBox="1"/>
+          <p:nvPr/>
+        </p:nvSpPr>
+        <p:spPr>
+          <a:xfrm>
+            <a:off x="10287000" y="5254704"/>
+            <a:ext cx="7552067" cy="1107996"/>
+          </a:xfrm>
+          <a:prstGeom prst="rect">
+            <a:avLst/>
+          </a:prstGeom>
+          <a:noFill/>
+        </p:spPr>
+        <p:txBody>
+          <a:bodyPr wrap="none" rtlCol="0">
+            <a:spAutoFit/>
+          </a:bodyPr>
+          <a:lstStyle/>
+          <a:p>
+            <a:r>
+              <a:rPr lang="ko-KR" altLang="en-US" sz="6600" dirty="0">
+                <a:solidFill>
+                  <a:schemeClr val="bg1"/>
+                </a:solidFill>
+                <a:latin typeface="G마켓 산스 Medium" panose="02000000000000000000" pitchFamily="50" charset="-127"/>
+                <a:ea typeface="G마켓 산스 Medium" panose="02000000000000000000" pitchFamily="50" charset="-127"/>
+              </a:rPr>
+              <a:t>배열의 선언과 생성</a:t>
+            </a:r>
+            <a:endParaRPr lang="en-US" altLang="ko-KR" sz="6600" dirty="0">
+              <a:solidFill>
+                <a:schemeClr val="bg1"/>
+              </a:solidFill>
+              <a:latin typeface="G마켓 산스 Medium" panose="02000000000000000000" pitchFamily="50" charset="-127"/>
+              <a:ea typeface="G마켓 산스 Medium" panose="02000000000000000000" pitchFamily="50" charset="-127"/>
+            </a:endParaRPr>
+          </a:p>
+        </p:txBody>
+      </p:sp>
+    </p:spTree>
+  </p:cSld>
+  <p:clrMapOvr>
+    <a:masterClrMapping/>
+  </p:clrMapOvr>
+</p:sld>
+</file>
+
+<file path=ppt/slides/slide30.xml><?xml version="1.0" encoding="utf-8"?>
 <p:sld xmlns:a="http://schemas.openxmlformats.org/drawingml/2006/main" xmlns:r="http://schemas.openxmlformats.org/officeDocument/2006/relationships" xmlns:p="http://schemas.openxmlformats.org/presentationml/2006/main">
   <p:cSld>
     <p:spTree>
@@ -19251,7 +19961,7 @@
           <p:cNvPr id="4" name="TextBox 3">
             <a:extLst>
               <a:ext uri="{FF2B5EF4-FFF2-40B4-BE49-F238E27FC236}">
-                <a16:creationId xmlns:a16="http://schemas.microsoft.com/office/drawing/2014/main" xmlns="" id="{FC45ADBF-CAA8-348D-E57F-358AF9FAC5C1}"/>
+                <a16:creationId xmlns:a16="http://schemas.microsoft.com/office/drawing/2014/main" id="{FC45ADBF-CAA8-348D-E57F-358AF9FAC5C1}"/>
               </a:ext>
             </a:extLst>
           </p:cNvPr>
@@ -19323,7 +20033,7 @@
           <p:cNvPr id="6" name="직선 화살표 연결선 5">
             <a:extLst>
               <a:ext uri="{FF2B5EF4-FFF2-40B4-BE49-F238E27FC236}">
-                <a16:creationId xmlns:a16="http://schemas.microsoft.com/office/drawing/2014/main" xmlns="" id="{299DF5EC-9DF4-5255-06AC-0A7CE4FF58C3}"/>
+                <a16:creationId xmlns:a16="http://schemas.microsoft.com/office/drawing/2014/main" id="{299DF5EC-9DF4-5255-06AC-0A7CE4FF58C3}"/>
               </a:ext>
             </a:extLst>
           </p:cNvPr>
@@ -19364,7 +20074,7 @@
           <p:cNvPr id="7" name="직사각형 6">
             <a:extLst>
               <a:ext uri="{FF2B5EF4-FFF2-40B4-BE49-F238E27FC236}">
-                <a16:creationId xmlns:a16="http://schemas.microsoft.com/office/drawing/2014/main" xmlns="" id="{FFF506F9-840A-0508-4CAF-3AC711D8D5CE}"/>
+                <a16:creationId xmlns:a16="http://schemas.microsoft.com/office/drawing/2014/main" id="{FFF506F9-840A-0508-4CAF-3AC711D8D5CE}"/>
               </a:ext>
             </a:extLst>
           </p:cNvPr>
@@ -19416,7 +20126,7 @@
           <p:cNvPr id="8" name="TextBox 7">
             <a:extLst>
               <a:ext uri="{FF2B5EF4-FFF2-40B4-BE49-F238E27FC236}">
-                <a16:creationId xmlns:a16="http://schemas.microsoft.com/office/drawing/2014/main" xmlns="" id="{EDC0CEAC-03B0-6CA0-B904-A9724C34AA11}"/>
+                <a16:creationId xmlns:a16="http://schemas.microsoft.com/office/drawing/2014/main" id="{EDC0CEAC-03B0-6CA0-B904-A9724C34AA11}"/>
               </a:ext>
             </a:extLst>
           </p:cNvPr>
@@ -19464,7 +20174,7 @@
           <p:cNvPr id="9" name="직선 화살표 연결선 8">
             <a:extLst>
               <a:ext uri="{FF2B5EF4-FFF2-40B4-BE49-F238E27FC236}">
-                <a16:creationId xmlns:a16="http://schemas.microsoft.com/office/drawing/2014/main" xmlns="" id="{299DF5EC-9DF4-5255-06AC-0A7CE4FF58C3}"/>
+                <a16:creationId xmlns:a16="http://schemas.microsoft.com/office/drawing/2014/main" id="{299DF5EC-9DF4-5255-06AC-0A7CE4FF58C3}"/>
               </a:ext>
             </a:extLst>
           </p:cNvPr>
@@ -19505,7 +20215,7 @@
           <p:cNvPr id="10" name="직사각형 9">
             <a:extLst>
               <a:ext uri="{FF2B5EF4-FFF2-40B4-BE49-F238E27FC236}">
-                <a16:creationId xmlns:a16="http://schemas.microsoft.com/office/drawing/2014/main" xmlns="" id="{FFF506F9-840A-0508-4CAF-3AC711D8D5CE}"/>
+                <a16:creationId xmlns:a16="http://schemas.microsoft.com/office/drawing/2014/main" id="{FFF506F9-840A-0508-4CAF-3AC711D8D5CE}"/>
               </a:ext>
             </a:extLst>
           </p:cNvPr>
@@ -19557,7 +20267,7 @@
           <p:cNvPr id="11" name="TextBox 10">
             <a:extLst>
               <a:ext uri="{FF2B5EF4-FFF2-40B4-BE49-F238E27FC236}">
-                <a16:creationId xmlns:a16="http://schemas.microsoft.com/office/drawing/2014/main" xmlns="" id="{EDC0CEAC-03B0-6CA0-B904-A9724C34AA11}"/>
+                <a16:creationId xmlns:a16="http://schemas.microsoft.com/office/drawing/2014/main" id="{EDC0CEAC-03B0-6CA0-B904-A9724C34AA11}"/>
               </a:ext>
             </a:extLst>
           </p:cNvPr>
@@ -19605,7 +20315,7 @@
           <p:cNvPr id="12" name="직선 화살표 연결선 11">
             <a:extLst>
               <a:ext uri="{FF2B5EF4-FFF2-40B4-BE49-F238E27FC236}">
-                <a16:creationId xmlns:a16="http://schemas.microsoft.com/office/drawing/2014/main" xmlns="" id="{299DF5EC-9DF4-5255-06AC-0A7CE4FF58C3}"/>
+                <a16:creationId xmlns:a16="http://schemas.microsoft.com/office/drawing/2014/main" id="{299DF5EC-9DF4-5255-06AC-0A7CE4FF58C3}"/>
               </a:ext>
             </a:extLst>
           </p:cNvPr>
@@ -19646,7 +20356,7 @@
           <p:cNvPr id="13" name="직사각형 12">
             <a:extLst>
               <a:ext uri="{FF2B5EF4-FFF2-40B4-BE49-F238E27FC236}">
-                <a16:creationId xmlns:a16="http://schemas.microsoft.com/office/drawing/2014/main" xmlns="" id="{FFF506F9-840A-0508-4CAF-3AC711D8D5CE}"/>
+                <a16:creationId xmlns:a16="http://schemas.microsoft.com/office/drawing/2014/main" id="{FFF506F9-840A-0508-4CAF-3AC711D8D5CE}"/>
               </a:ext>
             </a:extLst>
           </p:cNvPr>
@@ -19698,7 +20408,7 @@
           <p:cNvPr id="14" name="TextBox 13">
             <a:extLst>
               <a:ext uri="{FF2B5EF4-FFF2-40B4-BE49-F238E27FC236}">
-                <a16:creationId xmlns:a16="http://schemas.microsoft.com/office/drawing/2014/main" xmlns="" id="{EDC0CEAC-03B0-6CA0-B904-A9724C34AA11}"/>
+                <a16:creationId xmlns:a16="http://schemas.microsoft.com/office/drawing/2014/main" id="{EDC0CEAC-03B0-6CA0-B904-A9724C34AA11}"/>
               </a:ext>
             </a:extLst>
           </p:cNvPr>
@@ -20158,275 +20868,7 @@
 </p:sld>
 </file>
 
-<file path=ppt/slides/slide3.xml><?xml version="1.0" encoding="utf-8"?>
-<p:sld xmlns:a="http://schemas.openxmlformats.org/drawingml/2006/main" xmlns:r="http://schemas.openxmlformats.org/officeDocument/2006/relationships" xmlns:p="http://schemas.openxmlformats.org/presentationml/2006/main">
-  <p:cSld name="Slide 4">
-    <p:bg>
-      <p:bgPr>
-        <a:solidFill>
-          <a:srgbClr val="4C50BB"/>
-        </a:solidFill>
-        <a:effectLst/>
-      </p:bgPr>
-    </p:bg>
-    <p:spTree>
-      <p:nvGrpSpPr>
-        <p:cNvPr id="1" name=""/>
-        <p:cNvGrpSpPr/>
-        <p:nvPr/>
-      </p:nvGrpSpPr>
-      <p:grpSpPr>
-        <a:xfrm>
-          <a:off x="0" y="0"/>
-          <a:ext cx="0" cy="0"/>
-          <a:chOff x="0" y="0"/>
-          <a:chExt cx="0" cy="0"/>
-        </a:xfrm>
-      </p:grpSpPr>
-      <p:grpSp>
-        <p:nvGrpSpPr>
-          <p:cNvPr id="1001" name="그룹 1001"/>
-          <p:cNvGrpSpPr/>
-          <p:nvPr/>
-        </p:nvGrpSpPr>
-        <p:grpSpPr>
-          <a:xfrm>
-            <a:off x="16986360" y="3561542"/>
-            <a:ext cx="1432688" cy="191978"/>
-            <a:chOff x="16986360" y="3561542"/>
-            <a:chExt cx="1432688" cy="191978"/>
-          </a:xfrm>
-        </p:grpSpPr>
-        <p:pic>
-          <p:nvPicPr>
-            <p:cNvPr id="3" name="Object 2"/>
-            <p:cNvPicPr>
-              <a:picLocks noChangeAspect="1"/>
-            </p:cNvPicPr>
-            <p:nvPr/>
-          </p:nvPicPr>
-          <p:blipFill>
-            <a:blip r:embed="rId2" cstate="print"/>
-            <a:stretch>
-              <a:fillRect/>
-            </a:stretch>
-          </p:blipFill>
-          <p:spPr>
-            <a:xfrm>
-              <a:off x="16986360" y="3561542"/>
-              <a:ext cx="1432688" cy="191978"/>
-            </a:xfrm>
-            <a:prstGeom prst="rect">
-              <a:avLst/>
-            </a:prstGeom>
-          </p:spPr>
-        </p:pic>
-      </p:grpSp>
-      <p:grpSp>
-        <p:nvGrpSpPr>
-          <p:cNvPr id="1002" name="그룹 1002"/>
-          <p:cNvGrpSpPr/>
-          <p:nvPr/>
-        </p:nvGrpSpPr>
-        <p:grpSpPr>
-          <a:xfrm>
-            <a:off x="5686747" y="-1286436"/>
-            <a:ext cx="4461240" cy="4417966"/>
-            <a:chOff x="5686747" y="-1286436"/>
-            <a:chExt cx="4461240" cy="4417966"/>
-          </a:xfrm>
-        </p:grpSpPr>
-        <p:pic>
-          <p:nvPicPr>
-            <p:cNvPr id="6" name="Object 5"/>
-            <p:cNvPicPr>
-              <a:picLocks noChangeAspect="1"/>
-            </p:cNvPicPr>
-            <p:nvPr/>
-          </p:nvPicPr>
-          <p:blipFill>
-            <a:blip r:embed="rId3" cstate="print"/>
-            <a:stretch>
-              <a:fillRect/>
-            </a:stretch>
-          </p:blipFill>
-          <p:spPr>
-            <a:xfrm>
-              <a:off x="5686747" y="-1286436"/>
-              <a:ext cx="4461240" cy="4417966"/>
-            </a:xfrm>
-            <a:prstGeom prst="rect">
-              <a:avLst/>
-            </a:prstGeom>
-          </p:spPr>
-        </p:pic>
-      </p:grpSp>
-      <p:grpSp>
-        <p:nvGrpSpPr>
-          <p:cNvPr id="1003" name="그룹 1003"/>
-          <p:cNvGrpSpPr/>
-          <p:nvPr/>
-        </p:nvGrpSpPr>
-        <p:grpSpPr>
-          <a:xfrm>
-            <a:off x="-901071" y="6888297"/>
-            <a:ext cx="4182908" cy="4182908"/>
-            <a:chOff x="-901071" y="6888297"/>
-            <a:chExt cx="4182908" cy="4182908"/>
-          </a:xfrm>
-        </p:grpSpPr>
-        <p:pic>
-          <p:nvPicPr>
-            <p:cNvPr id="9" name="Object 8"/>
-            <p:cNvPicPr>
-              <a:picLocks noChangeAspect="1"/>
-            </p:cNvPicPr>
-            <p:nvPr/>
-          </p:nvPicPr>
-          <p:blipFill>
-            <a:blip r:embed="rId4" cstate="print"/>
-            <a:stretch>
-              <a:fillRect/>
-            </a:stretch>
-          </p:blipFill>
-          <p:spPr>
-            <a:xfrm rot="-2700000">
-              <a:off x="-901071" y="6888297"/>
-              <a:ext cx="4182908" cy="4182908"/>
-            </a:xfrm>
-            <a:prstGeom prst="rect">
-              <a:avLst/>
-            </a:prstGeom>
-          </p:spPr>
-        </p:pic>
-      </p:grpSp>
-      <p:grpSp>
-        <p:nvGrpSpPr>
-          <p:cNvPr id="1004" name="그룹 1004"/>
-          <p:cNvGrpSpPr/>
-          <p:nvPr/>
-        </p:nvGrpSpPr>
-        <p:grpSpPr>
-          <a:xfrm>
-            <a:off x="1972602" y="5957321"/>
-            <a:ext cx="3452527" cy="3419037"/>
-            <a:chOff x="1972602" y="5957321"/>
-            <a:chExt cx="3452527" cy="3419037"/>
-          </a:xfrm>
-        </p:grpSpPr>
-        <p:pic>
-          <p:nvPicPr>
-            <p:cNvPr id="12" name="Object 11"/>
-            <p:cNvPicPr>
-              <a:picLocks noChangeAspect="1"/>
-            </p:cNvPicPr>
-            <p:nvPr/>
-          </p:nvPicPr>
-          <p:blipFill>
-            <a:blip r:embed="rId5" cstate="print"/>
-            <a:stretch>
-              <a:fillRect/>
-            </a:stretch>
-          </p:blipFill>
-          <p:spPr>
-            <a:xfrm>
-              <a:off x="1972602" y="5957321"/>
-              <a:ext cx="3452527" cy="3419037"/>
-            </a:xfrm>
-            <a:prstGeom prst="rect">
-              <a:avLst/>
-            </a:prstGeom>
-          </p:spPr>
-        </p:pic>
-      </p:grpSp>
-      <p:pic>
-        <p:nvPicPr>
-          <p:cNvPr id="14" name="Object 13"/>
-          <p:cNvPicPr>
-            <a:picLocks noChangeAspect="1"/>
-          </p:cNvPicPr>
-          <p:nvPr/>
-        </p:nvPicPr>
-        <p:blipFill>
-          <a:blip r:embed="rId6" cstate="print"/>
-          <a:stretch>
-            <a:fillRect/>
-          </a:stretch>
-        </p:blipFill>
-        <p:spPr>
-          <a:xfrm>
-            <a:off x="13669052" y="2416536"/>
-            <a:ext cx="3674181" cy="3286626"/>
-          </a:xfrm>
-          <a:prstGeom prst="rect">
-            <a:avLst/>
-          </a:prstGeom>
-        </p:spPr>
-      </p:pic>
-      <p:sp>
-        <p:nvSpPr>
-          <p:cNvPr id="2" name="TextBox 1">
-            <a:extLst>
-              <a:ext uri="{FF2B5EF4-FFF2-40B4-BE49-F238E27FC236}">
-                <a16:creationId xmlns:a16="http://schemas.microsoft.com/office/drawing/2014/main" xmlns="" id="{8D19D88B-9541-32D7-90F1-0C45C993E21C}"/>
-              </a:ext>
-            </a:extLst>
-          </p:cNvPr>
-          <p:cNvSpPr txBox="1"/>
-          <p:nvPr/>
-        </p:nvSpPr>
-        <p:spPr>
-          <a:xfrm>
-            <a:off x="10287000" y="5254704"/>
-            <a:ext cx="7552067" cy="1107996"/>
-          </a:xfrm>
-          <a:prstGeom prst="rect">
-            <a:avLst/>
-          </a:prstGeom>
-          <a:noFill/>
-        </p:spPr>
-        <p:txBody>
-          <a:bodyPr wrap="none" rtlCol="0">
-            <a:spAutoFit/>
-          </a:bodyPr>
-          <a:lstStyle/>
-          <a:p>
-            <a:r>
-              <a:rPr lang="ko-KR" altLang="en-US" sz="6600" dirty="0">
-                <a:solidFill>
-                  <a:schemeClr val="bg1"/>
-                </a:solidFill>
-                <a:latin typeface="G마켓 산스 Medium" panose="02000000000000000000" pitchFamily="50" charset="-127"/>
-                <a:ea typeface="G마켓 산스 Medium" panose="02000000000000000000" pitchFamily="50" charset="-127"/>
-              </a:rPr>
-              <a:t>배열의 선언과 생성</a:t>
-            </a:r>
-            <a:endParaRPr lang="en-US" altLang="ko-KR" sz="6600" dirty="0">
-              <a:solidFill>
-                <a:schemeClr val="bg1"/>
-              </a:solidFill>
-              <a:latin typeface="G마켓 산스 Medium" panose="02000000000000000000" pitchFamily="50" charset="-127"/>
-              <a:ea typeface="G마켓 산스 Medium" panose="02000000000000000000" pitchFamily="50" charset="-127"/>
-            </a:endParaRPr>
-          </a:p>
-        </p:txBody>
-      </p:sp>
-    </p:spTree>
-  </p:cSld>
-  <p:clrMapOvr>
-    <a:masterClrMapping/>
-  </p:clrMapOvr>
-  <p:timing>
-    <p:tnLst>
-      <p:par>
-        <p:cTn id="1" dur="indefinite" restart="never" nodeType="tmRoot"/>
-      </p:par>
-    </p:tnLst>
-  </p:timing>
-</p:sld>
-</file>
-
-<file path=ppt/slides/slide30.xml><?xml version="1.0" encoding="utf-8"?>
+<file path=ppt/slides/slide31.xml><?xml version="1.0" encoding="utf-8"?>
 <p:sld xmlns:a="http://schemas.openxmlformats.org/drawingml/2006/main" xmlns:r="http://schemas.openxmlformats.org/officeDocument/2006/relationships" xmlns:p="http://schemas.openxmlformats.org/presentationml/2006/main">
   <p:cSld>
     <p:spTree>
@@ -20472,7 +20914,7 @@
           <p:cNvPr id="5" name="직선 화살표 연결선 4">
             <a:extLst>
               <a:ext uri="{FF2B5EF4-FFF2-40B4-BE49-F238E27FC236}">
-                <a16:creationId xmlns:a16="http://schemas.microsoft.com/office/drawing/2014/main" xmlns="" id="{299DF5EC-9DF4-5255-06AC-0A7CE4FF58C3}"/>
+                <a16:creationId xmlns:a16="http://schemas.microsoft.com/office/drawing/2014/main" id="{299DF5EC-9DF4-5255-06AC-0A7CE4FF58C3}"/>
               </a:ext>
             </a:extLst>
           </p:cNvPr>
@@ -20513,7 +20955,7 @@
           <p:cNvPr id="6" name="직사각형 5">
             <a:extLst>
               <a:ext uri="{FF2B5EF4-FFF2-40B4-BE49-F238E27FC236}">
-                <a16:creationId xmlns:a16="http://schemas.microsoft.com/office/drawing/2014/main" xmlns="" id="{FFF506F9-840A-0508-4CAF-3AC711D8D5CE}"/>
+                <a16:creationId xmlns:a16="http://schemas.microsoft.com/office/drawing/2014/main" id="{FFF506F9-840A-0508-4CAF-3AC711D8D5CE}"/>
               </a:ext>
             </a:extLst>
           </p:cNvPr>
@@ -20565,7 +21007,7 @@
           <p:cNvPr id="7" name="TextBox 6">
             <a:extLst>
               <a:ext uri="{FF2B5EF4-FFF2-40B4-BE49-F238E27FC236}">
-                <a16:creationId xmlns:a16="http://schemas.microsoft.com/office/drawing/2014/main" xmlns="" id="{C6D113C6-EA5C-788F-0C77-E7CE6EBB865F}"/>
+                <a16:creationId xmlns:a16="http://schemas.microsoft.com/office/drawing/2014/main" id="{C6D113C6-EA5C-788F-0C77-E7CE6EBB865F}"/>
               </a:ext>
             </a:extLst>
           </p:cNvPr>
@@ -20637,7 +21079,7 @@
           <p:cNvPr id="9" name="직선 화살표 연결선 8">
             <a:extLst>
               <a:ext uri="{FF2B5EF4-FFF2-40B4-BE49-F238E27FC236}">
-                <a16:creationId xmlns:a16="http://schemas.microsoft.com/office/drawing/2014/main" xmlns="" id="{299DF5EC-9DF4-5255-06AC-0A7CE4FF58C3}"/>
+                <a16:creationId xmlns:a16="http://schemas.microsoft.com/office/drawing/2014/main" id="{299DF5EC-9DF4-5255-06AC-0A7CE4FF58C3}"/>
               </a:ext>
             </a:extLst>
           </p:cNvPr>
@@ -20678,7 +21120,7 @@
           <p:cNvPr id="10" name="직사각형 9">
             <a:extLst>
               <a:ext uri="{FF2B5EF4-FFF2-40B4-BE49-F238E27FC236}">
-                <a16:creationId xmlns:a16="http://schemas.microsoft.com/office/drawing/2014/main" xmlns="" id="{FFF506F9-840A-0508-4CAF-3AC711D8D5CE}"/>
+                <a16:creationId xmlns:a16="http://schemas.microsoft.com/office/drawing/2014/main" id="{FFF506F9-840A-0508-4CAF-3AC711D8D5CE}"/>
               </a:ext>
             </a:extLst>
           </p:cNvPr>
@@ -20730,7 +21172,7 @@
           <p:cNvPr id="11" name="TextBox 10">
             <a:extLst>
               <a:ext uri="{FF2B5EF4-FFF2-40B4-BE49-F238E27FC236}">
-                <a16:creationId xmlns:a16="http://schemas.microsoft.com/office/drawing/2014/main" xmlns="" id="{C6D113C6-EA5C-788F-0C77-E7CE6EBB865F}"/>
+                <a16:creationId xmlns:a16="http://schemas.microsoft.com/office/drawing/2014/main" id="{C6D113C6-EA5C-788F-0C77-E7CE6EBB865F}"/>
               </a:ext>
             </a:extLst>
           </p:cNvPr>
@@ -20786,7 +21228,7 @@
 </p:sld>
 </file>
 
-<file path=ppt/slides/slide31.xml><?xml version="1.0" encoding="utf-8"?>
+<file path=ppt/slides/slide32.xml><?xml version="1.0" encoding="utf-8"?>
 <p:sld xmlns:a="http://schemas.openxmlformats.org/drawingml/2006/main" xmlns:r="http://schemas.openxmlformats.org/officeDocument/2006/relationships" xmlns:p="http://schemas.openxmlformats.org/presentationml/2006/main">
   <p:cSld>
     <p:spTree>
@@ -20808,7 +21250,7 @@
           <p:cNvPr id="4" name="TextBox 3">
             <a:extLst>
               <a:ext uri="{FF2B5EF4-FFF2-40B4-BE49-F238E27FC236}">
-                <a16:creationId xmlns:a16="http://schemas.microsoft.com/office/drawing/2014/main" xmlns="" id="{FC45ADBF-CAA8-348D-E57F-358AF9FAC5C1}"/>
+                <a16:creationId xmlns:a16="http://schemas.microsoft.com/office/drawing/2014/main" id="{FC45ADBF-CAA8-348D-E57F-358AF9FAC5C1}"/>
               </a:ext>
             </a:extLst>
           </p:cNvPr>
@@ -20904,7 +21346,7 @@
 </p:sld>
 </file>
 
-<file path=ppt/slides/slide32.xml><?xml version="1.0" encoding="utf-8"?>
+<file path=ppt/slides/slide33.xml><?xml version="1.0" encoding="utf-8"?>
 <p:sld xmlns:a="http://schemas.openxmlformats.org/drawingml/2006/main" xmlns:r="http://schemas.openxmlformats.org/officeDocument/2006/relationships" xmlns:p="http://schemas.openxmlformats.org/presentationml/2006/main">
   <p:cSld>
     <p:spTree>
@@ -21184,7 +21626,7 @@
           <p:cNvPr id="81" name="TextBox 80">
             <a:extLst>
               <a:ext uri="{FF2B5EF4-FFF2-40B4-BE49-F238E27FC236}">
-                <a16:creationId xmlns:a16="http://schemas.microsoft.com/office/drawing/2014/main" xmlns="" id="{FC45ADBF-CAA8-348D-E57F-358AF9FAC5C1}"/>
+                <a16:creationId xmlns:a16="http://schemas.microsoft.com/office/drawing/2014/main" id="{FC45ADBF-CAA8-348D-E57F-358AF9FAC5C1}"/>
               </a:ext>
             </a:extLst>
           </p:cNvPr>
@@ -21232,7 +21674,7 @@
           <p:cNvPr id="82" name="TextBox 81">
             <a:extLst>
               <a:ext uri="{FF2B5EF4-FFF2-40B4-BE49-F238E27FC236}">
-                <a16:creationId xmlns:a16="http://schemas.microsoft.com/office/drawing/2014/main" xmlns="" id="{FC45ADBF-CAA8-348D-E57F-358AF9FAC5C1}"/>
+                <a16:creationId xmlns:a16="http://schemas.microsoft.com/office/drawing/2014/main" id="{FC45ADBF-CAA8-348D-E57F-358AF9FAC5C1}"/>
               </a:ext>
             </a:extLst>
           </p:cNvPr>
@@ -21280,7 +21722,7 @@
           <p:cNvPr id="83" name="TextBox 82">
             <a:extLst>
               <a:ext uri="{FF2B5EF4-FFF2-40B4-BE49-F238E27FC236}">
-                <a16:creationId xmlns:a16="http://schemas.microsoft.com/office/drawing/2014/main" xmlns="" id="{A56A5DDA-8708-D8BE-1148-536DAE867ED1}"/>
+                <a16:creationId xmlns:a16="http://schemas.microsoft.com/office/drawing/2014/main" id="{A56A5DDA-8708-D8BE-1148-536DAE867ED1}"/>
               </a:ext>
             </a:extLst>
           </p:cNvPr>
@@ -21334,7 +21776,7 @@
           <p:cNvPr id="84" name="TextBox 83">
             <a:extLst>
               <a:ext uri="{FF2B5EF4-FFF2-40B4-BE49-F238E27FC236}">
-                <a16:creationId xmlns:a16="http://schemas.microsoft.com/office/drawing/2014/main" xmlns="" id="{A56A5DDA-8708-D8BE-1148-536DAE867ED1}"/>
+                <a16:creationId xmlns:a16="http://schemas.microsoft.com/office/drawing/2014/main" id="{A56A5DDA-8708-D8BE-1148-536DAE867ED1}"/>
               </a:ext>
             </a:extLst>
           </p:cNvPr>
@@ -21444,7 +21886,7 @@
 </p:sld>
 </file>
 
-<file path=ppt/slides/slide33.xml><?xml version="1.0" encoding="utf-8"?>
+<file path=ppt/slides/slide34.xml><?xml version="1.0" encoding="utf-8"?>
 <p:sld xmlns:a="http://schemas.openxmlformats.org/drawingml/2006/main" xmlns:r="http://schemas.openxmlformats.org/officeDocument/2006/relationships" xmlns:p="http://schemas.openxmlformats.org/presentationml/2006/main">
   <p:cSld>
     <p:spTree>
@@ -21490,7 +21932,7 @@
           <p:cNvPr id="5" name="TextBox 4">
             <a:extLst>
               <a:ext uri="{FF2B5EF4-FFF2-40B4-BE49-F238E27FC236}">
-                <a16:creationId xmlns:a16="http://schemas.microsoft.com/office/drawing/2014/main" xmlns="" id="{FC45ADBF-CAA8-348D-E57F-358AF9FAC5C1}"/>
+                <a16:creationId xmlns:a16="http://schemas.microsoft.com/office/drawing/2014/main" id="{FC45ADBF-CAA8-348D-E57F-358AF9FAC5C1}"/>
               </a:ext>
             </a:extLst>
           </p:cNvPr>
@@ -21608,7 +22050,7 @@
           <p:cNvPr id="7" name="직선 화살표 연결선 6">
             <a:extLst>
               <a:ext uri="{FF2B5EF4-FFF2-40B4-BE49-F238E27FC236}">
-                <a16:creationId xmlns:a16="http://schemas.microsoft.com/office/drawing/2014/main" xmlns="" id="{299DF5EC-9DF4-5255-06AC-0A7CE4FF58C3}"/>
+                <a16:creationId xmlns:a16="http://schemas.microsoft.com/office/drawing/2014/main" id="{299DF5EC-9DF4-5255-06AC-0A7CE4FF58C3}"/>
               </a:ext>
             </a:extLst>
           </p:cNvPr>
@@ -21649,7 +22091,7 @@
           <p:cNvPr id="8" name="TextBox 7">
             <a:extLst>
               <a:ext uri="{FF2B5EF4-FFF2-40B4-BE49-F238E27FC236}">
-                <a16:creationId xmlns:a16="http://schemas.microsoft.com/office/drawing/2014/main" xmlns="" id="{C6D113C6-EA5C-788F-0C77-E7CE6EBB865F}"/>
+                <a16:creationId xmlns:a16="http://schemas.microsoft.com/office/drawing/2014/main" id="{C6D113C6-EA5C-788F-0C77-E7CE6EBB865F}"/>
               </a:ext>
             </a:extLst>
           </p:cNvPr>
@@ -21858,7 +22300,7 @@
 </p:sld>
 </file>
 
-<file path=ppt/slides/slide34.xml><?xml version="1.0" encoding="utf-8"?>
+<file path=ppt/slides/slide35.xml><?xml version="1.0" encoding="utf-8"?>
 <p:sld xmlns:a="http://schemas.openxmlformats.org/drawingml/2006/main" xmlns:r="http://schemas.openxmlformats.org/officeDocument/2006/relationships" xmlns:p="http://schemas.openxmlformats.org/presentationml/2006/main">
   <p:cSld>
     <p:spTree>
@@ -21880,7 +22322,7 @@
           <p:cNvPr id="4" name="TextBox 3">
             <a:extLst>
               <a:ext uri="{FF2B5EF4-FFF2-40B4-BE49-F238E27FC236}">
-                <a16:creationId xmlns:a16="http://schemas.microsoft.com/office/drawing/2014/main" xmlns="" id="{FC45ADBF-CAA8-348D-E57F-358AF9FAC5C1}"/>
+                <a16:creationId xmlns:a16="http://schemas.microsoft.com/office/drawing/2014/main" id="{FC45ADBF-CAA8-348D-E57F-358AF9FAC5C1}"/>
               </a:ext>
             </a:extLst>
           </p:cNvPr>
@@ -21938,7 +22380,7 @@
           <p:cNvPr id="5" name="TextBox 4">
             <a:extLst>
               <a:ext uri="{FF2B5EF4-FFF2-40B4-BE49-F238E27FC236}">
-                <a16:creationId xmlns:a16="http://schemas.microsoft.com/office/drawing/2014/main" xmlns="" id="{A56A5DDA-8708-D8BE-1148-536DAE867ED1}"/>
+                <a16:creationId xmlns:a16="http://schemas.microsoft.com/office/drawing/2014/main" id="{A56A5DDA-8708-D8BE-1148-536DAE867ED1}"/>
               </a:ext>
             </a:extLst>
           </p:cNvPr>
@@ -22031,7 +22473,7 @@
           <p:cNvPr id="6" name="TextBox 5">
             <a:extLst>
               <a:ext uri="{FF2B5EF4-FFF2-40B4-BE49-F238E27FC236}">
-                <a16:creationId xmlns:a16="http://schemas.microsoft.com/office/drawing/2014/main" xmlns="" id="{FC45ADBF-CAA8-348D-E57F-358AF9FAC5C1}"/>
+                <a16:creationId xmlns:a16="http://schemas.microsoft.com/office/drawing/2014/main" id="{FC45ADBF-CAA8-348D-E57F-358AF9FAC5C1}"/>
               </a:ext>
             </a:extLst>
           </p:cNvPr>
@@ -22089,7 +22531,7 @@
           <p:cNvPr id="7" name="TextBox 6">
             <a:extLst>
               <a:ext uri="{FF2B5EF4-FFF2-40B4-BE49-F238E27FC236}">
-                <a16:creationId xmlns:a16="http://schemas.microsoft.com/office/drawing/2014/main" xmlns="" id="{A56A5DDA-8708-D8BE-1148-536DAE867ED1}"/>
+                <a16:creationId xmlns:a16="http://schemas.microsoft.com/office/drawing/2014/main" id="{A56A5DDA-8708-D8BE-1148-536DAE867ED1}"/>
               </a:ext>
             </a:extLst>
           </p:cNvPr>
@@ -22256,7 +22698,7 @@
           <p:cNvPr id="10" name="TextBox 9">
             <a:extLst>
               <a:ext uri="{FF2B5EF4-FFF2-40B4-BE49-F238E27FC236}">
-                <a16:creationId xmlns:a16="http://schemas.microsoft.com/office/drawing/2014/main" xmlns="" id="{A56A5DDA-8708-D8BE-1148-536DAE867ED1}"/>
+                <a16:creationId xmlns:a16="http://schemas.microsoft.com/office/drawing/2014/main" id="{A56A5DDA-8708-D8BE-1148-536DAE867ED1}"/>
               </a:ext>
             </a:extLst>
           </p:cNvPr>
@@ -22394,7 +22836,7 @@
 </p:sld>
 </file>
 
-<file path=ppt/slides/slide35.xml><?xml version="1.0" encoding="utf-8"?>
+<file path=ppt/slides/slide36.xml><?xml version="1.0" encoding="utf-8"?>
 <p:sld xmlns:a="http://schemas.openxmlformats.org/drawingml/2006/main" xmlns:r="http://schemas.openxmlformats.org/officeDocument/2006/relationships" xmlns:p="http://schemas.openxmlformats.org/presentationml/2006/main">
   <p:cSld>
     <p:bg>
@@ -22424,7 +22866,7 @@
           <p:cNvPr id="4" name="Object 1">
             <a:extLst>
               <a:ext uri="{FF2B5EF4-FFF2-40B4-BE49-F238E27FC236}">
-                <a16:creationId xmlns:a16="http://schemas.microsoft.com/office/drawing/2014/main" xmlns="" id="{B0329035-BE76-33A8-0F2E-44624FCC1DED}"/>
+                <a16:creationId xmlns:a16="http://schemas.microsoft.com/office/drawing/2014/main" id="{B0329035-BE76-33A8-0F2E-44624FCC1DED}"/>
               </a:ext>
             </a:extLst>
           </p:cNvPr>
@@ -22454,7 +22896,7 @@
           <p:cNvPr id="7" name="그룹 1001">
             <a:extLst>
               <a:ext uri="{FF2B5EF4-FFF2-40B4-BE49-F238E27FC236}">
-                <a16:creationId xmlns:a16="http://schemas.microsoft.com/office/drawing/2014/main" xmlns="" id="{CD24CE9D-AC18-B6CD-F397-7E8E03D6FE26}"/>
+                <a16:creationId xmlns:a16="http://schemas.microsoft.com/office/drawing/2014/main" id="{CD24CE9D-AC18-B6CD-F397-7E8E03D6FE26}"/>
               </a:ext>
             </a:extLst>
           </p:cNvPr>
@@ -22474,7 +22916,7 @@
             <p:cNvPr id="8" name="Object 5">
               <a:extLst>
                 <a:ext uri="{FF2B5EF4-FFF2-40B4-BE49-F238E27FC236}">
-                  <a16:creationId xmlns:a16="http://schemas.microsoft.com/office/drawing/2014/main" xmlns="" id="{0EEF25E8-3BA8-EBAA-6DC2-66D70C3F9F4D}"/>
+                  <a16:creationId xmlns:a16="http://schemas.microsoft.com/office/drawing/2014/main" id="{0EEF25E8-3BA8-EBAA-6DC2-66D70C3F9F4D}"/>
                 </a:ext>
               </a:extLst>
             </p:cNvPr>
@@ -22505,7 +22947,7 @@
           <p:cNvPr id="9" name="그룹 1002">
             <a:extLst>
               <a:ext uri="{FF2B5EF4-FFF2-40B4-BE49-F238E27FC236}">
-                <a16:creationId xmlns:a16="http://schemas.microsoft.com/office/drawing/2014/main" xmlns="" id="{0F281BC9-DE1F-D1FE-E64C-C4640398F00C}"/>
+                <a16:creationId xmlns:a16="http://schemas.microsoft.com/office/drawing/2014/main" id="{0F281BC9-DE1F-D1FE-E64C-C4640398F00C}"/>
               </a:ext>
             </a:extLst>
           </p:cNvPr>
@@ -22525,7 +22967,7 @@
             <p:cNvPr id="10" name="Object 8">
               <a:extLst>
                 <a:ext uri="{FF2B5EF4-FFF2-40B4-BE49-F238E27FC236}">
-                  <a16:creationId xmlns:a16="http://schemas.microsoft.com/office/drawing/2014/main" xmlns="" id="{F669DCEF-04BB-7046-3F7F-5B513213556E}"/>
+                  <a16:creationId xmlns:a16="http://schemas.microsoft.com/office/drawing/2014/main" id="{F669DCEF-04BB-7046-3F7F-5B513213556E}"/>
                 </a:ext>
               </a:extLst>
             </p:cNvPr>
@@ -22556,7 +22998,7 @@
           <p:cNvPr id="11" name="그룹 1003">
             <a:extLst>
               <a:ext uri="{FF2B5EF4-FFF2-40B4-BE49-F238E27FC236}">
-                <a16:creationId xmlns:a16="http://schemas.microsoft.com/office/drawing/2014/main" xmlns="" id="{1F91EEF9-13EA-BB7F-B056-D35E7DB989AC}"/>
+                <a16:creationId xmlns:a16="http://schemas.microsoft.com/office/drawing/2014/main" id="{1F91EEF9-13EA-BB7F-B056-D35E7DB989AC}"/>
               </a:ext>
             </a:extLst>
           </p:cNvPr>
@@ -22576,7 +23018,7 @@
             <p:cNvPr id="12" name="Object 11">
               <a:extLst>
                 <a:ext uri="{FF2B5EF4-FFF2-40B4-BE49-F238E27FC236}">
-                  <a16:creationId xmlns:a16="http://schemas.microsoft.com/office/drawing/2014/main" xmlns="" id="{2CFFB217-AEFB-2C9E-5F86-6EE19510FFC6}"/>
+                  <a16:creationId xmlns:a16="http://schemas.microsoft.com/office/drawing/2014/main" id="{2CFFB217-AEFB-2C9E-5F86-6EE19510FFC6}"/>
                 </a:ext>
               </a:extLst>
             </p:cNvPr>
@@ -22607,7 +23049,7 @@
           <p:cNvPr id="13" name="그룹 1004">
             <a:extLst>
               <a:ext uri="{FF2B5EF4-FFF2-40B4-BE49-F238E27FC236}">
-                <a16:creationId xmlns:a16="http://schemas.microsoft.com/office/drawing/2014/main" xmlns="" id="{123B9C7E-94E8-E7E1-81BE-D59EA0299187}"/>
+                <a16:creationId xmlns:a16="http://schemas.microsoft.com/office/drawing/2014/main" id="{123B9C7E-94E8-E7E1-81BE-D59EA0299187}"/>
               </a:ext>
             </a:extLst>
           </p:cNvPr>
@@ -22627,7 +23069,7 @@
             <p:cNvPr id="14" name="Object 14">
               <a:extLst>
                 <a:ext uri="{FF2B5EF4-FFF2-40B4-BE49-F238E27FC236}">
-                  <a16:creationId xmlns:a16="http://schemas.microsoft.com/office/drawing/2014/main" xmlns="" id="{B6291552-2D89-A79F-7ACD-EA0EF9A4C389}"/>
+                  <a16:creationId xmlns:a16="http://schemas.microsoft.com/office/drawing/2014/main" id="{B6291552-2D89-A79F-7ACD-EA0EF9A4C389}"/>
                 </a:ext>
               </a:extLst>
             </p:cNvPr>
@@ -22658,7 +23100,7 @@
           <p:cNvPr id="15" name="TextBox 14">
             <a:extLst>
               <a:ext uri="{FF2B5EF4-FFF2-40B4-BE49-F238E27FC236}">
-                <a16:creationId xmlns:a16="http://schemas.microsoft.com/office/drawing/2014/main" xmlns="" id="{7D99763A-FC24-23F5-5BA9-D7B042E0F323}"/>
+                <a16:creationId xmlns:a16="http://schemas.microsoft.com/office/drawing/2014/main" id="{7D99763A-FC24-23F5-5BA9-D7B042E0F323}"/>
               </a:ext>
             </a:extLst>
           </p:cNvPr>
@@ -22705,430 +23147,6 @@
     <p:extLst>
       <p:ext uri="{BB962C8B-B14F-4D97-AF65-F5344CB8AC3E}">
         <p14:creationId xmlns:p14="http://schemas.microsoft.com/office/powerpoint/2010/main" val="4010059195"/>
-      </p:ext>
-    </p:extLst>
-  </p:cSld>
-  <p:clrMapOvr>
-    <a:masterClrMapping/>
-  </p:clrMapOvr>
-</p:sld>
-</file>
-
-<file path=ppt/slides/slide36.xml><?xml version="1.0" encoding="utf-8"?>
-<p:sld xmlns:a="http://schemas.openxmlformats.org/drawingml/2006/main" xmlns:r="http://schemas.openxmlformats.org/officeDocument/2006/relationships" xmlns:p="http://schemas.openxmlformats.org/presentationml/2006/main">
-  <p:cSld>
-    <p:spTree>
-      <p:nvGrpSpPr>
-        <p:cNvPr id="1" name=""/>
-        <p:cNvGrpSpPr/>
-        <p:nvPr/>
-      </p:nvGrpSpPr>
-      <p:grpSpPr>
-        <a:xfrm>
-          <a:off x="0" y="0"/>
-          <a:ext cx="0" cy="0"/>
-          <a:chOff x="0" y="0"/>
-          <a:chExt cx="0" cy="0"/>
-        </a:xfrm>
-      </p:grpSpPr>
-      <p:sp>
-        <p:nvSpPr>
-          <p:cNvPr id="4" name="TextBox 3">
-            <a:extLst>
-              <a:ext uri="{FF2B5EF4-FFF2-40B4-BE49-F238E27FC236}">
-                <a16:creationId xmlns:a16="http://schemas.microsoft.com/office/drawing/2014/main" xmlns="" id="{FC45ADBF-CAA8-348D-E57F-358AF9FAC5C1}"/>
-              </a:ext>
-            </a:extLst>
-          </p:cNvPr>
-          <p:cNvSpPr txBox="1"/>
-          <p:nvPr/>
-        </p:nvSpPr>
-        <p:spPr>
-          <a:xfrm>
-            <a:off x="457200" y="497131"/>
-            <a:ext cx="3810000" cy="830997"/>
-          </a:xfrm>
-          <a:prstGeom prst="rect">
-            <a:avLst/>
-          </a:prstGeom>
-          <a:noFill/>
-        </p:spPr>
-        <p:txBody>
-          <a:bodyPr wrap="square" rtlCol="0">
-            <a:spAutoFit/>
-          </a:bodyPr>
-          <a:lstStyle/>
-          <a:p>
-            <a:r>
-              <a:rPr lang="en-US" altLang="ko-KR" sz="4800">
-                <a:solidFill>
-                  <a:srgbClr val="4C50BC"/>
-                </a:solidFill>
-                <a:latin typeface="G마켓 산스 Medium" panose="02000000000000000000" pitchFamily="50" charset="-127"/>
-                <a:ea typeface="G마켓 산스 Medium" panose="02000000000000000000" pitchFamily="50" charset="-127"/>
-              </a:rPr>
-              <a:t>do while</a:t>
-            </a:r>
-            <a:endParaRPr lang="en-US" altLang="ko-KR" sz="4800" dirty="0">
-              <a:solidFill>
-                <a:srgbClr val="4C50BC"/>
-              </a:solidFill>
-              <a:latin typeface="G마켓 산스 Medium" panose="02000000000000000000" pitchFamily="50" charset="-127"/>
-              <a:ea typeface="G마켓 산스 Medium" panose="02000000000000000000" pitchFamily="50" charset="-127"/>
-            </a:endParaRPr>
-          </a:p>
-        </p:txBody>
-      </p:sp>
-      <p:pic>
-        <p:nvPicPr>
-          <p:cNvPr id="5" name="그림 4"/>
-          <p:cNvPicPr>
-            <a:picLocks noChangeAspect="1"/>
-          </p:cNvPicPr>
-          <p:nvPr/>
-        </p:nvPicPr>
-        <p:blipFill>
-          <a:blip r:embed="rId2"/>
-          <a:stretch>
-            <a:fillRect/>
-          </a:stretch>
-        </p:blipFill>
-        <p:spPr>
-          <a:xfrm>
-            <a:off x="1143000" y="1943100"/>
-            <a:ext cx="7530603" cy="4419600"/>
-          </a:xfrm>
-          <a:prstGeom prst="rect">
-            <a:avLst/>
-          </a:prstGeom>
-        </p:spPr>
-      </p:pic>
-      <p:cxnSp>
-        <p:nvCxnSpPr>
-          <p:cNvPr id="6" name="직선 화살표 연결선 5">
-            <a:extLst>
-              <a:ext uri="{FF2B5EF4-FFF2-40B4-BE49-F238E27FC236}">
-                <a16:creationId xmlns:a16="http://schemas.microsoft.com/office/drawing/2014/main" xmlns="" id="{299DF5EC-9DF4-5255-06AC-0A7CE4FF58C3}"/>
-              </a:ext>
-            </a:extLst>
-          </p:cNvPr>
-          <p:cNvCxnSpPr>
-            <a:cxnSpLocks/>
-          </p:cNvCxnSpPr>
-          <p:nvPr/>
-        </p:nvCxnSpPr>
-        <p:spPr>
-          <a:xfrm>
-            <a:off x="7848600" y="4708386"/>
-            <a:ext cx="1219200" cy="0"/>
-          </a:xfrm>
-          <a:prstGeom prst="straightConnector1">
-            <a:avLst/>
-          </a:prstGeom>
-          <a:ln w="38100">
-            <a:tailEnd type="triangle"/>
-          </a:ln>
-        </p:spPr>
-        <p:style>
-          <a:lnRef idx="1">
-            <a:schemeClr val="accent2"/>
-          </a:lnRef>
-          <a:fillRef idx="0">
-            <a:schemeClr val="accent2"/>
-          </a:fillRef>
-          <a:effectRef idx="0">
-            <a:schemeClr val="accent2"/>
-          </a:effectRef>
-          <a:fontRef idx="minor">
-            <a:schemeClr val="tx1"/>
-          </a:fontRef>
-        </p:style>
-      </p:cxnSp>
-      <p:sp>
-        <p:nvSpPr>
-          <p:cNvPr id="7" name="직사각형 6">
-            <a:extLst>
-              <a:ext uri="{FF2B5EF4-FFF2-40B4-BE49-F238E27FC236}">
-                <a16:creationId xmlns:a16="http://schemas.microsoft.com/office/drawing/2014/main" xmlns="" id="{FFF506F9-840A-0508-4CAF-3AC711D8D5CE}"/>
-              </a:ext>
-            </a:extLst>
-          </p:cNvPr>
-          <p:cNvSpPr/>
-          <p:nvPr/>
-        </p:nvSpPr>
-        <p:spPr>
-          <a:xfrm>
-            <a:off x="2438400" y="4392289"/>
-            <a:ext cx="5410200" cy="522611"/>
-          </a:xfrm>
-          <a:prstGeom prst="rect">
-            <a:avLst/>
-          </a:prstGeom>
-          <a:noFill/>
-          <a:ln>
-            <a:solidFill>
-              <a:srgbClr val="FF0000"/>
-            </a:solidFill>
-          </a:ln>
-        </p:spPr>
-        <p:style>
-          <a:lnRef idx="2">
-            <a:schemeClr val="accent2">
-              <a:shade val="50000"/>
-            </a:schemeClr>
-          </a:lnRef>
-          <a:fillRef idx="1">
-            <a:schemeClr val="accent2"/>
-          </a:fillRef>
-          <a:effectRef idx="0">
-            <a:schemeClr val="accent2"/>
-          </a:effectRef>
-          <a:fontRef idx="minor">
-            <a:schemeClr val="lt1"/>
-          </a:fontRef>
-        </p:style>
-        <p:txBody>
-          <a:bodyPr rtlCol="0" anchor="ctr"/>
-          <a:lstStyle/>
-          <a:p>
-            <a:pPr algn="ctr"/>
-            <a:endParaRPr lang="ko-KR" altLang="en-US"/>
-          </a:p>
-        </p:txBody>
-      </p:sp>
-      <p:sp>
-        <p:nvSpPr>
-          <p:cNvPr id="8" name="TextBox 7">
-            <a:extLst>
-              <a:ext uri="{FF2B5EF4-FFF2-40B4-BE49-F238E27FC236}">
-                <a16:creationId xmlns:a16="http://schemas.microsoft.com/office/drawing/2014/main" xmlns="" id="{C6D113C6-EA5C-788F-0C77-E7CE6EBB865F}"/>
-              </a:ext>
-            </a:extLst>
-          </p:cNvPr>
-          <p:cNvSpPr txBox="1"/>
-          <p:nvPr/>
-        </p:nvSpPr>
-        <p:spPr>
-          <a:xfrm>
-            <a:off x="9067800" y="4359414"/>
-            <a:ext cx="6400800" cy="707886"/>
-          </a:xfrm>
-          <a:prstGeom prst="rect">
-            <a:avLst/>
-          </a:prstGeom>
-          <a:noFill/>
-        </p:spPr>
-        <p:txBody>
-          <a:bodyPr wrap="square" rtlCol="0">
-            <a:spAutoFit/>
-          </a:bodyPr>
-          <a:lstStyle/>
-          <a:p>
-            <a:r>
-              <a:rPr lang="ko-KR" altLang="en-US" sz="4000">
-                <a:solidFill>
-                  <a:srgbClr val="FF0000"/>
-                </a:solidFill>
-                <a:latin typeface="G마켓 산스 Medium" panose="02000000000000000000" pitchFamily="50" charset="-127"/>
-                <a:ea typeface="G마켓 산스 Medium" panose="02000000000000000000" pitchFamily="50" charset="-127"/>
-              </a:rPr>
-              <a:t>최초 </a:t>
-            </a:r>
-            <a:r>
-              <a:rPr lang="en-US" altLang="ko-KR" sz="4000">
-                <a:solidFill>
-                  <a:srgbClr val="FF0000"/>
-                </a:solidFill>
-                <a:latin typeface="G마켓 산스 Medium" panose="02000000000000000000" pitchFamily="50" charset="-127"/>
-                <a:ea typeface="G마켓 산스 Medium" panose="02000000000000000000" pitchFamily="50" charset="-127"/>
-              </a:rPr>
-              <a:t>1</a:t>
-            </a:r>
-            <a:r>
-              <a:rPr lang="ko-KR" altLang="en-US" sz="4000">
-                <a:solidFill>
-                  <a:srgbClr val="FF0000"/>
-                </a:solidFill>
-                <a:latin typeface="G마켓 산스 Medium" panose="02000000000000000000" pitchFamily="50" charset="-127"/>
-                <a:ea typeface="G마켓 산스 Medium" panose="02000000000000000000" pitchFamily="50" charset="-127"/>
-              </a:rPr>
-              <a:t>번은 무조건 실행된다</a:t>
-            </a:r>
-            <a:r>
-              <a:rPr lang="en-US" altLang="ko-KR" sz="4000">
-                <a:solidFill>
-                  <a:srgbClr val="FF0000"/>
-                </a:solidFill>
-                <a:latin typeface="G마켓 산스 Medium" panose="02000000000000000000" pitchFamily="50" charset="-127"/>
-                <a:ea typeface="G마켓 산스 Medium" panose="02000000000000000000" pitchFamily="50" charset="-127"/>
-              </a:rPr>
-              <a:t>.</a:t>
-            </a:r>
-            <a:endParaRPr lang="en-US" altLang="ko-KR" sz="4000" dirty="0">
-              <a:solidFill>
-                <a:srgbClr val="FF0000"/>
-              </a:solidFill>
-              <a:latin typeface="G마켓 산스 Medium" panose="02000000000000000000" pitchFamily="50" charset="-127"/>
-              <a:ea typeface="G마켓 산스 Medium" panose="02000000000000000000" pitchFamily="50" charset="-127"/>
-            </a:endParaRPr>
-          </a:p>
-        </p:txBody>
-      </p:sp>
-      <p:sp>
-        <p:nvSpPr>
-          <p:cNvPr id="9" name="직사각형 8">
-            <a:extLst>
-              <a:ext uri="{FF2B5EF4-FFF2-40B4-BE49-F238E27FC236}">
-                <a16:creationId xmlns:a16="http://schemas.microsoft.com/office/drawing/2014/main" xmlns="" id="{FFF506F9-840A-0508-4CAF-3AC711D8D5CE}"/>
-              </a:ext>
-            </a:extLst>
-          </p:cNvPr>
-          <p:cNvSpPr/>
-          <p:nvPr/>
-        </p:nvSpPr>
-        <p:spPr>
-          <a:xfrm>
-            <a:off x="4191000" y="5511817"/>
-            <a:ext cx="417342" cy="546083"/>
-          </a:xfrm>
-          <a:prstGeom prst="rect">
-            <a:avLst/>
-          </a:prstGeom>
-          <a:noFill/>
-          <a:ln>
-            <a:solidFill>
-              <a:srgbClr val="FF0000"/>
-            </a:solidFill>
-          </a:ln>
-        </p:spPr>
-        <p:style>
-          <a:lnRef idx="2">
-            <a:schemeClr val="accent2">
-              <a:shade val="50000"/>
-            </a:schemeClr>
-          </a:lnRef>
-          <a:fillRef idx="1">
-            <a:schemeClr val="accent2"/>
-          </a:fillRef>
-          <a:effectRef idx="0">
-            <a:schemeClr val="accent2"/>
-          </a:effectRef>
-          <a:fontRef idx="minor">
-            <a:schemeClr val="lt1"/>
-          </a:fontRef>
-        </p:style>
-        <p:txBody>
-          <a:bodyPr rtlCol="0" anchor="ctr"/>
-          <a:lstStyle/>
-          <a:p>
-            <a:pPr algn="ctr"/>
-            <a:endParaRPr lang="ko-KR" altLang="en-US"/>
-          </a:p>
-        </p:txBody>
-      </p:sp>
-      <p:cxnSp>
-        <p:nvCxnSpPr>
-          <p:cNvPr id="10" name="직선 화살표 연결선 9">
-            <a:extLst>
-              <a:ext uri="{FF2B5EF4-FFF2-40B4-BE49-F238E27FC236}">
-                <a16:creationId xmlns:a16="http://schemas.microsoft.com/office/drawing/2014/main" xmlns="" id="{299DF5EC-9DF4-5255-06AC-0A7CE4FF58C3}"/>
-              </a:ext>
-            </a:extLst>
-          </p:cNvPr>
-          <p:cNvCxnSpPr>
-            <a:cxnSpLocks/>
-          </p:cNvCxnSpPr>
-          <p:nvPr/>
-        </p:nvCxnSpPr>
-        <p:spPr>
-          <a:xfrm>
-            <a:off x="4724400" y="5797272"/>
-            <a:ext cx="1219200" cy="0"/>
-          </a:xfrm>
-          <a:prstGeom prst="straightConnector1">
-            <a:avLst/>
-          </a:prstGeom>
-          <a:ln w="38100">
-            <a:tailEnd type="triangle"/>
-          </a:ln>
-        </p:spPr>
-        <p:style>
-          <a:lnRef idx="1">
-            <a:schemeClr val="accent2"/>
-          </a:lnRef>
-          <a:fillRef idx="0">
-            <a:schemeClr val="accent2"/>
-          </a:fillRef>
-          <a:effectRef idx="0">
-            <a:schemeClr val="accent2"/>
-          </a:effectRef>
-          <a:fontRef idx="minor">
-            <a:schemeClr val="tx1"/>
-          </a:fontRef>
-        </p:style>
-      </p:cxnSp>
-      <p:sp>
-        <p:nvSpPr>
-          <p:cNvPr id="11" name="TextBox 10">
-            <a:extLst>
-              <a:ext uri="{FF2B5EF4-FFF2-40B4-BE49-F238E27FC236}">
-                <a16:creationId xmlns:a16="http://schemas.microsoft.com/office/drawing/2014/main" xmlns="" id="{C6D113C6-EA5C-788F-0C77-E7CE6EBB865F}"/>
-              </a:ext>
-            </a:extLst>
-          </p:cNvPr>
-          <p:cNvSpPr txBox="1"/>
-          <p:nvPr/>
-        </p:nvSpPr>
-        <p:spPr>
-          <a:xfrm>
-            <a:off x="5943600" y="5448300"/>
-            <a:ext cx="6400800" cy="707886"/>
-          </a:xfrm>
-          <a:prstGeom prst="rect">
-            <a:avLst/>
-          </a:prstGeom>
-          <a:noFill/>
-        </p:spPr>
-        <p:txBody>
-          <a:bodyPr wrap="square" rtlCol="0">
-            <a:spAutoFit/>
-          </a:bodyPr>
-          <a:lstStyle/>
-          <a:p>
-            <a:r>
-              <a:rPr lang="ko-KR" altLang="en-US" sz="4000">
-                <a:solidFill>
-                  <a:srgbClr val="FF0000"/>
-                </a:solidFill>
-                <a:latin typeface="G마켓 산스 Medium" panose="02000000000000000000" pitchFamily="50" charset="-127"/>
-                <a:ea typeface="G마켓 산스 Medium" panose="02000000000000000000" pitchFamily="50" charset="-127"/>
-              </a:rPr>
-              <a:t>세미콜론을 붙여 줘야 한다</a:t>
-            </a:r>
-            <a:r>
-              <a:rPr lang="en-US" altLang="ko-KR" sz="4000">
-                <a:solidFill>
-                  <a:srgbClr val="FF0000"/>
-                </a:solidFill>
-                <a:latin typeface="G마켓 산스 Medium" panose="02000000000000000000" pitchFamily="50" charset="-127"/>
-                <a:ea typeface="G마켓 산스 Medium" panose="02000000000000000000" pitchFamily="50" charset="-127"/>
-              </a:rPr>
-              <a:t>.</a:t>
-            </a:r>
-            <a:endParaRPr lang="en-US" altLang="ko-KR" sz="4000" dirty="0">
-              <a:solidFill>
-                <a:srgbClr val="FF0000"/>
-              </a:solidFill>
-              <a:latin typeface="G마켓 산스 Medium" panose="02000000000000000000" pitchFamily="50" charset="-127"/>
-              <a:ea typeface="G마켓 산스 Medium" panose="02000000000000000000" pitchFamily="50" charset="-127"/>
-            </a:endParaRPr>
-          </a:p>
-        </p:txBody>
-      </p:sp>
-    </p:spTree>
-    <p:extLst>
-      <p:ext uri="{BB962C8B-B14F-4D97-AF65-F5344CB8AC3E}">
-        <p14:creationId xmlns:p14="http://schemas.microsoft.com/office/powerpoint/2010/main" val="841322943"/>
       </p:ext>
     </p:extLst>
   </p:cSld>
@@ -23160,7 +23178,7 @@
           <p:cNvPr id="4" name="TextBox 3">
             <a:extLst>
               <a:ext uri="{FF2B5EF4-FFF2-40B4-BE49-F238E27FC236}">
-                <a16:creationId xmlns:a16="http://schemas.microsoft.com/office/drawing/2014/main" xmlns="" id="{FC45ADBF-CAA8-348D-E57F-358AF9FAC5C1}"/>
+                <a16:creationId xmlns:a16="http://schemas.microsoft.com/office/drawing/2014/main" id="{FC45ADBF-CAA8-348D-E57F-358AF9FAC5C1}"/>
               </a:ext>
             </a:extLst>
           </p:cNvPr>
@@ -23170,7 +23188,7 @@
         <p:spPr>
           <a:xfrm>
             <a:off x="457200" y="497131"/>
-            <a:ext cx="3124200" cy="830997"/>
+            <a:ext cx="3810000" cy="830997"/>
           </a:xfrm>
           <a:prstGeom prst="rect">
             <a:avLst/>
@@ -23184,24 +23202,14 @@
           <a:lstStyle/>
           <a:p>
             <a:r>
-              <a:rPr lang="ko-KR" altLang="en-US" sz="4800">
+              <a:rPr lang="en-US" altLang="ko-KR" sz="4800">
                 <a:solidFill>
                   <a:srgbClr val="4C50BC"/>
                 </a:solidFill>
                 <a:latin typeface="G마켓 산스 Medium" panose="02000000000000000000" pitchFamily="50" charset="-127"/>
                 <a:ea typeface="G마켓 산스 Medium" panose="02000000000000000000" pitchFamily="50" charset="-127"/>
               </a:rPr>
-              <a:t>실습문제</a:t>
-            </a:r>
-            <a:r>
-              <a:rPr lang="en-US" altLang="ko-KR" sz="4800">
-                <a:solidFill>
-                  <a:srgbClr val="4C50BC"/>
-                </a:solidFill>
-                <a:latin typeface="G마켓 산스 Medium" panose="02000000000000000000" pitchFamily="50" charset="-127"/>
-                <a:ea typeface="G마켓 산스 Medium" panose="02000000000000000000" pitchFamily="50" charset="-127"/>
-              </a:rPr>
-              <a:t>3</a:t>
+              <a:t>do while</a:t>
             </a:r>
             <a:endParaRPr lang="en-US" altLang="ko-KR" sz="4800" dirty="0">
               <a:solidFill>
@@ -23213,12 +23221,129 @@
           </a:p>
         </p:txBody>
       </p:sp>
+      <p:pic>
+        <p:nvPicPr>
+          <p:cNvPr id="5" name="그림 4"/>
+          <p:cNvPicPr>
+            <a:picLocks noChangeAspect="1"/>
+          </p:cNvPicPr>
+          <p:nvPr/>
+        </p:nvPicPr>
+        <p:blipFill>
+          <a:blip r:embed="rId2"/>
+          <a:stretch>
+            <a:fillRect/>
+          </a:stretch>
+        </p:blipFill>
+        <p:spPr>
+          <a:xfrm>
+            <a:off x="1143000" y="1943100"/>
+            <a:ext cx="7530603" cy="4419600"/>
+          </a:xfrm>
+          <a:prstGeom prst="rect">
+            <a:avLst/>
+          </a:prstGeom>
+        </p:spPr>
+      </p:pic>
+      <p:cxnSp>
+        <p:nvCxnSpPr>
+          <p:cNvPr id="6" name="직선 화살표 연결선 5">
+            <a:extLst>
+              <a:ext uri="{FF2B5EF4-FFF2-40B4-BE49-F238E27FC236}">
+                <a16:creationId xmlns:a16="http://schemas.microsoft.com/office/drawing/2014/main" id="{299DF5EC-9DF4-5255-06AC-0A7CE4FF58C3}"/>
+              </a:ext>
+            </a:extLst>
+          </p:cNvPr>
+          <p:cNvCxnSpPr>
+            <a:cxnSpLocks/>
+          </p:cNvCxnSpPr>
+          <p:nvPr/>
+        </p:nvCxnSpPr>
+        <p:spPr>
+          <a:xfrm>
+            <a:off x="7848600" y="4708386"/>
+            <a:ext cx="1219200" cy="0"/>
+          </a:xfrm>
+          <a:prstGeom prst="straightConnector1">
+            <a:avLst/>
+          </a:prstGeom>
+          <a:ln w="38100">
+            <a:tailEnd type="triangle"/>
+          </a:ln>
+        </p:spPr>
+        <p:style>
+          <a:lnRef idx="1">
+            <a:schemeClr val="accent2"/>
+          </a:lnRef>
+          <a:fillRef idx="0">
+            <a:schemeClr val="accent2"/>
+          </a:fillRef>
+          <a:effectRef idx="0">
+            <a:schemeClr val="accent2"/>
+          </a:effectRef>
+          <a:fontRef idx="minor">
+            <a:schemeClr val="tx1"/>
+          </a:fontRef>
+        </p:style>
+      </p:cxnSp>
       <p:sp>
         <p:nvSpPr>
-          <p:cNvPr id="5" name="TextBox 4">
+          <p:cNvPr id="7" name="직사각형 6">
             <a:extLst>
               <a:ext uri="{FF2B5EF4-FFF2-40B4-BE49-F238E27FC236}">
-                <a16:creationId xmlns:a16="http://schemas.microsoft.com/office/drawing/2014/main" xmlns="" id="{A56A5DDA-8708-D8BE-1148-536DAE867ED1}"/>
+                <a16:creationId xmlns:a16="http://schemas.microsoft.com/office/drawing/2014/main" id="{FFF506F9-840A-0508-4CAF-3AC711D8D5CE}"/>
+              </a:ext>
+            </a:extLst>
+          </p:cNvPr>
+          <p:cNvSpPr/>
+          <p:nvPr/>
+        </p:nvSpPr>
+        <p:spPr>
+          <a:xfrm>
+            <a:off x="2438400" y="4392289"/>
+            <a:ext cx="5410200" cy="522611"/>
+          </a:xfrm>
+          <a:prstGeom prst="rect">
+            <a:avLst/>
+          </a:prstGeom>
+          <a:noFill/>
+          <a:ln>
+            <a:solidFill>
+              <a:srgbClr val="FF0000"/>
+            </a:solidFill>
+          </a:ln>
+        </p:spPr>
+        <p:style>
+          <a:lnRef idx="2">
+            <a:schemeClr val="accent2">
+              <a:shade val="50000"/>
+            </a:schemeClr>
+          </a:lnRef>
+          <a:fillRef idx="1">
+            <a:schemeClr val="accent2"/>
+          </a:fillRef>
+          <a:effectRef idx="0">
+            <a:schemeClr val="accent2"/>
+          </a:effectRef>
+          <a:fontRef idx="minor">
+            <a:schemeClr val="lt1"/>
+          </a:fontRef>
+        </p:style>
+        <p:txBody>
+          <a:bodyPr rtlCol="0" anchor="ctr"/>
+          <a:lstStyle/>
+          <a:p>
+            <a:pPr algn="ctr"/>
+            <a:endParaRPr lang="ko-KR" altLang="en-US"/>
+          </a:p>
+        </p:txBody>
+      </p:sp>
+      <p:sp>
+        <p:nvSpPr>
+          <p:cNvPr id="8" name="TextBox 7">
+            <a:extLst>
+              <a:ext uri="{FF2B5EF4-FFF2-40B4-BE49-F238E27FC236}">
+                <a16:creationId xmlns:a16="http://schemas.microsoft.com/office/drawing/2014/main" id="{C6D113C6-EA5C-788F-0C77-E7CE6EBB865F}"/>
               </a:ext>
             </a:extLst>
           </p:cNvPr>
@@ -23227,8 +23352,8 @@
         </p:nvSpPr>
         <p:spPr>
           <a:xfrm>
-            <a:off x="609600" y="5295900"/>
-            <a:ext cx="15240000" cy="1569660"/>
+            <a:off x="9067800" y="4359414"/>
+            <a:ext cx="6400800" cy="707886"/>
           </a:xfrm>
           <a:prstGeom prst="rect">
             <a:avLst/>
@@ -23242,140 +23367,48 @@
           <a:lstStyle/>
           <a:p>
             <a:r>
-              <a:rPr lang="en-US" altLang="ko-KR" sz="3200">
-                <a:solidFill>
-                  <a:schemeClr val="tx1">
-                    <a:lumMod val="50000"/>
-                    <a:lumOff val="50000"/>
-                  </a:schemeClr>
-                </a:solidFill>
-                <a:latin typeface="G마켓 산스 Medium" panose="02000000000000000000" pitchFamily="50" charset="-127"/>
-                <a:ea typeface="G마켓 산스 Medium" panose="02000000000000000000" pitchFamily="50" charset="-127"/>
-              </a:rPr>
-              <a:t>2. do while</a:t>
-            </a:r>
-            <a:r>
-              <a:rPr lang="ko-KR" altLang="en-US" sz="3200">
-                <a:solidFill>
-                  <a:schemeClr val="tx1">
-                    <a:lumMod val="50000"/>
-                    <a:lumOff val="50000"/>
-                  </a:schemeClr>
-                </a:solidFill>
-                <a:latin typeface="G마켓 산스 Medium" panose="02000000000000000000" pitchFamily="50" charset="-127"/>
-                <a:ea typeface="G마켓 산스 Medium" panose="02000000000000000000" pitchFamily="50" charset="-127"/>
-              </a:rPr>
-              <a:t>문을 이용하여 숫자 맞추기 게임을 만들어보자</a:t>
-            </a:r>
-            <a:endParaRPr lang="en-US" altLang="ko-KR" sz="3200">
+              <a:rPr lang="ko-KR" altLang="en-US" sz="4000">
+                <a:solidFill>
+                  <a:srgbClr val="FF0000"/>
+                </a:solidFill>
+                <a:latin typeface="G마켓 산스 Medium" panose="02000000000000000000" pitchFamily="50" charset="-127"/>
+                <a:ea typeface="G마켓 산스 Medium" panose="02000000000000000000" pitchFamily="50" charset="-127"/>
+              </a:rPr>
+              <a:t>최초 </a:t>
+            </a:r>
+            <a:r>
+              <a:rPr lang="en-US" altLang="ko-KR" sz="4000">
+                <a:solidFill>
+                  <a:srgbClr val="FF0000"/>
+                </a:solidFill>
+                <a:latin typeface="G마켓 산스 Medium" panose="02000000000000000000" pitchFamily="50" charset="-127"/>
+                <a:ea typeface="G마켓 산스 Medium" panose="02000000000000000000" pitchFamily="50" charset="-127"/>
+              </a:rPr>
+              <a:t>1</a:t>
+            </a:r>
+            <a:r>
+              <a:rPr lang="ko-KR" altLang="en-US" sz="4000">
+                <a:solidFill>
+                  <a:srgbClr val="FF0000"/>
+                </a:solidFill>
+                <a:latin typeface="G마켓 산스 Medium" panose="02000000000000000000" pitchFamily="50" charset="-127"/>
+                <a:ea typeface="G마켓 산스 Medium" panose="02000000000000000000" pitchFamily="50" charset="-127"/>
+              </a:rPr>
+              <a:t>번은 무조건 실행된다</a:t>
+            </a:r>
+            <a:r>
+              <a:rPr lang="en-US" altLang="ko-KR" sz="4000">
+                <a:solidFill>
+                  <a:srgbClr val="FF0000"/>
+                </a:solidFill>
+                <a:latin typeface="G마켓 산스 Medium" panose="02000000000000000000" pitchFamily="50" charset="-127"/>
+                <a:ea typeface="G마켓 산스 Medium" panose="02000000000000000000" pitchFamily="50" charset="-127"/>
+              </a:rPr>
+              <a:t>.</a:t>
+            </a:r>
+            <a:endParaRPr lang="en-US" altLang="ko-KR" sz="4000" dirty="0">
               <a:solidFill>
-                <a:schemeClr val="tx1">
-                  <a:lumMod val="50000"/>
-                  <a:lumOff val="50000"/>
-                </a:schemeClr>
-              </a:solidFill>
-              <a:latin typeface="G마켓 산스 Medium" panose="02000000000000000000" pitchFamily="50" charset="-127"/>
-              <a:ea typeface="G마켓 산스 Medium" panose="02000000000000000000" pitchFamily="50" charset="-127"/>
-            </a:endParaRPr>
-          </a:p>
-          <a:p>
-            <a:r>
-              <a:rPr lang="en-US" altLang="ko-KR" sz="3200">
-                <a:solidFill>
-                  <a:schemeClr val="tx1">
-                    <a:lumMod val="50000"/>
-                    <a:lumOff val="50000"/>
-                  </a:schemeClr>
-                </a:solidFill>
-                <a:latin typeface="G마켓 산스 Medium" panose="02000000000000000000" pitchFamily="50" charset="-127"/>
-                <a:ea typeface="G마켓 산스 Medium" panose="02000000000000000000" pitchFamily="50" charset="-127"/>
-              </a:rPr>
-              <a:t> </a:t>
-            </a:r>
-            <a:r>
-              <a:rPr lang="ko-KR" altLang="en-US" sz="3200">
-                <a:solidFill>
-                  <a:schemeClr val="tx1">
-                    <a:lumMod val="50000"/>
-                    <a:lumOff val="50000"/>
-                  </a:schemeClr>
-                </a:solidFill>
-                <a:latin typeface="G마켓 산스 Medium" panose="02000000000000000000" pitchFamily="50" charset="-127"/>
-                <a:ea typeface="G마켓 산스 Medium" panose="02000000000000000000" pitchFamily="50" charset="-127"/>
-              </a:rPr>
-              <a:t>컴퓨터는 </a:t>
-            </a:r>
-            <a:r>
-              <a:rPr lang="en-US" altLang="ko-KR" sz="3200">
-                <a:solidFill>
-                  <a:schemeClr val="tx1">
-                    <a:lumMod val="50000"/>
-                    <a:lumOff val="50000"/>
-                  </a:schemeClr>
-                </a:solidFill>
-                <a:latin typeface="G마켓 산스 Medium" panose="02000000000000000000" pitchFamily="50" charset="-127"/>
-                <a:ea typeface="G마켓 산스 Medium" panose="02000000000000000000" pitchFamily="50" charset="-127"/>
-              </a:rPr>
-              <a:t>1~100</a:t>
-            </a:r>
-            <a:r>
-              <a:rPr lang="ko-KR" altLang="en-US" sz="3200">
-                <a:solidFill>
-                  <a:schemeClr val="tx1">
-                    <a:lumMod val="50000"/>
-                    <a:lumOff val="50000"/>
-                  </a:schemeClr>
-                </a:solidFill>
-                <a:latin typeface="G마켓 산스 Medium" panose="02000000000000000000" pitchFamily="50" charset="-127"/>
-                <a:ea typeface="G마켓 산스 Medium" panose="02000000000000000000" pitchFamily="50" charset="-127"/>
-              </a:rPr>
-              <a:t>사이의 랜덤한 숫자를 저장하고 유저는  숫자를 입력받아 값을 맞추도록하자</a:t>
-            </a:r>
-            <a:r>
-              <a:rPr lang="en-US" altLang="ko-KR" sz="3200">
-                <a:solidFill>
-                  <a:schemeClr val="tx1">
-                    <a:lumMod val="50000"/>
-                    <a:lumOff val="50000"/>
-                  </a:schemeClr>
-                </a:solidFill>
-                <a:latin typeface="G마켓 산스 Medium" panose="02000000000000000000" pitchFamily="50" charset="-127"/>
-                <a:ea typeface="G마켓 산스 Medium" panose="02000000000000000000" pitchFamily="50" charset="-127"/>
-              </a:rPr>
-              <a:t>(</a:t>
-            </a:r>
-            <a:r>
-              <a:rPr lang="ko-KR" altLang="en-US" sz="3200">
-                <a:solidFill>
-                  <a:schemeClr val="tx1">
-                    <a:lumMod val="50000"/>
-                    <a:lumOff val="50000"/>
-                  </a:schemeClr>
-                </a:solidFill>
-                <a:latin typeface="G마켓 산스 Medium" panose="02000000000000000000" pitchFamily="50" charset="-127"/>
-                <a:ea typeface="G마켓 산스 Medium" panose="02000000000000000000" pitchFamily="50" charset="-127"/>
-              </a:rPr>
-              <a:t>정답을 맞출시 몇번만에 성공한것인지 출력</a:t>
-            </a:r>
-            <a:r>
-              <a:rPr lang="en-US" altLang="ko-KR" sz="3200">
-                <a:solidFill>
-                  <a:schemeClr val="tx1">
-                    <a:lumMod val="50000"/>
-                    <a:lumOff val="50000"/>
-                  </a:schemeClr>
-                </a:solidFill>
-                <a:latin typeface="G마켓 산스 Medium" panose="02000000000000000000" pitchFamily="50" charset="-127"/>
-                <a:ea typeface="G마켓 산스 Medium" panose="02000000000000000000" pitchFamily="50" charset="-127"/>
-              </a:rPr>
-              <a:t>)</a:t>
-            </a:r>
-            <a:endParaRPr lang="en-US" altLang="ko-KR" sz="3200" dirty="0">
-              <a:solidFill>
-                <a:schemeClr val="tx1">
-                  <a:lumMod val="50000"/>
-                  <a:lumOff val="50000"/>
-                </a:schemeClr>
+                <a:srgbClr val="FF0000"/>
               </a:solidFill>
               <a:latin typeface="G마켓 산스 Medium" panose="02000000000000000000" pitchFamily="50" charset="-127"/>
               <a:ea typeface="G마켓 산스 Medium" panose="02000000000000000000" pitchFamily="50" charset="-127"/>
@@ -23385,10 +23418,103 @@
       </p:sp>
       <p:sp>
         <p:nvSpPr>
-          <p:cNvPr id="6" name="TextBox 5">
+          <p:cNvPr id="9" name="직사각형 8">
             <a:extLst>
               <a:ext uri="{FF2B5EF4-FFF2-40B4-BE49-F238E27FC236}">
-                <a16:creationId xmlns:a16="http://schemas.microsoft.com/office/drawing/2014/main" xmlns="" id="{A56A5DDA-8708-D8BE-1148-536DAE867ED1}"/>
+                <a16:creationId xmlns:a16="http://schemas.microsoft.com/office/drawing/2014/main" id="{FFF506F9-840A-0508-4CAF-3AC711D8D5CE}"/>
+              </a:ext>
+            </a:extLst>
+          </p:cNvPr>
+          <p:cNvSpPr/>
+          <p:nvPr/>
+        </p:nvSpPr>
+        <p:spPr>
+          <a:xfrm>
+            <a:off x="4191000" y="5511817"/>
+            <a:ext cx="417342" cy="546083"/>
+          </a:xfrm>
+          <a:prstGeom prst="rect">
+            <a:avLst/>
+          </a:prstGeom>
+          <a:noFill/>
+          <a:ln>
+            <a:solidFill>
+              <a:srgbClr val="FF0000"/>
+            </a:solidFill>
+          </a:ln>
+        </p:spPr>
+        <p:style>
+          <a:lnRef idx="2">
+            <a:schemeClr val="accent2">
+              <a:shade val="50000"/>
+            </a:schemeClr>
+          </a:lnRef>
+          <a:fillRef idx="1">
+            <a:schemeClr val="accent2"/>
+          </a:fillRef>
+          <a:effectRef idx="0">
+            <a:schemeClr val="accent2"/>
+          </a:effectRef>
+          <a:fontRef idx="minor">
+            <a:schemeClr val="lt1"/>
+          </a:fontRef>
+        </p:style>
+        <p:txBody>
+          <a:bodyPr rtlCol="0" anchor="ctr"/>
+          <a:lstStyle/>
+          <a:p>
+            <a:pPr algn="ctr"/>
+            <a:endParaRPr lang="ko-KR" altLang="en-US"/>
+          </a:p>
+        </p:txBody>
+      </p:sp>
+      <p:cxnSp>
+        <p:nvCxnSpPr>
+          <p:cNvPr id="10" name="직선 화살표 연결선 9">
+            <a:extLst>
+              <a:ext uri="{FF2B5EF4-FFF2-40B4-BE49-F238E27FC236}">
+                <a16:creationId xmlns:a16="http://schemas.microsoft.com/office/drawing/2014/main" id="{299DF5EC-9DF4-5255-06AC-0A7CE4FF58C3}"/>
+              </a:ext>
+            </a:extLst>
+          </p:cNvPr>
+          <p:cNvCxnSpPr>
+            <a:cxnSpLocks/>
+          </p:cNvCxnSpPr>
+          <p:nvPr/>
+        </p:nvCxnSpPr>
+        <p:spPr>
+          <a:xfrm>
+            <a:off x="4724400" y="5797272"/>
+            <a:ext cx="1219200" cy="0"/>
+          </a:xfrm>
+          <a:prstGeom prst="straightConnector1">
+            <a:avLst/>
+          </a:prstGeom>
+          <a:ln w="38100">
+            <a:tailEnd type="triangle"/>
+          </a:ln>
+        </p:spPr>
+        <p:style>
+          <a:lnRef idx="1">
+            <a:schemeClr val="accent2"/>
+          </a:lnRef>
+          <a:fillRef idx="0">
+            <a:schemeClr val="accent2"/>
+          </a:fillRef>
+          <a:effectRef idx="0">
+            <a:schemeClr val="accent2"/>
+          </a:effectRef>
+          <a:fontRef idx="minor">
+            <a:schemeClr val="tx1"/>
+          </a:fontRef>
+        </p:style>
+      </p:cxnSp>
+      <p:sp>
+        <p:nvSpPr>
+          <p:cNvPr id="11" name="TextBox 10">
+            <a:extLst>
+              <a:ext uri="{FF2B5EF4-FFF2-40B4-BE49-F238E27FC236}">
+                <a16:creationId xmlns:a16="http://schemas.microsoft.com/office/drawing/2014/main" id="{C6D113C6-EA5C-788F-0C77-E7CE6EBB865F}"/>
               </a:ext>
             </a:extLst>
           </p:cNvPr>
@@ -23397,8 +23523,8 @@
         </p:nvSpPr>
         <p:spPr>
           <a:xfrm>
-            <a:off x="609600" y="1257300"/>
-            <a:ext cx="11125200" cy="584775"/>
+            <a:off x="5943600" y="5448300"/>
+            <a:ext cx="6400800" cy="707886"/>
           </a:xfrm>
           <a:prstGeom prst="rect">
             <a:avLst/>
@@ -23412,63 +23538,28 @@
           <a:lstStyle/>
           <a:p>
             <a:r>
-              <a:rPr lang="en-US" altLang="ko-KR" sz="3200">
-                <a:solidFill>
-                  <a:schemeClr val="tx1">
-                    <a:lumMod val="50000"/>
-                    <a:lumOff val="50000"/>
-                  </a:schemeClr>
-                </a:solidFill>
-                <a:latin typeface="G마켓 산스 Medium" panose="02000000000000000000" pitchFamily="50" charset="-127"/>
-                <a:ea typeface="G마켓 산스 Medium" panose="02000000000000000000" pitchFamily="50" charset="-127"/>
-              </a:rPr>
-              <a:t>1. do while</a:t>
-            </a:r>
-            <a:r>
-              <a:rPr lang="ko-KR" altLang="en-US" sz="3200">
-                <a:solidFill>
-                  <a:schemeClr val="tx1">
-                    <a:lumMod val="50000"/>
-                    <a:lumOff val="50000"/>
-                  </a:schemeClr>
-                </a:solidFill>
-                <a:latin typeface="G마켓 산스 Medium" panose="02000000000000000000" pitchFamily="50" charset="-127"/>
-                <a:ea typeface="G마켓 산스 Medium" panose="02000000000000000000" pitchFamily="50" charset="-127"/>
-              </a:rPr>
-              <a:t>문을 이용하여 </a:t>
-            </a:r>
-            <a:r>
-              <a:rPr lang="en-US" altLang="ko-KR" sz="3200">
-                <a:solidFill>
-                  <a:schemeClr val="tx1">
-                    <a:lumMod val="50000"/>
-                    <a:lumOff val="50000"/>
-                  </a:schemeClr>
-                </a:solidFill>
-                <a:latin typeface="G마켓 산스 Medium" panose="02000000000000000000" pitchFamily="50" charset="-127"/>
-                <a:ea typeface="G마켓 산스 Medium" panose="02000000000000000000" pitchFamily="50" charset="-127"/>
-              </a:rPr>
-              <a:t>0~10</a:t>
-            </a:r>
-            <a:r>
-              <a:rPr lang="ko-KR" altLang="en-US" sz="3200">
-                <a:solidFill>
-                  <a:schemeClr val="tx1">
-                    <a:lumMod val="50000"/>
-                    <a:lumOff val="50000"/>
-                  </a:schemeClr>
-                </a:solidFill>
-                <a:latin typeface="G마켓 산스 Medium" panose="02000000000000000000" pitchFamily="50" charset="-127"/>
-                <a:ea typeface="G마켓 산스 Medium" panose="02000000000000000000" pitchFamily="50" charset="-127"/>
-              </a:rPr>
-              <a:t>까지 숫자중 짝수를 출력하자</a:t>
-            </a:r>
-            <a:endParaRPr lang="en-US" altLang="ko-KR" sz="3200" dirty="0">
+              <a:rPr lang="ko-KR" altLang="en-US" sz="4000">
+                <a:solidFill>
+                  <a:srgbClr val="FF0000"/>
+                </a:solidFill>
+                <a:latin typeface="G마켓 산스 Medium" panose="02000000000000000000" pitchFamily="50" charset="-127"/>
+                <a:ea typeface="G마켓 산스 Medium" panose="02000000000000000000" pitchFamily="50" charset="-127"/>
+              </a:rPr>
+              <a:t>세미콜론을 붙여 줘야 한다</a:t>
+            </a:r>
+            <a:r>
+              <a:rPr lang="en-US" altLang="ko-KR" sz="4000">
+                <a:solidFill>
+                  <a:srgbClr val="FF0000"/>
+                </a:solidFill>
+                <a:latin typeface="G마켓 산스 Medium" panose="02000000000000000000" pitchFamily="50" charset="-127"/>
+                <a:ea typeface="G마켓 산스 Medium" panose="02000000000000000000" pitchFamily="50" charset="-127"/>
+              </a:rPr>
+              <a:t>.</a:t>
+            </a:r>
+            <a:endParaRPr lang="en-US" altLang="ko-KR" sz="4000" dirty="0">
               <a:solidFill>
-                <a:schemeClr val="tx1">
-                  <a:lumMod val="50000"/>
-                  <a:lumOff val="50000"/>
-                </a:schemeClr>
+                <a:srgbClr val="FF0000"/>
               </a:solidFill>
               <a:latin typeface="G마켓 산스 Medium" panose="02000000000000000000" pitchFamily="50" charset="-127"/>
               <a:ea typeface="G마켓 산스 Medium" panose="02000000000000000000" pitchFamily="50" charset="-127"/>
@@ -23476,58 +23567,10 @@
           </a:p>
         </p:txBody>
       </p:sp>
-      <p:pic>
-        <p:nvPicPr>
-          <p:cNvPr id="7" name="그림 6"/>
-          <p:cNvPicPr>
-            <a:picLocks noChangeAspect="1"/>
-          </p:cNvPicPr>
-          <p:nvPr/>
-        </p:nvPicPr>
-        <p:blipFill>
-          <a:blip r:embed="rId2"/>
-          <a:stretch>
-            <a:fillRect/>
-          </a:stretch>
-        </p:blipFill>
-        <p:spPr>
-          <a:xfrm>
-            <a:off x="990600" y="1879002"/>
-            <a:ext cx="1905000" cy="3223846"/>
-          </a:xfrm>
-          <a:prstGeom prst="rect">
-            <a:avLst/>
-          </a:prstGeom>
-        </p:spPr>
-      </p:pic>
-      <p:pic>
-        <p:nvPicPr>
-          <p:cNvPr id="8" name="그림 7"/>
-          <p:cNvPicPr>
-            <a:picLocks noChangeAspect="1"/>
-          </p:cNvPicPr>
-          <p:nvPr/>
-        </p:nvPicPr>
-        <p:blipFill>
-          <a:blip r:embed="rId3"/>
-          <a:stretch>
-            <a:fillRect/>
-          </a:stretch>
-        </p:blipFill>
-        <p:spPr>
-          <a:xfrm>
-            <a:off x="762000" y="6743700"/>
-            <a:ext cx="3352800" cy="3175168"/>
-          </a:xfrm>
-          <a:prstGeom prst="rect">
-            <a:avLst/>
-          </a:prstGeom>
-        </p:spPr>
-      </p:pic>
     </p:spTree>
     <p:extLst>
       <p:ext uri="{BB962C8B-B14F-4D97-AF65-F5344CB8AC3E}">
-        <p14:creationId xmlns:p14="http://schemas.microsoft.com/office/powerpoint/2010/main" val="508992621"/>
+        <p14:creationId xmlns:p14="http://schemas.microsoft.com/office/powerpoint/2010/main" val="841322943"/>
       </p:ext>
     </p:extLst>
   </p:cSld>
@@ -23559,7 +23602,406 @@
           <p:cNvPr id="4" name="TextBox 3">
             <a:extLst>
               <a:ext uri="{FF2B5EF4-FFF2-40B4-BE49-F238E27FC236}">
-                <a16:creationId xmlns:a16="http://schemas.microsoft.com/office/drawing/2014/main" xmlns="" id="{FC45ADBF-CAA8-348D-E57F-358AF9FAC5C1}"/>
+                <a16:creationId xmlns:a16="http://schemas.microsoft.com/office/drawing/2014/main" id="{FC45ADBF-CAA8-348D-E57F-358AF9FAC5C1}"/>
+              </a:ext>
+            </a:extLst>
+          </p:cNvPr>
+          <p:cNvSpPr txBox="1"/>
+          <p:nvPr/>
+        </p:nvSpPr>
+        <p:spPr>
+          <a:xfrm>
+            <a:off x="457200" y="497131"/>
+            <a:ext cx="3124200" cy="830997"/>
+          </a:xfrm>
+          <a:prstGeom prst="rect">
+            <a:avLst/>
+          </a:prstGeom>
+          <a:noFill/>
+        </p:spPr>
+        <p:txBody>
+          <a:bodyPr wrap="square" rtlCol="0">
+            <a:spAutoFit/>
+          </a:bodyPr>
+          <a:lstStyle/>
+          <a:p>
+            <a:r>
+              <a:rPr lang="ko-KR" altLang="en-US" sz="4800">
+                <a:solidFill>
+                  <a:srgbClr val="4C50BC"/>
+                </a:solidFill>
+                <a:latin typeface="G마켓 산스 Medium" panose="02000000000000000000" pitchFamily="50" charset="-127"/>
+                <a:ea typeface="G마켓 산스 Medium" panose="02000000000000000000" pitchFamily="50" charset="-127"/>
+              </a:rPr>
+              <a:t>실습문제</a:t>
+            </a:r>
+            <a:r>
+              <a:rPr lang="en-US" altLang="ko-KR" sz="4800">
+                <a:solidFill>
+                  <a:srgbClr val="4C50BC"/>
+                </a:solidFill>
+                <a:latin typeface="G마켓 산스 Medium" panose="02000000000000000000" pitchFamily="50" charset="-127"/>
+                <a:ea typeface="G마켓 산스 Medium" panose="02000000000000000000" pitchFamily="50" charset="-127"/>
+              </a:rPr>
+              <a:t>3</a:t>
+            </a:r>
+            <a:endParaRPr lang="en-US" altLang="ko-KR" sz="4800" dirty="0">
+              <a:solidFill>
+                <a:srgbClr val="4C50BC"/>
+              </a:solidFill>
+              <a:latin typeface="G마켓 산스 Medium" panose="02000000000000000000" pitchFamily="50" charset="-127"/>
+              <a:ea typeface="G마켓 산스 Medium" panose="02000000000000000000" pitchFamily="50" charset="-127"/>
+            </a:endParaRPr>
+          </a:p>
+        </p:txBody>
+      </p:sp>
+      <p:sp>
+        <p:nvSpPr>
+          <p:cNvPr id="5" name="TextBox 4">
+            <a:extLst>
+              <a:ext uri="{FF2B5EF4-FFF2-40B4-BE49-F238E27FC236}">
+                <a16:creationId xmlns:a16="http://schemas.microsoft.com/office/drawing/2014/main" id="{A56A5DDA-8708-D8BE-1148-536DAE867ED1}"/>
+              </a:ext>
+            </a:extLst>
+          </p:cNvPr>
+          <p:cNvSpPr txBox="1"/>
+          <p:nvPr/>
+        </p:nvSpPr>
+        <p:spPr>
+          <a:xfrm>
+            <a:off x="609600" y="5295900"/>
+            <a:ext cx="15240000" cy="1569660"/>
+          </a:xfrm>
+          <a:prstGeom prst="rect">
+            <a:avLst/>
+          </a:prstGeom>
+          <a:noFill/>
+        </p:spPr>
+        <p:txBody>
+          <a:bodyPr wrap="square" rtlCol="0">
+            <a:spAutoFit/>
+          </a:bodyPr>
+          <a:lstStyle/>
+          <a:p>
+            <a:r>
+              <a:rPr lang="en-US" altLang="ko-KR" sz="3200">
+                <a:solidFill>
+                  <a:schemeClr val="tx1">
+                    <a:lumMod val="50000"/>
+                    <a:lumOff val="50000"/>
+                  </a:schemeClr>
+                </a:solidFill>
+                <a:latin typeface="G마켓 산스 Medium" panose="02000000000000000000" pitchFamily="50" charset="-127"/>
+                <a:ea typeface="G마켓 산스 Medium" panose="02000000000000000000" pitchFamily="50" charset="-127"/>
+              </a:rPr>
+              <a:t>2. do while</a:t>
+            </a:r>
+            <a:r>
+              <a:rPr lang="ko-KR" altLang="en-US" sz="3200">
+                <a:solidFill>
+                  <a:schemeClr val="tx1">
+                    <a:lumMod val="50000"/>
+                    <a:lumOff val="50000"/>
+                  </a:schemeClr>
+                </a:solidFill>
+                <a:latin typeface="G마켓 산스 Medium" panose="02000000000000000000" pitchFamily="50" charset="-127"/>
+                <a:ea typeface="G마켓 산스 Medium" panose="02000000000000000000" pitchFamily="50" charset="-127"/>
+              </a:rPr>
+              <a:t>문을 이용하여 숫자 맞추기 게임을 만들어보자</a:t>
+            </a:r>
+            <a:endParaRPr lang="en-US" altLang="ko-KR" sz="3200">
+              <a:solidFill>
+                <a:schemeClr val="tx1">
+                  <a:lumMod val="50000"/>
+                  <a:lumOff val="50000"/>
+                </a:schemeClr>
+              </a:solidFill>
+              <a:latin typeface="G마켓 산스 Medium" panose="02000000000000000000" pitchFamily="50" charset="-127"/>
+              <a:ea typeface="G마켓 산스 Medium" panose="02000000000000000000" pitchFamily="50" charset="-127"/>
+            </a:endParaRPr>
+          </a:p>
+          <a:p>
+            <a:r>
+              <a:rPr lang="en-US" altLang="ko-KR" sz="3200">
+                <a:solidFill>
+                  <a:schemeClr val="tx1">
+                    <a:lumMod val="50000"/>
+                    <a:lumOff val="50000"/>
+                  </a:schemeClr>
+                </a:solidFill>
+                <a:latin typeface="G마켓 산스 Medium" panose="02000000000000000000" pitchFamily="50" charset="-127"/>
+                <a:ea typeface="G마켓 산스 Medium" panose="02000000000000000000" pitchFamily="50" charset="-127"/>
+              </a:rPr>
+              <a:t> </a:t>
+            </a:r>
+            <a:r>
+              <a:rPr lang="ko-KR" altLang="en-US" sz="3200">
+                <a:solidFill>
+                  <a:schemeClr val="tx1">
+                    <a:lumMod val="50000"/>
+                    <a:lumOff val="50000"/>
+                  </a:schemeClr>
+                </a:solidFill>
+                <a:latin typeface="G마켓 산스 Medium" panose="02000000000000000000" pitchFamily="50" charset="-127"/>
+                <a:ea typeface="G마켓 산스 Medium" panose="02000000000000000000" pitchFamily="50" charset="-127"/>
+              </a:rPr>
+              <a:t>컴퓨터는 </a:t>
+            </a:r>
+            <a:r>
+              <a:rPr lang="en-US" altLang="ko-KR" sz="3200">
+                <a:solidFill>
+                  <a:schemeClr val="tx1">
+                    <a:lumMod val="50000"/>
+                    <a:lumOff val="50000"/>
+                  </a:schemeClr>
+                </a:solidFill>
+                <a:latin typeface="G마켓 산스 Medium" panose="02000000000000000000" pitchFamily="50" charset="-127"/>
+                <a:ea typeface="G마켓 산스 Medium" panose="02000000000000000000" pitchFamily="50" charset="-127"/>
+              </a:rPr>
+              <a:t>1~100</a:t>
+            </a:r>
+            <a:r>
+              <a:rPr lang="ko-KR" altLang="en-US" sz="3200">
+                <a:solidFill>
+                  <a:schemeClr val="tx1">
+                    <a:lumMod val="50000"/>
+                    <a:lumOff val="50000"/>
+                  </a:schemeClr>
+                </a:solidFill>
+                <a:latin typeface="G마켓 산스 Medium" panose="02000000000000000000" pitchFamily="50" charset="-127"/>
+                <a:ea typeface="G마켓 산스 Medium" panose="02000000000000000000" pitchFamily="50" charset="-127"/>
+              </a:rPr>
+              <a:t>사이의 랜덤한 숫자를 저장하고 유저는  숫자를 입력받아 값을 맞추도록하자</a:t>
+            </a:r>
+            <a:r>
+              <a:rPr lang="en-US" altLang="ko-KR" sz="3200">
+                <a:solidFill>
+                  <a:schemeClr val="tx1">
+                    <a:lumMod val="50000"/>
+                    <a:lumOff val="50000"/>
+                  </a:schemeClr>
+                </a:solidFill>
+                <a:latin typeface="G마켓 산스 Medium" panose="02000000000000000000" pitchFamily="50" charset="-127"/>
+                <a:ea typeface="G마켓 산스 Medium" panose="02000000000000000000" pitchFamily="50" charset="-127"/>
+              </a:rPr>
+              <a:t>(</a:t>
+            </a:r>
+            <a:r>
+              <a:rPr lang="ko-KR" altLang="en-US" sz="3200">
+                <a:solidFill>
+                  <a:schemeClr val="tx1">
+                    <a:lumMod val="50000"/>
+                    <a:lumOff val="50000"/>
+                  </a:schemeClr>
+                </a:solidFill>
+                <a:latin typeface="G마켓 산스 Medium" panose="02000000000000000000" pitchFamily="50" charset="-127"/>
+                <a:ea typeface="G마켓 산스 Medium" panose="02000000000000000000" pitchFamily="50" charset="-127"/>
+              </a:rPr>
+              <a:t>정답을 맞출시 몇번만에 성공한것인지 출력</a:t>
+            </a:r>
+            <a:r>
+              <a:rPr lang="en-US" altLang="ko-KR" sz="3200">
+                <a:solidFill>
+                  <a:schemeClr val="tx1">
+                    <a:lumMod val="50000"/>
+                    <a:lumOff val="50000"/>
+                  </a:schemeClr>
+                </a:solidFill>
+                <a:latin typeface="G마켓 산스 Medium" panose="02000000000000000000" pitchFamily="50" charset="-127"/>
+                <a:ea typeface="G마켓 산스 Medium" panose="02000000000000000000" pitchFamily="50" charset="-127"/>
+              </a:rPr>
+              <a:t>)</a:t>
+            </a:r>
+            <a:endParaRPr lang="en-US" altLang="ko-KR" sz="3200" dirty="0">
+              <a:solidFill>
+                <a:schemeClr val="tx1">
+                  <a:lumMod val="50000"/>
+                  <a:lumOff val="50000"/>
+                </a:schemeClr>
+              </a:solidFill>
+              <a:latin typeface="G마켓 산스 Medium" panose="02000000000000000000" pitchFamily="50" charset="-127"/>
+              <a:ea typeface="G마켓 산스 Medium" panose="02000000000000000000" pitchFamily="50" charset="-127"/>
+            </a:endParaRPr>
+          </a:p>
+        </p:txBody>
+      </p:sp>
+      <p:sp>
+        <p:nvSpPr>
+          <p:cNvPr id="6" name="TextBox 5">
+            <a:extLst>
+              <a:ext uri="{FF2B5EF4-FFF2-40B4-BE49-F238E27FC236}">
+                <a16:creationId xmlns:a16="http://schemas.microsoft.com/office/drawing/2014/main" id="{A56A5DDA-8708-D8BE-1148-536DAE867ED1}"/>
+              </a:ext>
+            </a:extLst>
+          </p:cNvPr>
+          <p:cNvSpPr txBox="1"/>
+          <p:nvPr/>
+        </p:nvSpPr>
+        <p:spPr>
+          <a:xfrm>
+            <a:off x="609600" y="1257300"/>
+            <a:ext cx="11125200" cy="584775"/>
+          </a:xfrm>
+          <a:prstGeom prst="rect">
+            <a:avLst/>
+          </a:prstGeom>
+          <a:noFill/>
+        </p:spPr>
+        <p:txBody>
+          <a:bodyPr wrap="square" rtlCol="0">
+            <a:spAutoFit/>
+          </a:bodyPr>
+          <a:lstStyle/>
+          <a:p>
+            <a:r>
+              <a:rPr lang="en-US" altLang="ko-KR" sz="3200">
+                <a:solidFill>
+                  <a:schemeClr val="tx1">
+                    <a:lumMod val="50000"/>
+                    <a:lumOff val="50000"/>
+                  </a:schemeClr>
+                </a:solidFill>
+                <a:latin typeface="G마켓 산스 Medium" panose="02000000000000000000" pitchFamily="50" charset="-127"/>
+                <a:ea typeface="G마켓 산스 Medium" panose="02000000000000000000" pitchFamily="50" charset="-127"/>
+              </a:rPr>
+              <a:t>1. do while</a:t>
+            </a:r>
+            <a:r>
+              <a:rPr lang="ko-KR" altLang="en-US" sz="3200">
+                <a:solidFill>
+                  <a:schemeClr val="tx1">
+                    <a:lumMod val="50000"/>
+                    <a:lumOff val="50000"/>
+                  </a:schemeClr>
+                </a:solidFill>
+                <a:latin typeface="G마켓 산스 Medium" panose="02000000000000000000" pitchFamily="50" charset="-127"/>
+                <a:ea typeface="G마켓 산스 Medium" panose="02000000000000000000" pitchFamily="50" charset="-127"/>
+              </a:rPr>
+              <a:t>문을 이용하여 </a:t>
+            </a:r>
+            <a:r>
+              <a:rPr lang="en-US" altLang="ko-KR" sz="3200">
+                <a:solidFill>
+                  <a:schemeClr val="tx1">
+                    <a:lumMod val="50000"/>
+                    <a:lumOff val="50000"/>
+                  </a:schemeClr>
+                </a:solidFill>
+                <a:latin typeface="G마켓 산스 Medium" panose="02000000000000000000" pitchFamily="50" charset="-127"/>
+                <a:ea typeface="G마켓 산스 Medium" panose="02000000000000000000" pitchFamily="50" charset="-127"/>
+              </a:rPr>
+              <a:t>0~10</a:t>
+            </a:r>
+            <a:r>
+              <a:rPr lang="ko-KR" altLang="en-US" sz="3200">
+                <a:solidFill>
+                  <a:schemeClr val="tx1">
+                    <a:lumMod val="50000"/>
+                    <a:lumOff val="50000"/>
+                  </a:schemeClr>
+                </a:solidFill>
+                <a:latin typeface="G마켓 산스 Medium" panose="02000000000000000000" pitchFamily="50" charset="-127"/>
+                <a:ea typeface="G마켓 산스 Medium" panose="02000000000000000000" pitchFamily="50" charset="-127"/>
+              </a:rPr>
+              <a:t>까지 숫자중 짝수를 출력하자</a:t>
+            </a:r>
+            <a:endParaRPr lang="en-US" altLang="ko-KR" sz="3200" dirty="0">
+              <a:solidFill>
+                <a:schemeClr val="tx1">
+                  <a:lumMod val="50000"/>
+                  <a:lumOff val="50000"/>
+                </a:schemeClr>
+              </a:solidFill>
+              <a:latin typeface="G마켓 산스 Medium" panose="02000000000000000000" pitchFamily="50" charset="-127"/>
+              <a:ea typeface="G마켓 산스 Medium" panose="02000000000000000000" pitchFamily="50" charset="-127"/>
+            </a:endParaRPr>
+          </a:p>
+        </p:txBody>
+      </p:sp>
+      <p:pic>
+        <p:nvPicPr>
+          <p:cNvPr id="7" name="그림 6"/>
+          <p:cNvPicPr>
+            <a:picLocks noChangeAspect="1"/>
+          </p:cNvPicPr>
+          <p:nvPr/>
+        </p:nvPicPr>
+        <p:blipFill>
+          <a:blip r:embed="rId2"/>
+          <a:stretch>
+            <a:fillRect/>
+          </a:stretch>
+        </p:blipFill>
+        <p:spPr>
+          <a:xfrm>
+            <a:off x="990600" y="1879002"/>
+            <a:ext cx="1905000" cy="3223846"/>
+          </a:xfrm>
+          <a:prstGeom prst="rect">
+            <a:avLst/>
+          </a:prstGeom>
+        </p:spPr>
+      </p:pic>
+      <p:pic>
+        <p:nvPicPr>
+          <p:cNvPr id="8" name="그림 7"/>
+          <p:cNvPicPr>
+            <a:picLocks noChangeAspect="1"/>
+          </p:cNvPicPr>
+          <p:nvPr/>
+        </p:nvPicPr>
+        <p:blipFill>
+          <a:blip r:embed="rId3"/>
+          <a:stretch>
+            <a:fillRect/>
+          </a:stretch>
+        </p:blipFill>
+        <p:spPr>
+          <a:xfrm>
+            <a:off x="762000" y="6743700"/>
+            <a:ext cx="3352800" cy="3175168"/>
+          </a:xfrm>
+          <a:prstGeom prst="rect">
+            <a:avLst/>
+          </a:prstGeom>
+        </p:spPr>
+      </p:pic>
+    </p:spTree>
+    <p:extLst>
+      <p:ext uri="{BB962C8B-B14F-4D97-AF65-F5344CB8AC3E}">
+        <p14:creationId xmlns:p14="http://schemas.microsoft.com/office/powerpoint/2010/main" val="508992621"/>
+      </p:ext>
+    </p:extLst>
+  </p:cSld>
+  <p:clrMapOvr>
+    <a:masterClrMapping/>
+  </p:clrMapOvr>
+</p:sld>
+</file>
+
+<file path=ppt/slides/slide39.xml><?xml version="1.0" encoding="utf-8"?>
+<p:sld xmlns:a="http://schemas.openxmlformats.org/drawingml/2006/main" xmlns:r="http://schemas.openxmlformats.org/officeDocument/2006/relationships" xmlns:p="http://schemas.openxmlformats.org/presentationml/2006/main">
+  <p:cSld>
+    <p:spTree>
+      <p:nvGrpSpPr>
+        <p:cNvPr id="1" name=""/>
+        <p:cNvGrpSpPr/>
+        <p:nvPr/>
+      </p:nvGrpSpPr>
+      <p:grpSpPr>
+        <a:xfrm>
+          <a:off x="0" y="0"/>
+          <a:ext cx="0" cy="0"/>
+          <a:chOff x="0" y="0"/>
+          <a:chExt cx="0" cy="0"/>
+        </a:xfrm>
+      </p:grpSpPr>
+      <p:sp>
+        <p:nvSpPr>
+          <p:cNvPr id="4" name="TextBox 3">
+            <a:extLst>
+              <a:ext uri="{FF2B5EF4-FFF2-40B4-BE49-F238E27FC236}">
+                <a16:creationId xmlns:a16="http://schemas.microsoft.com/office/drawing/2014/main" id="{FC45ADBF-CAA8-348D-E57F-358AF9FAC5C1}"/>
               </a:ext>
             </a:extLst>
           </p:cNvPr>
@@ -23631,7 +24073,7 @@
           <p:cNvPr id="6" name="직선 화살표 연결선 5">
             <a:extLst>
               <a:ext uri="{FF2B5EF4-FFF2-40B4-BE49-F238E27FC236}">
-                <a16:creationId xmlns:a16="http://schemas.microsoft.com/office/drawing/2014/main" xmlns="" id="{299DF5EC-9DF4-5255-06AC-0A7CE4FF58C3}"/>
+                <a16:creationId xmlns:a16="http://schemas.microsoft.com/office/drawing/2014/main" id="{299DF5EC-9DF4-5255-06AC-0A7CE4FF58C3}"/>
               </a:ext>
             </a:extLst>
           </p:cNvPr>
@@ -23672,7 +24114,7 @@
           <p:cNvPr id="7" name="직사각형 6">
             <a:extLst>
               <a:ext uri="{FF2B5EF4-FFF2-40B4-BE49-F238E27FC236}">
-                <a16:creationId xmlns:a16="http://schemas.microsoft.com/office/drawing/2014/main" xmlns="" id="{FFF506F9-840A-0508-4CAF-3AC711D8D5CE}"/>
+                <a16:creationId xmlns:a16="http://schemas.microsoft.com/office/drawing/2014/main" id="{FFF506F9-840A-0508-4CAF-3AC711D8D5CE}"/>
               </a:ext>
             </a:extLst>
           </p:cNvPr>
@@ -23724,7 +24166,7 @@
           <p:cNvPr id="8" name="TextBox 7">
             <a:extLst>
               <a:ext uri="{FF2B5EF4-FFF2-40B4-BE49-F238E27FC236}">
-                <a16:creationId xmlns:a16="http://schemas.microsoft.com/office/drawing/2014/main" xmlns="" id="{C6D113C6-EA5C-788F-0C77-E7CE6EBB865F}"/>
+                <a16:creationId xmlns:a16="http://schemas.microsoft.com/office/drawing/2014/main" id="{C6D113C6-EA5C-788F-0C77-E7CE6EBB865F}"/>
               </a:ext>
             </a:extLst>
           </p:cNvPr>
@@ -23792,7 +24234,7 @@
           <p:cNvPr id="9" name="직선 화살표 연결선 8">
             <a:extLst>
               <a:ext uri="{FF2B5EF4-FFF2-40B4-BE49-F238E27FC236}">
-                <a16:creationId xmlns:a16="http://schemas.microsoft.com/office/drawing/2014/main" xmlns="" id="{299DF5EC-9DF4-5255-06AC-0A7CE4FF58C3}"/>
+                <a16:creationId xmlns:a16="http://schemas.microsoft.com/office/drawing/2014/main" id="{299DF5EC-9DF4-5255-06AC-0A7CE4FF58C3}"/>
               </a:ext>
             </a:extLst>
           </p:cNvPr>
@@ -23916,7 +24358,492 @@
 </p:sld>
 </file>
 
-<file path=ppt/slides/slide39.xml><?xml version="1.0" encoding="utf-8"?>
+<file path=ppt/slides/slide4.xml><?xml version="1.0" encoding="utf-8"?>
+<p:sld xmlns:a="http://schemas.openxmlformats.org/drawingml/2006/main" xmlns:r="http://schemas.openxmlformats.org/officeDocument/2006/relationships" xmlns:p="http://schemas.openxmlformats.org/presentationml/2006/main">
+  <p:cSld>
+    <p:spTree>
+      <p:nvGrpSpPr>
+        <p:cNvPr id="1" name=""/>
+        <p:cNvGrpSpPr/>
+        <p:nvPr/>
+      </p:nvGrpSpPr>
+      <p:grpSpPr>
+        <a:xfrm>
+          <a:off x="0" y="0"/>
+          <a:ext cx="0" cy="0"/>
+          <a:chOff x="0" y="0"/>
+          <a:chExt cx="0" cy="0"/>
+        </a:xfrm>
+      </p:grpSpPr>
+      <p:sp>
+        <p:nvSpPr>
+          <p:cNvPr id="32" name="TextBox 31">
+            <a:extLst>
+              <a:ext uri="{FF2B5EF4-FFF2-40B4-BE49-F238E27FC236}">
+                <a16:creationId xmlns:a16="http://schemas.microsoft.com/office/drawing/2014/main" id="{5ADC00B6-990A-40DC-3CEA-505258F5E8DA}"/>
+              </a:ext>
+            </a:extLst>
+          </p:cNvPr>
+          <p:cNvSpPr txBox="1"/>
+          <p:nvPr/>
+        </p:nvSpPr>
+        <p:spPr>
+          <a:xfrm>
+            <a:off x="1371600" y="654903"/>
+            <a:ext cx="9677400" cy="830997"/>
+          </a:xfrm>
+          <a:prstGeom prst="rect">
+            <a:avLst/>
+          </a:prstGeom>
+          <a:noFill/>
+        </p:spPr>
+        <p:txBody>
+          <a:bodyPr wrap="square" rtlCol="0">
+            <a:spAutoFit/>
+          </a:bodyPr>
+          <a:lstStyle/>
+          <a:p>
+            <a:r>
+              <a:rPr lang="ko-KR" altLang="en-US" sz="4800" dirty="0">
+                <a:solidFill>
+                  <a:srgbClr val="4C50BC"/>
+                </a:solidFill>
+                <a:latin typeface="G마켓 산스 Medium" panose="02000000000000000000" pitchFamily="50" charset="-127"/>
+                <a:ea typeface="G마켓 산스 Medium" panose="02000000000000000000" pitchFamily="50" charset="-127"/>
+              </a:rPr>
+              <a:t>학생 </a:t>
+            </a:r>
+            <a:r>
+              <a:rPr lang="en-US" altLang="ko-KR" sz="4800" dirty="0">
+                <a:solidFill>
+                  <a:srgbClr val="4C50BC"/>
+                </a:solidFill>
+                <a:latin typeface="G마켓 산스 Medium" panose="02000000000000000000" pitchFamily="50" charset="-127"/>
+                <a:ea typeface="G마켓 산스 Medium" panose="02000000000000000000" pitchFamily="50" charset="-127"/>
+              </a:rPr>
+              <a:t>100</a:t>
+            </a:r>
+            <a:r>
+              <a:rPr lang="ko-KR" altLang="en-US" sz="4800" dirty="0">
+                <a:solidFill>
+                  <a:srgbClr val="4C50BC"/>
+                </a:solidFill>
+                <a:latin typeface="G마켓 산스 Medium" panose="02000000000000000000" pitchFamily="50" charset="-127"/>
+                <a:ea typeface="G마켓 산스 Medium" panose="02000000000000000000" pitchFamily="50" charset="-127"/>
+              </a:rPr>
+              <a:t>명의 성적을 저장하려면</a:t>
+            </a:r>
+            <a:r>
+              <a:rPr lang="en-US" altLang="ko-KR" sz="4800" dirty="0">
+                <a:solidFill>
+                  <a:srgbClr val="4C50BC"/>
+                </a:solidFill>
+                <a:latin typeface="G마켓 산스 Medium" panose="02000000000000000000" pitchFamily="50" charset="-127"/>
+                <a:ea typeface="G마켓 산스 Medium" panose="02000000000000000000" pitchFamily="50" charset="-127"/>
+              </a:rPr>
+              <a:t>?</a:t>
+            </a:r>
+          </a:p>
+        </p:txBody>
+      </p:sp>
+      <p:pic>
+        <p:nvPicPr>
+          <p:cNvPr id="8" name="그림 7">
+            <a:extLst>
+              <a:ext uri="{FF2B5EF4-FFF2-40B4-BE49-F238E27FC236}">
+                <a16:creationId xmlns:a16="http://schemas.microsoft.com/office/drawing/2014/main" id="{36EA5A03-03DE-406B-81E8-A6717DF31F95}"/>
+              </a:ext>
+            </a:extLst>
+          </p:cNvPr>
+          <p:cNvPicPr>
+            <a:picLocks noChangeAspect="1"/>
+          </p:cNvPicPr>
+          <p:nvPr/>
+        </p:nvPicPr>
+        <p:blipFill>
+          <a:blip r:embed="rId2"/>
+          <a:stretch>
+            <a:fillRect/>
+          </a:stretch>
+        </p:blipFill>
+        <p:spPr>
+          <a:xfrm>
+            <a:off x="2209800" y="1866900"/>
+            <a:ext cx="5486400" cy="4042609"/>
+          </a:xfrm>
+          <a:prstGeom prst="rect">
+            <a:avLst/>
+          </a:prstGeom>
+        </p:spPr>
+      </p:pic>
+      <p:sp>
+        <p:nvSpPr>
+          <p:cNvPr id="9" name="TextBox 8">
+            <a:extLst>
+              <a:ext uri="{FF2B5EF4-FFF2-40B4-BE49-F238E27FC236}">
+                <a16:creationId xmlns:a16="http://schemas.microsoft.com/office/drawing/2014/main" id="{891E823C-FB22-A322-2590-BE7D83C31C15}"/>
+              </a:ext>
+            </a:extLst>
+          </p:cNvPr>
+          <p:cNvSpPr txBox="1"/>
+          <p:nvPr/>
+        </p:nvSpPr>
+        <p:spPr>
+          <a:xfrm>
+            <a:off x="2438400" y="5676900"/>
+            <a:ext cx="1600200" cy="1015663"/>
+          </a:xfrm>
+          <a:prstGeom prst="rect">
+            <a:avLst/>
+          </a:prstGeom>
+          <a:noFill/>
+        </p:spPr>
+        <p:txBody>
+          <a:bodyPr wrap="square" rtlCol="0">
+            <a:spAutoFit/>
+          </a:bodyPr>
+          <a:lstStyle/>
+          <a:p>
+            <a:r>
+              <a:rPr lang="en-US" altLang="ko-KR" sz="6000" dirty="0">
+                <a:solidFill>
+                  <a:srgbClr val="FF0000"/>
+                </a:solidFill>
+                <a:latin typeface="G마켓 산스 Medium" panose="02000000000000000000" pitchFamily="50" charset="-127"/>
+                <a:ea typeface="G마켓 산스 Medium" panose="02000000000000000000" pitchFamily="50" charset="-127"/>
+              </a:rPr>
+              <a:t>……</a:t>
+            </a:r>
+          </a:p>
+        </p:txBody>
+      </p:sp>
+      <p:grpSp>
+        <p:nvGrpSpPr>
+          <p:cNvPr id="11" name="그룹 1008">
+            <a:extLst>
+              <a:ext uri="{FF2B5EF4-FFF2-40B4-BE49-F238E27FC236}">
+                <a16:creationId xmlns:a16="http://schemas.microsoft.com/office/drawing/2014/main" id="{1EFF84BC-CE69-6E9A-0728-7433E2852943}"/>
+              </a:ext>
+            </a:extLst>
+          </p:cNvPr>
+          <p:cNvGrpSpPr/>
+          <p:nvPr/>
+        </p:nvGrpSpPr>
+        <p:grpSpPr>
+          <a:xfrm>
+            <a:off x="8783502" y="3888204"/>
+            <a:ext cx="720996" cy="587007"/>
+            <a:chOff x="9011713" y="5350533"/>
+            <a:chExt cx="720996" cy="587007"/>
+          </a:xfrm>
+        </p:grpSpPr>
+        <p:grpSp>
+          <p:nvGrpSpPr>
+            <p:cNvPr id="12" name="그룹 1009">
+              <a:extLst>
+                <a:ext uri="{FF2B5EF4-FFF2-40B4-BE49-F238E27FC236}">
+                  <a16:creationId xmlns:a16="http://schemas.microsoft.com/office/drawing/2014/main" id="{AA36F7CC-930A-2820-CA0D-F0788A037F7E}"/>
+                </a:ext>
+              </a:extLst>
+            </p:cNvPr>
+            <p:cNvGrpSpPr/>
+            <p:nvPr/>
+          </p:nvGrpSpPr>
+          <p:grpSpPr>
+            <a:xfrm>
+              <a:off x="9440725" y="5350533"/>
+              <a:ext cx="291983" cy="587007"/>
+              <a:chOff x="9440725" y="5350533"/>
+              <a:chExt cx="291983" cy="587007"/>
+            </a:xfrm>
+          </p:grpSpPr>
+          <p:pic>
+            <p:nvPicPr>
+              <p:cNvPr id="19" name="Object 29">
+                <a:extLst>
+                  <a:ext uri="{FF2B5EF4-FFF2-40B4-BE49-F238E27FC236}">
+                    <a16:creationId xmlns:a16="http://schemas.microsoft.com/office/drawing/2014/main" id="{9A5ADF80-DCC2-E6F9-0072-FFE30C7AF188}"/>
+                  </a:ext>
+                </a:extLst>
+              </p:cNvPr>
+              <p:cNvPicPr>
+                <a:picLocks noChangeAspect="1"/>
+              </p:cNvPicPr>
+              <p:nvPr/>
+            </p:nvPicPr>
+            <p:blipFill>
+              <a:blip r:embed="rId3" cstate="print"/>
+              <a:stretch>
+                <a:fillRect/>
+              </a:stretch>
+            </p:blipFill>
+            <p:spPr>
+              <a:xfrm rot="-10800000">
+                <a:off x="9440725" y="5350533"/>
+                <a:ext cx="291983" cy="587007"/>
+              </a:xfrm>
+              <a:prstGeom prst="rect">
+                <a:avLst/>
+              </a:prstGeom>
+            </p:spPr>
+          </p:pic>
+        </p:grpSp>
+        <p:grpSp>
+          <p:nvGrpSpPr>
+            <p:cNvPr id="13" name="그룹 1010">
+              <a:extLst>
+                <a:ext uri="{FF2B5EF4-FFF2-40B4-BE49-F238E27FC236}">
+                  <a16:creationId xmlns:a16="http://schemas.microsoft.com/office/drawing/2014/main" id="{BA7EBFBB-DEC0-52A3-DA23-A283CA4F78AE}"/>
+                </a:ext>
+              </a:extLst>
+            </p:cNvPr>
+            <p:cNvGrpSpPr/>
+            <p:nvPr/>
+          </p:nvGrpSpPr>
+          <p:grpSpPr>
+            <a:xfrm>
+              <a:off x="9226219" y="5350533"/>
+              <a:ext cx="291983" cy="587007"/>
+              <a:chOff x="9226219" y="5350533"/>
+              <a:chExt cx="291983" cy="587007"/>
+            </a:xfrm>
+          </p:grpSpPr>
+          <p:pic>
+            <p:nvPicPr>
+              <p:cNvPr id="17" name="Object 32">
+                <a:extLst>
+                  <a:ext uri="{FF2B5EF4-FFF2-40B4-BE49-F238E27FC236}">
+                    <a16:creationId xmlns:a16="http://schemas.microsoft.com/office/drawing/2014/main" id="{FCA018BA-6DFF-9726-2010-E6B74AA92750}"/>
+                  </a:ext>
+                </a:extLst>
+              </p:cNvPr>
+              <p:cNvPicPr>
+                <a:picLocks noChangeAspect="1"/>
+              </p:cNvPicPr>
+              <p:nvPr/>
+            </p:nvPicPr>
+            <p:blipFill>
+              <a:blip r:embed="rId4" cstate="print"/>
+              <a:stretch>
+                <a:fillRect/>
+              </a:stretch>
+            </p:blipFill>
+            <p:spPr>
+              <a:xfrm rot="-10800000">
+                <a:off x="9226219" y="5350533"/>
+                <a:ext cx="291983" cy="587007"/>
+              </a:xfrm>
+              <a:prstGeom prst="rect">
+                <a:avLst/>
+              </a:prstGeom>
+            </p:spPr>
+          </p:pic>
+        </p:grpSp>
+        <p:grpSp>
+          <p:nvGrpSpPr>
+            <p:cNvPr id="14" name="그룹 1011">
+              <a:extLst>
+                <a:ext uri="{FF2B5EF4-FFF2-40B4-BE49-F238E27FC236}">
+                  <a16:creationId xmlns:a16="http://schemas.microsoft.com/office/drawing/2014/main" id="{89BDD7E3-4009-6928-125A-3AF760574E6B}"/>
+                </a:ext>
+              </a:extLst>
+            </p:cNvPr>
+            <p:cNvGrpSpPr/>
+            <p:nvPr/>
+          </p:nvGrpSpPr>
+          <p:grpSpPr>
+            <a:xfrm>
+              <a:off x="9011713" y="5350533"/>
+              <a:ext cx="291983" cy="587007"/>
+              <a:chOff x="9011713" y="5350533"/>
+              <a:chExt cx="291983" cy="587007"/>
+            </a:xfrm>
+          </p:grpSpPr>
+          <p:pic>
+            <p:nvPicPr>
+              <p:cNvPr id="16" name="Object 35">
+                <a:extLst>
+                  <a:ext uri="{FF2B5EF4-FFF2-40B4-BE49-F238E27FC236}">
+                    <a16:creationId xmlns:a16="http://schemas.microsoft.com/office/drawing/2014/main" id="{6A68EFC7-0442-EB71-2629-EBFF29843026}"/>
+                  </a:ext>
+                </a:extLst>
+              </p:cNvPr>
+              <p:cNvPicPr>
+                <a:picLocks noChangeAspect="1"/>
+              </p:cNvPicPr>
+              <p:nvPr/>
+            </p:nvPicPr>
+            <p:blipFill>
+              <a:blip r:embed="rId5" cstate="print"/>
+              <a:stretch>
+                <a:fillRect/>
+              </a:stretch>
+            </p:blipFill>
+            <p:spPr>
+              <a:xfrm rot="-10800000">
+                <a:off x="9011713" y="5350533"/>
+                <a:ext cx="291983" cy="587007"/>
+              </a:xfrm>
+              <a:prstGeom prst="rect">
+                <a:avLst/>
+              </a:prstGeom>
+            </p:spPr>
+          </p:pic>
+        </p:grpSp>
+      </p:grpSp>
+      <p:grpSp>
+        <p:nvGrpSpPr>
+          <p:cNvPr id="20" name="그룹 1016">
+            <a:extLst>
+              <a:ext uri="{FF2B5EF4-FFF2-40B4-BE49-F238E27FC236}">
+                <a16:creationId xmlns:a16="http://schemas.microsoft.com/office/drawing/2014/main" id="{5AADB473-E166-1313-8A9E-3F089E59CF16}"/>
+              </a:ext>
+            </a:extLst>
+          </p:cNvPr>
+          <p:cNvGrpSpPr/>
+          <p:nvPr/>
+        </p:nvGrpSpPr>
+        <p:grpSpPr>
+          <a:xfrm>
+            <a:off x="11076482" y="2266936"/>
+            <a:ext cx="3829541" cy="3829541"/>
+            <a:chOff x="10418078" y="3060643"/>
+            <a:chExt cx="3829541" cy="3829541"/>
+          </a:xfrm>
+        </p:grpSpPr>
+        <p:pic>
+          <p:nvPicPr>
+            <p:cNvPr id="22" name="Object 46">
+              <a:extLst>
+                <a:ext uri="{FF2B5EF4-FFF2-40B4-BE49-F238E27FC236}">
+                  <a16:creationId xmlns:a16="http://schemas.microsoft.com/office/drawing/2014/main" id="{FE1DBED5-EA1B-FF19-35A4-35D68ECE2FE4}"/>
+                </a:ext>
+              </a:extLst>
+            </p:cNvPr>
+            <p:cNvPicPr>
+              <a:picLocks noChangeAspect="1"/>
+            </p:cNvPicPr>
+            <p:nvPr/>
+          </p:nvPicPr>
+          <p:blipFill>
+            <a:blip r:embed="rId6" cstate="print"/>
+            <a:stretch>
+              <a:fillRect/>
+            </a:stretch>
+          </p:blipFill>
+          <p:spPr>
+            <a:xfrm>
+              <a:off x="10418078" y="3060643"/>
+              <a:ext cx="3829541" cy="3829541"/>
+            </a:xfrm>
+            <a:prstGeom prst="rect">
+              <a:avLst/>
+            </a:prstGeom>
+          </p:spPr>
+        </p:pic>
+      </p:grpSp>
+      <p:sp>
+        <p:nvSpPr>
+          <p:cNvPr id="33" name="TextBox 32">
+            <a:extLst>
+              <a:ext uri="{FF2B5EF4-FFF2-40B4-BE49-F238E27FC236}">
+                <a16:creationId xmlns:a16="http://schemas.microsoft.com/office/drawing/2014/main" id="{BF5DC44A-D1FE-0544-134B-19A623DD705D}"/>
+              </a:ext>
+            </a:extLst>
+          </p:cNvPr>
+          <p:cNvSpPr txBox="1"/>
+          <p:nvPr/>
+        </p:nvSpPr>
+        <p:spPr>
+          <a:xfrm>
+            <a:off x="11594621" y="3888204"/>
+            <a:ext cx="2807179" cy="584775"/>
+          </a:xfrm>
+          <a:prstGeom prst="rect">
+            <a:avLst/>
+          </a:prstGeom>
+          <a:noFill/>
+        </p:spPr>
+        <p:txBody>
+          <a:bodyPr wrap="none" rtlCol="0">
+            <a:spAutoFit/>
+          </a:bodyPr>
+          <a:lstStyle/>
+          <a:p>
+            <a:r>
+              <a:rPr lang="en-US" altLang="ko-KR" sz="3200" dirty="0">
+                <a:solidFill>
+                  <a:srgbClr val="4D4848"/>
+                </a:solidFill>
+                <a:latin typeface="G마켓 산스 Medium" panose="02000000000000000000" pitchFamily="50" charset="-127"/>
+                <a:ea typeface="G마켓 산스 Medium" panose="02000000000000000000" pitchFamily="50" charset="-127"/>
+              </a:rPr>
+              <a:t>int</a:t>
+            </a:r>
+            <a:r>
+              <a:rPr lang="ko-KR" altLang="en-US" sz="3200" dirty="0">
+                <a:solidFill>
+                  <a:srgbClr val="4D4848"/>
+                </a:solidFill>
+                <a:latin typeface="G마켓 산스 Medium" panose="02000000000000000000" pitchFamily="50" charset="-127"/>
+                <a:ea typeface="G마켓 산스 Medium" panose="02000000000000000000" pitchFamily="50" charset="-127"/>
+              </a:rPr>
+              <a:t> 변수</a:t>
+            </a:r>
+            <a:r>
+              <a:rPr lang="en-US" altLang="ko-KR" sz="3200" dirty="0">
+                <a:solidFill>
+                  <a:srgbClr val="4D4848"/>
+                </a:solidFill>
+                <a:latin typeface="G마켓 산스 Medium" panose="02000000000000000000" pitchFamily="50" charset="-127"/>
+                <a:ea typeface="G마켓 산스 Medium" panose="02000000000000000000" pitchFamily="50" charset="-127"/>
+              </a:rPr>
+              <a:t>100</a:t>
+            </a:r>
+            <a:r>
+              <a:rPr lang="ko-KR" altLang="en-US" sz="3200" dirty="0">
+                <a:solidFill>
+                  <a:srgbClr val="4D4848"/>
+                </a:solidFill>
+                <a:latin typeface="G마켓 산스 Medium" panose="02000000000000000000" pitchFamily="50" charset="-127"/>
+                <a:ea typeface="G마켓 산스 Medium" panose="02000000000000000000" pitchFamily="50" charset="-127"/>
+              </a:rPr>
+              <a:t>개</a:t>
+            </a:r>
+            <a:r>
+              <a:rPr lang="en-US" altLang="ko-KR" sz="3200" dirty="0">
+                <a:solidFill>
+                  <a:srgbClr val="4D4848"/>
+                </a:solidFill>
+                <a:latin typeface="G마켓 산스 Medium" panose="02000000000000000000" pitchFamily="50" charset="-127"/>
+                <a:ea typeface="G마켓 산스 Medium" panose="02000000000000000000" pitchFamily="50" charset="-127"/>
+              </a:rPr>
+              <a:t>;</a:t>
+            </a:r>
+            <a:endParaRPr lang="ko-KR" altLang="en-US" sz="3200" dirty="0">
+              <a:solidFill>
+                <a:srgbClr val="4D4848"/>
+              </a:solidFill>
+              <a:latin typeface="G마켓 산스 Medium" panose="02000000000000000000" pitchFamily="50" charset="-127"/>
+              <a:ea typeface="G마켓 산스 Medium" panose="02000000000000000000" pitchFamily="50" charset="-127"/>
+            </a:endParaRPr>
+          </a:p>
+        </p:txBody>
+      </p:sp>
+    </p:spTree>
+    <p:extLst>
+      <p:ext uri="{BB962C8B-B14F-4D97-AF65-F5344CB8AC3E}">
+        <p14:creationId xmlns:p14="http://schemas.microsoft.com/office/powerpoint/2010/main" val="1470857155"/>
+      </p:ext>
+    </p:extLst>
+  </p:cSld>
+  <p:clrMapOvr>
+    <a:masterClrMapping/>
+  </p:clrMapOvr>
+</p:sld>
+</file>
+
+<file path=ppt/slides/slide40.xml><?xml version="1.0" encoding="utf-8"?>
 <p:sld xmlns:a="http://schemas.openxmlformats.org/drawingml/2006/main" xmlns:r="http://schemas.openxmlformats.org/officeDocument/2006/relationships" xmlns:p="http://schemas.openxmlformats.org/presentationml/2006/main">
   <p:cSld>
     <p:spTree>
@@ -23938,7 +24865,7 @@
           <p:cNvPr id="4" name="TextBox 3">
             <a:extLst>
               <a:ext uri="{FF2B5EF4-FFF2-40B4-BE49-F238E27FC236}">
-                <a16:creationId xmlns:a16="http://schemas.microsoft.com/office/drawing/2014/main" xmlns="" id="{FC45ADBF-CAA8-348D-E57F-358AF9FAC5C1}"/>
+                <a16:creationId xmlns:a16="http://schemas.microsoft.com/office/drawing/2014/main" id="{FC45ADBF-CAA8-348D-E57F-358AF9FAC5C1}"/>
               </a:ext>
             </a:extLst>
           </p:cNvPr>
@@ -24010,7 +24937,7 @@
           <p:cNvPr id="6" name="직선 화살표 연결선 5">
             <a:extLst>
               <a:ext uri="{FF2B5EF4-FFF2-40B4-BE49-F238E27FC236}">
-                <a16:creationId xmlns:a16="http://schemas.microsoft.com/office/drawing/2014/main" xmlns="" id="{299DF5EC-9DF4-5255-06AC-0A7CE4FF58C3}"/>
+                <a16:creationId xmlns:a16="http://schemas.microsoft.com/office/drawing/2014/main" id="{299DF5EC-9DF4-5255-06AC-0A7CE4FF58C3}"/>
               </a:ext>
             </a:extLst>
           </p:cNvPr>
@@ -24051,7 +24978,7 @@
           <p:cNvPr id="7" name="직사각형 6">
             <a:extLst>
               <a:ext uri="{FF2B5EF4-FFF2-40B4-BE49-F238E27FC236}">
-                <a16:creationId xmlns:a16="http://schemas.microsoft.com/office/drawing/2014/main" xmlns="" id="{FFF506F9-840A-0508-4CAF-3AC711D8D5CE}"/>
+                <a16:creationId xmlns:a16="http://schemas.microsoft.com/office/drawing/2014/main" id="{FFF506F9-840A-0508-4CAF-3AC711D8D5CE}"/>
               </a:ext>
             </a:extLst>
           </p:cNvPr>
@@ -24127,7 +25054,7 @@
           <p:cNvPr id="14" name="TextBox 13">
             <a:extLst>
               <a:ext uri="{FF2B5EF4-FFF2-40B4-BE49-F238E27FC236}">
-                <a16:creationId xmlns:a16="http://schemas.microsoft.com/office/drawing/2014/main" xmlns="" id="{C6D113C6-EA5C-788F-0C77-E7CE6EBB865F}"/>
+                <a16:creationId xmlns:a16="http://schemas.microsoft.com/office/drawing/2014/main" id="{C6D113C6-EA5C-788F-0C77-E7CE6EBB865F}"/>
               </a:ext>
             </a:extLst>
           </p:cNvPr>
@@ -24203,492 +25130,7 @@
 </p:sld>
 </file>
 
-<file path=ppt/slides/slide4.xml><?xml version="1.0" encoding="utf-8"?>
-<p:sld xmlns:a="http://schemas.openxmlformats.org/drawingml/2006/main" xmlns:r="http://schemas.openxmlformats.org/officeDocument/2006/relationships" xmlns:p="http://schemas.openxmlformats.org/presentationml/2006/main">
-  <p:cSld>
-    <p:spTree>
-      <p:nvGrpSpPr>
-        <p:cNvPr id="1" name=""/>
-        <p:cNvGrpSpPr/>
-        <p:nvPr/>
-      </p:nvGrpSpPr>
-      <p:grpSpPr>
-        <a:xfrm>
-          <a:off x="0" y="0"/>
-          <a:ext cx="0" cy="0"/>
-          <a:chOff x="0" y="0"/>
-          <a:chExt cx="0" cy="0"/>
-        </a:xfrm>
-      </p:grpSpPr>
-      <p:sp>
-        <p:nvSpPr>
-          <p:cNvPr id="32" name="TextBox 31">
-            <a:extLst>
-              <a:ext uri="{FF2B5EF4-FFF2-40B4-BE49-F238E27FC236}">
-                <a16:creationId xmlns:a16="http://schemas.microsoft.com/office/drawing/2014/main" xmlns="" id="{5ADC00B6-990A-40DC-3CEA-505258F5E8DA}"/>
-              </a:ext>
-            </a:extLst>
-          </p:cNvPr>
-          <p:cNvSpPr txBox="1"/>
-          <p:nvPr/>
-        </p:nvSpPr>
-        <p:spPr>
-          <a:xfrm>
-            <a:off x="1371600" y="654903"/>
-            <a:ext cx="9677400" cy="830997"/>
-          </a:xfrm>
-          <a:prstGeom prst="rect">
-            <a:avLst/>
-          </a:prstGeom>
-          <a:noFill/>
-        </p:spPr>
-        <p:txBody>
-          <a:bodyPr wrap="square" rtlCol="0">
-            <a:spAutoFit/>
-          </a:bodyPr>
-          <a:lstStyle/>
-          <a:p>
-            <a:r>
-              <a:rPr lang="ko-KR" altLang="en-US" sz="4800" dirty="0">
-                <a:solidFill>
-                  <a:srgbClr val="4C50BC"/>
-                </a:solidFill>
-                <a:latin typeface="G마켓 산스 Medium" panose="02000000000000000000" pitchFamily="50" charset="-127"/>
-                <a:ea typeface="G마켓 산스 Medium" panose="02000000000000000000" pitchFamily="50" charset="-127"/>
-              </a:rPr>
-              <a:t>학생 </a:t>
-            </a:r>
-            <a:r>
-              <a:rPr lang="en-US" altLang="ko-KR" sz="4800" dirty="0">
-                <a:solidFill>
-                  <a:srgbClr val="4C50BC"/>
-                </a:solidFill>
-                <a:latin typeface="G마켓 산스 Medium" panose="02000000000000000000" pitchFamily="50" charset="-127"/>
-                <a:ea typeface="G마켓 산스 Medium" panose="02000000000000000000" pitchFamily="50" charset="-127"/>
-              </a:rPr>
-              <a:t>100</a:t>
-            </a:r>
-            <a:r>
-              <a:rPr lang="ko-KR" altLang="en-US" sz="4800" dirty="0">
-                <a:solidFill>
-                  <a:srgbClr val="4C50BC"/>
-                </a:solidFill>
-                <a:latin typeface="G마켓 산스 Medium" panose="02000000000000000000" pitchFamily="50" charset="-127"/>
-                <a:ea typeface="G마켓 산스 Medium" panose="02000000000000000000" pitchFamily="50" charset="-127"/>
-              </a:rPr>
-              <a:t>명의 성적을 저장하려면</a:t>
-            </a:r>
-            <a:r>
-              <a:rPr lang="en-US" altLang="ko-KR" sz="4800" dirty="0">
-                <a:solidFill>
-                  <a:srgbClr val="4C50BC"/>
-                </a:solidFill>
-                <a:latin typeface="G마켓 산스 Medium" panose="02000000000000000000" pitchFamily="50" charset="-127"/>
-                <a:ea typeface="G마켓 산스 Medium" panose="02000000000000000000" pitchFamily="50" charset="-127"/>
-              </a:rPr>
-              <a:t>?</a:t>
-            </a:r>
-          </a:p>
-        </p:txBody>
-      </p:sp>
-      <p:pic>
-        <p:nvPicPr>
-          <p:cNvPr id="8" name="그림 7">
-            <a:extLst>
-              <a:ext uri="{FF2B5EF4-FFF2-40B4-BE49-F238E27FC236}">
-                <a16:creationId xmlns:a16="http://schemas.microsoft.com/office/drawing/2014/main" xmlns="" id="{36EA5A03-03DE-406B-81E8-A6717DF31F95}"/>
-              </a:ext>
-            </a:extLst>
-          </p:cNvPr>
-          <p:cNvPicPr>
-            <a:picLocks noChangeAspect="1"/>
-          </p:cNvPicPr>
-          <p:nvPr/>
-        </p:nvPicPr>
-        <p:blipFill>
-          <a:blip r:embed="rId2"/>
-          <a:stretch>
-            <a:fillRect/>
-          </a:stretch>
-        </p:blipFill>
-        <p:spPr>
-          <a:xfrm>
-            <a:off x="2209800" y="1866900"/>
-            <a:ext cx="5486400" cy="4042609"/>
-          </a:xfrm>
-          <a:prstGeom prst="rect">
-            <a:avLst/>
-          </a:prstGeom>
-        </p:spPr>
-      </p:pic>
-      <p:sp>
-        <p:nvSpPr>
-          <p:cNvPr id="9" name="TextBox 8">
-            <a:extLst>
-              <a:ext uri="{FF2B5EF4-FFF2-40B4-BE49-F238E27FC236}">
-                <a16:creationId xmlns:a16="http://schemas.microsoft.com/office/drawing/2014/main" xmlns="" id="{891E823C-FB22-A322-2590-BE7D83C31C15}"/>
-              </a:ext>
-            </a:extLst>
-          </p:cNvPr>
-          <p:cNvSpPr txBox="1"/>
-          <p:nvPr/>
-        </p:nvSpPr>
-        <p:spPr>
-          <a:xfrm>
-            <a:off x="2438400" y="5676900"/>
-            <a:ext cx="1600200" cy="1015663"/>
-          </a:xfrm>
-          <a:prstGeom prst="rect">
-            <a:avLst/>
-          </a:prstGeom>
-          <a:noFill/>
-        </p:spPr>
-        <p:txBody>
-          <a:bodyPr wrap="square" rtlCol="0">
-            <a:spAutoFit/>
-          </a:bodyPr>
-          <a:lstStyle/>
-          <a:p>
-            <a:r>
-              <a:rPr lang="en-US" altLang="ko-KR" sz="6000" dirty="0">
-                <a:solidFill>
-                  <a:srgbClr val="FF0000"/>
-                </a:solidFill>
-                <a:latin typeface="G마켓 산스 Medium" panose="02000000000000000000" pitchFamily="50" charset="-127"/>
-                <a:ea typeface="G마켓 산스 Medium" panose="02000000000000000000" pitchFamily="50" charset="-127"/>
-              </a:rPr>
-              <a:t>……</a:t>
-            </a:r>
-          </a:p>
-        </p:txBody>
-      </p:sp>
-      <p:grpSp>
-        <p:nvGrpSpPr>
-          <p:cNvPr id="11" name="그룹 1008">
-            <a:extLst>
-              <a:ext uri="{FF2B5EF4-FFF2-40B4-BE49-F238E27FC236}">
-                <a16:creationId xmlns:a16="http://schemas.microsoft.com/office/drawing/2014/main" xmlns="" id="{1EFF84BC-CE69-6E9A-0728-7433E2852943}"/>
-              </a:ext>
-            </a:extLst>
-          </p:cNvPr>
-          <p:cNvGrpSpPr/>
-          <p:nvPr/>
-        </p:nvGrpSpPr>
-        <p:grpSpPr>
-          <a:xfrm>
-            <a:off x="8783502" y="3888204"/>
-            <a:ext cx="720996" cy="587007"/>
-            <a:chOff x="9011713" y="5350533"/>
-            <a:chExt cx="720996" cy="587007"/>
-          </a:xfrm>
-        </p:grpSpPr>
-        <p:grpSp>
-          <p:nvGrpSpPr>
-            <p:cNvPr id="12" name="그룹 1009">
-              <a:extLst>
-                <a:ext uri="{FF2B5EF4-FFF2-40B4-BE49-F238E27FC236}">
-                  <a16:creationId xmlns:a16="http://schemas.microsoft.com/office/drawing/2014/main" xmlns="" id="{AA36F7CC-930A-2820-CA0D-F0788A037F7E}"/>
-                </a:ext>
-              </a:extLst>
-            </p:cNvPr>
-            <p:cNvGrpSpPr/>
-            <p:nvPr/>
-          </p:nvGrpSpPr>
-          <p:grpSpPr>
-            <a:xfrm>
-              <a:off x="9440725" y="5350533"/>
-              <a:ext cx="291983" cy="587007"/>
-              <a:chOff x="9440725" y="5350533"/>
-              <a:chExt cx="291983" cy="587007"/>
-            </a:xfrm>
-          </p:grpSpPr>
-          <p:pic>
-            <p:nvPicPr>
-              <p:cNvPr id="19" name="Object 29">
-                <a:extLst>
-                  <a:ext uri="{FF2B5EF4-FFF2-40B4-BE49-F238E27FC236}">
-                    <a16:creationId xmlns:a16="http://schemas.microsoft.com/office/drawing/2014/main" xmlns="" id="{9A5ADF80-DCC2-E6F9-0072-FFE30C7AF188}"/>
-                  </a:ext>
-                </a:extLst>
-              </p:cNvPr>
-              <p:cNvPicPr>
-                <a:picLocks noChangeAspect="1"/>
-              </p:cNvPicPr>
-              <p:nvPr/>
-            </p:nvPicPr>
-            <p:blipFill>
-              <a:blip r:embed="rId3" cstate="print"/>
-              <a:stretch>
-                <a:fillRect/>
-              </a:stretch>
-            </p:blipFill>
-            <p:spPr>
-              <a:xfrm rot="-10800000">
-                <a:off x="9440725" y="5350533"/>
-                <a:ext cx="291983" cy="587007"/>
-              </a:xfrm>
-              <a:prstGeom prst="rect">
-                <a:avLst/>
-              </a:prstGeom>
-            </p:spPr>
-          </p:pic>
-        </p:grpSp>
-        <p:grpSp>
-          <p:nvGrpSpPr>
-            <p:cNvPr id="13" name="그룹 1010">
-              <a:extLst>
-                <a:ext uri="{FF2B5EF4-FFF2-40B4-BE49-F238E27FC236}">
-                  <a16:creationId xmlns:a16="http://schemas.microsoft.com/office/drawing/2014/main" xmlns="" id="{BA7EBFBB-DEC0-52A3-DA23-A283CA4F78AE}"/>
-                </a:ext>
-              </a:extLst>
-            </p:cNvPr>
-            <p:cNvGrpSpPr/>
-            <p:nvPr/>
-          </p:nvGrpSpPr>
-          <p:grpSpPr>
-            <a:xfrm>
-              <a:off x="9226219" y="5350533"/>
-              <a:ext cx="291983" cy="587007"/>
-              <a:chOff x="9226219" y="5350533"/>
-              <a:chExt cx="291983" cy="587007"/>
-            </a:xfrm>
-          </p:grpSpPr>
-          <p:pic>
-            <p:nvPicPr>
-              <p:cNvPr id="17" name="Object 32">
-                <a:extLst>
-                  <a:ext uri="{FF2B5EF4-FFF2-40B4-BE49-F238E27FC236}">
-                    <a16:creationId xmlns:a16="http://schemas.microsoft.com/office/drawing/2014/main" xmlns="" id="{FCA018BA-6DFF-9726-2010-E6B74AA92750}"/>
-                  </a:ext>
-                </a:extLst>
-              </p:cNvPr>
-              <p:cNvPicPr>
-                <a:picLocks noChangeAspect="1"/>
-              </p:cNvPicPr>
-              <p:nvPr/>
-            </p:nvPicPr>
-            <p:blipFill>
-              <a:blip r:embed="rId4" cstate="print"/>
-              <a:stretch>
-                <a:fillRect/>
-              </a:stretch>
-            </p:blipFill>
-            <p:spPr>
-              <a:xfrm rot="-10800000">
-                <a:off x="9226219" y="5350533"/>
-                <a:ext cx="291983" cy="587007"/>
-              </a:xfrm>
-              <a:prstGeom prst="rect">
-                <a:avLst/>
-              </a:prstGeom>
-            </p:spPr>
-          </p:pic>
-        </p:grpSp>
-        <p:grpSp>
-          <p:nvGrpSpPr>
-            <p:cNvPr id="14" name="그룹 1011">
-              <a:extLst>
-                <a:ext uri="{FF2B5EF4-FFF2-40B4-BE49-F238E27FC236}">
-                  <a16:creationId xmlns:a16="http://schemas.microsoft.com/office/drawing/2014/main" xmlns="" id="{89BDD7E3-4009-6928-125A-3AF760574E6B}"/>
-                </a:ext>
-              </a:extLst>
-            </p:cNvPr>
-            <p:cNvGrpSpPr/>
-            <p:nvPr/>
-          </p:nvGrpSpPr>
-          <p:grpSpPr>
-            <a:xfrm>
-              <a:off x="9011713" y="5350533"/>
-              <a:ext cx="291983" cy="587007"/>
-              <a:chOff x="9011713" y="5350533"/>
-              <a:chExt cx="291983" cy="587007"/>
-            </a:xfrm>
-          </p:grpSpPr>
-          <p:pic>
-            <p:nvPicPr>
-              <p:cNvPr id="16" name="Object 35">
-                <a:extLst>
-                  <a:ext uri="{FF2B5EF4-FFF2-40B4-BE49-F238E27FC236}">
-                    <a16:creationId xmlns:a16="http://schemas.microsoft.com/office/drawing/2014/main" xmlns="" id="{6A68EFC7-0442-EB71-2629-EBFF29843026}"/>
-                  </a:ext>
-                </a:extLst>
-              </p:cNvPr>
-              <p:cNvPicPr>
-                <a:picLocks noChangeAspect="1"/>
-              </p:cNvPicPr>
-              <p:nvPr/>
-            </p:nvPicPr>
-            <p:blipFill>
-              <a:blip r:embed="rId5" cstate="print"/>
-              <a:stretch>
-                <a:fillRect/>
-              </a:stretch>
-            </p:blipFill>
-            <p:spPr>
-              <a:xfrm rot="-10800000">
-                <a:off x="9011713" y="5350533"/>
-                <a:ext cx="291983" cy="587007"/>
-              </a:xfrm>
-              <a:prstGeom prst="rect">
-                <a:avLst/>
-              </a:prstGeom>
-            </p:spPr>
-          </p:pic>
-        </p:grpSp>
-      </p:grpSp>
-      <p:grpSp>
-        <p:nvGrpSpPr>
-          <p:cNvPr id="20" name="그룹 1016">
-            <a:extLst>
-              <a:ext uri="{FF2B5EF4-FFF2-40B4-BE49-F238E27FC236}">
-                <a16:creationId xmlns:a16="http://schemas.microsoft.com/office/drawing/2014/main" xmlns="" id="{5AADB473-E166-1313-8A9E-3F089E59CF16}"/>
-              </a:ext>
-            </a:extLst>
-          </p:cNvPr>
-          <p:cNvGrpSpPr/>
-          <p:nvPr/>
-        </p:nvGrpSpPr>
-        <p:grpSpPr>
-          <a:xfrm>
-            <a:off x="11076482" y="2266936"/>
-            <a:ext cx="3829541" cy="3829541"/>
-            <a:chOff x="10418078" y="3060643"/>
-            <a:chExt cx="3829541" cy="3829541"/>
-          </a:xfrm>
-        </p:grpSpPr>
-        <p:pic>
-          <p:nvPicPr>
-            <p:cNvPr id="22" name="Object 46">
-              <a:extLst>
-                <a:ext uri="{FF2B5EF4-FFF2-40B4-BE49-F238E27FC236}">
-                  <a16:creationId xmlns:a16="http://schemas.microsoft.com/office/drawing/2014/main" xmlns="" id="{FE1DBED5-EA1B-FF19-35A4-35D68ECE2FE4}"/>
-                </a:ext>
-              </a:extLst>
-            </p:cNvPr>
-            <p:cNvPicPr>
-              <a:picLocks noChangeAspect="1"/>
-            </p:cNvPicPr>
-            <p:nvPr/>
-          </p:nvPicPr>
-          <p:blipFill>
-            <a:blip r:embed="rId6" cstate="print"/>
-            <a:stretch>
-              <a:fillRect/>
-            </a:stretch>
-          </p:blipFill>
-          <p:spPr>
-            <a:xfrm>
-              <a:off x="10418078" y="3060643"/>
-              <a:ext cx="3829541" cy="3829541"/>
-            </a:xfrm>
-            <a:prstGeom prst="rect">
-              <a:avLst/>
-            </a:prstGeom>
-          </p:spPr>
-        </p:pic>
-      </p:grpSp>
-      <p:sp>
-        <p:nvSpPr>
-          <p:cNvPr id="33" name="TextBox 32">
-            <a:extLst>
-              <a:ext uri="{FF2B5EF4-FFF2-40B4-BE49-F238E27FC236}">
-                <a16:creationId xmlns:a16="http://schemas.microsoft.com/office/drawing/2014/main" xmlns="" id="{BF5DC44A-D1FE-0544-134B-19A623DD705D}"/>
-              </a:ext>
-            </a:extLst>
-          </p:cNvPr>
-          <p:cNvSpPr txBox="1"/>
-          <p:nvPr/>
-        </p:nvSpPr>
-        <p:spPr>
-          <a:xfrm>
-            <a:off x="11594621" y="3888204"/>
-            <a:ext cx="2807179" cy="584775"/>
-          </a:xfrm>
-          <a:prstGeom prst="rect">
-            <a:avLst/>
-          </a:prstGeom>
-          <a:noFill/>
-        </p:spPr>
-        <p:txBody>
-          <a:bodyPr wrap="none" rtlCol="0">
-            <a:spAutoFit/>
-          </a:bodyPr>
-          <a:lstStyle/>
-          <a:p>
-            <a:r>
-              <a:rPr lang="en-US" altLang="ko-KR" sz="3200" dirty="0">
-                <a:solidFill>
-                  <a:srgbClr val="4D4848"/>
-                </a:solidFill>
-                <a:latin typeface="G마켓 산스 Medium" panose="02000000000000000000" pitchFamily="50" charset="-127"/>
-                <a:ea typeface="G마켓 산스 Medium" panose="02000000000000000000" pitchFamily="50" charset="-127"/>
-              </a:rPr>
-              <a:t>int</a:t>
-            </a:r>
-            <a:r>
-              <a:rPr lang="ko-KR" altLang="en-US" sz="3200" dirty="0">
-                <a:solidFill>
-                  <a:srgbClr val="4D4848"/>
-                </a:solidFill>
-                <a:latin typeface="G마켓 산스 Medium" panose="02000000000000000000" pitchFamily="50" charset="-127"/>
-                <a:ea typeface="G마켓 산스 Medium" panose="02000000000000000000" pitchFamily="50" charset="-127"/>
-              </a:rPr>
-              <a:t> 변수</a:t>
-            </a:r>
-            <a:r>
-              <a:rPr lang="en-US" altLang="ko-KR" sz="3200" dirty="0">
-                <a:solidFill>
-                  <a:srgbClr val="4D4848"/>
-                </a:solidFill>
-                <a:latin typeface="G마켓 산스 Medium" panose="02000000000000000000" pitchFamily="50" charset="-127"/>
-                <a:ea typeface="G마켓 산스 Medium" panose="02000000000000000000" pitchFamily="50" charset="-127"/>
-              </a:rPr>
-              <a:t>100</a:t>
-            </a:r>
-            <a:r>
-              <a:rPr lang="ko-KR" altLang="en-US" sz="3200" dirty="0">
-                <a:solidFill>
-                  <a:srgbClr val="4D4848"/>
-                </a:solidFill>
-                <a:latin typeface="G마켓 산스 Medium" panose="02000000000000000000" pitchFamily="50" charset="-127"/>
-                <a:ea typeface="G마켓 산스 Medium" panose="02000000000000000000" pitchFamily="50" charset="-127"/>
-              </a:rPr>
-              <a:t>개</a:t>
-            </a:r>
-            <a:r>
-              <a:rPr lang="en-US" altLang="ko-KR" sz="3200" dirty="0">
-                <a:solidFill>
-                  <a:srgbClr val="4D4848"/>
-                </a:solidFill>
-                <a:latin typeface="G마켓 산스 Medium" panose="02000000000000000000" pitchFamily="50" charset="-127"/>
-                <a:ea typeface="G마켓 산스 Medium" panose="02000000000000000000" pitchFamily="50" charset="-127"/>
-              </a:rPr>
-              <a:t>;</a:t>
-            </a:r>
-            <a:endParaRPr lang="ko-KR" altLang="en-US" sz="3200" dirty="0">
-              <a:solidFill>
-                <a:srgbClr val="4D4848"/>
-              </a:solidFill>
-              <a:latin typeface="G마켓 산스 Medium" panose="02000000000000000000" pitchFamily="50" charset="-127"/>
-              <a:ea typeface="G마켓 산스 Medium" panose="02000000000000000000" pitchFamily="50" charset="-127"/>
-            </a:endParaRPr>
-          </a:p>
-        </p:txBody>
-      </p:sp>
-    </p:spTree>
-    <p:extLst>
-      <p:ext uri="{BB962C8B-B14F-4D97-AF65-F5344CB8AC3E}">
-        <p14:creationId xmlns:p14="http://schemas.microsoft.com/office/powerpoint/2010/main" val="1470857155"/>
-      </p:ext>
-    </p:extLst>
-  </p:cSld>
-  <p:clrMapOvr>
-    <a:masterClrMapping/>
-  </p:clrMapOvr>
-</p:sld>
-</file>
-
-<file path=ppt/slides/slide40.xml><?xml version="1.0" encoding="utf-8"?>
+<file path=ppt/slides/slide41.xml><?xml version="1.0" encoding="utf-8"?>
 <p:sld xmlns:a="http://schemas.openxmlformats.org/drawingml/2006/main" xmlns:r="http://schemas.openxmlformats.org/officeDocument/2006/relationships" xmlns:p="http://schemas.openxmlformats.org/presentationml/2006/main">
   <p:cSld>
     <p:bg>
@@ -24718,7 +25160,7 @@
           <p:cNvPr id="5" name="Object 2">
             <a:extLst>
               <a:ext uri="{FF2B5EF4-FFF2-40B4-BE49-F238E27FC236}">
-                <a16:creationId xmlns:a16="http://schemas.microsoft.com/office/drawing/2014/main" xmlns="" id="{EB9768FE-76B0-709F-3C4D-0ECBB41147CD}"/>
+                <a16:creationId xmlns:a16="http://schemas.microsoft.com/office/drawing/2014/main" id="{EB9768FE-76B0-709F-3C4D-0ECBB41147CD}"/>
               </a:ext>
             </a:extLst>
           </p:cNvPr>
@@ -24748,7 +25190,7 @@
           <p:cNvPr id="7" name="그룹 1001">
             <a:extLst>
               <a:ext uri="{FF2B5EF4-FFF2-40B4-BE49-F238E27FC236}">
-                <a16:creationId xmlns:a16="http://schemas.microsoft.com/office/drawing/2014/main" xmlns="" id="{0637F47C-891C-2B90-8647-32B84C264D42}"/>
+                <a16:creationId xmlns:a16="http://schemas.microsoft.com/office/drawing/2014/main" id="{0637F47C-891C-2B90-8647-32B84C264D42}"/>
               </a:ext>
             </a:extLst>
           </p:cNvPr>
@@ -24768,7 +25210,7 @@
             <p:cNvPr id="8" name="Object 5">
               <a:extLst>
                 <a:ext uri="{FF2B5EF4-FFF2-40B4-BE49-F238E27FC236}">
-                  <a16:creationId xmlns:a16="http://schemas.microsoft.com/office/drawing/2014/main" xmlns="" id="{710F969D-8259-9328-33C3-C6DB500C60D4}"/>
+                  <a16:creationId xmlns:a16="http://schemas.microsoft.com/office/drawing/2014/main" id="{710F969D-8259-9328-33C3-C6DB500C60D4}"/>
                 </a:ext>
               </a:extLst>
             </p:cNvPr>
@@ -24799,7 +25241,7 @@
           <p:cNvPr id="9" name="그룹 1002">
             <a:extLst>
               <a:ext uri="{FF2B5EF4-FFF2-40B4-BE49-F238E27FC236}">
-                <a16:creationId xmlns:a16="http://schemas.microsoft.com/office/drawing/2014/main" xmlns="" id="{A87796A8-251B-F38A-5AE9-11F8D847B25D}"/>
+                <a16:creationId xmlns:a16="http://schemas.microsoft.com/office/drawing/2014/main" id="{A87796A8-251B-F38A-5AE9-11F8D847B25D}"/>
               </a:ext>
             </a:extLst>
           </p:cNvPr>
@@ -24819,7 +25261,7 @@
             <p:cNvPr id="10" name="Object 8">
               <a:extLst>
                 <a:ext uri="{FF2B5EF4-FFF2-40B4-BE49-F238E27FC236}">
-                  <a16:creationId xmlns:a16="http://schemas.microsoft.com/office/drawing/2014/main" xmlns="" id="{9E806C19-D323-E705-F3B8-EEABB39F0993}"/>
+                  <a16:creationId xmlns:a16="http://schemas.microsoft.com/office/drawing/2014/main" id="{9E806C19-D323-E705-F3B8-EEABB39F0993}"/>
                 </a:ext>
               </a:extLst>
             </p:cNvPr>
@@ -24850,7 +25292,7 @@
           <p:cNvPr id="11" name="그룹 1003">
             <a:extLst>
               <a:ext uri="{FF2B5EF4-FFF2-40B4-BE49-F238E27FC236}">
-                <a16:creationId xmlns:a16="http://schemas.microsoft.com/office/drawing/2014/main" xmlns="" id="{701795E0-24B6-38E6-7308-FED7AD2B6900}"/>
+                <a16:creationId xmlns:a16="http://schemas.microsoft.com/office/drawing/2014/main" id="{701795E0-24B6-38E6-7308-FED7AD2B6900}"/>
               </a:ext>
             </a:extLst>
           </p:cNvPr>
@@ -24870,7 +25312,7 @@
             <p:cNvPr id="12" name="Object 11">
               <a:extLst>
                 <a:ext uri="{FF2B5EF4-FFF2-40B4-BE49-F238E27FC236}">
-                  <a16:creationId xmlns:a16="http://schemas.microsoft.com/office/drawing/2014/main" xmlns="" id="{D8C68167-7FB5-1F8E-D53C-DEA682F465F5}"/>
+                  <a16:creationId xmlns:a16="http://schemas.microsoft.com/office/drawing/2014/main" id="{D8C68167-7FB5-1F8E-D53C-DEA682F465F5}"/>
                 </a:ext>
               </a:extLst>
             </p:cNvPr>
@@ -24901,7 +25343,7 @@
           <p:cNvPr id="13" name="그룹 1004">
             <a:extLst>
               <a:ext uri="{FF2B5EF4-FFF2-40B4-BE49-F238E27FC236}">
-                <a16:creationId xmlns:a16="http://schemas.microsoft.com/office/drawing/2014/main" xmlns="" id="{03226A72-764D-99F3-A14F-47C351CB448B}"/>
+                <a16:creationId xmlns:a16="http://schemas.microsoft.com/office/drawing/2014/main" id="{03226A72-764D-99F3-A14F-47C351CB448B}"/>
               </a:ext>
             </a:extLst>
           </p:cNvPr>
@@ -24921,7 +25363,7 @@
             <p:cNvPr id="14" name="Object 14">
               <a:extLst>
                 <a:ext uri="{FF2B5EF4-FFF2-40B4-BE49-F238E27FC236}">
-                  <a16:creationId xmlns:a16="http://schemas.microsoft.com/office/drawing/2014/main" xmlns="" id="{77C5B9A8-AEBA-093B-4CD6-4F1ECF519068}"/>
+                  <a16:creationId xmlns:a16="http://schemas.microsoft.com/office/drawing/2014/main" id="{77C5B9A8-AEBA-093B-4CD6-4F1ECF519068}"/>
                 </a:ext>
               </a:extLst>
             </p:cNvPr>
@@ -24952,7 +25394,7 @@
           <p:cNvPr id="15" name="TextBox 14">
             <a:extLst>
               <a:ext uri="{FF2B5EF4-FFF2-40B4-BE49-F238E27FC236}">
-                <a16:creationId xmlns:a16="http://schemas.microsoft.com/office/drawing/2014/main" xmlns="" id="{E44AB10B-96D7-19D1-5C7A-D2761E62F16E}"/>
+                <a16:creationId xmlns:a16="http://schemas.microsoft.com/office/drawing/2014/main" id="{E44AB10B-96D7-19D1-5C7A-D2761E62F16E}"/>
               </a:ext>
             </a:extLst>
           </p:cNvPr>
@@ -25008,7 +25450,7 @@
 </p:sld>
 </file>
 
-<file path=ppt/slides/slide41.xml><?xml version="1.0" encoding="utf-8"?>
+<file path=ppt/slides/slide42.xml><?xml version="1.0" encoding="utf-8"?>
 <p:sld xmlns:a="http://schemas.openxmlformats.org/drawingml/2006/main" xmlns:r="http://schemas.openxmlformats.org/officeDocument/2006/relationships" xmlns:p="http://schemas.openxmlformats.org/presentationml/2006/main">
   <p:cSld>
     <p:spTree>
@@ -25030,7 +25472,7 @@
           <p:cNvPr id="4" name="TextBox 3">
             <a:extLst>
               <a:ext uri="{FF2B5EF4-FFF2-40B4-BE49-F238E27FC236}">
-                <a16:creationId xmlns:a16="http://schemas.microsoft.com/office/drawing/2014/main" xmlns="" id="{5ADC00B6-990A-40DC-3CEA-505258F5E8DA}"/>
+                <a16:creationId xmlns:a16="http://schemas.microsoft.com/office/drawing/2014/main" id="{5ADC00B6-990A-40DC-3CEA-505258F5E8DA}"/>
               </a:ext>
             </a:extLst>
           </p:cNvPr>
@@ -25088,7 +25530,7 @@
           <p:cNvPr id="5" name="TextBox 4">
             <a:extLst>
               <a:ext uri="{FF2B5EF4-FFF2-40B4-BE49-F238E27FC236}">
-                <a16:creationId xmlns:a16="http://schemas.microsoft.com/office/drawing/2014/main" xmlns="" id="{4EDAA912-8FA0-0F11-119B-EA9F8B36A489}"/>
+                <a16:creationId xmlns:a16="http://schemas.microsoft.com/office/drawing/2014/main" id="{4EDAA912-8FA0-0F11-119B-EA9F8B36A489}"/>
               </a:ext>
             </a:extLst>
           </p:cNvPr>
@@ -25185,7 +25627,7 @@
           <p:cNvPr id="7" name="TextBox 6">
             <a:extLst>
               <a:ext uri="{FF2B5EF4-FFF2-40B4-BE49-F238E27FC236}">
-                <a16:creationId xmlns:a16="http://schemas.microsoft.com/office/drawing/2014/main" xmlns="" id="{5ADC00B6-990A-40DC-3CEA-505258F5E8DA}"/>
+                <a16:creationId xmlns:a16="http://schemas.microsoft.com/office/drawing/2014/main" id="{5ADC00B6-990A-40DC-3CEA-505258F5E8DA}"/>
               </a:ext>
             </a:extLst>
           </p:cNvPr>
@@ -25243,7 +25685,7 @@
           <p:cNvPr id="8" name="TextBox 7">
             <a:extLst>
               <a:ext uri="{FF2B5EF4-FFF2-40B4-BE49-F238E27FC236}">
-                <a16:creationId xmlns:a16="http://schemas.microsoft.com/office/drawing/2014/main" xmlns="" id="{4EDAA912-8FA0-0F11-119B-EA9F8B36A489}"/>
+                <a16:creationId xmlns:a16="http://schemas.microsoft.com/office/drawing/2014/main" id="{4EDAA912-8FA0-0F11-119B-EA9F8B36A489}"/>
               </a:ext>
             </a:extLst>
           </p:cNvPr>
@@ -25291,7 +25733,7 @@
           <p:cNvPr id="10" name="TextBox 9">
             <a:extLst>
               <a:ext uri="{FF2B5EF4-FFF2-40B4-BE49-F238E27FC236}">
-                <a16:creationId xmlns:a16="http://schemas.microsoft.com/office/drawing/2014/main" xmlns="" id="{5ADC00B6-990A-40DC-3CEA-505258F5E8DA}"/>
+                <a16:creationId xmlns:a16="http://schemas.microsoft.com/office/drawing/2014/main" id="{5ADC00B6-990A-40DC-3CEA-505258F5E8DA}"/>
               </a:ext>
             </a:extLst>
           </p:cNvPr>
@@ -25349,7 +25791,7 @@
           <p:cNvPr id="11" name="TextBox 10">
             <a:extLst>
               <a:ext uri="{FF2B5EF4-FFF2-40B4-BE49-F238E27FC236}">
-                <a16:creationId xmlns:a16="http://schemas.microsoft.com/office/drawing/2014/main" xmlns="" id="{4EDAA912-8FA0-0F11-119B-EA9F8B36A489}"/>
+                <a16:creationId xmlns:a16="http://schemas.microsoft.com/office/drawing/2014/main" id="{4EDAA912-8FA0-0F11-119B-EA9F8B36A489}"/>
               </a:ext>
             </a:extLst>
           </p:cNvPr>
@@ -25581,7 +26023,7 @@
 </p:sld>
 </file>
 
-<file path=ppt/slides/slide42.xml><?xml version="1.0" encoding="utf-8"?>
+<file path=ppt/slides/slide43.xml><?xml version="1.0" encoding="utf-8"?>
 <p:sld xmlns:a="http://schemas.openxmlformats.org/drawingml/2006/main" xmlns:r="http://schemas.openxmlformats.org/officeDocument/2006/relationships" xmlns:p="http://schemas.openxmlformats.org/presentationml/2006/main">
   <p:cSld name="Slide 20">
     <p:bg>
@@ -25869,7 +26311,7 @@
           <p:cNvPr id="2" name="TextBox 1">
             <a:extLst>
               <a:ext uri="{FF2B5EF4-FFF2-40B4-BE49-F238E27FC236}">
-                <a16:creationId xmlns:a16="http://schemas.microsoft.com/office/drawing/2014/main" xmlns="" id="{715D88A2-BD52-978B-A00A-540446126E3D}"/>
+                <a16:creationId xmlns:a16="http://schemas.microsoft.com/office/drawing/2014/main" id="{715D88A2-BD52-978B-A00A-540446126E3D}"/>
               </a:ext>
             </a:extLst>
           </p:cNvPr>
@@ -25942,7 +26384,7 @@
           <p:cNvPr id="4" name="표 3">
             <a:extLst>
               <a:ext uri="{FF2B5EF4-FFF2-40B4-BE49-F238E27FC236}">
-                <a16:creationId xmlns:a16="http://schemas.microsoft.com/office/drawing/2014/main" xmlns="" id="{94393C86-0B06-3BF4-D58A-5DF6481E98D2}"/>
+                <a16:creationId xmlns:a16="http://schemas.microsoft.com/office/drawing/2014/main" id="{94393C86-0B06-3BF4-D58A-5DF6481E98D2}"/>
               </a:ext>
             </a:extLst>
           </p:cNvPr>
@@ -25971,14 +26413,14 @@
                 <a:gridCol w="1447800">
                   <a:extLst>
                     <a:ext uri="{9D8B030D-6E8A-4147-A177-3AD203B41FA5}">
-                      <a16:colId xmlns:a16="http://schemas.microsoft.com/office/drawing/2014/main" xmlns="" val="3731381781"/>
+                      <a16:colId xmlns:a16="http://schemas.microsoft.com/office/drawing/2014/main" val="3731381781"/>
                     </a:ext>
                   </a:extLst>
                 </a:gridCol>
                 <a:gridCol w="1981200">
                   <a:extLst>
                     <a:ext uri="{9D8B030D-6E8A-4147-A177-3AD203B41FA5}">
-                      <a16:colId xmlns:a16="http://schemas.microsoft.com/office/drawing/2014/main" xmlns="" val="2922041479"/>
+                      <a16:colId xmlns:a16="http://schemas.microsoft.com/office/drawing/2014/main" val="2922041479"/>
                     </a:ext>
                   </a:extLst>
                 </a:gridCol>
@@ -26104,7 +26546,7 @@
                 </a:tc>
                 <a:extLst>
                   <a:ext uri="{0D108BD9-81ED-4DB2-BD59-A6C34878D82A}">
-                    <a16:rowId xmlns:a16="http://schemas.microsoft.com/office/drawing/2014/main" xmlns="" val="3716032365"/>
+                    <a16:rowId xmlns:a16="http://schemas.microsoft.com/office/drawing/2014/main" val="3716032365"/>
                   </a:ext>
                 </a:extLst>
               </a:tr>
@@ -26233,7 +26675,7 @@
                 </a:tc>
                 <a:extLst>
                   <a:ext uri="{0D108BD9-81ED-4DB2-BD59-A6C34878D82A}">
-                    <a16:rowId xmlns:a16="http://schemas.microsoft.com/office/drawing/2014/main" xmlns="" val="1765325807"/>
+                    <a16:rowId xmlns:a16="http://schemas.microsoft.com/office/drawing/2014/main" val="1765325807"/>
                   </a:ext>
                 </a:extLst>
               </a:tr>
@@ -26346,7 +26788,7 @@
                 </a:tc>
                 <a:extLst>
                   <a:ext uri="{0D108BD9-81ED-4DB2-BD59-A6C34878D82A}">
-                    <a16:rowId xmlns:a16="http://schemas.microsoft.com/office/drawing/2014/main" xmlns="" val="3352121117"/>
+                    <a16:rowId xmlns:a16="http://schemas.microsoft.com/office/drawing/2014/main" val="3352121117"/>
                   </a:ext>
                 </a:extLst>
               </a:tr>
@@ -26459,7 +26901,7 @@
                 </a:tc>
                 <a:extLst>
                   <a:ext uri="{0D108BD9-81ED-4DB2-BD59-A6C34878D82A}">
-                    <a16:rowId xmlns:a16="http://schemas.microsoft.com/office/drawing/2014/main" xmlns="" val="2004051296"/>
+                    <a16:rowId xmlns:a16="http://schemas.microsoft.com/office/drawing/2014/main" val="2004051296"/>
                   </a:ext>
                 </a:extLst>
               </a:tr>
@@ -26572,7 +27014,7 @@
                 </a:tc>
                 <a:extLst>
                   <a:ext uri="{0D108BD9-81ED-4DB2-BD59-A6C34878D82A}">
-                    <a16:rowId xmlns:a16="http://schemas.microsoft.com/office/drawing/2014/main" xmlns="" val="3455365349"/>
+                    <a16:rowId xmlns:a16="http://schemas.microsoft.com/office/drawing/2014/main" val="3455365349"/>
                   </a:ext>
                 </a:extLst>
               </a:tr>
@@ -26685,7 +27127,7 @@
                 </a:tc>
                 <a:extLst>
                   <a:ext uri="{0D108BD9-81ED-4DB2-BD59-A6C34878D82A}">
-                    <a16:rowId xmlns:a16="http://schemas.microsoft.com/office/drawing/2014/main" xmlns="" val="3167686984"/>
+                    <a16:rowId xmlns:a16="http://schemas.microsoft.com/office/drawing/2014/main" val="3167686984"/>
                   </a:ext>
                 </a:extLst>
               </a:tr>
@@ -26798,7 +27240,7 @@
                 </a:tc>
                 <a:extLst>
                   <a:ext uri="{0D108BD9-81ED-4DB2-BD59-A6C34878D82A}">
-                    <a16:rowId xmlns:a16="http://schemas.microsoft.com/office/drawing/2014/main" xmlns="" val="4026164128"/>
+                    <a16:rowId xmlns:a16="http://schemas.microsoft.com/office/drawing/2014/main" val="4026164128"/>
                   </a:ext>
                 </a:extLst>
               </a:tr>
@@ -26811,7 +27253,7 @@
           <p:cNvPr id="5" name="그룹 1018">
             <a:extLst>
               <a:ext uri="{FF2B5EF4-FFF2-40B4-BE49-F238E27FC236}">
-                <a16:creationId xmlns:a16="http://schemas.microsoft.com/office/drawing/2014/main" xmlns="" id="{1330ABEF-15CB-8649-BD8D-F461129ED30D}"/>
+                <a16:creationId xmlns:a16="http://schemas.microsoft.com/office/drawing/2014/main" id="{1330ABEF-15CB-8649-BD8D-F461129ED30D}"/>
               </a:ext>
             </a:extLst>
           </p:cNvPr>
@@ -26831,7 +27273,7 @@
             <p:cNvPr id="6" name="Object 61">
               <a:extLst>
                 <a:ext uri="{FF2B5EF4-FFF2-40B4-BE49-F238E27FC236}">
-                  <a16:creationId xmlns:a16="http://schemas.microsoft.com/office/drawing/2014/main" xmlns="" id="{ECF5792B-1F12-6090-875D-41885B0FBB10}"/>
+                  <a16:creationId xmlns:a16="http://schemas.microsoft.com/office/drawing/2014/main" id="{ECF5792B-1F12-6090-875D-41885B0FBB10}"/>
                 </a:ext>
               </a:extLst>
             </p:cNvPr>
@@ -26862,7 +27304,7 @@
           <p:cNvPr id="7" name="TextBox 6">
             <a:extLst>
               <a:ext uri="{FF2B5EF4-FFF2-40B4-BE49-F238E27FC236}">
-                <a16:creationId xmlns:a16="http://schemas.microsoft.com/office/drawing/2014/main" xmlns="" id="{7D83DD72-9F66-04E8-C674-1E40B9EC6DA5}"/>
+                <a16:creationId xmlns:a16="http://schemas.microsoft.com/office/drawing/2014/main" id="{7D83DD72-9F66-04E8-C674-1E40B9EC6DA5}"/>
               </a:ext>
             </a:extLst>
           </p:cNvPr>
@@ -26886,7 +27328,7 @@
           <a:lstStyle/>
           <a:p>
             <a:r>
-              <a:rPr lang="en-US" altLang="ko-KR" sz="4000" smtClean="0">
+              <a:rPr lang="en-US" altLang="ko-KR" sz="4000">
                 <a:solidFill>
                   <a:schemeClr val="tx1">
                     <a:lumMod val="50000"/>
@@ -26916,7 +27358,7 @@
           <p:cNvPr id="8" name="TextBox 7">
             <a:extLst>
               <a:ext uri="{FF2B5EF4-FFF2-40B4-BE49-F238E27FC236}">
-                <a16:creationId xmlns:a16="http://schemas.microsoft.com/office/drawing/2014/main" xmlns="" id="{307451BB-0100-5972-5BD5-E7D3BCBD6301}"/>
+                <a16:creationId xmlns:a16="http://schemas.microsoft.com/office/drawing/2014/main" id="{307451BB-0100-5972-5BD5-E7D3BCBD6301}"/>
               </a:ext>
             </a:extLst>
           </p:cNvPr>
@@ -26960,7 +27402,7 @@
           <p:cNvPr id="9" name="TextBox 8">
             <a:extLst>
               <a:ext uri="{FF2B5EF4-FFF2-40B4-BE49-F238E27FC236}">
-                <a16:creationId xmlns:a16="http://schemas.microsoft.com/office/drawing/2014/main" xmlns="" id="{34E3F449-543C-CD72-319C-A17299BAD58E}"/>
+                <a16:creationId xmlns:a16="http://schemas.microsoft.com/office/drawing/2014/main" id="{34E3F449-543C-CD72-319C-A17299BAD58E}"/>
               </a:ext>
             </a:extLst>
           </p:cNvPr>
@@ -27008,7 +27450,7 @@
           <p:cNvPr id="10" name="TextBox 9">
             <a:extLst>
               <a:ext uri="{FF2B5EF4-FFF2-40B4-BE49-F238E27FC236}">
-                <a16:creationId xmlns:a16="http://schemas.microsoft.com/office/drawing/2014/main" xmlns="" id="{E2F69BEC-12A2-9108-7924-1B36AF4430E4}"/>
+                <a16:creationId xmlns:a16="http://schemas.microsoft.com/office/drawing/2014/main" id="{E2F69BEC-12A2-9108-7924-1B36AF4430E4}"/>
               </a:ext>
             </a:extLst>
           </p:cNvPr>
@@ -27075,7 +27517,7 @@
           <p:cNvPr id="12" name="그림 11">
             <a:extLst>
               <a:ext uri="{FF2B5EF4-FFF2-40B4-BE49-F238E27FC236}">
-                <a16:creationId xmlns:a16="http://schemas.microsoft.com/office/drawing/2014/main" xmlns="" id="{B0E66467-5213-2FA0-A521-3B39B6797D99}"/>
+                <a16:creationId xmlns:a16="http://schemas.microsoft.com/office/drawing/2014/main" id="{B0E66467-5213-2FA0-A521-3B39B6797D99}"/>
               </a:ext>
             </a:extLst>
           </p:cNvPr>
@@ -27105,7 +27547,7 @@
           <p:cNvPr id="13" name="직선 화살표 연결선 12">
             <a:extLst>
               <a:ext uri="{FF2B5EF4-FFF2-40B4-BE49-F238E27FC236}">
-                <a16:creationId xmlns:a16="http://schemas.microsoft.com/office/drawing/2014/main" xmlns="" id="{A258CCA0-C886-9F46-EA23-630BE0C66BE2}"/>
+                <a16:creationId xmlns:a16="http://schemas.microsoft.com/office/drawing/2014/main" id="{A258CCA0-C886-9F46-EA23-630BE0C66BE2}"/>
               </a:ext>
             </a:extLst>
           </p:cNvPr>
@@ -27152,13 +27594,6 @@
   <p:clrMapOvr>
     <a:masterClrMapping/>
   </p:clrMapOvr>
-  <p:timing>
-    <p:tnLst>
-      <p:par>
-        <p:cTn id="1" dur="indefinite" restart="never" nodeType="tmRoot"/>
-      </p:par>
-    </p:tnLst>
-  </p:timing>
 </p:sld>
 </file>
 
@@ -27184,7 +27619,7 @@
           <p:cNvPr id="4" name="TextBox 3">
             <a:extLst>
               <a:ext uri="{FF2B5EF4-FFF2-40B4-BE49-F238E27FC236}">
-                <a16:creationId xmlns:a16="http://schemas.microsoft.com/office/drawing/2014/main" xmlns="" id="{C1898E6D-AE67-F9BC-3E27-12ED9B1FE83E}"/>
+                <a16:creationId xmlns:a16="http://schemas.microsoft.com/office/drawing/2014/main" id="{C1898E6D-AE67-F9BC-3E27-12ED9B1FE83E}"/>
               </a:ext>
             </a:extLst>
           </p:cNvPr>
@@ -27232,7 +27667,7 @@
           <p:cNvPr id="6" name="그림 5">
             <a:extLst>
               <a:ext uri="{FF2B5EF4-FFF2-40B4-BE49-F238E27FC236}">
-                <a16:creationId xmlns:a16="http://schemas.microsoft.com/office/drawing/2014/main" xmlns="" id="{34183050-65C1-05AB-E218-F7C08E562299}"/>
+                <a16:creationId xmlns:a16="http://schemas.microsoft.com/office/drawing/2014/main" id="{34183050-65C1-05AB-E218-F7C08E562299}"/>
               </a:ext>
             </a:extLst>
           </p:cNvPr>
@@ -27262,7 +27697,7 @@
           <p:cNvPr id="7" name="TextBox 6">
             <a:extLst>
               <a:ext uri="{FF2B5EF4-FFF2-40B4-BE49-F238E27FC236}">
-                <a16:creationId xmlns:a16="http://schemas.microsoft.com/office/drawing/2014/main" xmlns="" id="{B4AA3674-0BEE-604F-2135-D115C443AB3D}"/>
+                <a16:creationId xmlns:a16="http://schemas.microsoft.com/office/drawing/2014/main" id="{B4AA3674-0BEE-604F-2135-D115C443AB3D}"/>
               </a:ext>
             </a:extLst>
           </p:cNvPr>
@@ -27310,7 +27745,7 @@
           <p:cNvPr id="2" name="직사각형 1">
             <a:extLst>
               <a:ext uri="{FF2B5EF4-FFF2-40B4-BE49-F238E27FC236}">
-                <a16:creationId xmlns:a16="http://schemas.microsoft.com/office/drawing/2014/main" xmlns="" id="{40BCA21D-3B4F-5C68-051C-C54D2F6FBC5E}"/>
+                <a16:creationId xmlns:a16="http://schemas.microsoft.com/office/drawing/2014/main" id="{40BCA21D-3B4F-5C68-051C-C54D2F6FBC5E}"/>
               </a:ext>
             </a:extLst>
           </p:cNvPr>
@@ -27362,7 +27797,7 @@
           <p:cNvPr id="3" name="직사각형 2">
             <a:extLst>
               <a:ext uri="{FF2B5EF4-FFF2-40B4-BE49-F238E27FC236}">
-                <a16:creationId xmlns:a16="http://schemas.microsoft.com/office/drawing/2014/main" xmlns="" id="{703082B3-C7A3-E021-F8B8-D12E08F32AA1}"/>
+                <a16:creationId xmlns:a16="http://schemas.microsoft.com/office/drawing/2014/main" id="{703082B3-C7A3-E021-F8B8-D12E08F32AA1}"/>
               </a:ext>
             </a:extLst>
           </p:cNvPr>
@@ -27414,7 +27849,7 @@
           <p:cNvPr id="5" name="그림 4">
             <a:extLst>
               <a:ext uri="{FF2B5EF4-FFF2-40B4-BE49-F238E27FC236}">
-                <a16:creationId xmlns:a16="http://schemas.microsoft.com/office/drawing/2014/main" xmlns="" id="{596EE362-5F0F-3029-8201-891D2AB64335}"/>
+                <a16:creationId xmlns:a16="http://schemas.microsoft.com/office/drawing/2014/main" id="{596EE362-5F0F-3029-8201-891D2AB64335}"/>
               </a:ext>
             </a:extLst>
           </p:cNvPr>
@@ -27444,7 +27879,7 @@
           <p:cNvPr id="8" name="직사각형 7">
             <a:extLst>
               <a:ext uri="{FF2B5EF4-FFF2-40B4-BE49-F238E27FC236}">
-                <a16:creationId xmlns:a16="http://schemas.microsoft.com/office/drawing/2014/main" xmlns="" id="{C346E719-ED0A-7AEA-AF61-5B5FF03676A9}"/>
+                <a16:creationId xmlns:a16="http://schemas.microsoft.com/office/drawing/2014/main" id="{C346E719-ED0A-7AEA-AF61-5B5FF03676A9}"/>
               </a:ext>
             </a:extLst>
           </p:cNvPr>
@@ -27496,7 +27931,7 @@
           <p:cNvPr id="9" name="직사각형 8">
             <a:extLst>
               <a:ext uri="{FF2B5EF4-FFF2-40B4-BE49-F238E27FC236}">
-                <a16:creationId xmlns:a16="http://schemas.microsoft.com/office/drawing/2014/main" xmlns="" id="{065E66D5-A79A-68FC-9736-F34D4DBB85C8}"/>
+                <a16:creationId xmlns:a16="http://schemas.microsoft.com/office/drawing/2014/main" id="{065E66D5-A79A-68FC-9736-F34D4DBB85C8}"/>
               </a:ext>
             </a:extLst>
           </p:cNvPr>
@@ -27548,7 +27983,7 @@
           <p:cNvPr id="11" name="그림 10">
             <a:extLst>
               <a:ext uri="{FF2B5EF4-FFF2-40B4-BE49-F238E27FC236}">
-                <a16:creationId xmlns:a16="http://schemas.microsoft.com/office/drawing/2014/main" xmlns="" id="{FBC337D5-A2F3-BF34-090D-6DEAD6087E07}"/>
+                <a16:creationId xmlns:a16="http://schemas.microsoft.com/office/drawing/2014/main" id="{FBC337D5-A2F3-BF34-090D-6DEAD6087E07}"/>
               </a:ext>
             </a:extLst>
           </p:cNvPr>
@@ -27578,7 +28013,7 @@
           <p:cNvPr id="12" name="그림 11">
             <a:extLst>
               <a:ext uri="{FF2B5EF4-FFF2-40B4-BE49-F238E27FC236}">
-                <a16:creationId xmlns:a16="http://schemas.microsoft.com/office/drawing/2014/main" xmlns="" id="{A4E43F85-8626-AF9D-2B57-4F8FD132461B}"/>
+                <a16:creationId xmlns:a16="http://schemas.microsoft.com/office/drawing/2014/main" id="{A4E43F85-8626-AF9D-2B57-4F8FD132461B}"/>
               </a:ext>
             </a:extLst>
           </p:cNvPr>
@@ -27608,7 +28043,7 @@
           <p:cNvPr id="13" name="TextBox 12">
             <a:extLst>
               <a:ext uri="{FF2B5EF4-FFF2-40B4-BE49-F238E27FC236}">
-                <a16:creationId xmlns:a16="http://schemas.microsoft.com/office/drawing/2014/main" xmlns="" id="{6A36272A-1863-83A8-E582-2BAD0426619C}"/>
+                <a16:creationId xmlns:a16="http://schemas.microsoft.com/office/drawing/2014/main" id="{6A36272A-1863-83A8-E582-2BAD0426619C}"/>
               </a:ext>
             </a:extLst>
           </p:cNvPr>
@@ -27836,7 +28271,7 @@
           <p:cNvPr id="10" name="표 9">
             <a:extLst>
               <a:ext uri="{FF2B5EF4-FFF2-40B4-BE49-F238E27FC236}">
-                <a16:creationId xmlns:a16="http://schemas.microsoft.com/office/drawing/2014/main" xmlns="" id="{28AB1E84-4FFE-DBB7-4A4A-6D401C7DB994}"/>
+                <a16:creationId xmlns:a16="http://schemas.microsoft.com/office/drawing/2014/main" id="{28AB1E84-4FFE-DBB7-4A4A-6D401C7DB994}"/>
               </a:ext>
             </a:extLst>
           </p:cNvPr>
@@ -27865,14 +28300,14 @@
                 <a:gridCol w="1447800">
                   <a:extLst>
                     <a:ext uri="{9D8B030D-6E8A-4147-A177-3AD203B41FA5}">
-                      <a16:colId xmlns:a16="http://schemas.microsoft.com/office/drawing/2014/main" xmlns="" val="3731381781"/>
+                      <a16:colId xmlns:a16="http://schemas.microsoft.com/office/drawing/2014/main" val="3731381781"/>
                     </a:ext>
                   </a:extLst>
                 </a:gridCol>
                 <a:gridCol w="1981200">
                   <a:extLst>
                     <a:ext uri="{9D8B030D-6E8A-4147-A177-3AD203B41FA5}">
-                      <a16:colId xmlns:a16="http://schemas.microsoft.com/office/drawing/2014/main" xmlns="" val="2922041479"/>
+                      <a16:colId xmlns:a16="http://schemas.microsoft.com/office/drawing/2014/main" val="2922041479"/>
                     </a:ext>
                   </a:extLst>
                 </a:gridCol>
@@ -27998,7 +28433,7 @@
                 </a:tc>
                 <a:extLst>
                   <a:ext uri="{0D108BD9-81ED-4DB2-BD59-A6C34878D82A}">
-                    <a16:rowId xmlns:a16="http://schemas.microsoft.com/office/drawing/2014/main" xmlns="" val="3716032365"/>
+                    <a16:rowId xmlns:a16="http://schemas.microsoft.com/office/drawing/2014/main" val="3716032365"/>
                   </a:ext>
                 </a:extLst>
               </a:tr>
@@ -28127,7 +28562,7 @@
                 </a:tc>
                 <a:extLst>
                   <a:ext uri="{0D108BD9-81ED-4DB2-BD59-A6C34878D82A}">
-                    <a16:rowId xmlns:a16="http://schemas.microsoft.com/office/drawing/2014/main" xmlns="" val="1765325807"/>
+                    <a16:rowId xmlns:a16="http://schemas.microsoft.com/office/drawing/2014/main" val="1765325807"/>
                   </a:ext>
                 </a:extLst>
               </a:tr>
@@ -28240,7 +28675,7 @@
                 </a:tc>
                 <a:extLst>
                   <a:ext uri="{0D108BD9-81ED-4DB2-BD59-A6C34878D82A}">
-                    <a16:rowId xmlns:a16="http://schemas.microsoft.com/office/drawing/2014/main" xmlns="" val="3352121117"/>
+                    <a16:rowId xmlns:a16="http://schemas.microsoft.com/office/drawing/2014/main" val="3352121117"/>
                   </a:ext>
                 </a:extLst>
               </a:tr>
@@ -28353,7 +28788,7 @@
                 </a:tc>
                 <a:extLst>
                   <a:ext uri="{0D108BD9-81ED-4DB2-BD59-A6C34878D82A}">
-                    <a16:rowId xmlns:a16="http://schemas.microsoft.com/office/drawing/2014/main" xmlns="" val="2004051296"/>
+                    <a16:rowId xmlns:a16="http://schemas.microsoft.com/office/drawing/2014/main" val="2004051296"/>
                   </a:ext>
                 </a:extLst>
               </a:tr>
@@ -28466,7 +28901,7 @@
                 </a:tc>
                 <a:extLst>
                   <a:ext uri="{0D108BD9-81ED-4DB2-BD59-A6C34878D82A}">
-                    <a16:rowId xmlns:a16="http://schemas.microsoft.com/office/drawing/2014/main" xmlns="" val="3455365349"/>
+                    <a16:rowId xmlns:a16="http://schemas.microsoft.com/office/drawing/2014/main" val="3455365349"/>
                   </a:ext>
                 </a:extLst>
               </a:tr>
@@ -28579,7 +29014,7 @@
                 </a:tc>
                 <a:extLst>
                   <a:ext uri="{0D108BD9-81ED-4DB2-BD59-A6C34878D82A}">
-                    <a16:rowId xmlns:a16="http://schemas.microsoft.com/office/drawing/2014/main" xmlns="" val="3167686984"/>
+                    <a16:rowId xmlns:a16="http://schemas.microsoft.com/office/drawing/2014/main" val="3167686984"/>
                   </a:ext>
                 </a:extLst>
               </a:tr>
@@ -28692,7 +29127,7 @@
                 </a:tc>
                 <a:extLst>
                   <a:ext uri="{0D108BD9-81ED-4DB2-BD59-A6C34878D82A}">
-                    <a16:rowId xmlns:a16="http://schemas.microsoft.com/office/drawing/2014/main" xmlns="" val="4026164128"/>
+                    <a16:rowId xmlns:a16="http://schemas.microsoft.com/office/drawing/2014/main" val="4026164128"/>
                   </a:ext>
                 </a:extLst>
               </a:tr>
@@ -28705,7 +29140,7 @@
           <p:cNvPr id="11" name="그룹 1018">
             <a:extLst>
               <a:ext uri="{FF2B5EF4-FFF2-40B4-BE49-F238E27FC236}">
-                <a16:creationId xmlns:a16="http://schemas.microsoft.com/office/drawing/2014/main" xmlns="" id="{35589F1E-ACE7-13AB-5939-F16EBC4F7D74}"/>
+                <a16:creationId xmlns:a16="http://schemas.microsoft.com/office/drawing/2014/main" id="{35589F1E-ACE7-13AB-5939-F16EBC4F7D74}"/>
               </a:ext>
             </a:extLst>
           </p:cNvPr>
@@ -28725,7 +29160,7 @@
             <p:cNvPr id="12" name="Object 61">
               <a:extLst>
                 <a:ext uri="{FF2B5EF4-FFF2-40B4-BE49-F238E27FC236}">
-                  <a16:creationId xmlns:a16="http://schemas.microsoft.com/office/drawing/2014/main" xmlns="" id="{D7242013-6B13-19EB-F7F4-2A1B727A4A0A}"/>
+                  <a16:creationId xmlns:a16="http://schemas.microsoft.com/office/drawing/2014/main" id="{D7242013-6B13-19EB-F7F4-2A1B727A4A0A}"/>
                 </a:ext>
               </a:extLst>
             </p:cNvPr>
@@ -28756,7 +29191,7 @@
           <p:cNvPr id="13" name="TextBox 12">
             <a:extLst>
               <a:ext uri="{FF2B5EF4-FFF2-40B4-BE49-F238E27FC236}">
-                <a16:creationId xmlns:a16="http://schemas.microsoft.com/office/drawing/2014/main" xmlns="" id="{E6B61D91-F56A-04E2-96A7-74A68AABE02B}"/>
+                <a16:creationId xmlns:a16="http://schemas.microsoft.com/office/drawing/2014/main" id="{E6B61D91-F56A-04E2-96A7-74A68AABE02B}"/>
               </a:ext>
             </a:extLst>
           </p:cNvPr>
@@ -28800,7 +29235,7 @@
           <p:cNvPr id="14" name="TextBox 13">
             <a:extLst>
               <a:ext uri="{FF2B5EF4-FFF2-40B4-BE49-F238E27FC236}">
-                <a16:creationId xmlns:a16="http://schemas.microsoft.com/office/drawing/2014/main" xmlns="" id="{1BAF2783-C3B4-F958-A545-19D7F14B5F8F}"/>
+                <a16:creationId xmlns:a16="http://schemas.microsoft.com/office/drawing/2014/main" id="{1BAF2783-C3B4-F958-A545-19D7F14B5F8F}"/>
               </a:ext>
             </a:extLst>
           </p:cNvPr>
@@ -28844,7 +29279,7 @@
           <p:cNvPr id="15" name="직선 화살표 연결선 14">
             <a:extLst>
               <a:ext uri="{FF2B5EF4-FFF2-40B4-BE49-F238E27FC236}">
-                <a16:creationId xmlns:a16="http://schemas.microsoft.com/office/drawing/2014/main" xmlns="" id="{544A88F7-D31A-049B-FE46-AD3E1AF0AE94}"/>
+                <a16:creationId xmlns:a16="http://schemas.microsoft.com/office/drawing/2014/main" id="{544A88F7-D31A-049B-FE46-AD3E1AF0AE94}"/>
               </a:ext>
             </a:extLst>
           </p:cNvPr>
@@ -28886,7 +29321,7 @@
           <p:cNvPr id="17" name="그림 16">
             <a:extLst>
               <a:ext uri="{FF2B5EF4-FFF2-40B4-BE49-F238E27FC236}">
-                <a16:creationId xmlns:a16="http://schemas.microsoft.com/office/drawing/2014/main" xmlns="" id="{7305A9B8-8402-F39C-C099-216C2F2F5193}"/>
+                <a16:creationId xmlns:a16="http://schemas.microsoft.com/office/drawing/2014/main" id="{7305A9B8-8402-F39C-C099-216C2F2F5193}"/>
               </a:ext>
             </a:extLst>
           </p:cNvPr>
@@ -28916,7 +29351,7 @@
           <p:cNvPr id="18" name="TextBox 17">
             <a:extLst>
               <a:ext uri="{FF2B5EF4-FFF2-40B4-BE49-F238E27FC236}">
-                <a16:creationId xmlns:a16="http://schemas.microsoft.com/office/drawing/2014/main" xmlns="" id="{72F416CC-94E0-9549-685A-C4418325E924}"/>
+                <a16:creationId xmlns:a16="http://schemas.microsoft.com/office/drawing/2014/main" id="{72F416CC-94E0-9549-685A-C4418325E924}"/>
               </a:ext>
             </a:extLst>
           </p:cNvPr>
@@ -28964,7 +29399,7 @@
           <p:cNvPr id="20" name="그림 19">
             <a:extLst>
               <a:ext uri="{FF2B5EF4-FFF2-40B4-BE49-F238E27FC236}">
-                <a16:creationId xmlns:a16="http://schemas.microsoft.com/office/drawing/2014/main" xmlns="" id="{F3D10D45-AFDE-52E0-DFB6-9DDB1AD2E686}"/>
+                <a16:creationId xmlns:a16="http://schemas.microsoft.com/office/drawing/2014/main" id="{F3D10D45-AFDE-52E0-DFB6-9DDB1AD2E686}"/>
               </a:ext>
             </a:extLst>
           </p:cNvPr>
@@ -28994,7 +29429,7 @@
           <p:cNvPr id="22" name="그림 21">
             <a:extLst>
               <a:ext uri="{FF2B5EF4-FFF2-40B4-BE49-F238E27FC236}">
-                <a16:creationId xmlns:a16="http://schemas.microsoft.com/office/drawing/2014/main" xmlns="" id="{4415765D-99E0-0F30-00F2-E85F4C9751B4}"/>
+                <a16:creationId xmlns:a16="http://schemas.microsoft.com/office/drawing/2014/main" id="{4415765D-99E0-0F30-00F2-E85F4C9751B4}"/>
               </a:ext>
             </a:extLst>
           </p:cNvPr>
@@ -29546,7 +29981,7 @@
           <p:cNvPr id="2" name="TextBox 1">
             <a:extLst>
               <a:ext uri="{FF2B5EF4-FFF2-40B4-BE49-F238E27FC236}">
-                <a16:creationId xmlns:a16="http://schemas.microsoft.com/office/drawing/2014/main" xmlns="" id="{76F36AE5-79B5-0B9F-E510-1C27AAC4B649}"/>
+                <a16:creationId xmlns:a16="http://schemas.microsoft.com/office/drawing/2014/main" id="{76F36AE5-79B5-0B9F-E510-1C27AAC4B649}"/>
               </a:ext>
             </a:extLst>
           </p:cNvPr>
@@ -29570,7 +30005,7 @@
           <a:lstStyle/>
           <a:p>
             <a:r>
-              <a:rPr lang="ko-KR" altLang="en-US" sz="6600" smtClean="0">
+              <a:rPr lang="ko-KR" altLang="en-US" sz="6600">
                 <a:solidFill>
                   <a:schemeClr val="bg1"/>
                 </a:solidFill>
@@ -29599,13 +30034,6 @@
   <p:clrMapOvr>
     <a:masterClrMapping/>
   </p:clrMapOvr>
-  <p:timing>
-    <p:tnLst>
-      <p:par>
-        <p:cTn id="1" dur="indefinite" restart="never" nodeType="tmRoot"/>
-      </p:par>
-    </p:tnLst>
-  </p:timing>
 </p:sld>
 </file>
 
@@ -29631,7 +30059,7 @@
           <p:cNvPr id="4" name="표 3">
             <a:extLst>
               <a:ext uri="{FF2B5EF4-FFF2-40B4-BE49-F238E27FC236}">
-                <a16:creationId xmlns:a16="http://schemas.microsoft.com/office/drawing/2014/main" xmlns="" id="{32F4C41F-E599-6BF7-85C4-F4348B01166D}"/>
+                <a16:creationId xmlns:a16="http://schemas.microsoft.com/office/drawing/2014/main" id="{32F4C41F-E599-6BF7-85C4-F4348B01166D}"/>
               </a:ext>
             </a:extLst>
           </p:cNvPr>
@@ -29660,14 +30088,14 @@
                 <a:gridCol w="2059093">
                   <a:extLst>
                     <a:ext uri="{9D8B030D-6E8A-4147-A177-3AD203B41FA5}">
-                      <a16:colId xmlns:a16="http://schemas.microsoft.com/office/drawing/2014/main" xmlns="" val="3731381781"/>
+                      <a16:colId xmlns:a16="http://schemas.microsoft.com/office/drawing/2014/main" val="3731381781"/>
                     </a:ext>
                   </a:extLst>
                 </a:gridCol>
                 <a:gridCol w="2817707">
                   <a:extLst>
                     <a:ext uri="{9D8B030D-6E8A-4147-A177-3AD203B41FA5}">
-                      <a16:colId xmlns:a16="http://schemas.microsoft.com/office/drawing/2014/main" xmlns="" val="2922041479"/>
+                      <a16:colId xmlns:a16="http://schemas.microsoft.com/office/drawing/2014/main" val="2922041479"/>
                     </a:ext>
                   </a:extLst>
                 </a:gridCol>
@@ -29793,7 +30221,7 @@
                 </a:tc>
                 <a:extLst>
                   <a:ext uri="{0D108BD9-81ED-4DB2-BD59-A6C34878D82A}">
-                    <a16:rowId xmlns:a16="http://schemas.microsoft.com/office/drawing/2014/main" xmlns="" val="3716032365"/>
+                    <a16:rowId xmlns:a16="http://schemas.microsoft.com/office/drawing/2014/main" val="3716032365"/>
                   </a:ext>
                 </a:extLst>
               </a:tr>
@@ -29922,7 +30350,7 @@
                 </a:tc>
                 <a:extLst>
                   <a:ext uri="{0D108BD9-81ED-4DB2-BD59-A6C34878D82A}">
-                    <a16:rowId xmlns:a16="http://schemas.microsoft.com/office/drawing/2014/main" xmlns="" val="1765325807"/>
+                    <a16:rowId xmlns:a16="http://schemas.microsoft.com/office/drawing/2014/main" val="1765325807"/>
                   </a:ext>
                 </a:extLst>
               </a:tr>
@@ -30035,7 +30463,7 @@
                 </a:tc>
                 <a:extLst>
                   <a:ext uri="{0D108BD9-81ED-4DB2-BD59-A6C34878D82A}">
-                    <a16:rowId xmlns:a16="http://schemas.microsoft.com/office/drawing/2014/main" xmlns="" val="3352121117"/>
+                    <a16:rowId xmlns:a16="http://schemas.microsoft.com/office/drawing/2014/main" val="3352121117"/>
                   </a:ext>
                 </a:extLst>
               </a:tr>
@@ -30148,7 +30576,7 @@
                 </a:tc>
                 <a:extLst>
                   <a:ext uri="{0D108BD9-81ED-4DB2-BD59-A6C34878D82A}">
-                    <a16:rowId xmlns:a16="http://schemas.microsoft.com/office/drawing/2014/main" xmlns="" val="2004051296"/>
+                    <a16:rowId xmlns:a16="http://schemas.microsoft.com/office/drawing/2014/main" val="2004051296"/>
                   </a:ext>
                 </a:extLst>
               </a:tr>
@@ -30261,7 +30689,7 @@
                 </a:tc>
                 <a:extLst>
                   <a:ext uri="{0D108BD9-81ED-4DB2-BD59-A6C34878D82A}">
-                    <a16:rowId xmlns:a16="http://schemas.microsoft.com/office/drawing/2014/main" xmlns="" val="3455365349"/>
+                    <a16:rowId xmlns:a16="http://schemas.microsoft.com/office/drawing/2014/main" val="3455365349"/>
                   </a:ext>
                 </a:extLst>
               </a:tr>
@@ -30374,7 +30802,7 @@
                 </a:tc>
                 <a:extLst>
                   <a:ext uri="{0D108BD9-81ED-4DB2-BD59-A6C34878D82A}">
-                    <a16:rowId xmlns:a16="http://schemas.microsoft.com/office/drawing/2014/main" xmlns="" val="3167686984"/>
+                    <a16:rowId xmlns:a16="http://schemas.microsoft.com/office/drawing/2014/main" val="3167686984"/>
                   </a:ext>
                 </a:extLst>
               </a:tr>
@@ -30387,7 +30815,7 @@
           <p:cNvPr id="5" name="TextBox 4">
             <a:extLst>
               <a:ext uri="{FF2B5EF4-FFF2-40B4-BE49-F238E27FC236}">
-                <a16:creationId xmlns:a16="http://schemas.microsoft.com/office/drawing/2014/main" xmlns="" id="{B564BCA0-4BD1-DDE5-0720-B6D03104F9BB}"/>
+                <a16:creationId xmlns:a16="http://schemas.microsoft.com/office/drawing/2014/main" id="{B564BCA0-4BD1-DDE5-0720-B6D03104F9BB}"/>
               </a:ext>
             </a:extLst>
           </p:cNvPr>
@@ -30435,7 +30863,7 @@
           <p:cNvPr id="7" name="그림 6">
             <a:extLst>
               <a:ext uri="{FF2B5EF4-FFF2-40B4-BE49-F238E27FC236}">
-                <a16:creationId xmlns:a16="http://schemas.microsoft.com/office/drawing/2014/main" xmlns="" id="{A89D2447-F7BC-6FC0-38D2-2984D78F8706}"/>
+                <a16:creationId xmlns:a16="http://schemas.microsoft.com/office/drawing/2014/main" id="{A89D2447-F7BC-6FC0-38D2-2984D78F8706}"/>
               </a:ext>
             </a:extLst>
           </p:cNvPr>
@@ -30465,7 +30893,7 @@
           <p:cNvPr id="8" name="직선 화살표 연결선 7">
             <a:extLst>
               <a:ext uri="{FF2B5EF4-FFF2-40B4-BE49-F238E27FC236}">
-                <a16:creationId xmlns:a16="http://schemas.microsoft.com/office/drawing/2014/main" xmlns="" id="{4BC5E409-2331-11BF-D232-27FBDECAD6A2}"/>
+                <a16:creationId xmlns:a16="http://schemas.microsoft.com/office/drawing/2014/main" id="{4BC5E409-2331-11BF-D232-27FBDECAD6A2}"/>
               </a:ext>
             </a:extLst>
           </p:cNvPr>
@@ -30506,7 +30934,7 @@
           <p:cNvPr id="9" name="직사각형 8">
             <a:extLst>
               <a:ext uri="{FF2B5EF4-FFF2-40B4-BE49-F238E27FC236}">
-                <a16:creationId xmlns:a16="http://schemas.microsoft.com/office/drawing/2014/main" xmlns="" id="{35BA8761-02C6-785B-3CEF-3095C3E8D29D}"/>
+                <a16:creationId xmlns:a16="http://schemas.microsoft.com/office/drawing/2014/main" id="{35BA8761-02C6-785B-3CEF-3095C3E8D29D}"/>
               </a:ext>
             </a:extLst>
           </p:cNvPr>
@@ -30558,7 +30986,7 @@
           <p:cNvPr id="11" name="직선 화살표 연결선 10">
             <a:extLst>
               <a:ext uri="{FF2B5EF4-FFF2-40B4-BE49-F238E27FC236}">
-                <a16:creationId xmlns:a16="http://schemas.microsoft.com/office/drawing/2014/main" xmlns="" id="{F38F6344-5EEC-0ED5-3473-853588560356}"/>
+                <a16:creationId xmlns:a16="http://schemas.microsoft.com/office/drawing/2014/main" id="{F38F6344-5EEC-0ED5-3473-853588560356}"/>
               </a:ext>
             </a:extLst>
           </p:cNvPr>
@@ -30599,7 +31027,7 @@
           <p:cNvPr id="12" name="직사각형 11">
             <a:extLst>
               <a:ext uri="{FF2B5EF4-FFF2-40B4-BE49-F238E27FC236}">
-                <a16:creationId xmlns:a16="http://schemas.microsoft.com/office/drawing/2014/main" xmlns="" id="{A068EABF-67F4-E922-9316-A65F5BBA710B}"/>
+                <a16:creationId xmlns:a16="http://schemas.microsoft.com/office/drawing/2014/main" id="{A068EABF-67F4-E922-9316-A65F5BBA710B}"/>
               </a:ext>
             </a:extLst>
           </p:cNvPr>
@@ -30651,7 +31079,7 @@
           <p:cNvPr id="14" name="TextBox 13">
             <a:extLst>
               <a:ext uri="{FF2B5EF4-FFF2-40B4-BE49-F238E27FC236}">
-                <a16:creationId xmlns:a16="http://schemas.microsoft.com/office/drawing/2014/main" xmlns="" id="{B14C0058-70C3-2BC3-6365-3D0DBF0F8180}"/>
+                <a16:creationId xmlns:a16="http://schemas.microsoft.com/office/drawing/2014/main" id="{B14C0058-70C3-2BC3-6365-3D0DBF0F8180}"/>
               </a:ext>
             </a:extLst>
           </p:cNvPr>
@@ -30722,7 +31150,7 @@
           <p:cNvPr id="15" name="TextBox 14">
             <a:extLst>
               <a:ext uri="{FF2B5EF4-FFF2-40B4-BE49-F238E27FC236}">
-                <a16:creationId xmlns:a16="http://schemas.microsoft.com/office/drawing/2014/main" xmlns="" id="{09B85E6E-D72E-53BE-389B-F18E2ED4EB18}"/>
+                <a16:creationId xmlns:a16="http://schemas.microsoft.com/office/drawing/2014/main" id="{09B85E6E-D72E-53BE-389B-F18E2ED4EB18}"/>
               </a:ext>
             </a:extLst>
           </p:cNvPr>
@@ -30793,7 +31221,7 @@
           <p:cNvPr id="16" name="TextBox 15">
             <a:extLst>
               <a:ext uri="{FF2B5EF4-FFF2-40B4-BE49-F238E27FC236}">
-                <a16:creationId xmlns:a16="http://schemas.microsoft.com/office/drawing/2014/main" xmlns="" id="{79D79D6B-7414-CE0D-7514-7A9F1FC8C640}"/>
+                <a16:creationId xmlns:a16="http://schemas.microsoft.com/office/drawing/2014/main" id="{79D79D6B-7414-CE0D-7514-7A9F1FC8C640}"/>
               </a:ext>
             </a:extLst>
           </p:cNvPr>
@@ -30876,7 +31304,7 @@
           <p:cNvPr id="18" name="그림 17">
             <a:extLst>
               <a:ext uri="{FF2B5EF4-FFF2-40B4-BE49-F238E27FC236}">
-                <a16:creationId xmlns:a16="http://schemas.microsoft.com/office/drawing/2014/main" xmlns="" id="{6E19FA6E-17E1-D6E1-9243-DE40C8730C93}"/>
+                <a16:creationId xmlns:a16="http://schemas.microsoft.com/office/drawing/2014/main" id="{6E19FA6E-17E1-D6E1-9243-DE40C8730C93}"/>
               </a:ext>
             </a:extLst>
           </p:cNvPr>
@@ -30906,7 +31334,7 @@
           <p:cNvPr id="19" name="TextBox 18">
             <a:extLst>
               <a:ext uri="{FF2B5EF4-FFF2-40B4-BE49-F238E27FC236}">
-                <a16:creationId xmlns:a16="http://schemas.microsoft.com/office/drawing/2014/main" xmlns="" id="{D785C1AD-AB87-0726-FDD4-AB3278BA3549}"/>
+                <a16:creationId xmlns:a16="http://schemas.microsoft.com/office/drawing/2014/main" id="{D785C1AD-AB87-0726-FDD4-AB3278BA3549}"/>
               </a:ext>
             </a:extLst>
           </p:cNvPr>
@@ -30959,13 +31387,6 @@
   <p:clrMapOvr>
     <a:masterClrMapping/>
   </p:clrMapOvr>
-  <p:timing>
-    <p:tnLst>
-      <p:par>
-        <p:cTn id="1" dur="indefinite" restart="never" nodeType="tmRoot"/>
-      </p:par>
-    </p:tnLst>
-  </p:timing>
 </p:sld>
 </file>
 

--- a/JavaLecture/LectureFile/java 5강.pptx
+++ b/JavaLecture/LectureFile/java 5강.pptx
@@ -240,7 +240,7 @@
           <a:p>
             <a:fld id="{D79F2C30-10E1-4C46-91DC-BBDB9629E720}" type="datetimeFigureOut">
               <a:rPr lang="ko-KR" altLang="en-US" smtClean="0"/>
-              <a:t>2023-01-27</a:t>
+              <a:t>2023-01-28</a:t>
             </a:fld>
             <a:endParaRPr lang="ko-KR" altLang="en-US"/>
           </a:p>
@@ -770,7 +770,7 @@
           <a:p>
             <a:fld id="{F8166F1F-CE9B-4651-A6AA-CD717754106B}" type="datetimeFigureOut">
               <a:rPr lang="en-US" smtClean="0"/>
-              <a:t>1/27/2023</a:t>
+              <a:t>1/28/2023</a:t>
             </a:fld>
             <a:endParaRPr lang="en-US"/>
           </a:p>
@@ -933,7 +933,7 @@
           <a:p>
             <a:fld id="{A76116CE-C4A3-4A05-B2D7-7C2E9A889C0F}" type="datetimeFigureOut">
               <a:rPr lang="en-US" smtClean="0"/>
-              <a:t>1/27/2023</a:t>
+              <a:t>1/28/2023</a:t>
             </a:fld>
             <a:endParaRPr lang="en-US"/>
           </a:p>
@@ -1106,7 +1106,7 @@
           <a:p>
             <a:fld id="{A76116CE-C4A3-4A05-B2D7-7C2E9A889C0F}" type="datetimeFigureOut">
               <a:rPr lang="en-US" smtClean="0"/>
-              <a:t>1/27/2023</a:t>
+              <a:t>1/28/2023</a:t>
             </a:fld>
             <a:endParaRPr lang="en-US"/>
           </a:p>
@@ -1271,7 +1271,7 @@
           <a:p>
             <a:fld id="{A76116CE-C4A3-4A05-B2D7-7C2E9A889C0F}" type="datetimeFigureOut">
               <a:rPr lang="en-US" smtClean="0"/>
-              <a:t>1/27/2023</a:t>
+              <a:t>1/28/2023</a:t>
             </a:fld>
             <a:endParaRPr lang="en-US"/>
           </a:p>
@@ -1511,7 +1511,7 @@
           <a:p>
             <a:fld id="{A76116CE-C4A3-4A05-B2D7-7C2E9A889C0F}" type="datetimeFigureOut">
               <a:rPr lang="en-US" smtClean="0"/>
-              <a:t>1/27/2023</a:t>
+              <a:t>1/28/2023</a:t>
             </a:fld>
             <a:endParaRPr lang="en-US"/>
           </a:p>
@@ -1791,7 +1791,7 @@
           <a:p>
             <a:fld id="{A76116CE-C4A3-4A05-B2D7-7C2E9A889C0F}" type="datetimeFigureOut">
               <a:rPr lang="en-US" smtClean="0"/>
-              <a:t>1/27/2023</a:t>
+              <a:t>1/28/2023</a:t>
             </a:fld>
             <a:endParaRPr lang="en-US"/>
           </a:p>
@@ -2205,7 +2205,7 @@
           <a:p>
             <a:fld id="{A76116CE-C4A3-4A05-B2D7-7C2E9A889C0F}" type="datetimeFigureOut">
               <a:rPr lang="en-US" smtClean="0"/>
-              <a:t>1/27/2023</a:t>
+              <a:t>1/28/2023</a:t>
             </a:fld>
             <a:endParaRPr lang="en-US"/>
           </a:p>
@@ -2317,7 +2317,7 @@
           <a:p>
             <a:fld id="{A76116CE-C4A3-4A05-B2D7-7C2E9A889C0F}" type="datetimeFigureOut">
               <a:rPr lang="en-US" smtClean="0"/>
-              <a:t>1/27/2023</a:t>
+              <a:t>1/28/2023</a:t>
             </a:fld>
             <a:endParaRPr lang="en-US"/>
           </a:p>
@@ -2407,7 +2407,7 @@
           <a:p>
             <a:fld id="{A76116CE-C4A3-4A05-B2D7-7C2E9A889C0F}" type="datetimeFigureOut">
               <a:rPr lang="en-US" smtClean="0"/>
-              <a:t>1/27/2023</a:t>
+              <a:t>1/28/2023</a:t>
             </a:fld>
             <a:endParaRPr lang="en-US"/>
           </a:p>
@@ -2677,7 +2677,7 @@
           <a:p>
             <a:fld id="{A76116CE-C4A3-4A05-B2D7-7C2E9A889C0F}" type="datetimeFigureOut">
               <a:rPr lang="en-US" smtClean="0"/>
-              <a:t>1/27/2023</a:t>
+              <a:t>1/28/2023</a:t>
             </a:fld>
             <a:endParaRPr lang="en-US"/>
           </a:p>
@@ -2924,7 +2924,7 @@
           <a:p>
             <a:fld id="{A76116CE-C4A3-4A05-B2D7-7C2E9A889C0F}" type="datetimeFigureOut">
               <a:rPr lang="en-US" smtClean="0"/>
-              <a:t>1/27/2023</a:t>
+              <a:t>1/28/2023</a:t>
             </a:fld>
             <a:endParaRPr lang="en-US"/>
           </a:p>
@@ -3130,7 +3130,7 @@
           <a:p>
             <a:fld id="{F8166F1F-CE9B-4651-A6AA-CD717754106B}" type="datetimeFigureOut">
               <a:rPr lang="en-US" smtClean="0"/>
-              <a:t>1/27/2023</a:t>
+              <a:t>1/28/2023</a:t>
             </a:fld>
             <a:endParaRPr lang="en-US"/>
           </a:p>
@@ -3786,7 +3786,7 @@
           <p:cNvPr id="2" name="TextBox 1">
             <a:extLst>
               <a:ext uri="{FF2B5EF4-FFF2-40B4-BE49-F238E27FC236}">
-                <a16:creationId xmlns:a16="http://schemas.microsoft.com/office/drawing/2014/main" xmlns="" id="{E9A453A8-9968-67AB-7B4A-83EEB4662AA6}"/>
+                <a16:creationId xmlns="" xmlns:a16="http://schemas.microsoft.com/office/drawing/2014/main" id="{E9A453A8-9968-67AB-7B4A-83EEB4662AA6}"/>
               </a:ext>
             </a:extLst>
           </p:cNvPr>
@@ -3834,7 +3834,7 @@
           <p:cNvPr id="4" name="TextBox 3">
             <a:extLst>
               <a:ext uri="{FF2B5EF4-FFF2-40B4-BE49-F238E27FC236}">
-                <a16:creationId xmlns:a16="http://schemas.microsoft.com/office/drawing/2014/main" xmlns="" id="{F4B7A35A-8AAC-4622-64BC-CAD1472D4115}"/>
+                <a16:creationId xmlns="" xmlns:a16="http://schemas.microsoft.com/office/drawing/2014/main" id="{F4B7A35A-8AAC-4622-64BC-CAD1472D4115}"/>
               </a:ext>
             </a:extLst>
           </p:cNvPr>
@@ -3906,7 +3906,7 @@
           <p:cNvPr id="7" name="TextBox 6">
             <a:extLst>
               <a:ext uri="{FF2B5EF4-FFF2-40B4-BE49-F238E27FC236}">
-                <a16:creationId xmlns:a16="http://schemas.microsoft.com/office/drawing/2014/main" xmlns="" id="{3ACE900A-D779-4343-6623-8588B376F0A1}"/>
+                <a16:creationId xmlns="" xmlns:a16="http://schemas.microsoft.com/office/drawing/2014/main" id="{3ACE900A-D779-4343-6623-8588B376F0A1}"/>
               </a:ext>
             </a:extLst>
           </p:cNvPr>
@@ -3977,7 +3977,7 @@
           <p:cNvPr id="4" name="TextBox 3">
             <a:extLst>
               <a:ext uri="{FF2B5EF4-FFF2-40B4-BE49-F238E27FC236}">
-                <a16:creationId xmlns:a16="http://schemas.microsoft.com/office/drawing/2014/main" xmlns="" id="{B86BE553-B223-E4E2-16B6-52C77166FE4A}"/>
+                <a16:creationId xmlns="" xmlns:a16="http://schemas.microsoft.com/office/drawing/2014/main" id="{B86BE553-B223-E4E2-16B6-52C77166FE4A}"/>
               </a:ext>
             </a:extLst>
           </p:cNvPr>
@@ -4028,7 +4028,7 @@
           <p:cNvPr id="6" name="그림 5">
             <a:extLst>
               <a:ext uri="{FF2B5EF4-FFF2-40B4-BE49-F238E27FC236}">
-                <a16:creationId xmlns:a16="http://schemas.microsoft.com/office/drawing/2014/main" xmlns="" id="{8471350E-3FF0-003E-299B-DD0235344F13}"/>
+                <a16:creationId xmlns="" xmlns:a16="http://schemas.microsoft.com/office/drawing/2014/main" id="{8471350E-3FF0-003E-299B-DD0235344F13}"/>
               </a:ext>
             </a:extLst>
           </p:cNvPr>
@@ -4058,7 +4058,7 @@
           <p:cNvPr id="8" name="그림 7">
             <a:extLst>
               <a:ext uri="{FF2B5EF4-FFF2-40B4-BE49-F238E27FC236}">
-                <a16:creationId xmlns:a16="http://schemas.microsoft.com/office/drawing/2014/main" xmlns="" id="{FAC9FBDE-E73E-8E23-FF91-CDE1538912FB}"/>
+                <a16:creationId xmlns="" xmlns:a16="http://schemas.microsoft.com/office/drawing/2014/main" id="{FAC9FBDE-E73E-8E23-FF91-CDE1538912FB}"/>
               </a:ext>
             </a:extLst>
           </p:cNvPr>
@@ -4125,7 +4125,7 @@
           <p:cNvPr id="5" name="그림 4">
             <a:extLst>
               <a:ext uri="{FF2B5EF4-FFF2-40B4-BE49-F238E27FC236}">
-                <a16:creationId xmlns:a16="http://schemas.microsoft.com/office/drawing/2014/main" xmlns="" id="{CCC126AA-0FD9-4407-0C2C-89145BE0BC94}"/>
+                <a16:creationId xmlns="" xmlns:a16="http://schemas.microsoft.com/office/drawing/2014/main" id="{CCC126AA-0FD9-4407-0C2C-89145BE0BC94}"/>
               </a:ext>
             </a:extLst>
           </p:cNvPr>
@@ -4155,7 +4155,7 @@
           <p:cNvPr id="6" name="직선 화살표 연결선 5">
             <a:extLst>
               <a:ext uri="{FF2B5EF4-FFF2-40B4-BE49-F238E27FC236}">
-                <a16:creationId xmlns:a16="http://schemas.microsoft.com/office/drawing/2014/main" xmlns="" id="{98480919-7A14-9246-577E-CA016D2746D6}"/>
+                <a16:creationId xmlns="" xmlns:a16="http://schemas.microsoft.com/office/drawing/2014/main" id="{98480919-7A14-9246-577E-CA016D2746D6}"/>
               </a:ext>
             </a:extLst>
           </p:cNvPr>
@@ -4196,7 +4196,7 @@
           <p:cNvPr id="7" name="직사각형 6">
             <a:extLst>
               <a:ext uri="{FF2B5EF4-FFF2-40B4-BE49-F238E27FC236}">
-                <a16:creationId xmlns:a16="http://schemas.microsoft.com/office/drawing/2014/main" xmlns="" id="{A72A5572-0F2B-AB98-98A8-8276D58A7183}"/>
+                <a16:creationId xmlns="" xmlns:a16="http://schemas.microsoft.com/office/drawing/2014/main" id="{A72A5572-0F2B-AB98-98A8-8276D58A7183}"/>
               </a:ext>
             </a:extLst>
           </p:cNvPr>
@@ -4248,7 +4248,7 @@
           <p:cNvPr id="9" name="TextBox 8">
             <a:extLst>
               <a:ext uri="{FF2B5EF4-FFF2-40B4-BE49-F238E27FC236}">
-                <a16:creationId xmlns:a16="http://schemas.microsoft.com/office/drawing/2014/main" xmlns="" id="{9698C756-8683-A52F-5E9B-5051396A68FE}"/>
+                <a16:creationId xmlns="" xmlns:a16="http://schemas.microsoft.com/office/drawing/2014/main" id="{9698C756-8683-A52F-5E9B-5051396A68FE}"/>
               </a:ext>
             </a:extLst>
           </p:cNvPr>
@@ -4299,7 +4299,7 @@
           <p:cNvPr id="14" name="그림 13">
             <a:extLst>
               <a:ext uri="{FF2B5EF4-FFF2-40B4-BE49-F238E27FC236}">
-                <a16:creationId xmlns:a16="http://schemas.microsoft.com/office/drawing/2014/main" xmlns="" id="{AEBDC62E-07FD-9C01-B522-FDCFA269988E}"/>
+                <a16:creationId xmlns="" xmlns:a16="http://schemas.microsoft.com/office/drawing/2014/main" id="{AEBDC62E-07FD-9C01-B522-FDCFA269988E}"/>
               </a:ext>
             </a:extLst>
           </p:cNvPr>
@@ -4329,7 +4329,7 @@
           <p:cNvPr id="15" name="직선 화살표 연결선 14">
             <a:extLst>
               <a:ext uri="{FF2B5EF4-FFF2-40B4-BE49-F238E27FC236}">
-                <a16:creationId xmlns:a16="http://schemas.microsoft.com/office/drawing/2014/main" xmlns="" id="{9EC15261-4A05-17B5-5B33-C87DA900EA99}"/>
+                <a16:creationId xmlns="" xmlns:a16="http://schemas.microsoft.com/office/drawing/2014/main" id="{9EC15261-4A05-17B5-5B33-C87DA900EA99}"/>
               </a:ext>
             </a:extLst>
           </p:cNvPr>
@@ -4370,7 +4370,7 @@
           <p:cNvPr id="16" name="직사각형 15">
             <a:extLst>
               <a:ext uri="{FF2B5EF4-FFF2-40B4-BE49-F238E27FC236}">
-                <a16:creationId xmlns:a16="http://schemas.microsoft.com/office/drawing/2014/main" xmlns="" id="{CA52BDAC-1026-62AF-72C4-182453ADD4B9}"/>
+                <a16:creationId xmlns="" xmlns:a16="http://schemas.microsoft.com/office/drawing/2014/main" id="{CA52BDAC-1026-62AF-72C4-182453ADD4B9}"/>
               </a:ext>
             </a:extLst>
           </p:cNvPr>
@@ -4422,7 +4422,7 @@
           <p:cNvPr id="17" name="TextBox 16">
             <a:extLst>
               <a:ext uri="{FF2B5EF4-FFF2-40B4-BE49-F238E27FC236}">
-                <a16:creationId xmlns:a16="http://schemas.microsoft.com/office/drawing/2014/main" xmlns="" id="{E6116E6B-167C-2CAA-F5EB-71A1B04492F9}"/>
+                <a16:creationId xmlns="" xmlns:a16="http://schemas.microsoft.com/office/drawing/2014/main" id="{E6116E6B-167C-2CAA-F5EB-71A1B04492F9}"/>
               </a:ext>
             </a:extLst>
           </p:cNvPr>
@@ -4490,7 +4490,7 @@
           <p:cNvPr id="18" name="직선 화살표 연결선 17">
             <a:extLst>
               <a:ext uri="{FF2B5EF4-FFF2-40B4-BE49-F238E27FC236}">
-                <a16:creationId xmlns:a16="http://schemas.microsoft.com/office/drawing/2014/main" xmlns="" id="{3F9F23EB-44CC-D9FF-FA09-B07564F64B4A}"/>
+                <a16:creationId xmlns="" xmlns:a16="http://schemas.microsoft.com/office/drawing/2014/main" id="{3F9F23EB-44CC-D9FF-FA09-B07564F64B4A}"/>
               </a:ext>
             </a:extLst>
           </p:cNvPr>
@@ -4531,7 +4531,7 @@
           <p:cNvPr id="19" name="직사각형 18">
             <a:extLst>
               <a:ext uri="{FF2B5EF4-FFF2-40B4-BE49-F238E27FC236}">
-                <a16:creationId xmlns:a16="http://schemas.microsoft.com/office/drawing/2014/main" xmlns="" id="{1C4A5E66-3D48-F1E3-6C55-3554DC461689}"/>
+                <a16:creationId xmlns="" xmlns:a16="http://schemas.microsoft.com/office/drawing/2014/main" id="{1C4A5E66-3D48-F1E3-6C55-3554DC461689}"/>
               </a:ext>
             </a:extLst>
           </p:cNvPr>
@@ -4583,7 +4583,7 @@
           <p:cNvPr id="20" name="TextBox 19">
             <a:extLst>
               <a:ext uri="{FF2B5EF4-FFF2-40B4-BE49-F238E27FC236}">
-                <a16:creationId xmlns:a16="http://schemas.microsoft.com/office/drawing/2014/main" xmlns="" id="{5B4BD476-0F74-1CF1-B598-4D3336BE57BA}"/>
+                <a16:creationId xmlns="" xmlns:a16="http://schemas.microsoft.com/office/drawing/2014/main" id="{5B4BD476-0F74-1CF1-B598-4D3336BE57BA}"/>
               </a:ext>
             </a:extLst>
           </p:cNvPr>
@@ -4756,7 +4756,7 @@
           <p:cNvPr id="22" name="TextBox 21">
             <a:extLst>
               <a:ext uri="{FF2B5EF4-FFF2-40B4-BE49-F238E27FC236}">
-                <a16:creationId xmlns:a16="http://schemas.microsoft.com/office/drawing/2014/main" xmlns="" id="{BDC22999-0902-B77A-1EC7-5C8B63487CA3}"/>
+                <a16:creationId xmlns="" xmlns:a16="http://schemas.microsoft.com/office/drawing/2014/main" id="{BDC22999-0902-B77A-1EC7-5C8B63487CA3}"/>
               </a:ext>
             </a:extLst>
           </p:cNvPr>
@@ -5085,7 +5085,7 @@
           <p:cNvPr id="5" name="그림 4">
             <a:extLst>
               <a:ext uri="{FF2B5EF4-FFF2-40B4-BE49-F238E27FC236}">
-                <a16:creationId xmlns:a16="http://schemas.microsoft.com/office/drawing/2014/main" xmlns="" id="{1DFC7568-CAEF-99BF-EC85-4041AF7F1F76}"/>
+                <a16:creationId xmlns="" xmlns:a16="http://schemas.microsoft.com/office/drawing/2014/main" id="{1DFC7568-CAEF-99BF-EC85-4041AF7F1F76}"/>
               </a:ext>
             </a:extLst>
           </p:cNvPr>
@@ -5115,7 +5115,7 @@
           <p:cNvPr id="6" name="TextBox 5">
             <a:extLst>
               <a:ext uri="{FF2B5EF4-FFF2-40B4-BE49-F238E27FC236}">
-                <a16:creationId xmlns:a16="http://schemas.microsoft.com/office/drawing/2014/main" xmlns="" id="{8B6C8FF8-0C35-1A4E-C784-120FC66EC404}"/>
+                <a16:creationId xmlns="" xmlns:a16="http://schemas.microsoft.com/office/drawing/2014/main" id="{8B6C8FF8-0C35-1A4E-C784-120FC66EC404}"/>
               </a:ext>
             </a:extLst>
           </p:cNvPr>
@@ -5163,7 +5163,7 @@
           <p:cNvPr id="8" name="그림 7">
             <a:extLst>
               <a:ext uri="{FF2B5EF4-FFF2-40B4-BE49-F238E27FC236}">
-                <a16:creationId xmlns:a16="http://schemas.microsoft.com/office/drawing/2014/main" xmlns="" id="{525EA779-64DA-A0ED-BD45-CB95233C33EF}"/>
+                <a16:creationId xmlns="" xmlns:a16="http://schemas.microsoft.com/office/drawing/2014/main" id="{525EA779-64DA-A0ED-BD45-CB95233C33EF}"/>
               </a:ext>
             </a:extLst>
           </p:cNvPr>
@@ -5193,7 +5193,7 @@
           <p:cNvPr id="10" name="그림 9">
             <a:extLst>
               <a:ext uri="{FF2B5EF4-FFF2-40B4-BE49-F238E27FC236}">
-                <a16:creationId xmlns:a16="http://schemas.microsoft.com/office/drawing/2014/main" xmlns="" id="{464E328A-7AC7-C161-FF8E-F8E9E55DC831}"/>
+                <a16:creationId xmlns="" xmlns:a16="http://schemas.microsoft.com/office/drawing/2014/main" id="{464E328A-7AC7-C161-FF8E-F8E9E55DC831}"/>
               </a:ext>
             </a:extLst>
           </p:cNvPr>
@@ -5223,7 +5223,7 @@
           <p:cNvPr id="11" name="직선 화살표 연결선 10">
             <a:extLst>
               <a:ext uri="{FF2B5EF4-FFF2-40B4-BE49-F238E27FC236}">
-                <a16:creationId xmlns:a16="http://schemas.microsoft.com/office/drawing/2014/main" xmlns="" id="{09361789-4FC4-6FDF-2E48-F0107B92854A}"/>
+                <a16:creationId xmlns="" xmlns:a16="http://schemas.microsoft.com/office/drawing/2014/main" id="{09361789-4FC4-6FDF-2E48-F0107B92854A}"/>
               </a:ext>
             </a:extLst>
           </p:cNvPr>
@@ -5264,7 +5264,7 @@
           <p:cNvPr id="13" name="TextBox 12">
             <a:extLst>
               <a:ext uri="{FF2B5EF4-FFF2-40B4-BE49-F238E27FC236}">
-                <a16:creationId xmlns:a16="http://schemas.microsoft.com/office/drawing/2014/main" xmlns="" id="{E6784F8F-6CCA-3398-4ED7-56F784B30CA2}"/>
+                <a16:creationId xmlns="" xmlns:a16="http://schemas.microsoft.com/office/drawing/2014/main" id="{E6784F8F-6CCA-3398-4ED7-56F784B30CA2}"/>
               </a:ext>
             </a:extLst>
           </p:cNvPr>
@@ -5470,7 +5470,7 @@
           <p:cNvPr id="5" name="그림 4">
             <a:extLst>
               <a:ext uri="{FF2B5EF4-FFF2-40B4-BE49-F238E27FC236}">
-                <a16:creationId xmlns:a16="http://schemas.microsoft.com/office/drawing/2014/main" xmlns="" id="{510207EF-09DC-49C1-E6D3-F88691120AD1}"/>
+                <a16:creationId xmlns="" xmlns:a16="http://schemas.microsoft.com/office/drawing/2014/main" id="{510207EF-09DC-49C1-E6D3-F88691120AD1}"/>
               </a:ext>
             </a:extLst>
           </p:cNvPr>
@@ -5500,7 +5500,7 @@
           <p:cNvPr id="6" name="그룹 1008">
             <a:extLst>
               <a:ext uri="{FF2B5EF4-FFF2-40B4-BE49-F238E27FC236}">
-                <a16:creationId xmlns:a16="http://schemas.microsoft.com/office/drawing/2014/main" xmlns="" id="{A14EE19E-321C-A97D-AF63-2072243F002A}"/>
+                <a16:creationId xmlns="" xmlns:a16="http://schemas.microsoft.com/office/drawing/2014/main" id="{A14EE19E-321C-A97D-AF63-2072243F002A}"/>
               </a:ext>
             </a:extLst>
           </p:cNvPr>
@@ -5520,7 +5520,7 @@
             <p:cNvPr id="7" name="그룹 1009">
               <a:extLst>
                 <a:ext uri="{FF2B5EF4-FFF2-40B4-BE49-F238E27FC236}">
-                  <a16:creationId xmlns:a16="http://schemas.microsoft.com/office/drawing/2014/main" xmlns="" id="{A43A4073-7B53-6E71-0062-9B20CB4FE514}"/>
+                  <a16:creationId xmlns="" xmlns:a16="http://schemas.microsoft.com/office/drawing/2014/main" id="{A43A4073-7B53-6E71-0062-9B20CB4FE514}"/>
                 </a:ext>
               </a:extLst>
             </p:cNvPr>
@@ -5540,7 +5540,7 @@
               <p:cNvPr id="12" name="Object 29">
                 <a:extLst>
                   <a:ext uri="{FF2B5EF4-FFF2-40B4-BE49-F238E27FC236}">
-                    <a16:creationId xmlns:a16="http://schemas.microsoft.com/office/drawing/2014/main" xmlns="" id="{0FA1F176-78B5-C337-CEE4-18490FB23C9F}"/>
+                    <a16:creationId xmlns="" xmlns:a16="http://schemas.microsoft.com/office/drawing/2014/main" id="{0FA1F176-78B5-C337-CEE4-18490FB23C9F}"/>
                   </a:ext>
                 </a:extLst>
               </p:cNvPr>
@@ -5571,7 +5571,7 @@
             <p:cNvPr id="8" name="그룹 1010">
               <a:extLst>
                 <a:ext uri="{FF2B5EF4-FFF2-40B4-BE49-F238E27FC236}">
-                  <a16:creationId xmlns:a16="http://schemas.microsoft.com/office/drawing/2014/main" xmlns="" id="{674E521B-C909-5CDE-F90C-AF7B7C750389}"/>
+                  <a16:creationId xmlns="" xmlns:a16="http://schemas.microsoft.com/office/drawing/2014/main" id="{674E521B-C909-5CDE-F90C-AF7B7C750389}"/>
                 </a:ext>
               </a:extLst>
             </p:cNvPr>
@@ -5591,7 +5591,7 @@
               <p:cNvPr id="11" name="Object 32">
                 <a:extLst>
                   <a:ext uri="{FF2B5EF4-FFF2-40B4-BE49-F238E27FC236}">
-                    <a16:creationId xmlns:a16="http://schemas.microsoft.com/office/drawing/2014/main" xmlns="" id="{DC8FA06F-2A39-2C5A-9773-76B50091F261}"/>
+                    <a16:creationId xmlns="" xmlns:a16="http://schemas.microsoft.com/office/drawing/2014/main" id="{DC8FA06F-2A39-2C5A-9773-76B50091F261}"/>
                   </a:ext>
                 </a:extLst>
               </p:cNvPr>
@@ -5622,7 +5622,7 @@
             <p:cNvPr id="9" name="그룹 1011">
               <a:extLst>
                 <a:ext uri="{FF2B5EF4-FFF2-40B4-BE49-F238E27FC236}">
-                  <a16:creationId xmlns:a16="http://schemas.microsoft.com/office/drawing/2014/main" xmlns="" id="{C96426C2-84E9-31A0-A52C-8C856FFBD1B5}"/>
+                  <a16:creationId xmlns="" xmlns:a16="http://schemas.microsoft.com/office/drawing/2014/main" id="{C96426C2-84E9-31A0-A52C-8C856FFBD1B5}"/>
                 </a:ext>
               </a:extLst>
             </p:cNvPr>
@@ -5642,7 +5642,7 @@
               <p:cNvPr id="10" name="Object 35">
                 <a:extLst>
                   <a:ext uri="{FF2B5EF4-FFF2-40B4-BE49-F238E27FC236}">
-                    <a16:creationId xmlns:a16="http://schemas.microsoft.com/office/drawing/2014/main" xmlns="" id="{C3CF0BFA-2B16-5180-8CE8-9B8F37088E16}"/>
+                    <a16:creationId xmlns="" xmlns:a16="http://schemas.microsoft.com/office/drawing/2014/main" id="{C3CF0BFA-2B16-5180-8CE8-9B8F37088E16}"/>
                   </a:ext>
                 </a:extLst>
               </p:cNvPr>
@@ -5674,7 +5674,7 @@
           <p:cNvPr id="14" name="그림 13">
             <a:extLst>
               <a:ext uri="{FF2B5EF4-FFF2-40B4-BE49-F238E27FC236}">
-                <a16:creationId xmlns:a16="http://schemas.microsoft.com/office/drawing/2014/main" xmlns="" id="{3CB6F7CE-461F-FFAC-327C-A36798B4947A}"/>
+                <a16:creationId xmlns="" xmlns:a16="http://schemas.microsoft.com/office/drawing/2014/main" id="{3CB6F7CE-461F-FFAC-327C-A36798B4947A}"/>
               </a:ext>
             </a:extLst>
           </p:cNvPr>
@@ -5704,7 +5704,7 @@
           <p:cNvPr id="15" name="직사각형 14">
             <a:extLst>
               <a:ext uri="{FF2B5EF4-FFF2-40B4-BE49-F238E27FC236}">
-                <a16:creationId xmlns:a16="http://schemas.microsoft.com/office/drawing/2014/main" xmlns="" id="{E71FCE28-DE56-093A-EFDA-13850D95EB1C}"/>
+                <a16:creationId xmlns="" xmlns:a16="http://schemas.microsoft.com/office/drawing/2014/main" id="{E71FCE28-DE56-093A-EFDA-13850D95EB1C}"/>
               </a:ext>
             </a:extLst>
           </p:cNvPr>
@@ -5756,7 +5756,7 @@
           <p:cNvPr id="16" name="TextBox 15">
             <a:extLst>
               <a:ext uri="{FF2B5EF4-FFF2-40B4-BE49-F238E27FC236}">
-                <a16:creationId xmlns:a16="http://schemas.microsoft.com/office/drawing/2014/main" xmlns="" id="{98021B63-D133-4AD2-3BDE-8A3CB38007A6}"/>
+                <a16:creationId xmlns="" xmlns:a16="http://schemas.microsoft.com/office/drawing/2014/main" id="{98021B63-D133-4AD2-3BDE-8A3CB38007A6}"/>
               </a:ext>
             </a:extLst>
           </p:cNvPr>
@@ -5913,7 +5913,7 @@
           <p:cNvPr id="4" name="TextBox 3">
             <a:extLst>
               <a:ext uri="{FF2B5EF4-FFF2-40B4-BE49-F238E27FC236}">
-                <a16:creationId xmlns:a16="http://schemas.microsoft.com/office/drawing/2014/main" xmlns="" id="{F8EAC7D1-88F2-45AD-C573-E3F58E88DC68}"/>
+                <a16:creationId xmlns="" xmlns:a16="http://schemas.microsoft.com/office/drawing/2014/main" id="{F8EAC7D1-88F2-45AD-C573-E3F58E88DC68}"/>
               </a:ext>
             </a:extLst>
           </p:cNvPr>
@@ -5961,7 +5961,7 @@
           <p:cNvPr id="8" name="직선 화살표 연결선 7">
             <a:extLst>
               <a:ext uri="{FF2B5EF4-FFF2-40B4-BE49-F238E27FC236}">
-                <a16:creationId xmlns:a16="http://schemas.microsoft.com/office/drawing/2014/main" xmlns="" id="{BD7E8D46-8366-0ACB-8736-BAA63C4948F6}"/>
+                <a16:creationId xmlns="" xmlns:a16="http://schemas.microsoft.com/office/drawing/2014/main" id="{BD7E8D46-8366-0ACB-8736-BAA63C4948F6}"/>
               </a:ext>
             </a:extLst>
           </p:cNvPr>
@@ -6004,7 +6004,7 @@
           <p:cNvPr id="9" name="TextBox 8">
             <a:extLst>
               <a:ext uri="{FF2B5EF4-FFF2-40B4-BE49-F238E27FC236}">
-                <a16:creationId xmlns:a16="http://schemas.microsoft.com/office/drawing/2014/main" xmlns="" id="{F51F0C12-7B1F-4619-C90F-85C6C255847B}"/>
+                <a16:creationId xmlns="" xmlns:a16="http://schemas.microsoft.com/office/drawing/2014/main" id="{F51F0C12-7B1F-4619-C90F-85C6C255847B}"/>
               </a:ext>
             </a:extLst>
           </p:cNvPr>
@@ -6052,7 +6052,7 @@
           <p:cNvPr id="11" name="그림 10">
             <a:extLst>
               <a:ext uri="{FF2B5EF4-FFF2-40B4-BE49-F238E27FC236}">
-                <a16:creationId xmlns:a16="http://schemas.microsoft.com/office/drawing/2014/main" xmlns="" id="{DD05D970-9738-B739-E4DD-0ECF16E2117A}"/>
+                <a16:creationId xmlns="" xmlns:a16="http://schemas.microsoft.com/office/drawing/2014/main" id="{DD05D970-9738-B739-E4DD-0ECF16E2117A}"/>
               </a:ext>
             </a:extLst>
           </p:cNvPr>
@@ -6082,7 +6082,7 @@
           <p:cNvPr id="15" name="그림 14">
             <a:extLst>
               <a:ext uri="{FF2B5EF4-FFF2-40B4-BE49-F238E27FC236}">
-                <a16:creationId xmlns:a16="http://schemas.microsoft.com/office/drawing/2014/main" xmlns="" id="{41AC80D2-EE1D-ABD5-510D-F82737E08F34}"/>
+                <a16:creationId xmlns="" xmlns:a16="http://schemas.microsoft.com/office/drawing/2014/main" id="{41AC80D2-EE1D-ABD5-510D-F82737E08F34}"/>
               </a:ext>
             </a:extLst>
           </p:cNvPr>
@@ -6112,7 +6112,7 @@
           <p:cNvPr id="16" name="직선 화살표 연결선 15">
             <a:extLst>
               <a:ext uri="{FF2B5EF4-FFF2-40B4-BE49-F238E27FC236}">
-                <a16:creationId xmlns:a16="http://schemas.microsoft.com/office/drawing/2014/main" xmlns="" id="{1FA065D4-8A94-28C0-91F2-C1FB1537AB3F}"/>
+                <a16:creationId xmlns="" xmlns:a16="http://schemas.microsoft.com/office/drawing/2014/main" id="{1FA065D4-8A94-28C0-91F2-C1FB1537AB3F}"/>
               </a:ext>
             </a:extLst>
           </p:cNvPr>
@@ -6153,7 +6153,7 @@
           <p:cNvPr id="17" name="TextBox 16">
             <a:extLst>
               <a:ext uri="{FF2B5EF4-FFF2-40B4-BE49-F238E27FC236}">
-                <a16:creationId xmlns:a16="http://schemas.microsoft.com/office/drawing/2014/main" xmlns="" id="{E5728E47-8085-2359-64CF-5161928F4B53}"/>
+                <a16:creationId xmlns="" xmlns:a16="http://schemas.microsoft.com/office/drawing/2014/main" id="{E5728E47-8085-2359-64CF-5161928F4B53}"/>
               </a:ext>
             </a:extLst>
           </p:cNvPr>
@@ -6210,7 +6210,7 @@
           <p:cNvPr id="19" name="그림 18">
             <a:extLst>
               <a:ext uri="{FF2B5EF4-FFF2-40B4-BE49-F238E27FC236}">
-                <a16:creationId xmlns:a16="http://schemas.microsoft.com/office/drawing/2014/main" xmlns="" id="{C2C9B424-B3FD-D9FD-27BB-4CDE5A1C5270}"/>
+                <a16:creationId xmlns="" xmlns:a16="http://schemas.microsoft.com/office/drawing/2014/main" id="{C2C9B424-B3FD-D9FD-27BB-4CDE5A1C5270}"/>
               </a:ext>
             </a:extLst>
           </p:cNvPr>
@@ -6240,7 +6240,7 @@
           <p:cNvPr id="21" name="직선 화살표 연결선 20">
             <a:extLst>
               <a:ext uri="{FF2B5EF4-FFF2-40B4-BE49-F238E27FC236}">
-                <a16:creationId xmlns:a16="http://schemas.microsoft.com/office/drawing/2014/main" xmlns="" id="{E37CF84E-BCBC-2603-47D0-250D6FF23E5D}"/>
+                <a16:creationId xmlns="" xmlns:a16="http://schemas.microsoft.com/office/drawing/2014/main" id="{E37CF84E-BCBC-2603-47D0-250D6FF23E5D}"/>
               </a:ext>
             </a:extLst>
           </p:cNvPr>
@@ -6283,7 +6283,7 @@
           <p:cNvPr id="22" name="TextBox 21">
             <a:extLst>
               <a:ext uri="{FF2B5EF4-FFF2-40B4-BE49-F238E27FC236}">
-                <a16:creationId xmlns:a16="http://schemas.microsoft.com/office/drawing/2014/main" xmlns="" id="{416B52E3-E39B-3465-F625-41EBE4C5B82F}"/>
+                <a16:creationId xmlns="" xmlns:a16="http://schemas.microsoft.com/office/drawing/2014/main" id="{416B52E3-E39B-3465-F625-41EBE4C5B82F}"/>
               </a:ext>
             </a:extLst>
           </p:cNvPr>
@@ -6340,7 +6340,7 @@
           <p:cNvPr id="27" name="그림 26">
             <a:extLst>
               <a:ext uri="{FF2B5EF4-FFF2-40B4-BE49-F238E27FC236}">
-                <a16:creationId xmlns:a16="http://schemas.microsoft.com/office/drawing/2014/main" xmlns="" id="{3A9731F4-92A3-79BA-9983-667FA096D68E}"/>
+                <a16:creationId xmlns="" xmlns:a16="http://schemas.microsoft.com/office/drawing/2014/main" id="{3A9731F4-92A3-79BA-9983-667FA096D68E}"/>
               </a:ext>
             </a:extLst>
           </p:cNvPr>
@@ -6370,7 +6370,7 @@
           <p:cNvPr id="28" name="직선 화살표 연결선 27">
             <a:extLst>
               <a:ext uri="{FF2B5EF4-FFF2-40B4-BE49-F238E27FC236}">
-                <a16:creationId xmlns:a16="http://schemas.microsoft.com/office/drawing/2014/main" xmlns="" id="{3A77F496-0E00-2AA1-D9C9-8FAC3BD4B09A}"/>
+                <a16:creationId xmlns="" xmlns:a16="http://schemas.microsoft.com/office/drawing/2014/main" id="{3A77F496-0E00-2AA1-D9C9-8FAC3BD4B09A}"/>
               </a:ext>
             </a:extLst>
           </p:cNvPr>
@@ -6412,7 +6412,7 @@
           <p:cNvPr id="29" name="TextBox 28">
             <a:extLst>
               <a:ext uri="{FF2B5EF4-FFF2-40B4-BE49-F238E27FC236}">
-                <a16:creationId xmlns:a16="http://schemas.microsoft.com/office/drawing/2014/main" xmlns="" id="{209BD1AD-5AB8-4F47-8596-2FC55EDB2D9B}"/>
+                <a16:creationId xmlns="" xmlns:a16="http://schemas.microsoft.com/office/drawing/2014/main" id="{209BD1AD-5AB8-4F47-8596-2FC55EDB2D9B}"/>
               </a:ext>
             </a:extLst>
           </p:cNvPr>
@@ -6473,7 +6473,7 @@
           <p:cNvPr id="33" name="그림 32">
             <a:extLst>
               <a:ext uri="{FF2B5EF4-FFF2-40B4-BE49-F238E27FC236}">
-                <a16:creationId xmlns:a16="http://schemas.microsoft.com/office/drawing/2014/main" xmlns="" id="{E51875F0-A862-C9C6-A3DE-F63288F7F3F5}"/>
+                <a16:creationId xmlns="" xmlns:a16="http://schemas.microsoft.com/office/drawing/2014/main" id="{E51875F0-A862-C9C6-A3DE-F63288F7F3F5}"/>
               </a:ext>
             </a:extLst>
           </p:cNvPr>
@@ -6503,7 +6503,7 @@
           <p:cNvPr id="34" name="직선 화살표 연결선 33">
             <a:extLst>
               <a:ext uri="{FF2B5EF4-FFF2-40B4-BE49-F238E27FC236}">
-                <a16:creationId xmlns:a16="http://schemas.microsoft.com/office/drawing/2014/main" xmlns="" id="{723CDA1E-DD0C-A09B-3849-2CA0307CC77B}"/>
+                <a16:creationId xmlns="" xmlns:a16="http://schemas.microsoft.com/office/drawing/2014/main" id="{723CDA1E-DD0C-A09B-3849-2CA0307CC77B}"/>
               </a:ext>
             </a:extLst>
           </p:cNvPr>
@@ -6545,7 +6545,7 @@
           <p:cNvPr id="35" name="TextBox 34">
             <a:extLst>
               <a:ext uri="{FF2B5EF4-FFF2-40B4-BE49-F238E27FC236}">
-                <a16:creationId xmlns:a16="http://schemas.microsoft.com/office/drawing/2014/main" xmlns="" id="{CF80E56E-35DC-20B7-8FAF-706AEAFAC279}"/>
+                <a16:creationId xmlns="" xmlns:a16="http://schemas.microsoft.com/office/drawing/2014/main" id="{CF80E56E-35DC-20B7-8FAF-706AEAFAC279}"/>
               </a:ext>
             </a:extLst>
           </p:cNvPr>
@@ -6602,7 +6602,7 @@
           <p:cNvPr id="42" name="그림 41">
             <a:extLst>
               <a:ext uri="{FF2B5EF4-FFF2-40B4-BE49-F238E27FC236}">
-                <a16:creationId xmlns:a16="http://schemas.microsoft.com/office/drawing/2014/main" xmlns="" id="{EB7A3028-B24E-D1AE-80C1-0054FBD2BA3A}"/>
+                <a16:creationId xmlns="" xmlns:a16="http://schemas.microsoft.com/office/drawing/2014/main" id="{EB7A3028-B24E-D1AE-80C1-0054FBD2BA3A}"/>
               </a:ext>
             </a:extLst>
           </p:cNvPr>
@@ -6632,7 +6632,7 @@
           <p:cNvPr id="44" name="직선 화살표 연결선 43">
             <a:extLst>
               <a:ext uri="{FF2B5EF4-FFF2-40B4-BE49-F238E27FC236}">
-                <a16:creationId xmlns:a16="http://schemas.microsoft.com/office/drawing/2014/main" xmlns="" id="{7BD70768-F0FE-EB75-384A-63A099E51E92}"/>
+                <a16:creationId xmlns="" xmlns:a16="http://schemas.microsoft.com/office/drawing/2014/main" id="{7BD70768-F0FE-EB75-384A-63A099E51E92}"/>
               </a:ext>
             </a:extLst>
           </p:cNvPr>
@@ -6674,7 +6674,7 @@
           <p:cNvPr id="45" name="TextBox 44">
             <a:extLst>
               <a:ext uri="{FF2B5EF4-FFF2-40B4-BE49-F238E27FC236}">
-                <a16:creationId xmlns:a16="http://schemas.microsoft.com/office/drawing/2014/main" xmlns="" id="{BB5C97C4-93FC-2F33-77D9-C519DD5BA1FE}"/>
+                <a16:creationId xmlns="" xmlns:a16="http://schemas.microsoft.com/office/drawing/2014/main" id="{BB5C97C4-93FC-2F33-77D9-C519DD5BA1FE}"/>
               </a:ext>
             </a:extLst>
           </p:cNvPr>
@@ -7265,7 +7265,7 @@
           <p:cNvPr id="5" name="그림 4">
             <a:extLst>
               <a:ext uri="{FF2B5EF4-FFF2-40B4-BE49-F238E27FC236}">
-                <a16:creationId xmlns:a16="http://schemas.microsoft.com/office/drawing/2014/main" xmlns="" id="{CED397DB-6884-4568-93D2-7A434AF2A375}"/>
+                <a16:creationId xmlns="" xmlns:a16="http://schemas.microsoft.com/office/drawing/2014/main" id="{CED397DB-6884-4568-93D2-7A434AF2A375}"/>
               </a:ext>
             </a:extLst>
           </p:cNvPr>
@@ -7295,7 +7295,7 @@
           <p:cNvPr id="6" name="직선 화살표 연결선 5">
             <a:extLst>
               <a:ext uri="{FF2B5EF4-FFF2-40B4-BE49-F238E27FC236}">
-                <a16:creationId xmlns:a16="http://schemas.microsoft.com/office/drawing/2014/main" xmlns="" id="{53D81AA9-426A-FA0D-5ED9-A7F39CD10E67}"/>
+                <a16:creationId xmlns="" xmlns:a16="http://schemas.microsoft.com/office/drawing/2014/main" id="{53D81AA9-426A-FA0D-5ED9-A7F39CD10E67}"/>
               </a:ext>
             </a:extLst>
           </p:cNvPr>
@@ -7338,7 +7338,7 @@
           <p:cNvPr id="7" name="TextBox 6">
             <a:extLst>
               <a:ext uri="{FF2B5EF4-FFF2-40B4-BE49-F238E27FC236}">
-                <a16:creationId xmlns:a16="http://schemas.microsoft.com/office/drawing/2014/main" xmlns="" id="{596882A4-AA05-D19C-F595-DDF46F3DFE63}"/>
+                <a16:creationId xmlns="" xmlns:a16="http://schemas.microsoft.com/office/drawing/2014/main" id="{596882A4-AA05-D19C-F595-DDF46F3DFE63}"/>
               </a:ext>
             </a:extLst>
           </p:cNvPr>
@@ -7421,7 +7421,7 @@
           <p:cNvPr id="11" name="그림 10">
             <a:extLst>
               <a:ext uri="{FF2B5EF4-FFF2-40B4-BE49-F238E27FC236}">
-                <a16:creationId xmlns:a16="http://schemas.microsoft.com/office/drawing/2014/main" xmlns="" id="{B1C8B7AD-6AC3-6D3F-F098-E984D99CD435}"/>
+                <a16:creationId xmlns="" xmlns:a16="http://schemas.microsoft.com/office/drawing/2014/main" id="{B1C8B7AD-6AC3-6D3F-F098-E984D99CD435}"/>
               </a:ext>
             </a:extLst>
           </p:cNvPr>
@@ -7451,7 +7451,7 @@
           <p:cNvPr id="12" name="직선 화살표 연결선 11">
             <a:extLst>
               <a:ext uri="{FF2B5EF4-FFF2-40B4-BE49-F238E27FC236}">
-                <a16:creationId xmlns:a16="http://schemas.microsoft.com/office/drawing/2014/main" xmlns="" id="{E7C2BF38-A838-5867-9212-996769FB3F03}"/>
+                <a16:creationId xmlns="" xmlns:a16="http://schemas.microsoft.com/office/drawing/2014/main" id="{E7C2BF38-A838-5867-9212-996769FB3F03}"/>
               </a:ext>
             </a:extLst>
           </p:cNvPr>
@@ -7493,7 +7493,7 @@
           <p:cNvPr id="13" name="TextBox 12">
             <a:extLst>
               <a:ext uri="{FF2B5EF4-FFF2-40B4-BE49-F238E27FC236}">
-                <a16:creationId xmlns:a16="http://schemas.microsoft.com/office/drawing/2014/main" xmlns="" id="{1845C746-1213-A154-7457-9FC33860F6BD}"/>
+                <a16:creationId xmlns="" xmlns:a16="http://schemas.microsoft.com/office/drawing/2014/main" id="{1845C746-1213-A154-7457-9FC33860F6BD}"/>
               </a:ext>
             </a:extLst>
           </p:cNvPr>
@@ -7784,7 +7784,7 @@
           <p:cNvPr id="4" name="TextBox 3">
             <a:extLst>
               <a:ext uri="{FF2B5EF4-FFF2-40B4-BE49-F238E27FC236}">
-                <a16:creationId xmlns:a16="http://schemas.microsoft.com/office/drawing/2014/main" xmlns="" id="{CB50B841-27B1-7598-2FB2-6051E08E5552}"/>
+                <a16:creationId xmlns="" xmlns:a16="http://schemas.microsoft.com/office/drawing/2014/main" id="{CB50B841-27B1-7598-2FB2-6051E08E5552}"/>
               </a:ext>
             </a:extLst>
           </p:cNvPr>
@@ -7832,7 +7832,7 @@
           <p:cNvPr id="6" name="그림 5">
             <a:extLst>
               <a:ext uri="{FF2B5EF4-FFF2-40B4-BE49-F238E27FC236}">
-                <a16:creationId xmlns:a16="http://schemas.microsoft.com/office/drawing/2014/main" xmlns="" id="{45CC5072-46D6-08D9-955B-32ED071F5AC0}"/>
+                <a16:creationId xmlns="" xmlns:a16="http://schemas.microsoft.com/office/drawing/2014/main" id="{45CC5072-46D6-08D9-955B-32ED071F5AC0}"/>
               </a:ext>
             </a:extLst>
           </p:cNvPr>
@@ -7862,7 +7862,7 @@
           <p:cNvPr id="7" name="직선 화살표 연결선 6">
             <a:extLst>
               <a:ext uri="{FF2B5EF4-FFF2-40B4-BE49-F238E27FC236}">
-                <a16:creationId xmlns:a16="http://schemas.microsoft.com/office/drawing/2014/main" xmlns="" id="{4BADD8A1-E513-3640-2D73-E61242BF977F}"/>
+                <a16:creationId xmlns="" xmlns:a16="http://schemas.microsoft.com/office/drawing/2014/main" id="{4BADD8A1-E513-3640-2D73-E61242BF977F}"/>
               </a:ext>
             </a:extLst>
           </p:cNvPr>
@@ -7903,7 +7903,7 @@
           <p:cNvPr id="8" name="TextBox 7">
             <a:extLst>
               <a:ext uri="{FF2B5EF4-FFF2-40B4-BE49-F238E27FC236}">
-                <a16:creationId xmlns:a16="http://schemas.microsoft.com/office/drawing/2014/main" xmlns="" id="{4D5F8ADA-A705-C51D-8E95-CD4CDB9654BA}"/>
+                <a16:creationId xmlns="" xmlns:a16="http://schemas.microsoft.com/office/drawing/2014/main" id="{4D5F8ADA-A705-C51D-8E95-CD4CDB9654BA}"/>
               </a:ext>
             </a:extLst>
           </p:cNvPr>
@@ -7960,7 +7960,7 @@
           <p:cNvPr id="10" name="그림 9">
             <a:extLst>
               <a:ext uri="{FF2B5EF4-FFF2-40B4-BE49-F238E27FC236}">
-                <a16:creationId xmlns:a16="http://schemas.microsoft.com/office/drawing/2014/main" xmlns="" id="{66218DCB-BBAA-13D4-ECB3-025DDCD23B4F}"/>
+                <a16:creationId xmlns="" xmlns:a16="http://schemas.microsoft.com/office/drawing/2014/main" id="{66218DCB-BBAA-13D4-ECB3-025DDCD23B4F}"/>
               </a:ext>
             </a:extLst>
           </p:cNvPr>
@@ -7990,7 +7990,7 @@
           <p:cNvPr id="11" name="직선 화살표 연결선 10">
             <a:extLst>
               <a:ext uri="{FF2B5EF4-FFF2-40B4-BE49-F238E27FC236}">
-                <a16:creationId xmlns:a16="http://schemas.microsoft.com/office/drawing/2014/main" xmlns="" id="{F86C6958-EFE9-C5DC-7948-5D8EAB522449}"/>
+                <a16:creationId xmlns="" xmlns:a16="http://schemas.microsoft.com/office/drawing/2014/main" id="{F86C6958-EFE9-C5DC-7948-5D8EAB522449}"/>
               </a:ext>
             </a:extLst>
           </p:cNvPr>
@@ -8032,7 +8032,7 @@
           <p:cNvPr id="12" name="TextBox 11">
             <a:extLst>
               <a:ext uri="{FF2B5EF4-FFF2-40B4-BE49-F238E27FC236}">
-                <a16:creationId xmlns:a16="http://schemas.microsoft.com/office/drawing/2014/main" xmlns="" id="{4DE5A079-4DA8-C78F-8103-A888E64984B4}"/>
+                <a16:creationId xmlns="" xmlns:a16="http://schemas.microsoft.com/office/drawing/2014/main" id="{4DE5A079-4DA8-C78F-8103-A888E64984B4}"/>
               </a:ext>
             </a:extLst>
           </p:cNvPr>
@@ -8349,7 +8349,7 @@
           <p:cNvPr id="4" name="TextBox 3">
             <a:extLst>
               <a:ext uri="{FF2B5EF4-FFF2-40B4-BE49-F238E27FC236}">
-                <a16:creationId xmlns:a16="http://schemas.microsoft.com/office/drawing/2014/main" xmlns="" id="{37C30BAF-D498-C798-BC14-1718488A3435}"/>
+                <a16:creationId xmlns="" xmlns:a16="http://schemas.microsoft.com/office/drawing/2014/main" id="{37C30BAF-D498-C798-BC14-1718488A3435}"/>
               </a:ext>
             </a:extLst>
           </p:cNvPr>
@@ -8400,7 +8400,7 @@
           <p:cNvPr id="5" name="TextBox 4">
             <a:extLst>
               <a:ext uri="{FF2B5EF4-FFF2-40B4-BE49-F238E27FC236}">
-                <a16:creationId xmlns:a16="http://schemas.microsoft.com/office/drawing/2014/main" xmlns="" id="{1411E83A-6F3E-13BA-B84D-07D6B1588D85}"/>
+                <a16:creationId xmlns="" xmlns:a16="http://schemas.microsoft.com/office/drawing/2014/main" id="{1411E83A-6F3E-13BA-B84D-07D6B1588D85}"/>
               </a:ext>
             </a:extLst>
           </p:cNvPr>
@@ -8566,7 +8566,7 @@
           <p:cNvPr id="6" name="TextBox 5">
             <a:extLst>
               <a:ext uri="{FF2B5EF4-FFF2-40B4-BE49-F238E27FC236}">
-                <a16:creationId xmlns:a16="http://schemas.microsoft.com/office/drawing/2014/main" xmlns="" id="{1411E83A-6F3E-13BA-B84D-07D6B1588D85}"/>
+                <a16:creationId xmlns="" xmlns:a16="http://schemas.microsoft.com/office/drawing/2014/main" id="{1411E83A-6F3E-13BA-B84D-07D6B1588D85}"/>
               </a:ext>
             </a:extLst>
           </p:cNvPr>
@@ -8704,20 +8704,7 @@
                 <a:latin typeface="G마켓 산스 Medium" panose="02000000000000000000" pitchFamily="50" charset="-127"/>
                 <a:ea typeface="G마켓 산스 Medium" panose="02000000000000000000" pitchFamily="50" charset="-127"/>
               </a:rPr>
-              <a:t>임의의</a:t>
-            </a:r>
-            <a:r>
-              <a:rPr lang="ko-KR" altLang="en-US" sz="3600" smtClean="0">
-                <a:solidFill>
-                  <a:schemeClr val="tx1">
-                    <a:lumMod val="50000"/>
-                    <a:lumOff val="50000"/>
-                  </a:schemeClr>
-                </a:solidFill>
-                <a:latin typeface="G마켓 산스 Medium" panose="02000000000000000000" pitchFamily="50" charset="-127"/>
-                <a:ea typeface="G마켓 산스 Medium" panose="02000000000000000000" pitchFamily="50" charset="-127"/>
-              </a:rPr>
-              <a:t>값을 넣고 최대값과 최소값을</a:t>
+              <a:t>임의의값을 넣고 최대값과 최소값을</a:t>
             </a:r>
             <a:r>
               <a:rPr lang="en-US" altLang="ko-KR" sz="3600" smtClean="0">
@@ -8753,7 +8740,7 @@
           <p:cNvPr id="7" name="TextBox 6">
             <a:extLst>
               <a:ext uri="{FF2B5EF4-FFF2-40B4-BE49-F238E27FC236}">
-                <a16:creationId xmlns:a16="http://schemas.microsoft.com/office/drawing/2014/main" xmlns="" id="{1411E83A-6F3E-13BA-B84D-07D6B1588D85}"/>
+                <a16:creationId xmlns="" xmlns:a16="http://schemas.microsoft.com/office/drawing/2014/main" id="{1411E83A-6F3E-13BA-B84D-07D6B1588D85}"/>
               </a:ext>
             </a:extLst>
           </p:cNvPr>
@@ -8800,20 +8787,7 @@
                 <a:latin typeface="G마켓 산스 Medium" panose="02000000000000000000" pitchFamily="50" charset="-127"/>
                 <a:ea typeface="G마켓 산스 Medium" panose="02000000000000000000" pitchFamily="50" charset="-127"/>
               </a:rPr>
-              <a:t>. i</a:t>
-            </a:r>
-            <a:r>
-              <a:rPr lang="en-US" altLang="ko-KR" sz="3600" smtClean="0">
-                <a:solidFill>
-                  <a:schemeClr val="tx1">
-                    <a:lumMod val="50000"/>
-                    <a:lumOff val="50000"/>
-                  </a:schemeClr>
-                </a:solidFill>
-                <a:latin typeface="G마켓 산스 Medium" panose="02000000000000000000" pitchFamily="50" charset="-127"/>
-                <a:ea typeface="G마켓 산스 Medium" panose="02000000000000000000" pitchFamily="50" charset="-127"/>
-              </a:rPr>
-              <a:t>nt</a:t>
+              <a:t>. int</a:t>
             </a:r>
             <a:r>
               <a:rPr lang="ko-KR" altLang="en-US" sz="3600" smtClean="0">
@@ -8973,7 +8947,7 @@
           <p:cNvPr id="4" name="TextBox 3">
             <a:extLst>
               <a:ext uri="{FF2B5EF4-FFF2-40B4-BE49-F238E27FC236}">
-                <a16:creationId xmlns:a16="http://schemas.microsoft.com/office/drawing/2014/main" xmlns="" id="{AAA7A62B-B663-9BB3-853E-37554E612635}"/>
+                <a16:creationId xmlns="" xmlns:a16="http://schemas.microsoft.com/office/drawing/2014/main" id="{AAA7A62B-B663-9BB3-853E-37554E612635}"/>
               </a:ext>
             </a:extLst>
           </p:cNvPr>
@@ -9044,7 +9018,7 @@
           <p:cNvPr id="12" name="그룹 1018">
             <a:extLst>
               <a:ext uri="{FF2B5EF4-FFF2-40B4-BE49-F238E27FC236}">
-                <a16:creationId xmlns:a16="http://schemas.microsoft.com/office/drawing/2014/main" xmlns="" id="{4F0468F5-F027-54AB-48FE-FBD97453C390}"/>
+                <a16:creationId xmlns="" xmlns:a16="http://schemas.microsoft.com/office/drawing/2014/main" id="{4F0468F5-F027-54AB-48FE-FBD97453C390}"/>
               </a:ext>
             </a:extLst>
           </p:cNvPr>
@@ -9064,7 +9038,7 @@
             <p:cNvPr id="13" name="Object 61">
               <a:extLst>
                 <a:ext uri="{FF2B5EF4-FFF2-40B4-BE49-F238E27FC236}">
-                  <a16:creationId xmlns:a16="http://schemas.microsoft.com/office/drawing/2014/main" xmlns="" id="{AC2EBFB7-1019-73EA-EBFE-CF649B53884D}"/>
+                  <a16:creationId xmlns="" xmlns:a16="http://schemas.microsoft.com/office/drawing/2014/main" id="{AC2EBFB7-1019-73EA-EBFE-CF649B53884D}"/>
                 </a:ext>
               </a:extLst>
             </p:cNvPr>
@@ -9095,7 +9069,7 @@
           <p:cNvPr id="14" name="TextBox 13">
             <a:extLst>
               <a:ext uri="{FF2B5EF4-FFF2-40B4-BE49-F238E27FC236}">
-                <a16:creationId xmlns:a16="http://schemas.microsoft.com/office/drawing/2014/main" xmlns="" id="{CD7FD98D-0E89-838A-2E86-645AC568668B}"/>
+                <a16:creationId xmlns="" xmlns:a16="http://schemas.microsoft.com/office/drawing/2014/main" id="{CD7FD98D-0E89-838A-2E86-645AC568668B}"/>
               </a:ext>
             </a:extLst>
           </p:cNvPr>
@@ -9152,7 +9126,7 @@
           <p:cNvPr id="17" name="TextBox 16">
             <a:extLst>
               <a:ext uri="{FF2B5EF4-FFF2-40B4-BE49-F238E27FC236}">
-                <a16:creationId xmlns:a16="http://schemas.microsoft.com/office/drawing/2014/main" xmlns="" id="{7843ACB4-9657-BCB3-AF18-AEDD8CD8AAD4}"/>
+                <a16:creationId xmlns="" xmlns:a16="http://schemas.microsoft.com/office/drawing/2014/main" id="{7843ACB4-9657-BCB3-AF18-AEDD8CD8AAD4}"/>
               </a:ext>
             </a:extLst>
           </p:cNvPr>
@@ -9203,7 +9177,7 @@
           <p:cNvPr id="18" name="그룹 1018">
             <a:extLst>
               <a:ext uri="{FF2B5EF4-FFF2-40B4-BE49-F238E27FC236}">
-                <a16:creationId xmlns:a16="http://schemas.microsoft.com/office/drawing/2014/main" xmlns="" id="{AC6D02A6-858E-B1E5-BCF7-602AAC9F856B}"/>
+                <a16:creationId xmlns="" xmlns:a16="http://schemas.microsoft.com/office/drawing/2014/main" id="{AC6D02A6-858E-B1E5-BCF7-602AAC9F856B}"/>
               </a:ext>
             </a:extLst>
           </p:cNvPr>
@@ -9223,7 +9197,7 @@
             <p:cNvPr id="19" name="Object 61">
               <a:extLst>
                 <a:ext uri="{FF2B5EF4-FFF2-40B4-BE49-F238E27FC236}">
-                  <a16:creationId xmlns:a16="http://schemas.microsoft.com/office/drawing/2014/main" xmlns="" id="{6F0A1746-433C-D68C-49A3-F644B1C290B7}"/>
+                  <a16:creationId xmlns="" xmlns:a16="http://schemas.microsoft.com/office/drawing/2014/main" id="{6F0A1746-433C-D68C-49A3-F644B1C290B7}"/>
                 </a:ext>
               </a:extLst>
             </p:cNvPr>
@@ -9254,7 +9228,7 @@
           <p:cNvPr id="20" name="TextBox 19">
             <a:extLst>
               <a:ext uri="{FF2B5EF4-FFF2-40B4-BE49-F238E27FC236}">
-                <a16:creationId xmlns:a16="http://schemas.microsoft.com/office/drawing/2014/main" xmlns="" id="{963B2D80-045B-B26F-596E-2802A373CFAE}"/>
+                <a16:creationId xmlns="" xmlns:a16="http://schemas.microsoft.com/office/drawing/2014/main" id="{963B2D80-045B-B26F-596E-2802A373CFAE}"/>
               </a:ext>
             </a:extLst>
           </p:cNvPr>
@@ -9311,7 +9285,7 @@
           <p:cNvPr id="21" name="TextBox 20">
             <a:extLst>
               <a:ext uri="{FF2B5EF4-FFF2-40B4-BE49-F238E27FC236}">
-                <a16:creationId xmlns:a16="http://schemas.microsoft.com/office/drawing/2014/main" xmlns="" id="{59E0E04C-877E-D861-8074-BD32F9DFFD3D}"/>
+                <a16:creationId xmlns="" xmlns:a16="http://schemas.microsoft.com/office/drawing/2014/main" id="{59E0E04C-877E-D861-8074-BD32F9DFFD3D}"/>
               </a:ext>
             </a:extLst>
           </p:cNvPr>
@@ -9355,7 +9329,7 @@
           <p:cNvPr id="25" name="표 24">
             <a:extLst>
               <a:ext uri="{FF2B5EF4-FFF2-40B4-BE49-F238E27FC236}">
-                <a16:creationId xmlns:a16="http://schemas.microsoft.com/office/drawing/2014/main" xmlns="" id="{A8016755-38EE-8AE4-EEE3-827991B3D0F3}"/>
+                <a16:creationId xmlns="" xmlns:a16="http://schemas.microsoft.com/office/drawing/2014/main" id="{A8016755-38EE-8AE4-EEE3-827991B3D0F3}"/>
               </a:ext>
             </a:extLst>
           </p:cNvPr>
@@ -9384,14 +9358,14 @@
                 <a:gridCol w="1528823">
                   <a:extLst>
                     <a:ext uri="{9D8B030D-6E8A-4147-A177-3AD203B41FA5}">
-                      <a16:colId xmlns:a16="http://schemas.microsoft.com/office/drawing/2014/main" xmlns="" val="2271107190"/>
+                      <a16:colId xmlns="" xmlns:a16="http://schemas.microsoft.com/office/drawing/2014/main" val="2271107190"/>
                     </a:ext>
                   </a:extLst>
                 </a:gridCol>
                 <a:gridCol w="838200">
                   <a:extLst>
                     <a:ext uri="{9D8B030D-6E8A-4147-A177-3AD203B41FA5}">
-                      <a16:colId xmlns:a16="http://schemas.microsoft.com/office/drawing/2014/main" xmlns="" val="4072949715"/>
+                      <a16:colId xmlns="" xmlns:a16="http://schemas.microsoft.com/office/drawing/2014/main" val="4072949715"/>
                     </a:ext>
                   </a:extLst>
                 </a:gridCol>
@@ -9517,7 +9491,7 @@
                 </a:tc>
                 <a:extLst>
                   <a:ext uri="{0D108BD9-81ED-4DB2-BD59-A6C34878D82A}">
-                    <a16:rowId xmlns:a16="http://schemas.microsoft.com/office/drawing/2014/main" xmlns="" val="3364141702"/>
+                    <a16:rowId xmlns="" xmlns:a16="http://schemas.microsoft.com/office/drawing/2014/main" val="3364141702"/>
                   </a:ext>
                 </a:extLst>
               </a:tr>
@@ -9646,7 +9620,7 @@
                 </a:tc>
                 <a:extLst>
                   <a:ext uri="{0D108BD9-81ED-4DB2-BD59-A6C34878D82A}">
-                    <a16:rowId xmlns:a16="http://schemas.microsoft.com/office/drawing/2014/main" xmlns="" val="2764294510"/>
+                    <a16:rowId xmlns="" xmlns:a16="http://schemas.microsoft.com/office/drawing/2014/main" val="2764294510"/>
                   </a:ext>
                 </a:extLst>
               </a:tr>
@@ -9759,7 +9733,7 @@
                 </a:tc>
                 <a:extLst>
                   <a:ext uri="{0D108BD9-81ED-4DB2-BD59-A6C34878D82A}">
-                    <a16:rowId xmlns:a16="http://schemas.microsoft.com/office/drawing/2014/main" xmlns="" val="1538767738"/>
+                    <a16:rowId xmlns="" xmlns:a16="http://schemas.microsoft.com/office/drawing/2014/main" val="1538767738"/>
                   </a:ext>
                 </a:extLst>
               </a:tr>
@@ -9872,7 +9846,7 @@
                 </a:tc>
                 <a:extLst>
                   <a:ext uri="{0D108BD9-81ED-4DB2-BD59-A6C34878D82A}">
-                    <a16:rowId xmlns:a16="http://schemas.microsoft.com/office/drawing/2014/main" xmlns="" val="75423910"/>
+                    <a16:rowId xmlns="" xmlns:a16="http://schemas.microsoft.com/office/drawing/2014/main" val="75423910"/>
                   </a:ext>
                 </a:extLst>
               </a:tr>
@@ -9985,7 +9959,7 @@
                 </a:tc>
                 <a:extLst>
                   <a:ext uri="{0D108BD9-81ED-4DB2-BD59-A6C34878D82A}">
-                    <a16:rowId xmlns:a16="http://schemas.microsoft.com/office/drawing/2014/main" xmlns="" val="1880026330"/>
+                    <a16:rowId xmlns="" xmlns:a16="http://schemas.microsoft.com/office/drawing/2014/main" val="1880026330"/>
                   </a:ext>
                 </a:extLst>
               </a:tr>
@@ -10098,7 +10072,7 @@
                 </a:tc>
                 <a:extLst>
                   <a:ext uri="{0D108BD9-81ED-4DB2-BD59-A6C34878D82A}">
-                    <a16:rowId xmlns:a16="http://schemas.microsoft.com/office/drawing/2014/main" xmlns="" val="2904285843"/>
+                    <a16:rowId xmlns="" xmlns:a16="http://schemas.microsoft.com/office/drawing/2014/main" val="2904285843"/>
                   </a:ext>
                 </a:extLst>
               </a:tr>
@@ -10111,7 +10085,7 @@
           <p:cNvPr id="15" name="직선 화살표 연결선 14">
             <a:extLst>
               <a:ext uri="{FF2B5EF4-FFF2-40B4-BE49-F238E27FC236}">
-                <a16:creationId xmlns:a16="http://schemas.microsoft.com/office/drawing/2014/main" xmlns="" id="{4CD3AA73-144D-EE56-1594-B12541E20A71}"/>
+                <a16:creationId xmlns="" xmlns:a16="http://schemas.microsoft.com/office/drawing/2014/main" id="{4CD3AA73-144D-EE56-1594-B12541E20A71}"/>
               </a:ext>
             </a:extLst>
           </p:cNvPr>
@@ -10153,7 +10127,7 @@
           <p:cNvPr id="31" name="표 30">
             <a:extLst>
               <a:ext uri="{FF2B5EF4-FFF2-40B4-BE49-F238E27FC236}">
-                <a16:creationId xmlns:a16="http://schemas.microsoft.com/office/drawing/2014/main" xmlns="" id="{184CBD6D-35D2-535B-0A9C-7994770538BF}"/>
+                <a16:creationId xmlns="" xmlns:a16="http://schemas.microsoft.com/office/drawing/2014/main" id="{184CBD6D-35D2-535B-0A9C-7994770538BF}"/>
               </a:ext>
             </a:extLst>
           </p:cNvPr>
@@ -10182,14 +10156,14 @@
                 <a:gridCol w="1528823">
                   <a:extLst>
                     <a:ext uri="{9D8B030D-6E8A-4147-A177-3AD203B41FA5}">
-                      <a16:colId xmlns:a16="http://schemas.microsoft.com/office/drawing/2014/main" xmlns="" val="3265756666"/>
+                      <a16:colId xmlns="" xmlns:a16="http://schemas.microsoft.com/office/drawing/2014/main" val="3265756666"/>
                     </a:ext>
                   </a:extLst>
                 </a:gridCol>
                 <a:gridCol w="838200">
                   <a:extLst>
                     <a:ext uri="{9D8B030D-6E8A-4147-A177-3AD203B41FA5}">
-                      <a16:colId xmlns:a16="http://schemas.microsoft.com/office/drawing/2014/main" xmlns="" val="612514747"/>
+                      <a16:colId xmlns="" xmlns:a16="http://schemas.microsoft.com/office/drawing/2014/main" val="612514747"/>
                     </a:ext>
                   </a:extLst>
                 </a:gridCol>
@@ -10315,7 +10289,7 @@
                 </a:tc>
                 <a:extLst>
                   <a:ext uri="{0D108BD9-81ED-4DB2-BD59-A6C34878D82A}">
-                    <a16:rowId xmlns:a16="http://schemas.microsoft.com/office/drawing/2014/main" xmlns="" val="3206675433"/>
+                    <a16:rowId xmlns="" xmlns:a16="http://schemas.microsoft.com/office/drawing/2014/main" val="3206675433"/>
                   </a:ext>
                 </a:extLst>
               </a:tr>
@@ -10444,7 +10418,7 @@
                 </a:tc>
                 <a:extLst>
                   <a:ext uri="{0D108BD9-81ED-4DB2-BD59-A6C34878D82A}">
-                    <a16:rowId xmlns:a16="http://schemas.microsoft.com/office/drawing/2014/main" xmlns="" val="974737628"/>
+                    <a16:rowId xmlns="" xmlns:a16="http://schemas.microsoft.com/office/drawing/2014/main" val="974737628"/>
                   </a:ext>
                 </a:extLst>
               </a:tr>
@@ -10589,7 +10563,7 @@
                 </a:tc>
                 <a:extLst>
                   <a:ext uri="{0D108BD9-81ED-4DB2-BD59-A6C34878D82A}">
-                    <a16:rowId xmlns:a16="http://schemas.microsoft.com/office/drawing/2014/main" xmlns="" val="10002"/>
+                    <a16:rowId xmlns="" xmlns:a16="http://schemas.microsoft.com/office/drawing/2014/main" val="10002"/>
                   </a:ext>
                 </a:extLst>
               </a:tr>
@@ -10718,7 +10692,7 @@
                 </a:tc>
                 <a:extLst>
                   <a:ext uri="{0D108BD9-81ED-4DB2-BD59-A6C34878D82A}">
-                    <a16:rowId xmlns:a16="http://schemas.microsoft.com/office/drawing/2014/main" xmlns="" val="4102325686"/>
+                    <a16:rowId xmlns="" xmlns:a16="http://schemas.microsoft.com/office/drawing/2014/main" val="4102325686"/>
                   </a:ext>
                 </a:extLst>
               </a:tr>
@@ -10847,7 +10821,7 @@
                 </a:tc>
                 <a:extLst>
                   <a:ext uri="{0D108BD9-81ED-4DB2-BD59-A6C34878D82A}">
-                    <a16:rowId xmlns:a16="http://schemas.microsoft.com/office/drawing/2014/main" xmlns="" val="10004"/>
+                    <a16:rowId xmlns="" xmlns:a16="http://schemas.microsoft.com/office/drawing/2014/main" val="10004"/>
                   </a:ext>
                 </a:extLst>
               </a:tr>
@@ -10976,7 +10950,7 @@
                 </a:tc>
                 <a:extLst>
                   <a:ext uri="{0D108BD9-81ED-4DB2-BD59-A6C34878D82A}">
-                    <a16:rowId xmlns:a16="http://schemas.microsoft.com/office/drawing/2014/main" xmlns="" val="2080406695"/>
+                    <a16:rowId xmlns="" xmlns:a16="http://schemas.microsoft.com/office/drawing/2014/main" val="2080406695"/>
                   </a:ext>
                 </a:extLst>
               </a:tr>
@@ -11105,7 +11079,7 @@
                 </a:tc>
                 <a:extLst>
                   <a:ext uri="{0D108BD9-81ED-4DB2-BD59-A6C34878D82A}">
-                    <a16:rowId xmlns:a16="http://schemas.microsoft.com/office/drawing/2014/main" xmlns="" val="10006"/>
+                    <a16:rowId xmlns="" xmlns:a16="http://schemas.microsoft.com/office/drawing/2014/main" val="10006"/>
                   </a:ext>
                 </a:extLst>
               </a:tr>
@@ -11218,7 +11192,7 @@
                 </a:tc>
                 <a:extLst>
                   <a:ext uri="{0D108BD9-81ED-4DB2-BD59-A6C34878D82A}">
-                    <a16:rowId xmlns:a16="http://schemas.microsoft.com/office/drawing/2014/main" xmlns="" val="844693801"/>
+                    <a16:rowId xmlns="" xmlns:a16="http://schemas.microsoft.com/office/drawing/2014/main" val="844693801"/>
                   </a:ext>
                 </a:extLst>
               </a:tr>
@@ -11331,7 +11305,7 @@
                 </a:tc>
                 <a:extLst>
                   <a:ext uri="{0D108BD9-81ED-4DB2-BD59-A6C34878D82A}">
-                    <a16:rowId xmlns:a16="http://schemas.microsoft.com/office/drawing/2014/main" xmlns="" val="10008"/>
+                    <a16:rowId xmlns="" xmlns:a16="http://schemas.microsoft.com/office/drawing/2014/main" val="10008"/>
                   </a:ext>
                 </a:extLst>
               </a:tr>
@@ -11443,7 +11417,7 @@
                 </a:tc>
                 <a:extLst>
                   <a:ext uri="{0D108BD9-81ED-4DB2-BD59-A6C34878D82A}">
-                    <a16:rowId xmlns:a16="http://schemas.microsoft.com/office/drawing/2014/main" xmlns="" val="2414498207"/>
+                    <a16:rowId xmlns="" xmlns:a16="http://schemas.microsoft.com/office/drawing/2014/main" val="2414498207"/>
                   </a:ext>
                 </a:extLst>
               </a:tr>
@@ -11555,7 +11529,7 @@
                 </a:tc>
                 <a:extLst>
                   <a:ext uri="{0D108BD9-81ED-4DB2-BD59-A6C34878D82A}">
-                    <a16:rowId xmlns:a16="http://schemas.microsoft.com/office/drawing/2014/main" xmlns="" val="10010"/>
+                    <a16:rowId xmlns="" xmlns:a16="http://schemas.microsoft.com/office/drawing/2014/main" val="10010"/>
                   </a:ext>
                 </a:extLst>
               </a:tr>
@@ -11568,7 +11542,7 @@
           <p:cNvPr id="22" name="직선 화살표 연결선 21">
             <a:extLst>
               <a:ext uri="{FF2B5EF4-FFF2-40B4-BE49-F238E27FC236}">
-                <a16:creationId xmlns:a16="http://schemas.microsoft.com/office/drawing/2014/main" xmlns="" id="{4CD3AA73-144D-EE56-1594-B12541E20A71}"/>
+                <a16:creationId xmlns="" xmlns:a16="http://schemas.microsoft.com/office/drawing/2014/main" id="{4CD3AA73-144D-EE56-1594-B12541E20A71}"/>
               </a:ext>
             </a:extLst>
           </p:cNvPr>
@@ -11610,7 +11584,7 @@
           <p:cNvPr id="23" name="TextBox 22">
             <a:extLst>
               <a:ext uri="{FF2B5EF4-FFF2-40B4-BE49-F238E27FC236}">
-                <a16:creationId xmlns:a16="http://schemas.microsoft.com/office/drawing/2014/main" xmlns="" id="{59E0E04C-877E-D861-8074-BD32F9DFFD3D}"/>
+                <a16:creationId xmlns="" xmlns:a16="http://schemas.microsoft.com/office/drawing/2014/main" id="{59E0E04C-877E-D861-8074-BD32F9DFFD3D}"/>
               </a:ext>
             </a:extLst>
           </p:cNvPr>
@@ -11664,7 +11638,7 @@
           <p:cNvPr id="32" name="직선 화살표 연결선 31">
             <a:extLst>
               <a:ext uri="{FF2B5EF4-FFF2-40B4-BE49-F238E27FC236}">
-                <a16:creationId xmlns:a16="http://schemas.microsoft.com/office/drawing/2014/main" xmlns="" id="{4CD3AA73-144D-EE56-1594-B12541E20A71}"/>
+                <a16:creationId xmlns="" xmlns:a16="http://schemas.microsoft.com/office/drawing/2014/main" id="{4CD3AA73-144D-EE56-1594-B12541E20A71}"/>
               </a:ext>
             </a:extLst>
           </p:cNvPr>
@@ -11705,7 +11679,7 @@
           <p:cNvPr id="58" name="직선 화살표 연결선 57">
             <a:extLst>
               <a:ext uri="{FF2B5EF4-FFF2-40B4-BE49-F238E27FC236}">
-                <a16:creationId xmlns:a16="http://schemas.microsoft.com/office/drawing/2014/main" xmlns="" id="{4CD3AA73-144D-EE56-1594-B12541E20A71}"/>
+                <a16:creationId xmlns="" xmlns:a16="http://schemas.microsoft.com/office/drawing/2014/main" id="{4CD3AA73-144D-EE56-1594-B12541E20A71}"/>
               </a:ext>
             </a:extLst>
           </p:cNvPr>
@@ -11746,7 +11720,7 @@
           <p:cNvPr id="65" name="TextBox 64">
             <a:extLst>
               <a:ext uri="{FF2B5EF4-FFF2-40B4-BE49-F238E27FC236}">
-                <a16:creationId xmlns:a16="http://schemas.microsoft.com/office/drawing/2014/main" xmlns="" id="{7843ACB4-9657-BCB3-AF18-AEDD8CD8AAD4}"/>
+                <a16:creationId xmlns="" xmlns:a16="http://schemas.microsoft.com/office/drawing/2014/main" id="{7843ACB4-9657-BCB3-AF18-AEDD8CD8AAD4}"/>
               </a:ext>
             </a:extLst>
           </p:cNvPr>
@@ -12367,7 +12341,7 @@
           <p:cNvPr id="4" name="TextBox 3">
             <a:extLst>
               <a:ext uri="{FF2B5EF4-FFF2-40B4-BE49-F238E27FC236}">
-                <a16:creationId xmlns:a16="http://schemas.microsoft.com/office/drawing/2014/main" xmlns="" id="{AAA7A62B-B663-9BB3-853E-37554E612635}"/>
+                <a16:creationId xmlns="" xmlns:a16="http://schemas.microsoft.com/office/drawing/2014/main" id="{AAA7A62B-B663-9BB3-853E-37554E612635}"/>
               </a:ext>
             </a:extLst>
           </p:cNvPr>
@@ -12449,7 +12423,7 @@
           <p:cNvPr id="6" name="직선 화살표 연결선 5">
             <a:extLst>
               <a:ext uri="{FF2B5EF4-FFF2-40B4-BE49-F238E27FC236}">
-                <a16:creationId xmlns:a16="http://schemas.microsoft.com/office/drawing/2014/main" xmlns="" id="{299DF5EC-9DF4-5255-06AC-0A7CE4FF58C3}"/>
+                <a16:creationId xmlns="" xmlns:a16="http://schemas.microsoft.com/office/drawing/2014/main" id="{299DF5EC-9DF4-5255-06AC-0A7CE4FF58C3}"/>
               </a:ext>
             </a:extLst>
           </p:cNvPr>
@@ -12490,7 +12464,7 @@
           <p:cNvPr id="7" name="직사각형 6">
             <a:extLst>
               <a:ext uri="{FF2B5EF4-FFF2-40B4-BE49-F238E27FC236}">
-                <a16:creationId xmlns:a16="http://schemas.microsoft.com/office/drawing/2014/main" xmlns="" id="{FFF506F9-840A-0508-4CAF-3AC711D8D5CE}"/>
+                <a16:creationId xmlns="" xmlns:a16="http://schemas.microsoft.com/office/drawing/2014/main" id="{FFF506F9-840A-0508-4CAF-3AC711D8D5CE}"/>
               </a:ext>
             </a:extLst>
           </p:cNvPr>
@@ -12542,7 +12516,7 @@
           <p:cNvPr id="8" name="TextBox 7">
             <a:extLst>
               <a:ext uri="{FF2B5EF4-FFF2-40B4-BE49-F238E27FC236}">
-                <a16:creationId xmlns:a16="http://schemas.microsoft.com/office/drawing/2014/main" xmlns="" id="{C6D113C6-EA5C-788F-0C77-E7CE6EBB865F}"/>
+                <a16:creationId xmlns="" xmlns:a16="http://schemas.microsoft.com/office/drawing/2014/main" id="{C6D113C6-EA5C-788F-0C77-E7CE6EBB865F}"/>
               </a:ext>
             </a:extLst>
           </p:cNvPr>
@@ -12590,7 +12564,7 @@
           <p:cNvPr id="10" name="직사각형 9">
             <a:extLst>
               <a:ext uri="{FF2B5EF4-FFF2-40B4-BE49-F238E27FC236}">
-                <a16:creationId xmlns:a16="http://schemas.microsoft.com/office/drawing/2014/main" xmlns="" id="{FFF506F9-840A-0508-4CAF-3AC711D8D5CE}"/>
+                <a16:creationId xmlns="" xmlns:a16="http://schemas.microsoft.com/office/drawing/2014/main" id="{FFF506F9-840A-0508-4CAF-3AC711D8D5CE}"/>
               </a:ext>
             </a:extLst>
           </p:cNvPr>
@@ -12642,7 +12616,7 @@
           <p:cNvPr id="11" name="직사각형 10">
             <a:extLst>
               <a:ext uri="{FF2B5EF4-FFF2-40B4-BE49-F238E27FC236}">
-                <a16:creationId xmlns:a16="http://schemas.microsoft.com/office/drawing/2014/main" xmlns="" id="{FFF506F9-840A-0508-4CAF-3AC711D8D5CE}"/>
+                <a16:creationId xmlns="" xmlns:a16="http://schemas.microsoft.com/office/drawing/2014/main" id="{FFF506F9-840A-0508-4CAF-3AC711D8D5CE}"/>
               </a:ext>
             </a:extLst>
           </p:cNvPr>
@@ -12694,7 +12668,7 @@
           <p:cNvPr id="12" name="직선 화살표 연결선 11">
             <a:extLst>
               <a:ext uri="{FF2B5EF4-FFF2-40B4-BE49-F238E27FC236}">
-                <a16:creationId xmlns:a16="http://schemas.microsoft.com/office/drawing/2014/main" xmlns="" id="{299DF5EC-9DF4-5255-06AC-0A7CE4FF58C3}"/>
+                <a16:creationId xmlns="" xmlns:a16="http://schemas.microsoft.com/office/drawing/2014/main" id="{299DF5EC-9DF4-5255-06AC-0A7CE4FF58C3}"/>
               </a:ext>
             </a:extLst>
           </p:cNvPr>
@@ -12735,7 +12709,7 @@
           <p:cNvPr id="14" name="TextBox 13">
             <a:extLst>
               <a:ext uri="{FF2B5EF4-FFF2-40B4-BE49-F238E27FC236}">
-                <a16:creationId xmlns:a16="http://schemas.microsoft.com/office/drawing/2014/main" xmlns="" id="{C6D113C6-EA5C-788F-0C77-E7CE6EBB865F}"/>
+                <a16:creationId xmlns="" xmlns:a16="http://schemas.microsoft.com/office/drawing/2014/main" id="{C6D113C6-EA5C-788F-0C77-E7CE6EBB865F}"/>
               </a:ext>
             </a:extLst>
           </p:cNvPr>
@@ -12783,7 +12757,7 @@
           <p:cNvPr id="15" name="TextBox 14">
             <a:extLst>
               <a:ext uri="{FF2B5EF4-FFF2-40B4-BE49-F238E27FC236}">
-                <a16:creationId xmlns:a16="http://schemas.microsoft.com/office/drawing/2014/main" xmlns="" id="{C6D113C6-EA5C-788F-0C77-E7CE6EBB865F}"/>
+                <a16:creationId xmlns="" xmlns:a16="http://schemas.microsoft.com/office/drawing/2014/main" id="{C6D113C6-EA5C-788F-0C77-E7CE6EBB865F}"/>
               </a:ext>
             </a:extLst>
           </p:cNvPr>
@@ -12831,7 +12805,7 @@
           <p:cNvPr id="16" name="직선 화살표 연결선 15">
             <a:extLst>
               <a:ext uri="{FF2B5EF4-FFF2-40B4-BE49-F238E27FC236}">
-                <a16:creationId xmlns:a16="http://schemas.microsoft.com/office/drawing/2014/main" xmlns="" id="{299DF5EC-9DF4-5255-06AC-0A7CE4FF58C3}"/>
+                <a16:creationId xmlns="" xmlns:a16="http://schemas.microsoft.com/office/drawing/2014/main" id="{299DF5EC-9DF4-5255-06AC-0A7CE4FF58C3}"/>
               </a:ext>
             </a:extLst>
           </p:cNvPr>
@@ -13082,7 +13056,7 @@
           <p:cNvPr id="11" name="TextBox 10">
             <a:extLst>
               <a:ext uri="{FF2B5EF4-FFF2-40B4-BE49-F238E27FC236}">
-                <a16:creationId xmlns:a16="http://schemas.microsoft.com/office/drawing/2014/main" xmlns="" id="{9F88F580-08BE-88C2-D640-13F0026591CB}"/>
+                <a16:creationId xmlns="" xmlns:a16="http://schemas.microsoft.com/office/drawing/2014/main" id="{9F88F580-08BE-88C2-D640-13F0026591CB}"/>
               </a:ext>
             </a:extLst>
           </p:cNvPr>
@@ -13133,7 +13107,7 @@
           <p:cNvPr id="13" name="TextBox 12">
             <a:extLst>
               <a:ext uri="{FF2B5EF4-FFF2-40B4-BE49-F238E27FC236}">
-                <a16:creationId xmlns:a16="http://schemas.microsoft.com/office/drawing/2014/main" xmlns="" id="{72769C28-9BB6-DE9C-7B6F-264B77B8DD0E}"/>
+                <a16:creationId xmlns="" xmlns:a16="http://schemas.microsoft.com/office/drawing/2014/main" id="{72769C28-9BB6-DE9C-7B6F-264B77B8DD0E}"/>
               </a:ext>
             </a:extLst>
           </p:cNvPr>
@@ -13174,7 +13148,7 @@
           <p:cNvPr id="14" name="TextBox 13">
             <a:extLst>
               <a:ext uri="{FF2B5EF4-FFF2-40B4-BE49-F238E27FC236}">
-                <a16:creationId xmlns:a16="http://schemas.microsoft.com/office/drawing/2014/main" xmlns="" id="{270FBB6A-01CE-5637-78DA-58F0C974145C}"/>
+                <a16:creationId xmlns="" xmlns:a16="http://schemas.microsoft.com/office/drawing/2014/main" id="{270FBB6A-01CE-5637-78DA-58F0C974145C}"/>
               </a:ext>
             </a:extLst>
           </p:cNvPr>
@@ -13222,7 +13196,7 @@
           <p:cNvPr id="2" name="Object 17">
             <a:extLst>
               <a:ext uri="{FF2B5EF4-FFF2-40B4-BE49-F238E27FC236}">
-                <a16:creationId xmlns:a16="http://schemas.microsoft.com/office/drawing/2014/main" xmlns="" id="{140B283D-FE58-FA6F-6F7C-E0F1DBB62A65}"/>
+                <a16:creationId xmlns="" xmlns:a16="http://schemas.microsoft.com/office/drawing/2014/main" id="{140B283D-FE58-FA6F-6F7C-E0F1DBB62A65}"/>
               </a:ext>
             </a:extLst>
           </p:cNvPr>
@@ -13252,7 +13226,7 @@
           <p:cNvPr id="4" name="TextBox 3">
             <a:extLst>
               <a:ext uri="{FF2B5EF4-FFF2-40B4-BE49-F238E27FC236}">
-                <a16:creationId xmlns:a16="http://schemas.microsoft.com/office/drawing/2014/main" xmlns="" id="{2C8D0998-79BC-6FD2-59D9-8052B4A25F65}"/>
+                <a16:creationId xmlns="" xmlns:a16="http://schemas.microsoft.com/office/drawing/2014/main" id="{2C8D0998-79BC-6FD2-59D9-8052B4A25F65}"/>
               </a:ext>
             </a:extLst>
           </p:cNvPr>
@@ -13293,7 +13267,7 @@
           <p:cNvPr id="5" name="Object 18">
             <a:extLst>
               <a:ext uri="{FF2B5EF4-FFF2-40B4-BE49-F238E27FC236}">
-                <a16:creationId xmlns:a16="http://schemas.microsoft.com/office/drawing/2014/main" xmlns="" id="{3F58EA3E-1018-64D3-FAB2-4F6B9618FA56}"/>
+                <a16:creationId xmlns="" xmlns:a16="http://schemas.microsoft.com/office/drawing/2014/main" id="{3F58EA3E-1018-64D3-FAB2-4F6B9618FA56}"/>
               </a:ext>
             </a:extLst>
           </p:cNvPr>
@@ -13323,7 +13297,7 @@
           <p:cNvPr id="8" name="TextBox 7">
             <a:extLst>
               <a:ext uri="{FF2B5EF4-FFF2-40B4-BE49-F238E27FC236}">
-                <a16:creationId xmlns:a16="http://schemas.microsoft.com/office/drawing/2014/main" xmlns="" id="{681D3F16-7DCF-41AD-F5F1-0558C78C0E4D}"/>
+                <a16:creationId xmlns="" xmlns:a16="http://schemas.microsoft.com/office/drawing/2014/main" id="{681D3F16-7DCF-41AD-F5F1-0558C78C0E4D}"/>
               </a:ext>
             </a:extLst>
           </p:cNvPr>
@@ -13403,7 +13377,7 @@
           <p:cNvPr id="4" name="TextBox 3">
             <a:extLst>
               <a:ext uri="{FF2B5EF4-FFF2-40B4-BE49-F238E27FC236}">
-                <a16:creationId xmlns:a16="http://schemas.microsoft.com/office/drawing/2014/main" xmlns="" id="{AAA7A62B-B663-9BB3-853E-37554E612635}"/>
+                <a16:creationId xmlns="" xmlns:a16="http://schemas.microsoft.com/office/drawing/2014/main" id="{AAA7A62B-B663-9BB3-853E-37554E612635}"/>
               </a:ext>
             </a:extLst>
           </p:cNvPr>
@@ -13509,7 +13483,7 @@
           <p:cNvPr id="7" name="TextBox 6">
             <a:extLst>
               <a:ext uri="{FF2B5EF4-FFF2-40B4-BE49-F238E27FC236}">
-                <a16:creationId xmlns:a16="http://schemas.microsoft.com/office/drawing/2014/main" xmlns="" id="{C6D113C6-EA5C-788F-0C77-E7CE6EBB865F}"/>
+                <a16:creationId xmlns="" xmlns:a16="http://schemas.microsoft.com/office/drawing/2014/main" id="{C6D113C6-EA5C-788F-0C77-E7CE6EBB865F}"/>
               </a:ext>
             </a:extLst>
           </p:cNvPr>
@@ -13600,7 +13574,7 @@
           <p:cNvPr id="3" name="그림 2">
             <a:extLst>
               <a:ext uri="{FF2B5EF4-FFF2-40B4-BE49-F238E27FC236}">
-                <a16:creationId xmlns:a16="http://schemas.microsoft.com/office/drawing/2014/main" xmlns="" id="{C51CB23B-D151-B405-7C38-7A547E2BC2B9}"/>
+                <a16:creationId xmlns="" xmlns:a16="http://schemas.microsoft.com/office/drawing/2014/main" id="{C51CB23B-D151-B405-7C38-7A547E2BC2B9}"/>
               </a:ext>
             </a:extLst>
           </p:cNvPr>
@@ -13630,7 +13604,7 @@
           <p:cNvPr id="9" name="그림 8">
             <a:extLst>
               <a:ext uri="{FF2B5EF4-FFF2-40B4-BE49-F238E27FC236}">
-                <a16:creationId xmlns:a16="http://schemas.microsoft.com/office/drawing/2014/main" xmlns="" id="{7D610FE0-1B3C-8685-E698-C503F01B23A8}"/>
+                <a16:creationId xmlns="" xmlns:a16="http://schemas.microsoft.com/office/drawing/2014/main" id="{7D610FE0-1B3C-8685-E698-C503F01B23A8}"/>
               </a:ext>
             </a:extLst>
           </p:cNvPr>
@@ -13885,7 +13859,7 @@
           <p:cNvPr id="2" name="TextBox 1">
             <a:extLst>
               <a:ext uri="{FF2B5EF4-FFF2-40B4-BE49-F238E27FC236}">
-                <a16:creationId xmlns:a16="http://schemas.microsoft.com/office/drawing/2014/main" xmlns="" id="{AAA7A62B-B663-9BB3-853E-37554E612635}"/>
+                <a16:creationId xmlns="" xmlns:a16="http://schemas.microsoft.com/office/drawing/2014/main" id="{AAA7A62B-B663-9BB3-853E-37554E612635}"/>
               </a:ext>
             </a:extLst>
           </p:cNvPr>
@@ -13987,7 +13961,7 @@
           <p:cNvPr id="4" name="그룹 1008">
             <a:extLst>
               <a:ext uri="{FF2B5EF4-FFF2-40B4-BE49-F238E27FC236}">
-                <a16:creationId xmlns:a16="http://schemas.microsoft.com/office/drawing/2014/main" xmlns="" id="{678F6342-C505-E8AD-ADA4-022CB2C2088E}"/>
+                <a16:creationId xmlns="" xmlns:a16="http://schemas.microsoft.com/office/drawing/2014/main" id="{678F6342-C505-E8AD-ADA4-022CB2C2088E}"/>
               </a:ext>
             </a:extLst>
           </p:cNvPr>
@@ -14007,7 +13981,7 @@
             <p:cNvPr id="5" name="그룹 1009">
               <a:extLst>
                 <a:ext uri="{FF2B5EF4-FFF2-40B4-BE49-F238E27FC236}">
-                  <a16:creationId xmlns:a16="http://schemas.microsoft.com/office/drawing/2014/main" xmlns="" id="{4E1F1FED-812B-9BBB-925A-84B54A077414}"/>
+                  <a16:creationId xmlns="" xmlns:a16="http://schemas.microsoft.com/office/drawing/2014/main" id="{4E1F1FED-812B-9BBB-925A-84B54A077414}"/>
                 </a:ext>
               </a:extLst>
             </p:cNvPr>
@@ -14027,7 +14001,7 @@
               <p:cNvPr id="10" name="Object 29">
                 <a:extLst>
                   <a:ext uri="{FF2B5EF4-FFF2-40B4-BE49-F238E27FC236}">
-                    <a16:creationId xmlns:a16="http://schemas.microsoft.com/office/drawing/2014/main" xmlns="" id="{7B078609-4286-7B00-51EB-809C8E2DE289}"/>
+                    <a16:creationId xmlns="" xmlns:a16="http://schemas.microsoft.com/office/drawing/2014/main" id="{7B078609-4286-7B00-51EB-809C8E2DE289}"/>
                   </a:ext>
                 </a:extLst>
               </p:cNvPr>
@@ -14058,7 +14032,7 @@
             <p:cNvPr id="6" name="그룹 1010">
               <a:extLst>
                 <a:ext uri="{FF2B5EF4-FFF2-40B4-BE49-F238E27FC236}">
-                  <a16:creationId xmlns:a16="http://schemas.microsoft.com/office/drawing/2014/main" xmlns="" id="{02A649BF-B5B5-FBAF-7DFD-E118A4DF8907}"/>
+                  <a16:creationId xmlns="" xmlns:a16="http://schemas.microsoft.com/office/drawing/2014/main" id="{02A649BF-B5B5-FBAF-7DFD-E118A4DF8907}"/>
                 </a:ext>
               </a:extLst>
             </p:cNvPr>
@@ -14078,7 +14052,7 @@
               <p:cNvPr id="9" name="Object 32">
                 <a:extLst>
                   <a:ext uri="{FF2B5EF4-FFF2-40B4-BE49-F238E27FC236}">
-                    <a16:creationId xmlns:a16="http://schemas.microsoft.com/office/drawing/2014/main" xmlns="" id="{2A0FFF23-B3C9-3EA0-1C1B-A87D4FF098AE}"/>
+                    <a16:creationId xmlns="" xmlns:a16="http://schemas.microsoft.com/office/drawing/2014/main" id="{2A0FFF23-B3C9-3EA0-1C1B-A87D4FF098AE}"/>
                   </a:ext>
                 </a:extLst>
               </p:cNvPr>
@@ -14109,7 +14083,7 @@
             <p:cNvPr id="7" name="그룹 1011">
               <a:extLst>
                 <a:ext uri="{FF2B5EF4-FFF2-40B4-BE49-F238E27FC236}">
-                  <a16:creationId xmlns:a16="http://schemas.microsoft.com/office/drawing/2014/main" xmlns="" id="{881F5410-F7FB-F261-A584-707359BAC593}"/>
+                  <a16:creationId xmlns="" xmlns:a16="http://schemas.microsoft.com/office/drawing/2014/main" id="{881F5410-F7FB-F261-A584-707359BAC593}"/>
                 </a:ext>
               </a:extLst>
             </p:cNvPr>
@@ -14129,7 +14103,7 @@
               <p:cNvPr id="8" name="Object 35">
                 <a:extLst>
                   <a:ext uri="{FF2B5EF4-FFF2-40B4-BE49-F238E27FC236}">
-                    <a16:creationId xmlns:a16="http://schemas.microsoft.com/office/drawing/2014/main" xmlns="" id="{4E99E669-73EB-F9F4-EFE8-DC107035C265}"/>
+                    <a16:creationId xmlns="" xmlns:a16="http://schemas.microsoft.com/office/drawing/2014/main" id="{4E99E669-73EB-F9F4-EFE8-DC107035C265}"/>
                   </a:ext>
                 </a:extLst>
               </p:cNvPr>
@@ -14161,7 +14135,7 @@
           <p:cNvPr id="11" name="TextBox 10">
             <a:extLst>
               <a:ext uri="{FF2B5EF4-FFF2-40B4-BE49-F238E27FC236}">
-                <a16:creationId xmlns:a16="http://schemas.microsoft.com/office/drawing/2014/main" xmlns="" id="{C6D113C6-EA5C-788F-0C77-E7CE6EBB865F}"/>
+                <a16:creationId xmlns="" xmlns:a16="http://schemas.microsoft.com/office/drawing/2014/main" id="{C6D113C6-EA5C-788F-0C77-E7CE6EBB865F}"/>
               </a:ext>
             </a:extLst>
           </p:cNvPr>
@@ -14273,7 +14247,7 @@
           <p:cNvPr id="13" name="TextBox 12">
             <a:extLst>
               <a:ext uri="{FF2B5EF4-FFF2-40B4-BE49-F238E27FC236}">
-                <a16:creationId xmlns:a16="http://schemas.microsoft.com/office/drawing/2014/main" xmlns="" id="{C6D113C6-EA5C-788F-0C77-E7CE6EBB865F}"/>
+                <a16:creationId xmlns="" xmlns:a16="http://schemas.microsoft.com/office/drawing/2014/main" id="{C6D113C6-EA5C-788F-0C77-E7CE6EBB865F}"/>
               </a:ext>
             </a:extLst>
           </p:cNvPr>
@@ -14521,7 +14495,7 @@
           <p:cNvPr id="4" name="Object 1">
             <a:extLst>
               <a:ext uri="{FF2B5EF4-FFF2-40B4-BE49-F238E27FC236}">
-                <a16:creationId xmlns:a16="http://schemas.microsoft.com/office/drawing/2014/main" xmlns="" id="{B0329035-BE76-33A8-0F2E-44624FCC1DED}"/>
+                <a16:creationId xmlns="" xmlns:a16="http://schemas.microsoft.com/office/drawing/2014/main" id="{B0329035-BE76-33A8-0F2E-44624FCC1DED}"/>
               </a:ext>
             </a:extLst>
           </p:cNvPr>
@@ -14551,7 +14525,7 @@
           <p:cNvPr id="7" name="그룹 1001">
             <a:extLst>
               <a:ext uri="{FF2B5EF4-FFF2-40B4-BE49-F238E27FC236}">
-                <a16:creationId xmlns:a16="http://schemas.microsoft.com/office/drawing/2014/main" xmlns="" id="{CD24CE9D-AC18-B6CD-F397-7E8E03D6FE26}"/>
+                <a16:creationId xmlns="" xmlns:a16="http://schemas.microsoft.com/office/drawing/2014/main" id="{CD24CE9D-AC18-B6CD-F397-7E8E03D6FE26}"/>
               </a:ext>
             </a:extLst>
           </p:cNvPr>
@@ -14571,7 +14545,7 @@
             <p:cNvPr id="8" name="Object 5">
               <a:extLst>
                 <a:ext uri="{FF2B5EF4-FFF2-40B4-BE49-F238E27FC236}">
-                  <a16:creationId xmlns:a16="http://schemas.microsoft.com/office/drawing/2014/main" xmlns="" id="{0EEF25E8-3BA8-EBAA-6DC2-66D70C3F9F4D}"/>
+                  <a16:creationId xmlns="" xmlns:a16="http://schemas.microsoft.com/office/drawing/2014/main" id="{0EEF25E8-3BA8-EBAA-6DC2-66D70C3F9F4D}"/>
                 </a:ext>
               </a:extLst>
             </p:cNvPr>
@@ -14602,7 +14576,7 @@
           <p:cNvPr id="9" name="그룹 1002">
             <a:extLst>
               <a:ext uri="{FF2B5EF4-FFF2-40B4-BE49-F238E27FC236}">
-                <a16:creationId xmlns:a16="http://schemas.microsoft.com/office/drawing/2014/main" xmlns="" id="{0F281BC9-DE1F-D1FE-E64C-C4640398F00C}"/>
+                <a16:creationId xmlns="" xmlns:a16="http://schemas.microsoft.com/office/drawing/2014/main" id="{0F281BC9-DE1F-D1FE-E64C-C4640398F00C}"/>
               </a:ext>
             </a:extLst>
           </p:cNvPr>
@@ -14622,7 +14596,7 @@
             <p:cNvPr id="10" name="Object 8">
               <a:extLst>
                 <a:ext uri="{FF2B5EF4-FFF2-40B4-BE49-F238E27FC236}">
-                  <a16:creationId xmlns:a16="http://schemas.microsoft.com/office/drawing/2014/main" xmlns="" id="{F669DCEF-04BB-7046-3F7F-5B513213556E}"/>
+                  <a16:creationId xmlns="" xmlns:a16="http://schemas.microsoft.com/office/drawing/2014/main" id="{F669DCEF-04BB-7046-3F7F-5B513213556E}"/>
                 </a:ext>
               </a:extLst>
             </p:cNvPr>
@@ -14653,7 +14627,7 @@
           <p:cNvPr id="11" name="그룹 1003">
             <a:extLst>
               <a:ext uri="{FF2B5EF4-FFF2-40B4-BE49-F238E27FC236}">
-                <a16:creationId xmlns:a16="http://schemas.microsoft.com/office/drawing/2014/main" xmlns="" id="{1F91EEF9-13EA-BB7F-B056-D35E7DB989AC}"/>
+                <a16:creationId xmlns="" xmlns:a16="http://schemas.microsoft.com/office/drawing/2014/main" id="{1F91EEF9-13EA-BB7F-B056-D35E7DB989AC}"/>
               </a:ext>
             </a:extLst>
           </p:cNvPr>
@@ -14673,7 +14647,7 @@
             <p:cNvPr id="12" name="Object 11">
               <a:extLst>
                 <a:ext uri="{FF2B5EF4-FFF2-40B4-BE49-F238E27FC236}">
-                  <a16:creationId xmlns:a16="http://schemas.microsoft.com/office/drawing/2014/main" xmlns="" id="{2CFFB217-AEFB-2C9E-5F86-6EE19510FFC6}"/>
+                  <a16:creationId xmlns="" xmlns:a16="http://schemas.microsoft.com/office/drawing/2014/main" id="{2CFFB217-AEFB-2C9E-5F86-6EE19510FFC6}"/>
                 </a:ext>
               </a:extLst>
             </p:cNvPr>
@@ -14704,7 +14678,7 @@
           <p:cNvPr id="13" name="그룹 1004">
             <a:extLst>
               <a:ext uri="{FF2B5EF4-FFF2-40B4-BE49-F238E27FC236}">
-                <a16:creationId xmlns:a16="http://schemas.microsoft.com/office/drawing/2014/main" xmlns="" id="{123B9C7E-94E8-E7E1-81BE-D59EA0299187}"/>
+                <a16:creationId xmlns="" xmlns:a16="http://schemas.microsoft.com/office/drawing/2014/main" id="{123B9C7E-94E8-E7E1-81BE-D59EA0299187}"/>
               </a:ext>
             </a:extLst>
           </p:cNvPr>
@@ -14724,7 +14698,7 @@
             <p:cNvPr id="14" name="Object 14">
               <a:extLst>
                 <a:ext uri="{FF2B5EF4-FFF2-40B4-BE49-F238E27FC236}">
-                  <a16:creationId xmlns:a16="http://schemas.microsoft.com/office/drawing/2014/main" xmlns="" id="{B6291552-2D89-A79F-7ACD-EA0EF9A4C389}"/>
+                  <a16:creationId xmlns="" xmlns:a16="http://schemas.microsoft.com/office/drawing/2014/main" id="{B6291552-2D89-A79F-7ACD-EA0EF9A4C389}"/>
                 </a:ext>
               </a:extLst>
             </p:cNvPr>
@@ -14755,7 +14729,7 @@
           <p:cNvPr id="15" name="TextBox 14">
             <a:extLst>
               <a:ext uri="{FF2B5EF4-FFF2-40B4-BE49-F238E27FC236}">
-                <a16:creationId xmlns:a16="http://schemas.microsoft.com/office/drawing/2014/main" xmlns="" id="{7D99763A-FC24-23F5-5BA9-D7B042E0F323}"/>
+                <a16:creationId xmlns="" xmlns:a16="http://schemas.microsoft.com/office/drawing/2014/main" id="{7D99763A-FC24-23F5-5BA9-D7B042E0F323}"/>
               </a:ext>
             </a:extLst>
           </p:cNvPr>
@@ -14840,7 +14814,7 @@
           <p:cNvPr id="4" name="TextBox 3">
             <a:extLst>
               <a:ext uri="{FF2B5EF4-FFF2-40B4-BE49-F238E27FC236}">
-                <a16:creationId xmlns:a16="http://schemas.microsoft.com/office/drawing/2014/main" xmlns="" id="{AAA7A62B-B663-9BB3-853E-37554E612635}"/>
+                <a16:creationId xmlns="" xmlns:a16="http://schemas.microsoft.com/office/drawing/2014/main" id="{AAA7A62B-B663-9BB3-853E-37554E612635}"/>
               </a:ext>
             </a:extLst>
           </p:cNvPr>
@@ -16098,7 +16072,7 @@
           <p:cNvPr id="9" name="TextBox 8">
             <a:extLst>
               <a:ext uri="{FF2B5EF4-FFF2-40B4-BE49-F238E27FC236}">
-                <a16:creationId xmlns:a16="http://schemas.microsoft.com/office/drawing/2014/main" xmlns="" id="{C6D113C6-EA5C-788F-0C77-E7CE6EBB865F}"/>
+                <a16:creationId xmlns="" xmlns:a16="http://schemas.microsoft.com/office/drawing/2014/main" id="{C6D113C6-EA5C-788F-0C77-E7CE6EBB865F}"/>
               </a:ext>
             </a:extLst>
           </p:cNvPr>
@@ -16186,7 +16160,7 @@
           <p:cNvPr id="10" name="TextBox 9">
             <a:extLst>
               <a:ext uri="{FF2B5EF4-FFF2-40B4-BE49-F238E27FC236}">
-                <a16:creationId xmlns:a16="http://schemas.microsoft.com/office/drawing/2014/main" xmlns="" id="{C6D113C6-EA5C-788F-0C77-E7CE6EBB865F}"/>
+                <a16:creationId xmlns="" xmlns:a16="http://schemas.microsoft.com/office/drawing/2014/main" id="{C6D113C6-EA5C-788F-0C77-E7CE6EBB865F}"/>
               </a:ext>
             </a:extLst>
           </p:cNvPr>
@@ -16244,7 +16218,7 @@
           <p:cNvPr id="11" name="TextBox 10">
             <a:extLst>
               <a:ext uri="{FF2B5EF4-FFF2-40B4-BE49-F238E27FC236}">
-                <a16:creationId xmlns:a16="http://schemas.microsoft.com/office/drawing/2014/main" xmlns="" id="{C6D113C6-EA5C-788F-0C77-E7CE6EBB865F}"/>
+                <a16:creationId xmlns="" xmlns:a16="http://schemas.microsoft.com/office/drawing/2014/main" id="{C6D113C6-EA5C-788F-0C77-E7CE6EBB865F}"/>
               </a:ext>
             </a:extLst>
           </p:cNvPr>
@@ -16302,7 +16276,7 @@
           <p:cNvPr id="12" name="TextBox 11">
             <a:extLst>
               <a:ext uri="{FF2B5EF4-FFF2-40B4-BE49-F238E27FC236}">
-                <a16:creationId xmlns:a16="http://schemas.microsoft.com/office/drawing/2014/main" xmlns="" id="{AAA7A62B-B663-9BB3-853E-37554E612635}"/>
+                <a16:creationId xmlns="" xmlns:a16="http://schemas.microsoft.com/office/drawing/2014/main" id="{AAA7A62B-B663-9BB3-853E-37554E612635}"/>
               </a:ext>
             </a:extLst>
           </p:cNvPr>
@@ -16360,7 +16334,7 @@
           <p:cNvPr id="13" name="TextBox 12">
             <a:extLst>
               <a:ext uri="{FF2B5EF4-FFF2-40B4-BE49-F238E27FC236}">
-                <a16:creationId xmlns:a16="http://schemas.microsoft.com/office/drawing/2014/main" xmlns="" id="{AAA7A62B-B663-9BB3-853E-37554E612635}"/>
+                <a16:creationId xmlns="" xmlns:a16="http://schemas.microsoft.com/office/drawing/2014/main" id="{AAA7A62B-B663-9BB3-853E-37554E612635}"/>
               </a:ext>
             </a:extLst>
           </p:cNvPr>
@@ -16408,7 +16382,7 @@
           <p:cNvPr id="14" name="TextBox 13">
             <a:extLst>
               <a:ext uri="{FF2B5EF4-FFF2-40B4-BE49-F238E27FC236}">
-                <a16:creationId xmlns:a16="http://schemas.microsoft.com/office/drawing/2014/main" xmlns="" id="{AAA7A62B-B663-9BB3-853E-37554E612635}"/>
+                <a16:creationId xmlns="" xmlns:a16="http://schemas.microsoft.com/office/drawing/2014/main" id="{AAA7A62B-B663-9BB3-853E-37554E612635}"/>
               </a:ext>
             </a:extLst>
           </p:cNvPr>
@@ -16456,7 +16430,7 @@
           <p:cNvPr id="15" name="TextBox 14">
             <a:extLst>
               <a:ext uri="{FF2B5EF4-FFF2-40B4-BE49-F238E27FC236}">
-                <a16:creationId xmlns:a16="http://schemas.microsoft.com/office/drawing/2014/main" xmlns="" id="{AAA7A62B-B663-9BB3-853E-37554E612635}"/>
+                <a16:creationId xmlns="" xmlns:a16="http://schemas.microsoft.com/office/drawing/2014/main" id="{AAA7A62B-B663-9BB3-853E-37554E612635}"/>
               </a:ext>
             </a:extLst>
           </p:cNvPr>
@@ -16504,7 +16478,7 @@
           <p:cNvPr id="16" name="TextBox 15">
             <a:extLst>
               <a:ext uri="{FF2B5EF4-FFF2-40B4-BE49-F238E27FC236}">
-                <a16:creationId xmlns:a16="http://schemas.microsoft.com/office/drawing/2014/main" xmlns="" id="{AAA7A62B-B663-9BB3-853E-37554E612635}"/>
+                <a16:creationId xmlns="" xmlns:a16="http://schemas.microsoft.com/office/drawing/2014/main" id="{AAA7A62B-B663-9BB3-853E-37554E612635}"/>
               </a:ext>
             </a:extLst>
           </p:cNvPr>
@@ -17910,7 +17884,7 @@
           <p:cNvPr id="5" name="TextBox 4">
             <a:extLst>
               <a:ext uri="{FF2B5EF4-FFF2-40B4-BE49-F238E27FC236}">
-                <a16:creationId xmlns:a16="http://schemas.microsoft.com/office/drawing/2014/main" xmlns="" id="{AAA7A62B-B663-9BB3-853E-37554E612635}"/>
+                <a16:creationId xmlns="" xmlns:a16="http://schemas.microsoft.com/office/drawing/2014/main" id="{AAA7A62B-B663-9BB3-853E-37554E612635}"/>
               </a:ext>
             </a:extLst>
           </p:cNvPr>
@@ -17978,7 +17952,7 @@
           <p:cNvPr id="6" name="TextBox 5">
             <a:extLst>
               <a:ext uri="{FF2B5EF4-FFF2-40B4-BE49-F238E27FC236}">
-                <a16:creationId xmlns:a16="http://schemas.microsoft.com/office/drawing/2014/main" xmlns="" id="{AAA7A62B-B663-9BB3-853E-37554E612635}"/>
+                <a16:creationId xmlns="" xmlns:a16="http://schemas.microsoft.com/office/drawing/2014/main" id="{AAA7A62B-B663-9BB3-853E-37554E612635}"/>
               </a:ext>
             </a:extLst>
           </p:cNvPr>
@@ -18009,17 +17983,7 @@
                 <a:latin typeface="G마켓 산스 Medium" panose="02000000000000000000" pitchFamily="50" charset="-127"/>
                 <a:ea typeface="G마켓 산스 Medium" panose="02000000000000000000" pitchFamily="50" charset="-127"/>
               </a:rPr>
-              <a:t>a</a:t>
-            </a:r>
-            <a:r>
-              <a:rPr lang="en-US" altLang="ko-KR" sz="4800" smtClean="0">
-                <a:solidFill>
-                  <a:srgbClr val="4C50BC"/>
-                </a:solidFill>
-                <a:latin typeface="G마켓 산스 Medium" panose="02000000000000000000" pitchFamily="50" charset="-127"/>
-                <a:ea typeface="G마켓 산스 Medium" panose="02000000000000000000" pitchFamily="50" charset="-127"/>
-              </a:rPr>
-              <a:t>rr[2][1]</a:t>
+              <a:t>arr[2][1]</a:t>
             </a:r>
             <a:endParaRPr lang="en-US" altLang="ko-KR" sz="4800" dirty="0">
               <a:solidFill>
@@ -18036,7 +18000,7 @@
           <p:cNvPr id="7" name="직선 화살표 연결선 6">
             <a:extLst>
               <a:ext uri="{FF2B5EF4-FFF2-40B4-BE49-F238E27FC236}">
-                <a16:creationId xmlns:a16="http://schemas.microsoft.com/office/drawing/2014/main" xmlns="" id="{299DF5EC-9DF4-5255-06AC-0A7CE4FF58C3}"/>
+                <a16:creationId xmlns="" xmlns:a16="http://schemas.microsoft.com/office/drawing/2014/main" id="{299DF5EC-9DF4-5255-06AC-0A7CE4FF58C3}"/>
               </a:ext>
             </a:extLst>
           </p:cNvPr>
@@ -18212,7 +18176,7 @@
           <p:cNvPr id="4" name="TextBox 3">
             <a:extLst>
               <a:ext uri="{FF2B5EF4-FFF2-40B4-BE49-F238E27FC236}">
-                <a16:creationId xmlns:a16="http://schemas.microsoft.com/office/drawing/2014/main" xmlns="" id="{AAA7A62B-B663-9BB3-853E-37554E612635}"/>
+                <a16:creationId xmlns="" xmlns:a16="http://schemas.microsoft.com/office/drawing/2014/main" id="{AAA7A62B-B663-9BB3-853E-37554E612635}"/>
               </a:ext>
             </a:extLst>
           </p:cNvPr>
@@ -18963,7 +18927,7 @@
           <p:cNvPr id="4" name="TextBox 3">
             <a:extLst>
               <a:ext uri="{FF2B5EF4-FFF2-40B4-BE49-F238E27FC236}">
-                <a16:creationId xmlns:a16="http://schemas.microsoft.com/office/drawing/2014/main" xmlns="" id="{AAA7A62B-B663-9BB3-853E-37554E612635}"/>
+                <a16:creationId xmlns="" xmlns:a16="http://schemas.microsoft.com/office/drawing/2014/main" id="{AAA7A62B-B663-9BB3-853E-37554E612635}"/>
               </a:ext>
             </a:extLst>
           </p:cNvPr>
@@ -19099,7 +19063,7 @@
           <p:cNvPr id="7" name="그룹 1008">
             <a:extLst>
               <a:ext uri="{FF2B5EF4-FFF2-40B4-BE49-F238E27FC236}">
-                <a16:creationId xmlns:a16="http://schemas.microsoft.com/office/drawing/2014/main" xmlns="" id="{678F6342-C505-E8AD-ADA4-022CB2C2088E}"/>
+                <a16:creationId xmlns="" xmlns:a16="http://schemas.microsoft.com/office/drawing/2014/main" id="{678F6342-C505-E8AD-ADA4-022CB2C2088E}"/>
               </a:ext>
             </a:extLst>
           </p:cNvPr>
@@ -19119,7 +19083,7 @@
             <p:cNvPr id="8" name="그룹 1009">
               <a:extLst>
                 <a:ext uri="{FF2B5EF4-FFF2-40B4-BE49-F238E27FC236}">
-                  <a16:creationId xmlns:a16="http://schemas.microsoft.com/office/drawing/2014/main" xmlns="" id="{4E1F1FED-812B-9BBB-925A-84B54A077414}"/>
+                  <a16:creationId xmlns="" xmlns:a16="http://schemas.microsoft.com/office/drawing/2014/main" id="{4E1F1FED-812B-9BBB-925A-84B54A077414}"/>
                 </a:ext>
               </a:extLst>
             </p:cNvPr>
@@ -19139,7 +19103,7 @@
               <p:cNvPr id="13" name="Object 29">
                 <a:extLst>
                   <a:ext uri="{FF2B5EF4-FFF2-40B4-BE49-F238E27FC236}">
-                    <a16:creationId xmlns:a16="http://schemas.microsoft.com/office/drawing/2014/main" xmlns="" id="{7B078609-4286-7B00-51EB-809C8E2DE289}"/>
+                    <a16:creationId xmlns="" xmlns:a16="http://schemas.microsoft.com/office/drawing/2014/main" id="{7B078609-4286-7B00-51EB-809C8E2DE289}"/>
                   </a:ext>
                 </a:extLst>
               </p:cNvPr>
@@ -19170,7 +19134,7 @@
             <p:cNvPr id="9" name="그룹 1010">
               <a:extLst>
                 <a:ext uri="{FF2B5EF4-FFF2-40B4-BE49-F238E27FC236}">
-                  <a16:creationId xmlns:a16="http://schemas.microsoft.com/office/drawing/2014/main" xmlns="" id="{02A649BF-B5B5-FBAF-7DFD-E118A4DF8907}"/>
+                  <a16:creationId xmlns="" xmlns:a16="http://schemas.microsoft.com/office/drawing/2014/main" id="{02A649BF-B5B5-FBAF-7DFD-E118A4DF8907}"/>
                 </a:ext>
               </a:extLst>
             </p:cNvPr>
@@ -19190,7 +19154,7 @@
               <p:cNvPr id="12" name="Object 32">
                 <a:extLst>
                   <a:ext uri="{FF2B5EF4-FFF2-40B4-BE49-F238E27FC236}">
-                    <a16:creationId xmlns:a16="http://schemas.microsoft.com/office/drawing/2014/main" xmlns="" id="{2A0FFF23-B3C9-3EA0-1C1B-A87D4FF098AE}"/>
+                    <a16:creationId xmlns="" xmlns:a16="http://schemas.microsoft.com/office/drawing/2014/main" id="{2A0FFF23-B3C9-3EA0-1C1B-A87D4FF098AE}"/>
                   </a:ext>
                 </a:extLst>
               </p:cNvPr>
@@ -19221,7 +19185,7 @@
             <p:cNvPr id="10" name="그룹 1011">
               <a:extLst>
                 <a:ext uri="{FF2B5EF4-FFF2-40B4-BE49-F238E27FC236}">
-                  <a16:creationId xmlns:a16="http://schemas.microsoft.com/office/drawing/2014/main" xmlns="" id="{881F5410-F7FB-F261-A584-707359BAC593}"/>
+                  <a16:creationId xmlns="" xmlns:a16="http://schemas.microsoft.com/office/drawing/2014/main" id="{881F5410-F7FB-F261-A584-707359BAC593}"/>
                 </a:ext>
               </a:extLst>
             </p:cNvPr>
@@ -19241,7 +19205,7 @@
               <p:cNvPr id="11" name="Object 35">
                 <a:extLst>
                   <a:ext uri="{FF2B5EF4-FFF2-40B4-BE49-F238E27FC236}">
-                    <a16:creationId xmlns:a16="http://schemas.microsoft.com/office/drawing/2014/main" xmlns="" id="{4E99E669-73EB-F9F4-EFE8-DC107035C265}"/>
+                    <a16:creationId xmlns="" xmlns:a16="http://schemas.microsoft.com/office/drawing/2014/main" id="{4E99E669-73EB-F9F4-EFE8-DC107035C265}"/>
                   </a:ext>
                 </a:extLst>
               </p:cNvPr>
@@ -20459,7 +20423,7 @@
           <p:cNvPr id="18" name="그룹 1008">
             <a:extLst>
               <a:ext uri="{FF2B5EF4-FFF2-40B4-BE49-F238E27FC236}">
-                <a16:creationId xmlns:a16="http://schemas.microsoft.com/office/drawing/2014/main" xmlns="" id="{678F6342-C505-E8AD-ADA4-022CB2C2088E}"/>
+                <a16:creationId xmlns="" xmlns:a16="http://schemas.microsoft.com/office/drawing/2014/main" id="{678F6342-C505-E8AD-ADA4-022CB2C2088E}"/>
               </a:ext>
             </a:extLst>
           </p:cNvPr>
@@ -20479,7 +20443,7 @@
             <p:cNvPr id="19" name="그룹 1009">
               <a:extLst>
                 <a:ext uri="{FF2B5EF4-FFF2-40B4-BE49-F238E27FC236}">
-                  <a16:creationId xmlns:a16="http://schemas.microsoft.com/office/drawing/2014/main" xmlns="" id="{4E1F1FED-812B-9BBB-925A-84B54A077414}"/>
+                  <a16:creationId xmlns="" xmlns:a16="http://schemas.microsoft.com/office/drawing/2014/main" id="{4E1F1FED-812B-9BBB-925A-84B54A077414}"/>
                 </a:ext>
               </a:extLst>
             </p:cNvPr>
@@ -20499,7 +20463,7 @@
               <p:cNvPr id="24" name="Object 29">
                 <a:extLst>
                   <a:ext uri="{FF2B5EF4-FFF2-40B4-BE49-F238E27FC236}">
-                    <a16:creationId xmlns:a16="http://schemas.microsoft.com/office/drawing/2014/main" xmlns="" id="{7B078609-4286-7B00-51EB-809C8E2DE289}"/>
+                    <a16:creationId xmlns="" xmlns:a16="http://schemas.microsoft.com/office/drawing/2014/main" id="{7B078609-4286-7B00-51EB-809C8E2DE289}"/>
                   </a:ext>
                 </a:extLst>
               </p:cNvPr>
@@ -20530,7 +20494,7 @@
             <p:cNvPr id="20" name="그룹 1010">
               <a:extLst>
                 <a:ext uri="{FF2B5EF4-FFF2-40B4-BE49-F238E27FC236}">
-                  <a16:creationId xmlns:a16="http://schemas.microsoft.com/office/drawing/2014/main" xmlns="" id="{02A649BF-B5B5-FBAF-7DFD-E118A4DF8907}"/>
+                  <a16:creationId xmlns="" xmlns:a16="http://schemas.microsoft.com/office/drawing/2014/main" id="{02A649BF-B5B5-FBAF-7DFD-E118A4DF8907}"/>
                 </a:ext>
               </a:extLst>
             </p:cNvPr>
@@ -20550,7 +20514,7 @@
               <p:cNvPr id="23" name="Object 32">
                 <a:extLst>
                   <a:ext uri="{FF2B5EF4-FFF2-40B4-BE49-F238E27FC236}">
-                    <a16:creationId xmlns:a16="http://schemas.microsoft.com/office/drawing/2014/main" xmlns="" id="{2A0FFF23-B3C9-3EA0-1C1B-A87D4FF098AE}"/>
+                    <a16:creationId xmlns="" xmlns:a16="http://schemas.microsoft.com/office/drawing/2014/main" id="{2A0FFF23-B3C9-3EA0-1C1B-A87D4FF098AE}"/>
                   </a:ext>
                 </a:extLst>
               </p:cNvPr>
@@ -20581,7 +20545,7 @@
             <p:cNvPr id="21" name="그룹 1011">
               <a:extLst>
                 <a:ext uri="{FF2B5EF4-FFF2-40B4-BE49-F238E27FC236}">
-                  <a16:creationId xmlns:a16="http://schemas.microsoft.com/office/drawing/2014/main" xmlns="" id="{881F5410-F7FB-F261-A584-707359BAC593}"/>
+                  <a16:creationId xmlns="" xmlns:a16="http://schemas.microsoft.com/office/drawing/2014/main" id="{881F5410-F7FB-F261-A584-707359BAC593}"/>
                 </a:ext>
               </a:extLst>
             </p:cNvPr>
@@ -20601,7 +20565,7 @@
               <p:cNvPr id="22" name="Object 35">
                 <a:extLst>
                   <a:ext uri="{FF2B5EF4-FFF2-40B4-BE49-F238E27FC236}">
-                    <a16:creationId xmlns:a16="http://schemas.microsoft.com/office/drawing/2014/main" xmlns="" id="{4E99E669-73EB-F9F4-EFE8-DC107035C265}"/>
+                    <a16:creationId xmlns="" xmlns:a16="http://schemas.microsoft.com/office/drawing/2014/main" id="{4E99E669-73EB-F9F4-EFE8-DC107035C265}"/>
                   </a:ext>
                 </a:extLst>
               </p:cNvPr>
@@ -22052,7 +22016,7 @@
           <p:cNvPr id="4" name="TextBox 3">
             <a:extLst>
               <a:ext uri="{FF2B5EF4-FFF2-40B4-BE49-F238E27FC236}">
-                <a16:creationId xmlns:a16="http://schemas.microsoft.com/office/drawing/2014/main" xmlns="" id="{AAA7A62B-B663-9BB3-853E-37554E612635}"/>
+                <a16:creationId xmlns="" xmlns:a16="http://schemas.microsoft.com/office/drawing/2014/main" id="{AAA7A62B-B663-9BB3-853E-37554E612635}"/>
               </a:ext>
             </a:extLst>
           </p:cNvPr>
@@ -22178,7 +22142,7 @@
           <p:cNvPr id="7" name="직선 화살표 연결선 6">
             <a:extLst>
               <a:ext uri="{FF2B5EF4-FFF2-40B4-BE49-F238E27FC236}">
-                <a16:creationId xmlns:a16="http://schemas.microsoft.com/office/drawing/2014/main" xmlns="" id="{299DF5EC-9DF4-5255-06AC-0A7CE4FF58C3}"/>
+                <a16:creationId xmlns="" xmlns:a16="http://schemas.microsoft.com/office/drawing/2014/main" id="{299DF5EC-9DF4-5255-06AC-0A7CE4FF58C3}"/>
               </a:ext>
             </a:extLst>
           </p:cNvPr>
@@ -22219,7 +22183,7 @@
           <p:cNvPr id="9" name="직사각형 8">
             <a:extLst>
               <a:ext uri="{FF2B5EF4-FFF2-40B4-BE49-F238E27FC236}">
-                <a16:creationId xmlns:a16="http://schemas.microsoft.com/office/drawing/2014/main" xmlns="" id="{FFF506F9-840A-0508-4CAF-3AC711D8D5CE}"/>
+                <a16:creationId xmlns="" xmlns:a16="http://schemas.microsoft.com/office/drawing/2014/main" id="{FFF506F9-840A-0508-4CAF-3AC711D8D5CE}"/>
               </a:ext>
             </a:extLst>
           </p:cNvPr>
@@ -22271,7 +22235,7 @@
           <p:cNvPr id="11" name="TextBox 10">
             <a:extLst>
               <a:ext uri="{FF2B5EF4-FFF2-40B4-BE49-F238E27FC236}">
-                <a16:creationId xmlns:a16="http://schemas.microsoft.com/office/drawing/2014/main" xmlns="" id="{C6D113C6-EA5C-788F-0C77-E7CE6EBB865F}"/>
+                <a16:creationId xmlns="" xmlns:a16="http://schemas.microsoft.com/office/drawing/2014/main" id="{C6D113C6-EA5C-788F-0C77-E7CE6EBB865F}"/>
               </a:ext>
             </a:extLst>
           </p:cNvPr>
@@ -22636,7 +22600,7 @@
           <p:cNvPr id="4" name="TextBox 3">
             <a:extLst>
               <a:ext uri="{FF2B5EF4-FFF2-40B4-BE49-F238E27FC236}">
-                <a16:creationId xmlns:a16="http://schemas.microsoft.com/office/drawing/2014/main" xmlns="" id="{AAA7A62B-B663-9BB3-853E-37554E612635}"/>
+                <a16:creationId xmlns="" xmlns:a16="http://schemas.microsoft.com/office/drawing/2014/main" id="{AAA7A62B-B663-9BB3-853E-37554E612635}"/>
               </a:ext>
             </a:extLst>
           </p:cNvPr>
@@ -22694,7 +22658,7 @@
           <p:cNvPr id="6" name="TextBox 5">
             <a:extLst>
               <a:ext uri="{FF2B5EF4-FFF2-40B4-BE49-F238E27FC236}">
-                <a16:creationId xmlns:a16="http://schemas.microsoft.com/office/drawing/2014/main" xmlns="" id="{1411E83A-6F3E-13BA-B84D-07D6B1588D85}"/>
+                <a16:creationId xmlns="" xmlns:a16="http://schemas.microsoft.com/office/drawing/2014/main" id="{1411E83A-6F3E-13BA-B84D-07D6B1588D85}"/>
               </a:ext>
             </a:extLst>
           </p:cNvPr>
@@ -22996,7 +22960,7 @@
           <p:cNvPr id="8" name="TextBox 7">
             <a:extLst>
               <a:ext uri="{FF2B5EF4-FFF2-40B4-BE49-F238E27FC236}">
-                <a16:creationId xmlns:a16="http://schemas.microsoft.com/office/drawing/2014/main" xmlns="" id="{1411E83A-6F3E-13BA-B84D-07D6B1588D85}"/>
+                <a16:creationId xmlns="" xmlns:a16="http://schemas.microsoft.com/office/drawing/2014/main" id="{1411E83A-6F3E-13BA-B84D-07D6B1588D85}"/>
               </a:ext>
             </a:extLst>
           </p:cNvPr>
@@ -23124,7 +23088,7 @@
           <p:cNvPr id="11" name="TextBox 10">
             <a:extLst>
               <a:ext uri="{FF2B5EF4-FFF2-40B4-BE49-F238E27FC236}">
-                <a16:creationId xmlns:a16="http://schemas.microsoft.com/office/drawing/2014/main" xmlns="" id="{1411E83A-6F3E-13BA-B84D-07D6B1588D85}"/>
+                <a16:creationId xmlns="" xmlns:a16="http://schemas.microsoft.com/office/drawing/2014/main" id="{1411E83A-6F3E-13BA-B84D-07D6B1588D85}"/>
               </a:ext>
             </a:extLst>
           </p:cNvPr>
@@ -23431,7 +23395,7 @@
           <p:cNvPr id="4" name="TextBox 3">
             <a:extLst>
               <a:ext uri="{FF2B5EF4-FFF2-40B4-BE49-F238E27FC236}">
-                <a16:creationId xmlns:a16="http://schemas.microsoft.com/office/drawing/2014/main" xmlns="" id="{AAA7A62B-B663-9BB3-853E-37554E612635}"/>
+                <a16:creationId xmlns="" xmlns:a16="http://schemas.microsoft.com/office/drawing/2014/main" id="{AAA7A62B-B663-9BB3-853E-37554E612635}"/>
               </a:ext>
             </a:extLst>
           </p:cNvPr>
@@ -25103,7 +25067,7 @@
           <p:cNvPr id="13" name="직선 화살표 연결선 12">
             <a:extLst>
               <a:ext uri="{FF2B5EF4-FFF2-40B4-BE49-F238E27FC236}">
-                <a16:creationId xmlns:a16="http://schemas.microsoft.com/office/drawing/2014/main" xmlns="" id="{299DF5EC-9DF4-5255-06AC-0A7CE4FF58C3}"/>
+                <a16:creationId xmlns="" xmlns:a16="http://schemas.microsoft.com/office/drawing/2014/main" id="{299DF5EC-9DF4-5255-06AC-0A7CE4FF58C3}"/>
               </a:ext>
             </a:extLst>
           </p:cNvPr>
@@ -25144,7 +25108,7 @@
           <p:cNvPr id="15" name="직선 화살표 연결선 14">
             <a:extLst>
               <a:ext uri="{FF2B5EF4-FFF2-40B4-BE49-F238E27FC236}">
-                <a16:creationId xmlns:a16="http://schemas.microsoft.com/office/drawing/2014/main" xmlns="" id="{299DF5EC-9DF4-5255-06AC-0A7CE4FF58C3}"/>
+                <a16:creationId xmlns="" xmlns:a16="http://schemas.microsoft.com/office/drawing/2014/main" id="{299DF5EC-9DF4-5255-06AC-0A7CE4FF58C3}"/>
               </a:ext>
             </a:extLst>
           </p:cNvPr>
@@ -25478,7 +25442,7 @@
           <p:cNvPr id="2" name="TextBox 1">
             <a:extLst>
               <a:ext uri="{FF2B5EF4-FFF2-40B4-BE49-F238E27FC236}">
-                <a16:creationId xmlns:a16="http://schemas.microsoft.com/office/drawing/2014/main" xmlns="" id="{8D19D88B-9541-32D7-90F1-0C45C993E21C}"/>
+                <a16:creationId xmlns="" xmlns:a16="http://schemas.microsoft.com/office/drawing/2014/main" id="{8D19D88B-9541-32D7-90F1-0C45C993E21C}"/>
               </a:ext>
             </a:extLst>
           </p:cNvPr>
@@ -25558,7 +25522,7 @@
           <p:cNvPr id="4" name="TextBox 3">
             <a:extLst>
               <a:ext uri="{FF2B5EF4-FFF2-40B4-BE49-F238E27FC236}">
-                <a16:creationId xmlns:a16="http://schemas.microsoft.com/office/drawing/2014/main" xmlns="" id="{AAA7A62B-B663-9BB3-853E-37554E612635}"/>
+                <a16:creationId xmlns="" xmlns:a16="http://schemas.microsoft.com/office/drawing/2014/main" id="{AAA7A62B-B663-9BB3-853E-37554E612635}"/>
               </a:ext>
             </a:extLst>
           </p:cNvPr>
@@ -25630,7 +25594,7 @@
           <p:cNvPr id="6" name="TextBox 5">
             <a:extLst>
               <a:ext uri="{FF2B5EF4-FFF2-40B4-BE49-F238E27FC236}">
-                <a16:creationId xmlns:a16="http://schemas.microsoft.com/office/drawing/2014/main" xmlns="" id="{AAA7A62B-B663-9BB3-853E-37554E612635}"/>
+                <a16:creationId xmlns="" xmlns:a16="http://schemas.microsoft.com/office/drawing/2014/main" id="{AAA7A62B-B663-9BB3-853E-37554E612635}"/>
               </a:ext>
             </a:extLst>
           </p:cNvPr>
@@ -27721,7 +27685,7 @@
           <p:cNvPr id="5" name="Object 2">
             <a:extLst>
               <a:ext uri="{FF2B5EF4-FFF2-40B4-BE49-F238E27FC236}">
-                <a16:creationId xmlns:a16="http://schemas.microsoft.com/office/drawing/2014/main" xmlns="" id="{EB9768FE-76B0-709F-3C4D-0ECBB41147CD}"/>
+                <a16:creationId xmlns="" xmlns:a16="http://schemas.microsoft.com/office/drawing/2014/main" id="{EB9768FE-76B0-709F-3C4D-0ECBB41147CD}"/>
               </a:ext>
             </a:extLst>
           </p:cNvPr>
@@ -27751,7 +27715,7 @@
           <p:cNvPr id="7" name="그룹 1001">
             <a:extLst>
               <a:ext uri="{FF2B5EF4-FFF2-40B4-BE49-F238E27FC236}">
-                <a16:creationId xmlns:a16="http://schemas.microsoft.com/office/drawing/2014/main" xmlns="" id="{0637F47C-891C-2B90-8647-32B84C264D42}"/>
+                <a16:creationId xmlns="" xmlns:a16="http://schemas.microsoft.com/office/drawing/2014/main" id="{0637F47C-891C-2B90-8647-32B84C264D42}"/>
               </a:ext>
             </a:extLst>
           </p:cNvPr>
@@ -27771,7 +27735,7 @@
             <p:cNvPr id="8" name="Object 5">
               <a:extLst>
                 <a:ext uri="{FF2B5EF4-FFF2-40B4-BE49-F238E27FC236}">
-                  <a16:creationId xmlns:a16="http://schemas.microsoft.com/office/drawing/2014/main" xmlns="" id="{710F969D-8259-9328-33C3-C6DB500C60D4}"/>
+                  <a16:creationId xmlns="" xmlns:a16="http://schemas.microsoft.com/office/drawing/2014/main" id="{710F969D-8259-9328-33C3-C6DB500C60D4}"/>
                 </a:ext>
               </a:extLst>
             </p:cNvPr>
@@ -27802,7 +27766,7 @@
           <p:cNvPr id="9" name="그룹 1002">
             <a:extLst>
               <a:ext uri="{FF2B5EF4-FFF2-40B4-BE49-F238E27FC236}">
-                <a16:creationId xmlns:a16="http://schemas.microsoft.com/office/drawing/2014/main" xmlns="" id="{A87796A8-251B-F38A-5AE9-11F8D847B25D}"/>
+                <a16:creationId xmlns="" xmlns:a16="http://schemas.microsoft.com/office/drawing/2014/main" id="{A87796A8-251B-F38A-5AE9-11F8D847B25D}"/>
               </a:ext>
             </a:extLst>
           </p:cNvPr>
@@ -27822,7 +27786,7 @@
             <p:cNvPr id="10" name="Object 8">
               <a:extLst>
                 <a:ext uri="{FF2B5EF4-FFF2-40B4-BE49-F238E27FC236}">
-                  <a16:creationId xmlns:a16="http://schemas.microsoft.com/office/drawing/2014/main" xmlns="" id="{9E806C19-D323-E705-F3B8-EEABB39F0993}"/>
+                  <a16:creationId xmlns="" xmlns:a16="http://schemas.microsoft.com/office/drawing/2014/main" id="{9E806C19-D323-E705-F3B8-EEABB39F0993}"/>
                 </a:ext>
               </a:extLst>
             </p:cNvPr>
@@ -27853,7 +27817,7 @@
           <p:cNvPr id="11" name="그룹 1003">
             <a:extLst>
               <a:ext uri="{FF2B5EF4-FFF2-40B4-BE49-F238E27FC236}">
-                <a16:creationId xmlns:a16="http://schemas.microsoft.com/office/drawing/2014/main" xmlns="" id="{701795E0-24B6-38E6-7308-FED7AD2B6900}"/>
+                <a16:creationId xmlns="" xmlns:a16="http://schemas.microsoft.com/office/drawing/2014/main" id="{701795E0-24B6-38E6-7308-FED7AD2B6900}"/>
               </a:ext>
             </a:extLst>
           </p:cNvPr>
@@ -27873,7 +27837,7 @@
             <p:cNvPr id="12" name="Object 11">
               <a:extLst>
                 <a:ext uri="{FF2B5EF4-FFF2-40B4-BE49-F238E27FC236}">
-                  <a16:creationId xmlns:a16="http://schemas.microsoft.com/office/drawing/2014/main" xmlns="" id="{D8C68167-7FB5-1F8E-D53C-DEA682F465F5}"/>
+                  <a16:creationId xmlns="" xmlns:a16="http://schemas.microsoft.com/office/drawing/2014/main" id="{D8C68167-7FB5-1F8E-D53C-DEA682F465F5}"/>
                 </a:ext>
               </a:extLst>
             </p:cNvPr>
@@ -27904,7 +27868,7 @@
           <p:cNvPr id="13" name="그룹 1004">
             <a:extLst>
               <a:ext uri="{FF2B5EF4-FFF2-40B4-BE49-F238E27FC236}">
-                <a16:creationId xmlns:a16="http://schemas.microsoft.com/office/drawing/2014/main" xmlns="" id="{03226A72-764D-99F3-A14F-47C351CB448B}"/>
+                <a16:creationId xmlns="" xmlns:a16="http://schemas.microsoft.com/office/drawing/2014/main" id="{03226A72-764D-99F3-A14F-47C351CB448B}"/>
               </a:ext>
             </a:extLst>
           </p:cNvPr>
@@ -27924,7 +27888,7 @@
             <p:cNvPr id="14" name="Object 14">
               <a:extLst>
                 <a:ext uri="{FF2B5EF4-FFF2-40B4-BE49-F238E27FC236}">
-                  <a16:creationId xmlns:a16="http://schemas.microsoft.com/office/drawing/2014/main" xmlns="" id="{77C5B9A8-AEBA-093B-4CD6-4F1ECF519068}"/>
+                  <a16:creationId xmlns="" xmlns:a16="http://schemas.microsoft.com/office/drawing/2014/main" id="{77C5B9A8-AEBA-093B-4CD6-4F1ECF519068}"/>
                 </a:ext>
               </a:extLst>
             </p:cNvPr>
@@ -27955,7 +27919,7 @@
           <p:cNvPr id="15" name="TextBox 14">
             <a:extLst>
               <a:ext uri="{FF2B5EF4-FFF2-40B4-BE49-F238E27FC236}">
-                <a16:creationId xmlns:a16="http://schemas.microsoft.com/office/drawing/2014/main" xmlns="" id="{E44AB10B-96D7-19D1-5C7A-D2761E62F16E}"/>
+                <a16:creationId xmlns="" xmlns:a16="http://schemas.microsoft.com/office/drawing/2014/main" id="{E44AB10B-96D7-19D1-5C7A-D2761E62F16E}"/>
               </a:ext>
             </a:extLst>
           </p:cNvPr>
@@ -28040,7 +28004,7 @@
           <p:cNvPr id="4" name="TextBox 3">
             <a:extLst>
               <a:ext uri="{FF2B5EF4-FFF2-40B4-BE49-F238E27FC236}">
-                <a16:creationId xmlns:a16="http://schemas.microsoft.com/office/drawing/2014/main" xmlns="" id="{5ADC00B6-990A-40DC-3CEA-505258F5E8DA}"/>
+                <a16:creationId xmlns="" xmlns:a16="http://schemas.microsoft.com/office/drawing/2014/main" id="{5ADC00B6-990A-40DC-3CEA-505258F5E8DA}"/>
               </a:ext>
             </a:extLst>
           </p:cNvPr>
@@ -28098,7 +28062,7 @@
           <p:cNvPr id="5" name="TextBox 4">
             <a:extLst>
               <a:ext uri="{FF2B5EF4-FFF2-40B4-BE49-F238E27FC236}">
-                <a16:creationId xmlns:a16="http://schemas.microsoft.com/office/drawing/2014/main" xmlns="" id="{4EDAA912-8FA0-0F11-119B-EA9F8B36A489}"/>
+                <a16:creationId xmlns="" xmlns:a16="http://schemas.microsoft.com/office/drawing/2014/main" id="{4EDAA912-8FA0-0F11-119B-EA9F8B36A489}"/>
               </a:ext>
             </a:extLst>
           </p:cNvPr>
@@ -28108,7 +28072,7 @@
         <p:spPr>
           <a:xfrm>
             <a:off x="2347392" y="6286500"/>
-            <a:ext cx="14111808" cy="2062103"/>
+            <a:ext cx="11978208" cy="2554545"/>
           </a:xfrm>
           <a:prstGeom prst="rect">
             <a:avLst/>
@@ -28179,7 +28143,36 @@
                 <a:latin typeface="G마켓 산스 Medium" panose="02000000000000000000" pitchFamily="50" charset="-127"/>
                 <a:ea typeface="G마켓 산스 Medium" panose="02000000000000000000" pitchFamily="50" charset="-127"/>
               </a:rPr>
-              <a:t>을 만든후 사용자로부터 좌표를 입력받아 해당좌표의 숫자를 공개하고 공개된숫자가 </a:t>
+              <a:t>을 만든후 사용자로부터 좌표를 </a:t>
+            </a:r>
+            <a:endParaRPr lang="en-US" altLang="ko-KR" sz="3200" smtClean="0">
+              <a:solidFill>
+                <a:srgbClr val="4D4848"/>
+              </a:solidFill>
+              <a:latin typeface="G마켓 산스 Medium" panose="02000000000000000000" pitchFamily="50" charset="-127"/>
+              <a:ea typeface="G마켓 산스 Medium" panose="02000000000000000000" pitchFamily="50" charset="-127"/>
+            </a:endParaRPr>
+          </a:p>
+          <a:p>
+            <a:r>
+              <a:rPr lang="ko-KR" altLang="en-US" sz="3200" smtClean="0">
+                <a:solidFill>
+                  <a:srgbClr val="4D4848"/>
+                </a:solidFill>
+                <a:latin typeface="G마켓 산스 Medium" panose="02000000000000000000" pitchFamily="50" charset="-127"/>
+                <a:ea typeface="G마켓 산스 Medium" panose="02000000000000000000" pitchFamily="50" charset="-127"/>
+              </a:rPr>
+              <a:t>입력받아 </a:t>
+            </a:r>
+            <a:r>
+              <a:rPr lang="ko-KR" altLang="en-US" sz="3200" smtClean="0">
+                <a:solidFill>
+                  <a:srgbClr val="4D4848"/>
+                </a:solidFill>
+                <a:latin typeface="G마켓 산스 Medium" panose="02000000000000000000" pitchFamily="50" charset="-127"/>
+                <a:ea typeface="G마켓 산스 Medium" panose="02000000000000000000" pitchFamily="50" charset="-127"/>
+              </a:rPr>
+              <a:t>해당좌표의 숫자를 공개하고 공개된숫자가 </a:t>
             </a:r>
             <a:r>
               <a:rPr lang="en-US" altLang="ko-KR" sz="3200" smtClean="0">
@@ -28189,7 +28182,7 @@
                 <a:latin typeface="G마켓 산스 Medium" panose="02000000000000000000" pitchFamily="50" charset="-127"/>
                 <a:ea typeface="G마켓 산스 Medium" panose="02000000000000000000" pitchFamily="50" charset="-127"/>
               </a:rPr>
-              <a:t>13</a:t>
+              <a:t>15</a:t>
             </a:r>
             <a:r>
               <a:rPr lang="ko-KR" altLang="en-US" sz="3200" smtClean="0">
@@ -28199,7 +28192,46 @@
                 <a:latin typeface="G마켓 산스 Medium" panose="02000000000000000000" pitchFamily="50" charset="-127"/>
                 <a:ea typeface="G마켓 산스 Medium" panose="02000000000000000000" pitchFamily="50" charset="-127"/>
               </a:rPr>
-              <a:t>일 경우 게임을 종료한다</a:t>
+              <a:t>일 </a:t>
+            </a:r>
+            <a:r>
+              <a:rPr lang="ko-KR" altLang="en-US" sz="3200" smtClean="0">
+                <a:solidFill>
+                  <a:srgbClr val="4D4848"/>
+                </a:solidFill>
+                <a:latin typeface="G마켓 산스 Medium" panose="02000000000000000000" pitchFamily="50" charset="-127"/>
+                <a:ea typeface="G마켓 산스 Medium" panose="02000000000000000000" pitchFamily="50" charset="-127"/>
+              </a:rPr>
+              <a:t>경우 </a:t>
+            </a:r>
+            <a:endParaRPr lang="en-US" altLang="ko-KR" sz="3200" smtClean="0">
+              <a:solidFill>
+                <a:srgbClr val="4D4848"/>
+              </a:solidFill>
+              <a:latin typeface="G마켓 산스 Medium" panose="02000000000000000000" pitchFamily="50" charset="-127"/>
+              <a:ea typeface="G마켓 산스 Medium" panose="02000000000000000000" pitchFamily="50" charset="-127"/>
+            </a:endParaRPr>
+          </a:p>
+          <a:p>
+            <a:r>
+              <a:rPr lang="ko-KR" altLang="en-US" sz="3200" smtClean="0">
+                <a:solidFill>
+                  <a:srgbClr val="4D4848"/>
+                </a:solidFill>
+                <a:latin typeface="G마켓 산스 Medium" panose="02000000000000000000" pitchFamily="50" charset="-127"/>
+                <a:ea typeface="G마켓 산스 Medium" panose="02000000000000000000" pitchFamily="50" charset="-127"/>
+              </a:rPr>
+              <a:t>게임을 </a:t>
+            </a:r>
+            <a:r>
+              <a:rPr lang="ko-KR" altLang="en-US" sz="3200" smtClean="0">
+                <a:solidFill>
+                  <a:srgbClr val="4D4848"/>
+                </a:solidFill>
+                <a:latin typeface="G마켓 산스 Medium" panose="02000000000000000000" pitchFamily="50" charset="-127"/>
+                <a:ea typeface="G마켓 산스 Medium" panose="02000000000000000000" pitchFamily="50" charset="-127"/>
+              </a:rPr>
+              <a:t>종료한다</a:t>
             </a:r>
             <a:r>
               <a:rPr lang="en-US" altLang="ko-KR" sz="3200" smtClean="0">
@@ -28358,7 +28390,7 @@
           <p:cNvPr id="7" name="TextBox 6">
             <a:extLst>
               <a:ext uri="{FF2B5EF4-FFF2-40B4-BE49-F238E27FC236}">
-                <a16:creationId xmlns:a16="http://schemas.microsoft.com/office/drawing/2014/main" xmlns="" id="{5ADC00B6-990A-40DC-3CEA-505258F5E8DA}"/>
+                <a16:creationId xmlns="" xmlns:a16="http://schemas.microsoft.com/office/drawing/2014/main" id="{5ADC00B6-990A-40DC-3CEA-505258F5E8DA}"/>
               </a:ext>
             </a:extLst>
           </p:cNvPr>
@@ -28416,7 +28448,7 @@
           <p:cNvPr id="8" name="TextBox 7">
             <a:extLst>
               <a:ext uri="{FF2B5EF4-FFF2-40B4-BE49-F238E27FC236}">
-                <a16:creationId xmlns:a16="http://schemas.microsoft.com/office/drawing/2014/main" xmlns="" id="{4EDAA912-8FA0-0F11-119B-EA9F8B36A489}"/>
+                <a16:creationId xmlns="" xmlns:a16="http://schemas.microsoft.com/office/drawing/2014/main" id="{4EDAA912-8FA0-0F11-119B-EA9F8B36A489}"/>
               </a:ext>
             </a:extLst>
           </p:cNvPr>
@@ -28484,7 +28516,7 @@
           <p:cNvPr id="10" name="TextBox 9">
             <a:extLst>
               <a:ext uri="{FF2B5EF4-FFF2-40B4-BE49-F238E27FC236}">
-                <a16:creationId xmlns:a16="http://schemas.microsoft.com/office/drawing/2014/main" xmlns="" id="{5ADC00B6-990A-40DC-3CEA-505258F5E8DA}"/>
+                <a16:creationId xmlns="" xmlns:a16="http://schemas.microsoft.com/office/drawing/2014/main" id="{5ADC00B6-990A-40DC-3CEA-505258F5E8DA}"/>
               </a:ext>
             </a:extLst>
           </p:cNvPr>
@@ -28542,7 +28574,7 @@
           <p:cNvPr id="12" name="TextBox 11">
             <a:extLst>
               <a:ext uri="{FF2B5EF4-FFF2-40B4-BE49-F238E27FC236}">
-                <a16:creationId xmlns:a16="http://schemas.microsoft.com/office/drawing/2014/main" xmlns="" id="{4EDAA912-8FA0-0F11-119B-EA9F8B36A489}"/>
+                <a16:creationId xmlns="" xmlns:a16="http://schemas.microsoft.com/office/drawing/2014/main" id="{4EDAA912-8FA0-0F11-119B-EA9F8B36A489}"/>
               </a:ext>
             </a:extLst>
           </p:cNvPr>
@@ -28552,7 +28584,7 @@
         <p:spPr>
           <a:xfrm>
             <a:off x="2362200" y="3125569"/>
-            <a:ext cx="13433486" cy="1200329"/>
+            <a:ext cx="13433486" cy="646331"/>
           </a:xfrm>
           <a:prstGeom prst="rect">
             <a:avLst/>
@@ -28613,26 +28645,7 @@
                 <a:latin typeface="G마켓 산스 Medium" panose="02000000000000000000" pitchFamily="50" charset="-127"/>
                 <a:ea typeface="G마켓 산스 Medium" panose="02000000000000000000" pitchFamily="50" charset="-127"/>
               </a:rPr>
-              <a:t>도 회전시켜보자</a:t>
-            </a:r>
-            <a:endParaRPr lang="en-US" altLang="ko-KR" sz="3600" smtClean="0">
-              <a:solidFill>
-                <a:srgbClr val="4D4848"/>
-              </a:solidFill>
-              <a:latin typeface="G마켓 산스 Medium" panose="02000000000000000000" pitchFamily="50" charset="-127"/>
-              <a:ea typeface="G마켓 산스 Medium" panose="02000000000000000000" pitchFamily="50" charset="-127"/>
-            </a:endParaRPr>
-          </a:p>
-          <a:p>
-            <a:r>
-              <a:rPr lang="en-US" altLang="ko-KR" sz="3600" smtClean="0">
-                <a:solidFill>
-                  <a:srgbClr val="4D4848"/>
-                </a:solidFill>
-                <a:latin typeface="G마켓 산스 Medium" panose="02000000000000000000" pitchFamily="50" charset="-127"/>
-                <a:ea typeface="G마켓 산스 Medium" panose="02000000000000000000" pitchFamily="50" charset="-127"/>
-              </a:rPr>
-              <a:t>(</a:t>
+              <a:t>도 </a:t>
             </a:r>
             <a:r>
               <a:rPr lang="ko-KR" altLang="en-US" sz="3600" smtClean="0">
@@ -28642,19 +28655,9 @@
                 <a:latin typeface="G마켓 산스 Medium" panose="02000000000000000000" pitchFamily="50" charset="-127"/>
                 <a:ea typeface="G마켓 산스 Medium" panose="02000000000000000000" pitchFamily="50" charset="-127"/>
               </a:rPr>
-              <a:t>한바퀴 도는 과정을 출력하자</a:t>
-            </a:r>
-            <a:r>
-              <a:rPr lang="en-US" altLang="ko-KR" sz="3600" smtClean="0">
-                <a:solidFill>
-                  <a:srgbClr val="4D4848"/>
-                </a:solidFill>
-                <a:latin typeface="G마켓 산스 Medium" panose="02000000000000000000" pitchFamily="50" charset="-127"/>
-                <a:ea typeface="G마켓 산스 Medium" panose="02000000000000000000" pitchFamily="50" charset="-127"/>
-              </a:rPr>
-              <a:t>)</a:t>
-            </a:r>
-            <a:endParaRPr lang="en-US" altLang="ko-KR" sz="3600">
+              <a:t>회전시켜보자</a:t>
+            </a:r>
+            <a:endParaRPr lang="en-US" altLang="ko-KR" sz="3600" smtClean="0">
               <a:solidFill>
                 <a:srgbClr val="4D4848"/>
               </a:solidFill>
@@ -28682,6 +28685,54 @@
           <a:xfrm>
             <a:off x="10892459" y="24482"/>
             <a:ext cx="2597285" cy="3024887"/>
+          </a:xfrm>
+          <a:prstGeom prst="rect">
+            <a:avLst/>
+          </a:prstGeom>
+        </p:spPr>
+      </p:pic>
+      <p:pic>
+        <p:nvPicPr>
+          <p:cNvPr id="3" name="그림 2"/>
+          <p:cNvPicPr>
+            <a:picLocks noChangeAspect="1"/>
+          </p:cNvPicPr>
+          <p:nvPr/>
+        </p:nvPicPr>
+        <p:blipFill>
+          <a:blip r:embed="rId4"/>
+          <a:stretch>
+            <a:fillRect/>
+          </a:stretch>
+        </p:blipFill>
+        <p:spPr>
+          <a:xfrm>
+            <a:off x="2590800" y="3733800"/>
+            <a:ext cx="1066800" cy="2552344"/>
+          </a:xfrm>
+          <a:prstGeom prst="rect">
+            <a:avLst/>
+          </a:prstGeom>
+        </p:spPr>
+      </p:pic>
+      <p:pic>
+        <p:nvPicPr>
+          <p:cNvPr id="9" name="그림 8"/>
+          <p:cNvPicPr>
+            <a:picLocks noChangeAspect="1"/>
+          </p:cNvPicPr>
+          <p:nvPr/>
+        </p:nvPicPr>
+        <p:blipFill>
+          <a:blip r:embed="rId5"/>
+          <a:stretch>
+            <a:fillRect/>
+          </a:stretch>
+        </p:blipFill>
+        <p:spPr>
+          <a:xfrm>
+            <a:off x="14128810" y="5226450"/>
+            <a:ext cx="4082989" cy="4946250"/>
           </a:xfrm>
           <a:prstGeom prst="rect">
             <a:avLst/>
@@ -28996,7 +29047,7 @@
           <p:cNvPr id="2" name="TextBox 1">
             <a:extLst>
               <a:ext uri="{FF2B5EF4-FFF2-40B4-BE49-F238E27FC236}">
-                <a16:creationId xmlns:a16="http://schemas.microsoft.com/office/drawing/2014/main" xmlns="" id="{715D88A2-BD52-978B-A00A-540446126E3D}"/>
+                <a16:creationId xmlns="" xmlns:a16="http://schemas.microsoft.com/office/drawing/2014/main" id="{715D88A2-BD52-978B-A00A-540446126E3D}"/>
               </a:ext>
             </a:extLst>
           </p:cNvPr>
@@ -29069,7 +29120,7 @@
           <p:cNvPr id="32" name="TextBox 31">
             <a:extLst>
               <a:ext uri="{FF2B5EF4-FFF2-40B4-BE49-F238E27FC236}">
-                <a16:creationId xmlns:a16="http://schemas.microsoft.com/office/drawing/2014/main" xmlns="" id="{5ADC00B6-990A-40DC-3CEA-505258F5E8DA}"/>
+                <a16:creationId xmlns="" xmlns:a16="http://schemas.microsoft.com/office/drawing/2014/main" id="{5ADC00B6-990A-40DC-3CEA-505258F5E8DA}"/>
               </a:ext>
             </a:extLst>
           </p:cNvPr>
@@ -29140,7 +29191,7 @@
           <p:cNvPr id="8" name="그림 7">
             <a:extLst>
               <a:ext uri="{FF2B5EF4-FFF2-40B4-BE49-F238E27FC236}">
-                <a16:creationId xmlns:a16="http://schemas.microsoft.com/office/drawing/2014/main" xmlns="" id="{36EA5A03-03DE-406B-81E8-A6717DF31F95}"/>
+                <a16:creationId xmlns="" xmlns:a16="http://schemas.microsoft.com/office/drawing/2014/main" id="{36EA5A03-03DE-406B-81E8-A6717DF31F95}"/>
               </a:ext>
             </a:extLst>
           </p:cNvPr>
@@ -29170,7 +29221,7 @@
           <p:cNvPr id="9" name="TextBox 8">
             <a:extLst>
               <a:ext uri="{FF2B5EF4-FFF2-40B4-BE49-F238E27FC236}">
-                <a16:creationId xmlns:a16="http://schemas.microsoft.com/office/drawing/2014/main" xmlns="" id="{891E823C-FB22-A322-2590-BE7D83C31C15}"/>
+                <a16:creationId xmlns="" xmlns:a16="http://schemas.microsoft.com/office/drawing/2014/main" id="{891E823C-FB22-A322-2590-BE7D83C31C15}"/>
               </a:ext>
             </a:extLst>
           </p:cNvPr>
@@ -29211,7 +29262,7 @@
           <p:cNvPr id="11" name="그룹 1008">
             <a:extLst>
               <a:ext uri="{FF2B5EF4-FFF2-40B4-BE49-F238E27FC236}">
-                <a16:creationId xmlns:a16="http://schemas.microsoft.com/office/drawing/2014/main" xmlns="" id="{1EFF84BC-CE69-6E9A-0728-7433E2852943}"/>
+                <a16:creationId xmlns="" xmlns:a16="http://schemas.microsoft.com/office/drawing/2014/main" id="{1EFF84BC-CE69-6E9A-0728-7433E2852943}"/>
               </a:ext>
             </a:extLst>
           </p:cNvPr>
@@ -29231,7 +29282,7 @@
             <p:cNvPr id="12" name="그룹 1009">
               <a:extLst>
                 <a:ext uri="{FF2B5EF4-FFF2-40B4-BE49-F238E27FC236}">
-                  <a16:creationId xmlns:a16="http://schemas.microsoft.com/office/drawing/2014/main" xmlns="" id="{AA36F7CC-930A-2820-CA0D-F0788A037F7E}"/>
+                  <a16:creationId xmlns="" xmlns:a16="http://schemas.microsoft.com/office/drawing/2014/main" id="{AA36F7CC-930A-2820-CA0D-F0788A037F7E}"/>
                 </a:ext>
               </a:extLst>
             </p:cNvPr>
@@ -29251,7 +29302,7 @@
               <p:cNvPr id="19" name="Object 29">
                 <a:extLst>
                   <a:ext uri="{FF2B5EF4-FFF2-40B4-BE49-F238E27FC236}">
-                    <a16:creationId xmlns:a16="http://schemas.microsoft.com/office/drawing/2014/main" xmlns="" id="{9A5ADF80-DCC2-E6F9-0072-FFE30C7AF188}"/>
+                    <a16:creationId xmlns="" xmlns:a16="http://schemas.microsoft.com/office/drawing/2014/main" id="{9A5ADF80-DCC2-E6F9-0072-FFE30C7AF188}"/>
                   </a:ext>
                 </a:extLst>
               </p:cNvPr>
@@ -29282,7 +29333,7 @@
             <p:cNvPr id="13" name="그룹 1010">
               <a:extLst>
                 <a:ext uri="{FF2B5EF4-FFF2-40B4-BE49-F238E27FC236}">
-                  <a16:creationId xmlns:a16="http://schemas.microsoft.com/office/drawing/2014/main" xmlns="" id="{BA7EBFBB-DEC0-52A3-DA23-A283CA4F78AE}"/>
+                  <a16:creationId xmlns="" xmlns:a16="http://schemas.microsoft.com/office/drawing/2014/main" id="{BA7EBFBB-DEC0-52A3-DA23-A283CA4F78AE}"/>
                 </a:ext>
               </a:extLst>
             </p:cNvPr>
@@ -29302,7 +29353,7 @@
               <p:cNvPr id="17" name="Object 32">
                 <a:extLst>
                   <a:ext uri="{FF2B5EF4-FFF2-40B4-BE49-F238E27FC236}">
-                    <a16:creationId xmlns:a16="http://schemas.microsoft.com/office/drawing/2014/main" xmlns="" id="{FCA018BA-6DFF-9726-2010-E6B74AA92750}"/>
+                    <a16:creationId xmlns="" xmlns:a16="http://schemas.microsoft.com/office/drawing/2014/main" id="{FCA018BA-6DFF-9726-2010-E6B74AA92750}"/>
                   </a:ext>
                 </a:extLst>
               </p:cNvPr>
@@ -29333,7 +29384,7 @@
             <p:cNvPr id="14" name="그룹 1011">
               <a:extLst>
                 <a:ext uri="{FF2B5EF4-FFF2-40B4-BE49-F238E27FC236}">
-                  <a16:creationId xmlns:a16="http://schemas.microsoft.com/office/drawing/2014/main" xmlns="" id="{89BDD7E3-4009-6928-125A-3AF760574E6B}"/>
+                  <a16:creationId xmlns="" xmlns:a16="http://schemas.microsoft.com/office/drawing/2014/main" id="{89BDD7E3-4009-6928-125A-3AF760574E6B}"/>
                 </a:ext>
               </a:extLst>
             </p:cNvPr>
@@ -29353,7 +29404,7 @@
               <p:cNvPr id="16" name="Object 35">
                 <a:extLst>
                   <a:ext uri="{FF2B5EF4-FFF2-40B4-BE49-F238E27FC236}">
-                    <a16:creationId xmlns:a16="http://schemas.microsoft.com/office/drawing/2014/main" xmlns="" id="{6A68EFC7-0442-EB71-2629-EBFF29843026}"/>
+                    <a16:creationId xmlns="" xmlns:a16="http://schemas.microsoft.com/office/drawing/2014/main" id="{6A68EFC7-0442-EB71-2629-EBFF29843026}"/>
                   </a:ext>
                 </a:extLst>
               </p:cNvPr>
@@ -29385,7 +29436,7 @@
           <p:cNvPr id="20" name="그룹 1016">
             <a:extLst>
               <a:ext uri="{FF2B5EF4-FFF2-40B4-BE49-F238E27FC236}">
-                <a16:creationId xmlns:a16="http://schemas.microsoft.com/office/drawing/2014/main" xmlns="" id="{5AADB473-E166-1313-8A9E-3F089E59CF16}"/>
+                <a16:creationId xmlns="" xmlns:a16="http://schemas.microsoft.com/office/drawing/2014/main" id="{5AADB473-E166-1313-8A9E-3F089E59CF16}"/>
               </a:ext>
             </a:extLst>
           </p:cNvPr>
@@ -29405,7 +29456,7 @@
             <p:cNvPr id="22" name="Object 46">
               <a:extLst>
                 <a:ext uri="{FF2B5EF4-FFF2-40B4-BE49-F238E27FC236}">
-                  <a16:creationId xmlns:a16="http://schemas.microsoft.com/office/drawing/2014/main" xmlns="" id="{FE1DBED5-EA1B-FF19-35A4-35D68ECE2FE4}"/>
+                  <a16:creationId xmlns="" xmlns:a16="http://schemas.microsoft.com/office/drawing/2014/main" id="{FE1DBED5-EA1B-FF19-35A4-35D68ECE2FE4}"/>
                 </a:ext>
               </a:extLst>
             </p:cNvPr>
@@ -29436,7 +29487,7 @@
           <p:cNvPr id="33" name="TextBox 32">
             <a:extLst>
               <a:ext uri="{FF2B5EF4-FFF2-40B4-BE49-F238E27FC236}">
-                <a16:creationId xmlns:a16="http://schemas.microsoft.com/office/drawing/2014/main" xmlns="" id="{BF5DC44A-D1FE-0544-134B-19A623DD705D}"/>
+                <a16:creationId xmlns="" xmlns:a16="http://schemas.microsoft.com/office/drawing/2014/main" id="{BF5DC44A-D1FE-0544-134B-19A623DD705D}"/>
               </a:ext>
             </a:extLst>
           </p:cNvPr>
@@ -29561,7 +29612,7 @@
           <p:cNvPr id="4" name="표 3">
             <a:extLst>
               <a:ext uri="{FF2B5EF4-FFF2-40B4-BE49-F238E27FC236}">
-                <a16:creationId xmlns:a16="http://schemas.microsoft.com/office/drawing/2014/main" xmlns="" id="{94393C86-0B06-3BF4-D58A-5DF6481E98D2}"/>
+                <a16:creationId xmlns="" xmlns:a16="http://schemas.microsoft.com/office/drawing/2014/main" id="{94393C86-0B06-3BF4-D58A-5DF6481E98D2}"/>
               </a:ext>
             </a:extLst>
           </p:cNvPr>
@@ -29590,14 +29641,14 @@
                 <a:gridCol w="1447800">
                   <a:extLst>
                     <a:ext uri="{9D8B030D-6E8A-4147-A177-3AD203B41FA5}">
-                      <a16:colId xmlns:a16="http://schemas.microsoft.com/office/drawing/2014/main" xmlns="" val="3731381781"/>
+                      <a16:colId xmlns="" xmlns:a16="http://schemas.microsoft.com/office/drawing/2014/main" val="3731381781"/>
                     </a:ext>
                   </a:extLst>
                 </a:gridCol>
                 <a:gridCol w="1981200">
                   <a:extLst>
                     <a:ext uri="{9D8B030D-6E8A-4147-A177-3AD203B41FA5}">
-                      <a16:colId xmlns:a16="http://schemas.microsoft.com/office/drawing/2014/main" xmlns="" val="2922041479"/>
+                      <a16:colId xmlns="" xmlns:a16="http://schemas.microsoft.com/office/drawing/2014/main" val="2922041479"/>
                     </a:ext>
                   </a:extLst>
                 </a:gridCol>
@@ -29723,7 +29774,7 @@
                 </a:tc>
                 <a:extLst>
                   <a:ext uri="{0D108BD9-81ED-4DB2-BD59-A6C34878D82A}">
-                    <a16:rowId xmlns:a16="http://schemas.microsoft.com/office/drawing/2014/main" xmlns="" val="3716032365"/>
+                    <a16:rowId xmlns="" xmlns:a16="http://schemas.microsoft.com/office/drawing/2014/main" val="3716032365"/>
                   </a:ext>
                 </a:extLst>
               </a:tr>
@@ -29852,7 +29903,7 @@
                 </a:tc>
                 <a:extLst>
                   <a:ext uri="{0D108BD9-81ED-4DB2-BD59-A6C34878D82A}">
-                    <a16:rowId xmlns:a16="http://schemas.microsoft.com/office/drawing/2014/main" xmlns="" val="1765325807"/>
+                    <a16:rowId xmlns="" xmlns:a16="http://schemas.microsoft.com/office/drawing/2014/main" val="1765325807"/>
                   </a:ext>
                 </a:extLst>
               </a:tr>
@@ -29965,7 +30016,7 @@
                 </a:tc>
                 <a:extLst>
                   <a:ext uri="{0D108BD9-81ED-4DB2-BD59-A6C34878D82A}">
-                    <a16:rowId xmlns:a16="http://schemas.microsoft.com/office/drawing/2014/main" xmlns="" val="3352121117"/>
+                    <a16:rowId xmlns="" xmlns:a16="http://schemas.microsoft.com/office/drawing/2014/main" val="3352121117"/>
                   </a:ext>
                 </a:extLst>
               </a:tr>
@@ -30078,7 +30129,7 @@
                 </a:tc>
                 <a:extLst>
                   <a:ext uri="{0D108BD9-81ED-4DB2-BD59-A6C34878D82A}">
-                    <a16:rowId xmlns:a16="http://schemas.microsoft.com/office/drawing/2014/main" xmlns="" val="2004051296"/>
+                    <a16:rowId xmlns="" xmlns:a16="http://schemas.microsoft.com/office/drawing/2014/main" val="2004051296"/>
                   </a:ext>
                 </a:extLst>
               </a:tr>
@@ -30191,7 +30242,7 @@
                 </a:tc>
                 <a:extLst>
                   <a:ext uri="{0D108BD9-81ED-4DB2-BD59-A6C34878D82A}">
-                    <a16:rowId xmlns:a16="http://schemas.microsoft.com/office/drawing/2014/main" xmlns="" val="3455365349"/>
+                    <a16:rowId xmlns="" xmlns:a16="http://schemas.microsoft.com/office/drawing/2014/main" val="3455365349"/>
                   </a:ext>
                 </a:extLst>
               </a:tr>
@@ -30304,7 +30355,7 @@
                 </a:tc>
                 <a:extLst>
                   <a:ext uri="{0D108BD9-81ED-4DB2-BD59-A6C34878D82A}">
-                    <a16:rowId xmlns:a16="http://schemas.microsoft.com/office/drawing/2014/main" xmlns="" val="3167686984"/>
+                    <a16:rowId xmlns="" xmlns:a16="http://schemas.microsoft.com/office/drawing/2014/main" val="3167686984"/>
                   </a:ext>
                 </a:extLst>
               </a:tr>
@@ -30417,7 +30468,7 @@
                 </a:tc>
                 <a:extLst>
                   <a:ext uri="{0D108BD9-81ED-4DB2-BD59-A6C34878D82A}">
-                    <a16:rowId xmlns:a16="http://schemas.microsoft.com/office/drawing/2014/main" xmlns="" val="4026164128"/>
+                    <a16:rowId xmlns="" xmlns:a16="http://schemas.microsoft.com/office/drawing/2014/main" val="4026164128"/>
                   </a:ext>
                 </a:extLst>
               </a:tr>
@@ -30430,7 +30481,7 @@
           <p:cNvPr id="5" name="그룹 1018">
             <a:extLst>
               <a:ext uri="{FF2B5EF4-FFF2-40B4-BE49-F238E27FC236}">
-                <a16:creationId xmlns:a16="http://schemas.microsoft.com/office/drawing/2014/main" xmlns="" id="{1330ABEF-15CB-8649-BD8D-F461129ED30D}"/>
+                <a16:creationId xmlns="" xmlns:a16="http://schemas.microsoft.com/office/drawing/2014/main" id="{1330ABEF-15CB-8649-BD8D-F461129ED30D}"/>
               </a:ext>
             </a:extLst>
           </p:cNvPr>
@@ -30450,7 +30501,7 @@
             <p:cNvPr id="6" name="Object 61">
               <a:extLst>
                 <a:ext uri="{FF2B5EF4-FFF2-40B4-BE49-F238E27FC236}">
-                  <a16:creationId xmlns:a16="http://schemas.microsoft.com/office/drawing/2014/main" xmlns="" id="{ECF5792B-1F12-6090-875D-41885B0FBB10}"/>
+                  <a16:creationId xmlns="" xmlns:a16="http://schemas.microsoft.com/office/drawing/2014/main" id="{ECF5792B-1F12-6090-875D-41885B0FBB10}"/>
                 </a:ext>
               </a:extLst>
             </p:cNvPr>
@@ -30481,7 +30532,7 @@
           <p:cNvPr id="7" name="TextBox 6">
             <a:extLst>
               <a:ext uri="{FF2B5EF4-FFF2-40B4-BE49-F238E27FC236}">
-                <a16:creationId xmlns:a16="http://schemas.microsoft.com/office/drawing/2014/main" xmlns="" id="{7D83DD72-9F66-04E8-C674-1E40B9EC6DA5}"/>
+                <a16:creationId xmlns="" xmlns:a16="http://schemas.microsoft.com/office/drawing/2014/main" id="{7D83DD72-9F66-04E8-C674-1E40B9EC6DA5}"/>
               </a:ext>
             </a:extLst>
           </p:cNvPr>
@@ -30535,7 +30586,7 @@
           <p:cNvPr id="8" name="TextBox 7">
             <a:extLst>
               <a:ext uri="{FF2B5EF4-FFF2-40B4-BE49-F238E27FC236}">
-                <a16:creationId xmlns:a16="http://schemas.microsoft.com/office/drawing/2014/main" xmlns="" id="{307451BB-0100-5972-5BD5-E7D3BCBD6301}"/>
+                <a16:creationId xmlns="" xmlns:a16="http://schemas.microsoft.com/office/drawing/2014/main" id="{307451BB-0100-5972-5BD5-E7D3BCBD6301}"/>
               </a:ext>
             </a:extLst>
           </p:cNvPr>
@@ -30579,7 +30630,7 @@
           <p:cNvPr id="9" name="TextBox 8">
             <a:extLst>
               <a:ext uri="{FF2B5EF4-FFF2-40B4-BE49-F238E27FC236}">
-                <a16:creationId xmlns:a16="http://schemas.microsoft.com/office/drawing/2014/main" xmlns="" id="{34E3F449-543C-CD72-319C-A17299BAD58E}"/>
+                <a16:creationId xmlns="" xmlns:a16="http://schemas.microsoft.com/office/drawing/2014/main" id="{34E3F449-543C-CD72-319C-A17299BAD58E}"/>
               </a:ext>
             </a:extLst>
           </p:cNvPr>
@@ -30627,7 +30678,7 @@
           <p:cNvPr id="10" name="TextBox 9">
             <a:extLst>
               <a:ext uri="{FF2B5EF4-FFF2-40B4-BE49-F238E27FC236}">
-                <a16:creationId xmlns:a16="http://schemas.microsoft.com/office/drawing/2014/main" xmlns="" id="{E2F69BEC-12A2-9108-7924-1B36AF4430E4}"/>
+                <a16:creationId xmlns="" xmlns:a16="http://schemas.microsoft.com/office/drawing/2014/main" id="{E2F69BEC-12A2-9108-7924-1B36AF4430E4}"/>
               </a:ext>
             </a:extLst>
           </p:cNvPr>
@@ -30694,7 +30745,7 @@
           <p:cNvPr id="12" name="그림 11">
             <a:extLst>
               <a:ext uri="{FF2B5EF4-FFF2-40B4-BE49-F238E27FC236}">
-                <a16:creationId xmlns:a16="http://schemas.microsoft.com/office/drawing/2014/main" xmlns="" id="{B0E66467-5213-2FA0-A521-3B39B6797D99}"/>
+                <a16:creationId xmlns="" xmlns:a16="http://schemas.microsoft.com/office/drawing/2014/main" id="{B0E66467-5213-2FA0-A521-3B39B6797D99}"/>
               </a:ext>
             </a:extLst>
           </p:cNvPr>
@@ -30724,7 +30775,7 @@
           <p:cNvPr id="13" name="직선 화살표 연결선 12">
             <a:extLst>
               <a:ext uri="{FF2B5EF4-FFF2-40B4-BE49-F238E27FC236}">
-                <a16:creationId xmlns:a16="http://schemas.microsoft.com/office/drawing/2014/main" xmlns="" id="{A258CCA0-C886-9F46-EA23-630BE0C66BE2}"/>
+                <a16:creationId xmlns="" xmlns:a16="http://schemas.microsoft.com/office/drawing/2014/main" id="{A258CCA0-C886-9F46-EA23-630BE0C66BE2}"/>
               </a:ext>
             </a:extLst>
           </p:cNvPr>
@@ -30803,7 +30854,7 @@
           <p:cNvPr id="4" name="TextBox 3">
             <a:extLst>
               <a:ext uri="{FF2B5EF4-FFF2-40B4-BE49-F238E27FC236}">
-                <a16:creationId xmlns:a16="http://schemas.microsoft.com/office/drawing/2014/main" xmlns="" id="{C1898E6D-AE67-F9BC-3E27-12ED9B1FE83E}"/>
+                <a16:creationId xmlns="" xmlns:a16="http://schemas.microsoft.com/office/drawing/2014/main" id="{C1898E6D-AE67-F9BC-3E27-12ED9B1FE83E}"/>
               </a:ext>
             </a:extLst>
           </p:cNvPr>
@@ -30851,7 +30902,7 @@
           <p:cNvPr id="6" name="그림 5">
             <a:extLst>
               <a:ext uri="{FF2B5EF4-FFF2-40B4-BE49-F238E27FC236}">
-                <a16:creationId xmlns:a16="http://schemas.microsoft.com/office/drawing/2014/main" xmlns="" id="{34183050-65C1-05AB-E218-F7C08E562299}"/>
+                <a16:creationId xmlns="" xmlns:a16="http://schemas.microsoft.com/office/drawing/2014/main" id="{34183050-65C1-05AB-E218-F7C08E562299}"/>
               </a:ext>
             </a:extLst>
           </p:cNvPr>
@@ -30881,7 +30932,7 @@
           <p:cNvPr id="7" name="TextBox 6">
             <a:extLst>
               <a:ext uri="{FF2B5EF4-FFF2-40B4-BE49-F238E27FC236}">
-                <a16:creationId xmlns:a16="http://schemas.microsoft.com/office/drawing/2014/main" xmlns="" id="{B4AA3674-0BEE-604F-2135-D115C443AB3D}"/>
+                <a16:creationId xmlns="" xmlns:a16="http://schemas.microsoft.com/office/drawing/2014/main" id="{B4AA3674-0BEE-604F-2135-D115C443AB3D}"/>
               </a:ext>
             </a:extLst>
           </p:cNvPr>
@@ -30929,7 +30980,7 @@
           <p:cNvPr id="2" name="직사각형 1">
             <a:extLst>
               <a:ext uri="{FF2B5EF4-FFF2-40B4-BE49-F238E27FC236}">
-                <a16:creationId xmlns:a16="http://schemas.microsoft.com/office/drawing/2014/main" xmlns="" id="{40BCA21D-3B4F-5C68-051C-C54D2F6FBC5E}"/>
+                <a16:creationId xmlns="" xmlns:a16="http://schemas.microsoft.com/office/drawing/2014/main" id="{40BCA21D-3B4F-5C68-051C-C54D2F6FBC5E}"/>
               </a:ext>
             </a:extLst>
           </p:cNvPr>
@@ -30981,7 +31032,7 @@
           <p:cNvPr id="3" name="직사각형 2">
             <a:extLst>
               <a:ext uri="{FF2B5EF4-FFF2-40B4-BE49-F238E27FC236}">
-                <a16:creationId xmlns:a16="http://schemas.microsoft.com/office/drawing/2014/main" xmlns="" id="{703082B3-C7A3-E021-F8B8-D12E08F32AA1}"/>
+                <a16:creationId xmlns="" xmlns:a16="http://schemas.microsoft.com/office/drawing/2014/main" id="{703082B3-C7A3-E021-F8B8-D12E08F32AA1}"/>
               </a:ext>
             </a:extLst>
           </p:cNvPr>
@@ -31033,7 +31084,7 @@
           <p:cNvPr id="5" name="그림 4">
             <a:extLst>
               <a:ext uri="{FF2B5EF4-FFF2-40B4-BE49-F238E27FC236}">
-                <a16:creationId xmlns:a16="http://schemas.microsoft.com/office/drawing/2014/main" xmlns="" id="{596EE362-5F0F-3029-8201-891D2AB64335}"/>
+                <a16:creationId xmlns="" xmlns:a16="http://schemas.microsoft.com/office/drawing/2014/main" id="{596EE362-5F0F-3029-8201-891D2AB64335}"/>
               </a:ext>
             </a:extLst>
           </p:cNvPr>
@@ -31063,7 +31114,7 @@
           <p:cNvPr id="8" name="직사각형 7">
             <a:extLst>
               <a:ext uri="{FF2B5EF4-FFF2-40B4-BE49-F238E27FC236}">
-                <a16:creationId xmlns:a16="http://schemas.microsoft.com/office/drawing/2014/main" xmlns="" id="{C346E719-ED0A-7AEA-AF61-5B5FF03676A9}"/>
+                <a16:creationId xmlns="" xmlns:a16="http://schemas.microsoft.com/office/drawing/2014/main" id="{C346E719-ED0A-7AEA-AF61-5B5FF03676A9}"/>
               </a:ext>
             </a:extLst>
           </p:cNvPr>
@@ -31115,7 +31166,7 @@
           <p:cNvPr id="9" name="직사각형 8">
             <a:extLst>
               <a:ext uri="{FF2B5EF4-FFF2-40B4-BE49-F238E27FC236}">
-                <a16:creationId xmlns:a16="http://schemas.microsoft.com/office/drawing/2014/main" xmlns="" id="{065E66D5-A79A-68FC-9736-F34D4DBB85C8}"/>
+                <a16:creationId xmlns="" xmlns:a16="http://schemas.microsoft.com/office/drawing/2014/main" id="{065E66D5-A79A-68FC-9736-F34D4DBB85C8}"/>
               </a:ext>
             </a:extLst>
           </p:cNvPr>
@@ -31167,7 +31218,7 @@
           <p:cNvPr id="11" name="그림 10">
             <a:extLst>
               <a:ext uri="{FF2B5EF4-FFF2-40B4-BE49-F238E27FC236}">
-                <a16:creationId xmlns:a16="http://schemas.microsoft.com/office/drawing/2014/main" xmlns="" id="{FBC337D5-A2F3-BF34-090D-6DEAD6087E07}"/>
+                <a16:creationId xmlns="" xmlns:a16="http://schemas.microsoft.com/office/drawing/2014/main" id="{FBC337D5-A2F3-BF34-090D-6DEAD6087E07}"/>
               </a:ext>
             </a:extLst>
           </p:cNvPr>
@@ -31197,7 +31248,7 @@
           <p:cNvPr id="12" name="그림 11">
             <a:extLst>
               <a:ext uri="{FF2B5EF4-FFF2-40B4-BE49-F238E27FC236}">
-                <a16:creationId xmlns:a16="http://schemas.microsoft.com/office/drawing/2014/main" xmlns="" id="{A4E43F85-8626-AF9D-2B57-4F8FD132461B}"/>
+                <a16:creationId xmlns="" xmlns:a16="http://schemas.microsoft.com/office/drawing/2014/main" id="{A4E43F85-8626-AF9D-2B57-4F8FD132461B}"/>
               </a:ext>
             </a:extLst>
           </p:cNvPr>
@@ -31227,7 +31278,7 @@
           <p:cNvPr id="13" name="TextBox 12">
             <a:extLst>
               <a:ext uri="{FF2B5EF4-FFF2-40B4-BE49-F238E27FC236}">
-                <a16:creationId xmlns:a16="http://schemas.microsoft.com/office/drawing/2014/main" xmlns="" id="{6A36272A-1863-83A8-E582-2BAD0426619C}"/>
+                <a16:creationId xmlns="" xmlns:a16="http://schemas.microsoft.com/office/drawing/2014/main" id="{6A36272A-1863-83A8-E582-2BAD0426619C}"/>
               </a:ext>
             </a:extLst>
           </p:cNvPr>
@@ -31455,7 +31506,7 @@
           <p:cNvPr id="10" name="표 9">
             <a:extLst>
               <a:ext uri="{FF2B5EF4-FFF2-40B4-BE49-F238E27FC236}">
-                <a16:creationId xmlns:a16="http://schemas.microsoft.com/office/drawing/2014/main" xmlns="" id="{28AB1E84-4FFE-DBB7-4A4A-6D401C7DB994}"/>
+                <a16:creationId xmlns="" xmlns:a16="http://schemas.microsoft.com/office/drawing/2014/main" id="{28AB1E84-4FFE-DBB7-4A4A-6D401C7DB994}"/>
               </a:ext>
             </a:extLst>
           </p:cNvPr>
@@ -31484,14 +31535,14 @@
                 <a:gridCol w="1447800">
                   <a:extLst>
                     <a:ext uri="{9D8B030D-6E8A-4147-A177-3AD203B41FA5}">
-                      <a16:colId xmlns:a16="http://schemas.microsoft.com/office/drawing/2014/main" xmlns="" val="3731381781"/>
+                      <a16:colId xmlns="" xmlns:a16="http://schemas.microsoft.com/office/drawing/2014/main" val="3731381781"/>
                     </a:ext>
                   </a:extLst>
                 </a:gridCol>
                 <a:gridCol w="1981200">
                   <a:extLst>
                     <a:ext uri="{9D8B030D-6E8A-4147-A177-3AD203B41FA5}">
-                      <a16:colId xmlns:a16="http://schemas.microsoft.com/office/drawing/2014/main" xmlns="" val="2922041479"/>
+                      <a16:colId xmlns="" xmlns:a16="http://schemas.microsoft.com/office/drawing/2014/main" val="2922041479"/>
                     </a:ext>
                   </a:extLst>
                 </a:gridCol>
@@ -31617,7 +31668,7 @@
                 </a:tc>
                 <a:extLst>
                   <a:ext uri="{0D108BD9-81ED-4DB2-BD59-A6C34878D82A}">
-                    <a16:rowId xmlns:a16="http://schemas.microsoft.com/office/drawing/2014/main" xmlns="" val="3716032365"/>
+                    <a16:rowId xmlns="" xmlns:a16="http://schemas.microsoft.com/office/drawing/2014/main" val="3716032365"/>
                   </a:ext>
                 </a:extLst>
               </a:tr>
@@ -31746,7 +31797,7 @@
                 </a:tc>
                 <a:extLst>
                   <a:ext uri="{0D108BD9-81ED-4DB2-BD59-A6C34878D82A}">
-                    <a16:rowId xmlns:a16="http://schemas.microsoft.com/office/drawing/2014/main" xmlns="" val="1765325807"/>
+                    <a16:rowId xmlns="" xmlns:a16="http://schemas.microsoft.com/office/drawing/2014/main" val="1765325807"/>
                   </a:ext>
                 </a:extLst>
               </a:tr>
@@ -31859,7 +31910,7 @@
                 </a:tc>
                 <a:extLst>
                   <a:ext uri="{0D108BD9-81ED-4DB2-BD59-A6C34878D82A}">
-                    <a16:rowId xmlns:a16="http://schemas.microsoft.com/office/drawing/2014/main" xmlns="" val="3352121117"/>
+                    <a16:rowId xmlns="" xmlns:a16="http://schemas.microsoft.com/office/drawing/2014/main" val="3352121117"/>
                   </a:ext>
                 </a:extLst>
               </a:tr>
@@ -31972,7 +32023,7 @@
                 </a:tc>
                 <a:extLst>
                   <a:ext uri="{0D108BD9-81ED-4DB2-BD59-A6C34878D82A}">
-                    <a16:rowId xmlns:a16="http://schemas.microsoft.com/office/drawing/2014/main" xmlns="" val="2004051296"/>
+                    <a16:rowId xmlns="" xmlns:a16="http://schemas.microsoft.com/office/drawing/2014/main" val="2004051296"/>
                   </a:ext>
                 </a:extLst>
               </a:tr>
@@ -32085,7 +32136,7 @@
                 </a:tc>
                 <a:extLst>
                   <a:ext uri="{0D108BD9-81ED-4DB2-BD59-A6C34878D82A}">
-                    <a16:rowId xmlns:a16="http://schemas.microsoft.com/office/drawing/2014/main" xmlns="" val="3455365349"/>
+                    <a16:rowId xmlns="" xmlns:a16="http://schemas.microsoft.com/office/drawing/2014/main" val="3455365349"/>
                   </a:ext>
                 </a:extLst>
               </a:tr>
@@ -32198,7 +32249,7 @@
                 </a:tc>
                 <a:extLst>
                   <a:ext uri="{0D108BD9-81ED-4DB2-BD59-A6C34878D82A}">
-                    <a16:rowId xmlns:a16="http://schemas.microsoft.com/office/drawing/2014/main" xmlns="" val="3167686984"/>
+                    <a16:rowId xmlns="" xmlns:a16="http://schemas.microsoft.com/office/drawing/2014/main" val="3167686984"/>
                   </a:ext>
                 </a:extLst>
               </a:tr>
@@ -32311,7 +32362,7 @@
                 </a:tc>
                 <a:extLst>
                   <a:ext uri="{0D108BD9-81ED-4DB2-BD59-A6C34878D82A}">
-                    <a16:rowId xmlns:a16="http://schemas.microsoft.com/office/drawing/2014/main" xmlns="" val="4026164128"/>
+                    <a16:rowId xmlns="" xmlns:a16="http://schemas.microsoft.com/office/drawing/2014/main" val="4026164128"/>
                   </a:ext>
                 </a:extLst>
               </a:tr>
@@ -32324,7 +32375,7 @@
           <p:cNvPr id="11" name="그룹 1018">
             <a:extLst>
               <a:ext uri="{FF2B5EF4-FFF2-40B4-BE49-F238E27FC236}">
-                <a16:creationId xmlns:a16="http://schemas.microsoft.com/office/drawing/2014/main" xmlns="" id="{35589F1E-ACE7-13AB-5939-F16EBC4F7D74}"/>
+                <a16:creationId xmlns="" xmlns:a16="http://schemas.microsoft.com/office/drawing/2014/main" id="{35589F1E-ACE7-13AB-5939-F16EBC4F7D74}"/>
               </a:ext>
             </a:extLst>
           </p:cNvPr>
@@ -32344,7 +32395,7 @@
             <p:cNvPr id="12" name="Object 61">
               <a:extLst>
                 <a:ext uri="{FF2B5EF4-FFF2-40B4-BE49-F238E27FC236}">
-                  <a16:creationId xmlns:a16="http://schemas.microsoft.com/office/drawing/2014/main" xmlns="" id="{D7242013-6B13-19EB-F7F4-2A1B727A4A0A}"/>
+                  <a16:creationId xmlns="" xmlns:a16="http://schemas.microsoft.com/office/drawing/2014/main" id="{D7242013-6B13-19EB-F7F4-2A1B727A4A0A}"/>
                 </a:ext>
               </a:extLst>
             </p:cNvPr>
@@ -32375,7 +32426,7 @@
           <p:cNvPr id="13" name="TextBox 12">
             <a:extLst>
               <a:ext uri="{FF2B5EF4-FFF2-40B4-BE49-F238E27FC236}">
-                <a16:creationId xmlns:a16="http://schemas.microsoft.com/office/drawing/2014/main" xmlns="" id="{E6B61D91-F56A-04E2-96A7-74A68AABE02B}"/>
+                <a16:creationId xmlns="" xmlns:a16="http://schemas.microsoft.com/office/drawing/2014/main" id="{E6B61D91-F56A-04E2-96A7-74A68AABE02B}"/>
               </a:ext>
             </a:extLst>
           </p:cNvPr>
@@ -32419,7 +32470,7 @@
           <p:cNvPr id="14" name="TextBox 13">
             <a:extLst>
               <a:ext uri="{FF2B5EF4-FFF2-40B4-BE49-F238E27FC236}">
-                <a16:creationId xmlns:a16="http://schemas.microsoft.com/office/drawing/2014/main" xmlns="" id="{1BAF2783-C3B4-F958-A545-19D7F14B5F8F}"/>
+                <a16:creationId xmlns="" xmlns:a16="http://schemas.microsoft.com/office/drawing/2014/main" id="{1BAF2783-C3B4-F958-A545-19D7F14B5F8F}"/>
               </a:ext>
             </a:extLst>
           </p:cNvPr>
@@ -32463,7 +32514,7 @@
           <p:cNvPr id="15" name="직선 화살표 연결선 14">
             <a:extLst>
               <a:ext uri="{FF2B5EF4-FFF2-40B4-BE49-F238E27FC236}">
-                <a16:creationId xmlns:a16="http://schemas.microsoft.com/office/drawing/2014/main" xmlns="" id="{544A88F7-D31A-049B-FE46-AD3E1AF0AE94}"/>
+                <a16:creationId xmlns="" xmlns:a16="http://schemas.microsoft.com/office/drawing/2014/main" id="{544A88F7-D31A-049B-FE46-AD3E1AF0AE94}"/>
               </a:ext>
             </a:extLst>
           </p:cNvPr>
@@ -32505,7 +32556,7 @@
           <p:cNvPr id="17" name="그림 16">
             <a:extLst>
               <a:ext uri="{FF2B5EF4-FFF2-40B4-BE49-F238E27FC236}">
-                <a16:creationId xmlns:a16="http://schemas.microsoft.com/office/drawing/2014/main" xmlns="" id="{7305A9B8-8402-F39C-C099-216C2F2F5193}"/>
+                <a16:creationId xmlns="" xmlns:a16="http://schemas.microsoft.com/office/drawing/2014/main" id="{7305A9B8-8402-F39C-C099-216C2F2F5193}"/>
               </a:ext>
             </a:extLst>
           </p:cNvPr>
@@ -32535,7 +32586,7 @@
           <p:cNvPr id="18" name="TextBox 17">
             <a:extLst>
               <a:ext uri="{FF2B5EF4-FFF2-40B4-BE49-F238E27FC236}">
-                <a16:creationId xmlns:a16="http://schemas.microsoft.com/office/drawing/2014/main" xmlns="" id="{72F416CC-94E0-9549-685A-C4418325E924}"/>
+                <a16:creationId xmlns="" xmlns:a16="http://schemas.microsoft.com/office/drawing/2014/main" id="{72F416CC-94E0-9549-685A-C4418325E924}"/>
               </a:ext>
             </a:extLst>
           </p:cNvPr>
@@ -32583,7 +32634,7 @@
           <p:cNvPr id="20" name="그림 19">
             <a:extLst>
               <a:ext uri="{FF2B5EF4-FFF2-40B4-BE49-F238E27FC236}">
-                <a16:creationId xmlns:a16="http://schemas.microsoft.com/office/drawing/2014/main" xmlns="" id="{F3D10D45-AFDE-52E0-DFB6-9DDB1AD2E686}"/>
+                <a16:creationId xmlns="" xmlns:a16="http://schemas.microsoft.com/office/drawing/2014/main" id="{F3D10D45-AFDE-52E0-DFB6-9DDB1AD2E686}"/>
               </a:ext>
             </a:extLst>
           </p:cNvPr>
@@ -32613,7 +32664,7 @@
           <p:cNvPr id="22" name="그림 21">
             <a:extLst>
               <a:ext uri="{FF2B5EF4-FFF2-40B4-BE49-F238E27FC236}">
-                <a16:creationId xmlns:a16="http://schemas.microsoft.com/office/drawing/2014/main" xmlns="" id="{4415765D-99E0-0F30-00F2-E85F4C9751B4}"/>
+                <a16:creationId xmlns="" xmlns:a16="http://schemas.microsoft.com/office/drawing/2014/main" id="{4415765D-99E0-0F30-00F2-E85F4C9751B4}"/>
               </a:ext>
             </a:extLst>
           </p:cNvPr>
@@ -33165,7 +33216,7 @@
           <p:cNvPr id="2" name="TextBox 1">
             <a:extLst>
               <a:ext uri="{FF2B5EF4-FFF2-40B4-BE49-F238E27FC236}">
-                <a16:creationId xmlns:a16="http://schemas.microsoft.com/office/drawing/2014/main" xmlns="" id="{76F36AE5-79B5-0B9F-E510-1C27AAC4B649}"/>
+                <a16:creationId xmlns="" xmlns:a16="http://schemas.microsoft.com/office/drawing/2014/main" id="{76F36AE5-79B5-0B9F-E510-1C27AAC4B649}"/>
               </a:ext>
             </a:extLst>
           </p:cNvPr>
@@ -33250,7 +33301,7 @@
           <p:cNvPr id="4" name="표 3">
             <a:extLst>
               <a:ext uri="{FF2B5EF4-FFF2-40B4-BE49-F238E27FC236}">
-                <a16:creationId xmlns:a16="http://schemas.microsoft.com/office/drawing/2014/main" xmlns="" id="{32F4C41F-E599-6BF7-85C4-F4348B01166D}"/>
+                <a16:creationId xmlns="" xmlns:a16="http://schemas.microsoft.com/office/drawing/2014/main" id="{32F4C41F-E599-6BF7-85C4-F4348B01166D}"/>
               </a:ext>
             </a:extLst>
           </p:cNvPr>
@@ -33279,14 +33330,14 @@
                 <a:gridCol w="2059093">
                   <a:extLst>
                     <a:ext uri="{9D8B030D-6E8A-4147-A177-3AD203B41FA5}">
-                      <a16:colId xmlns:a16="http://schemas.microsoft.com/office/drawing/2014/main" xmlns="" val="3731381781"/>
+                      <a16:colId xmlns="" xmlns:a16="http://schemas.microsoft.com/office/drawing/2014/main" val="3731381781"/>
                     </a:ext>
                   </a:extLst>
                 </a:gridCol>
                 <a:gridCol w="2817707">
                   <a:extLst>
                     <a:ext uri="{9D8B030D-6E8A-4147-A177-3AD203B41FA5}">
-                      <a16:colId xmlns:a16="http://schemas.microsoft.com/office/drawing/2014/main" xmlns="" val="2922041479"/>
+                      <a16:colId xmlns="" xmlns:a16="http://schemas.microsoft.com/office/drawing/2014/main" val="2922041479"/>
                     </a:ext>
                   </a:extLst>
                 </a:gridCol>
@@ -33412,7 +33463,7 @@
                 </a:tc>
                 <a:extLst>
                   <a:ext uri="{0D108BD9-81ED-4DB2-BD59-A6C34878D82A}">
-                    <a16:rowId xmlns:a16="http://schemas.microsoft.com/office/drawing/2014/main" xmlns="" val="3716032365"/>
+                    <a16:rowId xmlns="" xmlns:a16="http://schemas.microsoft.com/office/drawing/2014/main" val="3716032365"/>
                   </a:ext>
                 </a:extLst>
               </a:tr>
@@ -33541,7 +33592,7 @@
                 </a:tc>
                 <a:extLst>
                   <a:ext uri="{0D108BD9-81ED-4DB2-BD59-A6C34878D82A}">
-                    <a16:rowId xmlns:a16="http://schemas.microsoft.com/office/drawing/2014/main" xmlns="" val="1765325807"/>
+                    <a16:rowId xmlns="" xmlns:a16="http://schemas.microsoft.com/office/drawing/2014/main" val="1765325807"/>
                   </a:ext>
                 </a:extLst>
               </a:tr>
@@ -33654,7 +33705,7 @@
                 </a:tc>
                 <a:extLst>
                   <a:ext uri="{0D108BD9-81ED-4DB2-BD59-A6C34878D82A}">
-                    <a16:rowId xmlns:a16="http://schemas.microsoft.com/office/drawing/2014/main" xmlns="" val="3352121117"/>
+                    <a16:rowId xmlns="" xmlns:a16="http://schemas.microsoft.com/office/drawing/2014/main" val="3352121117"/>
                   </a:ext>
                 </a:extLst>
               </a:tr>
@@ -33767,7 +33818,7 @@
                 </a:tc>
                 <a:extLst>
                   <a:ext uri="{0D108BD9-81ED-4DB2-BD59-A6C34878D82A}">
-                    <a16:rowId xmlns:a16="http://schemas.microsoft.com/office/drawing/2014/main" xmlns="" val="2004051296"/>
+                    <a16:rowId xmlns="" xmlns:a16="http://schemas.microsoft.com/office/drawing/2014/main" val="2004051296"/>
                   </a:ext>
                 </a:extLst>
               </a:tr>
@@ -33880,7 +33931,7 @@
                 </a:tc>
                 <a:extLst>
                   <a:ext uri="{0D108BD9-81ED-4DB2-BD59-A6C34878D82A}">
-                    <a16:rowId xmlns:a16="http://schemas.microsoft.com/office/drawing/2014/main" xmlns="" val="3455365349"/>
+                    <a16:rowId xmlns="" xmlns:a16="http://schemas.microsoft.com/office/drawing/2014/main" val="3455365349"/>
                   </a:ext>
                 </a:extLst>
               </a:tr>
@@ -33993,7 +34044,7 @@
                 </a:tc>
                 <a:extLst>
                   <a:ext uri="{0D108BD9-81ED-4DB2-BD59-A6C34878D82A}">
-                    <a16:rowId xmlns:a16="http://schemas.microsoft.com/office/drawing/2014/main" xmlns="" val="3167686984"/>
+                    <a16:rowId xmlns="" xmlns:a16="http://schemas.microsoft.com/office/drawing/2014/main" val="3167686984"/>
                   </a:ext>
                 </a:extLst>
               </a:tr>
@@ -34006,7 +34057,7 @@
           <p:cNvPr id="5" name="TextBox 4">
             <a:extLst>
               <a:ext uri="{FF2B5EF4-FFF2-40B4-BE49-F238E27FC236}">
-                <a16:creationId xmlns:a16="http://schemas.microsoft.com/office/drawing/2014/main" xmlns="" id="{B564BCA0-4BD1-DDE5-0720-B6D03104F9BB}"/>
+                <a16:creationId xmlns="" xmlns:a16="http://schemas.microsoft.com/office/drawing/2014/main" id="{B564BCA0-4BD1-DDE5-0720-B6D03104F9BB}"/>
               </a:ext>
             </a:extLst>
           </p:cNvPr>
@@ -34054,7 +34105,7 @@
           <p:cNvPr id="7" name="그림 6">
             <a:extLst>
               <a:ext uri="{FF2B5EF4-FFF2-40B4-BE49-F238E27FC236}">
-                <a16:creationId xmlns:a16="http://schemas.microsoft.com/office/drawing/2014/main" xmlns="" id="{A89D2447-F7BC-6FC0-38D2-2984D78F8706}"/>
+                <a16:creationId xmlns="" xmlns:a16="http://schemas.microsoft.com/office/drawing/2014/main" id="{A89D2447-F7BC-6FC0-38D2-2984D78F8706}"/>
               </a:ext>
             </a:extLst>
           </p:cNvPr>
@@ -34084,7 +34135,7 @@
           <p:cNvPr id="8" name="직선 화살표 연결선 7">
             <a:extLst>
               <a:ext uri="{FF2B5EF4-FFF2-40B4-BE49-F238E27FC236}">
-                <a16:creationId xmlns:a16="http://schemas.microsoft.com/office/drawing/2014/main" xmlns="" id="{4BC5E409-2331-11BF-D232-27FBDECAD6A2}"/>
+                <a16:creationId xmlns="" xmlns:a16="http://schemas.microsoft.com/office/drawing/2014/main" id="{4BC5E409-2331-11BF-D232-27FBDECAD6A2}"/>
               </a:ext>
             </a:extLst>
           </p:cNvPr>
@@ -34125,7 +34176,7 @@
           <p:cNvPr id="9" name="직사각형 8">
             <a:extLst>
               <a:ext uri="{FF2B5EF4-FFF2-40B4-BE49-F238E27FC236}">
-                <a16:creationId xmlns:a16="http://schemas.microsoft.com/office/drawing/2014/main" xmlns="" id="{35BA8761-02C6-785B-3CEF-3095C3E8D29D}"/>
+                <a16:creationId xmlns="" xmlns:a16="http://schemas.microsoft.com/office/drawing/2014/main" id="{35BA8761-02C6-785B-3CEF-3095C3E8D29D}"/>
               </a:ext>
             </a:extLst>
           </p:cNvPr>
@@ -34177,7 +34228,7 @@
           <p:cNvPr id="11" name="직선 화살표 연결선 10">
             <a:extLst>
               <a:ext uri="{FF2B5EF4-FFF2-40B4-BE49-F238E27FC236}">
-                <a16:creationId xmlns:a16="http://schemas.microsoft.com/office/drawing/2014/main" xmlns="" id="{F38F6344-5EEC-0ED5-3473-853588560356}"/>
+                <a16:creationId xmlns="" xmlns:a16="http://schemas.microsoft.com/office/drawing/2014/main" id="{F38F6344-5EEC-0ED5-3473-853588560356}"/>
               </a:ext>
             </a:extLst>
           </p:cNvPr>
@@ -34218,7 +34269,7 @@
           <p:cNvPr id="12" name="직사각형 11">
             <a:extLst>
               <a:ext uri="{FF2B5EF4-FFF2-40B4-BE49-F238E27FC236}">
-                <a16:creationId xmlns:a16="http://schemas.microsoft.com/office/drawing/2014/main" xmlns="" id="{A068EABF-67F4-E922-9316-A65F5BBA710B}"/>
+                <a16:creationId xmlns="" xmlns:a16="http://schemas.microsoft.com/office/drawing/2014/main" id="{A068EABF-67F4-E922-9316-A65F5BBA710B}"/>
               </a:ext>
             </a:extLst>
           </p:cNvPr>
@@ -34270,7 +34321,7 @@
           <p:cNvPr id="14" name="TextBox 13">
             <a:extLst>
               <a:ext uri="{FF2B5EF4-FFF2-40B4-BE49-F238E27FC236}">
-                <a16:creationId xmlns:a16="http://schemas.microsoft.com/office/drawing/2014/main" xmlns="" id="{B14C0058-70C3-2BC3-6365-3D0DBF0F8180}"/>
+                <a16:creationId xmlns="" xmlns:a16="http://schemas.microsoft.com/office/drawing/2014/main" id="{B14C0058-70C3-2BC3-6365-3D0DBF0F8180}"/>
               </a:ext>
             </a:extLst>
           </p:cNvPr>
@@ -34341,7 +34392,7 @@
           <p:cNvPr id="15" name="TextBox 14">
             <a:extLst>
               <a:ext uri="{FF2B5EF4-FFF2-40B4-BE49-F238E27FC236}">
-                <a16:creationId xmlns:a16="http://schemas.microsoft.com/office/drawing/2014/main" xmlns="" id="{09B85E6E-D72E-53BE-389B-F18E2ED4EB18}"/>
+                <a16:creationId xmlns="" xmlns:a16="http://schemas.microsoft.com/office/drawing/2014/main" id="{09B85E6E-D72E-53BE-389B-F18E2ED4EB18}"/>
               </a:ext>
             </a:extLst>
           </p:cNvPr>
@@ -34412,7 +34463,7 @@
           <p:cNvPr id="16" name="TextBox 15">
             <a:extLst>
               <a:ext uri="{FF2B5EF4-FFF2-40B4-BE49-F238E27FC236}">
-                <a16:creationId xmlns:a16="http://schemas.microsoft.com/office/drawing/2014/main" xmlns="" id="{79D79D6B-7414-CE0D-7514-7A9F1FC8C640}"/>
+                <a16:creationId xmlns="" xmlns:a16="http://schemas.microsoft.com/office/drawing/2014/main" id="{79D79D6B-7414-CE0D-7514-7A9F1FC8C640}"/>
               </a:ext>
             </a:extLst>
           </p:cNvPr>
@@ -34495,7 +34546,7 @@
           <p:cNvPr id="18" name="그림 17">
             <a:extLst>
               <a:ext uri="{FF2B5EF4-FFF2-40B4-BE49-F238E27FC236}">
-                <a16:creationId xmlns:a16="http://schemas.microsoft.com/office/drawing/2014/main" xmlns="" id="{6E19FA6E-17E1-D6E1-9243-DE40C8730C93}"/>
+                <a16:creationId xmlns="" xmlns:a16="http://schemas.microsoft.com/office/drawing/2014/main" id="{6E19FA6E-17E1-D6E1-9243-DE40C8730C93}"/>
               </a:ext>
             </a:extLst>
           </p:cNvPr>
@@ -34525,7 +34576,7 @@
           <p:cNvPr id="19" name="TextBox 18">
             <a:extLst>
               <a:ext uri="{FF2B5EF4-FFF2-40B4-BE49-F238E27FC236}">
-                <a16:creationId xmlns:a16="http://schemas.microsoft.com/office/drawing/2014/main" xmlns="" id="{D785C1AD-AB87-0726-FDD4-AB3278BA3549}"/>
+                <a16:creationId xmlns="" xmlns:a16="http://schemas.microsoft.com/office/drawing/2014/main" id="{D785C1AD-AB87-0726-FDD4-AB3278BA3549}"/>
               </a:ext>
             </a:extLst>
           </p:cNvPr>

--- a/JavaLecture/LectureFile/java 5강.pptx
+++ b/JavaLecture/LectureFile/java 5강.pptx
@@ -240,7 +240,7 @@
           <a:p>
             <a:fld id="{D79F2C30-10E1-4C46-91DC-BBDB9629E720}" type="datetimeFigureOut">
               <a:rPr lang="ko-KR" altLang="en-US" smtClean="0"/>
-              <a:t>2023-01-28</a:t>
+              <a:t>2023-01-28 Saturday</a:t>
             </a:fld>
             <a:endParaRPr lang="ko-KR" altLang="en-US"/>
           </a:p>
@@ -3786,7 +3786,7 @@
           <p:cNvPr id="2" name="TextBox 1">
             <a:extLst>
               <a:ext uri="{FF2B5EF4-FFF2-40B4-BE49-F238E27FC236}">
-                <a16:creationId xmlns="" xmlns:a16="http://schemas.microsoft.com/office/drawing/2014/main" id="{E9A453A8-9968-67AB-7B4A-83EEB4662AA6}"/>
+                <a16:creationId xmlns:a16="http://schemas.microsoft.com/office/drawing/2014/main" id="{E9A453A8-9968-67AB-7B4A-83EEB4662AA6}"/>
               </a:ext>
             </a:extLst>
           </p:cNvPr>
@@ -3834,7 +3834,7 @@
           <p:cNvPr id="4" name="TextBox 3">
             <a:extLst>
               <a:ext uri="{FF2B5EF4-FFF2-40B4-BE49-F238E27FC236}">
-                <a16:creationId xmlns="" xmlns:a16="http://schemas.microsoft.com/office/drawing/2014/main" id="{F4B7A35A-8AAC-4622-64BC-CAD1472D4115}"/>
+                <a16:creationId xmlns:a16="http://schemas.microsoft.com/office/drawing/2014/main" id="{F4B7A35A-8AAC-4622-64BC-CAD1472D4115}"/>
               </a:ext>
             </a:extLst>
           </p:cNvPr>
@@ -3906,7 +3906,7 @@
           <p:cNvPr id="7" name="TextBox 6">
             <a:extLst>
               <a:ext uri="{FF2B5EF4-FFF2-40B4-BE49-F238E27FC236}">
-                <a16:creationId xmlns="" xmlns:a16="http://schemas.microsoft.com/office/drawing/2014/main" id="{3ACE900A-D779-4343-6623-8588B376F0A1}"/>
+                <a16:creationId xmlns:a16="http://schemas.microsoft.com/office/drawing/2014/main" id="{3ACE900A-D779-4343-6623-8588B376F0A1}"/>
               </a:ext>
             </a:extLst>
           </p:cNvPr>
@@ -3945,13 +3945,6 @@
   <p:clrMapOvr>
     <a:masterClrMapping/>
   </p:clrMapOvr>
-  <p:timing>
-    <p:tnLst>
-      <p:par>
-        <p:cTn id="1" dur="indefinite" restart="never" nodeType="tmRoot"/>
-      </p:par>
-    </p:tnLst>
-  </p:timing>
 </p:sld>
 </file>
 
@@ -3977,7 +3970,7 @@
           <p:cNvPr id="4" name="TextBox 3">
             <a:extLst>
               <a:ext uri="{FF2B5EF4-FFF2-40B4-BE49-F238E27FC236}">
-                <a16:creationId xmlns="" xmlns:a16="http://schemas.microsoft.com/office/drawing/2014/main" id="{B86BE553-B223-E4E2-16B6-52C77166FE4A}"/>
+                <a16:creationId xmlns:a16="http://schemas.microsoft.com/office/drawing/2014/main" id="{B86BE553-B223-E4E2-16B6-52C77166FE4A}"/>
               </a:ext>
             </a:extLst>
           </p:cNvPr>
@@ -4028,7 +4021,7 @@
           <p:cNvPr id="6" name="그림 5">
             <a:extLst>
               <a:ext uri="{FF2B5EF4-FFF2-40B4-BE49-F238E27FC236}">
-                <a16:creationId xmlns="" xmlns:a16="http://schemas.microsoft.com/office/drawing/2014/main" id="{8471350E-3FF0-003E-299B-DD0235344F13}"/>
+                <a16:creationId xmlns:a16="http://schemas.microsoft.com/office/drawing/2014/main" id="{8471350E-3FF0-003E-299B-DD0235344F13}"/>
               </a:ext>
             </a:extLst>
           </p:cNvPr>
@@ -4058,7 +4051,7 @@
           <p:cNvPr id="8" name="그림 7">
             <a:extLst>
               <a:ext uri="{FF2B5EF4-FFF2-40B4-BE49-F238E27FC236}">
-                <a16:creationId xmlns="" xmlns:a16="http://schemas.microsoft.com/office/drawing/2014/main" id="{FAC9FBDE-E73E-8E23-FF91-CDE1538912FB}"/>
+                <a16:creationId xmlns:a16="http://schemas.microsoft.com/office/drawing/2014/main" id="{FAC9FBDE-E73E-8E23-FF91-CDE1538912FB}"/>
               </a:ext>
             </a:extLst>
           </p:cNvPr>
@@ -4093,13 +4086,6 @@
   <p:clrMapOvr>
     <a:masterClrMapping/>
   </p:clrMapOvr>
-  <p:timing>
-    <p:tnLst>
-      <p:par>
-        <p:cTn id="1" dur="indefinite" restart="never" nodeType="tmRoot"/>
-      </p:par>
-    </p:tnLst>
-  </p:timing>
 </p:sld>
 </file>
 
@@ -4125,7 +4111,7 @@
           <p:cNvPr id="5" name="그림 4">
             <a:extLst>
               <a:ext uri="{FF2B5EF4-FFF2-40B4-BE49-F238E27FC236}">
-                <a16:creationId xmlns="" xmlns:a16="http://schemas.microsoft.com/office/drawing/2014/main" id="{CCC126AA-0FD9-4407-0C2C-89145BE0BC94}"/>
+                <a16:creationId xmlns:a16="http://schemas.microsoft.com/office/drawing/2014/main" id="{CCC126AA-0FD9-4407-0C2C-89145BE0BC94}"/>
               </a:ext>
             </a:extLst>
           </p:cNvPr>
@@ -4155,7 +4141,7 @@
           <p:cNvPr id="6" name="직선 화살표 연결선 5">
             <a:extLst>
               <a:ext uri="{FF2B5EF4-FFF2-40B4-BE49-F238E27FC236}">
-                <a16:creationId xmlns="" xmlns:a16="http://schemas.microsoft.com/office/drawing/2014/main" id="{98480919-7A14-9246-577E-CA016D2746D6}"/>
+                <a16:creationId xmlns:a16="http://schemas.microsoft.com/office/drawing/2014/main" id="{98480919-7A14-9246-577E-CA016D2746D6}"/>
               </a:ext>
             </a:extLst>
           </p:cNvPr>
@@ -4196,7 +4182,7 @@
           <p:cNvPr id="7" name="직사각형 6">
             <a:extLst>
               <a:ext uri="{FF2B5EF4-FFF2-40B4-BE49-F238E27FC236}">
-                <a16:creationId xmlns="" xmlns:a16="http://schemas.microsoft.com/office/drawing/2014/main" id="{A72A5572-0F2B-AB98-98A8-8276D58A7183}"/>
+                <a16:creationId xmlns:a16="http://schemas.microsoft.com/office/drawing/2014/main" id="{A72A5572-0F2B-AB98-98A8-8276D58A7183}"/>
               </a:ext>
             </a:extLst>
           </p:cNvPr>
@@ -4248,7 +4234,7 @@
           <p:cNvPr id="9" name="TextBox 8">
             <a:extLst>
               <a:ext uri="{FF2B5EF4-FFF2-40B4-BE49-F238E27FC236}">
-                <a16:creationId xmlns="" xmlns:a16="http://schemas.microsoft.com/office/drawing/2014/main" id="{9698C756-8683-A52F-5E9B-5051396A68FE}"/>
+                <a16:creationId xmlns:a16="http://schemas.microsoft.com/office/drawing/2014/main" id="{9698C756-8683-A52F-5E9B-5051396A68FE}"/>
               </a:ext>
             </a:extLst>
           </p:cNvPr>
@@ -4299,7 +4285,7 @@
           <p:cNvPr id="14" name="그림 13">
             <a:extLst>
               <a:ext uri="{FF2B5EF4-FFF2-40B4-BE49-F238E27FC236}">
-                <a16:creationId xmlns="" xmlns:a16="http://schemas.microsoft.com/office/drawing/2014/main" id="{AEBDC62E-07FD-9C01-B522-FDCFA269988E}"/>
+                <a16:creationId xmlns:a16="http://schemas.microsoft.com/office/drawing/2014/main" id="{AEBDC62E-07FD-9C01-B522-FDCFA269988E}"/>
               </a:ext>
             </a:extLst>
           </p:cNvPr>
@@ -4329,7 +4315,7 @@
           <p:cNvPr id="15" name="직선 화살표 연결선 14">
             <a:extLst>
               <a:ext uri="{FF2B5EF4-FFF2-40B4-BE49-F238E27FC236}">
-                <a16:creationId xmlns="" xmlns:a16="http://schemas.microsoft.com/office/drawing/2014/main" id="{9EC15261-4A05-17B5-5B33-C87DA900EA99}"/>
+                <a16:creationId xmlns:a16="http://schemas.microsoft.com/office/drawing/2014/main" id="{9EC15261-4A05-17B5-5B33-C87DA900EA99}"/>
               </a:ext>
             </a:extLst>
           </p:cNvPr>
@@ -4370,7 +4356,7 @@
           <p:cNvPr id="16" name="직사각형 15">
             <a:extLst>
               <a:ext uri="{FF2B5EF4-FFF2-40B4-BE49-F238E27FC236}">
-                <a16:creationId xmlns="" xmlns:a16="http://schemas.microsoft.com/office/drawing/2014/main" id="{CA52BDAC-1026-62AF-72C4-182453ADD4B9}"/>
+                <a16:creationId xmlns:a16="http://schemas.microsoft.com/office/drawing/2014/main" id="{CA52BDAC-1026-62AF-72C4-182453ADD4B9}"/>
               </a:ext>
             </a:extLst>
           </p:cNvPr>
@@ -4422,7 +4408,7 @@
           <p:cNvPr id="17" name="TextBox 16">
             <a:extLst>
               <a:ext uri="{FF2B5EF4-FFF2-40B4-BE49-F238E27FC236}">
-                <a16:creationId xmlns="" xmlns:a16="http://schemas.microsoft.com/office/drawing/2014/main" id="{E6116E6B-167C-2CAA-F5EB-71A1B04492F9}"/>
+                <a16:creationId xmlns:a16="http://schemas.microsoft.com/office/drawing/2014/main" id="{E6116E6B-167C-2CAA-F5EB-71A1B04492F9}"/>
               </a:ext>
             </a:extLst>
           </p:cNvPr>
@@ -4490,7 +4476,7 @@
           <p:cNvPr id="18" name="직선 화살표 연결선 17">
             <a:extLst>
               <a:ext uri="{FF2B5EF4-FFF2-40B4-BE49-F238E27FC236}">
-                <a16:creationId xmlns="" xmlns:a16="http://schemas.microsoft.com/office/drawing/2014/main" id="{3F9F23EB-44CC-D9FF-FA09-B07564F64B4A}"/>
+                <a16:creationId xmlns:a16="http://schemas.microsoft.com/office/drawing/2014/main" id="{3F9F23EB-44CC-D9FF-FA09-B07564F64B4A}"/>
               </a:ext>
             </a:extLst>
           </p:cNvPr>
@@ -4531,7 +4517,7 @@
           <p:cNvPr id="19" name="직사각형 18">
             <a:extLst>
               <a:ext uri="{FF2B5EF4-FFF2-40B4-BE49-F238E27FC236}">
-                <a16:creationId xmlns="" xmlns:a16="http://schemas.microsoft.com/office/drawing/2014/main" id="{1C4A5E66-3D48-F1E3-6C55-3554DC461689}"/>
+                <a16:creationId xmlns:a16="http://schemas.microsoft.com/office/drawing/2014/main" id="{1C4A5E66-3D48-F1E3-6C55-3554DC461689}"/>
               </a:ext>
             </a:extLst>
           </p:cNvPr>
@@ -4583,7 +4569,7 @@
           <p:cNvPr id="20" name="TextBox 19">
             <a:extLst>
               <a:ext uri="{FF2B5EF4-FFF2-40B4-BE49-F238E27FC236}">
-                <a16:creationId xmlns="" xmlns:a16="http://schemas.microsoft.com/office/drawing/2014/main" id="{5B4BD476-0F74-1CF1-B598-4D3336BE57BA}"/>
+                <a16:creationId xmlns:a16="http://schemas.microsoft.com/office/drawing/2014/main" id="{5B4BD476-0F74-1CF1-B598-4D3336BE57BA}"/>
               </a:ext>
             </a:extLst>
           </p:cNvPr>
@@ -4756,7 +4742,7 @@
           <p:cNvPr id="22" name="TextBox 21">
             <a:extLst>
               <a:ext uri="{FF2B5EF4-FFF2-40B4-BE49-F238E27FC236}">
-                <a16:creationId xmlns="" xmlns:a16="http://schemas.microsoft.com/office/drawing/2014/main" id="{BDC22999-0902-B77A-1EC7-5C8B63487CA3}"/>
+                <a16:creationId xmlns:a16="http://schemas.microsoft.com/office/drawing/2014/main" id="{BDC22999-0902-B77A-1EC7-5C8B63487CA3}"/>
               </a:ext>
             </a:extLst>
           </p:cNvPr>
@@ -5085,7 +5071,7 @@
           <p:cNvPr id="5" name="그림 4">
             <a:extLst>
               <a:ext uri="{FF2B5EF4-FFF2-40B4-BE49-F238E27FC236}">
-                <a16:creationId xmlns="" xmlns:a16="http://schemas.microsoft.com/office/drawing/2014/main" id="{1DFC7568-CAEF-99BF-EC85-4041AF7F1F76}"/>
+                <a16:creationId xmlns:a16="http://schemas.microsoft.com/office/drawing/2014/main" id="{1DFC7568-CAEF-99BF-EC85-4041AF7F1F76}"/>
               </a:ext>
             </a:extLst>
           </p:cNvPr>
@@ -5115,7 +5101,7 @@
           <p:cNvPr id="6" name="TextBox 5">
             <a:extLst>
               <a:ext uri="{FF2B5EF4-FFF2-40B4-BE49-F238E27FC236}">
-                <a16:creationId xmlns="" xmlns:a16="http://schemas.microsoft.com/office/drawing/2014/main" id="{8B6C8FF8-0C35-1A4E-C784-120FC66EC404}"/>
+                <a16:creationId xmlns:a16="http://schemas.microsoft.com/office/drawing/2014/main" id="{8B6C8FF8-0C35-1A4E-C784-120FC66EC404}"/>
               </a:ext>
             </a:extLst>
           </p:cNvPr>
@@ -5163,7 +5149,7 @@
           <p:cNvPr id="8" name="그림 7">
             <a:extLst>
               <a:ext uri="{FF2B5EF4-FFF2-40B4-BE49-F238E27FC236}">
-                <a16:creationId xmlns="" xmlns:a16="http://schemas.microsoft.com/office/drawing/2014/main" id="{525EA779-64DA-A0ED-BD45-CB95233C33EF}"/>
+                <a16:creationId xmlns:a16="http://schemas.microsoft.com/office/drawing/2014/main" id="{525EA779-64DA-A0ED-BD45-CB95233C33EF}"/>
               </a:ext>
             </a:extLst>
           </p:cNvPr>
@@ -5193,7 +5179,7 @@
           <p:cNvPr id="10" name="그림 9">
             <a:extLst>
               <a:ext uri="{FF2B5EF4-FFF2-40B4-BE49-F238E27FC236}">
-                <a16:creationId xmlns="" xmlns:a16="http://schemas.microsoft.com/office/drawing/2014/main" id="{464E328A-7AC7-C161-FF8E-F8E9E55DC831}"/>
+                <a16:creationId xmlns:a16="http://schemas.microsoft.com/office/drawing/2014/main" id="{464E328A-7AC7-C161-FF8E-F8E9E55DC831}"/>
               </a:ext>
             </a:extLst>
           </p:cNvPr>
@@ -5223,7 +5209,7 @@
           <p:cNvPr id="11" name="직선 화살표 연결선 10">
             <a:extLst>
               <a:ext uri="{FF2B5EF4-FFF2-40B4-BE49-F238E27FC236}">
-                <a16:creationId xmlns="" xmlns:a16="http://schemas.microsoft.com/office/drawing/2014/main" id="{09361789-4FC4-6FDF-2E48-F0107B92854A}"/>
+                <a16:creationId xmlns:a16="http://schemas.microsoft.com/office/drawing/2014/main" id="{09361789-4FC4-6FDF-2E48-F0107B92854A}"/>
               </a:ext>
             </a:extLst>
           </p:cNvPr>
@@ -5264,7 +5250,7 @@
           <p:cNvPr id="13" name="TextBox 12">
             <a:extLst>
               <a:ext uri="{FF2B5EF4-FFF2-40B4-BE49-F238E27FC236}">
-                <a16:creationId xmlns="" xmlns:a16="http://schemas.microsoft.com/office/drawing/2014/main" id="{E6784F8F-6CCA-3398-4ED7-56F784B30CA2}"/>
+                <a16:creationId xmlns:a16="http://schemas.microsoft.com/office/drawing/2014/main" id="{E6784F8F-6CCA-3398-4ED7-56F784B30CA2}"/>
               </a:ext>
             </a:extLst>
           </p:cNvPr>
@@ -5470,7 +5456,7 @@
           <p:cNvPr id="5" name="그림 4">
             <a:extLst>
               <a:ext uri="{FF2B5EF4-FFF2-40B4-BE49-F238E27FC236}">
-                <a16:creationId xmlns="" xmlns:a16="http://schemas.microsoft.com/office/drawing/2014/main" id="{510207EF-09DC-49C1-E6D3-F88691120AD1}"/>
+                <a16:creationId xmlns:a16="http://schemas.microsoft.com/office/drawing/2014/main" id="{510207EF-09DC-49C1-E6D3-F88691120AD1}"/>
               </a:ext>
             </a:extLst>
           </p:cNvPr>
@@ -5500,7 +5486,7 @@
           <p:cNvPr id="6" name="그룹 1008">
             <a:extLst>
               <a:ext uri="{FF2B5EF4-FFF2-40B4-BE49-F238E27FC236}">
-                <a16:creationId xmlns="" xmlns:a16="http://schemas.microsoft.com/office/drawing/2014/main" id="{A14EE19E-321C-A97D-AF63-2072243F002A}"/>
+                <a16:creationId xmlns:a16="http://schemas.microsoft.com/office/drawing/2014/main" id="{A14EE19E-321C-A97D-AF63-2072243F002A}"/>
               </a:ext>
             </a:extLst>
           </p:cNvPr>
@@ -5520,7 +5506,7 @@
             <p:cNvPr id="7" name="그룹 1009">
               <a:extLst>
                 <a:ext uri="{FF2B5EF4-FFF2-40B4-BE49-F238E27FC236}">
-                  <a16:creationId xmlns="" xmlns:a16="http://schemas.microsoft.com/office/drawing/2014/main" id="{A43A4073-7B53-6E71-0062-9B20CB4FE514}"/>
+                  <a16:creationId xmlns:a16="http://schemas.microsoft.com/office/drawing/2014/main" id="{A43A4073-7B53-6E71-0062-9B20CB4FE514}"/>
                 </a:ext>
               </a:extLst>
             </p:cNvPr>
@@ -5540,7 +5526,7 @@
               <p:cNvPr id="12" name="Object 29">
                 <a:extLst>
                   <a:ext uri="{FF2B5EF4-FFF2-40B4-BE49-F238E27FC236}">
-                    <a16:creationId xmlns="" xmlns:a16="http://schemas.microsoft.com/office/drawing/2014/main" id="{0FA1F176-78B5-C337-CEE4-18490FB23C9F}"/>
+                    <a16:creationId xmlns:a16="http://schemas.microsoft.com/office/drawing/2014/main" id="{0FA1F176-78B5-C337-CEE4-18490FB23C9F}"/>
                   </a:ext>
                 </a:extLst>
               </p:cNvPr>
@@ -5571,7 +5557,7 @@
             <p:cNvPr id="8" name="그룹 1010">
               <a:extLst>
                 <a:ext uri="{FF2B5EF4-FFF2-40B4-BE49-F238E27FC236}">
-                  <a16:creationId xmlns="" xmlns:a16="http://schemas.microsoft.com/office/drawing/2014/main" id="{674E521B-C909-5CDE-F90C-AF7B7C750389}"/>
+                  <a16:creationId xmlns:a16="http://schemas.microsoft.com/office/drawing/2014/main" id="{674E521B-C909-5CDE-F90C-AF7B7C750389}"/>
                 </a:ext>
               </a:extLst>
             </p:cNvPr>
@@ -5591,7 +5577,7 @@
               <p:cNvPr id="11" name="Object 32">
                 <a:extLst>
                   <a:ext uri="{FF2B5EF4-FFF2-40B4-BE49-F238E27FC236}">
-                    <a16:creationId xmlns="" xmlns:a16="http://schemas.microsoft.com/office/drawing/2014/main" id="{DC8FA06F-2A39-2C5A-9773-76B50091F261}"/>
+                    <a16:creationId xmlns:a16="http://schemas.microsoft.com/office/drawing/2014/main" id="{DC8FA06F-2A39-2C5A-9773-76B50091F261}"/>
                   </a:ext>
                 </a:extLst>
               </p:cNvPr>
@@ -5622,7 +5608,7 @@
             <p:cNvPr id="9" name="그룹 1011">
               <a:extLst>
                 <a:ext uri="{FF2B5EF4-FFF2-40B4-BE49-F238E27FC236}">
-                  <a16:creationId xmlns="" xmlns:a16="http://schemas.microsoft.com/office/drawing/2014/main" id="{C96426C2-84E9-31A0-A52C-8C856FFBD1B5}"/>
+                  <a16:creationId xmlns:a16="http://schemas.microsoft.com/office/drawing/2014/main" id="{C96426C2-84E9-31A0-A52C-8C856FFBD1B5}"/>
                 </a:ext>
               </a:extLst>
             </p:cNvPr>
@@ -5642,7 +5628,7 @@
               <p:cNvPr id="10" name="Object 35">
                 <a:extLst>
                   <a:ext uri="{FF2B5EF4-FFF2-40B4-BE49-F238E27FC236}">
-                    <a16:creationId xmlns="" xmlns:a16="http://schemas.microsoft.com/office/drawing/2014/main" id="{C3CF0BFA-2B16-5180-8CE8-9B8F37088E16}"/>
+                    <a16:creationId xmlns:a16="http://schemas.microsoft.com/office/drawing/2014/main" id="{C3CF0BFA-2B16-5180-8CE8-9B8F37088E16}"/>
                   </a:ext>
                 </a:extLst>
               </p:cNvPr>
@@ -5674,7 +5660,7 @@
           <p:cNvPr id="14" name="그림 13">
             <a:extLst>
               <a:ext uri="{FF2B5EF4-FFF2-40B4-BE49-F238E27FC236}">
-                <a16:creationId xmlns="" xmlns:a16="http://schemas.microsoft.com/office/drawing/2014/main" id="{3CB6F7CE-461F-FFAC-327C-A36798B4947A}"/>
+                <a16:creationId xmlns:a16="http://schemas.microsoft.com/office/drawing/2014/main" id="{3CB6F7CE-461F-FFAC-327C-A36798B4947A}"/>
               </a:ext>
             </a:extLst>
           </p:cNvPr>
@@ -5704,7 +5690,7 @@
           <p:cNvPr id="15" name="직사각형 14">
             <a:extLst>
               <a:ext uri="{FF2B5EF4-FFF2-40B4-BE49-F238E27FC236}">
-                <a16:creationId xmlns="" xmlns:a16="http://schemas.microsoft.com/office/drawing/2014/main" id="{E71FCE28-DE56-093A-EFDA-13850D95EB1C}"/>
+                <a16:creationId xmlns:a16="http://schemas.microsoft.com/office/drawing/2014/main" id="{E71FCE28-DE56-093A-EFDA-13850D95EB1C}"/>
               </a:ext>
             </a:extLst>
           </p:cNvPr>
@@ -5756,7 +5742,7 @@
           <p:cNvPr id="16" name="TextBox 15">
             <a:extLst>
               <a:ext uri="{FF2B5EF4-FFF2-40B4-BE49-F238E27FC236}">
-                <a16:creationId xmlns="" xmlns:a16="http://schemas.microsoft.com/office/drawing/2014/main" id="{98021B63-D133-4AD2-3BDE-8A3CB38007A6}"/>
+                <a16:creationId xmlns:a16="http://schemas.microsoft.com/office/drawing/2014/main" id="{98021B63-D133-4AD2-3BDE-8A3CB38007A6}"/>
               </a:ext>
             </a:extLst>
           </p:cNvPr>
@@ -5881,13 +5867,6 @@
   <p:clrMapOvr>
     <a:masterClrMapping/>
   </p:clrMapOvr>
-  <p:timing>
-    <p:tnLst>
-      <p:par>
-        <p:cTn id="1" dur="indefinite" restart="never" nodeType="tmRoot"/>
-      </p:par>
-    </p:tnLst>
-  </p:timing>
 </p:sld>
 </file>
 
@@ -5913,7 +5892,7 @@
           <p:cNvPr id="4" name="TextBox 3">
             <a:extLst>
               <a:ext uri="{FF2B5EF4-FFF2-40B4-BE49-F238E27FC236}">
-                <a16:creationId xmlns="" xmlns:a16="http://schemas.microsoft.com/office/drawing/2014/main" id="{F8EAC7D1-88F2-45AD-C573-E3F58E88DC68}"/>
+                <a16:creationId xmlns:a16="http://schemas.microsoft.com/office/drawing/2014/main" id="{F8EAC7D1-88F2-45AD-C573-E3F58E88DC68}"/>
               </a:ext>
             </a:extLst>
           </p:cNvPr>
@@ -5961,7 +5940,7 @@
           <p:cNvPr id="8" name="직선 화살표 연결선 7">
             <a:extLst>
               <a:ext uri="{FF2B5EF4-FFF2-40B4-BE49-F238E27FC236}">
-                <a16:creationId xmlns="" xmlns:a16="http://schemas.microsoft.com/office/drawing/2014/main" id="{BD7E8D46-8366-0ACB-8736-BAA63C4948F6}"/>
+                <a16:creationId xmlns:a16="http://schemas.microsoft.com/office/drawing/2014/main" id="{BD7E8D46-8366-0ACB-8736-BAA63C4948F6}"/>
               </a:ext>
             </a:extLst>
           </p:cNvPr>
@@ -6004,7 +5983,7 @@
           <p:cNvPr id="9" name="TextBox 8">
             <a:extLst>
               <a:ext uri="{FF2B5EF4-FFF2-40B4-BE49-F238E27FC236}">
-                <a16:creationId xmlns="" xmlns:a16="http://schemas.microsoft.com/office/drawing/2014/main" id="{F51F0C12-7B1F-4619-C90F-85C6C255847B}"/>
+                <a16:creationId xmlns:a16="http://schemas.microsoft.com/office/drawing/2014/main" id="{F51F0C12-7B1F-4619-C90F-85C6C255847B}"/>
               </a:ext>
             </a:extLst>
           </p:cNvPr>
@@ -6052,7 +6031,7 @@
           <p:cNvPr id="11" name="그림 10">
             <a:extLst>
               <a:ext uri="{FF2B5EF4-FFF2-40B4-BE49-F238E27FC236}">
-                <a16:creationId xmlns="" xmlns:a16="http://schemas.microsoft.com/office/drawing/2014/main" id="{DD05D970-9738-B739-E4DD-0ECF16E2117A}"/>
+                <a16:creationId xmlns:a16="http://schemas.microsoft.com/office/drawing/2014/main" id="{DD05D970-9738-B739-E4DD-0ECF16E2117A}"/>
               </a:ext>
             </a:extLst>
           </p:cNvPr>
@@ -6082,7 +6061,7 @@
           <p:cNvPr id="15" name="그림 14">
             <a:extLst>
               <a:ext uri="{FF2B5EF4-FFF2-40B4-BE49-F238E27FC236}">
-                <a16:creationId xmlns="" xmlns:a16="http://schemas.microsoft.com/office/drawing/2014/main" id="{41AC80D2-EE1D-ABD5-510D-F82737E08F34}"/>
+                <a16:creationId xmlns:a16="http://schemas.microsoft.com/office/drawing/2014/main" id="{41AC80D2-EE1D-ABD5-510D-F82737E08F34}"/>
               </a:ext>
             </a:extLst>
           </p:cNvPr>
@@ -6112,7 +6091,7 @@
           <p:cNvPr id="16" name="직선 화살표 연결선 15">
             <a:extLst>
               <a:ext uri="{FF2B5EF4-FFF2-40B4-BE49-F238E27FC236}">
-                <a16:creationId xmlns="" xmlns:a16="http://schemas.microsoft.com/office/drawing/2014/main" id="{1FA065D4-8A94-28C0-91F2-C1FB1537AB3F}"/>
+                <a16:creationId xmlns:a16="http://schemas.microsoft.com/office/drawing/2014/main" id="{1FA065D4-8A94-28C0-91F2-C1FB1537AB3F}"/>
               </a:ext>
             </a:extLst>
           </p:cNvPr>
@@ -6153,7 +6132,7 @@
           <p:cNvPr id="17" name="TextBox 16">
             <a:extLst>
               <a:ext uri="{FF2B5EF4-FFF2-40B4-BE49-F238E27FC236}">
-                <a16:creationId xmlns="" xmlns:a16="http://schemas.microsoft.com/office/drawing/2014/main" id="{E5728E47-8085-2359-64CF-5161928F4B53}"/>
+                <a16:creationId xmlns:a16="http://schemas.microsoft.com/office/drawing/2014/main" id="{E5728E47-8085-2359-64CF-5161928F4B53}"/>
               </a:ext>
             </a:extLst>
           </p:cNvPr>
@@ -6210,7 +6189,7 @@
           <p:cNvPr id="19" name="그림 18">
             <a:extLst>
               <a:ext uri="{FF2B5EF4-FFF2-40B4-BE49-F238E27FC236}">
-                <a16:creationId xmlns="" xmlns:a16="http://schemas.microsoft.com/office/drawing/2014/main" id="{C2C9B424-B3FD-D9FD-27BB-4CDE5A1C5270}"/>
+                <a16:creationId xmlns:a16="http://schemas.microsoft.com/office/drawing/2014/main" id="{C2C9B424-B3FD-D9FD-27BB-4CDE5A1C5270}"/>
               </a:ext>
             </a:extLst>
           </p:cNvPr>
@@ -6240,7 +6219,7 @@
           <p:cNvPr id="21" name="직선 화살표 연결선 20">
             <a:extLst>
               <a:ext uri="{FF2B5EF4-FFF2-40B4-BE49-F238E27FC236}">
-                <a16:creationId xmlns="" xmlns:a16="http://schemas.microsoft.com/office/drawing/2014/main" id="{E37CF84E-BCBC-2603-47D0-250D6FF23E5D}"/>
+                <a16:creationId xmlns:a16="http://schemas.microsoft.com/office/drawing/2014/main" id="{E37CF84E-BCBC-2603-47D0-250D6FF23E5D}"/>
               </a:ext>
             </a:extLst>
           </p:cNvPr>
@@ -6283,7 +6262,7 @@
           <p:cNvPr id="22" name="TextBox 21">
             <a:extLst>
               <a:ext uri="{FF2B5EF4-FFF2-40B4-BE49-F238E27FC236}">
-                <a16:creationId xmlns="" xmlns:a16="http://schemas.microsoft.com/office/drawing/2014/main" id="{416B52E3-E39B-3465-F625-41EBE4C5B82F}"/>
+                <a16:creationId xmlns:a16="http://schemas.microsoft.com/office/drawing/2014/main" id="{416B52E3-E39B-3465-F625-41EBE4C5B82F}"/>
               </a:ext>
             </a:extLst>
           </p:cNvPr>
@@ -6340,7 +6319,7 @@
           <p:cNvPr id="27" name="그림 26">
             <a:extLst>
               <a:ext uri="{FF2B5EF4-FFF2-40B4-BE49-F238E27FC236}">
-                <a16:creationId xmlns="" xmlns:a16="http://schemas.microsoft.com/office/drawing/2014/main" id="{3A9731F4-92A3-79BA-9983-667FA096D68E}"/>
+                <a16:creationId xmlns:a16="http://schemas.microsoft.com/office/drawing/2014/main" id="{3A9731F4-92A3-79BA-9983-667FA096D68E}"/>
               </a:ext>
             </a:extLst>
           </p:cNvPr>
@@ -6370,7 +6349,7 @@
           <p:cNvPr id="28" name="직선 화살표 연결선 27">
             <a:extLst>
               <a:ext uri="{FF2B5EF4-FFF2-40B4-BE49-F238E27FC236}">
-                <a16:creationId xmlns="" xmlns:a16="http://schemas.microsoft.com/office/drawing/2014/main" id="{3A77F496-0E00-2AA1-D9C9-8FAC3BD4B09A}"/>
+                <a16:creationId xmlns:a16="http://schemas.microsoft.com/office/drawing/2014/main" id="{3A77F496-0E00-2AA1-D9C9-8FAC3BD4B09A}"/>
               </a:ext>
             </a:extLst>
           </p:cNvPr>
@@ -6412,7 +6391,7 @@
           <p:cNvPr id="29" name="TextBox 28">
             <a:extLst>
               <a:ext uri="{FF2B5EF4-FFF2-40B4-BE49-F238E27FC236}">
-                <a16:creationId xmlns="" xmlns:a16="http://schemas.microsoft.com/office/drawing/2014/main" id="{209BD1AD-5AB8-4F47-8596-2FC55EDB2D9B}"/>
+                <a16:creationId xmlns:a16="http://schemas.microsoft.com/office/drawing/2014/main" id="{209BD1AD-5AB8-4F47-8596-2FC55EDB2D9B}"/>
               </a:ext>
             </a:extLst>
           </p:cNvPr>
@@ -6473,7 +6452,7 @@
           <p:cNvPr id="33" name="그림 32">
             <a:extLst>
               <a:ext uri="{FF2B5EF4-FFF2-40B4-BE49-F238E27FC236}">
-                <a16:creationId xmlns="" xmlns:a16="http://schemas.microsoft.com/office/drawing/2014/main" id="{E51875F0-A862-C9C6-A3DE-F63288F7F3F5}"/>
+                <a16:creationId xmlns:a16="http://schemas.microsoft.com/office/drawing/2014/main" id="{E51875F0-A862-C9C6-A3DE-F63288F7F3F5}"/>
               </a:ext>
             </a:extLst>
           </p:cNvPr>
@@ -6503,7 +6482,7 @@
           <p:cNvPr id="34" name="직선 화살표 연결선 33">
             <a:extLst>
               <a:ext uri="{FF2B5EF4-FFF2-40B4-BE49-F238E27FC236}">
-                <a16:creationId xmlns="" xmlns:a16="http://schemas.microsoft.com/office/drawing/2014/main" id="{723CDA1E-DD0C-A09B-3849-2CA0307CC77B}"/>
+                <a16:creationId xmlns:a16="http://schemas.microsoft.com/office/drawing/2014/main" id="{723CDA1E-DD0C-A09B-3849-2CA0307CC77B}"/>
               </a:ext>
             </a:extLst>
           </p:cNvPr>
@@ -6545,7 +6524,7 @@
           <p:cNvPr id="35" name="TextBox 34">
             <a:extLst>
               <a:ext uri="{FF2B5EF4-FFF2-40B4-BE49-F238E27FC236}">
-                <a16:creationId xmlns="" xmlns:a16="http://schemas.microsoft.com/office/drawing/2014/main" id="{CF80E56E-35DC-20B7-8FAF-706AEAFAC279}"/>
+                <a16:creationId xmlns:a16="http://schemas.microsoft.com/office/drawing/2014/main" id="{CF80E56E-35DC-20B7-8FAF-706AEAFAC279}"/>
               </a:ext>
             </a:extLst>
           </p:cNvPr>
@@ -6602,7 +6581,7 @@
           <p:cNvPr id="42" name="그림 41">
             <a:extLst>
               <a:ext uri="{FF2B5EF4-FFF2-40B4-BE49-F238E27FC236}">
-                <a16:creationId xmlns="" xmlns:a16="http://schemas.microsoft.com/office/drawing/2014/main" id="{EB7A3028-B24E-D1AE-80C1-0054FBD2BA3A}"/>
+                <a16:creationId xmlns:a16="http://schemas.microsoft.com/office/drawing/2014/main" id="{EB7A3028-B24E-D1AE-80C1-0054FBD2BA3A}"/>
               </a:ext>
             </a:extLst>
           </p:cNvPr>
@@ -6632,7 +6611,7 @@
           <p:cNvPr id="44" name="직선 화살표 연결선 43">
             <a:extLst>
               <a:ext uri="{FF2B5EF4-FFF2-40B4-BE49-F238E27FC236}">
-                <a16:creationId xmlns="" xmlns:a16="http://schemas.microsoft.com/office/drawing/2014/main" id="{7BD70768-F0FE-EB75-384A-63A099E51E92}"/>
+                <a16:creationId xmlns:a16="http://schemas.microsoft.com/office/drawing/2014/main" id="{7BD70768-F0FE-EB75-384A-63A099E51E92}"/>
               </a:ext>
             </a:extLst>
           </p:cNvPr>
@@ -6674,7 +6653,7 @@
           <p:cNvPr id="45" name="TextBox 44">
             <a:extLst>
               <a:ext uri="{FF2B5EF4-FFF2-40B4-BE49-F238E27FC236}">
-                <a16:creationId xmlns="" xmlns:a16="http://schemas.microsoft.com/office/drawing/2014/main" id="{BB5C97C4-93FC-2F33-77D9-C519DD5BA1FE}"/>
+                <a16:creationId xmlns:a16="http://schemas.microsoft.com/office/drawing/2014/main" id="{BB5C97C4-93FC-2F33-77D9-C519DD5BA1FE}"/>
               </a:ext>
             </a:extLst>
           </p:cNvPr>
@@ -7265,7 +7244,7 @@
           <p:cNvPr id="5" name="그림 4">
             <a:extLst>
               <a:ext uri="{FF2B5EF4-FFF2-40B4-BE49-F238E27FC236}">
-                <a16:creationId xmlns="" xmlns:a16="http://schemas.microsoft.com/office/drawing/2014/main" id="{CED397DB-6884-4568-93D2-7A434AF2A375}"/>
+                <a16:creationId xmlns:a16="http://schemas.microsoft.com/office/drawing/2014/main" id="{CED397DB-6884-4568-93D2-7A434AF2A375}"/>
               </a:ext>
             </a:extLst>
           </p:cNvPr>
@@ -7295,7 +7274,7 @@
           <p:cNvPr id="6" name="직선 화살표 연결선 5">
             <a:extLst>
               <a:ext uri="{FF2B5EF4-FFF2-40B4-BE49-F238E27FC236}">
-                <a16:creationId xmlns="" xmlns:a16="http://schemas.microsoft.com/office/drawing/2014/main" id="{53D81AA9-426A-FA0D-5ED9-A7F39CD10E67}"/>
+                <a16:creationId xmlns:a16="http://schemas.microsoft.com/office/drawing/2014/main" id="{53D81AA9-426A-FA0D-5ED9-A7F39CD10E67}"/>
               </a:ext>
             </a:extLst>
           </p:cNvPr>
@@ -7338,7 +7317,7 @@
           <p:cNvPr id="7" name="TextBox 6">
             <a:extLst>
               <a:ext uri="{FF2B5EF4-FFF2-40B4-BE49-F238E27FC236}">
-                <a16:creationId xmlns="" xmlns:a16="http://schemas.microsoft.com/office/drawing/2014/main" id="{596882A4-AA05-D19C-F595-DDF46F3DFE63}"/>
+                <a16:creationId xmlns:a16="http://schemas.microsoft.com/office/drawing/2014/main" id="{596882A4-AA05-D19C-F595-DDF46F3DFE63}"/>
               </a:ext>
             </a:extLst>
           </p:cNvPr>
@@ -7421,7 +7400,7 @@
           <p:cNvPr id="11" name="그림 10">
             <a:extLst>
               <a:ext uri="{FF2B5EF4-FFF2-40B4-BE49-F238E27FC236}">
-                <a16:creationId xmlns="" xmlns:a16="http://schemas.microsoft.com/office/drawing/2014/main" id="{B1C8B7AD-6AC3-6D3F-F098-E984D99CD435}"/>
+                <a16:creationId xmlns:a16="http://schemas.microsoft.com/office/drawing/2014/main" id="{B1C8B7AD-6AC3-6D3F-F098-E984D99CD435}"/>
               </a:ext>
             </a:extLst>
           </p:cNvPr>
@@ -7451,7 +7430,7 @@
           <p:cNvPr id="12" name="직선 화살표 연결선 11">
             <a:extLst>
               <a:ext uri="{FF2B5EF4-FFF2-40B4-BE49-F238E27FC236}">
-                <a16:creationId xmlns="" xmlns:a16="http://schemas.microsoft.com/office/drawing/2014/main" id="{E7C2BF38-A838-5867-9212-996769FB3F03}"/>
+                <a16:creationId xmlns:a16="http://schemas.microsoft.com/office/drawing/2014/main" id="{E7C2BF38-A838-5867-9212-996769FB3F03}"/>
               </a:ext>
             </a:extLst>
           </p:cNvPr>
@@ -7493,7 +7472,7 @@
           <p:cNvPr id="13" name="TextBox 12">
             <a:extLst>
               <a:ext uri="{FF2B5EF4-FFF2-40B4-BE49-F238E27FC236}">
-                <a16:creationId xmlns="" xmlns:a16="http://schemas.microsoft.com/office/drawing/2014/main" id="{1845C746-1213-A154-7457-9FC33860F6BD}"/>
+                <a16:creationId xmlns:a16="http://schemas.microsoft.com/office/drawing/2014/main" id="{1845C746-1213-A154-7457-9FC33860F6BD}"/>
               </a:ext>
             </a:extLst>
           </p:cNvPr>
@@ -7784,7 +7763,7 @@
           <p:cNvPr id="4" name="TextBox 3">
             <a:extLst>
               <a:ext uri="{FF2B5EF4-FFF2-40B4-BE49-F238E27FC236}">
-                <a16:creationId xmlns="" xmlns:a16="http://schemas.microsoft.com/office/drawing/2014/main" id="{CB50B841-27B1-7598-2FB2-6051E08E5552}"/>
+                <a16:creationId xmlns:a16="http://schemas.microsoft.com/office/drawing/2014/main" id="{CB50B841-27B1-7598-2FB2-6051E08E5552}"/>
               </a:ext>
             </a:extLst>
           </p:cNvPr>
@@ -7832,7 +7811,7 @@
           <p:cNvPr id="6" name="그림 5">
             <a:extLst>
               <a:ext uri="{FF2B5EF4-FFF2-40B4-BE49-F238E27FC236}">
-                <a16:creationId xmlns="" xmlns:a16="http://schemas.microsoft.com/office/drawing/2014/main" id="{45CC5072-46D6-08D9-955B-32ED071F5AC0}"/>
+                <a16:creationId xmlns:a16="http://schemas.microsoft.com/office/drawing/2014/main" id="{45CC5072-46D6-08D9-955B-32ED071F5AC0}"/>
               </a:ext>
             </a:extLst>
           </p:cNvPr>
@@ -7862,7 +7841,7 @@
           <p:cNvPr id="7" name="직선 화살표 연결선 6">
             <a:extLst>
               <a:ext uri="{FF2B5EF4-FFF2-40B4-BE49-F238E27FC236}">
-                <a16:creationId xmlns="" xmlns:a16="http://schemas.microsoft.com/office/drawing/2014/main" id="{4BADD8A1-E513-3640-2D73-E61242BF977F}"/>
+                <a16:creationId xmlns:a16="http://schemas.microsoft.com/office/drawing/2014/main" id="{4BADD8A1-E513-3640-2D73-E61242BF977F}"/>
               </a:ext>
             </a:extLst>
           </p:cNvPr>
@@ -7903,7 +7882,7 @@
           <p:cNvPr id="8" name="TextBox 7">
             <a:extLst>
               <a:ext uri="{FF2B5EF4-FFF2-40B4-BE49-F238E27FC236}">
-                <a16:creationId xmlns="" xmlns:a16="http://schemas.microsoft.com/office/drawing/2014/main" id="{4D5F8ADA-A705-C51D-8E95-CD4CDB9654BA}"/>
+                <a16:creationId xmlns:a16="http://schemas.microsoft.com/office/drawing/2014/main" id="{4D5F8ADA-A705-C51D-8E95-CD4CDB9654BA}"/>
               </a:ext>
             </a:extLst>
           </p:cNvPr>
@@ -7960,7 +7939,7 @@
           <p:cNvPr id="10" name="그림 9">
             <a:extLst>
               <a:ext uri="{FF2B5EF4-FFF2-40B4-BE49-F238E27FC236}">
-                <a16:creationId xmlns="" xmlns:a16="http://schemas.microsoft.com/office/drawing/2014/main" id="{66218DCB-BBAA-13D4-ECB3-025DDCD23B4F}"/>
+                <a16:creationId xmlns:a16="http://schemas.microsoft.com/office/drawing/2014/main" id="{66218DCB-BBAA-13D4-ECB3-025DDCD23B4F}"/>
               </a:ext>
             </a:extLst>
           </p:cNvPr>
@@ -7990,7 +7969,7 @@
           <p:cNvPr id="11" name="직선 화살표 연결선 10">
             <a:extLst>
               <a:ext uri="{FF2B5EF4-FFF2-40B4-BE49-F238E27FC236}">
-                <a16:creationId xmlns="" xmlns:a16="http://schemas.microsoft.com/office/drawing/2014/main" id="{F86C6958-EFE9-C5DC-7948-5D8EAB522449}"/>
+                <a16:creationId xmlns:a16="http://schemas.microsoft.com/office/drawing/2014/main" id="{F86C6958-EFE9-C5DC-7948-5D8EAB522449}"/>
               </a:ext>
             </a:extLst>
           </p:cNvPr>
@@ -8032,7 +8011,7 @@
           <p:cNvPr id="12" name="TextBox 11">
             <a:extLst>
               <a:ext uri="{FF2B5EF4-FFF2-40B4-BE49-F238E27FC236}">
-                <a16:creationId xmlns="" xmlns:a16="http://schemas.microsoft.com/office/drawing/2014/main" id="{4DE5A079-4DA8-C78F-8103-A888E64984B4}"/>
+                <a16:creationId xmlns:a16="http://schemas.microsoft.com/office/drawing/2014/main" id="{4DE5A079-4DA8-C78F-8103-A888E64984B4}"/>
               </a:ext>
             </a:extLst>
           </p:cNvPr>
@@ -8349,7 +8328,7 @@
           <p:cNvPr id="4" name="TextBox 3">
             <a:extLst>
               <a:ext uri="{FF2B5EF4-FFF2-40B4-BE49-F238E27FC236}">
-                <a16:creationId xmlns="" xmlns:a16="http://schemas.microsoft.com/office/drawing/2014/main" id="{37C30BAF-D498-C798-BC14-1718488A3435}"/>
+                <a16:creationId xmlns:a16="http://schemas.microsoft.com/office/drawing/2014/main" id="{37C30BAF-D498-C798-BC14-1718488A3435}"/>
               </a:ext>
             </a:extLst>
           </p:cNvPr>
@@ -8400,7 +8379,7 @@
           <p:cNvPr id="5" name="TextBox 4">
             <a:extLst>
               <a:ext uri="{FF2B5EF4-FFF2-40B4-BE49-F238E27FC236}">
-                <a16:creationId xmlns="" xmlns:a16="http://schemas.microsoft.com/office/drawing/2014/main" id="{1411E83A-6F3E-13BA-B84D-07D6B1588D85}"/>
+                <a16:creationId xmlns:a16="http://schemas.microsoft.com/office/drawing/2014/main" id="{1411E83A-6F3E-13BA-B84D-07D6B1588D85}"/>
               </a:ext>
             </a:extLst>
           </p:cNvPr>
@@ -8566,7 +8545,7 @@
           <p:cNvPr id="6" name="TextBox 5">
             <a:extLst>
               <a:ext uri="{FF2B5EF4-FFF2-40B4-BE49-F238E27FC236}">
-                <a16:creationId xmlns="" xmlns:a16="http://schemas.microsoft.com/office/drawing/2014/main" id="{1411E83A-6F3E-13BA-B84D-07D6B1588D85}"/>
+                <a16:creationId xmlns:a16="http://schemas.microsoft.com/office/drawing/2014/main" id="{1411E83A-6F3E-13BA-B84D-07D6B1588D85}"/>
               </a:ext>
             </a:extLst>
           </p:cNvPr>
@@ -8590,7 +8569,7 @@
           <a:lstStyle/>
           <a:p>
             <a:r>
-              <a:rPr lang="en-US" altLang="ko-KR" sz="3600" smtClean="0">
+              <a:rPr lang="en-US" altLang="ko-KR" sz="3600">
                 <a:solidFill>
                   <a:schemeClr val="tx1">
                     <a:lumMod val="50000"/>
@@ -8613,10 +8592,10 @@
                 <a:latin typeface="G마켓 산스 Medium" panose="02000000000000000000" pitchFamily="50" charset="-127"/>
                 <a:ea typeface="G마켓 산스 Medium" panose="02000000000000000000" pitchFamily="50" charset="-127"/>
               </a:rPr>
-              <a:t>타입 </a:t>
-            </a:r>
-            <a:r>
-              <a:rPr lang="ko-KR" altLang="en-US" sz="3600" smtClean="0">
+              <a:t>타입 길이</a:t>
+            </a:r>
+            <a:r>
+              <a:rPr lang="en-US" altLang="ko-KR" sz="3600">
                 <a:solidFill>
                   <a:schemeClr val="tx1">
                     <a:lumMod val="50000"/>
@@ -8626,7 +8605,46 @@
                 <a:latin typeface="G마켓 산스 Medium" panose="02000000000000000000" pitchFamily="50" charset="-127"/>
                 <a:ea typeface="G마켓 산스 Medium" panose="02000000000000000000" pitchFamily="50" charset="-127"/>
               </a:rPr>
-              <a:t>길이</a:t>
+              <a:t> 10</a:t>
+            </a:r>
+            <a:r>
+              <a:rPr lang="ko-KR" altLang="en-US" sz="3600">
+                <a:solidFill>
+                  <a:schemeClr val="tx1">
+                    <a:lumMod val="50000"/>
+                    <a:lumOff val="50000"/>
+                  </a:schemeClr>
+                </a:solidFill>
+                <a:latin typeface="G마켓 산스 Medium" panose="02000000000000000000" pitchFamily="50" charset="-127"/>
+                <a:ea typeface="G마켓 산스 Medium" panose="02000000000000000000" pitchFamily="50" charset="-127"/>
+              </a:rPr>
+              <a:t>의 </a:t>
+            </a:r>
+            <a:r>
+              <a:rPr lang="ko-KR" altLang="en-US" sz="3600" dirty="0">
+                <a:solidFill>
+                  <a:schemeClr val="tx1">
+                    <a:lumMod val="50000"/>
+                    <a:lumOff val="50000"/>
+                  </a:schemeClr>
+                </a:solidFill>
+                <a:latin typeface="G마켓 산스 Medium" panose="02000000000000000000" pitchFamily="50" charset="-127"/>
+                <a:ea typeface="G마켓 산스 Medium" panose="02000000000000000000" pitchFamily="50" charset="-127"/>
+              </a:rPr>
+              <a:t>배열을 </a:t>
+            </a:r>
+            <a:r>
+              <a:rPr lang="ko-KR" altLang="en-US" sz="3600">
+                <a:solidFill>
+                  <a:schemeClr val="tx1">
+                    <a:lumMod val="50000"/>
+                    <a:lumOff val="50000"/>
+                  </a:schemeClr>
+                </a:solidFill>
+                <a:latin typeface="G마켓 산스 Medium" panose="02000000000000000000" pitchFamily="50" charset="-127"/>
+                <a:ea typeface="G마켓 산스 Medium" panose="02000000000000000000" pitchFamily="50" charset="-127"/>
+              </a:rPr>
+              <a:t>만들어 임의의값을 넣고 최대값과 최소값을</a:t>
             </a:r>
             <a:r>
               <a:rPr lang="en-US" altLang="ko-KR" sz="3600">
@@ -8642,45 +8660,6 @@
               <a:t> </a:t>
             </a:r>
             <a:r>
-              <a:rPr lang="en-US" altLang="ko-KR" sz="3600" smtClean="0">
-                <a:solidFill>
-                  <a:schemeClr val="tx1">
-                    <a:lumMod val="50000"/>
-                    <a:lumOff val="50000"/>
-                  </a:schemeClr>
-                </a:solidFill>
-                <a:latin typeface="G마켓 산스 Medium" panose="02000000000000000000" pitchFamily="50" charset="-127"/>
-                <a:ea typeface="G마켓 산스 Medium" panose="02000000000000000000" pitchFamily="50" charset="-127"/>
-              </a:rPr>
-              <a:t>10</a:t>
-            </a:r>
-            <a:r>
-              <a:rPr lang="ko-KR" altLang="en-US" sz="3600" smtClean="0">
-                <a:solidFill>
-                  <a:schemeClr val="tx1">
-                    <a:lumMod val="50000"/>
-                    <a:lumOff val="50000"/>
-                  </a:schemeClr>
-                </a:solidFill>
-                <a:latin typeface="G마켓 산스 Medium" panose="02000000000000000000" pitchFamily="50" charset="-127"/>
-                <a:ea typeface="G마켓 산스 Medium" panose="02000000000000000000" pitchFamily="50" charset="-127"/>
-              </a:rPr>
-              <a:t>의 </a:t>
-            </a:r>
-            <a:r>
-              <a:rPr lang="ko-KR" altLang="en-US" sz="3600" dirty="0">
-                <a:solidFill>
-                  <a:schemeClr val="tx1">
-                    <a:lumMod val="50000"/>
-                    <a:lumOff val="50000"/>
-                  </a:schemeClr>
-                </a:solidFill>
-                <a:latin typeface="G마켓 산스 Medium" panose="02000000000000000000" pitchFamily="50" charset="-127"/>
-                <a:ea typeface="G마켓 산스 Medium" panose="02000000000000000000" pitchFamily="50" charset="-127"/>
-              </a:rPr>
-              <a:t>배열을 </a:t>
-            </a:r>
-            <a:r>
               <a:rPr lang="ko-KR" altLang="en-US" sz="3600">
                 <a:solidFill>
                   <a:schemeClr val="tx1">
@@ -8691,45 +8670,6 @@
                 <a:latin typeface="G마켓 산스 Medium" panose="02000000000000000000" pitchFamily="50" charset="-127"/>
                 <a:ea typeface="G마켓 산스 Medium" panose="02000000000000000000" pitchFamily="50" charset="-127"/>
               </a:rPr>
-              <a:t>만들어 </a:t>
-            </a:r>
-            <a:r>
-              <a:rPr lang="ko-KR" altLang="en-US" sz="3600" smtClean="0">
-                <a:solidFill>
-                  <a:schemeClr val="tx1">
-                    <a:lumMod val="50000"/>
-                    <a:lumOff val="50000"/>
-                  </a:schemeClr>
-                </a:solidFill>
-                <a:latin typeface="G마켓 산스 Medium" panose="02000000000000000000" pitchFamily="50" charset="-127"/>
-                <a:ea typeface="G마켓 산스 Medium" panose="02000000000000000000" pitchFamily="50" charset="-127"/>
-              </a:rPr>
-              <a:t>임의의값을 넣고 최대값과 최소값을</a:t>
-            </a:r>
-            <a:r>
-              <a:rPr lang="en-US" altLang="ko-KR" sz="3600" smtClean="0">
-                <a:solidFill>
-                  <a:schemeClr val="tx1">
-                    <a:lumMod val="50000"/>
-                    <a:lumOff val="50000"/>
-                  </a:schemeClr>
-                </a:solidFill>
-                <a:latin typeface="G마켓 산스 Medium" panose="02000000000000000000" pitchFamily="50" charset="-127"/>
-                <a:ea typeface="G마켓 산스 Medium" panose="02000000000000000000" pitchFamily="50" charset="-127"/>
-              </a:rPr>
-              <a:t> </a:t>
-            </a:r>
-            <a:r>
-              <a:rPr lang="ko-KR" altLang="en-US" sz="3600" smtClean="0">
-                <a:solidFill>
-                  <a:schemeClr val="tx1">
-                    <a:lumMod val="50000"/>
-                    <a:lumOff val="50000"/>
-                  </a:schemeClr>
-                </a:solidFill>
-                <a:latin typeface="G마켓 산스 Medium" panose="02000000000000000000" pitchFamily="50" charset="-127"/>
-                <a:ea typeface="G마켓 산스 Medium" panose="02000000000000000000" pitchFamily="50" charset="-127"/>
-              </a:rPr>
               <a:t>출력하자</a:t>
             </a:r>
           </a:p>
@@ -8740,7 +8680,7 @@
           <p:cNvPr id="7" name="TextBox 6">
             <a:extLst>
               <a:ext uri="{FF2B5EF4-FFF2-40B4-BE49-F238E27FC236}">
-                <a16:creationId xmlns="" xmlns:a16="http://schemas.microsoft.com/office/drawing/2014/main" id="{1411E83A-6F3E-13BA-B84D-07D6B1588D85}"/>
+                <a16:creationId xmlns:a16="http://schemas.microsoft.com/office/drawing/2014/main" id="{1411E83A-6F3E-13BA-B84D-07D6B1588D85}"/>
               </a:ext>
             </a:extLst>
           </p:cNvPr>
@@ -8774,23 +8714,10 @@
                 <a:latin typeface="G마켓 산스 Medium" panose="02000000000000000000" pitchFamily="50" charset="-127"/>
                 <a:ea typeface="G마켓 산스 Medium" panose="02000000000000000000" pitchFamily="50" charset="-127"/>
               </a:rPr>
-              <a:t>3</a:t>
-            </a:r>
-            <a:r>
-              <a:rPr lang="en-US" altLang="ko-KR" sz="3600" smtClean="0">
-                <a:solidFill>
-                  <a:schemeClr val="tx1">
-                    <a:lumMod val="50000"/>
-                    <a:lumOff val="50000"/>
-                  </a:schemeClr>
-                </a:solidFill>
-                <a:latin typeface="G마켓 산스 Medium" panose="02000000000000000000" pitchFamily="50" charset="-127"/>
-                <a:ea typeface="G마켓 산스 Medium" panose="02000000000000000000" pitchFamily="50" charset="-127"/>
-              </a:rPr>
-              <a:t>. int</a:t>
-            </a:r>
-            <a:r>
-              <a:rPr lang="ko-KR" altLang="en-US" sz="3600" smtClean="0">
+              <a:t>3. int</a:t>
+            </a:r>
+            <a:r>
+              <a:rPr lang="ko-KR" altLang="en-US" sz="3600">
                 <a:solidFill>
                   <a:schemeClr val="tx1">
                     <a:lumMod val="50000"/>
@@ -8803,7 +8730,7 @@
               <a:t>타입 길이</a:t>
             </a:r>
             <a:r>
-              <a:rPr lang="en-US" altLang="ko-KR" sz="3600" smtClean="0">
+              <a:rPr lang="en-US" altLang="ko-KR" sz="3600">
                 <a:solidFill>
                   <a:schemeClr val="tx1">
                     <a:lumMod val="50000"/>
@@ -8816,7 +8743,7 @@
               <a:t>10</a:t>
             </a:r>
             <a:r>
-              <a:rPr lang="ko-KR" altLang="en-US" sz="3600" smtClean="0">
+              <a:rPr lang="ko-KR" altLang="en-US" sz="3600">
                 <a:solidFill>
                   <a:schemeClr val="tx1">
                     <a:lumMod val="50000"/>
@@ -8829,7 +8756,7 @@
               <a:t>의 배열에 </a:t>
             </a:r>
             <a:r>
-              <a:rPr lang="en-US" altLang="ko-KR" sz="3600" smtClean="0">
+              <a:rPr lang="en-US" altLang="ko-KR" sz="3600">
                 <a:solidFill>
                   <a:schemeClr val="tx1">
                     <a:lumMod val="50000"/>
@@ -8842,7 +8769,7 @@
               <a:t>0~9 </a:t>
             </a:r>
             <a:r>
-              <a:rPr lang="ko-KR" altLang="en-US" sz="3600" smtClean="0">
+              <a:rPr lang="ko-KR" altLang="en-US" sz="3600">
                 <a:solidFill>
                   <a:schemeClr val="tx1">
                     <a:lumMod val="50000"/>
@@ -8891,13 +8818,6 @@
   <p:clrMapOvr>
     <a:masterClrMapping/>
   </p:clrMapOvr>
-  <p:timing>
-    <p:tnLst>
-      <p:par>
-        <p:cTn id="1" dur="indefinite" restart="never" nodeType="tmRoot"/>
-      </p:par>
-    </p:tnLst>
-  </p:timing>
 </p:sld>
 </file>
 
@@ -8947,7 +8867,7 @@
           <p:cNvPr id="4" name="TextBox 3">
             <a:extLst>
               <a:ext uri="{FF2B5EF4-FFF2-40B4-BE49-F238E27FC236}">
-                <a16:creationId xmlns="" xmlns:a16="http://schemas.microsoft.com/office/drawing/2014/main" id="{AAA7A62B-B663-9BB3-853E-37554E612635}"/>
+                <a16:creationId xmlns:a16="http://schemas.microsoft.com/office/drawing/2014/main" id="{AAA7A62B-B663-9BB3-853E-37554E612635}"/>
               </a:ext>
             </a:extLst>
           </p:cNvPr>
@@ -9018,7 +8938,7 @@
           <p:cNvPr id="12" name="그룹 1018">
             <a:extLst>
               <a:ext uri="{FF2B5EF4-FFF2-40B4-BE49-F238E27FC236}">
-                <a16:creationId xmlns="" xmlns:a16="http://schemas.microsoft.com/office/drawing/2014/main" id="{4F0468F5-F027-54AB-48FE-FBD97453C390}"/>
+                <a16:creationId xmlns:a16="http://schemas.microsoft.com/office/drawing/2014/main" id="{4F0468F5-F027-54AB-48FE-FBD97453C390}"/>
               </a:ext>
             </a:extLst>
           </p:cNvPr>
@@ -9038,7 +8958,7 @@
             <p:cNvPr id="13" name="Object 61">
               <a:extLst>
                 <a:ext uri="{FF2B5EF4-FFF2-40B4-BE49-F238E27FC236}">
-                  <a16:creationId xmlns="" xmlns:a16="http://schemas.microsoft.com/office/drawing/2014/main" id="{AC2EBFB7-1019-73EA-EBFE-CF649B53884D}"/>
+                  <a16:creationId xmlns:a16="http://schemas.microsoft.com/office/drawing/2014/main" id="{AC2EBFB7-1019-73EA-EBFE-CF649B53884D}"/>
                 </a:ext>
               </a:extLst>
             </p:cNvPr>
@@ -9069,7 +8989,7 @@
           <p:cNvPr id="14" name="TextBox 13">
             <a:extLst>
               <a:ext uri="{FF2B5EF4-FFF2-40B4-BE49-F238E27FC236}">
-                <a16:creationId xmlns="" xmlns:a16="http://schemas.microsoft.com/office/drawing/2014/main" id="{CD7FD98D-0E89-838A-2E86-645AC568668B}"/>
+                <a16:creationId xmlns:a16="http://schemas.microsoft.com/office/drawing/2014/main" id="{CD7FD98D-0E89-838A-2E86-645AC568668B}"/>
               </a:ext>
             </a:extLst>
           </p:cNvPr>
@@ -9126,7 +9046,7 @@
           <p:cNvPr id="17" name="TextBox 16">
             <a:extLst>
               <a:ext uri="{FF2B5EF4-FFF2-40B4-BE49-F238E27FC236}">
-                <a16:creationId xmlns="" xmlns:a16="http://schemas.microsoft.com/office/drawing/2014/main" id="{7843ACB4-9657-BCB3-AF18-AEDD8CD8AAD4}"/>
+                <a16:creationId xmlns:a16="http://schemas.microsoft.com/office/drawing/2014/main" id="{7843ACB4-9657-BCB3-AF18-AEDD8CD8AAD4}"/>
               </a:ext>
             </a:extLst>
           </p:cNvPr>
@@ -9177,7 +9097,7 @@
           <p:cNvPr id="18" name="그룹 1018">
             <a:extLst>
               <a:ext uri="{FF2B5EF4-FFF2-40B4-BE49-F238E27FC236}">
-                <a16:creationId xmlns="" xmlns:a16="http://schemas.microsoft.com/office/drawing/2014/main" id="{AC6D02A6-858E-B1E5-BCF7-602AAC9F856B}"/>
+                <a16:creationId xmlns:a16="http://schemas.microsoft.com/office/drawing/2014/main" id="{AC6D02A6-858E-B1E5-BCF7-602AAC9F856B}"/>
               </a:ext>
             </a:extLst>
           </p:cNvPr>
@@ -9197,7 +9117,7 @@
             <p:cNvPr id="19" name="Object 61">
               <a:extLst>
                 <a:ext uri="{FF2B5EF4-FFF2-40B4-BE49-F238E27FC236}">
-                  <a16:creationId xmlns="" xmlns:a16="http://schemas.microsoft.com/office/drawing/2014/main" id="{6F0A1746-433C-D68C-49A3-F644B1C290B7}"/>
+                  <a16:creationId xmlns:a16="http://schemas.microsoft.com/office/drawing/2014/main" id="{6F0A1746-433C-D68C-49A3-F644B1C290B7}"/>
                 </a:ext>
               </a:extLst>
             </p:cNvPr>
@@ -9228,7 +9148,7 @@
           <p:cNvPr id="20" name="TextBox 19">
             <a:extLst>
               <a:ext uri="{FF2B5EF4-FFF2-40B4-BE49-F238E27FC236}">
-                <a16:creationId xmlns="" xmlns:a16="http://schemas.microsoft.com/office/drawing/2014/main" id="{963B2D80-045B-B26F-596E-2802A373CFAE}"/>
+                <a16:creationId xmlns:a16="http://schemas.microsoft.com/office/drawing/2014/main" id="{963B2D80-045B-B26F-596E-2802A373CFAE}"/>
               </a:ext>
             </a:extLst>
           </p:cNvPr>
@@ -9285,7 +9205,7 @@
           <p:cNvPr id="21" name="TextBox 20">
             <a:extLst>
               <a:ext uri="{FF2B5EF4-FFF2-40B4-BE49-F238E27FC236}">
-                <a16:creationId xmlns="" xmlns:a16="http://schemas.microsoft.com/office/drawing/2014/main" id="{59E0E04C-877E-D861-8074-BD32F9DFFD3D}"/>
+                <a16:creationId xmlns:a16="http://schemas.microsoft.com/office/drawing/2014/main" id="{59E0E04C-877E-D861-8074-BD32F9DFFD3D}"/>
               </a:ext>
             </a:extLst>
           </p:cNvPr>
@@ -9329,7 +9249,7 @@
           <p:cNvPr id="25" name="표 24">
             <a:extLst>
               <a:ext uri="{FF2B5EF4-FFF2-40B4-BE49-F238E27FC236}">
-                <a16:creationId xmlns="" xmlns:a16="http://schemas.microsoft.com/office/drawing/2014/main" id="{A8016755-38EE-8AE4-EEE3-827991B3D0F3}"/>
+                <a16:creationId xmlns:a16="http://schemas.microsoft.com/office/drawing/2014/main" id="{A8016755-38EE-8AE4-EEE3-827991B3D0F3}"/>
               </a:ext>
             </a:extLst>
           </p:cNvPr>
@@ -9358,14 +9278,14 @@
                 <a:gridCol w="1528823">
                   <a:extLst>
                     <a:ext uri="{9D8B030D-6E8A-4147-A177-3AD203B41FA5}">
-                      <a16:colId xmlns="" xmlns:a16="http://schemas.microsoft.com/office/drawing/2014/main" val="2271107190"/>
+                      <a16:colId xmlns:a16="http://schemas.microsoft.com/office/drawing/2014/main" val="2271107190"/>
                     </a:ext>
                   </a:extLst>
                 </a:gridCol>
                 <a:gridCol w="838200">
                   <a:extLst>
                     <a:ext uri="{9D8B030D-6E8A-4147-A177-3AD203B41FA5}">
-                      <a16:colId xmlns="" xmlns:a16="http://schemas.microsoft.com/office/drawing/2014/main" val="4072949715"/>
+                      <a16:colId xmlns:a16="http://schemas.microsoft.com/office/drawing/2014/main" val="4072949715"/>
                     </a:ext>
                   </a:extLst>
                 </a:gridCol>
@@ -9491,7 +9411,7 @@
                 </a:tc>
                 <a:extLst>
                   <a:ext uri="{0D108BD9-81ED-4DB2-BD59-A6C34878D82A}">
-                    <a16:rowId xmlns="" xmlns:a16="http://schemas.microsoft.com/office/drawing/2014/main" val="3364141702"/>
+                    <a16:rowId xmlns:a16="http://schemas.microsoft.com/office/drawing/2014/main" val="3364141702"/>
                   </a:ext>
                 </a:extLst>
               </a:tr>
@@ -9620,7 +9540,7 @@
                 </a:tc>
                 <a:extLst>
                   <a:ext uri="{0D108BD9-81ED-4DB2-BD59-A6C34878D82A}">
-                    <a16:rowId xmlns="" xmlns:a16="http://schemas.microsoft.com/office/drawing/2014/main" val="2764294510"/>
+                    <a16:rowId xmlns:a16="http://schemas.microsoft.com/office/drawing/2014/main" val="2764294510"/>
                   </a:ext>
                 </a:extLst>
               </a:tr>
@@ -9733,7 +9653,7 @@
                 </a:tc>
                 <a:extLst>
                   <a:ext uri="{0D108BD9-81ED-4DB2-BD59-A6C34878D82A}">
-                    <a16:rowId xmlns="" xmlns:a16="http://schemas.microsoft.com/office/drawing/2014/main" val="1538767738"/>
+                    <a16:rowId xmlns:a16="http://schemas.microsoft.com/office/drawing/2014/main" val="1538767738"/>
                   </a:ext>
                 </a:extLst>
               </a:tr>
@@ -9846,7 +9766,7 @@
                 </a:tc>
                 <a:extLst>
                   <a:ext uri="{0D108BD9-81ED-4DB2-BD59-A6C34878D82A}">
-                    <a16:rowId xmlns="" xmlns:a16="http://schemas.microsoft.com/office/drawing/2014/main" val="75423910"/>
+                    <a16:rowId xmlns:a16="http://schemas.microsoft.com/office/drawing/2014/main" val="75423910"/>
                   </a:ext>
                 </a:extLst>
               </a:tr>
@@ -9959,7 +9879,7 @@
                 </a:tc>
                 <a:extLst>
                   <a:ext uri="{0D108BD9-81ED-4DB2-BD59-A6C34878D82A}">
-                    <a16:rowId xmlns="" xmlns:a16="http://schemas.microsoft.com/office/drawing/2014/main" val="1880026330"/>
+                    <a16:rowId xmlns:a16="http://schemas.microsoft.com/office/drawing/2014/main" val="1880026330"/>
                   </a:ext>
                 </a:extLst>
               </a:tr>
@@ -10072,7 +9992,7 @@
                 </a:tc>
                 <a:extLst>
                   <a:ext uri="{0D108BD9-81ED-4DB2-BD59-A6C34878D82A}">
-                    <a16:rowId xmlns="" xmlns:a16="http://schemas.microsoft.com/office/drawing/2014/main" val="2904285843"/>
+                    <a16:rowId xmlns:a16="http://schemas.microsoft.com/office/drawing/2014/main" val="2904285843"/>
                   </a:ext>
                 </a:extLst>
               </a:tr>
@@ -10085,7 +10005,7 @@
           <p:cNvPr id="15" name="직선 화살표 연결선 14">
             <a:extLst>
               <a:ext uri="{FF2B5EF4-FFF2-40B4-BE49-F238E27FC236}">
-                <a16:creationId xmlns="" xmlns:a16="http://schemas.microsoft.com/office/drawing/2014/main" id="{4CD3AA73-144D-EE56-1594-B12541E20A71}"/>
+                <a16:creationId xmlns:a16="http://schemas.microsoft.com/office/drawing/2014/main" id="{4CD3AA73-144D-EE56-1594-B12541E20A71}"/>
               </a:ext>
             </a:extLst>
           </p:cNvPr>
@@ -10127,7 +10047,7 @@
           <p:cNvPr id="31" name="표 30">
             <a:extLst>
               <a:ext uri="{FF2B5EF4-FFF2-40B4-BE49-F238E27FC236}">
-                <a16:creationId xmlns="" xmlns:a16="http://schemas.microsoft.com/office/drawing/2014/main" id="{184CBD6D-35D2-535B-0A9C-7994770538BF}"/>
+                <a16:creationId xmlns:a16="http://schemas.microsoft.com/office/drawing/2014/main" id="{184CBD6D-35D2-535B-0A9C-7994770538BF}"/>
               </a:ext>
             </a:extLst>
           </p:cNvPr>
@@ -10156,14 +10076,14 @@
                 <a:gridCol w="1528823">
                   <a:extLst>
                     <a:ext uri="{9D8B030D-6E8A-4147-A177-3AD203B41FA5}">
-                      <a16:colId xmlns="" xmlns:a16="http://schemas.microsoft.com/office/drawing/2014/main" val="3265756666"/>
+                      <a16:colId xmlns:a16="http://schemas.microsoft.com/office/drawing/2014/main" val="3265756666"/>
                     </a:ext>
                   </a:extLst>
                 </a:gridCol>
                 <a:gridCol w="838200">
                   <a:extLst>
                     <a:ext uri="{9D8B030D-6E8A-4147-A177-3AD203B41FA5}">
-                      <a16:colId xmlns="" xmlns:a16="http://schemas.microsoft.com/office/drawing/2014/main" val="612514747"/>
+                      <a16:colId xmlns:a16="http://schemas.microsoft.com/office/drawing/2014/main" val="612514747"/>
                     </a:ext>
                   </a:extLst>
                 </a:gridCol>
@@ -10289,7 +10209,7 @@
                 </a:tc>
                 <a:extLst>
                   <a:ext uri="{0D108BD9-81ED-4DB2-BD59-A6C34878D82A}">
-                    <a16:rowId xmlns="" xmlns:a16="http://schemas.microsoft.com/office/drawing/2014/main" val="3206675433"/>
+                    <a16:rowId xmlns:a16="http://schemas.microsoft.com/office/drawing/2014/main" val="3206675433"/>
                   </a:ext>
                 </a:extLst>
               </a:tr>
@@ -10418,7 +10338,7 @@
                 </a:tc>
                 <a:extLst>
                   <a:ext uri="{0D108BD9-81ED-4DB2-BD59-A6C34878D82A}">
-                    <a16:rowId xmlns="" xmlns:a16="http://schemas.microsoft.com/office/drawing/2014/main" val="974737628"/>
+                    <a16:rowId xmlns:a16="http://schemas.microsoft.com/office/drawing/2014/main" val="974737628"/>
                   </a:ext>
                 </a:extLst>
               </a:tr>
@@ -10563,7 +10483,7 @@
                 </a:tc>
                 <a:extLst>
                   <a:ext uri="{0D108BD9-81ED-4DB2-BD59-A6C34878D82A}">
-                    <a16:rowId xmlns="" xmlns:a16="http://schemas.microsoft.com/office/drawing/2014/main" val="10002"/>
+                    <a16:rowId xmlns:a16="http://schemas.microsoft.com/office/drawing/2014/main" val="10002"/>
                   </a:ext>
                 </a:extLst>
               </a:tr>
@@ -10692,7 +10612,7 @@
                 </a:tc>
                 <a:extLst>
                   <a:ext uri="{0D108BD9-81ED-4DB2-BD59-A6C34878D82A}">
-                    <a16:rowId xmlns="" xmlns:a16="http://schemas.microsoft.com/office/drawing/2014/main" val="4102325686"/>
+                    <a16:rowId xmlns:a16="http://schemas.microsoft.com/office/drawing/2014/main" val="4102325686"/>
                   </a:ext>
                 </a:extLst>
               </a:tr>
@@ -10821,7 +10741,7 @@
                 </a:tc>
                 <a:extLst>
                   <a:ext uri="{0D108BD9-81ED-4DB2-BD59-A6C34878D82A}">
-                    <a16:rowId xmlns="" xmlns:a16="http://schemas.microsoft.com/office/drawing/2014/main" val="10004"/>
+                    <a16:rowId xmlns:a16="http://schemas.microsoft.com/office/drawing/2014/main" val="10004"/>
                   </a:ext>
                 </a:extLst>
               </a:tr>
@@ -10950,7 +10870,7 @@
                 </a:tc>
                 <a:extLst>
                   <a:ext uri="{0D108BD9-81ED-4DB2-BD59-A6C34878D82A}">
-                    <a16:rowId xmlns="" xmlns:a16="http://schemas.microsoft.com/office/drawing/2014/main" val="2080406695"/>
+                    <a16:rowId xmlns:a16="http://schemas.microsoft.com/office/drawing/2014/main" val="2080406695"/>
                   </a:ext>
                 </a:extLst>
               </a:tr>
@@ -11079,7 +10999,7 @@
                 </a:tc>
                 <a:extLst>
                   <a:ext uri="{0D108BD9-81ED-4DB2-BD59-A6C34878D82A}">
-                    <a16:rowId xmlns="" xmlns:a16="http://schemas.microsoft.com/office/drawing/2014/main" val="10006"/>
+                    <a16:rowId xmlns:a16="http://schemas.microsoft.com/office/drawing/2014/main" val="10006"/>
                   </a:ext>
                 </a:extLst>
               </a:tr>
@@ -11192,7 +11112,7 @@
                 </a:tc>
                 <a:extLst>
                   <a:ext uri="{0D108BD9-81ED-4DB2-BD59-A6C34878D82A}">
-                    <a16:rowId xmlns="" xmlns:a16="http://schemas.microsoft.com/office/drawing/2014/main" val="844693801"/>
+                    <a16:rowId xmlns:a16="http://schemas.microsoft.com/office/drawing/2014/main" val="844693801"/>
                   </a:ext>
                 </a:extLst>
               </a:tr>
@@ -11305,7 +11225,7 @@
                 </a:tc>
                 <a:extLst>
                   <a:ext uri="{0D108BD9-81ED-4DB2-BD59-A6C34878D82A}">
-                    <a16:rowId xmlns="" xmlns:a16="http://schemas.microsoft.com/office/drawing/2014/main" val="10008"/>
+                    <a16:rowId xmlns:a16="http://schemas.microsoft.com/office/drawing/2014/main" val="10008"/>
                   </a:ext>
                 </a:extLst>
               </a:tr>
@@ -11417,7 +11337,7 @@
                 </a:tc>
                 <a:extLst>
                   <a:ext uri="{0D108BD9-81ED-4DB2-BD59-A6C34878D82A}">
-                    <a16:rowId xmlns="" xmlns:a16="http://schemas.microsoft.com/office/drawing/2014/main" val="2414498207"/>
+                    <a16:rowId xmlns:a16="http://schemas.microsoft.com/office/drawing/2014/main" val="2414498207"/>
                   </a:ext>
                 </a:extLst>
               </a:tr>
@@ -11529,7 +11449,7 @@
                 </a:tc>
                 <a:extLst>
                   <a:ext uri="{0D108BD9-81ED-4DB2-BD59-A6C34878D82A}">
-                    <a16:rowId xmlns="" xmlns:a16="http://schemas.microsoft.com/office/drawing/2014/main" val="10010"/>
+                    <a16:rowId xmlns:a16="http://schemas.microsoft.com/office/drawing/2014/main" val="10010"/>
                   </a:ext>
                 </a:extLst>
               </a:tr>
@@ -11542,7 +11462,7 @@
           <p:cNvPr id="22" name="직선 화살표 연결선 21">
             <a:extLst>
               <a:ext uri="{FF2B5EF4-FFF2-40B4-BE49-F238E27FC236}">
-                <a16:creationId xmlns="" xmlns:a16="http://schemas.microsoft.com/office/drawing/2014/main" id="{4CD3AA73-144D-EE56-1594-B12541E20A71}"/>
+                <a16:creationId xmlns:a16="http://schemas.microsoft.com/office/drawing/2014/main" id="{4CD3AA73-144D-EE56-1594-B12541E20A71}"/>
               </a:ext>
             </a:extLst>
           </p:cNvPr>
@@ -11584,7 +11504,7 @@
           <p:cNvPr id="23" name="TextBox 22">
             <a:extLst>
               <a:ext uri="{FF2B5EF4-FFF2-40B4-BE49-F238E27FC236}">
-                <a16:creationId xmlns="" xmlns:a16="http://schemas.microsoft.com/office/drawing/2014/main" id="{59E0E04C-877E-D861-8074-BD32F9DFFD3D}"/>
+                <a16:creationId xmlns:a16="http://schemas.microsoft.com/office/drawing/2014/main" id="{59E0E04C-877E-D861-8074-BD32F9DFFD3D}"/>
               </a:ext>
             </a:extLst>
           </p:cNvPr>
@@ -11638,7 +11558,7 @@
           <p:cNvPr id="32" name="직선 화살표 연결선 31">
             <a:extLst>
               <a:ext uri="{FF2B5EF4-FFF2-40B4-BE49-F238E27FC236}">
-                <a16:creationId xmlns="" xmlns:a16="http://schemas.microsoft.com/office/drawing/2014/main" id="{4CD3AA73-144D-EE56-1594-B12541E20A71}"/>
+                <a16:creationId xmlns:a16="http://schemas.microsoft.com/office/drawing/2014/main" id="{4CD3AA73-144D-EE56-1594-B12541E20A71}"/>
               </a:ext>
             </a:extLst>
           </p:cNvPr>
@@ -11679,7 +11599,7 @@
           <p:cNvPr id="58" name="직선 화살표 연결선 57">
             <a:extLst>
               <a:ext uri="{FF2B5EF4-FFF2-40B4-BE49-F238E27FC236}">
-                <a16:creationId xmlns="" xmlns:a16="http://schemas.microsoft.com/office/drawing/2014/main" id="{4CD3AA73-144D-EE56-1594-B12541E20A71}"/>
+                <a16:creationId xmlns:a16="http://schemas.microsoft.com/office/drawing/2014/main" id="{4CD3AA73-144D-EE56-1594-B12541E20A71}"/>
               </a:ext>
             </a:extLst>
           </p:cNvPr>
@@ -11720,7 +11640,7 @@
           <p:cNvPr id="65" name="TextBox 64">
             <a:extLst>
               <a:ext uri="{FF2B5EF4-FFF2-40B4-BE49-F238E27FC236}">
-                <a16:creationId xmlns="" xmlns:a16="http://schemas.microsoft.com/office/drawing/2014/main" id="{7843ACB4-9657-BCB3-AF18-AEDD8CD8AAD4}"/>
+                <a16:creationId xmlns:a16="http://schemas.microsoft.com/office/drawing/2014/main" id="{7843ACB4-9657-BCB3-AF18-AEDD8CD8AAD4}"/>
               </a:ext>
             </a:extLst>
           </p:cNvPr>
@@ -12341,7 +12261,7 @@
           <p:cNvPr id="4" name="TextBox 3">
             <a:extLst>
               <a:ext uri="{FF2B5EF4-FFF2-40B4-BE49-F238E27FC236}">
-                <a16:creationId xmlns="" xmlns:a16="http://schemas.microsoft.com/office/drawing/2014/main" id="{AAA7A62B-B663-9BB3-853E-37554E612635}"/>
+                <a16:creationId xmlns:a16="http://schemas.microsoft.com/office/drawing/2014/main" id="{AAA7A62B-B663-9BB3-853E-37554E612635}"/>
               </a:ext>
             </a:extLst>
           </p:cNvPr>
@@ -12423,7 +12343,7 @@
           <p:cNvPr id="6" name="직선 화살표 연결선 5">
             <a:extLst>
               <a:ext uri="{FF2B5EF4-FFF2-40B4-BE49-F238E27FC236}">
-                <a16:creationId xmlns="" xmlns:a16="http://schemas.microsoft.com/office/drawing/2014/main" id="{299DF5EC-9DF4-5255-06AC-0A7CE4FF58C3}"/>
+                <a16:creationId xmlns:a16="http://schemas.microsoft.com/office/drawing/2014/main" id="{299DF5EC-9DF4-5255-06AC-0A7CE4FF58C3}"/>
               </a:ext>
             </a:extLst>
           </p:cNvPr>
@@ -12464,7 +12384,7 @@
           <p:cNvPr id="7" name="직사각형 6">
             <a:extLst>
               <a:ext uri="{FF2B5EF4-FFF2-40B4-BE49-F238E27FC236}">
-                <a16:creationId xmlns="" xmlns:a16="http://schemas.microsoft.com/office/drawing/2014/main" id="{FFF506F9-840A-0508-4CAF-3AC711D8D5CE}"/>
+                <a16:creationId xmlns:a16="http://schemas.microsoft.com/office/drawing/2014/main" id="{FFF506F9-840A-0508-4CAF-3AC711D8D5CE}"/>
               </a:ext>
             </a:extLst>
           </p:cNvPr>
@@ -12516,7 +12436,7 @@
           <p:cNvPr id="8" name="TextBox 7">
             <a:extLst>
               <a:ext uri="{FF2B5EF4-FFF2-40B4-BE49-F238E27FC236}">
-                <a16:creationId xmlns="" xmlns:a16="http://schemas.microsoft.com/office/drawing/2014/main" id="{C6D113C6-EA5C-788F-0C77-E7CE6EBB865F}"/>
+                <a16:creationId xmlns:a16="http://schemas.microsoft.com/office/drawing/2014/main" id="{C6D113C6-EA5C-788F-0C77-E7CE6EBB865F}"/>
               </a:ext>
             </a:extLst>
           </p:cNvPr>
@@ -12564,7 +12484,7 @@
           <p:cNvPr id="10" name="직사각형 9">
             <a:extLst>
               <a:ext uri="{FF2B5EF4-FFF2-40B4-BE49-F238E27FC236}">
-                <a16:creationId xmlns="" xmlns:a16="http://schemas.microsoft.com/office/drawing/2014/main" id="{FFF506F9-840A-0508-4CAF-3AC711D8D5CE}"/>
+                <a16:creationId xmlns:a16="http://schemas.microsoft.com/office/drawing/2014/main" id="{FFF506F9-840A-0508-4CAF-3AC711D8D5CE}"/>
               </a:ext>
             </a:extLst>
           </p:cNvPr>
@@ -12616,7 +12536,7 @@
           <p:cNvPr id="11" name="직사각형 10">
             <a:extLst>
               <a:ext uri="{FF2B5EF4-FFF2-40B4-BE49-F238E27FC236}">
-                <a16:creationId xmlns="" xmlns:a16="http://schemas.microsoft.com/office/drawing/2014/main" id="{FFF506F9-840A-0508-4CAF-3AC711D8D5CE}"/>
+                <a16:creationId xmlns:a16="http://schemas.microsoft.com/office/drawing/2014/main" id="{FFF506F9-840A-0508-4CAF-3AC711D8D5CE}"/>
               </a:ext>
             </a:extLst>
           </p:cNvPr>
@@ -12668,7 +12588,7 @@
           <p:cNvPr id="12" name="직선 화살표 연결선 11">
             <a:extLst>
               <a:ext uri="{FF2B5EF4-FFF2-40B4-BE49-F238E27FC236}">
-                <a16:creationId xmlns="" xmlns:a16="http://schemas.microsoft.com/office/drawing/2014/main" id="{299DF5EC-9DF4-5255-06AC-0A7CE4FF58C3}"/>
+                <a16:creationId xmlns:a16="http://schemas.microsoft.com/office/drawing/2014/main" id="{299DF5EC-9DF4-5255-06AC-0A7CE4FF58C3}"/>
               </a:ext>
             </a:extLst>
           </p:cNvPr>
@@ -12709,7 +12629,7 @@
           <p:cNvPr id="14" name="TextBox 13">
             <a:extLst>
               <a:ext uri="{FF2B5EF4-FFF2-40B4-BE49-F238E27FC236}">
-                <a16:creationId xmlns="" xmlns:a16="http://schemas.microsoft.com/office/drawing/2014/main" id="{C6D113C6-EA5C-788F-0C77-E7CE6EBB865F}"/>
+                <a16:creationId xmlns:a16="http://schemas.microsoft.com/office/drawing/2014/main" id="{C6D113C6-EA5C-788F-0C77-E7CE6EBB865F}"/>
               </a:ext>
             </a:extLst>
           </p:cNvPr>
@@ -12757,7 +12677,7 @@
           <p:cNvPr id="15" name="TextBox 14">
             <a:extLst>
               <a:ext uri="{FF2B5EF4-FFF2-40B4-BE49-F238E27FC236}">
-                <a16:creationId xmlns="" xmlns:a16="http://schemas.microsoft.com/office/drawing/2014/main" id="{C6D113C6-EA5C-788F-0C77-E7CE6EBB865F}"/>
+                <a16:creationId xmlns:a16="http://schemas.microsoft.com/office/drawing/2014/main" id="{C6D113C6-EA5C-788F-0C77-E7CE6EBB865F}"/>
               </a:ext>
             </a:extLst>
           </p:cNvPr>
@@ -12805,7 +12725,7 @@
           <p:cNvPr id="16" name="직선 화살표 연결선 15">
             <a:extLst>
               <a:ext uri="{FF2B5EF4-FFF2-40B4-BE49-F238E27FC236}">
-                <a16:creationId xmlns="" xmlns:a16="http://schemas.microsoft.com/office/drawing/2014/main" id="{299DF5EC-9DF4-5255-06AC-0A7CE4FF58C3}"/>
+                <a16:creationId xmlns:a16="http://schemas.microsoft.com/office/drawing/2014/main" id="{299DF5EC-9DF4-5255-06AC-0A7CE4FF58C3}"/>
               </a:ext>
             </a:extLst>
           </p:cNvPr>
@@ -12851,13 +12771,6 @@
   <p:clrMapOvr>
     <a:masterClrMapping/>
   </p:clrMapOvr>
-  <p:timing>
-    <p:tnLst>
-      <p:par>
-        <p:cTn id="1" dur="indefinite" restart="never" nodeType="tmRoot"/>
-      </p:par>
-    </p:tnLst>
-  </p:timing>
 </p:sld>
 </file>
 
@@ -13056,7 +12969,7 @@
           <p:cNvPr id="11" name="TextBox 10">
             <a:extLst>
               <a:ext uri="{FF2B5EF4-FFF2-40B4-BE49-F238E27FC236}">
-                <a16:creationId xmlns="" xmlns:a16="http://schemas.microsoft.com/office/drawing/2014/main" id="{9F88F580-08BE-88C2-D640-13F0026591CB}"/>
+                <a16:creationId xmlns:a16="http://schemas.microsoft.com/office/drawing/2014/main" id="{9F88F580-08BE-88C2-D640-13F0026591CB}"/>
               </a:ext>
             </a:extLst>
           </p:cNvPr>
@@ -13107,7 +13020,7 @@
           <p:cNvPr id="13" name="TextBox 12">
             <a:extLst>
               <a:ext uri="{FF2B5EF4-FFF2-40B4-BE49-F238E27FC236}">
-                <a16:creationId xmlns="" xmlns:a16="http://schemas.microsoft.com/office/drawing/2014/main" id="{72769C28-9BB6-DE9C-7B6F-264B77B8DD0E}"/>
+                <a16:creationId xmlns:a16="http://schemas.microsoft.com/office/drawing/2014/main" id="{72769C28-9BB6-DE9C-7B6F-264B77B8DD0E}"/>
               </a:ext>
             </a:extLst>
           </p:cNvPr>
@@ -13148,7 +13061,7 @@
           <p:cNvPr id="14" name="TextBox 13">
             <a:extLst>
               <a:ext uri="{FF2B5EF4-FFF2-40B4-BE49-F238E27FC236}">
-                <a16:creationId xmlns="" xmlns:a16="http://schemas.microsoft.com/office/drawing/2014/main" id="{270FBB6A-01CE-5637-78DA-58F0C974145C}"/>
+                <a16:creationId xmlns:a16="http://schemas.microsoft.com/office/drawing/2014/main" id="{270FBB6A-01CE-5637-78DA-58F0C974145C}"/>
               </a:ext>
             </a:extLst>
           </p:cNvPr>
@@ -13196,7 +13109,7 @@
           <p:cNvPr id="2" name="Object 17">
             <a:extLst>
               <a:ext uri="{FF2B5EF4-FFF2-40B4-BE49-F238E27FC236}">
-                <a16:creationId xmlns="" xmlns:a16="http://schemas.microsoft.com/office/drawing/2014/main" id="{140B283D-FE58-FA6F-6F7C-E0F1DBB62A65}"/>
+                <a16:creationId xmlns:a16="http://schemas.microsoft.com/office/drawing/2014/main" id="{140B283D-FE58-FA6F-6F7C-E0F1DBB62A65}"/>
               </a:ext>
             </a:extLst>
           </p:cNvPr>
@@ -13226,7 +13139,7 @@
           <p:cNvPr id="4" name="TextBox 3">
             <a:extLst>
               <a:ext uri="{FF2B5EF4-FFF2-40B4-BE49-F238E27FC236}">
-                <a16:creationId xmlns="" xmlns:a16="http://schemas.microsoft.com/office/drawing/2014/main" id="{2C8D0998-79BC-6FD2-59D9-8052B4A25F65}"/>
+                <a16:creationId xmlns:a16="http://schemas.microsoft.com/office/drawing/2014/main" id="{2C8D0998-79BC-6FD2-59D9-8052B4A25F65}"/>
               </a:ext>
             </a:extLst>
           </p:cNvPr>
@@ -13267,7 +13180,7 @@
           <p:cNvPr id="5" name="Object 18">
             <a:extLst>
               <a:ext uri="{FF2B5EF4-FFF2-40B4-BE49-F238E27FC236}">
-                <a16:creationId xmlns="" xmlns:a16="http://schemas.microsoft.com/office/drawing/2014/main" id="{3F58EA3E-1018-64D3-FAB2-4F6B9618FA56}"/>
+                <a16:creationId xmlns:a16="http://schemas.microsoft.com/office/drawing/2014/main" id="{3F58EA3E-1018-64D3-FAB2-4F6B9618FA56}"/>
               </a:ext>
             </a:extLst>
           </p:cNvPr>
@@ -13297,7 +13210,7 @@
           <p:cNvPr id="8" name="TextBox 7">
             <a:extLst>
               <a:ext uri="{FF2B5EF4-FFF2-40B4-BE49-F238E27FC236}">
-                <a16:creationId xmlns="" xmlns:a16="http://schemas.microsoft.com/office/drawing/2014/main" id="{681D3F16-7DCF-41AD-F5F1-0558C78C0E4D}"/>
+                <a16:creationId xmlns:a16="http://schemas.microsoft.com/office/drawing/2014/main" id="{681D3F16-7DCF-41AD-F5F1-0558C78C0E4D}"/>
               </a:ext>
             </a:extLst>
           </p:cNvPr>
@@ -13345,13 +13258,6 @@
   <p:clrMapOvr>
     <a:masterClrMapping/>
   </p:clrMapOvr>
-  <p:timing>
-    <p:tnLst>
-      <p:par>
-        <p:cTn id="1" dur="indefinite" restart="never" nodeType="tmRoot"/>
-      </p:par>
-    </p:tnLst>
-  </p:timing>
 </p:sld>
 </file>
 
@@ -13377,7 +13283,7 @@
           <p:cNvPr id="4" name="TextBox 3">
             <a:extLst>
               <a:ext uri="{FF2B5EF4-FFF2-40B4-BE49-F238E27FC236}">
-                <a16:creationId xmlns="" xmlns:a16="http://schemas.microsoft.com/office/drawing/2014/main" id="{AAA7A62B-B663-9BB3-853E-37554E612635}"/>
+                <a16:creationId xmlns:a16="http://schemas.microsoft.com/office/drawing/2014/main" id="{AAA7A62B-B663-9BB3-853E-37554E612635}"/>
               </a:ext>
             </a:extLst>
           </p:cNvPr>
@@ -13483,7 +13389,7 @@
           <p:cNvPr id="7" name="TextBox 6">
             <a:extLst>
               <a:ext uri="{FF2B5EF4-FFF2-40B4-BE49-F238E27FC236}">
-                <a16:creationId xmlns="" xmlns:a16="http://schemas.microsoft.com/office/drawing/2014/main" id="{C6D113C6-EA5C-788F-0C77-E7CE6EBB865F}"/>
+                <a16:creationId xmlns:a16="http://schemas.microsoft.com/office/drawing/2014/main" id="{C6D113C6-EA5C-788F-0C77-E7CE6EBB865F}"/>
               </a:ext>
             </a:extLst>
           </p:cNvPr>
@@ -13574,7 +13480,7 @@
           <p:cNvPr id="3" name="그림 2">
             <a:extLst>
               <a:ext uri="{FF2B5EF4-FFF2-40B4-BE49-F238E27FC236}">
-                <a16:creationId xmlns="" xmlns:a16="http://schemas.microsoft.com/office/drawing/2014/main" id="{C51CB23B-D151-B405-7C38-7A547E2BC2B9}"/>
+                <a16:creationId xmlns:a16="http://schemas.microsoft.com/office/drawing/2014/main" id="{C51CB23B-D151-B405-7C38-7A547E2BC2B9}"/>
               </a:ext>
             </a:extLst>
           </p:cNvPr>
@@ -13604,7 +13510,7 @@
           <p:cNvPr id="9" name="그림 8">
             <a:extLst>
               <a:ext uri="{FF2B5EF4-FFF2-40B4-BE49-F238E27FC236}">
-                <a16:creationId xmlns="" xmlns:a16="http://schemas.microsoft.com/office/drawing/2014/main" id="{7D610FE0-1B3C-8685-E698-C503F01B23A8}"/>
+                <a16:creationId xmlns:a16="http://schemas.microsoft.com/office/drawing/2014/main" id="{7D610FE0-1B3C-8685-E698-C503F01B23A8}"/>
               </a:ext>
             </a:extLst>
           </p:cNvPr>
@@ -13859,7 +13765,7 @@
           <p:cNvPr id="2" name="TextBox 1">
             <a:extLst>
               <a:ext uri="{FF2B5EF4-FFF2-40B4-BE49-F238E27FC236}">
-                <a16:creationId xmlns="" xmlns:a16="http://schemas.microsoft.com/office/drawing/2014/main" id="{AAA7A62B-B663-9BB3-853E-37554E612635}"/>
+                <a16:creationId xmlns:a16="http://schemas.microsoft.com/office/drawing/2014/main" id="{AAA7A62B-B663-9BB3-853E-37554E612635}"/>
               </a:ext>
             </a:extLst>
           </p:cNvPr>
@@ -13883,7 +13789,7 @@
           <a:lstStyle/>
           <a:p>
             <a:r>
-              <a:rPr lang="ko-KR" altLang="en-US" sz="4800" smtClean="0">
+              <a:rPr lang="ko-KR" altLang="en-US" sz="4800">
                 <a:solidFill>
                   <a:srgbClr val="4C50BC"/>
                 </a:solidFill>
@@ -13893,7 +13799,7 @@
               <a:t>향상된 </a:t>
             </a:r>
             <a:r>
-              <a:rPr lang="en-US" altLang="ko-KR" sz="4800" smtClean="0">
+              <a:rPr lang="en-US" altLang="ko-KR" sz="4800">
                 <a:solidFill>
                   <a:srgbClr val="4C50BC"/>
                 </a:solidFill>
@@ -13903,7 +13809,7 @@
               <a:t>for</a:t>
             </a:r>
             <a:r>
-              <a:rPr lang="ko-KR" altLang="en-US" sz="4800" smtClean="0">
+              <a:rPr lang="ko-KR" altLang="en-US" sz="4800">
                 <a:solidFill>
                   <a:srgbClr val="4C50BC"/>
                 </a:solidFill>
@@ -13913,7 +13819,7 @@
               <a:t>문</a:t>
             </a:r>
             <a:r>
-              <a:rPr lang="en-US" altLang="ko-KR" sz="4800" smtClean="0">
+              <a:rPr lang="en-US" altLang="ko-KR" sz="4800">
                 <a:solidFill>
                   <a:srgbClr val="4C50BC"/>
                 </a:solidFill>
@@ -13961,7 +13867,7 @@
           <p:cNvPr id="4" name="그룹 1008">
             <a:extLst>
               <a:ext uri="{FF2B5EF4-FFF2-40B4-BE49-F238E27FC236}">
-                <a16:creationId xmlns="" xmlns:a16="http://schemas.microsoft.com/office/drawing/2014/main" id="{678F6342-C505-E8AD-ADA4-022CB2C2088E}"/>
+                <a16:creationId xmlns:a16="http://schemas.microsoft.com/office/drawing/2014/main" id="{678F6342-C505-E8AD-ADA4-022CB2C2088E}"/>
               </a:ext>
             </a:extLst>
           </p:cNvPr>
@@ -13981,7 +13887,7 @@
             <p:cNvPr id="5" name="그룹 1009">
               <a:extLst>
                 <a:ext uri="{FF2B5EF4-FFF2-40B4-BE49-F238E27FC236}">
-                  <a16:creationId xmlns="" xmlns:a16="http://schemas.microsoft.com/office/drawing/2014/main" id="{4E1F1FED-812B-9BBB-925A-84B54A077414}"/>
+                  <a16:creationId xmlns:a16="http://schemas.microsoft.com/office/drawing/2014/main" id="{4E1F1FED-812B-9BBB-925A-84B54A077414}"/>
                 </a:ext>
               </a:extLst>
             </p:cNvPr>
@@ -14001,7 +13907,7 @@
               <p:cNvPr id="10" name="Object 29">
                 <a:extLst>
                   <a:ext uri="{FF2B5EF4-FFF2-40B4-BE49-F238E27FC236}">
-                    <a16:creationId xmlns="" xmlns:a16="http://schemas.microsoft.com/office/drawing/2014/main" id="{7B078609-4286-7B00-51EB-809C8E2DE289}"/>
+                    <a16:creationId xmlns:a16="http://schemas.microsoft.com/office/drawing/2014/main" id="{7B078609-4286-7B00-51EB-809C8E2DE289}"/>
                   </a:ext>
                 </a:extLst>
               </p:cNvPr>
@@ -14032,7 +13938,7 @@
             <p:cNvPr id="6" name="그룹 1010">
               <a:extLst>
                 <a:ext uri="{FF2B5EF4-FFF2-40B4-BE49-F238E27FC236}">
-                  <a16:creationId xmlns="" xmlns:a16="http://schemas.microsoft.com/office/drawing/2014/main" id="{02A649BF-B5B5-FBAF-7DFD-E118A4DF8907}"/>
+                  <a16:creationId xmlns:a16="http://schemas.microsoft.com/office/drawing/2014/main" id="{02A649BF-B5B5-FBAF-7DFD-E118A4DF8907}"/>
                 </a:ext>
               </a:extLst>
             </p:cNvPr>
@@ -14052,7 +13958,7 @@
               <p:cNvPr id="9" name="Object 32">
                 <a:extLst>
                   <a:ext uri="{FF2B5EF4-FFF2-40B4-BE49-F238E27FC236}">
-                    <a16:creationId xmlns="" xmlns:a16="http://schemas.microsoft.com/office/drawing/2014/main" id="{2A0FFF23-B3C9-3EA0-1C1B-A87D4FF098AE}"/>
+                    <a16:creationId xmlns:a16="http://schemas.microsoft.com/office/drawing/2014/main" id="{2A0FFF23-B3C9-3EA0-1C1B-A87D4FF098AE}"/>
                   </a:ext>
                 </a:extLst>
               </p:cNvPr>
@@ -14083,7 +13989,7 @@
             <p:cNvPr id="7" name="그룹 1011">
               <a:extLst>
                 <a:ext uri="{FF2B5EF4-FFF2-40B4-BE49-F238E27FC236}">
-                  <a16:creationId xmlns="" xmlns:a16="http://schemas.microsoft.com/office/drawing/2014/main" id="{881F5410-F7FB-F261-A584-707359BAC593}"/>
+                  <a16:creationId xmlns:a16="http://schemas.microsoft.com/office/drawing/2014/main" id="{881F5410-F7FB-F261-A584-707359BAC593}"/>
                 </a:ext>
               </a:extLst>
             </p:cNvPr>
@@ -14103,7 +14009,7 @@
               <p:cNvPr id="8" name="Object 35">
                 <a:extLst>
                   <a:ext uri="{FF2B5EF4-FFF2-40B4-BE49-F238E27FC236}">
-                    <a16:creationId xmlns="" xmlns:a16="http://schemas.microsoft.com/office/drawing/2014/main" id="{4E99E669-73EB-F9F4-EFE8-DC107035C265}"/>
+                    <a16:creationId xmlns:a16="http://schemas.microsoft.com/office/drawing/2014/main" id="{4E99E669-73EB-F9F4-EFE8-DC107035C265}"/>
                   </a:ext>
                 </a:extLst>
               </p:cNvPr>
@@ -14135,7 +14041,7 @@
           <p:cNvPr id="11" name="TextBox 10">
             <a:extLst>
               <a:ext uri="{FF2B5EF4-FFF2-40B4-BE49-F238E27FC236}">
-                <a16:creationId xmlns="" xmlns:a16="http://schemas.microsoft.com/office/drawing/2014/main" id="{C6D113C6-EA5C-788F-0C77-E7CE6EBB865F}"/>
+                <a16:creationId xmlns:a16="http://schemas.microsoft.com/office/drawing/2014/main" id="{C6D113C6-EA5C-788F-0C77-E7CE6EBB865F}"/>
               </a:ext>
             </a:extLst>
           </p:cNvPr>
@@ -14159,7 +14065,7 @@
           <a:lstStyle/>
           <a:p>
             <a:r>
-              <a:rPr lang="ko-KR" altLang="en-US" sz="3600" smtClean="0">
+              <a:rPr lang="ko-KR" altLang="en-US" sz="3600">
                 <a:solidFill>
                   <a:srgbClr val="FF0000"/>
                 </a:solidFill>
@@ -14169,7 +14075,7 @@
               <a:t>기존의 </a:t>
             </a:r>
             <a:r>
-              <a:rPr lang="en-US" altLang="ko-KR" sz="3600" smtClean="0">
+              <a:rPr lang="en-US" altLang="ko-KR" sz="3600">
                 <a:solidFill>
                   <a:srgbClr val="FF0000"/>
                 </a:solidFill>
@@ -14179,7 +14085,7 @@
               <a:t>For</a:t>
             </a:r>
             <a:r>
-              <a:rPr lang="ko-KR" altLang="en-US" sz="3600" smtClean="0">
+              <a:rPr lang="ko-KR" altLang="en-US" sz="3600">
                 <a:solidFill>
                   <a:srgbClr val="FF0000"/>
                 </a:solidFill>
@@ -14199,7 +14105,7 @@
               <a:t> </a:t>
             </a:r>
             <a:r>
-              <a:rPr lang="ko-KR" altLang="en-US" sz="3600" smtClean="0">
+              <a:rPr lang="ko-KR" altLang="en-US" sz="3600">
                 <a:solidFill>
                   <a:srgbClr val="FF0000"/>
                 </a:solidFill>
@@ -14247,7 +14153,7 @@
           <p:cNvPr id="13" name="TextBox 12">
             <a:extLst>
               <a:ext uri="{FF2B5EF4-FFF2-40B4-BE49-F238E27FC236}">
-                <a16:creationId xmlns="" xmlns:a16="http://schemas.microsoft.com/office/drawing/2014/main" id="{C6D113C6-EA5C-788F-0C77-E7CE6EBB865F}"/>
+                <a16:creationId xmlns:a16="http://schemas.microsoft.com/office/drawing/2014/main" id="{C6D113C6-EA5C-788F-0C77-E7CE6EBB865F}"/>
               </a:ext>
             </a:extLst>
           </p:cNvPr>
@@ -14271,7 +14177,7 @@
           <a:lstStyle/>
           <a:p>
             <a:r>
-              <a:rPr lang="ko-KR" altLang="en-US" sz="3600" smtClean="0">
+              <a:rPr lang="ko-KR" altLang="en-US" sz="3600">
                 <a:solidFill>
                   <a:srgbClr val="FF0000"/>
                 </a:solidFill>
@@ -14281,7 +14187,7 @@
               <a:t>배열을 순차접근하는 목적이라면 향상된 </a:t>
             </a:r>
             <a:r>
-              <a:rPr lang="en-US" altLang="ko-KR" sz="3600" smtClean="0">
+              <a:rPr lang="en-US" altLang="ko-KR" sz="3600">
                 <a:solidFill>
                   <a:srgbClr val="FF0000"/>
                 </a:solidFill>
@@ -14291,7 +14197,7 @@
               <a:t>for</a:t>
             </a:r>
             <a:r>
-              <a:rPr lang="ko-KR" altLang="en-US" sz="3600" smtClean="0">
+              <a:rPr lang="ko-KR" altLang="en-US" sz="3600">
                 <a:solidFill>
                   <a:srgbClr val="FF0000"/>
                 </a:solidFill>
@@ -14301,7 +14207,7 @@
               <a:t>문을 사용하자</a:t>
             </a:r>
             <a:r>
-              <a:rPr lang="en-US" altLang="ko-KR" sz="3600" smtClean="0">
+              <a:rPr lang="en-US" altLang="ko-KR" sz="3600">
                 <a:solidFill>
                   <a:srgbClr val="FF0000"/>
                 </a:solidFill>
@@ -14495,7 +14401,7 @@
           <p:cNvPr id="4" name="Object 1">
             <a:extLst>
               <a:ext uri="{FF2B5EF4-FFF2-40B4-BE49-F238E27FC236}">
-                <a16:creationId xmlns="" xmlns:a16="http://schemas.microsoft.com/office/drawing/2014/main" id="{B0329035-BE76-33A8-0F2E-44624FCC1DED}"/>
+                <a16:creationId xmlns:a16="http://schemas.microsoft.com/office/drawing/2014/main" id="{B0329035-BE76-33A8-0F2E-44624FCC1DED}"/>
               </a:ext>
             </a:extLst>
           </p:cNvPr>
@@ -14525,7 +14431,7 @@
           <p:cNvPr id="7" name="그룹 1001">
             <a:extLst>
               <a:ext uri="{FF2B5EF4-FFF2-40B4-BE49-F238E27FC236}">
-                <a16:creationId xmlns="" xmlns:a16="http://schemas.microsoft.com/office/drawing/2014/main" id="{CD24CE9D-AC18-B6CD-F397-7E8E03D6FE26}"/>
+                <a16:creationId xmlns:a16="http://schemas.microsoft.com/office/drawing/2014/main" id="{CD24CE9D-AC18-B6CD-F397-7E8E03D6FE26}"/>
               </a:ext>
             </a:extLst>
           </p:cNvPr>
@@ -14545,7 +14451,7 @@
             <p:cNvPr id="8" name="Object 5">
               <a:extLst>
                 <a:ext uri="{FF2B5EF4-FFF2-40B4-BE49-F238E27FC236}">
-                  <a16:creationId xmlns="" xmlns:a16="http://schemas.microsoft.com/office/drawing/2014/main" id="{0EEF25E8-3BA8-EBAA-6DC2-66D70C3F9F4D}"/>
+                  <a16:creationId xmlns:a16="http://schemas.microsoft.com/office/drawing/2014/main" id="{0EEF25E8-3BA8-EBAA-6DC2-66D70C3F9F4D}"/>
                 </a:ext>
               </a:extLst>
             </p:cNvPr>
@@ -14576,7 +14482,7 @@
           <p:cNvPr id="9" name="그룹 1002">
             <a:extLst>
               <a:ext uri="{FF2B5EF4-FFF2-40B4-BE49-F238E27FC236}">
-                <a16:creationId xmlns="" xmlns:a16="http://schemas.microsoft.com/office/drawing/2014/main" id="{0F281BC9-DE1F-D1FE-E64C-C4640398F00C}"/>
+                <a16:creationId xmlns:a16="http://schemas.microsoft.com/office/drawing/2014/main" id="{0F281BC9-DE1F-D1FE-E64C-C4640398F00C}"/>
               </a:ext>
             </a:extLst>
           </p:cNvPr>
@@ -14596,7 +14502,7 @@
             <p:cNvPr id="10" name="Object 8">
               <a:extLst>
                 <a:ext uri="{FF2B5EF4-FFF2-40B4-BE49-F238E27FC236}">
-                  <a16:creationId xmlns="" xmlns:a16="http://schemas.microsoft.com/office/drawing/2014/main" id="{F669DCEF-04BB-7046-3F7F-5B513213556E}"/>
+                  <a16:creationId xmlns:a16="http://schemas.microsoft.com/office/drawing/2014/main" id="{F669DCEF-04BB-7046-3F7F-5B513213556E}"/>
                 </a:ext>
               </a:extLst>
             </p:cNvPr>
@@ -14627,7 +14533,7 @@
           <p:cNvPr id="11" name="그룹 1003">
             <a:extLst>
               <a:ext uri="{FF2B5EF4-FFF2-40B4-BE49-F238E27FC236}">
-                <a16:creationId xmlns="" xmlns:a16="http://schemas.microsoft.com/office/drawing/2014/main" id="{1F91EEF9-13EA-BB7F-B056-D35E7DB989AC}"/>
+                <a16:creationId xmlns:a16="http://schemas.microsoft.com/office/drawing/2014/main" id="{1F91EEF9-13EA-BB7F-B056-D35E7DB989AC}"/>
               </a:ext>
             </a:extLst>
           </p:cNvPr>
@@ -14647,7 +14553,7 @@
             <p:cNvPr id="12" name="Object 11">
               <a:extLst>
                 <a:ext uri="{FF2B5EF4-FFF2-40B4-BE49-F238E27FC236}">
-                  <a16:creationId xmlns="" xmlns:a16="http://schemas.microsoft.com/office/drawing/2014/main" id="{2CFFB217-AEFB-2C9E-5F86-6EE19510FFC6}"/>
+                  <a16:creationId xmlns:a16="http://schemas.microsoft.com/office/drawing/2014/main" id="{2CFFB217-AEFB-2C9E-5F86-6EE19510FFC6}"/>
                 </a:ext>
               </a:extLst>
             </p:cNvPr>
@@ -14678,7 +14584,7 @@
           <p:cNvPr id="13" name="그룹 1004">
             <a:extLst>
               <a:ext uri="{FF2B5EF4-FFF2-40B4-BE49-F238E27FC236}">
-                <a16:creationId xmlns="" xmlns:a16="http://schemas.microsoft.com/office/drawing/2014/main" id="{123B9C7E-94E8-E7E1-81BE-D59EA0299187}"/>
+                <a16:creationId xmlns:a16="http://schemas.microsoft.com/office/drawing/2014/main" id="{123B9C7E-94E8-E7E1-81BE-D59EA0299187}"/>
               </a:ext>
             </a:extLst>
           </p:cNvPr>
@@ -14698,7 +14604,7 @@
             <p:cNvPr id="14" name="Object 14">
               <a:extLst>
                 <a:ext uri="{FF2B5EF4-FFF2-40B4-BE49-F238E27FC236}">
-                  <a16:creationId xmlns="" xmlns:a16="http://schemas.microsoft.com/office/drawing/2014/main" id="{B6291552-2D89-A79F-7ACD-EA0EF9A4C389}"/>
+                  <a16:creationId xmlns:a16="http://schemas.microsoft.com/office/drawing/2014/main" id="{B6291552-2D89-A79F-7ACD-EA0EF9A4C389}"/>
                 </a:ext>
               </a:extLst>
             </p:cNvPr>
@@ -14729,7 +14635,7 @@
           <p:cNvPr id="15" name="TextBox 14">
             <a:extLst>
               <a:ext uri="{FF2B5EF4-FFF2-40B4-BE49-F238E27FC236}">
-                <a16:creationId xmlns="" xmlns:a16="http://schemas.microsoft.com/office/drawing/2014/main" id="{7D99763A-FC24-23F5-5BA9-D7B042E0F323}"/>
+                <a16:creationId xmlns:a16="http://schemas.microsoft.com/office/drawing/2014/main" id="{7D99763A-FC24-23F5-5BA9-D7B042E0F323}"/>
               </a:ext>
             </a:extLst>
           </p:cNvPr>
@@ -14753,7 +14659,7 @@
           <a:lstStyle/>
           <a:p>
             <a:r>
-              <a:rPr lang="ko-KR" altLang="en-US" sz="6600" smtClean="0">
+              <a:rPr lang="ko-KR" altLang="en-US" sz="6600">
                 <a:solidFill>
                   <a:schemeClr val="bg1"/>
                 </a:solidFill>
@@ -14782,13 +14688,6 @@
   <p:clrMapOvr>
     <a:masterClrMapping/>
   </p:clrMapOvr>
-  <p:timing>
-    <p:tnLst>
-      <p:par>
-        <p:cTn id="1" dur="indefinite" restart="never" nodeType="tmRoot"/>
-      </p:par>
-    </p:tnLst>
-  </p:timing>
 </p:sld>
 </file>
 
@@ -14814,7 +14713,7 @@
           <p:cNvPr id="4" name="TextBox 3">
             <a:extLst>
               <a:ext uri="{FF2B5EF4-FFF2-40B4-BE49-F238E27FC236}">
-                <a16:creationId xmlns="" xmlns:a16="http://schemas.microsoft.com/office/drawing/2014/main" id="{AAA7A62B-B663-9BB3-853E-37554E612635}"/>
+                <a16:creationId xmlns:a16="http://schemas.microsoft.com/office/drawing/2014/main" id="{AAA7A62B-B663-9BB3-853E-37554E612635}"/>
               </a:ext>
             </a:extLst>
           </p:cNvPr>
@@ -14838,7 +14737,7 @@
           <a:lstStyle/>
           <a:p>
             <a:r>
-              <a:rPr lang="en-US" altLang="ko-KR" sz="4800" smtClean="0">
+              <a:rPr lang="en-US" altLang="ko-KR" sz="4800">
                 <a:solidFill>
                   <a:srgbClr val="4C50BC"/>
                 </a:solidFill>
@@ -14848,7 +14747,7 @@
               <a:t>2</a:t>
             </a:r>
             <a:r>
-              <a:rPr lang="ko-KR" altLang="en-US" sz="4800" smtClean="0">
+              <a:rPr lang="ko-KR" altLang="en-US" sz="4800">
                 <a:solidFill>
                   <a:srgbClr val="4C50BC"/>
                 </a:solidFill>
@@ -14964,9 +14863,27 @@
                 <a:tableStyleId>{5C22544A-7EE6-4342-B048-85BDC9FD1C3A}</a:tableStyleId>
               </a:tblPr>
               <a:tblGrid>
-                <a:gridCol w="1295400"/>
-                <a:gridCol w="1066800"/>
-                <a:gridCol w="1066800"/>
+                <a:gridCol w="1295400">
+                  <a:extLst>
+                    <a:ext uri="{9D8B030D-6E8A-4147-A177-3AD203B41FA5}">
+                      <a16:colId xmlns:a16="http://schemas.microsoft.com/office/drawing/2014/main" val="20000"/>
+                    </a:ext>
+                  </a:extLst>
+                </a:gridCol>
+                <a:gridCol w="1066800">
+                  <a:extLst>
+                    <a:ext uri="{9D8B030D-6E8A-4147-A177-3AD203B41FA5}">
+                      <a16:colId xmlns:a16="http://schemas.microsoft.com/office/drawing/2014/main" val="20001"/>
+                    </a:ext>
+                  </a:extLst>
+                </a:gridCol>
+                <a:gridCol w="1066800">
+                  <a:extLst>
+                    <a:ext uri="{9D8B030D-6E8A-4147-A177-3AD203B41FA5}">
+                      <a16:colId xmlns:a16="http://schemas.microsoft.com/office/drawing/2014/main" val="20002"/>
+                    </a:ext>
+                  </a:extLst>
+                </a:gridCol>
               </a:tblGrid>
               <a:tr h="511629">
                 <a:tc>
@@ -14976,7 +14893,7 @@
                     <a:p>
                       <a:pPr latinLnBrk="1"/>
                       <a:r>
-                        <a:rPr lang="en-US" altLang="ko-KR" smtClean="0">
+                        <a:rPr lang="en-US" altLang="ko-KR">
                           <a:solidFill>
                             <a:schemeClr val="tx1">
                               <a:lumMod val="65000"/>
@@ -15043,7 +14960,7 @@
                     <a:p>
                       <a:pPr latinLnBrk="1"/>
                       <a:r>
-                        <a:rPr lang="en-US" altLang="ko-KR" smtClean="0">
+                        <a:rPr lang="en-US" altLang="ko-KR">
                           <a:solidFill>
                             <a:schemeClr val="tx1">
                               <a:lumMod val="65000"/>
@@ -15126,7 +15043,7 @@
                         <a:defRPr/>
                       </a:pPr>
                       <a:r>
-                        <a:rPr lang="en-US" altLang="ko-KR" smtClean="0">
+                        <a:rPr lang="en-US" altLang="ko-KR">
                           <a:solidFill>
                             <a:schemeClr val="tx1">
                               <a:lumMod val="65000"/>
@@ -15136,7 +15053,7 @@
                         </a:rPr>
                         <a:t>int</a:t>
                       </a:r>
-                      <a:endParaRPr lang="ko-KR" altLang="en-US" smtClean="0">
+                      <a:endParaRPr lang="ko-KR" altLang="en-US">
                         <a:solidFill>
                           <a:schemeClr val="tx1">
                             <a:lumMod val="65000"/>
@@ -15186,6 +15103,11 @@
                     <a:noFill/>
                   </a:tcPr>
                 </a:tc>
+                <a:extLst>
+                  <a:ext uri="{0D108BD9-81ED-4DB2-BD59-A6C34878D82A}">
+                    <a16:rowId xmlns:a16="http://schemas.microsoft.com/office/drawing/2014/main" val="10000"/>
+                  </a:ext>
+                </a:extLst>
               </a:tr>
               <a:tr h="511629">
                 <a:tc>
@@ -15195,7 +15117,7 @@
                     <a:p>
                       <a:pPr latinLnBrk="1"/>
                       <a:r>
-                        <a:rPr lang="en-US" altLang="ko-KR" smtClean="0">
+                        <a:rPr lang="en-US" altLang="ko-KR">
                           <a:solidFill>
                             <a:schemeClr val="tx1">
                               <a:lumMod val="65000"/>
@@ -15262,7 +15184,7 @@
                     <a:p>
                       <a:pPr latinLnBrk="1"/>
                       <a:r>
-                        <a:rPr lang="en-US" altLang="ko-KR" smtClean="0">
+                        <a:rPr lang="en-US" altLang="ko-KR">
                           <a:solidFill>
                             <a:schemeClr val="tx1">
                               <a:lumMod val="65000"/>
@@ -15345,7 +15267,7 @@
                         <a:defRPr/>
                       </a:pPr>
                       <a:r>
-                        <a:rPr lang="en-US" altLang="ko-KR" smtClean="0">
+                        <a:rPr lang="en-US" altLang="ko-KR">
                           <a:solidFill>
                             <a:schemeClr val="tx1">
                               <a:lumMod val="65000"/>
@@ -15355,7 +15277,7 @@
                         </a:rPr>
                         <a:t>int</a:t>
                       </a:r>
-                      <a:endParaRPr lang="ko-KR" altLang="en-US" smtClean="0">
+                      <a:endParaRPr lang="ko-KR" altLang="en-US">
                         <a:solidFill>
                           <a:schemeClr val="tx1">
                             <a:lumMod val="65000"/>
@@ -15405,6 +15327,11 @@
                     <a:noFill/>
                   </a:tcPr>
                 </a:tc>
+                <a:extLst>
+                  <a:ext uri="{0D108BD9-81ED-4DB2-BD59-A6C34878D82A}">
+                    <a16:rowId xmlns:a16="http://schemas.microsoft.com/office/drawing/2014/main" val="10001"/>
+                  </a:ext>
+                </a:extLst>
               </a:tr>
               <a:tr h="511629">
                 <a:tc>
@@ -15414,7 +15341,7 @@
                     <a:p>
                       <a:pPr latinLnBrk="1"/>
                       <a:r>
-                        <a:rPr lang="en-US" altLang="ko-KR" smtClean="0">
+                        <a:rPr lang="en-US" altLang="ko-KR">
                           <a:solidFill>
                             <a:schemeClr val="tx1">
                               <a:lumMod val="65000"/>
@@ -15481,7 +15408,7 @@
                     <a:p>
                       <a:pPr latinLnBrk="1"/>
                       <a:r>
-                        <a:rPr lang="en-US" altLang="ko-KR" smtClean="0">
+                        <a:rPr lang="en-US" altLang="ko-KR">
                           <a:solidFill>
                             <a:schemeClr val="tx1">
                               <a:lumMod val="65000"/>
@@ -15564,7 +15491,7 @@
                         <a:defRPr/>
                       </a:pPr>
                       <a:r>
-                        <a:rPr lang="en-US" altLang="ko-KR" smtClean="0">
+                        <a:rPr lang="en-US" altLang="ko-KR">
                           <a:solidFill>
                             <a:schemeClr val="tx1">
                               <a:lumMod val="65000"/>
@@ -15574,7 +15501,7 @@
                         </a:rPr>
                         <a:t>int</a:t>
                       </a:r>
-                      <a:endParaRPr lang="ko-KR" altLang="en-US" smtClean="0">
+                      <a:endParaRPr lang="ko-KR" altLang="en-US">
                         <a:solidFill>
                           <a:schemeClr val="tx1">
                             <a:lumMod val="65000"/>
@@ -15624,6 +15551,11 @@
                     <a:noFill/>
                   </a:tcPr>
                 </a:tc>
+                <a:extLst>
+                  <a:ext uri="{0D108BD9-81ED-4DB2-BD59-A6C34878D82A}">
+                    <a16:rowId xmlns:a16="http://schemas.microsoft.com/office/drawing/2014/main" val="10002"/>
+                  </a:ext>
+                </a:extLst>
               </a:tr>
               <a:tr h="511629">
                 <a:tc>
@@ -15633,7 +15565,7 @@
                     <a:p>
                       <a:pPr latinLnBrk="1"/>
                       <a:r>
-                        <a:rPr lang="en-US" altLang="ko-KR" smtClean="0">
+                        <a:rPr lang="en-US" altLang="ko-KR">
                           <a:solidFill>
                             <a:schemeClr val="tx1">
                               <a:lumMod val="65000"/>
@@ -15700,7 +15632,7 @@
                     <a:p>
                       <a:pPr latinLnBrk="1"/>
                       <a:r>
-                        <a:rPr lang="en-US" altLang="ko-KR" smtClean="0">
+                        <a:rPr lang="en-US" altLang="ko-KR">
                           <a:solidFill>
                             <a:schemeClr val="tx1">
                               <a:lumMod val="65000"/>
@@ -15783,7 +15715,7 @@
                         <a:defRPr/>
                       </a:pPr>
                       <a:r>
-                        <a:rPr lang="en-US" altLang="ko-KR" smtClean="0">
+                        <a:rPr lang="en-US" altLang="ko-KR">
                           <a:solidFill>
                             <a:schemeClr val="tx1">
                               <a:lumMod val="65000"/>
@@ -15793,7 +15725,7 @@
                         </a:rPr>
                         <a:t>int</a:t>
                       </a:r>
-                      <a:endParaRPr lang="ko-KR" altLang="en-US" smtClean="0">
+                      <a:endParaRPr lang="ko-KR" altLang="en-US">
                         <a:solidFill>
                           <a:schemeClr val="tx1">
                             <a:lumMod val="65000"/>
@@ -15843,6 +15775,11 @@
                     <a:noFill/>
                   </a:tcPr>
                 </a:tc>
+                <a:extLst>
+                  <a:ext uri="{0D108BD9-81ED-4DB2-BD59-A6C34878D82A}">
+                    <a16:rowId xmlns:a16="http://schemas.microsoft.com/office/drawing/2014/main" val="10003"/>
+                  </a:ext>
+                </a:extLst>
               </a:tr>
               <a:tr h="511629">
                 <a:tc>
@@ -15852,7 +15789,7 @@
                     <a:p>
                       <a:pPr latinLnBrk="1"/>
                       <a:r>
-                        <a:rPr lang="en-US" altLang="ko-KR" smtClean="0">
+                        <a:rPr lang="en-US" altLang="ko-KR">
                           <a:solidFill>
                             <a:schemeClr val="tx1">
                               <a:lumMod val="65000"/>
@@ -15919,7 +15856,7 @@
                     <a:p>
                       <a:pPr latinLnBrk="1"/>
                       <a:r>
-                        <a:rPr lang="en-US" altLang="ko-KR" smtClean="0">
+                        <a:rPr lang="en-US" altLang="ko-KR">
                           <a:solidFill>
                             <a:schemeClr val="tx1">
                               <a:lumMod val="65000"/>
@@ -16002,7 +15939,7 @@
                         <a:defRPr/>
                       </a:pPr>
                       <a:r>
-                        <a:rPr lang="en-US" altLang="ko-KR" smtClean="0">
+                        <a:rPr lang="en-US" altLang="ko-KR">
                           <a:solidFill>
                             <a:schemeClr val="tx1">
                               <a:lumMod val="65000"/>
@@ -16012,7 +15949,7 @@
                         </a:rPr>
                         <a:t>int</a:t>
                       </a:r>
-                      <a:endParaRPr lang="ko-KR" altLang="en-US" smtClean="0">
+                      <a:endParaRPr lang="ko-KR" altLang="en-US">
                         <a:solidFill>
                           <a:schemeClr val="tx1">
                             <a:lumMod val="65000"/>
@@ -16062,6 +15999,11 @@
                     <a:noFill/>
                   </a:tcPr>
                 </a:tc>
+                <a:extLst>
+                  <a:ext uri="{0D108BD9-81ED-4DB2-BD59-A6C34878D82A}">
+                    <a16:rowId xmlns:a16="http://schemas.microsoft.com/office/drawing/2014/main" val="10004"/>
+                  </a:ext>
+                </a:extLst>
               </a:tr>
             </a:tbl>
           </a:graphicData>
@@ -16072,7 +16014,7 @@
           <p:cNvPr id="9" name="TextBox 8">
             <a:extLst>
               <a:ext uri="{FF2B5EF4-FFF2-40B4-BE49-F238E27FC236}">
-                <a16:creationId xmlns="" xmlns:a16="http://schemas.microsoft.com/office/drawing/2014/main" id="{C6D113C6-EA5C-788F-0C77-E7CE6EBB865F}"/>
+                <a16:creationId xmlns:a16="http://schemas.microsoft.com/office/drawing/2014/main" id="{C6D113C6-EA5C-788F-0C77-E7CE6EBB865F}"/>
               </a:ext>
             </a:extLst>
           </p:cNvPr>
@@ -16096,7 +16038,7 @@
           <a:lstStyle/>
           <a:p>
             <a:r>
-              <a:rPr lang="ko-KR" altLang="en-US" sz="4000" smtClean="0">
+              <a:rPr lang="ko-KR" altLang="en-US" sz="4000">
                 <a:solidFill>
                   <a:srgbClr val="FF0000"/>
                 </a:solidFill>
@@ -16106,7 +16048,7 @@
               <a:t>길이</a:t>
             </a:r>
             <a:r>
-              <a:rPr lang="en-US" altLang="ko-KR" sz="4000" smtClean="0">
+              <a:rPr lang="en-US" altLang="ko-KR" sz="4000">
                 <a:solidFill>
                   <a:srgbClr val="FF0000"/>
                 </a:solidFill>
@@ -16116,7 +16058,7 @@
               <a:t>3</a:t>
             </a:r>
             <a:r>
-              <a:rPr lang="ko-KR" altLang="en-US" sz="4000" smtClean="0">
+              <a:rPr lang="ko-KR" altLang="en-US" sz="4000">
                 <a:solidFill>
                   <a:srgbClr val="FF0000"/>
                 </a:solidFill>
@@ -16126,7 +16068,7 @@
               <a:t>의 배열을 저장하는 길이</a:t>
             </a:r>
             <a:r>
-              <a:rPr lang="en-US" altLang="ko-KR" sz="4000" smtClean="0">
+              <a:rPr lang="en-US" altLang="ko-KR" sz="4000">
                 <a:solidFill>
                   <a:srgbClr val="FF0000"/>
                 </a:solidFill>
@@ -16136,7 +16078,7 @@
               <a:t>5</a:t>
             </a:r>
             <a:r>
-              <a:rPr lang="ko-KR" altLang="en-US" sz="4000" smtClean="0">
+              <a:rPr lang="ko-KR" altLang="en-US" sz="4000">
                 <a:solidFill>
                   <a:srgbClr val="FF0000"/>
                 </a:solidFill>
@@ -16160,7 +16102,7 @@
           <p:cNvPr id="10" name="TextBox 9">
             <a:extLst>
               <a:ext uri="{FF2B5EF4-FFF2-40B4-BE49-F238E27FC236}">
-                <a16:creationId xmlns="" xmlns:a16="http://schemas.microsoft.com/office/drawing/2014/main" id="{C6D113C6-EA5C-788F-0C77-E7CE6EBB865F}"/>
+                <a16:creationId xmlns:a16="http://schemas.microsoft.com/office/drawing/2014/main" id="{C6D113C6-EA5C-788F-0C77-E7CE6EBB865F}"/>
               </a:ext>
             </a:extLst>
           </p:cNvPr>
@@ -16184,7 +16126,7 @@
           <a:lstStyle/>
           <a:p>
             <a:r>
-              <a:rPr lang="en-US" altLang="ko-KR" sz="4000" smtClean="0">
+              <a:rPr lang="en-US" altLang="ko-KR" sz="4000">
                 <a:solidFill>
                   <a:srgbClr val="FF0000"/>
                 </a:solidFill>
@@ -16194,7 +16136,7 @@
               <a:t>3</a:t>
             </a:r>
             <a:r>
-              <a:rPr lang="ko-KR" altLang="en-US" sz="4000" smtClean="0">
+              <a:rPr lang="ko-KR" altLang="en-US" sz="4000">
                 <a:solidFill>
                   <a:srgbClr val="FF0000"/>
                 </a:solidFill>
@@ -16218,7 +16160,7 @@
           <p:cNvPr id="11" name="TextBox 10">
             <a:extLst>
               <a:ext uri="{FF2B5EF4-FFF2-40B4-BE49-F238E27FC236}">
-                <a16:creationId xmlns="" xmlns:a16="http://schemas.microsoft.com/office/drawing/2014/main" id="{C6D113C6-EA5C-788F-0C77-E7CE6EBB865F}"/>
+                <a16:creationId xmlns:a16="http://schemas.microsoft.com/office/drawing/2014/main" id="{C6D113C6-EA5C-788F-0C77-E7CE6EBB865F}"/>
               </a:ext>
             </a:extLst>
           </p:cNvPr>
@@ -16242,7 +16184,7 @@
           <a:lstStyle/>
           <a:p>
             <a:r>
-              <a:rPr lang="en-US" altLang="ko-KR" sz="4000" smtClean="0">
+              <a:rPr lang="en-US" altLang="ko-KR" sz="4000">
                 <a:solidFill>
                   <a:srgbClr val="FF0000"/>
                 </a:solidFill>
@@ -16252,7 +16194,7 @@
               <a:t>5</a:t>
             </a:r>
             <a:r>
-              <a:rPr lang="ko-KR" altLang="en-US" sz="4000" smtClean="0">
+              <a:rPr lang="ko-KR" altLang="en-US" sz="4000">
                 <a:solidFill>
                   <a:srgbClr val="FF0000"/>
                 </a:solidFill>
@@ -16276,7 +16218,7 @@
           <p:cNvPr id="12" name="TextBox 11">
             <a:extLst>
               <a:ext uri="{FF2B5EF4-FFF2-40B4-BE49-F238E27FC236}">
-                <a16:creationId xmlns="" xmlns:a16="http://schemas.microsoft.com/office/drawing/2014/main" id="{AAA7A62B-B663-9BB3-853E-37554E612635}"/>
+                <a16:creationId xmlns:a16="http://schemas.microsoft.com/office/drawing/2014/main" id="{AAA7A62B-B663-9BB3-853E-37554E612635}"/>
               </a:ext>
             </a:extLst>
           </p:cNvPr>
@@ -16307,17 +16249,7 @@
                 <a:latin typeface="G마켓 산스 Medium" panose="02000000000000000000" pitchFamily="50" charset="-127"/>
                 <a:ea typeface="G마켓 산스 Medium" panose="02000000000000000000" pitchFamily="50" charset="-127"/>
               </a:rPr>
-              <a:t>a</a:t>
-            </a:r>
-            <a:r>
-              <a:rPr lang="en-US" altLang="ko-KR" sz="2800" smtClean="0">
-                <a:solidFill>
-                  <a:srgbClr val="4C50BC"/>
-                </a:solidFill>
-                <a:latin typeface="G마켓 산스 Medium" panose="02000000000000000000" pitchFamily="50" charset="-127"/>
-                <a:ea typeface="G마켓 산스 Medium" panose="02000000000000000000" pitchFamily="50" charset="-127"/>
-              </a:rPr>
-              <a:t>rr[0]</a:t>
+              <a:t>arr[0]</a:t>
             </a:r>
             <a:endParaRPr lang="en-US" altLang="ko-KR" sz="2800" dirty="0">
               <a:solidFill>
@@ -16334,7 +16266,7 @@
           <p:cNvPr id="13" name="TextBox 12">
             <a:extLst>
               <a:ext uri="{FF2B5EF4-FFF2-40B4-BE49-F238E27FC236}">
-                <a16:creationId xmlns="" xmlns:a16="http://schemas.microsoft.com/office/drawing/2014/main" id="{AAA7A62B-B663-9BB3-853E-37554E612635}"/>
+                <a16:creationId xmlns:a16="http://schemas.microsoft.com/office/drawing/2014/main" id="{AAA7A62B-B663-9BB3-853E-37554E612635}"/>
               </a:ext>
             </a:extLst>
           </p:cNvPr>
@@ -16358,7 +16290,7 @@
           <a:lstStyle/>
           <a:p>
             <a:r>
-              <a:rPr lang="en-US" altLang="ko-KR" sz="2800" smtClean="0">
+              <a:rPr lang="en-US" altLang="ko-KR" sz="2800">
                 <a:solidFill>
                   <a:srgbClr val="4C50BC"/>
                 </a:solidFill>
@@ -16382,7 +16314,7 @@
           <p:cNvPr id="14" name="TextBox 13">
             <a:extLst>
               <a:ext uri="{FF2B5EF4-FFF2-40B4-BE49-F238E27FC236}">
-                <a16:creationId xmlns="" xmlns:a16="http://schemas.microsoft.com/office/drawing/2014/main" id="{AAA7A62B-B663-9BB3-853E-37554E612635}"/>
+                <a16:creationId xmlns:a16="http://schemas.microsoft.com/office/drawing/2014/main" id="{AAA7A62B-B663-9BB3-853E-37554E612635}"/>
               </a:ext>
             </a:extLst>
           </p:cNvPr>
@@ -16406,7 +16338,7 @@
           <a:lstStyle/>
           <a:p>
             <a:r>
-              <a:rPr lang="en-US" altLang="ko-KR" sz="2800" smtClean="0">
+              <a:rPr lang="en-US" altLang="ko-KR" sz="2800">
                 <a:solidFill>
                   <a:srgbClr val="4C50BC"/>
                 </a:solidFill>
@@ -16430,7 +16362,7 @@
           <p:cNvPr id="15" name="TextBox 14">
             <a:extLst>
               <a:ext uri="{FF2B5EF4-FFF2-40B4-BE49-F238E27FC236}">
-                <a16:creationId xmlns="" xmlns:a16="http://schemas.microsoft.com/office/drawing/2014/main" id="{AAA7A62B-B663-9BB3-853E-37554E612635}"/>
+                <a16:creationId xmlns:a16="http://schemas.microsoft.com/office/drawing/2014/main" id="{AAA7A62B-B663-9BB3-853E-37554E612635}"/>
               </a:ext>
             </a:extLst>
           </p:cNvPr>
@@ -16454,7 +16386,7 @@
           <a:lstStyle/>
           <a:p>
             <a:r>
-              <a:rPr lang="en-US" altLang="ko-KR" sz="2800" smtClean="0">
+              <a:rPr lang="en-US" altLang="ko-KR" sz="2800">
                 <a:solidFill>
                   <a:srgbClr val="4C50BC"/>
                 </a:solidFill>
@@ -16478,7 +16410,7 @@
           <p:cNvPr id="16" name="TextBox 15">
             <a:extLst>
               <a:ext uri="{FF2B5EF4-FFF2-40B4-BE49-F238E27FC236}">
-                <a16:creationId xmlns="" xmlns:a16="http://schemas.microsoft.com/office/drawing/2014/main" id="{AAA7A62B-B663-9BB3-853E-37554E612635}"/>
+                <a16:creationId xmlns:a16="http://schemas.microsoft.com/office/drawing/2014/main" id="{AAA7A62B-B663-9BB3-853E-37554E612635}"/>
               </a:ext>
             </a:extLst>
           </p:cNvPr>
@@ -16502,7 +16434,7 @@
           <a:lstStyle/>
           <a:p>
             <a:r>
-              <a:rPr lang="en-US" altLang="ko-KR" sz="2800" smtClean="0">
+              <a:rPr lang="en-US" altLang="ko-KR" sz="2800">
                 <a:solidFill>
                   <a:srgbClr val="4C50BC"/>
                 </a:solidFill>
@@ -16782,9 +16714,27 @@
                 <a:tableStyleId>{5C22544A-7EE6-4342-B048-85BDC9FD1C3A}</a:tableStyleId>
               </a:tblPr>
               <a:tblGrid>
-                <a:gridCol w="1295400"/>
-                <a:gridCol w="1066800"/>
-                <a:gridCol w="1066800"/>
+                <a:gridCol w="1295400">
+                  <a:extLst>
+                    <a:ext uri="{9D8B030D-6E8A-4147-A177-3AD203B41FA5}">
+                      <a16:colId xmlns:a16="http://schemas.microsoft.com/office/drawing/2014/main" val="20000"/>
+                    </a:ext>
+                  </a:extLst>
+                </a:gridCol>
+                <a:gridCol w="1066800">
+                  <a:extLst>
+                    <a:ext uri="{9D8B030D-6E8A-4147-A177-3AD203B41FA5}">
+                      <a16:colId xmlns:a16="http://schemas.microsoft.com/office/drawing/2014/main" val="20001"/>
+                    </a:ext>
+                  </a:extLst>
+                </a:gridCol>
+                <a:gridCol w="1066800">
+                  <a:extLst>
+                    <a:ext uri="{9D8B030D-6E8A-4147-A177-3AD203B41FA5}">
+                      <a16:colId xmlns:a16="http://schemas.microsoft.com/office/drawing/2014/main" val="20002"/>
+                    </a:ext>
+                  </a:extLst>
+                </a:gridCol>
               </a:tblGrid>
               <a:tr h="511629">
                 <a:tc>
@@ -16794,7 +16744,7 @@
                     <a:p>
                       <a:pPr latinLnBrk="1"/>
                       <a:r>
-                        <a:rPr lang="en-US" altLang="ko-KR" smtClean="0">
+                        <a:rPr lang="en-US" altLang="ko-KR">
                           <a:solidFill>
                             <a:schemeClr val="tx1">
                               <a:lumMod val="65000"/>
@@ -16861,7 +16811,7 @@
                     <a:p>
                       <a:pPr latinLnBrk="1"/>
                       <a:r>
-                        <a:rPr lang="en-US" altLang="ko-KR" smtClean="0">
+                        <a:rPr lang="en-US" altLang="ko-KR">
                           <a:solidFill>
                             <a:schemeClr val="tx1">
                               <a:lumMod val="65000"/>
@@ -16944,7 +16894,7 @@
                         <a:defRPr/>
                       </a:pPr>
                       <a:r>
-                        <a:rPr lang="en-US" altLang="ko-KR" smtClean="0">
+                        <a:rPr lang="en-US" altLang="ko-KR">
                           <a:solidFill>
                             <a:schemeClr val="tx1">
                               <a:lumMod val="65000"/>
@@ -16954,7 +16904,7 @@
                         </a:rPr>
                         <a:t>int</a:t>
                       </a:r>
-                      <a:endParaRPr lang="ko-KR" altLang="en-US" smtClean="0">
+                      <a:endParaRPr lang="ko-KR" altLang="en-US">
                         <a:solidFill>
                           <a:schemeClr val="tx1">
                             <a:lumMod val="65000"/>
@@ -17004,6 +16954,11 @@
                     <a:noFill/>
                   </a:tcPr>
                 </a:tc>
+                <a:extLst>
+                  <a:ext uri="{0D108BD9-81ED-4DB2-BD59-A6C34878D82A}">
+                    <a16:rowId xmlns:a16="http://schemas.microsoft.com/office/drawing/2014/main" val="10000"/>
+                  </a:ext>
+                </a:extLst>
               </a:tr>
               <a:tr h="511629">
                 <a:tc>
@@ -17013,7 +16968,7 @@
                     <a:p>
                       <a:pPr latinLnBrk="1"/>
                       <a:r>
-                        <a:rPr lang="en-US" altLang="ko-KR" smtClean="0">
+                        <a:rPr lang="en-US" altLang="ko-KR">
                           <a:solidFill>
                             <a:schemeClr val="tx1">
                               <a:lumMod val="65000"/>
@@ -17080,7 +17035,7 @@
                     <a:p>
                       <a:pPr latinLnBrk="1"/>
                       <a:r>
-                        <a:rPr lang="en-US" altLang="ko-KR" smtClean="0">
+                        <a:rPr lang="en-US" altLang="ko-KR">
                           <a:solidFill>
                             <a:schemeClr val="tx1">
                               <a:lumMod val="65000"/>
@@ -17163,7 +17118,7 @@
                         <a:defRPr/>
                       </a:pPr>
                       <a:r>
-                        <a:rPr lang="en-US" altLang="ko-KR" smtClean="0">
+                        <a:rPr lang="en-US" altLang="ko-KR">
                           <a:solidFill>
                             <a:schemeClr val="tx1">
                               <a:lumMod val="65000"/>
@@ -17173,7 +17128,7 @@
                         </a:rPr>
                         <a:t>int</a:t>
                       </a:r>
-                      <a:endParaRPr lang="ko-KR" altLang="en-US" smtClean="0">
+                      <a:endParaRPr lang="ko-KR" altLang="en-US">
                         <a:solidFill>
                           <a:schemeClr val="tx1">
                             <a:lumMod val="65000"/>
@@ -17223,6 +17178,11 @@
                     <a:noFill/>
                   </a:tcPr>
                 </a:tc>
+                <a:extLst>
+                  <a:ext uri="{0D108BD9-81ED-4DB2-BD59-A6C34878D82A}">
+                    <a16:rowId xmlns:a16="http://schemas.microsoft.com/office/drawing/2014/main" val="10001"/>
+                  </a:ext>
+                </a:extLst>
               </a:tr>
               <a:tr h="511629">
                 <a:tc>
@@ -17232,7 +17192,7 @@
                     <a:p>
                       <a:pPr latinLnBrk="1"/>
                       <a:r>
-                        <a:rPr lang="en-US" altLang="ko-KR" smtClean="0">
+                        <a:rPr lang="en-US" altLang="ko-KR">
                           <a:solidFill>
                             <a:schemeClr val="tx1">
                               <a:lumMod val="65000"/>
@@ -17299,7 +17259,7 @@
                     <a:p>
                       <a:pPr latinLnBrk="1"/>
                       <a:r>
-                        <a:rPr lang="en-US" altLang="ko-KR" sz="3600" smtClean="0">
+                        <a:rPr lang="en-US" altLang="ko-KR" sz="3600">
                           <a:solidFill>
                             <a:srgbClr val="FF0000"/>
                           </a:solidFill>
@@ -17376,7 +17336,7 @@
                         <a:defRPr/>
                       </a:pPr>
                       <a:r>
-                        <a:rPr lang="en-US" altLang="ko-KR" smtClean="0">
+                        <a:rPr lang="en-US" altLang="ko-KR">
                           <a:solidFill>
                             <a:schemeClr val="tx1">
                               <a:lumMod val="65000"/>
@@ -17386,7 +17346,7 @@
                         </a:rPr>
                         <a:t>int</a:t>
                       </a:r>
-                      <a:endParaRPr lang="ko-KR" altLang="en-US" smtClean="0">
+                      <a:endParaRPr lang="ko-KR" altLang="en-US">
                         <a:solidFill>
                           <a:schemeClr val="tx1">
                             <a:lumMod val="65000"/>
@@ -17436,6 +17396,11 @@
                     <a:noFill/>
                   </a:tcPr>
                 </a:tc>
+                <a:extLst>
+                  <a:ext uri="{0D108BD9-81ED-4DB2-BD59-A6C34878D82A}">
+                    <a16:rowId xmlns:a16="http://schemas.microsoft.com/office/drawing/2014/main" val="10002"/>
+                  </a:ext>
+                </a:extLst>
               </a:tr>
               <a:tr h="511629">
                 <a:tc>
@@ -17445,7 +17410,7 @@
                     <a:p>
                       <a:pPr latinLnBrk="1"/>
                       <a:r>
-                        <a:rPr lang="en-US" altLang="ko-KR" smtClean="0">
+                        <a:rPr lang="en-US" altLang="ko-KR">
                           <a:solidFill>
                             <a:schemeClr val="tx1">
                               <a:lumMod val="65000"/>
@@ -17512,7 +17477,7 @@
                     <a:p>
                       <a:pPr latinLnBrk="1"/>
                       <a:r>
-                        <a:rPr lang="en-US" altLang="ko-KR" smtClean="0">
+                        <a:rPr lang="en-US" altLang="ko-KR">
                           <a:solidFill>
                             <a:schemeClr val="tx1">
                               <a:lumMod val="65000"/>
@@ -17595,7 +17560,7 @@
                         <a:defRPr/>
                       </a:pPr>
                       <a:r>
-                        <a:rPr lang="en-US" altLang="ko-KR" smtClean="0">
+                        <a:rPr lang="en-US" altLang="ko-KR">
                           <a:solidFill>
                             <a:schemeClr val="tx1">
                               <a:lumMod val="65000"/>
@@ -17605,7 +17570,7 @@
                         </a:rPr>
                         <a:t>int</a:t>
                       </a:r>
-                      <a:endParaRPr lang="ko-KR" altLang="en-US" smtClean="0">
+                      <a:endParaRPr lang="ko-KR" altLang="en-US">
                         <a:solidFill>
                           <a:schemeClr val="tx1">
                             <a:lumMod val="65000"/>
@@ -17655,6 +17620,11 @@
                     <a:noFill/>
                   </a:tcPr>
                 </a:tc>
+                <a:extLst>
+                  <a:ext uri="{0D108BD9-81ED-4DB2-BD59-A6C34878D82A}">
+                    <a16:rowId xmlns:a16="http://schemas.microsoft.com/office/drawing/2014/main" val="10003"/>
+                  </a:ext>
+                </a:extLst>
               </a:tr>
               <a:tr h="511629">
                 <a:tc>
@@ -17664,7 +17634,7 @@
                     <a:p>
                       <a:pPr latinLnBrk="1"/>
                       <a:r>
-                        <a:rPr lang="en-US" altLang="ko-KR" smtClean="0">
+                        <a:rPr lang="en-US" altLang="ko-KR">
                           <a:solidFill>
                             <a:schemeClr val="tx1">
                               <a:lumMod val="65000"/>
@@ -17731,7 +17701,7 @@
                     <a:p>
                       <a:pPr latinLnBrk="1"/>
                       <a:r>
-                        <a:rPr lang="en-US" altLang="ko-KR" smtClean="0">
+                        <a:rPr lang="en-US" altLang="ko-KR">
                           <a:solidFill>
                             <a:schemeClr val="tx1">
                               <a:lumMod val="65000"/>
@@ -17814,7 +17784,7 @@
                         <a:defRPr/>
                       </a:pPr>
                       <a:r>
-                        <a:rPr lang="en-US" altLang="ko-KR" smtClean="0">
+                        <a:rPr lang="en-US" altLang="ko-KR">
                           <a:solidFill>
                             <a:schemeClr val="tx1">
                               <a:lumMod val="65000"/>
@@ -17824,7 +17794,7 @@
                         </a:rPr>
                         <a:t>int</a:t>
                       </a:r>
-                      <a:endParaRPr lang="ko-KR" altLang="en-US" smtClean="0">
+                      <a:endParaRPr lang="ko-KR" altLang="en-US">
                         <a:solidFill>
                           <a:schemeClr val="tx1">
                             <a:lumMod val="65000"/>
@@ -17874,6 +17844,11 @@
                     <a:noFill/>
                   </a:tcPr>
                 </a:tc>
+                <a:extLst>
+                  <a:ext uri="{0D108BD9-81ED-4DB2-BD59-A6C34878D82A}">
+                    <a16:rowId xmlns:a16="http://schemas.microsoft.com/office/drawing/2014/main" val="10004"/>
+                  </a:ext>
+                </a:extLst>
               </a:tr>
             </a:tbl>
           </a:graphicData>
@@ -17884,7 +17859,7 @@
           <p:cNvPr id="5" name="TextBox 4">
             <a:extLst>
               <a:ext uri="{FF2B5EF4-FFF2-40B4-BE49-F238E27FC236}">
-                <a16:creationId xmlns="" xmlns:a16="http://schemas.microsoft.com/office/drawing/2014/main" id="{AAA7A62B-B663-9BB3-853E-37554E612635}"/>
+                <a16:creationId xmlns:a16="http://schemas.microsoft.com/office/drawing/2014/main" id="{AAA7A62B-B663-9BB3-853E-37554E612635}"/>
               </a:ext>
             </a:extLst>
           </p:cNvPr>
@@ -17908,7 +17883,7 @@
           <a:lstStyle/>
           <a:p>
             <a:r>
-              <a:rPr lang="en-US" altLang="ko-KR" sz="4800" smtClean="0">
+              <a:rPr lang="en-US" altLang="ko-KR" sz="4800">
                 <a:solidFill>
                   <a:srgbClr val="4C50BC"/>
                 </a:solidFill>
@@ -17918,7 +17893,7 @@
               <a:t>2</a:t>
             </a:r>
             <a:r>
-              <a:rPr lang="ko-KR" altLang="en-US" sz="4800" smtClean="0">
+              <a:rPr lang="ko-KR" altLang="en-US" sz="4800">
                 <a:solidFill>
                   <a:srgbClr val="4C50BC"/>
                 </a:solidFill>
@@ -17928,7 +17903,7 @@
               <a:t>차원 배열의 </a:t>
             </a:r>
             <a:r>
-              <a:rPr lang="en-US" altLang="ko-KR" sz="4800" smtClean="0">
+              <a:rPr lang="en-US" altLang="ko-KR" sz="4800">
                 <a:solidFill>
                   <a:srgbClr val="4C50BC"/>
                 </a:solidFill>
@@ -17952,7 +17927,7 @@
           <p:cNvPr id="6" name="TextBox 5">
             <a:extLst>
               <a:ext uri="{FF2B5EF4-FFF2-40B4-BE49-F238E27FC236}">
-                <a16:creationId xmlns="" xmlns:a16="http://schemas.microsoft.com/office/drawing/2014/main" id="{AAA7A62B-B663-9BB3-853E-37554E612635}"/>
+                <a16:creationId xmlns:a16="http://schemas.microsoft.com/office/drawing/2014/main" id="{AAA7A62B-B663-9BB3-853E-37554E612635}"/>
               </a:ext>
             </a:extLst>
           </p:cNvPr>
@@ -17976,7 +17951,7 @@
           <a:lstStyle/>
           <a:p>
             <a:r>
-              <a:rPr lang="en-US" altLang="ko-KR" sz="4800" smtClean="0">
+              <a:rPr lang="en-US" altLang="ko-KR" sz="4800">
                 <a:solidFill>
                   <a:srgbClr val="4C50BC"/>
                 </a:solidFill>
@@ -18000,7 +17975,7 @@
           <p:cNvPr id="7" name="직선 화살표 연결선 6">
             <a:extLst>
               <a:ext uri="{FF2B5EF4-FFF2-40B4-BE49-F238E27FC236}">
-                <a16:creationId xmlns="" xmlns:a16="http://schemas.microsoft.com/office/drawing/2014/main" id="{299DF5EC-9DF4-5255-06AC-0A7CE4FF58C3}"/>
+                <a16:creationId xmlns:a16="http://schemas.microsoft.com/office/drawing/2014/main" id="{299DF5EC-9DF4-5255-06AC-0A7CE4FF58C3}"/>
               </a:ext>
             </a:extLst>
           </p:cNvPr>
@@ -18176,7 +18151,7 @@
           <p:cNvPr id="4" name="TextBox 3">
             <a:extLst>
               <a:ext uri="{FF2B5EF4-FFF2-40B4-BE49-F238E27FC236}">
-                <a16:creationId xmlns="" xmlns:a16="http://schemas.microsoft.com/office/drawing/2014/main" id="{AAA7A62B-B663-9BB3-853E-37554E612635}"/>
+                <a16:creationId xmlns:a16="http://schemas.microsoft.com/office/drawing/2014/main" id="{AAA7A62B-B663-9BB3-853E-37554E612635}"/>
               </a:ext>
             </a:extLst>
           </p:cNvPr>
@@ -18200,7 +18175,7 @@
           <a:lstStyle/>
           <a:p>
             <a:r>
-              <a:rPr lang="en-US" altLang="ko-KR" sz="4800" smtClean="0">
+              <a:rPr lang="en-US" altLang="ko-KR" sz="4800">
                 <a:solidFill>
                   <a:srgbClr val="4C50BC"/>
                 </a:solidFill>
@@ -18210,7 +18185,7 @@
               <a:t>2</a:t>
             </a:r>
             <a:r>
-              <a:rPr lang="ko-KR" altLang="en-US" sz="4800" smtClean="0">
+              <a:rPr lang="ko-KR" altLang="en-US" sz="4800">
                 <a:solidFill>
                   <a:srgbClr val="4C50BC"/>
                 </a:solidFill>
@@ -18254,9 +18229,27 @@
                 <a:tableStyleId>{5C22544A-7EE6-4342-B048-85BDC9FD1C3A}</a:tableStyleId>
               </a:tblPr>
               <a:tblGrid>
-                <a:gridCol w="1640840"/>
-                <a:gridCol w="1351280"/>
-                <a:gridCol w="1351280"/>
+                <a:gridCol w="1640840">
+                  <a:extLst>
+                    <a:ext uri="{9D8B030D-6E8A-4147-A177-3AD203B41FA5}">
+                      <a16:colId xmlns:a16="http://schemas.microsoft.com/office/drawing/2014/main" val="20000"/>
+                    </a:ext>
+                  </a:extLst>
+                </a:gridCol>
+                <a:gridCol w="1351280">
+                  <a:extLst>
+                    <a:ext uri="{9D8B030D-6E8A-4147-A177-3AD203B41FA5}">
+                      <a16:colId xmlns:a16="http://schemas.microsoft.com/office/drawing/2014/main" val="20001"/>
+                    </a:ext>
+                  </a:extLst>
+                </a:gridCol>
+                <a:gridCol w="1351280">
+                  <a:extLst>
+                    <a:ext uri="{9D8B030D-6E8A-4147-A177-3AD203B41FA5}">
+                      <a16:colId xmlns:a16="http://schemas.microsoft.com/office/drawing/2014/main" val="20002"/>
+                    </a:ext>
+                  </a:extLst>
+                </a:gridCol>
               </a:tblGrid>
               <a:tr h="792187">
                 <a:tc>
@@ -18266,7 +18259,7 @@
                     <a:p>
                       <a:pPr latinLnBrk="1"/>
                       <a:r>
-                        <a:rPr lang="en-US" altLang="ko-KR" sz="3600" smtClean="0">
+                        <a:rPr lang="en-US" altLang="ko-KR" sz="3600">
                           <a:solidFill>
                             <a:schemeClr val="tx1">
                               <a:lumMod val="65000"/>
@@ -18333,7 +18326,7 @@
                     <a:p>
                       <a:pPr latinLnBrk="1"/>
                       <a:r>
-                        <a:rPr lang="en-US" altLang="ko-KR" sz="3600" smtClean="0">
+                        <a:rPr lang="en-US" altLang="ko-KR" sz="3600">
                           <a:solidFill>
                             <a:schemeClr val="tx1">
                               <a:lumMod val="65000"/>
@@ -18416,7 +18409,7 @@
                         <a:defRPr/>
                       </a:pPr>
                       <a:r>
-                        <a:rPr lang="en-US" altLang="ko-KR" sz="3600" smtClean="0">
+                        <a:rPr lang="en-US" altLang="ko-KR" sz="3600">
                           <a:solidFill>
                             <a:schemeClr val="tx1">
                               <a:lumMod val="65000"/>
@@ -18426,7 +18419,7 @@
                         </a:rPr>
                         <a:t>int</a:t>
                       </a:r>
-                      <a:endParaRPr lang="ko-KR" altLang="en-US" sz="3600" smtClean="0">
+                      <a:endParaRPr lang="ko-KR" altLang="en-US" sz="3600">
                         <a:solidFill>
                           <a:schemeClr val="tx1">
                             <a:lumMod val="65000"/>
@@ -18476,6 +18469,11 @@
                     <a:noFill/>
                   </a:tcPr>
                 </a:tc>
+                <a:extLst>
+                  <a:ext uri="{0D108BD9-81ED-4DB2-BD59-A6C34878D82A}">
+                    <a16:rowId xmlns:a16="http://schemas.microsoft.com/office/drawing/2014/main" val="10000"/>
+                  </a:ext>
+                </a:extLst>
               </a:tr>
               <a:tr h="792187">
                 <a:tc>
@@ -18485,7 +18483,7 @@
                     <a:p>
                       <a:pPr latinLnBrk="1"/>
                       <a:r>
-                        <a:rPr lang="en-US" altLang="ko-KR" sz="3600" smtClean="0">
+                        <a:rPr lang="en-US" altLang="ko-KR" sz="3600">
                           <a:solidFill>
                             <a:schemeClr val="tx1">
                               <a:lumMod val="65000"/>
@@ -18552,7 +18550,7 @@
                     <a:p>
                       <a:pPr latinLnBrk="1"/>
                       <a:r>
-                        <a:rPr lang="en-US" altLang="ko-KR" sz="3600" smtClean="0">
+                        <a:rPr lang="en-US" altLang="ko-KR" sz="3600">
                           <a:solidFill>
                             <a:schemeClr val="tx1">
                               <a:lumMod val="65000"/>
@@ -18635,7 +18633,7 @@
                         <a:defRPr/>
                       </a:pPr>
                       <a:r>
-                        <a:rPr lang="en-US" altLang="ko-KR" sz="3600" smtClean="0">
+                        <a:rPr lang="en-US" altLang="ko-KR" sz="3600">
                           <a:solidFill>
                             <a:schemeClr val="tx1">
                               <a:lumMod val="65000"/>
@@ -18645,7 +18643,7 @@
                         </a:rPr>
                         <a:t>int</a:t>
                       </a:r>
-                      <a:endParaRPr lang="ko-KR" altLang="en-US" sz="3600" smtClean="0">
+                      <a:endParaRPr lang="ko-KR" altLang="en-US" sz="3600">
                         <a:solidFill>
                           <a:schemeClr val="tx1">
                             <a:lumMod val="65000"/>
@@ -18695,6 +18693,11 @@
                     <a:noFill/>
                   </a:tcPr>
                 </a:tc>
+                <a:extLst>
+                  <a:ext uri="{0D108BD9-81ED-4DB2-BD59-A6C34878D82A}">
+                    <a16:rowId xmlns:a16="http://schemas.microsoft.com/office/drawing/2014/main" val="10001"/>
+                  </a:ext>
+                </a:extLst>
               </a:tr>
             </a:tbl>
           </a:graphicData>
@@ -18927,7 +18930,7 @@
           <p:cNvPr id="4" name="TextBox 3">
             <a:extLst>
               <a:ext uri="{FF2B5EF4-FFF2-40B4-BE49-F238E27FC236}">
-                <a16:creationId xmlns="" xmlns:a16="http://schemas.microsoft.com/office/drawing/2014/main" id="{AAA7A62B-B663-9BB3-853E-37554E612635}"/>
+                <a16:creationId xmlns:a16="http://schemas.microsoft.com/office/drawing/2014/main" id="{AAA7A62B-B663-9BB3-853E-37554E612635}"/>
               </a:ext>
             </a:extLst>
           </p:cNvPr>
@@ -18951,7 +18954,7 @@
           <a:lstStyle/>
           <a:p>
             <a:r>
-              <a:rPr lang="en-US" altLang="ko-KR" sz="4800" smtClean="0">
+              <a:rPr lang="en-US" altLang="ko-KR" sz="4800">
                 <a:solidFill>
                   <a:srgbClr val="4C50BC"/>
                 </a:solidFill>
@@ -18961,7 +18964,7 @@
               <a:t>2</a:t>
             </a:r>
             <a:r>
-              <a:rPr lang="ko-KR" altLang="en-US" sz="4800" smtClean="0">
+              <a:rPr lang="ko-KR" altLang="en-US" sz="4800">
                 <a:solidFill>
                   <a:srgbClr val="4C50BC"/>
                 </a:solidFill>
@@ -18971,7 +18974,7 @@
               <a:t>차원 배열의 </a:t>
             </a:r>
             <a:r>
-              <a:rPr lang="en-US" altLang="ko-KR" sz="4800" smtClean="0">
+              <a:rPr lang="en-US" altLang="ko-KR" sz="4800">
                 <a:solidFill>
                   <a:srgbClr val="4C50BC"/>
                 </a:solidFill>
@@ -18981,7 +18984,7 @@
               <a:t>length</a:t>
             </a:r>
             <a:r>
-              <a:rPr lang="ko-KR" altLang="en-US" sz="4800" smtClean="0">
+              <a:rPr lang="ko-KR" altLang="en-US" sz="4800">
                 <a:solidFill>
                   <a:srgbClr val="4C50BC"/>
                 </a:solidFill>
@@ -18991,7 +18994,7 @@
               <a:t>는 얼마일까</a:t>
             </a:r>
             <a:r>
-              <a:rPr lang="en-US" altLang="ko-KR" sz="4800" smtClean="0">
+              <a:rPr lang="en-US" altLang="ko-KR" sz="4800">
                 <a:solidFill>
                   <a:srgbClr val="4C50BC"/>
                 </a:solidFill>
@@ -19063,7 +19066,7 @@
           <p:cNvPr id="7" name="그룹 1008">
             <a:extLst>
               <a:ext uri="{FF2B5EF4-FFF2-40B4-BE49-F238E27FC236}">
-                <a16:creationId xmlns="" xmlns:a16="http://schemas.microsoft.com/office/drawing/2014/main" id="{678F6342-C505-E8AD-ADA4-022CB2C2088E}"/>
+                <a16:creationId xmlns:a16="http://schemas.microsoft.com/office/drawing/2014/main" id="{678F6342-C505-E8AD-ADA4-022CB2C2088E}"/>
               </a:ext>
             </a:extLst>
           </p:cNvPr>
@@ -19083,7 +19086,7 @@
             <p:cNvPr id="8" name="그룹 1009">
               <a:extLst>
                 <a:ext uri="{FF2B5EF4-FFF2-40B4-BE49-F238E27FC236}">
-                  <a16:creationId xmlns="" xmlns:a16="http://schemas.microsoft.com/office/drawing/2014/main" id="{4E1F1FED-812B-9BBB-925A-84B54A077414}"/>
+                  <a16:creationId xmlns:a16="http://schemas.microsoft.com/office/drawing/2014/main" id="{4E1F1FED-812B-9BBB-925A-84B54A077414}"/>
                 </a:ext>
               </a:extLst>
             </p:cNvPr>
@@ -19103,7 +19106,7 @@
               <p:cNvPr id="13" name="Object 29">
                 <a:extLst>
                   <a:ext uri="{FF2B5EF4-FFF2-40B4-BE49-F238E27FC236}">
-                    <a16:creationId xmlns="" xmlns:a16="http://schemas.microsoft.com/office/drawing/2014/main" id="{7B078609-4286-7B00-51EB-809C8E2DE289}"/>
+                    <a16:creationId xmlns:a16="http://schemas.microsoft.com/office/drawing/2014/main" id="{7B078609-4286-7B00-51EB-809C8E2DE289}"/>
                   </a:ext>
                 </a:extLst>
               </p:cNvPr>
@@ -19134,7 +19137,7 @@
             <p:cNvPr id="9" name="그룹 1010">
               <a:extLst>
                 <a:ext uri="{FF2B5EF4-FFF2-40B4-BE49-F238E27FC236}">
-                  <a16:creationId xmlns="" xmlns:a16="http://schemas.microsoft.com/office/drawing/2014/main" id="{02A649BF-B5B5-FBAF-7DFD-E118A4DF8907}"/>
+                  <a16:creationId xmlns:a16="http://schemas.microsoft.com/office/drawing/2014/main" id="{02A649BF-B5B5-FBAF-7DFD-E118A4DF8907}"/>
                 </a:ext>
               </a:extLst>
             </p:cNvPr>
@@ -19154,7 +19157,7 @@
               <p:cNvPr id="12" name="Object 32">
                 <a:extLst>
                   <a:ext uri="{FF2B5EF4-FFF2-40B4-BE49-F238E27FC236}">
-                    <a16:creationId xmlns="" xmlns:a16="http://schemas.microsoft.com/office/drawing/2014/main" id="{2A0FFF23-B3C9-3EA0-1C1B-A87D4FF098AE}"/>
+                    <a16:creationId xmlns:a16="http://schemas.microsoft.com/office/drawing/2014/main" id="{2A0FFF23-B3C9-3EA0-1C1B-A87D4FF098AE}"/>
                   </a:ext>
                 </a:extLst>
               </p:cNvPr>
@@ -19185,7 +19188,7 @@
             <p:cNvPr id="10" name="그룹 1011">
               <a:extLst>
                 <a:ext uri="{FF2B5EF4-FFF2-40B4-BE49-F238E27FC236}">
-                  <a16:creationId xmlns="" xmlns:a16="http://schemas.microsoft.com/office/drawing/2014/main" id="{881F5410-F7FB-F261-A584-707359BAC593}"/>
+                  <a16:creationId xmlns:a16="http://schemas.microsoft.com/office/drawing/2014/main" id="{881F5410-F7FB-F261-A584-707359BAC593}"/>
                 </a:ext>
               </a:extLst>
             </p:cNvPr>
@@ -19205,7 +19208,7 @@
               <p:cNvPr id="11" name="Object 35">
                 <a:extLst>
                   <a:ext uri="{FF2B5EF4-FFF2-40B4-BE49-F238E27FC236}">
-                    <a16:creationId xmlns="" xmlns:a16="http://schemas.microsoft.com/office/drawing/2014/main" id="{4E99E669-73EB-F9F4-EFE8-DC107035C265}"/>
+                    <a16:creationId xmlns:a16="http://schemas.microsoft.com/office/drawing/2014/main" id="{4E99E669-73EB-F9F4-EFE8-DC107035C265}"/>
                   </a:ext>
                 </a:extLst>
               </p:cNvPr>
@@ -19257,9 +19260,27 @@
                 <a:tableStyleId>{5C22544A-7EE6-4342-B048-85BDC9FD1C3A}</a:tableStyleId>
               </a:tblPr>
               <a:tblGrid>
-                <a:gridCol w="1295400"/>
-                <a:gridCol w="1066800"/>
-                <a:gridCol w="1066800"/>
+                <a:gridCol w="1295400">
+                  <a:extLst>
+                    <a:ext uri="{9D8B030D-6E8A-4147-A177-3AD203B41FA5}">
+                      <a16:colId xmlns:a16="http://schemas.microsoft.com/office/drawing/2014/main" val="20000"/>
+                    </a:ext>
+                  </a:extLst>
+                </a:gridCol>
+                <a:gridCol w="1066800">
+                  <a:extLst>
+                    <a:ext uri="{9D8B030D-6E8A-4147-A177-3AD203B41FA5}">
+                      <a16:colId xmlns:a16="http://schemas.microsoft.com/office/drawing/2014/main" val="20001"/>
+                    </a:ext>
+                  </a:extLst>
+                </a:gridCol>
+                <a:gridCol w="1066800">
+                  <a:extLst>
+                    <a:ext uri="{9D8B030D-6E8A-4147-A177-3AD203B41FA5}">
+                      <a16:colId xmlns:a16="http://schemas.microsoft.com/office/drawing/2014/main" val="20002"/>
+                    </a:ext>
+                  </a:extLst>
+                </a:gridCol>
               </a:tblGrid>
               <a:tr h="511629">
                 <a:tc>
@@ -19269,7 +19290,7 @@
                     <a:p>
                       <a:pPr latinLnBrk="1"/>
                       <a:r>
-                        <a:rPr lang="en-US" altLang="ko-KR" smtClean="0">
+                        <a:rPr lang="en-US" altLang="ko-KR">
                           <a:solidFill>
                             <a:schemeClr val="tx1">
                               <a:lumMod val="65000"/>
@@ -19338,7 +19359,7 @@
                     <a:p>
                       <a:pPr latinLnBrk="1"/>
                       <a:r>
-                        <a:rPr lang="en-US" altLang="ko-KR" smtClean="0">
+                        <a:rPr lang="en-US" altLang="ko-KR">
                           <a:solidFill>
                             <a:schemeClr val="tx1">
                               <a:lumMod val="65000"/>
@@ -19421,7 +19442,7 @@
                         <a:defRPr/>
                       </a:pPr>
                       <a:r>
-                        <a:rPr lang="en-US" altLang="ko-KR" smtClean="0">
+                        <a:rPr lang="en-US" altLang="ko-KR">
                           <a:solidFill>
                             <a:schemeClr val="tx1">
                               <a:lumMod val="65000"/>
@@ -19431,7 +19452,7 @@
                         </a:rPr>
                         <a:t>int</a:t>
                       </a:r>
-                      <a:endParaRPr lang="ko-KR" altLang="en-US" smtClean="0">
+                      <a:endParaRPr lang="ko-KR" altLang="en-US">
                         <a:solidFill>
                           <a:schemeClr val="tx1">
                             <a:lumMod val="65000"/>
@@ -19481,6 +19502,11 @@
                     <a:noFill/>
                   </a:tcPr>
                 </a:tc>
+                <a:extLst>
+                  <a:ext uri="{0D108BD9-81ED-4DB2-BD59-A6C34878D82A}">
+                    <a16:rowId xmlns:a16="http://schemas.microsoft.com/office/drawing/2014/main" val="10000"/>
+                  </a:ext>
+                </a:extLst>
               </a:tr>
               <a:tr h="511629">
                 <a:tc>
@@ -19490,7 +19516,7 @@
                     <a:p>
                       <a:pPr latinLnBrk="1"/>
                       <a:r>
-                        <a:rPr lang="en-US" altLang="ko-KR" smtClean="0">
+                        <a:rPr lang="en-US" altLang="ko-KR">
                           <a:solidFill>
                             <a:schemeClr val="tx1">
                               <a:lumMod val="65000"/>
@@ -19559,7 +19585,7 @@
                     <a:p>
                       <a:pPr latinLnBrk="1"/>
                       <a:r>
-                        <a:rPr lang="en-US" altLang="ko-KR" smtClean="0">
+                        <a:rPr lang="en-US" altLang="ko-KR">
                           <a:solidFill>
                             <a:schemeClr val="tx1">
                               <a:lumMod val="65000"/>
@@ -19642,7 +19668,7 @@
                         <a:defRPr/>
                       </a:pPr>
                       <a:r>
-                        <a:rPr lang="en-US" altLang="ko-KR" smtClean="0">
+                        <a:rPr lang="en-US" altLang="ko-KR">
                           <a:solidFill>
                             <a:schemeClr val="tx1">
                               <a:lumMod val="65000"/>
@@ -19652,7 +19678,7 @@
                         </a:rPr>
                         <a:t>int</a:t>
                       </a:r>
-                      <a:endParaRPr lang="ko-KR" altLang="en-US" smtClean="0">
+                      <a:endParaRPr lang="ko-KR" altLang="en-US">
                         <a:solidFill>
                           <a:schemeClr val="tx1">
                             <a:lumMod val="65000"/>
@@ -19702,6 +19728,11 @@
                     <a:noFill/>
                   </a:tcPr>
                 </a:tc>
+                <a:extLst>
+                  <a:ext uri="{0D108BD9-81ED-4DB2-BD59-A6C34878D82A}">
+                    <a16:rowId xmlns:a16="http://schemas.microsoft.com/office/drawing/2014/main" val="10001"/>
+                  </a:ext>
+                </a:extLst>
               </a:tr>
               <a:tr h="511629">
                 <a:tc>
@@ -19711,7 +19742,7 @@
                     <a:p>
                       <a:pPr latinLnBrk="1"/>
                       <a:r>
-                        <a:rPr lang="en-US" altLang="ko-KR" smtClean="0">
+                        <a:rPr lang="en-US" altLang="ko-KR">
                           <a:solidFill>
                             <a:schemeClr val="tx1">
                               <a:lumMod val="65000"/>
@@ -19780,7 +19811,7 @@
                     <a:p>
                       <a:pPr latinLnBrk="1"/>
                       <a:r>
-                        <a:rPr lang="en-US" altLang="ko-KR" smtClean="0">
+                        <a:rPr lang="en-US" altLang="ko-KR">
                           <a:solidFill>
                             <a:schemeClr val="tx1">
                               <a:lumMod val="65000"/>
@@ -19863,7 +19894,7 @@
                         <a:defRPr/>
                       </a:pPr>
                       <a:r>
-                        <a:rPr lang="en-US" altLang="ko-KR" smtClean="0">
+                        <a:rPr lang="en-US" altLang="ko-KR">
                           <a:solidFill>
                             <a:schemeClr val="tx1">
                               <a:lumMod val="65000"/>
@@ -19873,7 +19904,7 @@
                         </a:rPr>
                         <a:t>int</a:t>
                       </a:r>
-                      <a:endParaRPr lang="ko-KR" altLang="en-US" smtClean="0">
+                      <a:endParaRPr lang="ko-KR" altLang="en-US">
                         <a:solidFill>
                           <a:schemeClr val="tx1">
                             <a:lumMod val="65000"/>
@@ -19923,6 +19954,11 @@
                     <a:noFill/>
                   </a:tcPr>
                 </a:tc>
+                <a:extLst>
+                  <a:ext uri="{0D108BD9-81ED-4DB2-BD59-A6C34878D82A}">
+                    <a16:rowId xmlns:a16="http://schemas.microsoft.com/office/drawing/2014/main" val="10002"/>
+                  </a:ext>
+                </a:extLst>
               </a:tr>
               <a:tr h="511629">
                 <a:tc>
@@ -19932,7 +19968,7 @@
                     <a:p>
                       <a:pPr latinLnBrk="1"/>
                       <a:r>
-                        <a:rPr lang="en-US" altLang="ko-KR" smtClean="0">
+                        <a:rPr lang="en-US" altLang="ko-KR">
                           <a:solidFill>
                             <a:schemeClr val="tx1">
                               <a:lumMod val="65000"/>
@@ -20001,7 +20037,7 @@
                     <a:p>
                       <a:pPr latinLnBrk="1"/>
                       <a:r>
-                        <a:rPr lang="en-US" altLang="ko-KR" smtClean="0">
+                        <a:rPr lang="en-US" altLang="ko-KR">
                           <a:solidFill>
                             <a:schemeClr val="tx1">
                               <a:lumMod val="65000"/>
@@ -20084,7 +20120,7 @@
                         <a:defRPr/>
                       </a:pPr>
                       <a:r>
-                        <a:rPr lang="en-US" altLang="ko-KR" smtClean="0">
+                        <a:rPr lang="en-US" altLang="ko-KR">
                           <a:solidFill>
                             <a:schemeClr val="tx1">
                               <a:lumMod val="65000"/>
@@ -20094,7 +20130,7 @@
                         </a:rPr>
                         <a:t>int</a:t>
                       </a:r>
-                      <a:endParaRPr lang="ko-KR" altLang="en-US" smtClean="0">
+                      <a:endParaRPr lang="ko-KR" altLang="en-US">
                         <a:solidFill>
                           <a:schemeClr val="tx1">
                             <a:lumMod val="65000"/>
@@ -20144,6 +20180,11 @@
                     <a:noFill/>
                   </a:tcPr>
                 </a:tc>
+                <a:extLst>
+                  <a:ext uri="{0D108BD9-81ED-4DB2-BD59-A6C34878D82A}">
+                    <a16:rowId xmlns:a16="http://schemas.microsoft.com/office/drawing/2014/main" val="10003"/>
+                  </a:ext>
+                </a:extLst>
               </a:tr>
               <a:tr h="511629">
                 <a:tc>
@@ -20153,7 +20194,7 @@
                     <a:p>
                       <a:pPr latinLnBrk="1"/>
                       <a:r>
-                        <a:rPr lang="en-US" altLang="ko-KR" smtClean="0">
+                        <a:rPr lang="en-US" altLang="ko-KR">
                           <a:solidFill>
                             <a:schemeClr val="tx1">
                               <a:lumMod val="65000"/>
@@ -20222,7 +20263,7 @@
                     <a:p>
                       <a:pPr latinLnBrk="1"/>
                       <a:r>
-                        <a:rPr lang="en-US" altLang="ko-KR" smtClean="0">
+                        <a:rPr lang="en-US" altLang="ko-KR">
                           <a:solidFill>
                             <a:schemeClr val="tx1">
                               <a:lumMod val="65000"/>
@@ -20305,7 +20346,7 @@
                         <a:defRPr/>
                       </a:pPr>
                       <a:r>
-                        <a:rPr lang="en-US" altLang="ko-KR" smtClean="0">
+                        <a:rPr lang="en-US" altLang="ko-KR">
                           <a:solidFill>
                             <a:schemeClr val="tx1">
                               <a:lumMod val="65000"/>
@@ -20315,7 +20356,7 @@
                         </a:rPr>
                         <a:t>int</a:t>
                       </a:r>
-                      <a:endParaRPr lang="ko-KR" altLang="en-US" smtClean="0">
+                      <a:endParaRPr lang="ko-KR" altLang="en-US">
                         <a:solidFill>
                           <a:schemeClr val="tx1">
                             <a:lumMod val="65000"/>
@@ -20365,6 +20406,11 @@
                     <a:noFill/>
                   </a:tcPr>
                 </a:tc>
+                <a:extLst>
+                  <a:ext uri="{0D108BD9-81ED-4DB2-BD59-A6C34878D82A}">
+                    <a16:rowId xmlns:a16="http://schemas.microsoft.com/office/drawing/2014/main" val="10004"/>
+                  </a:ext>
+                </a:extLst>
               </a:tr>
             </a:tbl>
           </a:graphicData>
@@ -20423,7 +20469,7 @@
           <p:cNvPr id="18" name="그룹 1008">
             <a:extLst>
               <a:ext uri="{FF2B5EF4-FFF2-40B4-BE49-F238E27FC236}">
-                <a16:creationId xmlns="" xmlns:a16="http://schemas.microsoft.com/office/drawing/2014/main" id="{678F6342-C505-E8AD-ADA4-022CB2C2088E}"/>
+                <a16:creationId xmlns:a16="http://schemas.microsoft.com/office/drawing/2014/main" id="{678F6342-C505-E8AD-ADA4-022CB2C2088E}"/>
               </a:ext>
             </a:extLst>
           </p:cNvPr>
@@ -20443,7 +20489,7 @@
             <p:cNvPr id="19" name="그룹 1009">
               <a:extLst>
                 <a:ext uri="{FF2B5EF4-FFF2-40B4-BE49-F238E27FC236}">
-                  <a16:creationId xmlns="" xmlns:a16="http://schemas.microsoft.com/office/drawing/2014/main" id="{4E1F1FED-812B-9BBB-925A-84B54A077414}"/>
+                  <a16:creationId xmlns:a16="http://schemas.microsoft.com/office/drawing/2014/main" id="{4E1F1FED-812B-9BBB-925A-84B54A077414}"/>
                 </a:ext>
               </a:extLst>
             </p:cNvPr>
@@ -20463,7 +20509,7 @@
               <p:cNvPr id="24" name="Object 29">
                 <a:extLst>
                   <a:ext uri="{FF2B5EF4-FFF2-40B4-BE49-F238E27FC236}">
-                    <a16:creationId xmlns="" xmlns:a16="http://schemas.microsoft.com/office/drawing/2014/main" id="{7B078609-4286-7B00-51EB-809C8E2DE289}"/>
+                    <a16:creationId xmlns:a16="http://schemas.microsoft.com/office/drawing/2014/main" id="{7B078609-4286-7B00-51EB-809C8E2DE289}"/>
                   </a:ext>
                 </a:extLst>
               </p:cNvPr>
@@ -20494,7 +20540,7 @@
             <p:cNvPr id="20" name="그룹 1010">
               <a:extLst>
                 <a:ext uri="{FF2B5EF4-FFF2-40B4-BE49-F238E27FC236}">
-                  <a16:creationId xmlns="" xmlns:a16="http://schemas.microsoft.com/office/drawing/2014/main" id="{02A649BF-B5B5-FBAF-7DFD-E118A4DF8907}"/>
+                  <a16:creationId xmlns:a16="http://schemas.microsoft.com/office/drawing/2014/main" id="{02A649BF-B5B5-FBAF-7DFD-E118A4DF8907}"/>
                 </a:ext>
               </a:extLst>
             </p:cNvPr>
@@ -20514,7 +20560,7 @@
               <p:cNvPr id="23" name="Object 32">
                 <a:extLst>
                   <a:ext uri="{FF2B5EF4-FFF2-40B4-BE49-F238E27FC236}">
-                    <a16:creationId xmlns="" xmlns:a16="http://schemas.microsoft.com/office/drawing/2014/main" id="{2A0FFF23-B3C9-3EA0-1C1B-A87D4FF098AE}"/>
+                    <a16:creationId xmlns:a16="http://schemas.microsoft.com/office/drawing/2014/main" id="{2A0FFF23-B3C9-3EA0-1C1B-A87D4FF098AE}"/>
                   </a:ext>
                 </a:extLst>
               </p:cNvPr>
@@ -20545,7 +20591,7 @@
             <p:cNvPr id="21" name="그룹 1011">
               <a:extLst>
                 <a:ext uri="{FF2B5EF4-FFF2-40B4-BE49-F238E27FC236}">
-                  <a16:creationId xmlns="" xmlns:a16="http://schemas.microsoft.com/office/drawing/2014/main" id="{881F5410-F7FB-F261-A584-707359BAC593}"/>
+                  <a16:creationId xmlns:a16="http://schemas.microsoft.com/office/drawing/2014/main" id="{881F5410-F7FB-F261-A584-707359BAC593}"/>
                 </a:ext>
               </a:extLst>
             </p:cNvPr>
@@ -20565,7 +20611,7 @@
               <p:cNvPr id="22" name="Object 35">
                 <a:extLst>
                   <a:ext uri="{FF2B5EF4-FFF2-40B4-BE49-F238E27FC236}">
-                    <a16:creationId xmlns="" xmlns:a16="http://schemas.microsoft.com/office/drawing/2014/main" id="{4E99E669-73EB-F9F4-EFE8-DC107035C265}"/>
+                    <a16:creationId xmlns:a16="http://schemas.microsoft.com/office/drawing/2014/main" id="{4E99E669-73EB-F9F4-EFE8-DC107035C265}"/>
                   </a:ext>
                 </a:extLst>
               </p:cNvPr>
@@ -20617,9 +20663,27 @@
                 <a:tableStyleId>{5C22544A-7EE6-4342-B048-85BDC9FD1C3A}</a:tableStyleId>
               </a:tblPr>
               <a:tblGrid>
-                <a:gridCol w="1295400"/>
-                <a:gridCol w="1066800"/>
-                <a:gridCol w="1066800"/>
+                <a:gridCol w="1295400">
+                  <a:extLst>
+                    <a:ext uri="{9D8B030D-6E8A-4147-A177-3AD203B41FA5}">
+                      <a16:colId xmlns:a16="http://schemas.microsoft.com/office/drawing/2014/main" val="20000"/>
+                    </a:ext>
+                  </a:extLst>
+                </a:gridCol>
+                <a:gridCol w="1066800">
+                  <a:extLst>
+                    <a:ext uri="{9D8B030D-6E8A-4147-A177-3AD203B41FA5}">
+                      <a16:colId xmlns:a16="http://schemas.microsoft.com/office/drawing/2014/main" val="20001"/>
+                    </a:ext>
+                  </a:extLst>
+                </a:gridCol>
+                <a:gridCol w="1066800">
+                  <a:extLst>
+                    <a:ext uri="{9D8B030D-6E8A-4147-A177-3AD203B41FA5}">
+                      <a16:colId xmlns:a16="http://schemas.microsoft.com/office/drawing/2014/main" val="20002"/>
+                    </a:ext>
+                  </a:extLst>
+                </a:gridCol>
               </a:tblGrid>
               <a:tr h="511629">
                 <a:tc>
@@ -20629,7 +20693,7 @@
                     <a:p>
                       <a:pPr latinLnBrk="1"/>
                       <a:r>
-                        <a:rPr lang="en-US" altLang="ko-KR" smtClean="0">
+                        <a:rPr lang="en-US" altLang="ko-KR">
                           <a:solidFill>
                             <a:schemeClr val="tx1">
                               <a:lumMod val="65000"/>
@@ -20696,7 +20760,7 @@
                     <a:p>
                       <a:pPr latinLnBrk="1"/>
                       <a:r>
-                        <a:rPr lang="en-US" altLang="ko-KR" smtClean="0">
+                        <a:rPr lang="en-US" altLang="ko-KR">
                           <a:solidFill>
                             <a:schemeClr val="tx1">
                               <a:lumMod val="65000"/>
@@ -20779,7 +20843,7 @@
                         <a:defRPr/>
                       </a:pPr>
                       <a:r>
-                        <a:rPr lang="en-US" altLang="ko-KR" smtClean="0">
+                        <a:rPr lang="en-US" altLang="ko-KR">
                           <a:solidFill>
                             <a:schemeClr val="tx1">
                               <a:lumMod val="65000"/>
@@ -20789,7 +20853,7 @@
                         </a:rPr>
                         <a:t>int</a:t>
                       </a:r>
-                      <a:endParaRPr lang="ko-KR" altLang="en-US" smtClean="0">
+                      <a:endParaRPr lang="ko-KR" altLang="en-US">
                         <a:solidFill>
                           <a:schemeClr val="tx1">
                             <a:lumMod val="65000"/>
@@ -20839,6 +20903,11 @@
                     <a:noFill/>
                   </a:tcPr>
                 </a:tc>
+                <a:extLst>
+                  <a:ext uri="{0D108BD9-81ED-4DB2-BD59-A6C34878D82A}">
+                    <a16:rowId xmlns:a16="http://schemas.microsoft.com/office/drawing/2014/main" val="10000"/>
+                  </a:ext>
+                </a:extLst>
               </a:tr>
               <a:tr h="511629">
                 <a:tc>
@@ -20848,7 +20917,7 @@
                     <a:p>
                       <a:pPr latinLnBrk="1"/>
                       <a:r>
-                        <a:rPr lang="en-US" altLang="ko-KR" smtClean="0">
+                        <a:rPr lang="en-US" altLang="ko-KR">
                           <a:solidFill>
                             <a:schemeClr val="tx1">
                               <a:lumMod val="65000"/>
@@ -20915,7 +20984,7 @@
                     <a:p>
                       <a:pPr latinLnBrk="1"/>
                       <a:r>
-                        <a:rPr lang="en-US" altLang="ko-KR" smtClean="0">
+                        <a:rPr lang="en-US" altLang="ko-KR">
                           <a:solidFill>
                             <a:schemeClr val="tx1">
                               <a:lumMod val="65000"/>
@@ -20998,7 +21067,7 @@
                         <a:defRPr/>
                       </a:pPr>
                       <a:r>
-                        <a:rPr lang="en-US" altLang="ko-KR" smtClean="0">
+                        <a:rPr lang="en-US" altLang="ko-KR">
                           <a:solidFill>
                             <a:schemeClr val="tx1">
                               <a:lumMod val="65000"/>
@@ -21008,7 +21077,7 @@
                         </a:rPr>
                         <a:t>int</a:t>
                       </a:r>
-                      <a:endParaRPr lang="ko-KR" altLang="en-US" smtClean="0">
+                      <a:endParaRPr lang="ko-KR" altLang="en-US">
                         <a:solidFill>
                           <a:schemeClr val="tx1">
                             <a:lumMod val="65000"/>
@@ -21058,6 +21127,11 @@
                     <a:noFill/>
                   </a:tcPr>
                 </a:tc>
+                <a:extLst>
+                  <a:ext uri="{0D108BD9-81ED-4DB2-BD59-A6C34878D82A}">
+                    <a16:rowId xmlns:a16="http://schemas.microsoft.com/office/drawing/2014/main" val="10001"/>
+                  </a:ext>
+                </a:extLst>
               </a:tr>
               <a:tr h="511629">
                 <a:tc>
@@ -21067,7 +21141,7 @@
                     <a:p>
                       <a:pPr latinLnBrk="1"/>
                       <a:r>
-                        <a:rPr lang="en-US" altLang="ko-KR" smtClean="0">
+                        <a:rPr lang="en-US" altLang="ko-KR">
                           <a:solidFill>
                             <a:schemeClr val="tx1">
                               <a:lumMod val="65000"/>
@@ -21134,7 +21208,7 @@
                     <a:p>
                       <a:pPr latinLnBrk="1"/>
                       <a:r>
-                        <a:rPr lang="en-US" altLang="ko-KR" smtClean="0">
+                        <a:rPr lang="en-US" altLang="ko-KR">
                           <a:solidFill>
                             <a:schemeClr val="tx1">
                               <a:lumMod val="65000"/>
@@ -21217,7 +21291,7 @@
                         <a:defRPr/>
                       </a:pPr>
                       <a:r>
-                        <a:rPr lang="en-US" altLang="ko-KR" smtClean="0">
+                        <a:rPr lang="en-US" altLang="ko-KR">
                           <a:solidFill>
                             <a:schemeClr val="tx1">
                               <a:lumMod val="65000"/>
@@ -21227,7 +21301,7 @@
                         </a:rPr>
                         <a:t>int</a:t>
                       </a:r>
-                      <a:endParaRPr lang="ko-KR" altLang="en-US" smtClean="0">
+                      <a:endParaRPr lang="ko-KR" altLang="en-US">
                         <a:solidFill>
                           <a:schemeClr val="tx1">
                             <a:lumMod val="65000"/>
@@ -21277,6 +21351,11 @@
                     <a:noFill/>
                   </a:tcPr>
                 </a:tc>
+                <a:extLst>
+                  <a:ext uri="{0D108BD9-81ED-4DB2-BD59-A6C34878D82A}">
+                    <a16:rowId xmlns:a16="http://schemas.microsoft.com/office/drawing/2014/main" val="10002"/>
+                  </a:ext>
+                </a:extLst>
               </a:tr>
               <a:tr h="511629">
                 <a:tc>
@@ -21286,7 +21365,7 @@
                     <a:p>
                       <a:pPr latinLnBrk="1"/>
                       <a:r>
-                        <a:rPr lang="en-US" altLang="ko-KR" smtClean="0">
+                        <a:rPr lang="en-US" altLang="ko-KR">
                           <a:solidFill>
                             <a:schemeClr val="tx1">
                               <a:lumMod val="65000"/>
@@ -21355,7 +21434,7 @@
                     <a:p>
                       <a:pPr latinLnBrk="1"/>
                       <a:r>
-                        <a:rPr lang="en-US" altLang="ko-KR" smtClean="0">
+                        <a:rPr lang="en-US" altLang="ko-KR">
                           <a:solidFill>
                             <a:schemeClr val="tx1">
                               <a:lumMod val="65000"/>
@@ -21440,7 +21519,7 @@
                         <a:defRPr/>
                       </a:pPr>
                       <a:r>
-                        <a:rPr lang="en-US" altLang="ko-KR" smtClean="0">
+                        <a:rPr lang="en-US" altLang="ko-KR">
                           <a:solidFill>
                             <a:schemeClr val="tx1">
                               <a:lumMod val="65000"/>
@@ -21450,7 +21529,7 @@
                         </a:rPr>
                         <a:t>int</a:t>
                       </a:r>
-                      <a:endParaRPr lang="ko-KR" altLang="en-US" smtClean="0">
+                      <a:endParaRPr lang="ko-KR" altLang="en-US">
                         <a:solidFill>
                           <a:schemeClr val="tx1">
                             <a:lumMod val="65000"/>
@@ -21502,6 +21581,11 @@
                     </a:solidFill>
                   </a:tcPr>
                 </a:tc>
+                <a:extLst>
+                  <a:ext uri="{0D108BD9-81ED-4DB2-BD59-A6C34878D82A}">
+                    <a16:rowId xmlns:a16="http://schemas.microsoft.com/office/drawing/2014/main" val="10003"/>
+                  </a:ext>
+                </a:extLst>
               </a:tr>
               <a:tr h="511629">
                 <a:tc>
@@ -21511,7 +21595,7 @@
                     <a:p>
                       <a:pPr latinLnBrk="1"/>
                       <a:r>
-                        <a:rPr lang="en-US" altLang="ko-KR" smtClean="0">
+                        <a:rPr lang="en-US" altLang="ko-KR">
                           <a:solidFill>
                             <a:schemeClr val="tx1">
                               <a:lumMod val="65000"/>
@@ -21578,7 +21662,7 @@
                     <a:p>
                       <a:pPr latinLnBrk="1"/>
                       <a:r>
-                        <a:rPr lang="en-US" altLang="ko-KR" smtClean="0">
+                        <a:rPr lang="en-US" altLang="ko-KR">
                           <a:solidFill>
                             <a:schemeClr val="tx1">
                               <a:lumMod val="65000"/>
@@ -21661,7 +21745,7 @@
                         <a:defRPr/>
                       </a:pPr>
                       <a:r>
-                        <a:rPr lang="en-US" altLang="ko-KR" smtClean="0">
+                        <a:rPr lang="en-US" altLang="ko-KR">
                           <a:solidFill>
                             <a:schemeClr val="tx1">
                               <a:lumMod val="65000"/>
@@ -21671,7 +21755,7 @@
                         </a:rPr>
                         <a:t>int</a:t>
                       </a:r>
-                      <a:endParaRPr lang="ko-KR" altLang="en-US" smtClean="0">
+                      <a:endParaRPr lang="ko-KR" altLang="en-US">
                         <a:solidFill>
                           <a:schemeClr val="tx1">
                             <a:lumMod val="65000"/>
@@ -21721,6 +21805,11 @@
                     <a:noFill/>
                   </a:tcPr>
                 </a:tc>
+                <a:extLst>
+                  <a:ext uri="{0D108BD9-81ED-4DB2-BD59-A6C34878D82A}">
+                    <a16:rowId xmlns:a16="http://schemas.microsoft.com/office/drawing/2014/main" val="10004"/>
+                  </a:ext>
+                </a:extLst>
               </a:tr>
             </a:tbl>
           </a:graphicData>
@@ -22016,7 +22105,7 @@
           <p:cNvPr id="4" name="TextBox 3">
             <a:extLst>
               <a:ext uri="{FF2B5EF4-FFF2-40B4-BE49-F238E27FC236}">
-                <a16:creationId xmlns="" xmlns:a16="http://schemas.microsoft.com/office/drawing/2014/main" id="{AAA7A62B-B663-9BB3-853E-37554E612635}"/>
+                <a16:creationId xmlns:a16="http://schemas.microsoft.com/office/drawing/2014/main" id="{AAA7A62B-B663-9BB3-853E-37554E612635}"/>
               </a:ext>
             </a:extLst>
           </p:cNvPr>
@@ -22040,7 +22129,7 @@
           <a:lstStyle/>
           <a:p>
             <a:r>
-              <a:rPr lang="en-US" altLang="ko-KR" sz="4800" smtClean="0">
+              <a:rPr lang="en-US" altLang="ko-KR" sz="4800">
                 <a:solidFill>
                   <a:srgbClr val="4C50BC"/>
                 </a:solidFill>
@@ -22050,7 +22139,7 @@
               <a:t>For</a:t>
             </a:r>
             <a:r>
-              <a:rPr lang="ko-KR" altLang="en-US" sz="4800" smtClean="0">
+              <a:rPr lang="ko-KR" altLang="en-US" sz="4800">
                 <a:solidFill>
                   <a:srgbClr val="4C50BC"/>
                 </a:solidFill>
@@ -22060,7 +22149,7 @@
               <a:t>문을 이용한 </a:t>
             </a:r>
             <a:r>
-              <a:rPr lang="en-US" altLang="ko-KR" sz="4800" smtClean="0">
+              <a:rPr lang="en-US" altLang="ko-KR" sz="4800">
                 <a:solidFill>
                   <a:srgbClr val="4C50BC"/>
                 </a:solidFill>
@@ -22070,7 +22159,7 @@
               <a:t>2</a:t>
             </a:r>
             <a:r>
-              <a:rPr lang="ko-KR" altLang="en-US" sz="4800" smtClean="0">
+              <a:rPr lang="ko-KR" altLang="en-US" sz="4800">
                 <a:solidFill>
                   <a:srgbClr val="4C50BC"/>
                 </a:solidFill>
@@ -22142,7 +22231,7 @@
           <p:cNvPr id="7" name="직선 화살표 연결선 6">
             <a:extLst>
               <a:ext uri="{FF2B5EF4-FFF2-40B4-BE49-F238E27FC236}">
-                <a16:creationId xmlns="" xmlns:a16="http://schemas.microsoft.com/office/drawing/2014/main" id="{299DF5EC-9DF4-5255-06AC-0A7CE4FF58C3}"/>
+                <a16:creationId xmlns:a16="http://schemas.microsoft.com/office/drawing/2014/main" id="{299DF5EC-9DF4-5255-06AC-0A7CE4FF58C3}"/>
               </a:ext>
             </a:extLst>
           </p:cNvPr>
@@ -22183,7 +22272,7 @@
           <p:cNvPr id="9" name="직사각형 8">
             <a:extLst>
               <a:ext uri="{FF2B5EF4-FFF2-40B4-BE49-F238E27FC236}">
-                <a16:creationId xmlns="" xmlns:a16="http://schemas.microsoft.com/office/drawing/2014/main" id="{FFF506F9-840A-0508-4CAF-3AC711D8D5CE}"/>
+                <a16:creationId xmlns:a16="http://schemas.microsoft.com/office/drawing/2014/main" id="{FFF506F9-840A-0508-4CAF-3AC711D8D5CE}"/>
               </a:ext>
             </a:extLst>
           </p:cNvPr>
@@ -22235,7 +22324,7 @@
           <p:cNvPr id="11" name="TextBox 10">
             <a:extLst>
               <a:ext uri="{FF2B5EF4-FFF2-40B4-BE49-F238E27FC236}">
-                <a16:creationId xmlns="" xmlns:a16="http://schemas.microsoft.com/office/drawing/2014/main" id="{C6D113C6-EA5C-788F-0C77-E7CE6EBB865F}"/>
+                <a16:creationId xmlns:a16="http://schemas.microsoft.com/office/drawing/2014/main" id="{C6D113C6-EA5C-788F-0C77-E7CE6EBB865F}"/>
               </a:ext>
             </a:extLst>
           </p:cNvPr>
@@ -22259,7 +22348,7 @@
           <a:lstStyle/>
           <a:p>
             <a:r>
-              <a:rPr lang="en-US" altLang="ko-KR" sz="4000" smtClean="0">
+              <a:rPr lang="en-US" altLang="ko-KR" sz="4000">
                 <a:solidFill>
                   <a:srgbClr val="FF0000"/>
                 </a:solidFill>
@@ -22269,7 +22358,7 @@
               <a:t>arr</a:t>
             </a:r>
             <a:r>
-              <a:rPr lang="ko-KR" altLang="en-US" sz="4000" smtClean="0">
+              <a:rPr lang="ko-KR" altLang="en-US" sz="4000">
                 <a:solidFill>
                   <a:srgbClr val="FF0000"/>
                 </a:solidFill>
@@ -22279,7 +22368,7 @@
               <a:t>의 요소들은 길이</a:t>
             </a:r>
             <a:r>
-              <a:rPr lang="en-US" altLang="ko-KR" sz="4000" smtClean="0">
+              <a:rPr lang="en-US" altLang="ko-KR" sz="4000">
                 <a:solidFill>
                   <a:srgbClr val="FF0000"/>
                 </a:solidFill>
@@ -22289,7 +22378,7 @@
               <a:t>3</a:t>
             </a:r>
             <a:r>
-              <a:rPr lang="ko-KR" altLang="en-US" sz="4000" smtClean="0">
+              <a:rPr lang="ko-KR" altLang="en-US" sz="4000">
                 <a:solidFill>
                   <a:srgbClr val="FF0000"/>
                 </a:solidFill>
@@ -22299,7 +22388,7 @@
               <a:t>의배열이다</a:t>
             </a:r>
             <a:r>
-              <a:rPr lang="en-US" altLang="ko-KR" sz="4000" smtClean="0">
+              <a:rPr lang="en-US" altLang="ko-KR" sz="4000">
                 <a:solidFill>
                   <a:srgbClr val="FF0000"/>
                 </a:solidFill>
@@ -22600,7 +22689,7 @@
           <p:cNvPr id="4" name="TextBox 3">
             <a:extLst>
               <a:ext uri="{FF2B5EF4-FFF2-40B4-BE49-F238E27FC236}">
-                <a16:creationId xmlns="" xmlns:a16="http://schemas.microsoft.com/office/drawing/2014/main" id="{AAA7A62B-B663-9BB3-853E-37554E612635}"/>
+                <a16:creationId xmlns:a16="http://schemas.microsoft.com/office/drawing/2014/main" id="{AAA7A62B-B663-9BB3-853E-37554E612635}"/>
               </a:ext>
             </a:extLst>
           </p:cNvPr>
@@ -22624,7 +22713,7 @@
           <a:lstStyle/>
           <a:p>
             <a:r>
-              <a:rPr lang="ko-KR" altLang="en-US" sz="4800" smtClean="0">
+              <a:rPr lang="ko-KR" altLang="en-US" sz="4800">
                 <a:solidFill>
                   <a:srgbClr val="4C50BC"/>
                 </a:solidFill>
@@ -22634,7 +22723,7 @@
               <a:t>실습문제</a:t>
             </a:r>
             <a:r>
-              <a:rPr lang="en-US" altLang="ko-KR" sz="4800" smtClean="0">
+              <a:rPr lang="en-US" altLang="ko-KR" sz="4800">
                 <a:solidFill>
                   <a:srgbClr val="4C50BC"/>
                 </a:solidFill>
@@ -22658,7 +22747,7 @@
           <p:cNvPr id="6" name="TextBox 5">
             <a:extLst>
               <a:ext uri="{FF2B5EF4-FFF2-40B4-BE49-F238E27FC236}">
-                <a16:creationId xmlns="" xmlns:a16="http://schemas.microsoft.com/office/drawing/2014/main" id="{1411E83A-6F3E-13BA-B84D-07D6B1588D85}"/>
+                <a16:creationId xmlns:a16="http://schemas.microsoft.com/office/drawing/2014/main" id="{1411E83A-6F3E-13BA-B84D-07D6B1588D85}"/>
               </a:ext>
             </a:extLst>
           </p:cNvPr>
@@ -22685,7 +22774,7 @@
               <a:buAutoNum type="arabicPeriod"/>
             </a:pPr>
             <a:r>
-              <a:rPr lang="ko-KR" altLang="en-US" sz="3200" smtClean="0">
+              <a:rPr lang="ko-KR" altLang="en-US" sz="3200">
                 <a:solidFill>
                   <a:schemeClr val="tx1">
                     <a:lumMod val="50000"/>
@@ -22698,7 +22787,7 @@
               <a:t>학생 </a:t>
             </a:r>
             <a:r>
-              <a:rPr lang="en-US" altLang="ko-KR" sz="3200" smtClean="0">
+              <a:rPr lang="en-US" altLang="ko-KR" sz="3200">
                 <a:solidFill>
                   <a:schemeClr val="tx1">
                     <a:lumMod val="50000"/>
@@ -22711,7 +22800,7 @@
               <a:t>5</a:t>
             </a:r>
             <a:r>
-              <a:rPr lang="ko-KR" altLang="en-US" sz="3200" smtClean="0">
+              <a:rPr lang="ko-KR" altLang="en-US" sz="3200">
                 <a:solidFill>
                   <a:schemeClr val="tx1">
                     <a:lumMod val="50000"/>
@@ -22724,7 +22813,7 @@
               <a:t>명의 국어</a:t>
             </a:r>
             <a:r>
-              <a:rPr lang="en-US" altLang="ko-KR" sz="3200" smtClean="0">
+              <a:rPr lang="en-US" altLang="ko-KR" sz="3200">
                 <a:solidFill>
                   <a:schemeClr val="tx1">
                     <a:lumMod val="50000"/>
@@ -22737,7 +22826,7 @@
               <a:t>, </a:t>
             </a:r>
             <a:r>
-              <a:rPr lang="ko-KR" altLang="en-US" sz="3200" smtClean="0">
+              <a:rPr lang="ko-KR" altLang="en-US" sz="3200">
                 <a:solidFill>
                   <a:schemeClr val="tx1">
                     <a:lumMod val="50000"/>
@@ -22750,7 +22839,7 @@
               <a:t>영어</a:t>
             </a:r>
             <a:r>
-              <a:rPr lang="en-US" altLang="ko-KR" sz="3200" smtClean="0">
+              <a:rPr lang="en-US" altLang="ko-KR" sz="3200">
                 <a:solidFill>
                   <a:schemeClr val="tx1">
                     <a:lumMod val="50000"/>
@@ -22763,7 +22852,7 @@
               <a:t>, </a:t>
             </a:r>
             <a:r>
-              <a:rPr lang="ko-KR" altLang="en-US" sz="3200" smtClean="0">
+              <a:rPr lang="ko-KR" altLang="en-US" sz="3200">
                 <a:solidFill>
                   <a:schemeClr val="tx1">
                     <a:lumMod val="50000"/>
@@ -22776,7 +22865,7 @@
               <a:t>수학 성적을 저장하는 </a:t>
             </a:r>
             <a:r>
-              <a:rPr lang="en-US" altLang="ko-KR" sz="3200" smtClean="0">
+              <a:rPr lang="en-US" altLang="ko-KR" sz="3200">
                 <a:solidFill>
                   <a:schemeClr val="tx1">
                     <a:lumMod val="50000"/>
@@ -22789,7 +22878,7 @@
               <a:t>2</a:t>
             </a:r>
             <a:r>
-              <a:rPr lang="ko-KR" altLang="en-US" sz="3200" smtClean="0">
+              <a:rPr lang="ko-KR" altLang="en-US" sz="3200">
                 <a:solidFill>
                   <a:schemeClr val="tx1">
                     <a:lumMod val="50000"/>
@@ -22802,7 +22891,7 @@
               <a:t>차원 배열을 만들어 저장하고 각 학생의 평균을 출력하여 보자</a:t>
             </a:r>
             <a:r>
-              <a:rPr lang="en-US" altLang="ko-KR" sz="3200" smtClean="0">
+              <a:rPr lang="en-US" altLang="ko-KR" sz="3200">
                 <a:solidFill>
                   <a:schemeClr val="tx1">
                     <a:lumMod val="50000"/>
@@ -22815,7 +22904,7 @@
               <a:t>(</a:t>
             </a:r>
             <a:r>
-              <a:rPr lang="ko-KR" altLang="en-US" sz="3200" smtClean="0">
+              <a:rPr lang="ko-KR" altLang="en-US" sz="3200">
                 <a:solidFill>
                   <a:schemeClr val="tx1">
                     <a:lumMod val="50000"/>
@@ -22828,7 +22917,7 @@
               <a:t>길이</a:t>
             </a:r>
             <a:r>
-              <a:rPr lang="en-US" altLang="ko-KR" sz="3200" smtClean="0">
+              <a:rPr lang="en-US" altLang="ko-KR" sz="3200">
                 <a:solidFill>
                   <a:schemeClr val="tx1">
                     <a:lumMod val="50000"/>
@@ -22841,7 +22930,7 @@
               <a:t>3</a:t>
             </a:r>
             <a:r>
-              <a:rPr lang="ko-KR" altLang="en-US" sz="3200" smtClean="0">
+              <a:rPr lang="ko-KR" altLang="en-US" sz="3200">
                 <a:solidFill>
                   <a:schemeClr val="tx1">
                     <a:lumMod val="50000"/>
@@ -22854,7 +22943,7 @@
               <a:t>의 </a:t>
             </a:r>
             <a:r>
-              <a:rPr lang="en-US" altLang="ko-KR" sz="3200" smtClean="0">
+              <a:rPr lang="en-US" altLang="ko-KR" sz="3200">
                 <a:solidFill>
                   <a:schemeClr val="tx1">
                     <a:lumMod val="50000"/>
@@ -22867,7 +22956,7 @@
               <a:t>1</a:t>
             </a:r>
             <a:r>
-              <a:rPr lang="ko-KR" altLang="en-US" sz="3200" smtClean="0">
+              <a:rPr lang="ko-KR" altLang="en-US" sz="3200">
                 <a:solidFill>
                   <a:schemeClr val="tx1">
                     <a:lumMod val="50000"/>
@@ -22880,7 +22969,7 @@
               <a:t>차원배열 </a:t>
             </a:r>
             <a:r>
-              <a:rPr lang="en-US" altLang="ko-KR" sz="3200" smtClean="0">
+              <a:rPr lang="en-US" altLang="ko-KR" sz="3200">
                 <a:solidFill>
                   <a:schemeClr val="tx1">
                     <a:lumMod val="50000"/>
@@ -22893,7 +22982,7 @@
               <a:t>5</a:t>
             </a:r>
             <a:r>
-              <a:rPr lang="ko-KR" altLang="en-US" sz="3200" smtClean="0">
+              <a:rPr lang="ko-KR" altLang="en-US" sz="3200">
                 <a:solidFill>
                   <a:schemeClr val="tx1">
                     <a:lumMod val="50000"/>
@@ -22906,7 +22995,7 @@
               <a:t>개를 저장해야한다</a:t>
             </a:r>
             <a:r>
-              <a:rPr lang="en-US" altLang="ko-KR" sz="3200" smtClean="0">
+              <a:rPr lang="en-US" altLang="ko-KR" sz="3200">
                 <a:solidFill>
                   <a:schemeClr val="tx1">
                     <a:lumMod val="50000"/>
@@ -22960,7 +23049,7 @@
           <p:cNvPr id="8" name="TextBox 7">
             <a:extLst>
               <a:ext uri="{FF2B5EF4-FFF2-40B4-BE49-F238E27FC236}">
-                <a16:creationId xmlns="" xmlns:a16="http://schemas.microsoft.com/office/drawing/2014/main" id="{1411E83A-6F3E-13BA-B84D-07D6B1588D85}"/>
+                <a16:creationId xmlns:a16="http://schemas.microsoft.com/office/drawing/2014/main" id="{1411E83A-6F3E-13BA-B84D-07D6B1588D85}"/>
               </a:ext>
             </a:extLst>
           </p:cNvPr>
@@ -22984,7 +23073,7 @@
           <a:lstStyle/>
           <a:p>
             <a:r>
-              <a:rPr lang="en-US" altLang="ko-KR" sz="3200" smtClean="0">
+              <a:rPr lang="en-US" altLang="ko-KR" sz="3200">
                 <a:solidFill>
                   <a:schemeClr val="tx1">
                     <a:lumMod val="50000"/>
@@ -22997,7 +23086,7 @@
               <a:t>2. 2</a:t>
             </a:r>
             <a:r>
-              <a:rPr lang="ko-KR" altLang="en-US" sz="3200" smtClean="0">
+              <a:rPr lang="ko-KR" altLang="en-US" sz="3200">
                 <a:solidFill>
                   <a:schemeClr val="tx1">
                     <a:lumMod val="50000"/>
@@ -23010,7 +23099,7 @@
               <a:t>차원배열을 이용하여 숫자를 입력받아 암호화 하는 프로그램을 만들자</a:t>
             </a:r>
             <a:r>
-              <a:rPr lang="en-US" altLang="ko-KR" sz="3200" smtClean="0">
+              <a:rPr lang="en-US" altLang="ko-KR" sz="3200">
                 <a:solidFill>
                   <a:schemeClr val="tx1">
                     <a:lumMod val="50000"/>
@@ -23088,7 +23177,7 @@
           <p:cNvPr id="11" name="TextBox 10">
             <a:extLst>
               <a:ext uri="{FF2B5EF4-FFF2-40B4-BE49-F238E27FC236}">
-                <a16:creationId xmlns="" xmlns:a16="http://schemas.microsoft.com/office/drawing/2014/main" id="{1411E83A-6F3E-13BA-B84D-07D6B1588D85}"/>
+                <a16:creationId xmlns:a16="http://schemas.microsoft.com/office/drawing/2014/main" id="{1411E83A-6F3E-13BA-B84D-07D6B1588D85}"/>
               </a:ext>
             </a:extLst>
           </p:cNvPr>
@@ -23112,7 +23201,7 @@
           <a:lstStyle/>
           <a:p>
             <a:r>
-              <a:rPr lang="en-US" altLang="ko-KR" sz="3200" smtClean="0">
+              <a:rPr lang="en-US" altLang="ko-KR" sz="3200">
                 <a:solidFill>
                   <a:schemeClr val="tx1">
                     <a:lumMod val="50000"/>
@@ -23125,7 +23214,7 @@
               <a:t>3. 1~25</a:t>
             </a:r>
             <a:r>
-              <a:rPr lang="ko-KR" altLang="en-US" sz="3200" smtClean="0">
+              <a:rPr lang="ko-KR" altLang="en-US" sz="3200">
                 <a:solidFill>
                   <a:schemeClr val="tx1">
                     <a:lumMod val="50000"/>
@@ -23138,7 +23227,7 @@
               <a:t>까지 숫자를 순서대로 저장하는 </a:t>
             </a:r>
             <a:r>
-              <a:rPr lang="en-US" altLang="ko-KR" sz="3200" smtClean="0">
+              <a:rPr lang="en-US" altLang="ko-KR" sz="3200">
                 <a:solidFill>
                   <a:schemeClr val="tx1">
                     <a:lumMod val="50000"/>
@@ -23151,7 +23240,7 @@
               <a:t>2</a:t>
             </a:r>
             <a:r>
-              <a:rPr lang="ko-KR" altLang="en-US" sz="3200" smtClean="0">
+              <a:rPr lang="ko-KR" altLang="en-US" sz="3200">
                 <a:solidFill>
                   <a:schemeClr val="tx1">
                     <a:lumMod val="50000"/>
@@ -23164,7 +23253,7 @@
               <a:t>차원 배열</a:t>
             </a:r>
             <a:r>
-              <a:rPr lang="en-US" altLang="ko-KR" sz="3200" smtClean="0">
+              <a:rPr lang="en-US" altLang="ko-KR" sz="3200">
                 <a:solidFill>
                   <a:schemeClr val="tx1">
                     <a:lumMod val="50000"/>
@@ -23177,7 +23266,7 @@
               <a:t>[5][5]</a:t>
             </a:r>
             <a:r>
-              <a:rPr lang="ko-KR" altLang="en-US" sz="3200" smtClean="0">
+              <a:rPr lang="ko-KR" altLang="en-US" sz="3200">
                 <a:solidFill>
                   <a:schemeClr val="tx1">
                     <a:lumMod val="50000"/>
@@ -23190,7 +23279,7 @@
               <a:t>을 만든후 값을 랜덤하게 섞어보자 </a:t>
             </a:r>
             <a:r>
-              <a:rPr lang="en-US" altLang="ko-KR" sz="2800" smtClean="0">
+              <a:rPr lang="en-US" altLang="ko-KR" sz="2800">
                 <a:solidFill>
                   <a:srgbClr val="FF0000"/>
                 </a:solidFill>
@@ -23200,7 +23289,7 @@
               <a:t>(</a:t>
             </a:r>
             <a:r>
-              <a:rPr lang="ko-KR" altLang="en-US" sz="2800" smtClean="0">
+              <a:rPr lang="ko-KR" altLang="en-US" sz="2800">
                 <a:solidFill>
                   <a:srgbClr val="FF0000"/>
                 </a:solidFill>
@@ -23210,7 +23299,7 @@
               <a:t>셔플</a:t>
             </a:r>
             <a:r>
-              <a:rPr lang="en-US" altLang="ko-KR" sz="2800" smtClean="0">
+              <a:rPr lang="en-US" altLang="ko-KR" sz="2800">
                 <a:solidFill>
                   <a:srgbClr val="FF0000"/>
                 </a:solidFill>
@@ -23220,7 +23309,7 @@
               <a:t>: Math.random() </a:t>
             </a:r>
             <a:r>
-              <a:rPr lang="ko-KR" altLang="en-US" sz="2800" smtClean="0">
+              <a:rPr lang="ko-KR" altLang="en-US" sz="2800">
                 <a:solidFill>
                   <a:srgbClr val="FF0000"/>
                 </a:solidFill>
@@ -23230,7 +23319,7 @@
               <a:t>이용하여 </a:t>
             </a:r>
             <a:r>
-              <a:rPr lang="en-US" altLang="ko-KR" sz="2800" smtClean="0">
+              <a:rPr lang="en-US" altLang="ko-KR" sz="2800">
                 <a:solidFill>
                   <a:srgbClr val="FF0000"/>
                 </a:solidFill>
@@ -23240,7 +23329,7 @@
               <a:t>1~25 </a:t>
             </a:r>
             <a:r>
-              <a:rPr lang="ko-KR" altLang="en-US" sz="2800" smtClean="0">
+              <a:rPr lang="ko-KR" altLang="en-US" sz="2800">
                 <a:solidFill>
                   <a:srgbClr val="FF0000"/>
                 </a:solidFill>
@@ -23250,7 +23339,7 @@
               <a:t>사이 숫자를 뽑은후 </a:t>
             </a:r>
             <a:r>
-              <a:rPr lang="en-US" altLang="ko-KR" sz="2800" smtClean="0">
+              <a:rPr lang="en-US" altLang="ko-KR" sz="2800">
                 <a:solidFill>
                   <a:srgbClr val="FF0000"/>
                 </a:solidFill>
@@ -23260,7 +23349,7 @@
               <a:t>2</a:t>
             </a:r>
             <a:r>
-              <a:rPr lang="ko-KR" altLang="en-US" sz="2800" smtClean="0">
+              <a:rPr lang="ko-KR" altLang="en-US" sz="2800">
                 <a:solidFill>
                   <a:srgbClr val="FF0000"/>
                 </a:solidFill>
@@ -23270,7 +23359,7 @@
               <a:t>차원배열에서 동일한 숫자를 찾아 </a:t>
             </a:r>
             <a:r>
-              <a:rPr lang="en-US" altLang="ko-KR" sz="2800" smtClean="0">
+              <a:rPr lang="en-US" altLang="ko-KR" sz="2800">
                 <a:solidFill>
                   <a:srgbClr val="FF0000"/>
                 </a:solidFill>
@@ -23280,7 +23369,7 @@
               <a:t>[0][0] </a:t>
             </a:r>
             <a:r>
-              <a:rPr lang="ko-KR" altLang="en-US" sz="2800" smtClean="0">
+              <a:rPr lang="ko-KR" altLang="en-US" sz="2800">
                 <a:solidFill>
                   <a:srgbClr val="FF0000"/>
                 </a:solidFill>
@@ -23290,7 +23379,7 @@
               <a:t>의 값과 교체하는것을 </a:t>
             </a:r>
             <a:r>
-              <a:rPr lang="en-US" altLang="ko-KR" sz="2800" smtClean="0">
+              <a:rPr lang="en-US" altLang="ko-KR" sz="2800">
                 <a:solidFill>
                   <a:srgbClr val="FF0000"/>
                 </a:solidFill>
@@ -23300,7 +23389,7 @@
               <a:t>100</a:t>
             </a:r>
             <a:r>
-              <a:rPr lang="ko-KR" altLang="en-US" sz="2800" smtClean="0">
+              <a:rPr lang="ko-KR" altLang="en-US" sz="2800">
                 <a:solidFill>
                   <a:srgbClr val="FF0000"/>
                 </a:solidFill>
@@ -23310,7 +23399,7 @@
               <a:t>번 반복하자</a:t>
             </a:r>
             <a:r>
-              <a:rPr lang="en-US" altLang="ko-KR" sz="2800" smtClean="0">
+              <a:rPr lang="en-US" altLang="ko-KR" sz="2800">
                 <a:solidFill>
                   <a:srgbClr val="FF0000"/>
                 </a:solidFill>
@@ -23363,13 +23452,6 @@
   <p:clrMapOvr>
     <a:masterClrMapping/>
   </p:clrMapOvr>
-  <p:timing>
-    <p:tnLst>
-      <p:par>
-        <p:cTn id="1" dur="indefinite" restart="never" nodeType="tmRoot"/>
-      </p:par>
-    </p:tnLst>
-  </p:timing>
 </p:sld>
 </file>
 
@@ -23395,7 +23477,7 @@
           <p:cNvPr id="4" name="TextBox 3">
             <a:extLst>
               <a:ext uri="{FF2B5EF4-FFF2-40B4-BE49-F238E27FC236}">
-                <a16:creationId xmlns="" xmlns:a16="http://schemas.microsoft.com/office/drawing/2014/main" id="{AAA7A62B-B663-9BB3-853E-37554E612635}"/>
+                <a16:creationId xmlns:a16="http://schemas.microsoft.com/office/drawing/2014/main" id="{AAA7A62B-B663-9BB3-853E-37554E612635}"/>
               </a:ext>
             </a:extLst>
           </p:cNvPr>
@@ -23419,7 +23501,7 @@
           <a:lstStyle/>
           <a:p>
             <a:r>
-              <a:rPr lang="ko-KR" altLang="en-US" sz="4800" smtClean="0">
+              <a:rPr lang="ko-KR" altLang="en-US" sz="4800">
                 <a:solidFill>
                   <a:srgbClr val="4C50BC"/>
                 </a:solidFill>
@@ -23487,9 +23569,27 @@
                 <a:tableStyleId>{5C22544A-7EE6-4342-B048-85BDC9FD1C3A}</a:tableStyleId>
               </a:tblPr>
               <a:tblGrid>
-                <a:gridCol w="1295400"/>
-                <a:gridCol w="1066800"/>
-                <a:gridCol w="1066800"/>
+                <a:gridCol w="1295400">
+                  <a:extLst>
+                    <a:ext uri="{9D8B030D-6E8A-4147-A177-3AD203B41FA5}">
+                      <a16:colId xmlns:a16="http://schemas.microsoft.com/office/drawing/2014/main" val="20000"/>
+                    </a:ext>
+                  </a:extLst>
+                </a:gridCol>
+                <a:gridCol w="1066800">
+                  <a:extLst>
+                    <a:ext uri="{9D8B030D-6E8A-4147-A177-3AD203B41FA5}">
+                      <a16:colId xmlns:a16="http://schemas.microsoft.com/office/drawing/2014/main" val="20001"/>
+                    </a:ext>
+                  </a:extLst>
+                </a:gridCol>
+                <a:gridCol w="1066800">
+                  <a:extLst>
+                    <a:ext uri="{9D8B030D-6E8A-4147-A177-3AD203B41FA5}">
+                      <a16:colId xmlns:a16="http://schemas.microsoft.com/office/drawing/2014/main" val="20002"/>
+                    </a:ext>
+                  </a:extLst>
+                </a:gridCol>
               </a:tblGrid>
               <a:tr h="511629">
                 <a:tc>
@@ -23499,7 +23599,7 @@
                     <a:p>
                       <a:pPr latinLnBrk="1"/>
                       <a:r>
-                        <a:rPr lang="en-US" altLang="ko-KR" smtClean="0">
+                        <a:rPr lang="en-US" altLang="ko-KR">
                           <a:solidFill>
                             <a:schemeClr val="tx1">
                               <a:lumMod val="65000"/>
@@ -23566,7 +23666,7 @@
                     <a:p>
                       <a:pPr latinLnBrk="1"/>
                       <a:r>
-                        <a:rPr lang="en-US" altLang="ko-KR" smtClean="0">
+                        <a:rPr lang="en-US" altLang="ko-KR">
                           <a:solidFill>
                             <a:schemeClr val="tx1">
                               <a:lumMod val="65000"/>
@@ -23649,7 +23749,7 @@
                         <a:defRPr/>
                       </a:pPr>
                       <a:r>
-                        <a:rPr lang="en-US" altLang="ko-KR" smtClean="0">
+                        <a:rPr lang="en-US" altLang="ko-KR">
                           <a:solidFill>
                             <a:schemeClr val="tx1">
                               <a:lumMod val="65000"/>
@@ -23659,7 +23759,7 @@
                         </a:rPr>
                         <a:t>int</a:t>
                       </a:r>
-                      <a:endParaRPr lang="ko-KR" altLang="en-US" smtClean="0">
+                      <a:endParaRPr lang="ko-KR" altLang="en-US">
                         <a:solidFill>
                           <a:schemeClr val="tx1">
                             <a:lumMod val="65000"/>
@@ -23709,6 +23809,11 @@
                     <a:noFill/>
                   </a:tcPr>
                 </a:tc>
+                <a:extLst>
+                  <a:ext uri="{0D108BD9-81ED-4DB2-BD59-A6C34878D82A}">
+                    <a16:rowId xmlns:a16="http://schemas.microsoft.com/office/drawing/2014/main" val="10000"/>
+                  </a:ext>
+                </a:extLst>
               </a:tr>
               <a:tr h="511629">
                 <a:tc>
@@ -23718,7 +23823,7 @@
                     <a:p>
                       <a:pPr latinLnBrk="1"/>
                       <a:r>
-                        <a:rPr lang="en-US" altLang="ko-KR" smtClean="0">
+                        <a:rPr lang="en-US" altLang="ko-KR">
                           <a:solidFill>
                             <a:schemeClr val="tx1">
                               <a:lumMod val="65000"/>
@@ -23785,7 +23890,7 @@
                     <a:p>
                       <a:pPr latinLnBrk="1"/>
                       <a:r>
-                        <a:rPr lang="en-US" altLang="ko-KR" smtClean="0">
+                        <a:rPr lang="en-US" altLang="ko-KR">
                           <a:solidFill>
                             <a:schemeClr val="tx1">
                               <a:lumMod val="65000"/>
@@ -23868,7 +23973,7 @@
                         <a:defRPr/>
                       </a:pPr>
                       <a:r>
-                        <a:rPr lang="en-US" altLang="ko-KR" smtClean="0">
+                        <a:rPr lang="en-US" altLang="ko-KR">
                           <a:solidFill>
                             <a:schemeClr val="tx1">
                               <a:lumMod val="65000"/>
@@ -23878,7 +23983,7 @@
                         </a:rPr>
                         <a:t>int</a:t>
                       </a:r>
-                      <a:endParaRPr lang="ko-KR" altLang="en-US" smtClean="0">
+                      <a:endParaRPr lang="ko-KR" altLang="en-US">
                         <a:solidFill>
                           <a:schemeClr val="tx1">
                             <a:lumMod val="65000"/>
@@ -23928,6 +24033,11 @@
                     <a:noFill/>
                   </a:tcPr>
                 </a:tc>
+                <a:extLst>
+                  <a:ext uri="{0D108BD9-81ED-4DB2-BD59-A6C34878D82A}">
+                    <a16:rowId xmlns:a16="http://schemas.microsoft.com/office/drawing/2014/main" val="10001"/>
+                  </a:ext>
+                </a:extLst>
               </a:tr>
               <a:tr h="511629">
                 <a:tc>
@@ -23937,7 +24047,7 @@
                     <a:p>
                       <a:pPr latinLnBrk="1"/>
                       <a:r>
-                        <a:rPr lang="en-US" altLang="ko-KR" smtClean="0">
+                        <a:rPr lang="en-US" altLang="ko-KR">
                           <a:solidFill>
                             <a:schemeClr val="tx1">
                               <a:lumMod val="65000"/>
@@ -24004,7 +24114,7 @@
                     <a:p>
                       <a:pPr latinLnBrk="1"/>
                       <a:r>
-                        <a:rPr lang="en-US" altLang="ko-KR" smtClean="0">
+                        <a:rPr lang="en-US" altLang="ko-KR">
                           <a:solidFill>
                             <a:schemeClr val="tx1">
                               <a:lumMod val="65000"/>
@@ -24087,7 +24197,7 @@
                         <a:defRPr/>
                       </a:pPr>
                       <a:r>
-                        <a:rPr lang="en-US" altLang="ko-KR" smtClean="0">
+                        <a:rPr lang="en-US" altLang="ko-KR">
                           <a:solidFill>
                             <a:schemeClr val="tx1">
                               <a:lumMod val="65000"/>
@@ -24097,7 +24207,7 @@
                         </a:rPr>
                         <a:t>int</a:t>
                       </a:r>
-                      <a:endParaRPr lang="ko-KR" altLang="en-US" smtClean="0">
+                      <a:endParaRPr lang="ko-KR" altLang="en-US">
                         <a:solidFill>
                           <a:schemeClr val="tx1">
                             <a:lumMod val="65000"/>
@@ -24147,6 +24257,11 @@
                     <a:noFill/>
                   </a:tcPr>
                 </a:tc>
+                <a:extLst>
+                  <a:ext uri="{0D108BD9-81ED-4DB2-BD59-A6C34878D82A}">
+                    <a16:rowId xmlns:a16="http://schemas.microsoft.com/office/drawing/2014/main" val="10002"/>
+                  </a:ext>
+                </a:extLst>
               </a:tr>
               <a:tr h="511629">
                 <a:tc>
@@ -24156,7 +24271,7 @@
                     <a:p>
                       <a:pPr latinLnBrk="1"/>
                       <a:r>
-                        <a:rPr lang="en-US" altLang="ko-KR" smtClean="0">
+                        <a:rPr lang="en-US" altLang="ko-KR">
                           <a:solidFill>
                             <a:schemeClr val="tx1">
                               <a:lumMod val="65000"/>
@@ -24223,7 +24338,7 @@
                     <a:p>
                       <a:pPr latinLnBrk="1"/>
                       <a:r>
-                        <a:rPr lang="en-US" altLang="ko-KR" smtClean="0">
+                        <a:rPr lang="en-US" altLang="ko-KR">
                           <a:solidFill>
                             <a:schemeClr val="tx1">
                               <a:lumMod val="65000"/>
@@ -24306,7 +24421,7 @@
                         <a:defRPr/>
                       </a:pPr>
                       <a:r>
-                        <a:rPr lang="en-US" altLang="ko-KR" smtClean="0">
+                        <a:rPr lang="en-US" altLang="ko-KR">
                           <a:solidFill>
                             <a:schemeClr val="tx1">
                               <a:lumMod val="65000"/>
@@ -24316,7 +24431,7 @@
                         </a:rPr>
                         <a:t>int</a:t>
                       </a:r>
-                      <a:endParaRPr lang="ko-KR" altLang="en-US" smtClean="0">
+                      <a:endParaRPr lang="ko-KR" altLang="en-US">
                         <a:solidFill>
                           <a:schemeClr val="tx1">
                             <a:lumMod val="65000"/>
@@ -24366,6 +24481,11 @@
                     <a:noFill/>
                   </a:tcPr>
                 </a:tc>
+                <a:extLst>
+                  <a:ext uri="{0D108BD9-81ED-4DB2-BD59-A6C34878D82A}">
+                    <a16:rowId xmlns:a16="http://schemas.microsoft.com/office/drawing/2014/main" val="10003"/>
+                  </a:ext>
+                </a:extLst>
               </a:tr>
               <a:tr h="511629">
                 <a:tc>
@@ -24375,7 +24495,7 @@
                     <a:p>
                       <a:pPr latinLnBrk="1"/>
                       <a:r>
-                        <a:rPr lang="en-US" altLang="ko-KR" smtClean="0">
+                        <a:rPr lang="en-US" altLang="ko-KR">
                           <a:solidFill>
                             <a:schemeClr val="tx1">
                               <a:lumMod val="65000"/>
@@ -24442,7 +24562,7 @@
                     <a:p>
                       <a:pPr latinLnBrk="1"/>
                       <a:r>
-                        <a:rPr lang="en-US" altLang="ko-KR" smtClean="0">
+                        <a:rPr lang="en-US" altLang="ko-KR">
                           <a:solidFill>
                             <a:schemeClr val="tx1">
                               <a:lumMod val="65000"/>
@@ -24525,7 +24645,7 @@
                         <a:defRPr/>
                       </a:pPr>
                       <a:r>
-                        <a:rPr lang="en-US" altLang="ko-KR" smtClean="0">
+                        <a:rPr lang="en-US" altLang="ko-KR">
                           <a:solidFill>
                             <a:schemeClr val="tx1">
                               <a:lumMod val="65000"/>
@@ -24535,7 +24655,7 @@
                         </a:rPr>
                         <a:t>int</a:t>
                       </a:r>
-                      <a:endParaRPr lang="ko-KR" altLang="en-US" smtClean="0">
+                      <a:endParaRPr lang="ko-KR" altLang="en-US">
                         <a:solidFill>
                           <a:schemeClr val="tx1">
                             <a:lumMod val="65000"/>
@@ -24585,6 +24705,11 @@
                     <a:noFill/>
                   </a:tcPr>
                 </a:tc>
+                <a:extLst>
+                  <a:ext uri="{0D108BD9-81ED-4DB2-BD59-A6C34878D82A}">
+                    <a16:rowId xmlns:a16="http://schemas.microsoft.com/office/drawing/2014/main" val="10004"/>
+                  </a:ext>
+                </a:extLst>
               </a:tr>
             </a:tbl>
           </a:graphicData>
@@ -24639,7 +24764,13 @@
                 <a:tableStyleId>{5C22544A-7EE6-4342-B048-85BDC9FD1C3A}</a:tableStyleId>
               </a:tblPr>
               <a:tblGrid>
-                <a:gridCol w="1295400"/>
+                <a:gridCol w="1295400">
+                  <a:extLst>
+                    <a:ext uri="{9D8B030D-6E8A-4147-A177-3AD203B41FA5}">
+                      <a16:colId xmlns:a16="http://schemas.microsoft.com/office/drawing/2014/main" val="20000"/>
+                    </a:ext>
+                  </a:extLst>
+                </a:gridCol>
               </a:tblGrid>
               <a:tr h="511629">
                 <a:tc>
@@ -24649,7 +24780,7 @@
                     <a:p>
                       <a:pPr latinLnBrk="1"/>
                       <a:r>
-                        <a:rPr lang="en-US" altLang="ko-KR" smtClean="0">
+                        <a:rPr lang="en-US" altLang="ko-KR">
                           <a:solidFill>
                             <a:schemeClr val="tx1">
                               <a:lumMod val="65000"/>
@@ -24709,6 +24840,11 @@
                     <a:noFill/>
                   </a:tcPr>
                 </a:tc>
+                <a:extLst>
+                  <a:ext uri="{0D108BD9-81ED-4DB2-BD59-A6C34878D82A}">
+                    <a16:rowId xmlns:a16="http://schemas.microsoft.com/office/drawing/2014/main" val="10000"/>
+                  </a:ext>
+                </a:extLst>
               </a:tr>
               <a:tr h="511629">
                 <a:tc>
@@ -24718,7 +24854,7 @@
                     <a:p>
                       <a:pPr latinLnBrk="1"/>
                       <a:r>
-                        <a:rPr lang="en-US" altLang="ko-KR" smtClean="0">
+                        <a:rPr lang="en-US" altLang="ko-KR">
                           <a:solidFill>
                             <a:schemeClr val="tx1">
                               <a:lumMod val="65000"/>
@@ -24778,6 +24914,11 @@
                     <a:noFill/>
                   </a:tcPr>
                 </a:tc>
+                <a:extLst>
+                  <a:ext uri="{0D108BD9-81ED-4DB2-BD59-A6C34878D82A}">
+                    <a16:rowId xmlns:a16="http://schemas.microsoft.com/office/drawing/2014/main" val="10001"/>
+                  </a:ext>
+                </a:extLst>
               </a:tr>
               <a:tr h="511629">
                 <a:tc>
@@ -24787,7 +24928,7 @@
                     <a:p>
                       <a:pPr latinLnBrk="1"/>
                       <a:r>
-                        <a:rPr lang="en-US" altLang="ko-KR" smtClean="0">
+                        <a:rPr lang="en-US" altLang="ko-KR">
                           <a:solidFill>
                             <a:schemeClr val="tx1">
                               <a:lumMod val="65000"/>
@@ -24847,6 +24988,11 @@
                     <a:noFill/>
                   </a:tcPr>
                 </a:tc>
+                <a:extLst>
+                  <a:ext uri="{0D108BD9-81ED-4DB2-BD59-A6C34878D82A}">
+                    <a16:rowId xmlns:a16="http://schemas.microsoft.com/office/drawing/2014/main" val="10002"/>
+                  </a:ext>
+                </a:extLst>
               </a:tr>
               <a:tr h="511629">
                 <a:tc>
@@ -24856,7 +25002,7 @@
                     <a:p>
                       <a:pPr latinLnBrk="1"/>
                       <a:r>
-                        <a:rPr lang="en-US" altLang="ko-KR" smtClean="0">
+                        <a:rPr lang="en-US" altLang="ko-KR">
                           <a:solidFill>
                             <a:schemeClr val="tx1">
                               <a:lumMod val="65000"/>
@@ -24916,6 +25062,11 @@
                     <a:noFill/>
                   </a:tcPr>
                 </a:tc>
+                <a:extLst>
+                  <a:ext uri="{0D108BD9-81ED-4DB2-BD59-A6C34878D82A}">
+                    <a16:rowId xmlns:a16="http://schemas.microsoft.com/office/drawing/2014/main" val="10003"/>
+                  </a:ext>
+                </a:extLst>
               </a:tr>
               <a:tr h="511629">
                 <a:tc>
@@ -24925,7 +25076,7 @@
                     <a:p>
                       <a:pPr latinLnBrk="1"/>
                       <a:r>
-                        <a:rPr lang="en-US" altLang="ko-KR" smtClean="0">
+                        <a:rPr lang="en-US" altLang="ko-KR">
                           <a:solidFill>
                             <a:schemeClr val="tx1">
                               <a:lumMod val="65000"/>
@@ -24985,6 +25136,11 @@
                     <a:noFill/>
                   </a:tcPr>
                 </a:tc>
+                <a:extLst>
+                  <a:ext uri="{0D108BD9-81ED-4DB2-BD59-A6C34878D82A}">
+                    <a16:rowId xmlns:a16="http://schemas.microsoft.com/office/drawing/2014/main" val="10004"/>
+                  </a:ext>
+                </a:extLst>
               </a:tr>
             </a:tbl>
           </a:graphicData>
@@ -25067,7 +25223,7 @@
           <p:cNvPr id="13" name="직선 화살표 연결선 12">
             <a:extLst>
               <a:ext uri="{FF2B5EF4-FFF2-40B4-BE49-F238E27FC236}">
-                <a16:creationId xmlns="" xmlns:a16="http://schemas.microsoft.com/office/drawing/2014/main" id="{299DF5EC-9DF4-5255-06AC-0A7CE4FF58C3}"/>
+                <a16:creationId xmlns:a16="http://schemas.microsoft.com/office/drawing/2014/main" id="{299DF5EC-9DF4-5255-06AC-0A7CE4FF58C3}"/>
               </a:ext>
             </a:extLst>
           </p:cNvPr>
@@ -25108,7 +25264,7 @@
           <p:cNvPr id="15" name="직선 화살표 연결선 14">
             <a:extLst>
               <a:ext uri="{FF2B5EF4-FFF2-40B4-BE49-F238E27FC236}">
-                <a16:creationId xmlns="" xmlns:a16="http://schemas.microsoft.com/office/drawing/2014/main" id="{299DF5EC-9DF4-5255-06AC-0A7CE4FF58C3}"/>
+                <a16:creationId xmlns:a16="http://schemas.microsoft.com/office/drawing/2014/main" id="{299DF5EC-9DF4-5255-06AC-0A7CE4FF58C3}"/>
               </a:ext>
             </a:extLst>
           </p:cNvPr>
@@ -25442,7 +25598,7 @@
           <p:cNvPr id="2" name="TextBox 1">
             <a:extLst>
               <a:ext uri="{FF2B5EF4-FFF2-40B4-BE49-F238E27FC236}">
-                <a16:creationId xmlns="" xmlns:a16="http://schemas.microsoft.com/office/drawing/2014/main" id="{8D19D88B-9541-32D7-90F1-0C45C993E21C}"/>
+                <a16:creationId xmlns:a16="http://schemas.microsoft.com/office/drawing/2014/main" id="{8D19D88B-9541-32D7-90F1-0C45C993E21C}"/>
               </a:ext>
             </a:extLst>
           </p:cNvPr>
@@ -25490,13 +25646,6 @@
   <p:clrMapOvr>
     <a:masterClrMapping/>
   </p:clrMapOvr>
-  <p:timing>
-    <p:tnLst>
-      <p:par>
-        <p:cTn id="1" dur="indefinite" restart="never" nodeType="tmRoot"/>
-      </p:par>
-    </p:tnLst>
-  </p:timing>
 </p:sld>
 </file>
 
@@ -25522,7 +25671,7 @@
           <p:cNvPr id="4" name="TextBox 3">
             <a:extLst>
               <a:ext uri="{FF2B5EF4-FFF2-40B4-BE49-F238E27FC236}">
-                <a16:creationId xmlns="" xmlns:a16="http://schemas.microsoft.com/office/drawing/2014/main" id="{AAA7A62B-B663-9BB3-853E-37554E612635}"/>
+                <a16:creationId xmlns:a16="http://schemas.microsoft.com/office/drawing/2014/main" id="{AAA7A62B-B663-9BB3-853E-37554E612635}"/>
               </a:ext>
             </a:extLst>
           </p:cNvPr>
@@ -25546,7 +25695,7 @@
           <a:lstStyle/>
           <a:p>
             <a:r>
-              <a:rPr lang="ko-KR" altLang="en-US" sz="4800" smtClean="0">
+              <a:rPr lang="ko-KR" altLang="en-US" sz="4800">
                 <a:solidFill>
                   <a:srgbClr val="4C50BC"/>
                 </a:solidFill>
@@ -25594,7 +25743,7 @@
           <p:cNvPr id="6" name="TextBox 5">
             <a:extLst>
               <a:ext uri="{FF2B5EF4-FFF2-40B4-BE49-F238E27FC236}">
-                <a16:creationId xmlns="" xmlns:a16="http://schemas.microsoft.com/office/drawing/2014/main" id="{AAA7A62B-B663-9BB3-853E-37554E612635}"/>
+                <a16:creationId xmlns:a16="http://schemas.microsoft.com/office/drawing/2014/main" id="{AAA7A62B-B663-9BB3-853E-37554E612635}"/>
               </a:ext>
             </a:extLst>
           </p:cNvPr>
@@ -25618,7 +25767,7 @@
           <a:lstStyle/>
           <a:p>
             <a:r>
-              <a:rPr lang="en-US" altLang="ko-KR" sz="4800" smtClean="0">
+              <a:rPr lang="en-US" altLang="ko-KR" sz="4800">
                 <a:solidFill>
                   <a:srgbClr val="FF0000"/>
                 </a:solidFill>
@@ -25628,7 +25777,7 @@
               <a:t>2</a:t>
             </a:r>
             <a:r>
-              <a:rPr lang="ko-KR" altLang="en-US" sz="4800" smtClean="0">
+              <a:rPr lang="ko-KR" altLang="en-US" sz="4800">
                 <a:solidFill>
                   <a:srgbClr val="FF0000"/>
                 </a:solidFill>
@@ -25638,7 +25787,7 @@
               <a:t>차원배열의 각 요소인 </a:t>
             </a:r>
             <a:r>
-              <a:rPr lang="en-US" altLang="ko-KR" sz="4800" smtClean="0">
+              <a:rPr lang="en-US" altLang="ko-KR" sz="4800">
                 <a:solidFill>
                   <a:srgbClr val="FF0000"/>
                 </a:solidFill>
@@ -25648,7 +25797,7 @@
               <a:t>1</a:t>
             </a:r>
             <a:r>
-              <a:rPr lang="ko-KR" altLang="en-US" sz="4800" smtClean="0">
+              <a:rPr lang="ko-KR" altLang="en-US" sz="4800">
                 <a:solidFill>
                   <a:srgbClr val="FF0000"/>
                 </a:solidFill>
@@ -25658,7 +25807,7 @@
               <a:t>차원배열의 길이는 달라도 된다</a:t>
             </a:r>
             <a:r>
-              <a:rPr lang="en-US" altLang="ko-KR" sz="4800" smtClean="0">
+              <a:rPr lang="en-US" altLang="ko-KR" sz="4800">
                 <a:solidFill>
                   <a:srgbClr val="FF0000"/>
                 </a:solidFill>
@@ -25702,7 +25851,13 @@
                 <a:tableStyleId>{5C22544A-7EE6-4342-B048-85BDC9FD1C3A}</a:tableStyleId>
               </a:tblPr>
               <a:tblGrid>
-                <a:gridCol w="1295400"/>
+                <a:gridCol w="1295400">
+                  <a:extLst>
+                    <a:ext uri="{9D8B030D-6E8A-4147-A177-3AD203B41FA5}">
+                      <a16:colId xmlns:a16="http://schemas.microsoft.com/office/drawing/2014/main" val="20000"/>
+                    </a:ext>
+                  </a:extLst>
+                </a:gridCol>
               </a:tblGrid>
               <a:tr h="511629">
                 <a:tc>
@@ -25712,7 +25867,7 @@
                     <a:p>
                       <a:pPr latinLnBrk="1"/>
                       <a:r>
-                        <a:rPr lang="en-US" altLang="ko-KR" smtClean="0">
+                        <a:rPr lang="en-US" altLang="ko-KR">
                           <a:solidFill>
                             <a:schemeClr val="tx1">
                               <a:lumMod val="65000"/>
@@ -25772,6 +25927,11 @@
                     <a:noFill/>
                   </a:tcPr>
                 </a:tc>
+                <a:extLst>
+                  <a:ext uri="{0D108BD9-81ED-4DB2-BD59-A6C34878D82A}">
+                    <a16:rowId xmlns:a16="http://schemas.microsoft.com/office/drawing/2014/main" val="10000"/>
+                  </a:ext>
+                </a:extLst>
               </a:tr>
               <a:tr h="511629">
                 <a:tc>
@@ -25781,7 +25941,7 @@
                     <a:p>
                       <a:pPr latinLnBrk="1"/>
                       <a:r>
-                        <a:rPr lang="en-US" altLang="ko-KR" smtClean="0">
+                        <a:rPr lang="en-US" altLang="ko-KR">
                           <a:solidFill>
                             <a:schemeClr val="tx1">
                               <a:lumMod val="65000"/>
@@ -25841,6 +26001,11 @@
                     <a:noFill/>
                   </a:tcPr>
                 </a:tc>
+                <a:extLst>
+                  <a:ext uri="{0D108BD9-81ED-4DB2-BD59-A6C34878D82A}">
+                    <a16:rowId xmlns:a16="http://schemas.microsoft.com/office/drawing/2014/main" val="10001"/>
+                  </a:ext>
+                </a:extLst>
               </a:tr>
               <a:tr h="511629">
                 <a:tc>
@@ -25850,7 +26015,7 @@
                     <a:p>
                       <a:pPr latinLnBrk="1"/>
                       <a:r>
-                        <a:rPr lang="en-US" altLang="ko-KR" smtClean="0">
+                        <a:rPr lang="en-US" altLang="ko-KR">
                           <a:solidFill>
                             <a:schemeClr val="tx1">
                               <a:lumMod val="65000"/>
@@ -25910,6 +26075,11 @@
                     <a:noFill/>
                   </a:tcPr>
                 </a:tc>
+                <a:extLst>
+                  <a:ext uri="{0D108BD9-81ED-4DB2-BD59-A6C34878D82A}">
+                    <a16:rowId xmlns:a16="http://schemas.microsoft.com/office/drawing/2014/main" val="10002"/>
+                  </a:ext>
+                </a:extLst>
               </a:tr>
               <a:tr h="511629">
                 <a:tc>
@@ -25919,7 +26089,7 @@
                     <a:p>
                       <a:pPr latinLnBrk="1"/>
                       <a:r>
-                        <a:rPr lang="en-US" altLang="ko-KR" smtClean="0">
+                        <a:rPr lang="en-US" altLang="ko-KR">
                           <a:solidFill>
                             <a:schemeClr val="tx1">
                               <a:lumMod val="65000"/>
@@ -25979,6 +26149,11 @@
                     <a:noFill/>
                   </a:tcPr>
                 </a:tc>
+                <a:extLst>
+                  <a:ext uri="{0D108BD9-81ED-4DB2-BD59-A6C34878D82A}">
+                    <a16:rowId xmlns:a16="http://schemas.microsoft.com/office/drawing/2014/main" val="10003"/>
+                  </a:ext>
+                </a:extLst>
               </a:tr>
               <a:tr h="511629">
                 <a:tc>
@@ -25988,7 +26163,7 @@
                     <a:p>
                       <a:pPr latinLnBrk="1"/>
                       <a:r>
-                        <a:rPr lang="en-US" altLang="ko-KR" smtClean="0">
+                        <a:rPr lang="en-US" altLang="ko-KR">
                           <a:solidFill>
                             <a:schemeClr val="tx1">
                               <a:lumMod val="65000"/>
@@ -26048,6 +26223,11 @@
                     <a:noFill/>
                   </a:tcPr>
                 </a:tc>
+                <a:extLst>
+                  <a:ext uri="{0D108BD9-81ED-4DB2-BD59-A6C34878D82A}">
+                    <a16:rowId xmlns:a16="http://schemas.microsoft.com/office/drawing/2014/main" val="10004"/>
+                  </a:ext>
+                </a:extLst>
               </a:tr>
             </a:tbl>
           </a:graphicData>
@@ -26078,7 +26258,13 @@
                 <a:tableStyleId>{5C22544A-7EE6-4342-B048-85BDC9FD1C3A}</a:tableStyleId>
               </a:tblPr>
               <a:tblGrid>
-                <a:gridCol w="1295400"/>
+                <a:gridCol w="1295400">
+                  <a:extLst>
+                    <a:ext uri="{9D8B030D-6E8A-4147-A177-3AD203B41FA5}">
+                      <a16:colId xmlns:a16="http://schemas.microsoft.com/office/drawing/2014/main" val="20000"/>
+                    </a:ext>
+                  </a:extLst>
+                </a:gridCol>
               </a:tblGrid>
               <a:tr h="533401">
                 <a:tc>
@@ -26088,7 +26274,7 @@
                     <a:p>
                       <a:pPr latinLnBrk="1"/>
                       <a:r>
-                        <a:rPr lang="en-US" altLang="ko-KR" smtClean="0">
+                        <a:rPr lang="en-US" altLang="ko-KR">
                           <a:solidFill>
                             <a:schemeClr val="tx1">
                               <a:lumMod val="65000"/>
@@ -26148,6 +26334,11 @@
                     <a:noFill/>
                   </a:tcPr>
                 </a:tc>
+                <a:extLst>
+                  <a:ext uri="{0D108BD9-81ED-4DB2-BD59-A6C34878D82A}">
+                    <a16:rowId xmlns:a16="http://schemas.microsoft.com/office/drawing/2014/main" val="10000"/>
+                  </a:ext>
+                </a:extLst>
               </a:tr>
             </a:tbl>
           </a:graphicData>
@@ -26178,7 +26369,13 @@
                 <a:tableStyleId>{5C22544A-7EE6-4342-B048-85BDC9FD1C3A}</a:tableStyleId>
               </a:tblPr>
               <a:tblGrid>
-                <a:gridCol w="1295400"/>
+                <a:gridCol w="1295400">
+                  <a:extLst>
+                    <a:ext uri="{9D8B030D-6E8A-4147-A177-3AD203B41FA5}">
+                      <a16:colId xmlns:a16="http://schemas.microsoft.com/office/drawing/2014/main" val="20000"/>
+                    </a:ext>
+                  </a:extLst>
+                </a:gridCol>
               </a:tblGrid>
               <a:tr h="533401">
                 <a:tc>
@@ -26188,7 +26385,7 @@
                     <a:p>
                       <a:pPr latinLnBrk="1"/>
                       <a:r>
-                        <a:rPr lang="en-US" altLang="ko-KR" smtClean="0">
+                        <a:rPr lang="en-US" altLang="ko-KR">
                           <a:solidFill>
                             <a:schemeClr val="tx1">
                               <a:lumMod val="65000"/>
@@ -26248,6 +26445,11 @@
                     <a:noFill/>
                   </a:tcPr>
                 </a:tc>
+                <a:extLst>
+                  <a:ext uri="{0D108BD9-81ED-4DB2-BD59-A6C34878D82A}">
+                    <a16:rowId xmlns:a16="http://schemas.microsoft.com/office/drawing/2014/main" val="10000"/>
+                  </a:ext>
+                </a:extLst>
               </a:tr>
             </a:tbl>
           </a:graphicData>
@@ -26278,7 +26480,13 @@
                 <a:tableStyleId>{5C22544A-7EE6-4342-B048-85BDC9FD1C3A}</a:tableStyleId>
               </a:tblPr>
               <a:tblGrid>
-                <a:gridCol w="1295400"/>
+                <a:gridCol w="1295400">
+                  <a:extLst>
+                    <a:ext uri="{9D8B030D-6E8A-4147-A177-3AD203B41FA5}">
+                      <a16:colId xmlns:a16="http://schemas.microsoft.com/office/drawing/2014/main" val="20000"/>
+                    </a:ext>
+                  </a:extLst>
+                </a:gridCol>
               </a:tblGrid>
               <a:tr h="533401">
                 <a:tc>
@@ -26288,7 +26496,7 @@
                     <a:p>
                       <a:pPr latinLnBrk="1"/>
                       <a:r>
-                        <a:rPr lang="en-US" altLang="ko-KR" smtClean="0">
+                        <a:rPr lang="en-US" altLang="ko-KR">
                           <a:solidFill>
                             <a:schemeClr val="tx1">
                               <a:lumMod val="65000"/>
@@ -26348,6 +26556,11 @@
                     <a:noFill/>
                   </a:tcPr>
                 </a:tc>
+                <a:extLst>
+                  <a:ext uri="{0D108BD9-81ED-4DB2-BD59-A6C34878D82A}">
+                    <a16:rowId xmlns:a16="http://schemas.microsoft.com/office/drawing/2014/main" val="10000"/>
+                  </a:ext>
+                </a:extLst>
               </a:tr>
             </a:tbl>
           </a:graphicData>
@@ -26378,7 +26591,13 @@
                 <a:tableStyleId>{5C22544A-7EE6-4342-B048-85BDC9FD1C3A}</a:tableStyleId>
               </a:tblPr>
               <a:tblGrid>
-                <a:gridCol w="1295400"/>
+                <a:gridCol w="1295400">
+                  <a:extLst>
+                    <a:ext uri="{9D8B030D-6E8A-4147-A177-3AD203B41FA5}">
+                      <a16:colId xmlns:a16="http://schemas.microsoft.com/office/drawing/2014/main" val="20000"/>
+                    </a:ext>
+                  </a:extLst>
+                </a:gridCol>
               </a:tblGrid>
               <a:tr h="533401">
                 <a:tc>
@@ -26388,7 +26607,7 @@
                     <a:p>
                       <a:pPr latinLnBrk="1"/>
                       <a:r>
-                        <a:rPr lang="en-US" altLang="ko-KR" smtClean="0">
+                        <a:rPr lang="en-US" altLang="ko-KR">
                           <a:solidFill>
                             <a:schemeClr val="tx1">
                               <a:lumMod val="65000"/>
@@ -26448,6 +26667,11 @@
                     <a:noFill/>
                   </a:tcPr>
                 </a:tc>
+                <a:extLst>
+                  <a:ext uri="{0D108BD9-81ED-4DB2-BD59-A6C34878D82A}">
+                    <a16:rowId xmlns:a16="http://schemas.microsoft.com/office/drawing/2014/main" val="10000"/>
+                  </a:ext>
+                </a:extLst>
               </a:tr>
             </a:tbl>
           </a:graphicData>
@@ -26478,7 +26702,13 @@
                 <a:tableStyleId>{5C22544A-7EE6-4342-B048-85BDC9FD1C3A}</a:tableStyleId>
               </a:tblPr>
               <a:tblGrid>
-                <a:gridCol w="1295400"/>
+                <a:gridCol w="1295400">
+                  <a:extLst>
+                    <a:ext uri="{9D8B030D-6E8A-4147-A177-3AD203B41FA5}">
+                      <a16:colId xmlns:a16="http://schemas.microsoft.com/office/drawing/2014/main" val="20000"/>
+                    </a:ext>
+                  </a:extLst>
+                </a:gridCol>
               </a:tblGrid>
               <a:tr h="533401">
                 <a:tc>
@@ -26488,7 +26718,7 @@
                     <a:p>
                       <a:pPr latinLnBrk="1"/>
                       <a:r>
-                        <a:rPr lang="en-US" altLang="ko-KR" smtClean="0">
+                        <a:rPr lang="en-US" altLang="ko-KR">
                           <a:solidFill>
                             <a:schemeClr val="tx1">
                               <a:lumMod val="65000"/>
@@ -26548,6 +26778,11 @@
                     <a:noFill/>
                   </a:tcPr>
                 </a:tc>
+                <a:extLst>
+                  <a:ext uri="{0D108BD9-81ED-4DB2-BD59-A6C34878D82A}">
+                    <a16:rowId xmlns:a16="http://schemas.microsoft.com/office/drawing/2014/main" val="10000"/>
+                  </a:ext>
+                </a:extLst>
               </a:tr>
             </a:tbl>
           </a:graphicData>
@@ -26578,7 +26813,13 @@
                 <a:tableStyleId>{5C22544A-7EE6-4342-B048-85BDC9FD1C3A}</a:tableStyleId>
               </a:tblPr>
               <a:tblGrid>
-                <a:gridCol w="1295400"/>
+                <a:gridCol w="1295400">
+                  <a:extLst>
+                    <a:ext uri="{9D8B030D-6E8A-4147-A177-3AD203B41FA5}">
+                      <a16:colId xmlns:a16="http://schemas.microsoft.com/office/drawing/2014/main" val="20000"/>
+                    </a:ext>
+                  </a:extLst>
+                </a:gridCol>
               </a:tblGrid>
               <a:tr h="533401">
                 <a:tc>
@@ -26588,7 +26829,7 @@
                     <a:p>
                       <a:pPr latinLnBrk="1"/>
                       <a:r>
-                        <a:rPr lang="en-US" altLang="ko-KR" smtClean="0">
+                        <a:rPr lang="en-US" altLang="ko-KR">
                           <a:solidFill>
                             <a:schemeClr val="tx1">
                               <a:lumMod val="65000"/>
@@ -26648,6 +26889,11 @@
                     <a:noFill/>
                   </a:tcPr>
                 </a:tc>
+                <a:extLst>
+                  <a:ext uri="{0D108BD9-81ED-4DB2-BD59-A6C34878D82A}">
+                    <a16:rowId xmlns:a16="http://schemas.microsoft.com/office/drawing/2014/main" val="10000"/>
+                  </a:ext>
+                </a:extLst>
               </a:tr>
             </a:tbl>
           </a:graphicData>
@@ -26678,7 +26924,13 @@
                 <a:tableStyleId>{5C22544A-7EE6-4342-B048-85BDC9FD1C3A}</a:tableStyleId>
               </a:tblPr>
               <a:tblGrid>
-                <a:gridCol w="1295400"/>
+                <a:gridCol w="1295400">
+                  <a:extLst>
+                    <a:ext uri="{9D8B030D-6E8A-4147-A177-3AD203B41FA5}">
+                      <a16:colId xmlns:a16="http://schemas.microsoft.com/office/drawing/2014/main" val="20000"/>
+                    </a:ext>
+                  </a:extLst>
+                </a:gridCol>
               </a:tblGrid>
               <a:tr h="533401">
                 <a:tc>
@@ -26688,7 +26940,7 @@
                     <a:p>
                       <a:pPr latinLnBrk="1"/>
                       <a:r>
-                        <a:rPr lang="en-US" altLang="ko-KR" smtClean="0">
+                        <a:rPr lang="en-US" altLang="ko-KR">
                           <a:solidFill>
                             <a:schemeClr val="tx1">
                               <a:lumMod val="65000"/>
@@ -26748,6 +27000,11 @@
                     <a:noFill/>
                   </a:tcPr>
                 </a:tc>
+                <a:extLst>
+                  <a:ext uri="{0D108BD9-81ED-4DB2-BD59-A6C34878D82A}">
+                    <a16:rowId xmlns:a16="http://schemas.microsoft.com/office/drawing/2014/main" val="10000"/>
+                  </a:ext>
+                </a:extLst>
               </a:tr>
             </a:tbl>
           </a:graphicData>
@@ -26778,7 +27035,13 @@
                 <a:tableStyleId>{5C22544A-7EE6-4342-B048-85BDC9FD1C3A}</a:tableStyleId>
               </a:tblPr>
               <a:tblGrid>
-                <a:gridCol w="1295400"/>
+                <a:gridCol w="1295400">
+                  <a:extLst>
+                    <a:ext uri="{9D8B030D-6E8A-4147-A177-3AD203B41FA5}">
+                      <a16:colId xmlns:a16="http://schemas.microsoft.com/office/drawing/2014/main" val="20000"/>
+                    </a:ext>
+                  </a:extLst>
+                </a:gridCol>
               </a:tblGrid>
               <a:tr h="533401">
                 <a:tc>
@@ -26788,7 +27051,7 @@
                     <a:p>
                       <a:pPr latinLnBrk="1"/>
                       <a:r>
-                        <a:rPr lang="en-US" altLang="ko-KR" smtClean="0">
+                        <a:rPr lang="en-US" altLang="ko-KR">
                           <a:solidFill>
                             <a:schemeClr val="tx1">
                               <a:lumMod val="65000"/>
@@ -26848,6 +27111,11 @@
                     <a:noFill/>
                   </a:tcPr>
                 </a:tc>
+                <a:extLst>
+                  <a:ext uri="{0D108BD9-81ED-4DB2-BD59-A6C34878D82A}">
+                    <a16:rowId xmlns:a16="http://schemas.microsoft.com/office/drawing/2014/main" val="10000"/>
+                  </a:ext>
+                </a:extLst>
               </a:tr>
             </a:tbl>
           </a:graphicData>
@@ -26878,7 +27146,13 @@
                 <a:tableStyleId>{5C22544A-7EE6-4342-B048-85BDC9FD1C3A}</a:tableStyleId>
               </a:tblPr>
               <a:tblGrid>
-                <a:gridCol w="1295400"/>
+                <a:gridCol w="1295400">
+                  <a:extLst>
+                    <a:ext uri="{9D8B030D-6E8A-4147-A177-3AD203B41FA5}">
+                      <a16:colId xmlns:a16="http://schemas.microsoft.com/office/drawing/2014/main" val="20000"/>
+                    </a:ext>
+                  </a:extLst>
+                </a:gridCol>
               </a:tblGrid>
               <a:tr h="533401">
                 <a:tc>
@@ -26888,7 +27162,7 @@
                     <a:p>
                       <a:pPr latinLnBrk="1"/>
                       <a:r>
-                        <a:rPr lang="en-US" altLang="ko-KR" smtClean="0">
+                        <a:rPr lang="en-US" altLang="ko-KR">
                           <a:solidFill>
                             <a:schemeClr val="tx1">
                               <a:lumMod val="65000"/>
@@ -26948,6 +27222,11 @@
                     <a:noFill/>
                   </a:tcPr>
                 </a:tc>
+                <a:extLst>
+                  <a:ext uri="{0D108BD9-81ED-4DB2-BD59-A6C34878D82A}">
+                    <a16:rowId xmlns:a16="http://schemas.microsoft.com/office/drawing/2014/main" val="10000"/>
+                  </a:ext>
+                </a:extLst>
               </a:tr>
             </a:tbl>
           </a:graphicData>
@@ -26978,7 +27257,13 @@
                 <a:tableStyleId>{5C22544A-7EE6-4342-B048-85BDC9FD1C3A}</a:tableStyleId>
               </a:tblPr>
               <a:tblGrid>
-                <a:gridCol w="1295400"/>
+                <a:gridCol w="1295400">
+                  <a:extLst>
+                    <a:ext uri="{9D8B030D-6E8A-4147-A177-3AD203B41FA5}">
+                      <a16:colId xmlns:a16="http://schemas.microsoft.com/office/drawing/2014/main" val="20000"/>
+                    </a:ext>
+                  </a:extLst>
+                </a:gridCol>
               </a:tblGrid>
               <a:tr h="533401">
                 <a:tc>
@@ -26988,7 +27273,7 @@
                     <a:p>
                       <a:pPr latinLnBrk="1"/>
                       <a:r>
-                        <a:rPr lang="en-US" altLang="ko-KR" smtClean="0">
+                        <a:rPr lang="en-US" altLang="ko-KR">
                           <a:solidFill>
                             <a:schemeClr val="tx1">
                               <a:lumMod val="65000"/>
@@ -27048,6 +27333,11 @@
                     <a:noFill/>
                   </a:tcPr>
                 </a:tc>
+                <a:extLst>
+                  <a:ext uri="{0D108BD9-81ED-4DB2-BD59-A6C34878D82A}">
+                    <a16:rowId xmlns:a16="http://schemas.microsoft.com/office/drawing/2014/main" val="10000"/>
+                  </a:ext>
+                </a:extLst>
               </a:tr>
             </a:tbl>
           </a:graphicData>
@@ -27078,7 +27368,13 @@
                 <a:tableStyleId>{5C22544A-7EE6-4342-B048-85BDC9FD1C3A}</a:tableStyleId>
               </a:tblPr>
               <a:tblGrid>
-                <a:gridCol w="1295400"/>
+                <a:gridCol w="1295400">
+                  <a:extLst>
+                    <a:ext uri="{9D8B030D-6E8A-4147-A177-3AD203B41FA5}">
+                      <a16:colId xmlns:a16="http://schemas.microsoft.com/office/drawing/2014/main" val="20000"/>
+                    </a:ext>
+                  </a:extLst>
+                </a:gridCol>
               </a:tblGrid>
               <a:tr h="533401">
                 <a:tc>
@@ -27088,7 +27384,7 @@
                     <a:p>
                       <a:pPr latinLnBrk="1"/>
                       <a:r>
-                        <a:rPr lang="en-US" altLang="ko-KR" smtClean="0">
+                        <a:rPr lang="en-US" altLang="ko-KR">
                           <a:solidFill>
                             <a:schemeClr val="tx1">
                               <a:lumMod val="65000"/>
@@ -27148,6 +27444,11 @@
                     <a:noFill/>
                   </a:tcPr>
                 </a:tc>
+                <a:extLst>
+                  <a:ext uri="{0D108BD9-81ED-4DB2-BD59-A6C34878D82A}">
+                    <a16:rowId xmlns:a16="http://schemas.microsoft.com/office/drawing/2014/main" val="10000"/>
+                  </a:ext>
+                </a:extLst>
               </a:tr>
             </a:tbl>
           </a:graphicData>
@@ -27685,7 +27986,7 @@
           <p:cNvPr id="5" name="Object 2">
             <a:extLst>
               <a:ext uri="{FF2B5EF4-FFF2-40B4-BE49-F238E27FC236}">
-                <a16:creationId xmlns="" xmlns:a16="http://schemas.microsoft.com/office/drawing/2014/main" id="{EB9768FE-76B0-709F-3C4D-0ECBB41147CD}"/>
+                <a16:creationId xmlns:a16="http://schemas.microsoft.com/office/drawing/2014/main" id="{EB9768FE-76B0-709F-3C4D-0ECBB41147CD}"/>
               </a:ext>
             </a:extLst>
           </p:cNvPr>
@@ -27715,7 +28016,7 @@
           <p:cNvPr id="7" name="그룹 1001">
             <a:extLst>
               <a:ext uri="{FF2B5EF4-FFF2-40B4-BE49-F238E27FC236}">
-                <a16:creationId xmlns="" xmlns:a16="http://schemas.microsoft.com/office/drawing/2014/main" id="{0637F47C-891C-2B90-8647-32B84C264D42}"/>
+                <a16:creationId xmlns:a16="http://schemas.microsoft.com/office/drawing/2014/main" id="{0637F47C-891C-2B90-8647-32B84C264D42}"/>
               </a:ext>
             </a:extLst>
           </p:cNvPr>
@@ -27735,7 +28036,7 @@
             <p:cNvPr id="8" name="Object 5">
               <a:extLst>
                 <a:ext uri="{FF2B5EF4-FFF2-40B4-BE49-F238E27FC236}">
-                  <a16:creationId xmlns="" xmlns:a16="http://schemas.microsoft.com/office/drawing/2014/main" id="{710F969D-8259-9328-33C3-C6DB500C60D4}"/>
+                  <a16:creationId xmlns:a16="http://schemas.microsoft.com/office/drawing/2014/main" id="{710F969D-8259-9328-33C3-C6DB500C60D4}"/>
                 </a:ext>
               </a:extLst>
             </p:cNvPr>
@@ -27766,7 +28067,7 @@
           <p:cNvPr id="9" name="그룹 1002">
             <a:extLst>
               <a:ext uri="{FF2B5EF4-FFF2-40B4-BE49-F238E27FC236}">
-                <a16:creationId xmlns="" xmlns:a16="http://schemas.microsoft.com/office/drawing/2014/main" id="{A87796A8-251B-F38A-5AE9-11F8D847B25D}"/>
+                <a16:creationId xmlns:a16="http://schemas.microsoft.com/office/drawing/2014/main" id="{A87796A8-251B-F38A-5AE9-11F8D847B25D}"/>
               </a:ext>
             </a:extLst>
           </p:cNvPr>
@@ -27786,7 +28087,7 @@
             <p:cNvPr id="10" name="Object 8">
               <a:extLst>
                 <a:ext uri="{FF2B5EF4-FFF2-40B4-BE49-F238E27FC236}">
-                  <a16:creationId xmlns="" xmlns:a16="http://schemas.microsoft.com/office/drawing/2014/main" id="{9E806C19-D323-E705-F3B8-EEABB39F0993}"/>
+                  <a16:creationId xmlns:a16="http://schemas.microsoft.com/office/drawing/2014/main" id="{9E806C19-D323-E705-F3B8-EEABB39F0993}"/>
                 </a:ext>
               </a:extLst>
             </p:cNvPr>
@@ -27817,7 +28118,7 @@
           <p:cNvPr id="11" name="그룹 1003">
             <a:extLst>
               <a:ext uri="{FF2B5EF4-FFF2-40B4-BE49-F238E27FC236}">
-                <a16:creationId xmlns="" xmlns:a16="http://schemas.microsoft.com/office/drawing/2014/main" id="{701795E0-24B6-38E6-7308-FED7AD2B6900}"/>
+                <a16:creationId xmlns:a16="http://schemas.microsoft.com/office/drawing/2014/main" id="{701795E0-24B6-38E6-7308-FED7AD2B6900}"/>
               </a:ext>
             </a:extLst>
           </p:cNvPr>
@@ -27837,7 +28138,7 @@
             <p:cNvPr id="12" name="Object 11">
               <a:extLst>
                 <a:ext uri="{FF2B5EF4-FFF2-40B4-BE49-F238E27FC236}">
-                  <a16:creationId xmlns="" xmlns:a16="http://schemas.microsoft.com/office/drawing/2014/main" id="{D8C68167-7FB5-1F8E-D53C-DEA682F465F5}"/>
+                  <a16:creationId xmlns:a16="http://schemas.microsoft.com/office/drawing/2014/main" id="{D8C68167-7FB5-1F8E-D53C-DEA682F465F5}"/>
                 </a:ext>
               </a:extLst>
             </p:cNvPr>
@@ -27868,7 +28169,7 @@
           <p:cNvPr id="13" name="그룹 1004">
             <a:extLst>
               <a:ext uri="{FF2B5EF4-FFF2-40B4-BE49-F238E27FC236}">
-                <a16:creationId xmlns="" xmlns:a16="http://schemas.microsoft.com/office/drawing/2014/main" id="{03226A72-764D-99F3-A14F-47C351CB448B}"/>
+                <a16:creationId xmlns:a16="http://schemas.microsoft.com/office/drawing/2014/main" id="{03226A72-764D-99F3-A14F-47C351CB448B}"/>
               </a:ext>
             </a:extLst>
           </p:cNvPr>
@@ -27888,7 +28189,7 @@
             <p:cNvPr id="14" name="Object 14">
               <a:extLst>
                 <a:ext uri="{FF2B5EF4-FFF2-40B4-BE49-F238E27FC236}">
-                  <a16:creationId xmlns="" xmlns:a16="http://schemas.microsoft.com/office/drawing/2014/main" id="{77C5B9A8-AEBA-093B-4CD6-4F1ECF519068}"/>
+                  <a16:creationId xmlns:a16="http://schemas.microsoft.com/office/drawing/2014/main" id="{77C5B9A8-AEBA-093B-4CD6-4F1ECF519068}"/>
                 </a:ext>
               </a:extLst>
             </p:cNvPr>
@@ -27919,7 +28220,7 @@
           <p:cNvPr id="15" name="TextBox 14">
             <a:extLst>
               <a:ext uri="{FF2B5EF4-FFF2-40B4-BE49-F238E27FC236}">
-                <a16:creationId xmlns="" xmlns:a16="http://schemas.microsoft.com/office/drawing/2014/main" id="{E44AB10B-96D7-19D1-5C7A-D2761E62F16E}"/>
+                <a16:creationId xmlns:a16="http://schemas.microsoft.com/office/drawing/2014/main" id="{E44AB10B-96D7-19D1-5C7A-D2761E62F16E}"/>
               </a:ext>
             </a:extLst>
           </p:cNvPr>
@@ -27972,13 +28273,6 @@
   <p:clrMapOvr>
     <a:masterClrMapping/>
   </p:clrMapOvr>
-  <p:timing>
-    <p:tnLst>
-      <p:par>
-        <p:cTn id="1" dur="indefinite" restart="never" nodeType="tmRoot"/>
-      </p:par>
-    </p:tnLst>
-  </p:timing>
 </p:sld>
 </file>
 
@@ -28004,7 +28298,7 @@
           <p:cNvPr id="4" name="TextBox 3">
             <a:extLst>
               <a:ext uri="{FF2B5EF4-FFF2-40B4-BE49-F238E27FC236}">
-                <a16:creationId xmlns="" xmlns:a16="http://schemas.microsoft.com/office/drawing/2014/main" id="{5ADC00B6-990A-40DC-3CEA-505258F5E8DA}"/>
+                <a16:creationId xmlns:a16="http://schemas.microsoft.com/office/drawing/2014/main" id="{5ADC00B6-990A-40DC-3CEA-505258F5E8DA}"/>
               </a:ext>
             </a:extLst>
           </p:cNvPr>
@@ -28062,7 +28356,7 @@
           <p:cNvPr id="5" name="TextBox 4">
             <a:extLst>
               <a:ext uri="{FF2B5EF4-FFF2-40B4-BE49-F238E27FC236}">
-                <a16:creationId xmlns="" xmlns:a16="http://schemas.microsoft.com/office/drawing/2014/main" id="{4EDAA912-8FA0-0F11-119B-EA9F8B36A489}"/>
+                <a16:creationId xmlns:a16="http://schemas.microsoft.com/office/drawing/2014/main" id="{4EDAA912-8FA0-0F11-119B-EA9F8B36A489}"/>
               </a:ext>
             </a:extLst>
           </p:cNvPr>
@@ -28086,7 +28380,7 @@
           <a:lstStyle/>
           <a:p>
             <a:r>
-              <a:rPr lang="en-US" altLang="ko-KR" sz="3200" smtClean="0">
+              <a:rPr lang="en-US" altLang="ko-KR" sz="3200">
                 <a:solidFill>
                   <a:srgbClr val="4D4848"/>
                 </a:solidFill>
@@ -28096,7 +28390,7 @@
               <a:t>1~25 </a:t>
             </a:r>
             <a:r>
-              <a:rPr lang="ko-KR" altLang="en-US" sz="3200" smtClean="0">
+              <a:rPr lang="ko-KR" altLang="en-US" sz="3200">
                 <a:solidFill>
                   <a:srgbClr val="4D4848"/>
                 </a:solidFill>
@@ -28106,7 +28400,7 @@
               <a:t>사이의 셔플 </a:t>
             </a:r>
             <a:r>
-              <a:rPr lang="en-US" altLang="ko-KR" sz="3200" smtClean="0">
+              <a:rPr lang="en-US" altLang="ko-KR" sz="3200">
                 <a:solidFill>
                   <a:srgbClr val="4D4848"/>
                 </a:solidFill>
@@ -28116,7 +28410,7 @@
               <a:t>2</a:t>
             </a:r>
             <a:r>
-              <a:rPr lang="ko-KR" altLang="en-US" sz="3200" smtClean="0">
+              <a:rPr lang="ko-KR" altLang="en-US" sz="3200">
                 <a:solidFill>
                   <a:srgbClr val="4D4848"/>
                 </a:solidFill>
@@ -28126,7 +28420,7 @@
               <a:t>차원 배열</a:t>
             </a:r>
             <a:r>
-              <a:rPr lang="en-US" altLang="ko-KR" sz="3200" smtClean="0">
+              <a:rPr lang="en-US" altLang="ko-KR" sz="3200">
                 <a:solidFill>
                   <a:srgbClr val="4D4848"/>
                 </a:solidFill>
@@ -28136,7 +28430,7 @@
               <a:t>[5][5]</a:t>
             </a:r>
             <a:r>
-              <a:rPr lang="ko-KR" altLang="en-US" sz="3200" smtClean="0">
+              <a:rPr lang="ko-KR" altLang="en-US" sz="3200">
                 <a:solidFill>
                   <a:srgbClr val="4D4848"/>
                 </a:solidFill>
@@ -28145,7 +28439,7 @@
               </a:rPr>
               <a:t>을 만든후 사용자로부터 좌표를 </a:t>
             </a:r>
-            <a:endParaRPr lang="en-US" altLang="ko-KR" sz="3200" smtClean="0">
+            <a:endParaRPr lang="en-US" altLang="ko-KR" sz="3200">
               <a:solidFill>
                 <a:srgbClr val="4D4848"/>
               </a:solidFill>
@@ -28155,27 +28449,17 @@
           </a:p>
           <a:p>
             <a:r>
-              <a:rPr lang="ko-KR" altLang="en-US" sz="3200" smtClean="0">
+              <a:rPr lang="ko-KR" altLang="en-US" sz="3200">
                 <a:solidFill>
                   <a:srgbClr val="4D4848"/>
                 </a:solidFill>
                 <a:latin typeface="G마켓 산스 Medium" panose="02000000000000000000" pitchFamily="50" charset="-127"/>
                 <a:ea typeface="G마켓 산스 Medium" panose="02000000000000000000" pitchFamily="50" charset="-127"/>
               </a:rPr>
-              <a:t>입력받아 </a:t>
-            </a:r>
-            <a:r>
-              <a:rPr lang="ko-KR" altLang="en-US" sz="3200" smtClean="0">
-                <a:solidFill>
-                  <a:srgbClr val="4D4848"/>
-                </a:solidFill>
-                <a:latin typeface="G마켓 산스 Medium" panose="02000000000000000000" pitchFamily="50" charset="-127"/>
-                <a:ea typeface="G마켓 산스 Medium" panose="02000000000000000000" pitchFamily="50" charset="-127"/>
-              </a:rPr>
-              <a:t>해당좌표의 숫자를 공개하고 공개된숫자가 </a:t>
-            </a:r>
-            <a:r>
-              <a:rPr lang="en-US" altLang="ko-KR" sz="3200" smtClean="0">
+              <a:t>입력받아 해당좌표의 숫자를 공개하고 공개된숫자가 </a:t>
+            </a:r>
+            <a:r>
+              <a:rPr lang="en-US" altLang="ko-KR" sz="3200">
                 <a:solidFill>
                   <a:srgbClr val="4D4848"/>
                 </a:solidFill>
@@ -28185,26 +28469,16 @@
               <a:t>15</a:t>
             </a:r>
             <a:r>
-              <a:rPr lang="ko-KR" altLang="en-US" sz="3200" smtClean="0">
+              <a:rPr lang="ko-KR" altLang="en-US" sz="3200">
                 <a:solidFill>
                   <a:srgbClr val="4D4848"/>
                 </a:solidFill>
                 <a:latin typeface="G마켓 산스 Medium" panose="02000000000000000000" pitchFamily="50" charset="-127"/>
                 <a:ea typeface="G마켓 산스 Medium" panose="02000000000000000000" pitchFamily="50" charset="-127"/>
               </a:rPr>
-              <a:t>일 </a:t>
-            </a:r>
-            <a:r>
-              <a:rPr lang="ko-KR" altLang="en-US" sz="3200" smtClean="0">
-                <a:solidFill>
-                  <a:srgbClr val="4D4848"/>
-                </a:solidFill>
-                <a:latin typeface="G마켓 산스 Medium" panose="02000000000000000000" pitchFamily="50" charset="-127"/>
-                <a:ea typeface="G마켓 산스 Medium" panose="02000000000000000000" pitchFamily="50" charset="-127"/>
-              </a:rPr>
-              <a:t>경우 </a:t>
-            </a:r>
-            <a:endParaRPr lang="en-US" altLang="ko-KR" sz="3200" smtClean="0">
+              <a:t>일 경우 </a:t>
+            </a:r>
+            <a:endParaRPr lang="en-US" altLang="ko-KR" sz="3200">
               <a:solidFill>
                 <a:srgbClr val="4D4848"/>
               </a:solidFill>
@@ -28214,27 +28488,17 @@
           </a:p>
           <a:p>
             <a:r>
-              <a:rPr lang="ko-KR" altLang="en-US" sz="3200" smtClean="0">
+              <a:rPr lang="ko-KR" altLang="en-US" sz="3200">
                 <a:solidFill>
                   <a:srgbClr val="4D4848"/>
                 </a:solidFill>
                 <a:latin typeface="G마켓 산스 Medium" panose="02000000000000000000" pitchFamily="50" charset="-127"/>
                 <a:ea typeface="G마켓 산스 Medium" panose="02000000000000000000" pitchFamily="50" charset="-127"/>
               </a:rPr>
-              <a:t>게임을 </a:t>
-            </a:r>
-            <a:r>
-              <a:rPr lang="ko-KR" altLang="en-US" sz="3200" smtClean="0">
-                <a:solidFill>
-                  <a:srgbClr val="4D4848"/>
-                </a:solidFill>
-                <a:latin typeface="G마켓 산스 Medium" panose="02000000000000000000" pitchFamily="50" charset="-127"/>
-                <a:ea typeface="G마켓 산스 Medium" panose="02000000000000000000" pitchFamily="50" charset="-127"/>
-              </a:rPr>
-              <a:t>종료한다</a:t>
-            </a:r>
-            <a:r>
-              <a:rPr lang="en-US" altLang="ko-KR" sz="3200" smtClean="0">
+              <a:t>게임을 종료한다</a:t>
+            </a:r>
+            <a:r>
+              <a:rPr lang="en-US" altLang="ko-KR" sz="3200">
                 <a:solidFill>
                   <a:srgbClr val="4D4848"/>
                 </a:solidFill>
@@ -28246,7 +28510,7 @@
           </a:p>
           <a:p>
             <a:r>
-              <a:rPr lang="en-US" altLang="ko-KR" sz="3200" smtClean="0">
+              <a:rPr lang="en-US" altLang="ko-KR" sz="3200">
                 <a:solidFill>
                   <a:srgbClr val="4D4848"/>
                 </a:solidFill>
@@ -28256,7 +28520,7 @@
               <a:t>(</a:t>
             </a:r>
             <a:r>
-              <a:rPr lang="ko-KR" altLang="en-US" sz="3200" smtClean="0">
+              <a:rPr lang="ko-KR" altLang="en-US" sz="3200">
                 <a:solidFill>
                   <a:srgbClr val="FF0000"/>
                 </a:solidFill>
@@ -28266,7 +28530,7 @@
               <a:t>힌트</a:t>
             </a:r>
             <a:r>
-              <a:rPr lang="en-US" altLang="ko-KR" sz="3200" smtClean="0">
+              <a:rPr lang="en-US" altLang="ko-KR" sz="3200">
                 <a:solidFill>
                   <a:srgbClr val="FF0000"/>
                 </a:solidFill>
@@ -28276,7 +28540,7 @@
               <a:t>: </a:t>
             </a:r>
             <a:r>
-              <a:rPr lang="ko-KR" altLang="en-US" sz="3200" smtClean="0">
+              <a:rPr lang="ko-KR" altLang="en-US" sz="3200">
                 <a:solidFill>
                   <a:srgbClr val="FF0000"/>
                 </a:solidFill>
@@ -28286,7 +28550,7 @@
               <a:t>해당좌표의 공개여부를 저장하기위해 셔플된 </a:t>
             </a:r>
             <a:r>
-              <a:rPr lang="en-US" altLang="ko-KR" sz="3200" smtClean="0">
+              <a:rPr lang="en-US" altLang="ko-KR" sz="3200">
                 <a:solidFill>
                   <a:srgbClr val="FF0000"/>
                 </a:solidFill>
@@ -28296,7 +28560,7 @@
               <a:t>2</a:t>
             </a:r>
             <a:r>
-              <a:rPr lang="ko-KR" altLang="en-US" sz="3200" smtClean="0">
+              <a:rPr lang="ko-KR" altLang="en-US" sz="3200">
                 <a:solidFill>
                   <a:srgbClr val="FF0000"/>
                 </a:solidFill>
@@ -28306,7 +28570,7 @@
               <a:t>차원배열</a:t>
             </a:r>
             <a:r>
-              <a:rPr lang="en-US" altLang="ko-KR" sz="3200" smtClean="0">
+              <a:rPr lang="en-US" altLang="ko-KR" sz="3200">
                 <a:solidFill>
                   <a:srgbClr val="FF0000"/>
                 </a:solidFill>
@@ -28316,7 +28580,7 @@
               <a:t>[5][5]</a:t>
             </a:r>
             <a:r>
-              <a:rPr lang="ko-KR" altLang="en-US" sz="3200" smtClean="0">
+              <a:rPr lang="ko-KR" altLang="en-US" sz="3200">
                 <a:solidFill>
                   <a:srgbClr val="FF0000"/>
                 </a:solidFill>
@@ -28326,7 +28590,7 @@
               <a:t>을 </a:t>
             </a:r>
             <a:r>
-              <a:rPr lang="en-US" altLang="ko-KR" sz="3200" smtClean="0">
+              <a:rPr lang="en-US" altLang="ko-KR" sz="3200">
                 <a:solidFill>
                   <a:srgbClr val="FF0000"/>
                 </a:solidFill>
@@ -28336,7 +28600,7 @@
               <a:t>2</a:t>
             </a:r>
             <a:r>
-              <a:rPr lang="ko-KR" altLang="en-US" sz="3200" smtClean="0">
+              <a:rPr lang="ko-KR" altLang="en-US" sz="3200">
                 <a:solidFill>
                   <a:srgbClr val="FF0000"/>
                 </a:solidFill>
@@ -28346,7 +28610,7 @@
               <a:t>개 가지는 </a:t>
             </a:r>
             <a:r>
-              <a:rPr lang="en-US" altLang="ko-KR" sz="3200" smtClean="0">
+              <a:rPr lang="en-US" altLang="ko-KR" sz="3200">
                 <a:solidFill>
                   <a:srgbClr val="FF0000"/>
                 </a:solidFill>
@@ -28356,7 +28620,7 @@
               <a:t>3</a:t>
             </a:r>
             <a:r>
-              <a:rPr lang="ko-KR" altLang="en-US" sz="3200" smtClean="0">
+              <a:rPr lang="ko-KR" altLang="en-US" sz="3200">
                 <a:solidFill>
                   <a:srgbClr val="FF0000"/>
                 </a:solidFill>
@@ -28366,7 +28630,7 @@
               <a:t>차원 배열을 만들어야 한다</a:t>
             </a:r>
             <a:r>
-              <a:rPr lang="en-US" altLang="ko-KR" sz="3200" smtClean="0">
+              <a:rPr lang="en-US" altLang="ko-KR" sz="3200">
                 <a:solidFill>
                   <a:srgbClr val="FF0000"/>
                 </a:solidFill>
@@ -28375,13 +28639,6 @@
               </a:rPr>
               <a:t>!)</a:t>
             </a:r>
-            <a:endParaRPr lang="en-US" altLang="ko-KR" sz="3200">
-              <a:solidFill>
-                <a:srgbClr val="FF0000"/>
-              </a:solidFill>
-              <a:latin typeface="G마켓 산스 Medium" panose="02000000000000000000" pitchFamily="50" charset="-127"/>
-              <a:ea typeface="G마켓 산스 Medium" panose="02000000000000000000" pitchFamily="50" charset="-127"/>
-            </a:endParaRPr>
           </a:p>
         </p:txBody>
       </p:sp>
@@ -28390,7 +28647,7 @@
           <p:cNvPr id="7" name="TextBox 6">
             <a:extLst>
               <a:ext uri="{FF2B5EF4-FFF2-40B4-BE49-F238E27FC236}">
-                <a16:creationId xmlns="" xmlns:a16="http://schemas.microsoft.com/office/drawing/2014/main" id="{5ADC00B6-990A-40DC-3CEA-505258F5E8DA}"/>
+                <a16:creationId xmlns:a16="http://schemas.microsoft.com/office/drawing/2014/main" id="{5ADC00B6-990A-40DC-3CEA-505258F5E8DA}"/>
               </a:ext>
             </a:extLst>
           </p:cNvPr>
@@ -28448,7 +28705,7 @@
           <p:cNvPr id="8" name="TextBox 7">
             <a:extLst>
               <a:ext uri="{FF2B5EF4-FFF2-40B4-BE49-F238E27FC236}">
-                <a16:creationId xmlns="" xmlns:a16="http://schemas.microsoft.com/office/drawing/2014/main" id="{4EDAA912-8FA0-0F11-119B-EA9F8B36A489}"/>
+                <a16:creationId xmlns:a16="http://schemas.microsoft.com/office/drawing/2014/main" id="{4EDAA912-8FA0-0F11-119B-EA9F8B36A489}"/>
               </a:ext>
             </a:extLst>
           </p:cNvPr>
@@ -28472,7 +28729,7 @@
           <a:lstStyle/>
           <a:p>
             <a:r>
-              <a:rPr lang="ko-KR" altLang="en-US" sz="3600" smtClean="0">
+              <a:rPr lang="ko-KR" altLang="en-US" sz="3600">
                 <a:solidFill>
                   <a:srgbClr val="4D4848"/>
                 </a:solidFill>
@@ -28482,7 +28739,7 @@
               <a:t>좌표를 입력받아 해당좌표에 </a:t>
             </a:r>
             <a:r>
-              <a:rPr lang="en-US" altLang="ko-KR" sz="3600" smtClean="0">
+              <a:rPr lang="en-US" altLang="ko-KR" sz="3600">
                 <a:solidFill>
                   <a:srgbClr val="4D4848"/>
                 </a:solidFill>
@@ -28492,7 +28749,7 @@
               <a:t>x</a:t>
             </a:r>
             <a:r>
-              <a:rPr lang="ko-KR" altLang="en-US" sz="3600" smtClean="0">
+              <a:rPr lang="ko-KR" altLang="en-US" sz="3600">
                 <a:solidFill>
                   <a:srgbClr val="4D4848"/>
                 </a:solidFill>
@@ -28516,7 +28773,7 @@
           <p:cNvPr id="10" name="TextBox 9">
             <a:extLst>
               <a:ext uri="{FF2B5EF4-FFF2-40B4-BE49-F238E27FC236}">
-                <a16:creationId xmlns="" xmlns:a16="http://schemas.microsoft.com/office/drawing/2014/main" id="{5ADC00B6-990A-40DC-3CEA-505258F5E8DA}"/>
+                <a16:creationId xmlns:a16="http://schemas.microsoft.com/office/drawing/2014/main" id="{5ADC00B6-990A-40DC-3CEA-505258F5E8DA}"/>
               </a:ext>
             </a:extLst>
           </p:cNvPr>
@@ -28574,7 +28831,7 @@
           <p:cNvPr id="12" name="TextBox 11">
             <a:extLst>
               <a:ext uri="{FF2B5EF4-FFF2-40B4-BE49-F238E27FC236}">
-                <a16:creationId xmlns="" xmlns:a16="http://schemas.microsoft.com/office/drawing/2014/main" id="{4EDAA912-8FA0-0F11-119B-EA9F8B36A489}"/>
+                <a16:creationId xmlns:a16="http://schemas.microsoft.com/office/drawing/2014/main" id="{4EDAA912-8FA0-0F11-119B-EA9F8B36A489}"/>
               </a:ext>
             </a:extLst>
           </p:cNvPr>
@@ -28598,7 +28855,7 @@
           <a:lstStyle/>
           <a:p>
             <a:r>
-              <a:rPr lang="ko-KR" altLang="en-US" sz="3600" smtClean="0">
+              <a:rPr lang="ko-KR" altLang="en-US" sz="3600">
                 <a:solidFill>
                   <a:srgbClr val="4D4848"/>
                 </a:solidFill>
@@ -28608,7 +28865,7 @@
               <a:t>아래의 그림처럼 </a:t>
             </a:r>
             <a:r>
-              <a:rPr lang="en-US" altLang="ko-KR" sz="3600" smtClean="0">
+              <a:rPr lang="en-US" altLang="ko-KR" sz="3600">
                 <a:solidFill>
                   <a:srgbClr val="4D4848"/>
                 </a:solidFill>
@@ -28618,7 +28875,7 @@
               <a:t>2</a:t>
             </a:r>
             <a:r>
-              <a:rPr lang="ko-KR" altLang="en-US" sz="3600" smtClean="0">
+              <a:rPr lang="ko-KR" altLang="en-US" sz="3600">
                 <a:solidFill>
                   <a:srgbClr val="4D4848"/>
                 </a:solidFill>
@@ -28628,7 +28885,7 @@
               <a:t>차원배열을 오른쪽 방향으로 </a:t>
             </a:r>
             <a:r>
-              <a:rPr lang="en-US" altLang="ko-KR" sz="3600" smtClean="0">
+              <a:rPr lang="en-US" altLang="ko-KR" sz="3600">
                 <a:solidFill>
                   <a:srgbClr val="4D4848"/>
                 </a:solidFill>
@@ -28638,26 +28895,16 @@
               <a:t>90</a:t>
             </a:r>
             <a:r>
-              <a:rPr lang="ko-KR" altLang="en-US" sz="3600" smtClean="0">
+              <a:rPr lang="ko-KR" altLang="en-US" sz="3600">
                 <a:solidFill>
                   <a:srgbClr val="4D4848"/>
                 </a:solidFill>
                 <a:latin typeface="G마켓 산스 Medium" panose="02000000000000000000" pitchFamily="50" charset="-127"/>
                 <a:ea typeface="G마켓 산스 Medium" panose="02000000000000000000" pitchFamily="50" charset="-127"/>
               </a:rPr>
-              <a:t>도 </a:t>
-            </a:r>
-            <a:r>
-              <a:rPr lang="ko-KR" altLang="en-US" sz="3600" smtClean="0">
-                <a:solidFill>
-                  <a:srgbClr val="4D4848"/>
-                </a:solidFill>
-                <a:latin typeface="G마켓 산스 Medium" panose="02000000000000000000" pitchFamily="50" charset="-127"/>
-                <a:ea typeface="G마켓 산스 Medium" panose="02000000000000000000" pitchFamily="50" charset="-127"/>
-              </a:rPr>
-              <a:t>회전시켜보자</a:t>
-            </a:r>
-            <a:endParaRPr lang="en-US" altLang="ko-KR" sz="3600" smtClean="0">
+              <a:t>도 회전시켜보자</a:t>
+            </a:r>
+            <a:endParaRPr lang="en-US" altLang="ko-KR" sz="3600">
               <a:solidFill>
                 <a:srgbClr val="4D4848"/>
               </a:solidFill>
@@ -28749,13 +28996,6 @@
   <p:clrMapOvr>
     <a:masterClrMapping/>
   </p:clrMapOvr>
-  <p:timing>
-    <p:tnLst>
-      <p:par>
-        <p:cTn id="1" dur="indefinite" restart="never" nodeType="tmRoot"/>
-      </p:par>
-    </p:tnLst>
-  </p:timing>
 </p:sld>
 </file>
 
@@ -29047,7 +29287,7 @@
           <p:cNvPr id="2" name="TextBox 1">
             <a:extLst>
               <a:ext uri="{FF2B5EF4-FFF2-40B4-BE49-F238E27FC236}">
-                <a16:creationId xmlns="" xmlns:a16="http://schemas.microsoft.com/office/drawing/2014/main" id="{715D88A2-BD52-978B-A00A-540446126E3D}"/>
+                <a16:creationId xmlns:a16="http://schemas.microsoft.com/office/drawing/2014/main" id="{715D88A2-BD52-978B-A00A-540446126E3D}"/>
               </a:ext>
             </a:extLst>
           </p:cNvPr>
@@ -29120,7 +29360,7 @@
           <p:cNvPr id="32" name="TextBox 31">
             <a:extLst>
               <a:ext uri="{FF2B5EF4-FFF2-40B4-BE49-F238E27FC236}">
-                <a16:creationId xmlns="" xmlns:a16="http://schemas.microsoft.com/office/drawing/2014/main" id="{5ADC00B6-990A-40DC-3CEA-505258F5E8DA}"/>
+                <a16:creationId xmlns:a16="http://schemas.microsoft.com/office/drawing/2014/main" id="{5ADC00B6-990A-40DC-3CEA-505258F5E8DA}"/>
               </a:ext>
             </a:extLst>
           </p:cNvPr>
@@ -29191,7 +29431,7 @@
           <p:cNvPr id="8" name="그림 7">
             <a:extLst>
               <a:ext uri="{FF2B5EF4-FFF2-40B4-BE49-F238E27FC236}">
-                <a16:creationId xmlns="" xmlns:a16="http://schemas.microsoft.com/office/drawing/2014/main" id="{36EA5A03-03DE-406B-81E8-A6717DF31F95}"/>
+                <a16:creationId xmlns:a16="http://schemas.microsoft.com/office/drawing/2014/main" id="{36EA5A03-03DE-406B-81E8-A6717DF31F95}"/>
               </a:ext>
             </a:extLst>
           </p:cNvPr>
@@ -29221,7 +29461,7 @@
           <p:cNvPr id="9" name="TextBox 8">
             <a:extLst>
               <a:ext uri="{FF2B5EF4-FFF2-40B4-BE49-F238E27FC236}">
-                <a16:creationId xmlns="" xmlns:a16="http://schemas.microsoft.com/office/drawing/2014/main" id="{891E823C-FB22-A322-2590-BE7D83C31C15}"/>
+                <a16:creationId xmlns:a16="http://schemas.microsoft.com/office/drawing/2014/main" id="{891E823C-FB22-A322-2590-BE7D83C31C15}"/>
               </a:ext>
             </a:extLst>
           </p:cNvPr>
@@ -29262,7 +29502,7 @@
           <p:cNvPr id="11" name="그룹 1008">
             <a:extLst>
               <a:ext uri="{FF2B5EF4-FFF2-40B4-BE49-F238E27FC236}">
-                <a16:creationId xmlns="" xmlns:a16="http://schemas.microsoft.com/office/drawing/2014/main" id="{1EFF84BC-CE69-6E9A-0728-7433E2852943}"/>
+                <a16:creationId xmlns:a16="http://schemas.microsoft.com/office/drawing/2014/main" id="{1EFF84BC-CE69-6E9A-0728-7433E2852943}"/>
               </a:ext>
             </a:extLst>
           </p:cNvPr>
@@ -29282,7 +29522,7 @@
             <p:cNvPr id="12" name="그룹 1009">
               <a:extLst>
                 <a:ext uri="{FF2B5EF4-FFF2-40B4-BE49-F238E27FC236}">
-                  <a16:creationId xmlns="" xmlns:a16="http://schemas.microsoft.com/office/drawing/2014/main" id="{AA36F7CC-930A-2820-CA0D-F0788A037F7E}"/>
+                  <a16:creationId xmlns:a16="http://schemas.microsoft.com/office/drawing/2014/main" id="{AA36F7CC-930A-2820-CA0D-F0788A037F7E}"/>
                 </a:ext>
               </a:extLst>
             </p:cNvPr>
@@ -29302,7 +29542,7 @@
               <p:cNvPr id="19" name="Object 29">
                 <a:extLst>
                   <a:ext uri="{FF2B5EF4-FFF2-40B4-BE49-F238E27FC236}">
-                    <a16:creationId xmlns="" xmlns:a16="http://schemas.microsoft.com/office/drawing/2014/main" id="{9A5ADF80-DCC2-E6F9-0072-FFE30C7AF188}"/>
+                    <a16:creationId xmlns:a16="http://schemas.microsoft.com/office/drawing/2014/main" id="{9A5ADF80-DCC2-E6F9-0072-FFE30C7AF188}"/>
                   </a:ext>
                 </a:extLst>
               </p:cNvPr>
@@ -29333,7 +29573,7 @@
             <p:cNvPr id="13" name="그룹 1010">
               <a:extLst>
                 <a:ext uri="{FF2B5EF4-FFF2-40B4-BE49-F238E27FC236}">
-                  <a16:creationId xmlns="" xmlns:a16="http://schemas.microsoft.com/office/drawing/2014/main" id="{BA7EBFBB-DEC0-52A3-DA23-A283CA4F78AE}"/>
+                  <a16:creationId xmlns:a16="http://schemas.microsoft.com/office/drawing/2014/main" id="{BA7EBFBB-DEC0-52A3-DA23-A283CA4F78AE}"/>
                 </a:ext>
               </a:extLst>
             </p:cNvPr>
@@ -29353,7 +29593,7 @@
               <p:cNvPr id="17" name="Object 32">
                 <a:extLst>
                   <a:ext uri="{FF2B5EF4-FFF2-40B4-BE49-F238E27FC236}">
-                    <a16:creationId xmlns="" xmlns:a16="http://schemas.microsoft.com/office/drawing/2014/main" id="{FCA018BA-6DFF-9726-2010-E6B74AA92750}"/>
+                    <a16:creationId xmlns:a16="http://schemas.microsoft.com/office/drawing/2014/main" id="{FCA018BA-6DFF-9726-2010-E6B74AA92750}"/>
                   </a:ext>
                 </a:extLst>
               </p:cNvPr>
@@ -29384,7 +29624,7 @@
             <p:cNvPr id="14" name="그룹 1011">
               <a:extLst>
                 <a:ext uri="{FF2B5EF4-FFF2-40B4-BE49-F238E27FC236}">
-                  <a16:creationId xmlns="" xmlns:a16="http://schemas.microsoft.com/office/drawing/2014/main" id="{89BDD7E3-4009-6928-125A-3AF760574E6B}"/>
+                  <a16:creationId xmlns:a16="http://schemas.microsoft.com/office/drawing/2014/main" id="{89BDD7E3-4009-6928-125A-3AF760574E6B}"/>
                 </a:ext>
               </a:extLst>
             </p:cNvPr>
@@ -29404,7 +29644,7 @@
               <p:cNvPr id="16" name="Object 35">
                 <a:extLst>
                   <a:ext uri="{FF2B5EF4-FFF2-40B4-BE49-F238E27FC236}">
-                    <a16:creationId xmlns="" xmlns:a16="http://schemas.microsoft.com/office/drawing/2014/main" id="{6A68EFC7-0442-EB71-2629-EBFF29843026}"/>
+                    <a16:creationId xmlns:a16="http://schemas.microsoft.com/office/drawing/2014/main" id="{6A68EFC7-0442-EB71-2629-EBFF29843026}"/>
                   </a:ext>
                 </a:extLst>
               </p:cNvPr>
@@ -29436,7 +29676,7 @@
           <p:cNvPr id="20" name="그룹 1016">
             <a:extLst>
               <a:ext uri="{FF2B5EF4-FFF2-40B4-BE49-F238E27FC236}">
-                <a16:creationId xmlns="" xmlns:a16="http://schemas.microsoft.com/office/drawing/2014/main" id="{5AADB473-E166-1313-8A9E-3F089E59CF16}"/>
+                <a16:creationId xmlns:a16="http://schemas.microsoft.com/office/drawing/2014/main" id="{5AADB473-E166-1313-8A9E-3F089E59CF16}"/>
               </a:ext>
             </a:extLst>
           </p:cNvPr>
@@ -29456,7 +29696,7 @@
             <p:cNvPr id="22" name="Object 46">
               <a:extLst>
                 <a:ext uri="{FF2B5EF4-FFF2-40B4-BE49-F238E27FC236}">
-                  <a16:creationId xmlns="" xmlns:a16="http://schemas.microsoft.com/office/drawing/2014/main" id="{FE1DBED5-EA1B-FF19-35A4-35D68ECE2FE4}"/>
+                  <a16:creationId xmlns:a16="http://schemas.microsoft.com/office/drawing/2014/main" id="{FE1DBED5-EA1B-FF19-35A4-35D68ECE2FE4}"/>
                 </a:ext>
               </a:extLst>
             </p:cNvPr>
@@ -29487,7 +29727,7 @@
           <p:cNvPr id="33" name="TextBox 32">
             <a:extLst>
               <a:ext uri="{FF2B5EF4-FFF2-40B4-BE49-F238E27FC236}">
-                <a16:creationId xmlns="" xmlns:a16="http://schemas.microsoft.com/office/drawing/2014/main" id="{BF5DC44A-D1FE-0544-134B-19A623DD705D}"/>
+                <a16:creationId xmlns:a16="http://schemas.microsoft.com/office/drawing/2014/main" id="{BF5DC44A-D1FE-0544-134B-19A623DD705D}"/>
               </a:ext>
             </a:extLst>
           </p:cNvPr>
@@ -29580,13 +29820,6 @@
   <p:clrMapOvr>
     <a:masterClrMapping/>
   </p:clrMapOvr>
-  <p:timing>
-    <p:tnLst>
-      <p:par>
-        <p:cTn id="1" dur="indefinite" restart="never" nodeType="tmRoot"/>
-      </p:par>
-    </p:tnLst>
-  </p:timing>
 </p:sld>
 </file>
 
@@ -29612,7 +29845,7 @@
           <p:cNvPr id="4" name="표 3">
             <a:extLst>
               <a:ext uri="{FF2B5EF4-FFF2-40B4-BE49-F238E27FC236}">
-                <a16:creationId xmlns="" xmlns:a16="http://schemas.microsoft.com/office/drawing/2014/main" id="{94393C86-0B06-3BF4-D58A-5DF6481E98D2}"/>
+                <a16:creationId xmlns:a16="http://schemas.microsoft.com/office/drawing/2014/main" id="{94393C86-0B06-3BF4-D58A-5DF6481E98D2}"/>
               </a:ext>
             </a:extLst>
           </p:cNvPr>
@@ -29641,14 +29874,14 @@
                 <a:gridCol w="1447800">
                   <a:extLst>
                     <a:ext uri="{9D8B030D-6E8A-4147-A177-3AD203B41FA5}">
-                      <a16:colId xmlns="" xmlns:a16="http://schemas.microsoft.com/office/drawing/2014/main" val="3731381781"/>
+                      <a16:colId xmlns:a16="http://schemas.microsoft.com/office/drawing/2014/main" val="3731381781"/>
                     </a:ext>
                   </a:extLst>
                 </a:gridCol>
                 <a:gridCol w="1981200">
                   <a:extLst>
                     <a:ext uri="{9D8B030D-6E8A-4147-A177-3AD203B41FA5}">
-                      <a16:colId xmlns="" xmlns:a16="http://schemas.microsoft.com/office/drawing/2014/main" val="2922041479"/>
+                      <a16:colId xmlns:a16="http://schemas.microsoft.com/office/drawing/2014/main" val="2922041479"/>
                     </a:ext>
                   </a:extLst>
                 </a:gridCol>
@@ -29774,7 +30007,7 @@
                 </a:tc>
                 <a:extLst>
                   <a:ext uri="{0D108BD9-81ED-4DB2-BD59-A6C34878D82A}">
-                    <a16:rowId xmlns="" xmlns:a16="http://schemas.microsoft.com/office/drawing/2014/main" val="3716032365"/>
+                    <a16:rowId xmlns:a16="http://schemas.microsoft.com/office/drawing/2014/main" val="3716032365"/>
                   </a:ext>
                 </a:extLst>
               </a:tr>
@@ -29903,7 +30136,7 @@
                 </a:tc>
                 <a:extLst>
                   <a:ext uri="{0D108BD9-81ED-4DB2-BD59-A6C34878D82A}">
-                    <a16:rowId xmlns="" xmlns:a16="http://schemas.microsoft.com/office/drawing/2014/main" val="1765325807"/>
+                    <a16:rowId xmlns:a16="http://schemas.microsoft.com/office/drawing/2014/main" val="1765325807"/>
                   </a:ext>
                 </a:extLst>
               </a:tr>
@@ -30016,7 +30249,7 @@
                 </a:tc>
                 <a:extLst>
                   <a:ext uri="{0D108BD9-81ED-4DB2-BD59-A6C34878D82A}">
-                    <a16:rowId xmlns="" xmlns:a16="http://schemas.microsoft.com/office/drawing/2014/main" val="3352121117"/>
+                    <a16:rowId xmlns:a16="http://schemas.microsoft.com/office/drawing/2014/main" val="3352121117"/>
                   </a:ext>
                 </a:extLst>
               </a:tr>
@@ -30129,7 +30362,7 @@
                 </a:tc>
                 <a:extLst>
                   <a:ext uri="{0D108BD9-81ED-4DB2-BD59-A6C34878D82A}">
-                    <a16:rowId xmlns="" xmlns:a16="http://schemas.microsoft.com/office/drawing/2014/main" val="2004051296"/>
+                    <a16:rowId xmlns:a16="http://schemas.microsoft.com/office/drawing/2014/main" val="2004051296"/>
                   </a:ext>
                 </a:extLst>
               </a:tr>
@@ -30242,7 +30475,7 @@
                 </a:tc>
                 <a:extLst>
                   <a:ext uri="{0D108BD9-81ED-4DB2-BD59-A6C34878D82A}">
-                    <a16:rowId xmlns="" xmlns:a16="http://schemas.microsoft.com/office/drawing/2014/main" val="3455365349"/>
+                    <a16:rowId xmlns:a16="http://schemas.microsoft.com/office/drawing/2014/main" val="3455365349"/>
                   </a:ext>
                 </a:extLst>
               </a:tr>
@@ -30355,7 +30588,7 @@
                 </a:tc>
                 <a:extLst>
                   <a:ext uri="{0D108BD9-81ED-4DB2-BD59-A6C34878D82A}">
-                    <a16:rowId xmlns="" xmlns:a16="http://schemas.microsoft.com/office/drawing/2014/main" val="3167686984"/>
+                    <a16:rowId xmlns:a16="http://schemas.microsoft.com/office/drawing/2014/main" val="3167686984"/>
                   </a:ext>
                 </a:extLst>
               </a:tr>
@@ -30468,7 +30701,7 @@
                 </a:tc>
                 <a:extLst>
                   <a:ext uri="{0D108BD9-81ED-4DB2-BD59-A6C34878D82A}">
-                    <a16:rowId xmlns="" xmlns:a16="http://schemas.microsoft.com/office/drawing/2014/main" val="4026164128"/>
+                    <a16:rowId xmlns:a16="http://schemas.microsoft.com/office/drawing/2014/main" val="4026164128"/>
                   </a:ext>
                 </a:extLst>
               </a:tr>
@@ -30481,7 +30714,7 @@
           <p:cNvPr id="5" name="그룹 1018">
             <a:extLst>
               <a:ext uri="{FF2B5EF4-FFF2-40B4-BE49-F238E27FC236}">
-                <a16:creationId xmlns="" xmlns:a16="http://schemas.microsoft.com/office/drawing/2014/main" id="{1330ABEF-15CB-8649-BD8D-F461129ED30D}"/>
+                <a16:creationId xmlns:a16="http://schemas.microsoft.com/office/drawing/2014/main" id="{1330ABEF-15CB-8649-BD8D-F461129ED30D}"/>
               </a:ext>
             </a:extLst>
           </p:cNvPr>
@@ -30501,7 +30734,7 @@
             <p:cNvPr id="6" name="Object 61">
               <a:extLst>
                 <a:ext uri="{FF2B5EF4-FFF2-40B4-BE49-F238E27FC236}">
-                  <a16:creationId xmlns="" xmlns:a16="http://schemas.microsoft.com/office/drawing/2014/main" id="{ECF5792B-1F12-6090-875D-41885B0FBB10}"/>
+                  <a16:creationId xmlns:a16="http://schemas.microsoft.com/office/drawing/2014/main" id="{ECF5792B-1F12-6090-875D-41885B0FBB10}"/>
                 </a:ext>
               </a:extLst>
             </p:cNvPr>
@@ -30532,7 +30765,7 @@
           <p:cNvPr id="7" name="TextBox 6">
             <a:extLst>
               <a:ext uri="{FF2B5EF4-FFF2-40B4-BE49-F238E27FC236}">
-                <a16:creationId xmlns="" xmlns:a16="http://schemas.microsoft.com/office/drawing/2014/main" id="{7D83DD72-9F66-04E8-C674-1E40B9EC6DA5}"/>
+                <a16:creationId xmlns:a16="http://schemas.microsoft.com/office/drawing/2014/main" id="{7D83DD72-9F66-04E8-C674-1E40B9EC6DA5}"/>
               </a:ext>
             </a:extLst>
           </p:cNvPr>
@@ -30586,7 +30819,7 @@
           <p:cNvPr id="8" name="TextBox 7">
             <a:extLst>
               <a:ext uri="{FF2B5EF4-FFF2-40B4-BE49-F238E27FC236}">
-                <a16:creationId xmlns="" xmlns:a16="http://schemas.microsoft.com/office/drawing/2014/main" id="{307451BB-0100-5972-5BD5-E7D3BCBD6301}"/>
+                <a16:creationId xmlns:a16="http://schemas.microsoft.com/office/drawing/2014/main" id="{307451BB-0100-5972-5BD5-E7D3BCBD6301}"/>
               </a:ext>
             </a:extLst>
           </p:cNvPr>
@@ -30630,7 +30863,7 @@
           <p:cNvPr id="9" name="TextBox 8">
             <a:extLst>
               <a:ext uri="{FF2B5EF4-FFF2-40B4-BE49-F238E27FC236}">
-                <a16:creationId xmlns="" xmlns:a16="http://schemas.microsoft.com/office/drawing/2014/main" id="{34E3F449-543C-CD72-319C-A17299BAD58E}"/>
+                <a16:creationId xmlns:a16="http://schemas.microsoft.com/office/drawing/2014/main" id="{34E3F449-543C-CD72-319C-A17299BAD58E}"/>
               </a:ext>
             </a:extLst>
           </p:cNvPr>
@@ -30678,7 +30911,7 @@
           <p:cNvPr id="10" name="TextBox 9">
             <a:extLst>
               <a:ext uri="{FF2B5EF4-FFF2-40B4-BE49-F238E27FC236}">
-                <a16:creationId xmlns="" xmlns:a16="http://schemas.microsoft.com/office/drawing/2014/main" id="{E2F69BEC-12A2-9108-7924-1B36AF4430E4}"/>
+                <a16:creationId xmlns:a16="http://schemas.microsoft.com/office/drawing/2014/main" id="{E2F69BEC-12A2-9108-7924-1B36AF4430E4}"/>
               </a:ext>
             </a:extLst>
           </p:cNvPr>
@@ -30745,7 +30978,7 @@
           <p:cNvPr id="12" name="그림 11">
             <a:extLst>
               <a:ext uri="{FF2B5EF4-FFF2-40B4-BE49-F238E27FC236}">
-                <a16:creationId xmlns="" xmlns:a16="http://schemas.microsoft.com/office/drawing/2014/main" id="{B0E66467-5213-2FA0-A521-3B39B6797D99}"/>
+                <a16:creationId xmlns:a16="http://schemas.microsoft.com/office/drawing/2014/main" id="{B0E66467-5213-2FA0-A521-3B39B6797D99}"/>
               </a:ext>
             </a:extLst>
           </p:cNvPr>
@@ -30775,7 +31008,7 @@
           <p:cNvPr id="13" name="직선 화살표 연결선 12">
             <a:extLst>
               <a:ext uri="{FF2B5EF4-FFF2-40B4-BE49-F238E27FC236}">
-                <a16:creationId xmlns="" xmlns:a16="http://schemas.microsoft.com/office/drawing/2014/main" id="{A258CCA0-C886-9F46-EA23-630BE0C66BE2}"/>
+                <a16:creationId xmlns:a16="http://schemas.microsoft.com/office/drawing/2014/main" id="{A258CCA0-C886-9F46-EA23-630BE0C66BE2}"/>
               </a:ext>
             </a:extLst>
           </p:cNvPr>
@@ -30822,13 +31055,6 @@
   <p:clrMapOvr>
     <a:masterClrMapping/>
   </p:clrMapOvr>
-  <p:timing>
-    <p:tnLst>
-      <p:par>
-        <p:cTn id="1" dur="indefinite" restart="never" nodeType="tmRoot"/>
-      </p:par>
-    </p:tnLst>
-  </p:timing>
 </p:sld>
 </file>
 
@@ -30854,7 +31080,7 @@
           <p:cNvPr id="4" name="TextBox 3">
             <a:extLst>
               <a:ext uri="{FF2B5EF4-FFF2-40B4-BE49-F238E27FC236}">
-                <a16:creationId xmlns="" xmlns:a16="http://schemas.microsoft.com/office/drawing/2014/main" id="{C1898E6D-AE67-F9BC-3E27-12ED9B1FE83E}"/>
+                <a16:creationId xmlns:a16="http://schemas.microsoft.com/office/drawing/2014/main" id="{C1898E6D-AE67-F9BC-3E27-12ED9B1FE83E}"/>
               </a:ext>
             </a:extLst>
           </p:cNvPr>
@@ -30902,7 +31128,7 @@
           <p:cNvPr id="6" name="그림 5">
             <a:extLst>
               <a:ext uri="{FF2B5EF4-FFF2-40B4-BE49-F238E27FC236}">
-                <a16:creationId xmlns="" xmlns:a16="http://schemas.microsoft.com/office/drawing/2014/main" id="{34183050-65C1-05AB-E218-F7C08E562299}"/>
+                <a16:creationId xmlns:a16="http://schemas.microsoft.com/office/drawing/2014/main" id="{34183050-65C1-05AB-E218-F7C08E562299}"/>
               </a:ext>
             </a:extLst>
           </p:cNvPr>
@@ -30932,7 +31158,7 @@
           <p:cNvPr id="7" name="TextBox 6">
             <a:extLst>
               <a:ext uri="{FF2B5EF4-FFF2-40B4-BE49-F238E27FC236}">
-                <a16:creationId xmlns="" xmlns:a16="http://schemas.microsoft.com/office/drawing/2014/main" id="{B4AA3674-0BEE-604F-2135-D115C443AB3D}"/>
+                <a16:creationId xmlns:a16="http://schemas.microsoft.com/office/drawing/2014/main" id="{B4AA3674-0BEE-604F-2135-D115C443AB3D}"/>
               </a:ext>
             </a:extLst>
           </p:cNvPr>
@@ -30980,7 +31206,7 @@
           <p:cNvPr id="2" name="직사각형 1">
             <a:extLst>
               <a:ext uri="{FF2B5EF4-FFF2-40B4-BE49-F238E27FC236}">
-                <a16:creationId xmlns="" xmlns:a16="http://schemas.microsoft.com/office/drawing/2014/main" id="{40BCA21D-3B4F-5C68-051C-C54D2F6FBC5E}"/>
+                <a16:creationId xmlns:a16="http://schemas.microsoft.com/office/drawing/2014/main" id="{40BCA21D-3B4F-5C68-051C-C54D2F6FBC5E}"/>
               </a:ext>
             </a:extLst>
           </p:cNvPr>
@@ -31032,7 +31258,7 @@
           <p:cNvPr id="3" name="직사각형 2">
             <a:extLst>
               <a:ext uri="{FF2B5EF4-FFF2-40B4-BE49-F238E27FC236}">
-                <a16:creationId xmlns="" xmlns:a16="http://schemas.microsoft.com/office/drawing/2014/main" id="{703082B3-C7A3-E021-F8B8-D12E08F32AA1}"/>
+                <a16:creationId xmlns:a16="http://schemas.microsoft.com/office/drawing/2014/main" id="{703082B3-C7A3-E021-F8B8-D12E08F32AA1}"/>
               </a:ext>
             </a:extLst>
           </p:cNvPr>
@@ -31084,7 +31310,7 @@
           <p:cNvPr id="5" name="그림 4">
             <a:extLst>
               <a:ext uri="{FF2B5EF4-FFF2-40B4-BE49-F238E27FC236}">
-                <a16:creationId xmlns="" xmlns:a16="http://schemas.microsoft.com/office/drawing/2014/main" id="{596EE362-5F0F-3029-8201-891D2AB64335}"/>
+                <a16:creationId xmlns:a16="http://schemas.microsoft.com/office/drawing/2014/main" id="{596EE362-5F0F-3029-8201-891D2AB64335}"/>
               </a:ext>
             </a:extLst>
           </p:cNvPr>
@@ -31114,7 +31340,7 @@
           <p:cNvPr id="8" name="직사각형 7">
             <a:extLst>
               <a:ext uri="{FF2B5EF4-FFF2-40B4-BE49-F238E27FC236}">
-                <a16:creationId xmlns="" xmlns:a16="http://schemas.microsoft.com/office/drawing/2014/main" id="{C346E719-ED0A-7AEA-AF61-5B5FF03676A9}"/>
+                <a16:creationId xmlns:a16="http://schemas.microsoft.com/office/drawing/2014/main" id="{C346E719-ED0A-7AEA-AF61-5B5FF03676A9}"/>
               </a:ext>
             </a:extLst>
           </p:cNvPr>
@@ -31166,7 +31392,7 @@
           <p:cNvPr id="9" name="직사각형 8">
             <a:extLst>
               <a:ext uri="{FF2B5EF4-FFF2-40B4-BE49-F238E27FC236}">
-                <a16:creationId xmlns="" xmlns:a16="http://schemas.microsoft.com/office/drawing/2014/main" id="{065E66D5-A79A-68FC-9736-F34D4DBB85C8}"/>
+                <a16:creationId xmlns:a16="http://schemas.microsoft.com/office/drawing/2014/main" id="{065E66D5-A79A-68FC-9736-F34D4DBB85C8}"/>
               </a:ext>
             </a:extLst>
           </p:cNvPr>
@@ -31218,7 +31444,7 @@
           <p:cNvPr id="11" name="그림 10">
             <a:extLst>
               <a:ext uri="{FF2B5EF4-FFF2-40B4-BE49-F238E27FC236}">
-                <a16:creationId xmlns="" xmlns:a16="http://schemas.microsoft.com/office/drawing/2014/main" id="{FBC337D5-A2F3-BF34-090D-6DEAD6087E07}"/>
+                <a16:creationId xmlns:a16="http://schemas.microsoft.com/office/drawing/2014/main" id="{FBC337D5-A2F3-BF34-090D-6DEAD6087E07}"/>
               </a:ext>
             </a:extLst>
           </p:cNvPr>
@@ -31248,7 +31474,7 @@
           <p:cNvPr id="12" name="그림 11">
             <a:extLst>
               <a:ext uri="{FF2B5EF4-FFF2-40B4-BE49-F238E27FC236}">
-                <a16:creationId xmlns="" xmlns:a16="http://schemas.microsoft.com/office/drawing/2014/main" id="{A4E43F85-8626-AF9D-2B57-4F8FD132461B}"/>
+                <a16:creationId xmlns:a16="http://schemas.microsoft.com/office/drawing/2014/main" id="{A4E43F85-8626-AF9D-2B57-4F8FD132461B}"/>
               </a:ext>
             </a:extLst>
           </p:cNvPr>
@@ -31278,7 +31504,7 @@
           <p:cNvPr id="13" name="TextBox 12">
             <a:extLst>
               <a:ext uri="{FF2B5EF4-FFF2-40B4-BE49-F238E27FC236}">
-                <a16:creationId xmlns="" xmlns:a16="http://schemas.microsoft.com/office/drawing/2014/main" id="{6A36272A-1863-83A8-E582-2BAD0426619C}"/>
+                <a16:creationId xmlns:a16="http://schemas.microsoft.com/office/drawing/2014/main" id="{6A36272A-1863-83A8-E582-2BAD0426619C}"/>
               </a:ext>
             </a:extLst>
           </p:cNvPr>
@@ -31506,7 +31732,7 @@
           <p:cNvPr id="10" name="표 9">
             <a:extLst>
               <a:ext uri="{FF2B5EF4-FFF2-40B4-BE49-F238E27FC236}">
-                <a16:creationId xmlns="" xmlns:a16="http://schemas.microsoft.com/office/drawing/2014/main" id="{28AB1E84-4FFE-DBB7-4A4A-6D401C7DB994}"/>
+                <a16:creationId xmlns:a16="http://schemas.microsoft.com/office/drawing/2014/main" id="{28AB1E84-4FFE-DBB7-4A4A-6D401C7DB994}"/>
               </a:ext>
             </a:extLst>
           </p:cNvPr>
@@ -31535,14 +31761,14 @@
                 <a:gridCol w="1447800">
                   <a:extLst>
                     <a:ext uri="{9D8B030D-6E8A-4147-A177-3AD203B41FA5}">
-                      <a16:colId xmlns="" xmlns:a16="http://schemas.microsoft.com/office/drawing/2014/main" val="3731381781"/>
+                      <a16:colId xmlns:a16="http://schemas.microsoft.com/office/drawing/2014/main" val="3731381781"/>
                     </a:ext>
                   </a:extLst>
                 </a:gridCol>
                 <a:gridCol w="1981200">
                   <a:extLst>
                     <a:ext uri="{9D8B030D-6E8A-4147-A177-3AD203B41FA5}">
-                      <a16:colId xmlns="" xmlns:a16="http://schemas.microsoft.com/office/drawing/2014/main" val="2922041479"/>
+                      <a16:colId xmlns:a16="http://schemas.microsoft.com/office/drawing/2014/main" val="2922041479"/>
                     </a:ext>
                   </a:extLst>
                 </a:gridCol>
@@ -31668,7 +31894,7 @@
                 </a:tc>
                 <a:extLst>
                   <a:ext uri="{0D108BD9-81ED-4DB2-BD59-A6C34878D82A}">
-                    <a16:rowId xmlns="" xmlns:a16="http://schemas.microsoft.com/office/drawing/2014/main" val="3716032365"/>
+                    <a16:rowId xmlns:a16="http://schemas.microsoft.com/office/drawing/2014/main" val="3716032365"/>
                   </a:ext>
                 </a:extLst>
               </a:tr>
@@ -31797,7 +32023,7 @@
                 </a:tc>
                 <a:extLst>
                   <a:ext uri="{0D108BD9-81ED-4DB2-BD59-A6C34878D82A}">
-                    <a16:rowId xmlns="" xmlns:a16="http://schemas.microsoft.com/office/drawing/2014/main" val="1765325807"/>
+                    <a16:rowId xmlns:a16="http://schemas.microsoft.com/office/drawing/2014/main" val="1765325807"/>
                   </a:ext>
                 </a:extLst>
               </a:tr>
@@ -31910,7 +32136,7 @@
                 </a:tc>
                 <a:extLst>
                   <a:ext uri="{0D108BD9-81ED-4DB2-BD59-A6C34878D82A}">
-                    <a16:rowId xmlns="" xmlns:a16="http://schemas.microsoft.com/office/drawing/2014/main" val="3352121117"/>
+                    <a16:rowId xmlns:a16="http://schemas.microsoft.com/office/drawing/2014/main" val="3352121117"/>
                   </a:ext>
                 </a:extLst>
               </a:tr>
@@ -32023,7 +32249,7 @@
                 </a:tc>
                 <a:extLst>
                   <a:ext uri="{0D108BD9-81ED-4DB2-BD59-A6C34878D82A}">
-                    <a16:rowId xmlns="" xmlns:a16="http://schemas.microsoft.com/office/drawing/2014/main" val="2004051296"/>
+                    <a16:rowId xmlns:a16="http://schemas.microsoft.com/office/drawing/2014/main" val="2004051296"/>
                   </a:ext>
                 </a:extLst>
               </a:tr>
@@ -32136,7 +32362,7 @@
                 </a:tc>
                 <a:extLst>
                   <a:ext uri="{0D108BD9-81ED-4DB2-BD59-A6C34878D82A}">
-                    <a16:rowId xmlns="" xmlns:a16="http://schemas.microsoft.com/office/drawing/2014/main" val="3455365349"/>
+                    <a16:rowId xmlns:a16="http://schemas.microsoft.com/office/drawing/2014/main" val="3455365349"/>
                   </a:ext>
                 </a:extLst>
               </a:tr>
@@ -32249,7 +32475,7 @@
                 </a:tc>
                 <a:extLst>
                   <a:ext uri="{0D108BD9-81ED-4DB2-BD59-A6C34878D82A}">
-                    <a16:rowId xmlns="" xmlns:a16="http://schemas.microsoft.com/office/drawing/2014/main" val="3167686984"/>
+                    <a16:rowId xmlns:a16="http://schemas.microsoft.com/office/drawing/2014/main" val="3167686984"/>
                   </a:ext>
                 </a:extLst>
               </a:tr>
@@ -32362,7 +32588,7 @@
                 </a:tc>
                 <a:extLst>
                   <a:ext uri="{0D108BD9-81ED-4DB2-BD59-A6C34878D82A}">
-                    <a16:rowId xmlns="" xmlns:a16="http://schemas.microsoft.com/office/drawing/2014/main" val="4026164128"/>
+                    <a16:rowId xmlns:a16="http://schemas.microsoft.com/office/drawing/2014/main" val="4026164128"/>
                   </a:ext>
                 </a:extLst>
               </a:tr>
@@ -32375,7 +32601,7 @@
           <p:cNvPr id="11" name="그룹 1018">
             <a:extLst>
               <a:ext uri="{FF2B5EF4-FFF2-40B4-BE49-F238E27FC236}">
-                <a16:creationId xmlns="" xmlns:a16="http://schemas.microsoft.com/office/drawing/2014/main" id="{35589F1E-ACE7-13AB-5939-F16EBC4F7D74}"/>
+                <a16:creationId xmlns:a16="http://schemas.microsoft.com/office/drawing/2014/main" id="{35589F1E-ACE7-13AB-5939-F16EBC4F7D74}"/>
               </a:ext>
             </a:extLst>
           </p:cNvPr>
@@ -32395,7 +32621,7 @@
             <p:cNvPr id="12" name="Object 61">
               <a:extLst>
                 <a:ext uri="{FF2B5EF4-FFF2-40B4-BE49-F238E27FC236}">
-                  <a16:creationId xmlns="" xmlns:a16="http://schemas.microsoft.com/office/drawing/2014/main" id="{D7242013-6B13-19EB-F7F4-2A1B727A4A0A}"/>
+                  <a16:creationId xmlns:a16="http://schemas.microsoft.com/office/drawing/2014/main" id="{D7242013-6B13-19EB-F7F4-2A1B727A4A0A}"/>
                 </a:ext>
               </a:extLst>
             </p:cNvPr>
@@ -32426,7 +32652,7 @@
           <p:cNvPr id="13" name="TextBox 12">
             <a:extLst>
               <a:ext uri="{FF2B5EF4-FFF2-40B4-BE49-F238E27FC236}">
-                <a16:creationId xmlns="" xmlns:a16="http://schemas.microsoft.com/office/drawing/2014/main" id="{E6B61D91-F56A-04E2-96A7-74A68AABE02B}"/>
+                <a16:creationId xmlns:a16="http://schemas.microsoft.com/office/drawing/2014/main" id="{E6B61D91-F56A-04E2-96A7-74A68AABE02B}"/>
               </a:ext>
             </a:extLst>
           </p:cNvPr>
@@ -32470,7 +32696,7 @@
           <p:cNvPr id="14" name="TextBox 13">
             <a:extLst>
               <a:ext uri="{FF2B5EF4-FFF2-40B4-BE49-F238E27FC236}">
-                <a16:creationId xmlns="" xmlns:a16="http://schemas.microsoft.com/office/drawing/2014/main" id="{1BAF2783-C3B4-F958-A545-19D7F14B5F8F}"/>
+                <a16:creationId xmlns:a16="http://schemas.microsoft.com/office/drawing/2014/main" id="{1BAF2783-C3B4-F958-A545-19D7F14B5F8F}"/>
               </a:ext>
             </a:extLst>
           </p:cNvPr>
@@ -32514,7 +32740,7 @@
           <p:cNvPr id="15" name="직선 화살표 연결선 14">
             <a:extLst>
               <a:ext uri="{FF2B5EF4-FFF2-40B4-BE49-F238E27FC236}">
-                <a16:creationId xmlns="" xmlns:a16="http://schemas.microsoft.com/office/drawing/2014/main" id="{544A88F7-D31A-049B-FE46-AD3E1AF0AE94}"/>
+                <a16:creationId xmlns:a16="http://schemas.microsoft.com/office/drawing/2014/main" id="{544A88F7-D31A-049B-FE46-AD3E1AF0AE94}"/>
               </a:ext>
             </a:extLst>
           </p:cNvPr>
@@ -32556,7 +32782,7 @@
           <p:cNvPr id="17" name="그림 16">
             <a:extLst>
               <a:ext uri="{FF2B5EF4-FFF2-40B4-BE49-F238E27FC236}">
-                <a16:creationId xmlns="" xmlns:a16="http://schemas.microsoft.com/office/drawing/2014/main" id="{7305A9B8-8402-F39C-C099-216C2F2F5193}"/>
+                <a16:creationId xmlns:a16="http://schemas.microsoft.com/office/drawing/2014/main" id="{7305A9B8-8402-F39C-C099-216C2F2F5193}"/>
               </a:ext>
             </a:extLst>
           </p:cNvPr>
@@ -32586,7 +32812,7 @@
           <p:cNvPr id="18" name="TextBox 17">
             <a:extLst>
               <a:ext uri="{FF2B5EF4-FFF2-40B4-BE49-F238E27FC236}">
-                <a16:creationId xmlns="" xmlns:a16="http://schemas.microsoft.com/office/drawing/2014/main" id="{72F416CC-94E0-9549-685A-C4418325E924}"/>
+                <a16:creationId xmlns:a16="http://schemas.microsoft.com/office/drawing/2014/main" id="{72F416CC-94E0-9549-685A-C4418325E924}"/>
               </a:ext>
             </a:extLst>
           </p:cNvPr>
@@ -32634,7 +32860,7 @@
           <p:cNvPr id="20" name="그림 19">
             <a:extLst>
               <a:ext uri="{FF2B5EF4-FFF2-40B4-BE49-F238E27FC236}">
-                <a16:creationId xmlns="" xmlns:a16="http://schemas.microsoft.com/office/drawing/2014/main" id="{F3D10D45-AFDE-52E0-DFB6-9DDB1AD2E686}"/>
+                <a16:creationId xmlns:a16="http://schemas.microsoft.com/office/drawing/2014/main" id="{F3D10D45-AFDE-52E0-DFB6-9DDB1AD2E686}"/>
               </a:ext>
             </a:extLst>
           </p:cNvPr>
@@ -32664,7 +32890,7 @@
           <p:cNvPr id="22" name="그림 21">
             <a:extLst>
               <a:ext uri="{FF2B5EF4-FFF2-40B4-BE49-F238E27FC236}">
-                <a16:creationId xmlns="" xmlns:a16="http://schemas.microsoft.com/office/drawing/2014/main" id="{4415765D-99E0-0F30-00F2-E85F4C9751B4}"/>
+                <a16:creationId xmlns:a16="http://schemas.microsoft.com/office/drawing/2014/main" id="{4415765D-99E0-0F30-00F2-E85F4C9751B4}"/>
               </a:ext>
             </a:extLst>
           </p:cNvPr>
@@ -33216,7 +33442,7 @@
           <p:cNvPr id="2" name="TextBox 1">
             <a:extLst>
               <a:ext uri="{FF2B5EF4-FFF2-40B4-BE49-F238E27FC236}">
-                <a16:creationId xmlns="" xmlns:a16="http://schemas.microsoft.com/office/drawing/2014/main" id="{76F36AE5-79B5-0B9F-E510-1C27AAC4B649}"/>
+                <a16:creationId xmlns:a16="http://schemas.microsoft.com/office/drawing/2014/main" id="{76F36AE5-79B5-0B9F-E510-1C27AAC4B649}"/>
               </a:ext>
             </a:extLst>
           </p:cNvPr>
@@ -33269,13 +33495,6 @@
   <p:clrMapOvr>
     <a:masterClrMapping/>
   </p:clrMapOvr>
-  <p:timing>
-    <p:tnLst>
-      <p:par>
-        <p:cTn id="1" dur="indefinite" restart="never" nodeType="tmRoot"/>
-      </p:par>
-    </p:tnLst>
-  </p:timing>
 </p:sld>
 </file>
 
@@ -33301,7 +33520,7 @@
           <p:cNvPr id="4" name="표 3">
             <a:extLst>
               <a:ext uri="{FF2B5EF4-FFF2-40B4-BE49-F238E27FC236}">
-                <a16:creationId xmlns="" xmlns:a16="http://schemas.microsoft.com/office/drawing/2014/main" id="{32F4C41F-E599-6BF7-85C4-F4348B01166D}"/>
+                <a16:creationId xmlns:a16="http://schemas.microsoft.com/office/drawing/2014/main" id="{32F4C41F-E599-6BF7-85C4-F4348B01166D}"/>
               </a:ext>
             </a:extLst>
           </p:cNvPr>
@@ -33330,14 +33549,14 @@
                 <a:gridCol w="2059093">
                   <a:extLst>
                     <a:ext uri="{9D8B030D-6E8A-4147-A177-3AD203B41FA5}">
-                      <a16:colId xmlns="" xmlns:a16="http://schemas.microsoft.com/office/drawing/2014/main" val="3731381781"/>
+                      <a16:colId xmlns:a16="http://schemas.microsoft.com/office/drawing/2014/main" val="3731381781"/>
                     </a:ext>
                   </a:extLst>
                 </a:gridCol>
                 <a:gridCol w="2817707">
                   <a:extLst>
                     <a:ext uri="{9D8B030D-6E8A-4147-A177-3AD203B41FA5}">
-                      <a16:colId xmlns="" xmlns:a16="http://schemas.microsoft.com/office/drawing/2014/main" val="2922041479"/>
+                      <a16:colId xmlns:a16="http://schemas.microsoft.com/office/drawing/2014/main" val="2922041479"/>
                     </a:ext>
                   </a:extLst>
                 </a:gridCol>
@@ -33463,7 +33682,7 @@
                 </a:tc>
                 <a:extLst>
                   <a:ext uri="{0D108BD9-81ED-4DB2-BD59-A6C34878D82A}">
-                    <a16:rowId xmlns="" xmlns:a16="http://schemas.microsoft.com/office/drawing/2014/main" val="3716032365"/>
+                    <a16:rowId xmlns:a16="http://schemas.microsoft.com/office/drawing/2014/main" val="3716032365"/>
                   </a:ext>
                 </a:extLst>
               </a:tr>
@@ -33592,7 +33811,7 @@
                 </a:tc>
                 <a:extLst>
                   <a:ext uri="{0D108BD9-81ED-4DB2-BD59-A6C34878D82A}">
-                    <a16:rowId xmlns="" xmlns:a16="http://schemas.microsoft.com/office/drawing/2014/main" val="1765325807"/>
+                    <a16:rowId xmlns:a16="http://schemas.microsoft.com/office/drawing/2014/main" val="1765325807"/>
                   </a:ext>
                 </a:extLst>
               </a:tr>
@@ -33705,7 +33924,7 @@
                 </a:tc>
                 <a:extLst>
                   <a:ext uri="{0D108BD9-81ED-4DB2-BD59-A6C34878D82A}">
-                    <a16:rowId xmlns="" xmlns:a16="http://schemas.microsoft.com/office/drawing/2014/main" val="3352121117"/>
+                    <a16:rowId xmlns:a16="http://schemas.microsoft.com/office/drawing/2014/main" val="3352121117"/>
                   </a:ext>
                 </a:extLst>
               </a:tr>
@@ -33818,7 +34037,7 @@
                 </a:tc>
                 <a:extLst>
                   <a:ext uri="{0D108BD9-81ED-4DB2-BD59-A6C34878D82A}">
-                    <a16:rowId xmlns="" xmlns:a16="http://schemas.microsoft.com/office/drawing/2014/main" val="2004051296"/>
+                    <a16:rowId xmlns:a16="http://schemas.microsoft.com/office/drawing/2014/main" val="2004051296"/>
                   </a:ext>
                 </a:extLst>
               </a:tr>
@@ -33931,7 +34150,7 @@
                 </a:tc>
                 <a:extLst>
                   <a:ext uri="{0D108BD9-81ED-4DB2-BD59-A6C34878D82A}">
-                    <a16:rowId xmlns="" xmlns:a16="http://schemas.microsoft.com/office/drawing/2014/main" val="3455365349"/>
+                    <a16:rowId xmlns:a16="http://schemas.microsoft.com/office/drawing/2014/main" val="3455365349"/>
                   </a:ext>
                 </a:extLst>
               </a:tr>
@@ -34044,7 +34263,7 @@
                 </a:tc>
                 <a:extLst>
                   <a:ext uri="{0D108BD9-81ED-4DB2-BD59-A6C34878D82A}">
-                    <a16:rowId xmlns="" xmlns:a16="http://schemas.microsoft.com/office/drawing/2014/main" val="3167686984"/>
+                    <a16:rowId xmlns:a16="http://schemas.microsoft.com/office/drawing/2014/main" val="3167686984"/>
                   </a:ext>
                 </a:extLst>
               </a:tr>
@@ -34057,7 +34276,7 @@
           <p:cNvPr id="5" name="TextBox 4">
             <a:extLst>
               <a:ext uri="{FF2B5EF4-FFF2-40B4-BE49-F238E27FC236}">
-                <a16:creationId xmlns="" xmlns:a16="http://schemas.microsoft.com/office/drawing/2014/main" id="{B564BCA0-4BD1-DDE5-0720-B6D03104F9BB}"/>
+                <a16:creationId xmlns:a16="http://schemas.microsoft.com/office/drawing/2014/main" id="{B564BCA0-4BD1-DDE5-0720-B6D03104F9BB}"/>
               </a:ext>
             </a:extLst>
           </p:cNvPr>
@@ -34105,7 +34324,7 @@
           <p:cNvPr id="7" name="그림 6">
             <a:extLst>
               <a:ext uri="{FF2B5EF4-FFF2-40B4-BE49-F238E27FC236}">
-                <a16:creationId xmlns="" xmlns:a16="http://schemas.microsoft.com/office/drawing/2014/main" id="{A89D2447-F7BC-6FC0-38D2-2984D78F8706}"/>
+                <a16:creationId xmlns:a16="http://schemas.microsoft.com/office/drawing/2014/main" id="{A89D2447-F7BC-6FC0-38D2-2984D78F8706}"/>
               </a:ext>
             </a:extLst>
           </p:cNvPr>
@@ -34135,7 +34354,7 @@
           <p:cNvPr id="8" name="직선 화살표 연결선 7">
             <a:extLst>
               <a:ext uri="{FF2B5EF4-FFF2-40B4-BE49-F238E27FC236}">
-                <a16:creationId xmlns="" xmlns:a16="http://schemas.microsoft.com/office/drawing/2014/main" id="{4BC5E409-2331-11BF-D232-27FBDECAD6A2}"/>
+                <a16:creationId xmlns:a16="http://schemas.microsoft.com/office/drawing/2014/main" id="{4BC5E409-2331-11BF-D232-27FBDECAD6A2}"/>
               </a:ext>
             </a:extLst>
           </p:cNvPr>
@@ -34176,7 +34395,7 @@
           <p:cNvPr id="9" name="직사각형 8">
             <a:extLst>
               <a:ext uri="{FF2B5EF4-FFF2-40B4-BE49-F238E27FC236}">
-                <a16:creationId xmlns="" xmlns:a16="http://schemas.microsoft.com/office/drawing/2014/main" id="{35BA8761-02C6-785B-3CEF-3095C3E8D29D}"/>
+                <a16:creationId xmlns:a16="http://schemas.microsoft.com/office/drawing/2014/main" id="{35BA8761-02C6-785B-3CEF-3095C3E8D29D}"/>
               </a:ext>
             </a:extLst>
           </p:cNvPr>
@@ -34228,7 +34447,7 @@
           <p:cNvPr id="11" name="직선 화살표 연결선 10">
             <a:extLst>
               <a:ext uri="{FF2B5EF4-FFF2-40B4-BE49-F238E27FC236}">
-                <a16:creationId xmlns="" xmlns:a16="http://schemas.microsoft.com/office/drawing/2014/main" id="{F38F6344-5EEC-0ED5-3473-853588560356}"/>
+                <a16:creationId xmlns:a16="http://schemas.microsoft.com/office/drawing/2014/main" id="{F38F6344-5EEC-0ED5-3473-853588560356}"/>
               </a:ext>
             </a:extLst>
           </p:cNvPr>
@@ -34269,7 +34488,7 @@
           <p:cNvPr id="12" name="직사각형 11">
             <a:extLst>
               <a:ext uri="{FF2B5EF4-FFF2-40B4-BE49-F238E27FC236}">
-                <a16:creationId xmlns="" xmlns:a16="http://schemas.microsoft.com/office/drawing/2014/main" id="{A068EABF-67F4-E922-9316-A65F5BBA710B}"/>
+                <a16:creationId xmlns:a16="http://schemas.microsoft.com/office/drawing/2014/main" id="{A068EABF-67F4-E922-9316-A65F5BBA710B}"/>
               </a:ext>
             </a:extLst>
           </p:cNvPr>
@@ -34321,7 +34540,7 @@
           <p:cNvPr id="14" name="TextBox 13">
             <a:extLst>
               <a:ext uri="{FF2B5EF4-FFF2-40B4-BE49-F238E27FC236}">
-                <a16:creationId xmlns="" xmlns:a16="http://schemas.microsoft.com/office/drawing/2014/main" id="{B14C0058-70C3-2BC3-6365-3D0DBF0F8180}"/>
+                <a16:creationId xmlns:a16="http://schemas.microsoft.com/office/drawing/2014/main" id="{B14C0058-70C3-2BC3-6365-3D0DBF0F8180}"/>
               </a:ext>
             </a:extLst>
           </p:cNvPr>
@@ -34392,7 +34611,7 @@
           <p:cNvPr id="15" name="TextBox 14">
             <a:extLst>
               <a:ext uri="{FF2B5EF4-FFF2-40B4-BE49-F238E27FC236}">
-                <a16:creationId xmlns="" xmlns:a16="http://schemas.microsoft.com/office/drawing/2014/main" id="{09B85E6E-D72E-53BE-389B-F18E2ED4EB18}"/>
+                <a16:creationId xmlns:a16="http://schemas.microsoft.com/office/drawing/2014/main" id="{09B85E6E-D72E-53BE-389B-F18E2ED4EB18}"/>
               </a:ext>
             </a:extLst>
           </p:cNvPr>
@@ -34463,7 +34682,7 @@
           <p:cNvPr id="16" name="TextBox 15">
             <a:extLst>
               <a:ext uri="{FF2B5EF4-FFF2-40B4-BE49-F238E27FC236}">
-                <a16:creationId xmlns="" xmlns:a16="http://schemas.microsoft.com/office/drawing/2014/main" id="{79D79D6B-7414-CE0D-7514-7A9F1FC8C640}"/>
+                <a16:creationId xmlns:a16="http://schemas.microsoft.com/office/drawing/2014/main" id="{79D79D6B-7414-CE0D-7514-7A9F1FC8C640}"/>
               </a:ext>
             </a:extLst>
           </p:cNvPr>
@@ -34546,7 +34765,7 @@
           <p:cNvPr id="18" name="그림 17">
             <a:extLst>
               <a:ext uri="{FF2B5EF4-FFF2-40B4-BE49-F238E27FC236}">
-                <a16:creationId xmlns="" xmlns:a16="http://schemas.microsoft.com/office/drawing/2014/main" id="{6E19FA6E-17E1-D6E1-9243-DE40C8730C93}"/>
+                <a16:creationId xmlns:a16="http://schemas.microsoft.com/office/drawing/2014/main" id="{6E19FA6E-17E1-D6E1-9243-DE40C8730C93}"/>
               </a:ext>
             </a:extLst>
           </p:cNvPr>
@@ -34576,7 +34795,7 @@
           <p:cNvPr id="19" name="TextBox 18">
             <a:extLst>
               <a:ext uri="{FF2B5EF4-FFF2-40B4-BE49-F238E27FC236}">
-                <a16:creationId xmlns="" xmlns:a16="http://schemas.microsoft.com/office/drawing/2014/main" id="{D785C1AD-AB87-0726-FDD4-AB3278BA3549}"/>
+                <a16:creationId xmlns:a16="http://schemas.microsoft.com/office/drawing/2014/main" id="{D785C1AD-AB87-0726-FDD4-AB3278BA3549}"/>
               </a:ext>
             </a:extLst>
           </p:cNvPr>
@@ -34629,13 +34848,6 @@
   <p:clrMapOvr>
     <a:masterClrMapping/>
   </p:clrMapOvr>
-  <p:timing>
-    <p:tnLst>
-      <p:par>
-        <p:cTn id="1" dur="indefinite" restart="never" nodeType="tmRoot"/>
-      </p:par>
-    </p:tnLst>
-  </p:timing>
 </p:sld>
 </file>
 

--- a/JavaLecture/LectureFile/java 5강.pptx
+++ b/JavaLecture/LectureFile/java 5강.pptx
@@ -240,7 +240,7 @@
           <a:p>
             <a:fld id="{D79F2C30-10E1-4C46-91DC-BBDB9629E720}" type="datetimeFigureOut">
               <a:rPr lang="ko-KR" altLang="en-US" smtClean="0"/>
-              <a:t>2023-01-28 Saturday</a:t>
+              <a:t>2023-02-03</a:t>
             </a:fld>
             <a:endParaRPr lang="ko-KR" altLang="en-US"/>
           </a:p>
@@ -770,7 +770,7 @@
           <a:p>
             <a:fld id="{F8166F1F-CE9B-4651-A6AA-CD717754106B}" type="datetimeFigureOut">
               <a:rPr lang="en-US" smtClean="0"/>
-              <a:t>1/28/2023</a:t>
+              <a:t>2/3/2023</a:t>
             </a:fld>
             <a:endParaRPr lang="en-US"/>
           </a:p>
@@ -933,7 +933,7 @@
           <a:p>
             <a:fld id="{A76116CE-C4A3-4A05-B2D7-7C2E9A889C0F}" type="datetimeFigureOut">
               <a:rPr lang="en-US" smtClean="0"/>
-              <a:t>1/28/2023</a:t>
+              <a:t>2/3/2023</a:t>
             </a:fld>
             <a:endParaRPr lang="en-US"/>
           </a:p>
@@ -1106,7 +1106,7 @@
           <a:p>
             <a:fld id="{A76116CE-C4A3-4A05-B2D7-7C2E9A889C0F}" type="datetimeFigureOut">
               <a:rPr lang="en-US" smtClean="0"/>
-              <a:t>1/28/2023</a:t>
+              <a:t>2/3/2023</a:t>
             </a:fld>
             <a:endParaRPr lang="en-US"/>
           </a:p>
@@ -1271,7 +1271,7 @@
           <a:p>
             <a:fld id="{A76116CE-C4A3-4A05-B2D7-7C2E9A889C0F}" type="datetimeFigureOut">
               <a:rPr lang="en-US" smtClean="0"/>
-              <a:t>1/28/2023</a:t>
+              <a:t>2/3/2023</a:t>
             </a:fld>
             <a:endParaRPr lang="en-US"/>
           </a:p>
@@ -1511,7 +1511,7 @@
           <a:p>
             <a:fld id="{A76116CE-C4A3-4A05-B2D7-7C2E9A889C0F}" type="datetimeFigureOut">
               <a:rPr lang="en-US" smtClean="0"/>
-              <a:t>1/28/2023</a:t>
+              <a:t>2/3/2023</a:t>
             </a:fld>
             <a:endParaRPr lang="en-US"/>
           </a:p>
@@ -1791,7 +1791,7 @@
           <a:p>
             <a:fld id="{A76116CE-C4A3-4A05-B2D7-7C2E9A889C0F}" type="datetimeFigureOut">
               <a:rPr lang="en-US" smtClean="0"/>
-              <a:t>1/28/2023</a:t>
+              <a:t>2/3/2023</a:t>
             </a:fld>
             <a:endParaRPr lang="en-US"/>
           </a:p>
@@ -2205,7 +2205,7 @@
           <a:p>
             <a:fld id="{A76116CE-C4A3-4A05-B2D7-7C2E9A889C0F}" type="datetimeFigureOut">
               <a:rPr lang="en-US" smtClean="0"/>
-              <a:t>1/28/2023</a:t>
+              <a:t>2/3/2023</a:t>
             </a:fld>
             <a:endParaRPr lang="en-US"/>
           </a:p>
@@ -2317,7 +2317,7 @@
           <a:p>
             <a:fld id="{A76116CE-C4A3-4A05-B2D7-7C2E9A889C0F}" type="datetimeFigureOut">
               <a:rPr lang="en-US" smtClean="0"/>
-              <a:t>1/28/2023</a:t>
+              <a:t>2/3/2023</a:t>
             </a:fld>
             <a:endParaRPr lang="en-US"/>
           </a:p>
@@ -2407,7 +2407,7 @@
           <a:p>
             <a:fld id="{A76116CE-C4A3-4A05-B2D7-7C2E9A889C0F}" type="datetimeFigureOut">
               <a:rPr lang="en-US" smtClean="0"/>
-              <a:t>1/28/2023</a:t>
+              <a:t>2/3/2023</a:t>
             </a:fld>
             <a:endParaRPr lang="en-US"/>
           </a:p>
@@ -2677,7 +2677,7 @@
           <a:p>
             <a:fld id="{A76116CE-C4A3-4A05-B2D7-7C2E9A889C0F}" type="datetimeFigureOut">
               <a:rPr lang="en-US" smtClean="0"/>
-              <a:t>1/28/2023</a:t>
+              <a:t>2/3/2023</a:t>
             </a:fld>
             <a:endParaRPr lang="en-US"/>
           </a:p>
@@ -2924,7 +2924,7 @@
           <a:p>
             <a:fld id="{A76116CE-C4A3-4A05-B2D7-7C2E9A889C0F}" type="datetimeFigureOut">
               <a:rPr lang="en-US" smtClean="0"/>
-              <a:t>1/28/2023</a:t>
+              <a:t>2/3/2023</a:t>
             </a:fld>
             <a:endParaRPr lang="en-US"/>
           </a:p>
@@ -3130,7 +3130,7 @@
           <a:p>
             <a:fld id="{F8166F1F-CE9B-4651-A6AA-CD717754106B}" type="datetimeFigureOut">
               <a:rPr lang="en-US" smtClean="0"/>
-              <a:t>1/28/2023</a:t>
+              <a:t>2/3/2023</a:t>
             </a:fld>
             <a:endParaRPr lang="en-US"/>
           </a:p>
@@ -3786,7 +3786,7 @@
           <p:cNvPr id="2" name="TextBox 1">
             <a:extLst>
               <a:ext uri="{FF2B5EF4-FFF2-40B4-BE49-F238E27FC236}">
-                <a16:creationId xmlns:a16="http://schemas.microsoft.com/office/drawing/2014/main" id="{E9A453A8-9968-67AB-7B4A-83EEB4662AA6}"/>
+                <a16:creationId xmlns:a16="http://schemas.microsoft.com/office/drawing/2014/main" xmlns="" id="{E9A453A8-9968-67AB-7B4A-83EEB4662AA6}"/>
               </a:ext>
             </a:extLst>
           </p:cNvPr>
@@ -3834,7 +3834,7 @@
           <p:cNvPr id="4" name="TextBox 3">
             <a:extLst>
               <a:ext uri="{FF2B5EF4-FFF2-40B4-BE49-F238E27FC236}">
-                <a16:creationId xmlns:a16="http://schemas.microsoft.com/office/drawing/2014/main" id="{F4B7A35A-8AAC-4622-64BC-CAD1472D4115}"/>
+                <a16:creationId xmlns:a16="http://schemas.microsoft.com/office/drawing/2014/main" xmlns="" id="{F4B7A35A-8AAC-4622-64BC-CAD1472D4115}"/>
               </a:ext>
             </a:extLst>
           </p:cNvPr>
@@ -3906,7 +3906,7 @@
           <p:cNvPr id="7" name="TextBox 6">
             <a:extLst>
               <a:ext uri="{FF2B5EF4-FFF2-40B4-BE49-F238E27FC236}">
-                <a16:creationId xmlns:a16="http://schemas.microsoft.com/office/drawing/2014/main" id="{3ACE900A-D779-4343-6623-8588B376F0A1}"/>
+                <a16:creationId xmlns:a16="http://schemas.microsoft.com/office/drawing/2014/main" xmlns="" id="{3ACE900A-D779-4343-6623-8588B376F0A1}"/>
               </a:ext>
             </a:extLst>
           </p:cNvPr>
@@ -3970,7 +3970,7 @@
           <p:cNvPr id="4" name="TextBox 3">
             <a:extLst>
               <a:ext uri="{FF2B5EF4-FFF2-40B4-BE49-F238E27FC236}">
-                <a16:creationId xmlns:a16="http://schemas.microsoft.com/office/drawing/2014/main" id="{B86BE553-B223-E4E2-16B6-52C77166FE4A}"/>
+                <a16:creationId xmlns:a16="http://schemas.microsoft.com/office/drawing/2014/main" xmlns="" id="{B86BE553-B223-E4E2-16B6-52C77166FE4A}"/>
               </a:ext>
             </a:extLst>
           </p:cNvPr>
@@ -4021,7 +4021,7 @@
           <p:cNvPr id="6" name="그림 5">
             <a:extLst>
               <a:ext uri="{FF2B5EF4-FFF2-40B4-BE49-F238E27FC236}">
-                <a16:creationId xmlns:a16="http://schemas.microsoft.com/office/drawing/2014/main" id="{8471350E-3FF0-003E-299B-DD0235344F13}"/>
+                <a16:creationId xmlns:a16="http://schemas.microsoft.com/office/drawing/2014/main" xmlns="" id="{8471350E-3FF0-003E-299B-DD0235344F13}"/>
               </a:ext>
             </a:extLst>
           </p:cNvPr>
@@ -4051,7 +4051,7 @@
           <p:cNvPr id="8" name="그림 7">
             <a:extLst>
               <a:ext uri="{FF2B5EF4-FFF2-40B4-BE49-F238E27FC236}">
-                <a16:creationId xmlns:a16="http://schemas.microsoft.com/office/drawing/2014/main" id="{FAC9FBDE-E73E-8E23-FF91-CDE1538912FB}"/>
+                <a16:creationId xmlns:a16="http://schemas.microsoft.com/office/drawing/2014/main" xmlns="" id="{FAC9FBDE-E73E-8E23-FF91-CDE1538912FB}"/>
               </a:ext>
             </a:extLst>
           </p:cNvPr>
@@ -4111,7 +4111,7 @@
           <p:cNvPr id="5" name="그림 4">
             <a:extLst>
               <a:ext uri="{FF2B5EF4-FFF2-40B4-BE49-F238E27FC236}">
-                <a16:creationId xmlns:a16="http://schemas.microsoft.com/office/drawing/2014/main" id="{CCC126AA-0FD9-4407-0C2C-89145BE0BC94}"/>
+                <a16:creationId xmlns:a16="http://schemas.microsoft.com/office/drawing/2014/main" xmlns="" id="{CCC126AA-0FD9-4407-0C2C-89145BE0BC94}"/>
               </a:ext>
             </a:extLst>
           </p:cNvPr>
@@ -4141,7 +4141,7 @@
           <p:cNvPr id="6" name="직선 화살표 연결선 5">
             <a:extLst>
               <a:ext uri="{FF2B5EF4-FFF2-40B4-BE49-F238E27FC236}">
-                <a16:creationId xmlns:a16="http://schemas.microsoft.com/office/drawing/2014/main" id="{98480919-7A14-9246-577E-CA016D2746D6}"/>
+                <a16:creationId xmlns:a16="http://schemas.microsoft.com/office/drawing/2014/main" xmlns="" id="{98480919-7A14-9246-577E-CA016D2746D6}"/>
               </a:ext>
             </a:extLst>
           </p:cNvPr>
@@ -4182,7 +4182,7 @@
           <p:cNvPr id="7" name="직사각형 6">
             <a:extLst>
               <a:ext uri="{FF2B5EF4-FFF2-40B4-BE49-F238E27FC236}">
-                <a16:creationId xmlns:a16="http://schemas.microsoft.com/office/drawing/2014/main" id="{A72A5572-0F2B-AB98-98A8-8276D58A7183}"/>
+                <a16:creationId xmlns:a16="http://schemas.microsoft.com/office/drawing/2014/main" xmlns="" id="{A72A5572-0F2B-AB98-98A8-8276D58A7183}"/>
               </a:ext>
             </a:extLst>
           </p:cNvPr>
@@ -4234,7 +4234,7 @@
           <p:cNvPr id="9" name="TextBox 8">
             <a:extLst>
               <a:ext uri="{FF2B5EF4-FFF2-40B4-BE49-F238E27FC236}">
-                <a16:creationId xmlns:a16="http://schemas.microsoft.com/office/drawing/2014/main" id="{9698C756-8683-A52F-5E9B-5051396A68FE}"/>
+                <a16:creationId xmlns:a16="http://schemas.microsoft.com/office/drawing/2014/main" xmlns="" id="{9698C756-8683-A52F-5E9B-5051396A68FE}"/>
               </a:ext>
             </a:extLst>
           </p:cNvPr>
@@ -4285,7 +4285,7 @@
           <p:cNvPr id="14" name="그림 13">
             <a:extLst>
               <a:ext uri="{FF2B5EF4-FFF2-40B4-BE49-F238E27FC236}">
-                <a16:creationId xmlns:a16="http://schemas.microsoft.com/office/drawing/2014/main" id="{AEBDC62E-07FD-9C01-B522-FDCFA269988E}"/>
+                <a16:creationId xmlns:a16="http://schemas.microsoft.com/office/drawing/2014/main" xmlns="" id="{AEBDC62E-07FD-9C01-B522-FDCFA269988E}"/>
               </a:ext>
             </a:extLst>
           </p:cNvPr>
@@ -4315,7 +4315,7 @@
           <p:cNvPr id="15" name="직선 화살표 연결선 14">
             <a:extLst>
               <a:ext uri="{FF2B5EF4-FFF2-40B4-BE49-F238E27FC236}">
-                <a16:creationId xmlns:a16="http://schemas.microsoft.com/office/drawing/2014/main" id="{9EC15261-4A05-17B5-5B33-C87DA900EA99}"/>
+                <a16:creationId xmlns:a16="http://schemas.microsoft.com/office/drawing/2014/main" xmlns="" id="{9EC15261-4A05-17B5-5B33-C87DA900EA99}"/>
               </a:ext>
             </a:extLst>
           </p:cNvPr>
@@ -4356,7 +4356,7 @@
           <p:cNvPr id="16" name="직사각형 15">
             <a:extLst>
               <a:ext uri="{FF2B5EF4-FFF2-40B4-BE49-F238E27FC236}">
-                <a16:creationId xmlns:a16="http://schemas.microsoft.com/office/drawing/2014/main" id="{CA52BDAC-1026-62AF-72C4-182453ADD4B9}"/>
+                <a16:creationId xmlns:a16="http://schemas.microsoft.com/office/drawing/2014/main" xmlns="" id="{CA52BDAC-1026-62AF-72C4-182453ADD4B9}"/>
               </a:ext>
             </a:extLst>
           </p:cNvPr>
@@ -4408,7 +4408,7 @@
           <p:cNvPr id="17" name="TextBox 16">
             <a:extLst>
               <a:ext uri="{FF2B5EF4-FFF2-40B4-BE49-F238E27FC236}">
-                <a16:creationId xmlns:a16="http://schemas.microsoft.com/office/drawing/2014/main" id="{E6116E6B-167C-2CAA-F5EB-71A1B04492F9}"/>
+                <a16:creationId xmlns:a16="http://schemas.microsoft.com/office/drawing/2014/main" xmlns="" id="{E6116E6B-167C-2CAA-F5EB-71A1B04492F9}"/>
               </a:ext>
             </a:extLst>
           </p:cNvPr>
@@ -4476,7 +4476,7 @@
           <p:cNvPr id="18" name="직선 화살표 연결선 17">
             <a:extLst>
               <a:ext uri="{FF2B5EF4-FFF2-40B4-BE49-F238E27FC236}">
-                <a16:creationId xmlns:a16="http://schemas.microsoft.com/office/drawing/2014/main" id="{3F9F23EB-44CC-D9FF-FA09-B07564F64B4A}"/>
+                <a16:creationId xmlns:a16="http://schemas.microsoft.com/office/drawing/2014/main" xmlns="" id="{3F9F23EB-44CC-D9FF-FA09-B07564F64B4A}"/>
               </a:ext>
             </a:extLst>
           </p:cNvPr>
@@ -4517,7 +4517,7 @@
           <p:cNvPr id="19" name="직사각형 18">
             <a:extLst>
               <a:ext uri="{FF2B5EF4-FFF2-40B4-BE49-F238E27FC236}">
-                <a16:creationId xmlns:a16="http://schemas.microsoft.com/office/drawing/2014/main" id="{1C4A5E66-3D48-F1E3-6C55-3554DC461689}"/>
+                <a16:creationId xmlns:a16="http://schemas.microsoft.com/office/drawing/2014/main" xmlns="" id="{1C4A5E66-3D48-F1E3-6C55-3554DC461689}"/>
               </a:ext>
             </a:extLst>
           </p:cNvPr>
@@ -4569,7 +4569,7 @@
           <p:cNvPr id="20" name="TextBox 19">
             <a:extLst>
               <a:ext uri="{FF2B5EF4-FFF2-40B4-BE49-F238E27FC236}">
-                <a16:creationId xmlns:a16="http://schemas.microsoft.com/office/drawing/2014/main" id="{5B4BD476-0F74-1CF1-B598-4D3336BE57BA}"/>
+                <a16:creationId xmlns:a16="http://schemas.microsoft.com/office/drawing/2014/main" xmlns="" id="{5B4BD476-0F74-1CF1-B598-4D3336BE57BA}"/>
               </a:ext>
             </a:extLst>
           </p:cNvPr>
@@ -4742,7 +4742,7 @@
           <p:cNvPr id="22" name="TextBox 21">
             <a:extLst>
               <a:ext uri="{FF2B5EF4-FFF2-40B4-BE49-F238E27FC236}">
-                <a16:creationId xmlns:a16="http://schemas.microsoft.com/office/drawing/2014/main" id="{BDC22999-0902-B77A-1EC7-5C8B63487CA3}"/>
+                <a16:creationId xmlns:a16="http://schemas.microsoft.com/office/drawing/2014/main" xmlns="" id="{BDC22999-0902-B77A-1EC7-5C8B63487CA3}"/>
               </a:ext>
             </a:extLst>
           </p:cNvPr>
@@ -5071,7 +5071,7 @@
           <p:cNvPr id="5" name="그림 4">
             <a:extLst>
               <a:ext uri="{FF2B5EF4-FFF2-40B4-BE49-F238E27FC236}">
-                <a16:creationId xmlns:a16="http://schemas.microsoft.com/office/drawing/2014/main" id="{1DFC7568-CAEF-99BF-EC85-4041AF7F1F76}"/>
+                <a16:creationId xmlns:a16="http://schemas.microsoft.com/office/drawing/2014/main" xmlns="" id="{1DFC7568-CAEF-99BF-EC85-4041AF7F1F76}"/>
               </a:ext>
             </a:extLst>
           </p:cNvPr>
@@ -5101,7 +5101,7 @@
           <p:cNvPr id="6" name="TextBox 5">
             <a:extLst>
               <a:ext uri="{FF2B5EF4-FFF2-40B4-BE49-F238E27FC236}">
-                <a16:creationId xmlns:a16="http://schemas.microsoft.com/office/drawing/2014/main" id="{8B6C8FF8-0C35-1A4E-C784-120FC66EC404}"/>
+                <a16:creationId xmlns:a16="http://schemas.microsoft.com/office/drawing/2014/main" xmlns="" id="{8B6C8FF8-0C35-1A4E-C784-120FC66EC404}"/>
               </a:ext>
             </a:extLst>
           </p:cNvPr>
@@ -5149,7 +5149,7 @@
           <p:cNvPr id="8" name="그림 7">
             <a:extLst>
               <a:ext uri="{FF2B5EF4-FFF2-40B4-BE49-F238E27FC236}">
-                <a16:creationId xmlns:a16="http://schemas.microsoft.com/office/drawing/2014/main" id="{525EA779-64DA-A0ED-BD45-CB95233C33EF}"/>
+                <a16:creationId xmlns:a16="http://schemas.microsoft.com/office/drawing/2014/main" xmlns="" id="{525EA779-64DA-A0ED-BD45-CB95233C33EF}"/>
               </a:ext>
             </a:extLst>
           </p:cNvPr>
@@ -5179,7 +5179,7 @@
           <p:cNvPr id="10" name="그림 9">
             <a:extLst>
               <a:ext uri="{FF2B5EF4-FFF2-40B4-BE49-F238E27FC236}">
-                <a16:creationId xmlns:a16="http://schemas.microsoft.com/office/drawing/2014/main" id="{464E328A-7AC7-C161-FF8E-F8E9E55DC831}"/>
+                <a16:creationId xmlns:a16="http://schemas.microsoft.com/office/drawing/2014/main" xmlns="" id="{464E328A-7AC7-C161-FF8E-F8E9E55DC831}"/>
               </a:ext>
             </a:extLst>
           </p:cNvPr>
@@ -5209,7 +5209,7 @@
           <p:cNvPr id="11" name="직선 화살표 연결선 10">
             <a:extLst>
               <a:ext uri="{FF2B5EF4-FFF2-40B4-BE49-F238E27FC236}">
-                <a16:creationId xmlns:a16="http://schemas.microsoft.com/office/drawing/2014/main" id="{09361789-4FC4-6FDF-2E48-F0107B92854A}"/>
+                <a16:creationId xmlns:a16="http://schemas.microsoft.com/office/drawing/2014/main" xmlns="" id="{09361789-4FC4-6FDF-2E48-F0107B92854A}"/>
               </a:ext>
             </a:extLst>
           </p:cNvPr>
@@ -5250,7 +5250,7 @@
           <p:cNvPr id="13" name="TextBox 12">
             <a:extLst>
               <a:ext uri="{FF2B5EF4-FFF2-40B4-BE49-F238E27FC236}">
-                <a16:creationId xmlns:a16="http://schemas.microsoft.com/office/drawing/2014/main" id="{E6784F8F-6CCA-3398-4ED7-56F784B30CA2}"/>
+                <a16:creationId xmlns:a16="http://schemas.microsoft.com/office/drawing/2014/main" xmlns="" id="{E6784F8F-6CCA-3398-4ED7-56F784B30CA2}"/>
               </a:ext>
             </a:extLst>
           </p:cNvPr>
@@ -5456,7 +5456,7 @@
           <p:cNvPr id="5" name="그림 4">
             <a:extLst>
               <a:ext uri="{FF2B5EF4-FFF2-40B4-BE49-F238E27FC236}">
-                <a16:creationId xmlns:a16="http://schemas.microsoft.com/office/drawing/2014/main" id="{510207EF-09DC-49C1-E6D3-F88691120AD1}"/>
+                <a16:creationId xmlns:a16="http://schemas.microsoft.com/office/drawing/2014/main" xmlns="" id="{510207EF-09DC-49C1-E6D3-F88691120AD1}"/>
               </a:ext>
             </a:extLst>
           </p:cNvPr>
@@ -5486,7 +5486,7 @@
           <p:cNvPr id="6" name="그룹 1008">
             <a:extLst>
               <a:ext uri="{FF2B5EF4-FFF2-40B4-BE49-F238E27FC236}">
-                <a16:creationId xmlns:a16="http://schemas.microsoft.com/office/drawing/2014/main" id="{A14EE19E-321C-A97D-AF63-2072243F002A}"/>
+                <a16:creationId xmlns:a16="http://schemas.microsoft.com/office/drawing/2014/main" xmlns="" id="{A14EE19E-321C-A97D-AF63-2072243F002A}"/>
               </a:ext>
             </a:extLst>
           </p:cNvPr>
@@ -5506,7 +5506,7 @@
             <p:cNvPr id="7" name="그룹 1009">
               <a:extLst>
                 <a:ext uri="{FF2B5EF4-FFF2-40B4-BE49-F238E27FC236}">
-                  <a16:creationId xmlns:a16="http://schemas.microsoft.com/office/drawing/2014/main" id="{A43A4073-7B53-6E71-0062-9B20CB4FE514}"/>
+                  <a16:creationId xmlns:a16="http://schemas.microsoft.com/office/drawing/2014/main" xmlns="" id="{A43A4073-7B53-6E71-0062-9B20CB4FE514}"/>
                 </a:ext>
               </a:extLst>
             </p:cNvPr>
@@ -5526,7 +5526,7 @@
               <p:cNvPr id="12" name="Object 29">
                 <a:extLst>
                   <a:ext uri="{FF2B5EF4-FFF2-40B4-BE49-F238E27FC236}">
-                    <a16:creationId xmlns:a16="http://schemas.microsoft.com/office/drawing/2014/main" id="{0FA1F176-78B5-C337-CEE4-18490FB23C9F}"/>
+                    <a16:creationId xmlns:a16="http://schemas.microsoft.com/office/drawing/2014/main" xmlns="" id="{0FA1F176-78B5-C337-CEE4-18490FB23C9F}"/>
                   </a:ext>
                 </a:extLst>
               </p:cNvPr>
@@ -5557,7 +5557,7 @@
             <p:cNvPr id="8" name="그룹 1010">
               <a:extLst>
                 <a:ext uri="{FF2B5EF4-FFF2-40B4-BE49-F238E27FC236}">
-                  <a16:creationId xmlns:a16="http://schemas.microsoft.com/office/drawing/2014/main" id="{674E521B-C909-5CDE-F90C-AF7B7C750389}"/>
+                  <a16:creationId xmlns:a16="http://schemas.microsoft.com/office/drawing/2014/main" xmlns="" id="{674E521B-C909-5CDE-F90C-AF7B7C750389}"/>
                 </a:ext>
               </a:extLst>
             </p:cNvPr>
@@ -5577,7 +5577,7 @@
               <p:cNvPr id="11" name="Object 32">
                 <a:extLst>
                   <a:ext uri="{FF2B5EF4-FFF2-40B4-BE49-F238E27FC236}">
-                    <a16:creationId xmlns:a16="http://schemas.microsoft.com/office/drawing/2014/main" id="{DC8FA06F-2A39-2C5A-9773-76B50091F261}"/>
+                    <a16:creationId xmlns:a16="http://schemas.microsoft.com/office/drawing/2014/main" xmlns="" id="{DC8FA06F-2A39-2C5A-9773-76B50091F261}"/>
                   </a:ext>
                 </a:extLst>
               </p:cNvPr>
@@ -5608,7 +5608,7 @@
             <p:cNvPr id="9" name="그룹 1011">
               <a:extLst>
                 <a:ext uri="{FF2B5EF4-FFF2-40B4-BE49-F238E27FC236}">
-                  <a16:creationId xmlns:a16="http://schemas.microsoft.com/office/drawing/2014/main" id="{C96426C2-84E9-31A0-A52C-8C856FFBD1B5}"/>
+                  <a16:creationId xmlns:a16="http://schemas.microsoft.com/office/drawing/2014/main" xmlns="" id="{C96426C2-84E9-31A0-A52C-8C856FFBD1B5}"/>
                 </a:ext>
               </a:extLst>
             </p:cNvPr>
@@ -5628,7 +5628,7 @@
               <p:cNvPr id="10" name="Object 35">
                 <a:extLst>
                   <a:ext uri="{FF2B5EF4-FFF2-40B4-BE49-F238E27FC236}">
-                    <a16:creationId xmlns:a16="http://schemas.microsoft.com/office/drawing/2014/main" id="{C3CF0BFA-2B16-5180-8CE8-9B8F37088E16}"/>
+                    <a16:creationId xmlns:a16="http://schemas.microsoft.com/office/drawing/2014/main" xmlns="" id="{C3CF0BFA-2B16-5180-8CE8-9B8F37088E16}"/>
                   </a:ext>
                 </a:extLst>
               </p:cNvPr>
@@ -5660,7 +5660,7 @@
           <p:cNvPr id="14" name="그림 13">
             <a:extLst>
               <a:ext uri="{FF2B5EF4-FFF2-40B4-BE49-F238E27FC236}">
-                <a16:creationId xmlns:a16="http://schemas.microsoft.com/office/drawing/2014/main" id="{3CB6F7CE-461F-FFAC-327C-A36798B4947A}"/>
+                <a16:creationId xmlns:a16="http://schemas.microsoft.com/office/drawing/2014/main" xmlns="" id="{3CB6F7CE-461F-FFAC-327C-A36798B4947A}"/>
               </a:ext>
             </a:extLst>
           </p:cNvPr>
@@ -5690,7 +5690,7 @@
           <p:cNvPr id="15" name="직사각형 14">
             <a:extLst>
               <a:ext uri="{FF2B5EF4-FFF2-40B4-BE49-F238E27FC236}">
-                <a16:creationId xmlns:a16="http://schemas.microsoft.com/office/drawing/2014/main" id="{E71FCE28-DE56-093A-EFDA-13850D95EB1C}"/>
+                <a16:creationId xmlns:a16="http://schemas.microsoft.com/office/drawing/2014/main" xmlns="" id="{E71FCE28-DE56-093A-EFDA-13850D95EB1C}"/>
               </a:ext>
             </a:extLst>
           </p:cNvPr>
@@ -5742,7 +5742,7 @@
           <p:cNvPr id="16" name="TextBox 15">
             <a:extLst>
               <a:ext uri="{FF2B5EF4-FFF2-40B4-BE49-F238E27FC236}">
-                <a16:creationId xmlns:a16="http://schemas.microsoft.com/office/drawing/2014/main" id="{98021B63-D133-4AD2-3BDE-8A3CB38007A6}"/>
+                <a16:creationId xmlns:a16="http://schemas.microsoft.com/office/drawing/2014/main" xmlns="" id="{98021B63-D133-4AD2-3BDE-8A3CB38007A6}"/>
               </a:ext>
             </a:extLst>
           </p:cNvPr>
@@ -5892,7 +5892,7 @@
           <p:cNvPr id="4" name="TextBox 3">
             <a:extLst>
               <a:ext uri="{FF2B5EF4-FFF2-40B4-BE49-F238E27FC236}">
-                <a16:creationId xmlns:a16="http://schemas.microsoft.com/office/drawing/2014/main" id="{F8EAC7D1-88F2-45AD-C573-E3F58E88DC68}"/>
+                <a16:creationId xmlns:a16="http://schemas.microsoft.com/office/drawing/2014/main" xmlns="" id="{F8EAC7D1-88F2-45AD-C573-E3F58E88DC68}"/>
               </a:ext>
             </a:extLst>
           </p:cNvPr>
@@ -5940,7 +5940,7 @@
           <p:cNvPr id="8" name="직선 화살표 연결선 7">
             <a:extLst>
               <a:ext uri="{FF2B5EF4-FFF2-40B4-BE49-F238E27FC236}">
-                <a16:creationId xmlns:a16="http://schemas.microsoft.com/office/drawing/2014/main" id="{BD7E8D46-8366-0ACB-8736-BAA63C4948F6}"/>
+                <a16:creationId xmlns:a16="http://schemas.microsoft.com/office/drawing/2014/main" xmlns="" id="{BD7E8D46-8366-0ACB-8736-BAA63C4948F6}"/>
               </a:ext>
             </a:extLst>
           </p:cNvPr>
@@ -5983,7 +5983,7 @@
           <p:cNvPr id="9" name="TextBox 8">
             <a:extLst>
               <a:ext uri="{FF2B5EF4-FFF2-40B4-BE49-F238E27FC236}">
-                <a16:creationId xmlns:a16="http://schemas.microsoft.com/office/drawing/2014/main" id="{F51F0C12-7B1F-4619-C90F-85C6C255847B}"/>
+                <a16:creationId xmlns:a16="http://schemas.microsoft.com/office/drawing/2014/main" xmlns="" id="{F51F0C12-7B1F-4619-C90F-85C6C255847B}"/>
               </a:ext>
             </a:extLst>
           </p:cNvPr>
@@ -6031,7 +6031,7 @@
           <p:cNvPr id="11" name="그림 10">
             <a:extLst>
               <a:ext uri="{FF2B5EF4-FFF2-40B4-BE49-F238E27FC236}">
-                <a16:creationId xmlns:a16="http://schemas.microsoft.com/office/drawing/2014/main" id="{DD05D970-9738-B739-E4DD-0ECF16E2117A}"/>
+                <a16:creationId xmlns:a16="http://schemas.microsoft.com/office/drawing/2014/main" xmlns="" id="{DD05D970-9738-B739-E4DD-0ECF16E2117A}"/>
               </a:ext>
             </a:extLst>
           </p:cNvPr>
@@ -6061,7 +6061,7 @@
           <p:cNvPr id="15" name="그림 14">
             <a:extLst>
               <a:ext uri="{FF2B5EF4-FFF2-40B4-BE49-F238E27FC236}">
-                <a16:creationId xmlns:a16="http://schemas.microsoft.com/office/drawing/2014/main" id="{41AC80D2-EE1D-ABD5-510D-F82737E08F34}"/>
+                <a16:creationId xmlns:a16="http://schemas.microsoft.com/office/drawing/2014/main" xmlns="" id="{41AC80D2-EE1D-ABD5-510D-F82737E08F34}"/>
               </a:ext>
             </a:extLst>
           </p:cNvPr>
@@ -6091,7 +6091,7 @@
           <p:cNvPr id="16" name="직선 화살표 연결선 15">
             <a:extLst>
               <a:ext uri="{FF2B5EF4-FFF2-40B4-BE49-F238E27FC236}">
-                <a16:creationId xmlns:a16="http://schemas.microsoft.com/office/drawing/2014/main" id="{1FA065D4-8A94-28C0-91F2-C1FB1537AB3F}"/>
+                <a16:creationId xmlns:a16="http://schemas.microsoft.com/office/drawing/2014/main" xmlns="" id="{1FA065D4-8A94-28C0-91F2-C1FB1537AB3F}"/>
               </a:ext>
             </a:extLst>
           </p:cNvPr>
@@ -6132,7 +6132,7 @@
           <p:cNvPr id="17" name="TextBox 16">
             <a:extLst>
               <a:ext uri="{FF2B5EF4-FFF2-40B4-BE49-F238E27FC236}">
-                <a16:creationId xmlns:a16="http://schemas.microsoft.com/office/drawing/2014/main" id="{E5728E47-8085-2359-64CF-5161928F4B53}"/>
+                <a16:creationId xmlns:a16="http://schemas.microsoft.com/office/drawing/2014/main" xmlns="" id="{E5728E47-8085-2359-64CF-5161928F4B53}"/>
               </a:ext>
             </a:extLst>
           </p:cNvPr>
@@ -6189,7 +6189,7 @@
           <p:cNvPr id="19" name="그림 18">
             <a:extLst>
               <a:ext uri="{FF2B5EF4-FFF2-40B4-BE49-F238E27FC236}">
-                <a16:creationId xmlns:a16="http://schemas.microsoft.com/office/drawing/2014/main" id="{C2C9B424-B3FD-D9FD-27BB-4CDE5A1C5270}"/>
+                <a16:creationId xmlns:a16="http://schemas.microsoft.com/office/drawing/2014/main" xmlns="" id="{C2C9B424-B3FD-D9FD-27BB-4CDE5A1C5270}"/>
               </a:ext>
             </a:extLst>
           </p:cNvPr>
@@ -6219,7 +6219,7 @@
           <p:cNvPr id="21" name="직선 화살표 연결선 20">
             <a:extLst>
               <a:ext uri="{FF2B5EF4-FFF2-40B4-BE49-F238E27FC236}">
-                <a16:creationId xmlns:a16="http://schemas.microsoft.com/office/drawing/2014/main" id="{E37CF84E-BCBC-2603-47D0-250D6FF23E5D}"/>
+                <a16:creationId xmlns:a16="http://schemas.microsoft.com/office/drawing/2014/main" xmlns="" id="{E37CF84E-BCBC-2603-47D0-250D6FF23E5D}"/>
               </a:ext>
             </a:extLst>
           </p:cNvPr>
@@ -6262,7 +6262,7 @@
           <p:cNvPr id="22" name="TextBox 21">
             <a:extLst>
               <a:ext uri="{FF2B5EF4-FFF2-40B4-BE49-F238E27FC236}">
-                <a16:creationId xmlns:a16="http://schemas.microsoft.com/office/drawing/2014/main" id="{416B52E3-E39B-3465-F625-41EBE4C5B82F}"/>
+                <a16:creationId xmlns:a16="http://schemas.microsoft.com/office/drawing/2014/main" xmlns="" id="{416B52E3-E39B-3465-F625-41EBE4C5B82F}"/>
               </a:ext>
             </a:extLst>
           </p:cNvPr>
@@ -6319,7 +6319,7 @@
           <p:cNvPr id="27" name="그림 26">
             <a:extLst>
               <a:ext uri="{FF2B5EF4-FFF2-40B4-BE49-F238E27FC236}">
-                <a16:creationId xmlns:a16="http://schemas.microsoft.com/office/drawing/2014/main" id="{3A9731F4-92A3-79BA-9983-667FA096D68E}"/>
+                <a16:creationId xmlns:a16="http://schemas.microsoft.com/office/drawing/2014/main" xmlns="" id="{3A9731F4-92A3-79BA-9983-667FA096D68E}"/>
               </a:ext>
             </a:extLst>
           </p:cNvPr>
@@ -6349,7 +6349,7 @@
           <p:cNvPr id="28" name="직선 화살표 연결선 27">
             <a:extLst>
               <a:ext uri="{FF2B5EF4-FFF2-40B4-BE49-F238E27FC236}">
-                <a16:creationId xmlns:a16="http://schemas.microsoft.com/office/drawing/2014/main" id="{3A77F496-0E00-2AA1-D9C9-8FAC3BD4B09A}"/>
+                <a16:creationId xmlns:a16="http://schemas.microsoft.com/office/drawing/2014/main" xmlns="" id="{3A77F496-0E00-2AA1-D9C9-8FAC3BD4B09A}"/>
               </a:ext>
             </a:extLst>
           </p:cNvPr>
@@ -6391,7 +6391,7 @@
           <p:cNvPr id="29" name="TextBox 28">
             <a:extLst>
               <a:ext uri="{FF2B5EF4-FFF2-40B4-BE49-F238E27FC236}">
-                <a16:creationId xmlns:a16="http://schemas.microsoft.com/office/drawing/2014/main" id="{209BD1AD-5AB8-4F47-8596-2FC55EDB2D9B}"/>
+                <a16:creationId xmlns:a16="http://schemas.microsoft.com/office/drawing/2014/main" xmlns="" id="{209BD1AD-5AB8-4F47-8596-2FC55EDB2D9B}"/>
               </a:ext>
             </a:extLst>
           </p:cNvPr>
@@ -6452,7 +6452,7 @@
           <p:cNvPr id="33" name="그림 32">
             <a:extLst>
               <a:ext uri="{FF2B5EF4-FFF2-40B4-BE49-F238E27FC236}">
-                <a16:creationId xmlns:a16="http://schemas.microsoft.com/office/drawing/2014/main" id="{E51875F0-A862-C9C6-A3DE-F63288F7F3F5}"/>
+                <a16:creationId xmlns:a16="http://schemas.microsoft.com/office/drawing/2014/main" xmlns="" id="{E51875F0-A862-C9C6-A3DE-F63288F7F3F5}"/>
               </a:ext>
             </a:extLst>
           </p:cNvPr>
@@ -6482,7 +6482,7 @@
           <p:cNvPr id="34" name="직선 화살표 연결선 33">
             <a:extLst>
               <a:ext uri="{FF2B5EF4-FFF2-40B4-BE49-F238E27FC236}">
-                <a16:creationId xmlns:a16="http://schemas.microsoft.com/office/drawing/2014/main" id="{723CDA1E-DD0C-A09B-3849-2CA0307CC77B}"/>
+                <a16:creationId xmlns:a16="http://schemas.microsoft.com/office/drawing/2014/main" xmlns="" id="{723CDA1E-DD0C-A09B-3849-2CA0307CC77B}"/>
               </a:ext>
             </a:extLst>
           </p:cNvPr>
@@ -6524,7 +6524,7 @@
           <p:cNvPr id="35" name="TextBox 34">
             <a:extLst>
               <a:ext uri="{FF2B5EF4-FFF2-40B4-BE49-F238E27FC236}">
-                <a16:creationId xmlns:a16="http://schemas.microsoft.com/office/drawing/2014/main" id="{CF80E56E-35DC-20B7-8FAF-706AEAFAC279}"/>
+                <a16:creationId xmlns:a16="http://schemas.microsoft.com/office/drawing/2014/main" xmlns="" id="{CF80E56E-35DC-20B7-8FAF-706AEAFAC279}"/>
               </a:ext>
             </a:extLst>
           </p:cNvPr>
@@ -6581,7 +6581,7 @@
           <p:cNvPr id="42" name="그림 41">
             <a:extLst>
               <a:ext uri="{FF2B5EF4-FFF2-40B4-BE49-F238E27FC236}">
-                <a16:creationId xmlns:a16="http://schemas.microsoft.com/office/drawing/2014/main" id="{EB7A3028-B24E-D1AE-80C1-0054FBD2BA3A}"/>
+                <a16:creationId xmlns:a16="http://schemas.microsoft.com/office/drawing/2014/main" xmlns="" id="{EB7A3028-B24E-D1AE-80C1-0054FBD2BA3A}"/>
               </a:ext>
             </a:extLst>
           </p:cNvPr>
@@ -6611,7 +6611,7 @@
           <p:cNvPr id="44" name="직선 화살표 연결선 43">
             <a:extLst>
               <a:ext uri="{FF2B5EF4-FFF2-40B4-BE49-F238E27FC236}">
-                <a16:creationId xmlns:a16="http://schemas.microsoft.com/office/drawing/2014/main" id="{7BD70768-F0FE-EB75-384A-63A099E51E92}"/>
+                <a16:creationId xmlns:a16="http://schemas.microsoft.com/office/drawing/2014/main" xmlns="" id="{7BD70768-F0FE-EB75-384A-63A099E51E92}"/>
               </a:ext>
             </a:extLst>
           </p:cNvPr>
@@ -6653,7 +6653,7 @@
           <p:cNvPr id="45" name="TextBox 44">
             <a:extLst>
               <a:ext uri="{FF2B5EF4-FFF2-40B4-BE49-F238E27FC236}">
-                <a16:creationId xmlns:a16="http://schemas.microsoft.com/office/drawing/2014/main" id="{BB5C97C4-93FC-2F33-77D9-C519DD5BA1FE}"/>
+                <a16:creationId xmlns:a16="http://schemas.microsoft.com/office/drawing/2014/main" xmlns="" id="{BB5C97C4-93FC-2F33-77D9-C519DD5BA1FE}"/>
               </a:ext>
             </a:extLst>
           </p:cNvPr>
@@ -7244,7 +7244,7 @@
           <p:cNvPr id="5" name="그림 4">
             <a:extLst>
               <a:ext uri="{FF2B5EF4-FFF2-40B4-BE49-F238E27FC236}">
-                <a16:creationId xmlns:a16="http://schemas.microsoft.com/office/drawing/2014/main" id="{CED397DB-6884-4568-93D2-7A434AF2A375}"/>
+                <a16:creationId xmlns:a16="http://schemas.microsoft.com/office/drawing/2014/main" xmlns="" id="{CED397DB-6884-4568-93D2-7A434AF2A375}"/>
               </a:ext>
             </a:extLst>
           </p:cNvPr>
@@ -7274,7 +7274,7 @@
           <p:cNvPr id="6" name="직선 화살표 연결선 5">
             <a:extLst>
               <a:ext uri="{FF2B5EF4-FFF2-40B4-BE49-F238E27FC236}">
-                <a16:creationId xmlns:a16="http://schemas.microsoft.com/office/drawing/2014/main" id="{53D81AA9-426A-FA0D-5ED9-A7F39CD10E67}"/>
+                <a16:creationId xmlns:a16="http://schemas.microsoft.com/office/drawing/2014/main" xmlns="" id="{53D81AA9-426A-FA0D-5ED9-A7F39CD10E67}"/>
               </a:ext>
             </a:extLst>
           </p:cNvPr>
@@ -7317,7 +7317,7 @@
           <p:cNvPr id="7" name="TextBox 6">
             <a:extLst>
               <a:ext uri="{FF2B5EF4-FFF2-40B4-BE49-F238E27FC236}">
-                <a16:creationId xmlns:a16="http://schemas.microsoft.com/office/drawing/2014/main" id="{596882A4-AA05-D19C-F595-DDF46F3DFE63}"/>
+                <a16:creationId xmlns:a16="http://schemas.microsoft.com/office/drawing/2014/main" xmlns="" id="{596882A4-AA05-D19C-F595-DDF46F3DFE63}"/>
               </a:ext>
             </a:extLst>
           </p:cNvPr>
@@ -7400,7 +7400,7 @@
           <p:cNvPr id="11" name="그림 10">
             <a:extLst>
               <a:ext uri="{FF2B5EF4-FFF2-40B4-BE49-F238E27FC236}">
-                <a16:creationId xmlns:a16="http://schemas.microsoft.com/office/drawing/2014/main" id="{B1C8B7AD-6AC3-6D3F-F098-E984D99CD435}"/>
+                <a16:creationId xmlns:a16="http://schemas.microsoft.com/office/drawing/2014/main" xmlns="" id="{B1C8B7AD-6AC3-6D3F-F098-E984D99CD435}"/>
               </a:ext>
             </a:extLst>
           </p:cNvPr>
@@ -7430,7 +7430,7 @@
           <p:cNvPr id="12" name="직선 화살표 연결선 11">
             <a:extLst>
               <a:ext uri="{FF2B5EF4-FFF2-40B4-BE49-F238E27FC236}">
-                <a16:creationId xmlns:a16="http://schemas.microsoft.com/office/drawing/2014/main" id="{E7C2BF38-A838-5867-9212-996769FB3F03}"/>
+                <a16:creationId xmlns:a16="http://schemas.microsoft.com/office/drawing/2014/main" xmlns="" id="{E7C2BF38-A838-5867-9212-996769FB3F03}"/>
               </a:ext>
             </a:extLst>
           </p:cNvPr>
@@ -7472,7 +7472,7 @@
           <p:cNvPr id="13" name="TextBox 12">
             <a:extLst>
               <a:ext uri="{FF2B5EF4-FFF2-40B4-BE49-F238E27FC236}">
-                <a16:creationId xmlns:a16="http://schemas.microsoft.com/office/drawing/2014/main" id="{1845C746-1213-A154-7457-9FC33860F6BD}"/>
+                <a16:creationId xmlns:a16="http://schemas.microsoft.com/office/drawing/2014/main" xmlns="" id="{1845C746-1213-A154-7457-9FC33860F6BD}"/>
               </a:ext>
             </a:extLst>
           </p:cNvPr>
@@ -7763,7 +7763,7 @@
           <p:cNvPr id="4" name="TextBox 3">
             <a:extLst>
               <a:ext uri="{FF2B5EF4-FFF2-40B4-BE49-F238E27FC236}">
-                <a16:creationId xmlns:a16="http://schemas.microsoft.com/office/drawing/2014/main" id="{CB50B841-27B1-7598-2FB2-6051E08E5552}"/>
+                <a16:creationId xmlns:a16="http://schemas.microsoft.com/office/drawing/2014/main" xmlns="" id="{CB50B841-27B1-7598-2FB2-6051E08E5552}"/>
               </a:ext>
             </a:extLst>
           </p:cNvPr>
@@ -7811,7 +7811,7 @@
           <p:cNvPr id="6" name="그림 5">
             <a:extLst>
               <a:ext uri="{FF2B5EF4-FFF2-40B4-BE49-F238E27FC236}">
-                <a16:creationId xmlns:a16="http://schemas.microsoft.com/office/drawing/2014/main" id="{45CC5072-46D6-08D9-955B-32ED071F5AC0}"/>
+                <a16:creationId xmlns:a16="http://schemas.microsoft.com/office/drawing/2014/main" xmlns="" id="{45CC5072-46D6-08D9-955B-32ED071F5AC0}"/>
               </a:ext>
             </a:extLst>
           </p:cNvPr>
@@ -7841,7 +7841,7 @@
           <p:cNvPr id="7" name="직선 화살표 연결선 6">
             <a:extLst>
               <a:ext uri="{FF2B5EF4-FFF2-40B4-BE49-F238E27FC236}">
-                <a16:creationId xmlns:a16="http://schemas.microsoft.com/office/drawing/2014/main" id="{4BADD8A1-E513-3640-2D73-E61242BF977F}"/>
+                <a16:creationId xmlns:a16="http://schemas.microsoft.com/office/drawing/2014/main" xmlns="" id="{4BADD8A1-E513-3640-2D73-E61242BF977F}"/>
               </a:ext>
             </a:extLst>
           </p:cNvPr>
@@ -7882,7 +7882,7 @@
           <p:cNvPr id="8" name="TextBox 7">
             <a:extLst>
               <a:ext uri="{FF2B5EF4-FFF2-40B4-BE49-F238E27FC236}">
-                <a16:creationId xmlns:a16="http://schemas.microsoft.com/office/drawing/2014/main" id="{4D5F8ADA-A705-C51D-8E95-CD4CDB9654BA}"/>
+                <a16:creationId xmlns:a16="http://schemas.microsoft.com/office/drawing/2014/main" xmlns="" id="{4D5F8ADA-A705-C51D-8E95-CD4CDB9654BA}"/>
               </a:ext>
             </a:extLst>
           </p:cNvPr>
@@ -7939,7 +7939,7 @@
           <p:cNvPr id="10" name="그림 9">
             <a:extLst>
               <a:ext uri="{FF2B5EF4-FFF2-40B4-BE49-F238E27FC236}">
-                <a16:creationId xmlns:a16="http://schemas.microsoft.com/office/drawing/2014/main" id="{66218DCB-BBAA-13D4-ECB3-025DDCD23B4F}"/>
+                <a16:creationId xmlns:a16="http://schemas.microsoft.com/office/drawing/2014/main" xmlns="" id="{66218DCB-BBAA-13D4-ECB3-025DDCD23B4F}"/>
               </a:ext>
             </a:extLst>
           </p:cNvPr>
@@ -7969,7 +7969,7 @@
           <p:cNvPr id="11" name="직선 화살표 연결선 10">
             <a:extLst>
               <a:ext uri="{FF2B5EF4-FFF2-40B4-BE49-F238E27FC236}">
-                <a16:creationId xmlns:a16="http://schemas.microsoft.com/office/drawing/2014/main" id="{F86C6958-EFE9-C5DC-7948-5D8EAB522449}"/>
+                <a16:creationId xmlns:a16="http://schemas.microsoft.com/office/drawing/2014/main" xmlns="" id="{F86C6958-EFE9-C5DC-7948-5D8EAB522449}"/>
               </a:ext>
             </a:extLst>
           </p:cNvPr>
@@ -8011,7 +8011,7 @@
           <p:cNvPr id="12" name="TextBox 11">
             <a:extLst>
               <a:ext uri="{FF2B5EF4-FFF2-40B4-BE49-F238E27FC236}">
-                <a16:creationId xmlns:a16="http://schemas.microsoft.com/office/drawing/2014/main" id="{4DE5A079-4DA8-C78F-8103-A888E64984B4}"/>
+                <a16:creationId xmlns:a16="http://schemas.microsoft.com/office/drawing/2014/main" xmlns="" id="{4DE5A079-4DA8-C78F-8103-A888E64984B4}"/>
               </a:ext>
             </a:extLst>
           </p:cNvPr>
@@ -8328,7 +8328,7 @@
           <p:cNvPr id="4" name="TextBox 3">
             <a:extLst>
               <a:ext uri="{FF2B5EF4-FFF2-40B4-BE49-F238E27FC236}">
-                <a16:creationId xmlns:a16="http://schemas.microsoft.com/office/drawing/2014/main" id="{37C30BAF-D498-C798-BC14-1718488A3435}"/>
+                <a16:creationId xmlns:a16="http://schemas.microsoft.com/office/drawing/2014/main" xmlns="" id="{37C30BAF-D498-C798-BC14-1718488A3435}"/>
               </a:ext>
             </a:extLst>
           </p:cNvPr>
@@ -8379,7 +8379,7 @@
           <p:cNvPr id="5" name="TextBox 4">
             <a:extLst>
               <a:ext uri="{FF2B5EF4-FFF2-40B4-BE49-F238E27FC236}">
-                <a16:creationId xmlns:a16="http://schemas.microsoft.com/office/drawing/2014/main" id="{1411E83A-6F3E-13BA-B84D-07D6B1588D85}"/>
+                <a16:creationId xmlns:a16="http://schemas.microsoft.com/office/drawing/2014/main" xmlns="" id="{1411E83A-6F3E-13BA-B84D-07D6B1588D85}"/>
               </a:ext>
             </a:extLst>
           </p:cNvPr>
@@ -8545,7 +8545,7 @@
           <p:cNvPr id="6" name="TextBox 5">
             <a:extLst>
               <a:ext uri="{FF2B5EF4-FFF2-40B4-BE49-F238E27FC236}">
-                <a16:creationId xmlns:a16="http://schemas.microsoft.com/office/drawing/2014/main" id="{1411E83A-6F3E-13BA-B84D-07D6B1588D85}"/>
+                <a16:creationId xmlns:a16="http://schemas.microsoft.com/office/drawing/2014/main" xmlns="" id="{1411E83A-6F3E-13BA-B84D-07D6B1588D85}"/>
               </a:ext>
             </a:extLst>
           </p:cNvPr>
@@ -8680,7 +8680,7 @@
           <p:cNvPr id="7" name="TextBox 6">
             <a:extLst>
               <a:ext uri="{FF2B5EF4-FFF2-40B4-BE49-F238E27FC236}">
-                <a16:creationId xmlns:a16="http://schemas.microsoft.com/office/drawing/2014/main" id="{1411E83A-6F3E-13BA-B84D-07D6B1588D85}"/>
+                <a16:creationId xmlns:a16="http://schemas.microsoft.com/office/drawing/2014/main" xmlns="" id="{1411E83A-6F3E-13BA-B84D-07D6B1588D85}"/>
               </a:ext>
             </a:extLst>
           </p:cNvPr>
@@ -8867,7 +8867,7 @@
           <p:cNvPr id="4" name="TextBox 3">
             <a:extLst>
               <a:ext uri="{FF2B5EF4-FFF2-40B4-BE49-F238E27FC236}">
-                <a16:creationId xmlns:a16="http://schemas.microsoft.com/office/drawing/2014/main" id="{AAA7A62B-B663-9BB3-853E-37554E612635}"/>
+                <a16:creationId xmlns:a16="http://schemas.microsoft.com/office/drawing/2014/main" xmlns="" id="{AAA7A62B-B663-9BB3-853E-37554E612635}"/>
               </a:ext>
             </a:extLst>
           </p:cNvPr>
@@ -8938,7 +8938,7 @@
           <p:cNvPr id="12" name="그룹 1018">
             <a:extLst>
               <a:ext uri="{FF2B5EF4-FFF2-40B4-BE49-F238E27FC236}">
-                <a16:creationId xmlns:a16="http://schemas.microsoft.com/office/drawing/2014/main" id="{4F0468F5-F027-54AB-48FE-FBD97453C390}"/>
+                <a16:creationId xmlns:a16="http://schemas.microsoft.com/office/drawing/2014/main" xmlns="" id="{4F0468F5-F027-54AB-48FE-FBD97453C390}"/>
               </a:ext>
             </a:extLst>
           </p:cNvPr>
@@ -8958,7 +8958,7 @@
             <p:cNvPr id="13" name="Object 61">
               <a:extLst>
                 <a:ext uri="{FF2B5EF4-FFF2-40B4-BE49-F238E27FC236}">
-                  <a16:creationId xmlns:a16="http://schemas.microsoft.com/office/drawing/2014/main" id="{AC2EBFB7-1019-73EA-EBFE-CF649B53884D}"/>
+                  <a16:creationId xmlns:a16="http://schemas.microsoft.com/office/drawing/2014/main" xmlns="" id="{AC2EBFB7-1019-73EA-EBFE-CF649B53884D}"/>
                 </a:ext>
               </a:extLst>
             </p:cNvPr>
@@ -8989,7 +8989,7 @@
           <p:cNvPr id="14" name="TextBox 13">
             <a:extLst>
               <a:ext uri="{FF2B5EF4-FFF2-40B4-BE49-F238E27FC236}">
-                <a16:creationId xmlns:a16="http://schemas.microsoft.com/office/drawing/2014/main" id="{CD7FD98D-0E89-838A-2E86-645AC568668B}"/>
+                <a16:creationId xmlns:a16="http://schemas.microsoft.com/office/drawing/2014/main" xmlns="" id="{CD7FD98D-0E89-838A-2E86-645AC568668B}"/>
               </a:ext>
             </a:extLst>
           </p:cNvPr>
@@ -9046,7 +9046,7 @@
           <p:cNvPr id="17" name="TextBox 16">
             <a:extLst>
               <a:ext uri="{FF2B5EF4-FFF2-40B4-BE49-F238E27FC236}">
-                <a16:creationId xmlns:a16="http://schemas.microsoft.com/office/drawing/2014/main" id="{7843ACB4-9657-BCB3-AF18-AEDD8CD8AAD4}"/>
+                <a16:creationId xmlns:a16="http://schemas.microsoft.com/office/drawing/2014/main" xmlns="" id="{7843ACB4-9657-BCB3-AF18-AEDD8CD8AAD4}"/>
               </a:ext>
             </a:extLst>
           </p:cNvPr>
@@ -9097,7 +9097,7 @@
           <p:cNvPr id="18" name="그룹 1018">
             <a:extLst>
               <a:ext uri="{FF2B5EF4-FFF2-40B4-BE49-F238E27FC236}">
-                <a16:creationId xmlns:a16="http://schemas.microsoft.com/office/drawing/2014/main" id="{AC6D02A6-858E-B1E5-BCF7-602AAC9F856B}"/>
+                <a16:creationId xmlns:a16="http://schemas.microsoft.com/office/drawing/2014/main" xmlns="" id="{AC6D02A6-858E-B1E5-BCF7-602AAC9F856B}"/>
               </a:ext>
             </a:extLst>
           </p:cNvPr>
@@ -9117,7 +9117,7 @@
             <p:cNvPr id="19" name="Object 61">
               <a:extLst>
                 <a:ext uri="{FF2B5EF4-FFF2-40B4-BE49-F238E27FC236}">
-                  <a16:creationId xmlns:a16="http://schemas.microsoft.com/office/drawing/2014/main" id="{6F0A1746-433C-D68C-49A3-F644B1C290B7}"/>
+                  <a16:creationId xmlns:a16="http://schemas.microsoft.com/office/drawing/2014/main" xmlns="" id="{6F0A1746-433C-D68C-49A3-F644B1C290B7}"/>
                 </a:ext>
               </a:extLst>
             </p:cNvPr>
@@ -9148,7 +9148,7 @@
           <p:cNvPr id="20" name="TextBox 19">
             <a:extLst>
               <a:ext uri="{FF2B5EF4-FFF2-40B4-BE49-F238E27FC236}">
-                <a16:creationId xmlns:a16="http://schemas.microsoft.com/office/drawing/2014/main" id="{963B2D80-045B-B26F-596E-2802A373CFAE}"/>
+                <a16:creationId xmlns:a16="http://schemas.microsoft.com/office/drawing/2014/main" xmlns="" id="{963B2D80-045B-B26F-596E-2802A373CFAE}"/>
               </a:ext>
             </a:extLst>
           </p:cNvPr>
@@ -9205,7 +9205,7 @@
           <p:cNvPr id="21" name="TextBox 20">
             <a:extLst>
               <a:ext uri="{FF2B5EF4-FFF2-40B4-BE49-F238E27FC236}">
-                <a16:creationId xmlns:a16="http://schemas.microsoft.com/office/drawing/2014/main" id="{59E0E04C-877E-D861-8074-BD32F9DFFD3D}"/>
+                <a16:creationId xmlns:a16="http://schemas.microsoft.com/office/drawing/2014/main" xmlns="" id="{59E0E04C-877E-D861-8074-BD32F9DFFD3D}"/>
               </a:ext>
             </a:extLst>
           </p:cNvPr>
@@ -9249,7 +9249,7 @@
           <p:cNvPr id="25" name="표 24">
             <a:extLst>
               <a:ext uri="{FF2B5EF4-FFF2-40B4-BE49-F238E27FC236}">
-                <a16:creationId xmlns:a16="http://schemas.microsoft.com/office/drawing/2014/main" id="{A8016755-38EE-8AE4-EEE3-827991B3D0F3}"/>
+                <a16:creationId xmlns:a16="http://schemas.microsoft.com/office/drawing/2014/main" xmlns="" id="{A8016755-38EE-8AE4-EEE3-827991B3D0F3}"/>
               </a:ext>
             </a:extLst>
           </p:cNvPr>
@@ -9278,14 +9278,14 @@
                 <a:gridCol w="1528823">
                   <a:extLst>
                     <a:ext uri="{9D8B030D-6E8A-4147-A177-3AD203B41FA5}">
-                      <a16:colId xmlns:a16="http://schemas.microsoft.com/office/drawing/2014/main" val="2271107190"/>
+                      <a16:colId xmlns:a16="http://schemas.microsoft.com/office/drawing/2014/main" xmlns="" val="2271107190"/>
                     </a:ext>
                   </a:extLst>
                 </a:gridCol>
                 <a:gridCol w="838200">
                   <a:extLst>
                     <a:ext uri="{9D8B030D-6E8A-4147-A177-3AD203B41FA5}">
-                      <a16:colId xmlns:a16="http://schemas.microsoft.com/office/drawing/2014/main" val="4072949715"/>
+                      <a16:colId xmlns:a16="http://schemas.microsoft.com/office/drawing/2014/main" xmlns="" val="4072949715"/>
                     </a:ext>
                   </a:extLst>
                 </a:gridCol>
@@ -9411,7 +9411,7 @@
                 </a:tc>
                 <a:extLst>
                   <a:ext uri="{0D108BD9-81ED-4DB2-BD59-A6C34878D82A}">
-                    <a16:rowId xmlns:a16="http://schemas.microsoft.com/office/drawing/2014/main" val="3364141702"/>
+                    <a16:rowId xmlns:a16="http://schemas.microsoft.com/office/drawing/2014/main" xmlns="" val="3364141702"/>
                   </a:ext>
                 </a:extLst>
               </a:tr>
@@ -9540,7 +9540,7 @@
                 </a:tc>
                 <a:extLst>
                   <a:ext uri="{0D108BD9-81ED-4DB2-BD59-A6C34878D82A}">
-                    <a16:rowId xmlns:a16="http://schemas.microsoft.com/office/drawing/2014/main" val="2764294510"/>
+                    <a16:rowId xmlns:a16="http://schemas.microsoft.com/office/drawing/2014/main" xmlns="" val="2764294510"/>
                   </a:ext>
                 </a:extLst>
               </a:tr>
@@ -9653,7 +9653,7 @@
                 </a:tc>
                 <a:extLst>
                   <a:ext uri="{0D108BD9-81ED-4DB2-BD59-A6C34878D82A}">
-                    <a16:rowId xmlns:a16="http://schemas.microsoft.com/office/drawing/2014/main" val="1538767738"/>
+                    <a16:rowId xmlns:a16="http://schemas.microsoft.com/office/drawing/2014/main" xmlns="" val="1538767738"/>
                   </a:ext>
                 </a:extLst>
               </a:tr>
@@ -9766,7 +9766,7 @@
                 </a:tc>
                 <a:extLst>
                   <a:ext uri="{0D108BD9-81ED-4DB2-BD59-A6C34878D82A}">
-                    <a16:rowId xmlns:a16="http://schemas.microsoft.com/office/drawing/2014/main" val="75423910"/>
+                    <a16:rowId xmlns:a16="http://schemas.microsoft.com/office/drawing/2014/main" xmlns="" val="75423910"/>
                   </a:ext>
                 </a:extLst>
               </a:tr>
@@ -9879,7 +9879,7 @@
                 </a:tc>
                 <a:extLst>
                   <a:ext uri="{0D108BD9-81ED-4DB2-BD59-A6C34878D82A}">
-                    <a16:rowId xmlns:a16="http://schemas.microsoft.com/office/drawing/2014/main" val="1880026330"/>
+                    <a16:rowId xmlns:a16="http://schemas.microsoft.com/office/drawing/2014/main" xmlns="" val="1880026330"/>
                   </a:ext>
                 </a:extLst>
               </a:tr>
@@ -9992,7 +9992,7 @@
                 </a:tc>
                 <a:extLst>
                   <a:ext uri="{0D108BD9-81ED-4DB2-BD59-A6C34878D82A}">
-                    <a16:rowId xmlns:a16="http://schemas.microsoft.com/office/drawing/2014/main" val="2904285843"/>
+                    <a16:rowId xmlns:a16="http://schemas.microsoft.com/office/drawing/2014/main" xmlns="" val="2904285843"/>
                   </a:ext>
                 </a:extLst>
               </a:tr>
@@ -10005,7 +10005,7 @@
           <p:cNvPr id="15" name="직선 화살표 연결선 14">
             <a:extLst>
               <a:ext uri="{FF2B5EF4-FFF2-40B4-BE49-F238E27FC236}">
-                <a16:creationId xmlns:a16="http://schemas.microsoft.com/office/drawing/2014/main" id="{4CD3AA73-144D-EE56-1594-B12541E20A71}"/>
+                <a16:creationId xmlns:a16="http://schemas.microsoft.com/office/drawing/2014/main" xmlns="" id="{4CD3AA73-144D-EE56-1594-B12541E20A71}"/>
               </a:ext>
             </a:extLst>
           </p:cNvPr>
@@ -10047,7 +10047,7 @@
           <p:cNvPr id="31" name="표 30">
             <a:extLst>
               <a:ext uri="{FF2B5EF4-FFF2-40B4-BE49-F238E27FC236}">
-                <a16:creationId xmlns:a16="http://schemas.microsoft.com/office/drawing/2014/main" id="{184CBD6D-35D2-535B-0A9C-7994770538BF}"/>
+                <a16:creationId xmlns:a16="http://schemas.microsoft.com/office/drawing/2014/main" xmlns="" id="{184CBD6D-35D2-535B-0A9C-7994770538BF}"/>
               </a:ext>
             </a:extLst>
           </p:cNvPr>
@@ -10076,14 +10076,14 @@
                 <a:gridCol w="1528823">
                   <a:extLst>
                     <a:ext uri="{9D8B030D-6E8A-4147-A177-3AD203B41FA5}">
-                      <a16:colId xmlns:a16="http://schemas.microsoft.com/office/drawing/2014/main" val="3265756666"/>
+                      <a16:colId xmlns:a16="http://schemas.microsoft.com/office/drawing/2014/main" xmlns="" val="3265756666"/>
                     </a:ext>
                   </a:extLst>
                 </a:gridCol>
                 <a:gridCol w="838200">
                   <a:extLst>
                     <a:ext uri="{9D8B030D-6E8A-4147-A177-3AD203B41FA5}">
-                      <a16:colId xmlns:a16="http://schemas.microsoft.com/office/drawing/2014/main" val="612514747"/>
+                      <a16:colId xmlns:a16="http://schemas.microsoft.com/office/drawing/2014/main" xmlns="" val="612514747"/>
                     </a:ext>
                   </a:extLst>
                 </a:gridCol>
@@ -10209,7 +10209,7 @@
                 </a:tc>
                 <a:extLst>
                   <a:ext uri="{0D108BD9-81ED-4DB2-BD59-A6C34878D82A}">
-                    <a16:rowId xmlns:a16="http://schemas.microsoft.com/office/drawing/2014/main" val="3206675433"/>
+                    <a16:rowId xmlns:a16="http://schemas.microsoft.com/office/drawing/2014/main" xmlns="" val="3206675433"/>
                   </a:ext>
                 </a:extLst>
               </a:tr>
@@ -10338,7 +10338,7 @@
                 </a:tc>
                 <a:extLst>
                   <a:ext uri="{0D108BD9-81ED-4DB2-BD59-A6C34878D82A}">
-                    <a16:rowId xmlns:a16="http://schemas.microsoft.com/office/drawing/2014/main" val="974737628"/>
+                    <a16:rowId xmlns:a16="http://schemas.microsoft.com/office/drawing/2014/main" xmlns="" val="974737628"/>
                   </a:ext>
                 </a:extLst>
               </a:tr>
@@ -10483,7 +10483,7 @@
                 </a:tc>
                 <a:extLst>
                   <a:ext uri="{0D108BD9-81ED-4DB2-BD59-A6C34878D82A}">
-                    <a16:rowId xmlns:a16="http://schemas.microsoft.com/office/drawing/2014/main" val="10002"/>
+                    <a16:rowId xmlns:a16="http://schemas.microsoft.com/office/drawing/2014/main" xmlns="" val="10002"/>
                   </a:ext>
                 </a:extLst>
               </a:tr>
@@ -10612,7 +10612,7 @@
                 </a:tc>
                 <a:extLst>
                   <a:ext uri="{0D108BD9-81ED-4DB2-BD59-A6C34878D82A}">
-                    <a16:rowId xmlns:a16="http://schemas.microsoft.com/office/drawing/2014/main" val="4102325686"/>
+                    <a16:rowId xmlns:a16="http://schemas.microsoft.com/office/drawing/2014/main" xmlns="" val="4102325686"/>
                   </a:ext>
                 </a:extLst>
               </a:tr>
@@ -10741,7 +10741,7 @@
                 </a:tc>
                 <a:extLst>
                   <a:ext uri="{0D108BD9-81ED-4DB2-BD59-A6C34878D82A}">
-                    <a16:rowId xmlns:a16="http://schemas.microsoft.com/office/drawing/2014/main" val="10004"/>
+                    <a16:rowId xmlns:a16="http://schemas.microsoft.com/office/drawing/2014/main" xmlns="" val="10004"/>
                   </a:ext>
                 </a:extLst>
               </a:tr>
@@ -10870,7 +10870,7 @@
                 </a:tc>
                 <a:extLst>
                   <a:ext uri="{0D108BD9-81ED-4DB2-BD59-A6C34878D82A}">
-                    <a16:rowId xmlns:a16="http://schemas.microsoft.com/office/drawing/2014/main" val="2080406695"/>
+                    <a16:rowId xmlns:a16="http://schemas.microsoft.com/office/drawing/2014/main" xmlns="" val="2080406695"/>
                   </a:ext>
                 </a:extLst>
               </a:tr>
@@ -10999,7 +10999,7 @@
                 </a:tc>
                 <a:extLst>
                   <a:ext uri="{0D108BD9-81ED-4DB2-BD59-A6C34878D82A}">
-                    <a16:rowId xmlns:a16="http://schemas.microsoft.com/office/drawing/2014/main" val="10006"/>
+                    <a16:rowId xmlns:a16="http://schemas.microsoft.com/office/drawing/2014/main" xmlns="" val="10006"/>
                   </a:ext>
                 </a:extLst>
               </a:tr>
@@ -11112,7 +11112,7 @@
                 </a:tc>
                 <a:extLst>
                   <a:ext uri="{0D108BD9-81ED-4DB2-BD59-A6C34878D82A}">
-                    <a16:rowId xmlns:a16="http://schemas.microsoft.com/office/drawing/2014/main" val="844693801"/>
+                    <a16:rowId xmlns:a16="http://schemas.microsoft.com/office/drawing/2014/main" xmlns="" val="844693801"/>
                   </a:ext>
                 </a:extLst>
               </a:tr>
@@ -11225,7 +11225,7 @@
                 </a:tc>
                 <a:extLst>
                   <a:ext uri="{0D108BD9-81ED-4DB2-BD59-A6C34878D82A}">
-                    <a16:rowId xmlns:a16="http://schemas.microsoft.com/office/drawing/2014/main" val="10008"/>
+                    <a16:rowId xmlns:a16="http://schemas.microsoft.com/office/drawing/2014/main" xmlns="" val="10008"/>
                   </a:ext>
                 </a:extLst>
               </a:tr>
@@ -11337,7 +11337,7 @@
                 </a:tc>
                 <a:extLst>
                   <a:ext uri="{0D108BD9-81ED-4DB2-BD59-A6C34878D82A}">
-                    <a16:rowId xmlns:a16="http://schemas.microsoft.com/office/drawing/2014/main" val="2414498207"/>
+                    <a16:rowId xmlns:a16="http://schemas.microsoft.com/office/drawing/2014/main" xmlns="" val="2414498207"/>
                   </a:ext>
                 </a:extLst>
               </a:tr>
@@ -11449,7 +11449,7 @@
                 </a:tc>
                 <a:extLst>
                   <a:ext uri="{0D108BD9-81ED-4DB2-BD59-A6C34878D82A}">
-                    <a16:rowId xmlns:a16="http://schemas.microsoft.com/office/drawing/2014/main" val="10010"/>
+                    <a16:rowId xmlns:a16="http://schemas.microsoft.com/office/drawing/2014/main" xmlns="" val="10010"/>
                   </a:ext>
                 </a:extLst>
               </a:tr>
@@ -11462,7 +11462,7 @@
           <p:cNvPr id="22" name="직선 화살표 연결선 21">
             <a:extLst>
               <a:ext uri="{FF2B5EF4-FFF2-40B4-BE49-F238E27FC236}">
-                <a16:creationId xmlns:a16="http://schemas.microsoft.com/office/drawing/2014/main" id="{4CD3AA73-144D-EE56-1594-B12541E20A71}"/>
+                <a16:creationId xmlns:a16="http://schemas.microsoft.com/office/drawing/2014/main" xmlns="" id="{4CD3AA73-144D-EE56-1594-B12541E20A71}"/>
               </a:ext>
             </a:extLst>
           </p:cNvPr>
@@ -11504,7 +11504,7 @@
           <p:cNvPr id="23" name="TextBox 22">
             <a:extLst>
               <a:ext uri="{FF2B5EF4-FFF2-40B4-BE49-F238E27FC236}">
-                <a16:creationId xmlns:a16="http://schemas.microsoft.com/office/drawing/2014/main" id="{59E0E04C-877E-D861-8074-BD32F9DFFD3D}"/>
+                <a16:creationId xmlns:a16="http://schemas.microsoft.com/office/drawing/2014/main" xmlns="" id="{59E0E04C-877E-D861-8074-BD32F9DFFD3D}"/>
               </a:ext>
             </a:extLst>
           </p:cNvPr>
@@ -11558,7 +11558,7 @@
           <p:cNvPr id="32" name="직선 화살표 연결선 31">
             <a:extLst>
               <a:ext uri="{FF2B5EF4-FFF2-40B4-BE49-F238E27FC236}">
-                <a16:creationId xmlns:a16="http://schemas.microsoft.com/office/drawing/2014/main" id="{4CD3AA73-144D-EE56-1594-B12541E20A71}"/>
+                <a16:creationId xmlns:a16="http://schemas.microsoft.com/office/drawing/2014/main" xmlns="" id="{4CD3AA73-144D-EE56-1594-B12541E20A71}"/>
               </a:ext>
             </a:extLst>
           </p:cNvPr>
@@ -11599,7 +11599,7 @@
           <p:cNvPr id="58" name="직선 화살표 연결선 57">
             <a:extLst>
               <a:ext uri="{FF2B5EF4-FFF2-40B4-BE49-F238E27FC236}">
-                <a16:creationId xmlns:a16="http://schemas.microsoft.com/office/drawing/2014/main" id="{4CD3AA73-144D-EE56-1594-B12541E20A71}"/>
+                <a16:creationId xmlns:a16="http://schemas.microsoft.com/office/drawing/2014/main" xmlns="" id="{4CD3AA73-144D-EE56-1594-B12541E20A71}"/>
               </a:ext>
             </a:extLst>
           </p:cNvPr>
@@ -11640,7 +11640,7 @@
           <p:cNvPr id="65" name="TextBox 64">
             <a:extLst>
               <a:ext uri="{FF2B5EF4-FFF2-40B4-BE49-F238E27FC236}">
-                <a16:creationId xmlns:a16="http://schemas.microsoft.com/office/drawing/2014/main" id="{7843ACB4-9657-BCB3-AF18-AEDD8CD8AAD4}"/>
+                <a16:creationId xmlns:a16="http://schemas.microsoft.com/office/drawing/2014/main" xmlns="" id="{7843ACB4-9657-BCB3-AF18-AEDD8CD8AAD4}"/>
               </a:ext>
             </a:extLst>
           </p:cNvPr>
@@ -12261,7 +12261,7 @@
           <p:cNvPr id="4" name="TextBox 3">
             <a:extLst>
               <a:ext uri="{FF2B5EF4-FFF2-40B4-BE49-F238E27FC236}">
-                <a16:creationId xmlns:a16="http://schemas.microsoft.com/office/drawing/2014/main" id="{AAA7A62B-B663-9BB3-853E-37554E612635}"/>
+                <a16:creationId xmlns:a16="http://schemas.microsoft.com/office/drawing/2014/main" xmlns="" id="{AAA7A62B-B663-9BB3-853E-37554E612635}"/>
               </a:ext>
             </a:extLst>
           </p:cNvPr>
@@ -12343,7 +12343,7 @@
           <p:cNvPr id="6" name="직선 화살표 연결선 5">
             <a:extLst>
               <a:ext uri="{FF2B5EF4-FFF2-40B4-BE49-F238E27FC236}">
-                <a16:creationId xmlns:a16="http://schemas.microsoft.com/office/drawing/2014/main" id="{299DF5EC-9DF4-5255-06AC-0A7CE4FF58C3}"/>
+                <a16:creationId xmlns:a16="http://schemas.microsoft.com/office/drawing/2014/main" xmlns="" id="{299DF5EC-9DF4-5255-06AC-0A7CE4FF58C3}"/>
               </a:ext>
             </a:extLst>
           </p:cNvPr>
@@ -12384,7 +12384,7 @@
           <p:cNvPr id="7" name="직사각형 6">
             <a:extLst>
               <a:ext uri="{FF2B5EF4-FFF2-40B4-BE49-F238E27FC236}">
-                <a16:creationId xmlns:a16="http://schemas.microsoft.com/office/drawing/2014/main" id="{FFF506F9-840A-0508-4CAF-3AC711D8D5CE}"/>
+                <a16:creationId xmlns:a16="http://schemas.microsoft.com/office/drawing/2014/main" xmlns="" id="{FFF506F9-840A-0508-4CAF-3AC711D8D5CE}"/>
               </a:ext>
             </a:extLst>
           </p:cNvPr>
@@ -12436,7 +12436,7 @@
           <p:cNvPr id="8" name="TextBox 7">
             <a:extLst>
               <a:ext uri="{FF2B5EF4-FFF2-40B4-BE49-F238E27FC236}">
-                <a16:creationId xmlns:a16="http://schemas.microsoft.com/office/drawing/2014/main" id="{C6D113C6-EA5C-788F-0C77-E7CE6EBB865F}"/>
+                <a16:creationId xmlns:a16="http://schemas.microsoft.com/office/drawing/2014/main" xmlns="" id="{C6D113C6-EA5C-788F-0C77-E7CE6EBB865F}"/>
               </a:ext>
             </a:extLst>
           </p:cNvPr>
@@ -12484,7 +12484,7 @@
           <p:cNvPr id="10" name="직사각형 9">
             <a:extLst>
               <a:ext uri="{FF2B5EF4-FFF2-40B4-BE49-F238E27FC236}">
-                <a16:creationId xmlns:a16="http://schemas.microsoft.com/office/drawing/2014/main" id="{FFF506F9-840A-0508-4CAF-3AC711D8D5CE}"/>
+                <a16:creationId xmlns:a16="http://schemas.microsoft.com/office/drawing/2014/main" xmlns="" id="{FFF506F9-840A-0508-4CAF-3AC711D8D5CE}"/>
               </a:ext>
             </a:extLst>
           </p:cNvPr>
@@ -12536,7 +12536,7 @@
           <p:cNvPr id="11" name="직사각형 10">
             <a:extLst>
               <a:ext uri="{FF2B5EF4-FFF2-40B4-BE49-F238E27FC236}">
-                <a16:creationId xmlns:a16="http://schemas.microsoft.com/office/drawing/2014/main" id="{FFF506F9-840A-0508-4CAF-3AC711D8D5CE}"/>
+                <a16:creationId xmlns:a16="http://schemas.microsoft.com/office/drawing/2014/main" xmlns="" id="{FFF506F9-840A-0508-4CAF-3AC711D8D5CE}"/>
               </a:ext>
             </a:extLst>
           </p:cNvPr>
@@ -12588,7 +12588,7 @@
           <p:cNvPr id="12" name="직선 화살표 연결선 11">
             <a:extLst>
               <a:ext uri="{FF2B5EF4-FFF2-40B4-BE49-F238E27FC236}">
-                <a16:creationId xmlns:a16="http://schemas.microsoft.com/office/drawing/2014/main" id="{299DF5EC-9DF4-5255-06AC-0A7CE4FF58C3}"/>
+                <a16:creationId xmlns:a16="http://schemas.microsoft.com/office/drawing/2014/main" xmlns="" id="{299DF5EC-9DF4-5255-06AC-0A7CE4FF58C3}"/>
               </a:ext>
             </a:extLst>
           </p:cNvPr>
@@ -12629,7 +12629,7 @@
           <p:cNvPr id="14" name="TextBox 13">
             <a:extLst>
               <a:ext uri="{FF2B5EF4-FFF2-40B4-BE49-F238E27FC236}">
-                <a16:creationId xmlns:a16="http://schemas.microsoft.com/office/drawing/2014/main" id="{C6D113C6-EA5C-788F-0C77-E7CE6EBB865F}"/>
+                <a16:creationId xmlns:a16="http://schemas.microsoft.com/office/drawing/2014/main" xmlns="" id="{C6D113C6-EA5C-788F-0C77-E7CE6EBB865F}"/>
               </a:ext>
             </a:extLst>
           </p:cNvPr>
@@ -12677,7 +12677,7 @@
           <p:cNvPr id="15" name="TextBox 14">
             <a:extLst>
               <a:ext uri="{FF2B5EF4-FFF2-40B4-BE49-F238E27FC236}">
-                <a16:creationId xmlns:a16="http://schemas.microsoft.com/office/drawing/2014/main" id="{C6D113C6-EA5C-788F-0C77-E7CE6EBB865F}"/>
+                <a16:creationId xmlns:a16="http://schemas.microsoft.com/office/drawing/2014/main" xmlns="" id="{C6D113C6-EA5C-788F-0C77-E7CE6EBB865F}"/>
               </a:ext>
             </a:extLst>
           </p:cNvPr>
@@ -12725,7 +12725,7 @@
           <p:cNvPr id="16" name="직선 화살표 연결선 15">
             <a:extLst>
               <a:ext uri="{FF2B5EF4-FFF2-40B4-BE49-F238E27FC236}">
-                <a16:creationId xmlns:a16="http://schemas.microsoft.com/office/drawing/2014/main" id="{299DF5EC-9DF4-5255-06AC-0A7CE4FF58C3}"/>
+                <a16:creationId xmlns:a16="http://schemas.microsoft.com/office/drawing/2014/main" xmlns="" id="{299DF5EC-9DF4-5255-06AC-0A7CE4FF58C3}"/>
               </a:ext>
             </a:extLst>
           </p:cNvPr>
@@ -12969,7 +12969,7 @@
           <p:cNvPr id="11" name="TextBox 10">
             <a:extLst>
               <a:ext uri="{FF2B5EF4-FFF2-40B4-BE49-F238E27FC236}">
-                <a16:creationId xmlns:a16="http://schemas.microsoft.com/office/drawing/2014/main" id="{9F88F580-08BE-88C2-D640-13F0026591CB}"/>
+                <a16:creationId xmlns:a16="http://schemas.microsoft.com/office/drawing/2014/main" xmlns="" id="{9F88F580-08BE-88C2-D640-13F0026591CB}"/>
               </a:ext>
             </a:extLst>
           </p:cNvPr>
@@ -12978,7 +12978,7 @@
         </p:nvSpPr>
         <p:spPr>
           <a:xfrm>
-            <a:off x="11511204" y="1530396"/>
+            <a:off x="11130204" y="1530396"/>
             <a:ext cx="5024196" cy="1200329"/>
           </a:xfrm>
           <a:prstGeom prst="rect">
@@ -13020,7 +13020,7 @@
           <p:cNvPr id="13" name="TextBox 12">
             <a:extLst>
               <a:ext uri="{FF2B5EF4-FFF2-40B4-BE49-F238E27FC236}">
-                <a16:creationId xmlns:a16="http://schemas.microsoft.com/office/drawing/2014/main" id="{72769C28-9BB6-DE9C-7B6F-264B77B8DD0E}"/>
+                <a16:creationId xmlns:a16="http://schemas.microsoft.com/office/drawing/2014/main" xmlns="" id="{72769C28-9BB6-DE9C-7B6F-264B77B8DD0E}"/>
               </a:ext>
             </a:extLst>
           </p:cNvPr>
@@ -13061,7 +13061,7 @@
           <p:cNvPr id="14" name="TextBox 13">
             <a:extLst>
               <a:ext uri="{FF2B5EF4-FFF2-40B4-BE49-F238E27FC236}">
-                <a16:creationId xmlns:a16="http://schemas.microsoft.com/office/drawing/2014/main" id="{270FBB6A-01CE-5637-78DA-58F0C974145C}"/>
+                <a16:creationId xmlns:a16="http://schemas.microsoft.com/office/drawing/2014/main" xmlns="" id="{270FBB6A-01CE-5637-78DA-58F0C974145C}"/>
               </a:ext>
             </a:extLst>
           </p:cNvPr>
@@ -13109,7 +13109,7 @@
           <p:cNvPr id="2" name="Object 17">
             <a:extLst>
               <a:ext uri="{FF2B5EF4-FFF2-40B4-BE49-F238E27FC236}">
-                <a16:creationId xmlns:a16="http://schemas.microsoft.com/office/drawing/2014/main" id="{140B283D-FE58-FA6F-6F7C-E0F1DBB62A65}"/>
+                <a16:creationId xmlns:a16="http://schemas.microsoft.com/office/drawing/2014/main" xmlns="" id="{140B283D-FE58-FA6F-6F7C-E0F1DBB62A65}"/>
               </a:ext>
             </a:extLst>
           </p:cNvPr>
@@ -13139,7 +13139,7 @@
           <p:cNvPr id="4" name="TextBox 3">
             <a:extLst>
               <a:ext uri="{FF2B5EF4-FFF2-40B4-BE49-F238E27FC236}">
-                <a16:creationId xmlns:a16="http://schemas.microsoft.com/office/drawing/2014/main" id="{2C8D0998-79BC-6FD2-59D9-8052B4A25F65}"/>
+                <a16:creationId xmlns:a16="http://schemas.microsoft.com/office/drawing/2014/main" xmlns="" id="{2C8D0998-79BC-6FD2-59D9-8052B4A25F65}"/>
               </a:ext>
             </a:extLst>
           </p:cNvPr>
@@ -13180,7 +13180,7 @@
           <p:cNvPr id="5" name="Object 18">
             <a:extLst>
               <a:ext uri="{FF2B5EF4-FFF2-40B4-BE49-F238E27FC236}">
-                <a16:creationId xmlns:a16="http://schemas.microsoft.com/office/drawing/2014/main" id="{3F58EA3E-1018-64D3-FAB2-4F6B9618FA56}"/>
+                <a16:creationId xmlns:a16="http://schemas.microsoft.com/office/drawing/2014/main" xmlns="" id="{3F58EA3E-1018-64D3-FAB2-4F6B9618FA56}"/>
               </a:ext>
             </a:extLst>
           </p:cNvPr>
@@ -13210,7 +13210,7 @@
           <p:cNvPr id="8" name="TextBox 7">
             <a:extLst>
               <a:ext uri="{FF2B5EF4-FFF2-40B4-BE49-F238E27FC236}">
-                <a16:creationId xmlns:a16="http://schemas.microsoft.com/office/drawing/2014/main" id="{681D3F16-7DCF-41AD-F5F1-0558C78C0E4D}"/>
+                <a16:creationId xmlns:a16="http://schemas.microsoft.com/office/drawing/2014/main" xmlns="" id="{681D3F16-7DCF-41AD-F5F1-0558C78C0E4D}"/>
               </a:ext>
             </a:extLst>
           </p:cNvPr>
@@ -13283,7 +13283,7 @@
           <p:cNvPr id="4" name="TextBox 3">
             <a:extLst>
               <a:ext uri="{FF2B5EF4-FFF2-40B4-BE49-F238E27FC236}">
-                <a16:creationId xmlns:a16="http://schemas.microsoft.com/office/drawing/2014/main" id="{AAA7A62B-B663-9BB3-853E-37554E612635}"/>
+                <a16:creationId xmlns:a16="http://schemas.microsoft.com/office/drawing/2014/main" xmlns="" id="{AAA7A62B-B663-9BB3-853E-37554E612635}"/>
               </a:ext>
             </a:extLst>
           </p:cNvPr>
@@ -13389,7 +13389,7 @@
           <p:cNvPr id="7" name="TextBox 6">
             <a:extLst>
               <a:ext uri="{FF2B5EF4-FFF2-40B4-BE49-F238E27FC236}">
-                <a16:creationId xmlns:a16="http://schemas.microsoft.com/office/drawing/2014/main" id="{C6D113C6-EA5C-788F-0C77-E7CE6EBB865F}"/>
+                <a16:creationId xmlns:a16="http://schemas.microsoft.com/office/drawing/2014/main" xmlns="" id="{C6D113C6-EA5C-788F-0C77-E7CE6EBB865F}"/>
               </a:ext>
             </a:extLst>
           </p:cNvPr>
@@ -13480,7 +13480,7 @@
           <p:cNvPr id="3" name="그림 2">
             <a:extLst>
               <a:ext uri="{FF2B5EF4-FFF2-40B4-BE49-F238E27FC236}">
-                <a16:creationId xmlns:a16="http://schemas.microsoft.com/office/drawing/2014/main" id="{C51CB23B-D151-B405-7C38-7A547E2BC2B9}"/>
+                <a16:creationId xmlns:a16="http://schemas.microsoft.com/office/drawing/2014/main" xmlns="" id="{C51CB23B-D151-B405-7C38-7A547E2BC2B9}"/>
               </a:ext>
             </a:extLst>
           </p:cNvPr>
@@ -13510,7 +13510,7 @@
           <p:cNvPr id="9" name="그림 8">
             <a:extLst>
               <a:ext uri="{FF2B5EF4-FFF2-40B4-BE49-F238E27FC236}">
-                <a16:creationId xmlns:a16="http://schemas.microsoft.com/office/drawing/2014/main" id="{7D610FE0-1B3C-8685-E698-C503F01B23A8}"/>
+                <a16:creationId xmlns:a16="http://schemas.microsoft.com/office/drawing/2014/main" xmlns="" id="{7D610FE0-1B3C-8685-E698-C503F01B23A8}"/>
               </a:ext>
             </a:extLst>
           </p:cNvPr>
@@ -13765,7 +13765,7 @@
           <p:cNvPr id="2" name="TextBox 1">
             <a:extLst>
               <a:ext uri="{FF2B5EF4-FFF2-40B4-BE49-F238E27FC236}">
-                <a16:creationId xmlns:a16="http://schemas.microsoft.com/office/drawing/2014/main" id="{AAA7A62B-B663-9BB3-853E-37554E612635}"/>
+                <a16:creationId xmlns:a16="http://schemas.microsoft.com/office/drawing/2014/main" xmlns="" id="{AAA7A62B-B663-9BB3-853E-37554E612635}"/>
               </a:ext>
             </a:extLst>
           </p:cNvPr>
@@ -13867,7 +13867,7 @@
           <p:cNvPr id="4" name="그룹 1008">
             <a:extLst>
               <a:ext uri="{FF2B5EF4-FFF2-40B4-BE49-F238E27FC236}">
-                <a16:creationId xmlns:a16="http://schemas.microsoft.com/office/drawing/2014/main" id="{678F6342-C505-E8AD-ADA4-022CB2C2088E}"/>
+                <a16:creationId xmlns:a16="http://schemas.microsoft.com/office/drawing/2014/main" xmlns="" id="{678F6342-C505-E8AD-ADA4-022CB2C2088E}"/>
               </a:ext>
             </a:extLst>
           </p:cNvPr>
@@ -13887,7 +13887,7 @@
             <p:cNvPr id="5" name="그룹 1009">
               <a:extLst>
                 <a:ext uri="{FF2B5EF4-FFF2-40B4-BE49-F238E27FC236}">
-                  <a16:creationId xmlns:a16="http://schemas.microsoft.com/office/drawing/2014/main" id="{4E1F1FED-812B-9BBB-925A-84B54A077414}"/>
+                  <a16:creationId xmlns:a16="http://schemas.microsoft.com/office/drawing/2014/main" xmlns="" id="{4E1F1FED-812B-9BBB-925A-84B54A077414}"/>
                 </a:ext>
               </a:extLst>
             </p:cNvPr>
@@ -13907,7 +13907,7 @@
               <p:cNvPr id="10" name="Object 29">
                 <a:extLst>
                   <a:ext uri="{FF2B5EF4-FFF2-40B4-BE49-F238E27FC236}">
-                    <a16:creationId xmlns:a16="http://schemas.microsoft.com/office/drawing/2014/main" id="{7B078609-4286-7B00-51EB-809C8E2DE289}"/>
+                    <a16:creationId xmlns:a16="http://schemas.microsoft.com/office/drawing/2014/main" xmlns="" id="{7B078609-4286-7B00-51EB-809C8E2DE289}"/>
                   </a:ext>
                 </a:extLst>
               </p:cNvPr>
@@ -13938,7 +13938,7 @@
             <p:cNvPr id="6" name="그룹 1010">
               <a:extLst>
                 <a:ext uri="{FF2B5EF4-FFF2-40B4-BE49-F238E27FC236}">
-                  <a16:creationId xmlns:a16="http://schemas.microsoft.com/office/drawing/2014/main" id="{02A649BF-B5B5-FBAF-7DFD-E118A4DF8907}"/>
+                  <a16:creationId xmlns:a16="http://schemas.microsoft.com/office/drawing/2014/main" xmlns="" id="{02A649BF-B5B5-FBAF-7DFD-E118A4DF8907}"/>
                 </a:ext>
               </a:extLst>
             </p:cNvPr>
@@ -13958,7 +13958,7 @@
               <p:cNvPr id="9" name="Object 32">
                 <a:extLst>
                   <a:ext uri="{FF2B5EF4-FFF2-40B4-BE49-F238E27FC236}">
-                    <a16:creationId xmlns:a16="http://schemas.microsoft.com/office/drawing/2014/main" id="{2A0FFF23-B3C9-3EA0-1C1B-A87D4FF098AE}"/>
+                    <a16:creationId xmlns:a16="http://schemas.microsoft.com/office/drawing/2014/main" xmlns="" id="{2A0FFF23-B3C9-3EA0-1C1B-A87D4FF098AE}"/>
                   </a:ext>
                 </a:extLst>
               </p:cNvPr>
@@ -13989,7 +13989,7 @@
             <p:cNvPr id="7" name="그룹 1011">
               <a:extLst>
                 <a:ext uri="{FF2B5EF4-FFF2-40B4-BE49-F238E27FC236}">
-                  <a16:creationId xmlns:a16="http://schemas.microsoft.com/office/drawing/2014/main" id="{881F5410-F7FB-F261-A584-707359BAC593}"/>
+                  <a16:creationId xmlns:a16="http://schemas.microsoft.com/office/drawing/2014/main" xmlns="" id="{881F5410-F7FB-F261-A584-707359BAC593}"/>
                 </a:ext>
               </a:extLst>
             </p:cNvPr>
@@ -14009,7 +14009,7 @@
               <p:cNvPr id="8" name="Object 35">
                 <a:extLst>
                   <a:ext uri="{FF2B5EF4-FFF2-40B4-BE49-F238E27FC236}">
-                    <a16:creationId xmlns:a16="http://schemas.microsoft.com/office/drawing/2014/main" id="{4E99E669-73EB-F9F4-EFE8-DC107035C265}"/>
+                    <a16:creationId xmlns:a16="http://schemas.microsoft.com/office/drawing/2014/main" xmlns="" id="{4E99E669-73EB-F9F4-EFE8-DC107035C265}"/>
                   </a:ext>
                 </a:extLst>
               </p:cNvPr>
@@ -14041,7 +14041,7 @@
           <p:cNvPr id="11" name="TextBox 10">
             <a:extLst>
               <a:ext uri="{FF2B5EF4-FFF2-40B4-BE49-F238E27FC236}">
-                <a16:creationId xmlns:a16="http://schemas.microsoft.com/office/drawing/2014/main" id="{C6D113C6-EA5C-788F-0C77-E7CE6EBB865F}"/>
+                <a16:creationId xmlns:a16="http://schemas.microsoft.com/office/drawing/2014/main" xmlns="" id="{C6D113C6-EA5C-788F-0C77-E7CE6EBB865F}"/>
               </a:ext>
             </a:extLst>
           </p:cNvPr>
@@ -14153,7 +14153,7 @@
           <p:cNvPr id="13" name="TextBox 12">
             <a:extLst>
               <a:ext uri="{FF2B5EF4-FFF2-40B4-BE49-F238E27FC236}">
-                <a16:creationId xmlns:a16="http://schemas.microsoft.com/office/drawing/2014/main" id="{C6D113C6-EA5C-788F-0C77-E7CE6EBB865F}"/>
+                <a16:creationId xmlns:a16="http://schemas.microsoft.com/office/drawing/2014/main" xmlns="" id="{C6D113C6-EA5C-788F-0C77-E7CE6EBB865F}"/>
               </a:ext>
             </a:extLst>
           </p:cNvPr>
@@ -14401,7 +14401,7 @@
           <p:cNvPr id="4" name="Object 1">
             <a:extLst>
               <a:ext uri="{FF2B5EF4-FFF2-40B4-BE49-F238E27FC236}">
-                <a16:creationId xmlns:a16="http://schemas.microsoft.com/office/drawing/2014/main" id="{B0329035-BE76-33A8-0F2E-44624FCC1DED}"/>
+                <a16:creationId xmlns:a16="http://schemas.microsoft.com/office/drawing/2014/main" xmlns="" id="{B0329035-BE76-33A8-0F2E-44624FCC1DED}"/>
               </a:ext>
             </a:extLst>
           </p:cNvPr>
@@ -14431,7 +14431,7 @@
           <p:cNvPr id="7" name="그룹 1001">
             <a:extLst>
               <a:ext uri="{FF2B5EF4-FFF2-40B4-BE49-F238E27FC236}">
-                <a16:creationId xmlns:a16="http://schemas.microsoft.com/office/drawing/2014/main" id="{CD24CE9D-AC18-B6CD-F397-7E8E03D6FE26}"/>
+                <a16:creationId xmlns:a16="http://schemas.microsoft.com/office/drawing/2014/main" xmlns="" id="{CD24CE9D-AC18-B6CD-F397-7E8E03D6FE26}"/>
               </a:ext>
             </a:extLst>
           </p:cNvPr>
@@ -14451,7 +14451,7 @@
             <p:cNvPr id="8" name="Object 5">
               <a:extLst>
                 <a:ext uri="{FF2B5EF4-FFF2-40B4-BE49-F238E27FC236}">
-                  <a16:creationId xmlns:a16="http://schemas.microsoft.com/office/drawing/2014/main" id="{0EEF25E8-3BA8-EBAA-6DC2-66D70C3F9F4D}"/>
+                  <a16:creationId xmlns:a16="http://schemas.microsoft.com/office/drawing/2014/main" xmlns="" id="{0EEF25E8-3BA8-EBAA-6DC2-66D70C3F9F4D}"/>
                 </a:ext>
               </a:extLst>
             </p:cNvPr>
@@ -14482,7 +14482,7 @@
           <p:cNvPr id="9" name="그룹 1002">
             <a:extLst>
               <a:ext uri="{FF2B5EF4-FFF2-40B4-BE49-F238E27FC236}">
-                <a16:creationId xmlns:a16="http://schemas.microsoft.com/office/drawing/2014/main" id="{0F281BC9-DE1F-D1FE-E64C-C4640398F00C}"/>
+                <a16:creationId xmlns:a16="http://schemas.microsoft.com/office/drawing/2014/main" xmlns="" id="{0F281BC9-DE1F-D1FE-E64C-C4640398F00C}"/>
               </a:ext>
             </a:extLst>
           </p:cNvPr>
@@ -14502,7 +14502,7 @@
             <p:cNvPr id="10" name="Object 8">
               <a:extLst>
                 <a:ext uri="{FF2B5EF4-FFF2-40B4-BE49-F238E27FC236}">
-                  <a16:creationId xmlns:a16="http://schemas.microsoft.com/office/drawing/2014/main" id="{F669DCEF-04BB-7046-3F7F-5B513213556E}"/>
+                  <a16:creationId xmlns:a16="http://schemas.microsoft.com/office/drawing/2014/main" xmlns="" id="{F669DCEF-04BB-7046-3F7F-5B513213556E}"/>
                 </a:ext>
               </a:extLst>
             </p:cNvPr>
@@ -14533,7 +14533,7 @@
           <p:cNvPr id="11" name="그룹 1003">
             <a:extLst>
               <a:ext uri="{FF2B5EF4-FFF2-40B4-BE49-F238E27FC236}">
-                <a16:creationId xmlns:a16="http://schemas.microsoft.com/office/drawing/2014/main" id="{1F91EEF9-13EA-BB7F-B056-D35E7DB989AC}"/>
+                <a16:creationId xmlns:a16="http://schemas.microsoft.com/office/drawing/2014/main" xmlns="" id="{1F91EEF9-13EA-BB7F-B056-D35E7DB989AC}"/>
               </a:ext>
             </a:extLst>
           </p:cNvPr>
@@ -14553,7 +14553,7 @@
             <p:cNvPr id="12" name="Object 11">
               <a:extLst>
                 <a:ext uri="{FF2B5EF4-FFF2-40B4-BE49-F238E27FC236}">
-                  <a16:creationId xmlns:a16="http://schemas.microsoft.com/office/drawing/2014/main" id="{2CFFB217-AEFB-2C9E-5F86-6EE19510FFC6}"/>
+                  <a16:creationId xmlns:a16="http://schemas.microsoft.com/office/drawing/2014/main" xmlns="" id="{2CFFB217-AEFB-2C9E-5F86-6EE19510FFC6}"/>
                 </a:ext>
               </a:extLst>
             </p:cNvPr>
@@ -14584,7 +14584,7 @@
           <p:cNvPr id="13" name="그룹 1004">
             <a:extLst>
               <a:ext uri="{FF2B5EF4-FFF2-40B4-BE49-F238E27FC236}">
-                <a16:creationId xmlns:a16="http://schemas.microsoft.com/office/drawing/2014/main" id="{123B9C7E-94E8-E7E1-81BE-D59EA0299187}"/>
+                <a16:creationId xmlns:a16="http://schemas.microsoft.com/office/drawing/2014/main" xmlns="" id="{123B9C7E-94E8-E7E1-81BE-D59EA0299187}"/>
               </a:ext>
             </a:extLst>
           </p:cNvPr>
@@ -14604,7 +14604,7 @@
             <p:cNvPr id="14" name="Object 14">
               <a:extLst>
                 <a:ext uri="{FF2B5EF4-FFF2-40B4-BE49-F238E27FC236}">
-                  <a16:creationId xmlns:a16="http://schemas.microsoft.com/office/drawing/2014/main" id="{B6291552-2D89-A79F-7ACD-EA0EF9A4C389}"/>
+                  <a16:creationId xmlns:a16="http://schemas.microsoft.com/office/drawing/2014/main" xmlns="" id="{B6291552-2D89-A79F-7ACD-EA0EF9A4C389}"/>
                 </a:ext>
               </a:extLst>
             </p:cNvPr>
@@ -14635,7 +14635,7 @@
           <p:cNvPr id="15" name="TextBox 14">
             <a:extLst>
               <a:ext uri="{FF2B5EF4-FFF2-40B4-BE49-F238E27FC236}">
-                <a16:creationId xmlns:a16="http://schemas.microsoft.com/office/drawing/2014/main" id="{7D99763A-FC24-23F5-5BA9-D7B042E0F323}"/>
+                <a16:creationId xmlns:a16="http://schemas.microsoft.com/office/drawing/2014/main" xmlns="" id="{7D99763A-FC24-23F5-5BA9-D7B042E0F323}"/>
               </a:ext>
             </a:extLst>
           </p:cNvPr>
@@ -14713,7 +14713,7 @@
           <p:cNvPr id="4" name="TextBox 3">
             <a:extLst>
               <a:ext uri="{FF2B5EF4-FFF2-40B4-BE49-F238E27FC236}">
-                <a16:creationId xmlns:a16="http://schemas.microsoft.com/office/drawing/2014/main" id="{AAA7A62B-B663-9BB3-853E-37554E612635}"/>
+                <a16:creationId xmlns:a16="http://schemas.microsoft.com/office/drawing/2014/main" xmlns="" id="{AAA7A62B-B663-9BB3-853E-37554E612635}"/>
               </a:ext>
             </a:extLst>
           </p:cNvPr>
@@ -14866,21 +14866,21 @@
                 <a:gridCol w="1295400">
                   <a:extLst>
                     <a:ext uri="{9D8B030D-6E8A-4147-A177-3AD203B41FA5}">
-                      <a16:colId xmlns:a16="http://schemas.microsoft.com/office/drawing/2014/main" val="20000"/>
+                      <a16:colId xmlns:a16="http://schemas.microsoft.com/office/drawing/2014/main" xmlns="" val="20000"/>
                     </a:ext>
                   </a:extLst>
                 </a:gridCol>
                 <a:gridCol w="1066800">
                   <a:extLst>
                     <a:ext uri="{9D8B030D-6E8A-4147-A177-3AD203B41FA5}">
-                      <a16:colId xmlns:a16="http://schemas.microsoft.com/office/drawing/2014/main" val="20001"/>
+                      <a16:colId xmlns:a16="http://schemas.microsoft.com/office/drawing/2014/main" xmlns="" val="20001"/>
                     </a:ext>
                   </a:extLst>
                 </a:gridCol>
                 <a:gridCol w="1066800">
                   <a:extLst>
                     <a:ext uri="{9D8B030D-6E8A-4147-A177-3AD203B41FA5}">
-                      <a16:colId xmlns:a16="http://schemas.microsoft.com/office/drawing/2014/main" val="20002"/>
+                      <a16:colId xmlns:a16="http://schemas.microsoft.com/office/drawing/2014/main" xmlns="" val="20002"/>
                     </a:ext>
                   </a:extLst>
                 </a:gridCol>
@@ -15105,7 +15105,7 @@
                 </a:tc>
                 <a:extLst>
                   <a:ext uri="{0D108BD9-81ED-4DB2-BD59-A6C34878D82A}">
-                    <a16:rowId xmlns:a16="http://schemas.microsoft.com/office/drawing/2014/main" val="10000"/>
+                    <a16:rowId xmlns:a16="http://schemas.microsoft.com/office/drawing/2014/main" xmlns="" val="10000"/>
                   </a:ext>
                 </a:extLst>
               </a:tr>
@@ -15329,7 +15329,7 @@
                 </a:tc>
                 <a:extLst>
                   <a:ext uri="{0D108BD9-81ED-4DB2-BD59-A6C34878D82A}">
-                    <a16:rowId xmlns:a16="http://schemas.microsoft.com/office/drawing/2014/main" val="10001"/>
+                    <a16:rowId xmlns:a16="http://schemas.microsoft.com/office/drawing/2014/main" xmlns="" val="10001"/>
                   </a:ext>
                 </a:extLst>
               </a:tr>
@@ -15553,7 +15553,7 @@
                 </a:tc>
                 <a:extLst>
                   <a:ext uri="{0D108BD9-81ED-4DB2-BD59-A6C34878D82A}">
-                    <a16:rowId xmlns:a16="http://schemas.microsoft.com/office/drawing/2014/main" val="10002"/>
+                    <a16:rowId xmlns:a16="http://schemas.microsoft.com/office/drawing/2014/main" xmlns="" val="10002"/>
                   </a:ext>
                 </a:extLst>
               </a:tr>
@@ -15777,7 +15777,7 @@
                 </a:tc>
                 <a:extLst>
                   <a:ext uri="{0D108BD9-81ED-4DB2-BD59-A6C34878D82A}">
-                    <a16:rowId xmlns:a16="http://schemas.microsoft.com/office/drawing/2014/main" val="10003"/>
+                    <a16:rowId xmlns:a16="http://schemas.microsoft.com/office/drawing/2014/main" xmlns="" val="10003"/>
                   </a:ext>
                 </a:extLst>
               </a:tr>
@@ -16001,7 +16001,7 @@
                 </a:tc>
                 <a:extLst>
                   <a:ext uri="{0D108BD9-81ED-4DB2-BD59-A6C34878D82A}">
-                    <a16:rowId xmlns:a16="http://schemas.microsoft.com/office/drawing/2014/main" val="10004"/>
+                    <a16:rowId xmlns:a16="http://schemas.microsoft.com/office/drawing/2014/main" xmlns="" val="10004"/>
                   </a:ext>
                 </a:extLst>
               </a:tr>
@@ -16014,7 +16014,7 @@
           <p:cNvPr id="9" name="TextBox 8">
             <a:extLst>
               <a:ext uri="{FF2B5EF4-FFF2-40B4-BE49-F238E27FC236}">
-                <a16:creationId xmlns:a16="http://schemas.microsoft.com/office/drawing/2014/main" id="{C6D113C6-EA5C-788F-0C77-E7CE6EBB865F}"/>
+                <a16:creationId xmlns:a16="http://schemas.microsoft.com/office/drawing/2014/main" xmlns="" id="{C6D113C6-EA5C-788F-0C77-E7CE6EBB865F}"/>
               </a:ext>
             </a:extLst>
           </p:cNvPr>
@@ -16102,7 +16102,7 @@
           <p:cNvPr id="10" name="TextBox 9">
             <a:extLst>
               <a:ext uri="{FF2B5EF4-FFF2-40B4-BE49-F238E27FC236}">
-                <a16:creationId xmlns:a16="http://schemas.microsoft.com/office/drawing/2014/main" id="{C6D113C6-EA5C-788F-0C77-E7CE6EBB865F}"/>
+                <a16:creationId xmlns:a16="http://schemas.microsoft.com/office/drawing/2014/main" xmlns="" id="{C6D113C6-EA5C-788F-0C77-E7CE6EBB865F}"/>
               </a:ext>
             </a:extLst>
           </p:cNvPr>
@@ -16160,7 +16160,7 @@
           <p:cNvPr id="11" name="TextBox 10">
             <a:extLst>
               <a:ext uri="{FF2B5EF4-FFF2-40B4-BE49-F238E27FC236}">
-                <a16:creationId xmlns:a16="http://schemas.microsoft.com/office/drawing/2014/main" id="{C6D113C6-EA5C-788F-0C77-E7CE6EBB865F}"/>
+                <a16:creationId xmlns:a16="http://schemas.microsoft.com/office/drawing/2014/main" xmlns="" id="{C6D113C6-EA5C-788F-0C77-E7CE6EBB865F}"/>
               </a:ext>
             </a:extLst>
           </p:cNvPr>
@@ -16218,7 +16218,7 @@
           <p:cNvPr id="12" name="TextBox 11">
             <a:extLst>
               <a:ext uri="{FF2B5EF4-FFF2-40B4-BE49-F238E27FC236}">
-                <a16:creationId xmlns:a16="http://schemas.microsoft.com/office/drawing/2014/main" id="{AAA7A62B-B663-9BB3-853E-37554E612635}"/>
+                <a16:creationId xmlns:a16="http://schemas.microsoft.com/office/drawing/2014/main" xmlns="" id="{AAA7A62B-B663-9BB3-853E-37554E612635}"/>
               </a:ext>
             </a:extLst>
           </p:cNvPr>
@@ -16266,7 +16266,7 @@
           <p:cNvPr id="13" name="TextBox 12">
             <a:extLst>
               <a:ext uri="{FF2B5EF4-FFF2-40B4-BE49-F238E27FC236}">
-                <a16:creationId xmlns:a16="http://schemas.microsoft.com/office/drawing/2014/main" id="{AAA7A62B-B663-9BB3-853E-37554E612635}"/>
+                <a16:creationId xmlns:a16="http://schemas.microsoft.com/office/drawing/2014/main" xmlns="" id="{AAA7A62B-B663-9BB3-853E-37554E612635}"/>
               </a:ext>
             </a:extLst>
           </p:cNvPr>
@@ -16314,7 +16314,7 @@
           <p:cNvPr id="14" name="TextBox 13">
             <a:extLst>
               <a:ext uri="{FF2B5EF4-FFF2-40B4-BE49-F238E27FC236}">
-                <a16:creationId xmlns:a16="http://schemas.microsoft.com/office/drawing/2014/main" id="{AAA7A62B-B663-9BB3-853E-37554E612635}"/>
+                <a16:creationId xmlns:a16="http://schemas.microsoft.com/office/drawing/2014/main" xmlns="" id="{AAA7A62B-B663-9BB3-853E-37554E612635}"/>
               </a:ext>
             </a:extLst>
           </p:cNvPr>
@@ -16362,7 +16362,7 @@
           <p:cNvPr id="15" name="TextBox 14">
             <a:extLst>
               <a:ext uri="{FF2B5EF4-FFF2-40B4-BE49-F238E27FC236}">
-                <a16:creationId xmlns:a16="http://schemas.microsoft.com/office/drawing/2014/main" id="{AAA7A62B-B663-9BB3-853E-37554E612635}"/>
+                <a16:creationId xmlns:a16="http://schemas.microsoft.com/office/drawing/2014/main" xmlns="" id="{AAA7A62B-B663-9BB3-853E-37554E612635}"/>
               </a:ext>
             </a:extLst>
           </p:cNvPr>
@@ -16410,7 +16410,7 @@
           <p:cNvPr id="16" name="TextBox 15">
             <a:extLst>
               <a:ext uri="{FF2B5EF4-FFF2-40B4-BE49-F238E27FC236}">
-                <a16:creationId xmlns:a16="http://schemas.microsoft.com/office/drawing/2014/main" id="{AAA7A62B-B663-9BB3-853E-37554E612635}"/>
+                <a16:creationId xmlns:a16="http://schemas.microsoft.com/office/drawing/2014/main" xmlns="" id="{AAA7A62B-B663-9BB3-853E-37554E612635}"/>
               </a:ext>
             </a:extLst>
           </p:cNvPr>
@@ -16717,21 +16717,21 @@
                 <a:gridCol w="1295400">
                   <a:extLst>
                     <a:ext uri="{9D8B030D-6E8A-4147-A177-3AD203B41FA5}">
-                      <a16:colId xmlns:a16="http://schemas.microsoft.com/office/drawing/2014/main" val="20000"/>
+                      <a16:colId xmlns:a16="http://schemas.microsoft.com/office/drawing/2014/main" xmlns="" val="20000"/>
                     </a:ext>
                   </a:extLst>
                 </a:gridCol>
                 <a:gridCol w="1066800">
                   <a:extLst>
                     <a:ext uri="{9D8B030D-6E8A-4147-A177-3AD203B41FA5}">
-                      <a16:colId xmlns:a16="http://schemas.microsoft.com/office/drawing/2014/main" val="20001"/>
+                      <a16:colId xmlns:a16="http://schemas.microsoft.com/office/drawing/2014/main" xmlns="" val="20001"/>
                     </a:ext>
                   </a:extLst>
                 </a:gridCol>
                 <a:gridCol w="1066800">
                   <a:extLst>
                     <a:ext uri="{9D8B030D-6E8A-4147-A177-3AD203B41FA5}">
-                      <a16:colId xmlns:a16="http://schemas.microsoft.com/office/drawing/2014/main" val="20002"/>
+                      <a16:colId xmlns:a16="http://schemas.microsoft.com/office/drawing/2014/main" xmlns="" val="20002"/>
                     </a:ext>
                   </a:extLst>
                 </a:gridCol>
@@ -16956,7 +16956,7 @@
                 </a:tc>
                 <a:extLst>
                   <a:ext uri="{0D108BD9-81ED-4DB2-BD59-A6C34878D82A}">
-                    <a16:rowId xmlns:a16="http://schemas.microsoft.com/office/drawing/2014/main" val="10000"/>
+                    <a16:rowId xmlns:a16="http://schemas.microsoft.com/office/drawing/2014/main" xmlns="" val="10000"/>
                   </a:ext>
                 </a:extLst>
               </a:tr>
@@ -17180,7 +17180,7 @@
                 </a:tc>
                 <a:extLst>
                   <a:ext uri="{0D108BD9-81ED-4DB2-BD59-A6C34878D82A}">
-                    <a16:rowId xmlns:a16="http://schemas.microsoft.com/office/drawing/2014/main" val="10001"/>
+                    <a16:rowId xmlns:a16="http://schemas.microsoft.com/office/drawing/2014/main" xmlns="" val="10001"/>
                   </a:ext>
                 </a:extLst>
               </a:tr>
@@ -17398,7 +17398,7 @@
                 </a:tc>
                 <a:extLst>
                   <a:ext uri="{0D108BD9-81ED-4DB2-BD59-A6C34878D82A}">
-                    <a16:rowId xmlns:a16="http://schemas.microsoft.com/office/drawing/2014/main" val="10002"/>
+                    <a16:rowId xmlns:a16="http://schemas.microsoft.com/office/drawing/2014/main" xmlns="" val="10002"/>
                   </a:ext>
                 </a:extLst>
               </a:tr>
@@ -17622,7 +17622,7 @@
                 </a:tc>
                 <a:extLst>
                   <a:ext uri="{0D108BD9-81ED-4DB2-BD59-A6C34878D82A}">
-                    <a16:rowId xmlns:a16="http://schemas.microsoft.com/office/drawing/2014/main" val="10003"/>
+                    <a16:rowId xmlns:a16="http://schemas.microsoft.com/office/drawing/2014/main" xmlns="" val="10003"/>
                   </a:ext>
                 </a:extLst>
               </a:tr>
@@ -17846,7 +17846,7 @@
                 </a:tc>
                 <a:extLst>
                   <a:ext uri="{0D108BD9-81ED-4DB2-BD59-A6C34878D82A}">
-                    <a16:rowId xmlns:a16="http://schemas.microsoft.com/office/drawing/2014/main" val="10004"/>
+                    <a16:rowId xmlns:a16="http://schemas.microsoft.com/office/drawing/2014/main" xmlns="" val="10004"/>
                   </a:ext>
                 </a:extLst>
               </a:tr>
@@ -17859,7 +17859,7 @@
           <p:cNvPr id="5" name="TextBox 4">
             <a:extLst>
               <a:ext uri="{FF2B5EF4-FFF2-40B4-BE49-F238E27FC236}">
-                <a16:creationId xmlns:a16="http://schemas.microsoft.com/office/drawing/2014/main" id="{AAA7A62B-B663-9BB3-853E-37554E612635}"/>
+                <a16:creationId xmlns:a16="http://schemas.microsoft.com/office/drawing/2014/main" xmlns="" id="{AAA7A62B-B663-9BB3-853E-37554E612635}"/>
               </a:ext>
             </a:extLst>
           </p:cNvPr>
@@ -17927,7 +17927,7 @@
           <p:cNvPr id="6" name="TextBox 5">
             <a:extLst>
               <a:ext uri="{FF2B5EF4-FFF2-40B4-BE49-F238E27FC236}">
-                <a16:creationId xmlns:a16="http://schemas.microsoft.com/office/drawing/2014/main" id="{AAA7A62B-B663-9BB3-853E-37554E612635}"/>
+                <a16:creationId xmlns:a16="http://schemas.microsoft.com/office/drawing/2014/main" xmlns="" id="{AAA7A62B-B663-9BB3-853E-37554E612635}"/>
               </a:ext>
             </a:extLst>
           </p:cNvPr>
@@ -17975,7 +17975,7 @@
           <p:cNvPr id="7" name="직선 화살표 연결선 6">
             <a:extLst>
               <a:ext uri="{FF2B5EF4-FFF2-40B4-BE49-F238E27FC236}">
-                <a16:creationId xmlns:a16="http://schemas.microsoft.com/office/drawing/2014/main" id="{299DF5EC-9DF4-5255-06AC-0A7CE4FF58C3}"/>
+                <a16:creationId xmlns:a16="http://schemas.microsoft.com/office/drawing/2014/main" xmlns="" id="{299DF5EC-9DF4-5255-06AC-0A7CE4FF58C3}"/>
               </a:ext>
             </a:extLst>
           </p:cNvPr>
@@ -18151,7 +18151,7 @@
           <p:cNvPr id="4" name="TextBox 3">
             <a:extLst>
               <a:ext uri="{FF2B5EF4-FFF2-40B4-BE49-F238E27FC236}">
-                <a16:creationId xmlns:a16="http://schemas.microsoft.com/office/drawing/2014/main" id="{AAA7A62B-B663-9BB3-853E-37554E612635}"/>
+                <a16:creationId xmlns:a16="http://schemas.microsoft.com/office/drawing/2014/main" xmlns="" id="{AAA7A62B-B663-9BB3-853E-37554E612635}"/>
               </a:ext>
             </a:extLst>
           </p:cNvPr>
@@ -18232,21 +18232,21 @@
                 <a:gridCol w="1640840">
                   <a:extLst>
                     <a:ext uri="{9D8B030D-6E8A-4147-A177-3AD203B41FA5}">
-                      <a16:colId xmlns:a16="http://schemas.microsoft.com/office/drawing/2014/main" val="20000"/>
+                      <a16:colId xmlns:a16="http://schemas.microsoft.com/office/drawing/2014/main" xmlns="" val="20000"/>
                     </a:ext>
                   </a:extLst>
                 </a:gridCol>
                 <a:gridCol w="1351280">
                   <a:extLst>
                     <a:ext uri="{9D8B030D-6E8A-4147-A177-3AD203B41FA5}">
-                      <a16:colId xmlns:a16="http://schemas.microsoft.com/office/drawing/2014/main" val="20001"/>
+                      <a16:colId xmlns:a16="http://schemas.microsoft.com/office/drawing/2014/main" xmlns="" val="20001"/>
                     </a:ext>
                   </a:extLst>
                 </a:gridCol>
                 <a:gridCol w="1351280">
                   <a:extLst>
                     <a:ext uri="{9D8B030D-6E8A-4147-A177-3AD203B41FA5}">
-                      <a16:colId xmlns:a16="http://schemas.microsoft.com/office/drawing/2014/main" val="20002"/>
+                      <a16:colId xmlns:a16="http://schemas.microsoft.com/office/drawing/2014/main" xmlns="" val="20002"/>
                     </a:ext>
                   </a:extLst>
                 </a:gridCol>
@@ -18471,7 +18471,7 @@
                 </a:tc>
                 <a:extLst>
                   <a:ext uri="{0D108BD9-81ED-4DB2-BD59-A6C34878D82A}">
-                    <a16:rowId xmlns:a16="http://schemas.microsoft.com/office/drawing/2014/main" val="10000"/>
+                    <a16:rowId xmlns:a16="http://schemas.microsoft.com/office/drawing/2014/main" xmlns="" val="10000"/>
                   </a:ext>
                 </a:extLst>
               </a:tr>
@@ -18695,7 +18695,7 @@
                 </a:tc>
                 <a:extLst>
                   <a:ext uri="{0D108BD9-81ED-4DB2-BD59-A6C34878D82A}">
-                    <a16:rowId xmlns:a16="http://schemas.microsoft.com/office/drawing/2014/main" val="10001"/>
+                    <a16:rowId xmlns:a16="http://schemas.microsoft.com/office/drawing/2014/main" xmlns="" val="10001"/>
                   </a:ext>
                 </a:extLst>
               </a:tr>
@@ -18930,7 +18930,7 @@
           <p:cNvPr id="4" name="TextBox 3">
             <a:extLst>
               <a:ext uri="{FF2B5EF4-FFF2-40B4-BE49-F238E27FC236}">
-                <a16:creationId xmlns:a16="http://schemas.microsoft.com/office/drawing/2014/main" id="{AAA7A62B-B663-9BB3-853E-37554E612635}"/>
+                <a16:creationId xmlns:a16="http://schemas.microsoft.com/office/drawing/2014/main" xmlns="" id="{AAA7A62B-B663-9BB3-853E-37554E612635}"/>
               </a:ext>
             </a:extLst>
           </p:cNvPr>
@@ -19066,7 +19066,7 @@
           <p:cNvPr id="7" name="그룹 1008">
             <a:extLst>
               <a:ext uri="{FF2B5EF4-FFF2-40B4-BE49-F238E27FC236}">
-                <a16:creationId xmlns:a16="http://schemas.microsoft.com/office/drawing/2014/main" id="{678F6342-C505-E8AD-ADA4-022CB2C2088E}"/>
+                <a16:creationId xmlns:a16="http://schemas.microsoft.com/office/drawing/2014/main" xmlns="" id="{678F6342-C505-E8AD-ADA4-022CB2C2088E}"/>
               </a:ext>
             </a:extLst>
           </p:cNvPr>
@@ -19086,7 +19086,7 @@
             <p:cNvPr id="8" name="그룹 1009">
               <a:extLst>
                 <a:ext uri="{FF2B5EF4-FFF2-40B4-BE49-F238E27FC236}">
-                  <a16:creationId xmlns:a16="http://schemas.microsoft.com/office/drawing/2014/main" id="{4E1F1FED-812B-9BBB-925A-84B54A077414}"/>
+                  <a16:creationId xmlns:a16="http://schemas.microsoft.com/office/drawing/2014/main" xmlns="" id="{4E1F1FED-812B-9BBB-925A-84B54A077414}"/>
                 </a:ext>
               </a:extLst>
             </p:cNvPr>
@@ -19106,7 +19106,7 @@
               <p:cNvPr id="13" name="Object 29">
                 <a:extLst>
                   <a:ext uri="{FF2B5EF4-FFF2-40B4-BE49-F238E27FC236}">
-                    <a16:creationId xmlns:a16="http://schemas.microsoft.com/office/drawing/2014/main" id="{7B078609-4286-7B00-51EB-809C8E2DE289}"/>
+                    <a16:creationId xmlns:a16="http://schemas.microsoft.com/office/drawing/2014/main" xmlns="" id="{7B078609-4286-7B00-51EB-809C8E2DE289}"/>
                   </a:ext>
                 </a:extLst>
               </p:cNvPr>
@@ -19137,7 +19137,7 @@
             <p:cNvPr id="9" name="그룹 1010">
               <a:extLst>
                 <a:ext uri="{FF2B5EF4-FFF2-40B4-BE49-F238E27FC236}">
-                  <a16:creationId xmlns:a16="http://schemas.microsoft.com/office/drawing/2014/main" id="{02A649BF-B5B5-FBAF-7DFD-E118A4DF8907}"/>
+                  <a16:creationId xmlns:a16="http://schemas.microsoft.com/office/drawing/2014/main" xmlns="" id="{02A649BF-B5B5-FBAF-7DFD-E118A4DF8907}"/>
                 </a:ext>
               </a:extLst>
             </p:cNvPr>
@@ -19157,7 +19157,7 @@
               <p:cNvPr id="12" name="Object 32">
                 <a:extLst>
                   <a:ext uri="{FF2B5EF4-FFF2-40B4-BE49-F238E27FC236}">
-                    <a16:creationId xmlns:a16="http://schemas.microsoft.com/office/drawing/2014/main" id="{2A0FFF23-B3C9-3EA0-1C1B-A87D4FF098AE}"/>
+                    <a16:creationId xmlns:a16="http://schemas.microsoft.com/office/drawing/2014/main" xmlns="" id="{2A0FFF23-B3C9-3EA0-1C1B-A87D4FF098AE}"/>
                   </a:ext>
                 </a:extLst>
               </p:cNvPr>
@@ -19188,7 +19188,7 @@
             <p:cNvPr id="10" name="그룹 1011">
               <a:extLst>
                 <a:ext uri="{FF2B5EF4-FFF2-40B4-BE49-F238E27FC236}">
-                  <a16:creationId xmlns:a16="http://schemas.microsoft.com/office/drawing/2014/main" id="{881F5410-F7FB-F261-A584-707359BAC593}"/>
+                  <a16:creationId xmlns:a16="http://schemas.microsoft.com/office/drawing/2014/main" xmlns="" id="{881F5410-F7FB-F261-A584-707359BAC593}"/>
                 </a:ext>
               </a:extLst>
             </p:cNvPr>
@@ -19208,7 +19208,7 @@
               <p:cNvPr id="11" name="Object 35">
                 <a:extLst>
                   <a:ext uri="{FF2B5EF4-FFF2-40B4-BE49-F238E27FC236}">
-                    <a16:creationId xmlns:a16="http://schemas.microsoft.com/office/drawing/2014/main" id="{4E99E669-73EB-F9F4-EFE8-DC107035C265}"/>
+                    <a16:creationId xmlns:a16="http://schemas.microsoft.com/office/drawing/2014/main" xmlns="" id="{4E99E669-73EB-F9F4-EFE8-DC107035C265}"/>
                   </a:ext>
                 </a:extLst>
               </p:cNvPr>
@@ -19263,21 +19263,21 @@
                 <a:gridCol w="1295400">
                   <a:extLst>
                     <a:ext uri="{9D8B030D-6E8A-4147-A177-3AD203B41FA5}">
-                      <a16:colId xmlns:a16="http://schemas.microsoft.com/office/drawing/2014/main" val="20000"/>
+                      <a16:colId xmlns:a16="http://schemas.microsoft.com/office/drawing/2014/main" xmlns="" val="20000"/>
                     </a:ext>
                   </a:extLst>
                 </a:gridCol>
                 <a:gridCol w="1066800">
                   <a:extLst>
                     <a:ext uri="{9D8B030D-6E8A-4147-A177-3AD203B41FA5}">
-                      <a16:colId xmlns:a16="http://schemas.microsoft.com/office/drawing/2014/main" val="20001"/>
+                      <a16:colId xmlns:a16="http://schemas.microsoft.com/office/drawing/2014/main" xmlns="" val="20001"/>
                     </a:ext>
                   </a:extLst>
                 </a:gridCol>
                 <a:gridCol w="1066800">
                   <a:extLst>
                     <a:ext uri="{9D8B030D-6E8A-4147-A177-3AD203B41FA5}">
-                      <a16:colId xmlns:a16="http://schemas.microsoft.com/office/drawing/2014/main" val="20002"/>
+                      <a16:colId xmlns:a16="http://schemas.microsoft.com/office/drawing/2014/main" xmlns="" val="20002"/>
                     </a:ext>
                   </a:extLst>
                 </a:gridCol>
@@ -19504,7 +19504,7 @@
                 </a:tc>
                 <a:extLst>
                   <a:ext uri="{0D108BD9-81ED-4DB2-BD59-A6C34878D82A}">
-                    <a16:rowId xmlns:a16="http://schemas.microsoft.com/office/drawing/2014/main" val="10000"/>
+                    <a16:rowId xmlns:a16="http://schemas.microsoft.com/office/drawing/2014/main" xmlns="" val="10000"/>
                   </a:ext>
                 </a:extLst>
               </a:tr>
@@ -19730,7 +19730,7 @@
                 </a:tc>
                 <a:extLst>
                   <a:ext uri="{0D108BD9-81ED-4DB2-BD59-A6C34878D82A}">
-                    <a16:rowId xmlns:a16="http://schemas.microsoft.com/office/drawing/2014/main" val="10001"/>
+                    <a16:rowId xmlns:a16="http://schemas.microsoft.com/office/drawing/2014/main" xmlns="" val="10001"/>
                   </a:ext>
                 </a:extLst>
               </a:tr>
@@ -19956,7 +19956,7 @@
                 </a:tc>
                 <a:extLst>
                   <a:ext uri="{0D108BD9-81ED-4DB2-BD59-A6C34878D82A}">
-                    <a16:rowId xmlns:a16="http://schemas.microsoft.com/office/drawing/2014/main" val="10002"/>
+                    <a16:rowId xmlns:a16="http://schemas.microsoft.com/office/drawing/2014/main" xmlns="" val="10002"/>
                   </a:ext>
                 </a:extLst>
               </a:tr>
@@ -20182,7 +20182,7 @@
                 </a:tc>
                 <a:extLst>
                   <a:ext uri="{0D108BD9-81ED-4DB2-BD59-A6C34878D82A}">
-                    <a16:rowId xmlns:a16="http://schemas.microsoft.com/office/drawing/2014/main" val="10003"/>
+                    <a16:rowId xmlns:a16="http://schemas.microsoft.com/office/drawing/2014/main" xmlns="" val="10003"/>
                   </a:ext>
                 </a:extLst>
               </a:tr>
@@ -20408,7 +20408,7 @@
                 </a:tc>
                 <a:extLst>
                   <a:ext uri="{0D108BD9-81ED-4DB2-BD59-A6C34878D82A}">
-                    <a16:rowId xmlns:a16="http://schemas.microsoft.com/office/drawing/2014/main" val="10004"/>
+                    <a16:rowId xmlns:a16="http://schemas.microsoft.com/office/drawing/2014/main" xmlns="" val="10004"/>
                   </a:ext>
                 </a:extLst>
               </a:tr>
@@ -20469,7 +20469,7 @@
           <p:cNvPr id="18" name="그룹 1008">
             <a:extLst>
               <a:ext uri="{FF2B5EF4-FFF2-40B4-BE49-F238E27FC236}">
-                <a16:creationId xmlns:a16="http://schemas.microsoft.com/office/drawing/2014/main" id="{678F6342-C505-E8AD-ADA4-022CB2C2088E}"/>
+                <a16:creationId xmlns:a16="http://schemas.microsoft.com/office/drawing/2014/main" xmlns="" id="{678F6342-C505-E8AD-ADA4-022CB2C2088E}"/>
               </a:ext>
             </a:extLst>
           </p:cNvPr>
@@ -20489,7 +20489,7 @@
             <p:cNvPr id="19" name="그룹 1009">
               <a:extLst>
                 <a:ext uri="{FF2B5EF4-FFF2-40B4-BE49-F238E27FC236}">
-                  <a16:creationId xmlns:a16="http://schemas.microsoft.com/office/drawing/2014/main" id="{4E1F1FED-812B-9BBB-925A-84B54A077414}"/>
+                  <a16:creationId xmlns:a16="http://schemas.microsoft.com/office/drawing/2014/main" xmlns="" id="{4E1F1FED-812B-9BBB-925A-84B54A077414}"/>
                 </a:ext>
               </a:extLst>
             </p:cNvPr>
@@ -20509,7 +20509,7 @@
               <p:cNvPr id="24" name="Object 29">
                 <a:extLst>
                   <a:ext uri="{FF2B5EF4-FFF2-40B4-BE49-F238E27FC236}">
-                    <a16:creationId xmlns:a16="http://schemas.microsoft.com/office/drawing/2014/main" id="{7B078609-4286-7B00-51EB-809C8E2DE289}"/>
+                    <a16:creationId xmlns:a16="http://schemas.microsoft.com/office/drawing/2014/main" xmlns="" id="{7B078609-4286-7B00-51EB-809C8E2DE289}"/>
                   </a:ext>
                 </a:extLst>
               </p:cNvPr>
@@ -20540,7 +20540,7 @@
             <p:cNvPr id="20" name="그룹 1010">
               <a:extLst>
                 <a:ext uri="{FF2B5EF4-FFF2-40B4-BE49-F238E27FC236}">
-                  <a16:creationId xmlns:a16="http://schemas.microsoft.com/office/drawing/2014/main" id="{02A649BF-B5B5-FBAF-7DFD-E118A4DF8907}"/>
+                  <a16:creationId xmlns:a16="http://schemas.microsoft.com/office/drawing/2014/main" xmlns="" id="{02A649BF-B5B5-FBAF-7DFD-E118A4DF8907}"/>
                 </a:ext>
               </a:extLst>
             </p:cNvPr>
@@ -20560,7 +20560,7 @@
               <p:cNvPr id="23" name="Object 32">
                 <a:extLst>
                   <a:ext uri="{FF2B5EF4-FFF2-40B4-BE49-F238E27FC236}">
-                    <a16:creationId xmlns:a16="http://schemas.microsoft.com/office/drawing/2014/main" id="{2A0FFF23-B3C9-3EA0-1C1B-A87D4FF098AE}"/>
+                    <a16:creationId xmlns:a16="http://schemas.microsoft.com/office/drawing/2014/main" xmlns="" id="{2A0FFF23-B3C9-3EA0-1C1B-A87D4FF098AE}"/>
                   </a:ext>
                 </a:extLst>
               </p:cNvPr>
@@ -20591,7 +20591,7 @@
             <p:cNvPr id="21" name="그룹 1011">
               <a:extLst>
                 <a:ext uri="{FF2B5EF4-FFF2-40B4-BE49-F238E27FC236}">
-                  <a16:creationId xmlns:a16="http://schemas.microsoft.com/office/drawing/2014/main" id="{881F5410-F7FB-F261-A584-707359BAC593}"/>
+                  <a16:creationId xmlns:a16="http://schemas.microsoft.com/office/drawing/2014/main" xmlns="" id="{881F5410-F7FB-F261-A584-707359BAC593}"/>
                 </a:ext>
               </a:extLst>
             </p:cNvPr>
@@ -20611,7 +20611,7 @@
               <p:cNvPr id="22" name="Object 35">
                 <a:extLst>
                   <a:ext uri="{FF2B5EF4-FFF2-40B4-BE49-F238E27FC236}">
-                    <a16:creationId xmlns:a16="http://schemas.microsoft.com/office/drawing/2014/main" id="{4E99E669-73EB-F9F4-EFE8-DC107035C265}"/>
+                    <a16:creationId xmlns:a16="http://schemas.microsoft.com/office/drawing/2014/main" xmlns="" id="{4E99E669-73EB-F9F4-EFE8-DC107035C265}"/>
                   </a:ext>
                 </a:extLst>
               </p:cNvPr>
@@ -20666,21 +20666,21 @@
                 <a:gridCol w="1295400">
                   <a:extLst>
                     <a:ext uri="{9D8B030D-6E8A-4147-A177-3AD203B41FA5}">
-                      <a16:colId xmlns:a16="http://schemas.microsoft.com/office/drawing/2014/main" val="20000"/>
+                      <a16:colId xmlns:a16="http://schemas.microsoft.com/office/drawing/2014/main" xmlns="" val="20000"/>
                     </a:ext>
                   </a:extLst>
                 </a:gridCol>
                 <a:gridCol w="1066800">
                   <a:extLst>
                     <a:ext uri="{9D8B030D-6E8A-4147-A177-3AD203B41FA5}">
-                      <a16:colId xmlns:a16="http://schemas.microsoft.com/office/drawing/2014/main" val="20001"/>
+                      <a16:colId xmlns:a16="http://schemas.microsoft.com/office/drawing/2014/main" xmlns="" val="20001"/>
                     </a:ext>
                   </a:extLst>
                 </a:gridCol>
                 <a:gridCol w="1066800">
                   <a:extLst>
                     <a:ext uri="{9D8B030D-6E8A-4147-A177-3AD203B41FA5}">
-                      <a16:colId xmlns:a16="http://schemas.microsoft.com/office/drawing/2014/main" val="20002"/>
+                      <a16:colId xmlns:a16="http://schemas.microsoft.com/office/drawing/2014/main" xmlns="" val="20002"/>
                     </a:ext>
                   </a:extLst>
                 </a:gridCol>
@@ -20905,7 +20905,7 @@
                 </a:tc>
                 <a:extLst>
                   <a:ext uri="{0D108BD9-81ED-4DB2-BD59-A6C34878D82A}">
-                    <a16:rowId xmlns:a16="http://schemas.microsoft.com/office/drawing/2014/main" val="10000"/>
+                    <a16:rowId xmlns:a16="http://schemas.microsoft.com/office/drawing/2014/main" xmlns="" val="10000"/>
                   </a:ext>
                 </a:extLst>
               </a:tr>
@@ -21129,7 +21129,7 @@
                 </a:tc>
                 <a:extLst>
                   <a:ext uri="{0D108BD9-81ED-4DB2-BD59-A6C34878D82A}">
-                    <a16:rowId xmlns:a16="http://schemas.microsoft.com/office/drawing/2014/main" val="10001"/>
+                    <a16:rowId xmlns:a16="http://schemas.microsoft.com/office/drawing/2014/main" xmlns="" val="10001"/>
                   </a:ext>
                 </a:extLst>
               </a:tr>
@@ -21353,7 +21353,7 @@
                 </a:tc>
                 <a:extLst>
                   <a:ext uri="{0D108BD9-81ED-4DB2-BD59-A6C34878D82A}">
-                    <a16:rowId xmlns:a16="http://schemas.microsoft.com/office/drawing/2014/main" val="10002"/>
+                    <a16:rowId xmlns:a16="http://schemas.microsoft.com/office/drawing/2014/main" xmlns="" val="10002"/>
                   </a:ext>
                 </a:extLst>
               </a:tr>
@@ -21583,7 +21583,7 @@
                 </a:tc>
                 <a:extLst>
                   <a:ext uri="{0D108BD9-81ED-4DB2-BD59-A6C34878D82A}">
-                    <a16:rowId xmlns:a16="http://schemas.microsoft.com/office/drawing/2014/main" val="10003"/>
+                    <a16:rowId xmlns:a16="http://schemas.microsoft.com/office/drawing/2014/main" xmlns="" val="10003"/>
                   </a:ext>
                 </a:extLst>
               </a:tr>
@@ -21807,7 +21807,7 @@
                 </a:tc>
                 <a:extLst>
                   <a:ext uri="{0D108BD9-81ED-4DB2-BD59-A6C34878D82A}">
-                    <a16:rowId xmlns:a16="http://schemas.microsoft.com/office/drawing/2014/main" val="10004"/>
+                    <a16:rowId xmlns:a16="http://schemas.microsoft.com/office/drawing/2014/main" xmlns="" val="10004"/>
                   </a:ext>
                 </a:extLst>
               </a:tr>
@@ -22105,7 +22105,7 @@
           <p:cNvPr id="4" name="TextBox 3">
             <a:extLst>
               <a:ext uri="{FF2B5EF4-FFF2-40B4-BE49-F238E27FC236}">
-                <a16:creationId xmlns:a16="http://schemas.microsoft.com/office/drawing/2014/main" id="{AAA7A62B-B663-9BB3-853E-37554E612635}"/>
+                <a16:creationId xmlns:a16="http://schemas.microsoft.com/office/drawing/2014/main" xmlns="" id="{AAA7A62B-B663-9BB3-853E-37554E612635}"/>
               </a:ext>
             </a:extLst>
           </p:cNvPr>
@@ -22231,7 +22231,7 @@
           <p:cNvPr id="7" name="직선 화살표 연결선 6">
             <a:extLst>
               <a:ext uri="{FF2B5EF4-FFF2-40B4-BE49-F238E27FC236}">
-                <a16:creationId xmlns:a16="http://schemas.microsoft.com/office/drawing/2014/main" id="{299DF5EC-9DF4-5255-06AC-0A7CE4FF58C3}"/>
+                <a16:creationId xmlns:a16="http://schemas.microsoft.com/office/drawing/2014/main" xmlns="" id="{299DF5EC-9DF4-5255-06AC-0A7CE4FF58C3}"/>
               </a:ext>
             </a:extLst>
           </p:cNvPr>
@@ -22272,7 +22272,7 @@
           <p:cNvPr id="9" name="직사각형 8">
             <a:extLst>
               <a:ext uri="{FF2B5EF4-FFF2-40B4-BE49-F238E27FC236}">
-                <a16:creationId xmlns:a16="http://schemas.microsoft.com/office/drawing/2014/main" id="{FFF506F9-840A-0508-4CAF-3AC711D8D5CE}"/>
+                <a16:creationId xmlns:a16="http://schemas.microsoft.com/office/drawing/2014/main" xmlns="" id="{FFF506F9-840A-0508-4CAF-3AC711D8D5CE}"/>
               </a:ext>
             </a:extLst>
           </p:cNvPr>
@@ -22324,7 +22324,7 @@
           <p:cNvPr id="11" name="TextBox 10">
             <a:extLst>
               <a:ext uri="{FF2B5EF4-FFF2-40B4-BE49-F238E27FC236}">
-                <a16:creationId xmlns:a16="http://schemas.microsoft.com/office/drawing/2014/main" id="{C6D113C6-EA5C-788F-0C77-E7CE6EBB865F}"/>
+                <a16:creationId xmlns:a16="http://schemas.microsoft.com/office/drawing/2014/main" xmlns="" id="{C6D113C6-EA5C-788F-0C77-E7CE6EBB865F}"/>
               </a:ext>
             </a:extLst>
           </p:cNvPr>
@@ -22689,7 +22689,7 @@
           <p:cNvPr id="4" name="TextBox 3">
             <a:extLst>
               <a:ext uri="{FF2B5EF4-FFF2-40B4-BE49-F238E27FC236}">
-                <a16:creationId xmlns:a16="http://schemas.microsoft.com/office/drawing/2014/main" id="{AAA7A62B-B663-9BB3-853E-37554E612635}"/>
+                <a16:creationId xmlns:a16="http://schemas.microsoft.com/office/drawing/2014/main" xmlns="" id="{AAA7A62B-B663-9BB3-853E-37554E612635}"/>
               </a:ext>
             </a:extLst>
           </p:cNvPr>
@@ -22747,7 +22747,7 @@
           <p:cNvPr id="6" name="TextBox 5">
             <a:extLst>
               <a:ext uri="{FF2B5EF4-FFF2-40B4-BE49-F238E27FC236}">
-                <a16:creationId xmlns:a16="http://schemas.microsoft.com/office/drawing/2014/main" id="{1411E83A-6F3E-13BA-B84D-07D6B1588D85}"/>
+                <a16:creationId xmlns:a16="http://schemas.microsoft.com/office/drawing/2014/main" xmlns="" id="{1411E83A-6F3E-13BA-B84D-07D6B1588D85}"/>
               </a:ext>
             </a:extLst>
           </p:cNvPr>
@@ -23049,7 +23049,7 @@
           <p:cNvPr id="8" name="TextBox 7">
             <a:extLst>
               <a:ext uri="{FF2B5EF4-FFF2-40B4-BE49-F238E27FC236}">
-                <a16:creationId xmlns:a16="http://schemas.microsoft.com/office/drawing/2014/main" id="{1411E83A-6F3E-13BA-B84D-07D6B1588D85}"/>
+                <a16:creationId xmlns:a16="http://schemas.microsoft.com/office/drawing/2014/main" xmlns="" id="{1411E83A-6F3E-13BA-B84D-07D6B1588D85}"/>
               </a:ext>
             </a:extLst>
           </p:cNvPr>
@@ -23177,7 +23177,7 @@
           <p:cNvPr id="11" name="TextBox 10">
             <a:extLst>
               <a:ext uri="{FF2B5EF4-FFF2-40B4-BE49-F238E27FC236}">
-                <a16:creationId xmlns:a16="http://schemas.microsoft.com/office/drawing/2014/main" id="{1411E83A-6F3E-13BA-B84D-07D6B1588D85}"/>
+                <a16:creationId xmlns:a16="http://schemas.microsoft.com/office/drawing/2014/main" xmlns="" id="{1411E83A-6F3E-13BA-B84D-07D6B1588D85}"/>
               </a:ext>
             </a:extLst>
           </p:cNvPr>
@@ -23477,7 +23477,7 @@
           <p:cNvPr id="4" name="TextBox 3">
             <a:extLst>
               <a:ext uri="{FF2B5EF4-FFF2-40B4-BE49-F238E27FC236}">
-                <a16:creationId xmlns:a16="http://schemas.microsoft.com/office/drawing/2014/main" id="{AAA7A62B-B663-9BB3-853E-37554E612635}"/>
+                <a16:creationId xmlns:a16="http://schemas.microsoft.com/office/drawing/2014/main" xmlns="" id="{AAA7A62B-B663-9BB3-853E-37554E612635}"/>
               </a:ext>
             </a:extLst>
           </p:cNvPr>
@@ -23572,21 +23572,21 @@
                 <a:gridCol w="1295400">
                   <a:extLst>
                     <a:ext uri="{9D8B030D-6E8A-4147-A177-3AD203B41FA5}">
-                      <a16:colId xmlns:a16="http://schemas.microsoft.com/office/drawing/2014/main" val="20000"/>
+                      <a16:colId xmlns:a16="http://schemas.microsoft.com/office/drawing/2014/main" xmlns="" val="20000"/>
                     </a:ext>
                   </a:extLst>
                 </a:gridCol>
                 <a:gridCol w="1066800">
                   <a:extLst>
                     <a:ext uri="{9D8B030D-6E8A-4147-A177-3AD203B41FA5}">
-                      <a16:colId xmlns:a16="http://schemas.microsoft.com/office/drawing/2014/main" val="20001"/>
+                      <a16:colId xmlns:a16="http://schemas.microsoft.com/office/drawing/2014/main" xmlns="" val="20001"/>
                     </a:ext>
                   </a:extLst>
                 </a:gridCol>
                 <a:gridCol w="1066800">
                   <a:extLst>
                     <a:ext uri="{9D8B030D-6E8A-4147-A177-3AD203B41FA5}">
-                      <a16:colId xmlns:a16="http://schemas.microsoft.com/office/drawing/2014/main" val="20002"/>
+                      <a16:colId xmlns:a16="http://schemas.microsoft.com/office/drawing/2014/main" xmlns="" val="20002"/>
                     </a:ext>
                   </a:extLst>
                 </a:gridCol>
@@ -23811,7 +23811,7 @@
                 </a:tc>
                 <a:extLst>
                   <a:ext uri="{0D108BD9-81ED-4DB2-BD59-A6C34878D82A}">
-                    <a16:rowId xmlns:a16="http://schemas.microsoft.com/office/drawing/2014/main" val="10000"/>
+                    <a16:rowId xmlns:a16="http://schemas.microsoft.com/office/drawing/2014/main" xmlns="" val="10000"/>
                   </a:ext>
                 </a:extLst>
               </a:tr>
@@ -24035,7 +24035,7 @@
                 </a:tc>
                 <a:extLst>
                   <a:ext uri="{0D108BD9-81ED-4DB2-BD59-A6C34878D82A}">
-                    <a16:rowId xmlns:a16="http://schemas.microsoft.com/office/drawing/2014/main" val="10001"/>
+                    <a16:rowId xmlns:a16="http://schemas.microsoft.com/office/drawing/2014/main" xmlns="" val="10001"/>
                   </a:ext>
                 </a:extLst>
               </a:tr>
@@ -24259,7 +24259,7 @@
                 </a:tc>
                 <a:extLst>
                   <a:ext uri="{0D108BD9-81ED-4DB2-BD59-A6C34878D82A}">
-                    <a16:rowId xmlns:a16="http://schemas.microsoft.com/office/drawing/2014/main" val="10002"/>
+                    <a16:rowId xmlns:a16="http://schemas.microsoft.com/office/drawing/2014/main" xmlns="" val="10002"/>
                   </a:ext>
                 </a:extLst>
               </a:tr>
@@ -24483,7 +24483,7 @@
                 </a:tc>
                 <a:extLst>
                   <a:ext uri="{0D108BD9-81ED-4DB2-BD59-A6C34878D82A}">
-                    <a16:rowId xmlns:a16="http://schemas.microsoft.com/office/drawing/2014/main" val="10003"/>
+                    <a16:rowId xmlns:a16="http://schemas.microsoft.com/office/drawing/2014/main" xmlns="" val="10003"/>
                   </a:ext>
                 </a:extLst>
               </a:tr>
@@ -24707,7 +24707,7 @@
                 </a:tc>
                 <a:extLst>
                   <a:ext uri="{0D108BD9-81ED-4DB2-BD59-A6C34878D82A}">
-                    <a16:rowId xmlns:a16="http://schemas.microsoft.com/office/drawing/2014/main" val="10004"/>
+                    <a16:rowId xmlns:a16="http://schemas.microsoft.com/office/drawing/2014/main" xmlns="" val="10004"/>
                   </a:ext>
                 </a:extLst>
               </a:tr>
@@ -24767,7 +24767,7 @@
                 <a:gridCol w="1295400">
                   <a:extLst>
                     <a:ext uri="{9D8B030D-6E8A-4147-A177-3AD203B41FA5}">
-                      <a16:colId xmlns:a16="http://schemas.microsoft.com/office/drawing/2014/main" val="20000"/>
+                      <a16:colId xmlns:a16="http://schemas.microsoft.com/office/drawing/2014/main" xmlns="" val="20000"/>
                     </a:ext>
                   </a:extLst>
                 </a:gridCol>
@@ -24842,7 +24842,7 @@
                 </a:tc>
                 <a:extLst>
                   <a:ext uri="{0D108BD9-81ED-4DB2-BD59-A6C34878D82A}">
-                    <a16:rowId xmlns:a16="http://schemas.microsoft.com/office/drawing/2014/main" val="10000"/>
+                    <a16:rowId xmlns:a16="http://schemas.microsoft.com/office/drawing/2014/main" xmlns="" val="10000"/>
                   </a:ext>
                 </a:extLst>
               </a:tr>
@@ -24916,7 +24916,7 @@
                 </a:tc>
                 <a:extLst>
                   <a:ext uri="{0D108BD9-81ED-4DB2-BD59-A6C34878D82A}">
-                    <a16:rowId xmlns:a16="http://schemas.microsoft.com/office/drawing/2014/main" val="10001"/>
+                    <a16:rowId xmlns:a16="http://schemas.microsoft.com/office/drawing/2014/main" xmlns="" val="10001"/>
                   </a:ext>
                 </a:extLst>
               </a:tr>
@@ -24990,7 +24990,7 @@
                 </a:tc>
                 <a:extLst>
                   <a:ext uri="{0D108BD9-81ED-4DB2-BD59-A6C34878D82A}">
-                    <a16:rowId xmlns:a16="http://schemas.microsoft.com/office/drawing/2014/main" val="10002"/>
+                    <a16:rowId xmlns:a16="http://schemas.microsoft.com/office/drawing/2014/main" xmlns="" val="10002"/>
                   </a:ext>
                 </a:extLst>
               </a:tr>
@@ -25064,7 +25064,7 @@
                 </a:tc>
                 <a:extLst>
                   <a:ext uri="{0D108BD9-81ED-4DB2-BD59-A6C34878D82A}">
-                    <a16:rowId xmlns:a16="http://schemas.microsoft.com/office/drawing/2014/main" val="10003"/>
+                    <a16:rowId xmlns:a16="http://schemas.microsoft.com/office/drawing/2014/main" xmlns="" val="10003"/>
                   </a:ext>
                 </a:extLst>
               </a:tr>
@@ -25138,7 +25138,7 @@
                 </a:tc>
                 <a:extLst>
                   <a:ext uri="{0D108BD9-81ED-4DB2-BD59-A6C34878D82A}">
-                    <a16:rowId xmlns:a16="http://schemas.microsoft.com/office/drawing/2014/main" val="10004"/>
+                    <a16:rowId xmlns:a16="http://schemas.microsoft.com/office/drawing/2014/main" xmlns="" val="10004"/>
                   </a:ext>
                 </a:extLst>
               </a:tr>
@@ -25223,7 +25223,7 @@
           <p:cNvPr id="13" name="직선 화살표 연결선 12">
             <a:extLst>
               <a:ext uri="{FF2B5EF4-FFF2-40B4-BE49-F238E27FC236}">
-                <a16:creationId xmlns:a16="http://schemas.microsoft.com/office/drawing/2014/main" id="{299DF5EC-9DF4-5255-06AC-0A7CE4FF58C3}"/>
+                <a16:creationId xmlns:a16="http://schemas.microsoft.com/office/drawing/2014/main" xmlns="" id="{299DF5EC-9DF4-5255-06AC-0A7CE4FF58C3}"/>
               </a:ext>
             </a:extLst>
           </p:cNvPr>
@@ -25264,7 +25264,7 @@
           <p:cNvPr id="15" name="직선 화살표 연결선 14">
             <a:extLst>
               <a:ext uri="{FF2B5EF4-FFF2-40B4-BE49-F238E27FC236}">
-                <a16:creationId xmlns:a16="http://schemas.microsoft.com/office/drawing/2014/main" id="{299DF5EC-9DF4-5255-06AC-0A7CE4FF58C3}"/>
+                <a16:creationId xmlns:a16="http://schemas.microsoft.com/office/drawing/2014/main" xmlns="" id="{299DF5EC-9DF4-5255-06AC-0A7CE4FF58C3}"/>
               </a:ext>
             </a:extLst>
           </p:cNvPr>
@@ -25598,7 +25598,7 @@
           <p:cNvPr id="2" name="TextBox 1">
             <a:extLst>
               <a:ext uri="{FF2B5EF4-FFF2-40B4-BE49-F238E27FC236}">
-                <a16:creationId xmlns:a16="http://schemas.microsoft.com/office/drawing/2014/main" id="{8D19D88B-9541-32D7-90F1-0C45C993E21C}"/>
+                <a16:creationId xmlns:a16="http://schemas.microsoft.com/office/drawing/2014/main" xmlns="" id="{8D19D88B-9541-32D7-90F1-0C45C993E21C}"/>
               </a:ext>
             </a:extLst>
           </p:cNvPr>
@@ -25671,7 +25671,7 @@
           <p:cNvPr id="4" name="TextBox 3">
             <a:extLst>
               <a:ext uri="{FF2B5EF4-FFF2-40B4-BE49-F238E27FC236}">
-                <a16:creationId xmlns:a16="http://schemas.microsoft.com/office/drawing/2014/main" id="{AAA7A62B-B663-9BB3-853E-37554E612635}"/>
+                <a16:creationId xmlns:a16="http://schemas.microsoft.com/office/drawing/2014/main" xmlns="" id="{AAA7A62B-B663-9BB3-853E-37554E612635}"/>
               </a:ext>
             </a:extLst>
           </p:cNvPr>
@@ -25743,7 +25743,7 @@
           <p:cNvPr id="6" name="TextBox 5">
             <a:extLst>
               <a:ext uri="{FF2B5EF4-FFF2-40B4-BE49-F238E27FC236}">
-                <a16:creationId xmlns:a16="http://schemas.microsoft.com/office/drawing/2014/main" id="{AAA7A62B-B663-9BB3-853E-37554E612635}"/>
+                <a16:creationId xmlns:a16="http://schemas.microsoft.com/office/drawing/2014/main" xmlns="" id="{AAA7A62B-B663-9BB3-853E-37554E612635}"/>
               </a:ext>
             </a:extLst>
           </p:cNvPr>
@@ -25854,7 +25854,7 @@
                 <a:gridCol w="1295400">
                   <a:extLst>
                     <a:ext uri="{9D8B030D-6E8A-4147-A177-3AD203B41FA5}">
-                      <a16:colId xmlns:a16="http://schemas.microsoft.com/office/drawing/2014/main" val="20000"/>
+                      <a16:colId xmlns:a16="http://schemas.microsoft.com/office/drawing/2014/main" xmlns="" val="20000"/>
                     </a:ext>
                   </a:extLst>
                 </a:gridCol>
@@ -25929,7 +25929,7 @@
                 </a:tc>
                 <a:extLst>
                   <a:ext uri="{0D108BD9-81ED-4DB2-BD59-A6C34878D82A}">
-                    <a16:rowId xmlns:a16="http://schemas.microsoft.com/office/drawing/2014/main" val="10000"/>
+                    <a16:rowId xmlns:a16="http://schemas.microsoft.com/office/drawing/2014/main" xmlns="" val="10000"/>
                   </a:ext>
                 </a:extLst>
               </a:tr>
@@ -26003,7 +26003,7 @@
                 </a:tc>
                 <a:extLst>
                   <a:ext uri="{0D108BD9-81ED-4DB2-BD59-A6C34878D82A}">
-                    <a16:rowId xmlns:a16="http://schemas.microsoft.com/office/drawing/2014/main" val="10001"/>
+                    <a16:rowId xmlns:a16="http://schemas.microsoft.com/office/drawing/2014/main" xmlns="" val="10001"/>
                   </a:ext>
                 </a:extLst>
               </a:tr>
@@ -26077,7 +26077,7 @@
                 </a:tc>
                 <a:extLst>
                   <a:ext uri="{0D108BD9-81ED-4DB2-BD59-A6C34878D82A}">
-                    <a16:rowId xmlns:a16="http://schemas.microsoft.com/office/drawing/2014/main" val="10002"/>
+                    <a16:rowId xmlns:a16="http://schemas.microsoft.com/office/drawing/2014/main" xmlns="" val="10002"/>
                   </a:ext>
                 </a:extLst>
               </a:tr>
@@ -26151,7 +26151,7 @@
                 </a:tc>
                 <a:extLst>
                   <a:ext uri="{0D108BD9-81ED-4DB2-BD59-A6C34878D82A}">
-                    <a16:rowId xmlns:a16="http://schemas.microsoft.com/office/drawing/2014/main" val="10003"/>
+                    <a16:rowId xmlns:a16="http://schemas.microsoft.com/office/drawing/2014/main" xmlns="" val="10003"/>
                   </a:ext>
                 </a:extLst>
               </a:tr>
@@ -26225,7 +26225,7 @@
                 </a:tc>
                 <a:extLst>
                   <a:ext uri="{0D108BD9-81ED-4DB2-BD59-A6C34878D82A}">
-                    <a16:rowId xmlns:a16="http://schemas.microsoft.com/office/drawing/2014/main" val="10004"/>
+                    <a16:rowId xmlns:a16="http://schemas.microsoft.com/office/drawing/2014/main" xmlns="" val="10004"/>
                   </a:ext>
                 </a:extLst>
               </a:tr>
@@ -26261,7 +26261,7 @@
                 <a:gridCol w="1295400">
                   <a:extLst>
                     <a:ext uri="{9D8B030D-6E8A-4147-A177-3AD203B41FA5}">
-                      <a16:colId xmlns:a16="http://schemas.microsoft.com/office/drawing/2014/main" val="20000"/>
+                      <a16:colId xmlns:a16="http://schemas.microsoft.com/office/drawing/2014/main" xmlns="" val="20000"/>
                     </a:ext>
                   </a:extLst>
                 </a:gridCol>
@@ -26336,7 +26336,7 @@
                 </a:tc>
                 <a:extLst>
                   <a:ext uri="{0D108BD9-81ED-4DB2-BD59-A6C34878D82A}">
-                    <a16:rowId xmlns:a16="http://schemas.microsoft.com/office/drawing/2014/main" val="10000"/>
+                    <a16:rowId xmlns:a16="http://schemas.microsoft.com/office/drawing/2014/main" xmlns="" val="10000"/>
                   </a:ext>
                 </a:extLst>
               </a:tr>
@@ -26372,7 +26372,7 @@
                 <a:gridCol w="1295400">
                   <a:extLst>
                     <a:ext uri="{9D8B030D-6E8A-4147-A177-3AD203B41FA5}">
-                      <a16:colId xmlns:a16="http://schemas.microsoft.com/office/drawing/2014/main" val="20000"/>
+                      <a16:colId xmlns:a16="http://schemas.microsoft.com/office/drawing/2014/main" xmlns="" val="20000"/>
                     </a:ext>
                   </a:extLst>
                 </a:gridCol>
@@ -26447,7 +26447,7 @@
                 </a:tc>
                 <a:extLst>
                   <a:ext uri="{0D108BD9-81ED-4DB2-BD59-A6C34878D82A}">
-                    <a16:rowId xmlns:a16="http://schemas.microsoft.com/office/drawing/2014/main" val="10000"/>
+                    <a16:rowId xmlns:a16="http://schemas.microsoft.com/office/drawing/2014/main" xmlns="" val="10000"/>
                   </a:ext>
                 </a:extLst>
               </a:tr>
@@ -26483,7 +26483,7 @@
                 <a:gridCol w="1295400">
                   <a:extLst>
                     <a:ext uri="{9D8B030D-6E8A-4147-A177-3AD203B41FA5}">
-                      <a16:colId xmlns:a16="http://schemas.microsoft.com/office/drawing/2014/main" val="20000"/>
+                      <a16:colId xmlns:a16="http://schemas.microsoft.com/office/drawing/2014/main" xmlns="" val="20000"/>
                     </a:ext>
                   </a:extLst>
                 </a:gridCol>
@@ -26558,7 +26558,7 @@
                 </a:tc>
                 <a:extLst>
                   <a:ext uri="{0D108BD9-81ED-4DB2-BD59-A6C34878D82A}">
-                    <a16:rowId xmlns:a16="http://schemas.microsoft.com/office/drawing/2014/main" val="10000"/>
+                    <a16:rowId xmlns:a16="http://schemas.microsoft.com/office/drawing/2014/main" xmlns="" val="10000"/>
                   </a:ext>
                 </a:extLst>
               </a:tr>
@@ -26594,7 +26594,7 @@
                 <a:gridCol w="1295400">
                   <a:extLst>
                     <a:ext uri="{9D8B030D-6E8A-4147-A177-3AD203B41FA5}">
-                      <a16:colId xmlns:a16="http://schemas.microsoft.com/office/drawing/2014/main" val="20000"/>
+                      <a16:colId xmlns:a16="http://schemas.microsoft.com/office/drawing/2014/main" xmlns="" val="20000"/>
                     </a:ext>
                   </a:extLst>
                 </a:gridCol>
@@ -26669,7 +26669,7 @@
                 </a:tc>
                 <a:extLst>
                   <a:ext uri="{0D108BD9-81ED-4DB2-BD59-A6C34878D82A}">
-                    <a16:rowId xmlns:a16="http://schemas.microsoft.com/office/drawing/2014/main" val="10000"/>
+                    <a16:rowId xmlns:a16="http://schemas.microsoft.com/office/drawing/2014/main" xmlns="" val="10000"/>
                   </a:ext>
                 </a:extLst>
               </a:tr>
@@ -26705,7 +26705,7 @@
                 <a:gridCol w="1295400">
                   <a:extLst>
                     <a:ext uri="{9D8B030D-6E8A-4147-A177-3AD203B41FA5}">
-                      <a16:colId xmlns:a16="http://schemas.microsoft.com/office/drawing/2014/main" val="20000"/>
+                      <a16:colId xmlns:a16="http://schemas.microsoft.com/office/drawing/2014/main" xmlns="" val="20000"/>
                     </a:ext>
                   </a:extLst>
                 </a:gridCol>
@@ -26780,7 +26780,7 @@
                 </a:tc>
                 <a:extLst>
                   <a:ext uri="{0D108BD9-81ED-4DB2-BD59-A6C34878D82A}">
-                    <a16:rowId xmlns:a16="http://schemas.microsoft.com/office/drawing/2014/main" val="10000"/>
+                    <a16:rowId xmlns:a16="http://schemas.microsoft.com/office/drawing/2014/main" xmlns="" val="10000"/>
                   </a:ext>
                 </a:extLst>
               </a:tr>
@@ -26816,7 +26816,7 @@
                 <a:gridCol w="1295400">
                   <a:extLst>
                     <a:ext uri="{9D8B030D-6E8A-4147-A177-3AD203B41FA5}">
-                      <a16:colId xmlns:a16="http://schemas.microsoft.com/office/drawing/2014/main" val="20000"/>
+                      <a16:colId xmlns:a16="http://schemas.microsoft.com/office/drawing/2014/main" xmlns="" val="20000"/>
                     </a:ext>
                   </a:extLst>
                 </a:gridCol>
@@ -26891,7 +26891,7 @@
                 </a:tc>
                 <a:extLst>
                   <a:ext uri="{0D108BD9-81ED-4DB2-BD59-A6C34878D82A}">
-                    <a16:rowId xmlns:a16="http://schemas.microsoft.com/office/drawing/2014/main" val="10000"/>
+                    <a16:rowId xmlns:a16="http://schemas.microsoft.com/office/drawing/2014/main" xmlns="" val="10000"/>
                   </a:ext>
                 </a:extLst>
               </a:tr>
@@ -26927,7 +26927,7 @@
                 <a:gridCol w="1295400">
                   <a:extLst>
                     <a:ext uri="{9D8B030D-6E8A-4147-A177-3AD203B41FA5}">
-                      <a16:colId xmlns:a16="http://schemas.microsoft.com/office/drawing/2014/main" val="20000"/>
+                      <a16:colId xmlns:a16="http://schemas.microsoft.com/office/drawing/2014/main" xmlns="" val="20000"/>
                     </a:ext>
                   </a:extLst>
                 </a:gridCol>
@@ -27002,7 +27002,7 @@
                 </a:tc>
                 <a:extLst>
                   <a:ext uri="{0D108BD9-81ED-4DB2-BD59-A6C34878D82A}">
-                    <a16:rowId xmlns:a16="http://schemas.microsoft.com/office/drawing/2014/main" val="10000"/>
+                    <a16:rowId xmlns:a16="http://schemas.microsoft.com/office/drawing/2014/main" xmlns="" val="10000"/>
                   </a:ext>
                 </a:extLst>
               </a:tr>
@@ -27038,7 +27038,7 @@
                 <a:gridCol w="1295400">
                   <a:extLst>
                     <a:ext uri="{9D8B030D-6E8A-4147-A177-3AD203B41FA5}">
-                      <a16:colId xmlns:a16="http://schemas.microsoft.com/office/drawing/2014/main" val="20000"/>
+                      <a16:colId xmlns:a16="http://schemas.microsoft.com/office/drawing/2014/main" xmlns="" val="20000"/>
                     </a:ext>
                   </a:extLst>
                 </a:gridCol>
@@ -27113,7 +27113,7 @@
                 </a:tc>
                 <a:extLst>
                   <a:ext uri="{0D108BD9-81ED-4DB2-BD59-A6C34878D82A}">
-                    <a16:rowId xmlns:a16="http://schemas.microsoft.com/office/drawing/2014/main" val="10000"/>
+                    <a16:rowId xmlns:a16="http://schemas.microsoft.com/office/drawing/2014/main" xmlns="" val="10000"/>
                   </a:ext>
                 </a:extLst>
               </a:tr>
@@ -27149,7 +27149,7 @@
                 <a:gridCol w="1295400">
                   <a:extLst>
                     <a:ext uri="{9D8B030D-6E8A-4147-A177-3AD203B41FA5}">
-                      <a16:colId xmlns:a16="http://schemas.microsoft.com/office/drawing/2014/main" val="20000"/>
+                      <a16:colId xmlns:a16="http://schemas.microsoft.com/office/drawing/2014/main" xmlns="" val="20000"/>
                     </a:ext>
                   </a:extLst>
                 </a:gridCol>
@@ -27224,7 +27224,7 @@
                 </a:tc>
                 <a:extLst>
                   <a:ext uri="{0D108BD9-81ED-4DB2-BD59-A6C34878D82A}">
-                    <a16:rowId xmlns:a16="http://schemas.microsoft.com/office/drawing/2014/main" val="10000"/>
+                    <a16:rowId xmlns:a16="http://schemas.microsoft.com/office/drawing/2014/main" xmlns="" val="10000"/>
                   </a:ext>
                 </a:extLst>
               </a:tr>
@@ -27260,7 +27260,7 @@
                 <a:gridCol w="1295400">
                   <a:extLst>
                     <a:ext uri="{9D8B030D-6E8A-4147-A177-3AD203B41FA5}">
-                      <a16:colId xmlns:a16="http://schemas.microsoft.com/office/drawing/2014/main" val="20000"/>
+                      <a16:colId xmlns:a16="http://schemas.microsoft.com/office/drawing/2014/main" xmlns="" val="20000"/>
                     </a:ext>
                   </a:extLst>
                 </a:gridCol>
@@ -27335,7 +27335,7 @@
                 </a:tc>
                 <a:extLst>
                   <a:ext uri="{0D108BD9-81ED-4DB2-BD59-A6C34878D82A}">
-                    <a16:rowId xmlns:a16="http://schemas.microsoft.com/office/drawing/2014/main" val="10000"/>
+                    <a16:rowId xmlns:a16="http://schemas.microsoft.com/office/drawing/2014/main" xmlns="" val="10000"/>
                   </a:ext>
                 </a:extLst>
               </a:tr>
@@ -27371,7 +27371,7 @@
                 <a:gridCol w="1295400">
                   <a:extLst>
                     <a:ext uri="{9D8B030D-6E8A-4147-A177-3AD203B41FA5}">
-                      <a16:colId xmlns:a16="http://schemas.microsoft.com/office/drawing/2014/main" val="20000"/>
+                      <a16:colId xmlns:a16="http://schemas.microsoft.com/office/drawing/2014/main" xmlns="" val="20000"/>
                     </a:ext>
                   </a:extLst>
                 </a:gridCol>
@@ -27446,7 +27446,7 @@
                 </a:tc>
                 <a:extLst>
                   <a:ext uri="{0D108BD9-81ED-4DB2-BD59-A6C34878D82A}">
-                    <a16:rowId xmlns:a16="http://schemas.microsoft.com/office/drawing/2014/main" val="10000"/>
+                    <a16:rowId xmlns:a16="http://schemas.microsoft.com/office/drawing/2014/main" xmlns="" val="10000"/>
                   </a:ext>
                 </a:extLst>
               </a:tr>
@@ -27986,7 +27986,7 @@
           <p:cNvPr id="5" name="Object 2">
             <a:extLst>
               <a:ext uri="{FF2B5EF4-FFF2-40B4-BE49-F238E27FC236}">
-                <a16:creationId xmlns:a16="http://schemas.microsoft.com/office/drawing/2014/main" id="{EB9768FE-76B0-709F-3C4D-0ECBB41147CD}"/>
+                <a16:creationId xmlns:a16="http://schemas.microsoft.com/office/drawing/2014/main" xmlns="" id="{EB9768FE-76B0-709F-3C4D-0ECBB41147CD}"/>
               </a:ext>
             </a:extLst>
           </p:cNvPr>
@@ -28016,7 +28016,7 @@
           <p:cNvPr id="7" name="그룹 1001">
             <a:extLst>
               <a:ext uri="{FF2B5EF4-FFF2-40B4-BE49-F238E27FC236}">
-                <a16:creationId xmlns:a16="http://schemas.microsoft.com/office/drawing/2014/main" id="{0637F47C-891C-2B90-8647-32B84C264D42}"/>
+                <a16:creationId xmlns:a16="http://schemas.microsoft.com/office/drawing/2014/main" xmlns="" id="{0637F47C-891C-2B90-8647-32B84C264D42}"/>
               </a:ext>
             </a:extLst>
           </p:cNvPr>
@@ -28036,7 +28036,7 @@
             <p:cNvPr id="8" name="Object 5">
               <a:extLst>
                 <a:ext uri="{FF2B5EF4-FFF2-40B4-BE49-F238E27FC236}">
-                  <a16:creationId xmlns:a16="http://schemas.microsoft.com/office/drawing/2014/main" id="{710F969D-8259-9328-33C3-C6DB500C60D4}"/>
+                  <a16:creationId xmlns:a16="http://schemas.microsoft.com/office/drawing/2014/main" xmlns="" id="{710F969D-8259-9328-33C3-C6DB500C60D4}"/>
                 </a:ext>
               </a:extLst>
             </p:cNvPr>
@@ -28067,7 +28067,7 @@
           <p:cNvPr id="9" name="그룹 1002">
             <a:extLst>
               <a:ext uri="{FF2B5EF4-FFF2-40B4-BE49-F238E27FC236}">
-                <a16:creationId xmlns:a16="http://schemas.microsoft.com/office/drawing/2014/main" id="{A87796A8-251B-F38A-5AE9-11F8D847B25D}"/>
+                <a16:creationId xmlns:a16="http://schemas.microsoft.com/office/drawing/2014/main" xmlns="" id="{A87796A8-251B-F38A-5AE9-11F8D847B25D}"/>
               </a:ext>
             </a:extLst>
           </p:cNvPr>
@@ -28087,7 +28087,7 @@
             <p:cNvPr id="10" name="Object 8">
               <a:extLst>
                 <a:ext uri="{FF2B5EF4-FFF2-40B4-BE49-F238E27FC236}">
-                  <a16:creationId xmlns:a16="http://schemas.microsoft.com/office/drawing/2014/main" id="{9E806C19-D323-E705-F3B8-EEABB39F0993}"/>
+                  <a16:creationId xmlns:a16="http://schemas.microsoft.com/office/drawing/2014/main" xmlns="" id="{9E806C19-D323-E705-F3B8-EEABB39F0993}"/>
                 </a:ext>
               </a:extLst>
             </p:cNvPr>
@@ -28118,7 +28118,7 @@
           <p:cNvPr id="11" name="그룹 1003">
             <a:extLst>
               <a:ext uri="{FF2B5EF4-FFF2-40B4-BE49-F238E27FC236}">
-                <a16:creationId xmlns:a16="http://schemas.microsoft.com/office/drawing/2014/main" id="{701795E0-24B6-38E6-7308-FED7AD2B6900}"/>
+                <a16:creationId xmlns:a16="http://schemas.microsoft.com/office/drawing/2014/main" xmlns="" id="{701795E0-24B6-38E6-7308-FED7AD2B6900}"/>
               </a:ext>
             </a:extLst>
           </p:cNvPr>
@@ -28138,7 +28138,7 @@
             <p:cNvPr id="12" name="Object 11">
               <a:extLst>
                 <a:ext uri="{FF2B5EF4-FFF2-40B4-BE49-F238E27FC236}">
-                  <a16:creationId xmlns:a16="http://schemas.microsoft.com/office/drawing/2014/main" id="{D8C68167-7FB5-1F8E-D53C-DEA682F465F5}"/>
+                  <a16:creationId xmlns:a16="http://schemas.microsoft.com/office/drawing/2014/main" xmlns="" id="{D8C68167-7FB5-1F8E-D53C-DEA682F465F5}"/>
                 </a:ext>
               </a:extLst>
             </p:cNvPr>
@@ -28169,7 +28169,7 @@
           <p:cNvPr id="13" name="그룹 1004">
             <a:extLst>
               <a:ext uri="{FF2B5EF4-FFF2-40B4-BE49-F238E27FC236}">
-                <a16:creationId xmlns:a16="http://schemas.microsoft.com/office/drawing/2014/main" id="{03226A72-764D-99F3-A14F-47C351CB448B}"/>
+                <a16:creationId xmlns:a16="http://schemas.microsoft.com/office/drawing/2014/main" xmlns="" id="{03226A72-764D-99F3-A14F-47C351CB448B}"/>
               </a:ext>
             </a:extLst>
           </p:cNvPr>
@@ -28189,7 +28189,7 @@
             <p:cNvPr id="14" name="Object 14">
               <a:extLst>
                 <a:ext uri="{FF2B5EF4-FFF2-40B4-BE49-F238E27FC236}">
-                  <a16:creationId xmlns:a16="http://schemas.microsoft.com/office/drawing/2014/main" id="{77C5B9A8-AEBA-093B-4CD6-4F1ECF519068}"/>
+                  <a16:creationId xmlns:a16="http://schemas.microsoft.com/office/drawing/2014/main" xmlns="" id="{77C5B9A8-AEBA-093B-4CD6-4F1ECF519068}"/>
                 </a:ext>
               </a:extLst>
             </p:cNvPr>
@@ -28220,7 +28220,7 @@
           <p:cNvPr id="15" name="TextBox 14">
             <a:extLst>
               <a:ext uri="{FF2B5EF4-FFF2-40B4-BE49-F238E27FC236}">
-                <a16:creationId xmlns:a16="http://schemas.microsoft.com/office/drawing/2014/main" id="{E44AB10B-96D7-19D1-5C7A-D2761E62F16E}"/>
+                <a16:creationId xmlns:a16="http://schemas.microsoft.com/office/drawing/2014/main" xmlns="" id="{E44AB10B-96D7-19D1-5C7A-D2761E62F16E}"/>
               </a:ext>
             </a:extLst>
           </p:cNvPr>
@@ -28298,7 +28298,7 @@
           <p:cNvPr id="4" name="TextBox 3">
             <a:extLst>
               <a:ext uri="{FF2B5EF4-FFF2-40B4-BE49-F238E27FC236}">
-                <a16:creationId xmlns:a16="http://schemas.microsoft.com/office/drawing/2014/main" id="{5ADC00B6-990A-40DC-3CEA-505258F5E8DA}"/>
+                <a16:creationId xmlns:a16="http://schemas.microsoft.com/office/drawing/2014/main" xmlns="" id="{5ADC00B6-990A-40DC-3CEA-505258F5E8DA}"/>
               </a:ext>
             </a:extLst>
           </p:cNvPr>
@@ -28356,7 +28356,7 @@
           <p:cNvPr id="5" name="TextBox 4">
             <a:extLst>
               <a:ext uri="{FF2B5EF4-FFF2-40B4-BE49-F238E27FC236}">
-                <a16:creationId xmlns:a16="http://schemas.microsoft.com/office/drawing/2014/main" id="{4EDAA912-8FA0-0F11-119B-EA9F8B36A489}"/>
+                <a16:creationId xmlns:a16="http://schemas.microsoft.com/office/drawing/2014/main" xmlns="" id="{4EDAA912-8FA0-0F11-119B-EA9F8B36A489}"/>
               </a:ext>
             </a:extLst>
           </p:cNvPr>
@@ -28647,7 +28647,7 @@
           <p:cNvPr id="7" name="TextBox 6">
             <a:extLst>
               <a:ext uri="{FF2B5EF4-FFF2-40B4-BE49-F238E27FC236}">
-                <a16:creationId xmlns:a16="http://schemas.microsoft.com/office/drawing/2014/main" id="{5ADC00B6-990A-40DC-3CEA-505258F5E8DA}"/>
+                <a16:creationId xmlns:a16="http://schemas.microsoft.com/office/drawing/2014/main" xmlns="" id="{5ADC00B6-990A-40DC-3CEA-505258F5E8DA}"/>
               </a:ext>
             </a:extLst>
           </p:cNvPr>
@@ -28705,7 +28705,7 @@
           <p:cNvPr id="8" name="TextBox 7">
             <a:extLst>
               <a:ext uri="{FF2B5EF4-FFF2-40B4-BE49-F238E27FC236}">
-                <a16:creationId xmlns:a16="http://schemas.microsoft.com/office/drawing/2014/main" id="{4EDAA912-8FA0-0F11-119B-EA9F8B36A489}"/>
+                <a16:creationId xmlns:a16="http://schemas.microsoft.com/office/drawing/2014/main" xmlns="" id="{4EDAA912-8FA0-0F11-119B-EA9F8B36A489}"/>
               </a:ext>
             </a:extLst>
           </p:cNvPr>
@@ -28773,7 +28773,7 @@
           <p:cNvPr id="10" name="TextBox 9">
             <a:extLst>
               <a:ext uri="{FF2B5EF4-FFF2-40B4-BE49-F238E27FC236}">
-                <a16:creationId xmlns:a16="http://schemas.microsoft.com/office/drawing/2014/main" id="{5ADC00B6-990A-40DC-3CEA-505258F5E8DA}"/>
+                <a16:creationId xmlns:a16="http://schemas.microsoft.com/office/drawing/2014/main" xmlns="" id="{5ADC00B6-990A-40DC-3CEA-505258F5E8DA}"/>
               </a:ext>
             </a:extLst>
           </p:cNvPr>
@@ -28831,7 +28831,7 @@
           <p:cNvPr id="12" name="TextBox 11">
             <a:extLst>
               <a:ext uri="{FF2B5EF4-FFF2-40B4-BE49-F238E27FC236}">
-                <a16:creationId xmlns:a16="http://schemas.microsoft.com/office/drawing/2014/main" id="{4EDAA912-8FA0-0F11-119B-EA9F8B36A489}"/>
+                <a16:creationId xmlns:a16="http://schemas.microsoft.com/office/drawing/2014/main" xmlns="" id="{4EDAA912-8FA0-0F11-119B-EA9F8B36A489}"/>
               </a:ext>
             </a:extLst>
           </p:cNvPr>
@@ -29287,7 +29287,7 @@
           <p:cNvPr id="2" name="TextBox 1">
             <a:extLst>
               <a:ext uri="{FF2B5EF4-FFF2-40B4-BE49-F238E27FC236}">
-                <a16:creationId xmlns:a16="http://schemas.microsoft.com/office/drawing/2014/main" id="{715D88A2-BD52-978B-A00A-540446126E3D}"/>
+                <a16:creationId xmlns:a16="http://schemas.microsoft.com/office/drawing/2014/main" xmlns="" id="{715D88A2-BD52-978B-A00A-540446126E3D}"/>
               </a:ext>
             </a:extLst>
           </p:cNvPr>
@@ -29360,7 +29360,7 @@
           <p:cNvPr id="32" name="TextBox 31">
             <a:extLst>
               <a:ext uri="{FF2B5EF4-FFF2-40B4-BE49-F238E27FC236}">
-                <a16:creationId xmlns:a16="http://schemas.microsoft.com/office/drawing/2014/main" id="{5ADC00B6-990A-40DC-3CEA-505258F5E8DA}"/>
+                <a16:creationId xmlns:a16="http://schemas.microsoft.com/office/drawing/2014/main" xmlns="" id="{5ADC00B6-990A-40DC-3CEA-505258F5E8DA}"/>
               </a:ext>
             </a:extLst>
           </p:cNvPr>
@@ -29431,7 +29431,7 @@
           <p:cNvPr id="8" name="그림 7">
             <a:extLst>
               <a:ext uri="{FF2B5EF4-FFF2-40B4-BE49-F238E27FC236}">
-                <a16:creationId xmlns:a16="http://schemas.microsoft.com/office/drawing/2014/main" id="{36EA5A03-03DE-406B-81E8-A6717DF31F95}"/>
+                <a16:creationId xmlns:a16="http://schemas.microsoft.com/office/drawing/2014/main" xmlns="" id="{36EA5A03-03DE-406B-81E8-A6717DF31F95}"/>
               </a:ext>
             </a:extLst>
           </p:cNvPr>
@@ -29461,7 +29461,7 @@
           <p:cNvPr id="9" name="TextBox 8">
             <a:extLst>
               <a:ext uri="{FF2B5EF4-FFF2-40B4-BE49-F238E27FC236}">
-                <a16:creationId xmlns:a16="http://schemas.microsoft.com/office/drawing/2014/main" id="{891E823C-FB22-A322-2590-BE7D83C31C15}"/>
+                <a16:creationId xmlns:a16="http://schemas.microsoft.com/office/drawing/2014/main" xmlns="" id="{891E823C-FB22-A322-2590-BE7D83C31C15}"/>
               </a:ext>
             </a:extLst>
           </p:cNvPr>
@@ -29502,7 +29502,7 @@
           <p:cNvPr id="11" name="그룹 1008">
             <a:extLst>
               <a:ext uri="{FF2B5EF4-FFF2-40B4-BE49-F238E27FC236}">
-                <a16:creationId xmlns:a16="http://schemas.microsoft.com/office/drawing/2014/main" id="{1EFF84BC-CE69-6E9A-0728-7433E2852943}"/>
+                <a16:creationId xmlns:a16="http://schemas.microsoft.com/office/drawing/2014/main" xmlns="" id="{1EFF84BC-CE69-6E9A-0728-7433E2852943}"/>
               </a:ext>
             </a:extLst>
           </p:cNvPr>
@@ -29522,7 +29522,7 @@
             <p:cNvPr id="12" name="그룹 1009">
               <a:extLst>
                 <a:ext uri="{FF2B5EF4-FFF2-40B4-BE49-F238E27FC236}">
-                  <a16:creationId xmlns:a16="http://schemas.microsoft.com/office/drawing/2014/main" id="{AA36F7CC-930A-2820-CA0D-F0788A037F7E}"/>
+                  <a16:creationId xmlns:a16="http://schemas.microsoft.com/office/drawing/2014/main" xmlns="" id="{AA36F7CC-930A-2820-CA0D-F0788A037F7E}"/>
                 </a:ext>
               </a:extLst>
             </p:cNvPr>
@@ -29542,7 +29542,7 @@
               <p:cNvPr id="19" name="Object 29">
                 <a:extLst>
                   <a:ext uri="{FF2B5EF4-FFF2-40B4-BE49-F238E27FC236}">
-                    <a16:creationId xmlns:a16="http://schemas.microsoft.com/office/drawing/2014/main" id="{9A5ADF80-DCC2-E6F9-0072-FFE30C7AF188}"/>
+                    <a16:creationId xmlns:a16="http://schemas.microsoft.com/office/drawing/2014/main" xmlns="" id="{9A5ADF80-DCC2-E6F9-0072-FFE30C7AF188}"/>
                   </a:ext>
                 </a:extLst>
               </p:cNvPr>
@@ -29573,7 +29573,7 @@
             <p:cNvPr id="13" name="그룹 1010">
               <a:extLst>
                 <a:ext uri="{FF2B5EF4-FFF2-40B4-BE49-F238E27FC236}">
-                  <a16:creationId xmlns:a16="http://schemas.microsoft.com/office/drawing/2014/main" id="{BA7EBFBB-DEC0-52A3-DA23-A283CA4F78AE}"/>
+                  <a16:creationId xmlns:a16="http://schemas.microsoft.com/office/drawing/2014/main" xmlns="" id="{BA7EBFBB-DEC0-52A3-DA23-A283CA4F78AE}"/>
                 </a:ext>
               </a:extLst>
             </p:cNvPr>
@@ -29593,7 +29593,7 @@
               <p:cNvPr id="17" name="Object 32">
                 <a:extLst>
                   <a:ext uri="{FF2B5EF4-FFF2-40B4-BE49-F238E27FC236}">
-                    <a16:creationId xmlns:a16="http://schemas.microsoft.com/office/drawing/2014/main" id="{FCA018BA-6DFF-9726-2010-E6B74AA92750}"/>
+                    <a16:creationId xmlns:a16="http://schemas.microsoft.com/office/drawing/2014/main" xmlns="" id="{FCA018BA-6DFF-9726-2010-E6B74AA92750}"/>
                   </a:ext>
                 </a:extLst>
               </p:cNvPr>
@@ -29624,7 +29624,7 @@
             <p:cNvPr id="14" name="그룹 1011">
               <a:extLst>
                 <a:ext uri="{FF2B5EF4-FFF2-40B4-BE49-F238E27FC236}">
-                  <a16:creationId xmlns:a16="http://schemas.microsoft.com/office/drawing/2014/main" id="{89BDD7E3-4009-6928-125A-3AF760574E6B}"/>
+                  <a16:creationId xmlns:a16="http://schemas.microsoft.com/office/drawing/2014/main" xmlns="" id="{89BDD7E3-4009-6928-125A-3AF760574E6B}"/>
                 </a:ext>
               </a:extLst>
             </p:cNvPr>
@@ -29644,7 +29644,7 @@
               <p:cNvPr id="16" name="Object 35">
                 <a:extLst>
                   <a:ext uri="{FF2B5EF4-FFF2-40B4-BE49-F238E27FC236}">
-                    <a16:creationId xmlns:a16="http://schemas.microsoft.com/office/drawing/2014/main" id="{6A68EFC7-0442-EB71-2629-EBFF29843026}"/>
+                    <a16:creationId xmlns:a16="http://schemas.microsoft.com/office/drawing/2014/main" xmlns="" id="{6A68EFC7-0442-EB71-2629-EBFF29843026}"/>
                   </a:ext>
                 </a:extLst>
               </p:cNvPr>
@@ -29676,7 +29676,7 @@
           <p:cNvPr id="20" name="그룹 1016">
             <a:extLst>
               <a:ext uri="{FF2B5EF4-FFF2-40B4-BE49-F238E27FC236}">
-                <a16:creationId xmlns:a16="http://schemas.microsoft.com/office/drawing/2014/main" id="{5AADB473-E166-1313-8A9E-3F089E59CF16}"/>
+                <a16:creationId xmlns:a16="http://schemas.microsoft.com/office/drawing/2014/main" xmlns="" id="{5AADB473-E166-1313-8A9E-3F089E59CF16}"/>
               </a:ext>
             </a:extLst>
           </p:cNvPr>
@@ -29696,7 +29696,7 @@
             <p:cNvPr id="22" name="Object 46">
               <a:extLst>
                 <a:ext uri="{FF2B5EF4-FFF2-40B4-BE49-F238E27FC236}">
-                  <a16:creationId xmlns:a16="http://schemas.microsoft.com/office/drawing/2014/main" id="{FE1DBED5-EA1B-FF19-35A4-35D68ECE2FE4}"/>
+                  <a16:creationId xmlns:a16="http://schemas.microsoft.com/office/drawing/2014/main" xmlns="" id="{FE1DBED5-EA1B-FF19-35A4-35D68ECE2FE4}"/>
                 </a:ext>
               </a:extLst>
             </p:cNvPr>
@@ -29727,7 +29727,7 @@
           <p:cNvPr id="33" name="TextBox 32">
             <a:extLst>
               <a:ext uri="{FF2B5EF4-FFF2-40B4-BE49-F238E27FC236}">
-                <a16:creationId xmlns:a16="http://schemas.microsoft.com/office/drawing/2014/main" id="{BF5DC44A-D1FE-0544-134B-19A623DD705D}"/>
+                <a16:creationId xmlns:a16="http://schemas.microsoft.com/office/drawing/2014/main" xmlns="" id="{BF5DC44A-D1FE-0544-134B-19A623DD705D}"/>
               </a:ext>
             </a:extLst>
           </p:cNvPr>
@@ -29845,7 +29845,7 @@
           <p:cNvPr id="4" name="표 3">
             <a:extLst>
               <a:ext uri="{FF2B5EF4-FFF2-40B4-BE49-F238E27FC236}">
-                <a16:creationId xmlns:a16="http://schemas.microsoft.com/office/drawing/2014/main" id="{94393C86-0B06-3BF4-D58A-5DF6481E98D2}"/>
+                <a16:creationId xmlns:a16="http://schemas.microsoft.com/office/drawing/2014/main" xmlns="" id="{94393C86-0B06-3BF4-D58A-5DF6481E98D2}"/>
               </a:ext>
             </a:extLst>
           </p:cNvPr>
@@ -29874,14 +29874,14 @@
                 <a:gridCol w="1447800">
                   <a:extLst>
                     <a:ext uri="{9D8B030D-6E8A-4147-A177-3AD203B41FA5}">
-                      <a16:colId xmlns:a16="http://schemas.microsoft.com/office/drawing/2014/main" val="3731381781"/>
+                      <a16:colId xmlns:a16="http://schemas.microsoft.com/office/drawing/2014/main" xmlns="" val="3731381781"/>
                     </a:ext>
                   </a:extLst>
                 </a:gridCol>
                 <a:gridCol w="1981200">
                   <a:extLst>
                     <a:ext uri="{9D8B030D-6E8A-4147-A177-3AD203B41FA5}">
-                      <a16:colId xmlns:a16="http://schemas.microsoft.com/office/drawing/2014/main" val="2922041479"/>
+                      <a16:colId xmlns:a16="http://schemas.microsoft.com/office/drawing/2014/main" xmlns="" val="2922041479"/>
                     </a:ext>
                   </a:extLst>
                 </a:gridCol>
@@ -30007,7 +30007,7 @@
                 </a:tc>
                 <a:extLst>
                   <a:ext uri="{0D108BD9-81ED-4DB2-BD59-A6C34878D82A}">
-                    <a16:rowId xmlns:a16="http://schemas.microsoft.com/office/drawing/2014/main" val="3716032365"/>
+                    <a16:rowId xmlns:a16="http://schemas.microsoft.com/office/drawing/2014/main" xmlns="" val="3716032365"/>
                   </a:ext>
                 </a:extLst>
               </a:tr>
@@ -30136,7 +30136,7 @@
                 </a:tc>
                 <a:extLst>
                   <a:ext uri="{0D108BD9-81ED-4DB2-BD59-A6C34878D82A}">
-                    <a16:rowId xmlns:a16="http://schemas.microsoft.com/office/drawing/2014/main" val="1765325807"/>
+                    <a16:rowId xmlns:a16="http://schemas.microsoft.com/office/drawing/2014/main" xmlns="" val="1765325807"/>
                   </a:ext>
                 </a:extLst>
               </a:tr>
@@ -30249,7 +30249,7 @@
                 </a:tc>
                 <a:extLst>
                   <a:ext uri="{0D108BD9-81ED-4DB2-BD59-A6C34878D82A}">
-                    <a16:rowId xmlns:a16="http://schemas.microsoft.com/office/drawing/2014/main" val="3352121117"/>
+                    <a16:rowId xmlns:a16="http://schemas.microsoft.com/office/drawing/2014/main" xmlns="" val="3352121117"/>
                   </a:ext>
                 </a:extLst>
               </a:tr>
@@ -30362,7 +30362,7 @@
                 </a:tc>
                 <a:extLst>
                   <a:ext uri="{0D108BD9-81ED-4DB2-BD59-A6C34878D82A}">
-                    <a16:rowId xmlns:a16="http://schemas.microsoft.com/office/drawing/2014/main" val="2004051296"/>
+                    <a16:rowId xmlns:a16="http://schemas.microsoft.com/office/drawing/2014/main" xmlns="" val="2004051296"/>
                   </a:ext>
                 </a:extLst>
               </a:tr>
@@ -30475,7 +30475,7 @@
                 </a:tc>
                 <a:extLst>
                   <a:ext uri="{0D108BD9-81ED-4DB2-BD59-A6C34878D82A}">
-                    <a16:rowId xmlns:a16="http://schemas.microsoft.com/office/drawing/2014/main" val="3455365349"/>
+                    <a16:rowId xmlns:a16="http://schemas.microsoft.com/office/drawing/2014/main" xmlns="" val="3455365349"/>
                   </a:ext>
                 </a:extLst>
               </a:tr>
@@ -30588,7 +30588,7 @@
                 </a:tc>
                 <a:extLst>
                   <a:ext uri="{0D108BD9-81ED-4DB2-BD59-A6C34878D82A}">
-                    <a16:rowId xmlns:a16="http://schemas.microsoft.com/office/drawing/2014/main" val="3167686984"/>
+                    <a16:rowId xmlns:a16="http://schemas.microsoft.com/office/drawing/2014/main" xmlns="" val="3167686984"/>
                   </a:ext>
                 </a:extLst>
               </a:tr>
@@ -30701,7 +30701,7 @@
                 </a:tc>
                 <a:extLst>
                   <a:ext uri="{0D108BD9-81ED-4DB2-BD59-A6C34878D82A}">
-                    <a16:rowId xmlns:a16="http://schemas.microsoft.com/office/drawing/2014/main" val="4026164128"/>
+                    <a16:rowId xmlns:a16="http://schemas.microsoft.com/office/drawing/2014/main" xmlns="" val="4026164128"/>
                   </a:ext>
                 </a:extLst>
               </a:tr>
@@ -30714,7 +30714,7 @@
           <p:cNvPr id="5" name="그룹 1018">
             <a:extLst>
               <a:ext uri="{FF2B5EF4-FFF2-40B4-BE49-F238E27FC236}">
-                <a16:creationId xmlns:a16="http://schemas.microsoft.com/office/drawing/2014/main" id="{1330ABEF-15CB-8649-BD8D-F461129ED30D}"/>
+                <a16:creationId xmlns:a16="http://schemas.microsoft.com/office/drawing/2014/main" xmlns="" id="{1330ABEF-15CB-8649-BD8D-F461129ED30D}"/>
               </a:ext>
             </a:extLst>
           </p:cNvPr>
@@ -30734,7 +30734,7 @@
             <p:cNvPr id="6" name="Object 61">
               <a:extLst>
                 <a:ext uri="{FF2B5EF4-FFF2-40B4-BE49-F238E27FC236}">
-                  <a16:creationId xmlns:a16="http://schemas.microsoft.com/office/drawing/2014/main" id="{ECF5792B-1F12-6090-875D-41885B0FBB10}"/>
+                  <a16:creationId xmlns:a16="http://schemas.microsoft.com/office/drawing/2014/main" xmlns="" id="{ECF5792B-1F12-6090-875D-41885B0FBB10}"/>
                 </a:ext>
               </a:extLst>
             </p:cNvPr>
@@ -30765,7 +30765,7 @@
           <p:cNvPr id="7" name="TextBox 6">
             <a:extLst>
               <a:ext uri="{FF2B5EF4-FFF2-40B4-BE49-F238E27FC236}">
-                <a16:creationId xmlns:a16="http://schemas.microsoft.com/office/drawing/2014/main" id="{7D83DD72-9F66-04E8-C674-1E40B9EC6DA5}"/>
+                <a16:creationId xmlns:a16="http://schemas.microsoft.com/office/drawing/2014/main" xmlns="" id="{7D83DD72-9F66-04E8-C674-1E40B9EC6DA5}"/>
               </a:ext>
             </a:extLst>
           </p:cNvPr>
@@ -30819,7 +30819,7 @@
           <p:cNvPr id="8" name="TextBox 7">
             <a:extLst>
               <a:ext uri="{FF2B5EF4-FFF2-40B4-BE49-F238E27FC236}">
-                <a16:creationId xmlns:a16="http://schemas.microsoft.com/office/drawing/2014/main" id="{307451BB-0100-5972-5BD5-E7D3BCBD6301}"/>
+                <a16:creationId xmlns:a16="http://schemas.microsoft.com/office/drawing/2014/main" xmlns="" id="{307451BB-0100-5972-5BD5-E7D3BCBD6301}"/>
               </a:ext>
             </a:extLst>
           </p:cNvPr>
@@ -30863,7 +30863,7 @@
           <p:cNvPr id="9" name="TextBox 8">
             <a:extLst>
               <a:ext uri="{FF2B5EF4-FFF2-40B4-BE49-F238E27FC236}">
-                <a16:creationId xmlns:a16="http://schemas.microsoft.com/office/drawing/2014/main" id="{34E3F449-543C-CD72-319C-A17299BAD58E}"/>
+                <a16:creationId xmlns:a16="http://schemas.microsoft.com/office/drawing/2014/main" xmlns="" id="{34E3F449-543C-CD72-319C-A17299BAD58E}"/>
               </a:ext>
             </a:extLst>
           </p:cNvPr>
@@ -30911,7 +30911,7 @@
           <p:cNvPr id="10" name="TextBox 9">
             <a:extLst>
               <a:ext uri="{FF2B5EF4-FFF2-40B4-BE49-F238E27FC236}">
-                <a16:creationId xmlns:a16="http://schemas.microsoft.com/office/drawing/2014/main" id="{E2F69BEC-12A2-9108-7924-1B36AF4430E4}"/>
+                <a16:creationId xmlns:a16="http://schemas.microsoft.com/office/drawing/2014/main" xmlns="" id="{E2F69BEC-12A2-9108-7924-1B36AF4430E4}"/>
               </a:ext>
             </a:extLst>
           </p:cNvPr>
@@ -30978,7 +30978,7 @@
           <p:cNvPr id="12" name="그림 11">
             <a:extLst>
               <a:ext uri="{FF2B5EF4-FFF2-40B4-BE49-F238E27FC236}">
-                <a16:creationId xmlns:a16="http://schemas.microsoft.com/office/drawing/2014/main" id="{B0E66467-5213-2FA0-A521-3B39B6797D99}"/>
+                <a16:creationId xmlns:a16="http://schemas.microsoft.com/office/drawing/2014/main" xmlns="" id="{B0E66467-5213-2FA0-A521-3B39B6797D99}"/>
               </a:ext>
             </a:extLst>
           </p:cNvPr>
@@ -31008,7 +31008,7 @@
           <p:cNvPr id="13" name="직선 화살표 연결선 12">
             <a:extLst>
               <a:ext uri="{FF2B5EF4-FFF2-40B4-BE49-F238E27FC236}">
-                <a16:creationId xmlns:a16="http://schemas.microsoft.com/office/drawing/2014/main" id="{A258CCA0-C886-9F46-EA23-630BE0C66BE2}"/>
+                <a16:creationId xmlns:a16="http://schemas.microsoft.com/office/drawing/2014/main" xmlns="" id="{A258CCA0-C886-9F46-EA23-630BE0C66BE2}"/>
               </a:ext>
             </a:extLst>
           </p:cNvPr>
@@ -31080,7 +31080,7 @@
           <p:cNvPr id="4" name="TextBox 3">
             <a:extLst>
               <a:ext uri="{FF2B5EF4-FFF2-40B4-BE49-F238E27FC236}">
-                <a16:creationId xmlns:a16="http://schemas.microsoft.com/office/drawing/2014/main" id="{C1898E6D-AE67-F9BC-3E27-12ED9B1FE83E}"/>
+                <a16:creationId xmlns:a16="http://schemas.microsoft.com/office/drawing/2014/main" xmlns="" id="{C1898E6D-AE67-F9BC-3E27-12ED9B1FE83E}"/>
               </a:ext>
             </a:extLst>
           </p:cNvPr>
@@ -31128,7 +31128,7 @@
           <p:cNvPr id="6" name="그림 5">
             <a:extLst>
               <a:ext uri="{FF2B5EF4-FFF2-40B4-BE49-F238E27FC236}">
-                <a16:creationId xmlns:a16="http://schemas.microsoft.com/office/drawing/2014/main" id="{34183050-65C1-05AB-E218-F7C08E562299}"/>
+                <a16:creationId xmlns:a16="http://schemas.microsoft.com/office/drawing/2014/main" xmlns="" id="{34183050-65C1-05AB-E218-F7C08E562299}"/>
               </a:ext>
             </a:extLst>
           </p:cNvPr>
@@ -31158,7 +31158,7 @@
           <p:cNvPr id="7" name="TextBox 6">
             <a:extLst>
               <a:ext uri="{FF2B5EF4-FFF2-40B4-BE49-F238E27FC236}">
-                <a16:creationId xmlns:a16="http://schemas.microsoft.com/office/drawing/2014/main" id="{B4AA3674-0BEE-604F-2135-D115C443AB3D}"/>
+                <a16:creationId xmlns:a16="http://schemas.microsoft.com/office/drawing/2014/main" xmlns="" id="{B4AA3674-0BEE-604F-2135-D115C443AB3D}"/>
               </a:ext>
             </a:extLst>
           </p:cNvPr>
@@ -31206,7 +31206,7 @@
           <p:cNvPr id="2" name="직사각형 1">
             <a:extLst>
               <a:ext uri="{FF2B5EF4-FFF2-40B4-BE49-F238E27FC236}">
-                <a16:creationId xmlns:a16="http://schemas.microsoft.com/office/drawing/2014/main" id="{40BCA21D-3B4F-5C68-051C-C54D2F6FBC5E}"/>
+                <a16:creationId xmlns:a16="http://schemas.microsoft.com/office/drawing/2014/main" xmlns="" id="{40BCA21D-3B4F-5C68-051C-C54D2F6FBC5E}"/>
               </a:ext>
             </a:extLst>
           </p:cNvPr>
@@ -31258,7 +31258,7 @@
           <p:cNvPr id="3" name="직사각형 2">
             <a:extLst>
               <a:ext uri="{FF2B5EF4-FFF2-40B4-BE49-F238E27FC236}">
-                <a16:creationId xmlns:a16="http://schemas.microsoft.com/office/drawing/2014/main" id="{703082B3-C7A3-E021-F8B8-D12E08F32AA1}"/>
+                <a16:creationId xmlns:a16="http://schemas.microsoft.com/office/drawing/2014/main" xmlns="" id="{703082B3-C7A3-E021-F8B8-D12E08F32AA1}"/>
               </a:ext>
             </a:extLst>
           </p:cNvPr>
@@ -31310,7 +31310,7 @@
           <p:cNvPr id="5" name="그림 4">
             <a:extLst>
               <a:ext uri="{FF2B5EF4-FFF2-40B4-BE49-F238E27FC236}">
-                <a16:creationId xmlns:a16="http://schemas.microsoft.com/office/drawing/2014/main" id="{596EE362-5F0F-3029-8201-891D2AB64335}"/>
+                <a16:creationId xmlns:a16="http://schemas.microsoft.com/office/drawing/2014/main" xmlns="" id="{596EE362-5F0F-3029-8201-891D2AB64335}"/>
               </a:ext>
             </a:extLst>
           </p:cNvPr>
@@ -31340,7 +31340,7 @@
           <p:cNvPr id="8" name="직사각형 7">
             <a:extLst>
               <a:ext uri="{FF2B5EF4-FFF2-40B4-BE49-F238E27FC236}">
-                <a16:creationId xmlns:a16="http://schemas.microsoft.com/office/drawing/2014/main" id="{C346E719-ED0A-7AEA-AF61-5B5FF03676A9}"/>
+                <a16:creationId xmlns:a16="http://schemas.microsoft.com/office/drawing/2014/main" xmlns="" id="{C346E719-ED0A-7AEA-AF61-5B5FF03676A9}"/>
               </a:ext>
             </a:extLst>
           </p:cNvPr>
@@ -31392,7 +31392,7 @@
           <p:cNvPr id="9" name="직사각형 8">
             <a:extLst>
               <a:ext uri="{FF2B5EF4-FFF2-40B4-BE49-F238E27FC236}">
-                <a16:creationId xmlns:a16="http://schemas.microsoft.com/office/drawing/2014/main" id="{065E66D5-A79A-68FC-9736-F34D4DBB85C8}"/>
+                <a16:creationId xmlns:a16="http://schemas.microsoft.com/office/drawing/2014/main" xmlns="" id="{065E66D5-A79A-68FC-9736-F34D4DBB85C8}"/>
               </a:ext>
             </a:extLst>
           </p:cNvPr>
@@ -31444,7 +31444,7 @@
           <p:cNvPr id="11" name="그림 10">
             <a:extLst>
               <a:ext uri="{FF2B5EF4-FFF2-40B4-BE49-F238E27FC236}">
-                <a16:creationId xmlns:a16="http://schemas.microsoft.com/office/drawing/2014/main" id="{FBC337D5-A2F3-BF34-090D-6DEAD6087E07}"/>
+                <a16:creationId xmlns:a16="http://schemas.microsoft.com/office/drawing/2014/main" xmlns="" id="{FBC337D5-A2F3-BF34-090D-6DEAD6087E07}"/>
               </a:ext>
             </a:extLst>
           </p:cNvPr>
@@ -31474,7 +31474,7 @@
           <p:cNvPr id="12" name="그림 11">
             <a:extLst>
               <a:ext uri="{FF2B5EF4-FFF2-40B4-BE49-F238E27FC236}">
-                <a16:creationId xmlns:a16="http://schemas.microsoft.com/office/drawing/2014/main" id="{A4E43F85-8626-AF9D-2B57-4F8FD132461B}"/>
+                <a16:creationId xmlns:a16="http://schemas.microsoft.com/office/drawing/2014/main" xmlns="" id="{A4E43F85-8626-AF9D-2B57-4F8FD132461B}"/>
               </a:ext>
             </a:extLst>
           </p:cNvPr>
@@ -31504,7 +31504,7 @@
           <p:cNvPr id="13" name="TextBox 12">
             <a:extLst>
               <a:ext uri="{FF2B5EF4-FFF2-40B4-BE49-F238E27FC236}">
-                <a16:creationId xmlns:a16="http://schemas.microsoft.com/office/drawing/2014/main" id="{6A36272A-1863-83A8-E582-2BAD0426619C}"/>
+                <a16:creationId xmlns:a16="http://schemas.microsoft.com/office/drawing/2014/main" xmlns="" id="{6A36272A-1863-83A8-E582-2BAD0426619C}"/>
               </a:ext>
             </a:extLst>
           </p:cNvPr>
@@ -31732,7 +31732,7 @@
           <p:cNvPr id="10" name="표 9">
             <a:extLst>
               <a:ext uri="{FF2B5EF4-FFF2-40B4-BE49-F238E27FC236}">
-                <a16:creationId xmlns:a16="http://schemas.microsoft.com/office/drawing/2014/main" id="{28AB1E84-4FFE-DBB7-4A4A-6D401C7DB994}"/>
+                <a16:creationId xmlns:a16="http://schemas.microsoft.com/office/drawing/2014/main" xmlns="" id="{28AB1E84-4FFE-DBB7-4A4A-6D401C7DB994}"/>
               </a:ext>
             </a:extLst>
           </p:cNvPr>
@@ -31761,14 +31761,14 @@
                 <a:gridCol w="1447800">
                   <a:extLst>
                     <a:ext uri="{9D8B030D-6E8A-4147-A177-3AD203B41FA5}">
-                      <a16:colId xmlns:a16="http://schemas.microsoft.com/office/drawing/2014/main" val="3731381781"/>
+                      <a16:colId xmlns:a16="http://schemas.microsoft.com/office/drawing/2014/main" xmlns="" val="3731381781"/>
                     </a:ext>
                   </a:extLst>
                 </a:gridCol>
                 <a:gridCol w="1981200">
                   <a:extLst>
                     <a:ext uri="{9D8B030D-6E8A-4147-A177-3AD203B41FA5}">
-                      <a16:colId xmlns:a16="http://schemas.microsoft.com/office/drawing/2014/main" val="2922041479"/>
+                      <a16:colId xmlns:a16="http://schemas.microsoft.com/office/drawing/2014/main" xmlns="" val="2922041479"/>
                     </a:ext>
                   </a:extLst>
                 </a:gridCol>
@@ -31894,7 +31894,7 @@
                 </a:tc>
                 <a:extLst>
                   <a:ext uri="{0D108BD9-81ED-4DB2-BD59-A6C34878D82A}">
-                    <a16:rowId xmlns:a16="http://schemas.microsoft.com/office/drawing/2014/main" val="3716032365"/>
+                    <a16:rowId xmlns:a16="http://schemas.microsoft.com/office/drawing/2014/main" xmlns="" val="3716032365"/>
                   </a:ext>
                 </a:extLst>
               </a:tr>
@@ -32023,7 +32023,7 @@
                 </a:tc>
                 <a:extLst>
                   <a:ext uri="{0D108BD9-81ED-4DB2-BD59-A6C34878D82A}">
-                    <a16:rowId xmlns:a16="http://schemas.microsoft.com/office/drawing/2014/main" val="1765325807"/>
+                    <a16:rowId xmlns:a16="http://schemas.microsoft.com/office/drawing/2014/main" xmlns="" val="1765325807"/>
                   </a:ext>
                 </a:extLst>
               </a:tr>
@@ -32136,7 +32136,7 @@
                 </a:tc>
                 <a:extLst>
                   <a:ext uri="{0D108BD9-81ED-4DB2-BD59-A6C34878D82A}">
-                    <a16:rowId xmlns:a16="http://schemas.microsoft.com/office/drawing/2014/main" val="3352121117"/>
+                    <a16:rowId xmlns:a16="http://schemas.microsoft.com/office/drawing/2014/main" xmlns="" val="3352121117"/>
                   </a:ext>
                 </a:extLst>
               </a:tr>
@@ -32249,7 +32249,7 @@
                 </a:tc>
                 <a:extLst>
                   <a:ext uri="{0D108BD9-81ED-4DB2-BD59-A6C34878D82A}">
-                    <a16:rowId xmlns:a16="http://schemas.microsoft.com/office/drawing/2014/main" val="2004051296"/>
+                    <a16:rowId xmlns:a16="http://schemas.microsoft.com/office/drawing/2014/main" xmlns="" val="2004051296"/>
                   </a:ext>
                 </a:extLst>
               </a:tr>
@@ -32362,7 +32362,7 @@
                 </a:tc>
                 <a:extLst>
                   <a:ext uri="{0D108BD9-81ED-4DB2-BD59-A6C34878D82A}">
-                    <a16:rowId xmlns:a16="http://schemas.microsoft.com/office/drawing/2014/main" val="3455365349"/>
+                    <a16:rowId xmlns:a16="http://schemas.microsoft.com/office/drawing/2014/main" xmlns="" val="3455365349"/>
                   </a:ext>
                 </a:extLst>
               </a:tr>
@@ -32475,7 +32475,7 @@
                 </a:tc>
                 <a:extLst>
                   <a:ext uri="{0D108BD9-81ED-4DB2-BD59-A6C34878D82A}">
-                    <a16:rowId xmlns:a16="http://schemas.microsoft.com/office/drawing/2014/main" val="3167686984"/>
+                    <a16:rowId xmlns:a16="http://schemas.microsoft.com/office/drawing/2014/main" xmlns="" val="3167686984"/>
                   </a:ext>
                 </a:extLst>
               </a:tr>
@@ -32588,7 +32588,7 @@
                 </a:tc>
                 <a:extLst>
                   <a:ext uri="{0D108BD9-81ED-4DB2-BD59-A6C34878D82A}">
-                    <a16:rowId xmlns:a16="http://schemas.microsoft.com/office/drawing/2014/main" val="4026164128"/>
+                    <a16:rowId xmlns:a16="http://schemas.microsoft.com/office/drawing/2014/main" xmlns="" val="4026164128"/>
                   </a:ext>
                 </a:extLst>
               </a:tr>
@@ -32601,7 +32601,7 @@
           <p:cNvPr id="11" name="그룹 1018">
             <a:extLst>
               <a:ext uri="{FF2B5EF4-FFF2-40B4-BE49-F238E27FC236}">
-                <a16:creationId xmlns:a16="http://schemas.microsoft.com/office/drawing/2014/main" id="{35589F1E-ACE7-13AB-5939-F16EBC4F7D74}"/>
+                <a16:creationId xmlns:a16="http://schemas.microsoft.com/office/drawing/2014/main" xmlns="" id="{35589F1E-ACE7-13AB-5939-F16EBC4F7D74}"/>
               </a:ext>
             </a:extLst>
           </p:cNvPr>
@@ -32621,7 +32621,7 @@
             <p:cNvPr id="12" name="Object 61">
               <a:extLst>
                 <a:ext uri="{FF2B5EF4-FFF2-40B4-BE49-F238E27FC236}">
-                  <a16:creationId xmlns:a16="http://schemas.microsoft.com/office/drawing/2014/main" id="{D7242013-6B13-19EB-F7F4-2A1B727A4A0A}"/>
+                  <a16:creationId xmlns:a16="http://schemas.microsoft.com/office/drawing/2014/main" xmlns="" id="{D7242013-6B13-19EB-F7F4-2A1B727A4A0A}"/>
                 </a:ext>
               </a:extLst>
             </p:cNvPr>
@@ -32652,7 +32652,7 @@
           <p:cNvPr id="13" name="TextBox 12">
             <a:extLst>
               <a:ext uri="{FF2B5EF4-FFF2-40B4-BE49-F238E27FC236}">
-                <a16:creationId xmlns:a16="http://schemas.microsoft.com/office/drawing/2014/main" id="{E6B61D91-F56A-04E2-96A7-74A68AABE02B}"/>
+                <a16:creationId xmlns:a16="http://schemas.microsoft.com/office/drawing/2014/main" xmlns="" id="{E6B61D91-F56A-04E2-96A7-74A68AABE02B}"/>
               </a:ext>
             </a:extLst>
           </p:cNvPr>
@@ -32696,7 +32696,7 @@
           <p:cNvPr id="14" name="TextBox 13">
             <a:extLst>
               <a:ext uri="{FF2B5EF4-FFF2-40B4-BE49-F238E27FC236}">
-                <a16:creationId xmlns:a16="http://schemas.microsoft.com/office/drawing/2014/main" id="{1BAF2783-C3B4-F958-A545-19D7F14B5F8F}"/>
+                <a16:creationId xmlns:a16="http://schemas.microsoft.com/office/drawing/2014/main" xmlns="" id="{1BAF2783-C3B4-F958-A545-19D7F14B5F8F}"/>
               </a:ext>
             </a:extLst>
           </p:cNvPr>
@@ -32740,7 +32740,7 @@
           <p:cNvPr id="15" name="직선 화살표 연결선 14">
             <a:extLst>
               <a:ext uri="{FF2B5EF4-FFF2-40B4-BE49-F238E27FC236}">
-                <a16:creationId xmlns:a16="http://schemas.microsoft.com/office/drawing/2014/main" id="{544A88F7-D31A-049B-FE46-AD3E1AF0AE94}"/>
+                <a16:creationId xmlns:a16="http://schemas.microsoft.com/office/drawing/2014/main" xmlns="" id="{544A88F7-D31A-049B-FE46-AD3E1AF0AE94}"/>
               </a:ext>
             </a:extLst>
           </p:cNvPr>
@@ -32782,7 +32782,7 @@
           <p:cNvPr id="17" name="그림 16">
             <a:extLst>
               <a:ext uri="{FF2B5EF4-FFF2-40B4-BE49-F238E27FC236}">
-                <a16:creationId xmlns:a16="http://schemas.microsoft.com/office/drawing/2014/main" id="{7305A9B8-8402-F39C-C099-216C2F2F5193}"/>
+                <a16:creationId xmlns:a16="http://schemas.microsoft.com/office/drawing/2014/main" xmlns="" id="{7305A9B8-8402-F39C-C099-216C2F2F5193}"/>
               </a:ext>
             </a:extLst>
           </p:cNvPr>
@@ -32812,7 +32812,7 @@
           <p:cNvPr id="18" name="TextBox 17">
             <a:extLst>
               <a:ext uri="{FF2B5EF4-FFF2-40B4-BE49-F238E27FC236}">
-                <a16:creationId xmlns:a16="http://schemas.microsoft.com/office/drawing/2014/main" id="{72F416CC-94E0-9549-685A-C4418325E924}"/>
+                <a16:creationId xmlns:a16="http://schemas.microsoft.com/office/drawing/2014/main" xmlns="" id="{72F416CC-94E0-9549-685A-C4418325E924}"/>
               </a:ext>
             </a:extLst>
           </p:cNvPr>
@@ -32860,7 +32860,7 @@
           <p:cNvPr id="20" name="그림 19">
             <a:extLst>
               <a:ext uri="{FF2B5EF4-FFF2-40B4-BE49-F238E27FC236}">
-                <a16:creationId xmlns:a16="http://schemas.microsoft.com/office/drawing/2014/main" id="{F3D10D45-AFDE-52E0-DFB6-9DDB1AD2E686}"/>
+                <a16:creationId xmlns:a16="http://schemas.microsoft.com/office/drawing/2014/main" xmlns="" id="{F3D10D45-AFDE-52E0-DFB6-9DDB1AD2E686}"/>
               </a:ext>
             </a:extLst>
           </p:cNvPr>
@@ -32890,7 +32890,7 @@
           <p:cNvPr id="22" name="그림 21">
             <a:extLst>
               <a:ext uri="{FF2B5EF4-FFF2-40B4-BE49-F238E27FC236}">
-                <a16:creationId xmlns:a16="http://schemas.microsoft.com/office/drawing/2014/main" id="{4415765D-99E0-0F30-00F2-E85F4C9751B4}"/>
+                <a16:creationId xmlns:a16="http://schemas.microsoft.com/office/drawing/2014/main" xmlns="" id="{4415765D-99E0-0F30-00F2-E85F4C9751B4}"/>
               </a:ext>
             </a:extLst>
           </p:cNvPr>
@@ -33442,7 +33442,7 @@
           <p:cNvPr id="2" name="TextBox 1">
             <a:extLst>
               <a:ext uri="{FF2B5EF4-FFF2-40B4-BE49-F238E27FC236}">
-                <a16:creationId xmlns:a16="http://schemas.microsoft.com/office/drawing/2014/main" id="{76F36AE5-79B5-0B9F-E510-1C27AAC4B649}"/>
+                <a16:creationId xmlns:a16="http://schemas.microsoft.com/office/drawing/2014/main" xmlns="" id="{76F36AE5-79B5-0B9F-E510-1C27AAC4B649}"/>
               </a:ext>
             </a:extLst>
           </p:cNvPr>
@@ -33520,7 +33520,7 @@
           <p:cNvPr id="4" name="표 3">
             <a:extLst>
               <a:ext uri="{FF2B5EF4-FFF2-40B4-BE49-F238E27FC236}">
-                <a16:creationId xmlns:a16="http://schemas.microsoft.com/office/drawing/2014/main" id="{32F4C41F-E599-6BF7-85C4-F4348B01166D}"/>
+                <a16:creationId xmlns:a16="http://schemas.microsoft.com/office/drawing/2014/main" xmlns="" id="{32F4C41F-E599-6BF7-85C4-F4348B01166D}"/>
               </a:ext>
             </a:extLst>
           </p:cNvPr>
@@ -33549,14 +33549,14 @@
                 <a:gridCol w="2059093">
                   <a:extLst>
                     <a:ext uri="{9D8B030D-6E8A-4147-A177-3AD203B41FA5}">
-                      <a16:colId xmlns:a16="http://schemas.microsoft.com/office/drawing/2014/main" val="3731381781"/>
+                      <a16:colId xmlns:a16="http://schemas.microsoft.com/office/drawing/2014/main" xmlns="" val="3731381781"/>
                     </a:ext>
                   </a:extLst>
                 </a:gridCol>
                 <a:gridCol w="2817707">
                   <a:extLst>
                     <a:ext uri="{9D8B030D-6E8A-4147-A177-3AD203B41FA5}">
-                      <a16:colId xmlns:a16="http://schemas.microsoft.com/office/drawing/2014/main" val="2922041479"/>
+                      <a16:colId xmlns:a16="http://schemas.microsoft.com/office/drawing/2014/main" xmlns="" val="2922041479"/>
                     </a:ext>
                   </a:extLst>
                 </a:gridCol>
@@ -33682,7 +33682,7 @@
                 </a:tc>
                 <a:extLst>
                   <a:ext uri="{0D108BD9-81ED-4DB2-BD59-A6C34878D82A}">
-                    <a16:rowId xmlns:a16="http://schemas.microsoft.com/office/drawing/2014/main" val="3716032365"/>
+                    <a16:rowId xmlns:a16="http://schemas.microsoft.com/office/drawing/2014/main" xmlns="" val="3716032365"/>
                   </a:ext>
                 </a:extLst>
               </a:tr>
@@ -33811,7 +33811,7 @@
                 </a:tc>
                 <a:extLst>
                   <a:ext uri="{0D108BD9-81ED-4DB2-BD59-A6C34878D82A}">
-                    <a16:rowId xmlns:a16="http://schemas.microsoft.com/office/drawing/2014/main" val="1765325807"/>
+                    <a16:rowId xmlns:a16="http://schemas.microsoft.com/office/drawing/2014/main" xmlns="" val="1765325807"/>
                   </a:ext>
                 </a:extLst>
               </a:tr>
@@ -33924,7 +33924,7 @@
                 </a:tc>
                 <a:extLst>
                   <a:ext uri="{0D108BD9-81ED-4DB2-BD59-A6C34878D82A}">
-                    <a16:rowId xmlns:a16="http://schemas.microsoft.com/office/drawing/2014/main" val="3352121117"/>
+                    <a16:rowId xmlns:a16="http://schemas.microsoft.com/office/drawing/2014/main" xmlns="" val="3352121117"/>
                   </a:ext>
                 </a:extLst>
               </a:tr>
@@ -34037,7 +34037,7 @@
                 </a:tc>
                 <a:extLst>
                   <a:ext uri="{0D108BD9-81ED-4DB2-BD59-A6C34878D82A}">
-                    <a16:rowId xmlns:a16="http://schemas.microsoft.com/office/drawing/2014/main" val="2004051296"/>
+                    <a16:rowId xmlns:a16="http://schemas.microsoft.com/office/drawing/2014/main" xmlns="" val="2004051296"/>
                   </a:ext>
                 </a:extLst>
               </a:tr>
@@ -34150,7 +34150,7 @@
                 </a:tc>
                 <a:extLst>
                   <a:ext uri="{0D108BD9-81ED-4DB2-BD59-A6C34878D82A}">
-                    <a16:rowId xmlns:a16="http://schemas.microsoft.com/office/drawing/2014/main" val="3455365349"/>
+                    <a16:rowId xmlns:a16="http://schemas.microsoft.com/office/drawing/2014/main" xmlns="" val="3455365349"/>
                   </a:ext>
                 </a:extLst>
               </a:tr>
@@ -34263,7 +34263,7 @@
                 </a:tc>
                 <a:extLst>
                   <a:ext uri="{0D108BD9-81ED-4DB2-BD59-A6C34878D82A}">
-                    <a16:rowId xmlns:a16="http://schemas.microsoft.com/office/drawing/2014/main" val="3167686984"/>
+                    <a16:rowId xmlns:a16="http://schemas.microsoft.com/office/drawing/2014/main" xmlns="" val="3167686984"/>
                   </a:ext>
                 </a:extLst>
               </a:tr>
@@ -34276,7 +34276,7 @@
           <p:cNvPr id="5" name="TextBox 4">
             <a:extLst>
               <a:ext uri="{FF2B5EF4-FFF2-40B4-BE49-F238E27FC236}">
-                <a16:creationId xmlns:a16="http://schemas.microsoft.com/office/drawing/2014/main" id="{B564BCA0-4BD1-DDE5-0720-B6D03104F9BB}"/>
+                <a16:creationId xmlns:a16="http://schemas.microsoft.com/office/drawing/2014/main" xmlns="" id="{B564BCA0-4BD1-DDE5-0720-B6D03104F9BB}"/>
               </a:ext>
             </a:extLst>
           </p:cNvPr>
@@ -34324,7 +34324,7 @@
           <p:cNvPr id="7" name="그림 6">
             <a:extLst>
               <a:ext uri="{FF2B5EF4-FFF2-40B4-BE49-F238E27FC236}">
-                <a16:creationId xmlns:a16="http://schemas.microsoft.com/office/drawing/2014/main" id="{A89D2447-F7BC-6FC0-38D2-2984D78F8706}"/>
+                <a16:creationId xmlns:a16="http://schemas.microsoft.com/office/drawing/2014/main" xmlns="" id="{A89D2447-F7BC-6FC0-38D2-2984D78F8706}"/>
               </a:ext>
             </a:extLst>
           </p:cNvPr>
@@ -34354,7 +34354,7 @@
           <p:cNvPr id="8" name="직선 화살표 연결선 7">
             <a:extLst>
               <a:ext uri="{FF2B5EF4-FFF2-40B4-BE49-F238E27FC236}">
-                <a16:creationId xmlns:a16="http://schemas.microsoft.com/office/drawing/2014/main" id="{4BC5E409-2331-11BF-D232-27FBDECAD6A2}"/>
+                <a16:creationId xmlns:a16="http://schemas.microsoft.com/office/drawing/2014/main" xmlns="" id="{4BC5E409-2331-11BF-D232-27FBDECAD6A2}"/>
               </a:ext>
             </a:extLst>
           </p:cNvPr>
@@ -34395,7 +34395,7 @@
           <p:cNvPr id="9" name="직사각형 8">
             <a:extLst>
               <a:ext uri="{FF2B5EF4-FFF2-40B4-BE49-F238E27FC236}">
-                <a16:creationId xmlns:a16="http://schemas.microsoft.com/office/drawing/2014/main" id="{35BA8761-02C6-785B-3CEF-3095C3E8D29D}"/>
+                <a16:creationId xmlns:a16="http://schemas.microsoft.com/office/drawing/2014/main" xmlns="" id="{35BA8761-02C6-785B-3CEF-3095C3E8D29D}"/>
               </a:ext>
             </a:extLst>
           </p:cNvPr>
@@ -34447,7 +34447,7 @@
           <p:cNvPr id="11" name="직선 화살표 연결선 10">
             <a:extLst>
               <a:ext uri="{FF2B5EF4-FFF2-40B4-BE49-F238E27FC236}">
-                <a16:creationId xmlns:a16="http://schemas.microsoft.com/office/drawing/2014/main" id="{F38F6344-5EEC-0ED5-3473-853588560356}"/>
+                <a16:creationId xmlns:a16="http://schemas.microsoft.com/office/drawing/2014/main" xmlns="" id="{F38F6344-5EEC-0ED5-3473-853588560356}"/>
               </a:ext>
             </a:extLst>
           </p:cNvPr>
@@ -34488,7 +34488,7 @@
           <p:cNvPr id="12" name="직사각형 11">
             <a:extLst>
               <a:ext uri="{FF2B5EF4-FFF2-40B4-BE49-F238E27FC236}">
-                <a16:creationId xmlns:a16="http://schemas.microsoft.com/office/drawing/2014/main" id="{A068EABF-67F4-E922-9316-A65F5BBA710B}"/>
+                <a16:creationId xmlns:a16="http://schemas.microsoft.com/office/drawing/2014/main" xmlns="" id="{A068EABF-67F4-E922-9316-A65F5BBA710B}"/>
               </a:ext>
             </a:extLst>
           </p:cNvPr>
@@ -34540,7 +34540,7 @@
           <p:cNvPr id="14" name="TextBox 13">
             <a:extLst>
               <a:ext uri="{FF2B5EF4-FFF2-40B4-BE49-F238E27FC236}">
-                <a16:creationId xmlns:a16="http://schemas.microsoft.com/office/drawing/2014/main" id="{B14C0058-70C3-2BC3-6365-3D0DBF0F8180}"/>
+                <a16:creationId xmlns:a16="http://schemas.microsoft.com/office/drawing/2014/main" xmlns="" id="{B14C0058-70C3-2BC3-6365-3D0DBF0F8180}"/>
               </a:ext>
             </a:extLst>
           </p:cNvPr>
@@ -34611,7 +34611,7 @@
           <p:cNvPr id="15" name="TextBox 14">
             <a:extLst>
               <a:ext uri="{FF2B5EF4-FFF2-40B4-BE49-F238E27FC236}">
-                <a16:creationId xmlns:a16="http://schemas.microsoft.com/office/drawing/2014/main" id="{09B85E6E-D72E-53BE-389B-F18E2ED4EB18}"/>
+                <a16:creationId xmlns:a16="http://schemas.microsoft.com/office/drawing/2014/main" xmlns="" id="{09B85E6E-D72E-53BE-389B-F18E2ED4EB18}"/>
               </a:ext>
             </a:extLst>
           </p:cNvPr>
@@ -34682,7 +34682,7 @@
           <p:cNvPr id="16" name="TextBox 15">
             <a:extLst>
               <a:ext uri="{FF2B5EF4-FFF2-40B4-BE49-F238E27FC236}">
-                <a16:creationId xmlns:a16="http://schemas.microsoft.com/office/drawing/2014/main" id="{79D79D6B-7414-CE0D-7514-7A9F1FC8C640}"/>
+                <a16:creationId xmlns:a16="http://schemas.microsoft.com/office/drawing/2014/main" xmlns="" id="{79D79D6B-7414-CE0D-7514-7A9F1FC8C640}"/>
               </a:ext>
             </a:extLst>
           </p:cNvPr>
@@ -34765,7 +34765,7 @@
           <p:cNvPr id="18" name="그림 17">
             <a:extLst>
               <a:ext uri="{FF2B5EF4-FFF2-40B4-BE49-F238E27FC236}">
-                <a16:creationId xmlns:a16="http://schemas.microsoft.com/office/drawing/2014/main" id="{6E19FA6E-17E1-D6E1-9243-DE40C8730C93}"/>
+                <a16:creationId xmlns:a16="http://schemas.microsoft.com/office/drawing/2014/main" xmlns="" id="{6E19FA6E-17E1-D6E1-9243-DE40C8730C93}"/>
               </a:ext>
             </a:extLst>
           </p:cNvPr>
@@ -34795,7 +34795,7 @@
           <p:cNvPr id="19" name="TextBox 18">
             <a:extLst>
               <a:ext uri="{FF2B5EF4-FFF2-40B4-BE49-F238E27FC236}">
-                <a16:creationId xmlns:a16="http://schemas.microsoft.com/office/drawing/2014/main" id="{D785C1AD-AB87-0726-FDD4-AB3278BA3549}"/>
+                <a16:creationId xmlns:a16="http://schemas.microsoft.com/office/drawing/2014/main" xmlns="" id="{D785C1AD-AB87-0726-FDD4-AB3278BA3549}"/>
               </a:ext>
             </a:extLst>
           </p:cNvPr>

--- a/JavaLecture/LectureFile/java 5강.pptx
+++ b/JavaLecture/LectureFile/java 5강.pptx
@@ -5,7 +5,7 @@
     <p:sldMasterId id="2147483648" r:id="rId1"/>
   </p:sldMasterIdLst>
   <p:notesMasterIdLst>
-    <p:notesMasterId r:id="rId35"/>
+    <p:notesMasterId r:id="rId37"/>
   </p:notesMasterIdLst>
   <p:sldIdLst>
     <p:sldId id="257" r:id="rId2"/>
@@ -40,7 +40,9 @@
     <p:sldId id="524" r:id="rId31"/>
     <p:sldId id="385" r:id="rId32"/>
     <p:sldId id="482" r:id="rId33"/>
-    <p:sldId id="275" r:id="rId34"/>
+    <p:sldId id="526" r:id="rId34"/>
+    <p:sldId id="525" r:id="rId35"/>
+    <p:sldId id="275" r:id="rId36"/>
   </p:sldIdLst>
   <p:sldSz cx="18288000" cy="10287000"/>
   <p:notesSz cx="10287000" cy="18288000"/>
@@ -240,7 +242,7 @@
           <a:p>
             <a:fld id="{D79F2C30-10E1-4C46-91DC-BBDB9629E720}" type="datetimeFigureOut">
               <a:rPr lang="ko-KR" altLang="en-US" smtClean="0"/>
-              <a:t>2023-02-03</a:t>
+              <a:t>2023-02-04 Saturday</a:t>
             </a:fld>
             <a:endParaRPr lang="ko-KR" altLang="en-US"/>
           </a:p>
@@ -770,7 +772,7 @@
           <a:p>
             <a:fld id="{F8166F1F-CE9B-4651-A6AA-CD717754106B}" type="datetimeFigureOut">
               <a:rPr lang="en-US" smtClean="0"/>
-              <a:t>2/3/2023</a:t>
+              <a:t>2/4/2023</a:t>
             </a:fld>
             <a:endParaRPr lang="en-US"/>
           </a:p>
@@ -933,7 +935,7 @@
           <a:p>
             <a:fld id="{A76116CE-C4A3-4A05-B2D7-7C2E9A889C0F}" type="datetimeFigureOut">
               <a:rPr lang="en-US" smtClean="0"/>
-              <a:t>2/3/2023</a:t>
+              <a:t>2/4/2023</a:t>
             </a:fld>
             <a:endParaRPr lang="en-US"/>
           </a:p>
@@ -1106,7 +1108,7 @@
           <a:p>
             <a:fld id="{A76116CE-C4A3-4A05-B2D7-7C2E9A889C0F}" type="datetimeFigureOut">
               <a:rPr lang="en-US" smtClean="0"/>
-              <a:t>2/3/2023</a:t>
+              <a:t>2/4/2023</a:t>
             </a:fld>
             <a:endParaRPr lang="en-US"/>
           </a:p>
@@ -1271,7 +1273,7 @@
           <a:p>
             <a:fld id="{A76116CE-C4A3-4A05-B2D7-7C2E9A889C0F}" type="datetimeFigureOut">
               <a:rPr lang="en-US" smtClean="0"/>
-              <a:t>2/3/2023</a:t>
+              <a:t>2/4/2023</a:t>
             </a:fld>
             <a:endParaRPr lang="en-US"/>
           </a:p>
@@ -1511,7 +1513,7 @@
           <a:p>
             <a:fld id="{A76116CE-C4A3-4A05-B2D7-7C2E9A889C0F}" type="datetimeFigureOut">
               <a:rPr lang="en-US" smtClean="0"/>
-              <a:t>2/3/2023</a:t>
+              <a:t>2/4/2023</a:t>
             </a:fld>
             <a:endParaRPr lang="en-US"/>
           </a:p>
@@ -1791,7 +1793,7 @@
           <a:p>
             <a:fld id="{A76116CE-C4A3-4A05-B2D7-7C2E9A889C0F}" type="datetimeFigureOut">
               <a:rPr lang="en-US" smtClean="0"/>
-              <a:t>2/3/2023</a:t>
+              <a:t>2/4/2023</a:t>
             </a:fld>
             <a:endParaRPr lang="en-US"/>
           </a:p>
@@ -2205,7 +2207,7 @@
           <a:p>
             <a:fld id="{A76116CE-C4A3-4A05-B2D7-7C2E9A889C0F}" type="datetimeFigureOut">
               <a:rPr lang="en-US" smtClean="0"/>
-              <a:t>2/3/2023</a:t>
+              <a:t>2/4/2023</a:t>
             </a:fld>
             <a:endParaRPr lang="en-US"/>
           </a:p>
@@ -2317,7 +2319,7 @@
           <a:p>
             <a:fld id="{A76116CE-C4A3-4A05-B2D7-7C2E9A889C0F}" type="datetimeFigureOut">
               <a:rPr lang="en-US" smtClean="0"/>
-              <a:t>2/3/2023</a:t>
+              <a:t>2/4/2023</a:t>
             </a:fld>
             <a:endParaRPr lang="en-US"/>
           </a:p>
@@ -2407,7 +2409,7 @@
           <a:p>
             <a:fld id="{A76116CE-C4A3-4A05-B2D7-7C2E9A889C0F}" type="datetimeFigureOut">
               <a:rPr lang="en-US" smtClean="0"/>
-              <a:t>2/3/2023</a:t>
+              <a:t>2/4/2023</a:t>
             </a:fld>
             <a:endParaRPr lang="en-US"/>
           </a:p>
@@ -2677,7 +2679,7 @@
           <a:p>
             <a:fld id="{A76116CE-C4A3-4A05-B2D7-7C2E9A889C0F}" type="datetimeFigureOut">
               <a:rPr lang="en-US" smtClean="0"/>
-              <a:t>2/3/2023</a:t>
+              <a:t>2/4/2023</a:t>
             </a:fld>
             <a:endParaRPr lang="en-US"/>
           </a:p>
@@ -2924,7 +2926,7 @@
           <a:p>
             <a:fld id="{A76116CE-C4A3-4A05-B2D7-7C2E9A889C0F}" type="datetimeFigureOut">
               <a:rPr lang="en-US" smtClean="0"/>
-              <a:t>2/3/2023</a:t>
+              <a:t>2/4/2023</a:t>
             </a:fld>
             <a:endParaRPr lang="en-US"/>
           </a:p>
@@ -3130,7 +3132,7 @@
           <a:p>
             <a:fld id="{F8166F1F-CE9B-4651-A6AA-CD717754106B}" type="datetimeFigureOut">
               <a:rPr lang="en-US" smtClean="0"/>
-              <a:t>2/3/2023</a:t>
+              <a:t>2/4/2023</a:t>
             </a:fld>
             <a:endParaRPr lang="en-US"/>
           </a:p>
@@ -3786,7 +3788,7 @@
           <p:cNvPr id="2" name="TextBox 1">
             <a:extLst>
               <a:ext uri="{FF2B5EF4-FFF2-40B4-BE49-F238E27FC236}">
-                <a16:creationId xmlns:a16="http://schemas.microsoft.com/office/drawing/2014/main" xmlns="" id="{E9A453A8-9968-67AB-7B4A-83EEB4662AA6}"/>
+                <a16:creationId xmlns:a16="http://schemas.microsoft.com/office/drawing/2014/main" id="{E9A453A8-9968-67AB-7B4A-83EEB4662AA6}"/>
               </a:ext>
             </a:extLst>
           </p:cNvPr>
@@ -3834,7 +3836,7 @@
           <p:cNvPr id="4" name="TextBox 3">
             <a:extLst>
               <a:ext uri="{FF2B5EF4-FFF2-40B4-BE49-F238E27FC236}">
-                <a16:creationId xmlns:a16="http://schemas.microsoft.com/office/drawing/2014/main" xmlns="" id="{F4B7A35A-8AAC-4622-64BC-CAD1472D4115}"/>
+                <a16:creationId xmlns:a16="http://schemas.microsoft.com/office/drawing/2014/main" id="{F4B7A35A-8AAC-4622-64BC-CAD1472D4115}"/>
               </a:ext>
             </a:extLst>
           </p:cNvPr>
@@ -3906,7 +3908,7 @@
           <p:cNvPr id="7" name="TextBox 6">
             <a:extLst>
               <a:ext uri="{FF2B5EF4-FFF2-40B4-BE49-F238E27FC236}">
-                <a16:creationId xmlns:a16="http://schemas.microsoft.com/office/drawing/2014/main" xmlns="" id="{3ACE900A-D779-4343-6623-8588B376F0A1}"/>
+                <a16:creationId xmlns:a16="http://schemas.microsoft.com/office/drawing/2014/main" id="{3ACE900A-D779-4343-6623-8588B376F0A1}"/>
               </a:ext>
             </a:extLst>
           </p:cNvPr>
@@ -3970,7 +3972,7 @@
           <p:cNvPr id="4" name="TextBox 3">
             <a:extLst>
               <a:ext uri="{FF2B5EF4-FFF2-40B4-BE49-F238E27FC236}">
-                <a16:creationId xmlns:a16="http://schemas.microsoft.com/office/drawing/2014/main" xmlns="" id="{B86BE553-B223-E4E2-16B6-52C77166FE4A}"/>
+                <a16:creationId xmlns:a16="http://schemas.microsoft.com/office/drawing/2014/main" id="{B86BE553-B223-E4E2-16B6-52C77166FE4A}"/>
               </a:ext>
             </a:extLst>
           </p:cNvPr>
@@ -4021,7 +4023,7 @@
           <p:cNvPr id="6" name="그림 5">
             <a:extLst>
               <a:ext uri="{FF2B5EF4-FFF2-40B4-BE49-F238E27FC236}">
-                <a16:creationId xmlns:a16="http://schemas.microsoft.com/office/drawing/2014/main" xmlns="" id="{8471350E-3FF0-003E-299B-DD0235344F13}"/>
+                <a16:creationId xmlns:a16="http://schemas.microsoft.com/office/drawing/2014/main" id="{8471350E-3FF0-003E-299B-DD0235344F13}"/>
               </a:ext>
             </a:extLst>
           </p:cNvPr>
@@ -4051,7 +4053,7 @@
           <p:cNvPr id="8" name="그림 7">
             <a:extLst>
               <a:ext uri="{FF2B5EF4-FFF2-40B4-BE49-F238E27FC236}">
-                <a16:creationId xmlns:a16="http://schemas.microsoft.com/office/drawing/2014/main" xmlns="" id="{FAC9FBDE-E73E-8E23-FF91-CDE1538912FB}"/>
+                <a16:creationId xmlns:a16="http://schemas.microsoft.com/office/drawing/2014/main" id="{FAC9FBDE-E73E-8E23-FF91-CDE1538912FB}"/>
               </a:ext>
             </a:extLst>
           </p:cNvPr>
@@ -4111,7 +4113,7 @@
           <p:cNvPr id="5" name="그림 4">
             <a:extLst>
               <a:ext uri="{FF2B5EF4-FFF2-40B4-BE49-F238E27FC236}">
-                <a16:creationId xmlns:a16="http://schemas.microsoft.com/office/drawing/2014/main" xmlns="" id="{CCC126AA-0FD9-4407-0C2C-89145BE0BC94}"/>
+                <a16:creationId xmlns:a16="http://schemas.microsoft.com/office/drawing/2014/main" id="{CCC126AA-0FD9-4407-0C2C-89145BE0BC94}"/>
               </a:ext>
             </a:extLst>
           </p:cNvPr>
@@ -4141,7 +4143,7 @@
           <p:cNvPr id="6" name="직선 화살표 연결선 5">
             <a:extLst>
               <a:ext uri="{FF2B5EF4-FFF2-40B4-BE49-F238E27FC236}">
-                <a16:creationId xmlns:a16="http://schemas.microsoft.com/office/drawing/2014/main" xmlns="" id="{98480919-7A14-9246-577E-CA016D2746D6}"/>
+                <a16:creationId xmlns:a16="http://schemas.microsoft.com/office/drawing/2014/main" id="{98480919-7A14-9246-577E-CA016D2746D6}"/>
               </a:ext>
             </a:extLst>
           </p:cNvPr>
@@ -4182,7 +4184,7 @@
           <p:cNvPr id="7" name="직사각형 6">
             <a:extLst>
               <a:ext uri="{FF2B5EF4-FFF2-40B4-BE49-F238E27FC236}">
-                <a16:creationId xmlns:a16="http://schemas.microsoft.com/office/drawing/2014/main" xmlns="" id="{A72A5572-0F2B-AB98-98A8-8276D58A7183}"/>
+                <a16:creationId xmlns:a16="http://schemas.microsoft.com/office/drawing/2014/main" id="{A72A5572-0F2B-AB98-98A8-8276D58A7183}"/>
               </a:ext>
             </a:extLst>
           </p:cNvPr>
@@ -4234,7 +4236,7 @@
           <p:cNvPr id="9" name="TextBox 8">
             <a:extLst>
               <a:ext uri="{FF2B5EF4-FFF2-40B4-BE49-F238E27FC236}">
-                <a16:creationId xmlns:a16="http://schemas.microsoft.com/office/drawing/2014/main" xmlns="" id="{9698C756-8683-A52F-5E9B-5051396A68FE}"/>
+                <a16:creationId xmlns:a16="http://schemas.microsoft.com/office/drawing/2014/main" id="{9698C756-8683-A52F-5E9B-5051396A68FE}"/>
               </a:ext>
             </a:extLst>
           </p:cNvPr>
@@ -4285,7 +4287,7 @@
           <p:cNvPr id="14" name="그림 13">
             <a:extLst>
               <a:ext uri="{FF2B5EF4-FFF2-40B4-BE49-F238E27FC236}">
-                <a16:creationId xmlns:a16="http://schemas.microsoft.com/office/drawing/2014/main" xmlns="" id="{AEBDC62E-07FD-9C01-B522-FDCFA269988E}"/>
+                <a16:creationId xmlns:a16="http://schemas.microsoft.com/office/drawing/2014/main" id="{AEBDC62E-07FD-9C01-B522-FDCFA269988E}"/>
               </a:ext>
             </a:extLst>
           </p:cNvPr>
@@ -4315,7 +4317,7 @@
           <p:cNvPr id="15" name="직선 화살표 연결선 14">
             <a:extLst>
               <a:ext uri="{FF2B5EF4-FFF2-40B4-BE49-F238E27FC236}">
-                <a16:creationId xmlns:a16="http://schemas.microsoft.com/office/drawing/2014/main" xmlns="" id="{9EC15261-4A05-17B5-5B33-C87DA900EA99}"/>
+                <a16:creationId xmlns:a16="http://schemas.microsoft.com/office/drawing/2014/main" id="{9EC15261-4A05-17B5-5B33-C87DA900EA99}"/>
               </a:ext>
             </a:extLst>
           </p:cNvPr>
@@ -4356,7 +4358,7 @@
           <p:cNvPr id="16" name="직사각형 15">
             <a:extLst>
               <a:ext uri="{FF2B5EF4-FFF2-40B4-BE49-F238E27FC236}">
-                <a16:creationId xmlns:a16="http://schemas.microsoft.com/office/drawing/2014/main" xmlns="" id="{CA52BDAC-1026-62AF-72C4-182453ADD4B9}"/>
+                <a16:creationId xmlns:a16="http://schemas.microsoft.com/office/drawing/2014/main" id="{CA52BDAC-1026-62AF-72C4-182453ADD4B9}"/>
               </a:ext>
             </a:extLst>
           </p:cNvPr>
@@ -4408,7 +4410,7 @@
           <p:cNvPr id="17" name="TextBox 16">
             <a:extLst>
               <a:ext uri="{FF2B5EF4-FFF2-40B4-BE49-F238E27FC236}">
-                <a16:creationId xmlns:a16="http://schemas.microsoft.com/office/drawing/2014/main" xmlns="" id="{E6116E6B-167C-2CAA-F5EB-71A1B04492F9}"/>
+                <a16:creationId xmlns:a16="http://schemas.microsoft.com/office/drawing/2014/main" id="{E6116E6B-167C-2CAA-F5EB-71A1B04492F9}"/>
               </a:ext>
             </a:extLst>
           </p:cNvPr>
@@ -4476,7 +4478,7 @@
           <p:cNvPr id="18" name="직선 화살표 연결선 17">
             <a:extLst>
               <a:ext uri="{FF2B5EF4-FFF2-40B4-BE49-F238E27FC236}">
-                <a16:creationId xmlns:a16="http://schemas.microsoft.com/office/drawing/2014/main" xmlns="" id="{3F9F23EB-44CC-D9FF-FA09-B07564F64B4A}"/>
+                <a16:creationId xmlns:a16="http://schemas.microsoft.com/office/drawing/2014/main" id="{3F9F23EB-44CC-D9FF-FA09-B07564F64B4A}"/>
               </a:ext>
             </a:extLst>
           </p:cNvPr>
@@ -4517,7 +4519,7 @@
           <p:cNvPr id="19" name="직사각형 18">
             <a:extLst>
               <a:ext uri="{FF2B5EF4-FFF2-40B4-BE49-F238E27FC236}">
-                <a16:creationId xmlns:a16="http://schemas.microsoft.com/office/drawing/2014/main" xmlns="" id="{1C4A5E66-3D48-F1E3-6C55-3554DC461689}"/>
+                <a16:creationId xmlns:a16="http://schemas.microsoft.com/office/drawing/2014/main" id="{1C4A5E66-3D48-F1E3-6C55-3554DC461689}"/>
               </a:ext>
             </a:extLst>
           </p:cNvPr>
@@ -4569,7 +4571,7 @@
           <p:cNvPr id="20" name="TextBox 19">
             <a:extLst>
               <a:ext uri="{FF2B5EF4-FFF2-40B4-BE49-F238E27FC236}">
-                <a16:creationId xmlns:a16="http://schemas.microsoft.com/office/drawing/2014/main" xmlns="" id="{5B4BD476-0F74-1CF1-B598-4D3336BE57BA}"/>
+                <a16:creationId xmlns:a16="http://schemas.microsoft.com/office/drawing/2014/main" id="{5B4BD476-0F74-1CF1-B598-4D3336BE57BA}"/>
               </a:ext>
             </a:extLst>
           </p:cNvPr>
@@ -4742,7 +4744,7 @@
           <p:cNvPr id="22" name="TextBox 21">
             <a:extLst>
               <a:ext uri="{FF2B5EF4-FFF2-40B4-BE49-F238E27FC236}">
-                <a16:creationId xmlns:a16="http://schemas.microsoft.com/office/drawing/2014/main" xmlns="" id="{BDC22999-0902-B77A-1EC7-5C8B63487CA3}"/>
+                <a16:creationId xmlns:a16="http://schemas.microsoft.com/office/drawing/2014/main" id="{BDC22999-0902-B77A-1EC7-5C8B63487CA3}"/>
               </a:ext>
             </a:extLst>
           </p:cNvPr>
@@ -5071,7 +5073,7 @@
           <p:cNvPr id="5" name="그림 4">
             <a:extLst>
               <a:ext uri="{FF2B5EF4-FFF2-40B4-BE49-F238E27FC236}">
-                <a16:creationId xmlns:a16="http://schemas.microsoft.com/office/drawing/2014/main" xmlns="" id="{1DFC7568-CAEF-99BF-EC85-4041AF7F1F76}"/>
+                <a16:creationId xmlns:a16="http://schemas.microsoft.com/office/drawing/2014/main" id="{1DFC7568-CAEF-99BF-EC85-4041AF7F1F76}"/>
               </a:ext>
             </a:extLst>
           </p:cNvPr>
@@ -5101,7 +5103,7 @@
           <p:cNvPr id="6" name="TextBox 5">
             <a:extLst>
               <a:ext uri="{FF2B5EF4-FFF2-40B4-BE49-F238E27FC236}">
-                <a16:creationId xmlns:a16="http://schemas.microsoft.com/office/drawing/2014/main" xmlns="" id="{8B6C8FF8-0C35-1A4E-C784-120FC66EC404}"/>
+                <a16:creationId xmlns:a16="http://schemas.microsoft.com/office/drawing/2014/main" id="{8B6C8FF8-0C35-1A4E-C784-120FC66EC404}"/>
               </a:ext>
             </a:extLst>
           </p:cNvPr>
@@ -5149,7 +5151,7 @@
           <p:cNvPr id="8" name="그림 7">
             <a:extLst>
               <a:ext uri="{FF2B5EF4-FFF2-40B4-BE49-F238E27FC236}">
-                <a16:creationId xmlns:a16="http://schemas.microsoft.com/office/drawing/2014/main" xmlns="" id="{525EA779-64DA-A0ED-BD45-CB95233C33EF}"/>
+                <a16:creationId xmlns:a16="http://schemas.microsoft.com/office/drawing/2014/main" id="{525EA779-64DA-A0ED-BD45-CB95233C33EF}"/>
               </a:ext>
             </a:extLst>
           </p:cNvPr>
@@ -5179,7 +5181,7 @@
           <p:cNvPr id="10" name="그림 9">
             <a:extLst>
               <a:ext uri="{FF2B5EF4-FFF2-40B4-BE49-F238E27FC236}">
-                <a16:creationId xmlns:a16="http://schemas.microsoft.com/office/drawing/2014/main" xmlns="" id="{464E328A-7AC7-C161-FF8E-F8E9E55DC831}"/>
+                <a16:creationId xmlns:a16="http://schemas.microsoft.com/office/drawing/2014/main" id="{464E328A-7AC7-C161-FF8E-F8E9E55DC831}"/>
               </a:ext>
             </a:extLst>
           </p:cNvPr>
@@ -5209,7 +5211,7 @@
           <p:cNvPr id="11" name="직선 화살표 연결선 10">
             <a:extLst>
               <a:ext uri="{FF2B5EF4-FFF2-40B4-BE49-F238E27FC236}">
-                <a16:creationId xmlns:a16="http://schemas.microsoft.com/office/drawing/2014/main" xmlns="" id="{09361789-4FC4-6FDF-2E48-F0107B92854A}"/>
+                <a16:creationId xmlns:a16="http://schemas.microsoft.com/office/drawing/2014/main" id="{09361789-4FC4-6FDF-2E48-F0107B92854A}"/>
               </a:ext>
             </a:extLst>
           </p:cNvPr>
@@ -5250,7 +5252,7 @@
           <p:cNvPr id="13" name="TextBox 12">
             <a:extLst>
               <a:ext uri="{FF2B5EF4-FFF2-40B4-BE49-F238E27FC236}">
-                <a16:creationId xmlns:a16="http://schemas.microsoft.com/office/drawing/2014/main" xmlns="" id="{E6784F8F-6CCA-3398-4ED7-56F784B30CA2}"/>
+                <a16:creationId xmlns:a16="http://schemas.microsoft.com/office/drawing/2014/main" id="{E6784F8F-6CCA-3398-4ED7-56F784B30CA2}"/>
               </a:ext>
             </a:extLst>
           </p:cNvPr>
@@ -5456,7 +5458,7 @@
           <p:cNvPr id="5" name="그림 4">
             <a:extLst>
               <a:ext uri="{FF2B5EF4-FFF2-40B4-BE49-F238E27FC236}">
-                <a16:creationId xmlns:a16="http://schemas.microsoft.com/office/drawing/2014/main" xmlns="" id="{510207EF-09DC-49C1-E6D3-F88691120AD1}"/>
+                <a16:creationId xmlns:a16="http://schemas.microsoft.com/office/drawing/2014/main" id="{510207EF-09DC-49C1-E6D3-F88691120AD1}"/>
               </a:ext>
             </a:extLst>
           </p:cNvPr>
@@ -5486,7 +5488,7 @@
           <p:cNvPr id="6" name="그룹 1008">
             <a:extLst>
               <a:ext uri="{FF2B5EF4-FFF2-40B4-BE49-F238E27FC236}">
-                <a16:creationId xmlns:a16="http://schemas.microsoft.com/office/drawing/2014/main" xmlns="" id="{A14EE19E-321C-A97D-AF63-2072243F002A}"/>
+                <a16:creationId xmlns:a16="http://schemas.microsoft.com/office/drawing/2014/main" id="{A14EE19E-321C-A97D-AF63-2072243F002A}"/>
               </a:ext>
             </a:extLst>
           </p:cNvPr>
@@ -5506,7 +5508,7 @@
             <p:cNvPr id="7" name="그룹 1009">
               <a:extLst>
                 <a:ext uri="{FF2B5EF4-FFF2-40B4-BE49-F238E27FC236}">
-                  <a16:creationId xmlns:a16="http://schemas.microsoft.com/office/drawing/2014/main" xmlns="" id="{A43A4073-7B53-6E71-0062-9B20CB4FE514}"/>
+                  <a16:creationId xmlns:a16="http://schemas.microsoft.com/office/drawing/2014/main" id="{A43A4073-7B53-6E71-0062-9B20CB4FE514}"/>
                 </a:ext>
               </a:extLst>
             </p:cNvPr>
@@ -5526,7 +5528,7 @@
               <p:cNvPr id="12" name="Object 29">
                 <a:extLst>
                   <a:ext uri="{FF2B5EF4-FFF2-40B4-BE49-F238E27FC236}">
-                    <a16:creationId xmlns:a16="http://schemas.microsoft.com/office/drawing/2014/main" xmlns="" id="{0FA1F176-78B5-C337-CEE4-18490FB23C9F}"/>
+                    <a16:creationId xmlns:a16="http://schemas.microsoft.com/office/drawing/2014/main" id="{0FA1F176-78B5-C337-CEE4-18490FB23C9F}"/>
                   </a:ext>
                 </a:extLst>
               </p:cNvPr>
@@ -5557,7 +5559,7 @@
             <p:cNvPr id="8" name="그룹 1010">
               <a:extLst>
                 <a:ext uri="{FF2B5EF4-FFF2-40B4-BE49-F238E27FC236}">
-                  <a16:creationId xmlns:a16="http://schemas.microsoft.com/office/drawing/2014/main" xmlns="" id="{674E521B-C909-5CDE-F90C-AF7B7C750389}"/>
+                  <a16:creationId xmlns:a16="http://schemas.microsoft.com/office/drawing/2014/main" id="{674E521B-C909-5CDE-F90C-AF7B7C750389}"/>
                 </a:ext>
               </a:extLst>
             </p:cNvPr>
@@ -5577,7 +5579,7 @@
               <p:cNvPr id="11" name="Object 32">
                 <a:extLst>
                   <a:ext uri="{FF2B5EF4-FFF2-40B4-BE49-F238E27FC236}">
-                    <a16:creationId xmlns:a16="http://schemas.microsoft.com/office/drawing/2014/main" xmlns="" id="{DC8FA06F-2A39-2C5A-9773-76B50091F261}"/>
+                    <a16:creationId xmlns:a16="http://schemas.microsoft.com/office/drawing/2014/main" id="{DC8FA06F-2A39-2C5A-9773-76B50091F261}"/>
                   </a:ext>
                 </a:extLst>
               </p:cNvPr>
@@ -5608,7 +5610,7 @@
             <p:cNvPr id="9" name="그룹 1011">
               <a:extLst>
                 <a:ext uri="{FF2B5EF4-FFF2-40B4-BE49-F238E27FC236}">
-                  <a16:creationId xmlns:a16="http://schemas.microsoft.com/office/drawing/2014/main" xmlns="" id="{C96426C2-84E9-31A0-A52C-8C856FFBD1B5}"/>
+                  <a16:creationId xmlns:a16="http://schemas.microsoft.com/office/drawing/2014/main" id="{C96426C2-84E9-31A0-A52C-8C856FFBD1B5}"/>
                 </a:ext>
               </a:extLst>
             </p:cNvPr>
@@ -5628,7 +5630,7 @@
               <p:cNvPr id="10" name="Object 35">
                 <a:extLst>
                   <a:ext uri="{FF2B5EF4-FFF2-40B4-BE49-F238E27FC236}">
-                    <a16:creationId xmlns:a16="http://schemas.microsoft.com/office/drawing/2014/main" xmlns="" id="{C3CF0BFA-2B16-5180-8CE8-9B8F37088E16}"/>
+                    <a16:creationId xmlns:a16="http://schemas.microsoft.com/office/drawing/2014/main" id="{C3CF0BFA-2B16-5180-8CE8-9B8F37088E16}"/>
                   </a:ext>
                 </a:extLst>
               </p:cNvPr>
@@ -5660,7 +5662,7 @@
           <p:cNvPr id="14" name="그림 13">
             <a:extLst>
               <a:ext uri="{FF2B5EF4-FFF2-40B4-BE49-F238E27FC236}">
-                <a16:creationId xmlns:a16="http://schemas.microsoft.com/office/drawing/2014/main" xmlns="" id="{3CB6F7CE-461F-FFAC-327C-A36798B4947A}"/>
+                <a16:creationId xmlns:a16="http://schemas.microsoft.com/office/drawing/2014/main" id="{3CB6F7CE-461F-FFAC-327C-A36798B4947A}"/>
               </a:ext>
             </a:extLst>
           </p:cNvPr>
@@ -5690,7 +5692,7 @@
           <p:cNvPr id="15" name="직사각형 14">
             <a:extLst>
               <a:ext uri="{FF2B5EF4-FFF2-40B4-BE49-F238E27FC236}">
-                <a16:creationId xmlns:a16="http://schemas.microsoft.com/office/drawing/2014/main" xmlns="" id="{E71FCE28-DE56-093A-EFDA-13850D95EB1C}"/>
+                <a16:creationId xmlns:a16="http://schemas.microsoft.com/office/drawing/2014/main" id="{E71FCE28-DE56-093A-EFDA-13850D95EB1C}"/>
               </a:ext>
             </a:extLst>
           </p:cNvPr>
@@ -5742,7 +5744,7 @@
           <p:cNvPr id="16" name="TextBox 15">
             <a:extLst>
               <a:ext uri="{FF2B5EF4-FFF2-40B4-BE49-F238E27FC236}">
-                <a16:creationId xmlns:a16="http://schemas.microsoft.com/office/drawing/2014/main" xmlns="" id="{98021B63-D133-4AD2-3BDE-8A3CB38007A6}"/>
+                <a16:creationId xmlns:a16="http://schemas.microsoft.com/office/drawing/2014/main" id="{98021B63-D133-4AD2-3BDE-8A3CB38007A6}"/>
               </a:ext>
             </a:extLst>
           </p:cNvPr>
@@ -5892,7 +5894,7 @@
           <p:cNvPr id="4" name="TextBox 3">
             <a:extLst>
               <a:ext uri="{FF2B5EF4-FFF2-40B4-BE49-F238E27FC236}">
-                <a16:creationId xmlns:a16="http://schemas.microsoft.com/office/drawing/2014/main" xmlns="" id="{F8EAC7D1-88F2-45AD-C573-E3F58E88DC68}"/>
+                <a16:creationId xmlns:a16="http://schemas.microsoft.com/office/drawing/2014/main" id="{F8EAC7D1-88F2-45AD-C573-E3F58E88DC68}"/>
               </a:ext>
             </a:extLst>
           </p:cNvPr>
@@ -5940,7 +5942,7 @@
           <p:cNvPr id="8" name="직선 화살표 연결선 7">
             <a:extLst>
               <a:ext uri="{FF2B5EF4-FFF2-40B4-BE49-F238E27FC236}">
-                <a16:creationId xmlns:a16="http://schemas.microsoft.com/office/drawing/2014/main" xmlns="" id="{BD7E8D46-8366-0ACB-8736-BAA63C4948F6}"/>
+                <a16:creationId xmlns:a16="http://schemas.microsoft.com/office/drawing/2014/main" id="{BD7E8D46-8366-0ACB-8736-BAA63C4948F6}"/>
               </a:ext>
             </a:extLst>
           </p:cNvPr>
@@ -5983,7 +5985,7 @@
           <p:cNvPr id="9" name="TextBox 8">
             <a:extLst>
               <a:ext uri="{FF2B5EF4-FFF2-40B4-BE49-F238E27FC236}">
-                <a16:creationId xmlns:a16="http://schemas.microsoft.com/office/drawing/2014/main" xmlns="" id="{F51F0C12-7B1F-4619-C90F-85C6C255847B}"/>
+                <a16:creationId xmlns:a16="http://schemas.microsoft.com/office/drawing/2014/main" id="{F51F0C12-7B1F-4619-C90F-85C6C255847B}"/>
               </a:ext>
             </a:extLst>
           </p:cNvPr>
@@ -6031,7 +6033,7 @@
           <p:cNvPr id="11" name="그림 10">
             <a:extLst>
               <a:ext uri="{FF2B5EF4-FFF2-40B4-BE49-F238E27FC236}">
-                <a16:creationId xmlns:a16="http://schemas.microsoft.com/office/drawing/2014/main" xmlns="" id="{DD05D970-9738-B739-E4DD-0ECF16E2117A}"/>
+                <a16:creationId xmlns:a16="http://schemas.microsoft.com/office/drawing/2014/main" id="{DD05D970-9738-B739-E4DD-0ECF16E2117A}"/>
               </a:ext>
             </a:extLst>
           </p:cNvPr>
@@ -6061,7 +6063,7 @@
           <p:cNvPr id="15" name="그림 14">
             <a:extLst>
               <a:ext uri="{FF2B5EF4-FFF2-40B4-BE49-F238E27FC236}">
-                <a16:creationId xmlns:a16="http://schemas.microsoft.com/office/drawing/2014/main" xmlns="" id="{41AC80D2-EE1D-ABD5-510D-F82737E08F34}"/>
+                <a16:creationId xmlns:a16="http://schemas.microsoft.com/office/drawing/2014/main" id="{41AC80D2-EE1D-ABD5-510D-F82737E08F34}"/>
               </a:ext>
             </a:extLst>
           </p:cNvPr>
@@ -6091,7 +6093,7 @@
           <p:cNvPr id="16" name="직선 화살표 연결선 15">
             <a:extLst>
               <a:ext uri="{FF2B5EF4-FFF2-40B4-BE49-F238E27FC236}">
-                <a16:creationId xmlns:a16="http://schemas.microsoft.com/office/drawing/2014/main" xmlns="" id="{1FA065D4-8A94-28C0-91F2-C1FB1537AB3F}"/>
+                <a16:creationId xmlns:a16="http://schemas.microsoft.com/office/drawing/2014/main" id="{1FA065D4-8A94-28C0-91F2-C1FB1537AB3F}"/>
               </a:ext>
             </a:extLst>
           </p:cNvPr>
@@ -6132,7 +6134,7 @@
           <p:cNvPr id="17" name="TextBox 16">
             <a:extLst>
               <a:ext uri="{FF2B5EF4-FFF2-40B4-BE49-F238E27FC236}">
-                <a16:creationId xmlns:a16="http://schemas.microsoft.com/office/drawing/2014/main" xmlns="" id="{E5728E47-8085-2359-64CF-5161928F4B53}"/>
+                <a16:creationId xmlns:a16="http://schemas.microsoft.com/office/drawing/2014/main" id="{E5728E47-8085-2359-64CF-5161928F4B53}"/>
               </a:ext>
             </a:extLst>
           </p:cNvPr>
@@ -6189,7 +6191,7 @@
           <p:cNvPr id="19" name="그림 18">
             <a:extLst>
               <a:ext uri="{FF2B5EF4-FFF2-40B4-BE49-F238E27FC236}">
-                <a16:creationId xmlns:a16="http://schemas.microsoft.com/office/drawing/2014/main" xmlns="" id="{C2C9B424-B3FD-D9FD-27BB-4CDE5A1C5270}"/>
+                <a16:creationId xmlns:a16="http://schemas.microsoft.com/office/drawing/2014/main" id="{C2C9B424-B3FD-D9FD-27BB-4CDE5A1C5270}"/>
               </a:ext>
             </a:extLst>
           </p:cNvPr>
@@ -6219,7 +6221,7 @@
           <p:cNvPr id="21" name="직선 화살표 연결선 20">
             <a:extLst>
               <a:ext uri="{FF2B5EF4-FFF2-40B4-BE49-F238E27FC236}">
-                <a16:creationId xmlns:a16="http://schemas.microsoft.com/office/drawing/2014/main" xmlns="" id="{E37CF84E-BCBC-2603-47D0-250D6FF23E5D}"/>
+                <a16:creationId xmlns:a16="http://schemas.microsoft.com/office/drawing/2014/main" id="{E37CF84E-BCBC-2603-47D0-250D6FF23E5D}"/>
               </a:ext>
             </a:extLst>
           </p:cNvPr>
@@ -6262,7 +6264,7 @@
           <p:cNvPr id="22" name="TextBox 21">
             <a:extLst>
               <a:ext uri="{FF2B5EF4-FFF2-40B4-BE49-F238E27FC236}">
-                <a16:creationId xmlns:a16="http://schemas.microsoft.com/office/drawing/2014/main" xmlns="" id="{416B52E3-E39B-3465-F625-41EBE4C5B82F}"/>
+                <a16:creationId xmlns:a16="http://schemas.microsoft.com/office/drawing/2014/main" id="{416B52E3-E39B-3465-F625-41EBE4C5B82F}"/>
               </a:ext>
             </a:extLst>
           </p:cNvPr>
@@ -6319,7 +6321,7 @@
           <p:cNvPr id="27" name="그림 26">
             <a:extLst>
               <a:ext uri="{FF2B5EF4-FFF2-40B4-BE49-F238E27FC236}">
-                <a16:creationId xmlns:a16="http://schemas.microsoft.com/office/drawing/2014/main" xmlns="" id="{3A9731F4-92A3-79BA-9983-667FA096D68E}"/>
+                <a16:creationId xmlns:a16="http://schemas.microsoft.com/office/drawing/2014/main" id="{3A9731F4-92A3-79BA-9983-667FA096D68E}"/>
               </a:ext>
             </a:extLst>
           </p:cNvPr>
@@ -6349,7 +6351,7 @@
           <p:cNvPr id="28" name="직선 화살표 연결선 27">
             <a:extLst>
               <a:ext uri="{FF2B5EF4-FFF2-40B4-BE49-F238E27FC236}">
-                <a16:creationId xmlns:a16="http://schemas.microsoft.com/office/drawing/2014/main" xmlns="" id="{3A77F496-0E00-2AA1-D9C9-8FAC3BD4B09A}"/>
+                <a16:creationId xmlns:a16="http://schemas.microsoft.com/office/drawing/2014/main" id="{3A77F496-0E00-2AA1-D9C9-8FAC3BD4B09A}"/>
               </a:ext>
             </a:extLst>
           </p:cNvPr>
@@ -6391,7 +6393,7 @@
           <p:cNvPr id="29" name="TextBox 28">
             <a:extLst>
               <a:ext uri="{FF2B5EF4-FFF2-40B4-BE49-F238E27FC236}">
-                <a16:creationId xmlns:a16="http://schemas.microsoft.com/office/drawing/2014/main" xmlns="" id="{209BD1AD-5AB8-4F47-8596-2FC55EDB2D9B}"/>
+                <a16:creationId xmlns:a16="http://schemas.microsoft.com/office/drawing/2014/main" id="{209BD1AD-5AB8-4F47-8596-2FC55EDB2D9B}"/>
               </a:ext>
             </a:extLst>
           </p:cNvPr>
@@ -6452,7 +6454,7 @@
           <p:cNvPr id="33" name="그림 32">
             <a:extLst>
               <a:ext uri="{FF2B5EF4-FFF2-40B4-BE49-F238E27FC236}">
-                <a16:creationId xmlns:a16="http://schemas.microsoft.com/office/drawing/2014/main" xmlns="" id="{E51875F0-A862-C9C6-A3DE-F63288F7F3F5}"/>
+                <a16:creationId xmlns:a16="http://schemas.microsoft.com/office/drawing/2014/main" id="{E51875F0-A862-C9C6-A3DE-F63288F7F3F5}"/>
               </a:ext>
             </a:extLst>
           </p:cNvPr>
@@ -6482,7 +6484,7 @@
           <p:cNvPr id="34" name="직선 화살표 연결선 33">
             <a:extLst>
               <a:ext uri="{FF2B5EF4-FFF2-40B4-BE49-F238E27FC236}">
-                <a16:creationId xmlns:a16="http://schemas.microsoft.com/office/drawing/2014/main" xmlns="" id="{723CDA1E-DD0C-A09B-3849-2CA0307CC77B}"/>
+                <a16:creationId xmlns:a16="http://schemas.microsoft.com/office/drawing/2014/main" id="{723CDA1E-DD0C-A09B-3849-2CA0307CC77B}"/>
               </a:ext>
             </a:extLst>
           </p:cNvPr>
@@ -6524,7 +6526,7 @@
           <p:cNvPr id="35" name="TextBox 34">
             <a:extLst>
               <a:ext uri="{FF2B5EF4-FFF2-40B4-BE49-F238E27FC236}">
-                <a16:creationId xmlns:a16="http://schemas.microsoft.com/office/drawing/2014/main" xmlns="" id="{CF80E56E-35DC-20B7-8FAF-706AEAFAC279}"/>
+                <a16:creationId xmlns:a16="http://schemas.microsoft.com/office/drawing/2014/main" id="{CF80E56E-35DC-20B7-8FAF-706AEAFAC279}"/>
               </a:ext>
             </a:extLst>
           </p:cNvPr>
@@ -6581,7 +6583,7 @@
           <p:cNvPr id="42" name="그림 41">
             <a:extLst>
               <a:ext uri="{FF2B5EF4-FFF2-40B4-BE49-F238E27FC236}">
-                <a16:creationId xmlns:a16="http://schemas.microsoft.com/office/drawing/2014/main" xmlns="" id="{EB7A3028-B24E-D1AE-80C1-0054FBD2BA3A}"/>
+                <a16:creationId xmlns:a16="http://schemas.microsoft.com/office/drawing/2014/main" id="{EB7A3028-B24E-D1AE-80C1-0054FBD2BA3A}"/>
               </a:ext>
             </a:extLst>
           </p:cNvPr>
@@ -6611,7 +6613,7 @@
           <p:cNvPr id="44" name="직선 화살표 연결선 43">
             <a:extLst>
               <a:ext uri="{FF2B5EF4-FFF2-40B4-BE49-F238E27FC236}">
-                <a16:creationId xmlns:a16="http://schemas.microsoft.com/office/drawing/2014/main" xmlns="" id="{7BD70768-F0FE-EB75-384A-63A099E51E92}"/>
+                <a16:creationId xmlns:a16="http://schemas.microsoft.com/office/drawing/2014/main" id="{7BD70768-F0FE-EB75-384A-63A099E51E92}"/>
               </a:ext>
             </a:extLst>
           </p:cNvPr>
@@ -6653,7 +6655,7 @@
           <p:cNvPr id="45" name="TextBox 44">
             <a:extLst>
               <a:ext uri="{FF2B5EF4-FFF2-40B4-BE49-F238E27FC236}">
-                <a16:creationId xmlns:a16="http://schemas.microsoft.com/office/drawing/2014/main" xmlns="" id="{BB5C97C4-93FC-2F33-77D9-C519DD5BA1FE}"/>
+                <a16:creationId xmlns:a16="http://schemas.microsoft.com/office/drawing/2014/main" id="{BB5C97C4-93FC-2F33-77D9-C519DD5BA1FE}"/>
               </a:ext>
             </a:extLst>
           </p:cNvPr>
@@ -7244,7 +7246,7 @@
           <p:cNvPr id="5" name="그림 4">
             <a:extLst>
               <a:ext uri="{FF2B5EF4-FFF2-40B4-BE49-F238E27FC236}">
-                <a16:creationId xmlns:a16="http://schemas.microsoft.com/office/drawing/2014/main" xmlns="" id="{CED397DB-6884-4568-93D2-7A434AF2A375}"/>
+                <a16:creationId xmlns:a16="http://schemas.microsoft.com/office/drawing/2014/main" id="{CED397DB-6884-4568-93D2-7A434AF2A375}"/>
               </a:ext>
             </a:extLst>
           </p:cNvPr>
@@ -7274,7 +7276,7 @@
           <p:cNvPr id="6" name="직선 화살표 연결선 5">
             <a:extLst>
               <a:ext uri="{FF2B5EF4-FFF2-40B4-BE49-F238E27FC236}">
-                <a16:creationId xmlns:a16="http://schemas.microsoft.com/office/drawing/2014/main" xmlns="" id="{53D81AA9-426A-FA0D-5ED9-A7F39CD10E67}"/>
+                <a16:creationId xmlns:a16="http://schemas.microsoft.com/office/drawing/2014/main" id="{53D81AA9-426A-FA0D-5ED9-A7F39CD10E67}"/>
               </a:ext>
             </a:extLst>
           </p:cNvPr>
@@ -7317,7 +7319,7 @@
           <p:cNvPr id="7" name="TextBox 6">
             <a:extLst>
               <a:ext uri="{FF2B5EF4-FFF2-40B4-BE49-F238E27FC236}">
-                <a16:creationId xmlns:a16="http://schemas.microsoft.com/office/drawing/2014/main" xmlns="" id="{596882A4-AA05-D19C-F595-DDF46F3DFE63}"/>
+                <a16:creationId xmlns:a16="http://schemas.microsoft.com/office/drawing/2014/main" id="{596882A4-AA05-D19C-F595-DDF46F3DFE63}"/>
               </a:ext>
             </a:extLst>
           </p:cNvPr>
@@ -7400,7 +7402,7 @@
           <p:cNvPr id="11" name="그림 10">
             <a:extLst>
               <a:ext uri="{FF2B5EF4-FFF2-40B4-BE49-F238E27FC236}">
-                <a16:creationId xmlns:a16="http://schemas.microsoft.com/office/drawing/2014/main" xmlns="" id="{B1C8B7AD-6AC3-6D3F-F098-E984D99CD435}"/>
+                <a16:creationId xmlns:a16="http://schemas.microsoft.com/office/drawing/2014/main" id="{B1C8B7AD-6AC3-6D3F-F098-E984D99CD435}"/>
               </a:ext>
             </a:extLst>
           </p:cNvPr>
@@ -7430,7 +7432,7 @@
           <p:cNvPr id="12" name="직선 화살표 연결선 11">
             <a:extLst>
               <a:ext uri="{FF2B5EF4-FFF2-40B4-BE49-F238E27FC236}">
-                <a16:creationId xmlns:a16="http://schemas.microsoft.com/office/drawing/2014/main" xmlns="" id="{E7C2BF38-A838-5867-9212-996769FB3F03}"/>
+                <a16:creationId xmlns:a16="http://schemas.microsoft.com/office/drawing/2014/main" id="{E7C2BF38-A838-5867-9212-996769FB3F03}"/>
               </a:ext>
             </a:extLst>
           </p:cNvPr>
@@ -7472,7 +7474,7 @@
           <p:cNvPr id="13" name="TextBox 12">
             <a:extLst>
               <a:ext uri="{FF2B5EF4-FFF2-40B4-BE49-F238E27FC236}">
-                <a16:creationId xmlns:a16="http://schemas.microsoft.com/office/drawing/2014/main" xmlns="" id="{1845C746-1213-A154-7457-9FC33860F6BD}"/>
+                <a16:creationId xmlns:a16="http://schemas.microsoft.com/office/drawing/2014/main" id="{1845C746-1213-A154-7457-9FC33860F6BD}"/>
               </a:ext>
             </a:extLst>
           </p:cNvPr>
@@ -7763,7 +7765,7 @@
           <p:cNvPr id="4" name="TextBox 3">
             <a:extLst>
               <a:ext uri="{FF2B5EF4-FFF2-40B4-BE49-F238E27FC236}">
-                <a16:creationId xmlns:a16="http://schemas.microsoft.com/office/drawing/2014/main" xmlns="" id="{CB50B841-27B1-7598-2FB2-6051E08E5552}"/>
+                <a16:creationId xmlns:a16="http://schemas.microsoft.com/office/drawing/2014/main" id="{CB50B841-27B1-7598-2FB2-6051E08E5552}"/>
               </a:ext>
             </a:extLst>
           </p:cNvPr>
@@ -7811,7 +7813,7 @@
           <p:cNvPr id="6" name="그림 5">
             <a:extLst>
               <a:ext uri="{FF2B5EF4-FFF2-40B4-BE49-F238E27FC236}">
-                <a16:creationId xmlns:a16="http://schemas.microsoft.com/office/drawing/2014/main" xmlns="" id="{45CC5072-46D6-08D9-955B-32ED071F5AC0}"/>
+                <a16:creationId xmlns:a16="http://schemas.microsoft.com/office/drawing/2014/main" id="{45CC5072-46D6-08D9-955B-32ED071F5AC0}"/>
               </a:ext>
             </a:extLst>
           </p:cNvPr>
@@ -7841,7 +7843,7 @@
           <p:cNvPr id="7" name="직선 화살표 연결선 6">
             <a:extLst>
               <a:ext uri="{FF2B5EF4-FFF2-40B4-BE49-F238E27FC236}">
-                <a16:creationId xmlns:a16="http://schemas.microsoft.com/office/drawing/2014/main" xmlns="" id="{4BADD8A1-E513-3640-2D73-E61242BF977F}"/>
+                <a16:creationId xmlns:a16="http://schemas.microsoft.com/office/drawing/2014/main" id="{4BADD8A1-E513-3640-2D73-E61242BF977F}"/>
               </a:ext>
             </a:extLst>
           </p:cNvPr>
@@ -7882,7 +7884,7 @@
           <p:cNvPr id="8" name="TextBox 7">
             <a:extLst>
               <a:ext uri="{FF2B5EF4-FFF2-40B4-BE49-F238E27FC236}">
-                <a16:creationId xmlns:a16="http://schemas.microsoft.com/office/drawing/2014/main" xmlns="" id="{4D5F8ADA-A705-C51D-8E95-CD4CDB9654BA}"/>
+                <a16:creationId xmlns:a16="http://schemas.microsoft.com/office/drawing/2014/main" id="{4D5F8ADA-A705-C51D-8E95-CD4CDB9654BA}"/>
               </a:ext>
             </a:extLst>
           </p:cNvPr>
@@ -7939,7 +7941,7 @@
           <p:cNvPr id="10" name="그림 9">
             <a:extLst>
               <a:ext uri="{FF2B5EF4-FFF2-40B4-BE49-F238E27FC236}">
-                <a16:creationId xmlns:a16="http://schemas.microsoft.com/office/drawing/2014/main" xmlns="" id="{66218DCB-BBAA-13D4-ECB3-025DDCD23B4F}"/>
+                <a16:creationId xmlns:a16="http://schemas.microsoft.com/office/drawing/2014/main" id="{66218DCB-BBAA-13D4-ECB3-025DDCD23B4F}"/>
               </a:ext>
             </a:extLst>
           </p:cNvPr>
@@ -7969,7 +7971,7 @@
           <p:cNvPr id="11" name="직선 화살표 연결선 10">
             <a:extLst>
               <a:ext uri="{FF2B5EF4-FFF2-40B4-BE49-F238E27FC236}">
-                <a16:creationId xmlns:a16="http://schemas.microsoft.com/office/drawing/2014/main" xmlns="" id="{F86C6958-EFE9-C5DC-7948-5D8EAB522449}"/>
+                <a16:creationId xmlns:a16="http://schemas.microsoft.com/office/drawing/2014/main" id="{F86C6958-EFE9-C5DC-7948-5D8EAB522449}"/>
               </a:ext>
             </a:extLst>
           </p:cNvPr>
@@ -8011,7 +8013,7 @@
           <p:cNvPr id="12" name="TextBox 11">
             <a:extLst>
               <a:ext uri="{FF2B5EF4-FFF2-40B4-BE49-F238E27FC236}">
-                <a16:creationId xmlns:a16="http://schemas.microsoft.com/office/drawing/2014/main" xmlns="" id="{4DE5A079-4DA8-C78F-8103-A888E64984B4}"/>
+                <a16:creationId xmlns:a16="http://schemas.microsoft.com/office/drawing/2014/main" id="{4DE5A079-4DA8-C78F-8103-A888E64984B4}"/>
               </a:ext>
             </a:extLst>
           </p:cNvPr>
@@ -8328,7 +8330,7 @@
           <p:cNvPr id="4" name="TextBox 3">
             <a:extLst>
               <a:ext uri="{FF2B5EF4-FFF2-40B4-BE49-F238E27FC236}">
-                <a16:creationId xmlns:a16="http://schemas.microsoft.com/office/drawing/2014/main" xmlns="" id="{37C30BAF-D498-C798-BC14-1718488A3435}"/>
+                <a16:creationId xmlns:a16="http://schemas.microsoft.com/office/drawing/2014/main" id="{37C30BAF-D498-C798-BC14-1718488A3435}"/>
               </a:ext>
             </a:extLst>
           </p:cNvPr>
@@ -8379,7 +8381,7 @@
           <p:cNvPr id="5" name="TextBox 4">
             <a:extLst>
               <a:ext uri="{FF2B5EF4-FFF2-40B4-BE49-F238E27FC236}">
-                <a16:creationId xmlns:a16="http://schemas.microsoft.com/office/drawing/2014/main" xmlns="" id="{1411E83A-6F3E-13BA-B84D-07D6B1588D85}"/>
+                <a16:creationId xmlns:a16="http://schemas.microsoft.com/office/drawing/2014/main" id="{1411E83A-6F3E-13BA-B84D-07D6B1588D85}"/>
               </a:ext>
             </a:extLst>
           </p:cNvPr>
@@ -8545,7 +8547,7 @@
           <p:cNvPr id="6" name="TextBox 5">
             <a:extLst>
               <a:ext uri="{FF2B5EF4-FFF2-40B4-BE49-F238E27FC236}">
-                <a16:creationId xmlns:a16="http://schemas.microsoft.com/office/drawing/2014/main" xmlns="" id="{1411E83A-6F3E-13BA-B84D-07D6B1588D85}"/>
+                <a16:creationId xmlns:a16="http://schemas.microsoft.com/office/drawing/2014/main" id="{1411E83A-6F3E-13BA-B84D-07D6B1588D85}"/>
               </a:ext>
             </a:extLst>
           </p:cNvPr>
@@ -8680,7 +8682,7 @@
           <p:cNvPr id="7" name="TextBox 6">
             <a:extLst>
               <a:ext uri="{FF2B5EF4-FFF2-40B4-BE49-F238E27FC236}">
-                <a16:creationId xmlns:a16="http://schemas.microsoft.com/office/drawing/2014/main" xmlns="" id="{1411E83A-6F3E-13BA-B84D-07D6B1588D85}"/>
+                <a16:creationId xmlns:a16="http://schemas.microsoft.com/office/drawing/2014/main" id="{1411E83A-6F3E-13BA-B84D-07D6B1588D85}"/>
               </a:ext>
             </a:extLst>
           </p:cNvPr>
@@ -8867,7 +8869,7 @@
           <p:cNvPr id="4" name="TextBox 3">
             <a:extLst>
               <a:ext uri="{FF2B5EF4-FFF2-40B4-BE49-F238E27FC236}">
-                <a16:creationId xmlns:a16="http://schemas.microsoft.com/office/drawing/2014/main" xmlns="" id="{AAA7A62B-B663-9BB3-853E-37554E612635}"/>
+                <a16:creationId xmlns:a16="http://schemas.microsoft.com/office/drawing/2014/main" id="{AAA7A62B-B663-9BB3-853E-37554E612635}"/>
               </a:ext>
             </a:extLst>
           </p:cNvPr>
@@ -8938,7 +8940,7 @@
           <p:cNvPr id="12" name="그룹 1018">
             <a:extLst>
               <a:ext uri="{FF2B5EF4-FFF2-40B4-BE49-F238E27FC236}">
-                <a16:creationId xmlns:a16="http://schemas.microsoft.com/office/drawing/2014/main" xmlns="" id="{4F0468F5-F027-54AB-48FE-FBD97453C390}"/>
+                <a16:creationId xmlns:a16="http://schemas.microsoft.com/office/drawing/2014/main" id="{4F0468F5-F027-54AB-48FE-FBD97453C390}"/>
               </a:ext>
             </a:extLst>
           </p:cNvPr>
@@ -8958,7 +8960,7 @@
             <p:cNvPr id="13" name="Object 61">
               <a:extLst>
                 <a:ext uri="{FF2B5EF4-FFF2-40B4-BE49-F238E27FC236}">
-                  <a16:creationId xmlns:a16="http://schemas.microsoft.com/office/drawing/2014/main" xmlns="" id="{AC2EBFB7-1019-73EA-EBFE-CF649B53884D}"/>
+                  <a16:creationId xmlns:a16="http://schemas.microsoft.com/office/drawing/2014/main" id="{AC2EBFB7-1019-73EA-EBFE-CF649B53884D}"/>
                 </a:ext>
               </a:extLst>
             </p:cNvPr>
@@ -8989,7 +8991,7 @@
           <p:cNvPr id="14" name="TextBox 13">
             <a:extLst>
               <a:ext uri="{FF2B5EF4-FFF2-40B4-BE49-F238E27FC236}">
-                <a16:creationId xmlns:a16="http://schemas.microsoft.com/office/drawing/2014/main" xmlns="" id="{CD7FD98D-0E89-838A-2E86-645AC568668B}"/>
+                <a16:creationId xmlns:a16="http://schemas.microsoft.com/office/drawing/2014/main" id="{CD7FD98D-0E89-838A-2E86-645AC568668B}"/>
               </a:ext>
             </a:extLst>
           </p:cNvPr>
@@ -9046,7 +9048,7 @@
           <p:cNvPr id="17" name="TextBox 16">
             <a:extLst>
               <a:ext uri="{FF2B5EF4-FFF2-40B4-BE49-F238E27FC236}">
-                <a16:creationId xmlns:a16="http://schemas.microsoft.com/office/drawing/2014/main" xmlns="" id="{7843ACB4-9657-BCB3-AF18-AEDD8CD8AAD4}"/>
+                <a16:creationId xmlns:a16="http://schemas.microsoft.com/office/drawing/2014/main" id="{7843ACB4-9657-BCB3-AF18-AEDD8CD8AAD4}"/>
               </a:ext>
             </a:extLst>
           </p:cNvPr>
@@ -9097,7 +9099,7 @@
           <p:cNvPr id="18" name="그룹 1018">
             <a:extLst>
               <a:ext uri="{FF2B5EF4-FFF2-40B4-BE49-F238E27FC236}">
-                <a16:creationId xmlns:a16="http://schemas.microsoft.com/office/drawing/2014/main" xmlns="" id="{AC6D02A6-858E-B1E5-BCF7-602AAC9F856B}"/>
+                <a16:creationId xmlns:a16="http://schemas.microsoft.com/office/drawing/2014/main" id="{AC6D02A6-858E-B1E5-BCF7-602AAC9F856B}"/>
               </a:ext>
             </a:extLst>
           </p:cNvPr>
@@ -9117,7 +9119,7 @@
             <p:cNvPr id="19" name="Object 61">
               <a:extLst>
                 <a:ext uri="{FF2B5EF4-FFF2-40B4-BE49-F238E27FC236}">
-                  <a16:creationId xmlns:a16="http://schemas.microsoft.com/office/drawing/2014/main" xmlns="" id="{6F0A1746-433C-D68C-49A3-F644B1C290B7}"/>
+                  <a16:creationId xmlns:a16="http://schemas.microsoft.com/office/drawing/2014/main" id="{6F0A1746-433C-D68C-49A3-F644B1C290B7}"/>
                 </a:ext>
               </a:extLst>
             </p:cNvPr>
@@ -9148,7 +9150,7 @@
           <p:cNvPr id="20" name="TextBox 19">
             <a:extLst>
               <a:ext uri="{FF2B5EF4-FFF2-40B4-BE49-F238E27FC236}">
-                <a16:creationId xmlns:a16="http://schemas.microsoft.com/office/drawing/2014/main" xmlns="" id="{963B2D80-045B-B26F-596E-2802A373CFAE}"/>
+                <a16:creationId xmlns:a16="http://schemas.microsoft.com/office/drawing/2014/main" id="{963B2D80-045B-B26F-596E-2802A373CFAE}"/>
               </a:ext>
             </a:extLst>
           </p:cNvPr>
@@ -9205,7 +9207,7 @@
           <p:cNvPr id="21" name="TextBox 20">
             <a:extLst>
               <a:ext uri="{FF2B5EF4-FFF2-40B4-BE49-F238E27FC236}">
-                <a16:creationId xmlns:a16="http://schemas.microsoft.com/office/drawing/2014/main" xmlns="" id="{59E0E04C-877E-D861-8074-BD32F9DFFD3D}"/>
+                <a16:creationId xmlns:a16="http://schemas.microsoft.com/office/drawing/2014/main" id="{59E0E04C-877E-D861-8074-BD32F9DFFD3D}"/>
               </a:ext>
             </a:extLst>
           </p:cNvPr>
@@ -9249,7 +9251,7 @@
           <p:cNvPr id="25" name="표 24">
             <a:extLst>
               <a:ext uri="{FF2B5EF4-FFF2-40B4-BE49-F238E27FC236}">
-                <a16:creationId xmlns:a16="http://schemas.microsoft.com/office/drawing/2014/main" xmlns="" id="{A8016755-38EE-8AE4-EEE3-827991B3D0F3}"/>
+                <a16:creationId xmlns:a16="http://schemas.microsoft.com/office/drawing/2014/main" id="{A8016755-38EE-8AE4-EEE3-827991B3D0F3}"/>
               </a:ext>
             </a:extLst>
           </p:cNvPr>
@@ -9278,14 +9280,14 @@
                 <a:gridCol w="1528823">
                   <a:extLst>
                     <a:ext uri="{9D8B030D-6E8A-4147-A177-3AD203B41FA5}">
-                      <a16:colId xmlns:a16="http://schemas.microsoft.com/office/drawing/2014/main" xmlns="" val="2271107190"/>
+                      <a16:colId xmlns:a16="http://schemas.microsoft.com/office/drawing/2014/main" val="2271107190"/>
                     </a:ext>
                   </a:extLst>
                 </a:gridCol>
                 <a:gridCol w="838200">
                   <a:extLst>
                     <a:ext uri="{9D8B030D-6E8A-4147-A177-3AD203B41FA5}">
-                      <a16:colId xmlns:a16="http://schemas.microsoft.com/office/drawing/2014/main" xmlns="" val="4072949715"/>
+                      <a16:colId xmlns:a16="http://schemas.microsoft.com/office/drawing/2014/main" val="4072949715"/>
                     </a:ext>
                   </a:extLst>
                 </a:gridCol>
@@ -9411,7 +9413,7 @@
                 </a:tc>
                 <a:extLst>
                   <a:ext uri="{0D108BD9-81ED-4DB2-BD59-A6C34878D82A}">
-                    <a16:rowId xmlns:a16="http://schemas.microsoft.com/office/drawing/2014/main" xmlns="" val="3364141702"/>
+                    <a16:rowId xmlns:a16="http://schemas.microsoft.com/office/drawing/2014/main" val="3364141702"/>
                   </a:ext>
                 </a:extLst>
               </a:tr>
@@ -9540,7 +9542,7 @@
                 </a:tc>
                 <a:extLst>
                   <a:ext uri="{0D108BD9-81ED-4DB2-BD59-A6C34878D82A}">
-                    <a16:rowId xmlns:a16="http://schemas.microsoft.com/office/drawing/2014/main" xmlns="" val="2764294510"/>
+                    <a16:rowId xmlns:a16="http://schemas.microsoft.com/office/drawing/2014/main" val="2764294510"/>
                   </a:ext>
                 </a:extLst>
               </a:tr>
@@ -9653,7 +9655,7 @@
                 </a:tc>
                 <a:extLst>
                   <a:ext uri="{0D108BD9-81ED-4DB2-BD59-A6C34878D82A}">
-                    <a16:rowId xmlns:a16="http://schemas.microsoft.com/office/drawing/2014/main" xmlns="" val="1538767738"/>
+                    <a16:rowId xmlns:a16="http://schemas.microsoft.com/office/drawing/2014/main" val="1538767738"/>
                   </a:ext>
                 </a:extLst>
               </a:tr>
@@ -9766,7 +9768,7 @@
                 </a:tc>
                 <a:extLst>
                   <a:ext uri="{0D108BD9-81ED-4DB2-BD59-A6C34878D82A}">
-                    <a16:rowId xmlns:a16="http://schemas.microsoft.com/office/drawing/2014/main" xmlns="" val="75423910"/>
+                    <a16:rowId xmlns:a16="http://schemas.microsoft.com/office/drawing/2014/main" val="75423910"/>
                   </a:ext>
                 </a:extLst>
               </a:tr>
@@ -9879,7 +9881,7 @@
                 </a:tc>
                 <a:extLst>
                   <a:ext uri="{0D108BD9-81ED-4DB2-BD59-A6C34878D82A}">
-                    <a16:rowId xmlns:a16="http://schemas.microsoft.com/office/drawing/2014/main" xmlns="" val="1880026330"/>
+                    <a16:rowId xmlns:a16="http://schemas.microsoft.com/office/drawing/2014/main" val="1880026330"/>
                   </a:ext>
                 </a:extLst>
               </a:tr>
@@ -9992,7 +9994,7 @@
                 </a:tc>
                 <a:extLst>
                   <a:ext uri="{0D108BD9-81ED-4DB2-BD59-A6C34878D82A}">
-                    <a16:rowId xmlns:a16="http://schemas.microsoft.com/office/drawing/2014/main" xmlns="" val="2904285843"/>
+                    <a16:rowId xmlns:a16="http://schemas.microsoft.com/office/drawing/2014/main" val="2904285843"/>
                   </a:ext>
                 </a:extLst>
               </a:tr>
@@ -10005,7 +10007,7 @@
           <p:cNvPr id="15" name="직선 화살표 연결선 14">
             <a:extLst>
               <a:ext uri="{FF2B5EF4-FFF2-40B4-BE49-F238E27FC236}">
-                <a16:creationId xmlns:a16="http://schemas.microsoft.com/office/drawing/2014/main" xmlns="" id="{4CD3AA73-144D-EE56-1594-B12541E20A71}"/>
+                <a16:creationId xmlns:a16="http://schemas.microsoft.com/office/drawing/2014/main" id="{4CD3AA73-144D-EE56-1594-B12541E20A71}"/>
               </a:ext>
             </a:extLst>
           </p:cNvPr>
@@ -10047,7 +10049,7 @@
           <p:cNvPr id="31" name="표 30">
             <a:extLst>
               <a:ext uri="{FF2B5EF4-FFF2-40B4-BE49-F238E27FC236}">
-                <a16:creationId xmlns:a16="http://schemas.microsoft.com/office/drawing/2014/main" xmlns="" id="{184CBD6D-35D2-535B-0A9C-7994770538BF}"/>
+                <a16:creationId xmlns:a16="http://schemas.microsoft.com/office/drawing/2014/main" id="{184CBD6D-35D2-535B-0A9C-7994770538BF}"/>
               </a:ext>
             </a:extLst>
           </p:cNvPr>
@@ -10076,14 +10078,14 @@
                 <a:gridCol w="1528823">
                   <a:extLst>
                     <a:ext uri="{9D8B030D-6E8A-4147-A177-3AD203B41FA5}">
-                      <a16:colId xmlns:a16="http://schemas.microsoft.com/office/drawing/2014/main" xmlns="" val="3265756666"/>
+                      <a16:colId xmlns:a16="http://schemas.microsoft.com/office/drawing/2014/main" val="3265756666"/>
                     </a:ext>
                   </a:extLst>
                 </a:gridCol>
                 <a:gridCol w="838200">
                   <a:extLst>
                     <a:ext uri="{9D8B030D-6E8A-4147-A177-3AD203B41FA5}">
-                      <a16:colId xmlns:a16="http://schemas.microsoft.com/office/drawing/2014/main" xmlns="" val="612514747"/>
+                      <a16:colId xmlns:a16="http://schemas.microsoft.com/office/drawing/2014/main" val="612514747"/>
                     </a:ext>
                   </a:extLst>
                 </a:gridCol>
@@ -10209,7 +10211,7 @@
                 </a:tc>
                 <a:extLst>
                   <a:ext uri="{0D108BD9-81ED-4DB2-BD59-A6C34878D82A}">
-                    <a16:rowId xmlns:a16="http://schemas.microsoft.com/office/drawing/2014/main" xmlns="" val="3206675433"/>
+                    <a16:rowId xmlns:a16="http://schemas.microsoft.com/office/drawing/2014/main" val="3206675433"/>
                   </a:ext>
                 </a:extLst>
               </a:tr>
@@ -10338,7 +10340,7 @@
                 </a:tc>
                 <a:extLst>
                   <a:ext uri="{0D108BD9-81ED-4DB2-BD59-A6C34878D82A}">
-                    <a16:rowId xmlns:a16="http://schemas.microsoft.com/office/drawing/2014/main" xmlns="" val="974737628"/>
+                    <a16:rowId xmlns:a16="http://schemas.microsoft.com/office/drawing/2014/main" val="974737628"/>
                   </a:ext>
                 </a:extLst>
               </a:tr>
@@ -10483,7 +10485,7 @@
                 </a:tc>
                 <a:extLst>
                   <a:ext uri="{0D108BD9-81ED-4DB2-BD59-A6C34878D82A}">
-                    <a16:rowId xmlns:a16="http://schemas.microsoft.com/office/drawing/2014/main" xmlns="" val="10002"/>
+                    <a16:rowId xmlns:a16="http://schemas.microsoft.com/office/drawing/2014/main" val="10002"/>
                   </a:ext>
                 </a:extLst>
               </a:tr>
@@ -10612,7 +10614,7 @@
                 </a:tc>
                 <a:extLst>
                   <a:ext uri="{0D108BD9-81ED-4DB2-BD59-A6C34878D82A}">
-                    <a16:rowId xmlns:a16="http://schemas.microsoft.com/office/drawing/2014/main" xmlns="" val="4102325686"/>
+                    <a16:rowId xmlns:a16="http://schemas.microsoft.com/office/drawing/2014/main" val="4102325686"/>
                   </a:ext>
                 </a:extLst>
               </a:tr>
@@ -10741,7 +10743,7 @@
                 </a:tc>
                 <a:extLst>
                   <a:ext uri="{0D108BD9-81ED-4DB2-BD59-A6C34878D82A}">
-                    <a16:rowId xmlns:a16="http://schemas.microsoft.com/office/drawing/2014/main" xmlns="" val="10004"/>
+                    <a16:rowId xmlns:a16="http://schemas.microsoft.com/office/drawing/2014/main" val="10004"/>
                   </a:ext>
                 </a:extLst>
               </a:tr>
@@ -10870,7 +10872,7 @@
                 </a:tc>
                 <a:extLst>
                   <a:ext uri="{0D108BD9-81ED-4DB2-BD59-A6C34878D82A}">
-                    <a16:rowId xmlns:a16="http://schemas.microsoft.com/office/drawing/2014/main" xmlns="" val="2080406695"/>
+                    <a16:rowId xmlns:a16="http://schemas.microsoft.com/office/drawing/2014/main" val="2080406695"/>
                   </a:ext>
                 </a:extLst>
               </a:tr>
@@ -10999,7 +11001,7 @@
                 </a:tc>
                 <a:extLst>
                   <a:ext uri="{0D108BD9-81ED-4DB2-BD59-A6C34878D82A}">
-                    <a16:rowId xmlns:a16="http://schemas.microsoft.com/office/drawing/2014/main" xmlns="" val="10006"/>
+                    <a16:rowId xmlns:a16="http://schemas.microsoft.com/office/drawing/2014/main" val="10006"/>
                   </a:ext>
                 </a:extLst>
               </a:tr>
@@ -11112,7 +11114,7 @@
                 </a:tc>
                 <a:extLst>
                   <a:ext uri="{0D108BD9-81ED-4DB2-BD59-A6C34878D82A}">
-                    <a16:rowId xmlns:a16="http://schemas.microsoft.com/office/drawing/2014/main" xmlns="" val="844693801"/>
+                    <a16:rowId xmlns:a16="http://schemas.microsoft.com/office/drawing/2014/main" val="844693801"/>
                   </a:ext>
                 </a:extLst>
               </a:tr>
@@ -11225,7 +11227,7 @@
                 </a:tc>
                 <a:extLst>
                   <a:ext uri="{0D108BD9-81ED-4DB2-BD59-A6C34878D82A}">
-                    <a16:rowId xmlns:a16="http://schemas.microsoft.com/office/drawing/2014/main" xmlns="" val="10008"/>
+                    <a16:rowId xmlns:a16="http://schemas.microsoft.com/office/drawing/2014/main" val="10008"/>
                   </a:ext>
                 </a:extLst>
               </a:tr>
@@ -11337,7 +11339,7 @@
                 </a:tc>
                 <a:extLst>
                   <a:ext uri="{0D108BD9-81ED-4DB2-BD59-A6C34878D82A}">
-                    <a16:rowId xmlns:a16="http://schemas.microsoft.com/office/drawing/2014/main" xmlns="" val="2414498207"/>
+                    <a16:rowId xmlns:a16="http://schemas.microsoft.com/office/drawing/2014/main" val="2414498207"/>
                   </a:ext>
                 </a:extLst>
               </a:tr>
@@ -11449,7 +11451,7 @@
                 </a:tc>
                 <a:extLst>
                   <a:ext uri="{0D108BD9-81ED-4DB2-BD59-A6C34878D82A}">
-                    <a16:rowId xmlns:a16="http://schemas.microsoft.com/office/drawing/2014/main" xmlns="" val="10010"/>
+                    <a16:rowId xmlns:a16="http://schemas.microsoft.com/office/drawing/2014/main" val="10010"/>
                   </a:ext>
                 </a:extLst>
               </a:tr>
@@ -11462,7 +11464,7 @@
           <p:cNvPr id="22" name="직선 화살표 연결선 21">
             <a:extLst>
               <a:ext uri="{FF2B5EF4-FFF2-40B4-BE49-F238E27FC236}">
-                <a16:creationId xmlns:a16="http://schemas.microsoft.com/office/drawing/2014/main" xmlns="" id="{4CD3AA73-144D-EE56-1594-B12541E20A71}"/>
+                <a16:creationId xmlns:a16="http://schemas.microsoft.com/office/drawing/2014/main" id="{4CD3AA73-144D-EE56-1594-B12541E20A71}"/>
               </a:ext>
             </a:extLst>
           </p:cNvPr>
@@ -11504,7 +11506,7 @@
           <p:cNvPr id="23" name="TextBox 22">
             <a:extLst>
               <a:ext uri="{FF2B5EF4-FFF2-40B4-BE49-F238E27FC236}">
-                <a16:creationId xmlns:a16="http://schemas.microsoft.com/office/drawing/2014/main" xmlns="" id="{59E0E04C-877E-D861-8074-BD32F9DFFD3D}"/>
+                <a16:creationId xmlns:a16="http://schemas.microsoft.com/office/drawing/2014/main" id="{59E0E04C-877E-D861-8074-BD32F9DFFD3D}"/>
               </a:ext>
             </a:extLst>
           </p:cNvPr>
@@ -11558,7 +11560,7 @@
           <p:cNvPr id="32" name="직선 화살표 연결선 31">
             <a:extLst>
               <a:ext uri="{FF2B5EF4-FFF2-40B4-BE49-F238E27FC236}">
-                <a16:creationId xmlns:a16="http://schemas.microsoft.com/office/drawing/2014/main" xmlns="" id="{4CD3AA73-144D-EE56-1594-B12541E20A71}"/>
+                <a16:creationId xmlns:a16="http://schemas.microsoft.com/office/drawing/2014/main" id="{4CD3AA73-144D-EE56-1594-B12541E20A71}"/>
               </a:ext>
             </a:extLst>
           </p:cNvPr>
@@ -11599,7 +11601,7 @@
           <p:cNvPr id="58" name="직선 화살표 연결선 57">
             <a:extLst>
               <a:ext uri="{FF2B5EF4-FFF2-40B4-BE49-F238E27FC236}">
-                <a16:creationId xmlns:a16="http://schemas.microsoft.com/office/drawing/2014/main" xmlns="" id="{4CD3AA73-144D-EE56-1594-B12541E20A71}"/>
+                <a16:creationId xmlns:a16="http://schemas.microsoft.com/office/drawing/2014/main" id="{4CD3AA73-144D-EE56-1594-B12541E20A71}"/>
               </a:ext>
             </a:extLst>
           </p:cNvPr>
@@ -11640,7 +11642,7 @@
           <p:cNvPr id="65" name="TextBox 64">
             <a:extLst>
               <a:ext uri="{FF2B5EF4-FFF2-40B4-BE49-F238E27FC236}">
-                <a16:creationId xmlns:a16="http://schemas.microsoft.com/office/drawing/2014/main" xmlns="" id="{7843ACB4-9657-BCB3-AF18-AEDD8CD8AAD4}"/>
+                <a16:creationId xmlns:a16="http://schemas.microsoft.com/office/drawing/2014/main" id="{7843ACB4-9657-BCB3-AF18-AEDD8CD8AAD4}"/>
               </a:ext>
             </a:extLst>
           </p:cNvPr>
@@ -12261,7 +12263,7 @@
           <p:cNvPr id="4" name="TextBox 3">
             <a:extLst>
               <a:ext uri="{FF2B5EF4-FFF2-40B4-BE49-F238E27FC236}">
-                <a16:creationId xmlns:a16="http://schemas.microsoft.com/office/drawing/2014/main" xmlns="" id="{AAA7A62B-B663-9BB3-853E-37554E612635}"/>
+                <a16:creationId xmlns:a16="http://schemas.microsoft.com/office/drawing/2014/main" id="{AAA7A62B-B663-9BB3-853E-37554E612635}"/>
               </a:ext>
             </a:extLst>
           </p:cNvPr>
@@ -12343,7 +12345,7 @@
           <p:cNvPr id="6" name="직선 화살표 연결선 5">
             <a:extLst>
               <a:ext uri="{FF2B5EF4-FFF2-40B4-BE49-F238E27FC236}">
-                <a16:creationId xmlns:a16="http://schemas.microsoft.com/office/drawing/2014/main" xmlns="" id="{299DF5EC-9DF4-5255-06AC-0A7CE4FF58C3}"/>
+                <a16:creationId xmlns:a16="http://schemas.microsoft.com/office/drawing/2014/main" id="{299DF5EC-9DF4-5255-06AC-0A7CE4FF58C3}"/>
               </a:ext>
             </a:extLst>
           </p:cNvPr>
@@ -12384,7 +12386,7 @@
           <p:cNvPr id="7" name="직사각형 6">
             <a:extLst>
               <a:ext uri="{FF2B5EF4-FFF2-40B4-BE49-F238E27FC236}">
-                <a16:creationId xmlns:a16="http://schemas.microsoft.com/office/drawing/2014/main" xmlns="" id="{FFF506F9-840A-0508-4CAF-3AC711D8D5CE}"/>
+                <a16:creationId xmlns:a16="http://schemas.microsoft.com/office/drawing/2014/main" id="{FFF506F9-840A-0508-4CAF-3AC711D8D5CE}"/>
               </a:ext>
             </a:extLst>
           </p:cNvPr>
@@ -12436,7 +12438,7 @@
           <p:cNvPr id="8" name="TextBox 7">
             <a:extLst>
               <a:ext uri="{FF2B5EF4-FFF2-40B4-BE49-F238E27FC236}">
-                <a16:creationId xmlns:a16="http://schemas.microsoft.com/office/drawing/2014/main" xmlns="" id="{C6D113C6-EA5C-788F-0C77-E7CE6EBB865F}"/>
+                <a16:creationId xmlns:a16="http://schemas.microsoft.com/office/drawing/2014/main" id="{C6D113C6-EA5C-788F-0C77-E7CE6EBB865F}"/>
               </a:ext>
             </a:extLst>
           </p:cNvPr>
@@ -12484,7 +12486,7 @@
           <p:cNvPr id="10" name="직사각형 9">
             <a:extLst>
               <a:ext uri="{FF2B5EF4-FFF2-40B4-BE49-F238E27FC236}">
-                <a16:creationId xmlns:a16="http://schemas.microsoft.com/office/drawing/2014/main" xmlns="" id="{FFF506F9-840A-0508-4CAF-3AC711D8D5CE}"/>
+                <a16:creationId xmlns:a16="http://schemas.microsoft.com/office/drawing/2014/main" id="{FFF506F9-840A-0508-4CAF-3AC711D8D5CE}"/>
               </a:ext>
             </a:extLst>
           </p:cNvPr>
@@ -12536,7 +12538,7 @@
           <p:cNvPr id="11" name="직사각형 10">
             <a:extLst>
               <a:ext uri="{FF2B5EF4-FFF2-40B4-BE49-F238E27FC236}">
-                <a16:creationId xmlns:a16="http://schemas.microsoft.com/office/drawing/2014/main" xmlns="" id="{FFF506F9-840A-0508-4CAF-3AC711D8D5CE}"/>
+                <a16:creationId xmlns:a16="http://schemas.microsoft.com/office/drawing/2014/main" id="{FFF506F9-840A-0508-4CAF-3AC711D8D5CE}"/>
               </a:ext>
             </a:extLst>
           </p:cNvPr>
@@ -12588,7 +12590,7 @@
           <p:cNvPr id="12" name="직선 화살표 연결선 11">
             <a:extLst>
               <a:ext uri="{FF2B5EF4-FFF2-40B4-BE49-F238E27FC236}">
-                <a16:creationId xmlns:a16="http://schemas.microsoft.com/office/drawing/2014/main" xmlns="" id="{299DF5EC-9DF4-5255-06AC-0A7CE4FF58C3}"/>
+                <a16:creationId xmlns:a16="http://schemas.microsoft.com/office/drawing/2014/main" id="{299DF5EC-9DF4-5255-06AC-0A7CE4FF58C3}"/>
               </a:ext>
             </a:extLst>
           </p:cNvPr>
@@ -12629,7 +12631,7 @@
           <p:cNvPr id="14" name="TextBox 13">
             <a:extLst>
               <a:ext uri="{FF2B5EF4-FFF2-40B4-BE49-F238E27FC236}">
-                <a16:creationId xmlns:a16="http://schemas.microsoft.com/office/drawing/2014/main" xmlns="" id="{C6D113C6-EA5C-788F-0C77-E7CE6EBB865F}"/>
+                <a16:creationId xmlns:a16="http://schemas.microsoft.com/office/drawing/2014/main" id="{C6D113C6-EA5C-788F-0C77-E7CE6EBB865F}"/>
               </a:ext>
             </a:extLst>
           </p:cNvPr>
@@ -12677,7 +12679,7 @@
           <p:cNvPr id="15" name="TextBox 14">
             <a:extLst>
               <a:ext uri="{FF2B5EF4-FFF2-40B4-BE49-F238E27FC236}">
-                <a16:creationId xmlns:a16="http://schemas.microsoft.com/office/drawing/2014/main" xmlns="" id="{C6D113C6-EA5C-788F-0C77-E7CE6EBB865F}"/>
+                <a16:creationId xmlns:a16="http://schemas.microsoft.com/office/drawing/2014/main" id="{C6D113C6-EA5C-788F-0C77-E7CE6EBB865F}"/>
               </a:ext>
             </a:extLst>
           </p:cNvPr>
@@ -12725,7 +12727,7 @@
           <p:cNvPr id="16" name="직선 화살표 연결선 15">
             <a:extLst>
               <a:ext uri="{FF2B5EF4-FFF2-40B4-BE49-F238E27FC236}">
-                <a16:creationId xmlns:a16="http://schemas.microsoft.com/office/drawing/2014/main" xmlns="" id="{299DF5EC-9DF4-5255-06AC-0A7CE4FF58C3}"/>
+                <a16:creationId xmlns:a16="http://schemas.microsoft.com/office/drawing/2014/main" id="{299DF5EC-9DF4-5255-06AC-0A7CE4FF58C3}"/>
               </a:ext>
             </a:extLst>
           </p:cNvPr>
@@ -12969,7 +12971,7 @@
           <p:cNvPr id="11" name="TextBox 10">
             <a:extLst>
               <a:ext uri="{FF2B5EF4-FFF2-40B4-BE49-F238E27FC236}">
-                <a16:creationId xmlns:a16="http://schemas.microsoft.com/office/drawing/2014/main" xmlns="" id="{9F88F580-08BE-88C2-D640-13F0026591CB}"/>
+                <a16:creationId xmlns:a16="http://schemas.microsoft.com/office/drawing/2014/main" id="{9F88F580-08BE-88C2-D640-13F0026591CB}"/>
               </a:ext>
             </a:extLst>
           </p:cNvPr>
@@ -13020,7 +13022,7 @@
           <p:cNvPr id="13" name="TextBox 12">
             <a:extLst>
               <a:ext uri="{FF2B5EF4-FFF2-40B4-BE49-F238E27FC236}">
-                <a16:creationId xmlns:a16="http://schemas.microsoft.com/office/drawing/2014/main" xmlns="" id="{72769C28-9BB6-DE9C-7B6F-264B77B8DD0E}"/>
+                <a16:creationId xmlns:a16="http://schemas.microsoft.com/office/drawing/2014/main" id="{72769C28-9BB6-DE9C-7B6F-264B77B8DD0E}"/>
               </a:ext>
             </a:extLst>
           </p:cNvPr>
@@ -13061,7 +13063,7 @@
           <p:cNvPr id="14" name="TextBox 13">
             <a:extLst>
               <a:ext uri="{FF2B5EF4-FFF2-40B4-BE49-F238E27FC236}">
-                <a16:creationId xmlns:a16="http://schemas.microsoft.com/office/drawing/2014/main" xmlns="" id="{270FBB6A-01CE-5637-78DA-58F0C974145C}"/>
+                <a16:creationId xmlns:a16="http://schemas.microsoft.com/office/drawing/2014/main" id="{270FBB6A-01CE-5637-78DA-58F0C974145C}"/>
               </a:ext>
             </a:extLst>
           </p:cNvPr>
@@ -13109,7 +13111,7 @@
           <p:cNvPr id="2" name="Object 17">
             <a:extLst>
               <a:ext uri="{FF2B5EF4-FFF2-40B4-BE49-F238E27FC236}">
-                <a16:creationId xmlns:a16="http://schemas.microsoft.com/office/drawing/2014/main" xmlns="" id="{140B283D-FE58-FA6F-6F7C-E0F1DBB62A65}"/>
+                <a16:creationId xmlns:a16="http://schemas.microsoft.com/office/drawing/2014/main" id="{140B283D-FE58-FA6F-6F7C-E0F1DBB62A65}"/>
               </a:ext>
             </a:extLst>
           </p:cNvPr>
@@ -13139,7 +13141,7 @@
           <p:cNvPr id="4" name="TextBox 3">
             <a:extLst>
               <a:ext uri="{FF2B5EF4-FFF2-40B4-BE49-F238E27FC236}">
-                <a16:creationId xmlns:a16="http://schemas.microsoft.com/office/drawing/2014/main" xmlns="" id="{2C8D0998-79BC-6FD2-59D9-8052B4A25F65}"/>
+                <a16:creationId xmlns:a16="http://schemas.microsoft.com/office/drawing/2014/main" id="{2C8D0998-79BC-6FD2-59D9-8052B4A25F65}"/>
               </a:ext>
             </a:extLst>
           </p:cNvPr>
@@ -13180,7 +13182,7 @@
           <p:cNvPr id="5" name="Object 18">
             <a:extLst>
               <a:ext uri="{FF2B5EF4-FFF2-40B4-BE49-F238E27FC236}">
-                <a16:creationId xmlns:a16="http://schemas.microsoft.com/office/drawing/2014/main" xmlns="" id="{3F58EA3E-1018-64D3-FAB2-4F6B9618FA56}"/>
+                <a16:creationId xmlns:a16="http://schemas.microsoft.com/office/drawing/2014/main" id="{3F58EA3E-1018-64D3-FAB2-4F6B9618FA56}"/>
               </a:ext>
             </a:extLst>
           </p:cNvPr>
@@ -13210,7 +13212,7 @@
           <p:cNvPr id="8" name="TextBox 7">
             <a:extLst>
               <a:ext uri="{FF2B5EF4-FFF2-40B4-BE49-F238E27FC236}">
-                <a16:creationId xmlns:a16="http://schemas.microsoft.com/office/drawing/2014/main" xmlns="" id="{681D3F16-7DCF-41AD-F5F1-0558C78C0E4D}"/>
+                <a16:creationId xmlns:a16="http://schemas.microsoft.com/office/drawing/2014/main" id="{681D3F16-7DCF-41AD-F5F1-0558C78C0E4D}"/>
               </a:ext>
             </a:extLst>
           </p:cNvPr>
@@ -13283,7 +13285,7 @@
           <p:cNvPr id="4" name="TextBox 3">
             <a:extLst>
               <a:ext uri="{FF2B5EF4-FFF2-40B4-BE49-F238E27FC236}">
-                <a16:creationId xmlns:a16="http://schemas.microsoft.com/office/drawing/2014/main" xmlns="" id="{AAA7A62B-B663-9BB3-853E-37554E612635}"/>
+                <a16:creationId xmlns:a16="http://schemas.microsoft.com/office/drawing/2014/main" id="{AAA7A62B-B663-9BB3-853E-37554E612635}"/>
               </a:ext>
             </a:extLst>
           </p:cNvPr>
@@ -13389,7 +13391,7 @@
           <p:cNvPr id="7" name="TextBox 6">
             <a:extLst>
               <a:ext uri="{FF2B5EF4-FFF2-40B4-BE49-F238E27FC236}">
-                <a16:creationId xmlns:a16="http://schemas.microsoft.com/office/drawing/2014/main" xmlns="" id="{C6D113C6-EA5C-788F-0C77-E7CE6EBB865F}"/>
+                <a16:creationId xmlns:a16="http://schemas.microsoft.com/office/drawing/2014/main" id="{C6D113C6-EA5C-788F-0C77-E7CE6EBB865F}"/>
               </a:ext>
             </a:extLst>
           </p:cNvPr>
@@ -13480,7 +13482,7 @@
           <p:cNvPr id="3" name="그림 2">
             <a:extLst>
               <a:ext uri="{FF2B5EF4-FFF2-40B4-BE49-F238E27FC236}">
-                <a16:creationId xmlns:a16="http://schemas.microsoft.com/office/drawing/2014/main" xmlns="" id="{C51CB23B-D151-B405-7C38-7A547E2BC2B9}"/>
+                <a16:creationId xmlns:a16="http://schemas.microsoft.com/office/drawing/2014/main" id="{C51CB23B-D151-B405-7C38-7A547E2BC2B9}"/>
               </a:ext>
             </a:extLst>
           </p:cNvPr>
@@ -13510,7 +13512,7 @@
           <p:cNvPr id="9" name="그림 8">
             <a:extLst>
               <a:ext uri="{FF2B5EF4-FFF2-40B4-BE49-F238E27FC236}">
-                <a16:creationId xmlns:a16="http://schemas.microsoft.com/office/drawing/2014/main" xmlns="" id="{7D610FE0-1B3C-8685-E698-C503F01B23A8}"/>
+                <a16:creationId xmlns:a16="http://schemas.microsoft.com/office/drawing/2014/main" id="{7D610FE0-1B3C-8685-E698-C503F01B23A8}"/>
               </a:ext>
             </a:extLst>
           </p:cNvPr>
@@ -13765,7 +13767,7 @@
           <p:cNvPr id="2" name="TextBox 1">
             <a:extLst>
               <a:ext uri="{FF2B5EF4-FFF2-40B4-BE49-F238E27FC236}">
-                <a16:creationId xmlns:a16="http://schemas.microsoft.com/office/drawing/2014/main" xmlns="" id="{AAA7A62B-B663-9BB3-853E-37554E612635}"/>
+                <a16:creationId xmlns:a16="http://schemas.microsoft.com/office/drawing/2014/main" id="{AAA7A62B-B663-9BB3-853E-37554E612635}"/>
               </a:ext>
             </a:extLst>
           </p:cNvPr>
@@ -13867,7 +13869,7 @@
           <p:cNvPr id="4" name="그룹 1008">
             <a:extLst>
               <a:ext uri="{FF2B5EF4-FFF2-40B4-BE49-F238E27FC236}">
-                <a16:creationId xmlns:a16="http://schemas.microsoft.com/office/drawing/2014/main" xmlns="" id="{678F6342-C505-E8AD-ADA4-022CB2C2088E}"/>
+                <a16:creationId xmlns:a16="http://schemas.microsoft.com/office/drawing/2014/main" id="{678F6342-C505-E8AD-ADA4-022CB2C2088E}"/>
               </a:ext>
             </a:extLst>
           </p:cNvPr>
@@ -13887,7 +13889,7 @@
             <p:cNvPr id="5" name="그룹 1009">
               <a:extLst>
                 <a:ext uri="{FF2B5EF4-FFF2-40B4-BE49-F238E27FC236}">
-                  <a16:creationId xmlns:a16="http://schemas.microsoft.com/office/drawing/2014/main" xmlns="" id="{4E1F1FED-812B-9BBB-925A-84B54A077414}"/>
+                  <a16:creationId xmlns:a16="http://schemas.microsoft.com/office/drawing/2014/main" id="{4E1F1FED-812B-9BBB-925A-84B54A077414}"/>
                 </a:ext>
               </a:extLst>
             </p:cNvPr>
@@ -13907,7 +13909,7 @@
               <p:cNvPr id="10" name="Object 29">
                 <a:extLst>
                   <a:ext uri="{FF2B5EF4-FFF2-40B4-BE49-F238E27FC236}">
-                    <a16:creationId xmlns:a16="http://schemas.microsoft.com/office/drawing/2014/main" xmlns="" id="{7B078609-4286-7B00-51EB-809C8E2DE289}"/>
+                    <a16:creationId xmlns:a16="http://schemas.microsoft.com/office/drawing/2014/main" id="{7B078609-4286-7B00-51EB-809C8E2DE289}"/>
                   </a:ext>
                 </a:extLst>
               </p:cNvPr>
@@ -13938,7 +13940,7 @@
             <p:cNvPr id="6" name="그룹 1010">
               <a:extLst>
                 <a:ext uri="{FF2B5EF4-FFF2-40B4-BE49-F238E27FC236}">
-                  <a16:creationId xmlns:a16="http://schemas.microsoft.com/office/drawing/2014/main" xmlns="" id="{02A649BF-B5B5-FBAF-7DFD-E118A4DF8907}"/>
+                  <a16:creationId xmlns:a16="http://schemas.microsoft.com/office/drawing/2014/main" id="{02A649BF-B5B5-FBAF-7DFD-E118A4DF8907}"/>
                 </a:ext>
               </a:extLst>
             </p:cNvPr>
@@ -13958,7 +13960,7 @@
               <p:cNvPr id="9" name="Object 32">
                 <a:extLst>
                   <a:ext uri="{FF2B5EF4-FFF2-40B4-BE49-F238E27FC236}">
-                    <a16:creationId xmlns:a16="http://schemas.microsoft.com/office/drawing/2014/main" xmlns="" id="{2A0FFF23-B3C9-3EA0-1C1B-A87D4FF098AE}"/>
+                    <a16:creationId xmlns:a16="http://schemas.microsoft.com/office/drawing/2014/main" id="{2A0FFF23-B3C9-3EA0-1C1B-A87D4FF098AE}"/>
                   </a:ext>
                 </a:extLst>
               </p:cNvPr>
@@ -13989,7 +13991,7 @@
             <p:cNvPr id="7" name="그룹 1011">
               <a:extLst>
                 <a:ext uri="{FF2B5EF4-FFF2-40B4-BE49-F238E27FC236}">
-                  <a16:creationId xmlns:a16="http://schemas.microsoft.com/office/drawing/2014/main" xmlns="" id="{881F5410-F7FB-F261-A584-707359BAC593}"/>
+                  <a16:creationId xmlns:a16="http://schemas.microsoft.com/office/drawing/2014/main" id="{881F5410-F7FB-F261-A584-707359BAC593}"/>
                 </a:ext>
               </a:extLst>
             </p:cNvPr>
@@ -14009,7 +14011,7 @@
               <p:cNvPr id="8" name="Object 35">
                 <a:extLst>
                   <a:ext uri="{FF2B5EF4-FFF2-40B4-BE49-F238E27FC236}">
-                    <a16:creationId xmlns:a16="http://schemas.microsoft.com/office/drawing/2014/main" xmlns="" id="{4E99E669-73EB-F9F4-EFE8-DC107035C265}"/>
+                    <a16:creationId xmlns:a16="http://schemas.microsoft.com/office/drawing/2014/main" id="{4E99E669-73EB-F9F4-EFE8-DC107035C265}"/>
                   </a:ext>
                 </a:extLst>
               </p:cNvPr>
@@ -14041,7 +14043,7 @@
           <p:cNvPr id="11" name="TextBox 10">
             <a:extLst>
               <a:ext uri="{FF2B5EF4-FFF2-40B4-BE49-F238E27FC236}">
-                <a16:creationId xmlns:a16="http://schemas.microsoft.com/office/drawing/2014/main" xmlns="" id="{C6D113C6-EA5C-788F-0C77-E7CE6EBB865F}"/>
+                <a16:creationId xmlns:a16="http://schemas.microsoft.com/office/drawing/2014/main" id="{C6D113C6-EA5C-788F-0C77-E7CE6EBB865F}"/>
               </a:ext>
             </a:extLst>
           </p:cNvPr>
@@ -14153,7 +14155,7 @@
           <p:cNvPr id="13" name="TextBox 12">
             <a:extLst>
               <a:ext uri="{FF2B5EF4-FFF2-40B4-BE49-F238E27FC236}">
-                <a16:creationId xmlns:a16="http://schemas.microsoft.com/office/drawing/2014/main" xmlns="" id="{C6D113C6-EA5C-788F-0C77-E7CE6EBB865F}"/>
+                <a16:creationId xmlns:a16="http://schemas.microsoft.com/office/drawing/2014/main" id="{C6D113C6-EA5C-788F-0C77-E7CE6EBB865F}"/>
               </a:ext>
             </a:extLst>
           </p:cNvPr>
@@ -14401,7 +14403,7 @@
           <p:cNvPr id="4" name="Object 1">
             <a:extLst>
               <a:ext uri="{FF2B5EF4-FFF2-40B4-BE49-F238E27FC236}">
-                <a16:creationId xmlns:a16="http://schemas.microsoft.com/office/drawing/2014/main" xmlns="" id="{B0329035-BE76-33A8-0F2E-44624FCC1DED}"/>
+                <a16:creationId xmlns:a16="http://schemas.microsoft.com/office/drawing/2014/main" id="{B0329035-BE76-33A8-0F2E-44624FCC1DED}"/>
               </a:ext>
             </a:extLst>
           </p:cNvPr>
@@ -14431,7 +14433,7 @@
           <p:cNvPr id="7" name="그룹 1001">
             <a:extLst>
               <a:ext uri="{FF2B5EF4-FFF2-40B4-BE49-F238E27FC236}">
-                <a16:creationId xmlns:a16="http://schemas.microsoft.com/office/drawing/2014/main" xmlns="" id="{CD24CE9D-AC18-B6CD-F397-7E8E03D6FE26}"/>
+                <a16:creationId xmlns:a16="http://schemas.microsoft.com/office/drawing/2014/main" id="{CD24CE9D-AC18-B6CD-F397-7E8E03D6FE26}"/>
               </a:ext>
             </a:extLst>
           </p:cNvPr>
@@ -14451,7 +14453,7 @@
             <p:cNvPr id="8" name="Object 5">
               <a:extLst>
                 <a:ext uri="{FF2B5EF4-FFF2-40B4-BE49-F238E27FC236}">
-                  <a16:creationId xmlns:a16="http://schemas.microsoft.com/office/drawing/2014/main" xmlns="" id="{0EEF25E8-3BA8-EBAA-6DC2-66D70C3F9F4D}"/>
+                  <a16:creationId xmlns:a16="http://schemas.microsoft.com/office/drawing/2014/main" id="{0EEF25E8-3BA8-EBAA-6DC2-66D70C3F9F4D}"/>
                 </a:ext>
               </a:extLst>
             </p:cNvPr>
@@ -14482,7 +14484,7 @@
           <p:cNvPr id="9" name="그룹 1002">
             <a:extLst>
               <a:ext uri="{FF2B5EF4-FFF2-40B4-BE49-F238E27FC236}">
-                <a16:creationId xmlns:a16="http://schemas.microsoft.com/office/drawing/2014/main" xmlns="" id="{0F281BC9-DE1F-D1FE-E64C-C4640398F00C}"/>
+                <a16:creationId xmlns:a16="http://schemas.microsoft.com/office/drawing/2014/main" id="{0F281BC9-DE1F-D1FE-E64C-C4640398F00C}"/>
               </a:ext>
             </a:extLst>
           </p:cNvPr>
@@ -14502,7 +14504,7 @@
             <p:cNvPr id="10" name="Object 8">
               <a:extLst>
                 <a:ext uri="{FF2B5EF4-FFF2-40B4-BE49-F238E27FC236}">
-                  <a16:creationId xmlns:a16="http://schemas.microsoft.com/office/drawing/2014/main" xmlns="" id="{F669DCEF-04BB-7046-3F7F-5B513213556E}"/>
+                  <a16:creationId xmlns:a16="http://schemas.microsoft.com/office/drawing/2014/main" id="{F669DCEF-04BB-7046-3F7F-5B513213556E}"/>
                 </a:ext>
               </a:extLst>
             </p:cNvPr>
@@ -14533,7 +14535,7 @@
           <p:cNvPr id="11" name="그룹 1003">
             <a:extLst>
               <a:ext uri="{FF2B5EF4-FFF2-40B4-BE49-F238E27FC236}">
-                <a16:creationId xmlns:a16="http://schemas.microsoft.com/office/drawing/2014/main" xmlns="" id="{1F91EEF9-13EA-BB7F-B056-D35E7DB989AC}"/>
+                <a16:creationId xmlns:a16="http://schemas.microsoft.com/office/drawing/2014/main" id="{1F91EEF9-13EA-BB7F-B056-D35E7DB989AC}"/>
               </a:ext>
             </a:extLst>
           </p:cNvPr>
@@ -14553,7 +14555,7 @@
             <p:cNvPr id="12" name="Object 11">
               <a:extLst>
                 <a:ext uri="{FF2B5EF4-FFF2-40B4-BE49-F238E27FC236}">
-                  <a16:creationId xmlns:a16="http://schemas.microsoft.com/office/drawing/2014/main" xmlns="" id="{2CFFB217-AEFB-2C9E-5F86-6EE19510FFC6}"/>
+                  <a16:creationId xmlns:a16="http://schemas.microsoft.com/office/drawing/2014/main" id="{2CFFB217-AEFB-2C9E-5F86-6EE19510FFC6}"/>
                 </a:ext>
               </a:extLst>
             </p:cNvPr>
@@ -14584,7 +14586,7 @@
           <p:cNvPr id="13" name="그룹 1004">
             <a:extLst>
               <a:ext uri="{FF2B5EF4-FFF2-40B4-BE49-F238E27FC236}">
-                <a16:creationId xmlns:a16="http://schemas.microsoft.com/office/drawing/2014/main" xmlns="" id="{123B9C7E-94E8-E7E1-81BE-D59EA0299187}"/>
+                <a16:creationId xmlns:a16="http://schemas.microsoft.com/office/drawing/2014/main" id="{123B9C7E-94E8-E7E1-81BE-D59EA0299187}"/>
               </a:ext>
             </a:extLst>
           </p:cNvPr>
@@ -14604,7 +14606,7 @@
             <p:cNvPr id="14" name="Object 14">
               <a:extLst>
                 <a:ext uri="{FF2B5EF4-FFF2-40B4-BE49-F238E27FC236}">
-                  <a16:creationId xmlns:a16="http://schemas.microsoft.com/office/drawing/2014/main" xmlns="" id="{B6291552-2D89-A79F-7ACD-EA0EF9A4C389}"/>
+                  <a16:creationId xmlns:a16="http://schemas.microsoft.com/office/drawing/2014/main" id="{B6291552-2D89-A79F-7ACD-EA0EF9A4C389}"/>
                 </a:ext>
               </a:extLst>
             </p:cNvPr>
@@ -14635,7 +14637,7 @@
           <p:cNvPr id="15" name="TextBox 14">
             <a:extLst>
               <a:ext uri="{FF2B5EF4-FFF2-40B4-BE49-F238E27FC236}">
-                <a16:creationId xmlns:a16="http://schemas.microsoft.com/office/drawing/2014/main" xmlns="" id="{7D99763A-FC24-23F5-5BA9-D7B042E0F323}"/>
+                <a16:creationId xmlns:a16="http://schemas.microsoft.com/office/drawing/2014/main" id="{7D99763A-FC24-23F5-5BA9-D7B042E0F323}"/>
               </a:ext>
             </a:extLst>
           </p:cNvPr>
@@ -14713,7 +14715,7 @@
           <p:cNvPr id="4" name="TextBox 3">
             <a:extLst>
               <a:ext uri="{FF2B5EF4-FFF2-40B4-BE49-F238E27FC236}">
-                <a16:creationId xmlns:a16="http://schemas.microsoft.com/office/drawing/2014/main" xmlns="" id="{AAA7A62B-B663-9BB3-853E-37554E612635}"/>
+                <a16:creationId xmlns:a16="http://schemas.microsoft.com/office/drawing/2014/main" id="{AAA7A62B-B663-9BB3-853E-37554E612635}"/>
               </a:ext>
             </a:extLst>
           </p:cNvPr>
@@ -14866,21 +14868,21 @@
                 <a:gridCol w="1295400">
                   <a:extLst>
                     <a:ext uri="{9D8B030D-6E8A-4147-A177-3AD203B41FA5}">
-                      <a16:colId xmlns:a16="http://schemas.microsoft.com/office/drawing/2014/main" xmlns="" val="20000"/>
+                      <a16:colId xmlns:a16="http://schemas.microsoft.com/office/drawing/2014/main" val="20000"/>
                     </a:ext>
                   </a:extLst>
                 </a:gridCol>
                 <a:gridCol w="1066800">
                   <a:extLst>
                     <a:ext uri="{9D8B030D-6E8A-4147-A177-3AD203B41FA5}">
-                      <a16:colId xmlns:a16="http://schemas.microsoft.com/office/drawing/2014/main" xmlns="" val="20001"/>
+                      <a16:colId xmlns:a16="http://schemas.microsoft.com/office/drawing/2014/main" val="20001"/>
                     </a:ext>
                   </a:extLst>
                 </a:gridCol>
                 <a:gridCol w="1066800">
                   <a:extLst>
                     <a:ext uri="{9D8B030D-6E8A-4147-A177-3AD203B41FA5}">
-                      <a16:colId xmlns:a16="http://schemas.microsoft.com/office/drawing/2014/main" xmlns="" val="20002"/>
+                      <a16:colId xmlns:a16="http://schemas.microsoft.com/office/drawing/2014/main" val="20002"/>
                     </a:ext>
                   </a:extLst>
                 </a:gridCol>
@@ -15105,7 +15107,7 @@
                 </a:tc>
                 <a:extLst>
                   <a:ext uri="{0D108BD9-81ED-4DB2-BD59-A6C34878D82A}">
-                    <a16:rowId xmlns:a16="http://schemas.microsoft.com/office/drawing/2014/main" xmlns="" val="10000"/>
+                    <a16:rowId xmlns:a16="http://schemas.microsoft.com/office/drawing/2014/main" val="10000"/>
                   </a:ext>
                 </a:extLst>
               </a:tr>
@@ -15329,7 +15331,7 @@
                 </a:tc>
                 <a:extLst>
                   <a:ext uri="{0D108BD9-81ED-4DB2-BD59-A6C34878D82A}">
-                    <a16:rowId xmlns:a16="http://schemas.microsoft.com/office/drawing/2014/main" xmlns="" val="10001"/>
+                    <a16:rowId xmlns:a16="http://schemas.microsoft.com/office/drawing/2014/main" val="10001"/>
                   </a:ext>
                 </a:extLst>
               </a:tr>
@@ -15553,7 +15555,7 @@
                 </a:tc>
                 <a:extLst>
                   <a:ext uri="{0D108BD9-81ED-4DB2-BD59-A6C34878D82A}">
-                    <a16:rowId xmlns:a16="http://schemas.microsoft.com/office/drawing/2014/main" xmlns="" val="10002"/>
+                    <a16:rowId xmlns:a16="http://schemas.microsoft.com/office/drawing/2014/main" val="10002"/>
                   </a:ext>
                 </a:extLst>
               </a:tr>
@@ -15777,7 +15779,7 @@
                 </a:tc>
                 <a:extLst>
                   <a:ext uri="{0D108BD9-81ED-4DB2-BD59-A6C34878D82A}">
-                    <a16:rowId xmlns:a16="http://schemas.microsoft.com/office/drawing/2014/main" xmlns="" val="10003"/>
+                    <a16:rowId xmlns:a16="http://schemas.microsoft.com/office/drawing/2014/main" val="10003"/>
                   </a:ext>
                 </a:extLst>
               </a:tr>
@@ -16001,7 +16003,7 @@
                 </a:tc>
                 <a:extLst>
                   <a:ext uri="{0D108BD9-81ED-4DB2-BD59-A6C34878D82A}">
-                    <a16:rowId xmlns:a16="http://schemas.microsoft.com/office/drawing/2014/main" xmlns="" val="10004"/>
+                    <a16:rowId xmlns:a16="http://schemas.microsoft.com/office/drawing/2014/main" val="10004"/>
                   </a:ext>
                 </a:extLst>
               </a:tr>
@@ -16014,7 +16016,7 @@
           <p:cNvPr id="9" name="TextBox 8">
             <a:extLst>
               <a:ext uri="{FF2B5EF4-FFF2-40B4-BE49-F238E27FC236}">
-                <a16:creationId xmlns:a16="http://schemas.microsoft.com/office/drawing/2014/main" xmlns="" id="{C6D113C6-EA5C-788F-0C77-E7CE6EBB865F}"/>
+                <a16:creationId xmlns:a16="http://schemas.microsoft.com/office/drawing/2014/main" id="{C6D113C6-EA5C-788F-0C77-E7CE6EBB865F}"/>
               </a:ext>
             </a:extLst>
           </p:cNvPr>
@@ -16102,7 +16104,7 @@
           <p:cNvPr id="10" name="TextBox 9">
             <a:extLst>
               <a:ext uri="{FF2B5EF4-FFF2-40B4-BE49-F238E27FC236}">
-                <a16:creationId xmlns:a16="http://schemas.microsoft.com/office/drawing/2014/main" xmlns="" id="{C6D113C6-EA5C-788F-0C77-E7CE6EBB865F}"/>
+                <a16:creationId xmlns:a16="http://schemas.microsoft.com/office/drawing/2014/main" id="{C6D113C6-EA5C-788F-0C77-E7CE6EBB865F}"/>
               </a:ext>
             </a:extLst>
           </p:cNvPr>
@@ -16160,7 +16162,7 @@
           <p:cNvPr id="11" name="TextBox 10">
             <a:extLst>
               <a:ext uri="{FF2B5EF4-FFF2-40B4-BE49-F238E27FC236}">
-                <a16:creationId xmlns:a16="http://schemas.microsoft.com/office/drawing/2014/main" xmlns="" id="{C6D113C6-EA5C-788F-0C77-E7CE6EBB865F}"/>
+                <a16:creationId xmlns:a16="http://schemas.microsoft.com/office/drawing/2014/main" id="{C6D113C6-EA5C-788F-0C77-E7CE6EBB865F}"/>
               </a:ext>
             </a:extLst>
           </p:cNvPr>
@@ -16218,7 +16220,7 @@
           <p:cNvPr id="12" name="TextBox 11">
             <a:extLst>
               <a:ext uri="{FF2B5EF4-FFF2-40B4-BE49-F238E27FC236}">
-                <a16:creationId xmlns:a16="http://schemas.microsoft.com/office/drawing/2014/main" xmlns="" id="{AAA7A62B-B663-9BB3-853E-37554E612635}"/>
+                <a16:creationId xmlns:a16="http://schemas.microsoft.com/office/drawing/2014/main" id="{AAA7A62B-B663-9BB3-853E-37554E612635}"/>
               </a:ext>
             </a:extLst>
           </p:cNvPr>
@@ -16266,7 +16268,7 @@
           <p:cNvPr id="13" name="TextBox 12">
             <a:extLst>
               <a:ext uri="{FF2B5EF4-FFF2-40B4-BE49-F238E27FC236}">
-                <a16:creationId xmlns:a16="http://schemas.microsoft.com/office/drawing/2014/main" xmlns="" id="{AAA7A62B-B663-9BB3-853E-37554E612635}"/>
+                <a16:creationId xmlns:a16="http://schemas.microsoft.com/office/drawing/2014/main" id="{AAA7A62B-B663-9BB3-853E-37554E612635}"/>
               </a:ext>
             </a:extLst>
           </p:cNvPr>
@@ -16314,7 +16316,7 @@
           <p:cNvPr id="14" name="TextBox 13">
             <a:extLst>
               <a:ext uri="{FF2B5EF4-FFF2-40B4-BE49-F238E27FC236}">
-                <a16:creationId xmlns:a16="http://schemas.microsoft.com/office/drawing/2014/main" xmlns="" id="{AAA7A62B-B663-9BB3-853E-37554E612635}"/>
+                <a16:creationId xmlns:a16="http://schemas.microsoft.com/office/drawing/2014/main" id="{AAA7A62B-B663-9BB3-853E-37554E612635}"/>
               </a:ext>
             </a:extLst>
           </p:cNvPr>
@@ -16362,7 +16364,7 @@
           <p:cNvPr id="15" name="TextBox 14">
             <a:extLst>
               <a:ext uri="{FF2B5EF4-FFF2-40B4-BE49-F238E27FC236}">
-                <a16:creationId xmlns:a16="http://schemas.microsoft.com/office/drawing/2014/main" xmlns="" id="{AAA7A62B-B663-9BB3-853E-37554E612635}"/>
+                <a16:creationId xmlns:a16="http://schemas.microsoft.com/office/drawing/2014/main" id="{AAA7A62B-B663-9BB3-853E-37554E612635}"/>
               </a:ext>
             </a:extLst>
           </p:cNvPr>
@@ -16410,7 +16412,7 @@
           <p:cNvPr id="16" name="TextBox 15">
             <a:extLst>
               <a:ext uri="{FF2B5EF4-FFF2-40B4-BE49-F238E27FC236}">
-                <a16:creationId xmlns:a16="http://schemas.microsoft.com/office/drawing/2014/main" xmlns="" id="{AAA7A62B-B663-9BB3-853E-37554E612635}"/>
+                <a16:creationId xmlns:a16="http://schemas.microsoft.com/office/drawing/2014/main" id="{AAA7A62B-B663-9BB3-853E-37554E612635}"/>
               </a:ext>
             </a:extLst>
           </p:cNvPr>
@@ -16717,21 +16719,21 @@
                 <a:gridCol w="1295400">
                   <a:extLst>
                     <a:ext uri="{9D8B030D-6E8A-4147-A177-3AD203B41FA5}">
-                      <a16:colId xmlns:a16="http://schemas.microsoft.com/office/drawing/2014/main" xmlns="" val="20000"/>
+                      <a16:colId xmlns:a16="http://schemas.microsoft.com/office/drawing/2014/main" val="20000"/>
                     </a:ext>
                   </a:extLst>
                 </a:gridCol>
                 <a:gridCol w="1066800">
                   <a:extLst>
                     <a:ext uri="{9D8B030D-6E8A-4147-A177-3AD203B41FA5}">
-                      <a16:colId xmlns:a16="http://schemas.microsoft.com/office/drawing/2014/main" xmlns="" val="20001"/>
+                      <a16:colId xmlns:a16="http://schemas.microsoft.com/office/drawing/2014/main" val="20001"/>
                     </a:ext>
                   </a:extLst>
                 </a:gridCol>
                 <a:gridCol w="1066800">
                   <a:extLst>
                     <a:ext uri="{9D8B030D-6E8A-4147-A177-3AD203B41FA5}">
-                      <a16:colId xmlns:a16="http://schemas.microsoft.com/office/drawing/2014/main" xmlns="" val="20002"/>
+                      <a16:colId xmlns:a16="http://schemas.microsoft.com/office/drawing/2014/main" val="20002"/>
                     </a:ext>
                   </a:extLst>
                 </a:gridCol>
@@ -16956,7 +16958,7 @@
                 </a:tc>
                 <a:extLst>
                   <a:ext uri="{0D108BD9-81ED-4DB2-BD59-A6C34878D82A}">
-                    <a16:rowId xmlns:a16="http://schemas.microsoft.com/office/drawing/2014/main" xmlns="" val="10000"/>
+                    <a16:rowId xmlns:a16="http://schemas.microsoft.com/office/drawing/2014/main" val="10000"/>
                   </a:ext>
                 </a:extLst>
               </a:tr>
@@ -17180,7 +17182,7 @@
                 </a:tc>
                 <a:extLst>
                   <a:ext uri="{0D108BD9-81ED-4DB2-BD59-A6C34878D82A}">
-                    <a16:rowId xmlns:a16="http://schemas.microsoft.com/office/drawing/2014/main" xmlns="" val="10001"/>
+                    <a16:rowId xmlns:a16="http://schemas.microsoft.com/office/drawing/2014/main" val="10001"/>
                   </a:ext>
                 </a:extLst>
               </a:tr>
@@ -17398,7 +17400,7 @@
                 </a:tc>
                 <a:extLst>
                   <a:ext uri="{0D108BD9-81ED-4DB2-BD59-A6C34878D82A}">
-                    <a16:rowId xmlns:a16="http://schemas.microsoft.com/office/drawing/2014/main" xmlns="" val="10002"/>
+                    <a16:rowId xmlns:a16="http://schemas.microsoft.com/office/drawing/2014/main" val="10002"/>
                   </a:ext>
                 </a:extLst>
               </a:tr>
@@ -17622,7 +17624,7 @@
                 </a:tc>
                 <a:extLst>
                   <a:ext uri="{0D108BD9-81ED-4DB2-BD59-A6C34878D82A}">
-                    <a16:rowId xmlns:a16="http://schemas.microsoft.com/office/drawing/2014/main" xmlns="" val="10003"/>
+                    <a16:rowId xmlns:a16="http://schemas.microsoft.com/office/drawing/2014/main" val="10003"/>
                   </a:ext>
                 </a:extLst>
               </a:tr>
@@ -17846,7 +17848,7 @@
                 </a:tc>
                 <a:extLst>
                   <a:ext uri="{0D108BD9-81ED-4DB2-BD59-A6C34878D82A}">
-                    <a16:rowId xmlns:a16="http://schemas.microsoft.com/office/drawing/2014/main" xmlns="" val="10004"/>
+                    <a16:rowId xmlns:a16="http://schemas.microsoft.com/office/drawing/2014/main" val="10004"/>
                   </a:ext>
                 </a:extLst>
               </a:tr>
@@ -17859,7 +17861,7 @@
           <p:cNvPr id="5" name="TextBox 4">
             <a:extLst>
               <a:ext uri="{FF2B5EF4-FFF2-40B4-BE49-F238E27FC236}">
-                <a16:creationId xmlns:a16="http://schemas.microsoft.com/office/drawing/2014/main" xmlns="" id="{AAA7A62B-B663-9BB3-853E-37554E612635}"/>
+                <a16:creationId xmlns:a16="http://schemas.microsoft.com/office/drawing/2014/main" id="{AAA7A62B-B663-9BB3-853E-37554E612635}"/>
               </a:ext>
             </a:extLst>
           </p:cNvPr>
@@ -17927,7 +17929,7 @@
           <p:cNvPr id="6" name="TextBox 5">
             <a:extLst>
               <a:ext uri="{FF2B5EF4-FFF2-40B4-BE49-F238E27FC236}">
-                <a16:creationId xmlns:a16="http://schemas.microsoft.com/office/drawing/2014/main" xmlns="" id="{AAA7A62B-B663-9BB3-853E-37554E612635}"/>
+                <a16:creationId xmlns:a16="http://schemas.microsoft.com/office/drawing/2014/main" id="{AAA7A62B-B663-9BB3-853E-37554E612635}"/>
               </a:ext>
             </a:extLst>
           </p:cNvPr>
@@ -17975,7 +17977,7 @@
           <p:cNvPr id="7" name="직선 화살표 연결선 6">
             <a:extLst>
               <a:ext uri="{FF2B5EF4-FFF2-40B4-BE49-F238E27FC236}">
-                <a16:creationId xmlns:a16="http://schemas.microsoft.com/office/drawing/2014/main" xmlns="" id="{299DF5EC-9DF4-5255-06AC-0A7CE4FF58C3}"/>
+                <a16:creationId xmlns:a16="http://schemas.microsoft.com/office/drawing/2014/main" id="{299DF5EC-9DF4-5255-06AC-0A7CE4FF58C3}"/>
               </a:ext>
             </a:extLst>
           </p:cNvPr>
@@ -18151,7 +18153,7 @@
           <p:cNvPr id="4" name="TextBox 3">
             <a:extLst>
               <a:ext uri="{FF2B5EF4-FFF2-40B4-BE49-F238E27FC236}">
-                <a16:creationId xmlns:a16="http://schemas.microsoft.com/office/drawing/2014/main" xmlns="" id="{AAA7A62B-B663-9BB3-853E-37554E612635}"/>
+                <a16:creationId xmlns:a16="http://schemas.microsoft.com/office/drawing/2014/main" id="{AAA7A62B-B663-9BB3-853E-37554E612635}"/>
               </a:ext>
             </a:extLst>
           </p:cNvPr>
@@ -18232,21 +18234,21 @@
                 <a:gridCol w="1640840">
                   <a:extLst>
                     <a:ext uri="{9D8B030D-6E8A-4147-A177-3AD203B41FA5}">
-                      <a16:colId xmlns:a16="http://schemas.microsoft.com/office/drawing/2014/main" xmlns="" val="20000"/>
+                      <a16:colId xmlns:a16="http://schemas.microsoft.com/office/drawing/2014/main" val="20000"/>
                     </a:ext>
                   </a:extLst>
                 </a:gridCol>
                 <a:gridCol w="1351280">
                   <a:extLst>
                     <a:ext uri="{9D8B030D-6E8A-4147-A177-3AD203B41FA5}">
-                      <a16:colId xmlns:a16="http://schemas.microsoft.com/office/drawing/2014/main" xmlns="" val="20001"/>
+                      <a16:colId xmlns:a16="http://schemas.microsoft.com/office/drawing/2014/main" val="20001"/>
                     </a:ext>
                   </a:extLst>
                 </a:gridCol>
                 <a:gridCol w="1351280">
                   <a:extLst>
                     <a:ext uri="{9D8B030D-6E8A-4147-A177-3AD203B41FA5}">
-                      <a16:colId xmlns:a16="http://schemas.microsoft.com/office/drawing/2014/main" xmlns="" val="20002"/>
+                      <a16:colId xmlns:a16="http://schemas.microsoft.com/office/drawing/2014/main" val="20002"/>
                     </a:ext>
                   </a:extLst>
                 </a:gridCol>
@@ -18471,7 +18473,7 @@
                 </a:tc>
                 <a:extLst>
                   <a:ext uri="{0D108BD9-81ED-4DB2-BD59-A6C34878D82A}">
-                    <a16:rowId xmlns:a16="http://schemas.microsoft.com/office/drawing/2014/main" xmlns="" val="10000"/>
+                    <a16:rowId xmlns:a16="http://schemas.microsoft.com/office/drawing/2014/main" val="10000"/>
                   </a:ext>
                 </a:extLst>
               </a:tr>
@@ -18695,7 +18697,7 @@
                 </a:tc>
                 <a:extLst>
                   <a:ext uri="{0D108BD9-81ED-4DB2-BD59-A6C34878D82A}">
-                    <a16:rowId xmlns:a16="http://schemas.microsoft.com/office/drawing/2014/main" xmlns="" val="10001"/>
+                    <a16:rowId xmlns:a16="http://schemas.microsoft.com/office/drawing/2014/main" val="10001"/>
                   </a:ext>
                 </a:extLst>
               </a:tr>
@@ -18930,7 +18932,7 @@
           <p:cNvPr id="4" name="TextBox 3">
             <a:extLst>
               <a:ext uri="{FF2B5EF4-FFF2-40B4-BE49-F238E27FC236}">
-                <a16:creationId xmlns:a16="http://schemas.microsoft.com/office/drawing/2014/main" xmlns="" id="{AAA7A62B-B663-9BB3-853E-37554E612635}"/>
+                <a16:creationId xmlns:a16="http://schemas.microsoft.com/office/drawing/2014/main" id="{AAA7A62B-B663-9BB3-853E-37554E612635}"/>
               </a:ext>
             </a:extLst>
           </p:cNvPr>
@@ -19066,7 +19068,7 @@
           <p:cNvPr id="7" name="그룹 1008">
             <a:extLst>
               <a:ext uri="{FF2B5EF4-FFF2-40B4-BE49-F238E27FC236}">
-                <a16:creationId xmlns:a16="http://schemas.microsoft.com/office/drawing/2014/main" xmlns="" id="{678F6342-C505-E8AD-ADA4-022CB2C2088E}"/>
+                <a16:creationId xmlns:a16="http://schemas.microsoft.com/office/drawing/2014/main" id="{678F6342-C505-E8AD-ADA4-022CB2C2088E}"/>
               </a:ext>
             </a:extLst>
           </p:cNvPr>
@@ -19086,7 +19088,7 @@
             <p:cNvPr id="8" name="그룹 1009">
               <a:extLst>
                 <a:ext uri="{FF2B5EF4-FFF2-40B4-BE49-F238E27FC236}">
-                  <a16:creationId xmlns:a16="http://schemas.microsoft.com/office/drawing/2014/main" xmlns="" id="{4E1F1FED-812B-9BBB-925A-84B54A077414}"/>
+                  <a16:creationId xmlns:a16="http://schemas.microsoft.com/office/drawing/2014/main" id="{4E1F1FED-812B-9BBB-925A-84B54A077414}"/>
                 </a:ext>
               </a:extLst>
             </p:cNvPr>
@@ -19106,7 +19108,7 @@
               <p:cNvPr id="13" name="Object 29">
                 <a:extLst>
                   <a:ext uri="{FF2B5EF4-FFF2-40B4-BE49-F238E27FC236}">
-                    <a16:creationId xmlns:a16="http://schemas.microsoft.com/office/drawing/2014/main" xmlns="" id="{7B078609-4286-7B00-51EB-809C8E2DE289}"/>
+                    <a16:creationId xmlns:a16="http://schemas.microsoft.com/office/drawing/2014/main" id="{7B078609-4286-7B00-51EB-809C8E2DE289}"/>
                   </a:ext>
                 </a:extLst>
               </p:cNvPr>
@@ -19137,7 +19139,7 @@
             <p:cNvPr id="9" name="그룹 1010">
               <a:extLst>
                 <a:ext uri="{FF2B5EF4-FFF2-40B4-BE49-F238E27FC236}">
-                  <a16:creationId xmlns:a16="http://schemas.microsoft.com/office/drawing/2014/main" xmlns="" id="{02A649BF-B5B5-FBAF-7DFD-E118A4DF8907}"/>
+                  <a16:creationId xmlns:a16="http://schemas.microsoft.com/office/drawing/2014/main" id="{02A649BF-B5B5-FBAF-7DFD-E118A4DF8907}"/>
                 </a:ext>
               </a:extLst>
             </p:cNvPr>
@@ -19157,7 +19159,7 @@
               <p:cNvPr id="12" name="Object 32">
                 <a:extLst>
                   <a:ext uri="{FF2B5EF4-FFF2-40B4-BE49-F238E27FC236}">
-                    <a16:creationId xmlns:a16="http://schemas.microsoft.com/office/drawing/2014/main" xmlns="" id="{2A0FFF23-B3C9-3EA0-1C1B-A87D4FF098AE}"/>
+                    <a16:creationId xmlns:a16="http://schemas.microsoft.com/office/drawing/2014/main" id="{2A0FFF23-B3C9-3EA0-1C1B-A87D4FF098AE}"/>
                   </a:ext>
                 </a:extLst>
               </p:cNvPr>
@@ -19188,7 +19190,7 @@
             <p:cNvPr id="10" name="그룹 1011">
               <a:extLst>
                 <a:ext uri="{FF2B5EF4-FFF2-40B4-BE49-F238E27FC236}">
-                  <a16:creationId xmlns:a16="http://schemas.microsoft.com/office/drawing/2014/main" xmlns="" id="{881F5410-F7FB-F261-A584-707359BAC593}"/>
+                  <a16:creationId xmlns:a16="http://schemas.microsoft.com/office/drawing/2014/main" id="{881F5410-F7FB-F261-A584-707359BAC593}"/>
                 </a:ext>
               </a:extLst>
             </p:cNvPr>
@@ -19208,7 +19210,7 @@
               <p:cNvPr id="11" name="Object 35">
                 <a:extLst>
                   <a:ext uri="{FF2B5EF4-FFF2-40B4-BE49-F238E27FC236}">
-                    <a16:creationId xmlns:a16="http://schemas.microsoft.com/office/drawing/2014/main" xmlns="" id="{4E99E669-73EB-F9F4-EFE8-DC107035C265}"/>
+                    <a16:creationId xmlns:a16="http://schemas.microsoft.com/office/drawing/2014/main" id="{4E99E669-73EB-F9F4-EFE8-DC107035C265}"/>
                   </a:ext>
                 </a:extLst>
               </p:cNvPr>
@@ -19263,21 +19265,21 @@
                 <a:gridCol w="1295400">
                   <a:extLst>
                     <a:ext uri="{9D8B030D-6E8A-4147-A177-3AD203B41FA5}">
-                      <a16:colId xmlns:a16="http://schemas.microsoft.com/office/drawing/2014/main" xmlns="" val="20000"/>
+                      <a16:colId xmlns:a16="http://schemas.microsoft.com/office/drawing/2014/main" val="20000"/>
                     </a:ext>
                   </a:extLst>
                 </a:gridCol>
                 <a:gridCol w="1066800">
                   <a:extLst>
                     <a:ext uri="{9D8B030D-6E8A-4147-A177-3AD203B41FA5}">
-                      <a16:colId xmlns:a16="http://schemas.microsoft.com/office/drawing/2014/main" xmlns="" val="20001"/>
+                      <a16:colId xmlns:a16="http://schemas.microsoft.com/office/drawing/2014/main" val="20001"/>
                     </a:ext>
                   </a:extLst>
                 </a:gridCol>
                 <a:gridCol w="1066800">
                   <a:extLst>
                     <a:ext uri="{9D8B030D-6E8A-4147-A177-3AD203B41FA5}">
-                      <a16:colId xmlns:a16="http://schemas.microsoft.com/office/drawing/2014/main" xmlns="" val="20002"/>
+                      <a16:colId xmlns:a16="http://schemas.microsoft.com/office/drawing/2014/main" val="20002"/>
                     </a:ext>
                   </a:extLst>
                 </a:gridCol>
@@ -19504,7 +19506,7 @@
                 </a:tc>
                 <a:extLst>
                   <a:ext uri="{0D108BD9-81ED-4DB2-BD59-A6C34878D82A}">
-                    <a16:rowId xmlns:a16="http://schemas.microsoft.com/office/drawing/2014/main" xmlns="" val="10000"/>
+                    <a16:rowId xmlns:a16="http://schemas.microsoft.com/office/drawing/2014/main" val="10000"/>
                   </a:ext>
                 </a:extLst>
               </a:tr>
@@ -19730,7 +19732,7 @@
                 </a:tc>
                 <a:extLst>
                   <a:ext uri="{0D108BD9-81ED-4DB2-BD59-A6C34878D82A}">
-                    <a16:rowId xmlns:a16="http://schemas.microsoft.com/office/drawing/2014/main" xmlns="" val="10001"/>
+                    <a16:rowId xmlns:a16="http://schemas.microsoft.com/office/drawing/2014/main" val="10001"/>
                   </a:ext>
                 </a:extLst>
               </a:tr>
@@ -19956,7 +19958,7 @@
                 </a:tc>
                 <a:extLst>
                   <a:ext uri="{0D108BD9-81ED-4DB2-BD59-A6C34878D82A}">
-                    <a16:rowId xmlns:a16="http://schemas.microsoft.com/office/drawing/2014/main" xmlns="" val="10002"/>
+                    <a16:rowId xmlns:a16="http://schemas.microsoft.com/office/drawing/2014/main" val="10002"/>
                   </a:ext>
                 </a:extLst>
               </a:tr>
@@ -20182,7 +20184,7 @@
                 </a:tc>
                 <a:extLst>
                   <a:ext uri="{0D108BD9-81ED-4DB2-BD59-A6C34878D82A}">
-                    <a16:rowId xmlns:a16="http://schemas.microsoft.com/office/drawing/2014/main" xmlns="" val="10003"/>
+                    <a16:rowId xmlns:a16="http://schemas.microsoft.com/office/drawing/2014/main" val="10003"/>
                   </a:ext>
                 </a:extLst>
               </a:tr>
@@ -20408,7 +20410,7 @@
                 </a:tc>
                 <a:extLst>
                   <a:ext uri="{0D108BD9-81ED-4DB2-BD59-A6C34878D82A}">
-                    <a16:rowId xmlns:a16="http://schemas.microsoft.com/office/drawing/2014/main" xmlns="" val="10004"/>
+                    <a16:rowId xmlns:a16="http://schemas.microsoft.com/office/drawing/2014/main" val="10004"/>
                   </a:ext>
                 </a:extLst>
               </a:tr>
@@ -20469,7 +20471,7 @@
           <p:cNvPr id="18" name="그룹 1008">
             <a:extLst>
               <a:ext uri="{FF2B5EF4-FFF2-40B4-BE49-F238E27FC236}">
-                <a16:creationId xmlns:a16="http://schemas.microsoft.com/office/drawing/2014/main" xmlns="" id="{678F6342-C505-E8AD-ADA4-022CB2C2088E}"/>
+                <a16:creationId xmlns:a16="http://schemas.microsoft.com/office/drawing/2014/main" id="{678F6342-C505-E8AD-ADA4-022CB2C2088E}"/>
               </a:ext>
             </a:extLst>
           </p:cNvPr>
@@ -20489,7 +20491,7 @@
             <p:cNvPr id="19" name="그룹 1009">
               <a:extLst>
                 <a:ext uri="{FF2B5EF4-FFF2-40B4-BE49-F238E27FC236}">
-                  <a16:creationId xmlns:a16="http://schemas.microsoft.com/office/drawing/2014/main" xmlns="" id="{4E1F1FED-812B-9BBB-925A-84B54A077414}"/>
+                  <a16:creationId xmlns:a16="http://schemas.microsoft.com/office/drawing/2014/main" id="{4E1F1FED-812B-9BBB-925A-84B54A077414}"/>
                 </a:ext>
               </a:extLst>
             </p:cNvPr>
@@ -20509,7 +20511,7 @@
               <p:cNvPr id="24" name="Object 29">
                 <a:extLst>
                   <a:ext uri="{FF2B5EF4-FFF2-40B4-BE49-F238E27FC236}">
-                    <a16:creationId xmlns:a16="http://schemas.microsoft.com/office/drawing/2014/main" xmlns="" id="{7B078609-4286-7B00-51EB-809C8E2DE289}"/>
+                    <a16:creationId xmlns:a16="http://schemas.microsoft.com/office/drawing/2014/main" id="{7B078609-4286-7B00-51EB-809C8E2DE289}"/>
                   </a:ext>
                 </a:extLst>
               </p:cNvPr>
@@ -20540,7 +20542,7 @@
             <p:cNvPr id="20" name="그룹 1010">
               <a:extLst>
                 <a:ext uri="{FF2B5EF4-FFF2-40B4-BE49-F238E27FC236}">
-                  <a16:creationId xmlns:a16="http://schemas.microsoft.com/office/drawing/2014/main" xmlns="" id="{02A649BF-B5B5-FBAF-7DFD-E118A4DF8907}"/>
+                  <a16:creationId xmlns:a16="http://schemas.microsoft.com/office/drawing/2014/main" id="{02A649BF-B5B5-FBAF-7DFD-E118A4DF8907}"/>
                 </a:ext>
               </a:extLst>
             </p:cNvPr>
@@ -20560,7 +20562,7 @@
               <p:cNvPr id="23" name="Object 32">
                 <a:extLst>
                   <a:ext uri="{FF2B5EF4-FFF2-40B4-BE49-F238E27FC236}">
-                    <a16:creationId xmlns:a16="http://schemas.microsoft.com/office/drawing/2014/main" xmlns="" id="{2A0FFF23-B3C9-3EA0-1C1B-A87D4FF098AE}"/>
+                    <a16:creationId xmlns:a16="http://schemas.microsoft.com/office/drawing/2014/main" id="{2A0FFF23-B3C9-3EA0-1C1B-A87D4FF098AE}"/>
                   </a:ext>
                 </a:extLst>
               </p:cNvPr>
@@ -20591,7 +20593,7 @@
             <p:cNvPr id="21" name="그룹 1011">
               <a:extLst>
                 <a:ext uri="{FF2B5EF4-FFF2-40B4-BE49-F238E27FC236}">
-                  <a16:creationId xmlns:a16="http://schemas.microsoft.com/office/drawing/2014/main" xmlns="" id="{881F5410-F7FB-F261-A584-707359BAC593}"/>
+                  <a16:creationId xmlns:a16="http://schemas.microsoft.com/office/drawing/2014/main" id="{881F5410-F7FB-F261-A584-707359BAC593}"/>
                 </a:ext>
               </a:extLst>
             </p:cNvPr>
@@ -20611,7 +20613,7 @@
               <p:cNvPr id="22" name="Object 35">
                 <a:extLst>
                   <a:ext uri="{FF2B5EF4-FFF2-40B4-BE49-F238E27FC236}">
-                    <a16:creationId xmlns:a16="http://schemas.microsoft.com/office/drawing/2014/main" xmlns="" id="{4E99E669-73EB-F9F4-EFE8-DC107035C265}"/>
+                    <a16:creationId xmlns:a16="http://schemas.microsoft.com/office/drawing/2014/main" id="{4E99E669-73EB-F9F4-EFE8-DC107035C265}"/>
                   </a:ext>
                 </a:extLst>
               </p:cNvPr>
@@ -20666,21 +20668,21 @@
                 <a:gridCol w="1295400">
                   <a:extLst>
                     <a:ext uri="{9D8B030D-6E8A-4147-A177-3AD203B41FA5}">
-                      <a16:colId xmlns:a16="http://schemas.microsoft.com/office/drawing/2014/main" xmlns="" val="20000"/>
+                      <a16:colId xmlns:a16="http://schemas.microsoft.com/office/drawing/2014/main" val="20000"/>
                     </a:ext>
                   </a:extLst>
                 </a:gridCol>
                 <a:gridCol w="1066800">
                   <a:extLst>
                     <a:ext uri="{9D8B030D-6E8A-4147-A177-3AD203B41FA5}">
-                      <a16:colId xmlns:a16="http://schemas.microsoft.com/office/drawing/2014/main" xmlns="" val="20001"/>
+                      <a16:colId xmlns:a16="http://schemas.microsoft.com/office/drawing/2014/main" val="20001"/>
                     </a:ext>
                   </a:extLst>
                 </a:gridCol>
                 <a:gridCol w="1066800">
                   <a:extLst>
                     <a:ext uri="{9D8B030D-6E8A-4147-A177-3AD203B41FA5}">
-                      <a16:colId xmlns:a16="http://schemas.microsoft.com/office/drawing/2014/main" xmlns="" val="20002"/>
+                      <a16:colId xmlns:a16="http://schemas.microsoft.com/office/drawing/2014/main" val="20002"/>
                     </a:ext>
                   </a:extLst>
                 </a:gridCol>
@@ -20905,7 +20907,7 @@
                 </a:tc>
                 <a:extLst>
                   <a:ext uri="{0D108BD9-81ED-4DB2-BD59-A6C34878D82A}">
-                    <a16:rowId xmlns:a16="http://schemas.microsoft.com/office/drawing/2014/main" xmlns="" val="10000"/>
+                    <a16:rowId xmlns:a16="http://schemas.microsoft.com/office/drawing/2014/main" val="10000"/>
                   </a:ext>
                 </a:extLst>
               </a:tr>
@@ -21129,7 +21131,7 @@
                 </a:tc>
                 <a:extLst>
                   <a:ext uri="{0D108BD9-81ED-4DB2-BD59-A6C34878D82A}">
-                    <a16:rowId xmlns:a16="http://schemas.microsoft.com/office/drawing/2014/main" xmlns="" val="10001"/>
+                    <a16:rowId xmlns:a16="http://schemas.microsoft.com/office/drawing/2014/main" val="10001"/>
                   </a:ext>
                 </a:extLst>
               </a:tr>
@@ -21353,7 +21355,7 @@
                 </a:tc>
                 <a:extLst>
                   <a:ext uri="{0D108BD9-81ED-4DB2-BD59-A6C34878D82A}">
-                    <a16:rowId xmlns:a16="http://schemas.microsoft.com/office/drawing/2014/main" xmlns="" val="10002"/>
+                    <a16:rowId xmlns:a16="http://schemas.microsoft.com/office/drawing/2014/main" val="10002"/>
                   </a:ext>
                 </a:extLst>
               </a:tr>
@@ -21583,7 +21585,7 @@
                 </a:tc>
                 <a:extLst>
                   <a:ext uri="{0D108BD9-81ED-4DB2-BD59-A6C34878D82A}">
-                    <a16:rowId xmlns:a16="http://schemas.microsoft.com/office/drawing/2014/main" xmlns="" val="10003"/>
+                    <a16:rowId xmlns:a16="http://schemas.microsoft.com/office/drawing/2014/main" val="10003"/>
                   </a:ext>
                 </a:extLst>
               </a:tr>
@@ -21807,7 +21809,7 @@
                 </a:tc>
                 <a:extLst>
                   <a:ext uri="{0D108BD9-81ED-4DB2-BD59-A6C34878D82A}">
-                    <a16:rowId xmlns:a16="http://schemas.microsoft.com/office/drawing/2014/main" xmlns="" val="10004"/>
+                    <a16:rowId xmlns:a16="http://schemas.microsoft.com/office/drawing/2014/main" val="10004"/>
                   </a:ext>
                 </a:extLst>
               </a:tr>
@@ -22105,7 +22107,7 @@
           <p:cNvPr id="4" name="TextBox 3">
             <a:extLst>
               <a:ext uri="{FF2B5EF4-FFF2-40B4-BE49-F238E27FC236}">
-                <a16:creationId xmlns:a16="http://schemas.microsoft.com/office/drawing/2014/main" xmlns="" id="{AAA7A62B-B663-9BB3-853E-37554E612635}"/>
+                <a16:creationId xmlns:a16="http://schemas.microsoft.com/office/drawing/2014/main" id="{AAA7A62B-B663-9BB3-853E-37554E612635}"/>
               </a:ext>
             </a:extLst>
           </p:cNvPr>
@@ -22231,7 +22233,7 @@
           <p:cNvPr id="7" name="직선 화살표 연결선 6">
             <a:extLst>
               <a:ext uri="{FF2B5EF4-FFF2-40B4-BE49-F238E27FC236}">
-                <a16:creationId xmlns:a16="http://schemas.microsoft.com/office/drawing/2014/main" xmlns="" id="{299DF5EC-9DF4-5255-06AC-0A7CE4FF58C3}"/>
+                <a16:creationId xmlns:a16="http://schemas.microsoft.com/office/drawing/2014/main" id="{299DF5EC-9DF4-5255-06AC-0A7CE4FF58C3}"/>
               </a:ext>
             </a:extLst>
           </p:cNvPr>
@@ -22272,7 +22274,7 @@
           <p:cNvPr id="9" name="직사각형 8">
             <a:extLst>
               <a:ext uri="{FF2B5EF4-FFF2-40B4-BE49-F238E27FC236}">
-                <a16:creationId xmlns:a16="http://schemas.microsoft.com/office/drawing/2014/main" xmlns="" id="{FFF506F9-840A-0508-4CAF-3AC711D8D5CE}"/>
+                <a16:creationId xmlns:a16="http://schemas.microsoft.com/office/drawing/2014/main" id="{FFF506F9-840A-0508-4CAF-3AC711D8D5CE}"/>
               </a:ext>
             </a:extLst>
           </p:cNvPr>
@@ -22324,7 +22326,7 @@
           <p:cNvPr id="11" name="TextBox 10">
             <a:extLst>
               <a:ext uri="{FF2B5EF4-FFF2-40B4-BE49-F238E27FC236}">
-                <a16:creationId xmlns:a16="http://schemas.microsoft.com/office/drawing/2014/main" xmlns="" id="{C6D113C6-EA5C-788F-0C77-E7CE6EBB865F}"/>
+                <a16:creationId xmlns:a16="http://schemas.microsoft.com/office/drawing/2014/main" id="{C6D113C6-EA5C-788F-0C77-E7CE6EBB865F}"/>
               </a:ext>
             </a:extLst>
           </p:cNvPr>
@@ -22689,7 +22691,7 @@
           <p:cNvPr id="4" name="TextBox 3">
             <a:extLst>
               <a:ext uri="{FF2B5EF4-FFF2-40B4-BE49-F238E27FC236}">
-                <a16:creationId xmlns:a16="http://schemas.microsoft.com/office/drawing/2014/main" xmlns="" id="{AAA7A62B-B663-9BB3-853E-37554E612635}"/>
+                <a16:creationId xmlns:a16="http://schemas.microsoft.com/office/drawing/2014/main" id="{AAA7A62B-B663-9BB3-853E-37554E612635}"/>
               </a:ext>
             </a:extLst>
           </p:cNvPr>
@@ -22747,7 +22749,7 @@
           <p:cNvPr id="6" name="TextBox 5">
             <a:extLst>
               <a:ext uri="{FF2B5EF4-FFF2-40B4-BE49-F238E27FC236}">
-                <a16:creationId xmlns:a16="http://schemas.microsoft.com/office/drawing/2014/main" xmlns="" id="{1411E83A-6F3E-13BA-B84D-07D6B1588D85}"/>
+                <a16:creationId xmlns:a16="http://schemas.microsoft.com/office/drawing/2014/main" id="{1411E83A-6F3E-13BA-B84D-07D6B1588D85}"/>
               </a:ext>
             </a:extLst>
           </p:cNvPr>
@@ -23049,7 +23051,7 @@
           <p:cNvPr id="8" name="TextBox 7">
             <a:extLst>
               <a:ext uri="{FF2B5EF4-FFF2-40B4-BE49-F238E27FC236}">
-                <a16:creationId xmlns:a16="http://schemas.microsoft.com/office/drawing/2014/main" xmlns="" id="{1411E83A-6F3E-13BA-B84D-07D6B1588D85}"/>
+                <a16:creationId xmlns:a16="http://schemas.microsoft.com/office/drawing/2014/main" id="{1411E83A-6F3E-13BA-B84D-07D6B1588D85}"/>
               </a:ext>
             </a:extLst>
           </p:cNvPr>
@@ -23177,7 +23179,7 @@
           <p:cNvPr id="11" name="TextBox 10">
             <a:extLst>
               <a:ext uri="{FF2B5EF4-FFF2-40B4-BE49-F238E27FC236}">
-                <a16:creationId xmlns:a16="http://schemas.microsoft.com/office/drawing/2014/main" xmlns="" id="{1411E83A-6F3E-13BA-B84D-07D6B1588D85}"/>
+                <a16:creationId xmlns:a16="http://schemas.microsoft.com/office/drawing/2014/main" id="{1411E83A-6F3E-13BA-B84D-07D6B1588D85}"/>
               </a:ext>
             </a:extLst>
           </p:cNvPr>
@@ -23477,7 +23479,7 @@
           <p:cNvPr id="4" name="TextBox 3">
             <a:extLst>
               <a:ext uri="{FF2B5EF4-FFF2-40B4-BE49-F238E27FC236}">
-                <a16:creationId xmlns:a16="http://schemas.microsoft.com/office/drawing/2014/main" xmlns="" id="{AAA7A62B-B663-9BB3-853E-37554E612635}"/>
+                <a16:creationId xmlns:a16="http://schemas.microsoft.com/office/drawing/2014/main" id="{AAA7A62B-B663-9BB3-853E-37554E612635}"/>
               </a:ext>
             </a:extLst>
           </p:cNvPr>
@@ -23572,21 +23574,21 @@
                 <a:gridCol w="1295400">
                   <a:extLst>
                     <a:ext uri="{9D8B030D-6E8A-4147-A177-3AD203B41FA5}">
-                      <a16:colId xmlns:a16="http://schemas.microsoft.com/office/drawing/2014/main" xmlns="" val="20000"/>
+                      <a16:colId xmlns:a16="http://schemas.microsoft.com/office/drawing/2014/main" val="20000"/>
                     </a:ext>
                   </a:extLst>
                 </a:gridCol>
                 <a:gridCol w="1066800">
                   <a:extLst>
                     <a:ext uri="{9D8B030D-6E8A-4147-A177-3AD203B41FA5}">
-                      <a16:colId xmlns:a16="http://schemas.microsoft.com/office/drawing/2014/main" xmlns="" val="20001"/>
+                      <a16:colId xmlns:a16="http://schemas.microsoft.com/office/drawing/2014/main" val="20001"/>
                     </a:ext>
                   </a:extLst>
                 </a:gridCol>
                 <a:gridCol w="1066800">
                   <a:extLst>
                     <a:ext uri="{9D8B030D-6E8A-4147-A177-3AD203B41FA5}">
-                      <a16:colId xmlns:a16="http://schemas.microsoft.com/office/drawing/2014/main" xmlns="" val="20002"/>
+                      <a16:colId xmlns:a16="http://schemas.microsoft.com/office/drawing/2014/main" val="20002"/>
                     </a:ext>
                   </a:extLst>
                 </a:gridCol>
@@ -23811,7 +23813,7 @@
                 </a:tc>
                 <a:extLst>
                   <a:ext uri="{0D108BD9-81ED-4DB2-BD59-A6C34878D82A}">
-                    <a16:rowId xmlns:a16="http://schemas.microsoft.com/office/drawing/2014/main" xmlns="" val="10000"/>
+                    <a16:rowId xmlns:a16="http://schemas.microsoft.com/office/drawing/2014/main" val="10000"/>
                   </a:ext>
                 </a:extLst>
               </a:tr>
@@ -24035,7 +24037,7 @@
                 </a:tc>
                 <a:extLst>
                   <a:ext uri="{0D108BD9-81ED-4DB2-BD59-A6C34878D82A}">
-                    <a16:rowId xmlns:a16="http://schemas.microsoft.com/office/drawing/2014/main" xmlns="" val="10001"/>
+                    <a16:rowId xmlns:a16="http://schemas.microsoft.com/office/drawing/2014/main" val="10001"/>
                   </a:ext>
                 </a:extLst>
               </a:tr>
@@ -24259,7 +24261,7 @@
                 </a:tc>
                 <a:extLst>
                   <a:ext uri="{0D108BD9-81ED-4DB2-BD59-A6C34878D82A}">
-                    <a16:rowId xmlns:a16="http://schemas.microsoft.com/office/drawing/2014/main" xmlns="" val="10002"/>
+                    <a16:rowId xmlns:a16="http://schemas.microsoft.com/office/drawing/2014/main" val="10002"/>
                   </a:ext>
                 </a:extLst>
               </a:tr>
@@ -24483,7 +24485,7 @@
                 </a:tc>
                 <a:extLst>
                   <a:ext uri="{0D108BD9-81ED-4DB2-BD59-A6C34878D82A}">
-                    <a16:rowId xmlns:a16="http://schemas.microsoft.com/office/drawing/2014/main" xmlns="" val="10003"/>
+                    <a16:rowId xmlns:a16="http://schemas.microsoft.com/office/drawing/2014/main" val="10003"/>
                   </a:ext>
                 </a:extLst>
               </a:tr>
@@ -24707,7 +24709,7 @@
                 </a:tc>
                 <a:extLst>
                   <a:ext uri="{0D108BD9-81ED-4DB2-BD59-A6C34878D82A}">
-                    <a16:rowId xmlns:a16="http://schemas.microsoft.com/office/drawing/2014/main" xmlns="" val="10004"/>
+                    <a16:rowId xmlns:a16="http://schemas.microsoft.com/office/drawing/2014/main" val="10004"/>
                   </a:ext>
                 </a:extLst>
               </a:tr>
@@ -24767,7 +24769,7 @@
                 <a:gridCol w="1295400">
                   <a:extLst>
                     <a:ext uri="{9D8B030D-6E8A-4147-A177-3AD203B41FA5}">
-                      <a16:colId xmlns:a16="http://schemas.microsoft.com/office/drawing/2014/main" xmlns="" val="20000"/>
+                      <a16:colId xmlns:a16="http://schemas.microsoft.com/office/drawing/2014/main" val="20000"/>
                     </a:ext>
                   </a:extLst>
                 </a:gridCol>
@@ -24842,7 +24844,7 @@
                 </a:tc>
                 <a:extLst>
                   <a:ext uri="{0D108BD9-81ED-4DB2-BD59-A6C34878D82A}">
-                    <a16:rowId xmlns:a16="http://schemas.microsoft.com/office/drawing/2014/main" xmlns="" val="10000"/>
+                    <a16:rowId xmlns:a16="http://schemas.microsoft.com/office/drawing/2014/main" val="10000"/>
                   </a:ext>
                 </a:extLst>
               </a:tr>
@@ -24916,7 +24918,7 @@
                 </a:tc>
                 <a:extLst>
                   <a:ext uri="{0D108BD9-81ED-4DB2-BD59-A6C34878D82A}">
-                    <a16:rowId xmlns:a16="http://schemas.microsoft.com/office/drawing/2014/main" xmlns="" val="10001"/>
+                    <a16:rowId xmlns:a16="http://schemas.microsoft.com/office/drawing/2014/main" val="10001"/>
                   </a:ext>
                 </a:extLst>
               </a:tr>
@@ -24990,7 +24992,7 @@
                 </a:tc>
                 <a:extLst>
                   <a:ext uri="{0D108BD9-81ED-4DB2-BD59-A6C34878D82A}">
-                    <a16:rowId xmlns:a16="http://schemas.microsoft.com/office/drawing/2014/main" xmlns="" val="10002"/>
+                    <a16:rowId xmlns:a16="http://schemas.microsoft.com/office/drawing/2014/main" val="10002"/>
                   </a:ext>
                 </a:extLst>
               </a:tr>
@@ -25064,7 +25066,7 @@
                 </a:tc>
                 <a:extLst>
                   <a:ext uri="{0D108BD9-81ED-4DB2-BD59-A6C34878D82A}">
-                    <a16:rowId xmlns:a16="http://schemas.microsoft.com/office/drawing/2014/main" xmlns="" val="10003"/>
+                    <a16:rowId xmlns:a16="http://schemas.microsoft.com/office/drawing/2014/main" val="10003"/>
                   </a:ext>
                 </a:extLst>
               </a:tr>
@@ -25138,7 +25140,7 @@
                 </a:tc>
                 <a:extLst>
                   <a:ext uri="{0D108BD9-81ED-4DB2-BD59-A6C34878D82A}">
-                    <a16:rowId xmlns:a16="http://schemas.microsoft.com/office/drawing/2014/main" xmlns="" val="10004"/>
+                    <a16:rowId xmlns:a16="http://schemas.microsoft.com/office/drawing/2014/main" val="10004"/>
                   </a:ext>
                 </a:extLst>
               </a:tr>
@@ -25223,7 +25225,7 @@
           <p:cNvPr id="13" name="직선 화살표 연결선 12">
             <a:extLst>
               <a:ext uri="{FF2B5EF4-FFF2-40B4-BE49-F238E27FC236}">
-                <a16:creationId xmlns:a16="http://schemas.microsoft.com/office/drawing/2014/main" xmlns="" id="{299DF5EC-9DF4-5255-06AC-0A7CE4FF58C3}"/>
+                <a16:creationId xmlns:a16="http://schemas.microsoft.com/office/drawing/2014/main" id="{299DF5EC-9DF4-5255-06AC-0A7CE4FF58C3}"/>
               </a:ext>
             </a:extLst>
           </p:cNvPr>
@@ -25264,7 +25266,7 @@
           <p:cNvPr id="15" name="직선 화살표 연결선 14">
             <a:extLst>
               <a:ext uri="{FF2B5EF4-FFF2-40B4-BE49-F238E27FC236}">
-                <a16:creationId xmlns:a16="http://schemas.microsoft.com/office/drawing/2014/main" xmlns="" id="{299DF5EC-9DF4-5255-06AC-0A7CE4FF58C3}"/>
+                <a16:creationId xmlns:a16="http://schemas.microsoft.com/office/drawing/2014/main" id="{299DF5EC-9DF4-5255-06AC-0A7CE4FF58C3}"/>
               </a:ext>
             </a:extLst>
           </p:cNvPr>
@@ -25598,7 +25600,7 @@
           <p:cNvPr id="2" name="TextBox 1">
             <a:extLst>
               <a:ext uri="{FF2B5EF4-FFF2-40B4-BE49-F238E27FC236}">
-                <a16:creationId xmlns:a16="http://schemas.microsoft.com/office/drawing/2014/main" xmlns="" id="{8D19D88B-9541-32D7-90F1-0C45C993E21C}"/>
+                <a16:creationId xmlns:a16="http://schemas.microsoft.com/office/drawing/2014/main" id="{8D19D88B-9541-32D7-90F1-0C45C993E21C}"/>
               </a:ext>
             </a:extLst>
           </p:cNvPr>
@@ -25671,7 +25673,7 @@
           <p:cNvPr id="4" name="TextBox 3">
             <a:extLst>
               <a:ext uri="{FF2B5EF4-FFF2-40B4-BE49-F238E27FC236}">
-                <a16:creationId xmlns:a16="http://schemas.microsoft.com/office/drawing/2014/main" xmlns="" id="{AAA7A62B-B663-9BB3-853E-37554E612635}"/>
+                <a16:creationId xmlns:a16="http://schemas.microsoft.com/office/drawing/2014/main" id="{AAA7A62B-B663-9BB3-853E-37554E612635}"/>
               </a:ext>
             </a:extLst>
           </p:cNvPr>
@@ -25743,7 +25745,7 @@
           <p:cNvPr id="6" name="TextBox 5">
             <a:extLst>
               <a:ext uri="{FF2B5EF4-FFF2-40B4-BE49-F238E27FC236}">
-                <a16:creationId xmlns:a16="http://schemas.microsoft.com/office/drawing/2014/main" xmlns="" id="{AAA7A62B-B663-9BB3-853E-37554E612635}"/>
+                <a16:creationId xmlns:a16="http://schemas.microsoft.com/office/drawing/2014/main" id="{AAA7A62B-B663-9BB3-853E-37554E612635}"/>
               </a:ext>
             </a:extLst>
           </p:cNvPr>
@@ -25854,7 +25856,7 @@
                 <a:gridCol w="1295400">
                   <a:extLst>
                     <a:ext uri="{9D8B030D-6E8A-4147-A177-3AD203B41FA5}">
-                      <a16:colId xmlns:a16="http://schemas.microsoft.com/office/drawing/2014/main" xmlns="" val="20000"/>
+                      <a16:colId xmlns:a16="http://schemas.microsoft.com/office/drawing/2014/main" val="20000"/>
                     </a:ext>
                   </a:extLst>
                 </a:gridCol>
@@ -25929,7 +25931,7 @@
                 </a:tc>
                 <a:extLst>
                   <a:ext uri="{0D108BD9-81ED-4DB2-BD59-A6C34878D82A}">
-                    <a16:rowId xmlns:a16="http://schemas.microsoft.com/office/drawing/2014/main" xmlns="" val="10000"/>
+                    <a16:rowId xmlns:a16="http://schemas.microsoft.com/office/drawing/2014/main" val="10000"/>
                   </a:ext>
                 </a:extLst>
               </a:tr>
@@ -26003,7 +26005,7 @@
                 </a:tc>
                 <a:extLst>
                   <a:ext uri="{0D108BD9-81ED-4DB2-BD59-A6C34878D82A}">
-                    <a16:rowId xmlns:a16="http://schemas.microsoft.com/office/drawing/2014/main" xmlns="" val="10001"/>
+                    <a16:rowId xmlns:a16="http://schemas.microsoft.com/office/drawing/2014/main" val="10001"/>
                   </a:ext>
                 </a:extLst>
               </a:tr>
@@ -26077,7 +26079,7 @@
                 </a:tc>
                 <a:extLst>
                   <a:ext uri="{0D108BD9-81ED-4DB2-BD59-A6C34878D82A}">
-                    <a16:rowId xmlns:a16="http://schemas.microsoft.com/office/drawing/2014/main" xmlns="" val="10002"/>
+                    <a16:rowId xmlns:a16="http://schemas.microsoft.com/office/drawing/2014/main" val="10002"/>
                   </a:ext>
                 </a:extLst>
               </a:tr>
@@ -26151,7 +26153,7 @@
                 </a:tc>
                 <a:extLst>
                   <a:ext uri="{0D108BD9-81ED-4DB2-BD59-A6C34878D82A}">
-                    <a16:rowId xmlns:a16="http://schemas.microsoft.com/office/drawing/2014/main" xmlns="" val="10003"/>
+                    <a16:rowId xmlns:a16="http://schemas.microsoft.com/office/drawing/2014/main" val="10003"/>
                   </a:ext>
                 </a:extLst>
               </a:tr>
@@ -26225,7 +26227,7 @@
                 </a:tc>
                 <a:extLst>
                   <a:ext uri="{0D108BD9-81ED-4DB2-BD59-A6C34878D82A}">
-                    <a16:rowId xmlns:a16="http://schemas.microsoft.com/office/drawing/2014/main" xmlns="" val="10004"/>
+                    <a16:rowId xmlns:a16="http://schemas.microsoft.com/office/drawing/2014/main" val="10004"/>
                   </a:ext>
                 </a:extLst>
               </a:tr>
@@ -26261,7 +26263,7 @@
                 <a:gridCol w="1295400">
                   <a:extLst>
                     <a:ext uri="{9D8B030D-6E8A-4147-A177-3AD203B41FA5}">
-                      <a16:colId xmlns:a16="http://schemas.microsoft.com/office/drawing/2014/main" xmlns="" val="20000"/>
+                      <a16:colId xmlns:a16="http://schemas.microsoft.com/office/drawing/2014/main" val="20000"/>
                     </a:ext>
                   </a:extLst>
                 </a:gridCol>
@@ -26336,7 +26338,7 @@
                 </a:tc>
                 <a:extLst>
                   <a:ext uri="{0D108BD9-81ED-4DB2-BD59-A6C34878D82A}">
-                    <a16:rowId xmlns:a16="http://schemas.microsoft.com/office/drawing/2014/main" xmlns="" val="10000"/>
+                    <a16:rowId xmlns:a16="http://schemas.microsoft.com/office/drawing/2014/main" val="10000"/>
                   </a:ext>
                 </a:extLst>
               </a:tr>
@@ -26372,7 +26374,7 @@
                 <a:gridCol w="1295400">
                   <a:extLst>
                     <a:ext uri="{9D8B030D-6E8A-4147-A177-3AD203B41FA5}">
-                      <a16:colId xmlns:a16="http://schemas.microsoft.com/office/drawing/2014/main" xmlns="" val="20000"/>
+                      <a16:colId xmlns:a16="http://schemas.microsoft.com/office/drawing/2014/main" val="20000"/>
                     </a:ext>
                   </a:extLst>
                 </a:gridCol>
@@ -26447,7 +26449,7 @@
                 </a:tc>
                 <a:extLst>
                   <a:ext uri="{0D108BD9-81ED-4DB2-BD59-A6C34878D82A}">
-                    <a16:rowId xmlns:a16="http://schemas.microsoft.com/office/drawing/2014/main" xmlns="" val="10000"/>
+                    <a16:rowId xmlns:a16="http://schemas.microsoft.com/office/drawing/2014/main" val="10000"/>
                   </a:ext>
                 </a:extLst>
               </a:tr>
@@ -26483,7 +26485,7 @@
                 <a:gridCol w="1295400">
                   <a:extLst>
                     <a:ext uri="{9D8B030D-6E8A-4147-A177-3AD203B41FA5}">
-                      <a16:colId xmlns:a16="http://schemas.microsoft.com/office/drawing/2014/main" xmlns="" val="20000"/>
+                      <a16:colId xmlns:a16="http://schemas.microsoft.com/office/drawing/2014/main" val="20000"/>
                     </a:ext>
                   </a:extLst>
                 </a:gridCol>
@@ -26558,7 +26560,7 @@
                 </a:tc>
                 <a:extLst>
                   <a:ext uri="{0D108BD9-81ED-4DB2-BD59-A6C34878D82A}">
-                    <a16:rowId xmlns:a16="http://schemas.microsoft.com/office/drawing/2014/main" xmlns="" val="10000"/>
+                    <a16:rowId xmlns:a16="http://schemas.microsoft.com/office/drawing/2014/main" val="10000"/>
                   </a:ext>
                 </a:extLst>
               </a:tr>
@@ -26594,7 +26596,7 @@
                 <a:gridCol w="1295400">
                   <a:extLst>
                     <a:ext uri="{9D8B030D-6E8A-4147-A177-3AD203B41FA5}">
-                      <a16:colId xmlns:a16="http://schemas.microsoft.com/office/drawing/2014/main" xmlns="" val="20000"/>
+                      <a16:colId xmlns:a16="http://schemas.microsoft.com/office/drawing/2014/main" val="20000"/>
                     </a:ext>
                   </a:extLst>
                 </a:gridCol>
@@ -26669,7 +26671,7 @@
                 </a:tc>
                 <a:extLst>
                   <a:ext uri="{0D108BD9-81ED-4DB2-BD59-A6C34878D82A}">
-                    <a16:rowId xmlns:a16="http://schemas.microsoft.com/office/drawing/2014/main" xmlns="" val="10000"/>
+                    <a16:rowId xmlns:a16="http://schemas.microsoft.com/office/drawing/2014/main" val="10000"/>
                   </a:ext>
                 </a:extLst>
               </a:tr>
@@ -26705,7 +26707,7 @@
                 <a:gridCol w="1295400">
                   <a:extLst>
                     <a:ext uri="{9D8B030D-6E8A-4147-A177-3AD203B41FA5}">
-                      <a16:colId xmlns:a16="http://schemas.microsoft.com/office/drawing/2014/main" xmlns="" val="20000"/>
+                      <a16:colId xmlns:a16="http://schemas.microsoft.com/office/drawing/2014/main" val="20000"/>
                     </a:ext>
                   </a:extLst>
                 </a:gridCol>
@@ -26780,7 +26782,7 @@
                 </a:tc>
                 <a:extLst>
                   <a:ext uri="{0D108BD9-81ED-4DB2-BD59-A6C34878D82A}">
-                    <a16:rowId xmlns:a16="http://schemas.microsoft.com/office/drawing/2014/main" xmlns="" val="10000"/>
+                    <a16:rowId xmlns:a16="http://schemas.microsoft.com/office/drawing/2014/main" val="10000"/>
                   </a:ext>
                 </a:extLst>
               </a:tr>
@@ -26816,7 +26818,7 @@
                 <a:gridCol w="1295400">
                   <a:extLst>
                     <a:ext uri="{9D8B030D-6E8A-4147-A177-3AD203B41FA5}">
-                      <a16:colId xmlns:a16="http://schemas.microsoft.com/office/drawing/2014/main" xmlns="" val="20000"/>
+                      <a16:colId xmlns:a16="http://schemas.microsoft.com/office/drawing/2014/main" val="20000"/>
                     </a:ext>
                   </a:extLst>
                 </a:gridCol>
@@ -26891,7 +26893,7 @@
                 </a:tc>
                 <a:extLst>
                   <a:ext uri="{0D108BD9-81ED-4DB2-BD59-A6C34878D82A}">
-                    <a16:rowId xmlns:a16="http://schemas.microsoft.com/office/drawing/2014/main" xmlns="" val="10000"/>
+                    <a16:rowId xmlns:a16="http://schemas.microsoft.com/office/drawing/2014/main" val="10000"/>
                   </a:ext>
                 </a:extLst>
               </a:tr>
@@ -26927,7 +26929,7 @@
                 <a:gridCol w="1295400">
                   <a:extLst>
                     <a:ext uri="{9D8B030D-6E8A-4147-A177-3AD203B41FA5}">
-                      <a16:colId xmlns:a16="http://schemas.microsoft.com/office/drawing/2014/main" xmlns="" val="20000"/>
+                      <a16:colId xmlns:a16="http://schemas.microsoft.com/office/drawing/2014/main" val="20000"/>
                     </a:ext>
                   </a:extLst>
                 </a:gridCol>
@@ -27002,7 +27004,7 @@
                 </a:tc>
                 <a:extLst>
                   <a:ext uri="{0D108BD9-81ED-4DB2-BD59-A6C34878D82A}">
-                    <a16:rowId xmlns:a16="http://schemas.microsoft.com/office/drawing/2014/main" xmlns="" val="10000"/>
+                    <a16:rowId xmlns:a16="http://schemas.microsoft.com/office/drawing/2014/main" val="10000"/>
                   </a:ext>
                 </a:extLst>
               </a:tr>
@@ -27038,7 +27040,7 @@
                 <a:gridCol w="1295400">
                   <a:extLst>
                     <a:ext uri="{9D8B030D-6E8A-4147-A177-3AD203B41FA5}">
-                      <a16:colId xmlns:a16="http://schemas.microsoft.com/office/drawing/2014/main" xmlns="" val="20000"/>
+                      <a16:colId xmlns:a16="http://schemas.microsoft.com/office/drawing/2014/main" val="20000"/>
                     </a:ext>
                   </a:extLst>
                 </a:gridCol>
@@ -27113,7 +27115,7 @@
                 </a:tc>
                 <a:extLst>
                   <a:ext uri="{0D108BD9-81ED-4DB2-BD59-A6C34878D82A}">
-                    <a16:rowId xmlns:a16="http://schemas.microsoft.com/office/drawing/2014/main" xmlns="" val="10000"/>
+                    <a16:rowId xmlns:a16="http://schemas.microsoft.com/office/drawing/2014/main" val="10000"/>
                   </a:ext>
                 </a:extLst>
               </a:tr>
@@ -27149,7 +27151,7 @@
                 <a:gridCol w="1295400">
                   <a:extLst>
                     <a:ext uri="{9D8B030D-6E8A-4147-A177-3AD203B41FA5}">
-                      <a16:colId xmlns:a16="http://schemas.microsoft.com/office/drawing/2014/main" xmlns="" val="20000"/>
+                      <a16:colId xmlns:a16="http://schemas.microsoft.com/office/drawing/2014/main" val="20000"/>
                     </a:ext>
                   </a:extLst>
                 </a:gridCol>
@@ -27224,7 +27226,7 @@
                 </a:tc>
                 <a:extLst>
                   <a:ext uri="{0D108BD9-81ED-4DB2-BD59-A6C34878D82A}">
-                    <a16:rowId xmlns:a16="http://schemas.microsoft.com/office/drawing/2014/main" xmlns="" val="10000"/>
+                    <a16:rowId xmlns:a16="http://schemas.microsoft.com/office/drawing/2014/main" val="10000"/>
                   </a:ext>
                 </a:extLst>
               </a:tr>
@@ -27260,7 +27262,7 @@
                 <a:gridCol w="1295400">
                   <a:extLst>
                     <a:ext uri="{9D8B030D-6E8A-4147-A177-3AD203B41FA5}">
-                      <a16:colId xmlns:a16="http://schemas.microsoft.com/office/drawing/2014/main" xmlns="" val="20000"/>
+                      <a16:colId xmlns:a16="http://schemas.microsoft.com/office/drawing/2014/main" val="20000"/>
                     </a:ext>
                   </a:extLst>
                 </a:gridCol>
@@ -27335,7 +27337,7 @@
                 </a:tc>
                 <a:extLst>
                   <a:ext uri="{0D108BD9-81ED-4DB2-BD59-A6C34878D82A}">
-                    <a16:rowId xmlns:a16="http://schemas.microsoft.com/office/drawing/2014/main" xmlns="" val="10000"/>
+                    <a16:rowId xmlns:a16="http://schemas.microsoft.com/office/drawing/2014/main" val="10000"/>
                   </a:ext>
                 </a:extLst>
               </a:tr>
@@ -27371,7 +27373,7 @@
                 <a:gridCol w="1295400">
                   <a:extLst>
                     <a:ext uri="{9D8B030D-6E8A-4147-A177-3AD203B41FA5}">
-                      <a16:colId xmlns:a16="http://schemas.microsoft.com/office/drawing/2014/main" xmlns="" val="20000"/>
+                      <a16:colId xmlns:a16="http://schemas.microsoft.com/office/drawing/2014/main" val="20000"/>
                     </a:ext>
                   </a:extLst>
                 </a:gridCol>
@@ -27446,7 +27448,7 @@
                 </a:tc>
                 <a:extLst>
                   <a:ext uri="{0D108BD9-81ED-4DB2-BD59-A6C34878D82A}">
-                    <a16:rowId xmlns:a16="http://schemas.microsoft.com/office/drawing/2014/main" xmlns="" val="10000"/>
+                    <a16:rowId xmlns:a16="http://schemas.microsoft.com/office/drawing/2014/main" val="10000"/>
                   </a:ext>
                 </a:extLst>
               </a:tr>
@@ -27986,7 +27988,7 @@
           <p:cNvPr id="5" name="Object 2">
             <a:extLst>
               <a:ext uri="{FF2B5EF4-FFF2-40B4-BE49-F238E27FC236}">
-                <a16:creationId xmlns:a16="http://schemas.microsoft.com/office/drawing/2014/main" xmlns="" id="{EB9768FE-76B0-709F-3C4D-0ECBB41147CD}"/>
+                <a16:creationId xmlns:a16="http://schemas.microsoft.com/office/drawing/2014/main" id="{EB9768FE-76B0-709F-3C4D-0ECBB41147CD}"/>
               </a:ext>
             </a:extLst>
           </p:cNvPr>
@@ -28016,7 +28018,7 @@
           <p:cNvPr id="7" name="그룹 1001">
             <a:extLst>
               <a:ext uri="{FF2B5EF4-FFF2-40B4-BE49-F238E27FC236}">
-                <a16:creationId xmlns:a16="http://schemas.microsoft.com/office/drawing/2014/main" xmlns="" id="{0637F47C-891C-2B90-8647-32B84C264D42}"/>
+                <a16:creationId xmlns:a16="http://schemas.microsoft.com/office/drawing/2014/main" id="{0637F47C-891C-2B90-8647-32B84C264D42}"/>
               </a:ext>
             </a:extLst>
           </p:cNvPr>
@@ -28036,7 +28038,7 @@
             <p:cNvPr id="8" name="Object 5">
               <a:extLst>
                 <a:ext uri="{FF2B5EF4-FFF2-40B4-BE49-F238E27FC236}">
-                  <a16:creationId xmlns:a16="http://schemas.microsoft.com/office/drawing/2014/main" xmlns="" id="{710F969D-8259-9328-33C3-C6DB500C60D4}"/>
+                  <a16:creationId xmlns:a16="http://schemas.microsoft.com/office/drawing/2014/main" id="{710F969D-8259-9328-33C3-C6DB500C60D4}"/>
                 </a:ext>
               </a:extLst>
             </p:cNvPr>
@@ -28067,7 +28069,7 @@
           <p:cNvPr id="9" name="그룹 1002">
             <a:extLst>
               <a:ext uri="{FF2B5EF4-FFF2-40B4-BE49-F238E27FC236}">
-                <a16:creationId xmlns:a16="http://schemas.microsoft.com/office/drawing/2014/main" xmlns="" id="{A87796A8-251B-F38A-5AE9-11F8D847B25D}"/>
+                <a16:creationId xmlns:a16="http://schemas.microsoft.com/office/drawing/2014/main" id="{A87796A8-251B-F38A-5AE9-11F8D847B25D}"/>
               </a:ext>
             </a:extLst>
           </p:cNvPr>
@@ -28087,7 +28089,7 @@
             <p:cNvPr id="10" name="Object 8">
               <a:extLst>
                 <a:ext uri="{FF2B5EF4-FFF2-40B4-BE49-F238E27FC236}">
-                  <a16:creationId xmlns:a16="http://schemas.microsoft.com/office/drawing/2014/main" xmlns="" id="{9E806C19-D323-E705-F3B8-EEABB39F0993}"/>
+                  <a16:creationId xmlns:a16="http://schemas.microsoft.com/office/drawing/2014/main" id="{9E806C19-D323-E705-F3B8-EEABB39F0993}"/>
                 </a:ext>
               </a:extLst>
             </p:cNvPr>
@@ -28118,7 +28120,7 @@
           <p:cNvPr id="11" name="그룹 1003">
             <a:extLst>
               <a:ext uri="{FF2B5EF4-FFF2-40B4-BE49-F238E27FC236}">
-                <a16:creationId xmlns:a16="http://schemas.microsoft.com/office/drawing/2014/main" xmlns="" id="{701795E0-24B6-38E6-7308-FED7AD2B6900}"/>
+                <a16:creationId xmlns:a16="http://schemas.microsoft.com/office/drawing/2014/main" id="{701795E0-24B6-38E6-7308-FED7AD2B6900}"/>
               </a:ext>
             </a:extLst>
           </p:cNvPr>
@@ -28138,7 +28140,7 @@
             <p:cNvPr id="12" name="Object 11">
               <a:extLst>
                 <a:ext uri="{FF2B5EF4-FFF2-40B4-BE49-F238E27FC236}">
-                  <a16:creationId xmlns:a16="http://schemas.microsoft.com/office/drawing/2014/main" xmlns="" id="{D8C68167-7FB5-1F8E-D53C-DEA682F465F5}"/>
+                  <a16:creationId xmlns:a16="http://schemas.microsoft.com/office/drawing/2014/main" id="{D8C68167-7FB5-1F8E-D53C-DEA682F465F5}"/>
                 </a:ext>
               </a:extLst>
             </p:cNvPr>
@@ -28169,7 +28171,7 @@
           <p:cNvPr id="13" name="그룹 1004">
             <a:extLst>
               <a:ext uri="{FF2B5EF4-FFF2-40B4-BE49-F238E27FC236}">
-                <a16:creationId xmlns:a16="http://schemas.microsoft.com/office/drawing/2014/main" xmlns="" id="{03226A72-764D-99F3-A14F-47C351CB448B}"/>
+                <a16:creationId xmlns:a16="http://schemas.microsoft.com/office/drawing/2014/main" id="{03226A72-764D-99F3-A14F-47C351CB448B}"/>
               </a:ext>
             </a:extLst>
           </p:cNvPr>
@@ -28189,7 +28191,7 @@
             <p:cNvPr id="14" name="Object 14">
               <a:extLst>
                 <a:ext uri="{FF2B5EF4-FFF2-40B4-BE49-F238E27FC236}">
-                  <a16:creationId xmlns:a16="http://schemas.microsoft.com/office/drawing/2014/main" xmlns="" id="{77C5B9A8-AEBA-093B-4CD6-4F1ECF519068}"/>
+                  <a16:creationId xmlns:a16="http://schemas.microsoft.com/office/drawing/2014/main" id="{77C5B9A8-AEBA-093B-4CD6-4F1ECF519068}"/>
                 </a:ext>
               </a:extLst>
             </p:cNvPr>
@@ -28220,7 +28222,7 @@
           <p:cNvPr id="15" name="TextBox 14">
             <a:extLst>
               <a:ext uri="{FF2B5EF4-FFF2-40B4-BE49-F238E27FC236}">
-                <a16:creationId xmlns:a16="http://schemas.microsoft.com/office/drawing/2014/main" xmlns="" id="{E44AB10B-96D7-19D1-5C7A-D2761E62F16E}"/>
+                <a16:creationId xmlns:a16="http://schemas.microsoft.com/office/drawing/2014/main" id="{E44AB10B-96D7-19D1-5C7A-D2761E62F16E}"/>
               </a:ext>
             </a:extLst>
           </p:cNvPr>
@@ -28298,7 +28300,7 @@
           <p:cNvPr id="4" name="TextBox 3">
             <a:extLst>
               <a:ext uri="{FF2B5EF4-FFF2-40B4-BE49-F238E27FC236}">
-                <a16:creationId xmlns:a16="http://schemas.microsoft.com/office/drawing/2014/main" xmlns="" id="{5ADC00B6-990A-40DC-3CEA-505258F5E8DA}"/>
+                <a16:creationId xmlns:a16="http://schemas.microsoft.com/office/drawing/2014/main" id="{5ADC00B6-990A-40DC-3CEA-505258F5E8DA}"/>
               </a:ext>
             </a:extLst>
           </p:cNvPr>
@@ -28356,7 +28358,7 @@
           <p:cNvPr id="5" name="TextBox 4">
             <a:extLst>
               <a:ext uri="{FF2B5EF4-FFF2-40B4-BE49-F238E27FC236}">
-                <a16:creationId xmlns:a16="http://schemas.microsoft.com/office/drawing/2014/main" xmlns="" id="{4EDAA912-8FA0-0F11-119B-EA9F8B36A489}"/>
+                <a16:creationId xmlns:a16="http://schemas.microsoft.com/office/drawing/2014/main" id="{4EDAA912-8FA0-0F11-119B-EA9F8B36A489}"/>
               </a:ext>
             </a:extLst>
           </p:cNvPr>
@@ -28647,7 +28649,7 @@
           <p:cNvPr id="7" name="TextBox 6">
             <a:extLst>
               <a:ext uri="{FF2B5EF4-FFF2-40B4-BE49-F238E27FC236}">
-                <a16:creationId xmlns:a16="http://schemas.microsoft.com/office/drawing/2014/main" xmlns="" id="{5ADC00B6-990A-40DC-3CEA-505258F5E8DA}"/>
+                <a16:creationId xmlns:a16="http://schemas.microsoft.com/office/drawing/2014/main" id="{5ADC00B6-990A-40DC-3CEA-505258F5E8DA}"/>
               </a:ext>
             </a:extLst>
           </p:cNvPr>
@@ -28705,7 +28707,7 @@
           <p:cNvPr id="8" name="TextBox 7">
             <a:extLst>
               <a:ext uri="{FF2B5EF4-FFF2-40B4-BE49-F238E27FC236}">
-                <a16:creationId xmlns:a16="http://schemas.microsoft.com/office/drawing/2014/main" xmlns="" id="{4EDAA912-8FA0-0F11-119B-EA9F8B36A489}"/>
+                <a16:creationId xmlns:a16="http://schemas.microsoft.com/office/drawing/2014/main" id="{4EDAA912-8FA0-0F11-119B-EA9F8B36A489}"/>
               </a:ext>
             </a:extLst>
           </p:cNvPr>
@@ -28773,7 +28775,7 @@
           <p:cNvPr id="10" name="TextBox 9">
             <a:extLst>
               <a:ext uri="{FF2B5EF4-FFF2-40B4-BE49-F238E27FC236}">
-                <a16:creationId xmlns:a16="http://schemas.microsoft.com/office/drawing/2014/main" xmlns="" id="{5ADC00B6-990A-40DC-3CEA-505258F5E8DA}"/>
+                <a16:creationId xmlns:a16="http://schemas.microsoft.com/office/drawing/2014/main" id="{5ADC00B6-990A-40DC-3CEA-505258F5E8DA}"/>
               </a:ext>
             </a:extLst>
           </p:cNvPr>
@@ -28831,7 +28833,7 @@
           <p:cNvPr id="12" name="TextBox 11">
             <a:extLst>
               <a:ext uri="{FF2B5EF4-FFF2-40B4-BE49-F238E27FC236}">
-                <a16:creationId xmlns:a16="http://schemas.microsoft.com/office/drawing/2014/main" xmlns="" id="{4EDAA912-8FA0-0F11-119B-EA9F8B36A489}"/>
+                <a16:creationId xmlns:a16="http://schemas.microsoft.com/office/drawing/2014/main" id="{4EDAA912-8FA0-0F11-119B-EA9F8B36A489}"/>
               </a:ext>
             </a:extLst>
           </p:cNvPr>
@@ -29000,6 +29002,1204 @@
 </file>
 
 <file path=ppt/slides/slide33.xml><?xml version="1.0" encoding="utf-8"?>
+<p:sld xmlns:a="http://schemas.openxmlformats.org/drawingml/2006/main" xmlns:r="http://schemas.openxmlformats.org/officeDocument/2006/relationships" xmlns:p="http://schemas.openxmlformats.org/presentationml/2006/main">
+  <p:cSld>
+    <p:spTree>
+      <p:nvGrpSpPr>
+        <p:cNvPr id="1" name=""/>
+        <p:cNvGrpSpPr/>
+        <p:nvPr/>
+      </p:nvGrpSpPr>
+      <p:grpSpPr>
+        <a:xfrm>
+          <a:off x="0" y="0"/>
+          <a:ext cx="0" cy="0"/>
+          <a:chOff x="0" y="0"/>
+          <a:chExt cx="0" cy="0"/>
+        </a:xfrm>
+      </p:grpSpPr>
+      <p:pic>
+        <p:nvPicPr>
+          <p:cNvPr id="5" name="그림 4">
+            <a:extLst>
+              <a:ext uri="{FF2B5EF4-FFF2-40B4-BE49-F238E27FC236}">
+                <a16:creationId xmlns:a16="http://schemas.microsoft.com/office/drawing/2014/main" id="{AD95DA57-98F2-0965-5ACD-F21A86749939}"/>
+              </a:ext>
+            </a:extLst>
+          </p:cNvPr>
+          <p:cNvPicPr>
+            <a:picLocks noChangeAspect="1"/>
+          </p:cNvPicPr>
+          <p:nvPr/>
+        </p:nvPicPr>
+        <p:blipFill>
+          <a:blip r:embed="rId2"/>
+          <a:stretch>
+            <a:fillRect/>
+          </a:stretch>
+        </p:blipFill>
+        <p:spPr>
+          <a:xfrm>
+            <a:off x="457200" y="3314700"/>
+            <a:ext cx="8321042" cy="2514600"/>
+          </a:xfrm>
+          <a:prstGeom prst="rect">
+            <a:avLst/>
+          </a:prstGeom>
+        </p:spPr>
+      </p:pic>
+      <p:pic>
+        <p:nvPicPr>
+          <p:cNvPr id="7" name="그림 6">
+            <a:extLst>
+              <a:ext uri="{FF2B5EF4-FFF2-40B4-BE49-F238E27FC236}">
+                <a16:creationId xmlns:a16="http://schemas.microsoft.com/office/drawing/2014/main" id="{D8DE3990-F215-1C5B-6914-38BE4E167A7C}"/>
+              </a:ext>
+            </a:extLst>
+          </p:cNvPr>
+          <p:cNvPicPr>
+            <a:picLocks noChangeAspect="1"/>
+          </p:cNvPicPr>
+          <p:nvPr/>
+        </p:nvPicPr>
+        <p:blipFill>
+          <a:blip r:embed="rId3"/>
+          <a:stretch>
+            <a:fillRect/>
+          </a:stretch>
+        </p:blipFill>
+        <p:spPr>
+          <a:xfrm>
+            <a:off x="9829799" y="3314700"/>
+            <a:ext cx="8249617" cy="2667000"/>
+          </a:xfrm>
+          <a:prstGeom prst="rect">
+            <a:avLst/>
+          </a:prstGeom>
+        </p:spPr>
+      </p:pic>
+    </p:spTree>
+    <p:extLst>
+      <p:ext uri="{BB962C8B-B14F-4D97-AF65-F5344CB8AC3E}">
+        <p14:creationId xmlns:p14="http://schemas.microsoft.com/office/powerpoint/2010/main" val="2216408486"/>
+      </p:ext>
+    </p:extLst>
+  </p:cSld>
+  <p:clrMapOvr>
+    <a:masterClrMapping/>
+  </p:clrMapOvr>
+</p:sld>
+</file>
+
+<file path=ppt/slides/slide34.xml><?xml version="1.0" encoding="utf-8"?>
+<p:sld xmlns:a="http://schemas.openxmlformats.org/drawingml/2006/main" xmlns:r="http://schemas.openxmlformats.org/officeDocument/2006/relationships" xmlns:p="http://schemas.openxmlformats.org/presentationml/2006/main">
+  <p:cSld>
+    <p:spTree>
+      <p:nvGrpSpPr>
+        <p:cNvPr id="1" name=""/>
+        <p:cNvGrpSpPr/>
+        <p:nvPr/>
+      </p:nvGrpSpPr>
+      <p:grpSpPr>
+        <a:xfrm>
+          <a:off x="0" y="0"/>
+          <a:ext cx="0" cy="0"/>
+          <a:chOff x="0" y="0"/>
+          <a:chExt cx="0" cy="0"/>
+        </a:xfrm>
+      </p:grpSpPr>
+      <p:graphicFrame>
+        <p:nvGraphicFramePr>
+          <p:cNvPr id="4" name="표 4">
+            <a:extLst>
+              <a:ext uri="{FF2B5EF4-FFF2-40B4-BE49-F238E27FC236}">
+                <a16:creationId xmlns:a16="http://schemas.microsoft.com/office/drawing/2014/main" id="{B7DFBB01-AB9E-DD70-67AA-7BE37D698AF9}"/>
+              </a:ext>
+            </a:extLst>
+          </p:cNvPr>
+          <p:cNvGraphicFramePr>
+            <a:graphicFrameLocks noGrp="1"/>
+          </p:cNvGraphicFramePr>
+          <p:nvPr>
+            <p:extLst>
+              <p:ext uri="{D42A27DB-BD31-4B8C-83A1-F6EECF244321}">
+                <p14:modId xmlns:p14="http://schemas.microsoft.com/office/powerpoint/2010/main" val="4040928400"/>
+              </p:ext>
+            </p:extLst>
+          </p:nvPr>
+        </p:nvGraphicFramePr>
+        <p:xfrm>
+          <a:off x="8991600" y="2679700"/>
+          <a:ext cx="6096000" cy="5054600"/>
+        </p:xfrm>
+        <a:graphic>
+          <a:graphicData uri="http://schemas.openxmlformats.org/drawingml/2006/table">
+            <a:tbl>
+              <a:tblPr firstRow="1" bandRow="1">
+                <a:tableStyleId>{5C22544A-7EE6-4342-B048-85BDC9FD1C3A}</a:tableStyleId>
+              </a:tblPr>
+              <a:tblGrid>
+                <a:gridCol w="1219200">
+                  <a:extLst>
+                    <a:ext uri="{9D8B030D-6E8A-4147-A177-3AD203B41FA5}">
+                      <a16:colId xmlns:a16="http://schemas.microsoft.com/office/drawing/2014/main" val="1302539182"/>
+                    </a:ext>
+                  </a:extLst>
+                </a:gridCol>
+                <a:gridCol w="1219200">
+                  <a:extLst>
+                    <a:ext uri="{9D8B030D-6E8A-4147-A177-3AD203B41FA5}">
+                      <a16:colId xmlns:a16="http://schemas.microsoft.com/office/drawing/2014/main" val="1879632596"/>
+                    </a:ext>
+                  </a:extLst>
+                </a:gridCol>
+                <a:gridCol w="1219200">
+                  <a:extLst>
+                    <a:ext uri="{9D8B030D-6E8A-4147-A177-3AD203B41FA5}">
+                      <a16:colId xmlns:a16="http://schemas.microsoft.com/office/drawing/2014/main" val="1717135282"/>
+                    </a:ext>
+                  </a:extLst>
+                </a:gridCol>
+                <a:gridCol w="1219200">
+                  <a:extLst>
+                    <a:ext uri="{9D8B030D-6E8A-4147-A177-3AD203B41FA5}">
+                      <a16:colId xmlns:a16="http://schemas.microsoft.com/office/drawing/2014/main" val="2717434649"/>
+                    </a:ext>
+                  </a:extLst>
+                </a:gridCol>
+                <a:gridCol w="1219200">
+                  <a:extLst>
+                    <a:ext uri="{9D8B030D-6E8A-4147-A177-3AD203B41FA5}">
+                      <a16:colId xmlns:a16="http://schemas.microsoft.com/office/drawing/2014/main" val="1529084302"/>
+                    </a:ext>
+                  </a:extLst>
+                </a:gridCol>
+              </a:tblGrid>
+              <a:tr h="1010920">
+                <a:tc>
+                  <a:txBody>
+                    <a:bodyPr/>
+                    <a:lstStyle/>
+                    <a:p>
+                      <a:pPr latinLnBrk="1"/>
+                      <a:r>
+                        <a:rPr lang="en-US" altLang="ko-KR" sz="4800" dirty="0"/>
+                        <a:t>0</a:t>
+                      </a:r>
+                      <a:endParaRPr lang="ko-KR" altLang="en-US" sz="4800" dirty="0"/>
+                    </a:p>
+                  </a:txBody>
+                  <a:tcPr/>
+                </a:tc>
+                <a:tc>
+                  <a:txBody>
+                    <a:bodyPr/>
+                    <a:lstStyle/>
+                    <a:p>
+                      <a:pPr latinLnBrk="1"/>
+                      <a:r>
+                        <a:rPr lang="en-US" altLang="ko-KR" sz="4800" dirty="0"/>
+                        <a:t>0</a:t>
+                      </a:r>
+                      <a:endParaRPr lang="ko-KR" altLang="en-US" sz="4800" dirty="0"/>
+                    </a:p>
+                  </a:txBody>
+                  <a:tcPr/>
+                </a:tc>
+                <a:tc>
+                  <a:txBody>
+                    <a:bodyPr/>
+                    <a:lstStyle/>
+                    <a:p>
+                      <a:pPr latinLnBrk="1"/>
+                      <a:r>
+                        <a:rPr lang="en-US" altLang="ko-KR" sz="4800" dirty="0"/>
+                        <a:t>0</a:t>
+                      </a:r>
+                      <a:endParaRPr lang="ko-KR" altLang="en-US" sz="4800" dirty="0"/>
+                    </a:p>
+                  </a:txBody>
+                  <a:tcPr/>
+                </a:tc>
+                <a:tc>
+                  <a:txBody>
+                    <a:bodyPr/>
+                    <a:lstStyle/>
+                    <a:p>
+                      <a:pPr latinLnBrk="1"/>
+                      <a:r>
+                        <a:rPr lang="en-US" altLang="ko-KR" sz="4800" dirty="0"/>
+                        <a:t>0</a:t>
+                      </a:r>
+                      <a:endParaRPr lang="ko-KR" altLang="en-US" sz="4800" dirty="0"/>
+                    </a:p>
+                  </a:txBody>
+                  <a:tcPr/>
+                </a:tc>
+                <a:tc>
+                  <a:txBody>
+                    <a:bodyPr/>
+                    <a:lstStyle/>
+                    <a:p>
+                      <a:pPr latinLnBrk="1"/>
+                      <a:r>
+                        <a:rPr lang="en-US" altLang="ko-KR" sz="4800" dirty="0"/>
+                        <a:t>0</a:t>
+                      </a:r>
+                      <a:endParaRPr lang="ko-KR" altLang="en-US" sz="4800" dirty="0"/>
+                    </a:p>
+                  </a:txBody>
+                  <a:tcPr/>
+                </a:tc>
+                <a:extLst>
+                  <a:ext uri="{0D108BD9-81ED-4DB2-BD59-A6C34878D82A}">
+                    <a16:rowId xmlns:a16="http://schemas.microsoft.com/office/drawing/2014/main" val="1520329068"/>
+                  </a:ext>
+                </a:extLst>
+              </a:tr>
+              <a:tr h="1010920">
+                <a:tc>
+                  <a:txBody>
+                    <a:bodyPr/>
+                    <a:lstStyle/>
+                    <a:p>
+                      <a:pPr latinLnBrk="1"/>
+                      <a:r>
+                        <a:rPr lang="en-US" altLang="ko-KR" sz="4800" dirty="0"/>
+                        <a:t>1</a:t>
+                      </a:r>
+                      <a:endParaRPr lang="ko-KR" altLang="en-US" sz="4800" dirty="0"/>
+                    </a:p>
+                  </a:txBody>
+                  <a:tcPr/>
+                </a:tc>
+                <a:tc>
+                  <a:txBody>
+                    <a:bodyPr/>
+                    <a:lstStyle/>
+                    <a:p>
+                      <a:pPr latinLnBrk="1"/>
+                      <a:r>
+                        <a:rPr lang="en-US" altLang="ko-KR" sz="4800" dirty="0"/>
+                        <a:t>0</a:t>
+                      </a:r>
+                      <a:endParaRPr lang="ko-KR" altLang="en-US" sz="4800" dirty="0"/>
+                    </a:p>
+                  </a:txBody>
+                  <a:tcPr/>
+                </a:tc>
+                <a:tc>
+                  <a:txBody>
+                    <a:bodyPr/>
+                    <a:lstStyle/>
+                    <a:p>
+                      <a:pPr latinLnBrk="1"/>
+                      <a:r>
+                        <a:rPr lang="en-US" altLang="ko-KR" sz="4800" dirty="0"/>
+                        <a:t>0</a:t>
+                      </a:r>
+                      <a:endParaRPr lang="ko-KR" altLang="en-US" sz="4800" dirty="0"/>
+                    </a:p>
+                  </a:txBody>
+                  <a:tcPr/>
+                </a:tc>
+                <a:tc>
+                  <a:txBody>
+                    <a:bodyPr/>
+                    <a:lstStyle/>
+                    <a:p>
+                      <a:pPr latinLnBrk="1"/>
+                      <a:r>
+                        <a:rPr lang="en-US" altLang="ko-KR" sz="4800" dirty="0"/>
+                        <a:t>0</a:t>
+                      </a:r>
+                      <a:endParaRPr lang="ko-KR" altLang="en-US" sz="4800" dirty="0"/>
+                    </a:p>
+                  </a:txBody>
+                  <a:tcPr/>
+                </a:tc>
+                <a:tc>
+                  <a:txBody>
+                    <a:bodyPr/>
+                    <a:lstStyle/>
+                    <a:p>
+                      <a:pPr latinLnBrk="1"/>
+                      <a:r>
+                        <a:rPr lang="en-US" altLang="ko-KR" sz="4800" dirty="0"/>
+                        <a:t>0</a:t>
+                      </a:r>
+                      <a:endParaRPr lang="ko-KR" altLang="en-US" sz="4800" dirty="0"/>
+                    </a:p>
+                  </a:txBody>
+                  <a:tcPr/>
+                </a:tc>
+                <a:extLst>
+                  <a:ext uri="{0D108BD9-81ED-4DB2-BD59-A6C34878D82A}">
+                    <a16:rowId xmlns:a16="http://schemas.microsoft.com/office/drawing/2014/main" val="782089061"/>
+                  </a:ext>
+                </a:extLst>
+              </a:tr>
+              <a:tr h="1010920">
+                <a:tc>
+                  <a:txBody>
+                    <a:bodyPr/>
+                    <a:lstStyle/>
+                    <a:p>
+                      <a:pPr latinLnBrk="1"/>
+                      <a:r>
+                        <a:rPr lang="en-US" altLang="ko-KR" sz="4800" dirty="0"/>
+                        <a:t>0</a:t>
+                      </a:r>
+                      <a:endParaRPr lang="ko-KR" altLang="en-US" sz="4800" dirty="0"/>
+                    </a:p>
+                  </a:txBody>
+                  <a:tcPr/>
+                </a:tc>
+                <a:tc>
+                  <a:txBody>
+                    <a:bodyPr/>
+                    <a:lstStyle/>
+                    <a:p>
+                      <a:pPr latinLnBrk="1"/>
+                      <a:r>
+                        <a:rPr lang="en-US" altLang="ko-KR" sz="4800" dirty="0"/>
+                        <a:t>0</a:t>
+                      </a:r>
+                      <a:endParaRPr lang="ko-KR" altLang="en-US" sz="4800" dirty="0"/>
+                    </a:p>
+                  </a:txBody>
+                  <a:tcPr/>
+                </a:tc>
+                <a:tc>
+                  <a:txBody>
+                    <a:bodyPr/>
+                    <a:lstStyle/>
+                    <a:p>
+                      <a:pPr latinLnBrk="1"/>
+                      <a:r>
+                        <a:rPr lang="en-US" altLang="ko-KR" sz="4800" dirty="0"/>
+                        <a:t>0</a:t>
+                      </a:r>
+                      <a:endParaRPr lang="ko-KR" altLang="en-US" sz="4800" dirty="0"/>
+                    </a:p>
+                  </a:txBody>
+                  <a:tcPr/>
+                </a:tc>
+                <a:tc>
+                  <a:txBody>
+                    <a:bodyPr/>
+                    <a:lstStyle/>
+                    <a:p>
+                      <a:pPr latinLnBrk="1"/>
+                      <a:r>
+                        <a:rPr lang="en-US" altLang="ko-KR" sz="4800" dirty="0"/>
+                        <a:t>1</a:t>
+                      </a:r>
+                      <a:endParaRPr lang="ko-KR" altLang="en-US" sz="4800" dirty="0"/>
+                    </a:p>
+                  </a:txBody>
+                  <a:tcPr/>
+                </a:tc>
+                <a:tc>
+                  <a:txBody>
+                    <a:bodyPr/>
+                    <a:lstStyle/>
+                    <a:p>
+                      <a:pPr latinLnBrk="1"/>
+                      <a:r>
+                        <a:rPr lang="en-US" altLang="ko-KR" sz="4800" dirty="0"/>
+                        <a:t>0</a:t>
+                      </a:r>
+                      <a:endParaRPr lang="ko-KR" altLang="en-US" sz="4800" dirty="0"/>
+                    </a:p>
+                  </a:txBody>
+                  <a:tcPr/>
+                </a:tc>
+                <a:extLst>
+                  <a:ext uri="{0D108BD9-81ED-4DB2-BD59-A6C34878D82A}">
+                    <a16:rowId xmlns:a16="http://schemas.microsoft.com/office/drawing/2014/main" val="2840834484"/>
+                  </a:ext>
+                </a:extLst>
+              </a:tr>
+              <a:tr h="1010920">
+                <a:tc>
+                  <a:txBody>
+                    <a:bodyPr/>
+                    <a:lstStyle/>
+                    <a:p>
+                      <a:pPr latinLnBrk="1"/>
+                      <a:r>
+                        <a:rPr lang="en-US" altLang="ko-KR" sz="4800" dirty="0"/>
+                        <a:t>1</a:t>
+                      </a:r>
+                      <a:endParaRPr lang="ko-KR" altLang="en-US" sz="4800" dirty="0"/>
+                    </a:p>
+                  </a:txBody>
+                  <a:tcPr/>
+                </a:tc>
+                <a:tc>
+                  <a:txBody>
+                    <a:bodyPr/>
+                    <a:lstStyle/>
+                    <a:p>
+                      <a:pPr latinLnBrk="1"/>
+                      <a:r>
+                        <a:rPr lang="en-US" altLang="ko-KR" sz="4800" dirty="0"/>
+                        <a:t>0</a:t>
+                      </a:r>
+                      <a:endParaRPr lang="ko-KR" altLang="en-US" sz="4800" dirty="0"/>
+                    </a:p>
+                  </a:txBody>
+                  <a:tcPr/>
+                </a:tc>
+                <a:tc>
+                  <a:txBody>
+                    <a:bodyPr/>
+                    <a:lstStyle/>
+                    <a:p>
+                      <a:pPr latinLnBrk="1"/>
+                      <a:r>
+                        <a:rPr lang="en-US" altLang="ko-KR" sz="4800" dirty="0"/>
+                        <a:t>1</a:t>
+                      </a:r>
+                      <a:endParaRPr lang="ko-KR" altLang="en-US" sz="4800" dirty="0"/>
+                    </a:p>
+                  </a:txBody>
+                  <a:tcPr/>
+                </a:tc>
+                <a:tc>
+                  <a:txBody>
+                    <a:bodyPr/>
+                    <a:lstStyle/>
+                    <a:p>
+                      <a:pPr latinLnBrk="1"/>
+                      <a:r>
+                        <a:rPr lang="en-US" altLang="ko-KR" sz="4800" dirty="0"/>
+                        <a:t>0</a:t>
+                      </a:r>
+                      <a:endParaRPr lang="ko-KR" altLang="en-US" sz="4800" dirty="0"/>
+                    </a:p>
+                  </a:txBody>
+                  <a:tcPr/>
+                </a:tc>
+                <a:tc>
+                  <a:txBody>
+                    <a:bodyPr/>
+                    <a:lstStyle/>
+                    <a:p>
+                      <a:pPr latinLnBrk="1"/>
+                      <a:r>
+                        <a:rPr lang="en-US" altLang="ko-KR" sz="4800" dirty="0"/>
+                        <a:t>0</a:t>
+                      </a:r>
+                      <a:endParaRPr lang="ko-KR" altLang="en-US" sz="4800" dirty="0"/>
+                    </a:p>
+                  </a:txBody>
+                  <a:tcPr/>
+                </a:tc>
+                <a:extLst>
+                  <a:ext uri="{0D108BD9-81ED-4DB2-BD59-A6C34878D82A}">
+                    <a16:rowId xmlns:a16="http://schemas.microsoft.com/office/drawing/2014/main" val="1385046644"/>
+                  </a:ext>
+                </a:extLst>
+              </a:tr>
+              <a:tr h="1010920">
+                <a:tc>
+                  <a:txBody>
+                    <a:bodyPr/>
+                    <a:lstStyle/>
+                    <a:p>
+                      <a:pPr latinLnBrk="1"/>
+                      <a:r>
+                        <a:rPr lang="en-US" altLang="ko-KR" sz="4800" dirty="0"/>
+                        <a:t>0</a:t>
+                      </a:r>
+                      <a:endParaRPr lang="ko-KR" altLang="en-US" sz="4800" dirty="0"/>
+                    </a:p>
+                  </a:txBody>
+                  <a:tcPr/>
+                </a:tc>
+                <a:tc>
+                  <a:txBody>
+                    <a:bodyPr/>
+                    <a:lstStyle/>
+                    <a:p>
+                      <a:pPr latinLnBrk="1"/>
+                      <a:r>
+                        <a:rPr lang="en-US" altLang="ko-KR" sz="4800" dirty="0"/>
+                        <a:t>0</a:t>
+                      </a:r>
+                      <a:endParaRPr lang="ko-KR" altLang="en-US" sz="4800" dirty="0"/>
+                    </a:p>
+                  </a:txBody>
+                  <a:tcPr/>
+                </a:tc>
+                <a:tc>
+                  <a:txBody>
+                    <a:bodyPr/>
+                    <a:lstStyle/>
+                    <a:p>
+                      <a:pPr latinLnBrk="1"/>
+                      <a:r>
+                        <a:rPr lang="en-US" altLang="ko-KR" sz="4800" dirty="0"/>
+                        <a:t>0</a:t>
+                      </a:r>
+                      <a:endParaRPr lang="ko-KR" altLang="en-US" sz="4800" dirty="0"/>
+                    </a:p>
+                  </a:txBody>
+                  <a:tcPr/>
+                </a:tc>
+                <a:tc>
+                  <a:txBody>
+                    <a:bodyPr/>
+                    <a:lstStyle/>
+                    <a:p>
+                      <a:pPr latinLnBrk="1"/>
+                      <a:r>
+                        <a:rPr lang="en-US" altLang="ko-KR" sz="4800" dirty="0"/>
+                        <a:t>0</a:t>
+                      </a:r>
+                      <a:endParaRPr lang="ko-KR" altLang="en-US" sz="4800" dirty="0"/>
+                    </a:p>
+                  </a:txBody>
+                  <a:tcPr/>
+                </a:tc>
+                <a:tc>
+                  <a:txBody>
+                    <a:bodyPr/>
+                    <a:lstStyle/>
+                    <a:p>
+                      <a:pPr latinLnBrk="1"/>
+                      <a:r>
+                        <a:rPr lang="en-US" altLang="ko-KR" sz="4800" dirty="0"/>
+                        <a:t>0</a:t>
+                      </a:r>
+                      <a:endParaRPr lang="ko-KR" altLang="en-US" sz="4800" dirty="0"/>
+                    </a:p>
+                  </a:txBody>
+                  <a:tcPr/>
+                </a:tc>
+                <a:extLst>
+                  <a:ext uri="{0D108BD9-81ED-4DB2-BD59-A6C34878D82A}">
+                    <a16:rowId xmlns:a16="http://schemas.microsoft.com/office/drawing/2014/main" val="1897417928"/>
+                  </a:ext>
+                </a:extLst>
+              </a:tr>
+            </a:tbl>
+          </a:graphicData>
+        </a:graphic>
+      </p:graphicFrame>
+      <p:graphicFrame>
+        <p:nvGraphicFramePr>
+          <p:cNvPr id="5" name="표 4">
+            <a:extLst>
+              <a:ext uri="{FF2B5EF4-FFF2-40B4-BE49-F238E27FC236}">
+                <a16:creationId xmlns:a16="http://schemas.microsoft.com/office/drawing/2014/main" id="{A6B698F4-B722-9A0F-ACD3-0418CBDEA17E}"/>
+              </a:ext>
+            </a:extLst>
+          </p:cNvPr>
+          <p:cNvGraphicFramePr>
+            <a:graphicFrameLocks noGrp="1"/>
+          </p:cNvGraphicFramePr>
+          <p:nvPr>
+            <p:extLst>
+              <p:ext uri="{D42A27DB-BD31-4B8C-83A1-F6EECF244321}">
+                <p14:modId xmlns:p14="http://schemas.microsoft.com/office/powerpoint/2010/main" val="3384962375"/>
+              </p:ext>
+            </p:extLst>
+          </p:nvPr>
+        </p:nvGraphicFramePr>
+        <p:xfrm>
+          <a:off x="1905000" y="2679700"/>
+          <a:ext cx="6096000" cy="5054600"/>
+        </p:xfrm>
+        <a:graphic>
+          <a:graphicData uri="http://schemas.openxmlformats.org/drawingml/2006/table">
+            <a:tbl>
+              <a:tblPr firstRow="1" bandRow="1">
+                <a:tableStyleId>{5C22544A-7EE6-4342-B048-85BDC9FD1C3A}</a:tableStyleId>
+              </a:tblPr>
+              <a:tblGrid>
+                <a:gridCol w="1219200">
+                  <a:extLst>
+                    <a:ext uri="{9D8B030D-6E8A-4147-A177-3AD203B41FA5}">
+                      <a16:colId xmlns:a16="http://schemas.microsoft.com/office/drawing/2014/main" val="1302539182"/>
+                    </a:ext>
+                  </a:extLst>
+                </a:gridCol>
+                <a:gridCol w="1219200">
+                  <a:extLst>
+                    <a:ext uri="{9D8B030D-6E8A-4147-A177-3AD203B41FA5}">
+                      <a16:colId xmlns:a16="http://schemas.microsoft.com/office/drawing/2014/main" val="1879632596"/>
+                    </a:ext>
+                  </a:extLst>
+                </a:gridCol>
+                <a:gridCol w="1219200">
+                  <a:extLst>
+                    <a:ext uri="{9D8B030D-6E8A-4147-A177-3AD203B41FA5}">
+                      <a16:colId xmlns:a16="http://schemas.microsoft.com/office/drawing/2014/main" val="1717135282"/>
+                    </a:ext>
+                  </a:extLst>
+                </a:gridCol>
+                <a:gridCol w="1219200">
+                  <a:extLst>
+                    <a:ext uri="{9D8B030D-6E8A-4147-A177-3AD203B41FA5}">
+                      <a16:colId xmlns:a16="http://schemas.microsoft.com/office/drawing/2014/main" val="2717434649"/>
+                    </a:ext>
+                  </a:extLst>
+                </a:gridCol>
+                <a:gridCol w="1219200">
+                  <a:extLst>
+                    <a:ext uri="{9D8B030D-6E8A-4147-A177-3AD203B41FA5}">
+                      <a16:colId xmlns:a16="http://schemas.microsoft.com/office/drawing/2014/main" val="1529084302"/>
+                    </a:ext>
+                  </a:extLst>
+                </a:gridCol>
+              </a:tblGrid>
+              <a:tr h="1010920">
+                <a:tc>
+                  <a:txBody>
+                    <a:bodyPr/>
+                    <a:lstStyle/>
+                    <a:p>
+                      <a:pPr latinLnBrk="1"/>
+                      <a:r>
+                        <a:rPr lang="en-US" altLang="ko-KR" sz="4000" dirty="0"/>
+                        <a:t>4</a:t>
+                      </a:r>
+                      <a:endParaRPr lang="ko-KR" altLang="en-US" sz="4000" dirty="0"/>
+                    </a:p>
+                  </a:txBody>
+                  <a:tcPr/>
+                </a:tc>
+                <a:tc>
+                  <a:txBody>
+                    <a:bodyPr/>
+                    <a:lstStyle/>
+                    <a:p>
+                      <a:pPr latinLnBrk="1"/>
+                      <a:r>
+                        <a:rPr lang="en-US" altLang="ko-KR" sz="4000" dirty="0"/>
+                        <a:t>15</a:t>
+                      </a:r>
+                      <a:endParaRPr lang="ko-KR" altLang="en-US" sz="4000" dirty="0"/>
+                    </a:p>
+                  </a:txBody>
+                  <a:tcPr/>
+                </a:tc>
+                <a:tc>
+                  <a:txBody>
+                    <a:bodyPr/>
+                    <a:lstStyle/>
+                    <a:p>
+                      <a:pPr latinLnBrk="1"/>
+                      <a:r>
+                        <a:rPr lang="en-US" altLang="ko-KR" sz="4000" dirty="0"/>
+                        <a:t>6</a:t>
+                      </a:r>
+                      <a:endParaRPr lang="ko-KR" altLang="en-US" sz="4000" dirty="0"/>
+                    </a:p>
+                  </a:txBody>
+                  <a:tcPr/>
+                </a:tc>
+                <a:tc>
+                  <a:txBody>
+                    <a:bodyPr/>
+                    <a:lstStyle/>
+                    <a:p>
+                      <a:pPr latinLnBrk="1"/>
+                      <a:r>
+                        <a:rPr lang="en-US" altLang="ko-KR" sz="4000" dirty="0"/>
+                        <a:t>18</a:t>
+                      </a:r>
+                      <a:endParaRPr lang="ko-KR" altLang="en-US" sz="4000" dirty="0"/>
+                    </a:p>
+                  </a:txBody>
+                  <a:tcPr/>
+                </a:tc>
+                <a:tc>
+                  <a:txBody>
+                    <a:bodyPr/>
+                    <a:lstStyle/>
+                    <a:p>
+                      <a:pPr latinLnBrk="1"/>
+                      <a:r>
+                        <a:rPr lang="en-US" altLang="ko-KR" sz="4000" dirty="0"/>
+                        <a:t>16</a:t>
+                      </a:r>
+                      <a:endParaRPr lang="ko-KR" altLang="en-US" sz="4000" dirty="0"/>
+                    </a:p>
+                  </a:txBody>
+                  <a:tcPr/>
+                </a:tc>
+                <a:extLst>
+                  <a:ext uri="{0D108BD9-81ED-4DB2-BD59-A6C34878D82A}">
+                    <a16:rowId xmlns:a16="http://schemas.microsoft.com/office/drawing/2014/main" val="1520329068"/>
+                  </a:ext>
+                </a:extLst>
+              </a:tr>
+              <a:tr h="1010920">
+                <a:tc>
+                  <a:txBody>
+                    <a:bodyPr/>
+                    <a:lstStyle/>
+                    <a:p>
+                      <a:pPr latinLnBrk="1"/>
+                      <a:r>
+                        <a:rPr lang="en-US" altLang="ko-KR" sz="4000" dirty="0"/>
+                        <a:t>7</a:t>
+                      </a:r>
+                      <a:endParaRPr lang="ko-KR" altLang="en-US" sz="4000" dirty="0"/>
+                    </a:p>
+                  </a:txBody>
+                  <a:tcPr/>
+                </a:tc>
+                <a:tc>
+                  <a:txBody>
+                    <a:bodyPr/>
+                    <a:lstStyle/>
+                    <a:p>
+                      <a:pPr latinLnBrk="1"/>
+                      <a:r>
+                        <a:rPr lang="en-US" altLang="ko-KR" sz="4000" dirty="0"/>
+                        <a:t>11</a:t>
+                      </a:r>
+                      <a:endParaRPr lang="ko-KR" altLang="en-US" sz="4000" dirty="0"/>
+                    </a:p>
+                  </a:txBody>
+                  <a:tcPr/>
+                </a:tc>
+                <a:tc>
+                  <a:txBody>
+                    <a:bodyPr/>
+                    <a:lstStyle/>
+                    <a:p>
+                      <a:pPr latinLnBrk="1"/>
+                      <a:r>
+                        <a:rPr lang="en-US" altLang="ko-KR" sz="4000" dirty="0"/>
+                        <a:t>20</a:t>
+                      </a:r>
+                      <a:endParaRPr lang="ko-KR" altLang="en-US" sz="4000" dirty="0"/>
+                    </a:p>
+                  </a:txBody>
+                  <a:tcPr/>
+                </a:tc>
+                <a:tc>
+                  <a:txBody>
+                    <a:bodyPr/>
+                    <a:lstStyle/>
+                    <a:p>
+                      <a:pPr latinLnBrk="1"/>
+                      <a:r>
+                        <a:rPr lang="en-US" altLang="ko-KR" sz="4000" dirty="0"/>
+                        <a:t>5</a:t>
+                      </a:r>
+                      <a:endParaRPr lang="ko-KR" altLang="en-US" sz="4000" dirty="0"/>
+                    </a:p>
+                  </a:txBody>
+                  <a:tcPr/>
+                </a:tc>
+                <a:tc>
+                  <a:txBody>
+                    <a:bodyPr/>
+                    <a:lstStyle/>
+                    <a:p>
+                      <a:pPr latinLnBrk="1"/>
+                      <a:r>
+                        <a:rPr lang="en-US" altLang="ko-KR" sz="4000" dirty="0"/>
+                        <a:t>12</a:t>
+                      </a:r>
+                      <a:endParaRPr lang="ko-KR" altLang="en-US" sz="4000" dirty="0"/>
+                    </a:p>
+                  </a:txBody>
+                  <a:tcPr/>
+                </a:tc>
+                <a:extLst>
+                  <a:ext uri="{0D108BD9-81ED-4DB2-BD59-A6C34878D82A}">
+                    <a16:rowId xmlns:a16="http://schemas.microsoft.com/office/drawing/2014/main" val="782089061"/>
+                  </a:ext>
+                </a:extLst>
+              </a:tr>
+              <a:tr h="1010920">
+                <a:tc>
+                  <a:txBody>
+                    <a:bodyPr/>
+                    <a:lstStyle/>
+                    <a:p>
+                      <a:pPr latinLnBrk="1"/>
+                      <a:r>
+                        <a:rPr lang="en-US" altLang="ko-KR" sz="4000" dirty="0"/>
+                        <a:t>8</a:t>
+                      </a:r>
+                      <a:endParaRPr lang="ko-KR" altLang="en-US" sz="4000" dirty="0"/>
+                    </a:p>
+                  </a:txBody>
+                  <a:tcPr/>
+                </a:tc>
+                <a:tc>
+                  <a:txBody>
+                    <a:bodyPr/>
+                    <a:lstStyle/>
+                    <a:p>
+                      <a:pPr latinLnBrk="1"/>
+                      <a:r>
+                        <a:rPr lang="en-US" altLang="ko-KR" sz="4000" dirty="0"/>
+                        <a:t>19</a:t>
+                      </a:r>
+                      <a:endParaRPr lang="ko-KR" altLang="en-US" sz="4000" dirty="0"/>
+                    </a:p>
+                  </a:txBody>
+                  <a:tcPr/>
+                </a:tc>
+                <a:tc>
+                  <a:txBody>
+                    <a:bodyPr/>
+                    <a:lstStyle/>
+                    <a:p>
+                      <a:pPr latinLnBrk="1"/>
+                      <a:r>
+                        <a:rPr lang="en-US" altLang="ko-KR" sz="4000" dirty="0"/>
+                        <a:t>2</a:t>
+                      </a:r>
+                      <a:endParaRPr lang="ko-KR" altLang="en-US" sz="4000" dirty="0"/>
+                    </a:p>
+                  </a:txBody>
+                  <a:tcPr/>
+                </a:tc>
+                <a:tc>
+                  <a:txBody>
+                    <a:bodyPr/>
+                    <a:lstStyle/>
+                    <a:p>
+                      <a:pPr latinLnBrk="1"/>
+                      <a:r>
+                        <a:rPr lang="en-US" altLang="ko-KR" sz="4000" dirty="0"/>
+                        <a:t>21</a:t>
+                      </a:r>
+                      <a:endParaRPr lang="ko-KR" altLang="en-US" sz="4000" dirty="0"/>
+                    </a:p>
+                  </a:txBody>
+                  <a:tcPr/>
+                </a:tc>
+                <a:tc>
+                  <a:txBody>
+                    <a:bodyPr/>
+                    <a:lstStyle/>
+                    <a:p>
+                      <a:pPr latinLnBrk="1"/>
+                      <a:r>
+                        <a:rPr lang="en-US" altLang="ko-KR" sz="4000" dirty="0"/>
+                        <a:t>17</a:t>
+                      </a:r>
+                      <a:endParaRPr lang="ko-KR" altLang="en-US" sz="4000" dirty="0"/>
+                    </a:p>
+                  </a:txBody>
+                  <a:tcPr/>
+                </a:tc>
+                <a:extLst>
+                  <a:ext uri="{0D108BD9-81ED-4DB2-BD59-A6C34878D82A}">
+                    <a16:rowId xmlns:a16="http://schemas.microsoft.com/office/drawing/2014/main" val="2840834484"/>
+                  </a:ext>
+                </a:extLst>
+              </a:tr>
+              <a:tr h="1010920">
+                <a:tc>
+                  <a:txBody>
+                    <a:bodyPr/>
+                    <a:lstStyle/>
+                    <a:p>
+                      <a:pPr latinLnBrk="1"/>
+                      <a:r>
+                        <a:rPr lang="en-US" altLang="ko-KR" sz="4000" dirty="0"/>
+                        <a:t>25</a:t>
+                      </a:r>
+                      <a:endParaRPr lang="ko-KR" altLang="en-US" sz="4000" dirty="0"/>
+                    </a:p>
+                  </a:txBody>
+                  <a:tcPr/>
+                </a:tc>
+                <a:tc>
+                  <a:txBody>
+                    <a:bodyPr/>
+                    <a:lstStyle/>
+                    <a:p>
+                      <a:pPr latinLnBrk="1"/>
+                      <a:r>
+                        <a:rPr lang="en-US" altLang="ko-KR" sz="4000" dirty="0"/>
+                        <a:t>3</a:t>
+                      </a:r>
+                      <a:endParaRPr lang="ko-KR" altLang="en-US" sz="4000" dirty="0"/>
+                    </a:p>
+                  </a:txBody>
+                  <a:tcPr/>
+                </a:tc>
+                <a:tc>
+                  <a:txBody>
+                    <a:bodyPr/>
+                    <a:lstStyle/>
+                    <a:p>
+                      <a:pPr latinLnBrk="1"/>
+                      <a:r>
+                        <a:rPr lang="en-US" altLang="ko-KR" sz="4000" dirty="0"/>
+                        <a:t>23</a:t>
+                      </a:r>
+                      <a:endParaRPr lang="ko-KR" altLang="en-US" sz="4000" dirty="0"/>
+                    </a:p>
+                  </a:txBody>
+                  <a:tcPr/>
+                </a:tc>
+                <a:tc>
+                  <a:txBody>
+                    <a:bodyPr/>
+                    <a:lstStyle/>
+                    <a:p>
+                      <a:pPr latinLnBrk="1"/>
+                      <a:r>
+                        <a:rPr lang="en-US" altLang="ko-KR" sz="4000" dirty="0"/>
+                        <a:t>9</a:t>
+                      </a:r>
+                      <a:endParaRPr lang="ko-KR" altLang="en-US" sz="4000" dirty="0"/>
+                    </a:p>
+                  </a:txBody>
+                  <a:tcPr/>
+                </a:tc>
+                <a:tc>
+                  <a:txBody>
+                    <a:bodyPr/>
+                    <a:lstStyle/>
+                    <a:p>
+                      <a:pPr latinLnBrk="1"/>
+                      <a:r>
+                        <a:rPr lang="en-US" altLang="ko-KR" sz="4000" dirty="0"/>
+                        <a:t>24</a:t>
+                      </a:r>
+                      <a:endParaRPr lang="ko-KR" altLang="en-US" sz="4000" dirty="0"/>
+                    </a:p>
+                  </a:txBody>
+                  <a:tcPr/>
+                </a:tc>
+                <a:extLst>
+                  <a:ext uri="{0D108BD9-81ED-4DB2-BD59-A6C34878D82A}">
+                    <a16:rowId xmlns:a16="http://schemas.microsoft.com/office/drawing/2014/main" val="1385046644"/>
+                  </a:ext>
+                </a:extLst>
+              </a:tr>
+              <a:tr h="1010920">
+                <a:tc>
+                  <a:txBody>
+                    <a:bodyPr/>
+                    <a:lstStyle/>
+                    <a:p>
+                      <a:pPr latinLnBrk="1"/>
+                      <a:r>
+                        <a:rPr lang="en-US" altLang="ko-KR" sz="4000" dirty="0"/>
+                        <a:t>14</a:t>
+                      </a:r>
+                      <a:endParaRPr lang="ko-KR" altLang="en-US" sz="4000" dirty="0"/>
+                    </a:p>
+                  </a:txBody>
+                  <a:tcPr/>
+                </a:tc>
+                <a:tc>
+                  <a:txBody>
+                    <a:bodyPr/>
+                    <a:lstStyle/>
+                    <a:p>
+                      <a:pPr latinLnBrk="1"/>
+                      <a:r>
+                        <a:rPr lang="en-US" altLang="ko-KR" sz="4000" dirty="0"/>
+                        <a:t>13</a:t>
+                      </a:r>
+                      <a:endParaRPr lang="ko-KR" altLang="en-US" sz="4000" dirty="0"/>
+                    </a:p>
+                  </a:txBody>
+                  <a:tcPr/>
+                </a:tc>
+                <a:tc>
+                  <a:txBody>
+                    <a:bodyPr/>
+                    <a:lstStyle/>
+                    <a:p>
+                      <a:pPr latinLnBrk="1"/>
+                      <a:r>
+                        <a:rPr lang="en-US" altLang="ko-KR" sz="4000" dirty="0"/>
+                        <a:t>10</a:t>
+                      </a:r>
+                      <a:endParaRPr lang="ko-KR" altLang="en-US" sz="4000" dirty="0"/>
+                    </a:p>
+                  </a:txBody>
+                  <a:tcPr/>
+                </a:tc>
+                <a:tc>
+                  <a:txBody>
+                    <a:bodyPr/>
+                    <a:lstStyle/>
+                    <a:p>
+                      <a:pPr latinLnBrk="1"/>
+                      <a:r>
+                        <a:rPr lang="en-US" altLang="ko-KR" sz="4000" dirty="0"/>
+                        <a:t>22</a:t>
+                      </a:r>
+                      <a:endParaRPr lang="ko-KR" altLang="en-US" sz="4000" dirty="0"/>
+                    </a:p>
+                  </a:txBody>
+                  <a:tcPr/>
+                </a:tc>
+                <a:tc>
+                  <a:txBody>
+                    <a:bodyPr/>
+                    <a:lstStyle/>
+                    <a:p>
+                      <a:pPr latinLnBrk="1"/>
+                      <a:r>
+                        <a:rPr lang="en-US" altLang="ko-KR" sz="4000" dirty="0"/>
+                        <a:t>1</a:t>
+                      </a:r>
+                      <a:endParaRPr lang="ko-KR" altLang="en-US" sz="4000" dirty="0"/>
+                    </a:p>
+                  </a:txBody>
+                  <a:tcPr/>
+                </a:tc>
+                <a:extLst>
+                  <a:ext uri="{0D108BD9-81ED-4DB2-BD59-A6C34878D82A}">
+                    <a16:rowId xmlns:a16="http://schemas.microsoft.com/office/drawing/2014/main" val="1897417928"/>
+                  </a:ext>
+                </a:extLst>
+              </a:tr>
+            </a:tbl>
+          </a:graphicData>
+        </a:graphic>
+      </p:graphicFrame>
+      <p:sp>
+        <p:nvSpPr>
+          <p:cNvPr id="6" name="TextBox 5">
+            <a:extLst>
+              <a:ext uri="{FF2B5EF4-FFF2-40B4-BE49-F238E27FC236}">
+                <a16:creationId xmlns:a16="http://schemas.microsoft.com/office/drawing/2014/main" id="{D85B8E4F-19BC-2095-4103-3EC32909ED8B}"/>
+              </a:ext>
+            </a:extLst>
+          </p:cNvPr>
+          <p:cNvSpPr txBox="1"/>
+          <p:nvPr/>
+        </p:nvSpPr>
+        <p:spPr>
+          <a:xfrm>
+            <a:off x="2819400" y="1384300"/>
+            <a:ext cx="5181600" cy="1015663"/>
+          </a:xfrm>
+          <a:prstGeom prst="rect">
+            <a:avLst/>
+          </a:prstGeom>
+          <a:noFill/>
+        </p:spPr>
+        <p:txBody>
+          <a:bodyPr wrap="square" rtlCol="0">
+            <a:spAutoFit/>
+          </a:bodyPr>
+          <a:lstStyle/>
+          <a:p>
+            <a:r>
+              <a:rPr lang="en-US" altLang="ko-KR" sz="6000" dirty="0">
+                <a:solidFill>
+                  <a:srgbClr val="4C50BC"/>
+                </a:solidFill>
+                <a:latin typeface="G마켓 산스 Medium" panose="02000000000000000000" pitchFamily="50" charset="-127"/>
+                <a:ea typeface="G마켓 산스 Medium" panose="02000000000000000000" pitchFamily="50" charset="-127"/>
+              </a:rPr>
+              <a:t>[0][][] </a:t>
+            </a:r>
+            <a:r>
+              <a:rPr lang="ko-KR" altLang="en-US" sz="6000" dirty="0">
+                <a:solidFill>
+                  <a:srgbClr val="4C50BC"/>
+                </a:solidFill>
+                <a:latin typeface="G마켓 산스 Medium" panose="02000000000000000000" pitchFamily="50" charset="-127"/>
+                <a:ea typeface="G마켓 산스 Medium" panose="02000000000000000000" pitchFamily="50" charset="-127"/>
+              </a:rPr>
+              <a:t>데이터</a:t>
+            </a:r>
+            <a:endParaRPr lang="en-US" altLang="ko-KR" sz="6000" dirty="0">
+              <a:solidFill>
+                <a:srgbClr val="4C50BC"/>
+              </a:solidFill>
+              <a:latin typeface="G마켓 산스 Medium" panose="02000000000000000000" pitchFamily="50" charset="-127"/>
+              <a:ea typeface="G마켓 산스 Medium" panose="02000000000000000000" pitchFamily="50" charset="-127"/>
+            </a:endParaRPr>
+          </a:p>
+        </p:txBody>
+      </p:sp>
+      <p:sp>
+        <p:nvSpPr>
+          <p:cNvPr id="7" name="TextBox 6">
+            <a:extLst>
+              <a:ext uri="{FF2B5EF4-FFF2-40B4-BE49-F238E27FC236}">
+                <a16:creationId xmlns:a16="http://schemas.microsoft.com/office/drawing/2014/main" id="{55A373CC-6CE8-7E17-2FD2-4161AF3CFB2F}"/>
+              </a:ext>
+            </a:extLst>
+          </p:cNvPr>
+          <p:cNvSpPr txBox="1"/>
+          <p:nvPr/>
+        </p:nvSpPr>
+        <p:spPr>
+          <a:xfrm>
+            <a:off x="9220200" y="1384300"/>
+            <a:ext cx="5638800" cy="1015663"/>
+          </a:xfrm>
+          <a:prstGeom prst="rect">
+            <a:avLst/>
+          </a:prstGeom>
+          <a:noFill/>
+        </p:spPr>
+        <p:txBody>
+          <a:bodyPr wrap="square" rtlCol="0">
+            <a:spAutoFit/>
+          </a:bodyPr>
+          <a:lstStyle/>
+          <a:p>
+            <a:r>
+              <a:rPr lang="en-US" altLang="ko-KR" sz="6000" dirty="0">
+                <a:solidFill>
+                  <a:srgbClr val="4C50BC"/>
+                </a:solidFill>
+                <a:latin typeface="G마켓 산스 Medium" panose="02000000000000000000" pitchFamily="50" charset="-127"/>
+                <a:ea typeface="G마켓 산스 Medium" panose="02000000000000000000" pitchFamily="50" charset="-127"/>
+              </a:rPr>
+              <a:t>[1][][] </a:t>
+            </a:r>
+            <a:r>
+              <a:rPr lang="ko-KR" altLang="en-US" sz="6000" dirty="0">
+                <a:solidFill>
+                  <a:srgbClr val="4C50BC"/>
+                </a:solidFill>
+                <a:latin typeface="G마켓 산스 Medium" panose="02000000000000000000" pitchFamily="50" charset="-127"/>
+                <a:ea typeface="G마켓 산스 Medium" panose="02000000000000000000" pitchFamily="50" charset="-127"/>
+              </a:rPr>
+              <a:t>공개여부</a:t>
+            </a:r>
+            <a:endParaRPr lang="en-US" altLang="ko-KR" sz="6000" dirty="0">
+              <a:solidFill>
+                <a:srgbClr val="4C50BC"/>
+              </a:solidFill>
+              <a:latin typeface="G마켓 산스 Medium" panose="02000000000000000000" pitchFamily="50" charset="-127"/>
+              <a:ea typeface="G마켓 산스 Medium" panose="02000000000000000000" pitchFamily="50" charset="-127"/>
+            </a:endParaRPr>
+          </a:p>
+        </p:txBody>
+      </p:sp>
+    </p:spTree>
+    <p:extLst>
+      <p:ext uri="{BB962C8B-B14F-4D97-AF65-F5344CB8AC3E}">
+        <p14:creationId xmlns:p14="http://schemas.microsoft.com/office/powerpoint/2010/main" val="3085623567"/>
+      </p:ext>
+    </p:extLst>
+  </p:cSld>
+  <p:clrMapOvr>
+    <a:masterClrMapping/>
+  </p:clrMapOvr>
+</p:sld>
+</file>
+
+<file path=ppt/slides/slide35.xml><?xml version="1.0" encoding="utf-8"?>
 <p:sld xmlns:a="http://schemas.openxmlformats.org/drawingml/2006/main" xmlns:r="http://schemas.openxmlformats.org/officeDocument/2006/relationships" xmlns:p="http://schemas.openxmlformats.org/presentationml/2006/main">
   <p:cSld name="Slide 20">
     <p:bg>
@@ -29287,7 +30487,7 @@
           <p:cNvPr id="2" name="TextBox 1">
             <a:extLst>
               <a:ext uri="{FF2B5EF4-FFF2-40B4-BE49-F238E27FC236}">
-                <a16:creationId xmlns:a16="http://schemas.microsoft.com/office/drawing/2014/main" xmlns="" id="{715D88A2-BD52-978B-A00A-540446126E3D}"/>
+                <a16:creationId xmlns:a16="http://schemas.microsoft.com/office/drawing/2014/main" id="{715D88A2-BD52-978B-A00A-540446126E3D}"/>
               </a:ext>
             </a:extLst>
           </p:cNvPr>
@@ -29360,7 +30560,7 @@
           <p:cNvPr id="32" name="TextBox 31">
             <a:extLst>
               <a:ext uri="{FF2B5EF4-FFF2-40B4-BE49-F238E27FC236}">
-                <a16:creationId xmlns:a16="http://schemas.microsoft.com/office/drawing/2014/main" xmlns="" id="{5ADC00B6-990A-40DC-3CEA-505258F5E8DA}"/>
+                <a16:creationId xmlns:a16="http://schemas.microsoft.com/office/drawing/2014/main" id="{5ADC00B6-990A-40DC-3CEA-505258F5E8DA}"/>
               </a:ext>
             </a:extLst>
           </p:cNvPr>
@@ -29431,7 +30631,7 @@
           <p:cNvPr id="8" name="그림 7">
             <a:extLst>
               <a:ext uri="{FF2B5EF4-FFF2-40B4-BE49-F238E27FC236}">
-                <a16:creationId xmlns:a16="http://schemas.microsoft.com/office/drawing/2014/main" xmlns="" id="{36EA5A03-03DE-406B-81E8-A6717DF31F95}"/>
+                <a16:creationId xmlns:a16="http://schemas.microsoft.com/office/drawing/2014/main" id="{36EA5A03-03DE-406B-81E8-A6717DF31F95}"/>
               </a:ext>
             </a:extLst>
           </p:cNvPr>
@@ -29461,7 +30661,7 @@
           <p:cNvPr id="9" name="TextBox 8">
             <a:extLst>
               <a:ext uri="{FF2B5EF4-FFF2-40B4-BE49-F238E27FC236}">
-                <a16:creationId xmlns:a16="http://schemas.microsoft.com/office/drawing/2014/main" xmlns="" id="{891E823C-FB22-A322-2590-BE7D83C31C15}"/>
+                <a16:creationId xmlns:a16="http://schemas.microsoft.com/office/drawing/2014/main" id="{891E823C-FB22-A322-2590-BE7D83C31C15}"/>
               </a:ext>
             </a:extLst>
           </p:cNvPr>
@@ -29502,7 +30702,7 @@
           <p:cNvPr id="11" name="그룹 1008">
             <a:extLst>
               <a:ext uri="{FF2B5EF4-FFF2-40B4-BE49-F238E27FC236}">
-                <a16:creationId xmlns:a16="http://schemas.microsoft.com/office/drawing/2014/main" xmlns="" id="{1EFF84BC-CE69-6E9A-0728-7433E2852943}"/>
+                <a16:creationId xmlns:a16="http://schemas.microsoft.com/office/drawing/2014/main" id="{1EFF84BC-CE69-6E9A-0728-7433E2852943}"/>
               </a:ext>
             </a:extLst>
           </p:cNvPr>
@@ -29522,7 +30722,7 @@
             <p:cNvPr id="12" name="그룹 1009">
               <a:extLst>
                 <a:ext uri="{FF2B5EF4-FFF2-40B4-BE49-F238E27FC236}">
-                  <a16:creationId xmlns:a16="http://schemas.microsoft.com/office/drawing/2014/main" xmlns="" id="{AA36F7CC-930A-2820-CA0D-F0788A037F7E}"/>
+                  <a16:creationId xmlns:a16="http://schemas.microsoft.com/office/drawing/2014/main" id="{AA36F7CC-930A-2820-CA0D-F0788A037F7E}"/>
                 </a:ext>
               </a:extLst>
             </p:cNvPr>
@@ -29542,7 +30742,7 @@
               <p:cNvPr id="19" name="Object 29">
                 <a:extLst>
                   <a:ext uri="{FF2B5EF4-FFF2-40B4-BE49-F238E27FC236}">
-                    <a16:creationId xmlns:a16="http://schemas.microsoft.com/office/drawing/2014/main" xmlns="" id="{9A5ADF80-DCC2-E6F9-0072-FFE30C7AF188}"/>
+                    <a16:creationId xmlns:a16="http://schemas.microsoft.com/office/drawing/2014/main" id="{9A5ADF80-DCC2-E6F9-0072-FFE30C7AF188}"/>
                   </a:ext>
                 </a:extLst>
               </p:cNvPr>
@@ -29573,7 +30773,7 @@
             <p:cNvPr id="13" name="그룹 1010">
               <a:extLst>
                 <a:ext uri="{FF2B5EF4-FFF2-40B4-BE49-F238E27FC236}">
-                  <a16:creationId xmlns:a16="http://schemas.microsoft.com/office/drawing/2014/main" xmlns="" id="{BA7EBFBB-DEC0-52A3-DA23-A283CA4F78AE}"/>
+                  <a16:creationId xmlns:a16="http://schemas.microsoft.com/office/drawing/2014/main" id="{BA7EBFBB-DEC0-52A3-DA23-A283CA4F78AE}"/>
                 </a:ext>
               </a:extLst>
             </p:cNvPr>
@@ -29593,7 +30793,7 @@
               <p:cNvPr id="17" name="Object 32">
                 <a:extLst>
                   <a:ext uri="{FF2B5EF4-FFF2-40B4-BE49-F238E27FC236}">
-                    <a16:creationId xmlns:a16="http://schemas.microsoft.com/office/drawing/2014/main" xmlns="" id="{FCA018BA-6DFF-9726-2010-E6B74AA92750}"/>
+                    <a16:creationId xmlns:a16="http://schemas.microsoft.com/office/drawing/2014/main" id="{FCA018BA-6DFF-9726-2010-E6B74AA92750}"/>
                   </a:ext>
                 </a:extLst>
               </p:cNvPr>
@@ -29624,7 +30824,7 @@
             <p:cNvPr id="14" name="그룹 1011">
               <a:extLst>
                 <a:ext uri="{FF2B5EF4-FFF2-40B4-BE49-F238E27FC236}">
-                  <a16:creationId xmlns:a16="http://schemas.microsoft.com/office/drawing/2014/main" xmlns="" id="{89BDD7E3-4009-6928-125A-3AF760574E6B}"/>
+                  <a16:creationId xmlns:a16="http://schemas.microsoft.com/office/drawing/2014/main" id="{89BDD7E3-4009-6928-125A-3AF760574E6B}"/>
                 </a:ext>
               </a:extLst>
             </p:cNvPr>
@@ -29644,7 +30844,7 @@
               <p:cNvPr id="16" name="Object 35">
                 <a:extLst>
                   <a:ext uri="{FF2B5EF4-FFF2-40B4-BE49-F238E27FC236}">
-                    <a16:creationId xmlns:a16="http://schemas.microsoft.com/office/drawing/2014/main" xmlns="" id="{6A68EFC7-0442-EB71-2629-EBFF29843026}"/>
+                    <a16:creationId xmlns:a16="http://schemas.microsoft.com/office/drawing/2014/main" id="{6A68EFC7-0442-EB71-2629-EBFF29843026}"/>
                   </a:ext>
                 </a:extLst>
               </p:cNvPr>
@@ -29676,7 +30876,7 @@
           <p:cNvPr id="20" name="그룹 1016">
             <a:extLst>
               <a:ext uri="{FF2B5EF4-FFF2-40B4-BE49-F238E27FC236}">
-                <a16:creationId xmlns:a16="http://schemas.microsoft.com/office/drawing/2014/main" xmlns="" id="{5AADB473-E166-1313-8A9E-3F089E59CF16}"/>
+                <a16:creationId xmlns:a16="http://schemas.microsoft.com/office/drawing/2014/main" id="{5AADB473-E166-1313-8A9E-3F089E59CF16}"/>
               </a:ext>
             </a:extLst>
           </p:cNvPr>
@@ -29696,7 +30896,7 @@
             <p:cNvPr id="22" name="Object 46">
               <a:extLst>
                 <a:ext uri="{FF2B5EF4-FFF2-40B4-BE49-F238E27FC236}">
-                  <a16:creationId xmlns:a16="http://schemas.microsoft.com/office/drawing/2014/main" xmlns="" id="{FE1DBED5-EA1B-FF19-35A4-35D68ECE2FE4}"/>
+                  <a16:creationId xmlns:a16="http://schemas.microsoft.com/office/drawing/2014/main" id="{FE1DBED5-EA1B-FF19-35A4-35D68ECE2FE4}"/>
                 </a:ext>
               </a:extLst>
             </p:cNvPr>
@@ -29727,7 +30927,7 @@
           <p:cNvPr id="33" name="TextBox 32">
             <a:extLst>
               <a:ext uri="{FF2B5EF4-FFF2-40B4-BE49-F238E27FC236}">
-                <a16:creationId xmlns:a16="http://schemas.microsoft.com/office/drawing/2014/main" xmlns="" id="{BF5DC44A-D1FE-0544-134B-19A623DD705D}"/>
+                <a16:creationId xmlns:a16="http://schemas.microsoft.com/office/drawing/2014/main" id="{BF5DC44A-D1FE-0544-134B-19A623DD705D}"/>
               </a:ext>
             </a:extLst>
           </p:cNvPr>
@@ -29845,7 +31045,7 @@
           <p:cNvPr id="4" name="표 3">
             <a:extLst>
               <a:ext uri="{FF2B5EF4-FFF2-40B4-BE49-F238E27FC236}">
-                <a16:creationId xmlns:a16="http://schemas.microsoft.com/office/drawing/2014/main" xmlns="" id="{94393C86-0B06-3BF4-D58A-5DF6481E98D2}"/>
+                <a16:creationId xmlns:a16="http://schemas.microsoft.com/office/drawing/2014/main" id="{94393C86-0B06-3BF4-D58A-5DF6481E98D2}"/>
               </a:ext>
             </a:extLst>
           </p:cNvPr>
@@ -29874,14 +31074,14 @@
                 <a:gridCol w="1447800">
                   <a:extLst>
                     <a:ext uri="{9D8B030D-6E8A-4147-A177-3AD203B41FA5}">
-                      <a16:colId xmlns:a16="http://schemas.microsoft.com/office/drawing/2014/main" xmlns="" val="3731381781"/>
+                      <a16:colId xmlns:a16="http://schemas.microsoft.com/office/drawing/2014/main" val="3731381781"/>
                     </a:ext>
                   </a:extLst>
                 </a:gridCol>
                 <a:gridCol w="1981200">
                   <a:extLst>
                     <a:ext uri="{9D8B030D-6E8A-4147-A177-3AD203B41FA5}">
-                      <a16:colId xmlns:a16="http://schemas.microsoft.com/office/drawing/2014/main" xmlns="" val="2922041479"/>
+                      <a16:colId xmlns:a16="http://schemas.microsoft.com/office/drawing/2014/main" val="2922041479"/>
                     </a:ext>
                   </a:extLst>
                 </a:gridCol>
@@ -30007,7 +31207,7 @@
                 </a:tc>
                 <a:extLst>
                   <a:ext uri="{0D108BD9-81ED-4DB2-BD59-A6C34878D82A}">
-                    <a16:rowId xmlns:a16="http://schemas.microsoft.com/office/drawing/2014/main" xmlns="" val="3716032365"/>
+                    <a16:rowId xmlns:a16="http://schemas.microsoft.com/office/drawing/2014/main" val="3716032365"/>
                   </a:ext>
                 </a:extLst>
               </a:tr>
@@ -30136,7 +31336,7 @@
                 </a:tc>
                 <a:extLst>
                   <a:ext uri="{0D108BD9-81ED-4DB2-BD59-A6C34878D82A}">
-                    <a16:rowId xmlns:a16="http://schemas.microsoft.com/office/drawing/2014/main" xmlns="" val="1765325807"/>
+                    <a16:rowId xmlns:a16="http://schemas.microsoft.com/office/drawing/2014/main" val="1765325807"/>
                   </a:ext>
                 </a:extLst>
               </a:tr>
@@ -30249,7 +31449,7 @@
                 </a:tc>
                 <a:extLst>
                   <a:ext uri="{0D108BD9-81ED-4DB2-BD59-A6C34878D82A}">
-                    <a16:rowId xmlns:a16="http://schemas.microsoft.com/office/drawing/2014/main" xmlns="" val="3352121117"/>
+                    <a16:rowId xmlns:a16="http://schemas.microsoft.com/office/drawing/2014/main" val="3352121117"/>
                   </a:ext>
                 </a:extLst>
               </a:tr>
@@ -30362,7 +31562,7 @@
                 </a:tc>
                 <a:extLst>
                   <a:ext uri="{0D108BD9-81ED-4DB2-BD59-A6C34878D82A}">
-                    <a16:rowId xmlns:a16="http://schemas.microsoft.com/office/drawing/2014/main" xmlns="" val="2004051296"/>
+                    <a16:rowId xmlns:a16="http://schemas.microsoft.com/office/drawing/2014/main" val="2004051296"/>
                   </a:ext>
                 </a:extLst>
               </a:tr>
@@ -30475,7 +31675,7 @@
                 </a:tc>
                 <a:extLst>
                   <a:ext uri="{0D108BD9-81ED-4DB2-BD59-A6C34878D82A}">
-                    <a16:rowId xmlns:a16="http://schemas.microsoft.com/office/drawing/2014/main" xmlns="" val="3455365349"/>
+                    <a16:rowId xmlns:a16="http://schemas.microsoft.com/office/drawing/2014/main" val="3455365349"/>
                   </a:ext>
                 </a:extLst>
               </a:tr>
@@ -30588,7 +31788,7 @@
                 </a:tc>
                 <a:extLst>
                   <a:ext uri="{0D108BD9-81ED-4DB2-BD59-A6C34878D82A}">
-                    <a16:rowId xmlns:a16="http://schemas.microsoft.com/office/drawing/2014/main" xmlns="" val="3167686984"/>
+                    <a16:rowId xmlns:a16="http://schemas.microsoft.com/office/drawing/2014/main" val="3167686984"/>
                   </a:ext>
                 </a:extLst>
               </a:tr>
@@ -30701,7 +31901,7 @@
                 </a:tc>
                 <a:extLst>
                   <a:ext uri="{0D108BD9-81ED-4DB2-BD59-A6C34878D82A}">
-                    <a16:rowId xmlns:a16="http://schemas.microsoft.com/office/drawing/2014/main" xmlns="" val="4026164128"/>
+                    <a16:rowId xmlns:a16="http://schemas.microsoft.com/office/drawing/2014/main" val="4026164128"/>
                   </a:ext>
                 </a:extLst>
               </a:tr>
@@ -30714,7 +31914,7 @@
           <p:cNvPr id="5" name="그룹 1018">
             <a:extLst>
               <a:ext uri="{FF2B5EF4-FFF2-40B4-BE49-F238E27FC236}">
-                <a16:creationId xmlns:a16="http://schemas.microsoft.com/office/drawing/2014/main" xmlns="" id="{1330ABEF-15CB-8649-BD8D-F461129ED30D}"/>
+                <a16:creationId xmlns:a16="http://schemas.microsoft.com/office/drawing/2014/main" id="{1330ABEF-15CB-8649-BD8D-F461129ED30D}"/>
               </a:ext>
             </a:extLst>
           </p:cNvPr>
@@ -30734,7 +31934,7 @@
             <p:cNvPr id="6" name="Object 61">
               <a:extLst>
                 <a:ext uri="{FF2B5EF4-FFF2-40B4-BE49-F238E27FC236}">
-                  <a16:creationId xmlns:a16="http://schemas.microsoft.com/office/drawing/2014/main" xmlns="" id="{ECF5792B-1F12-6090-875D-41885B0FBB10}"/>
+                  <a16:creationId xmlns:a16="http://schemas.microsoft.com/office/drawing/2014/main" id="{ECF5792B-1F12-6090-875D-41885B0FBB10}"/>
                 </a:ext>
               </a:extLst>
             </p:cNvPr>
@@ -30765,7 +31965,7 @@
           <p:cNvPr id="7" name="TextBox 6">
             <a:extLst>
               <a:ext uri="{FF2B5EF4-FFF2-40B4-BE49-F238E27FC236}">
-                <a16:creationId xmlns:a16="http://schemas.microsoft.com/office/drawing/2014/main" xmlns="" id="{7D83DD72-9F66-04E8-C674-1E40B9EC6DA5}"/>
+                <a16:creationId xmlns:a16="http://schemas.microsoft.com/office/drawing/2014/main" id="{7D83DD72-9F66-04E8-C674-1E40B9EC6DA5}"/>
               </a:ext>
             </a:extLst>
           </p:cNvPr>
@@ -30819,7 +32019,7 @@
           <p:cNvPr id="8" name="TextBox 7">
             <a:extLst>
               <a:ext uri="{FF2B5EF4-FFF2-40B4-BE49-F238E27FC236}">
-                <a16:creationId xmlns:a16="http://schemas.microsoft.com/office/drawing/2014/main" xmlns="" id="{307451BB-0100-5972-5BD5-E7D3BCBD6301}"/>
+                <a16:creationId xmlns:a16="http://schemas.microsoft.com/office/drawing/2014/main" id="{307451BB-0100-5972-5BD5-E7D3BCBD6301}"/>
               </a:ext>
             </a:extLst>
           </p:cNvPr>
@@ -30863,7 +32063,7 @@
           <p:cNvPr id="9" name="TextBox 8">
             <a:extLst>
               <a:ext uri="{FF2B5EF4-FFF2-40B4-BE49-F238E27FC236}">
-                <a16:creationId xmlns:a16="http://schemas.microsoft.com/office/drawing/2014/main" xmlns="" id="{34E3F449-543C-CD72-319C-A17299BAD58E}"/>
+                <a16:creationId xmlns:a16="http://schemas.microsoft.com/office/drawing/2014/main" id="{34E3F449-543C-CD72-319C-A17299BAD58E}"/>
               </a:ext>
             </a:extLst>
           </p:cNvPr>
@@ -30911,7 +32111,7 @@
           <p:cNvPr id="10" name="TextBox 9">
             <a:extLst>
               <a:ext uri="{FF2B5EF4-FFF2-40B4-BE49-F238E27FC236}">
-                <a16:creationId xmlns:a16="http://schemas.microsoft.com/office/drawing/2014/main" xmlns="" id="{E2F69BEC-12A2-9108-7924-1B36AF4430E4}"/>
+                <a16:creationId xmlns:a16="http://schemas.microsoft.com/office/drawing/2014/main" id="{E2F69BEC-12A2-9108-7924-1B36AF4430E4}"/>
               </a:ext>
             </a:extLst>
           </p:cNvPr>
@@ -30978,7 +32178,7 @@
           <p:cNvPr id="12" name="그림 11">
             <a:extLst>
               <a:ext uri="{FF2B5EF4-FFF2-40B4-BE49-F238E27FC236}">
-                <a16:creationId xmlns:a16="http://schemas.microsoft.com/office/drawing/2014/main" xmlns="" id="{B0E66467-5213-2FA0-A521-3B39B6797D99}"/>
+                <a16:creationId xmlns:a16="http://schemas.microsoft.com/office/drawing/2014/main" id="{B0E66467-5213-2FA0-A521-3B39B6797D99}"/>
               </a:ext>
             </a:extLst>
           </p:cNvPr>
@@ -31008,7 +32208,7 @@
           <p:cNvPr id="13" name="직선 화살표 연결선 12">
             <a:extLst>
               <a:ext uri="{FF2B5EF4-FFF2-40B4-BE49-F238E27FC236}">
-                <a16:creationId xmlns:a16="http://schemas.microsoft.com/office/drawing/2014/main" xmlns="" id="{A258CCA0-C886-9F46-EA23-630BE0C66BE2}"/>
+                <a16:creationId xmlns:a16="http://schemas.microsoft.com/office/drawing/2014/main" id="{A258CCA0-C886-9F46-EA23-630BE0C66BE2}"/>
               </a:ext>
             </a:extLst>
           </p:cNvPr>
@@ -31080,7 +32280,7 @@
           <p:cNvPr id="4" name="TextBox 3">
             <a:extLst>
               <a:ext uri="{FF2B5EF4-FFF2-40B4-BE49-F238E27FC236}">
-                <a16:creationId xmlns:a16="http://schemas.microsoft.com/office/drawing/2014/main" xmlns="" id="{C1898E6D-AE67-F9BC-3E27-12ED9B1FE83E}"/>
+                <a16:creationId xmlns:a16="http://schemas.microsoft.com/office/drawing/2014/main" id="{C1898E6D-AE67-F9BC-3E27-12ED9B1FE83E}"/>
               </a:ext>
             </a:extLst>
           </p:cNvPr>
@@ -31128,7 +32328,7 @@
           <p:cNvPr id="6" name="그림 5">
             <a:extLst>
               <a:ext uri="{FF2B5EF4-FFF2-40B4-BE49-F238E27FC236}">
-                <a16:creationId xmlns:a16="http://schemas.microsoft.com/office/drawing/2014/main" xmlns="" id="{34183050-65C1-05AB-E218-F7C08E562299}"/>
+                <a16:creationId xmlns:a16="http://schemas.microsoft.com/office/drawing/2014/main" id="{34183050-65C1-05AB-E218-F7C08E562299}"/>
               </a:ext>
             </a:extLst>
           </p:cNvPr>
@@ -31158,7 +32358,7 @@
           <p:cNvPr id="7" name="TextBox 6">
             <a:extLst>
               <a:ext uri="{FF2B5EF4-FFF2-40B4-BE49-F238E27FC236}">
-                <a16:creationId xmlns:a16="http://schemas.microsoft.com/office/drawing/2014/main" xmlns="" id="{B4AA3674-0BEE-604F-2135-D115C443AB3D}"/>
+                <a16:creationId xmlns:a16="http://schemas.microsoft.com/office/drawing/2014/main" id="{B4AA3674-0BEE-604F-2135-D115C443AB3D}"/>
               </a:ext>
             </a:extLst>
           </p:cNvPr>
@@ -31206,7 +32406,7 @@
           <p:cNvPr id="2" name="직사각형 1">
             <a:extLst>
               <a:ext uri="{FF2B5EF4-FFF2-40B4-BE49-F238E27FC236}">
-                <a16:creationId xmlns:a16="http://schemas.microsoft.com/office/drawing/2014/main" xmlns="" id="{40BCA21D-3B4F-5C68-051C-C54D2F6FBC5E}"/>
+                <a16:creationId xmlns:a16="http://schemas.microsoft.com/office/drawing/2014/main" id="{40BCA21D-3B4F-5C68-051C-C54D2F6FBC5E}"/>
               </a:ext>
             </a:extLst>
           </p:cNvPr>
@@ -31258,7 +32458,7 @@
           <p:cNvPr id="3" name="직사각형 2">
             <a:extLst>
               <a:ext uri="{FF2B5EF4-FFF2-40B4-BE49-F238E27FC236}">
-                <a16:creationId xmlns:a16="http://schemas.microsoft.com/office/drawing/2014/main" xmlns="" id="{703082B3-C7A3-E021-F8B8-D12E08F32AA1}"/>
+                <a16:creationId xmlns:a16="http://schemas.microsoft.com/office/drawing/2014/main" id="{703082B3-C7A3-E021-F8B8-D12E08F32AA1}"/>
               </a:ext>
             </a:extLst>
           </p:cNvPr>
@@ -31310,7 +32510,7 @@
           <p:cNvPr id="5" name="그림 4">
             <a:extLst>
               <a:ext uri="{FF2B5EF4-FFF2-40B4-BE49-F238E27FC236}">
-                <a16:creationId xmlns:a16="http://schemas.microsoft.com/office/drawing/2014/main" xmlns="" id="{596EE362-5F0F-3029-8201-891D2AB64335}"/>
+                <a16:creationId xmlns:a16="http://schemas.microsoft.com/office/drawing/2014/main" id="{596EE362-5F0F-3029-8201-891D2AB64335}"/>
               </a:ext>
             </a:extLst>
           </p:cNvPr>
@@ -31340,7 +32540,7 @@
           <p:cNvPr id="8" name="직사각형 7">
             <a:extLst>
               <a:ext uri="{FF2B5EF4-FFF2-40B4-BE49-F238E27FC236}">
-                <a16:creationId xmlns:a16="http://schemas.microsoft.com/office/drawing/2014/main" xmlns="" id="{C346E719-ED0A-7AEA-AF61-5B5FF03676A9}"/>
+                <a16:creationId xmlns:a16="http://schemas.microsoft.com/office/drawing/2014/main" id="{C346E719-ED0A-7AEA-AF61-5B5FF03676A9}"/>
               </a:ext>
             </a:extLst>
           </p:cNvPr>
@@ -31392,7 +32592,7 @@
           <p:cNvPr id="9" name="직사각형 8">
             <a:extLst>
               <a:ext uri="{FF2B5EF4-FFF2-40B4-BE49-F238E27FC236}">
-                <a16:creationId xmlns:a16="http://schemas.microsoft.com/office/drawing/2014/main" xmlns="" id="{065E66D5-A79A-68FC-9736-F34D4DBB85C8}"/>
+                <a16:creationId xmlns:a16="http://schemas.microsoft.com/office/drawing/2014/main" id="{065E66D5-A79A-68FC-9736-F34D4DBB85C8}"/>
               </a:ext>
             </a:extLst>
           </p:cNvPr>
@@ -31444,7 +32644,7 @@
           <p:cNvPr id="11" name="그림 10">
             <a:extLst>
               <a:ext uri="{FF2B5EF4-FFF2-40B4-BE49-F238E27FC236}">
-                <a16:creationId xmlns:a16="http://schemas.microsoft.com/office/drawing/2014/main" xmlns="" id="{FBC337D5-A2F3-BF34-090D-6DEAD6087E07}"/>
+                <a16:creationId xmlns:a16="http://schemas.microsoft.com/office/drawing/2014/main" id="{FBC337D5-A2F3-BF34-090D-6DEAD6087E07}"/>
               </a:ext>
             </a:extLst>
           </p:cNvPr>
@@ -31474,7 +32674,7 @@
           <p:cNvPr id="12" name="그림 11">
             <a:extLst>
               <a:ext uri="{FF2B5EF4-FFF2-40B4-BE49-F238E27FC236}">
-                <a16:creationId xmlns:a16="http://schemas.microsoft.com/office/drawing/2014/main" xmlns="" id="{A4E43F85-8626-AF9D-2B57-4F8FD132461B}"/>
+                <a16:creationId xmlns:a16="http://schemas.microsoft.com/office/drawing/2014/main" id="{A4E43F85-8626-AF9D-2B57-4F8FD132461B}"/>
               </a:ext>
             </a:extLst>
           </p:cNvPr>
@@ -31504,7 +32704,7 @@
           <p:cNvPr id="13" name="TextBox 12">
             <a:extLst>
               <a:ext uri="{FF2B5EF4-FFF2-40B4-BE49-F238E27FC236}">
-                <a16:creationId xmlns:a16="http://schemas.microsoft.com/office/drawing/2014/main" xmlns="" id="{6A36272A-1863-83A8-E582-2BAD0426619C}"/>
+                <a16:creationId xmlns:a16="http://schemas.microsoft.com/office/drawing/2014/main" id="{6A36272A-1863-83A8-E582-2BAD0426619C}"/>
               </a:ext>
             </a:extLst>
           </p:cNvPr>
@@ -31732,7 +32932,7 @@
           <p:cNvPr id="10" name="표 9">
             <a:extLst>
               <a:ext uri="{FF2B5EF4-FFF2-40B4-BE49-F238E27FC236}">
-                <a16:creationId xmlns:a16="http://schemas.microsoft.com/office/drawing/2014/main" xmlns="" id="{28AB1E84-4FFE-DBB7-4A4A-6D401C7DB994}"/>
+                <a16:creationId xmlns:a16="http://schemas.microsoft.com/office/drawing/2014/main" id="{28AB1E84-4FFE-DBB7-4A4A-6D401C7DB994}"/>
               </a:ext>
             </a:extLst>
           </p:cNvPr>
@@ -31761,14 +32961,14 @@
                 <a:gridCol w="1447800">
                   <a:extLst>
                     <a:ext uri="{9D8B030D-6E8A-4147-A177-3AD203B41FA5}">
-                      <a16:colId xmlns:a16="http://schemas.microsoft.com/office/drawing/2014/main" xmlns="" val="3731381781"/>
+                      <a16:colId xmlns:a16="http://schemas.microsoft.com/office/drawing/2014/main" val="3731381781"/>
                     </a:ext>
                   </a:extLst>
                 </a:gridCol>
                 <a:gridCol w="1981200">
                   <a:extLst>
                     <a:ext uri="{9D8B030D-6E8A-4147-A177-3AD203B41FA5}">
-                      <a16:colId xmlns:a16="http://schemas.microsoft.com/office/drawing/2014/main" xmlns="" val="2922041479"/>
+                      <a16:colId xmlns:a16="http://schemas.microsoft.com/office/drawing/2014/main" val="2922041479"/>
                     </a:ext>
                   </a:extLst>
                 </a:gridCol>
@@ -31894,7 +33094,7 @@
                 </a:tc>
                 <a:extLst>
                   <a:ext uri="{0D108BD9-81ED-4DB2-BD59-A6C34878D82A}">
-                    <a16:rowId xmlns:a16="http://schemas.microsoft.com/office/drawing/2014/main" xmlns="" val="3716032365"/>
+                    <a16:rowId xmlns:a16="http://schemas.microsoft.com/office/drawing/2014/main" val="3716032365"/>
                   </a:ext>
                 </a:extLst>
               </a:tr>
@@ -32023,7 +33223,7 @@
                 </a:tc>
                 <a:extLst>
                   <a:ext uri="{0D108BD9-81ED-4DB2-BD59-A6C34878D82A}">
-                    <a16:rowId xmlns:a16="http://schemas.microsoft.com/office/drawing/2014/main" xmlns="" val="1765325807"/>
+                    <a16:rowId xmlns:a16="http://schemas.microsoft.com/office/drawing/2014/main" val="1765325807"/>
                   </a:ext>
                 </a:extLst>
               </a:tr>
@@ -32136,7 +33336,7 @@
                 </a:tc>
                 <a:extLst>
                   <a:ext uri="{0D108BD9-81ED-4DB2-BD59-A6C34878D82A}">
-                    <a16:rowId xmlns:a16="http://schemas.microsoft.com/office/drawing/2014/main" xmlns="" val="3352121117"/>
+                    <a16:rowId xmlns:a16="http://schemas.microsoft.com/office/drawing/2014/main" val="3352121117"/>
                   </a:ext>
                 </a:extLst>
               </a:tr>
@@ -32249,7 +33449,7 @@
                 </a:tc>
                 <a:extLst>
                   <a:ext uri="{0D108BD9-81ED-4DB2-BD59-A6C34878D82A}">
-                    <a16:rowId xmlns:a16="http://schemas.microsoft.com/office/drawing/2014/main" xmlns="" val="2004051296"/>
+                    <a16:rowId xmlns:a16="http://schemas.microsoft.com/office/drawing/2014/main" val="2004051296"/>
                   </a:ext>
                 </a:extLst>
               </a:tr>
@@ -32362,7 +33562,7 @@
                 </a:tc>
                 <a:extLst>
                   <a:ext uri="{0D108BD9-81ED-4DB2-BD59-A6C34878D82A}">
-                    <a16:rowId xmlns:a16="http://schemas.microsoft.com/office/drawing/2014/main" xmlns="" val="3455365349"/>
+                    <a16:rowId xmlns:a16="http://schemas.microsoft.com/office/drawing/2014/main" val="3455365349"/>
                   </a:ext>
                 </a:extLst>
               </a:tr>
@@ -32475,7 +33675,7 @@
                 </a:tc>
                 <a:extLst>
                   <a:ext uri="{0D108BD9-81ED-4DB2-BD59-A6C34878D82A}">
-                    <a16:rowId xmlns:a16="http://schemas.microsoft.com/office/drawing/2014/main" xmlns="" val="3167686984"/>
+                    <a16:rowId xmlns:a16="http://schemas.microsoft.com/office/drawing/2014/main" val="3167686984"/>
                   </a:ext>
                 </a:extLst>
               </a:tr>
@@ -32588,7 +33788,7 @@
                 </a:tc>
                 <a:extLst>
                   <a:ext uri="{0D108BD9-81ED-4DB2-BD59-A6C34878D82A}">
-                    <a16:rowId xmlns:a16="http://schemas.microsoft.com/office/drawing/2014/main" xmlns="" val="4026164128"/>
+                    <a16:rowId xmlns:a16="http://schemas.microsoft.com/office/drawing/2014/main" val="4026164128"/>
                   </a:ext>
                 </a:extLst>
               </a:tr>
@@ -32601,7 +33801,7 @@
           <p:cNvPr id="11" name="그룹 1018">
             <a:extLst>
               <a:ext uri="{FF2B5EF4-FFF2-40B4-BE49-F238E27FC236}">
-                <a16:creationId xmlns:a16="http://schemas.microsoft.com/office/drawing/2014/main" xmlns="" id="{35589F1E-ACE7-13AB-5939-F16EBC4F7D74}"/>
+                <a16:creationId xmlns:a16="http://schemas.microsoft.com/office/drawing/2014/main" id="{35589F1E-ACE7-13AB-5939-F16EBC4F7D74}"/>
               </a:ext>
             </a:extLst>
           </p:cNvPr>
@@ -32621,7 +33821,7 @@
             <p:cNvPr id="12" name="Object 61">
               <a:extLst>
                 <a:ext uri="{FF2B5EF4-FFF2-40B4-BE49-F238E27FC236}">
-                  <a16:creationId xmlns:a16="http://schemas.microsoft.com/office/drawing/2014/main" xmlns="" id="{D7242013-6B13-19EB-F7F4-2A1B727A4A0A}"/>
+                  <a16:creationId xmlns:a16="http://schemas.microsoft.com/office/drawing/2014/main" id="{D7242013-6B13-19EB-F7F4-2A1B727A4A0A}"/>
                 </a:ext>
               </a:extLst>
             </p:cNvPr>
@@ -32652,7 +33852,7 @@
           <p:cNvPr id="13" name="TextBox 12">
             <a:extLst>
               <a:ext uri="{FF2B5EF4-FFF2-40B4-BE49-F238E27FC236}">
-                <a16:creationId xmlns:a16="http://schemas.microsoft.com/office/drawing/2014/main" xmlns="" id="{E6B61D91-F56A-04E2-96A7-74A68AABE02B}"/>
+                <a16:creationId xmlns:a16="http://schemas.microsoft.com/office/drawing/2014/main" id="{E6B61D91-F56A-04E2-96A7-74A68AABE02B}"/>
               </a:ext>
             </a:extLst>
           </p:cNvPr>
@@ -32696,7 +33896,7 @@
           <p:cNvPr id="14" name="TextBox 13">
             <a:extLst>
               <a:ext uri="{FF2B5EF4-FFF2-40B4-BE49-F238E27FC236}">
-                <a16:creationId xmlns:a16="http://schemas.microsoft.com/office/drawing/2014/main" xmlns="" id="{1BAF2783-C3B4-F958-A545-19D7F14B5F8F}"/>
+                <a16:creationId xmlns:a16="http://schemas.microsoft.com/office/drawing/2014/main" id="{1BAF2783-C3B4-F958-A545-19D7F14B5F8F}"/>
               </a:ext>
             </a:extLst>
           </p:cNvPr>
@@ -32740,7 +33940,7 @@
           <p:cNvPr id="15" name="직선 화살표 연결선 14">
             <a:extLst>
               <a:ext uri="{FF2B5EF4-FFF2-40B4-BE49-F238E27FC236}">
-                <a16:creationId xmlns:a16="http://schemas.microsoft.com/office/drawing/2014/main" xmlns="" id="{544A88F7-D31A-049B-FE46-AD3E1AF0AE94}"/>
+                <a16:creationId xmlns:a16="http://schemas.microsoft.com/office/drawing/2014/main" id="{544A88F7-D31A-049B-FE46-AD3E1AF0AE94}"/>
               </a:ext>
             </a:extLst>
           </p:cNvPr>
@@ -32782,7 +33982,7 @@
           <p:cNvPr id="17" name="그림 16">
             <a:extLst>
               <a:ext uri="{FF2B5EF4-FFF2-40B4-BE49-F238E27FC236}">
-                <a16:creationId xmlns:a16="http://schemas.microsoft.com/office/drawing/2014/main" xmlns="" id="{7305A9B8-8402-F39C-C099-216C2F2F5193}"/>
+                <a16:creationId xmlns:a16="http://schemas.microsoft.com/office/drawing/2014/main" id="{7305A9B8-8402-F39C-C099-216C2F2F5193}"/>
               </a:ext>
             </a:extLst>
           </p:cNvPr>
@@ -32812,7 +34012,7 @@
           <p:cNvPr id="18" name="TextBox 17">
             <a:extLst>
               <a:ext uri="{FF2B5EF4-FFF2-40B4-BE49-F238E27FC236}">
-                <a16:creationId xmlns:a16="http://schemas.microsoft.com/office/drawing/2014/main" xmlns="" id="{72F416CC-94E0-9549-685A-C4418325E924}"/>
+                <a16:creationId xmlns:a16="http://schemas.microsoft.com/office/drawing/2014/main" id="{72F416CC-94E0-9549-685A-C4418325E924}"/>
               </a:ext>
             </a:extLst>
           </p:cNvPr>
@@ -32860,7 +34060,7 @@
           <p:cNvPr id="20" name="그림 19">
             <a:extLst>
               <a:ext uri="{FF2B5EF4-FFF2-40B4-BE49-F238E27FC236}">
-                <a16:creationId xmlns:a16="http://schemas.microsoft.com/office/drawing/2014/main" xmlns="" id="{F3D10D45-AFDE-52E0-DFB6-9DDB1AD2E686}"/>
+                <a16:creationId xmlns:a16="http://schemas.microsoft.com/office/drawing/2014/main" id="{F3D10D45-AFDE-52E0-DFB6-9DDB1AD2E686}"/>
               </a:ext>
             </a:extLst>
           </p:cNvPr>
@@ -32890,7 +34090,7 @@
           <p:cNvPr id="22" name="그림 21">
             <a:extLst>
               <a:ext uri="{FF2B5EF4-FFF2-40B4-BE49-F238E27FC236}">
-                <a16:creationId xmlns:a16="http://schemas.microsoft.com/office/drawing/2014/main" xmlns="" id="{4415765D-99E0-0F30-00F2-E85F4C9751B4}"/>
+                <a16:creationId xmlns:a16="http://schemas.microsoft.com/office/drawing/2014/main" id="{4415765D-99E0-0F30-00F2-E85F4C9751B4}"/>
               </a:ext>
             </a:extLst>
           </p:cNvPr>
@@ -33442,7 +34642,7 @@
           <p:cNvPr id="2" name="TextBox 1">
             <a:extLst>
               <a:ext uri="{FF2B5EF4-FFF2-40B4-BE49-F238E27FC236}">
-                <a16:creationId xmlns:a16="http://schemas.microsoft.com/office/drawing/2014/main" xmlns="" id="{76F36AE5-79B5-0B9F-E510-1C27AAC4B649}"/>
+                <a16:creationId xmlns:a16="http://schemas.microsoft.com/office/drawing/2014/main" id="{76F36AE5-79B5-0B9F-E510-1C27AAC4B649}"/>
               </a:ext>
             </a:extLst>
           </p:cNvPr>
@@ -33520,7 +34720,7 @@
           <p:cNvPr id="4" name="표 3">
             <a:extLst>
               <a:ext uri="{FF2B5EF4-FFF2-40B4-BE49-F238E27FC236}">
-                <a16:creationId xmlns:a16="http://schemas.microsoft.com/office/drawing/2014/main" xmlns="" id="{32F4C41F-E599-6BF7-85C4-F4348B01166D}"/>
+                <a16:creationId xmlns:a16="http://schemas.microsoft.com/office/drawing/2014/main" id="{32F4C41F-E599-6BF7-85C4-F4348B01166D}"/>
               </a:ext>
             </a:extLst>
           </p:cNvPr>
@@ -33549,14 +34749,14 @@
                 <a:gridCol w="2059093">
                   <a:extLst>
                     <a:ext uri="{9D8B030D-6E8A-4147-A177-3AD203B41FA5}">
-                      <a16:colId xmlns:a16="http://schemas.microsoft.com/office/drawing/2014/main" xmlns="" val="3731381781"/>
+                      <a16:colId xmlns:a16="http://schemas.microsoft.com/office/drawing/2014/main" val="3731381781"/>
                     </a:ext>
                   </a:extLst>
                 </a:gridCol>
                 <a:gridCol w="2817707">
                   <a:extLst>
                     <a:ext uri="{9D8B030D-6E8A-4147-A177-3AD203B41FA5}">
-                      <a16:colId xmlns:a16="http://schemas.microsoft.com/office/drawing/2014/main" xmlns="" val="2922041479"/>
+                      <a16:colId xmlns:a16="http://schemas.microsoft.com/office/drawing/2014/main" val="2922041479"/>
                     </a:ext>
                   </a:extLst>
                 </a:gridCol>
@@ -33682,7 +34882,7 @@
                 </a:tc>
                 <a:extLst>
                   <a:ext uri="{0D108BD9-81ED-4DB2-BD59-A6C34878D82A}">
-                    <a16:rowId xmlns:a16="http://schemas.microsoft.com/office/drawing/2014/main" xmlns="" val="3716032365"/>
+                    <a16:rowId xmlns:a16="http://schemas.microsoft.com/office/drawing/2014/main" val="3716032365"/>
                   </a:ext>
                 </a:extLst>
               </a:tr>
@@ -33811,7 +35011,7 @@
                 </a:tc>
                 <a:extLst>
                   <a:ext uri="{0D108BD9-81ED-4DB2-BD59-A6C34878D82A}">
-                    <a16:rowId xmlns:a16="http://schemas.microsoft.com/office/drawing/2014/main" xmlns="" val="1765325807"/>
+                    <a16:rowId xmlns:a16="http://schemas.microsoft.com/office/drawing/2014/main" val="1765325807"/>
                   </a:ext>
                 </a:extLst>
               </a:tr>
@@ -33924,7 +35124,7 @@
                 </a:tc>
                 <a:extLst>
                   <a:ext uri="{0D108BD9-81ED-4DB2-BD59-A6C34878D82A}">
-                    <a16:rowId xmlns:a16="http://schemas.microsoft.com/office/drawing/2014/main" xmlns="" val="3352121117"/>
+                    <a16:rowId xmlns:a16="http://schemas.microsoft.com/office/drawing/2014/main" val="3352121117"/>
                   </a:ext>
                 </a:extLst>
               </a:tr>
@@ -34037,7 +35237,7 @@
                 </a:tc>
                 <a:extLst>
                   <a:ext uri="{0D108BD9-81ED-4DB2-BD59-A6C34878D82A}">
-                    <a16:rowId xmlns:a16="http://schemas.microsoft.com/office/drawing/2014/main" xmlns="" val="2004051296"/>
+                    <a16:rowId xmlns:a16="http://schemas.microsoft.com/office/drawing/2014/main" val="2004051296"/>
                   </a:ext>
                 </a:extLst>
               </a:tr>
@@ -34150,7 +35350,7 @@
                 </a:tc>
                 <a:extLst>
                   <a:ext uri="{0D108BD9-81ED-4DB2-BD59-A6C34878D82A}">
-                    <a16:rowId xmlns:a16="http://schemas.microsoft.com/office/drawing/2014/main" xmlns="" val="3455365349"/>
+                    <a16:rowId xmlns:a16="http://schemas.microsoft.com/office/drawing/2014/main" val="3455365349"/>
                   </a:ext>
                 </a:extLst>
               </a:tr>
@@ -34263,7 +35463,7 @@
                 </a:tc>
                 <a:extLst>
                   <a:ext uri="{0D108BD9-81ED-4DB2-BD59-A6C34878D82A}">
-                    <a16:rowId xmlns:a16="http://schemas.microsoft.com/office/drawing/2014/main" xmlns="" val="3167686984"/>
+                    <a16:rowId xmlns:a16="http://schemas.microsoft.com/office/drawing/2014/main" val="3167686984"/>
                   </a:ext>
                 </a:extLst>
               </a:tr>
@@ -34276,7 +35476,7 @@
           <p:cNvPr id="5" name="TextBox 4">
             <a:extLst>
               <a:ext uri="{FF2B5EF4-FFF2-40B4-BE49-F238E27FC236}">
-                <a16:creationId xmlns:a16="http://schemas.microsoft.com/office/drawing/2014/main" xmlns="" id="{B564BCA0-4BD1-DDE5-0720-B6D03104F9BB}"/>
+                <a16:creationId xmlns:a16="http://schemas.microsoft.com/office/drawing/2014/main" id="{B564BCA0-4BD1-DDE5-0720-B6D03104F9BB}"/>
               </a:ext>
             </a:extLst>
           </p:cNvPr>
@@ -34324,7 +35524,7 @@
           <p:cNvPr id="7" name="그림 6">
             <a:extLst>
               <a:ext uri="{FF2B5EF4-FFF2-40B4-BE49-F238E27FC236}">
-                <a16:creationId xmlns:a16="http://schemas.microsoft.com/office/drawing/2014/main" xmlns="" id="{A89D2447-F7BC-6FC0-38D2-2984D78F8706}"/>
+                <a16:creationId xmlns:a16="http://schemas.microsoft.com/office/drawing/2014/main" id="{A89D2447-F7BC-6FC0-38D2-2984D78F8706}"/>
               </a:ext>
             </a:extLst>
           </p:cNvPr>
@@ -34354,7 +35554,7 @@
           <p:cNvPr id="8" name="직선 화살표 연결선 7">
             <a:extLst>
               <a:ext uri="{FF2B5EF4-FFF2-40B4-BE49-F238E27FC236}">
-                <a16:creationId xmlns:a16="http://schemas.microsoft.com/office/drawing/2014/main" xmlns="" id="{4BC5E409-2331-11BF-D232-27FBDECAD6A2}"/>
+                <a16:creationId xmlns:a16="http://schemas.microsoft.com/office/drawing/2014/main" id="{4BC5E409-2331-11BF-D232-27FBDECAD6A2}"/>
               </a:ext>
             </a:extLst>
           </p:cNvPr>
@@ -34395,7 +35595,7 @@
           <p:cNvPr id="9" name="직사각형 8">
             <a:extLst>
               <a:ext uri="{FF2B5EF4-FFF2-40B4-BE49-F238E27FC236}">
-                <a16:creationId xmlns:a16="http://schemas.microsoft.com/office/drawing/2014/main" xmlns="" id="{35BA8761-02C6-785B-3CEF-3095C3E8D29D}"/>
+                <a16:creationId xmlns:a16="http://schemas.microsoft.com/office/drawing/2014/main" id="{35BA8761-02C6-785B-3CEF-3095C3E8D29D}"/>
               </a:ext>
             </a:extLst>
           </p:cNvPr>
@@ -34447,7 +35647,7 @@
           <p:cNvPr id="11" name="직선 화살표 연결선 10">
             <a:extLst>
               <a:ext uri="{FF2B5EF4-FFF2-40B4-BE49-F238E27FC236}">
-                <a16:creationId xmlns:a16="http://schemas.microsoft.com/office/drawing/2014/main" xmlns="" id="{F38F6344-5EEC-0ED5-3473-853588560356}"/>
+                <a16:creationId xmlns:a16="http://schemas.microsoft.com/office/drawing/2014/main" id="{F38F6344-5EEC-0ED5-3473-853588560356}"/>
               </a:ext>
             </a:extLst>
           </p:cNvPr>
@@ -34488,7 +35688,7 @@
           <p:cNvPr id="12" name="직사각형 11">
             <a:extLst>
               <a:ext uri="{FF2B5EF4-FFF2-40B4-BE49-F238E27FC236}">
-                <a16:creationId xmlns:a16="http://schemas.microsoft.com/office/drawing/2014/main" xmlns="" id="{A068EABF-67F4-E922-9316-A65F5BBA710B}"/>
+                <a16:creationId xmlns:a16="http://schemas.microsoft.com/office/drawing/2014/main" id="{A068EABF-67F4-E922-9316-A65F5BBA710B}"/>
               </a:ext>
             </a:extLst>
           </p:cNvPr>
@@ -34540,7 +35740,7 @@
           <p:cNvPr id="14" name="TextBox 13">
             <a:extLst>
               <a:ext uri="{FF2B5EF4-FFF2-40B4-BE49-F238E27FC236}">
-                <a16:creationId xmlns:a16="http://schemas.microsoft.com/office/drawing/2014/main" xmlns="" id="{B14C0058-70C3-2BC3-6365-3D0DBF0F8180}"/>
+                <a16:creationId xmlns:a16="http://schemas.microsoft.com/office/drawing/2014/main" id="{B14C0058-70C3-2BC3-6365-3D0DBF0F8180}"/>
               </a:ext>
             </a:extLst>
           </p:cNvPr>
@@ -34611,7 +35811,7 @@
           <p:cNvPr id="15" name="TextBox 14">
             <a:extLst>
               <a:ext uri="{FF2B5EF4-FFF2-40B4-BE49-F238E27FC236}">
-                <a16:creationId xmlns:a16="http://schemas.microsoft.com/office/drawing/2014/main" xmlns="" id="{09B85E6E-D72E-53BE-389B-F18E2ED4EB18}"/>
+                <a16:creationId xmlns:a16="http://schemas.microsoft.com/office/drawing/2014/main" id="{09B85E6E-D72E-53BE-389B-F18E2ED4EB18}"/>
               </a:ext>
             </a:extLst>
           </p:cNvPr>
@@ -34682,7 +35882,7 @@
           <p:cNvPr id="16" name="TextBox 15">
             <a:extLst>
               <a:ext uri="{FF2B5EF4-FFF2-40B4-BE49-F238E27FC236}">
-                <a16:creationId xmlns:a16="http://schemas.microsoft.com/office/drawing/2014/main" xmlns="" id="{79D79D6B-7414-CE0D-7514-7A9F1FC8C640}"/>
+                <a16:creationId xmlns:a16="http://schemas.microsoft.com/office/drawing/2014/main" id="{79D79D6B-7414-CE0D-7514-7A9F1FC8C640}"/>
               </a:ext>
             </a:extLst>
           </p:cNvPr>
@@ -34765,7 +35965,7 @@
           <p:cNvPr id="18" name="그림 17">
             <a:extLst>
               <a:ext uri="{FF2B5EF4-FFF2-40B4-BE49-F238E27FC236}">
-                <a16:creationId xmlns:a16="http://schemas.microsoft.com/office/drawing/2014/main" xmlns="" id="{6E19FA6E-17E1-D6E1-9243-DE40C8730C93}"/>
+                <a16:creationId xmlns:a16="http://schemas.microsoft.com/office/drawing/2014/main" id="{6E19FA6E-17E1-D6E1-9243-DE40C8730C93}"/>
               </a:ext>
             </a:extLst>
           </p:cNvPr>
@@ -34795,7 +35995,7 @@
           <p:cNvPr id="19" name="TextBox 18">
             <a:extLst>
               <a:ext uri="{FF2B5EF4-FFF2-40B4-BE49-F238E27FC236}">
-                <a16:creationId xmlns:a16="http://schemas.microsoft.com/office/drawing/2014/main" xmlns="" id="{D785C1AD-AB87-0726-FDD4-AB3278BA3549}"/>
+                <a16:creationId xmlns:a16="http://schemas.microsoft.com/office/drawing/2014/main" id="{D785C1AD-AB87-0726-FDD4-AB3278BA3549}"/>
               </a:ext>
             </a:extLst>
           </p:cNvPr>

--- a/JavaLecture/LectureFile/java 5강.pptx
+++ b/JavaLecture/LectureFile/java 5강.pptx
@@ -242,7 +242,7 @@
           <a:p>
             <a:fld id="{D79F2C30-10E1-4C46-91DC-BBDB9629E720}" type="datetimeFigureOut">
               <a:rPr lang="ko-KR" altLang="en-US" smtClean="0"/>
-              <a:t>2023-02-04 Saturday</a:t>
+              <a:t>2023-02-04</a:t>
             </a:fld>
             <a:endParaRPr lang="ko-KR" altLang="en-US"/>
           </a:p>
@@ -3788,7 +3788,7 @@
           <p:cNvPr id="2" name="TextBox 1">
             <a:extLst>
               <a:ext uri="{FF2B5EF4-FFF2-40B4-BE49-F238E27FC236}">
-                <a16:creationId xmlns:a16="http://schemas.microsoft.com/office/drawing/2014/main" id="{E9A453A8-9968-67AB-7B4A-83EEB4662AA6}"/>
+                <a16:creationId xmlns:a16="http://schemas.microsoft.com/office/drawing/2014/main" xmlns="" id="{E9A453A8-9968-67AB-7B4A-83EEB4662AA6}"/>
               </a:ext>
             </a:extLst>
           </p:cNvPr>
@@ -3836,7 +3836,7 @@
           <p:cNvPr id="4" name="TextBox 3">
             <a:extLst>
               <a:ext uri="{FF2B5EF4-FFF2-40B4-BE49-F238E27FC236}">
-                <a16:creationId xmlns:a16="http://schemas.microsoft.com/office/drawing/2014/main" id="{F4B7A35A-8AAC-4622-64BC-CAD1472D4115}"/>
+                <a16:creationId xmlns:a16="http://schemas.microsoft.com/office/drawing/2014/main" xmlns="" id="{F4B7A35A-8AAC-4622-64BC-CAD1472D4115}"/>
               </a:ext>
             </a:extLst>
           </p:cNvPr>
@@ -3908,7 +3908,7 @@
           <p:cNvPr id="7" name="TextBox 6">
             <a:extLst>
               <a:ext uri="{FF2B5EF4-FFF2-40B4-BE49-F238E27FC236}">
-                <a16:creationId xmlns:a16="http://schemas.microsoft.com/office/drawing/2014/main" id="{3ACE900A-D779-4343-6623-8588B376F0A1}"/>
+                <a16:creationId xmlns:a16="http://schemas.microsoft.com/office/drawing/2014/main" xmlns="" id="{3ACE900A-D779-4343-6623-8588B376F0A1}"/>
               </a:ext>
             </a:extLst>
           </p:cNvPr>
@@ -3972,7 +3972,7 @@
           <p:cNvPr id="4" name="TextBox 3">
             <a:extLst>
               <a:ext uri="{FF2B5EF4-FFF2-40B4-BE49-F238E27FC236}">
-                <a16:creationId xmlns:a16="http://schemas.microsoft.com/office/drawing/2014/main" id="{B86BE553-B223-E4E2-16B6-52C77166FE4A}"/>
+                <a16:creationId xmlns:a16="http://schemas.microsoft.com/office/drawing/2014/main" xmlns="" id="{B86BE553-B223-E4E2-16B6-52C77166FE4A}"/>
               </a:ext>
             </a:extLst>
           </p:cNvPr>
@@ -4023,7 +4023,7 @@
           <p:cNvPr id="6" name="그림 5">
             <a:extLst>
               <a:ext uri="{FF2B5EF4-FFF2-40B4-BE49-F238E27FC236}">
-                <a16:creationId xmlns:a16="http://schemas.microsoft.com/office/drawing/2014/main" id="{8471350E-3FF0-003E-299B-DD0235344F13}"/>
+                <a16:creationId xmlns:a16="http://schemas.microsoft.com/office/drawing/2014/main" xmlns="" id="{8471350E-3FF0-003E-299B-DD0235344F13}"/>
               </a:ext>
             </a:extLst>
           </p:cNvPr>
@@ -4053,7 +4053,7 @@
           <p:cNvPr id="8" name="그림 7">
             <a:extLst>
               <a:ext uri="{FF2B5EF4-FFF2-40B4-BE49-F238E27FC236}">
-                <a16:creationId xmlns:a16="http://schemas.microsoft.com/office/drawing/2014/main" id="{FAC9FBDE-E73E-8E23-FF91-CDE1538912FB}"/>
+                <a16:creationId xmlns:a16="http://schemas.microsoft.com/office/drawing/2014/main" xmlns="" id="{FAC9FBDE-E73E-8E23-FF91-CDE1538912FB}"/>
               </a:ext>
             </a:extLst>
           </p:cNvPr>
@@ -4113,7 +4113,7 @@
           <p:cNvPr id="5" name="그림 4">
             <a:extLst>
               <a:ext uri="{FF2B5EF4-FFF2-40B4-BE49-F238E27FC236}">
-                <a16:creationId xmlns:a16="http://schemas.microsoft.com/office/drawing/2014/main" id="{CCC126AA-0FD9-4407-0C2C-89145BE0BC94}"/>
+                <a16:creationId xmlns:a16="http://schemas.microsoft.com/office/drawing/2014/main" xmlns="" id="{CCC126AA-0FD9-4407-0C2C-89145BE0BC94}"/>
               </a:ext>
             </a:extLst>
           </p:cNvPr>
@@ -4143,7 +4143,7 @@
           <p:cNvPr id="6" name="직선 화살표 연결선 5">
             <a:extLst>
               <a:ext uri="{FF2B5EF4-FFF2-40B4-BE49-F238E27FC236}">
-                <a16:creationId xmlns:a16="http://schemas.microsoft.com/office/drawing/2014/main" id="{98480919-7A14-9246-577E-CA016D2746D6}"/>
+                <a16:creationId xmlns:a16="http://schemas.microsoft.com/office/drawing/2014/main" xmlns="" id="{98480919-7A14-9246-577E-CA016D2746D6}"/>
               </a:ext>
             </a:extLst>
           </p:cNvPr>
@@ -4184,7 +4184,7 @@
           <p:cNvPr id="7" name="직사각형 6">
             <a:extLst>
               <a:ext uri="{FF2B5EF4-FFF2-40B4-BE49-F238E27FC236}">
-                <a16:creationId xmlns:a16="http://schemas.microsoft.com/office/drawing/2014/main" id="{A72A5572-0F2B-AB98-98A8-8276D58A7183}"/>
+                <a16:creationId xmlns:a16="http://schemas.microsoft.com/office/drawing/2014/main" xmlns="" id="{A72A5572-0F2B-AB98-98A8-8276D58A7183}"/>
               </a:ext>
             </a:extLst>
           </p:cNvPr>
@@ -4236,7 +4236,7 @@
           <p:cNvPr id="9" name="TextBox 8">
             <a:extLst>
               <a:ext uri="{FF2B5EF4-FFF2-40B4-BE49-F238E27FC236}">
-                <a16:creationId xmlns:a16="http://schemas.microsoft.com/office/drawing/2014/main" id="{9698C756-8683-A52F-5E9B-5051396A68FE}"/>
+                <a16:creationId xmlns:a16="http://schemas.microsoft.com/office/drawing/2014/main" xmlns="" id="{9698C756-8683-A52F-5E9B-5051396A68FE}"/>
               </a:ext>
             </a:extLst>
           </p:cNvPr>
@@ -4287,7 +4287,7 @@
           <p:cNvPr id="14" name="그림 13">
             <a:extLst>
               <a:ext uri="{FF2B5EF4-FFF2-40B4-BE49-F238E27FC236}">
-                <a16:creationId xmlns:a16="http://schemas.microsoft.com/office/drawing/2014/main" id="{AEBDC62E-07FD-9C01-B522-FDCFA269988E}"/>
+                <a16:creationId xmlns:a16="http://schemas.microsoft.com/office/drawing/2014/main" xmlns="" id="{AEBDC62E-07FD-9C01-B522-FDCFA269988E}"/>
               </a:ext>
             </a:extLst>
           </p:cNvPr>
@@ -4317,7 +4317,7 @@
           <p:cNvPr id="15" name="직선 화살표 연결선 14">
             <a:extLst>
               <a:ext uri="{FF2B5EF4-FFF2-40B4-BE49-F238E27FC236}">
-                <a16:creationId xmlns:a16="http://schemas.microsoft.com/office/drawing/2014/main" id="{9EC15261-4A05-17B5-5B33-C87DA900EA99}"/>
+                <a16:creationId xmlns:a16="http://schemas.microsoft.com/office/drawing/2014/main" xmlns="" id="{9EC15261-4A05-17B5-5B33-C87DA900EA99}"/>
               </a:ext>
             </a:extLst>
           </p:cNvPr>
@@ -4358,7 +4358,7 @@
           <p:cNvPr id="16" name="직사각형 15">
             <a:extLst>
               <a:ext uri="{FF2B5EF4-FFF2-40B4-BE49-F238E27FC236}">
-                <a16:creationId xmlns:a16="http://schemas.microsoft.com/office/drawing/2014/main" id="{CA52BDAC-1026-62AF-72C4-182453ADD4B9}"/>
+                <a16:creationId xmlns:a16="http://schemas.microsoft.com/office/drawing/2014/main" xmlns="" id="{CA52BDAC-1026-62AF-72C4-182453ADD4B9}"/>
               </a:ext>
             </a:extLst>
           </p:cNvPr>
@@ -4410,7 +4410,7 @@
           <p:cNvPr id="17" name="TextBox 16">
             <a:extLst>
               <a:ext uri="{FF2B5EF4-FFF2-40B4-BE49-F238E27FC236}">
-                <a16:creationId xmlns:a16="http://schemas.microsoft.com/office/drawing/2014/main" id="{E6116E6B-167C-2CAA-F5EB-71A1B04492F9}"/>
+                <a16:creationId xmlns:a16="http://schemas.microsoft.com/office/drawing/2014/main" xmlns="" id="{E6116E6B-167C-2CAA-F5EB-71A1B04492F9}"/>
               </a:ext>
             </a:extLst>
           </p:cNvPr>
@@ -4478,7 +4478,7 @@
           <p:cNvPr id="18" name="직선 화살표 연결선 17">
             <a:extLst>
               <a:ext uri="{FF2B5EF4-FFF2-40B4-BE49-F238E27FC236}">
-                <a16:creationId xmlns:a16="http://schemas.microsoft.com/office/drawing/2014/main" id="{3F9F23EB-44CC-D9FF-FA09-B07564F64B4A}"/>
+                <a16:creationId xmlns:a16="http://schemas.microsoft.com/office/drawing/2014/main" xmlns="" id="{3F9F23EB-44CC-D9FF-FA09-B07564F64B4A}"/>
               </a:ext>
             </a:extLst>
           </p:cNvPr>
@@ -4519,7 +4519,7 @@
           <p:cNvPr id="19" name="직사각형 18">
             <a:extLst>
               <a:ext uri="{FF2B5EF4-FFF2-40B4-BE49-F238E27FC236}">
-                <a16:creationId xmlns:a16="http://schemas.microsoft.com/office/drawing/2014/main" id="{1C4A5E66-3D48-F1E3-6C55-3554DC461689}"/>
+                <a16:creationId xmlns:a16="http://schemas.microsoft.com/office/drawing/2014/main" xmlns="" id="{1C4A5E66-3D48-F1E3-6C55-3554DC461689}"/>
               </a:ext>
             </a:extLst>
           </p:cNvPr>
@@ -4571,7 +4571,7 @@
           <p:cNvPr id="20" name="TextBox 19">
             <a:extLst>
               <a:ext uri="{FF2B5EF4-FFF2-40B4-BE49-F238E27FC236}">
-                <a16:creationId xmlns:a16="http://schemas.microsoft.com/office/drawing/2014/main" id="{5B4BD476-0F74-1CF1-B598-4D3336BE57BA}"/>
+                <a16:creationId xmlns:a16="http://schemas.microsoft.com/office/drawing/2014/main" xmlns="" id="{5B4BD476-0F74-1CF1-B598-4D3336BE57BA}"/>
               </a:ext>
             </a:extLst>
           </p:cNvPr>
@@ -4744,7 +4744,7 @@
           <p:cNvPr id="22" name="TextBox 21">
             <a:extLst>
               <a:ext uri="{FF2B5EF4-FFF2-40B4-BE49-F238E27FC236}">
-                <a16:creationId xmlns:a16="http://schemas.microsoft.com/office/drawing/2014/main" id="{BDC22999-0902-B77A-1EC7-5C8B63487CA3}"/>
+                <a16:creationId xmlns:a16="http://schemas.microsoft.com/office/drawing/2014/main" xmlns="" id="{BDC22999-0902-B77A-1EC7-5C8B63487CA3}"/>
               </a:ext>
             </a:extLst>
           </p:cNvPr>
@@ -5073,7 +5073,7 @@
           <p:cNvPr id="5" name="그림 4">
             <a:extLst>
               <a:ext uri="{FF2B5EF4-FFF2-40B4-BE49-F238E27FC236}">
-                <a16:creationId xmlns:a16="http://schemas.microsoft.com/office/drawing/2014/main" id="{1DFC7568-CAEF-99BF-EC85-4041AF7F1F76}"/>
+                <a16:creationId xmlns:a16="http://schemas.microsoft.com/office/drawing/2014/main" xmlns="" id="{1DFC7568-CAEF-99BF-EC85-4041AF7F1F76}"/>
               </a:ext>
             </a:extLst>
           </p:cNvPr>
@@ -5103,7 +5103,7 @@
           <p:cNvPr id="6" name="TextBox 5">
             <a:extLst>
               <a:ext uri="{FF2B5EF4-FFF2-40B4-BE49-F238E27FC236}">
-                <a16:creationId xmlns:a16="http://schemas.microsoft.com/office/drawing/2014/main" id="{8B6C8FF8-0C35-1A4E-C784-120FC66EC404}"/>
+                <a16:creationId xmlns:a16="http://schemas.microsoft.com/office/drawing/2014/main" xmlns="" id="{8B6C8FF8-0C35-1A4E-C784-120FC66EC404}"/>
               </a:ext>
             </a:extLst>
           </p:cNvPr>
@@ -5151,7 +5151,7 @@
           <p:cNvPr id="8" name="그림 7">
             <a:extLst>
               <a:ext uri="{FF2B5EF4-FFF2-40B4-BE49-F238E27FC236}">
-                <a16:creationId xmlns:a16="http://schemas.microsoft.com/office/drawing/2014/main" id="{525EA779-64DA-A0ED-BD45-CB95233C33EF}"/>
+                <a16:creationId xmlns:a16="http://schemas.microsoft.com/office/drawing/2014/main" xmlns="" id="{525EA779-64DA-A0ED-BD45-CB95233C33EF}"/>
               </a:ext>
             </a:extLst>
           </p:cNvPr>
@@ -5181,7 +5181,7 @@
           <p:cNvPr id="10" name="그림 9">
             <a:extLst>
               <a:ext uri="{FF2B5EF4-FFF2-40B4-BE49-F238E27FC236}">
-                <a16:creationId xmlns:a16="http://schemas.microsoft.com/office/drawing/2014/main" id="{464E328A-7AC7-C161-FF8E-F8E9E55DC831}"/>
+                <a16:creationId xmlns:a16="http://schemas.microsoft.com/office/drawing/2014/main" xmlns="" id="{464E328A-7AC7-C161-FF8E-F8E9E55DC831}"/>
               </a:ext>
             </a:extLst>
           </p:cNvPr>
@@ -5211,7 +5211,7 @@
           <p:cNvPr id="11" name="직선 화살표 연결선 10">
             <a:extLst>
               <a:ext uri="{FF2B5EF4-FFF2-40B4-BE49-F238E27FC236}">
-                <a16:creationId xmlns:a16="http://schemas.microsoft.com/office/drawing/2014/main" id="{09361789-4FC4-6FDF-2E48-F0107B92854A}"/>
+                <a16:creationId xmlns:a16="http://schemas.microsoft.com/office/drawing/2014/main" xmlns="" id="{09361789-4FC4-6FDF-2E48-F0107B92854A}"/>
               </a:ext>
             </a:extLst>
           </p:cNvPr>
@@ -5252,7 +5252,7 @@
           <p:cNvPr id="13" name="TextBox 12">
             <a:extLst>
               <a:ext uri="{FF2B5EF4-FFF2-40B4-BE49-F238E27FC236}">
-                <a16:creationId xmlns:a16="http://schemas.microsoft.com/office/drawing/2014/main" id="{E6784F8F-6CCA-3398-4ED7-56F784B30CA2}"/>
+                <a16:creationId xmlns:a16="http://schemas.microsoft.com/office/drawing/2014/main" xmlns="" id="{E6784F8F-6CCA-3398-4ED7-56F784B30CA2}"/>
               </a:ext>
             </a:extLst>
           </p:cNvPr>
@@ -5458,7 +5458,7 @@
           <p:cNvPr id="5" name="그림 4">
             <a:extLst>
               <a:ext uri="{FF2B5EF4-FFF2-40B4-BE49-F238E27FC236}">
-                <a16:creationId xmlns:a16="http://schemas.microsoft.com/office/drawing/2014/main" id="{510207EF-09DC-49C1-E6D3-F88691120AD1}"/>
+                <a16:creationId xmlns:a16="http://schemas.microsoft.com/office/drawing/2014/main" xmlns="" id="{510207EF-09DC-49C1-E6D3-F88691120AD1}"/>
               </a:ext>
             </a:extLst>
           </p:cNvPr>
@@ -5488,7 +5488,7 @@
           <p:cNvPr id="6" name="그룹 1008">
             <a:extLst>
               <a:ext uri="{FF2B5EF4-FFF2-40B4-BE49-F238E27FC236}">
-                <a16:creationId xmlns:a16="http://schemas.microsoft.com/office/drawing/2014/main" id="{A14EE19E-321C-A97D-AF63-2072243F002A}"/>
+                <a16:creationId xmlns:a16="http://schemas.microsoft.com/office/drawing/2014/main" xmlns="" id="{A14EE19E-321C-A97D-AF63-2072243F002A}"/>
               </a:ext>
             </a:extLst>
           </p:cNvPr>
@@ -5508,7 +5508,7 @@
             <p:cNvPr id="7" name="그룹 1009">
               <a:extLst>
                 <a:ext uri="{FF2B5EF4-FFF2-40B4-BE49-F238E27FC236}">
-                  <a16:creationId xmlns:a16="http://schemas.microsoft.com/office/drawing/2014/main" id="{A43A4073-7B53-6E71-0062-9B20CB4FE514}"/>
+                  <a16:creationId xmlns:a16="http://schemas.microsoft.com/office/drawing/2014/main" xmlns="" id="{A43A4073-7B53-6E71-0062-9B20CB4FE514}"/>
                 </a:ext>
               </a:extLst>
             </p:cNvPr>
@@ -5528,7 +5528,7 @@
               <p:cNvPr id="12" name="Object 29">
                 <a:extLst>
                   <a:ext uri="{FF2B5EF4-FFF2-40B4-BE49-F238E27FC236}">
-                    <a16:creationId xmlns:a16="http://schemas.microsoft.com/office/drawing/2014/main" id="{0FA1F176-78B5-C337-CEE4-18490FB23C9F}"/>
+                    <a16:creationId xmlns:a16="http://schemas.microsoft.com/office/drawing/2014/main" xmlns="" id="{0FA1F176-78B5-C337-CEE4-18490FB23C9F}"/>
                   </a:ext>
                 </a:extLst>
               </p:cNvPr>
@@ -5559,7 +5559,7 @@
             <p:cNvPr id="8" name="그룹 1010">
               <a:extLst>
                 <a:ext uri="{FF2B5EF4-FFF2-40B4-BE49-F238E27FC236}">
-                  <a16:creationId xmlns:a16="http://schemas.microsoft.com/office/drawing/2014/main" id="{674E521B-C909-5CDE-F90C-AF7B7C750389}"/>
+                  <a16:creationId xmlns:a16="http://schemas.microsoft.com/office/drawing/2014/main" xmlns="" id="{674E521B-C909-5CDE-F90C-AF7B7C750389}"/>
                 </a:ext>
               </a:extLst>
             </p:cNvPr>
@@ -5579,7 +5579,7 @@
               <p:cNvPr id="11" name="Object 32">
                 <a:extLst>
                   <a:ext uri="{FF2B5EF4-FFF2-40B4-BE49-F238E27FC236}">
-                    <a16:creationId xmlns:a16="http://schemas.microsoft.com/office/drawing/2014/main" id="{DC8FA06F-2A39-2C5A-9773-76B50091F261}"/>
+                    <a16:creationId xmlns:a16="http://schemas.microsoft.com/office/drawing/2014/main" xmlns="" id="{DC8FA06F-2A39-2C5A-9773-76B50091F261}"/>
                   </a:ext>
                 </a:extLst>
               </p:cNvPr>
@@ -5610,7 +5610,7 @@
             <p:cNvPr id="9" name="그룹 1011">
               <a:extLst>
                 <a:ext uri="{FF2B5EF4-FFF2-40B4-BE49-F238E27FC236}">
-                  <a16:creationId xmlns:a16="http://schemas.microsoft.com/office/drawing/2014/main" id="{C96426C2-84E9-31A0-A52C-8C856FFBD1B5}"/>
+                  <a16:creationId xmlns:a16="http://schemas.microsoft.com/office/drawing/2014/main" xmlns="" id="{C96426C2-84E9-31A0-A52C-8C856FFBD1B5}"/>
                 </a:ext>
               </a:extLst>
             </p:cNvPr>
@@ -5630,7 +5630,7 @@
               <p:cNvPr id="10" name="Object 35">
                 <a:extLst>
                   <a:ext uri="{FF2B5EF4-FFF2-40B4-BE49-F238E27FC236}">
-                    <a16:creationId xmlns:a16="http://schemas.microsoft.com/office/drawing/2014/main" id="{C3CF0BFA-2B16-5180-8CE8-9B8F37088E16}"/>
+                    <a16:creationId xmlns:a16="http://schemas.microsoft.com/office/drawing/2014/main" xmlns="" id="{C3CF0BFA-2B16-5180-8CE8-9B8F37088E16}"/>
                   </a:ext>
                 </a:extLst>
               </p:cNvPr>
@@ -5662,7 +5662,7 @@
           <p:cNvPr id="14" name="그림 13">
             <a:extLst>
               <a:ext uri="{FF2B5EF4-FFF2-40B4-BE49-F238E27FC236}">
-                <a16:creationId xmlns:a16="http://schemas.microsoft.com/office/drawing/2014/main" id="{3CB6F7CE-461F-FFAC-327C-A36798B4947A}"/>
+                <a16:creationId xmlns:a16="http://schemas.microsoft.com/office/drawing/2014/main" xmlns="" id="{3CB6F7CE-461F-FFAC-327C-A36798B4947A}"/>
               </a:ext>
             </a:extLst>
           </p:cNvPr>
@@ -5692,7 +5692,7 @@
           <p:cNvPr id="15" name="직사각형 14">
             <a:extLst>
               <a:ext uri="{FF2B5EF4-FFF2-40B4-BE49-F238E27FC236}">
-                <a16:creationId xmlns:a16="http://schemas.microsoft.com/office/drawing/2014/main" id="{E71FCE28-DE56-093A-EFDA-13850D95EB1C}"/>
+                <a16:creationId xmlns:a16="http://schemas.microsoft.com/office/drawing/2014/main" xmlns="" id="{E71FCE28-DE56-093A-EFDA-13850D95EB1C}"/>
               </a:ext>
             </a:extLst>
           </p:cNvPr>
@@ -5744,7 +5744,7 @@
           <p:cNvPr id="16" name="TextBox 15">
             <a:extLst>
               <a:ext uri="{FF2B5EF4-FFF2-40B4-BE49-F238E27FC236}">
-                <a16:creationId xmlns:a16="http://schemas.microsoft.com/office/drawing/2014/main" id="{98021B63-D133-4AD2-3BDE-8A3CB38007A6}"/>
+                <a16:creationId xmlns:a16="http://schemas.microsoft.com/office/drawing/2014/main" xmlns="" id="{98021B63-D133-4AD2-3BDE-8A3CB38007A6}"/>
               </a:ext>
             </a:extLst>
           </p:cNvPr>
@@ -5894,7 +5894,7 @@
           <p:cNvPr id="4" name="TextBox 3">
             <a:extLst>
               <a:ext uri="{FF2B5EF4-FFF2-40B4-BE49-F238E27FC236}">
-                <a16:creationId xmlns:a16="http://schemas.microsoft.com/office/drawing/2014/main" id="{F8EAC7D1-88F2-45AD-C573-E3F58E88DC68}"/>
+                <a16:creationId xmlns:a16="http://schemas.microsoft.com/office/drawing/2014/main" xmlns="" id="{F8EAC7D1-88F2-45AD-C573-E3F58E88DC68}"/>
               </a:ext>
             </a:extLst>
           </p:cNvPr>
@@ -5942,7 +5942,7 @@
           <p:cNvPr id="8" name="직선 화살표 연결선 7">
             <a:extLst>
               <a:ext uri="{FF2B5EF4-FFF2-40B4-BE49-F238E27FC236}">
-                <a16:creationId xmlns:a16="http://schemas.microsoft.com/office/drawing/2014/main" id="{BD7E8D46-8366-0ACB-8736-BAA63C4948F6}"/>
+                <a16:creationId xmlns:a16="http://schemas.microsoft.com/office/drawing/2014/main" xmlns="" id="{BD7E8D46-8366-0ACB-8736-BAA63C4948F6}"/>
               </a:ext>
             </a:extLst>
           </p:cNvPr>
@@ -5985,7 +5985,7 @@
           <p:cNvPr id="9" name="TextBox 8">
             <a:extLst>
               <a:ext uri="{FF2B5EF4-FFF2-40B4-BE49-F238E27FC236}">
-                <a16:creationId xmlns:a16="http://schemas.microsoft.com/office/drawing/2014/main" id="{F51F0C12-7B1F-4619-C90F-85C6C255847B}"/>
+                <a16:creationId xmlns:a16="http://schemas.microsoft.com/office/drawing/2014/main" xmlns="" id="{F51F0C12-7B1F-4619-C90F-85C6C255847B}"/>
               </a:ext>
             </a:extLst>
           </p:cNvPr>
@@ -6033,7 +6033,7 @@
           <p:cNvPr id="11" name="그림 10">
             <a:extLst>
               <a:ext uri="{FF2B5EF4-FFF2-40B4-BE49-F238E27FC236}">
-                <a16:creationId xmlns:a16="http://schemas.microsoft.com/office/drawing/2014/main" id="{DD05D970-9738-B739-E4DD-0ECF16E2117A}"/>
+                <a16:creationId xmlns:a16="http://schemas.microsoft.com/office/drawing/2014/main" xmlns="" id="{DD05D970-9738-B739-E4DD-0ECF16E2117A}"/>
               </a:ext>
             </a:extLst>
           </p:cNvPr>
@@ -6063,7 +6063,7 @@
           <p:cNvPr id="15" name="그림 14">
             <a:extLst>
               <a:ext uri="{FF2B5EF4-FFF2-40B4-BE49-F238E27FC236}">
-                <a16:creationId xmlns:a16="http://schemas.microsoft.com/office/drawing/2014/main" id="{41AC80D2-EE1D-ABD5-510D-F82737E08F34}"/>
+                <a16:creationId xmlns:a16="http://schemas.microsoft.com/office/drawing/2014/main" xmlns="" id="{41AC80D2-EE1D-ABD5-510D-F82737E08F34}"/>
               </a:ext>
             </a:extLst>
           </p:cNvPr>
@@ -6093,7 +6093,7 @@
           <p:cNvPr id="16" name="직선 화살표 연결선 15">
             <a:extLst>
               <a:ext uri="{FF2B5EF4-FFF2-40B4-BE49-F238E27FC236}">
-                <a16:creationId xmlns:a16="http://schemas.microsoft.com/office/drawing/2014/main" id="{1FA065D4-8A94-28C0-91F2-C1FB1537AB3F}"/>
+                <a16:creationId xmlns:a16="http://schemas.microsoft.com/office/drawing/2014/main" xmlns="" id="{1FA065D4-8A94-28C0-91F2-C1FB1537AB3F}"/>
               </a:ext>
             </a:extLst>
           </p:cNvPr>
@@ -6134,7 +6134,7 @@
           <p:cNvPr id="17" name="TextBox 16">
             <a:extLst>
               <a:ext uri="{FF2B5EF4-FFF2-40B4-BE49-F238E27FC236}">
-                <a16:creationId xmlns:a16="http://schemas.microsoft.com/office/drawing/2014/main" id="{E5728E47-8085-2359-64CF-5161928F4B53}"/>
+                <a16:creationId xmlns:a16="http://schemas.microsoft.com/office/drawing/2014/main" xmlns="" id="{E5728E47-8085-2359-64CF-5161928F4B53}"/>
               </a:ext>
             </a:extLst>
           </p:cNvPr>
@@ -6191,7 +6191,7 @@
           <p:cNvPr id="19" name="그림 18">
             <a:extLst>
               <a:ext uri="{FF2B5EF4-FFF2-40B4-BE49-F238E27FC236}">
-                <a16:creationId xmlns:a16="http://schemas.microsoft.com/office/drawing/2014/main" id="{C2C9B424-B3FD-D9FD-27BB-4CDE5A1C5270}"/>
+                <a16:creationId xmlns:a16="http://schemas.microsoft.com/office/drawing/2014/main" xmlns="" id="{C2C9B424-B3FD-D9FD-27BB-4CDE5A1C5270}"/>
               </a:ext>
             </a:extLst>
           </p:cNvPr>
@@ -6221,7 +6221,7 @@
           <p:cNvPr id="21" name="직선 화살표 연결선 20">
             <a:extLst>
               <a:ext uri="{FF2B5EF4-FFF2-40B4-BE49-F238E27FC236}">
-                <a16:creationId xmlns:a16="http://schemas.microsoft.com/office/drawing/2014/main" id="{E37CF84E-BCBC-2603-47D0-250D6FF23E5D}"/>
+                <a16:creationId xmlns:a16="http://schemas.microsoft.com/office/drawing/2014/main" xmlns="" id="{E37CF84E-BCBC-2603-47D0-250D6FF23E5D}"/>
               </a:ext>
             </a:extLst>
           </p:cNvPr>
@@ -6264,7 +6264,7 @@
           <p:cNvPr id="22" name="TextBox 21">
             <a:extLst>
               <a:ext uri="{FF2B5EF4-FFF2-40B4-BE49-F238E27FC236}">
-                <a16:creationId xmlns:a16="http://schemas.microsoft.com/office/drawing/2014/main" id="{416B52E3-E39B-3465-F625-41EBE4C5B82F}"/>
+                <a16:creationId xmlns:a16="http://schemas.microsoft.com/office/drawing/2014/main" xmlns="" id="{416B52E3-E39B-3465-F625-41EBE4C5B82F}"/>
               </a:ext>
             </a:extLst>
           </p:cNvPr>
@@ -6321,7 +6321,7 @@
           <p:cNvPr id="27" name="그림 26">
             <a:extLst>
               <a:ext uri="{FF2B5EF4-FFF2-40B4-BE49-F238E27FC236}">
-                <a16:creationId xmlns:a16="http://schemas.microsoft.com/office/drawing/2014/main" id="{3A9731F4-92A3-79BA-9983-667FA096D68E}"/>
+                <a16:creationId xmlns:a16="http://schemas.microsoft.com/office/drawing/2014/main" xmlns="" id="{3A9731F4-92A3-79BA-9983-667FA096D68E}"/>
               </a:ext>
             </a:extLst>
           </p:cNvPr>
@@ -6351,7 +6351,7 @@
           <p:cNvPr id="28" name="직선 화살표 연결선 27">
             <a:extLst>
               <a:ext uri="{FF2B5EF4-FFF2-40B4-BE49-F238E27FC236}">
-                <a16:creationId xmlns:a16="http://schemas.microsoft.com/office/drawing/2014/main" id="{3A77F496-0E00-2AA1-D9C9-8FAC3BD4B09A}"/>
+                <a16:creationId xmlns:a16="http://schemas.microsoft.com/office/drawing/2014/main" xmlns="" id="{3A77F496-0E00-2AA1-D9C9-8FAC3BD4B09A}"/>
               </a:ext>
             </a:extLst>
           </p:cNvPr>
@@ -6393,7 +6393,7 @@
           <p:cNvPr id="29" name="TextBox 28">
             <a:extLst>
               <a:ext uri="{FF2B5EF4-FFF2-40B4-BE49-F238E27FC236}">
-                <a16:creationId xmlns:a16="http://schemas.microsoft.com/office/drawing/2014/main" id="{209BD1AD-5AB8-4F47-8596-2FC55EDB2D9B}"/>
+                <a16:creationId xmlns:a16="http://schemas.microsoft.com/office/drawing/2014/main" xmlns="" id="{209BD1AD-5AB8-4F47-8596-2FC55EDB2D9B}"/>
               </a:ext>
             </a:extLst>
           </p:cNvPr>
@@ -6454,7 +6454,7 @@
           <p:cNvPr id="33" name="그림 32">
             <a:extLst>
               <a:ext uri="{FF2B5EF4-FFF2-40B4-BE49-F238E27FC236}">
-                <a16:creationId xmlns:a16="http://schemas.microsoft.com/office/drawing/2014/main" id="{E51875F0-A862-C9C6-A3DE-F63288F7F3F5}"/>
+                <a16:creationId xmlns:a16="http://schemas.microsoft.com/office/drawing/2014/main" xmlns="" id="{E51875F0-A862-C9C6-A3DE-F63288F7F3F5}"/>
               </a:ext>
             </a:extLst>
           </p:cNvPr>
@@ -6484,7 +6484,7 @@
           <p:cNvPr id="34" name="직선 화살표 연결선 33">
             <a:extLst>
               <a:ext uri="{FF2B5EF4-FFF2-40B4-BE49-F238E27FC236}">
-                <a16:creationId xmlns:a16="http://schemas.microsoft.com/office/drawing/2014/main" id="{723CDA1E-DD0C-A09B-3849-2CA0307CC77B}"/>
+                <a16:creationId xmlns:a16="http://schemas.microsoft.com/office/drawing/2014/main" xmlns="" id="{723CDA1E-DD0C-A09B-3849-2CA0307CC77B}"/>
               </a:ext>
             </a:extLst>
           </p:cNvPr>
@@ -6526,7 +6526,7 @@
           <p:cNvPr id="35" name="TextBox 34">
             <a:extLst>
               <a:ext uri="{FF2B5EF4-FFF2-40B4-BE49-F238E27FC236}">
-                <a16:creationId xmlns:a16="http://schemas.microsoft.com/office/drawing/2014/main" id="{CF80E56E-35DC-20B7-8FAF-706AEAFAC279}"/>
+                <a16:creationId xmlns:a16="http://schemas.microsoft.com/office/drawing/2014/main" xmlns="" id="{CF80E56E-35DC-20B7-8FAF-706AEAFAC279}"/>
               </a:ext>
             </a:extLst>
           </p:cNvPr>
@@ -6583,7 +6583,7 @@
           <p:cNvPr id="42" name="그림 41">
             <a:extLst>
               <a:ext uri="{FF2B5EF4-FFF2-40B4-BE49-F238E27FC236}">
-                <a16:creationId xmlns:a16="http://schemas.microsoft.com/office/drawing/2014/main" id="{EB7A3028-B24E-D1AE-80C1-0054FBD2BA3A}"/>
+                <a16:creationId xmlns:a16="http://schemas.microsoft.com/office/drawing/2014/main" xmlns="" id="{EB7A3028-B24E-D1AE-80C1-0054FBD2BA3A}"/>
               </a:ext>
             </a:extLst>
           </p:cNvPr>
@@ -6613,7 +6613,7 @@
           <p:cNvPr id="44" name="직선 화살표 연결선 43">
             <a:extLst>
               <a:ext uri="{FF2B5EF4-FFF2-40B4-BE49-F238E27FC236}">
-                <a16:creationId xmlns:a16="http://schemas.microsoft.com/office/drawing/2014/main" id="{7BD70768-F0FE-EB75-384A-63A099E51E92}"/>
+                <a16:creationId xmlns:a16="http://schemas.microsoft.com/office/drawing/2014/main" xmlns="" id="{7BD70768-F0FE-EB75-384A-63A099E51E92}"/>
               </a:ext>
             </a:extLst>
           </p:cNvPr>
@@ -6655,7 +6655,7 @@
           <p:cNvPr id="45" name="TextBox 44">
             <a:extLst>
               <a:ext uri="{FF2B5EF4-FFF2-40B4-BE49-F238E27FC236}">
-                <a16:creationId xmlns:a16="http://schemas.microsoft.com/office/drawing/2014/main" id="{BB5C97C4-93FC-2F33-77D9-C519DD5BA1FE}"/>
+                <a16:creationId xmlns:a16="http://schemas.microsoft.com/office/drawing/2014/main" xmlns="" id="{BB5C97C4-93FC-2F33-77D9-C519DD5BA1FE}"/>
               </a:ext>
             </a:extLst>
           </p:cNvPr>
@@ -7246,7 +7246,7 @@
           <p:cNvPr id="5" name="그림 4">
             <a:extLst>
               <a:ext uri="{FF2B5EF4-FFF2-40B4-BE49-F238E27FC236}">
-                <a16:creationId xmlns:a16="http://schemas.microsoft.com/office/drawing/2014/main" id="{CED397DB-6884-4568-93D2-7A434AF2A375}"/>
+                <a16:creationId xmlns:a16="http://schemas.microsoft.com/office/drawing/2014/main" xmlns="" id="{CED397DB-6884-4568-93D2-7A434AF2A375}"/>
               </a:ext>
             </a:extLst>
           </p:cNvPr>
@@ -7276,7 +7276,7 @@
           <p:cNvPr id="6" name="직선 화살표 연결선 5">
             <a:extLst>
               <a:ext uri="{FF2B5EF4-FFF2-40B4-BE49-F238E27FC236}">
-                <a16:creationId xmlns:a16="http://schemas.microsoft.com/office/drawing/2014/main" id="{53D81AA9-426A-FA0D-5ED9-A7F39CD10E67}"/>
+                <a16:creationId xmlns:a16="http://schemas.microsoft.com/office/drawing/2014/main" xmlns="" id="{53D81AA9-426A-FA0D-5ED9-A7F39CD10E67}"/>
               </a:ext>
             </a:extLst>
           </p:cNvPr>
@@ -7319,7 +7319,7 @@
           <p:cNvPr id="7" name="TextBox 6">
             <a:extLst>
               <a:ext uri="{FF2B5EF4-FFF2-40B4-BE49-F238E27FC236}">
-                <a16:creationId xmlns:a16="http://schemas.microsoft.com/office/drawing/2014/main" id="{596882A4-AA05-D19C-F595-DDF46F3DFE63}"/>
+                <a16:creationId xmlns:a16="http://schemas.microsoft.com/office/drawing/2014/main" xmlns="" id="{596882A4-AA05-D19C-F595-DDF46F3DFE63}"/>
               </a:ext>
             </a:extLst>
           </p:cNvPr>
@@ -7402,7 +7402,7 @@
           <p:cNvPr id="11" name="그림 10">
             <a:extLst>
               <a:ext uri="{FF2B5EF4-FFF2-40B4-BE49-F238E27FC236}">
-                <a16:creationId xmlns:a16="http://schemas.microsoft.com/office/drawing/2014/main" id="{B1C8B7AD-6AC3-6D3F-F098-E984D99CD435}"/>
+                <a16:creationId xmlns:a16="http://schemas.microsoft.com/office/drawing/2014/main" xmlns="" id="{B1C8B7AD-6AC3-6D3F-F098-E984D99CD435}"/>
               </a:ext>
             </a:extLst>
           </p:cNvPr>
@@ -7432,7 +7432,7 @@
           <p:cNvPr id="12" name="직선 화살표 연결선 11">
             <a:extLst>
               <a:ext uri="{FF2B5EF4-FFF2-40B4-BE49-F238E27FC236}">
-                <a16:creationId xmlns:a16="http://schemas.microsoft.com/office/drawing/2014/main" id="{E7C2BF38-A838-5867-9212-996769FB3F03}"/>
+                <a16:creationId xmlns:a16="http://schemas.microsoft.com/office/drawing/2014/main" xmlns="" id="{E7C2BF38-A838-5867-9212-996769FB3F03}"/>
               </a:ext>
             </a:extLst>
           </p:cNvPr>
@@ -7474,7 +7474,7 @@
           <p:cNvPr id="13" name="TextBox 12">
             <a:extLst>
               <a:ext uri="{FF2B5EF4-FFF2-40B4-BE49-F238E27FC236}">
-                <a16:creationId xmlns:a16="http://schemas.microsoft.com/office/drawing/2014/main" id="{1845C746-1213-A154-7457-9FC33860F6BD}"/>
+                <a16:creationId xmlns:a16="http://schemas.microsoft.com/office/drawing/2014/main" xmlns="" id="{1845C746-1213-A154-7457-9FC33860F6BD}"/>
               </a:ext>
             </a:extLst>
           </p:cNvPr>
@@ -7765,7 +7765,7 @@
           <p:cNvPr id="4" name="TextBox 3">
             <a:extLst>
               <a:ext uri="{FF2B5EF4-FFF2-40B4-BE49-F238E27FC236}">
-                <a16:creationId xmlns:a16="http://schemas.microsoft.com/office/drawing/2014/main" id="{CB50B841-27B1-7598-2FB2-6051E08E5552}"/>
+                <a16:creationId xmlns:a16="http://schemas.microsoft.com/office/drawing/2014/main" xmlns="" id="{CB50B841-27B1-7598-2FB2-6051E08E5552}"/>
               </a:ext>
             </a:extLst>
           </p:cNvPr>
@@ -7813,7 +7813,7 @@
           <p:cNvPr id="6" name="그림 5">
             <a:extLst>
               <a:ext uri="{FF2B5EF4-FFF2-40B4-BE49-F238E27FC236}">
-                <a16:creationId xmlns:a16="http://schemas.microsoft.com/office/drawing/2014/main" id="{45CC5072-46D6-08D9-955B-32ED071F5AC0}"/>
+                <a16:creationId xmlns:a16="http://schemas.microsoft.com/office/drawing/2014/main" xmlns="" id="{45CC5072-46D6-08D9-955B-32ED071F5AC0}"/>
               </a:ext>
             </a:extLst>
           </p:cNvPr>
@@ -7843,7 +7843,7 @@
           <p:cNvPr id="7" name="직선 화살표 연결선 6">
             <a:extLst>
               <a:ext uri="{FF2B5EF4-FFF2-40B4-BE49-F238E27FC236}">
-                <a16:creationId xmlns:a16="http://schemas.microsoft.com/office/drawing/2014/main" id="{4BADD8A1-E513-3640-2D73-E61242BF977F}"/>
+                <a16:creationId xmlns:a16="http://schemas.microsoft.com/office/drawing/2014/main" xmlns="" id="{4BADD8A1-E513-3640-2D73-E61242BF977F}"/>
               </a:ext>
             </a:extLst>
           </p:cNvPr>
@@ -7884,7 +7884,7 @@
           <p:cNvPr id="8" name="TextBox 7">
             <a:extLst>
               <a:ext uri="{FF2B5EF4-FFF2-40B4-BE49-F238E27FC236}">
-                <a16:creationId xmlns:a16="http://schemas.microsoft.com/office/drawing/2014/main" id="{4D5F8ADA-A705-C51D-8E95-CD4CDB9654BA}"/>
+                <a16:creationId xmlns:a16="http://schemas.microsoft.com/office/drawing/2014/main" xmlns="" id="{4D5F8ADA-A705-C51D-8E95-CD4CDB9654BA}"/>
               </a:ext>
             </a:extLst>
           </p:cNvPr>
@@ -7941,7 +7941,7 @@
           <p:cNvPr id="10" name="그림 9">
             <a:extLst>
               <a:ext uri="{FF2B5EF4-FFF2-40B4-BE49-F238E27FC236}">
-                <a16:creationId xmlns:a16="http://schemas.microsoft.com/office/drawing/2014/main" id="{66218DCB-BBAA-13D4-ECB3-025DDCD23B4F}"/>
+                <a16:creationId xmlns:a16="http://schemas.microsoft.com/office/drawing/2014/main" xmlns="" id="{66218DCB-BBAA-13D4-ECB3-025DDCD23B4F}"/>
               </a:ext>
             </a:extLst>
           </p:cNvPr>
@@ -7971,7 +7971,7 @@
           <p:cNvPr id="11" name="직선 화살표 연결선 10">
             <a:extLst>
               <a:ext uri="{FF2B5EF4-FFF2-40B4-BE49-F238E27FC236}">
-                <a16:creationId xmlns:a16="http://schemas.microsoft.com/office/drawing/2014/main" id="{F86C6958-EFE9-C5DC-7948-5D8EAB522449}"/>
+                <a16:creationId xmlns:a16="http://schemas.microsoft.com/office/drawing/2014/main" xmlns="" id="{F86C6958-EFE9-C5DC-7948-5D8EAB522449}"/>
               </a:ext>
             </a:extLst>
           </p:cNvPr>
@@ -8013,7 +8013,7 @@
           <p:cNvPr id="12" name="TextBox 11">
             <a:extLst>
               <a:ext uri="{FF2B5EF4-FFF2-40B4-BE49-F238E27FC236}">
-                <a16:creationId xmlns:a16="http://schemas.microsoft.com/office/drawing/2014/main" id="{4DE5A079-4DA8-C78F-8103-A888E64984B4}"/>
+                <a16:creationId xmlns:a16="http://schemas.microsoft.com/office/drawing/2014/main" xmlns="" id="{4DE5A079-4DA8-C78F-8103-A888E64984B4}"/>
               </a:ext>
             </a:extLst>
           </p:cNvPr>
@@ -8330,7 +8330,7 @@
           <p:cNvPr id="4" name="TextBox 3">
             <a:extLst>
               <a:ext uri="{FF2B5EF4-FFF2-40B4-BE49-F238E27FC236}">
-                <a16:creationId xmlns:a16="http://schemas.microsoft.com/office/drawing/2014/main" id="{37C30BAF-D498-C798-BC14-1718488A3435}"/>
+                <a16:creationId xmlns:a16="http://schemas.microsoft.com/office/drawing/2014/main" xmlns="" id="{37C30BAF-D498-C798-BC14-1718488A3435}"/>
               </a:ext>
             </a:extLst>
           </p:cNvPr>
@@ -8381,7 +8381,7 @@
           <p:cNvPr id="5" name="TextBox 4">
             <a:extLst>
               <a:ext uri="{FF2B5EF4-FFF2-40B4-BE49-F238E27FC236}">
-                <a16:creationId xmlns:a16="http://schemas.microsoft.com/office/drawing/2014/main" id="{1411E83A-6F3E-13BA-B84D-07D6B1588D85}"/>
+                <a16:creationId xmlns:a16="http://schemas.microsoft.com/office/drawing/2014/main" xmlns="" id="{1411E83A-6F3E-13BA-B84D-07D6B1588D85}"/>
               </a:ext>
             </a:extLst>
           </p:cNvPr>
@@ -8547,7 +8547,7 @@
           <p:cNvPr id="6" name="TextBox 5">
             <a:extLst>
               <a:ext uri="{FF2B5EF4-FFF2-40B4-BE49-F238E27FC236}">
-                <a16:creationId xmlns:a16="http://schemas.microsoft.com/office/drawing/2014/main" id="{1411E83A-6F3E-13BA-B84D-07D6B1588D85}"/>
+                <a16:creationId xmlns:a16="http://schemas.microsoft.com/office/drawing/2014/main" xmlns="" id="{1411E83A-6F3E-13BA-B84D-07D6B1588D85}"/>
               </a:ext>
             </a:extLst>
           </p:cNvPr>
@@ -8682,7 +8682,7 @@
           <p:cNvPr id="7" name="TextBox 6">
             <a:extLst>
               <a:ext uri="{FF2B5EF4-FFF2-40B4-BE49-F238E27FC236}">
-                <a16:creationId xmlns:a16="http://schemas.microsoft.com/office/drawing/2014/main" id="{1411E83A-6F3E-13BA-B84D-07D6B1588D85}"/>
+                <a16:creationId xmlns:a16="http://schemas.microsoft.com/office/drawing/2014/main" xmlns="" id="{1411E83A-6F3E-13BA-B84D-07D6B1588D85}"/>
               </a:ext>
             </a:extLst>
           </p:cNvPr>
@@ -8869,7 +8869,7 @@
           <p:cNvPr id="4" name="TextBox 3">
             <a:extLst>
               <a:ext uri="{FF2B5EF4-FFF2-40B4-BE49-F238E27FC236}">
-                <a16:creationId xmlns:a16="http://schemas.microsoft.com/office/drawing/2014/main" id="{AAA7A62B-B663-9BB3-853E-37554E612635}"/>
+                <a16:creationId xmlns:a16="http://schemas.microsoft.com/office/drawing/2014/main" xmlns="" id="{AAA7A62B-B663-9BB3-853E-37554E612635}"/>
               </a:ext>
             </a:extLst>
           </p:cNvPr>
@@ -8940,7 +8940,7 @@
           <p:cNvPr id="12" name="그룹 1018">
             <a:extLst>
               <a:ext uri="{FF2B5EF4-FFF2-40B4-BE49-F238E27FC236}">
-                <a16:creationId xmlns:a16="http://schemas.microsoft.com/office/drawing/2014/main" id="{4F0468F5-F027-54AB-48FE-FBD97453C390}"/>
+                <a16:creationId xmlns:a16="http://schemas.microsoft.com/office/drawing/2014/main" xmlns="" id="{4F0468F5-F027-54AB-48FE-FBD97453C390}"/>
               </a:ext>
             </a:extLst>
           </p:cNvPr>
@@ -8960,7 +8960,7 @@
             <p:cNvPr id="13" name="Object 61">
               <a:extLst>
                 <a:ext uri="{FF2B5EF4-FFF2-40B4-BE49-F238E27FC236}">
-                  <a16:creationId xmlns:a16="http://schemas.microsoft.com/office/drawing/2014/main" id="{AC2EBFB7-1019-73EA-EBFE-CF649B53884D}"/>
+                  <a16:creationId xmlns:a16="http://schemas.microsoft.com/office/drawing/2014/main" xmlns="" id="{AC2EBFB7-1019-73EA-EBFE-CF649B53884D}"/>
                 </a:ext>
               </a:extLst>
             </p:cNvPr>
@@ -8991,7 +8991,7 @@
           <p:cNvPr id="14" name="TextBox 13">
             <a:extLst>
               <a:ext uri="{FF2B5EF4-FFF2-40B4-BE49-F238E27FC236}">
-                <a16:creationId xmlns:a16="http://schemas.microsoft.com/office/drawing/2014/main" id="{CD7FD98D-0E89-838A-2E86-645AC568668B}"/>
+                <a16:creationId xmlns:a16="http://schemas.microsoft.com/office/drawing/2014/main" xmlns="" id="{CD7FD98D-0E89-838A-2E86-645AC568668B}"/>
               </a:ext>
             </a:extLst>
           </p:cNvPr>
@@ -9048,7 +9048,7 @@
           <p:cNvPr id="17" name="TextBox 16">
             <a:extLst>
               <a:ext uri="{FF2B5EF4-FFF2-40B4-BE49-F238E27FC236}">
-                <a16:creationId xmlns:a16="http://schemas.microsoft.com/office/drawing/2014/main" id="{7843ACB4-9657-BCB3-AF18-AEDD8CD8AAD4}"/>
+                <a16:creationId xmlns:a16="http://schemas.microsoft.com/office/drawing/2014/main" xmlns="" id="{7843ACB4-9657-BCB3-AF18-AEDD8CD8AAD4}"/>
               </a:ext>
             </a:extLst>
           </p:cNvPr>
@@ -9099,7 +9099,7 @@
           <p:cNvPr id="18" name="그룹 1018">
             <a:extLst>
               <a:ext uri="{FF2B5EF4-FFF2-40B4-BE49-F238E27FC236}">
-                <a16:creationId xmlns:a16="http://schemas.microsoft.com/office/drawing/2014/main" id="{AC6D02A6-858E-B1E5-BCF7-602AAC9F856B}"/>
+                <a16:creationId xmlns:a16="http://schemas.microsoft.com/office/drawing/2014/main" xmlns="" id="{AC6D02A6-858E-B1E5-BCF7-602AAC9F856B}"/>
               </a:ext>
             </a:extLst>
           </p:cNvPr>
@@ -9119,7 +9119,7 @@
             <p:cNvPr id="19" name="Object 61">
               <a:extLst>
                 <a:ext uri="{FF2B5EF4-FFF2-40B4-BE49-F238E27FC236}">
-                  <a16:creationId xmlns:a16="http://schemas.microsoft.com/office/drawing/2014/main" id="{6F0A1746-433C-D68C-49A3-F644B1C290B7}"/>
+                  <a16:creationId xmlns:a16="http://schemas.microsoft.com/office/drawing/2014/main" xmlns="" id="{6F0A1746-433C-D68C-49A3-F644B1C290B7}"/>
                 </a:ext>
               </a:extLst>
             </p:cNvPr>
@@ -9150,7 +9150,7 @@
           <p:cNvPr id="20" name="TextBox 19">
             <a:extLst>
               <a:ext uri="{FF2B5EF4-FFF2-40B4-BE49-F238E27FC236}">
-                <a16:creationId xmlns:a16="http://schemas.microsoft.com/office/drawing/2014/main" id="{963B2D80-045B-B26F-596E-2802A373CFAE}"/>
+                <a16:creationId xmlns:a16="http://schemas.microsoft.com/office/drawing/2014/main" xmlns="" id="{963B2D80-045B-B26F-596E-2802A373CFAE}"/>
               </a:ext>
             </a:extLst>
           </p:cNvPr>
@@ -9207,7 +9207,7 @@
           <p:cNvPr id="21" name="TextBox 20">
             <a:extLst>
               <a:ext uri="{FF2B5EF4-FFF2-40B4-BE49-F238E27FC236}">
-                <a16:creationId xmlns:a16="http://schemas.microsoft.com/office/drawing/2014/main" id="{59E0E04C-877E-D861-8074-BD32F9DFFD3D}"/>
+                <a16:creationId xmlns:a16="http://schemas.microsoft.com/office/drawing/2014/main" xmlns="" id="{59E0E04C-877E-D861-8074-BD32F9DFFD3D}"/>
               </a:ext>
             </a:extLst>
           </p:cNvPr>
@@ -9251,7 +9251,7 @@
           <p:cNvPr id="25" name="표 24">
             <a:extLst>
               <a:ext uri="{FF2B5EF4-FFF2-40B4-BE49-F238E27FC236}">
-                <a16:creationId xmlns:a16="http://schemas.microsoft.com/office/drawing/2014/main" id="{A8016755-38EE-8AE4-EEE3-827991B3D0F3}"/>
+                <a16:creationId xmlns:a16="http://schemas.microsoft.com/office/drawing/2014/main" xmlns="" id="{A8016755-38EE-8AE4-EEE3-827991B3D0F3}"/>
               </a:ext>
             </a:extLst>
           </p:cNvPr>
@@ -9280,14 +9280,14 @@
                 <a:gridCol w="1528823">
                   <a:extLst>
                     <a:ext uri="{9D8B030D-6E8A-4147-A177-3AD203B41FA5}">
-                      <a16:colId xmlns:a16="http://schemas.microsoft.com/office/drawing/2014/main" val="2271107190"/>
+                      <a16:colId xmlns:a16="http://schemas.microsoft.com/office/drawing/2014/main" xmlns="" val="2271107190"/>
                     </a:ext>
                   </a:extLst>
                 </a:gridCol>
                 <a:gridCol w="838200">
                   <a:extLst>
                     <a:ext uri="{9D8B030D-6E8A-4147-A177-3AD203B41FA5}">
-                      <a16:colId xmlns:a16="http://schemas.microsoft.com/office/drawing/2014/main" val="4072949715"/>
+                      <a16:colId xmlns:a16="http://schemas.microsoft.com/office/drawing/2014/main" xmlns="" val="4072949715"/>
                     </a:ext>
                   </a:extLst>
                 </a:gridCol>
@@ -9413,7 +9413,7 @@
                 </a:tc>
                 <a:extLst>
                   <a:ext uri="{0D108BD9-81ED-4DB2-BD59-A6C34878D82A}">
-                    <a16:rowId xmlns:a16="http://schemas.microsoft.com/office/drawing/2014/main" val="3364141702"/>
+                    <a16:rowId xmlns:a16="http://schemas.microsoft.com/office/drawing/2014/main" xmlns="" val="3364141702"/>
                   </a:ext>
                 </a:extLst>
               </a:tr>
@@ -9542,7 +9542,7 @@
                 </a:tc>
                 <a:extLst>
                   <a:ext uri="{0D108BD9-81ED-4DB2-BD59-A6C34878D82A}">
-                    <a16:rowId xmlns:a16="http://schemas.microsoft.com/office/drawing/2014/main" val="2764294510"/>
+                    <a16:rowId xmlns:a16="http://schemas.microsoft.com/office/drawing/2014/main" xmlns="" val="2764294510"/>
                   </a:ext>
                 </a:extLst>
               </a:tr>
@@ -9655,7 +9655,7 @@
                 </a:tc>
                 <a:extLst>
                   <a:ext uri="{0D108BD9-81ED-4DB2-BD59-A6C34878D82A}">
-                    <a16:rowId xmlns:a16="http://schemas.microsoft.com/office/drawing/2014/main" val="1538767738"/>
+                    <a16:rowId xmlns:a16="http://schemas.microsoft.com/office/drawing/2014/main" xmlns="" val="1538767738"/>
                   </a:ext>
                 </a:extLst>
               </a:tr>
@@ -9768,7 +9768,7 @@
                 </a:tc>
                 <a:extLst>
                   <a:ext uri="{0D108BD9-81ED-4DB2-BD59-A6C34878D82A}">
-                    <a16:rowId xmlns:a16="http://schemas.microsoft.com/office/drawing/2014/main" val="75423910"/>
+                    <a16:rowId xmlns:a16="http://schemas.microsoft.com/office/drawing/2014/main" xmlns="" val="75423910"/>
                   </a:ext>
                 </a:extLst>
               </a:tr>
@@ -9881,7 +9881,7 @@
                 </a:tc>
                 <a:extLst>
                   <a:ext uri="{0D108BD9-81ED-4DB2-BD59-A6C34878D82A}">
-                    <a16:rowId xmlns:a16="http://schemas.microsoft.com/office/drawing/2014/main" val="1880026330"/>
+                    <a16:rowId xmlns:a16="http://schemas.microsoft.com/office/drawing/2014/main" xmlns="" val="1880026330"/>
                   </a:ext>
                 </a:extLst>
               </a:tr>
@@ -9994,7 +9994,7 @@
                 </a:tc>
                 <a:extLst>
                   <a:ext uri="{0D108BD9-81ED-4DB2-BD59-A6C34878D82A}">
-                    <a16:rowId xmlns:a16="http://schemas.microsoft.com/office/drawing/2014/main" val="2904285843"/>
+                    <a16:rowId xmlns:a16="http://schemas.microsoft.com/office/drawing/2014/main" xmlns="" val="2904285843"/>
                   </a:ext>
                 </a:extLst>
               </a:tr>
@@ -10007,7 +10007,7 @@
           <p:cNvPr id="15" name="직선 화살표 연결선 14">
             <a:extLst>
               <a:ext uri="{FF2B5EF4-FFF2-40B4-BE49-F238E27FC236}">
-                <a16:creationId xmlns:a16="http://schemas.microsoft.com/office/drawing/2014/main" id="{4CD3AA73-144D-EE56-1594-B12541E20A71}"/>
+                <a16:creationId xmlns:a16="http://schemas.microsoft.com/office/drawing/2014/main" xmlns="" id="{4CD3AA73-144D-EE56-1594-B12541E20A71}"/>
               </a:ext>
             </a:extLst>
           </p:cNvPr>
@@ -10049,7 +10049,7 @@
           <p:cNvPr id="31" name="표 30">
             <a:extLst>
               <a:ext uri="{FF2B5EF4-FFF2-40B4-BE49-F238E27FC236}">
-                <a16:creationId xmlns:a16="http://schemas.microsoft.com/office/drawing/2014/main" id="{184CBD6D-35D2-535B-0A9C-7994770538BF}"/>
+                <a16:creationId xmlns:a16="http://schemas.microsoft.com/office/drawing/2014/main" xmlns="" id="{184CBD6D-35D2-535B-0A9C-7994770538BF}"/>
               </a:ext>
             </a:extLst>
           </p:cNvPr>
@@ -10078,14 +10078,14 @@
                 <a:gridCol w="1528823">
                   <a:extLst>
                     <a:ext uri="{9D8B030D-6E8A-4147-A177-3AD203B41FA5}">
-                      <a16:colId xmlns:a16="http://schemas.microsoft.com/office/drawing/2014/main" val="3265756666"/>
+                      <a16:colId xmlns:a16="http://schemas.microsoft.com/office/drawing/2014/main" xmlns="" val="3265756666"/>
                     </a:ext>
                   </a:extLst>
                 </a:gridCol>
                 <a:gridCol w="838200">
                   <a:extLst>
                     <a:ext uri="{9D8B030D-6E8A-4147-A177-3AD203B41FA5}">
-                      <a16:colId xmlns:a16="http://schemas.microsoft.com/office/drawing/2014/main" val="612514747"/>
+                      <a16:colId xmlns:a16="http://schemas.microsoft.com/office/drawing/2014/main" xmlns="" val="612514747"/>
                     </a:ext>
                   </a:extLst>
                 </a:gridCol>
@@ -10211,7 +10211,7 @@
                 </a:tc>
                 <a:extLst>
                   <a:ext uri="{0D108BD9-81ED-4DB2-BD59-A6C34878D82A}">
-                    <a16:rowId xmlns:a16="http://schemas.microsoft.com/office/drawing/2014/main" val="3206675433"/>
+                    <a16:rowId xmlns:a16="http://schemas.microsoft.com/office/drawing/2014/main" xmlns="" val="3206675433"/>
                   </a:ext>
                 </a:extLst>
               </a:tr>
@@ -10340,7 +10340,7 @@
                 </a:tc>
                 <a:extLst>
                   <a:ext uri="{0D108BD9-81ED-4DB2-BD59-A6C34878D82A}">
-                    <a16:rowId xmlns:a16="http://schemas.microsoft.com/office/drawing/2014/main" val="974737628"/>
+                    <a16:rowId xmlns:a16="http://schemas.microsoft.com/office/drawing/2014/main" xmlns="" val="974737628"/>
                   </a:ext>
                 </a:extLst>
               </a:tr>
@@ -10485,7 +10485,7 @@
                 </a:tc>
                 <a:extLst>
                   <a:ext uri="{0D108BD9-81ED-4DB2-BD59-A6C34878D82A}">
-                    <a16:rowId xmlns:a16="http://schemas.microsoft.com/office/drawing/2014/main" val="10002"/>
+                    <a16:rowId xmlns:a16="http://schemas.microsoft.com/office/drawing/2014/main" xmlns="" val="10002"/>
                   </a:ext>
                 </a:extLst>
               </a:tr>
@@ -10614,7 +10614,7 @@
                 </a:tc>
                 <a:extLst>
                   <a:ext uri="{0D108BD9-81ED-4DB2-BD59-A6C34878D82A}">
-                    <a16:rowId xmlns:a16="http://schemas.microsoft.com/office/drawing/2014/main" val="4102325686"/>
+                    <a16:rowId xmlns:a16="http://schemas.microsoft.com/office/drawing/2014/main" xmlns="" val="4102325686"/>
                   </a:ext>
                 </a:extLst>
               </a:tr>
@@ -10743,7 +10743,7 @@
                 </a:tc>
                 <a:extLst>
                   <a:ext uri="{0D108BD9-81ED-4DB2-BD59-A6C34878D82A}">
-                    <a16:rowId xmlns:a16="http://schemas.microsoft.com/office/drawing/2014/main" val="10004"/>
+                    <a16:rowId xmlns:a16="http://schemas.microsoft.com/office/drawing/2014/main" xmlns="" val="10004"/>
                   </a:ext>
                 </a:extLst>
               </a:tr>
@@ -10872,7 +10872,7 @@
                 </a:tc>
                 <a:extLst>
                   <a:ext uri="{0D108BD9-81ED-4DB2-BD59-A6C34878D82A}">
-                    <a16:rowId xmlns:a16="http://schemas.microsoft.com/office/drawing/2014/main" val="2080406695"/>
+                    <a16:rowId xmlns:a16="http://schemas.microsoft.com/office/drawing/2014/main" xmlns="" val="2080406695"/>
                   </a:ext>
                 </a:extLst>
               </a:tr>
@@ -11001,7 +11001,7 @@
                 </a:tc>
                 <a:extLst>
                   <a:ext uri="{0D108BD9-81ED-4DB2-BD59-A6C34878D82A}">
-                    <a16:rowId xmlns:a16="http://schemas.microsoft.com/office/drawing/2014/main" val="10006"/>
+                    <a16:rowId xmlns:a16="http://schemas.microsoft.com/office/drawing/2014/main" xmlns="" val="10006"/>
                   </a:ext>
                 </a:extLst>
               </a:tr>
@@ -11114,7 +11114,7 @@
                 </a:tc>
                 <a:extLst>
                   <a:ext uri="{0D108BD9-81ED-4DB2-BD59-A6C34878D82A}">
-                    <a16:rowId xmlns:a16="http://schemas.microsoft.com/office/drawing/2014/main" val="844693801"/>
+                    <a16:rowId xmlns:a16="http://schemas.microsoft.com/office/drawing/2014/main" xmlns="" val="844693801"/>
                   </a:ext>
                 </a:extLst>
               </a:tr>
@@ -11227,7 +11227,7 @@
                 </a:tc>
                 <a:extLst>
                   <a:ext uri="{0D108BD9-81ED-4DB2-BD59-A6C34878D82A}">
-                    <a16:rowId xmlns:a16="http://schemas.microsoft.com/office/drawing/2014/main" val="10008"/>
+                    <a16:rowId xmlns:a16="http://schemas.microsoft.com/office/drawing/2014/main" xmlns="" val="10008"/>
                   </a:ext>
                 </a:extLst>
               </a:tr>
@@ -11339,7 +11339,7 @@
                 </a:tc>
                 <a:extLst>
                   <a:ext uri="{0D108BD9-81ED-4DB2-BD59-A6C34878D82A}">
-                    <a16:rowId xmlns:a16="http://schemas.microsoft.com/office/drawing/2014/main" val="2414498207"/>
+                    <a16:rowId xmlns:a16="http://schemas.microsoft.com/office/drawing/2014/main" xmlns="" val="2414498207"/>
                   </a:ext>
                 </a:extLst>
               </a:tr>
@@ -11451,7 +11451,7 @@
                 </a:tc>
                 <a:extLst>
                   <a:ext uri="{0D108BD9-81ED-4DB2-BD59-A6C34878D82A}">
-                    <a16:rowId xmlns:a16="http://schemas.microsoft.com/office/drawing/2014/main" val="10010"/>
+                    <a16:rowId xmlns:a16="http://schemas.microsoft.com/office/drawing/2014/main" xmlns="" val="10010"/>
                   </a:ext>
                 </a:extLst>
               </a:tr>
@@ -11464,7 +11464,7 @@
           <p:cNvPr id="22" name="직선 화살표 연결선 21">
             <a:extLst>
               <a:ext uri="{FF2B5EF4-FFF2-40B4-BE49-F238E27FC236}">
-                <a16:creationId xmlns:a16="http://schemas.microsoft.com/office/drawing/2014/main" id="{4CD3AA73-144D-EE56-1594-B12541E20A71}"/>
+                <a16:creationId xmlns:a16="http://schemas.microsoft.com/office/drawing/2014/main" xmlns="" id="{4CD3AA73-144D-EE56-1594-B12541E20A71}"/>
               </a:ext>
             </a:extLst>
           </p:cNvPr>
@@ -11506,7 +11506,7 @@
           <p:cNvPr id="23" name="TextBox 22">
             <a:extLst>
               <a:ext uri="{FF2B5EF4-FFF2-40B4-BE49-F238E27FC236}">
-                <a16:creationId xmlns:a16="http://schemas.microsoft.com/office/drawing/2014/main" id="{59E0E04C-877E-D861-8074-BD32F9DFFD3D}"/>
+                <a16:creationId xmlns:a16="http://schemas.microsoft.com/office/drawing/2014/main" xmlns="" id="{59E0E04C-877E-D861-8074-BD32F9DFFD3D}"/>
               </a:ext>
             </a:extLst>
           </p:cNvPr>
@@ -11560,7 +11560,7 @@
           <p:cNvPr id="32" name="직선 화살표 연결선 31">
             <a:extLst>
               <a:ext uri="{FF2B5EF4-FFF2-40B4-BE49-F238E27FC236}">
-                <a16:creationId xmlns:a16="http://schemas.microsoft.com/office/drawing/2014/main" id="{4CD3AA73-144D-EE56-1594-B12541E20A71}"/>
+                <a16:creationId xmlns:a16="http://schemas.microsoft.com/office/drawing/2014/main" xmlns="" id="{4CD3AA73-144D-EE56-1594-B12541E20A71}"/>
               </a:ext>
             </a:extLst>
           </p:cNvPr>
@@ -11601,7 +11601,7 @@
           <p:cNvPr id="58" name="직선 화살표 연결선 57">
             <a:extLst>
               <a:ext uri="{FF2B5EF4-FFF2-40B4-BE49-F238E27FC236}">
-                <a16:creationId xmlns:a16="http://schemas.microsoft.com/office/drawing/2014/main" id="{4CD3AA73-144D-EE56-1594-B12541E20A71}"/>
+                <a16:creationId xmlns:a16="http://schemas.microsoft.com/office/drawing/2014/main" xmlns="" id="{4CD3AA73-144D-EE56-1594-B12541E20A71}"/>
               </a:ext>
             </a:extLst>
           </p:cNvPr>
@@ -11642,7 +11642,7 @@
           <p:cNvPr id="65" name="TextBox 64">
             <a:extLst>
               <a:ext uri="{FF2B5EF4-FFF2-40B4-BE49-F238E27FC236}">
-                <a16:creationId xmlns:a16="http://schemas.microsoft.com/office/drawing/2014/main" id="{7843ACB4-9657-BCB3-AF18-AEDD8CD8AAD4}"/>
+                <a16:creationId xmlns:a16="http://schemas.microsoft.com/office/drawing/2014/main" xmlns="" id="{7843ACB4-9657-BCB3-AF18-AEDD8CD8AAD4}"/>
               </a:ext>
             </a:extLst>
           </p:cNvPr>
@@ -12263,7 +12263,7 @@
           <p:cNvPr id="4" name="TextBox 3">
             <a:extLst>
               <a:ext uri="{FF2B5EF4-FFF2-40B4-BE49-F238E27FC236}">
-                <a16:creationId xmlns:a16="http://schemas.microsoft.com/office/drawing/2014/main" id="{AAA7A62B-B663-9BB3-853E-37554E612635}"/>
+                <a16:creationId xmlns:a16="http://schemas.microsoft.com/office/drawing/2014/main" xmlns="" id="{AAA7A62B-B663-9BB3-853E-37554E612635}"/>
               </a:ext>
             </a:extLst>
           </p:cNvPr>
@@ -12345,7 +12345,7 @@
           <p:cNvPr id="6" name="직선 화살표 연결선 5">
             <a:extLst>
               <a:ext uri="{FF2B5EF4-FFF2-40B4-BE49-F238E27FC236}">
-                <a16:creationId xmlns:a16="http://schemas.microsoft.com/office/drawing/2014/main" id="{299DF5EC-9DF4-5255-06AC-0A7CE4FF58C3}"/>
+                <a16:creationId xmlns:a16="http://schemas.microsoft.com/office/drawing/2014/main" xmlns="" id="{299DF5EC-9DF4-5255-06AC-0A7CE4FF58C3}"/>
               </a:ext>
             </a:extLst>
           </p:cNvPr>
@@ -12386,7 +12386,7 @@
           <p:cNvPr id="7" name="직사각형 6">
             <a:extLst>
               <a:ext uri="{FF2B5EF4-FFF2-40B4-BE49-F238E27FC236}">
-                <a16:creationId xmlns:a16="http://schemas.microsoft.com/office/drawing/2014/main" id="{FFF506F9-840A-0508-4CAF-3AC711D8D5CE}"/>
+                <a16:creationId xmlns:a16="http://schemas.microsoft.com/office/drawing/2014/main" xmlns="" id="{FFF506F9-840A-0508-4CAF-3AC711D8D5CE}"/>
               </a:ext>
             </a:extLst>
           </p:cNvPr>
@@ -12438,7 +12438,7 @@
           <p:cNvPr id="8" name="TextBox 7">
             <a:extLst>
               <a:ext uri="{FF2B5EF4-FFF2-40B4-BE49-F238E27FC236}">
-                <a16:creationId xmlns:a16="http://schemas.microsoft.com/office/drawing/2014/main" id="{C6D113C6-EA5C-788F-0C77-E7CE6EBB865F}"/>
+                <a16:creationId xmlns:a16="http://schemas.microsoft.com/office/drawing/2014/main" xmlns="" id="{C6D113C6-EA5C-788F-0C77-E7CE6EBB865F}"/>
               </a:ext>
             </a:extLst>
           </p:cNvPr>
@@ -12486,7 +12486,7 @@
           <p:cNvPr id="10" name="직사각형 9">
             <a:extLst>
               <a:ext uri="{FF2B5EF4-FFF2-40B4-BE49-F238E27FC236}">
-                <a16:creationId xmlns:a16="http://schemas.microsoft.com/office/drawing/2014/main" id="{FFF506F9-840A-0508-4CAF-3AC711D8D5CE}"/>
+                <a16:creationId xmlns:a16="http://schemas.microsoft.com/office/drawing/2014/main" xmlns="" id="{FFF506F9-840A-0508-4CAF-3AC711D8D5CE}"/>
               </a:ext>
             </a:extLst>
           </p:cNvPr>
@@ -12538,7 +12538,7 @@
           <p:cNvPr id="11" name="직사각형 10">
             <a:extLst>
               <a:ext uri="{FF2B5EF4-FFF2-40B4-BE49-F238E27FC236}">
-                <a16:creationId xmlns:a16="http://schemas.microsoft.com/office/drawing/2014/main" id="{FFF506F9-840A-0508-4CAF-3AC711D8D5CE}"/>
+                <a16:creationId xmlns:a16="http://schemas.microsoft.com/office/drawing/2014/main" xmlns="" id="{FFF506F9-840A-0508-4CAF-3AC711D8D5CE}"/>
               </a:ext>
             </a:extLst>
           </p:cNvPr>
@@ -12590,7 +12590,7 @@
           <p:cNvPr id="12" name="직선 화살표 연결선 11">
             <a:extLst>
               <a:ext uri="{FF2B5EF4-FFF2-40B4-BE49-F238E27FC236}">
-                <a16:creationId xmlns:a16="http://schemas.microsoft.com/office/drawing/2014/main" id="{299DF5EC-9DF4-5255-06AC-0A7CE4FF58C3}"/>
+                <a16:creationId xmlns:a16="http://schemas.microsoft.com/office/drawing/2014/main" xmlns="" id="{299DF5EC-9DF4-5255-06AC-0A7CE4FF58C3}"/>
               </a:ext>
             </a:extLst>
           </p:cNvPr>
@@ -12631,7 +12631,7 @@
           <p:cNvPr id="14" name="TextBox 13">
             <a:extLst>
               <a:ext uri="{FF2B5EF4-FFF2-40B4-BE49-F238E27FC236}">
-                <a16:creationId xmlns:a16="http://schemas.microsoft.com/office/drawing/2014/main" id="{C6D113C6-EA5C-788F-0C77-E7CE6EBB865F}"/>
+                <a16:creationId xmlns:a16="http://schemas.microsoft.com/office/drawing/2014/main" xmlns="" id="{C6D113C6-EA5C-788F-0C77-E7CE6EBB865F}"/>
               </a:ext>
             </a:extLst>
           </p:cNvPr>
@@ -12679,7 +12679,7 @@
           <p:cNvPr id="15" name="TextBox 14">
             <a:extLst>
               <a:ext uri="{FF2B5EF4-FFF2-40B4-BE49-F238E27FC236}">
-                <a16:creationId xmlns:a16="http://schemas.microsoft.com/office/drawing/2014/main" id="{C6D113C6-EA5C-788F-0C77-E7CE6EBB865F}"/>
+                <a16:creationId xmlns:a16="http://schemas.microsoft.com/office/drawing/2014/main" xmlns="" id="{C6D113C6-EA5C-788F-0C77-E7CE6EBB865F}"/>
               </a:ext>
             </a:extLst>
           </p:cNvPr>
@@ -12727,7 +12727,7 @@
           <p:cNvPr id="16" name="직선 화살표 연결선 15">
             <a:extLst>
               <a:ext uri="{FF2B5EF4-FFF2-40B4-BE49-F238E27FC236}">
-                <a16:creationId xmlns:a16="http://schemas.microsoft.com/office/drawing/2014/main" id="{299DF5EC-9DF4-5255-06AC-0A7CE4FF58C3}"/>
+                <a16:creationId xmlns:a16="http://schemas.microsoft.com/office/drawing/2014/main" xmlns="" id="{299DF5EC-9DF4-5255-06AC-0A7CE4FF58C3}"/>
               </a:ext>
             </a:extLst>
           </p:cNvPr>
@@ -12971,7 +12971,7 @@
           <p:cNvPr id="11" name="TextBox 10">
             <a:extLst>
               <a:ext uri="{FF2B5EF4-FFF2-40B4-BE49-F238E27FC236}">
-                <a16:creationId xmlns:a16="http://schemas.microsoft.com/office/drawing/2014/main" id="{9F88F580-08BE-88C2-D640-13F0026591CB}"/>
+                <a16:creationId xmlns:a16="http://schemas.microsoft.com/office/drawing/2014/main" xmlns="" id="{9F88F580-08BE-88C2-D640-13F0026591CB}"/>
               </a:ext>
             </a:extLst>
           </p:cNvPr>
@@ -13022,7 +13022,7 @@
           <p:cNvPr id="13" name="TextBox 12">
             <a:extLst>
               <a:ext uri="{FF2B5EF4-FFF2-40B4-BE49-F238E27FC236}">
-                <a16:creationId xmlns:a16="http://schemas.microsoft.com/office/drawing/2014/main" id="{72769C28-9BB6-DE9C-7B6F-264B77B8DD0E}"/>
+                <a16:creationId xmlns:a16="http://schemas.microsoft.com/office/drawing/2014/main" xmlns="" id="{72769C28-9BB6-DE9C-7B6F-264B77B8DD0E}"/>
               </a:ext>
             </a:extLst>
           </p:cNvPr>
@@ -13063,7 +13063,7 @@
           <p:cNvPr id="14" name="TextBox 13">
             <a:extLst>
               <a:ext uri="{FF2B5EF4-FFF2-40B4-BE49-F238E27FC236}">
-                <a16:creationId xmlns:a16="http://schemas.microsoft.com/office/drawing/2014/main" id="{270FBB6A-01CE-5637-78DA-58F0C974145C}"/>
+                <a16:creationId xmlns:a16="http://schemas.microsoft.com/office/drawing/2014/main" xmlns="" id="{270FBB6A-01CE-5637-78DA-58F0C974145C}"/>
               </a:ext>
             </a:extLst>
           </p:cNvPr>
@@ -13111,7 +13111,7 @@
           <p:cNvPr id="2" name="Object 17">
             <a:extLst>
               <a:ext uri="{FF2B5EF4-FFF2-40B4-BE49-F238E27FC236}">
-                <a16:creationId xmlns:a16="http://schemas.microsoft.com/office/drawing/2014/main" id="{140B283D-FE58-FA6F-6F7C-E0F1DBB62A65}"/>
+                <a16:creationId xmlns:a16="http://schemas.microsoft.com/office/drawing/2014/main" xmlns="" id="{140B283D-FE58-FA6F-6F7C-E0F1DBB62A65}"/>
               </a:ext>
             </a:extLst>
           </p:cNvPr>
@@ -13141,7 +13141,7 @@
           <p:cNvPr id="4" name="TextBox 3">
             <a:extLst>
               <a:ext uri="{FF2B5EF4-FFF2-40B4-BE49-F238E27FC236}">
-                <a16:creationId xmlns:a16="http://schemas.microsoft.com/office/drawing/2014/main" id="{2C8D0998-79BC-6FD2-59D9-8052B4A25F65}"/>
+                <a16:creationId xmlns:a16="http://schemas.microsoft.com/office/drawing/2014/main" xmlns="" id="{2C8D0998-79BC-6FD2-59D9-8052B4A25F65}"/>
               </a:ext>
             </a:extLst>
           </p:cNvPr>
@@ -13182,7 +13182,7 @@
           <p:cNvPr id="5" name="Object 18">
             <a:extLst>
               <a:ext uri="{FF2B5EF4-FFF2-40B4-BE49-F238E27FC236}">
-                <a16:creationId xmlns:a16="http://schemas.microsoft.com/office/drawing/2014/main" id="{3F58EA3E-1018-64D3-FAB2-4F6B9618FA56}"/>
+                <a16:creationId xmlns:a16="http://schemas.microsoft.com/office/drawing/2014/main" xmlns="" id="{3F58EA3E-1018-64D3-FAB2-4F6B9618FA56}"/>
               </a:ext>
             </a:extLst>
           </p:cNvPr>
@@ -13212,7 +13212,7 @@
           <p:cNvPr id="8" name="TextBox 7">
             <a:extLst>
               <a:ext uri="{FF2B5EF4-FFF2-40B4-BE49-F238E27FC236}">
-                <a16:creationId xmlns:a16="http://schemas.microsoft.com/office/drawing/2014/main" id="{681D3F16-7DCF-41AD-F5F1-0558C78C0E4D}"/>
+                <a16:creationId xmlns:a16="http://schemas.microsoft.com/office/drawing/2014/main" xmlns="" id="{681D3F16-7DCF-41AD-F5F1-0558C78C0E4D}"/>
               </a:ext>
             </a:extLst>
           </p:cNvPr>
@@ -13285,7 +13285,7 @@
           <p:cNvPr id="4" name="TextBox 3">
             <a:extLst>
               <a:ext uri="{FF2B5EF4-FFF2-40B4-BE49-F238E27FC236}">
-                <a16:creationId xmlns:a16="http://schemas.microsoft.com/office/drawing/2014/main" id="{AAA7A62B-B663-9BB3-853E-37554E612635}"/>
+                <a16:creationId xmlns:a16="http://schemas.microsoft.com/office/drawing/2014/main" xmlns="" id="{AAA7A62B-B663-9BB3-853E-37554E612635}"/>
               </a:ext>
             </a:extLst>
           </p:cNvPr>
@@ -13391,7 +13391,7 @@
           <p:cNvPr id="7" name="TextBox 6">
             <a:extLst>
               <a:ext uri="{FF2B5EF4-FFF2-40B4-BE49-F238E27FC236}">
-                <a16:creationId xmlns:a16="http://schemas.microsoft.com/office/drawing/2014/main" id="{C6D113C6-EA5C-788F-0C77-E7CE6EBB865F}"/>
+                <a16:creationId xmlns:a16="http://schemas.microsoft.com/office/drawing/2014/main" xmlns="" id="{C6D113C6-EA5C-788F-0C77-E7CE6EBB865F}"/>
               </a:ext>
             </a:extLst>
           </p:cNvPr>
@@ -13482,7 +13482,7 @@
           <p:cNvPr id="3" name="그림 2">
             <a:extLst>
               <a:ext uri="{FF2B5EF4-FFF2-40B4-BE49-F238E27FC236}">
-                <a16:creationId xmlns:a16="http://schemas.microsoft.com/office/drawing/2014/main" id="{C51CB23B-D151-B405-7C38-7A547E2BC2B9}"/>
+                <a16:creationId xmlns:a16="http://schemas.microsoft.com/office/drawing/2014/main" xmlns="" id="{C51CB23B-D151-B405-7C38-7A547E2BC2B9}"/>
               </a:ext>
             </a:extLst>
           </p:cNvPr>
@@ -13512,7 +13512,7 @@
           <p:cNvPr id="9" name="그림 8">
             <a:extLst>
               <a:ext uri="{FF2B5EF4-FFF2-40B4-BE49-F238E27FC236}">
-                <a16:creationId xmlns:a16="http://schemas.microsoft.com/office/drawing/2014/main" id="{7D610FE0-1B3C-8685-E698-C503F01B23A8}"/>
+                <a16:creationId xmlns:a16="http://schemas.microsoft.com/office/drawing/2014/main" xmlns="" id="{7D610FE0-1B3C-8685-E698-C503F01B23A8}"/>
               </a:ext>
             </a:extLst>
           </p:cNvPr>
@@ -13767,7 +13767,7 @@
           <p:cNvPr id="2" name="TextBox 1">
             <a:extLst>
               <a:ext uri="{FF2B5EF4-FFF2-40B4-BE49-F238E27FC236}">
-                <a16:creationId xmlns:a16="http://schemas.microsoft.com/office/drawing/2014/main" id="{AAA7A62B-B663-9BB3-853E-37554E612635}"/>
+                <a16:creationId xmlns:a16="http://schemas.microsoft.com/office/drawing/2014/main" xmlns="" id="{AAA7A62B-B663-9BB3-853E-37554E612635}"/>
               </a:ext>
             </a:extLst>
           </p:cNvPr>
@@ -13869,7 +13869,7 @@
           <p:cNvPr id="4" name="그룹 1008">
             <a:extLst>
               <a:ext uri="{FF2B5EF4-FFF2-40B4-BE49-F238E27FC236}">
-                <a16:creationId xmlns:a16="http://schemas.microsoft.com/office/drawing/2014/main" id="{678F6342-C505-E8AD-ADA4-022CB2C2088E}"/>
+                <a16:creationId xmlns:a16="http://schemas.microsoft.com/office/drawing/2014/main" xmlns="" id="{678F6342-C505-E8AD-ADA4-022CB2C2088E}"/>
               </a:ext>
             </a:extLst>
           </p:cNvPr>
@@ -13889,7 +13889,7 @@
             <p:cNvPr id="5" name="그룹 1009">
               <a:extLst>
                 <a:ext uri="{FF2B5EF4-FFF2-40B4-BE49-F238E27FC236}">
-                  <a16:creationId xmlns:a16="http://schemas.microsoft.com/office/drawing/2014/main" id="{4E1F1FED-812B-9BBB-925A-84B54A077414}"/>
+                  <a16:creationId xmlns:a16="http://schemas.microsoft.com/office/drawing/2014/main" xmlns="" id="{4E1F1FED-812B-9BBB-925A-84B54A077414}"/>
                 </a:ext>
               </a:extLst>
             </p:cNvPr>
@@ -13909,7 +13909,7 @@
               <p:cNvPr id="10" name="Object 29">
                 <a:extLst>
                   <a:ext uri="{FF2B5EF4-FFF2-40B4-BE49-F238E27FC236}">
-                    <a16:creationId xmlns:a16="http://schemas.microsoft.com/office/drawing/2014/main" id="{7B078609-4286-7B00-51EB-809C8E2DE289}"/>
+                    <a16:creationId xmlns:a16="http://schemas.microsoft.com/office/drawing/2014/main" xmlns="" id="{7B078609-4286-7B00-51EB-809C8E2DE289}"/>
                   </a:ext>
                 </a:extLst>
               </p:cNvPr>
@@ -13940,7 +13940,7 @@
             <p:cNvPr id="6" name="그룹 1010">
               <a:extLst>
                 <a:ext uri="{FF2B5EF4-FFF2-40B4-BE49-F238E27FC236}">
-                  <a16:creationId xmlns:a16="http://schemas.microsoft.com/office/drawing/2014/main" id="{02A649BF-B5B5-FBAF-7DFD-E118A4DF8907}"/>
+                  <a16:creationId xmlns:a16="http://schemas.microsoft.com/office/drawing/2014/main" xmlns="" id="{02A649BF-B5B5-FBAF-7DFD-E118A4DF8907}"/>
                 </a:ext>
               </a:extLst>
             </p:cNvPr>
@@ -13960,7 +13960,7 @@
               <p:cNvPr id="9" name="Object 32">
                 <a:extLst>
                   <a:ext uri="{FF2B5EF4-FFF2-40B4-BE49-F238E27FC236}">
-                    <a16:creationId xmlns:a16="http://schemas.microsoft.com/office/drawing/2014/main" id="{2A0FFF23-B3C9-3EA0-1C1B-A87D4FF098AE}"/>
+                    <a16:creationId xmlns:a16="http://schemas.microsoft.com/office/drawing/2014/main" xmlns="" id="{2A0FFF23-B3C9-3EA0-1C1B-A87D4FF098AE}"/>
                   </a:ext>
                 </a:extLst>
               </p:cNvPr>
@@ -13991,7 +13991,7 @@
             <p:cNvPr id="7" name="그룹 1011">
               <a:extLst>
                 <a:ext uri="{FF2B5EF4-FFF2-40B4-BE49-F238E27FC236}">
-                  <a16:creationId xmlns:a16="http://schemas.microsoft.com/office/drawing/2014/main" id="{881F5410-F7FB-F261-A584-707359BAC593}"/>
+                  <a16:creationId xmlns:a16="http://schemas.microsoft.com/office/drawing/2014/main" xmlns="" id="{881F5410-F7FB-F261-A584-707359BAC593}"/>
                 </a:ext>
               </a:extLst>
             </p:cNvPr>
@@ -14011,7 +14011,7 @@
               <p:cNvPr id="8" name="Object 35">
                 <a:extLst>
                   <a:ext uri="{FF2B5EF4-FFF2-40B4-BE49-F238E27FC236}">
-                    <a16:creationId xmlns:a16="http://schemas.microsoft.com/office/drawing/2014/main" id="{4E99E669-73EB-F9F4-EFE8-DC107035C265}"/>
+                    <a16:creationId xmlns:a16="http://schemas.microsoft.com/office/drawing/2014/main" xmlns="" id="{4E99E669-73EB-F9F4-EFE8-DC107035C265}"/>
                   </a:ext>
                 </a:extLst>
               </p:cNvPr>
@@ -14043,7 +14043,7 @@
           <p:cNvPr id="11" name="TextBox 10">
             <a:extLst>
               <a:ext uri="{FF2B5EF4-FFF2-40B4-BE49-F238E27FC236}">
-                <a16:creationId xmlns:a16="http://schemas.microsoft.com/office/drawing/2014/main" id="{C6D113C6-EA5C-788F-0C77-E7CE6EBB865F}"/>
+                <a16:creationId xmlns:a16="http://schemas.microsoft.com/office/drawing/2014/main" xmlns="" id="{C6D113C6-EA5C-788F-0C77-E7CE6EBB865F}"/>
               </a:ext>
             </a:extLst>
           </p:cNvPr>
@@ -14155,7 +14155,7 @@
           <p:cNvPr id="13" name="TextBox 12">
             <a:extLst>
               <a:ext uri="{FF2B5EF4-FFF2-40B4-BE49-F238E27FC236}">
-                <a16:creationId xmlns:a16="http://schemas.microsoft.com/office/drawing/2014/main" id="{C6D113C6-EA5C-788F-0C77-E7CE6EBB865F}"/>
+                <a16:creationId xmlns:a16="http://schemas.microsoft.com/office/drawing/2014/main" xmlns="" id="{C6D113C6-EA5C-788F-0C77-E7CE6EBB865F}"/>
               </a:ext>
             </a:extLst>
           </p:cNvPr>
@@ -14403,7 +14403,7 @@
           <p:cNvPr id="4" name="Object 1">
             <a:extLst>
               <a:ext uri="{FF2B5EF4-FFF2-40B4-BE49-F238E27FC236}">
-                <a16:creationId xmlns:a16="http://schemas.microsoft.com/office/drawing/2014/main" id="{B0329035-BE76-33A8-0F2E-44624FCC1DED}"/>
+                <a16:creationId xmlns:a16="http://schemas.microsoft.com/office/drawing/2014/main" xmlns="" id="{B0329035-BE76-33A8-0F2E-44624FCC1DED}"/>
               </a:ext>
             </a:extLst>
           </p:cNvPr>
@@ -14433,7 +14433,7 @@
           <p:cNvPr id="7" name="그룹 1001">
             <a:extLst>
               <a:ext uri="{FF2B5EF4-FFF2-40B4-BE49-F238E27FC236}">
-                <a16:creationId xmlns:a16="http://schemas.microsoft.com/office/drawing/2014/main" id="{CD24CE9D-AC18-B6CD-F397-7E8E03D6FE26}"/>
+                <a16:creationId xmlns:a16="http://schemas.microsoft.com/office/drawing/2014/main" xmlns="" id="{CD24CE9D-AC18-B6CD-F397-7E8E03D6FE26}"/>
               </a:ext>
             </a:extLst>
           </p:cNvPr>
@@ -14453,7 +14453,7 @@
             <p:cNvPr id="8" name="Object 5">
               <a:extLst>
                 <a:ext uri="{FF2B5EF4-FFF2-40B4-BE49-F238E27FC236}">
-                  <a16:creationId xmlns:a16="http://schemas.microsoft.com/office/drawing/2014/main" id="{0EEF25E8-3BA8-EBAA-6DC2-66D70C3F9F4D}"/>
+                  <a16:creationId xmlns:a16="http://schemas.microsoft.com/office/drawing/2014/main" xmlns="" id="{0EEF25E8-3BA8-EBAA-6DC2-66D70C3F9F4D}"/>
                 </a:ext>
               </a:extLst>
             </p:cNvPr>
@@ -14484,7 +14484,7 @@
           <p:cNvPr id="9" name="그룹 1002">
             <a:extLst>
               <a:ext uri="{FF2B5EF4-FFF2-40B4-BE49-F238E27FC236}">
-                <a16:creationId xmlns:a16="http://schemas.microsoft.com/office/drawing/2014/main" id="{0F281BC9-DE1F-D1FE-E64C-C4640398F00C}"/>
+                <a16:creationId xmlns:a16="http://schemas.microsoft.com/office/drawing/2014/main" xmlns="" id="{0F281BC9-DE1F-D1FE-E64C-C4640398F00C}"/>
               </a:ext>
             </a:extLst>
           </p:cNvPr>
@@ -14504,7 +14504,7 @@
             <p:cNvPr id="10" name="Object 8">
               <a:extLst>
                 <a:ext uri="{FF2B5EF4-FFF2-40B4-BE49-F238E27FC236}">
-                  <a16:creationId xmlns:a16="http://schemas.microsoft.com/office/drawing/2014/main" id="{F669DCEF-04BB-7046-3F7F-5B513213556E}"/>
+                  <a16:creationId xmlns:a16="http://schemas.microsoft.com/office/drawing/2014/main" xmlns="" id="{F669DCEF-04BB-7046-3F7F-5B513213556E}"/>
                 </a:ext>
               </a:extLst>
             </p:cNvPr>
@@ -14535,7 +14535,7 @@
           <p:cNvPr id="11" name="그룹 1003">
             <a:extLst>
               <a:ext uri="{FF2B5EF4-FFF2-40B4-BE49-F238E27FC236}">
-                <a16:creationId xmlns:a16="http://schemas.microsoft.com/office/drawing/2014/main" id="{1F91EEF9-13EA-BB7F-B056-D35E7DB989AC}"/>
+                <a16:creationId xmlns:a16="http://schemas.microsoft.com/office/drawing/2014/main" xmlns="" id="{1F91EEF9-13EA-BB7F-B056-D35E7DB989AC}"/>
               </a:ext>
             </a:extLst>
           </p:cNvPr>
@@ -14555,7 +14555,7 @@
             <p:cNvPr id="12" name="Object 11">
               <a:extLst>
                 <a:ext uri="{FF2B5EF4-FFF2-40B4-BE49-F238E27FC236}">
-                  <a16:creationId xmlns:a16="http://schemas.microsoft.com/office/drawing/2014/main" id="{2CFFB217-AEFB-2C9E-5F86-6EE19510FFC6}"/>
+                  <a16:creationId xmlns:a16="http://schemas.microsoft.com/office/drawing/2014/main" xmlns="" id="{2CFFB217-AEFB-2C9E-5F86-6EE19510FFC6}"/>
                 </a:ext>
               </a:extLst>
             </p:cNvPr>
@@ -14586,7 +14586,7 @@
           <p:cNvPr id="13" name="그룹 1004">
             <a:extLst>
               <a:ext uri="{FF2B5EF4-FFF2-40B4-BE49-F238E27FC236}">
-                <a16:creationId xmlns:a16="http://schemas.microsoft.com/office/drawing/2014/main" id="{123B9C7E-94E8-E7E1-81BE-D59EA0299187}"/>
+                <a16:creationId xmlns:a16="http://schemas.microsoft.com/office/drawing/2014/main" xmlns="" id="{123B9C7E-94E8-E7E1-81BE-D59EA0299187}"/>
               </a:ext>
             </a:extLst>
           </p:cNvPr>
@@ -14606,7 +14606,7 @@
             <p:cNvPr id="14" name="Object 14">
               <a:extLst>
                 <a:ext uri="{FF2B5EF4-FFF2-40B4-BE49-F238E27FC236}">
-                  <a16:creationId xmlns:a16="http://schemas.microsoft.com/office/drawing/2014/main" id="{B6291552-2D89-A79F-7ACD-EA0EF9A4C389}"/>
+                  <a16:creationId xmlns:a16="http://schemas.microsoft.com/office/drawing/2014/main" xmlns="" id="{B6291552-2D89-A79F-7ACD-EA0EF9A4C389}"/>
                 </a:ext>
               </a:extLst>
             </p:cNvPr>
@@ -14637,7 +14637,7 @@
           <p:cNvPr id="15" name="TextBox 14">
             <a:extLst>
               <a:ext uri="{FF2B5EF4-FFF2-40B4-BE49-F238E27FC236}">
-                <a16:creationId xmlns:a16="http://schemas.microsoft.com/office/drawing/2014/main" id="{7D99763A-FC24-23F5-5BA9-D7B042E0F323}"/>
+                <a16:creationId xmlns:a16="http://schemas.microsoft.com/office/drawing/2014/main" xmlns="" id="{7D99763A-FC24-23F5-5BA9-D7B042E0F323}"/>
               </a:ext>
             </a:extLst>
           </p:cNvPr>
@@ -14715,7 +14715,7 @@
           <p:cNvPr id="4" name="TextBox 3">
             <a:extLst>
               <a:ext uri="{FF2B5EF4-FFF2-40B4-BE49-F238E27FC236}">
-                <a16:creationId xmlns:a16="http://schemas.microsoft.com/office/drawing/2014/main" id="{AAA7A62B-B663-9BB3-853E-37554E612635}"/>
+                <a16:creationId xmlns:a16="http://schemas.microsoft.com/office/drawing/2014/main" xmlns="" id="{AAA7A62B-B663-9BB3-853E-37554E612635}"/>
               </a:ext>
             </a:extLst>
           </p:cNvPr>
@@ -14868,21 +14868,21 @@
                 <a:gridCol w="1295400">
                   <a:extLst>
                     <a:ext uri="{9D8B030D-6E8A-4147-A177-3AD203B41FA5}">
-                      <a16:colId xmlns:a16="http://schemas.microsoft.com/office/drawing/2014/main" val="20000"/>
+                      <a16:colId xmlns:a16="http://schemas.microsoft.com/office/drawing/2014/main" xmlns="" val="20000"/>
                     </a:ext>
                   </a:extLst>
                 </a:gridCol>
                 <a:gridCol w="1066800">
                   <a:extLst>
                     <a:ext uri="{9D8B030D-6E8A-4147-A177-3AD203B41FA5}">
-                      <a16:colId xmlns:a16="http://schemas.microsoft.com/office/drawing/2014/main" val="20001"/>
+                      <a16:colId xmlns:a16="http://schemas.microsoft.com/office/drawing/2014/main" xmlns="" val="20001"/>
                     </a:ext>
                   </a:extLst>
                 </a:gridCol>
                 <a:gridCol w="1066800">
                   <a:extLst>
                     <a:ext uri="{9D8B030D-6E8A-4147-A177-3AD203B41FA5}">
-                      <a16:colId xmlns:a16="http://schemas.microsoft.com/office/drawing/2014/main" val="20002"/>
+                      <a16:colId xmlns:a16="http://schemas.microsoft.com/office/drawing/2014/main" xmlns="" val="20002"/>
                     </a:ext>
                   </a:extLst>
                 </a:gridCol>
@@ -15107,7 +15107,7 @@
                 </a:tc>
                 <a:extLst>
                   <a:ext uri="{0D108BD9-81ED-4DB2-BD59-A6C34878D82A}">
-                    <a16:rowId xmlns:a16="http://schemas.microsoft.com/office/drawing/2014/main" val="10000"/>
+                    <a16:rowId xmlns:a16="http://schemas.microsoft.com/office/drawing/2014/main" xmlns="" val="10000"/>
                   </a:ext>
                 </a:extLst>
               </a:tr>
@@ -15331,7 +15331,7 @@
                 </a:tc>
                 <a:extLst>
                   <a:ext uri="{0D108BD9-81ED-4DB2-BD59-A6C34878D82A}">
-                    <a16:rowId xmlns:a16="http://schemas.microsoft.com/office/drawing/2014/main" val="10001"/>
+                    <a16:rowId xmlns:a16="http://schemas.microsoft.com/office/drawing/2014/main" xmlns="" val="10001"/>
                   </a:ext>
                 </a:extLst>
               </a:tr>
@@ -15555,7 +15555,7 @@
                 </a:tc>
                 <a:extLst>
                   <a:ext uri="{0D108BD9-81ED-4DB2-BD59-A6C34878D82A}">
-                    <a16:rowId xmlns:a16="http://schemas.microsoft.com/office/drawing/2014/main" val="10002"/>
+                    <a16:rowId xmlns:a16="http://schemas.microsoft.com/office/drawing/2014/main" xmlns="" val="10002"/>
                   </a:ext>
                 </a:extLst>
               </a:tr>
@@ -15779,7 +15779,7 @@
                 </a:tc>
                 <a:extLst>
                   <a:ext uri="{0D108BD9-81ED-4DB2-BD59-A6C34878D82A}">
-                    <a16:rowId xmlns:a16="http://schemas.microsoft.com/office/drawing/2014/main" val="10003"/>
+                    <a16:rowId xmlns:a16="http://schemas.microsoft.com/office/drawing/2014/main" xmlns="" val="10003"/>
                   </a:ext>
                 </a:extLst>
               </a:tr>
@@ -16003,7 +16003,7 @@
                 </a:tc>
                 <a:extLst>
                   <a:ext uri="{0D108BD9-81ED-4DB2-BD59-A6C34878D82A}">
-                    <a16:rowId xmlns:a16="http://schemas.microsoft.com/office/drawing/2014/main" val="10004"/>
+                    <a16:rowId xmlns:a16="http://schemas.microsoft.com/office/drawing/2014/main" xmlns="" val="10004"/>
                   </a:ext>
                 </a:extLst>
               </a:tr>
@@ -16016,7 +16016,7 @@
           <p:cNvPr id="9" name="TextBox 8">
             <a:extLst>
               <a:ext uri="{FF2B5EF4-FFF2-40B4-BE49-F238E27FC236}">
-                <a16:creationId xmlns:a16="http://schemas.microsoft.com/office/drawing/2014/main" id="{C6D113C6-EA5C-788F-0C77-E7CE6EBB865F}"/>
+                <a16:creationId xmlns:a16="http://schemas.microsoft.com/office/drawing/2014/main" xmlns="" id="{C6D113C6-EA5C-788F-0C77-E7CE6EBB865F}"/>
               </a:ext>
             </a:extLst>
           </p:cNvPr>
@@ -16104,7 +16104,7 @@
           <p:cNvPr id="10" name="TextBox 9">
             <a:extLst>
               <a:ext uri="{FF2B5EF4-FFF2-40B4-BE49-F238E27FC236}">
-                <a16:creationId xmlns:a16="http://schemas.microsoft.com/office/drawing/2014/main" id="{C6D113C6-EA5C-788F-0C77-E7CE6EBB865F}"/>
+                <a16:creationId xmlns:a16="http://schemas.microsoft.com/office/drawing/2014/main" xmlns="" id="{C6D113C6-EA5C-788F-0C77-E7CE6EBB865F}"/>
               </a:ext>
             </a:extLst>
           </p:cNvPr>
@@ -16162,7 +16162,7 @@
           <p:cNvPr id="11" name="TextBox 10">
             <a:extLst>
               <a:ext uri="{FF2B5EF4-FFF2-40B4-BE49-F238E27FC236}">
-                <a16:creationId xmlns:a16="http://schemas.microsoft.com/office/drawing/2014/main" id="{C6D113C6-EA5C-788F-0C77-E7CE6EBB865F}"/>
+                <a16:creationId xmlns:a16="http://schemas.microsoft.com/office/drawing/2014/main" xmlns="" id="{C6D113C6-EA5C-788F-0C77-E7CE6EBB865F}"/>
               </a:ext>
             </a:extLst>
           </p:cNvPr>
@@ -16220,7 +16220,7 @@
           <p:cNvPr id="12" name="TextBox 11">
             <a:extLst>
               <a:ext uri="{FF2B5EF4-FFF2-40B4-BE49-F238E27FC236}">
-                <a16:creationId xmlns:a16="http://schemas.microsoft.com/office/drawing/2014/main" id="{AAA7A62B-B663-9BB3-853E-37554E612635}"/>
+                <a16:creationId xmlns:a16="http://schemas.microsoft.com/office/drawing/2014/main" xmlns="" id="{AAA7A62B-B663-9BB3-853E-37554E612635}"/>
               </a:ext>
             </a:extLst>
           </p:cNvPr>
@@ -16268,7 +16268,7 @@
           <p:cNvPr id="13" name="TextBox 12">
             <a:extLst>
               <a:ext uri="{FF2B5EF4-FFF2-40B4-BE49-F238E27FC236}">
-                <a16:creationId xmlns:a16="http://schemas.microsoft.com/office/drawing/2014/main" id="{AAA7A62B-B663-9BB3-853E-37554E612635}"/>
+                <a16:creationId xmlns:a16="http://schemas.microsoft.com/office/drawing/2014/main" xmlns="" id="{AAA7A62B-B663-9BB3-853E-37554E612635}"/>
               </a:ext>
             </a:extLst>
           </p:cNvPr>
@@ -16316,7 +16316,7 @@
           <p:cNvPr id="14" name="TextBox 13">
             <a:extLst>
               <a:ext uri="{FF2B5EF4-FFF2-40B4-BE49-F238E27FC236}">
-                <a16:creationId xmlns:a16="http://schemas.microsoft.com/office/drawing/2014/main" id="{AAA7A62B-B663-9BB3-853E-37554E612635}"/>
+                <a16:creationId xmlns:a16="http://schemas.microsoft.com/office/drawing/2014/main" xmlns="" id="{AAA7A62B-B663-9BB3-853E-37554E612635}"/>
               </a:ext>
             </a:extLst>
           </p:cNvPr>
@@ -16364,7 +16364,7 @@
           <p:cNvPr id="15" name="TextBox 14">
             <a:extLst>
               <a:ext uri="{FF2B5EF4-FFF2-40B4-BE49-F238E27FC236}">
-                <a16:creationId xmlns:a16="http://schemas.microsoft.com/office/drawing/2014/main" id="{AAA7A62B-B663-9BB3-853E-37554E612635}"/>
+                <a16:creationId xmlns:a16="http://schemas.microsoft.com/office/drawing/2014/main" xmlns="" id="{AAA7A62B-B663-9BB3-853E-37554E612635}"/>
               </a:ext>
             </a:extLst>
           </p:cNvPr>
@@ -16412,7 +16412,7 @@
           <p:cNvPr id="16" name="TextBox 15">
             <a:extLst>
               <a:ext uri="{FF2B5EF4-FFF2-40B4-BE49-F238E27FC236}">
-                <a16:creationId xmlns:a16="http://schemas.microsoft.com/office/drawing/2014/main" id="{AAA7A62B-B663-9BB3-853E-37554E612635}"/>
+                <a16:creationId xmlns:a16="http://schemas.microsoft.com/office/drawing/2014/main" xmlns="" id="{AAA7A62B-B663-9BB3-853E-37554E612635}"/>
               </a:ext>
             </a:extLst>
           </p:cNvPr>
@@ -16719,21 +16719,21 @@
                 <a:gridCol w="1295400">
                   <a:extLst>
                     <a:ext uri="{9D8B030D-6E8A-4147-A177-3AD203B41FA5}">
-                      <a16:colId xmlns:a16="http://schemas.microsoft.com/office/drawing/2014/main" val="20000"/>
+                      <a16:colId xmlns:a16="http://schemas.microsoft.com/office/drawing/2014/main" xmlns="" val="20000"/>
                     </a:ext>
                   </a:extLst>
                 </a:gridCol>
                 <a:gridCol w="1066800">
                   <a:extLst>
                     <a:ext uri="{9D8B030D-6E8A-4147-A177-3AD203B41FA5}">
-                      <a16:colId xmlns:a16="http://schemas.microsoft.com/office/drawing/2014/main" val="20001"/>
+                      <a16:colId xmlns:a16="http://schemas.microsoft.com/office/drawing/2014/main" xmlns="" val="20001"/>
                     </a:ext>
                   </a:extLst>
                 </a:gridCol>
                 <a:gridCol w="1066800">
                   <a:extLst>
                     <a:ext uri="{9D8B030D-6E8A-4147-A177-3AD203B41FA5}">
-                      <a16:colId xmlns:a16="http://schemas.microsoft.com/office/drawing/2014/main" val="20002"/>
+                      <a16:colId xmlns:a16="http://schemas.microsoft.com/office/drawing/2014/main" xmlns="" val="20002"/>
                     </a:ext>
                   </a:extLst>
                 </a:gridCol>
@@ -16958,7 +16958,7 @@
                 </a:tc>
                 <a:extLst>
                   <a:ext uri="{0D108BD9-81ED-4DB2-BD59-A6C34878D82A}">
-                    <a16:rowId xmlns:a16="http://schemas.microsoft.com/office/drawing/2014/main" val="10000"/>
+                    <a16:rowId xmlns:a16="http://schemas.microsoft.com/office/drawing/2014/main" xmlns="" val="10000"/>
                   </a:ext>
                 </a:extLst>
               </a:tr>
@@ -17182,7 +17182,7 @@
                 </a:tc>
                 <a:extLst>
                   <a:ext uri="{0D108BD9-81ED-4DB2-BD59-A6C34878D82A}">
-                    <a16:rowId xmlns:a16="http://schemas.microsoft.com/office/drawing/2014/main" val="10001"/>
+                    <a16:rowId xmlns:a16="http://schemas.microsoft.com/office/drawing/2014/main" xmlns="" val="10001"/>
                   </a:ext>
                 </a:extLst>
               </a:tr>
@@ -17400,7 +17400,7 @@
                 </a:tc>
                 <a:extLst>
                   <a:ext uri="{0D108BD9-81ED-4DB2-BD59-A6C34878D82A}">
-                    <a16:rowId xmlns:a16="http://schemas.microsoft.com/office/drawing/2014/main" val="10002"/>
+                    <a16:rowId xmlns:a16="http://schemas.microsoft.com/office/drawing/2014/main" xmlns="" val="10002"/>
                   </a:ext>
                 </a:extLst>
               </a:tr>
@@ -17624,7 +17624,7 @@
                 </a:tc>
                 <a:extLst>
                   <a:ext uri="{0D108BD9-81ED-4DB2-BD59-A6C34878D82A}">
-                    <a16:rowId xmlns:a16="http://schemas.microsoft.com/office/drawing/2014/main" val="10003"/>
+                    <a16:rowId xmlns:a16="http://schemas.microsoft.com/office/drawing/2014/main" xmlns="" val="10003"/>
                   </a:ext>
                 </a:extLst>
               </a:tr>
@@ -17848,7 +17848,7 @@
                 </a:tc>
                 <a:extLst>
                   <a:ext uri="{0D108BD9-81ED-4DB2-BD59-A6C34878D82A}">
-                    <a16:rowId xmlns:a16="http://schemas.microsoft.com/office/drawing/2014/main" val="10004"/>
+                    <a16:rowId xmlns:a16="http://schemas.microsoft.com/office/drawing/2014/main" xmlns="" val="10004"/>
                   </a:ext>
                 </a:extLst>
               </a:tr>
@@ -17861,7 +17861,7 @@
           <p:cNvPr id="5" name="TextBox 4">
             <a:extLst>
               <a:ext uri="{FF2B5EF4-FFF2-40B4-BE49-F238E27FC236}">
-                <a16:creationId xmlns:a16="http://schemas.microsoft.com/office/drawing/2014/main" id="{AAA7A62B-B663-9BB3-853E-37554E612635}"/>
+                <a16:creationId xmlns:a16="http://schemas.microsoft.com/office/drawing/2014/main" xmlns="" id="{AAA7A62B-B663-9BB3-853E-37554E612635}"/>
               </a:ext>
             </a:extLst>
           </p:cNvPr>
@@ -17929,7 +17929,7 @@
           <p:cNvPr id="6" name="TextBox 5">
             <a:extLst>
               <a:ext uri="{FF2B5EF4-FFF2-40B4-BE49-F238E27FC236}">
-                <a16:creationId xmlns:a16="http://schemas.microsoft.com/office/drawing/2014/main" id="{AAA7A62B-B663-9BB3-853E-37554E612635}"/>
+                <a16:creationId xmlns:a16="http://schemas.microsoft.com/office/drawing/2014/main" xmlns="" id="{AAA7A62B-B663-9BB3-853E-37554E612635}"/>
               </a:ext>
             </a:extLst>
           </p:cNvPr>
@@ -17977,7 +17977,7 @@
           <p:cNvPr id="7" name="직선 화살표 연결선 6">
             <a:extLst>
               <a:ext uri="{FF2B5EF4-FFF2-40B4-BE49-F238E27FC236}">
-                <a16:creationId xmlns:a16="http://schemas.microsoft.com/office/drawing/2014/main" id="{299DF5EC-9DF4-5255-06AC-0A7CE4FF58C3}"/>
+                <a16:creationId xmlns:a16="http://schemas.microsoft.com/office/drawing/2014/main" xmlns="" id="{299DF5EC-9DF4-5255-06AC-0A7CE4FF58C3}"/>
               </a:ext>
             </a:extLst>
           </p:cNvPr>
@@ -18153,7 +18153,7 @@
           <p:cNvPr id="4" name="TextBox 3">
             <a:extLst>
               <a:ext uri="{FF2B5EF4-FFF2-40B4-BE49-F238E27FC236}">
-                <a16:creationId xmlns:a16="http://schemas.microsoft.com/office/drawing/2014/main" id="{AAA7A62B-B663-9BB3-853E-37554E612635}"/>
+                <a16:creationId xmlns:a16="http://schemas.microsoft.com/office/drawing/2014/main" xmlns="" id="{AAA7A62B-B663-9BB3-853E-37554E612635}"/>
               </a:ext>
             </a:extLst>
           </p:cNvPr>
@@ -18234,21 +18234,21 @@
                 <a:gridCol w="1640840">
                   <a:extLst>
                     <a:ext uri="{9D8B030D-6E8A-4147-A177-3AD203B41FA5}">
-                      <a16:colId xmlns:a16="http://schemas.microsoft.com/office/drawing/2014/main" val="20000"/>
+                      <a16:colId xmlns:a16="http://schemas.microsoft.com/office/drawing/2014/main" xmlns="" val="20000"/>
                     </a:ext>
                   </a:extLst>
                 </a:gridCol>
                 <a:gridCol w="1351280">
                   <a:extLst>
                     <a:ext uri="{9D8B030D-6E8A-4147-A177-3AD203B41FA5}">
-                      <a16:colId xmlns:a16="http://schemas.microsoft.com/office/drawing/2014/main" val="20001"/>
+                      <a16:colId xmlns:a16="http://schemas.microsoft.com/office/drawing/2014/main" xmlns="" val="20001"/>
                     </a:ext>
                   </a:extLst>
                 </a:gridCol>
                 <a:gridCol w="1351280">
                   <a:extLst>
                     <a:ext uri="{9D8B030D-6E8A-4147-A177-3AD203B41FA5}">
-                      <a16:colId xmlns:a16="http://schemas.microsoft.com/office/drawing/2014/main" val="20002"/>
+                      <a16:colId xmlns:a16="http://schemas.microsoft.com/office/drawing/2014/main" xmlns="" val="20002"/>
                     </a:ext>
                   </a:extLst>
                 </a:gridCol>
@@ -18473,7 +18473,7 @@
                 </a:tc>
                 <a:extLst>
                   <a:ext uri="{0D108BD9-81ED-4DB2-BD59-A6C34878D82A}">
-                    <a16:rowId xmlns:a16="http://schemas.microsoft.com/office/drawing/2014/main" val="10000"/>
+                    <a16:rowId xmlns:a16="http://schemas.microsoft.com/office/drawing/2014/main" xmlns="" val="10000"/>
                   </a:ext>
                 </a:extLst>
               </a:tr>
@@ -18697,7 +18697,7 @@
                 </a:tc>
                 <a:extLst>
                   <a:ext uri="{0D108BD9-81ED-4DB2-BD59-A6C34878D82A}">
-                    <a16:rowId xmlns:a16="http://schemas.microsoft.com/office/drawing/2014/main" val="10001"/>
+                    <a16:rowId xmlns:a16="http://schemas.microsoft.com/office/drawing/2014/main" xmlns="" val="10001"/>
                   </a:ext>
                 </a:extLst>
               </a:tr>
@@ -18932,7 +18932,7 @@
           <p:cNvPr id="4" name="TextBox 3">
             <a:extLst>
               <a:ext uri="{FF2B5EF4-FFF2-40B4-BE49-F238E27FC236}">
-                <a16:creationId xmlns:a16="http://schemas.microsoft.com/office/drawing/2014/main" id="{AAA7A62B-B663-9BB3-853E-37554E612635}"/>
+                <a16:creationId xmlns:a16="http://schemas.microsoft.com/office/drawing/2014/main" xmlns="" id="{AAA7A62B-B663-9BB3-853E-37554E612635}"/>
               </a:ext>
             </a:extLst>
           </p:cNvPr>
@@ -19068,7 +19068,7 @@
           <p:cNvPr id="7" name="그룹 1008">
             <a:extLst>
               <a:ext uri="{FF2B5EF4-FFF2-40B4-BE49-F238E27FC236}">
-                <a16:creationId xmlns:a16="http://schemas.microsoft.com/office/drawing/2014/main" id="{678F6342-C505-E8AD-ADA4-022CB2C2088E}"/>
+                <a16:creationId xmlns:a16="http://schemas.microsoft.com/office/drawing/2014/main" xmlns="" id="{678F6342-C505-E8AD-ADA4-022CB2C2088E}"/>
               </a:ext>
             </a:extLst>
           </p:cNvPr>
@@ -19088,7 +19088,7 @@
             <p:cNvPr id="8" name="그룹 1009">
               <a:extLst>
                 <a:ext uri="{FF2B5EF4-FFF2-40B4-BE49-F238E27FC236}">
-                  <a16:creationId xmlns:a16="http://schemas.microsoft.com/office/drawing/2014/main" id="{4E1F1FED-812B-9BBB-925A-84B54A077414}"/>
+                  <a16:creationId xmlns:a16="http://schemas.microsoft.com/office/drawing/2014/main" xmlns="" id="{4E1F1FED-812B-9BBB-925A-84B54A077414}"/>
                 </a:ext>
               </a:extLst>
             </p:cNvPr>
@@ -19108,7 +19108,7 @@
               <p:cNvPr id="13" name="Object 29">
                 <a:extLst>
                   <a:ext uri="{FF2B5EF4-FFF2-40B4-BE49-F238E27FC236}">
-                    <a16:creationId xmlns:a16="http://schemas.microsoft.com/office/drawing/2014/main" id="{7B078609-4286-7B00-51EB-809C8E2DE289}"/>
+                    <a16:creationId xmlns:a16="http://schemas.microsoft.com/office/drawing/2014/main" xmlns="" id="{7B078609-4286-7B00-51EB-809C8E2DE289}"/>
                   </a:ext>
                 </a:extLst>
               </p:cNvPr>
@@ -19139,7 +19139,7 @@
             <p:cNvPr id="9" name="그룹 1010">
               <a:extLst>
                 <a:ext uri="{FF2B5EF4-FFF2-40B4-BE49-F238E27FC236}">
-                  <a16:creationId xmlns:a16="http://schemas.microsoft.com/office/drawing/2014/main" id="{02A649BF-B5B5-FBAF-7DFD-E118A4DF8907}"/>
+                  <a16:creationId xmlns:a16="http://schemas.microsoft.com/office/drawing/2014/main" xmlns="" id="{02A649BF-B5B5-FBAF-7DFD-E118A4DF8907}"/>
                 </a:ext>
               </a:extLst>
             </p:cNvPr>
@@ -19159,7 +19159,7 @@
               <p:cNvPr id="12" name="Object 32">
                 <a:extLst>
                   <a:ext uri="{FF2B5EF4-FFF2-40B4-BE49-F238E27FC236}">
-                    <a16:creationId xmlns:a16="http://schemas.microsoft.com/office/drawing/2014/main" id="{2A0FFF23-B3C9-3EA0-1C1B-A87D4FF098AE}"/>
+                    <a16:creationId xmlns:a16="http://schemas.microsoft.com/office/drawing/2014/main" xmlns="" id="{2A0FFF23-B3C9-3EA0-1C1B-A87D4FF098AE}"/>
                   </a:ext>
                 </a:extLst>
               </p:cNvPr>
@@ -19190,7 +19190,7 @@
             <p:cNvPr id="10" name="그룹 1011">
               <a:extLst>
                 <a:ext uri="{FF2B5EF4-FFF2-40B4-BE49-F238E27FC236}">
-                  <a16:creationId xmlns:a16="http://schemas.microsoft.com/office/drawing/2014/main" id="{881F5410-F7FB-F261-A584-707359BAC593}"/>
+                  <a16:creationId xmlns:a16="http://schemas.microsoft.com/office/drawing/2014/main" xmlns="" id="{881F5410-F7FB-F261-A584-707359BAC593}"/>
                 </a:ext>
               </a:extLst>
             </p:cNvPr>
@@ -19210,7 +19210,7 @@
               <p:cNvPr id="11" name="Object 35">
                 <a:extLst>
                   <a:ext uri="{FF2B5EF4-FFF2-40B4-BE49-F238E27FC236}">
-                    <a16:creationId xmlns:a16="http://schemas.microsoft.com/office/drawing/2014/main" id="{4E99E669-73EB-F9F4-EFE8-DC107035C265}"/>
+                    <a16:creationId xmlns:a16="http://schemas.microsoft.com/office/drawing/2014/main" xmlns="" id="{4E99E669-73EB-F9F4-EFE8-DC107035C265}"/>
                   </a:ext>
                 </a:extLst>
               </p:cNvPr>
@@ -19265,21 +19265,21 @@
                 <a:gridCol w="1295400">
                   <a:extLst>
                     <a:ext uri="{9D8B030D-6E8A-4147-A177-3AD203B41FA5}">
-                      <a16:colId xmlns:a16="http://schemas.microsoft.com/office/drawing/2014/main" val="20000"/>
+                      <a16:colId xmlns:a16="http://schemas.microsoft.com/office/drawing/2014/main" xmlns="" val="20000"/>
                     </a:ext>
                   </a:extLst>
                 </a:gridCol>
                 <a:gridCol w="1066800">
                   <a:extLst>
                     <a:ext uri="{9D8B030D-6E8A-4147-A177-3AD203B41FA5}">
-                      <a16:colId xmlns:a16="http://schemas.microsoft.com/office/drawing/2014/main" val="20001"/>
+                      <a16:colId xmlns:a16="http://schemas.microsoft.com/office/drawing/2014/main" xmlns="" val="20001"/>
                     </a:ext>
                   </a:extLst>
                 </a:gridCol>
                 <a:gridCol w="1066800">
                   <a:extLst>
                     <a:ext uri="{9D8B030D-6E8A-4147-A177-3AD203B41FA5}">
-                      <a16:colId xmlns:a16="http://schemas.microsoft.com/office/drawing/2014/main" val="20002"/>
+                      <a16:colId xmlns:a16="http://schemas.microsoft.com/office/drawing/2014/main" xmlns="" val="20002"/>
                     </a:ext>
                   </a:extLst>
                 </a:gridCol>
@@ -19506,7 +19506,7 @@
                 </a:tc>
                 <a:extLst>
                   <a:ext uri="{0D108BD9-81ED-4DB2-BD59-A6C34878D82A}">
-                    <a16:rowId xmlns:a16="http://schemas.microsoft.com/office/drawing/2014/main" val="10000"/>
+                    <a16:rowId xmlns:a16="http://schemas.microsoft.com/office/drawing/2014/main" xmlns="" val="10000"/>
                   </a:ext>
                 </a:extLst>
               </a:tr>
@@ -19732,7 +19732,7 @@
                 </a:tc>
                 <a:extLst>
                   <a:ext uri="{0D108BD9-81ED-4DB2-BD59-A6C34878D82A}">
-                    <a16:rowId xmlns:a16="http://schemas.microsoft.com/office/drawing/2014/main" val="10001"/>
+                    <a16:rowId xmlns:a16="http://schemas.microsoft.com/office/drawing/2014/main" xmlns="" val="10001"/>
                   </a:ext>
                 </a:extLst>
               </a:tr>
@@ -19958,7 +19958,7 @@
                 </a:tc>
                 <a:extLst>
                   <a:ext uri="{0D108BD9-81ED-4DB2-BD59-A6C34878D82A}">
-                    <a16:rowId xmlns:a16="http://schemas.microsoft.com/office/drawing/2014/main" val="10002"/>
+                    <a16:rowId xmlns:a16="http://schemas.microsoft.com/office/drawing/2014/main" xmlns="" val="10002"/>
                   </a:ext>
                 </a:extLst>
               </a:tr>
@@ -20184,7 +20184,7 @@
                 </a:tc>
                 <a:extLst>
                   <a:ext uri="{0D108BD9-81ED-4DB2-BD59-A6C34878D82A}">
-                    <a16:rowId xmlns:a16="http://schemas.microsoft.com/office/drawing/2014/main" val="10003"/>
+                    <a16:rowId xmlns:a16="http://schemas.microsoft.com/office/drawing/2014/main" xmlns="" val="10003"/>
                   </a:ext>
                 </a:extLst>
               </a:tr>
@@ -20410,7 +20410,7 @@
                 </a:tc>
                 <a:extLst>
                   <a:ext uri="{0D108BD9-81ED-4DB2-BD59-A6C34878D82A}">
-                    <a16:rowId xmlns:a16="http://schemas.microsoft.com/office/drawing/2014/main" val="10004"/>
+                    <a16:rowId xmlns:a16="http://schemas.microsoft.com/office/drawing/2014/main" xmlns="" val="10004"/>
                   </a:ext>
                 </a:extLst>
               </a:tr>
@@ -20471,7 +20471,7 @@
           <p:cNvPr id="18" name="그룹 1008">
             <a:extLst>
               <a:ext uri="{FF2B5EF4-FFF2-40B4-BE49-F238E27FC236}">
-                <a16:creationId xmlns:a16="http://schemas.microsoft.com/office/drawing/2014/main" id="{678F6342-C505-E8AD-ADA4-022CB2C2088E}"/>
+                <a16:creationId xmlns:a16="http://schemas.microsoft.com/office/drawing/2014/main" xmlns="" id="{678F6342-C505-E8AD-ADA4-022CB2C2088E}"/>
               </a:ext>
             </a:extLst>
           </p:cNvPr>
@@ -20491,7 +20491,7 @@
             <p:cNvPr id="19" name="그룹 1009">
               <a:extLst>
                 <a:ext uri="{FF2B5EF4-FFF2-40B4-BE49-F238E27FC236}">
-                  <a16:creationId xmlns:a16="http://schemas.microsoft.com/office/drawing/2014/main" id="{4E1F1FED-812B-9BBB-925A-84B54A077414}"/>
+                  <a16:creationId xmlns:a16="http://schemas.microsoft.com/office/drawing/2014/main" xmlns="" id="{4E1F1FED-812B-9BBB-925A-84B54A077414}"/>
                 </a:ext>
               </a:extLst>
             </p:cNvPr>
@@ -20511,7 +20511,7 @@
               <p:cNvPr id="24" name="Object 29">
                 <a:extLst>
                   <a:ext uri="{FF2B5EF4-FFF2-40B4-BE49-F238E27FC236}">
-                    <a16:creationId xmlns:a16="http://schemas.microsoft.com/office/drawing/2014/main" id="{7B078609-4286-7B00-51EB-809C8E2DE289}"/>
+                    <a16:creationId xmlns:a16="http://schemas.microsoft.com/office/drawing/2014/main" xmlns="" id="{7B078609-4286-7B00-51EB-809C8E2DE289}"/>
                   </a:ext>
                 </a:extLst>
               </p:cNvPr>
@@ -20542,7 +20542,7 @@
             <p:cNvPr id="20" name="그룹 1010">
               <a:extLst>
                 <a:ext uri="{FF2B5EF4-FFF2-40B4-BE49-F238E27FC236}">
-                  <a16:creationId xmlns:a16="http://schemas.microsoft.com/office/drawing/2014/main" id="{02A649BF-B5B5-FBAF-7DFD-E118A4DF8907}"/>
+                  <a16:creationId xmlns:a16="http://schemas.microsoft.com/office/drawing/2014/main" xmlns="" id="{02A649BF-B5B5-FBAF-7DFD-E118A4DF8907}"/>
                 </a:ext>
               </a:extLst>
             </p:cNvPr>
@@ -20562,7 +20562,7 @@
               <p:cNvPr id="23" name="Object 32">
                 <a:extLst>
                   <a:ext uri="{FF2B5EF4-FFF2-40B4-BE49-F238E27FC236}">
-                    <a16:creationId xmlns:a16="http://schemas.microsoft.com/office/drawing/2014/main" id="{2A0FFF23-B3C9-3EA0-1C1B-A87D4FF098AE}"/>
+                    <a16:creationId xmlns:a16="http://schemas.microsoft.com/office/drawing/2014/main" xmlns="" id="{2A0FFF23-B3C9-3EA0-1C1B-A87D4FF098AE}"/>
                   </a:ext>
                 </a:extLst>
               </p:cNvPr>
@@ -20593,7 +20593,7 @@
             <p:cNvPr id="21" name="그룹 1011">
               <a:extLst>
                 <a:ext uri="{FF2B5EF4-FFF2-40B4-BE49-F238E27FC236}">
-                  <a16:creationId xmlns:a16="http://schemas.microsoft.com/office/drawing/2014/main" id="{881F5410-F7FB-F261-A584-707359BAC593}"/>
+                  <a16:creationId xmlns:a16="http://schemas.microsoft.com/office/drawing/2014/main" xmlns="" id="{881F5410-F7FB-F261-A584-707359BAC593}"/>
                 </a:ext>
               </a:extLst>
             </p:cNvPr>
@@ -20613,7 +20613,7 @@
               <p:cNvPr id="22" name="Object 35">
                 <a:extLst>
                   <a:ext uri="{FF2B5EF4-FFF2-40B4-BE49-F238E27FC236}">
-                    <a16:creationId xmlns:a16="http://schemas.microsoft.com/office/drawing/2014/main" id="{4E99E669-73EB-F9F4-EFE8-DC107035C265}"/>
+                    <a16:creationId xmlns:a16="http://schemas.microsoft.com/office/drawing/2014/main" xmlns="" id="{4E99E669-73EB-F9F4-EFE8-DC107035C265}"/>
                   </a:ext>
                 </a:extLst>
               </p:cNvPr>
@@ -20668,21 +20668,21 @@
                 <a:gridCol w="1295400">
                   <a:extLst>
                     <a:ext uri="{9D8B030D-6E8A-4147-A177-3AD203B41FA5}">
-                      <a16:colId xmlns:a16="http://schemas.microsoft.com/office/drawing/2014/main" val="20000"/>
+                      <a16:colId xmlns:a16="http://schemas.microsoft.com/office/drawing/2014/main" xmlns="" val="20000"/>
                     </a:ext>
                   </a:extLst>
                 </a:gridCol>
                 <a:gridCol w="1066800">
                   <a:extLst>
                     <a:ext uri="{9D8B030D-6E8A-4147-A177-3AD203B41FA5}">
-                      <a16:colId xmlns:a16="http://schemas.microsoft.com/office/drawing/2014/main" val="20001"/>
+                      <a16:colId xmlns:a16="http://schemas.microsoft.com/office/drawing/2014/main" xmlns="" val="20001"/>
                     </a:ext>
                   </a:extLst>
                 </a:gridCol>
                 <a:gridCol w="1066800">
                   <a:extLst>
                     <a:ext uri="{9D8B030D-6E8A-4147-A177-3AD203B41FA5}">
-                      <a16:colId xmlns:a16="http://schemas.microsoft.com/office/drawing/2014/main" val="20002"/>
+                      <a16:colId xmlns:a16="http://schemas.microsoft.com/office/drawing/2014/main" xmlns="" val="20002"/>
                     </a:ext>
                   </a:extLst>
                 </a:gridCol>
@@ -20907,7 +20907,7 @@
                 </a:tc>
                 <a:extLst>
                   <a:ext uri="{0D108BD9-81ED-4DB2-BD59-A6C34878D82A}">
-                    <a16:rowId xmlns:a16="http://schemas.microsoft.com/office/drawing/2014/main" val="10000"/>
+                    <a16:rowId xmlns:a16="http://schemas.microsoft.com/office/drawing/2014/main" xmlns="" val="10000"/>
                   </a:ext>
                 </a:extLst>
               </a:tr>
@@ -21131,7 +21131,7 @@
                 </a:tc>
                 <a:extLst>
                   <a:ext uri="{0D108BD9-81ED-4DB2-BD59-A6C34878D82A}">
-                    <a16:rowId xmlns:a16="http://schemas.microsoft.com/office/drawing/2014/main" val="10001"/>
+                    <a16:rowId xmlns:a16="http://schemas.microsoft.com/office/drawing/2014/main" xmlns="" val="10001"/>
                   </a:ext>
                 </a:extLst>
               </a:tr>
@@ -21355,7 +21355,7 @@
                 </a:tc>
                 <a:extLst>
                   <a:ext uri="{0D108BD9-81ED-4DB2-BD59-A6C34878D82A}">
-                    <a16:rowId xmlns:a16="http://schemas.microsoft.com/office/drawing/2014/main" val="10002"/>
+                    <a16:rowId xmlns:a16="http://schemas.microsoft.com/office/drawing/2014/main" xmlns="" val="10002"/>
                   </a:ext>
                 </a:extLst>
               </a:tr>
@@ -21585,7 +21585,7 @@
                 </a:tc>
                 <a:extLst>
                   <a:ext uri="{0D108BD9-81ED-4DB2-BD59-A6C34878D82A}">
-                    <a16:rowId xmlns:a16="http://schemas.microsoft.com/office/drawing/2014/main" val="10003"/>
+                    <a16:rowId xmlns:a16="http://schemas.microsoft.com/office/drawing/2014/main" xmlns="" val="10003"/>
                   </a:ext>
                 </a:extLst>
               </a:tr>
@@ -21809,7 +21809,7 @@
                 </a:tc>
                 <a:extLst>
                   <a:ext uri="{0D108BD9-81ED-4DB2-BD59-A6C34878D82A}">
-                    <a16:rowId xmlns:a16="http://schemas.microsoft.com/office/drawing/2014/main" val="10004"/>
+                    <a16:rowId xmlns:a16="http://schemas.microsoft.com/office/drawing/2014/main" xmlns="" val="10004"/>
                   </a:ext>
                 </a:extLst>
               </a:tr>
@@ -22107,7 +22107,7 @@
           <p:cNvPr id="4" name="TextBox 3">
             <a:extLst>
               <a:ext uri="{FF2B5EF4-FFF2-40B4-BE49-F238E27FC236}">
-                <a16:creationId xmlns:a16="http://schemas.microsoft.com/office/drawing/2014/main" id="{AAA7A62B-B663-9BB3-853E-37554E612635}"/>
+                <a16:creationId xmlns:a16="http://schemas.microsoft.com/office/drawing/2014/main" xmlns="" id="{AAA7A62B-B663-9BB3-853E-37554E612635}"/>
               </a:ext>
             </a:extLst>
           </p:cNvPr>
@@ -22233,7 +22233,7 @@
           <p:cNvPr id="7" name="직선 화살표 연결선 6">
             <a:extLst>
               <a:ext uri="{FF2B5EF4-FFF2-40B4-BE49-F238E27FC236}">
-                <a16:creationId xmlns:a16="http://schemas.microsoft.com/office/drawing/2014/main" id="{299DF5EC-9DF4-5255-06AC-0A7CE4FF58C3}"/>
+                <a16:creationId xmlns:a16="http://schemas.microsoft.com/office/drawing/2014/main" xmlns="" id="{299DF5EC-9DF4-5255-06AC-0A7CE4FF58C3}"/>
               </a:ext>
             </a:extLst>
           </p:cNvPr>
@@ -22274,7 +22274,7 @@
           <p:cNvPr id="9" name="직사각형 8">
             <a:extLst>
               <a:ext uri="{FF2B5EF4-FFF2-40B4-BE49-F238E27FC236}">
-                <a16:creationId xmlns:a16="http://schemas.microsoft.com/office/drawing/2014/main" id="{FFF506F9-840A-0508-4CAF-3AC711D8D5CE}"/>
+                <a16:creationId xmlns:a16="http://schemas.microsoft.com/office/drawing/2014/main" xmlns="" id="{FFF506F9-840A-0508-4CAF-3AC711D8D5CE}"/>
               </a:ext>
             </a:extLst>
           </p:cNvPr>
@@ -22326,7 +22326,7 @@
           <p:cNvPr id="11" name="TextBox 10">
             <a:extLst>
               <a:ext uri="{FF2B5EF4-FFF2-40B4-BE49-F238E27FC236}">
-                <a16:creationId xmlns:a16="http://schemas.microsoft.com/office/drawing/2014/main" id="{C6D113C6-EA5C-788F-0C77-E7CE6EBB865F}"/>
+                <a16:creationId xmlns:a16="http://schemas.microsoft.com/office/drawing/2014/main" xmlns="" id="{C6D113C6-EA5C-788F-0C77-E7CE6EBB865F}"/>
               </a:ext>
             </a:extLst>
           </p:cNvPr>
@@ -22691,7 +22691,7 @@
           <p:cNvPr id="4" name="TextBox 3">
             <a:extLst>
               <a:ext uri="{FF2B5EF4-FFF2-40B4-BE49-F238E27FC236}">
-                <a16:creationId xmlns:a16="http://schemas.microsoft.com/office/drawing/2014/main" id="{AAA7A62B-B663-9BB3-853E-37554E612635}"/>
+                <a16:creationId xmlns:a16="http://schemas.microsoft.com/office/drawing/2014/main" xmlns="" id="{AAA7A62B-B663-9BB3-853E-37554E612635}"/>
               </a:ext>
             </a:extLst>
           </p:cNvPr>
@@ -22749,7 +22749,7 @@
           <p:cNvPr id="6" name="TextBox 5">
             <a:extLst>
               <a:ext uri="{FF2B5EF4-FFF2-40B4-BE49-F238E27FC236}">
-                <a16:creationId xmlns:a16="http://schemas.microsoft.com/office/drawing/2014/main" id="{1411E83A-6F3E-13BA-B84D-07D6B1588D85}"/>
+                <a16:creationId xmlns:a16="http://schemas.microsoft.com/office/drawing/2014/main" xmlns="" id="{1411E83A-6F3E-13BA-B84D-07D6B1588D85}"/>
               </a:ext>
             </a:extLst>
           </p:cNvPr>
@@ -23051,7 +23051,7 @@
           <p:cNvPr id="8" name="TextBox 7">
             <a:extLst>
               <a:ext uri="{FF2B5EF4-FFF2-40B4-BE49-F238E27FC236}">
-                <a16:creationId xmlns:a16="http://schemas.microsoft.com/office/drawing/2014/main" id="{1411E83A-6F3E-13BA-B84D-07D6B1588D85}"/>
+                <a16:creationId xmlns:a16="http://schemas.microsoft.com/office/drawing/2014/main" xmlns="" id="{1411E83A-6F3E-13BA-B84D-07D6B1588D85}"/>
               </a:ext>
             </a:extLst>
           </p:cNvPr>
@@ -23179,7 +23179,7 @@
           <p:cNvPr id="11" name="TextBox 10">
             <a:extLst>
               <a:ext uri="{FF2B5EF4-FFF2-40B4-BE49-F238E27FC236}">
-                <a16:creationId xmlns:a16="http://schemas.microsoft.com/office/drawing/2014/main" id="{1411E83A-6F3E-13BA-B84D-07D6B1588D85}"/>
+                <a16:creationId xmlns:a16="http://schemas.microsoft.com/office/drawing/2014/main" xmlns="" id="{1411E83A-6F3E-13BA-B84D-07D6B1588D85}"/>
               </a:ext>
             </a:extLst>
           </p:cNvPr>
@@ -23479,7 +23479,7 @@
           <p:cNvPr id="4" name="TextBox 3">
             <a:extLst>
               <a:ext uri="{FF2B5EF4-FFF2-40B4-BE49-F238E27FC236}">
-                <a16:creationId xmlns:a16="http://schemas.microsoft.com/office/drawing/2014/main" id="{AAA7A62B-B663-9BB3-853E-37554E612635}"/>
+                <a16:creationId xmlns:a16="http://schemas.microsoft.com/office/drawing/2014/main" xmlns="" id="{AAA7A62B-B663-9BB3-853E-37554E612635}"/>
               </a:ext>
             </a:extLst>
           </p:cNvPr>
@@ -23574,21 +23574,21 @@
                 <a:gridCol w="1295400">
                   <a:extLst>
                     <a:ext uri="{9D8B030D-6E8A-4147-A177-3AD203B41FA5}">
-                      <a16:colId xmlns:a16="http://schemas.microsoft.com/office/drawing/2014/main" val="20000"/>
+                      <a16:colId xmlns:a16="http://schemas.microsoft.com/office/drawing/2014/main" xmlns="" val="20000"/>
                     </a:ext>
                   </a:extLst>
                 </a:gridCol>
                 <a:gridCol w="1066800">
                   <a:extLst>
                     <a:ext uri="{9D8B030D-6E8A-4147-A177-3AD203B41FA5}">
-                      <a16:colId xmlns:a16="http://schemas.microsoft.com/office/drawing/2014/main" val="20001"/>
+                      <a16:colId xmlns:a16="http://schemas.microsoft.com/office/drawing/2014/main" xmlns="" val="20001"/>
                     </a:ext>
                   </a:extLst>
                 </a:gridCol>
                 <a:gridCol w="1066800">
                   <a:extLst>
                     <a:ext uri="{9D8B030D-6E8A-4147-A177-3AD203B41FA5}">
-                      <a16:colId xmlns:a16="http://schemas.microsoft.com/office/drawing/2014/main" val="20002"/>
+                      <a16:colId xmlns:a16="http://schemas.microsoft.com/office/drawing/2014/main" xmlns="" val="20002"/>
                     </a:ext>
                   </a:extLst>
                 </a:gridCol>
@@ -23813,7 +23813,7 @@
                 </a:tc>
                 <a:extLst>
                   <a:ext uri="{0D108BD9-81ED-4DB2-BD59-A6C34878D82A}">
-                    <a16:rowId xmlns:a16="http://schemas.microsoft.com/office/drawing/2014/main" val="10000"/>
+                    <a16:rowId xmlns:a16="http://schemas.microsoft.com/office/drawing/2014/main" xmlns="" val="10000"/>
                   </a:ext>
                 </a:extLst>
               </a:tr>
@@ -24037,7 +24037,7 @@
                 </a:tc>
                 <a:extLst>
                   <a:ext uri="{0D108BD9-81ED-4DB2-BD59-A6C34878D82A}">
-                    <a16:rowId xmlns:a16="http://schemas.microsoft.com/office/drawing/2014/main" val="10001"/>
+                    <a16:rowId xmlns:a16="http://schemas.microsoft.com/office/drawing/2014/main" xmlns="" val="10001"/>
                   </a:ext>
                 </a:extLst>
               </a:tr>
@@ -24261,7 +24261,7 @@
                 </a:tc>
                 <a:extLst>
                   <a:ext uri="{0D108BD9-81ED-4DB2-BD59-A6C34878D82A}">
-                    <a16:rowId xmlns:a16="http://schemas.microsoft.com/office/drawing/2014/main" val="10002"/>
+                    <a16:rowId xmlns:a16="http://schemas.microsoft.com/office/drawing/2014/main" xmlns="" val="10002"/>
                   </a:ext>
                 </a:extLst>
               </a:tr>
@@ -24485,7 +24485,7 @@
                 </a:tc>
                 <a:extLst>
                   <a:ext uri="{0D108BD9-81ED-4DB2-BD59-A6C34878D82A}">
-                    <a16:rowId xmlns:a16="http://schemas.microsoft.com/office/drawing/2014/main" val="10003"/>
+                    <a16:rowId xmlns:a16="http://schemas.microsoft.com/office/drawing/2014/main" xmlns="" val="10003"/>
                   </a:ext>
                 </a:extLst>
               </a:tr>
@@ -24709,7 +24709,7 @@
                 </a:tc>
                 <a:extLst>
                   <a:ext uri="{0D108BD9-81ED-4DB2-BD59-A6C34878D82A}">
-                    <a16:rowId xmlns:a16="http://schemas.microsoft.com/office/drawing/2014/main" val="10004"/>
+                    <a16:rowId xmlns:a16="http://schemas.microsoft.com/office/drawing/2014/main" xmlns="" val="10004"/>
                   </a:ext>
                 </a:extLst>
               </a:tr>
@@ -24769,7 +24769,7 @@
                 <a:gridCol w="1295400">
                   <a:extLst>
                     <a:ext uri="{9D8B030D-6E8A-4147-A177-3AD203B41FA5}">
-                      <a16:colId xmlns:a16="http://schemas.microsoft.com/office/drawing/2014/main" val="20000"/>
+                      <a16:colId xmlns:a16="http://schemas.microsoft.com/office/drawing/2014/main" xmlns="" val="20000"/>
                     </a:ext>
                   </a:extLst>
                 </a:gridCol>
@@ -24844,7 +24844,7 @@
                 </a:tc>
                 <a:extLst>
                   <a:ext uri="{0D108BD9-81ED-4DB2-BD59-A6C34878D82A}">
-                    <a16:rowId xmlns:a16="http://schemas.microsoft.com/office/drawing/2014/main" val="10000"/>
+                    <a16:rowId xmlns:a16="http://schemas.microsoft.com/office/drawing/2014/main" xmlns="" val="10000"/>
                   </a:ext>
                 </a:extLst>
               </a:tr>
@@ -24918,7 +24918,7 @@
                 </a:tc>
                 <a:extLst>
                   <a:ext uri="{0D108BD9-81ED-4DB2-BD59-A6C34878D82A}">
-                    <a16:rowId xmlns:a16="http://schemas.microsoft.com/office/drawing/2014/main" val="10001"/>
+                    <a16:rowId xmlns:a16="http://schemas.microsoft.com/office/drawing/2014/main" xmlns="" val="10001"/>
                   </a:ext>
                 </a:extLst>
               </a:tr>
@@ -24992,7 +24992,7 @@
                 </a:tc>
                 <a:extLst>
                   <a:ext uri="{0D108BD9-81ED-4DB2-BD59-A6C34878D82A}">
-                    <a16:rowId xmlns:a16="http://schemas.microsoft.com/office/drawing/2014/main" val="10002"/>
+                    <a16:rowId xmlns:a16="http://schemas.microsoft.com/office/drawing/2014/main" xmlns="" val="10002"/>
                   </a:ext>
                 </a:extLst>
               </a:tr>
@@ -25066,7 +25066,7 @@
                 </a:tc>
                 <a:extLst>
                   <a:ext uri="{0D108BD9-81ED-4DB2-BD59-A6C34878D82A}">
-                    <a16:rowId xmlns:a16="http://schemas.microsoft.com/office/drawing/2014/main" val="10003"/>
+                    <a16:rowId xmlns:a16="http://schemas.microsoft.com/office/drawing/2014/main" xmlns="" val="10003"/>
                   </a:ext>
                 </a:extLst>
               </a:tr>
@@ -25140,7 +25140,7 @@
                 </a:tc>
                 <a:extLst>
                   <a:ext uri="{0D108BD9-81ED-4DB2-BD59-A6C34878D82A}">
-                    <a16:rowId xmlns:a16="http://schemas.microsoft.com/office/drawing/2014/main" val="10004"/>
+                    <a16:rowId xmlns:a16="http://schemas.microsoft.com/office/drawing/2014/main" xmlns="" val="10004"/>
                   </a:ext>
                 </a:extLst>
               </a:tr>
@@ -25225,7 +25225,7 @@
           <p:cNvPr id="13" name="직선 화살표 연결선 12">
             <a:extLst>
               <a:ext uri="{FF2B5EF4-FFF2-40B4-BE49-F238E27FC236}">
-                <a16:creationId xmlns:a16="http://schemas.microsoft.com/office/drawing/2014/main" id="{299DF5EC-9DF4-5255-06AC-0A7CE4FF58C3}"/>
+                <a16:creationId xmlns:a16="http://schemas.microsoft.com/office/drawing/2014/main" xmlns="" id="{299DF5EC-9DF4-5255-06AC-0A7CE4FF58C3}"/>
               </a:ext>
             </a:extLst>
           </p:cNvPr>
@@ -25266,7 +25266,7 @@
           <p:cNvPr id="15" name="직선 화살표 연결선 14">
             <a:extLst>
               <a:ext uri="{FF2B5EF4-FFF2-40B4-BE49-F238E27FC236}">
-                <a16:creationId xmlns:a16="http://schemas.microsoft.com/office/drawing/2014/main" id="{299DF5EC-9DF4-5255-06AC-0A7CE4FF58C3}"/>
+                <a16:creationId xmlns:a16="http://schemas.microsoft.com/office/drawing/2014/main" xmlns="" id="{299DF5EC-9DF4-5255-06AC-0A7CE4FF58C3}"/>
               </a:ext>
             </a:extLst>
           </p:cNvPr>
@@ -25600,7 +25600,7 @@
           <p:cNvPr id="2" name="TextBox 1">
             <a:extLst>
               <a:ext uri="{FF2B5EF4-FFF2-40B4-BE49-F238E27FC236}">
-                <a16:creationId xmlns:a16="http://schemas.microsoft.com/office/drawing/2014/main" id="{8D19D88B-9541-32D7-90F1-0C45C993E21C}"/>
+                <a16:creationId xmlns:a16="http://schemas.microsoft.com/office/drawing/2014/main" xmlns="" id="{8D19D88B-9541-32D7-90F1-0C45C993E21C}"/>
               </a:ext>
             </a:extLst>
           </p:cNvPr>
@@ -25673,7 +25673,7 @@
           <p:cNvPr id="4" name="TextBox 3">
             <a:extLst>
               <a:ext uri="{FF2B5EF4-FFF2-40B4-BE49-F238E27FC236}">
-                <a16:creationId xmlns:a16="http://schemas.microsoft.com/office/drawing/2014/main" id="{AAA7A62B-B663-9BB3-853E-37554E612635}"/>
+                <a16:creationId xmlns:a16="http://schemas.microsoft.com/office/drawing/2014/main" xmlns="" id="{AAA7A62B-B663-9BB3-853E-37554E612635}"/>
               </a:ext>
             </a:extLst>
           </p:cNvPr>
@@ -25745,7 +25745,7 @@
           <p:cNvPr id="6" name="TextBox 5">
             <a:extLst>
               <a:ext uri="{FF2B5EF4-FFF2-40B4-BE49-F238E27FC236}">
-                <a16:creationId xmlns:a16="http://schemas.microsoft.com/office/drawing/2014/main" id="{AAA7A62B-B663-9BB3-853E-37554E612635}"/>
+                <a16:creationId xmlns:a16="http://schemas.microsoft.com/office/drawing/2014/main" xmlns="" id="{AAA7A62B-B663-9BB3-853E-37554E612635}"/>
               </a:ext>
             </a:extLst>
           </p:cNvPr>
@@ -25856,7 +25856,7 @@
                 <a:gridCol w="1295400">
                   <a:extLst>
                     <a:ext uri="{9D8B030D-6E8A-4147-A177-3AD203B41FA5}">
-                      <a16:colId xmlns:a16="http://schemas.microsoft.com/office/drawing/2014/main" val="20000"/>
+                      <a16:colId xmlns:a16="http://schemas.microsoft.com/office/drawing/2014/main" xmlns="" val="20000"/>
                     </a:ext>
                   </a:extLst>
                 </a:gridCol>
@@ -25931,7 +25931,7 @@
                 </a:tc>
                 <a:extLst>
                   <a:ext uri="{0D108BD9-81ED-4DB2-BD59-A6C34878D82A}">
-                    <a16:rowId xmlns:a16="http://schemas.microsoft.com/office/drawing/2014/main" val="10000"/>
+                    <a16:rowId xmlns:a16="http://schemas.microsoft.com/office/drawing/2014/main" xmlns="" val="10000"/>
                   </a:ext>
                 </a:extLst>
               </a:tr>
@@ -26005,7 +26005,7 @@
                 </a:tc>
                 <a:extLst>
                   <a:ext uri="{0D108BD9-81ED-4DB2-BD59-A6C34878D82A}">
-                    <a16:rowId xmlns:a16="http://schemas.microsoft.com/office/drawing/2014/main" val="10001"/>
+                    <a16:rowId xmlns:a16="http://schemas.microsoft.com/office/drawing/2014/main" xmlns="" val="10001"/>
                   </a:ext>
                 </a:extLst>
               </a:tr>
@@ -26079,7 +26079,7 @@
                 </a:tc>
                 <a:extLst>
                   <a:ext uri="{0D108BD9-81ED-4DB2-BD59-A6C34878D82A}">
-                    <a16:rowId xmlns:a16="http://schemas.microsoft.com/office/drawing/2014/main" val="10002"/>
+                    <a16:rowId xmlns:a16="http://schemas.microsoft.com/office/drawing/2014/main" xmlns="" val="10002"/>
                   </a:ext>
                 </a:extLst>
               </a:tr>
@@ -26153,7 +26153,7 @@
                 </a:tc>
                 <a:extLst>
                   <a:ext uri="{0D108BD9-81ED-4DB2-BD59-A6C34878D82A}">
-                    <a16:rowId xmlns:a16="http://schemas.microsoft.com/office/drawing/2014/main" val="10003"/>
+                    <a16:rowId xmlns:a16="http://schemas.microsoft.com/office/drawing/2014/main" xmlns="" val="10003"/>
                   </a:ext>
                 </a:extLst>
               </a:tr>
@@ -26227,7 +26227,7 @@
                 </a:tc>
                 <a:extLst>
                   <a:ext uri="{0D108BD9-81ED-4DB2-BD59-A6C34878D82A}">
-                    <a16:rowId xmlns:a16="http://schemas.microsoft.com/office/drawing/2014/main" val="10004"/>
+                    <a16:rowId xmlns:a16="http://schemas.microsoft.com/office/drawing/2014/main" xmlns="" val="10004"/>
                   </a:ext>
                 </a:extLst>
               </a:tr>
@@ -26263,7 +26263,7 @@
                 <a:gridCol w="1295400">
                   <a:extLst>
                     <a:ext uri="{9D8B030D-6E8A-4147-A177-3AD203B41FA5}">
-                      <a16:colId xmlns:a16="http://schemas.microsoft.com/office/drawing/2014/main" val="20000"/>
+                      <a16:colId xmlns:a16="http://schemas.microsoft.com/office/drawing/2014/main" xmlns="" val="20000"/>
                     </a:ext>
                   </a:extLst>
                 </a:gridCol>
@@ -26338,7 +26338,7 @@
                 </a:tc>
                 <a:extLst>
                   <a:ext uri="{0D108BD9-81ED-4DB2-BD59-A6C34878D82A}">
-                    <a16:rowId xmlns:a16="http://schemas.microsoft.com/office/drawing/2014/main" val="10000"/>
+                    <a16:rowId xmlns:a16="http://schemas.microsoft.com/office/drawing/2014/main" xmlns="" val="10000"/>
                   </a:ext>
                 </a:extLst>
               </a:tr>
@@ -26374,7 +26374,7 @@
                 <a:gridCol w="1295400">
                   <a:extLst>
                     <a:ext uri="{9D8B030D-6E8A-4147-A177-3AD203B41FA5}">
-                      <a16:colId xmlns:a16="http://schemas.microsoft.com/office/drawing/2014/main" val="20000"/>
+                      <a16:colId xmlns:a16="http://schemas.microsoft.com/office/drawing/2014/main" xmlns="" val="20000"/>
                     </a:ext>
                   </a:extLst>
                 </a:gridCol>
@@ -26449,7 +26449,7 @@
                 </a:tc>
                 <a:extLst>
                   <a:ext uri="{0D108BD9-81ED-4DB2-BD59-A6C34878D82A}">
-                    <a16:rowId xmlns:a16="http://schemas.microsoft.com/office/drawing/2014/main" val="10000"/>
+                    <a16:rowId xmlns:a16="http://schemas.microsoft.com/office/drawing/2014/main" xmlns="" val="10000"/>
                   </a:ext>
                 </a:extLst>
               </a:tr>
@@ -26485,7 +26485,7 @@
                 <a:gridCol w="1295400">
                   <a:extLst>
                     <a:ext uri="{9D8B030D-6E8A-4147-A177-3AD203B41FA5}">
-                      <a16:colId xmlns:a16="http://schemas.microsoft.com/office/drawing/2014/main" val="20000"/>
+                      <a16:colId xmlns:a16="http://schemas.microsoft.com/office/drawing/2014/main" xmlns="" val="20000"/>
                     </a:ext>
                   </a:extLst>
                 </a:gridCol>
@@ -26560,7 +26560,7 @@
                 </a:tc>
                 <a:extLst>
                   <a:ext uri="{0D108BD9-81ED-4DB2-BD59-A6C34878D82A}">
-                    <a16:rowId xmlns:a16="http://schemas.microsoft.com/office/drawing/2014/main" val="10000"/>
+                    <a16:rowId xmlns:a16="http://schemas.microsoft.com/office/drawing/2014/main" xmlns="" val="10000"/>
                   </a:ext>
                 </a:extLst>
               </a:tr>
@@ -26596,7 +26596,7 @@
                 <a:gridCol w="1295400">
                   <a:extLst>
                     <a:ext uri="{9D8B030D-6E8A-4147-A177-3AD203B41FA5}">
-                      <a16:colId xmlns:a16="http://schemas.microsoft.com/office/drawing/2014/main" val="20000"/>
+                      <a16:colId xmlns:a16="http://schemas.microsoft.com/office/drawing/2014/main" xmlns="" val="20000"/>
                     </a:ext>
                   </a:extLst>
                 </a:gridCol>
@@ -26671,7 +26671,7 @@
                 </a:tc>
                 <a:extLst>
                   <a:ext uri="{0D108BD9-81ED-4DB2-BD59-A6C34878D82A}">
-                    <a16:rowId xmlns:a16="http://schemas.microsoft.com/office/drawing/2014/main" val="10000"/>
+                    <a16:rowId xmlns:a16="http://schemas.microsoft.com/office/drawing/2014/main" xmlns="" val="10000"/>
                   </a:ext>
                 </a:extLst>
               </a:tr>
@@ -26707,7 +26707,7 @@
                 <a:gridCol w="1295400">
                   <a:extLst>
                     <a:ext uri="{9D8B030D-6E8A-4147-A177-3AD203B41FA5}">
-                      <a16:colId xmlns:a16="http://schemas.microsoft.com/office/drawing/2014/main" val="20000"/>
+                      <a16:colId xmlns:a16="http://schemas.microsoft.com/office/drawing/2014/main" xmlns="" val="20000"/>
                     </a:ext>
                   </a:extLst>
                 </a:gridCol>
@@ -26782,7 +26782,7 @@
                 </a:tc>
                 <a:extLst>
                   <a:ext uri="{0D108BD9-81ED-4DB2-BD59-A6C34878D82A}">
-                    <a16:rowId xmlns:a16="http://schemas.microsoft.com/office/drawing/2014/main" val="10000"/>
+                    <a16:rowId xmlns:a16="http://schemas.microsoft.com/office/drawing/2014/main" xmlns="" val="10000"/>
                   </a:ext>
                 </a:extLst>
               </a:tr>
@@ -26818,7 +26818,7 @@
                 <a:gridCol w="1295400">
                   <a:extLst>
                     <a:ext uri="{9D8B030D-6E8A-4147-A177-3AD203B41FA5}">
-                      <a16:colId xmlns:a16="http://schemas.microsoft.com/office/drawing/2014/main" val="20000"/>
+                      <a16:colId xmlns:a16="http://schemas.microsoft.com/office/drawing/2014/main" xmlns="" val="20000"/>
                     </a:ext>
                   </a:extLst>
                 </a:gridCol>
@@ -26893,7 +26893,7 @@
                 </a:tc>
                 <a:extLst>
                   <a:ext uri="{0D108BD9-81ED-4DB2-BD59-A6C34878D82A}">
-                    <a16:rowId xmlns:a16="http://schemas.microsoft.com/office/drawing/2014/main" val="10000"/>
+                    <a16:rowId xmlns:a16="http://schemas.microsoft.com/office/drawing/2014/main" xmlns="" val="10000"/>
                   </a:ext>
                 </a:extLst>
               </a:tr>
@@ -26929,7 +26929,7 @@
                 <a:gridCol w="1295400">
                   <a:extLst>
                     <a:ext uri="{9D8B030D-6E8A-4147-A177-3AD203B41FA5}">
-                      <a16:colId xmlns:a16="http://schemas.microsoft.com/office/drawing/2014/main" val="20000"/>
+                      <a16:colId xmlns:a16="http://schemas.microsoft.com/office/drawing/2014/main" xmlns="" val="20000"/>
                     </a:ext>
                   </a:extLst>
                 </a:gridCol>
@@ -27004,7 +27004,7 @@
                 </a:tc>
                 <a:extLst>
                   <a:ext uri="{0D108BD9-81ED-4DB2-BD59-A6C34878D82A}">
-                    <a16:rowId xmlns:a16="http://schemas.microsoft.com/office/drawing/2014/main" val="10000"/>
+                    <a16:rowId xmlns:a16="http://schemas.microsoft.com/office/drawing/2014/main" xmlns="" val="10000"/>
                   </a:ext>
                 </a:extLst>
               </a:tr>
@@ -27040,7 +27040,7 @@
                 <a:gridCol w="1295400">
                   <a:extLst>
                     <a:ext uri="{9D8B030D-6E8A-4147-A177-3AD203B41FA5}">
-                      <a16:colId xmlns:a16="http://schemas.microsoft.com/office/drawing/2014/main" val="20000"/>
+                      <a16:colId xmlns:a16="http://schemas.microsoft.com/office/drawing/2014/main" xmlns="" val="20000"/>
                     </a:ext>
                   </a:extLst>
                 </a:gridCol>
@@ -27115,7 +27115,7 @@
                 </a:tc>
                 <a:extLst>
                   <a:ext uri="{0D108BD9-81ED-4DB2-BD59-A6C34878D82A}">
-                    <a16:rowId xmlns:a16="http://schemas.microsoft.com/office/drawing/2014/main" val="10000"/>
+                    <a16:rowId xmlns:a16="http://schemas.microsoft.com/office/drawing/2014/main" xmlns="" val="10000"/>
                   </a:ext>
                 </a:extLst>
               </a:tr>
@@ -27151,7 +27151,7 @@
                 <a:gridCol w="1295400">
                   <a:extLst>
                     <a:ext uri="{9D8B030D-6E8A-4147-A177-3AD203B41FA5}">
-                      <a16:colId xmlns:a16="http://schemas.microsoft.com/office/drawing/2014/main" val="20000"/>
+                      <a16:colId xmlns:a16="http://schemas.microsoft.com/office/drawing/2014/main" xmlns="" val="20000"/>
                     </a:ext>
                   </a:extLst>
                 </a:gridCol>
@@ -27226,7 +27226,7 @@
                 </a:tc>
                 <a:extLst>
                   <a:ext uri="{0D108BD9-81ED-4DB2-BD59-A6C34878D82A}">
-                    <a16:rowId xmlns:a16="http://schemas.microsoft.com/office/drawing/2014/main" val="10000"/>
+                    <a16:rowId xmlns:a16="http://schemas.microsoft.com/office/drawing/2014/main" xmlns="" val="10000"/>
                   </a:ext>
                 </a:extLst>
               </a:tr>
@@ -27262,7 +27262,7 @@
                 <a:gridCol w="1295400">
                   <a:extLst>
                     <a:ext uri="{9D8B030D-6E8A-4147-A177-3AD203B41FA5}">
-                      <a16:colId xmlns:a16="http://schemas.microsoft.com/office/drawing/2014/main" val="20000"/>
+                      <a16:colId xmlns:a16="http://schemas.microsoft.com/office/drawing/2014/main" xmlns="" val="20000"/>
                     </a:ext>
                   </a:extLst>
                 </a:gridCol>
@@ -27337,7 +27337,7 @@
                 </a:tc>
                 <a:extLst>
                   <a:ext uri="{0D108BD9-81ED-4DB2-BD59-A6C34878D82A}">
-                    <a16:rowId xmlns:a16="http://schemas.microsoft.com/office/drawing/2014/main" val="10000"/>
+                    <a16:rowId xmlns:a16="http://schemas.microsoft.com/office/drawing/2014/main" xmlns="" val="10000"/>
                   </a:ext>
                 </a:extLst>
               </a:tr>
@@ -27373,7 +27373,7 @@
                 <a:gridCol w="1295400">
                   <a:extLst>
                     <a:ext uri="{9D8B030D-6E8A-4147-A177-3AD203B41FA5}">
-                      <a16:colId xmlns:a16="http://schemas.microsoft.com/office/drawing/2014/main" val="20000"/>
+                      <a16:colId xmlns:a16="http://schemas.microsoft.com/office/drawing/2014/main" xmlns="" val="20000"/>
                     </a:ext>
                   </a:extLst>
                 </a:gridCol>
@@ -27448,7 +27448,7 @@
                 </a:tc>
                 <a:extLst>
                   <a:ext uri="{0D108BD9-81ED-4DB2-BD59-A6C34878D82A}">
-                    <a16:rowId xmlns:a16="http://schemas.microsoft.com/office/drawing/2014/main" val="10000"/>
+                    <a16:rowId xmlns:a16="http://schemas.microsoft.com/office/drawing/2014/main" xmlns="" val="10000"/>
                   </a:ext>
                 </a:extLst>
               </a:tr>
@@ -27988,7 +27988,7 @@
           <p:cNvPr id="5" name="Object 2">
             <a:extLst>
               <a:ext uri="{FF2B5EF4-FFF2-40B4-BE49-F238E27FC236}">
-                <a16:creationId xmlns:a16="http://schemas.microsoft.com/office/drawing/2014/main" id="{EB9768FE-76B0-709F-3C4D-0ECBB41147CD}"/>
+                <a16:creationId xmlns:a16="http://schemas.microsoft.com/office/drawing/2014/main" xmlns="" id="{EB9768FE-76B0-709F-3C4D-0ECBB41147CD}"/>
               </a:ext>
             </a:extLst>
           </p:cNvPr>
@@ -28018,7 +28018,7 @@
           <p:cNvPr id="7" name="그룹 1001">
             <a:extLst>
               <a:ext uri="{FF2B5EF4-FFF2-40B4-BE49-F238E27FC236}">
-                <a16:creationId xmlns:a16="http://schemas.microsoft.com/office/drawing/2014/main" id="{0637F47C-891C-2B90-8647-32B84C264D42}"/>
+                <a16:creationId xmlns:a16="http://schemas.microsoft.com/office/drawing/2014/main" xmlns="" id="{0637F47C-891C-2B90-8647-32B84C264D42}"/>
               </a:ext>
             </a:extLst>
           </p:cNvPr>
@@ -28038,7 +28038,7 @@
             <p:cNvPr id="8" name="Object 5">
               <a:extLst>
                 <a:ext uri="{FF2B5EF4-FFF2-40B4-BE49-F238E27FC236}">
-                  <a16:creationId xmlns:a16="http://schemas.microsoft.com/office/drawing/2014/main" id="{710F969D-8259-9328-33C3-C6DB500C60D4}"/>
+                  <a16:creationId xmlns:a16="http://schemas.microsoft.com/office/drawing/2014/main" xmlns="" id="{710F969D-8259-9328-33C3-C6DB500C60D4}"/>
                 </a:ext>
               </a:extLst>
             </p:cNvPr>
@@ -28069,7 +28069,7 @@
           <p:cNvPr id="9" name="그룹 1002">
             <a:extLst>
               <a:ext uri="{FF2B5EF4-FFF2-40B4-BE49-F238E27FC236}">
-                <a16:creationId xmlns:a16="http://schemas.microsoft.com/office/drawing/2014/main" id="{A87796A8-251B-F38A-5AE9-11F8D847B25D}"/>
+                <a16:creationId xmlns:a16="http://schemas.microsoft.com/office/drawing/2014/main" xmlns="" id="{A87796A8-251B-F38A-5AE9-11F8D847B25D}"/>
               </a:ext>
             </a:extLst>
           </p:cNvPr>
@@ -28089,7 +28089,7 @@
             <p:cNvPr id="10" name="Object 8">
               <a:extLst>
                 <a:ext uri="{FF2B5EF4-FFF2-40B4-BE49-F238E27FC236}">
-                  <a16:creationId xmlns:a16="http://schemas.microsoft.com/office/drawing/2014/main" id="{9E806C19-D323-E705-F3B8-EEABB39F0993}"/>
+                  <a16:creationId xmlns:a16="http://schemas.microsoft.com/office/drawing/2014/main" xmlns="" id="{9E806C19-D323-E705-F3B8-EEABB39F0993}"/>
                 </a:ext>
               </a:extLst>
             </p:cNvPr>
@@ -28120,7 +28120,7 @@
           <p:cNvPr id="11" name="그룹 1003">
             <a:extLst>
               <a:ext uri="{FF2B5EF4-FFF2-40B4-BE49-F238E27FC236}">
-                <a16:creationId xmlns:a16="http://schemas.microsoft.com/office/drawing/2014/main" id="{701795E0-24B6-38E6-7308-FED7AD2B6900}"/>
+                <a16:creationId xmlns:a16="http://schemas.microsoft.com/office/drawing/2014/main" xmlns="" id="{701795E0-24B6-38E6-7308-FED7AD2B6900}"/>
               </a:ext>
             </a:extLst>
           </p:cNvPr>
@@ -28140,7 +28140,7 @@
             <p:cNvPr id="12" name="Object 11">
               <a:extLst>
                 <a:ext uri="{FF2B5EF4-FFF2-40B4-BE49-F238E27FC236}">
-                  <a16:creationId xmlns:a16="http://schemas.microsoft.com/office/drawing/2014/main" id="{D8C68167-7FB5-1F8E-D53C-DEA682F465F5}"/>
+                  <a16:creationId xmlns:a16="http://schemas.microsoft.com/office/drawing/2014/main" xmlns="" id="{D8C68167-7FB5-1F8E-D53C-DEA682F465F5}"/>
                 </a:ext>
               </a:extLst>
             </p:cNvPr>
@@ -28171,7 +28171,7 @@
           <p:cNvPr id="13" name="그룹 1004">
             <a:extLst>
               <a:ext uri="{FF2B5EF4-FFF2-40B4-BE49-F238E27FC236}">
-                <a16:creationId xmlns:a16="http://schemas.microsoft.com/office/drawing/2014/main" id="{03226A72-764D-99F3-A14F-47C351CB448B}"/>
+                <a16:creationId xmlns:a16="http://schemas.microsoft.com/office/drawing/2014/main" xmlns="" id="{03226A72-764D-99F3-A14F-47C351CB448B}"/>
               </a:ext>
             </a:extLst>
           </p:cNvPr>
@@ -28191,7 +28191,7 @@
             <p:cNvPr id="14" name="Object 14">
               <a:extLst>
                 <a:ext uri="{FF2B5EF4-FFF2-40B4-BE49-F238E27FC236}">
-                  <a16:creationId xmlns:a16="http://schemas.microsoft.com/office/drawing/2014/main" id="{77C5B9A8-AEBA-093B-4CD6-4F1ECF519068}"/>
+                  <a16:creationId xmlns:a16="http://schemas.microsoft.com/office/drawing/2014/main" xmlns="" id="{77C5B9A8-AEBA-093B-4CD6-4F1ECF519068}"/>
                 </a:ext>
               </a:extLst>
             </p:cNvPr>
@@ -28222,7 +28222,7 @@
           <p:cNvPr id="15" name="TextBox 14">
             <a:extLst>
               <a:ext uri="{FF2B5EF4-FFF2-40B4-BE49-F238E27FC236}">
-                <a16:creationId xmlns:a16="http://schemas.microsoft.com/office/drawing/2014/main" id="{E44AB10B-96D7-19D1-5C7A-D2761E62F16E}"/>
+                <a16:creationId xmlns:a16="http://schemas.microsoft.com/office/drawing/2014/main" xmlns="" id="{E44AB10B-96D7-19D1-5C7A-D2761E62F16E}"/>
               </a:ext>
             </a:extLst>
           </p:cNvPr>
@@ -28300,7 +28300,7 @@
           <p:cNvPr id="4" name="TextBox 3">
             <a:extLst>
               <a:ext uri="{FF2B5EF4-FFF2-40B4-BE49-F238E27FC236}">
-                <a16:creationId xmlns:a16="http://schemas.microsoft.com/office/drawing/2014/main" id="{5ADC00B6-990A-40DC-3CEA-505258F5E8DA}"/>
+                <a16:creationId xmlns:a16="http://schemas.microsoft.com/office/drawing/2014/main" xmlns="" id="{5ADC00B6-990A-40DC-3CEA-505258F5E8DA}"/>
               </a:ext>
             </a:extLst>
           </p:cNvPr>
@@ -28358,7 +28358,7 @@
           <p:cNvPr id="5" name="TextBox 4">
             <a:extLst>
               <a:ext uri="{FF2B5EF4-FFF2-40B4-BE49-F238E27FC236}">
-                <a16:creationId xmlns:a16="http://schemas.microsoft.com/office/drawing/2014/main" id="{4EDAA912-8FA0-0F11-119B-EA9F8B36A489}"/>
+                <a16:creationId xmlns:a16="http://schemas.microsoft.com/office/drawing/2014/main" xmlns="" id="{4EDAA912-8FA0-0F11-119B-EA9F8B36A489}"/>
               </a:ext>
             </a:extLst>
           </p:cNvPr>
@@ -28649,7 +28649,7 @@
           <p:cNvPr id="7" name="TextBox 6">
             <a:extLst>
               <a:ext uri="{FF2B5EF4-FFF2-40B4-BE49-F238E27FC236}">
-                <a16:creationId xmlns:a16="http://schemas.microsoft.com/office/drawing/2014/main" id="{5ADC00B6-990A-40DC-3CEA-505258F5E8DA}"/>
+                <a16:creationId xmlns:a16="http://schemas.microsoft.com/office/drawing/2014/main" xmlns="" id="{5ADC00B6-990A-40DC-3CEA-505258F5E8DA}"/>
               </a:ext>
             </a:extLst>
           </p:cNvPr>
@@ -28707,7 +28707,7 @@
           <p:cNvPr id="8" name="TextBox 7">
             <a:extLst>
               <a:ext uri="{FF2B5EF4-FFF2-40B4-BE49-F238E27FC236}">
-                <a16:creationId xmlns:a16="http://schemas.microsoft.com/office/drawing/2014/main" id="{4EDAA912-8FA0-0F11-119B-EA9F8B36A489}"/>
+                <a16:creationId xmlns:a16="http://schemas.microsoft.com/office/drawing/2014/main" xmlns="" id="{4EDAA912-8FA0-0F11-119B-EA9F8B36A489}"/>
               </a:ext>
             </a:extLst>
           </p:cNvPr>
@@ -28775,7 +28775,7 @@
           <p:cNvPr id="10" name="TextBox 9">
             <a:extLst>
               <a:ext uri="{FF2B5EF4-FFF2-40B4-BE49-F238E27FC236}">
-                <a16:creationId xmlns:a16="http://schemas.microsoft.com/office/drawing/2014/main" id="{5ADC00B6-990A-40DC-3CEA-505258F5E8DA}"/>
+                <a16:creationId xmlns:a16="http://schemas.microsoft.com/office/drawing/2014/main" xmlns="" id="{5ADC00B6-990A-40DC-3CEA-505258F5E8DA}"/>
               </a:ext>
             </a:extLst>
           </p:cNvPr>
@@ -28833,7 +28833,7 @@
           <p:cNvPr id="12" name="TextBox 11">
             <a:extLst>
               <a:ext uri="{FF2B5EF4-FFF2-40B4-BE49-F238E27FC236}">
-                <a16:creationId xmlns:a16="http://schemas.microsoft.com/office/drawing/2014/main" id="{4EDAA912-8FA0-0F11-119B-EA9F8B36A489}"/>
+                <a16:creationId xmlns:a16="http://schemas.microsoft.com/office/drawing/2014/main" xmlns="" id="{4EDAA912-8FA0-0F11-119B-EA9F8B36A489}"/>
               </a:ext>
             </a:extLst>
           </p:cNvPr>
@@ -29023,7 +29023,7 @@
           <p:cNvPr id="5" name="그림 4">
             <a:extLst>
               <a:ext uri="{FF2B5EF4-FFF2-40B4-BE49-F238E27FC236}">
-                <a16:creationId xmlns:a16="http://schemas.microsoft.com/office/drawing/2014/main" id="{AD95DA57-98F2-0965-5ACD-F21A86749939}"/>
+                <a16:creationId xmlns:a16="http://schemas.microsoft.com/office/drawing/2014/main" xmlns="" id="{AD95DA57-98F2-0965-5ACD-F21A86749939}"/>
               </a:ext>
             </a:extLst>
           </p:cNvPr>
@@ -29040,7 +29040,7 @@
         </p:blipFill>
         <p:spPr>
           <a:xfrm>
-            <a:off x="457200" y="3314700"/>
+            <a:off x="457200" y="495300"/>
             <a:ext cx="8321042" cy="2514600"/>
           </a:xfrm>
           <a:prstGeom prst="rect">
@@ -29053,7 +29053,7 @@
           <p:cNvPr id="7" name="그림 6">
             <a:extLst>
               <a:ext uri="{FF2B5EF4-FFF2-40B4-BE49-F238E27FC236}">
-                <a16:creationId xmlns:a16="http://schemas.microsoft.com/office/drawing/2014/main" id="{D8DE3990-F215-1C5B-6914-38BE4E167A7C}"/>
+                <a16:creationId xmlns:a16="http://schemas.microsoft.com/office/drawing/2014/main" xmlns="" id="{D8DE3990-F215-1C5B-6914-38BE4E167A7C}"/>
               </a:ext>
             </a:extLst>
           </p:cNvPr>
@@ -29070,8 +29070,32 @@
         </p:blipFill>
         <p:spPr>
           <a:xfrm>
-            <a:off x="9829799" y="3314700"/>
+            <a:off x="9829799" y="495300"/>
             <a:ext cx="8249617" cy="2667000"/>
+          </a:xfrm>
+          <a:prstGeom prst="rect">
+            <a:avLst/>
+          </a:prstGeom>
+        </p:spPr>
+      </p:pic>
+      <p:pic>
+        <p:nvPicPr>
+          <p:cNvPr id="2" name="그림 1"/>
+          <p:cNvPicPr>
+            <a:picLocks noChangeAspect="1"/>
+          </p:cNvPicPr>
+          <p:nvPr/>
+        </p:nvPicPr>
+        <p:blipFill>
+          <a:blip r:embed="rId4"/>
+          <a:stretch>
+            <a:fillRect/>
+          </a:stretch>
+        </p:blipFill>
+        <p:spPr>
+          <a:xfrm>
+            <a:off x="3505200" y="3174098"/>
+            <a:ext cx="3124200" cy="7074802"/>
           </a:xfrm>
           <a:prstGeom prst="rect">
             <a:avLst/>
@@ -29113,7 +29137,7 @@
           <p:cNvPr id="4" name="표 4">
             <a:extLst>
               <a:ext uri="{FF2B5EF4-FFF2-40B4-BE49-F238E27FC236}">
-                <a16:creationId xmlns:a16="http://schemas.microsoft.com/office/drawing/2014/main" id="{B7DFBB01-AB9E-DD70-67AA-7BE37D698AF9}"/>
+                <a16:creationId xmlns:a16="http://schemas.microsoft.com/office/drawing/2014/main" xmlns="" id="{B7DFBB01-AB9E-DD70-67AA-7BE37D698AF9}"/>
               </a:ext>
             </a:extLst>
           </p:cNvPr>
@@ -29142,35 +29166,35 @@
                 <a:gridCol w="1219200">
                   <a:extLst>
                     <a:ext uri="{9D8B030D-6E8A-4147-A177-3AD203B41FA5}">
-                      <a16:colId xmlns:a16="http://schemas.microsoft.com/office/drawing/2014/main" val="1302539182"/>
+                      <a16:colId xmlns:a16="http://schemas.microsoft.com/office/drawing/2014/main" xmlns="" val="1302539182"/>
                     </a:ext>
                   </a:extLst>
                 </a:gridCol>
                 <a:gridCol w="1219200">
                   <a:extLst>
                     <a:ext uri="{9D8B030D-6E8A-4147-A177-3AD203B41FA5}">
-                      <a16:colId xmlns:a16="http://schemas.microsoft.com/office/drawing/2014/main" val="1879632596"/>
+                      <a16:colId xmlns:a16="http://schemas.microsoft.com/office/drawing/2014/main" xmlns="" val="1879632596"/>
                     </a:ext>
                   </a:extLst>
                 </a:gridCol>
                 <a:gridCol w="1219200">
                   <a:extLst>
                     <a:ext uri="{9D8B030D-6E8A-4147-A177-3AD203B41FA5}">
-                      <a16:colId xmlns:a16="http://schemas.microsoft.com/office/drawing/2014/main" val="1717135282"/>
+                      <a16:colId xmlns:a16="http://schemas.microsoft.com/office/drawing/2014/main" xmlns="" val="1717135282"/>
                     </a:ext>
                   </a:extLst>
                 </a:gridCol>
                 <a:gridCol w="1219200">
                   <a:extLst>
                     <a:ext uri="{9D8B030D-6E8A-4147-A177-3AD203B41FA5}">
-                      <a16:colId xmlns:a16="http://schemas.microsoft.com/office/drawing/2014/main" val="2717434649"/>
+                      <a16:colId xmlns:a16="http://schemas.microsoft.com/office/drawing/2014/main" xmlns="" val="2717434649"/>
                     </a:ext>
                   </a:extLst>
                 </a:gridCol>
                 <a:gridCol w="1219200">
                   <a:extLst>
                     <a:ext uri="{9D8B030D-6E8A-4147-A177-3AD203B41FA5}">
-                      <a16:colId xmlns:a16="http://schemas.microsoft.com/office/drawing/2014/main" val="1529084302"/>
+                      <a16:colId xmlns:a16="http://schemas.microsoft.com/office/drawing/2014/main" xmlns="" val="1529084302"/>
                     </a:ext>
                   </a:extLst>
                 </a:gridCol>
@@ -29253,7 +29277,7 @@
                 </a:tc>
                 <a:extLst>
                   <a:ext uri="{0D108BD9-81ED-4DB2-BD59-A6C34878D82A}">
-                    <a16:rowId xmlns:a16="http://schemas.microsoft.com/office/drawing/2014/main" val="1520329068"/>
+                    <a16:rowId xmlns:a16="http://schemas.microsoft.com/office/drawing/2014/main" xmlns="" val="1520329068"/>
                   </a:ext>
                 </a:extLst>
               </a:tr>
@@ -29335,7 +29359,7 @@
                 </a:tc>
                 <a:extLst>
                   <a:ext uri="{0D108BD9-81ED-4DB2-BD59-A6C34878D82A}">
-                    <a16:rowId xmlns:a16="http://schemas.microsoft.com/office/drawing/2014/main" val="782089061"/>
+                    <a16:rowId xmlns:a16="http://schemas.microsoft.com/office/drawing/2014/main" xmlns="" val="782089061"/>
                   </a:ext>
                 </a:extLst>
               </a:tr>
@@ -29417,7 +29441,7 @@
                 </a:tc>
                 <a:extLst>
                   <a:ext uri="{0D108BD9-81ED-4DB2-BD59-A6C34878D82A}">
-                    <a16:rowId xmlns:a16="http://schemas.microsoft.com/office/drawing/2014/main" val="2840834484"/>
+                    <a16:rowId xmlns:a16="http://schemas.microsoft.com/office/drawing/2014/main" xmlns="" val="2840834484"/>
                   </a:ext>
                 </a:extLst>
               </a:tr>
@@ -29499,7 +29523,7 @@
                 </a:tc>
                 <a:extLst>
                   <a:ext uri="{0D108BD9-81ED-4DB2-BD59-A6C34878D82A}">
-                    <a16:rowId xmlns:a16="http://schemas.microsoft.com/office/drawing/2014/main" val="1385046644"/>
+                    <a16:rowId xmlns:a16="http://schemas.microsoft.com/office/drawing/2014/main" xmlns="" val="1385046644"/>
                   </a:ext>
                 </a:extLst>
               </a:tr>
@@ -29581,7 +29605,7 @@
                 </a:tc>
                 <a:extLst>
                   <a:ext uri="{0D108BD9-81ED-4DB2-BD59-A6C34878D82A}">
-                    <a16:rowId xmlns:a16="http://schemas.microsoft.com/office/drawing/2014/main" val="1897417928"/>
+                    <a16:rowId xmlns:a16="http://schemas.microsoft.com/office/drawing/2014/main" xmlns="" val="1897417928"/>
                   </a:ext>
                 </a:extLst>
               </a:tr>
@@ -29594,7 +29618,7 @@
           <p:cNvPr id="5" name="표 4">
             <a:extLst>
               <a:ext uri="{FF2B5EF4-FFF2-40B4-BE49-F238E27FC236}">
-                <a16:creationId xmlns:a16="http://schemas.microsoft.com/office/drawing/2014/main" id="{A6B698F4-B722-9A0F-ACD3-0418CBDEA17E}"/>
+                <a16:creationId xmlns:a16="http://schemas.microsoft.com/office/drawing/2014/main" xmlns="" id="{A6B698F4-B722-9A0F-ACD3-0418CBDEA17E}"/>
               </a:ext>
             </a:extLst>
           </p:cNvPr>
@@ -29623,35 +29647,35 @@
                 <a:gridCol w="1219200">
                   <a:extLst>
                     <a:ext uri="{9D8B030D-6E8A-4147-A177-3AD203B41FA5}">
-                      <a16:colId xmlns:a16="http://schemas.microsoft.com/office/drawing/2014/main" val="1302539182"/>
+                      <a16:colId xmlns:a16="http://schemas.microsoft.com/office/drawing/2014/main" xmlns="" val="1302539182"/>
                     </a:ext>
                   </a:extLst>
                 </a:gridCol>
                 <a:gridCol w="1219200">
                   <a:extLst>
                     <a:ext uri="{9D8B030D-6E8A-4147-A177-3AD203B41FA5}">
-                      <a16:colId xmlns:a16="http://schemas.microsoft.com/office/drawing/2014/main" val="1879632596"/>
+                      <a16:colId xmlns:a16="http://schemas.microsoft.com/office/drawing/2014/main" xmlns="" val="1879632596"/>
                     </a:ext>
                   </a:extLst>
                 </a:gridCol>
                 <a:gridCol w="1219200">
                   <a:extLst>
                     <a:ext uri="{9D8B030D-6E8A-4147-A177-3AD203B41FA5}">
-                      <a16:colId xmlns:a16="http://schemas.microsoft.com/office/drawing/2014/main" val="1717135282"/>
+                      <a16:colId xmlns:a16="http://schemas.microsoft.com/office/drawing/2014/main" xmlns="" val="1717135282"/>
                     </a:ext>
                   </a:extLst>
                 </a:gridCol>
                 <a:gridCol w="1219200">
                   <a:extLst>
                     <a:ext uri="{9D8B030D-6E8A-4147-A177-3AD203B41FA5}">
-                      <a16:colId xmlns:a16="http://schemas.microsoft.com/office/drawing/2014/main" val="2717434649"/>
+                      <a16:colId xmlns:a16="http://schemas.microsoft.com/office/drawing/2014/main" xmlns="" val="2717434649"/>
                     </a:ext>
                   </a:extLst>
                 </a:gridCol>
                 <a:gridCol w="1219200">
                   <a:extLst>
                     <a:ext uri="{9D8B030D-6E8A-4147-A177-3AD203B41FA5}">
-                      <a16:colId xmlns:a16="http://schemas.microsoft.com/office/drawing/2014/main" val="1529084302"/>
+                      <a16:colId xmlns:a16="http://schemas.microsoft.com/office/drawing/2014/main" xmlns="" val="1529084302"/>
                     </a:ext>
                   </a:extLst>
                 </a:gridCol>
@@ -29734,7 +29758,7 @@
                 </a:tc>
                 <a:extLst>
                   <a:ext uri="{0D108BD9-81ED-4DB2-BD59-A6C34878D82A}">
-                    <a16:rowId xmlns:a16="http://schemas.microsoft.com/office/drawing/2014/main" val="1520329068"/>
+                    <a16:rowId xmlns:a16="http://schemas.microsoft.com/office/drawing/2014/main" xmlns="" val="1520329068"/>
                   </a:ext>
                 </a:extLst>
               </a:tr>
@@ -29816,7 +29840,7 @@
                 </a:tc>
                 <a:extLst>
                   <a:ext uri="{0D108BD9-81ED-4DB2-BD59-A6C34878D82A}">
-                    <a16:rowId xmlns:a16="http://schemas.microsoft.com/office/drawing/2014/main" val="782089061"/>
+                    <a16:rowId xmlns:a16="http://schemas.microsoft.com/office/drawing/2014/main" xmlns="" val="782089061"/>
                   </a:ext>
                 </a:extLst>
               </a:tr>
@@ -29898,7 +29922,7 @@
                 </a:tc>
                 <a:extLst>
                   <a:ext uri="{0D108BD9-81ED-4DB2-BD59-A6C34878D82A}">
-                    <a16:rowId xmlns:a16="http://schemas.microsoft.com/office/drawing/2014/main" val="2840834484"/>
+                    <a16:rowId xmlns:a16="http://schemas.microsoft.com/office/drawing/2014/main" xmlns="" val="2840834484"/>
                   </a:ext>
                 </a:extLst>
               </a:tr>
@@ -29980,7 +30004,7 @@
                 </a:tc>
                 <a:extLst>
                   <a:ext uri="{0D108BD9-81ED-4DB2-BD59-A6C34878D82A}">
-                    <a16:rowId xmlns:a16="http://schemas.microsoft.com/office/drawing/2014/main" val="1385046644"/>
+                    <a16:rowId xmlns:a16="http://schemas.microsoft.com/office/drawing/2014/main" xmlns="" val="1385046644"/>
                   </a:ext>
                 </a:extLst>
               </a:tr>
@@ -30062,7 +30086,7 @@
                 </a:tc>
                 <a:extLst>
                   <a:ext uri="{0D108BD9-81ED-4DB2-BD59-A6C34878D82A}">
-                    <a16:rowId xmlns:a16="http://schemas.microsoft.com/office/drawing/2014/main" val="1897417928"/>
+                    <a16:rowId xmlns:a16="http://schemas.microsoft.com/office/drawing/2014/main" xmlns="" val="1897417928"/>
                   </a:ext>
                 </a:extLst>
               </a:tr>
@@ -30075,7 +30099,7 @@
           <p:cNvPr id="6" name="TextBox 5">
             <a:extLst>
               <a:ext uri="{FF2B5EF4-FFF2-40B4-BE49-F238E27FC236}">
-                <a16:creationId xmlns:a16="http://schemas.microsoft.com/office/drawing/2014/main" id="{D85B8E4F-19BC-2095-4103-3EC32909ED8B}"/>
+                <a16:creationId xmlns:a16="http://schemas.microsoft.com/office/drawing/2014/main" xmlns="" id="{D85B8E4F-19BC-2095-4103-3EC32909ED8B}"/>
               </a:ext>
             </a:extLst>
           </p:cNvPr>
@@ -30133,7 +30157,7 @@
           <p:cNvPr id="7" name="TextBox 6">
             <a:extLst>
               <a:ext uri="{FF2B5EF4-FFF2-40B4-BE49-F238E27FC236}">
-                <a16:creationId xmlns:a16="http://schemas.microsoft.com/office/drawing/2014/main" id="{55A373CC-6CE8-7E17-2FD2-4161AF3CFB2F}"/>
+                <a16:creationId xmlns:a16="http://schemas.microsoft.com/office/drawing/2014/main" xmlns="" id="{55A373CC-6CE8-7E17-2FD2-4161AF3CFB2F}"/>
               </a:ext>
             </a:extLst>
           </p:cNvPr>
@@ -30487,7 +30511,7 @@
           <p:cNvPr id="2" name="TextBox 1">
             <a:extLst>
               <a:ext uri="{FF2B5EF4-FFF2-40B4-BE49-F238E27FC236}">
-                <a16:creationId xmlns:a16="http://schemas.microsoft.com/office/drawing/2014/main" id="{715D88A2-BD52-978B-A00A-540446126E3D}"/>
+                <a16:creationId xmlns:a16="http://schemas.microsoft.com/office/drawing/2014/main" xmlns="" id="{715D88A2-BD52-978B-A00A-540446126E3D}"/>
               </a:ext>
             </a:extLst>
           </p:cNvPr>
@@ -30560,7 +30584,7 @@
           <p:cNvPr id="32" name="TextBox 31">
             <a:extLst>
               <a:ext uri="{FF2B5EF4-FFF2-40B4-BE49-F238E27FC236}">
-                <a16:creationId xmlns:a16="http://schemas.microsoft.com/office/drawing/2014/main" id="{5ADC00B6-990A-40DC-3CEA-505258F5E8DA}"/>
+                <a16:creationId xmlns:a16="http://schemas.microsoft.com/office/drawing/2014/main" xmlns="" id="{5ADC00B6-990A-40DC-3CEA-505258F5E8DA}"/>
               </a:ext>
             </a:extLst>
           </p:cNvPr>
@@ -30631,7 +30655,7 @@
           <p:cNvPr id="8" name="그림 7">
             <a:extLst>
               <a:ext uri="{FF2B5EF4-FFF2-40B4-BE49-F238E27FC236}">
-                <a16:creationId xmlns:a16="http://schemas.microsoft.com/office/drawing/2014/main" id="{36EA5A03-03DE-406B-81E8-A6717DF31F95}"/>
+                <a16:creationId xmlns:a16="http://schemas.microsoft.com/office/drawing/2014/main" xmlns="" id="{36EA5A03-03DE-406B-81E8-A6717DF31F95}"/>
               </a:ext>
             </a:extLst>
           </p:cNvPr>
@@ -30661,7 +30685,7 @@
           <p:cNvPr id="9" name="TextBox 8">
             <a:extLst>
               <a:ext uri="{FF2B5EF4-FFF2-40B4-BE49-F238E27FC236}">
-                <a16:creationId xmlns:a16="http://schemas.microsoft.com/office/drawing/2014/main" id="{891E823C-FB22-A322-2590-BE7D83C31C15}"/>
+                <a16:creationId xmlns:a16="http://schemas.microsoft.com/office/drawing/2014/main" xmlns="" id="{891E823C-FB22-A322-2590-BE7D83C31C15}"/>
               </a:ext>
             </a:extLst>
           </p:cNvPr>
@@ -30702,7 +30726,7 @@
           <p:cNvPr id="11" name="그룹 1008">
             <a:extLst>
               <a:ext uri="{FF2B5EF4-FFF2-40B4-BE49-F238E27FC236}">
-                <a16:creationId xmlns:a16="http://schemas.microsoft.com/office/drawing/2014/main" id="{1EFF84BC-CE69-6E9A-0728-7433E2852943}"/>
+                <a16:creationId xmlns:a16="http://schemas.microsoft.com/office/drawing/2014/main" xmlns="" id="{1EFF84BC-CE69-6E9A-0728-7433E2852943}"/>
               </a:ext>
             </a:extLst>
           </p:cNvPr>
@@ -30722,7 +30746,7 @@
             <p:cNvPr id="12" name="그룹 1009">
               <a:extLst>
                 <a:ext uri="{FF2B5EF4-FFF2-40B4-BE49-F238E27FC236}">
-                  <a16:creationId xmlns:a16="http://schemas.microsoft.com/office/drawing/2014/main" id="{AA36F7CC-930A-2820-CA0D-F0788A037F7E}"/>
+                  <a16:creationId xmlns:a16="http://schemas.microsoft.com/office/drawing/2014/main" xmlns="" id="{AA36F7CC-930A-2820-CA0D-F0788A037F7E}"/>
                 </a:ext>
               </a:extLst>
             </p:cNvPr>
@@ -30742,7 +30766,7 @@
               <p:cNvPr id="19" name="Object 29">
                 <a:extLst>
                   <a:ext uri="{FF2B5EF4-FFF2-40B4-BE49-F238E27FC236}">
-                    <a16:creationId xmlns:a16="http://schemas.microsoft.com/office/drawing/2014/main" id="{9A5ADF80-DCC2-E6F9-0072-FFE30C7AF188}"/>
+                    <a16:creationId xmlns:a16="http://schemas.microsoft.com/office/drawing/2014/main" xmlns="" id="{9A5ADF80-DCC2-E6F9-0072-FFE30C7AF188}"/>
                   </a:ext>
                 </a:extLst>
               </p:cNvPr>
@@ -30773,7 +30797,7 @@
             <p:cNvPr id="13" name="그룹 1010">
               <a:extLst>
                 <a:ext uri="{FF2B5EF4-FFF2-40B4-BE49-F238E27FC236}">
-                  <a16:creationId xmlns:a16="http://schemas.microsoft.com/office/drawing/2014/main" id="{BA7EBFBB-DEC0-52A3-DA23-A283CA4F78AE}"/>
+                  <a16:creationId xmlns:a16="http://schemas.microsoft.com/office/drawing/2014/main" xmlns="" id="{BA7EBFBB-DEC0-52A3-DA23-A283CA4F78AE}"/>
                 </a:ext>
               </a:extLst>
             </p:cNvPr>
@@ -30793,7 +30817,7 @@
               <p:cNvPr id="17" name="Object 32">
                 <a:extLst>
                   <a:ext uri="{FF2B5EF4-FFF2-40B4-BE49-F238E27FC236}">
-                    <a16:creationId xmlns:a16="http://schemas.microsoft.com/office/drawing/2014/main" id="{FCA018BA-6DFF-9726-2010-E6B74AA92750}"/>
+                    <a16:creationId xmlns:a16="http://schemas.microsoft.com/office/drawing/2014/main" xmlns="" id="{FCA018BA-6DFF-9726-2010-E6B74AA92750}"/>
                   </a:ext>
                 </a:extLst>
               </p:cNvPr>
@@ -30824,7 +30848,7 @@
             <p:cNvPr id="14" name="그룹 1011">
               <a:extLst>
                 <a:ext uri="{FF2B5EF4-FFF2-40B4-BE49-F238E27FC236}">
-                  <a16:creationId xmlns:a16="http://schemas.microsoft.com/office/drawing/2014/main" id="{89BDD7E3-4009-6928-125A-3AF760574E6B}"/>
+                  <a16:creationId xmlns:a16="http://schemas.microsoft.com/office/drawing/2014/main" xmlns="" id="{89BDD7E3-4009-6928-125A-3AF760574E6B}"/>
                 </a:ext>
               </a:extLst>
             </p:cNvPr>
@@ -30844,7 +30868,7 @@
               <p:cNvPr id="16" name="Object 35">
                 <a:extLst>
                   <a:ext uri="{FF2B5EF4-FFF2-40B4-BE49-F238E27FC236}">
-                    <a16:creationId xmlns:a16="http://schemas.microsoft.com/office/drawing/2014/main" id="{6A68EFC7-0442-EB71-2629-EBFF29843026}"/>
+                    <a16:creationId xmlns:a16="http://schemas.microsoft.com/office/drawing/2014/main" xmlns="" id="{6A68EFC7-0442-EB71-2629-EBFF29843026}"/>
                   </a:ext>
                 </a:extLst>
               </p:cNvPr>
@@ -30876,7 +30900,7 @@
           <p:cNvPr id="20" name="그룹 1016">
             <a:extLst>
               <a:ext uri="{FF2B5EF4-FFF2-40B4-BE49-F238E27FC236}">
-                <a16:creationId xmlns:a16="http://schemas.microsoft.com/office/drawing/2014/main" id="{5AADB473-E166-1313-8A9E-3F089E59CF16}"/>
+                <a16:creationId xmlns:a16="http://schemas.microsoft.com/office/drawing/2014/main" xmlns="" id="{5AADB473-E166-1313-8A9E-3F089E59CF16}"/>
               </a:ext>
             </a:extLst>
           </p:cNvPr>
@@ -30896,7 +30920,7 @@
             <p:cNvPr id="22" name="Object 46">
               <a:extLst>
                 <a:ext uri="{FF2B5EF4-FFF2-40B4-BE49-F238E27FC236}">
-                  <a16:creationId xmlns:a16="http://schemas.microsoft.com/office/drawing/2014/main" id="{FE1DBED5-EA1B-FF19-35A4-35D68ECE2FE4}"/>
+                  <a16:creationId xmlns:a16="http://schemas.microsoft.com/office/drawing/2014/main" xmlns="" id="{FE1DBED5-EA1B-FF19-35A4-35D68ECE2FE4}"/>
                 </a:ext>
               </a:extLst>
             </p:cNvPr>
@@ -30927,7 +30951,7 @@
           <p:cNvPr id="33" name="TextBox 32">
             <a:extLst>
               <a:ext uri="{FF2B5EF4-FFF2-40B4-BE49-F238E27FC236}">
-                <a16:creationId xmlns:a16="http://schemas.microsoft.com/office/drawing/2014/main" id="{BF5DC44A-D1FE-0544-134B-19A623DD705D}"/>
+                <a16:creationId xmlns:a16="http://schemas.microsoft.com/office/drawing/2014/main" xmlns="" id="{BF5DC44A-D1FE-0544-134B-19A623DD705D}"/>
               </a:ext>
             </a:extLst>
           </p:cNvPr>
@@ -31045,7 +31069,7 @@
           <p:cNvPr id="4" name="표 3">
             <a:extLst>
               <a:ext uri="{FF2B5EF4-FFF2-40B4-BE49-F238E27FC236}">
-                <a16:creationId xmlns:a16="http://schemas.microsoft.com/office/drawing/2014/main" id="{94393C86-0B06-3BF4-D58A-5DF6481E98D2}"/>
+                <a16:creationId xmlns:a16="http://schemas.microsoft.com/office/drawing/2014/main" xmlns="" id="{94393C86-0B06-3BF4-D58A-5DF6481E98D2}"/>
               </a:ext>
             </a:extLst>
           </p:cNvPr>
@@ -31074,14 +31098,14 @@
                 <a:gridCol w="1447800">
                   <a:extLst>
                     <a:ext uri="{9D8B030D-6E8A-4147-A177-3AD203B41FA5}">
-                      <a16:colId xmlns:a16="http://schemas.microsoft.com/office/drawing/2014/main" val="3731381781"/>
+                      <a16:colId xmlns:a16="http://schemas.microsoft.com/office/drawing/2014/main" xmlns="" val="3731381781"/>
                     </a:ext>
                   </a:extLst>
                 </a:gridCol>
                 <a:gridCol w="1981200">
                   <a:extLst>
                     <a:ext uri="{9D8B030D-6E8A-4147-A177-3AD203B41FA5}">
-                      <a16:colId xmlns:a16="http://schemas.microsoft.com/office/drawing/2014/main" val="2922041479"/>
+                      <a16:colId xmlns:a16="http://schemas.microsoft.com/office/drawing/2014/main" xmlns="" val="2922041479"/>
                     </a:ext>
                   </a:extLst>
                 </a:gridCol>
@@ -31207,7 +31231,7 @@
                 </a:tc>
                 <a:extLst>
                   <a:ext uri="{0D108BD9-81ED-4DB2-BD59-A6C34878D82A}">
-                    <a16:rowId xmlns:a16="http://schemas.microsoft.com/office/drawing/2014/main" val="3716032365"/>
+                    <a16:rowId xmlns:a16="http://schemas.microsoft.com/office/drawing/2014/main" xmlns="" val="3716032365"/>
                   </a:ext>
                 </a:extLst>
               </a:tr>
@@ -31336,7 +31360,7 @@
                 </a:tc>
                 <a:extLst>
                   <a:ext uri="{0D108BD9-81ED-4DB2-BD59-A6C34878D82A}">
-                    <a16:rowId xmlns:a16="http://schemas.microsoft.com/office/drawing/2014/main" val="1765325807"/>
+                    <a16:rowId xmlns:a16="http://schemas.microsoft.com/office/drawing/2014/main" xmlns="" val="1765325807"/>
                   </a:ext>
                 </a:extLst>
               </a:tr>
@@ -31449,7 +31473,7 @@
                 </a:tc>
                 <a:extLst>
                   <a:ext uri="{0D108BD9-81ED-4DB2-BD59-A6C34878D82A}">
-                    <a16:rowId xmlns:a16="http://schemas.microsoft.com/office/drawing/2014/main" val="3352121117"/>
+                    <a16:rowId xmlns:a16="http://schemas.microsoft.com/office/drawing/2014/main" xmlns="" val="3352121117"/>
                   </a:ext>
                 </a:extLst>
               </a:tr>
@@ -31562,7 +31586,7 @@
                 </a:tc>
                 <a:extLst>
                   <a:ext uri="{0D108BD9-81ED-4DB2-BD59-A6C34878D82A}">
-                    <a16:rowId xmlns:a16="http://schemas.microsoft.com/office/drawing/2014/main" val="2004051296"/>
+                    <a16:rowId xmlns:a16="http://schemas.microsoft.com/office/drawing/2014/main" xmlns="" val="2004051296"/>
                   </a:ext>
                 </a:extLst>
               </a:tr>
@@ -31675,7 +31699,7 @@
                 </a:tc>
                 <a:extLst>
                   <a:ext uri="{0D108BD9-81ED-4DB2-BD59-A6C34878D82A}">
-                    <a16:rowId xmlns:a16="http://schemas.microsoft.com/office/drawing/2014/main" val="3455365349"/>
+                    <a16:rowId xmlns:a16="http://schemas.microsoft.com/office/drawing/2014/main" xmlns="" val="3455365349"/>
                   </a:ext>
                 </a:extLst>
               </a:tr>
@@ -31788,7 +31812,7 @@
                 </a:tc>
                 <a:extLst>
                   <a:ext uri="{0D108BD9-81ED-4DB2-BD59-A6C34878D82A}">
-                    <a16:rowId xmlns:a16="http://schemas.microsoft.com/office/drawing/2014/main" val="3167686984"/>
+                    <a16:rowId xmlns:a16="http://schemas.microsoft.com/office/drawing/2014/main" xmlns="" val="3167686984"/>
                   </a:ext>
                 </a:extLst>
               </a:tr>
@@ -31901,7 +31925,7 @@
                 </a:tc>
                 <a:extLst>
                   <a:ext uri="{0D108BD9-81ED-4DB2-BD59-A6C34878D82A}">
-                    <a16:rowId xmlns:a16="http://schemas.microsoft.com/office/drawing/2014/main" val="4026164128"/>
+                    <a16:rowId xmlns:a16="http://schemas.microsoft.com/office/drawing/2014/main" xmlns="" val="4026164128"/>
                   </a:ext>
                 </a:extLst>
               </a:tr>
@@ -31914,7 +31938,7 @@
           <p:cNvPr id="5" name="그룹 1018">
             <a:extLst>
               <a:ext uri="{FF2B5EF4-FFF2-40B4-BE49-F238E27FC236}">
-                <a16:creationId xmlns:a16="http://schemas.microsoft.com/office/drawing/2014/main" id="{1330ABEF-15CB-8649-BD8D-F461129ED30D}"/>
+                <a16:creationId xmlns:a16="http://schemas.microsoft.com/office/drawing/2014/main" xmlns="" id="{1330ABEF-15CB-8649-BD8D-F461129ED30D}"/>
               </a:ext>
             </a:extLst>
           </p:cNvPr>
@@ -31934,7 +31958,7 @@
             <p:cNvPr id="6" name="Object 61">
               <a:extLst>
                 <a:ext uri="{FF2B5EF4-FFF2-40B4-BE49-F238E27FC236}">
-                  <a16:creationId xmlns:a16="http://schemas.microsoft.com/office/drawing/2014/main" id="{ECF5792B-1F12-6090-875D-41885B0FBB10}"/>
+                  <a16:creationId xmlns:a16="http://schemas.microsoft.com/office/drawing/2014/main" xmlns="" id="{ECF5792B-1F12-6090-875D-41885B0FBB10}"/>
                 </a:ext>
               </a:extLst>
             </p:cNvPr>
@@ -31965,7 +31989,7 @@
           <p:cNvPr id="7" name="TextBox 6">
             <a:extLst>
               <a:ext uri="{FF2B5EF4-FFF2-40B4-BE49-F238E27FC236}">
-                <a16:creationId xmlns:a16="http://schemas.microsoft.com/office/drawing/2014/main" id="{7D83DD72-9F66-04E8-C674-1E40B9EC6DA5}"/>
+                <a16:creationId xmlns:a16="http://schemas.microsoft.com/office/drawing/2014/main" xmlns="" id="{7D83DD72-9F66-04E8-C674-1E40B9EC6DA5}"/>
               </a:ext>
             </a:extLst>
           </p:cNvPr>
@@ -32019,7 +32043,7 @@
           <p:cNvPr id="8" name="TextBox 7">
             <a:extLst>
               <a:ext uri="{FF2B5EF4-FFF2-40B4-BE49-F238E27FC236}">
-                <a16:creationId xmlns:a16="http://schemas.microsoft.com/office/drawing/2014/main" id="{307451BB-0100-5972-5BD5-E7D3BCBD6301}"/>
+                <a16:creationId xmlns:a16="http://schemas.microsoft.com/office/drawing/2014/main" xmlns="" id="{307451BB-0100-5972-5BD5-E7D3BCBD6301}"/>
               </a:ext>
             </a:extLst>
           </p:cNvPr>
@@ -32063,7 +32087,7 @@
           <p:cNvPr id="9" name="TextBox 8">
             <a:extLst>
               <a:ext uri="{FF2B5EF4-FFF2-40B4-BE49-F238E27FC236}">
-                <a16:creationId xmlns:a16="http://schemas.microsoft.com/office/drawing/2014/main" id="{34E3F449-543C-CD72-319C-A17299BAD58E}"/>
+                <a16:creationId xmlns:a16="http://schemas.microsoft.com/office/drawing/2014/main" xmlns="" id="{34E3F449-543C-CD72-319C-A17299BAD58E}"/>
               </a:ext>
             </a:extLst>
           </p:cNvPr>
@@ -32111,7 +32135,7 @@
           <p:cNvPr id="10" name="TextBox 9">
             <a:extLst>
               <a:ext uri="{FF2B5EF4-FFF2-40B4-BE49-F238E27FC236}">
-                <a16:creationId xmlns:a16="http://schemas.microsoft.com/office/drawing/2014/main" id="{E2F69BEC-12A2-9108-7924-1B36AF4430E4}"/>
+                <a16:creationId xmlns:a16="http://schemas.microsoft.com/office/drawing/2014/main" xmlns="" id="{E2F69BEC-12A2-9108-7924-1B36AF4430E4}"/>
               </a:ext>
             </a:extLst>
           </p:cNvPr>
@@ -32178,7 +32202,7 @@
           <p:cNvPr id="12" name="그림 11">
             <a:extLst>
               <a:ext uri="{FF2B5EF4-FFF2-40B4-BE49-F238E27FC236}">
-                <a16:creationId xmlns:a16="http://schemas.microsoft.com/office/drawing/2014/main" id="{B0E66467-5213-2FA0-A521-3B39B6797D99}"/>
+                <a16:creationId xmlns:a16="http://schemas.microsoft.com/office/drawing/2014/main" xmlns="" id="{B0E66467-5213-2FA0-A521-3B39B6797D99}"/>
               </a:ext>
             </a:extLst>
           </p:cNvPr>
@@ -32208,7 +32232,7 @@
           <p:cNvPr id="13" name="직선 화살표 연결선 12">
             <a:extLst>
               <a:ext uri="{FF2B5EF4-FFF2-40B4-BE49-F238E27FC236}">
-                <a16:creationId xmlns:a16="http://schemas.microsoft.com/office/drawing/2014/main" id="{A258CCA0-C886-9F46-EA23-630BE0C66BE2}"/>
+                <a16:creationId xmlns:a16="http://schemas.microsoft.com/office/drawing/2014/main" xmlns="" id="{A258CCA0-C886-9F46-EA23-630BE0C66BE2}"/>
               </a:ext>
             </a:extLst>
           </p:cNvPr>
@@ -32280,7 +32304,7 @@
           <p:cNvPr id="4" name="TextBox 3">
             <a:extLst>
               <a:ext uri="{FF2B5EF4-FFF2-40B4-BE49-F238E27FC236}">
-                <a16:creationId xmlns:a16="http://schemas.microsoft.com/office/drawing/2014/main" id="{C1898E6D-AE67-F9BC-3E27-12ED9B1FE83E}"/>
+                <a16:creationId xmlns:a16="http://schemas.microsoft.com/office/drawing/2014/main" xmlns="" id="{C1898E6D-AE67-F9BC-3E27-12ED9B1FE83E}"/>
               </a:ext>
             </a:extLst>
           </p:cNvPr>
@@ -32328,7 +32352,7 @@
           <p:cNvPr id="6" name="그림 5">
             <a:extLst>
               <a:ext uri="{FF2B5EF4-FFF2-40B4-BE49-F238E27FC236}">
-                <a16:creationId xmlns:a16="http://schemas.microsoft.com/office/drawing/2014/main" id="{34183050-65C1-05AB-E218-F7C08E562299}"/>
+                <a16:creationId xmlns:a16="http://schemas.microsoft.com/office/drawing/2014/main" xmlns="" id="{34183050-65C1-05AB-E218-F7C08E562299}"/>
               </a:ext>
             </a:extLst>
           </p:cNvPr>
@@ -32358,7 +32382,7 @@
           <p:cNvPr id="7" name="TextBox 6">
             <a:extLst>
               <a:ext uri="{FF2B5EF4-FFF2-40B4-BE49-F238E27FC236}">
-                <a16:creationId xmlns:a16="http://schemas.microsoft.com/office/drawing/2014/main" id="{B4AA3674-0BEE-604F-2135-D115C443AB3D}"/>
+                <a16:creationId xmlns:a16="http://schemas.microsoft.com/office/drawing/2014/main" xmlns="" id="{B4AA3674-0BEE-604F-2135-D115C443AB3D}"/>
               </a:ext>
             </a:extLst>
           </p:cNvPr>
@@ -32406,7 +32430,7 @@
           <p:cNvPr id="2" name="직사각형 1">
             <a:extLst>
               <a:ext uri="{FF2B5EF4-FFF2-40B4-BE49-F238E27FC236}">
-                <a16:creationId xmlns:a16="http://schemas.microsoft.com/office/drawing/2014/main" id="{40BCA21D-3B4F-5C68-051C-C54D2F6FBC5E}"/>
+                <a16:creationId xmlns:a16="http://schemas.microsoft.com/office/drawing/2014/main" xmlns="" id="{40BCA21D-3B4F-5C68-051C-C54D2F6FBC5E}"/>
               </a:ext>
             </a:extLst>
           </p:cNvPr>
@@ -32458,7 +32482,7 @@
           <p:cNvPr id="3" name="직사각형 2">
             <a:extLst>
               <a:ext uri="{FF2B5EF4-FFF2-40B4-BE49-F238E27FC236}">
-                <a16:creationId xmlns:a16="http://schemas.microsoft.com/office/drawing/2014/main" id="{703082B3-C7A3-E021-F8B8-D12E08F32AA1}"/>
+                <a16:creationId xmlns:a16="http://schemas.microsoft.com/office/drawing/2014/main" xmlns="" id="{703082B3-C7A3-E021-F8B8-D12E08F32AA1}"/>
               </a:ext>
             </a:extLst>
           </p:cNvPr>
@@ -32510,7 +32534,7 @@
           <p:cNvPr id="5" name="그림 4">
             <a:extLst>
               <a:ext uri="{FF2B5EF4-FFF2-40B4-BE49-F238E27FC236}">
-                <a16:creationId xmlns:a16="http://schemas.microsoft.com/office/drawing/2014/main" id="{596EE362-5F0F-3029-8201-891D2AB64335}"/>
+                <a16:creationId xmlns:a16="http://schemas.microsoft.com/office/drawing/2014/main" xmlns="" id="{596EE362-5F0F-3029-8201-891D2AB64335}"/>
               </a:ext>
             </a:extLst>
           </p:cNvPr>
@@ -32540,7 +32564,7 @@
           <p:cNvPr id="8" name="직사각형 7">
             <a:extLst>
               <a:ext uri="{FF2B5EF4-FFF2-40B4-BE49-F238E27FC236}">
-                <a16:creationId xmlns:a16="http://schemas.microsoft.com/office/drawing/2014/main" id="{C346E719-ED0A-7AEA-AF61-5B5FF03676A9}"/>
+                <a16:creationId xmlns:a16="http://schemas.microsoft.com/office/drawing/2014/main" xmlns="" id="{C346E719-ED0A-7AEA-AF61-5B5FF03676A9}"/>
               </a:ext>
             </a:extLst>
           </p:cNvPr>
@@ -32592,7 +32616,7 @@
           <p:cNvPr id="9" name="직사각형 8">
             <a:extLst>
               <a:ext uri="{FF2B5EF4-FFF2-40B4-BE49-F238E27FC236}">
-                <a16:creationId xmlns:a16="http://schemas.microsoft.com/office/drawing/2014/main" id="{065E66D5-A79A-68FC-9736-F34D4DBB85C8}"/>
+                <a16:creationId xmlns:a16="http://schemas.microsoft.com/office/drawing/2014/main" xmlns="" id="{065E66D5-A79A-68FC-9736-F34D4DBB85C8}"/>
               </a:ext>
             </a:extLst>
           </p:cNvPr>
@@ -32644,7 +32668,7 @@
           <p:cNvPr id="11" name="그림 10">
             <a:extLst>
               <a:ext uri="{FF2B5EF4-FFF2-40B4-BE49-F238E27FC236}">
-                <a16:creationId xmlns:a16="http://schemas.microsoft.com/office/drawing/2014/main" id="{FBC337D5-A2F3-BF34-090D-6DEAD6087E07}"/>
+                <a16:creationId xmlns:a16="http://schemas.microsoft.com/office/drawing/2014/main" xmlns="" id="{FBC337D5-A2F3-BF34-090D-6DEAD6087E07}"/>
               </a:ext>
             </a:extLst>
           </p:cNvPr>
@@ -32674,7 +32698,7 @@
           <p:cNvPr id="12" name="그림 11">
             <a:extLst>
               <a:ext uri="{FF2B5EF4-FFF2-40B4-BE49-F238E27FC236}">
-                <a16:creationId xmlns:a16="http://schemas.microsoft.com/office/drawing/2014/main" id="{A4E43F85-8626-AF9D-2B57-4F8FD132461B}"/>
+                <a16:creationId xmlns:a16="http://schemas.microsoft.com/office/drawing/2014/main" xmlns="" id="{A4E43F85-8626-AF9D-2B57-4F8FD132461B}"/>
               </a:ext>
             </a:extLst>
           </p:cNvPr>
@@ -32704,7 +32728,7 @@
           <p:cNvPr id="13" name="TextBox 12">
             <a:extLst>
               <a:ext uri="{FF2B5EF4-FFF2-40B4-BE49-F238E27FC236}">
-                <a16:creationId xmlns:a16="http://schemas.microsoft.com/office/drawing/2014/main" id="{6A36272A-1863-83A8-E582-2BAD0426619C}"/>
+                <a16:creationId xmlns:a16="http://schemas.microsoft.com/office/drawing/2014/main" xmlns="" id="{6A36272A-1863-83A8-E582-2BAD0426619C}"/>
               </a:ext>
             </a:extLst>
           </p:cNvPr>
@@ -32932,7 +32956,7 @@
           <p:cNvPr id="10" name="표 9">
             <a:extLst>
               <a:ext uri="{FF2B5EF4-FFF2-40B4-BE49-F238E27FC236}">
-                <a16:creationId xmlns:a16="http://schemas.microsoft.com/office/drawing/2014/main" id="{28AB1E84-4FFE-DBB7-4A4A-6D401C7DB994}"/>
+                <a16:creationId xmlns:a16="http://schemas.microsoft.com/office/drawing/2014/main" xmlns="" id="{28AB1E84-4FFE-DBB7-4A4A-6D401C7DB994}"/>
               </a:ext>
             </a:extLst>
           </p:cNvPr>
@@ -32961,14 +32985,14 @@
                 <a:gridCol w="1447800">
                   <a:extLst>
                     <a:ext uri="{9D8B030D-6E8A-4147-A177-3AD203B41FA5}">
-                      <a16:colId xmlns:a16="http://schemas.microsoft.com/office/drawing/2014/main" val="3731381781"/>
+                      <a16:colId xmlns:a16="http://schemas.microsoft.com/office/drawing/2014/main" xmlns="" val="3731381781"/>
                     </a:ext>
                   </a:extLst>
                 </a:gridCol>
                 <a:gridCol w="1981200">
                   <a:extLst>
                     <a:ext uri="{9D8B030D-6E8A-4147-A177-3AD203B41FA5}">
-                      <a16:colId xmlns:a16="http://schemas.microsoft.com/office/drawing/2014/main" val="2922041479"/>
+                      <a16:colId xmlns:a16="http://schemas.microsoft.com/office/drawing/2014/main" xmlns="" val="2922041479"/>
                     </a:ext>
                   </a:extLst>
                 </a:gridCol>
@@ -33094,7 +33118,7 @@
                 </a:tc>
                 <a:extLst>
                   <a:ext uri="{0D108BD9-81ED-4DB2-BD59-A6C34878D82A}">
-                    <a16:rowId xmlns:a16="http://schemas.microsoft.com/office/drawing/2014/main" val="3716032365"/>
+                    <a16:rowId xmlns:a16="http://schemas.microsoft.com/office/drawing/2014/main" xmlns="" val="3716032365"/>
                   </a:ext>
                 </a:extLst>
               </a:tr>
@@ -33223,7 +33247,7 @@
                 </a:tc>
                 <a:extLst>
                   <a:ext uri="{0D108BD9-81ED-4DB2-BD59-A6C34878D82A}">
-                    <a16:rowId xmlns:a16="http://schemas.microsoft.com/office/drawing/2014/main" val="1765325807"/>
+                    <a16:rowId xmlns:a16="http://schemas.microsoft.com/office/drawing/2014/main" xmlns="" val="1765325807"/>
                   </a:ext>
                 </a:extLst>
               </a:tr>
@@ -33336,7 +33360,7 @@
                 </a:tc>
                 <a:extLst>
                   <a:ext uri="{0D108BD9-81ED-4DB2-BD59-A6C34878D82A}">
-                    <a16:rowId xmlns:a16="http://schemas.microsoft.com/office/drawing/2014/main" val="3352121117"/>
+                    <a16:rowId xmlns:a16="http://schemas.microsoft.com/office/drawing/2014/main" xmlns="" val="3352121117"/>
                   </a:ext>
                 </a:extLst>
               </a:tr>
@@ -33449,7 +33473,7 @@
                 </a:tc>
                 <a:extLst>
                   <a:ext uri="{0D108BD9-81ED-4DB2-BD59-A6C34878D82A}">
-                    <a16:rowId xmlns:a16="http://schemas.microsoft.com/office/drawing/2014/main" val="2004051296"/>
+                    <a16:rowId xmlns:a16="http://schemas.microsoft.com/office/drawing/2014/main" xmlns="" val="2004051296"/>
                   </a:ext>
                 </a:extLst>
               </a:tr>
@@ -33562,7 +33586,7 @@
                 </a:tc>
                 <a:extLst>
                   <a:ext uri="{0D108BD9-81ED-4DB2-BD59-A6C34878D82A}">
-                    <a16:rowId xmlns:a16="http://schemas.microsoft.com/office/drawing/2014/main" val="3455365349"/>
+                    <a16:rowId xmlns:a16="http://schemas.microsoft.com/office/drawing/2014/main" xmlns="" val="3455365349"/>
                   </a:ext>
                 </a:extLst>
               </a:tr>
@@ -33675,7 +33699,7 @@
                 </a:tc>
                 <a:extLst>
                   <a:ext uri="{0D108BD9-81ED-4DB2-BD59-A6C34878D82A}">
-                    <a16:rowId xmlns:a16="http://schemas.microsoft.com/office/drawing/2014/main" val="3167686984"/>
+                    <a16:rowId xmlns:a16="http://schemas.microsoft.com/office/drawing/2014/main" xmlns="" val="3167686984"/>
                   </a:ext>
                 </a:extLst>
               </a:tr>
@@ -33788,7 +33812,7 @@
                 </a:tc>
                 <a:extLst>
                   <a:ext uri="{0D108BD9-81ED-4DB2-BD59-A6C34878D82A}">
-                    <a16:rowId xmlns:a16="http://schemas.microsoft.com/office/drawing/2014/main" val="4026164128"/>
+                    <a16:rowId xmlns:a16="http://schemas.microsoft.com/office/drawing/2014/main" xmlns="" val="4026164128"/>
                   </a:ext>
                 </a:extLst>
               </a:tr>
@@ -33801,7 +33825,7 @@
           <p:cNvPr id="11" name="그룹 1018">
             <a:extLst>
               <a:ext uri="{FF2B5EF4-FFF2-40B4-BE49-F238E27FC236}">
-                <a16:creationId xmlns:a16="http://schemas.microsoft.com/office/drawing/2014/main" id="{35589F1E-ACE7-13AB-5939-F16EBC4F7D74}"/>
+                <a16:creationId xmlns:a16="http://schemas.microsoft.com/office/drawing/2014/main" xmlns="" id="{35589F1E-ACE7-13AB-5939-F16EBC4F7D74}"/>
               </a:ext>
             </a:extLst>
           </p:cNvPr>
@@ -33821,7 +33845,7 @@
             <p:cNvPr id="12" name="Object 61">
               <a:extLst>
                 <a:ext uri="{FF2B5EF4-FFF2-40B4-BE49-F238E27FC236}">
-                  <a16:creationId xmlns:a16="http://schemas.microsoft.com/office/drawing/2014/main" id="{D7242013-6B13-19EB-F7F4-2A1B727A4A0A}"/>
+                  <a16:creationId xmlns:a16="http://schemas.microsoft.com/office/drawing/2014/main" xmlns="" id="{D7242013-6B13-19EB-F7F4-2A1B727A4A0A}"/>
                 </a:ext>
               </a:extLst>
             </p:cNvPr>
@@ -33852,7 +33876,7 @@
           <p:cNvPr id="13" name="TextBox 12">
             <a:extLst>
               <a:ext uri="{FF2B5EF4-FFF2-40B4-BE49-F238E27FC236}">
-                <a16:creationId xmlns:a16="http://schemas.microsoft.com/office/drawing/2014/main" id="{E6B61D91-F56A-04E2-96A7-74A68AABE02B}"/>
+                <a16:creationId xmlns:a16="http://schemas.microsoft.com/office/drawing/2014/main" xmlns="" id="{E6B61D91-F56A-04E2-96A7-74A68AABE02B}"/>
               </a:ext>
             </a:extLst>
           </p:cNvPr>
@@ -33896,7 +33920,7 @@
           <p:cNvPr id="14" name="TextBox 13">
             <a:extLst>
               <a:ext uri="{FF2B5EF4-FFF2-40B4-BE49-F238E27FC236}">
-                <a16:creationId xmlns:a16="http://schemas.microsoft.com/office/drawing/2014/main" id="{1BAF2783-C3B4-F958-A545-19D7F14B5F8F}"/>
+                <a16:creationId xmlns:a16="http://schemas.microsoft.com/office/drawing/2014/main" xmlns="" id="{1BAF2783-C3B4-F958-A545-19D7F14B5F8F}"/>
               </a:ext>
             </a:extLst>
           </p:cNvPr>
@@ -33940,7 +33964,7 @@
           <p:cNvPr id="15" name="직선 화살표 연결선 14">
             <a:extLst>
               <a:ext uri="{FF2B5EF4-FFF2-40B4-BE49-F238E27FC236}">
-                <a16:creationId xmlns:a16="http://schemas.microsoft.com/office/drawing/2014/main" id="{544A88F7-D31A-049B-FE46-AD3E1AF0AE94}"/>
+                <a16:creationId xmlns:a16="http://schemas.microsoft.com/office/drawing/2014/main" xmlns="" id="{544A88F7-D31A-049B-FE46-AD3E1AF0AE94}"/>
               </a:ext>
             </a:extLst>
           </p:cNvPr>
@@ -33982,7 +34006,7 @@
           <p:cNvPr id="17" name="그림 16">
             <a:extLst>
               <a:ext uri="{FF2B5EF4-FFF2-40B4-BE49-F238E27FC236}">
-                <a16:creationId xmlns:a16="http://schemas.microsoft.com/office/drawing/2014/main" id="{7305A9B8-8402-F39C-C099-216C2F2F5193}"/>
+                <a16:creationId xmlns:a16="http://schemas.microsoft.com/office/drawing/2014/main" xmlns="" id="{7305A9B8-8402-F39C-C099-216C2F2F5193}"/>
               </a:ext>
             </a:extLst>
           </p:cNvPr>
@@ -34012,7 +34036,7 @@
           <p:cNvPr id="18" name="TextBox 17">
             <a:extLst>
               <a:ext uri="{FF2B5EF4-FFF2-40B4-BE49-F238E27FC236}">
-                <a16:creationId xmlns:a16="http://schemas.microsoft.com/office/drawing/2014/main" id="{72F416CC-94E0-9549-685A-C4418325E924}"/>
+                <a16:creationId xmlns:a16="http://schemas.microsoft.com/office/drawing/2014/main" xmlns="" id="{72F416CC-94E0-9549-685A-C4418325E924}"/>
               </a:ext>
             </a:extLst>
           </p:cNvPr>
@@ -34060,7 +34084,7 @@
           <p:cNvPr id="20" name="그림 19">
             <a:extLst>
               <a:ext uri="{FF2B5EF4-FFF2-40B4-BE49-F238E27FC236}">
-                <a16:creationId xmlns:a16="http://schemas.microsoft.com/office/drawing/2014/main" id="{F3D10D45-AFDE-52E0-DFB6-9DDB1AD2E686}"/>
+                <a16:creationId xmlns:a16="http://schemas.microsoft.com/office/drawing/2014/main" xmlns="" id="{F3D10D45-AFDE-52E0-DFB6-9DDB1AD2E686}"/>
               </a:ext>
             </a:extLst>
           </p:cNvPr>
@@ -34090,7 +34114,7 @@
           <p:cNvPr id="22" name="그림 21">
             <a:extLst>
               <a:ext uri="{FF2B5EF4-FFF2-40B4-BE49-F238E27FC236}">
-                <a16:creationId xmlns:a16="http://schemas.microsoft.com/office/drawing/2014/main" id="{4415765D-99E0-0F30-00F2-E85F4C9751B4}"/>
+                <a16:creationId xmlns:a16="http://schemas.microsoft.com/office/drawing/2014/main" xmlns="" id="{4415765D-99E0-0F30-00F2-E85F4C9751B4}"/>
               </a:ext>
             </a:extLst>
           </p:cNvPr>
@@ -34642,7 +34666,7 @@
           <p:cNvPr id="2" name="TextBox 1">
             <a:extLst>
               <a:ext uri="{FF2B5EF4-FFF2-40B4-BE49-F238E27FC236}">
-                <a16:creationId xmlns:a16="http://schemas.microsoft.com/office/drawing/2014/main" id="{76F36AE5-79B5-0B9F-E510-1C27AAC4B649}"/>
+                <a16:creationId xmlns:a16="http://schemas.microsoft.com/office/drawing/2014/main" xmlns="" id="{76F36AE5-79B5-0B9F-E510-1C27AAC4B649}"/>
               </a:ext>
             </a:extLst>
           </p:cNvPr>
@@ -34720,7 +34744,7 @@
           <p:cNvPr id="4" name="표 3">
             <a:extLst>
               <a:ext uri="{FF2B5EF4-FFF2-40B4-BE49-F238E27FC236}">
-                <a16:creationId xmlns:a16="http://schemas.microsoft.com/office/drawing/2014/main" id="{32F4C41F-E599-6BF7-85C4-F4348B01166D}"/>
+                <a16:creationId xmlns:a16="http://schemas.microsoft.com/office/drawing/2014/main" xmlns="" id="{32F4C41F-E599-6BF7-85C4-F4348B01166D}"/>
               </a:ext>
             </a:extLst>
           </p:cNvPr>
@@ -34749,14 +34773,14 @@
                 <a:gridCol w="2059093">
                   <a:extLst>
                     <a:ext uri="{9D8B030D-6E8A-4147-A177-3AD203B41FA5}">
-                      <a16:colId xmlns:a16="http://schemas.microsoft.com/office/drawing/2014/main" val="3731381781"/>
+                      <a16:colId xmlns:a16="http://schemas.microsoft.com/office/drawing/2014/main" xmlns="" val="3731381781"/>
                     </a:ext>
                   </a:extLst>
                 </a:gridCol>
                 <a:gridCol w="2817707">
                   <a:extLst>
                     <a:ext uri="{9D8B030D-6E8A-4147-A177-3AD203B41FA5}">
-                      <a16:colId xmlns:a16="http://schemas.microsoft.com/office/drawing/2014/main" val="2922041479"/>
+                      <a16:colId xmlns:a16="http://schemas.microsoft.com/office/drawing/2014/main" xmlns="" val="2922041479"/>
                     </a:ext>
                   </a:extLst>
                 </a:gridCol>
@@ -34882,7 +34906,7 @@
                 </a:tc>
                 <a:extLst>
                   <a:ext uri="{0D108BD9-81ED-4DB2-BD59-A6C34878D82A}">
-                    <a16:rowId xmlns:a16="http://schemas.microsoft.com/office/drawing/2014/main" val="3716032365"/>
+                    <a16:rowId xmlns:a16="http://schemas.microsoft.com/office/drawing/2014/main" xmlns="" val="3716032365"/>
                   </a:ext>
                 </a:extLst>
               </a:tr>
@@ -35011,7 +35035,7 @@
                 </a:tc>
                 <a:extLst>
                   <a:ext uri="{0D108BD9-81ED-4DB2-BD59-A6C34878D82A}">
-                    <a16:rowId xmlns:a16="http://schemas.microsoft.com/office/drawing/2014/main" val="1765325807"/>
+                    <a16:rowId xmlns:a16="http://schemas.microsoft.com/office/drawing/2014/main" xmlns="" val="1765325807"/>
                   </a:ext>
                 </a:extLst>
               </a:tr>
@@ -35124,7 +35148,7 @@
                 </a:tc>
                 <a:extLst>
                   <a:ext uri="{0D108BD9-81ED-4DB2-BD59-A6C34878D82A}">
-                    <a16:rowId xmlns:a16="http://schemas.microsoft.com/office/drawing/2014/main" val="3352121117"/>
+                    <a16:rowId xmlns:a16="http://schemas.microsoft.com/office/drawing/2014/main" xmlns="" val="3352121117"/>
                   </a:ext>
                 </a:extLst>
               </a:tr>
@@ -35237,7 +35261,7 @@
                 </a:tc>
                 <a:extLst>
                   <a:ext uri="{0D108BD9-81ED-4DB2-BD59-A6C34878D82A}">
-                    <a16:rowId xmlns:a16="http://schemas.microsoft.com/office/drawing/2014/main" val="2004051296"/>
+                    <a16:rowId xmlns:a16="http://schemas.microsoft.com/office/drawing/2014/main" xmlns="" val="2004051296"/>
                   </a:ext>
                 </a:extLst>
               </a:tr>
@@ -35350,7 +35374,7 @@
                 </a:tc>
                 <a:extLst>
                   <a:ext uri="{0D108BD9-81ED-4DB2-BD59-A6C34878D82A}">
-                    <a16:rowId xmlns:a16="http://schemas.microsoft.com/office/drawing/2014/main" val="3455365349"/>
+                    <a16:rowId xmlns:a16="http://schemas.microsoft.com/office/drawing/2014/main" xmlns="" val="3455365349"/>
                   </a:ext>
                 </a:extLst>
               </a:tr>
@@ -35463,7 +35487,7 @@
                 </a:tc>
                 <a:extLst>
                   <a:ext uri="{0D108BD9-81ED-4DB2-BD59-A6C34878D82A}">
-                    <a16:rowId xmlns:a16="http://schemas.microsoft.com/office/drawing/2014/main" val="3167686984"/>
+                    <a16:rowId xmlns:a16="http://schemas.microsoft.com/office/drawing/2014/main" xmlns="" val="3167686984"/>
                   </a:ext>
                 </a:extLst>
               </a:tr>
@@ -35476,7 +35500,7 @@
           <p:cNvPr id="5" name="TextBox 4">
             <a:extLst>
               <a:ext uri="{FF2B5EF4-FFF2-40B4-BE49-F238E27FC236}">
-                <a16:creationId xmlns:a16="http://schemas.microsoft.com/office/drawing/2014/main" id="{B564BCA0-4BD1-DDE5-0720-B6D03104F9BB}"/>
+                <a16:creationId xmlns:a16="http://schemas.microsoft.com/office/drawing/2014/main" xmlns="" id="{B564BCA0-4BD1-DDE5-0720-B6D03104F9BB}"/>
               </a:ext>
             </a:extLst>
           </p:cNvPr>
@@ -35524,7 +35548,7 @@
           <p:cNvPr id="7" name="그림 6">
             <a:extLst>
               <a:ext uri="{FF2B5EF4-FFF2-40B4-BE49-F238E27FC236}">
-                <a16:creationId xmlns:a16="http://schemas.microsoft.com/office/drawing/2014/main" id="{A89D2447-F7BC-6FC0-38D2-2984D78F8706}"/>
+                <a16:creationId xmlns:a16="http://schemas.microsoft.com/office/drawing/2014/main" xmlns="" id="{A89D2447-F7BC-6FC0-38D2-2984D78F8706}"/>
               </a:ext>
             </a:extLst>
           </p:cNvPr>
@@ -35554,7 +35578,7 @@
           <p:cNvPr id="8" name="직선 화살표 연결선 7">
             <a:extLst>
               <a:ext uri="{FF2B5EF4-FFF2-40B4-BE49-F238E27FC236}">
-                <a16:creationId xmlns:a16="http://schemas.microsoft.com/office/drawing/2014/main" id="{4BC5E409-2331-11BF-D232-27FBDECAD6A2}"/>
+                <a16:creationId xmlns:a16="http://schemas.microsoft.com/office/drawing/2014/main" xmlns="" id="{4BC5E409-2331-11BF-D232-27FBDECAD6A2}"/>
               </a:ext>
             </a:extLst>
           </p:cNvPr>
@@ -35595,7 +35619,7 @@
           <p:cNvPr id="9" name="직사각형 8">
             <a:extLst>
               <a:ext uri="{FF2B5EF4-FFF2-40B4-BE49-F238E27FC236}">
-                <a16:creationId xmlns:a16="http://schemas.microsoft.com/office/drawing/2014/main" id="{35BA8761-02C6-785B-3CEF-3095C3E8D29D}"/>
+                <a16:creationId xmlns:a16="http://schemas.microsoft.com/office/drawing/2014/main" xmlns="" id="{35BA8761-02C6-785B-3CEF-3095C3E8D29D}"/>
               </a:ext>
             </a:extLst>
           </p:cNvPr>
@@ -35647,7 +35671,7 @@
           <p:cNvPr id="11" name="직선 화살표 연결선 10">
             <a:extLst>
               <a:ext uri="{FF2B5EF4-FFF2-40B4-BE49-F238E27FC236}">
-                <a16:creationId xmlns:a16="http://schemas.microsoft.com/office/drawing/2014/main" id="{F38F6344-5EEC-0ED5-3473-853588560356}"/>
+                <a16:creationId xmlns:a16="http://schemas.microsoft.com/office/drawing/2014/main" xmlns="" id="{F38F6344-5EEC-0ED5-3473-853588560356}"/>
               </a:ext>
             </a:extLst>
           </p:cNvPr>
@@ -35688,7 +35712,7 @@
           <p:cNvPr id="12" name="직사각형 11">
             <a:extLst>
               <a:ext uri="{FF2B5EF4-FFF2-40B4-BE49-F238E27FC236}">
-                <a16:creationId xmlns:a16="http://schemas.microsoft.com/office/drawing/2014/main" id="{A068EABF-67F4-E922-9316-A65F5BBA710B}"/>
+                <a16:creationId xmlns:a16="http://schemas.microsoft.com/office/drawing/2014/main" xmlns="" id="{A068EABF-67F4-E922-9316-A65F5BBA710B}"/>
               </a:ext>
             </a:extLst>
           </p:cNvPr>
@@ -35740,7 +35764,7 @@
           <p:cNvPr id="14" name="TextBox 13">
             <a:extLst>
               <a:ext uri="{FF2B5EF4-FFF2-40B4-BE49-F238E27FC236}">
-                <a16:creationId xmlns:a16="http://schemas.microsoft.com/office/drawing/2014/main" id="{B14C0058-70C3-2BC3-6365-3D0DBF0F8180}"/>
+                <a16:creationId xmlns:a16="http://schemas.microsoft.com/office/drawing/2014/main" xmlns="" id="{B14C0058-70C3-2BC3-6365-3D0DBF0F8180}"/>
               </a:ext>
             </a:extLst>
           </p:cNvPr>
@@ -35811,7 +35835,7 @@
           <p:cNvPr id="15" name="TextBox 14">
             <a:extLst>
               <a:ext uri="{FF2B5EF4-FFF2-40B4-BE49-F238E27FC236}">
-                <a16:creationId xmlns:a16="http://schemas.microsoft.com/office/drawing/2014/main" id="{09B85E6E-D72E-53BE-389B-F18E2ED4EB18}"/>
+                <a16:creationId xmlns:a16="http://schemas.microsoft.com/office/drawing/2014/main" xmlns="" id="{09B85E6E-D72E-53BE-389B-F18E2ED4EB18}"/>
               </a:ext>
             </a:extLst>
           </p:cNvPr>
@@ -35882,7 +35906,7 @@
           <p:cNvPr id="16" name="TextBox 15">
             <a:extLst>
               <a:ext uri="{FF2B5EF4-FFF2-40B4-BE49-F238E27FC236}">
-                <a16:creationId xmlns:a16="http://schemas.microsoft.com/office/drawing/2014/main" id="{79D79D6B-7414-CE0D-7514-7A9F1FC8C640}"/>
+                <a16:creationId xmlns:a16="http://schemas.microsoft.com/office/drawing/2014/main" xmlns="" id="{79D79D6B-7414-CE0D-7514-7A9F1FC8C640}"/>
               </a:ext>
             </a:extLst>
           </p:cNvPr>
@@ -35965,7 +35989,7 @@
           <p:cNvPr id="18" name="그림 17">
             <a:extLst>
               <a:ext uri="{FF2B5EF4-FFF2-40B4-BE49-F238E27FC236}">
-                <a16:creationId xmlns:a16="http://schemas.microsoft.com/office/drawing/2014/main" id="{6E19FA6E-17E1-D6E1-9243-DE40C8730C93}"/>
+                <a16:creationId xmlns:a16="http://schemas.microsoft.com/office/drawing/2014/main" xmlns="" id="{6E19FA6E-17E1-D6E1-9243-DE40C8730C93}"/>
               </a:ext>
             </a:extLst>
           </p:cNvPr>
@@ -35995,7 +36019,7 @@
           <p:cNvPr id="19" name="TextBox 18">
             <a:extLst>
               <a:ext uri="{FF2B5EF4-FFF2-40B4-BE49-F238E27FC236}">
-                <a16:creationId xmlns:a16="http://schemas.microsoft.com/office/drawing/2014/main" id="{D785C1AD-AB87-0726-FDD4-AB3278BA3549}"/>
+                <a16:creationId xmlns:a16="http://schemas.microsoft.com/office/drawing/2014/main" xmlns="" id="{D785C1AD-AB87-0726-FDD4-AB3278BA3549}"/>
               </a:ext>
             </a:extLst>
           </p:cNvPr>
